--- a/Slides/Sports Analytics 3/Sports_Analytics_3_Lecture.pptx
+++ b/Slides/Sports Analytics 3/Sports_Analytics_3_Lecture.pptx
@@ -5,7 +5,7 @@
     <p:sldMasterId id="2147483648" r:id="rId1"/>
   </p:sldMasterIdLst>
   <p:notesMasterIdLst>
-    <p:notesMasterId r:id="rId23"/>
+    <p:notesMasterId r:id="rId22"/>
   </p:notesMasterIdLst>
   <p:sldIdLst>
     <p:sldId id="256" r:id="rId2"/>
@@ -20,15 +20,14 @@
     <p:sldId id="286" r:id="rId11"/>
     <p:sldId id="287" r:id="rId12"/>
     <p:sldId id="290" r:id="rId13"/>
-    <p:sldId id="289" r:id="rId14"/>
-    <p:sldId id="292" r:id="rId15"/>
-    <p:sldId id="291" r:id="rId16"/>
-    <p:sldId id="293" r:id="rId17"/>
-    <p:sldId id="294" r:id="rId18"/>
-    <p:sldId id="295" r:id="rId19"/>
-    <p:sldId id="296" r:id="rId20"/>
-    <p:sldId id="297" r:id="rId21"/>
-    <p:sldId id="281" r:id="rId22"/>
+    <p:sldId id="291" r:id="rId14"/>
+    <p:sldId id="289" r:id="rId15"/>
+    <p:sldId id="292" r:id="rId16"/>
+    <p:sldId id="298" r:id="rId17"/>
+    <p:sldId id="299" r:id="rId18"/>
+    <p:sldId id="296" r:id="rId19"/>
+    <p:sldId id="297" r:id="rId20"/>
+    <p:sldId id="281" r:id="rId21"/>
   </p:sldIdLst>
   <p:sldSz cx="12192000" cy="6858000"/>
   <p:notesSz cx="6858000" cy="9144000"/>
@@ -217,7 +216,7 @@
           <a:p>
             <a:fld id="{C04E5E84-956F-4423-97B3-5936A6D8EEEE}" type="datetimeFigureOut">
               <a:rPr lang="en-US" smtClean="0"/>
-              <a:t>8/27/2019</a:t>
+              <a:t>8/17/2020</a:t>
             </a:fld>
             <a:endParaRPr lang="en-US"/>
           </a:p>
@@ -631,7 +630,7 @@
           <a:p>
             <a:fld id="{3881C039-66A3-4640-815B-3B5A8B7D868D}" type="datetimeFigureOut">
               <a:rPr lang="en-US" smtClean="0"/>
-              <a:t>8/27/2019</a:t>
+              <a:t>8/17/2020</a:t>
             </a:fld>
             <a:endParaRPr lang="en-US"/>
           </a:p>
@@ -829,7 +828,7 @@
           <a:p>
             <a:fld id="{3881C039-66A3-4640-815B-3B5A8B7D868D}" type="datetimeFigureOut">
               <a:rPr lang="en-US" smtClean="0"/>
-              <a:t>8/27/2019</a:t>
+              <a:t>8/17/2020</a:t>
             </a:fld>
             <a:endParaRPr lang="en-US"/>
           </a:p>
@@ -1037,7 +1036,7 @@
           <a:p>
             <a:fld id="{3881C039-66A3-4640-815B-3B5A8B7D868D}" type="datetimeFigureOut">
               <a:rPr lang="en-US" smtClean="0"/>
-              <a:t>8/27/2019</a:t>
+              <a:t>8/17/2020</a:t>
             </a:fld>
             <a:endParaRPr lang="en-US"/>
           </a:p>
@@ -1235,7 +1234,7 @@
           <a:p>
             <a:fld id="{3881C039-66A3-4640-815B-3B5A8B7D868D}" type="datetimeFigureOut">
               <a:rPr lang="en-US" smtClean="0"/>
-              <a:t>8/27/2019</a:t>
+              <a:t>8/17/2020</a:t>
             </a:fld>
             <a:endParaRPr lang="en-US"/>
           </a:p>
@@ -1510,7 +1509,7 @@
           <a:p>
             <a:fld id="{3881C039-66A3-4640-815B-3B5A8B7D868D}" type="datetimeFigureOut">
               <a:rPr lang="en-US" smtClean="0"/>
-              <a:t>8/27/2019</a:t>
+              <a:t>8/17/2020</a:t>
             </a:fld>
             <a:endParaRPr lang="en-US"/>
           </a:p>
@@ -1775,7 +1774,7 @@
           <a:p>
             <a:fld id="{3881C039-66A3-4640-815B-3B5A8B7D868D}" type="datetimeFigureOut">
               <a:rPr lang="en-US" smtClean="0"/>
-              <a:t>8/27/2019</a:t>
+              <a:t>8/17/2020</a:t>
             </a:fld>
             <a:endParaRPr lang="en-US"/>
           </a:p>
@@ -2187,7 +2186,7 @@
           <a:p>
             <a:fld id="{3881C039-66A3-4640-815B-3B5A8B7D868D}" type="datetimeFigureOut">
               <a:rPr lang="en-US" smtClean="0"/>
-              <a:t>8/27/2019</a:t>
+              <a:t>8/17/2020</a:t>
             </a:fld>
             <a:endParaRPr lang="en-US"/>
           </a:p>
@@ -2328,7 +2327,7 @@
           <a:p>
             <a:fld id="{3881C039-66A3-4640-815B-3B5A8B7D868D}" type="datetimeFigureOut">
               <a:rPr lang="en-US" smtClean="0"/>
-              <a:t>8/27/2019</a:t>
+              <a:t>8/17/2020</a:t>
             </a:fld>
             <a:endParaRPr lang="en-US"/>
           </a:p>
@@ -2441,7 +2440,7 @@
           <a:p>
             <a:fld id="{3881C039-66A3-4640-815B-3B5A8B7D868D}" type="datetimeFigureOut">
               <a:rPr lang="en-US" smtClean="0"/>
-              <a:t>8/27/2019</a:t>
+              <a:t>8/17/2020</a:t>
             </a:fld>
             <a:endParaRPr lang="en-US"/>
           </a:p>
@@ -2752,7 +2751,7 @@
           <a:p>
             <a:fld id="{3881C039-66A3-4640-815B-3B5A8B7D868D}" type="datetimeFigureOut">
               <a:rPr lang="en-US" smtClean="0"/>
-              <a:t>8/27/2019</a:t>
+              <a:t>8/17/2020</a:t>
             </a:fld>
             <a:endParaRPr lang="en-US"/>
           </a:p>
@@ -3040,7 +3039,7 @@
           <a:p>
             <a:fld id="{3881C039-66A3-4640-815B-3B5A8B7D868D}" type="datetimeFigureOut">
               <a:rPr lang="en-US" smtClean="0"/>
-              <a:t>8/27/2019</a:t>
+              <a:t>8/17/2020</a:t>
             </a:fld>
             <a:endParaRPr lang="en-US"/>
           </a:p>
@@ -3284,7 +3283,7 @@
           <a:p>
             <a:fld id="{3881C039-66A3-4640-815B-3B5A8B7D868D}" type="datetimeFigureOut">
               <a:rPr lang="en-US" smtClean="0"/>
-              <a:t>8/27/2019</a:t>
+              <a:t>8/17/2020</a:t>
             </a:fld>
             <a:endParaRPr lang="en-US"/>
           </a:p>
@@ -5934,7 +5933,7 @@
         <p:spPr>
           <a:xfrm>
             <a:off x="838199" y="2021248"/>
-            <a:ext cx="8107018" cy="4695905"/>
+            <a:ext cx="7379044" cy="4695905"/>
           </a:xfrm>
         </p:spPr>
         <p:txBody>
@@ -5964,7 +5963,7 @@
               <a:rPr lang="en-US" sz="2000" dirty="0">
                 <a:latin typeface="Selawik Semibold" panose="020B0702040204020203" pitchFamily="34" charset="0"/>
               </a:rPr>
-              <a:t>Senior Data Engineer for Event Dynamic</a:t>
+              <a:t>Quantitative Sports Researcher for SIG</a:t>
             </a:r>
           </a:p>
           <a:p>
@@ -5973,7 +5972,7 @@
               <a:rPr lang="en-US" sz="1800" dirty="0">
                 <a:latin typeface="Selawik Semibold" panose="020B0702040204020203" pitchFamily="34" charset="0"/>
               </a:rPr>
-              <a:t>Automated Ticket Pricing System</a:t>
+              <a:t>Build Statistical Forecasting Models</a:t>
             </a:r>
           </a:p>
           <a:p>
@@ -5982,7 +5981,7 @@
               <a:rPr lang="en-US" sz="1800" dirty="0">
                 <a:latin typeface="Selawik Semibold" panose="020B0702040204020203" pitchFamily="34" charset="0"/>
               </a:rPr>
-              <a:t>Bachelors/Masters Quantitative Field</a:t>
+              <a:t>Implement Models and Simulate Outcomes</a:t>
             </a:r>
           </a:p>
           <a:p>
@@ -5991,7 +5990,37 @@
               <a:rPr lang="en-US" sz="1800" dirty="0">
                 <a:latin typeface="Selawik Semibold" panose="020B0702040204020203" pitchFamily="34" charset="0"/>
               </a:rPr>
-              <a:t>Software Development (2 Years) and Python (1 Year)</a:t>
+              <a:t>Demonstrated Experience with Sports Analytics Projects</a:t>
+            </a:r>
+          </a:p>
+          <a:p>
+            <a:pPr lvl="2"/>
+            <a:r>
+              <a:rPr lang="en-US" sz="1800" dirty="0">
+                <a:latin typeface="Selawik Semibold" panose="020B0702040204020203" pitchFamily="34" charset="0"/>
+              </a:rPr>
+              <a:t>Python, C++, </a:t>
+            </a:r>
+            <a:r>
+              <a:rPr lang="en-US" sz="1800" dirty="0" err="1">
+                <a:latin typeface="Selawik Semibold" panose="020B0702040204020203" pitchFamily="34" charset="0"/>
+              </a:rPr>
+              <a:t>Matlab</a:t>
+            </a:r>
+            <a:r>
+              <a:rPr lang="en-US" sz="1800" dirty="0">
+                <a:latin typeface="Selawik Semibold" panose="020B0702040204020203" pitchFamily="34" charset="0"/>
+              </a:rPr>
+              <a:t> and/or R</a:t>
+            </a:r>
+          </a:p>
+          <a:p>
+            <a:pPr lvl="2"/>
+            <a:r>
+              <a:rPr lang="en-US" sz="1800" dirty="0">
+                <a:latin typeface="Selawik Semibold" panose="020B0702040204020203" pitchFamily="34" charset="0"/>
+              </a:rPr>
+              <a:t>PhD Preferred</a:t>
             </a:r>
           </a:p>
           <a:p>
@@ -6008,7 +6037,7 @@
               <a:rPr lang="en-US" sz="2000" dirty="0">
                 <a:latin typeface="Selawik Semibold" panose="020B0702040204020203" pitchFamily="34" charset="0"/>
               </a:rPr>
-              <a:t>Data Scientist for Legends</a:t>
+              <a:t>Analyst for the Cleveland Indians</a:t>
             </a:r>
           </a:p>
           <a:p>
@@ -6017,7 +6046,7 @@
               <a:rPr lang="en-US" sz="1800" dirty="0">
                 <a:latin typeface="Selawik Semibold" panose="020B0702040204020203" pitchFamily="34" charset="0"/>
               </a:rPr>
-              <a:t>Consulting for Professional and Collegiate Teams</a:t>
+              <a:t>Mission is to win a World Series (LOL)</a:t>
             </a:r>
           </a:p>
           <a:p>
@@ -6026,7 +6055,7 @@
               <a:rPr lang="en-US" sz="1800" dirty="0">
                 <a:latin typeface="Selawik Semibold" panose="020B0702040204020203" pitchFamily="34" charset="0"/>
               </a:rPr>
-              <a:t>Design and Supervision of Predictive Models</a:t>
+              <a:t>Design New Strategies, Tools, and Tactics</a:t>
             </a:r>
           </a:p>
           <a:p>
@@ -6035,7 +6064,7 @@
               <a:rPr lang="en-US" sz="1800" dirty="0">
                 <a:latin typeface="Selawik Semibold" panose="020B0702040204020203" pitchFamily="34" charset="0"/>
               </a:rPr>
-              <a:t>Bachelors Degree in Quantitative Field</a:t>
+              <a:t>Understand Statistics and Experience with Regression</a:t>
             </a:r>
           </a:p>
           <a:p>
@@ -6044,32 +6073,8 @@
               <a:rPr lang="en-US" sz="1800" dirty="0">
                 <a:latin typeface="Selawik Semibold" panose="020B0702040204020203" pitchFamily="34" charset="0"/>
               </a:rPr>
-              <a:t>Programming, Data Mining, Statistical Modeling (5 years)</a:t>
-            </a:r>
-          </a:p>
-          <a:p>
-            <a:pPr lvl="2"/>
-            <a:r>
-              <a:rPr lang="en-US" sz="1800" dirty="0">
-                <a:latin typeface="Selawik Semibold" panose="020B0702040204020203" pitchFamily="34" charset="0"/>
-              </a:rPr>
-              <a:t>SQL and R (&gt;5 years)</a:t>
-            </a:r>
-          </a:p>
-          <a:p>
-            <a:pPr lvl="2"/>
-            <a:r>
-              <a:rPr lang="en-US" sz="1800" dirty="0">
-                <a:latin typeface="Selawik Semibold" panose="020B0702040204020203" pitchFamily="34" charset="0"/>
-              </a:rPr>
-              <a:t>$100K - $500K</a:t>
-            </a:r>
-          </a:p>
-          <a:p>
-            <a:pPr lvl="2"/>
-            <a:endParaRPr lang="en-US" sz="1600" dirty="0">
-              <a:latin typeface="Selawik Semibold" panose="020B0702040204020203" pitchFamily="34" charset="0"/>
-            </a:endParaRPr>
+              <a:t>Tableau, SQL, and R</a:t>
+            </a:r>
           </a:p>
           <a:p>
             <a:pPr lvl="2"/>
@@ -6445,7 +6450,7 @@
     </p:spTree>
     <p:extLst>
       <p:ext uri="{BB962C8B-B14F-4D97-AF65-F5344CB8AC3E}">
-        <p14:creationId xmlns:p14="http://schemas.microsoft.com/office/powerpoint/2010/main" val="2082743496"/>
+        <p14:creationId xmlns:p14="http://schemas.microsoft.com/office/powerpoint/2010/main" val="3331566554"/>
       </p:ext>
     </p:extLst>
   </p:cSld>
@@ -6629,7 +6634,7 @@
               <a:rPr lang="en-US" sz="2000" dirty="0">
                 <a:latin typeface="Selawik Semibold" panose="020B0702040204020203" pitchFamily="34" charset="0"/>
               </a:rPr>
-              <a:t>Quantitative Analyst for the Philadelphia Eagles</a:t>
+              <a:t>Part-time Faculty for Syracuse</a:t>
             </a:r>
           </a:p>
           <a:p>
@@ -6638,7 +6643,7 @@
               <a:rPr lang="en-US" sz="1800" dirty="0">
                 <a:latin typeface="Selawik Semibold" panose="020B0702040204020203" pitchFamily="34" charset="0"/>
               </a:rPr>
-              <a:t>Front Office Applications</a:t>
+              <a:t>Introductory Sports Science Analytics</a:t>
             </a:r>
           </a:p>
           <a:p>
@@ -6647,20 +6652,13 @@
               <a:rPr lang="en-US" sz="1800" dirty="0">
                 <a:latin typeface="Selawik Semibold" panose="020B0702040204020203" pitchFamily="34" charset="0"/>
               </a:rPr>
-              <a:t>Player Development, Game Prep, Resource Allocation</a:t>
-            </a:r>
-          </a:p>
-          <a:p>
-            <a:pPr lvl="2"/>
-            <a:r>
-              <a:rPr lang="en-US" sz="1800" dirty="0">
-                <a:latin typeface="Selawik Semibold" panose="020B0702040204020203" pitchFamily="34" charset="0"/>
-              </a:rPr>
-              <a:t>Statistics, Machine Learning, Econometrics</a:t>
-            </a:r>
-          </a:p>
-          <a:p>
-            <a:pPr lvl="2"/>
+              <a:t>Master’s with 10+ Years Industry Experience</a:t>
+            </a:r>
+          </a:p>
+          <a:p>
+            <a:pPr marL="914400" lvl="2" indent="0">
+              <a:buNone/>
+            </a:pPr>
             <a:endParaRPr lang="en-US" sz="1600" dirty="0">
               <a:latin typeface="Selawik Semibold" panose="020B0702040204020203" pitchFamily="34" charset="0"/>
             </a:endParaRPr>
@@ -6671,7 +6669,19 @@
               <a:rPr lang="en-US" sz="2000" dirty="0">
                 <a:latin typeface="Selawik Semibold" panose="020B0702040204020203" pitchFamily="34" charset="0"/>
               </a:rPr>
-              <a:t>Data Scientist for Zelus Analytics</a:t>
+              <a:t>Strategy Analyst for </a:t>
+            </a:r>
+            <a:r>
+              <a:rPr lang="en-US" sz="2000" dirty="0" err="1">
+                <a:latin typeface="Selawik Semibold" panose="020B0702040204020203" pitchFamily="34" charset="0"/>
+              </a:rPr>
+              <a:t>Skillz</a:t>
+            </a:r>
+            <a:r>
+              <a:rPr lang="en-US" sz="2000" dirty="0">
+                <a:latin typeface="Selawik Semibold" panose="020B0702040204020203" pitchFamily="34" charset="0"/>
+              </a:rPr>
+              <a:t> Inc.</a:t>
             </a:r>
           </a:p>
           <a:p>
@@ -6680,7 +6690,7 @@
               <a:rPr lang="en-US" sz="1800" dirty="0">
                 <a:latin typeface="Selawik Semibold" panose="020B0702040204020203" pitchFamily="34" charset="0"/>
               </a:rPr>
-              <a:t>Help Professional Teams Win Championships</a:t>
+              <a:t>Accelerate the Convergence of Sports, Video Games, &amp; Media</a:t>
             </a:r>
           </a:p>
           <a:p>
@@ -6689,7 +6699,7 @@
               <a:rPr lang="en-US" sz="1800" dirty="0">
                 <a:latin typeface="Selawik Semibold" panose="020B0702040204020203" pitchFamily="34" charset="0"/>
               </a:rPr>
-              <a:t>Develop, Validate, and Automate Models</a:t>
+              <a:t>Run A/B Experiments to Optimize the User Experience</a:t>
             </a:r>
           </a:p>
           <a:p>
@@ -6698,7 +6708,7 @@
               <a:rPr lang="en-US" sz="1800" dirty="0">
                 <a:latin typeface="Selawik Semibold" panose="020B0702040204020203" pitchFamily="34" charset="0"/>
               </a:rPr>
-              <a:t>Attend Conferences and Review Research</a:t>
+              <a:t>Lead Analytics Projects</a:t>
             </a:r>
           </a:p>
           <a:p>
@@ -6707,7 +6717,7 @@
               <a:rPr lang="en-US" sz="1800" dirty="0">
                 <a:latin typeface="Selawik Semibold" panose="020B0702040204020203" pitchFamily="34" charset="0"/>
               </a:rPr>
-              <a:t>Bachelors in Quantitative Field</a:t>
+              <a:t>Honesty in Developing and Sharing Insights from User Data</a:t>
             </a:r>
           </a:p>
           <a:p>
@@ -6716,29 +6726,8 @@
               <a:rPr lang="en-US" sz="1800" dirty="0">
                 <a:latin typeface="Selawik Semibold" panose="020B0702040204020203" pitchFamily="34" charset="0"/>
               </a:rPr>
-              <a:t>R/Python/SQL</a:t>
-            </a:r>
-          </a:p>
-          <a:p>
-            <a:pPr lvl="2"/>
-            <a:r>
-              <a:rPr lang="en-US" sz="1800" dirty="0">
-                <a:latin typeface="Selawik Semibold" panose="020B0702040204020203" pitchFamily="34" charset="0"/>
-              </a:rPr>
-              <a:t>$80K - $110K</a:t>
-            </a:r>
-          </a:p>
-          <a:p>
-            <a:pPr lvl="1"/>
-            <a:endParaRPr lang="en-US" sz="1600" dirty="0">
-              <a:latin typeface="Selawik Semibold" panose="020B0702040204020203" pitchFamily="34" charset="0"/>
-            </a:endParaRPr>
-          </a:p>
-          <a:p>
-            <a:pPr lvl="2"/>
-            <a:endParaRPr lang="en-US" sz="1600" dirty="0">
-              <a:latin typeface="Selawik Semibold" panose="020B0702040204020203" pitchFamily="34" charset="0"/>
-            </a:endParaRPr>
+              <a:t>Experience Using Data Visualization Platforms</a:t>
+            </a:r>
           </a:p>
           <a:p>
             <a:pPr lvl="2"/>
@@ -7114,7 +7103,7 @@
     </p:spTree>
     <p:extLst>
       <p:ext uri="{BB962C8B-B14F-4D97-AF65-F5344CB8AC3E}">
-        <p14:creationId xmlns:p14="http://schemas.microsoft.com/office/powerpoint/2010/main" val="216376330"/>
+        <p14:creationId xmlns:p14="http://schemas.microsoft.com/office/powerpoint/2010/main" val="2082743496"/>
       </p:ext>
     </p:extLst>
   </p:cSld>
@@ -7298,7 +7287,7 @@
               <a:rPr lang="en-US" sz="2000" dirty="0">
                 <a:latin typeface="Selawik Semibold" panose="020B0702040204020203" pitchFamily="34" charset="0"/>
               </a:rPr>
-              <a:t>Data Scientist for the NBA</a:t>
+              <a:t>Sports Statistical Analyst for CBS</a:t>
             </a:r>
           </a:p>
           <a:p>
@@ -7307,7 +7296,7 @@
               <a:rPr lang="en-US" sz="1800" dirty="0">
                 <a:latin typeface="Selawik Semibold" panose="020B0702040204020203" pitchFamily="34" charset="0"/>
               </a:rPr>
-              <a:t>Referee Decision Making, Rule Changes, and Game Play</a:t>
+              <a:t>Synthesize Sports Data and Statistics</a:t>
             </a:r>
           </a:p>
           <a:p>
@@ -7316,7 +7305,7 @@
               <a:rPr lang="en-US" sz="1800" dirty="0">
                 <a:latin typeface="Selawik Semibold" panose="020B0702040204020203" pitchFamily="34" charset="0"/>
               </a:rPr>
-              <a:t>Exploratory Analyses of New Data Sources</a:t>
+              <a:t>Understand How Stats are Used to Make Predictions</a:t>
             </a:r>
           </a:p>
           <a:p>
@@ -7325,7 +7314,7 @@
               <a:rPr lang="en-US" sz="1800" dirty="0">
                 <a:latin typeface="Selawik Semibold" panose="020B0702040204020203" pitchFamily="34" charset="0"/>
               </a:rPr>
-              <a:t>Presentation and Communication of Statistical Findings</a:t>
+              <a:t>Season Long and Daily Fantasy Sports Player</a:t>
             </a:r>
           </a:p>
           <a:p>
@@ -7334,16 +7323,31 @@
               <a:rPr lang="en-US" sz="1800" dirty="0">
                 <a:latin typeface="Selawik Semibold" panose="020B0702040204020203" pitchFamily="34" charset="0"/>
               </a:rPr>
-              <a:t>R/Python/Regression/Machine Learning</a:t>
+              <a:t>Knowledge of Sports Betting and Handicapping Stats</a:t>
             </a:r>
           </a:p>
           <a:p>
             <a:pPr lvl="2"/>
+            <a:endParaRPr lang="en-US" sz="1600" dirty="0">
+              <a:latin typeface="Selawik Semibold" panose="020B0702040204020203" pitchFamily="34" charset="0"/>
+            </a:endParaRPr>
+          </a:p>
+          <a:p>
+            <a:pPr lvl="1"/>
+            <a:r>
+              <a:rPr lang="en-US" sz="2000" dirty="0">
+                <a:latin typeface="Selawik Semibold" panose="020B0702040204020203" pitchFamily="34" charset="0"/>
+              </a:rPr>
+              <a:t>Revenue and Forecasting Associate for FanDuel</a:t>
+            </a:r>
+          </a:p>
+          <a:p>
+            <a:pPr lvl="2"/>
             <a:r>
               <a:rPr lang="en-US" sz="1800" dirty="0">
                 <a:latin typeface="Selawik Semibold" panose="020B0702040204020203" pitchFamily="34" charset="0"/>
               </a:rPr>
-              <a:t>Data Visualization Software Like Shiny/Tableau</a:t>
+              <a:t>Forecast Daily Revenue and Historical Trends</a:t>
             </a:r>
           </a:p>
           <a:p>
@@ -7352,7 +7356,34 @@
               <a:rPr lang="en-US" sz="1800" dirty="0">
                 <a:latin typeface="Selawik Semibold" panose="020B0702040204020203" pitchFamily="34" charset="0"/>
               </a:rPr>
-              <a:t>Bachelors in Quantitative Discipline Required</a:t>
+              <a:t>Track Live Contest Performance</a:t>
+            </a:r>
+          </a:p>
+          <a:p>
+            <a:pPr lvl="2"/>
+            <a:r>
+              <a:rPr lang="en-US" sz="1800" dirty="0">
+                <a:latin typeface="Selawik Semibold" panose="020B0702040204020203" pitchFamily="34" charset="0"/>
+              </a:rPr>
+              <a:t>Create Dashboards and Reports for Stakeholders</a:t>
+            </a:r>
+          </a:p>
+          <a:p>
+            <a:pPr lvl="2"/>
+            <a:r>
+              <a:rPr lang="en-US" sz="1800" dirty="0">
+                <a:latin typeface="Selawik Semibold" panose="020B0702040204020203" pitchFamily="34" charset="0"/>
+              </a:rPr>
+              <a:t>Regression, Cohort Analysis, Clustering, A/B Testing</a:t>
+            </a:r>
+          </a:p>
+          <a:p>
+            <a:pPr lvl="2"/>
+            <a:r>
+              <a:rPr lang="en-US" sz="1800" dirty="0">
+                <a:latin typeface="Selawik Semibold" panose="020B0702040204020203" pitchFamily="34" charset="0"/>
+              </a:rPr>
+              <a:t>Experience with SQL, Excel, R, and/or Python</a:t>
             </a:r>
           </a:p>
           <a:p>
@@ -7362,40 +7393,10 @@
             </a:endParaRPr>
           </a:p>
           <a:p>
-            <a:pPr lvl="1"/>
-            <a:r>
-              <a:rPr lang="en-US" sz="2000" dirty="0">
-                <a:latin typeface="Selawik Semibold" panose="020B0702040204020203" pitchFamily="34" charset="0"/>
-              </a:rPr>
-              <a:t>Sports Research Manager for Turnkey Intelligence</a:t>
-            </a:r>
-          </a:p>
-          <a:p>
             <a:pPr lvl="2"/>
-            <a:r>
-              <a:rPr lang="en-US" sz="1800" dirty="0">
-                <a:latin typeface="Selawik Semibold" panose="020B0702040204020203" pitchFamily="34" charset="0"/>
-              </a:rPr>
-              <a:t>Manage Teams of Data Collectors for Consulting Projects</a:t>
-            </a:r>
-          </a:p>
-          <a:p>
-            <a:pPr lvl="2"/>
-            <a:r>
-              <a:rPr lang="en-US" sz="1800" dirty="0">
-                <a:latin typeface="Selawik Semibold" panose="020B0702040204020203" pitchFamily="34" charset="0"/>
-              </a:rPr>
-              <a:t>Leadership Skills</a:t>
-            </a:r>
-          </a:p>
-          <a:p>
-            <a:pPr lvl="2"/>
-            <a:r>
-              <a:rPr lang="en-US" sz="1800" dirty="0">
-                <a:latin typeface="Selawik Semibold" panose="020B0702040204020203" pitchFamily="34" charset="0"/>
-              </a:rPr>
-              <a:t>R/SAS Experience is a Plus</a:t>
-            </a:r>
+            <a:endParaRPr lang="en-US" sz="1600" dirty="0">
+              <a:latin typeface="Selawik Semibold" panose="020B0702040204020203" pitchFamily="34" charset="0"/>
+            </a:endParaRPr>
           </a:p>
           <a:p>
             <a:pPr lvl="2"/>
@@ -7771,7 +7772,7 @@
     </p:spTree>
     <p:extLst>
       <p:ext uri="{BB962C8B-B14F-4D97-AF65-F5344CB8AC3E}">
-        <p14:creationId xmlns:p14="http://schemas.microsoft.com/office/powerpoint/2010/main" val="3331566554"/>
+        <p14:creationId xmlns:p14="http://schemas.microsoft.com/office/powerpoint/2010/main" val="216376330"/>
       </p:ext>
     </p:extLst>
   </p:cSld>
@@ -7955,58 +7956,78 @@
               <a:rPr lang="en-US" sz="2000" dirty="0">
                 <a:latin typeface="Selawik Semibold" panose="020B0702040204020203" pitchFamily="34" charset="0"/>
               </a:rPr>
-              <a:t>Business Analytics Data Scientist for Carolina Panthers</a:t>
-            </a:r>
-          </a:p>
-          <a:p>
-            <a:pPr lvl="2"/>
-            <a:r>
-              <a:rPr lang="en-US" sz="1800" dirty="0">
-                <a:latin typeface="Selawik Semibold" panose="020B0702040204020203" pitchFamily="34" charset="0"/>
-              </a:rPr>
-              <a:t>Lead Data Science Initiatives and Marketing Strategy</a:t>
-            </a:r>
-          </a:p>
-          <a:p>
-            <a:pPr lvl="2"/>
-            <a:r>
-              <a:rPr lang="en-US" sz="1800" dirty="0">
-                <a:latin typeface="Selawik Semibold" panose="020B0702040204020203" pitchFamily="34" charset="0"/>
-              </a:rPr>
-              <a:t>Analytic Projects Using Python/SQL/Visualization</a:t>
-            </a:r>
-          </a:p>
-          <a:p>
-            <a:pPr lvl="2"/>
-            <a:r>
-              <a:rPr lang="en-US" sz="1800" dirty="0">
-                <a:latin typeface="Selawik Semibold" panose="020B0702040204020203" pitchFamily="34" charset="0"/>
-              </a:rPr>
-              <a:t>Bachelors Degree and 5 Years Experience</a:t>
-            </a:r>
-          </a:p>
-          <a:p>
-            <a:pPr lvl="2"/>
-            <a:r>
-              <a:rPr lang="en-US" sz="1800" dirty="0">
-                <a:latin typeface="Selawik Semibold" panose="020B0702040204020203" pitchFamily="34" charset="0"/>
-              </a:rPr>
-              <a:t>Masters Degree in Statistics or Economics Preferred</a:t>
-            </a:r>
-          </a:p>
-          <a:p>
-            <a:pPr lvl="1"/>
-            <a:endParaRPr lang="en-US" sz="2200" dirty="0">
+              <a:t>Quantitative Ticket Trader and Analyst for </a:t>
+            </a:r>
+            <a:r>
+              <a:rPr lang="en-US" sz="2000" dirty="0" err="1">
+                <a:latin typeface="Selawik Semibold" panose="020B0702040204020203" pitchFamily="34" charset="0"/>
+              </a:rPr>
+              <a:t>SeatSnob</a:t>
+            </a:r>
+            <a:endParaRPr lang="en-US" sz="2000" dirty="0">
               <a:latin typeface="Selawik Semibold" panose="020B0702040204020203" pitchFamily="34" charset="0"/>
             </a:endParaRPr>
           </a:p>
           <a:p>
+            <a:pPr lvl="2"/>
+            <a:r>
+              <a:rPr lang="en-US" sz="1800" dirty="0">
+                <a:latin typeface="Selawik Semibold" panose="020B0702040204020203" pitchFamily="34" charset="0"/>
+              </a:rPr>
+              <a:t>Use Analytics Platform to Identify Buying Opportunities</a:t>
+            </a:r>
+          </a:p>
+          <a:p>
+            <a:pPr lvl="2"/>
+            <a:r>
+              <a:rPr lang="en-US" sz="1800" dirty="0">
+                <a:latin typeface="Selawik Semibold" panose="020B0702040204020203" pitchFamily="34" charset="0"/>
+              </a:rPr>
+              <a:t>Improve and Refine Quantitative Tools</a:t>
+            </a:r>
+          </a:p>
+          <a:p>
+            <a:pPr lvl="2"/>
+            <a:r>
+              <a:rPr lang="en-US" sz="1800" dirty="0">
+                <a:latin typeface="Selawik Semibold" panose="020B0702040204020203" pitchFamily="34" charset="0"/>
+              </a:rPr>
+              <a:t>Bachelor’s with Strong Numerical/Quantitative Skills</a:t>
+            </a:r>
+          </a:p>
+          <a:p>
+            <a:pPr lvl="2"/>
+            <a:r>
+              <a:rPr lang="en-US" sz="1800" dirty="0">
+                <a:latin typeface="Selawik Semibold" panose="020B0702040204020203" pitchFamily="34" charset="0"/>
+              </a:rPr>
+              <a:t>Strong in Excel</a:t>
+            </a:r>
+          </a:p>
+          <a:p>
+            <a:pPr lvl="2"/>
+            <a:r>
+              <a:rPr lang="en-US" sz="1800" dirty="0">
+                <a:latin typeface="Selawik Semibold" panose="020B0702040204020203" pitchFamily="34" charset="0"/>
+              </a:rPr>
+              <a:t>Knowledge of R/Python</a:t>
+            </a:r>
+          </a:p>
+          <a:p>
+            <a:pPr marL="457200" lvl="1" indent="0">
+              <a:buNone/>
+            </a:pPr>
+            <a:endParaRPr lang="en-US" sz="1600" dirty="0">
+              <a:latin typeface="Selawik Semibold" panose="020B0702040204020203" pitchFamily="34" charset="0"/>
+            </a:endParaRPr>
+          </a:p>
+          <a:p>
             <a:pPr lvl="1"/>
             <a:r>
               <a:rPr lang="en-US" sz="2000" dirty="0">
                 <a:latin typeface="Selawik Semibold" panose="020B0702040204020203" pitchFamily="34" charset="0"/>
               </a:rPr>
-              <a:t>Data Engineer for Disney Streaming Services</a:t>
+              <a:t>Valuation &amp; Analytics Intern at IPG360</a:t>
             </a:r>
           </a:p>
           <a:p>
@@ -8015,7 +8036,7 @@
               <a:rPr lang="en-US" sz="1800" dirty="0">
                 <a:latin typeface="Selawik Semibold" panose="020B0702040204020203" pitchFamily="34" charset="0"/>
               </a:rPr>
-              <a:t>Includes ESPN+, MLB.TV, and NHL.TV</a:t>
+              <a:t>Build Content Database for Quarterly Insights Report</a:t>
             </a:r>
           </a:p>
           <a:p>
@@ -8024,7 +8045,7 @@
               <a:rPr lang="en-US" sz="1800" dirty="0">
                 <a:latin typeface="Selawik Semibold" panose="020B0702040204020203" pitchFamily="34" charset="0"/>
               </a:rPr>
-              <a:t>Collect, Analyze, and Distribute Data for Transparency</a:t>
+              <a:t>Market and Industry Research Assistance</a:t>
             </a:r>
           </a:p>
           <a:p>
@@ -8033,17 +8054,14 @@
               <a:rPr lang="en-US" sz="1800" dirty="0">
                 <a:latin typeface="Selawik Semibold" panose="020B0702040204020203" pitchFamily="34" charset="0"/>
               </a:rPr>
-              <a:t>Data Inventory and Data Cleaning</a:t>
+              <a:t>3.0 GPA and Strong Software Skills (Microsoft Office)</a:t>
             </a:r>
           </a:p>
           <a:p>
             <a:pPr lvl="2"/>
-            <a:r>
-              <a:rPr lang="en-US" sz="1800" dirty="0">
-                <a:latin typeface="Selawik Semibold" panose="020B0702040204020203" pitchFamily="34" charset="0"/>
-              </a:rPr>
-              <a:t>Python (2 to 3 Years)/Spark/Cloud-hosted Databases</a:t>
-            </a:r>
+            <a:endParaRPr lang="en-US" sz="1600" dirty="0">
+              <a:latin typeface="Selawik Semibold" panose="020B0702040204020203" pitchFamily="34" charset="0"/>
+            </a:endParaRPr>
           </a:p>
           <a:p>
             <a:endParaRPr lang="en-US" sz="2400" dirty="0">
@@ -8413,7 +8431,7 @@
     </p:spTree>
     <p:extLst>
       <p:ext uri="{BB962C8B-B14F-4D97-AF65-F5344CB8AC3E}">
-        <p14:creationId xmlns:p14="http://schemas.microsoft.com/office/powerpoint/2010/main" val="3776900980"/>
+        <p14:creationId xmlns:p14="http://schemas.microsoft.com/office/powerpoint/2010/main" val="3373734877"/>
       </p:ext>
     </p:extLst>
   </p:cSld>
@@ -8597,7 +8615,19 @@
               <a:rPr lang="en-US" sz="2000" dirty="0">
                 <a:latin typeface="Selawik Semibold" panose="020B0702040204020203" pitchFamily="34" charset="0"/>
               </a:rPr>
-              <a:t>Business Analytics Intern for Arizona Coyotes</a:t>
+              <a:t>Associate Data Scientist for </a:t>
+            </a:r>
+            <a:r>
+              <a:rPr lang="en-US" sz="2000" dirty="0" err="1">
+                <a:latin typeface="Selawik Semibold" panose="020B0702040204020203" pitchFamily="34" charset="0"/>
+              </a:rPr>
+              <a:t>Tokio</a:t>
+            </a:r>
+            <a:r>
+              <a:rPr lang="en-US" sz="2000" dirty="0">
+                <a:latin typeface="Selawik Semibold" panose="020B0702040204020203" pitchFamily="34" charset="0"/>
+              </a:rPr>
+              <a:t> Marine HCC</a:t>
             </a:r>
           </a:p>
           <a:p>
@@ -8606,7 +8636,7 @@
               <a:rPr lang="en-US" sz="1800" dirty="0">
                 <a:latin typeface="Selawik Semibold" panose="020B0702040204020203" pitchFamily="34" charset="0"/>
               </a:rPr>
-              <a:t>Assist Analytics Team with Statistical Projects</a:t>
+              <a:t>Provide Specialized Insurance Products for Sports</a:t>
             </a:r>
           </a:p>
           <a:p>
@@ -8615,7 +8645,7 @@
               <a:rPr lang="en-US" sz="1800" dirty="0">
                 <a:latin typeface="Selawik Semibold" panose="020B0702040204020203" pitchFamily="34" charset="0"/>
               </a:rPr>
-              <a:t>Upper Level Undergrad or Graduate Student</a:t>
+              <a:t>Disciplines: Business, Math, and IT</a:t>
             </a:r>
           </a:p>
           <a:p>
@@ -8624,68 +8654,43 @@
               <a:rPr lang="en-US" sz="1800" dirty="0">
                 <a:latin typeface="Selawik Semibold" panose="020B0702040204020203" pitchFamily="34" charset="0"/>
               </a:rPr>
-              <a:t>R/Python/SQL/Tableau/Microsoft Dynamics</a:t>
-            </a:r>
-          </a:p>
-          <a:p>
-            <a:pPr lvl="1"/>
-            <a:endParaRPr lang="en-US" sz="2200" dirty="0">
+              <a:t>Tied to Actuarial Topics and Ideas</a:t>
+            </a:r>
+          </a:p>
+          <a:p>
+            <a:pPr lvl="2"/>
+            <a:r>
+              <a:rPr lang="en-US" sz="1800" dirty="0">
+                <a:latin typeface="Selawik Semibold" panose="020B0702040204020203" pitchFamily="34" charset="0"/>
+              </a:rPr>
+              <a:t>Python, R, SQL, JSON, XML, C#, Excel, and VBA</a:t>
+            </a:r>
+          </a:p>
+          <a:p>
+            <a:pPr lvl="2"/>
+            <a:r>
+              <a:rPr lang="en-US" sz="1800" dirty="0">
+                <a:latin typeface="Selawik Semibold" panose="020B0702040204020203" pitchFamily="34" charset="0"/>
+              </a:rPr>
+              <a:t>Data Visualization Technologies</a:t>
+            </a:r>
+          </a:p>
+          <a:p>
+            <a:pPr lvl="2"/>
+            <a:r>
+              <a:rPr lang="en-US" sz="1800" dirty="0">
+                <a:latin typeface="Selawik Semibold" panose="020B0702040204020203" pitchFamily="34" charset="0"/>
+              </a:rPr>
+              <a:t>Bachelor’s Degree</a:t>
+            </a:r>
+            <a:endParaRPr lang="en-US" sz="1600" dirty="0">
               <a:latin typeface="Selawik Semibold" panose="020B0702040204020203" pitchFamily="34" charset="0"/>
             </a:endParaRPr>
           </a:p>
           <a:p>
-            <a:pPr lvl="1"/>
-            <a:r>
-              <a:rPr lang="en-US" sz="2000" dirty="0">
-                <a:latin typeface="Selawik Semibold" panose="020B0702040204020203" pitchFamily="34" charset="0"/>
-              </a:rPr>
-              <a:t>Research Analyst for Bleacher Report</a:t>
-            </a:r>
-          </a:p>
-          <a:p>
-            <a:pPr lvl="2"/>
-            <a:r>
-              <a:rPr lang="en-US" sz="1800" dirty="0">
-                <a:latin typeface="Selawik Semibold" panose="020B0702040204020203" pitchFamily="34" charset="0"/>
-              </a:rPr>
-              <a:t>Analyze Ad Effectiveness</a:t>
-            </a:r>
-          </a:p>
-          <a:p>
-            <a:pPr lvl="2"/>
-            <a:r>
-              <a:rPr lang="en-US" sz="1800" dirty="0">
-                <a:latin typeface="Selawik Semibold" panose="020B0702040204020203" pitchFamily="34" charset="0"/>
-              </a:rPr>
-              <a:t>Mine, Analyze, and Deliver Insights from Campaigns</a:t>
-            </a:r>
-          </a:p>
-          <a:p>
-            <a:pPr lvl="2"/>
-            <a:r>
-              <a:rPr lang="en-US" sz="1800" dirty="0">
-                <a:latin typeface="Selawik Semibold" panose="020B0702040204020203" pitchFamily="34" charset="0"/>
-              </a:rPr>
-              <a:t>Quantitative/Qualitative Research Experience (1-2 Years)</a:t>
-            </a:r>
-          </a:p>
-          <a:p>
-            <a:pPr lvl="2"/>
-            <a:r>
-              <a:rPr lang="en-US" sz="1800" dirty="0">
-                <a:latin typeface="Selawik Semibold" panose="020B0702040204020203" pitchFamily="34" charset="0"/>
-              </a:rPr>
-              <a:t>R/Tableau/SPSS/SQL</a:t>
-            </a:r>
-          </a:p>
-          <a:p>
-            <a:pPr lvl="2"/>
-            <a:r>
-              <a:rPr lang="en-US" sz="1800" dirty="0">
-                <a:latin typeface="Selawik Semibold" panose="020B0702040204020203" pitchFamily="34" charset="0"/>
-              </a:rPr>
-              <a:t>Analytical, Editorial, Communication skills</a:t>
-            </a:r>
+            <a:endParaRPr lang="en-US" sz="2400" dirty="0">
+              <a:latin typeface="Selawik Semibold" panose="020B0702040204020203" pitchFamily="34" charset="0"/>
+            </a:endParaRPr>
           </a:p>
           <a:p>
             <a:pPr lvl="1"/>
@@ -9050,7 +9055,7 @@
     </p:spTree>
     <p:extLst>
       <p:ext uri="{BB962C8B-B14F-4D97-AF65-F5344CB8AC3E}">
-        <p14:creationId xmlns:p14="http://schemas.microsoft.com/office/powerpoint/2010/main" val="2082699976"/>
+        <p14:creationId xmlns:p14="http://schemas.microsoft.com/office/powerpoint/2010/main" val="1863202342"/>
       </p:ext>
     </p:extLst>
   </p:cSld>
@@ -9204,12 +9209,12 @@
         <p:spPr>
           <a:xfrm>
             <a:off x="838199" y="2021248"/>
-            <a:ext cx="8107018" cy="4695905"/>
+            <a:ext cx="7102643" cy="4695905"/>
           </a:xfrm>
         </p:spPr>
         <p:txBody>
           <a:bodyPr>
-            <a:normAutofit lnSpcReduction="10000"/>
+            <a:normAutofit/>
           </a:bodyPr>
           <a:lstStyle/>
           <a:p>
@@ -9217,14 +9222,14 @@
               <a:rPr lang="en-US" sz="2400" dirty="0">
                 <a:latin typeface="Selawik Semibold" panose="020B0702040204020203" pitchFamily="34" charset="0"/>
               </a:rPr>
-              <a:t>Real Jobs (Indeed)</a:t>
+              <a:t>Conferences </a:t>
             </a:r>
           </a:p>
           <a:p>
             <a:pPr marL="0" indent="0">
               <a:buNone/>
             </a:pPr>
-            <a:endParaRPr lang="en-US" sz="2400" dirty="0">
+            <a:endParaRPr lang="en-US" sz="1100" dirty="0">
               <a:latin typeface="Selawik Semibold" panose="020B0702040204020203" pitchFamily="34" charset="0"/>
             </a:endParaRPr>
           </a:p>
@@ -9234,7 +9239,7 @@
               <a:rPr lang="en-US" sz="2000" dirty="0">
                 <a:latin typeface="Selawik Semibold" panose="020B0702040204020203" pitchFamily="34" charset="0"/>
               </a:rPr>
-              <a:t>Sports Data Scientist for Awesomo.com</a:t>
+              <a:t>September</a:t>
             </a:r>
           </a:p>
           <a:p>
@@ -9243,7 +9248,7 @@
               <a:rPr lang="en-US" sz="1800" dirty="0">
                 <a:latin typeface="Selawik Semibold" panose="020B0702040204020203" pitchFamily="34" charset="0"/>
               </a:rPr>
-              <a:t>Track Performance of Models for Fantasy Sports</a:t>
+              <a:t>Football Analytics and Performance Summit in Vienna </a:t>
             </a:r>
           </a:p>
           <a:p>
@@ -9252,7 +9257,7 @@
               <a:rPr lang="en-US" sz="1800" dirty="0">
                 <a:latin typeface="Selawik Semibold" panose="020B0702040204020203" pitchFamily="34" charset="0"/>
               </a:rPr>
-              <a:t>Development of New Fantasy Sports Products</a:t>
+              <a:t>RIT Sports Analytics Conference in Rochester, NY</a:t>
             </a:r>
           </a:p>
           <a:p>
@@ -9261,30 +9266,12 @@
               <a:rPr lang="en-US" sz="1800" dirty="0">
                 <a:latin typeface="Selawik Semibold" panose="020B0702040204020203" pitchFamily="34" charset="0"/>
               </a:rPr>
-              <a:t>Develop New Statistics to Predict Performance</a:t>
+              <a:t>New England Symposium on Statistics in Sports in Cambridge, MA</a:t>
             </a:r>
           </a:p>
           <a:p>
             <a:pPr lvl="2"/>
-            <a:r>
-              <a:rPr lang="en-US" sz="1800" dirty="0">
-                <a:latin typeface="Selawik Semibold" panose="020B0702040204020203" pitchFamily="34" charset="0"/>
-              </a:rPr>
-              <a:t>Excel and Linear Regressions</a:t>
-            </a:r>
-          </a:p>
-          <a:p>
-            <a:pPr lvl="2"/>
-            <a:r>
-              <a:rPr lang="en-US" sz="1800" dirty="0">
-                <a:latin typeface="Selawik Semibold" panose="020B0702040204020203" pitchFamily="34" charset="0"/>
-              </a:rPr>
-              <a:t>$50K-$100K</a:t>
-            </a:r>
-          </a:p>
-          <a:p>
-            <a:pPr lvl="1"/>
-            <a:endParaRPr lang="en-US" sz="2200" dirty="0">
+            <a:endParaRPr lang="en-US" sz="1600" dirty="0">
               <a:latin typeface="Selawik Semibold" panose="020B0702040204020203" pitchFamily="34" charset="0"/>
             </a:endParaRPr>
           </a:p>
@@ -9294,7 +9281,7 @@
               <a:rPr lang="en-US" sz="2000" dirty="0">
                 <a:latin typeface="Selawik Semibold" panose="020B0702040204020203" pitchFamily="34" charset="0"/>
               </a:rPr>
-              <a:t>Senior Manager in Data Science for FanDuel</a:t>
+              <a:t>October</a:t>
             </a:r>
           </a:p>
           <a:p>
@@ -9303,7 +9290,7 @@
               <a:rPr lang="en-US" sz="1800" dirty="0">
                 <a:latin typeface="Selawik Semibold" panose="020B0702040204020203" pitchFamily="34" charset="0"/>
               </a:rPr>
-              <a:t>Coach Team of Data Scientists for Company Projects</a:t>
+              <a:t>Great Lakes Analytics Conference in Stevens Point, WI</a:t>
             </a:r>
           </a:p>
           <a:p>
@@ -9312,7 +9299,7 @@
               <a:rPr lang="en-US" sz="1800" dirty="0">
                 <a:latin typeface="Selawik Semibold" panose="020B0702040204020203" pitchFamily="34" charset="0"/>
               </a:rPr>
-              <a:t>Masters/PhD in Quantitative Field</a:t>
+              <a:t>Texas Sports Analytics Conference in Dallas</a:t>
             </a:r>
           </a:p>
           <a:p>
@@ -9321,7 +9308,7 @@
               <a:rPr lang="en-US" sz="1800" dirty="0">
                 <a:latin typeface="Selawik Semibold" panose="020B0702040204020203" pitchFamily="34" charset="0"/>
               </a:rPr>
-              <a:t>Machine Learning/Bayesian Statistics/Time Series Methods</a:t>
+              <a:t>UConn Sports Analytics Conference in Storrs, CT</a:t>
             </a:r>
           </a:p>
           <a:p>
@@ -9330,35 +9317,8 @@
               <a:rPr lang="en-US" sz="1800" dirty="0">
                 <a:latin typeface="Selawik Semibold" panose="020B0702040204020203" pitchFamily="34" charset="0"/>
               </a:rPr>
-              <a:t>Python/SQL/AWS/GitHub</a:t>
-            </a:r>
-          </a:p>
-          <a:p>
-            <a:pPr lvl="2"/>
-            <a:r>
-              <a:rPr lang="en-US" sz="1800" dirty="0">
-                <a:latin typeface="Selawik Semibold" panose="020B0702040204020203" pitchFamily="34" charset="0"/>
-              </a:rPr>
-              <a:t>Data Science Team (5 Years)</a:t>
-            </a:r>
-          </a:p>
-          <a:p>
-            <a:pPr lvl="1"/>
-            <a:endParaRPr lang="en-US" sz="2000" dirty="0">
-              <a:latin typeface="Selawik Semibold" panose="020B0702040204020203" pitchFamily="34" charset="0"/>
-            </a:endParaRPr>
-          </a:p>
-          <a:p>
-            <a:pPr lvl="2"/>
-            <a:endParaRPr lang="en-US" sz="1800" dirty="0">
-              <a:latin typeface="Selawik Semibold" panose="020B0702040204020203" pitchFamily="34" charset="0"/>
-            </a:endParaRPr>
-          </a:p>
-          <a:p>
-            <a:pPr lvl="1"/>
-            <a:endParaRPr lang="en-US" sz="2200" dirty="0">
-              <a:latin typeface="Selawik Semibold" panose="020B0702040204020203" pitchFamily="34" charset="0"/>
-            </a:endParaRPr>
+              <a:t>Japan Sports Analytics Conference in Tokyo</a:t>
+            </a:r>
           </a:p>
         </p:txBody>
       </p:sp>
@@ -9702,10 +9662,46 @@
           </a:p>
         </p:txBody>
       </p:sp>
+      <p:sp>
+        <p:nvSpPr>
+          <p:cNvPr id="3" name="TextBox 2">
+            <a:extLst>
+              <a:ext uri="{FF2B5EF4-FFF2-40B4-BE49-F238E27FC236}">
+                <a16:creationId xmlns:a16="http://schemas.microsoft.com/office/drawing/2014/main" id="{8044F9F7-5205-4FC0-8642-6E1BDFC2171E}"/>
+              </a:ext>
+            </a:extLst>
+          </p:cNvPr>
+          <p:cNvSpPr txBox="1"/>
+          <p:nvPr/>
+        </p:nvSpPr>
+        <p:spPr>
+          <a:xfrm>
+            <a:off x="529389" y="6298525"/>
+            <a:ext cx="8713057" cy="400110"/>
+          </a:xfrm>
+          <a:prstGeom prst="rect">
+            <a:avLst/>
+          </a:prstGeom>
+          <a:noFill/>
+        </p:spPr>
+        <p:txBody>
+          <a:bodyPr wrap="square" rtlCol="0">
+            <a:spAutoFit/>
+          </a:bodyPr>
+          <a:lstStyle/>
+          <a:p>
+            <a:pPr algn="r"/>
+            <a:r>
+              <a:rPr lang="en-US" sz="2000" dirty="0"/>
+              <a:t>Compiled by statsheetstuffers.com and sportsanalyticsconferences.com</a:t>
+            </a:r>
+          </a:p>
+        </p:txBody>
+      </p:sp>
     </p:spTree>
     <p:extLst>
       <p:ext uri="{BB962C8B-B14F-4D97-AF65-F5344CB8AC3E}">
-        <p14:creationId xmlns:p14="http://schemas.microsoft.com/office/powerpoint/2010/main" val="2310204880"/>
+        <p14:creationId xmlns:p14="http://schemas.microsoft.com/office/powerpoint/2010/main" val="866404210"/>
       </p:ext>
     </p:extLst>
   </p:cSld>
@@ -9859,7 +9855,7 @@
         <p:spPr>
           <a:xfrm>
             <a:off x="838199" y="2021248"/>
-            <a:ext cx="7102643" cy="4695905"/>
+            <a:ext cx="7547812" cy="4695905"/>
           </a:xfrm>
         </p:spPr>
         <p:txBody>
@@ -9872,14 +9868,14 @@
               <a:rPr lang="en-US" sz="2400" dirty="0">
                 <a:latin typeface="Selawik Semibold" panose="020B0702040204020203" pitchFamily="34" charset="0"/>
               </a:rPr>
-              <a:t>Conferences </a:t>
+              <a:t>Conferences</a:t>
             </a:r>
           </a:p>
           <a:p>
             <a:pPr marL="0" indent="0">
               <a:buNone/>
             </a:pPr>
-            <a:endParaRPr lang="en-US" sz="1100" dirty="0">
+            <a:endParaRPr lang="en-US" sz="800" dirty="0">
               <a:latin typeface="Selawik Semibold" panose="020B0702040204020203" pitchFamily="34" charset="0"/>
             </a:endParaRPr>
           </a:p>
@@ -9889,7 +9885,7 @@
               <a:rPr lang="en-US" sz="2000" dirty="0">
                 <a:latin typeface="Selawik Semibold" panose="020B0702040204020203" pitchFamily="34" charset="0"/>
               </a:rPr>
-              <a:t>September</a:t>
+              <a:t>November</a:t>
             </a:r>
           </a:p>
           <a:p>
@@ -9898,7 +9894,7 @@
               <a:rPr lang="en-US" sz="1800" dirty="0">
                 <a:latin typeface="Selawik Semibold" panose="020B0702040204020203" pitchFamily="34" charset="0"/>
               </a:rPr>
-              <a:t>Football Analytics and Performance Summit in Vienna </a:t>
+              <a:t>Carnegie Mellon Sports Analytics Conference in Pittsburgh, PA</a:t>
             </a:r>
           </a:p>
           <a:p>
@@ -9907,7 +9903,7 @@
               <a:rPr lang="en-US" sz="1800" dirty="0">
                 <a:latin typeface="Selawik Semibold" panose="020B0702040204020203" pitchFamily="34" charset="0"/>
               </a:rPr>
-              <a:t>RIT Sports Analytics Conference in Rochester, NY</a:t>
+              <a:t>Ottawa Hockey Analytics at Carleton in Ottawa</a:t>
             </a:r>
           </a:p>
           <a:p>
@@ -9916,12 +9912,35 @@
               <a:rPr lang="en-US" sz="1800" dirty="0">
                 <a:latin typeface="Selawik Semibold" panose="020B0702040204020203" pitchFamily="34" charset="0"/>
               </a:rPr>
-              <a:t>New England Symposium on Statistics in Sports in Cambridge, MA</a:t>
+              <a:t>Midwest Sports Analytics Meeting in </a:t>
+            </a:r>
+            <a:r>
+              <a:rPr lang="en-US" sz="1800" dirty="0" err="1">
+                <a:latin typeface="Selawik Semibold" panose="020B0702040204020203" pitchFamily="34" charset="0"/>
+              </a:rPr>
+              <a:t>Pelle</a:t>
+            </a:r>
+            <a:r>
+              <a:rPr lang="en-US" sz="1800" dirty="0">
+                <a:latin typeface="Selawik Semibold" panose="020B0702040204020203" pitchFamily="34" charset="0"/>
+              </a:rPr>
+              <a:t>, IA</a:t>
             </a:r>
           </a:p>
           <a:p>
             <a:pPr lvl="2"/>
-            <a:endParaRPr lang="en-US" sz="1600" dirty="0">
+            <a:r>
+              <a:rPr lang="en-US" sz="1800" dirty="0">
+                <a:latin typeface="Selawik Semibold" panose="020B0702040204020203" pitchFamily="34" charset="0"/>
+              </a:rPr>
+              <a:t>United Kingdom Sports Analytics Conference in London</a:t>
+            </a:r>
+          </a:p>
+          <a:p>
+            <a:pPr marL="914400" lvl="2" indent="0">
+              <a:buNone/>
+            </a:pPr>
+            <a:endParaRPr lang="en-US" sz="800" dirty="0">
               <a:latin typeface="Selawik Semibold" panose="020B0702040204020203" pitchFamily="34" charset="0"/>
             </a:endParaRPr>
           </a:p>
@@ -9931,7 +9950,7 @@
               <a:rPr lang="en-US" sz="2000" dirty="0">
                 <a:latin typeface="Selawik Semibold" panose="020B0702040204020203" pitchFamily="34" charset="0"/>
               </a:rPr>
-              <a:t>October</a:t>
+              <a:t>December</a:t>
             </a:r>
           </a:p>
           <a:p>
@@ -9940,7 +9959,33 @@
               <a:rPr lang="en-US" sz="1800" dirty="0">
                 <a:latin typeface="Selawik Semibold" panose="020B0702040204020203" pitchFamily="34" charset="0"/>
               </a:rPr>
-              <a:t>Great Lakes Analytics Conference in Stevens Point, WI</a:t>
+              <a:t>Midwest Sports Biometrics Conference in San </a:t>
+            </a:r>
+            <a:r>
+              <a:rPr lang="en-US" sz="1800" dirty="0" err="1">
+                <a:latin typeface="Selawik Semibold" panose="020B0702040204020203" pitchFamily="34" charset="0"/>
+              </a:rPr>
+              <a:t>Francisco,CA</a:t>
+            </a:r>
+            <a:endParaRPr lang="en-US" sz="1800" dirty="0">
+              <a:latin typeface="Selawik Semibold" panose="020B0702040204020203" pitchFamily="34" charset="0"/>
+            </a:endParaRPr>
+          </a:p>
+          <a:p>
+            <a:pPr marL="914400" lvl="2" indent="0">
+              <a:buNone/>
+            </a:pPr>
+            <a:endParaRPr lang="en-US" sz="800" dirty="0">
+              <a:latin typeface="Selawik Semibold" panose="020B0702040204020203" pitchFamily="34" charset="0"/>
+            </a:endParaRPr>
+          </a:p>
+          <a:p>
+            <a:pPr lvl="1"/>
+            <a:r>
+              <a:rPr lang="en-US" sz="2200" dirty="0">
+                <a:latin typeface="Selawik Semibold" panose="020B0702040204020203" pitchFamily="34" charset="0"/>
+              </a:rPr>
+              <a:t>March</a:t>
             </a:r>
           </a:p>
           <a:p>
@@ -9949,26 +9994,13 @@
               <a:rPr lang="en-US" sz="1800" dirty="0">
                 <a:latin typeface="Selawik Semibold" panose="020B0702040204020203" pitchFamily="34" charset="0"/>
               </a:rPr>
-              <a:t>Texas Sports Analytics Conference in Dallas</a:t>
-            </a:r>
-          </a:p>
-          <a:p>
-            <a:pPr lvl="2"/>
-            <a:r>
-              <a:rPr lang="en-US" sz="1800" dirty="0">
-                <a:latin typeface="Selawik Semibold" panose="020B0702040204020203" pitchFamily="34" charset="0"/>
-              </a:rPr>
-              <a:t>UConn Sports Analytics Conference in Storrs, CT</a:t>
-            </a:r>
-          </a:p>
-          <a:p>
-            <a:pPr lvl="2"/>
-            <a:r>
-              <a:rPr lang="en-US" sz="1800" dirty="0">
-                <a:latin typeface="Selawik Semibold" panose="020B0702040204020203" pitchFamily="34" charset="0"/>
-              </a:rPr>
-              <a:t>Japan Sports Analytics Conference in Tokyo</a:t>
-            </a:r>
+              <a:t>MIT Sloan Sports Analytics Conference in Boston, MA</a:t>
+            </a:r>
+          </a:p>
+          <a:p>
+            <a:endParaRPr lang="en-US" sz="2600" dirty="0">
+              <a:latin typeface="Selawik Semibold" panose="020B0702040204020203" pitchFamily="34" charset="0"/>
+            </a:endParaRPr>
           </a:p>
         </p:txBody>
       </p:sp>
@@ -10314,10 +10346,10 @@
       </p:sp>
       <p:sp>
         <p:nvSpPr>
-          <p:cNvPr id="3" name="TextBox 2">
-            <a:extLst>
-              <a:ext uri="{FF2B5EF4-FFF2-40B4-BE49-F238E27FC236}">
-                <a16:creationId xmlns:a16="http://schemas.microsoft.com/office/drawing/2014/main" id="{8044F9F7-5205-4FC0-8642-6E1BDFC2171E}"/>
+          <p:cNvPr id="10" name="TextBox 9">
+            <a:extLst>
+              <a:ext uri="{FF2B5EF4-FFF2-40B4-BE49-F238E27FC236}">
+                <a16:creationId xmlns:a16="http://schemas.microsoft.com/office/drawing/2014/main" id="{A502634D-EB60-4C74-B8AF-5B6AAE256C4B}"/>
               </a:ext>
             </a:extLst>
           </p:cNvPr>
@@ -10351,7 +10383,7 @@
     </p:spTree>
     <p:extLst>
       <p:ext uri="{BB962C8B-B14F-4D97-AF65-F5344CB8AC3E}">
-        <p14:creationId xmlns:p14="http://schemas.microsoft.com/office/powerpoint/2010/main" val="866404210"/>
+        <p14:creationId xmlns:p14="http://schemas.microsoft.com/office/powerpoint/2010/main" val="1145033991"/>
       </p:ext>
     </p:extLst>
   </p:cSld>
@@ -10951,688 +10983,6 @@
 </file>
 
 <file path=ppt/slides/slide20.xml><?xml version="1.0" encoding="utf-8"?>
-<p:sld xmlns:a="http://schemas.openxmlformats.org/drawingml/2006/main" xmlns:r="http://schemas.openxmlformats.org/officeDocument/2006/relationships" xmlns:p="http://schemas.openxmlformats.org/presentationml/2006/main">
-  <p:cSld>
-    <p:bg>
-      <p:bgPr>
-        <a:solidFill>
-          <a:srgbClr val="395583"/>
-        </a:solidFill>
-        <a:effectLst/>
-      </p:bgPr>
-    </p:bg>
-    <p:spTree>
-      <p:nvGrpSpPr>
-        <p:cNvPr id="1" name=""/>
-        <p:cNvGrpSpPr/>
-        <p:nvPr/>
-      </p:nvGrpSpPr>
-      <p:grpSpPr>
-        <a:xfrm>
-          <a:off x="0" y="0"/>
-          <a:ext cx="0" cy="0"/>
-          <a:chOff x="0" y="0"/>
-          <a:chExt cx="0" cy="0"/>
-        </a:xfrm>
-      </p:grpSpPr>
-      <p:sp>
-        <p:nvSpPr>
-          <p:cNvPr id="25" name="Rectangle 24">
-            <a:extLst>
-              <a:ext uri="{FF2B5EF4-FFF2-40B4-BE49-F238E27FC236}">
-                <a16:creationId xmlns:a16="http://schemas.microsoft.com/office/drawing/2014/main" id="{A6792F05-2FD4-4F18-815E-15391E8B4A0E}"/>
-              </a:ext>
-              <a:ext uri="{C183D7F6-B498-43B3-948B-1728B52AA6E4}">
-                <adec:decorative xmlns:adec="http://schemas.microsoft.com/office/drawing/2017/decorative" val="1"/>
-              </a:ext>
-            </a:extLst>
-          </p:cNvPr>
-          <p:cNvSpPr>
-            <a:spLocks noGrp="1" noRot="1" noChangeAspect="1" noMove="1" noResize="1" noEditPoints="1" noAdjustHandles="1" noChangeArrowheads="1" noChangeShapeType="1" noTextEdit="1"/>
-          </p:cNvSpPr>
-          <p:nvPr>
-            <p:extLst>
-              <p:ext uri="{386F3935-93C4-4BCD-93E2-E3B085C9AB24}">
-                <p16:designElem xmlns:p16="http://schemas.microsoft.com/office/powerpoint/2015/main" val="1"/>
-              </p:ext>
-            </p:extLst>
-          </p:nvPr>
-        </p:nvSpPr>
-        <p:spPr>
-          <a:xfrm>
-            <a:off x="0" y="0"/>
-            <a:ext cx="12191999" cy="6858000"/>
-          </a:xfrm>
-          <a:prstGeom prst="rect">
-            <a:avLst/>
-          </a:prstGeom>
-          <a:solidFill>
-            <a:srgbClr val="395583"/>
-          </a:solidFill>
-          <a:ln>
-            <a:noFill/>
-          </a:ln>
-        </p:spPr>
-        <p:style>
-          <a:lnRef idx="2">
-            <a:schemeClr val="accent1">
-              <a:shade val="50000"/>
-            </a:schemeClr>
-          </a:lnRef>
-          <a:fillRef idx="1">
-            <a:schemeClr val="accent1"/>
-          </a:fillRef>
-          <a:effectRef idx="0">
-            <a:schemeClr val="accent1"/>
-          </a:effectRef>
-          <a:fontRef idx="minor">
-            <a:schemeClr val="lt1"/>
-          </a:fontRef>
-        </p:style>
-        <p:txBody>
-          <a:bodyPr rtlCol="0" anchor="ctr"/>
-          <a:lstStyle/>
-          <a:p>
-            <a:pPr algn="ctr"/>
-            <a:endParaRPr lang="en-US"/>
-          </a:p>
-        </p:txBody>
-      </p:sp>
-      <p:sp>
-        <p:nvSpPr>
-          <p:cNvPr id="2" name="Title 1">
-            <a:extLst>
-              <a:ext uri="{FF2B5EF4-FFF2-40B4-BE49-F238E27FC236}">
-                <a16:creationId xmlns:a16="http://schemas.microsoft.com/office/drawing/2014/main" id="{2589AFCC-0FF0-498C-B11F-8990DF0DAAA5}"/>
-              </a:ext>
-            </a:extLst>
-          </p:cNvPr>
-          <p:cNvSpPr>
-            <a:spLocks noGrp="1"/>
-          </p:cNvSpPr>
-          <p:nvPr>
-            <p:ph type="title"/>
-          </p:nvPr>
-        </p:nvSpPr>
-        <p:spPr>
-          <a:xfrm>
-            <a:off x="838200" y="365125"/>
-            <a:ext cx="10515600" cy="1325563"/>
-          </a:xfrm>
-        </p:spPr>
-        <p:txBody>
-          <a:bodyPr>
-            <a:normAutofit/>
-          </a:bodyPr>
-          <a:lstStyle/>
-          <a:p>
-            <a:r>
-              <a:rPr lang="en-US" b="1" dirty="0">
-                <a:latin typeface="Selawik Semibold" panose="020B0604020202020204" pitchFamily="34" charset="0"/>
-              </a:rPr>
-              <a:t>Your Industry Future</a:t>
-            </a:r>
-          </a:p>
-        </p:txBody>
-      </p:sp>
-      <p:sp>
-        <p:nvSpPr>
-          <p:cNvPr id="9" name="Content Placeholder 8">
-            <a:extLst>
-              <a:ext uri="{FF2B5EF4-FFF2-40B4-BE49-F238E27FC236}">
-                <a16:creationId xmlns:a16="http://schemas.microsoft.com/office/drawing/2014/main" id="{2D995594-59F2-4020-AB6F-751BAE84ADB3}"/>
-              </a:ext>
-            </a:extLst>
-          </p:cNvPr>
-          <p:cNvSpPr>
-            <a:spLocks noGrp="1"/>
-          </p:cNvSpPr>
-          <p:nvPr>
-            <p:ph idx="1"/>
-          </p:nvPr>
-        </p:nvSpPr>
-        <p:spPr>
-          <a:xfrm>
-            <a:off x="838199" y="2021248"/>
-            <a:ext cx="7547812" cy="4695905"/>
-          </a:xfrm>
-        </p:spPr>
-        <p:txBody>
-          <a:bodyPr>
-            <a:normAutofit/>
-          </a:bodyPr>
-          <a:lstStyle/>
-          <a:p>
-            <a:r>
-              <a:rPr lang="en-US" sz="2400" dirty="0">
-                <a:latin typeface="Selawik Semibold" panose="020B0702040204020203" pitchFamily="34" charset="0"/>
-              </a:rPr>
-              <a:t>Conferences</a:t>
-            </a:r>
-          </a:p>
-          <a:p>
-            <a:pPr marL="0" indent="0">
-              <a:buNone/>
-            </a:pPr>
-            <a:endParaRPr lang="en-US" sz="800" dirty="0">
-              <a:latin typeface="Selawik Semibold" panose="020B0702040204020203" pitchFamily="34" charset="0"/>
-            </a:endParaRPr>
-          </a:p>
-          <a:p>
-            <a:pPr lvl="1"/>
-            <a:r>
-              <a:rPr lang="en-US" sz="2000" dirty="0">
-                <a:latin typeface="Selawik Semibold" panose="020B0702040204020203" pitchFamily="34" charset="0"/>
-              </a:rPr>
-              <a:t>November</a:t>
-            </a:r>
-          </a:p>
-          <a:p>
-            <a:pPr lvl="2"/>
-            <a:r>
-              <a:rPr lang="en-US" sz="1800" dirty="0">
-                <a:latin typeface="Selawik Semibold" panose="020B0702040204020203" pitchFamily="34" charset="0"/>
-              </a:rPr>
-              <a:t>Carnegie Mellon Sports Analytics Conference in Pittsburgh, PA</a:t>
-            </a:r>
-          </a:p>
-          <a:p>
-            <a:pPr lvl="2"/>
-            <a:r>
-              <a:rPr lang="en-US" sz="1800" dirty="0">
-                <a:latin typeface="Selawik Semibold" panose="020B0702040204020203" pitchFamily="34" charset="0"/>
-              </a:rPr>
-              <a:t>Ottawa Hockey Analytics at Carleton in Ottawa</a:t>
-            </a:r>
-          </a:p>
-          <a:p>
-            <a:pPr lvl="2"/>
-            <a:r>
-              <a:rPr lang="en-US" sz="1800" dirty="0">
-                <a:latin typeface="Selawik Semibold" panose="020B0702040204020203" pitchFamily="34" charset="0"/>
-              </a:rPr>
-              <a:t>Midwest Sports Analytics Meeting in </a:t>
-            </a:r>
-            <a:r>
-              <a:rPr lang="en-US" sz="1800" dirty="0" err="1">
-                <a:latin typeface="Selawik Semibold" panose="020B0702040204020203" pitchFamily="34" charset="0"/>
-              </a:rPr>
-              <a:t>Pelle</a:t>
-            </a:r>
-            <a:r>
-              <a:rPr lang="en-US" sz="1800" dirty="0">
-                <a:latin typeface="Selawik Semibold" panose="020B0702040204020203" pitchFamily="34" charset="0"/>
-              </a:rPr>
-              <a:t>, IA</a:t>
-            </a:r>
-          </a:p>
-          <a:p>
-            <a:pPr lvl="2"/>
-            <a:r>
-              <a:rPr lang="en-US" sz="1800" dirty="0">
-                <a:latin typeface="Selawik Semibold" panose="020B0702040204020203" pitchFamily="34" charset="0"/>
-              </a:rPr>
-              <a:t>United Kingdom Sports Analytics Conference in London</a:t>
-            </a:r>
-          </a:p>
-          <a:p>
-            <a:pPr marL="914400" lvl="2" indent="0">
-              <a:buNone/>
-            </a:pPr>
-            <a:endParaRPr lang="en-US" sz="800" dirty="0">
-              <a:latin typeface="Selawik Semibold" panose="020B0702040204020203" pitchFamily="34" charset="0"/>
-            </a:endParaRPr>
-          </a:p>
-          <a:p>
-            <a:pPr lvl="1"/>
-            <a:r>
-              <a:rPr lang="en-US" sz="2000" dirty="0">
-                <a:latin typeface="Selawik Semibold" panose="020B0702040204020203" pitchFamily="34" charset="0"/>
-              </a:rPr>
-              <a:t>December</a:t>
-            </a:r>
-          </a:p>
-          <a:p>
-            <a:pPr lvl="2"/>
-            <a:r>
-              <a:rPr lang="en-US" sz="1800" dirty="0">
-                <a:latin typeface="Selawik Semibold" panose="020B0702040204020203" pitchFamily="34" charset="0"/>
-              </a:rPr>
-              <a:t>Midwest Sports Biometrics Conference in San </a:t>
-            </a:r>
-            <a:r>
-              <a:rPr lang="en-US" sz="1800" dirty="0" err="1">
-                <a:latin typeface="Selawik Semibold" panose="020B0702040204020203" pitchFamily="34" charset="0"/>
-              </a:rPr>
-              <a:t>Francisco,CA</a:t>
-            </a:r>
-            <a:endParaRPr lang="en-US" sz="1800" dirty="0">
-              <a:latin typeface="Selawik Semibold" panose="020B0702040204020203" pitchFamily="34" charset="0"/>
-            </a:endParaRPr>
-          </a:p>
-          <a:p>
-            <a:pPr marL="914400" lvl="2" indent="0">
-              <a:buNone/>
-            </a:pPr>
-            <a:endParaRPr lang="en-US" sz="800" dirty="0">
-              <a:latin typeface="Selawik Semibold" panose="020B0702040204020203" pitchFamily="34" charset="0"/>
-            </a:endParaRPr>
-          </a:p>
-          <a:p>
-            <a:pPr lvl="1"/>
-            <a:r>
-              <a:rPr lang="en-US" sz="2200" dirty="0">
-                <a:latin typeface="Selawik Semibold" panose="020B0702040204020203" pitchFamily="34" charset="0"/>
-              </a:rPr>
-              <a:t>March</a:t>
-            </a:r>
-          </a:p>
-          <a:p>
-            <a:pPr lvl="2"/>
-            <a:r>
-              <a:rPr lang="en-US" sz="1800" dirty="0">
-                <a:latin typeface="Selawik Semibold" panose="020B0702040204020203" pitchFamily="34" charset="0"/>
-              </a:rPr>
-              <a:t>MIT Sloan Sports Analytics Conference in Boston, MA</a:t>
-            </a:r>
-          </a:p>
-          <a:p>
-            <a:endParaRPr lang="en-US" sz="2600" dirty="0">
-              <a:latin typeface="Selawik Semibold" panose="020B0702040204020203" pitchFamily="34" charset="0"/>
-            </a:endParaRPr>
-          </a:p>
-        </p:txBody>
-      </p:sp>
-      <p:pic>
-        <p:nvPicPr>
-          <p:cNvPr id="4" name="Picture 3" descr="A drawing of a cartoon character&#10;&#10;Description automatically generated">
-            <a:extLst>
-              <a:ext uri="{FF2B5EF4-FFF2-40B4-BE49-F238E27FC236}">
-                <a16:creationId xmlns:a16="http://schemas.microsoft.com/office/drawing/2014/main" id="{A7FDC859-D890-4904-9C64-27F43DA90453}"/>
-              </a:ext>
-            </a:extLst>
-          </p:cNvPr>
-          <p:cNvPicPr>
-            <a:picLocks noChangeAspect="1"/>
-          </p:cNvPicPr>
-          <p:nvPr/>
-        </p:nvPicPr>
-        <p:blipFill rotWithShape="1">
-          <a:blip r:embed="rId2">
-            <a:extLst>
-              <a:ext uri="{28A0092B-C50C-407E-A947-70E740481C1C}">
-                <a14:useLocalDpi xmlns:a14="http://schemas.microsoft.com/office/drawing/2010/main" val="0"/>
-              </a:ext>
-            </a:extLst>
-          </a:blip>
-          <a:srcRect t="5616" r="2" b="2"/>
-          <a:stretch/>
-        </p:blipFill>
-        <p:spPr>
-          <a:xfrm>
-            <a:off x="7471144" y="1700078"/>
-            <a:ext cx="4720855" cy="2583792"/>
-          </a:xfrm>
-          <a:custGeom>
-            <a:avLst/>
-            <a:gdLst>
-              <a:gd name="connsiteX0" fmla="*/ 0 w 5475077"/>
-              <a:gd name="connsiteY0" fmla="*/ 0 h 2583792"/>
-              <a:gd name="connsiteX1" fmla="*/ 5475077 w 5475077"/>
-              <a:gd name="connsiteY1" fmla="*/ 0 h 2583792"/>
-              <a:gd name="connsiteX2" fmla="*/ 5475077 w 5475077"/>
-              <a:gd name="connsiteY2" fmla="*/ 2583792 h 2583792"/>
-              <a:gd name="connsiteX3" fmla="*/ 1197192 w 5475077"/>
-              <a:gd name="connsiteY3" fmla="*/ 2583792 h 2583792"/>
-            </a:gdLst>
-            <a:ahLst/>
-            <a:cxnLst>
-              <a:cxn ang="0">
-                <a:pos x="connsiteX0" y="connsiteY0"/>
-              </a:cxn>
-              <a:cxn ang="0">
-                <a:pos x="connsiteX1" y="connsiteY1"/>
-              </a:cxn>
-              <a:cxn ang="0">
-                <a:pos x="connsiteX2" y="connsiteY2"/>
-              </a:cxn>
-              <a:cxn ang="0">
-                <a:pos x="connsiteX3" y="connsiteY3"/>
-              </a:cxn>
-            </a:cxnLst>
-            <a:rect l="l" t="t" r="r" b="b"/>
-            <a:pathLst>
-              <a:path w="5475077" h="2583792">
-                <a:moveTo>
-                  <a:pt x="0" y="0"/>
-                </a:moveTo>
-                <a:lnTo>
-                  <a:pt x="5475077" y="0"/>
-                </a:lnTo>
-                <a:lnTo>
-                  <a:pt x="5475077" y="2583792"/>
-                </a:lnTo>
-                <a:lnTo>
-                  <a:pt x="1197192" y="2583792"/>
-                </a:lnTo>
-                <a:close/>
-              </a:path>
-            </a:pathLst>
-          </a:custGeom>
-        </p:spPr>
-      </p:pic>
-      <p:pic>
-        <p:nvPicPr>
-          <p:cNvPr id="5" name="Content Placeholder 4" descr="A picture containing indoor&#10;&#10;Description automatically generated">
-            <a:extLst>
-              <a:ext uri="{FF2B5EF4-FFF2-40B4-BE49-F238E27FC236}">
-                <a16:creationId xmlns:a16="http://schemas.microsoft.com/office/drawing/2014/main" id="{A58F0E55-21F3-485B-A07F-1CE74177BDD2}"/>
-              </a:ext>
-            </a:extLst>
-          </p:cNvPr>
-          <p:cNvPicPr>
-            <a:picLocks noChangeAspect="1"/>
-          </p:cNvPicPr>
-          <p:nvPr/>
-        </p:nvPicPr>
-        <p:blipFill rotWithShape="1">
-          <a:blip r:embed="rId3">
-            <a:extLst>
-              <a:ext uri="{28A0092B-C50C-407E-A947-70E740481C1C}">
-                <a14:useLocalDpi xmlns:a14="http://schemas.microsoft.com/office/drawing/2010/main" val="0"/>
-              </a:ext>
-            </a:extLst>
-          </a:blip>
-          <a:srcRect t="5300" r="3" b="6859"/>
-          <a:stretch/>
-        </p:blipFill>
-        <p:spPr>
-          <a:xfrm>
-            <a:off x="8491869" y="4283870"/>
-            <a:ext cx="3700129" cy="2583520"/>
-          </a:xfrm>
-          <a:custGeom>
-            <a:avLst/>
-            <a:gdLst>
-              <a:gd name="connsiteX0" fmla="*/ 0 w 4277884"/>
-              <a:gd name="connsiteY0" fmla="*/ 0 h 2583520"/>
-              <a:gd name="connsiteX1" fmla="*/ 4277884 w 4277884"/>
-              <a:gd name="connsiteY1" fmla="*/ 0 h 2583520"/>
-              <a:gd name="connsiteX2" fmla="*/ 4277884 w 4277884"/>
-              <a:gd name="connsiteY2" fmla="*/ 2583520 h 2583520"/>
-              <a:gd name="connsiteX3" fmla="*/ 1192437 w 4277884"/>
-              <a:gd name="connsiteY3" fmla="*/ 2583520 h 2583520"/>
-              <a:gd name="connsiteX4" fmla="*/ 1188085 w 4277884"/>
-              <a:gd name="connsiteY4" fmla="*/ 2574129 h 2583520"/>
-              <a:gd name="connsiteX5" fmla="*/ 1192715 w 4277884"/>
-              <a:gd name="connsiteY5" fmla="*/ 2574129 h 2583520"/>
-            </a:gdLst>
-            <a:ahLst/>
-            <a:cxnLst>
-              <a:cxn ang="0">
-                <a:pos x="connsiteX0" y="connsiteY0"/>
-              </a:cxn>
-              <a:cxn ang="0">
-                <a:pos x="connsiteX1" y="connsiteY1"/>
-              </a:cxn>
-              <a:cxn ang="0">
-                <a:pos x="connsiteX2" y="connsiteY2"/>
-              </a:cxn>
-              <a:cxn ang="0">
-                <a:pos x="connsiteX3" y="connsiteY3"/>
-              </a:cxn>
-              <a:cxn ang="0">
-                <a:pos x="connsiteX4" y="connsiteY4"/>
-              </a:cxn>
-              <a:cxn ang="0">
-                <a:pos x="connsiteX5" y="connsiteY5"/>
-              </a:cxn>
-            </a:cxnLst>
-            <a:rect l="l" t="t" r="r" b="b"/>
-            <a:pathLst>
-              <a:path w="4277884" h="2583520">
-                <a:moveTo>
-                  <a:pt x="0" y="0"/>
-                </a:moveTo>
-                <a:lnTo>
-                  <a:pt x="4277884" y="0"/>
-                </a:lnTo>
-                <a:lnTo>
-                  <a:pt x="4277884" y="2583520"/>
-                </a:lnTo>
-                <a:lnTo>
-                  <a:pt x="1192437" y="2583520"/>
-                </a:lnTo>
-                <a:lnTo>
-                  <a:pt x="1188085" y="2574129"/>
-                </a:lnTo>
-                <a:lnTo>
-                  <a:pt x="1192715" y="2574129"/>
-                </a:lnTo>
-                <a:close/>
-              </a:path>
-            </a:pathLst>
-          </a:custGeom>
-        </p:spPr>
-      </p:pic>
-      <p:sp>
-        <p:nvSpPr>
-          <p:cNvPr id="6" name="Rectangle 5">
-            <a:extLst>
-              <a:ext uri="{FF2B5EF4-FFF2-40B4-BE49-F238E27FC236}">
-                <a16:creationId xmlns:a16="http://schemas.microsoft.com/office/drawing/2014/main" id="{A2901312-C3C2-4CEC-80EF-823AB4FBB726}"/>
-              </a:ext>
-            </a:extLst>
-          </p:cNvPr>
-          <p:cNvSpPr/>
-          <p:nvPr/>
-        </p:nvSpPr>
-        <p:spPr>
-          <a:xfrm>
-            <a:off x="-1" y="1608918"/>
-            <a:ext cx="12191999" cy="91160"/>
-          </a:xfrm>
-          <a:prstGeom prst="rect">
-            <a:avLst/>
-          </a:prstGeom>
-          <a:solidFill>
-            <a:schemeClr val="bg1"/>
-          </a:solidFill>
-          <a:ln>
-            <a:noFill/>
-          </a:ln>
-        </p:spPr>
-        <p:style>
-          <a:lnRef idx="2">
-            <a:schemeClr val="accent1">
-              <a:shade val="50000"/>
-            </a:schemeClr>
-          </a:lnRef>
-          <a:fillRef idx="1">
-            <a:schemeClr val="accent1"/>
-          </a:fillRef>
-          <a:effectRef idx="0">
-            <a:schemeClr val="accent1"/>
-          </a:effectRef>
-          <a:fontRef idx="minor">
-            <a:schemeClr val="lt1"/>
-          </a:fontRef>
-        </p:style>
-        <p:txBody>
-          <a:bodyPr rtlCol="0" anchor="ctr"/>
-          <a:lstStyle/>
-          <a:p>
-            <a:pPr algn="ctr"/>
-            <a:endParaRPr lang="en-US">
-              <a:solidFill>
-                <a:srgbClr val="DB5B5C"/>
-              </a:solidFill>
-            </a:endParaRPr>
-          </a:p>
-        </p:txBody>
-      </p:sp>
-      <p:sp>
-        <p:nvSpPr>
-          <p:cNvPr id="15" name="Rectangle 14">
-            <a:extLst>
-              <a:ext uri="{FF2B5EF4-FFF2-40B4-BE49-F238E27FC236}">
-                <a16:creationId xmlns:a16="http://schemas.microsoft.com/office/drawing/2014/main" id="{AD0A7C9C-CA2C-4B9B-A125-2D09D5573B44}"/>
-              </a:ext>
-            </a:extLst>
-          </p:cNvPr>
-          <p:cNvSpPr/>
-          <p:nvPr/>
-        </p:nvSpPr>
-        <p:spPr>
-          <a:xfrm>
-            <a:off x="1" y="6677247"/>
-            <a:ext cx="12191999" cy="190143"/>
-          </a:xfrm>
-          <a:prstGeom prst="rect">
-            <a:avLst/>
-          </a:prstGeom>
-          <a:solidFill>
-            <a:schemeClr val="bg1"/>
-          </a:solidFill>
-          <a:ln>
-            <a:noFill/>
-          </a:ln>
-        </p:spPr>
-        <p:style>
-          <a:lnRef idx="2">
-            <a:schemeClr val="accent1">
-              <a:shade val="50000"/>
-            </a:schemeClr>
-          </a:lnRef>
-          <a:fillRef idx="1">
-            <a:schemeClr val="accent1"/>
-          </a:fillRef>
-          <a:effectRef idx="0">
-            <a:schemeClr val="accent1"/>
-          </a:effectRef>
-          <a:fontRef idx="minor">
-            <a:schemeClr val="lt1"/>
-          </a:fontRef>
-        </p:style>
-        <p:txBody>
-          <a:bodyPr rtlCol="0" anchor="ctr"/>
-          <a:lstStyle/>
-          <a:p>
-            <a:pPr algn="ctr"/>
-            <a:endParaRPr lang="en-US">
-              <a:solidFill>
-                <a:srgbClr val="DB5B5C"/>
-              </a:solidFill>
-            </a:endParaRPr>
-          </a:p>
-        </p:txBody>
-      </p:sp>
-      <p:sp>
-        <p:nvSpPr>
-          <p:cNvPr id="16" name="Rectangle 15">
-            <a:extLst>
-              <a:ext uri="{FF2B5EF4-FFF2-40B4-BE49-F238E27FC236}">
-                <a16:creationId xmlns:a16="http://schemas.microsoft.com/office/drawing/2014/main" id="{74A085FC-1866-46D4-97F7-51AA45E48D4F}"/>
-              </a:ext>
-            </a:extLst>
-          </p:cNvPr>
-          <p:cNvSpPr/>
-          <p:nvPr/>
-        </p:nvSpPr>
-        <p:spPr>
-          <a:xfrm rot="4092292">
-            <a:off x="5790668" y="4094517"/>
-            <a:ext cx="5446699" cy="137038"/>
-          </a:xfrm>
-          <a:prstGeom prst="rect">
-            <a:avLst/>
-          </a:prstGeom>
-          <a:solidFill>
-            <a:schemeClr val="bg1"/>
-          </a:solidFill>
-          <a:ln>
-            <a:noFill/>
-          </a:ln>
-        </p:spPr>
-        <p:style>
-          <a:lnRef idx="2">
-            <a:schemeClr val="accent1">
-              <a:shade val="50000"/>
-            </a:schemeClr>
-          </a:lnRef>
-          <a:fillRef idx="1">
-            <a:schemeClr val="accent1"/>
-          </a:fillRef>
-          <a:effectRef idx="0">
-            <a:schemeClr val="accent1"/>
-          </a:effectRef>
-          <a:fontRef idx="minor">
-            <a:schemeClr val="lt1"/>
-          </a:fontRef>
-        </p:style>
-        <p:txBody>
-          <a:bodyPr rtlCol="0" anchor="ctr"/>
-          <a:lstStyle/>
-          <a:p>
-            <a:pPr algn="ctr"/>
-            <a:endParaRPr lang="en-US">
-              <a:solidFill>
-                <a:srgbClr val="DB5B5C"/>
-              </a:solidFill>
-            </a:endParaRPr>
-          </a:p>
-        </p:txBody>
-      </p:sp>
-      <p:sp>
-        <p:nvSpPr>
-          <p:cNvPr id="10" name="TextBox 9">
-            <a:extLst>
-              <a:ext uri="{FF2B5EF4-FFF2-40B4-BE49-F238E27FC236}">
-                <a16:creationId xmlns:a16="http://schemas.microsoft.com/office/drawing/2014/main" id="{A502634D-EB60-4C74-B8AF-5B6AAE256C4B}"/>
-              </a:ext>
-            </a:extLst>
-          </p:cNvPr>
-          <p:cNvSpPr txBox="1"/>
-          <p:nvPr/>
-        </p:nvSpPr>
-        <p:spPr>
-          <a:xfrm>
-            <a:off x="529389" y="6298525"/>
-            <a:ext cx="8713057" cy="400110"/>
-          </a:xfrm>
-          <a:prstGeom prst="rect">
-            <a:avLst/>
-          </a:prstGeom>
-          <a:noFill/>
-        </p:spPr>
-        <p:txBody>
-          <a:bodyPr wrap="square" rtlCol="0">
-            <a:spAutoFit/>
-          </a:bodyPr>
-          <a:lstStyle/>
-          <a:p>
-            <a:pPr algn="r"/>
-            <a:r>
-              <a:rPr lang="en-US" sz="2000" dirty="0"/>
-              <a:t>Compiled by statsheetstuffers.com and sportsanalyticsconferences.com</a:t>
-            </a:r>
-          </a:p>
-        </p:txBody>
-      </p:sp>
-    </p:spTree>
-    <p:extLst>
-      <p:ext uri="{BB962C8B-B14F-4D97-AF65-F5344CB8AC3E}">
-        <p14:creationId xmlns:p14="http://schemas.microsoft.com/office/powerpoint/2010/main" val="1145033991"/>
-      </p:ext>
-    </p:extLst>
-  </p:cSld>
-  <p:clrMapOvr>
-    <a:overrideClrMapping bg1="dk1" tx1="lt1" bg2="dk2" tx2="lt2" accent1="accent1" accent2="accent2" accent3="accent3" accent4="accent4" accent5="accent5" accent6="accent6" hlink="hlink" folHlink="folHlink"/>
-  </p:clrMapOvr>
-</p:sld>
-</file>
-
-<file path=ppt/slides/slide21.xml><?xml version="1.0" encoding="utf-8"?>
 <p:sld xmlns:a="http://schemas.openxmlformats.org/drawingml/2006/main" xmlns:r="http://schemas.openxmlformats.org/officeDocument/2006/relationships" xmlns:p="http://schemas.openxmlformats.org/presentationml/2006/main">
   <p:cSld>
     <p:bg>
@@ -11990,7 +11340,7 @@
         </p:nvSpPr>
         <p:spPr>
           <a:xfrm>
-            <a:off x="5160335" y="4357577"/>
+            <a:off x="5160335" y="4209296"/>
             <a:ext cx="6725573" cy="3247008"/>
           </a:xfrm>
           <a:prstGeom prst="rect">
@@ -12171,7 +11521,25 @@
               <a:rPr lang="en-US" sz="2800" dirty="0">
                 <a:latin typeface="Selawik Semibold" panose="020B0702040204020203" pitchFamily="34" charset="0"/>
               </a:rPr>
-              <a:t>Always Be Scoring. </a:t>
+              <a:t> Defense wins championships. </a:t>
+            </a:r>
+          </a:p>
+          <a:p>
+            <a:pPr algn="r"/>
+            <a:r>
+              <a:rPr lang="en-US" sz="2800" dirty="0">
+                <a:latin typeface="Selawik Semibold" panose="020B0702040204020203" pitchFamily="34" charset="0"/>
+              </a:rPr>
+              <a:t>Offense wins contracts.</a:t>
+            </a:r>
+          </a:p>
+          <a:p>
+            <a:pPr algn="r"/>
+            <a:r>
+              <a:rPr lang="en-US" sz="2800" dirty="0">
+                <a:latin typeface="Selawik Semibold" panose="020B0702040204020203" pitchFamily="34" charset="0"/>
+              </a:rPr>
+              <a:t>Be offensive. </a:t>
             </a:r>
           </a:p>
           <a:p>
@@ -12186,7 +11554,7 @@
               <a:rPr lang="en-US" sz="2800" dirty="0">
                 <a:latin typeface="Selawik Semibold" panose="020B0702040204020203" pitchFamily="34" charset="0"/>
               </a:rPr>
-              <a:t>- Mike Giannetto</a:t>
+              <a:t>- Mahatma Mario</a:t>
             </a:r>
           </a:p>
           <a:p>
@@ -16061,8 +15429,8 @@
         </p:nvSpPr>
         <p:spPr>
           <a:xfrm>
-            <a:off x="6340941" y="4889379"/>
-            <a:ext cx="1223030" cy="769441"/>
+            <a:off x="6340940" y="4889379"/>
+            <a:ext cx="1964351" cy="769441"/>
           </a:xfrm>
           <a:prstGeom prst="rect">
             <a:avLst/>
@@ -16118,7 +15486,7 @@
               <a:rPr lang="en-US" sz="4400" dirty="0">
                 <a:latin typeface="Selawik Semibold" panose="020B0702040204020203" pitchFamily="34" charset="0"/>
               </a:rPr>
-              <a:t>$4B</a:t>
+              <a:t>$3.07B</a:t>
             </a:r>
           </a:p>
         </p:txBody>
@@ -16153,7 +15521,7 @@
           <a:p>
             <a:r>
               <a:rPr lang="en-US" dirty="0"/>
-              <a:t>Projections in 2022 According to MarketWatch.com</a:t>
+              <a:t>Projections in 2024 According to MarketWatch.com</a:t>
             </a:r>
           </a:p>
         </p:txBody>
@@ -16430,7 +15798,7 @@
           <a:p>
             <a:r>
               <a:rPr lang="en-US" dirty="0"/>
-              <a:t>2022</a:t>
+              <a:t>2024</a:t>
             </a:r>
           </a:p>
         </p:txBody>

--- a/Slides/Sports Analytics 3/Sports_Analytics_3_Lecture.pptx
+++ b/Slides/Sports Analytics 3/Sports_Analytics_3_Lecture.pptx
@@ -5,7 +5,7 @@
     <p:sldMasterId id="2147483648" r:id="rId1"/>
   </p:sldMasterIdLst>
   <p:notesMasterIdLst>
-    <p:notesMasterId r:id="rId22"/>
+    <p:notesMasterId r:id="rId21"/>
   </p:notesMasterIdLst>
   <p:sldIdLst>
     <p:sldId id="256" r:id="rId2"/>
@@ -26,8 +26,7 @@
     <p:sldId id="298" r:id="rId17"/>
     <p:sldId id="299" r:id="rId18"/>
     <p:sldId id="296" r:id="rId19"/>
-    <p:sldId id="297" r:id="rId20"/>
-    <p:sldId id="281" r:id="rId21"/>
+    <p:sldId id="281" r:id="rId20"/>
   </p:sldIdLst>
   <p:sldSz cx="12192000" cy="6858000"/>
   <p:notesSz cx="6858000" cy="9144000"/>
@@ -216,7 +215,7 @@
           <a:p>
             <a:fld id="{C04E5E84-956F-4423-97B3-5936A6D8EEEE}" type="datetimeFigureOut">
               <a:rPr lang="en-US" smtClean="0"/>
-              <a:t>8/17/2020</a:t>
+              <a:t>1/26/2021</a:t>
             </a:fld>
             <a:endParaRPr lang="en-US"/>
           </a:p>
@@ -630,7 +629,7 @@
           <a:p>
             <a:fld id="{3881C039-66A3-4640-815B-3B5A8B7D868D}" type="datetimeFigureOut">
               <a:rPr lang="en-US" smtClean="0"/>
-              <a:t>8/17/2020</a:t>
+              <a:t>1/26/2021</a:t>
             </a:fld>
             <a:endParaRPr lang="en-US"/>
           </a:p>
@@ -828,7 +827,7 @@
           <a:p>
             <a:fld id="{3881C039-66A3-4640-815B-3B5A8B7D868D}" type="datetimeFigureOut">
               <a:rPr lang="en-US" smtClean="0"/>
-              <a:t>8/17/2020</a:t>
+              <a:t>1/26/2021</a:t>
             </a:fld>
             <a:endParaRPr lang="en-US"/>
           </a:p>
@@ -1036,7 +1035,7 @@
           <a:p>
             <a:fld id="{3881C039-66A3-4640-815B-3B5A8B7D868D}" type="datetimeFigureOut">
               <a:rPr lang="en-US" smtClean="0"/>
-              <a:t>8/17/2020</a:t>
+              <a:t>1/26/2021</a:t>
             </a:fld>
             <a:endParaRPr lang="en-US"/>
           </a:p>
@@ -1234,7 +1233,7 @@
           <a:p>
             <a:fld id="{3881C039-66A3-4640-815B-3B5A8B7D868D}" type="datetimeFigureOut">
               <a:rPr lang="en-US" smtClean="0"/>
-              <a:t>8/17/2020</a:t>
+              <a:t>1/26/2021</a:t>
             </a:fld>
             <a:endParaRPr lang="en-US"/>
           </a:p>
@@ -1509,7 +1508,7 @@
           <a:p>
             <a:fld id="{3881C039-66A3-4640-815B-3B5A8B7D868D}" type="datetimeFigureOut">
               <a:rPr lang="en-US" smtClean="0"/>
-              <a:t>8/17/2020</a:t>
+              <a:t>1/26/2021</a:t>
             </a:fld>
             <a:endParaRPr lang="en-US"/>
           </a:p>
@@ -1774,7 +1773,7 @@
           <a:p>
             <a:fld id="{3881C039-66A3-4640-815B-3B5A8B7D868D}" type="datetimeFigureOut">
               <a:rPr lang="en-US" smtClean="0"/>
-              <a:t>8/17/2020</a:t>
+              <a:t>1/26/2021</a:t>
             </a:fld>
             <a:endParaRPr lang="en-US"/>
           </a:p>
@@ -2186,7 +2185,7 @@
           <a:p>
             <a:fld id="{3881C039-66A3-4640-815B-3B5A8B7D868D}" type="datetimeFigureOut">
               <a:rPr lang="en-US" smtClean="0"/>
-              <a:t>8/17/2020</a:t>
+              <a:t>1/26/2021</a:t>
             </a:fld>
             <a:endParaRPr lang="en-US"/>
           </a:p>
@@ -2327,7 +2326,7 @@
           <a:p>
             <a:fld id="{3881C039-66A3-4640-815B-3B5A8B7D868D}" type="datetimeFigureOut">
               <a:rPr lang="en-US" smtClean="0"/>
-              <a:t>8/17/2020</a:t>
+              <a:t>1/26/2021</a:t>
             </a:fld>
             <a:endParaRPr lang="en-US"/>
           </a:p>
@@ -2440,7 +2439,7 @@
           <a:p>
             <a:fld id="{3881C039-66A3-4640-815B-3B5A8B7D868D}" type="datetimeFigureOut">
               <a:rPr lang="en-US" smtClean="0"/>
-              <a:t>8/17/2020</a:t>
+              <a:t>1/26/2021</a:t>
             </a:fld>
             <a:endParaRPr lang="en-US"/>
           </a:p>
@@ -2751,7 +2750,7 @@
           <a:p>
             <a:fld id="{3881C039-66A3-4640-815B-3B5A8B7D868D}" type="datetimeFigureOut">
               <a:rPr lang="en-US" smtClean="0"/>
-              <a:t>8/17/2020</a:t>
+              <a:t>1/26/2021</a:t>
             </a:fld>
             <a:endParaRPr lang="en-US"/>
           </a:p>
@@ -3039,7 +3038,7 @@
           <a:p>
             <a:fld id="{3881C039-66A3-4640-815B-3B5A8B7D868D}" type="datetimeFigureOut">
               <a:rPr lang="en-US" smtClean="0"/>
-              <a:t>8/17/2020</a:t>
+              <a:t>1/26/2021</a:t>
             </a:fld>
             <a:endParaRPr lang="en-US"/>
           </a:p>
@@ -3283,7 +3282,7 @@
           <a:p>
             <a:fld id="{3881C039-66A3-4640-815B-3B5A8B7D868D}" type="datetimeFigureOut">
               <a:rPr lang="en-US" smtClean="0"/>
-              <a:t>8/17/2020</a:t>
+              <a:t>1/26/2021</a:t>
             </a:fld>
             <a:endParaRPr lang="en-US"/>
           </a:p>
@@ -3788,7 +3787,7 @@
               <a:rPr lang="en-US" sz="2000" dirty="0">
                 <a:latin typeface="Selawik Semibold" panose="020B0702040204020203" pitchFamily="34" charset="0"/>
               </a:rPr>
-              <a:t>UNC STOR 390</a:t>
+              <a:t>UNC STOR 538</a:t>
             </a:r>
           </a:p>
         </p:txBody>
@@ -9239,86 +9238,68 @@
               <a:rPr lang="en-US" sz="2000" dirty="0">
                 <a:latin typeface="Selawik Semibold" panose="020B0702040204020203" pitchFamily="34" charset="0"/>
               </a:rPr>
-              <a:t>September</a:t>
+              <a:t>Sports Industry Networking and Career Conference, February 18-19</a:t>
+            </a:r>
+          </a:p>
+          <a:p>
+            <a:pPr lvl="1"/>
+            <a:r>
+              <a:rPr lang="en-US" sz="2000" dirty="0">
+                <a:latin typeface="Selawik Semibold" panose="020B0702040204020203" pitchFamily="34" charset="0"/>
+              </a:rPr>
+              <a:t>MIT Sloan Sports Analytics Conference, April 8-9</a:t>
+            </a:r>
+          </a:p>
+          <a:p>
+            <a:pPr lvl="1"/>
+            <a:r>
+              <a:rPr lang="en-US" sz="2000" dirty="0">
+                <a:latin typeface="Selawik Semibold" panose="020B0702040204020203" pitchFamily="34" charset="0"/>
+              </a:rPr>
+              <a:t>Basketball Analytics Summit, April 16</a:t>
+            </a:r>
+          </a:p>
+          <a:p>
+            <a:pPr lvl="1"/>
+            <a:r>
+              <a:rPr lang="en-US" sz="2000" dirty="0">
+                <a:latin typeface="Selawik Semibold" panose="020B0702040204020203" pitchFamily="34" charset="0"/>
+              </a:rPr>
+              <a:t>International Conference on Sports Analytics and Performance Evaluation, June 24-25</a:t>
+            </a:r>
+          </a:p>
+          <a:p>
+            <a:pPr lvl="1"/>
+            <a:r>
+              <a:rPr lang="en-US" sz="2000" dirty="0">
+                <a:latin typeface="Selawik Semibold" panose="020B0702040204020203" pitchFamily="34" charset="0"/>
+              </a:rPr>
+              <a:t>International Conference on Machine Learning and Data Mining for Sports, June 28-29</a:t>
+            </a:r>
+          </a:p>
+          <a:p>
+            <a:pPr lvl="1"/>
+            <a:r>
+              <a:rPr lang="en-US" sz="2000" dirty="0">
+                <a:latin typeface="Selawik Semibold" panose="020B0702040204020203" pitchFamily="34" charset="0"/>
+              </a:rPr>
+              <a:t>Disney Data &amp; Analytics Conference, August 17-18</a:t>
+            </a:r>
+          </a:p>
+          <a:p>
+            <a:pPr lvl="1"/>
+            <a:r>
+              <a:rPr lang="en-US" sz="2000" dirty="0">
+                <a:latin typeface="Selawik Semibold" panose="020B0702040204020203" pitchFamily="34" charset="0"/>
+              </a:rPr>
+              <a:t>Sport &amp; Entertainment Analytics Conference, TBD</a:t>
             </a:r>
           </a:p>
           <a:p>
             <a:pPr lvl="2"/>
-            <a:r>
-              <a:rPr lang="en-US" sz="1800" dirty="0">
-                <a:latin typeface="Selawik Semibold" panose="020B0702040204020203" pitchFamily="34" charset="0"/>
-              </a:rPr>
-              <a:t>Football Analytics and Performance Summit in Vienna </a:t>
-            </a:r>
-          </a:p>
-          <a:p>
-            <a:pPr lvl="2"/>
-            <a:r>
-              <a:rPr lang="en-US" sz="1800" dirty="0">
-                <a:latin typeface="Selawik Semibold" panose="020B0702040204020203" pitchFamily="34" charset="0"/>
-              </a:rPr>
-              <a:t>RIT Sports Analytics Conference in Rochester, NY</a:t>
-            </a:r>
-          </a:p>
-          <a:p>
-            <a:pPr lvl="2"/>
-            <a:r>
-              <a:rPr lang="en-US" sz="1800" dirty="0">
-                <a:latin typeface="Selawik Semibold" panose="020B0702040204020203" pitchFamily="34" charset="0"/>
-              </a:rPr>
-              <a:t>New England Symposium on Statistics in Sports in Cambridge, MA</a:t>
-            </a:r>
-          </a:p>
-          <a:p>
-            <a:pPr lvl="2"/>
-            <a:endParaRPr lang="en-US" sz="1600" dirty="0">
+            <a:endParaRPr lang="en-US" sz="1800" dirty="0">
               <a:latin typeface="Selawik Semibold" panose="020B0702040204020203" pitchFamily="34" charset="0"/>
             </a:endParaRPr>
-          </a:p>
-          <a:p>
-            <a:pPr lvl="1"/>
-            <a:r>
-              <a:rPr lang="en-US" sz="2000" dirty="0">
-                <a:latin typeface="Selawik Semibold" panose="020B0702040204020203" pitchFamily="34" charset="0"/>
-              </a:rPr>
-              <a:t>October</a:t>
-            </a:r>
-          </a:p>
-          <a:p>
-            <a:pPr lvl="2"/>
-            <a:r>
-              <a:rPr lang="en-US" sz="1800" dirty="0">
-                <a:latin typeface="Selawik Semibold" panose="020B0702040204020203" pitchFamily="34" charset="0"/>
-              </a:rPr>
-              <a:t>Great Lakes Analytics Conference in Stevens Point, WI</a:t>
-            </a:r>
-          </a:p>
-          <a:p>
-            <a:pPr lvl="2"/>
-            <a:r>
-              <a:rPr lang="en-US" sz="1800" dirty="0">
-                <a:latin typeface="Selawik Semibold" panose="020B0702040204020203" pitchFamily="34" charset="0"/>
-              </a:rPr>
-              <a:t>Texas Sports Analytics Conference in Dallas</a:t>
-            </a:r>
-          </a:p>
-          <a:p>
-            <a:pPr lvl="2"/>
-            <a:r>
-              <a:rPr lang="en-US" sz="1800" dirty="0">
-                <a:latin typeface="Selawik Semibold" panose="020B0702040204020203" pitchFamily="34" charset="0"/>
-              </a:rPr>
-              <a:t>UConn Sports Analytics Conference in Storrs, CT</a:t>
-            </a:r>
-          </a:p>
-          <a:p>
-            <a:pPr lvl="2"/>
-            <a:r>
-              <a:rPr lang="en-US" sz="1800" dirty="0">
-                <a:latin typeface="Selawik Semibold" panose="020B0702040204020203" pitchFamily="34" charset="0"/>
-              </a:rPr>
-              <a:t>Japan Sports Analytics Conference in Tokyo</a:t>
-            </a:r>
           </a:p>
         </p:txBody>
       </p:sp>
@@ -9712,1277 +9693,6 @@
 </file>
 
 <file path=ppt/slides/slide19.xml><?xml version="1.0" encoding="utf-8"?>
-<p:sld xmlns:a="http://schemas.openxmlformats.org/drawingml/2006/main" xmlns:r="http://schemas.openxmlformats.org/officeDocument/2006/relationships" xmlns:p="http://schemas.openxmlformats.org/presentationml/2006/main">
-  <p:cSld>
-    <p:bg>
-      <p:bgPr>
-        <a:solidFill>
-          <a:srgbClr val="395583"/>
-        </a:solidFill>
-        <a:effectLst/>
-      </p:bgPr>
-    </p:bg>
-    <p:spTree>
-      <p:nvGrpSpPr>
-        <p:cNvPr id="1" name=""/>
-        <p:cNvGrpSpPr/>
-        <p:nvPr/>
-      </p:nvGrpSpPr>
-      <p:grpSpPr>
-        <a:xfrm>
-          <a:off x="0" y="0"/>
-          <a:ext cx="0" cy="0"/>
-          <a:chOff x="0" y="0"/>
-          <a:chExt cx="0" cy="0"/>
-        </a:xfrm>
-      </p:grpSpPr>
-      <p:sp>
-        <p:nvSpPr>
-          <p:cNvPr id="25" name="Rectangle 24">
-            <a:extLst>
-              <a:ext uri="{FF2B5EF4-FFF2-40B4-BE49-F238E27FC236}">
-                <a16:creationId xmlns:a16="http://schemas.microsoft.com/office/drawing/2014/main" id="{A6792F05-2FD4-4F18-815E-15391E8B4A0E}"/>
-              </a:ext>
-              <a:ext uri="{C183D7F6-B498-43B3-948B-1728B52AA6E4}">
-                <adec:decorative xmlns:adec="http://schemas.microsoft.com/office/drawing/2017/decorative" val="1"/>
-              </a:ext>
-            </a:extLst>
-          </p:cNvPr>
-          <p:cNvSpPr>
-            <a:spLocks noGrp="1" noRot="1" noChangeAspect="1" noMove="1" noResize="1" noEditPoints="1" noAdjustHandles="1" noChangeArrowheads="1" noChangeShapeType="1" noTextEdit="1"/>
-          </p:cNvSpPr>
-          <p:nvPr>
-            <p:extLst>
-              <p:ext uri="{386F3935-93C4-4BCD-93E2-E3B085C9AB24}">
-                <p16:designElem xmlns:p16="http://schemas.microsoft.com/office/powerpoint/2015/main" val="1"/>
-              </p:ext>
-            </p:extLst>
-          </p:nvPr>
-        </p:nvSpPr>
-        <p:spPr>
-          <a:xfrm>
-            <a:off x="0" y="0"/>
-            <a:ext cx="12191999" cy="6858000"/>
-          </a:xfrm>
-          <a:prstGeom prst="rect">
-            <a:avLst/>
-          </a:prstGeom>
-          <a:solidFill>
-            <a:srgbClr val="395583"/>
-          </a:solidFill>
-          <a:ln>
-            <a:noFill/>
-          </a:ln>
-        </p:spPr>
-        <p:style>
-          <a:lnRef idx="2">
-            <a:schemeClr val="accent1">
-              <a:shade val="50000"/>
-            </a:schemeClr>
-          </a:lnRef>
-          <a:fillRef idx="1">
-            <a:schemeClr val="accent1"/>
-          </a:fillRef>
-          <a:effectRef idx="0">
-            <a:schemeClr val="accent1"/>
-          </a:effectRef>
-          <a:fontRef idx="minor">
-            <a:schemeClr val="lt1"/>
-          </a:fontRef>
-        </p:style>
-        <p:txBody>
-          <a:bodyPr rtlCol="0" anchor="ctr"/>
-          <a:lstStyle/>
-          <a:p>
-            <a:pPr algn="ctr"/>
-            <a:endParaRPr lang="en-US"/>
-          </a:p>
-        </p:txBody>
-      </p:sp>
-      <p:sp>
-        <p:nvSpPr>
-          <p:cNvPr id="2" name="Title 1">
-            <a:extLst>
-              <a:ext uri="{FF2B5EF4-FFF2-40B4-BE49-F238E27FC236}">
-                <a16:creationId xmlns:a16="http://schemas.microsoft.com/office/drawing/2014/main" id="{2589AFCC-0FF0-498C-B11F-8990DF0DAAA5}"/>
-              </a:ext>
-            </a:extLst>
-          </p:cNvPr>
-          <p:cNvSpPr>
-            <a:spLocks noGrp="1"/>
-          </p:cNvSpPr>
-          <p:nvPr>
-            <p:ph type="title"/>
-          </p:nvPr>
-        </p:nvSpPr>
-        <p:spPr>
-          <a:xfrm>
-            <a:off x="838200" y="365125"/>
-            <a:ext cx="10515600" cy="1325563"/>
-          </a:xfrm>
-        </p:spPr>
-        <p:txBody>
-          <a:bodyPr>
-            <a:normAutofit/>
-          </a:bodyPr>
-          <a:lstStyle/>
-          <a:p>
-            <a:r>
-              <a:rPr lang="en-US" b="1" dirty="0">
-                <a:latin typeface="Selawik Semibold" panose="020B0604020202020204" pitchFamily="34" charset="0"/>
-              </a:rPr>
-              <a:t>Your Industry Future</a:t>
-            </a:r>
-          </a:p>
-        </p:txBody>
-      </p:sp>
-      <p:sp>
-        <p:nvSpPr>
-          <p:cNvPr id="9" name="Content Placeholder 8">
-            <a:extLst>
-              <a:ext uri="{FF2B5EF4-FFF2-40B4-BE49-F238E27FC236}">
-                <a16:creationId xmlns:a16="http://schemas.microsoft.com/office/drawing/2014/main" id="{2D995594-59F2-4020-AB6F-751BAE84ADB3}"/>
-              </a:ext>
-            </a:extLst>
-          </p:cNvPr>
-          <p:cNvSpPr>
-            <a:spLocks noGrp="1"/>
-          </p:cNvSpPr>
-          <p:nvPr>
-            <p:ph idx="1"/>
-          </p:nvPr>
-        </p:nvSpPr>
-        <p:spPr>
-          <a:xfrm>
-            <a:off x="838199" y="2021248"/>
-            <a:ext cx="7547812" cy="4695905"/>
-          </a:xfrm>
-        </p:spPr>
-        <p:txBody>
-          <a:bodyPr>
-            <a:normAutofit/>
-          </a:bodyPr>
-          <a:lstStyle/>
-          <a:p>
-            <a:r>
-              <a:rPr lang="en-US" sz="2400" dirty="0">
-                <a:latin typeface="Selawik Semibold" panose="020B0702040204020203" pitchFamily="34" charset="0"/>
-              </a:rPr>
-              <a:t>Conferences</a:t>
-            </a:r>
-          </a:p>
-          <a:p>
-            <a:pPr marL="0" indent="0">
-              <a:buNone/>
-            </a:pPr>
-            <a:endParaRPr lang="en-US" sz="800" dirty="0">
-              <a:latin typeface="Selawik Semibold" panose="020B0702040204020203" pitchFamily="34" charset="0"/>
-            </a:endParaRPr>
-          </a:p>
-          <a:p>
-            <a:pPr lvl="1"/>
-            <a:r>
-              <a:rPr lang="en-US" sz="2000" dirty="0">
-                <a:latin typeface="Selawik Semibold" panose="020B0702040204020203" pitchFamily="34" charset="0"/>
-              </a:rPr>
-              <a:t>November</a:t>
-            </a:r>
-          </a:p>
-          <a:p>
-            <a:pPr lvl="2"/>
-            <a:r>
-              <a:rPr lang="en-US" sz="1800" dirty="0">
-                <a:latin typeface="Selawik Semibold" panose="020B0702040204020203" pitchFamily="34" charset="0"/>
-              </a:rPr>
-              <a:t>Carnegie Mellon Sports Analytics Conference in Pittsburgh, PA</a:t>
-            </a:r>
-          </a:p>
-          <a:p>
-            <a:pPr lvl="2"/>
-            <a:r>
-              <a:rPr lang="en-US" sz="1800" dirty="0">
-                <a:latin typeface="Selawik Semibold" panose="020B0702040204020203" pitchFamily="34" charset="0"/>
-              </a:rPr>
-              <a:t>Ottawa Hockey Analytics at Carleton in Ottawa</a:t>
-            </a:r>
-          </a:p>
-          <a:p>
-            <a:pPr lvl="2"/>
-            <a:r>
-              <a:rPr lang="en-US" sz="1800" dirty="0">
-                <a:latin typeface="Selawik Semibold" panose="020B0702040204020203" pitchFamily="34" charset="0"/>
-              </a:rPr>
-              <a:t>Midwest Sports Analytics Meeting in </a:t>
-            </a:r>
-            <a:r>
-              <a:rPr lang="en-US" sz="1800" dirty="0" err="1">
-                <a:latin typeface="Selawik Semibold" panose="020B0702040204020203" pitchFamily="34" charset="0"/>
-              </a:rPr>
-              <a:t>Pelle</a:t>
-            </a:r>
-            <a:r>
-              <a:rPr lang="en-US" sz="1800" dirty="0">
-                <a:latin typeface="Selawik Semibold" panose="020B0702040204020203" pitchFamily="34" charset="0"/>
-              </a:rPr>
-              <a:t>, IA</a:t>
-            </a:r>
-          </a:p>
-          <a:p>
-            <a:pPr lvl="2"/>
-            <a:r>
-              <a:rPr lang="en-US" sz="1800" dirty="0">
-                <a:latin typeface="Selawik Semibold" panose="020B0702040204020203" pitchFamily="34" charset="0"/>
-              </a:rPr>
-              <a:t>United Kingdom Sports Analytics Conference in London</a:t>
-            </a:r>
-          </a:p>
-          <a:p>
-            <a:pPr marL="914400" lvl="2" indent="0">
-              <a:buNone/>
-            </a:pPr>
-            <a:endParaRPr lang="en-US" sz="800" dirty="0">
-              <a:latin typeface="Selawik Semibold" panose="020B0702040204020203" pitchFamily="34" charset="0"/>
-            </a:endParaRPr>
-          </a:p>
-          <a:p>
-            <a:pPr lvl="1"/>
-            <a:r>
-              <a:rPr lang="en-US" sz="2000" dirty="0">
-                <a:latin typeface="Selawik Semibold" panose="020B0702040204020203" pitchFamily="34" charset="0"/>
-              </a:rPr>
-              <a:t>December</a:t>
-            </a:r>
-          </a:p>
-          <a:p>
-            <a:pPr lvl="2"/>
-            <a:r>
-              <a:rPr lang="en-US" sz="1800" dirty="0">
-                <a:latin typeface="Selawik Semibold" panose="020B0702040204020203" pitchFamily="34" charset="0"/>
-              </a:rPr>
-              <a:t>Midwest Sports Biometrics Conference in San </a:t>
-            </a:r>
-            <a:r>
-              <a:rPr lang="en-US" sz="1800" dirty="0" err="1">
-                <a:latin typeface="Selawik Semibold" panose="020B0702040204020203" pitchFamily="34" charset="0"/>
-              </a:rPr>
-              <a:t>Francisco,CA</a:t>
-            </a:r>
-            <a:endParaRPr lang="en-US" sz="1800" dirty="0">
-              <a:latin typeface="Selawik Semibold" panose="020B0702040204020203" pitchFamily="34" charset="0"/>
-            </a:endParaRPr>
-          </a:p>
-          <a:p>
-            <a:pPr marL="914400" lvl="2" indent="0">
-              <a:buNone/>
-            </a:pPr>
-            <a:endParaRPr lang="en-US" sz="800" dirty="0">
-              <a:latin typeface="Selawik Semibold" panose="020B0702040204020203" pitchFamily="34" charset="0"/>
-            </a:endParaRPr>
-          </a:p>
-          <a:p>
-            <a:pPr lvl="1"/>
-            <a:r>
-              <a:rPr lang="en-US" sz="2200" dirty="0">
-                <a:latin typeface="Selawik Semibold" panose="020B0702040204020203" pitchFamily="34" charset="0"/>
-              </a:rPr>
-              <a:t>March</a:t>
-            </a:r>
-          </a:p>
-          <a:p>
-            <a:pPr lvl="2"/>
-            <a:r>
-              <a:rPr lang="en-US" sz="1800" dirty="0">
-                <a:latin typeface="Selawik Semibold" panose="020B0702040204020203" pitchFamily="34" charset="0"/>
-              </a:rPr>
-              <a:t>MIT Sloan Sports Analytics Conference in Boston, MA</a:t>
-            </a:r>
-          </a:p>
-          <a:p>
-            <a:endParaRPr lang="en-US" sz="2600" dirty="0">
-              <a:latin typeface="Selawik Semibold" panose="020B0702040204020203" pitchFamily="34" charset="0"/>
-            </a:endParaRPr>
-          </a:p>
-        </p:txBody>
-      </p:sp>
-      <p:pic>
-        <p:nvPicPr>
-          <p:cNvPr id="4" name="Picture 3" descr="A drawing of a cartoon character&#10;&#10;Description automatically generated">
-            <a:extLst>
-              <a:ext uri="{FF2B5EF4-FFF2-40B4-BE49-F238E27FC236}">
-                <a16:creationId xmlns:a16="http://schemas.microsoft.com/office/drawing/2014/main" id="{A7FDC859-D890-4904-9C64-27F43DA90453}"/>
-              </a:ext>
-            </a:extLst>
-          </p:cNvPr>
-          <p:cNvPicPr>
-            <a:picLocks noChangeAspect="1"/>
-          </p:cNvPicPr>
-          <p:nvPr/>
-        </p:nvPicPr>
-        <p:blipFill rotWithShape="1">
-          <a:blip r:embed="rId2">
-            <a:extLst>
-              <a:ext uri="{28A0092B-C50C-407E-A947-70E740481C1C}">
-                <a14:useLocalDpi xmlns:a14="http://schemas.microsoft.com/office/drawing/2010/main" val="0"/>
-              </a:ext>
-            </a:extLst>
-          </a:blip>
-          <a:srcRect t="5616" r="2" b="2"/>
-          <a:stretch/>
-        </p:blipFill>
-        <p:spPr>
-          <a:xfrm>
-            <a:off x="7471144" y="1700078"/>
-            <a:ext cx="4720855" cy="2583792"/>
-          </a:xfrm>
-          <a:custGeom>
-            <a:avLst/>
-            <a:gdLst>
-              <a:gd name="connsiteX0" fmla="*/ 0 w 5475077"/>
-              <a:gd name="connsiteY0" fmla="*/ 0 h 2583792"/>
-              <a:gd name="connsiteX1" fmla="*/ 5475077 w 5475077"/>
-              <a:gd name="connsiteY1" fmla="*/ 0 h 2583792"/>
-              <a:gd name="connsiteX2" fmla="*/ 5475077 w 5475077"/>
-              <a:gd name="connsiteY2" fmla="*/ 2583792 h 2583792"/>
-              <a:gd name="connsiteX3" fmla="*/ 1197192 w 5475077"/>
-              <a:gd name="connsiteY3" fmla="*/ 2583792 h 2583792"/>
-            </a:gdLst>
-            <a:ahLst/>
-            <a:cxnLst>
-              <a:cxn ang="0">
-                <a:pos x="connsiteX0" y="connsiteY0"/>
-              </a:cxn>
-              <a:cxn ang="0">
-                <a:pos x="connsiteX1" y="connsiteY1"/>
-              </a:cxn>
-              <a:cxn ang="0">
-                <a:pos x="connsiteX2" y="connsiteY2"/>
-              </a:cxn>
-              <a:cxn ang="0">
-                <a:pos x="connsiteX3" y="connsiteY3"/>
-              </a:cxn>
-            </a:cxnLst>
-            <a:rect l="l" t="t" r="r" b="b"/>
-            <a:pathLst>
-              <a:path w="5475077" h="2583792">
-                <a:moveTo>
-                  <a:pt x="0" y="0"/>
-                </a:moveTo>
-                <a:lnTo>
-                  <a:pt x="5475077" y="0"/>
-                </a:lnTo>
-                <a:lnTo>
-                  <a:pt x="5475077" y="2583792"/>
-                </a:lnTo>
-                <a:lnTo>
-                  <a:pt x="1197192" y="2583792"/>
-                </a:lnTo>
-                <a:close/>
-              </a:path>
-            </a:pathLst>
-          </a:custGeom>
-        </p:spPr>
-      </p:pic>
-      <p:pic>
-        <p:nvPicPr>
-          <p:cNvPr id="5" name="Content Placeholder 4" descr="A picture containing indoor&#10;&#10;Description automatically generated">
-            <a:extLst>
-              <a:ext uri="{FF2B5EF4-FFF2-40B4-BE49-F238E27FC236}">
-                <a16:creationId xmlns:a16="http://schemas.microsoft.com/office/drawing/2014/main" id="{A58F0E55-21F3-485B-A07F-1CE74177BDD2}"/>
-              </a:ext>
-            </a:extLst>
-          </p:cNvPr>
-          <p:cNvPicPr>
-            <a:picLocks noChangeAspect="1"/>
-          </p:cNvPicPr>
-          <p:nvPr/>
-        </p:nvPicPr>
-        <p:blipFill rotWithShape="1">
-          <a:blip r:embed="rId3">
-            <a:extLst>
-              <a:ext uri="{28A0092B-C50C-407E-A947-70E740481C1C}">
-                <a14:useLocalDpi xmlns:a14="http://schemas.microsoft.com/office/drawing/2010/main" val="0"/>
-              </a:ext>
-            </a:extLst>
-          </a:blip>
-          <a:srcRect t="5300" r="3" b="6859"/>
-          <a:stretch/>
-        </p:blipFill>
-        <p:spPr>
-          <a:xfrm>
-            <a:off x="8491869" y="4283870"/>
-            <a:ext cx="3700129" cy="2583520"/>
-          </a:xfrm>
-          <a:custGeom>
-            <a:avLst/>
-            <a:gdLst>
-              <a:gd name="connsiteX0" fmla="*/ 0 w 4277884"/>
-              <a:gd name="connsiteY0" fmla="*/ 0 h 2583520"/>
-              <a:gd name="connsiteX1" fmla="*/ 4277884 w 4277884"/>
-              <a:gd name="connsiteY1" fmla="*/ 0 h 2583520"/>
-              <a:gd name="connsiteX2" fmla="*/ 4277884 w 4277884"/>
-              <a:gd name="connsiteY2" fmla="*/ 2583520 h 2583520"/>
-              <a:gd name="connsiteX3" fmla="*/ 1192437 w 4277884"/>
-              <a:gd name="connsiteY3" fmla="*/ 2583520 h 2583520"/>
-              <a:gd name="connsiteX4" fmla="*/ 1188085 w 4277884"/>
-              <a:gd name="connsiteY4" fmla="*/ 2574129 h 2583520"/>
-              <a:gd name="connsiteX5" fmla="*/ 1192715 w 4277884"/>
-              <a:gd name="connsiteY5" fmla="*/ 2574129 h 2583520"/>
-            </a:gdLst>
-            <a:ahLst/>
-            <a:cxnLst>
-              <a:cxn ang="0">
-                <a:pos x="connsiteX0" y="connsiteY0"/>
-              </a:cxn>
-              <a:cxn ang="0">
-                <a:pos x="connsiteX1" y="connsiteY1"/>
-              </a:cxn>
-              <a:cxn ang="0">
-                <a:pos x="connsiteX2" y="connsiteY2"/>
-              </a:cxn>
-              <a:cxn ang="0">
-                <a:pos x="connsiteX3" y="connsiteY3"/>
-              </a:cxn>
-              <a:cxn ang="0">
-                <a:pos x="connsiteX4" y="connsiteY4"/>
-              </a:cxn>
-              <a:cxn ang="0">
-                <a:pos x="connsiteX5" y="connsiteY5"/>
-              </a:cxn>
-            </a:cxnLst>
-            <a:rect l="l" t="t" r="r" b="b"/>
-            <a:pathLst>
-              <a:path w="4277884" h="2583520">
-                <a:moveTo>
-                  <a:pt x="0" y="0"/>
-                </a:moveTo>
-                <a:lnTo>
-                  <a:pt x="4277884" y="0"/>
-                </a:lnTo>
-                <a:lnTo>
-                  <a:pt x="4277884" y="2583520"/>
-                </a:lnTo>
-                <a:lnTo>
-                  <a:pt x="1192437" y="2583520"/>
-                </a:lnTo>
-                <a:lnTo>
-                  <a:pt x="1188085" y="2574129"/>
-                </a:lnTo>
-                <a:lnTo>
-                  <a:pt x="1192715" y="2574129"/>
-                </a:lnTo>
-                <a:close/>
-              </a:path>
-            </a:pathLst>
-          </a:custGeom>
-        </p:spPr>
-      </p:pic>
-      <p:sp>
-        <p:nvSpPr>
-          <p:cNvPr id="6" name="Rectangle 5">
-            <a:extLst>
-              <a:ext uri="{FF2B5EF4-FFF2-40B4-BE49-F238E27FC236}">
-                <a16:creationId xmlns:a16="http://schemas.microsoft.com/office/drawing/2014/main" id="{A2901312-C3C2-4CEC-80EF-823AB4FBB726}"/>
-              </a:ext>
-            </a:extLst>
-          </p:cNvPr>
-          <p:cNvSpPr/>
-          <p:nvPr/>
-        </p:nvSpPr>
-        <p:spPr>
-          <a:xfrm>
-            <a:off x="-1" y="1608918"/>
-            <a:ext cx="12191999" cy="91160"/>
-          </a:xfrm>
-          <a:prstGeom prst="rect">
-            <a:avLst/>
-          </a:prstGeom>
-          <a:solidFill>
-            <a:schemeClr val="bg1"/>
-          </a:solidFill>
-          <a:ln>
-            <a:noFill/>
-          </a:ln>
-        </p:spPr>
-        <p:style>
-          <a:lnRef idx="2">
-            <a:schemeClr val="accent1">
-              <a:shade val="50000"/>
-            </a:schemeClr>
-          </a:lnRef>
-          <a:fillRef idx="1">
-            <a:schemeClr val="accent1"/>
-          </a:fillRef>
-          <a:effectRef idx="0">
-            <a:schemeClr val="accent1"/>
-          </a:effectRef>
-          <a:fontRef idx="minor">
-            <a:schemeClr val="lt1"/>
-          </a:fontRef>
-        </p:style>
-        <p:txBody>
-          <a:bodyPr rtlCol="0" anchor="ctr"/>
-          <a:lstStyle/>
-          <a:p>
-            <a:pPr algn="ctr"/>
-            <a:endParaRPr lang="en-US">
-              <a:solidFill>
-                <a:srgbClr val="DB5B5C"/>
-              </a:solidFill>
-            </a:endParaRPr>
-          </a:p>
-        </p:txBody>
-      </p:sp>
-      <p:sp>
-        <p:nvSpPr>
-          <p:cNvPr id="15" name="Rectangle 14">
-            <a:extLst>
-              <a:ext uri="{FF2B5EF4-FFF2-40B4-BE49-F238E27FC236}">
-                <a16:creationId xmlns:a16="http://schemas.microsoft.com/office/drawing/2014/main" id="{AD0A7C9C-CA2C-4B9B-A125-2D09D5573B44}"/>
-              </a:ext>
-            </a:extLst>
-          </p:cNvPr>
-          <p:cNvSpPr/>
-          <p:nvPr/>
-        </p:nvSpPr>
-        <p:spPr>
-          <a:xfrm>
-            <a:off x="1" y="6677247"/>
-            <a:ext cx="12191999" cy="190143"/>
-          </a:xfrm>
-          <a:prstGeom prst="rect">
-            <a:avLst/>
-          </a:prstGeom>
-          <a:solidFill>
-            <a:schemeClr val="bg1"/>
-          </a:solidFill>
-          <a:ln>
-            <a:noFill/>
-          </a:ln>
-        </p:spPr>
-        <p:style>
-          <a:lnRef idx="2">
-            <a:schemeClr val="accent1">
-              <a:shade val="50000"/>
-            </a:schemeClr>
-          </a:lnRef>
-          <a:fillRef idx="1">
-            <a:schemeClr val="accent1"/>
-          </a:fillRef>
-          <a:effectRef idx="0">
-            <a:schemeClr val="accent1"/>
-          </a:effectRef>
-          <a:fontRef idx="minor">
-            <a:schemeClr val="lt1"/>
-          </a:fontRef>
-        </p:style>
-        <p:txBody>
-          <a:bodyPr rtlCol="0" anchor="ctr"/>
-          <a:lstStyle/>
-          <a:p>
-            <a:pPr algn="ctr"/>
-            <a:endParaRPr lang="en-US">
-              <a:solidFill>
-                <a:srgbClr val="DB5B5C"/>
-              </a:solidFill>
-            </a:endParaRPr>
-          </a:p>
-        </p:txBody>
-      </p:sp>
-      <p:sp>
-        <p:nvSpPr>
-          <p:cNvPr id="16" name="Rectangle 15">
-            <a:extLst>
-              <a:ext uri="{FF2B5EF4-FFF2-40B4-BE49-F238E27FC236}">
-                <a16:creationId xmlns:a16="http://schemas.microsoft.com/office/drawing/2014/main" id="{74A085FC-1866-46D4-97F7-51AA45E48D4F}"/>
-              </a:ext>
-            </a:extLst>
-          </p:cNvPr>
-          <p:cNvSpPr/>
-          <p:nvPr/>
-        </p:nvSpPr>
-        <p:spPr>
-          <a:xfrm rot="4092292">
-            <a:off x="5790668" y="4094517"/>
-            <a:ext cx="5446699" cy="137038"/>
-          </a:xfrm>
-          <a:prstGeom prst="rect">
-            <a:avLst/>
-          </a:prstGeom>
-          <a:solidFill>
-            <a:schemeClr val="bg1"/>
-          </a:solidFill>
-          <a:ln>
-            <a:noFill/>
-          </a:ln>
-        </p:spPr>
-        <p:style>
-          <a:lnRef idx="2">
-            <a:schemeClr val="accent1">
-              <a:shade val="50000"/>
-            </a:schemeClr>
-          </a:lnRef>
-          <a:fillRef idx="1">
-            <a:schemeClr val="accent1"/>
-          </a:fillRef>
-          <a:effectRef idx="0">
-            <a:schemeClr val="accent1"/>
-          </a:effectRef>
-          <a:fontRef idx="minor">
-            <a:schemeClr val="lt1"/>
-          </a:fontRef>
-        </p:style>
-        <p:txBody>
-          <a:bodyPr rtlCol="0" anchor="ctr"/>
-          <a:lstStyle/>
-          <a:p>
-            <a:pPr algn="ctr"/>
-            <a:endParaRPr lang="en-US">
-              <a:solidFill>
-                <a:srgbClr val="DB5B5C"/>
-              </a:solidFill>
-            </a:endParaRPr>
-          </a:p>
-        </p:txBody>
-      </p:sp>
-      <p:sp>
-        <p:nvSpPr>
-          <p:cNvPr id="10" name="TextBox 9">
-            <a:extLst>
-              <a:ext uri="{FF2B5EF4-FFF2-40B4-BE49-F238E27FC236}">
-                <a16:creationId xmlns:a16="http://schemas.microsoft.com/office/drawing/2014/main" id="{A502634D-EB60-4C74-B8AF-5B6AAE256C4B}"/>
-              </a:ext>
-            </a:extLst>
-          </p:cNvPr>
-          <p:cNvSpPr txBox="1"/>
-          <p:nvPr/>
-        </p:nvSpPr>
-        <p:spPr>
-          <a:xfrm>
-            <a:off x="529389" y="6298525"/>
-            <a:ext cx="8713057" cy="400110"/>
-          </a:xfrm>
-          <a:prstGeom prst="rect">
-            <a:avLst/>
-          </a:prstGeom>
-          <a:noFill/>
-        </p:spPr>
-        <p:txBody>
-          <a:bodyPr wrap="square" rtlCol="0">
-            <a:spAutoFit/>
-          </a:bodyPr>
-          <a:lstStyle/>
-          <a:p>
-            <a:pPr algn="r"/>
-            <a:r>
-              <a:rPr lang="en-US" sz="2000" dirty="0"/>
-              <a:t>Compiled by statsheetstuffers.com and sportsanalyticsconferences.com</a:t>
-            </a:r>
-          </a:p>
-        </p:txBody>
-      </p:sp>
-    </p:spTree>
-    <p:extLst>
-      <p:ext uri="{BB962C8B-B14F-4D97-AF65-F5344CB8AC3E}">
-        <p14:creationId xmlns:p14="http://schemas.microsoft.com/office/powerpoint/2010/main" val="1145033991"/>
-      </p:ext>
-    </p:extLst>
-  </p:cSld>
-  <p:clrMapOvr>
-    <a:overrideClrMapping bg1="dk1" tx1="lt1" bg2="dk2" tx2="lt2" accent1="accent1" accent2="accent2" accent3="accent3" accent4="accent4" accent5="accent5" accent6="accent6" hlink="hlink" folHlink="folHlink"/>
-  </p:clrMapOvr>
-</p:sld>
-</file>
-
-<file path=ppt/slides/slide2.xml><?xml version="1.0" encoding="utf-8"?>
-<p:sld xmlns:a="http://schemas.openxmlformats.org/drawingml/2006/main" xmlns:r="http://schemas.openxmlformats.org/officeDocument/2006/relationships" xmlns:p="http://schemas.openxmlformats.org/presentationml/2006/main">
-  <p:cSld>
-    <p:bg>
-      <p:bgPr>
-        <a:solidFill>
-          <a:srgbClr val="395583"/>
-        </a:solidFill>
-        <a:effectLst/>
-      </p:bgPr>
-    </p:bg>
-    <p:spTree>
-      <p:nvGrpSpPr>
-        <p:cNvPr id="1" name=""/>
-        <p:cNvGrpSpPr/>
-        <p:nvPr/>
-      </p:nvGrpSpPr>
-      <p:grpSpPr>
-        <a:xfrm>
-          <a:off x="0" y="0"/>
-          <a:ext cx="0" cy="0"/>
-          <a:chOff x="0" y="0"/>
-          <a:chExt cx="0" cy="0"/>
-        </a:xfrm>
-      </p:grpSpPr>
-      <p:sp>
-        <p:nvSpPr>
-          <p:cNvPr id="25" name="Rectangle 24">
-            <a:extLst>
-              <a:ext uri="{FF2B5EF4-FFF2-40B4-BE49-F238E27FC236}">
-                <a16:creationId xmlns:a16="http://schemas.microsoft.com/office/drawing/2014/main" id="{A6792F05-2FD4-4F18-815E-15391E8B4A0E}"/>
-              </a:ext>
-              <a:ext uri="{C183D7F6-B498-43B3-948B-1728B52AA6E4}">
-                <adec:decorative xmlns:adec="http://schemas.microsoft.com/office/drawing/2017/decorative" val="1"/>
-              </a:ext>
-            </a:extLst>
-          </p:cNvPr>
-          <p:cNvSpPr>
-            <a:spLocks noGrp="1" noRot="1" noChangeAspect="1" noMove="1" noResize="1" noEditPoints="1" noAdjustHandles="1" noChangeArrowheads="1" noChangeShapeType="1" noTextEdit="1"/>
-          </p:cNvSpPr>
-          <p:nvPr>
-            <p:extLst>
-              <p:ext uri="{386F3935-93C4-4BCD-93E2-E3B085C9AB24}">
-                <p16:designElem xmlns:p16="http://schemas.microsoft.com/office/powerpoint/2015/main" val="1"/>
-              </p:ext>
-            </p:extLst>
-          </p:nvPr>
-        </p:nvSpPr>
-        <p:spPr>
-          <a:xfrm>
-            <a:off x="0" y="0"/>
-            <a:ext cx="12191999" cy="6858000"/>
-          </a:xfrm>
-          <a:prstGeom prst="rect">
-            <a:avLst/>
-          </a:prstGeom>
-          <a:solidFill>
-            <a:srgbClr val="395583"/>
-          </a:solidFill>
-          <a:ln>
-            <a:noFill/>
-          </a:ln>
-        </p:spPr>
-        <p:style>
-          <a:lnRef idx="2">
-            <a:schemeClr val="accent1">
-              <a:shade val="50000"/>
-            </a:schemeClr>
-          </a:lnRef>
-          <a:fillRef idx="1">
-            <a:schemeClr val="accent1"/>
-          </a:fillRef>
-          <a:effectRef idx="0">
-            <a:schemeClr val="accent1"/>
-          </a:effectRef>
-          <a:fontRef idx="minor">
-            <a:schemeClr val="lt1"/>
-          </a:fontRef>
-        </p:style>
-        <p:txBody>
-          <a:bodyPr rtlCol="0" anchor="ctr"/>
-          <a:lstStyle/>
-          <a:p>
-            <a:pPr algn="ctr"/>
-            <a:endParaRPr lang="en-US"/>
-          </a:p>
-        </p:txBody>
-      </p:sp>
-      <p:sp>
-        <p:nvSpPr>
-          <p:cNvPr id="2" name="Title 1">
-            <a:extLst>
-              <a:ext uri="{FF2B5EF4-FFF2-40B4-BE49-F238E27FC236}">
-                <a16:creationId xmlns:a16="http://schemas.microsoft.com/office/drawing/2014/main" id="{2589AFCC-0FF0-498C-B11F-8990DF0DAAA5}"/>
-              </a:ext>
-            </a:extLst>
-          </p:cNvPr>
-          <p:cNvSpPr>
-            <a:spLocks noGrp="1"/>
-          </p:cNvSpPr>
-          <p:nvPr>
-            <p:ph type="title"/>
-          </p:nvPr>
-        </p:nvSpPr>
-        <p:spPr>
-          <a:xfrm>
-            <a:off x="838200" y="365125"/>
-            <a:ext cx="10515600" cy="1325563"/>
-          </a:xfrm>
-        </p:spPr>
-        <p:txBody>
-          <a:bodyPr>
-            <a:normAutofit/>
-          </a:bodyPr>
-          <a:lstStyle/>
-          <a:p>
-            <a:r>
-              <a:rPr lang="en-US" b="1" dirty="0">
-                <a:latin typeface="Selawik Semibold" panose="020B0604020202020204" pitchFamily="34" charset="0"/>
-              </a:rPr>
-              <a:t>Industry Past</a:t>
-            </a:r>
-          </a:p>
-        </p:txBody>
-      </p:sp>
-      <p:sp>
-        <p:nvSpPr>
-          <p:cNvPr id="9" name="Content Placeholder 8">
-            <a:extLst>
-              <a:ext uri="{FF2B5EF4-FFF2-40B4-BE49-F238E27FC236}">
-                <a16:creationId xmlns:a16="http://schemas.microsoft.com/office/drawing/2014/main" id="{2D995594-59F2-4020-AB6F-751BAE84ADB3}"/>
-              </a:ext>
-            </a:extLst>
-          </p:cNvPr>
-          <p:cNvSpPr>
-            <a:spLocks noGrp="1"/>
-          </p:cNvSpPr>
-          <p:nvPr>
-            <p:ph idx="1"/>
-          </p:nvPr>
-        </p:nvSpPr>
-        <p:spPr>
-          <a:xfrm>
-            <a:off x="838200" y="2021249"/>
-            <a:ext cx="6994712" cy="4155713"/>
-          </a:xfrm>
-        </p:spPr>
-        <p:txBody>
-          <a:bodyPr>
-            <a:normAutofit/>
-          </a:bodyPr>
-          <a:lstStyle/>
-          <a:p>
-            <a:r>
-              <a:rPr lang="en-US" sz="2400" dirty="0">
-                <a:latin typeface="Selawik Semibold" panose="020B0702040204020203" pitchFamily="34" charset="0"/>
-              </a:rPr>
-              <a:t>Sports Analytics Use Survey (2013)</a:t>
-            </a:r>
-          </a:p>
-          <a:p>
-            <a:endParaRPr lang="en-US" sz="2400" dirty="0">
-              <a:latin typeface="Selawik Semibold" panose="020B0702040204020203" pitchFamily="34" charset="0"/>
-            </a:endParaRPr>
-          </a:p>
-          <a:p>
-            <a:r>
-              <a:rPr lang="en-US" sz="2400" dirty="0">
-                <a:latin typeface="Selawik Semibold" panose="020B0702040204020203" pitchFamily="34" charset="0"/>
-              </a:rPr>
-              <a:t>Sample of 27 People</a:t>
-            </a:r>
-            <a:r>
-              <a:rPr lang="en-US" sz="2000" dirty="0">
-                <a:latin typeface="Selawik Semibold" panose="020B0702040204020203" pitchFamily="34" charset="0"/>
-              </a:rPr>
-              <a:t> </a:t>
-            </a:r>
-            <a:r>
-              <a:rPr lang="en-US" sz="2400" dirty="0">
-                <a:latin typeface="Selawik Semibold" panose="020B0702040204020203" pitchFamily="34" charset="0"/>
-              </a:rPr>
-              <a:t>(NFL, MLB, NBA, EPL)</a:t>
-            </a:r>
-          </a:p>
-          <a:p>
-            <a:endParaRPr lang="en-US" sz="2400" dirty="0">
-              <a:latin typeface="Selawik Semibold" panose="020B0702040204020203" pitchFamily="34" charset="0"/>
-            </a:endParaRPr>
-          </a:p>
-          <a:p>
-            <a:r>
-              <a:rPr lang="en-US" sz="2400" dirty="0">
-                <a:latin typeface="Selawik Semibold" panose="020B0702040204020203" pitchFamily="34" charset="0"/>
-              </a:rPr>
-              <a:t>How Many Different Sources?</a:t>
-            </a:r>
-          </a:p>
-          <a:p>
-            <a:pPr lvl="1"/>
-            <a:r>
-              <a:rPr lang="en-US" sz="2000" dirty="0">
-                <a:latin typeface="Selawik Semibold" panose="020B0702040204020203" pitchFamily="34" charset="0"/>
-              </a:rPr>
-              <a:t>1-2 (6.7%) </a:t>
-            </a:r>
-          </a:p>
-          <a:p>
-            <a:pPr lvl="1"/>
-            <a:r>
-              <a:rPr lang="en-US" sz="2000" dirty="0">
-                <a:latin typeface="Selawik Semibold" panose="020B0702040204020203" pitchFamily="34" charset="0"/>
-              </a:rPr>
-              <a:t>3-4 (33.3%) </a:t>
-            </a:r>
-          </a:p>
-          <a:p>
-            <a:pPr lvl="1"/>
-            <a:r>
-              <a:rPr lang="en-US" sz="2000" dirty="0">
-                <a:latin typeface="Selawik Semibold" panose="020B0702040204020203" pitchFamily="34" charset="0"/>
-              </a:rPr>
-              <a:t>5-6 (13.3%) </a:t>
-            </a:r>
-          </a:p>
-          <a:p>
-            <a:pPr lvl="1"/>
-            <a:r>
-              <a:rPr lang="en-US" sz="2000" dirty="0">
-                <a:latin typeface="Selawik Semibold" panose="020B0702040204020203" pitchFamily="34" charset="0"/>
-              </a:rPr>
-              <a:t>&gt;6 (46.71%) </a:t>
-            </a:r>
-          </a:p>
-        </p:txBody>
-      </p:sp>
-      <p:pic>
-        <p:nvPicPr>
-          <p:cNvPr id="4" name="Picture 3" descr="A drawing of a cartoon character&#10;&#10;Description automatically generated">
-            <a:extLst>
-              <a:ext uri="{FF2B5EF4-FFF2-40B4-BE49-F238E27FC236}">
-                <a16:creationId xmlns:a16="http://schemas.microsoft.com/office/drawing/2014/main" id="{A7FDC859-D890-4904-9C64-27F43DA90453}"/>
-              </a:ext>
-            </a:extLst>
-          </p:cNvPr>
-          <p:cNvPicPr>
-            <a:picLocks noChangeAspect="1"/>
-          </p:cNvPicPr>
-          <p:nvPr/>
-        </p:nvPicPr>
-        <p:blipFill rotWithShape="1">
-          <a:blip r:embed="rId2">
-            <a:extLst>
-              <a:ext uri="{28A0092B-C50C-407E-A947-70E740481C1C}">
-                <a14:useLocalDpi xmlns:a14="http://schemas.microsoft.com/office/drawing/2010/main" val="0"/>
-              </a:ext>
-            </a:extLst>
-          </a:blip>
-          <a:srcRect t="5616" r="2" b="2"/>
-          <a:stretch/>
-        </p:blipFill>
-        <p:spPr>
-          <a:xfrm>
-            <a:off x="7471144" y="1700078"/>
-            <a:ext cx="4720855" cy="2583792"/>
-          </a:xfrm>
-          <a:custGeom>
-            <a:avLst/>
-            <a:gdLst>
-              <a:gd name="connsiteX0" fmla="*/ 0 w 5475077"/>
-              <a:gd name="connsiteY0" fmla="*/ 0 h 2583792"/>
-              <a:gd name="connsiteX1" fmla="*/ 5475077 w 5475077"/>
-              <a:gd name="connsiteY1" fmla="*/ 0 h 2583792"/>
-              <a:gd name="connsiteX2" fmla="*/ 5475077 w 5475077"/>
-              <a:gd name="connsiteY2" fmla="*/ 2583792 h 2583792"/>
-              <a:gd name="connsiteX3" fmla="*/ 1197192 w 5475077"/>
-              <a:gd name="connsiteY3" fmla="*/ 2583792 h 2583792"/>
-            </a:gdLst>
-            <a:ahLst/>
-            <a:cxnLst>
-              <a:cxn ang="0">
-                <a:pos x="connsiteX0" y="connsiteY0"/>
-              </a:cxn>
-              <a:cxn ang="0">
-                <a:pos x="connsiteX1" y="connsiteY1"/>
-              </a:cxn>
-              <a:cxn ang="0">
-                <a:pos x="connsiteX2" y="connsiteY2"/>
-              </a:cxn>
-              <a:cxn ang="0">
-                <a:pos x="connsiteX3" y="connsiteY3"/>
-              </a:cxn>
-            </a:cxnLst>
-            <a:rect l="l" t="t" r="r" b="b"/>
-            <a:pathLst>
-              <a:path w="5475077" h="2583792">
-                <a:moveTo>
-                  <a:pt x="0" y="0"/>
-                </a:moveTo>
-                <a:lnTo>
-                  <a:pt x="5475077" y="0"/>
-                </a:lnTo>
-                <a:lnTo>
-                  <a:pt x="5475077" y="2583792"/>
-                </a:lnTo>
-                <a:lnTo>
-                  <a:pt x="1197192" y="2583792"/>
-                </a:lnTo>
-                <a:close/>
-              </a:path>
-            </a:pathLst>
-          </a:custGeom>
-        </p:spPr>
-      </p:pic>
-      <p:pic>
-        <p:nvPicPr>
-          <p:cNvPr id="5" name="Content Placeholder 4" descr="A picture containing indoor&#10;&#10;Description automatically generated">
-            <a:extLst>
-              <a:ext uri="{FF2B5EF4-FFF2-40B4-BE49-F238E27FC236}">
-                <a16:creationId xmlns:a16="http://schemas.microsoft.com/office/drawing/2014/main" id="{A58F0E55-21F3-485B-A07F-1CE74177BDD2}"/>
-              </a:ext>
-            </a:extLst>
-          </p:cNvPr>
-          <p:cNvPicPr>
-            <a:picLocks noChangeAspect="1"/>
-          </p:cNvPicPr>
-          <p:nvPr/>
-        </p:nvPicPr>
-        <p:blipFill rotWithShape="1">
-          <a:blip r:embed="rId3">
-            <a:extLst>
-              <a:ext uri="{28A0092B-C50C-407E-A947-70E740481C1C}">
-                <a14:useLocalDpi xmlns:a14="http://schemas.microsoft.com/office/drawing/2010/main" val="0"/>
-              </a:ext>
-            </a:extLst>
-          </a:blip>
-          <a:srcRect t="5300" r="3" b="6859"/>
-          <a:stretch/>
-        </p:blipFill>
-        <p:spPr>
-          <a:xfrm>
-            <a:off x="8491869" y="4283870"/>
-            <a:ext cx="3700129" cy="2583520"/>
-          </a:xfrm>
-          <a:custGeom>
-            <a:avLst/>
-            <a:gdLst>
-              <a:gd name="connsiteX0" fmla="*/ 0 w 4277884"/>
-              <a:gd name="connsiteY0" fmla="*/ 0 h 2583520"/>
-              <a:gd name="connsiteX1" fmla="*/ 4277884 w 4277884"/>
-              <a:gd name="connsiteY1" fmla="*/ 0 h 2583520"/>
-              <a:gd name="connsiteX2" fmla="*/ 4277884 w 4277884"/>
-              <a:gd name="connsiteY2" fmla="*/ 2583520 h 2583520"/>
-              <a:gd name="connsiteX3" fmla="*/ 1192437 w 4277884"/>
-              <a:gd name="connsiteY3" fmla="*/ 2583520 h 2583520"/>
-              <a:gd name="connsiteX4" fmla="*/ 1188085 w 4277884"/>
-              <a:gd name="connsiteY4" fmla="*/ 2574129 h 2583520"/>
-              <a:gd name="connsiteX5" fmla="*/ 1192715 w 4277884"/>
-              <a:gd name="connsiteY5" fmla="*/ 2574129 h 2583520"/>
-            </a:gdLst>
-            <a:ahLst/>
-            <a:cxnLst>
-              <a:cxn ang="0">
-                <a:pos x="connsiteX0" y="connsiteY0"/>
-              </a:cxn>
-              <a:cxn ang="0">
-                <a:pos x="connsiteX1" y="connsiteY1"/>
-              </a:cxn>
-              <a:cxn ang="0">
-                <a:pos x="connsiteX2" y="connsiteY2"/>
-              </a:cxn>
-              <a:cxn ang="0">
-                <a:pos x="connsiteX3" y="connsiteY3"/>
-              </a:cxn>
-              <a:cxn ang="0">
-                <a:pos x="connsiteX4" y="connsiteY4"/>
-              </a:cxn>
-              <a:cxn ang="0">
-                <a:pos x="connsiteX5" y="connsiteY5"/>
-              </a:cxn>
-            </a:cxnLst>
-            <a:rect l="l" t="t" r="r" b="b"/>
-            <a:pathLst>
-              <a:path w="4277884" h="2583520">
-                <a:moveTo>
-                  <a:pt x="0" y="0"/>
-                </a:moveTo>
-                <a:lnTo>
-                  <a:pt x="4277884" y="0"/>
-                </a:lnTo>
-                <a:lnTo>
-                  <a:pt x="4277884" y="2583520"/>
-                </a:lnTo>
-                <a:lnTo>
-                  <a:pt x="1192437" y="2583520"/>
-                </a:lnTo>
-                <a:lnTo>
-                  <a:pt x="1188085" y="2574129"/>
-                </a:lnTo>
-                <a:lnTo>
-                  <a:pt x="1192715" y="2574129"/>
-                </a:lnTo>
-                <a:close/>
-              </a:path>
-            </a:pathLst>
-          </a:custGeom>
-        </p:spPr>
-      </p:pic>
-      <p:sp>
-        <p:nvSpPr>
-          <p:cNvPr id="6" name="Rectangle 5">
-            <a:extLst>
-              <a:ext uri="{FF2B5EF4-FFF2-40B4-BE49-F238E27FC236}">
-                <a16:creationId xmlns:a16="http://schemas.microsoft.com/office/drawing/2014/main" id="{A2901312-C3C2-4CEC-80EF-823AB4FBB726}"/>
-              </a:ext>
-            </a:extLst>
-          </p:cNvPr>
-          <p:cNvSpPr/>
-          <p:nvPr/>
-        </p:nvSpPr>
-        <p:spPr>
-          <a:xfrm>
-            <a:off x="-1" y="1608918"/>
-            <a:ext cx="12191999" cy="91160"/>
-          </a:xfrm>
-          <a:prstGeom prst="rect">
-            <a:avLst/>
-          </a:prstGeom>
-          <a:solidFill>
-            <a:schemeClr val="bg1"/>
-          </a:solidFill>
-          <a:ln>
-            <a:noFill/>
-          </a:ln>
-        </p:spPr>
-        <p:style>
-          <a:lnRef idx="2">
-            <a:schemeClr val="accent1">
-              <a:shade val="50000"/>
-            </a:schemeClr>
-          </a:lnRef>
-          <a:fillRef idx="1">
-            <a:schemeClr val="accent1"/>
-          </a:fillRef>
-          <a:effectRef idx="0">
-            <a:schemeClr val="accent1"/>
-          </a:effectRef>
-          <a:fontRef idx="minor">
-            <a:schemeClr val="lt1"/>
-          </a:fontRef>
-        </p:style>
-        <p:txBody>
-          <a:bodyPr rtlCol="0" anchor="ctr"/>
-          <a:lstStyle/>
-          <a:p>
-            <a:pPr algn="ctr"/>
-            <a:endParaRPr lang="en-US">
-              <a:solidFill>
-                <a:srgbClr val="DB5B5C"/>
-              </a:solidFill>
-            </a:endParaRPr>
-          </a:p>
-        </p:txBody>
-      </p:sp>
-      <p:sp>
-        <p:nvSpPr>
-          <p:cNvPr id="15" name="Rectangle 14">
-            <a:extLst>
-              <a:ext uri="{FF2B5EF4-FFF2-40B4-BE49-F238E27FC236}">
-                <a16:creationId xmlns:a16="http://schemas.microsoft.com/office/drawing/2014/main" id="{AD0A7C9C-CA2C-4B9B-A125-2D09D5573B44}"/>
-              </a:ext>
-            </a:extLst>
-          </p:cNvPr>
-          <p:cNvSpPr/>
-          <p:nvPr/>
-        </p:nvSpPr>
-        <p:spPr>
-          <a:xfrm>
-            <a:off x="1" y="6677247"/>
-            <a:ext cx="12191999" cy="190143"/>
-          </a:xfrm>
-          <a:prstGeom prst="rect">
-            <a:avLst/>
-          </a:prstGeom>
-          <a:solidFill>
-            <a:schemeClr val="bg1"/>
-          </a:solidFill>
-          <a:ln>
-            <a:noFill/>
-          </a:ln>
-        </p:spPr>
-        <p:style>
-          <a:lnRef idx="2">
-            <a:schemeClr val="accent1">
-              <a:shade val="50000"/>
-            </a:schemeClr>
-          </a:lnRef>
-          <a:fillRef idx="1">
-            <a:schemeClr val="accent1"/>
-          </a:fillRef>
-          <a:effectRef idx="0">
-            <a:schemeClr val="accent1"/>
-          </a:effectRef>
-          <a:fontRef idx="minor">
-            <a:schemeClr val="lt1"/>
-          </a:fontRef>
-        </p:style>
-        <p:txBody>
-          <a:bodyPr rtlCol="0" anchor="ctr"/>
-          <a:lstStyle/>
-          <a:p>
-            <a:pPr algn="ctr"/>
-            <a:endParaRPr lang="en-US">
-              <a:solidFill>
-                <a:srgbClr val="DB5B5C"/>
-              </a:solidFill>
-            </a:endParaRPr>
-          </a:p>
-        </p:txBody>
-      </p:sp>
-      <p:sp>
-        <p:nvSpPr>
-          <p:cNvPr id="16" name="Rectangle 15">
-            <a:extLst>
-              <a:ext uri="{FF2B5EF4-FFF2-40B4-BE49-F238E27FC236}">
-                <a16:creationId xmlns:a16="http://schemas.microsoft.com/office/drawing/2014/main" id="{74A085FC-1866-46D4-97F7-51AA45E48D4F}"/>
-              </a:ext>
-            </a:extLst>
-          </p:cNvPr>
-          <p:cNvSpPr/>
-          <p:nvPr/>
-        </p:nvSpPr>
-        <p:spPr>
-          <a:xfrm rot="4092292">
-            <a:off x="5790668" y="4094517"/>
-            <a:ext cx="5446699" cy="137038"/>
-          </a:xfrm>
-          <a:prstGeom prst="rect">
-            <a:avLst/>
-          </a:prstGeom>
-          <a:solidFill>
-            <a:schemeClr val="bg1"/>
-          </a:solidFill>
-          <a:ln>
-            <a:noFill/>
-          </a:ln>
-        </p:spPr>
-        <p:style>
-          <a:lnRef idx="2">
-            <a:schemeClr val="accent1">
-              <a:shade val="50000"/>
-            </a:schemeClr>
-          </a:lnRef>
-          <a:fillRef idx="1">
-            <a:schemeClr val="accent1"/>
-          </a:fillRef>
-          <a:effectRef idx="0">
-            <a:schemeClr val="accent1"/>
-          </a:effectRef>
-          <a:fontRef idx="minor">
-            <a:schemeClr val="lt1"/>
-          </a:fontRef>
-        </p:style>
-        <p:txBody>
-          <a:bodyPr rtlCol="0" anchor="ctr"/>
-          <a:lstStyle/>
-          <a:p>
-            <a:pPr algn="ctr"/>
-            <a:endParaRPr lang="en-US">
-              <a:solidFill>
-                <a:srgbClr val="DB5B5C"/>
-              </a:solidFill>
-            </a:endParaRPr>
-          </a:p>
-        </p:txBody>
-      </p:sp>
-    </p:spTree>
-    <p:extLst>
-      <p:ext uri="{BB962C8B-B14F-4D97-AF65-F5344CB8AC3E}">
-        <p14:creationId xmlns:p14="http://schemas.microsoft.com/office/powerpoint/2010/main" val="1770409084"/>
-      </p:ext>
-    </p:extLst>
-  </p:cSld>
-  <p:clrMapOvr>
-    <a:overrideClrMapping bg1="dk1" tx1="lt1" bg2="dk2" tx2="lt2" accent1="accent1" accent2="accent2" accent3="accent3" accent4="accent4" accent5="accent5" accent6="accent6" hlink="hlink" folHlink="folHlink"/>
-  </p:clrMapOvr>
-</p:sld>
-</file>
-
-<file path=ppt/slides/slide20.xml><?xml version="1.0" encoding="utf-8"?>
 <p:sld xmlns:a="http://schemas.openxmlformats.org/drawingml/2006/main" xmlns:r="http://schemas.openxmlformats.org/officeDocument/2006/relationships" xmlns:p="http://schemas.openxmlformats.org/presentationml/2006/main">
   <p:cSld>
     <p:bg>
@@ -11590,6 +10300,595 @@
 </p:sld>
 </file>
 
+<file path=ppt/slides/slide2.xml><?xml version="1.0" encoding="utf-8"?>
+<p:sld xmlns:a="http://schemas.openxmlformats.org/drawingml/2006/main" xmlns:r="http://schemas.openxmlformats.org/officeDocument/2006/relationships" xmlns:p="http://schemas.openxmlformats.org/presentationml/2006/main">
+  <p:cSld>
+    <p:bg>
+      <p:bgPr>
+        <a:solidFill>
+          <a:srgbClr val="395583"/>
+        </a:solidFill>
+        <a:effectLst/>
+      </p:bgPr>
+    </p:bg>
+    <p:spTree>
+      <p:nvGrpSpPr>
+        <p:cNvPr id="1" name=""/>
+        <p:cNvGrpSpPr/>
+        <p:nvPr/>
+      </p:nvGrpSpPr>
+      <p:grpSpPr>
+        <a:xfrm>
+          <a:off x="0" y="0"/>
+          <a:ext cx="0" cy="0"/>
+          <a:chOff x="0" y="0"/>
+          <a:chExt cx="0" cy="0"/>
+        </a:xfrm>
+      </p:grpSpPr>
+      <p:sp>
+        <p:nvSpPr>
+          <p:cNvPr id="25" name="Rectangle 24">
+            <a:extLst>
+              <a:ext uri="{FF2B5EF4-FFF2-40B4-BE49-F238E27FC236}">
+                <a16:creationId xmlns:a16="http://schemas.microsoft.com/office/drawing/2014/main" id="{A6792F05-2FD4-4F18-815E-15391E8B4A0E}"/>
+              </a:ext>
+              <a:ext uri="{C183D7F6-B498-43B3-948B-1728B52AA6E4}">
+                <adec:decorative xmlns:adec="http://schemas.microsoft.com/office/drawing/2017/decorative" val="1"/>
+              </a:ext>
+            </a:extLst>
+          </p:cNvPr>
+          <p:cNvSpPr>
+            <a:spLocks noGrp="1" noRot="1" noChangeAspect="1" noMove="1" noResize="1" noEditPoints="1" noAdjustHandles="1" noChangeArrowheads="1" noChangeShapeType="1" noTextEdit="1"/>
+          </p:cNvSpPr>
+          <p:nvPr>
+            <p:extLst>
+              <p:ext uri="{386F3935-93C4-4BCD-93E2-E3B085C9AB24}">
+                <p16:designElem xmlns:p16="http://schemas.microsoft.com/office/powerpoint/2015/main" val="1"/>
+              </p:ext>
+            </p:extLst>
+          </p:nvPr>
+        </p:nvSpPr>
+        <p:spPr>
+          <a:xfrm>
+            <a:off x="0" y="0"/>
+            <a:ext cx="12191999" cy="6858000"/>
+          </a:xfrm>
+          <a:prstGeom prst="rect">
+            <a:avLst/>
+          </a:prstGeom>
+          <a:solidFill>
+            <a:srgbClr val="395583"/>
+          </a:solidFill>
+          <a:ln>
+            <a:noFill/>
+          </a:ln>
+        </p:spPr>
+        <p:style>
+          <a:lnRef idx="2">
+            <a:schemeClr val="accent1">
+              <a:shade val="50000"/>
+            </a:schemeClr>
+          </a:lnRef>
+          <a:fillRef idx="1">
+            <a:schemeClr val="accent1"/>
+          </a:fillRef>
+          <a:effectRef idx="0">
+            <a:schemeClr val="accent1"/>
+          </a:effectRef>
+          <a:fontRef idx="minor">
+            <a:schemeClr val="lt1"/>
+          </a:fontRef>
+        </p:style>
+        <p:txBody>
+          <a:bodyPr rtlCol="0" anchor="ctr"/>
+          <a:lstStyle/>
+          <a:p>
+            <a:pPr algn="ctr"/>
+            <a:endParaRPr lang="en-US"/>
+          </a:p>
+        </p:txBody>
+      </p:sp>
+      <p:sp>
+        <p:nvSpPr>
+          <p:cNvPr id="2" name="Title 1">
+            <a:extLst>
+              <a:ext uri="{FF2B5EF4-FFF2-40B4-BE49-F238E27FC236}">
+                <a16:creationId xmlns:a16="http://schemas.microsoft.com/office/drawing/2014/main" id="{2589AFCC-0FF0-498C-B11F-8990DF0DAAA5}"/>
+              </a:ext>
+            </a:extLst>
+          </p:cNvPr>
+          <p:cNvSpPr>
+            <a:spLocks noGrp="1"/>
+          </p:cNvSpPr>
+          <p:nvPr>
+            <p:ph type="title"/>
+          </p:nvPr>
+        </p:nvSpPr>
+        <p:spPr>
+          <a:xfrm>
+            <a:off x="838200" y="365125"/>
+            <a:ext cx="10515600" cy="1325563"/>
+          </a:xfrm>
+        </p:spPr>
+        <p:txBody>
+          <a:bodyPr>
+            <a:normAutofit/>
+          </a:bodyPr>
+          <a:lstStyle/>
+          <a:p>
+            <a:r>
+              <a:rPr lang="en-US" b="1" dirty="0">
+                <a:latin typeface="Selawik Semibold" panose="020B0604020202020204" pitchFamily="34" charset="0"/>
+              </a:rPr>
+              <a:t>Industry Past</a:t>
+            </a:r>
+          </a:p>
+        </p:txBody>
+      </p:sp>
+      <p:sp>
+        <p:nvSpPr>
+          <p:cNvPr id="9" name="Content Placeholder 8">
+            <a:extLst>
+              <a:ext uri="{FF2B5EF4-FFF2-40B4-BE49-F238E27FC236}">
+                <a16:creationId xmlns:a16="http://schemas.microsoft.com/office/drawing/2014/main" id="{2D995594-59F2-4020-AB6F-751BAE84ADB3}"/>
+              </a:ext>
+            </a:extLst>
+          </p:cNvPr>
+          <p:cNvSpPr>
+            <a:spLocks noGrp="1"/>
+          </p:cNvSpPr>
+          <p:nvPr>
+            <p:ph idx="1"/>
+          </p:nvPr>
+        </p:nvSpPr>
+        <p:spPr>
+          <a:xfrm>
+            <a:off x="838200" y="2021249"/>
+            <a:ext cx="6994712" cy="4155713"/>
+          </a:xfrm>
+        </p:spPr>
+        <p:txBody>
+          <a:bodyPr>
+            <a:normAutofit/>
+          </a:bodyPr>
+          <a:lstStyle/>
+          <a:p>
+            <a:r>
+              <a:rPr lang="en-US" sz="2400" dirty="0">
+                <a:latin typeface="Selawik Semibold" panose="020B0702040204020203" pitchFamily="34" charset="0"/>
+              </a:rPr>
+              <a:t>Sports Analytics Use Survey (2013)</a:t>
+            </a:r>
+          </a:p>
+          <a:p>
+            <a:endParaRPr lang="en-US" sz="2400" dirty="0">
+              <a:latin typeface="Selawik Semibold" panose="020B0702040204020203" pitchFamily="34" charset="0"/>
+            </a:endParaRPr>
+          </a:p>
+          <a:p>
+            <a:r>
+              <a:rPr lang="en-US" sz="2400" dirty="0">
+                <a:latin typeface="Selawik Semibold" panose="020B0702040204020203" pitchFamily="34" charset="0"/>
+              </a:rPr>
+              <a:t>Sample of 27 People</a:t>
+            </a:r>
+            <a:r>
+              <a:rPr lang="en-US" sz="2000" dirty="0">
+                <a:latin typeface="Selawik Semibold" panose="020B0702040204020203" pitchFamily="34" charset="0"/>
+              </a:rPr>
+              <a:t> </a:t>
+            </a:r>
+            <a:r>
+              <a:rPr lang="en-US" sz="2400" dirty="0">
+                <a:latin typeface="Selawik Semibold" panose="020B0702040204020203" pitchFamily="34" charset="0"/>
+              </a:rPr>
+              <a:t>(NFL, MLB, NBA, EPL)</a:t>
+            </a:r>
+          </a:p>
+          <a:p>
+            <a:endParaRPr lang="en-US" sz="2400" dirty="0">
+              <a:latin typeface="Selawik Semibold" panose="020B0702040204020203" pitchFamily="34" charset="0"/>
+            </a:endParaRPr>
+          </a:p>
+          <a:p>
+            <a:r>
+              <a:rPr lang="en-US" sz="2400" dirty="0">
+                <a:latin typeface="Selawik Semibold" panose="020B0702040204020203" pitchFamily="34" charset="0"/>
+              </a:rPr>
+              <a:t>How Many Different Sources?</a:t>
+            </a:r>
+          </a:p>
+          <a:p>
+            <a:pPr lvl="1"/>
+            <a:r>
+              <a:rPr lang="en-US" sz="2000" dirty="0">
+                <a:latin typeface="Selawik Semibold" panose="020B0702040204020203" pitchFamily="34" charset="0"/>
+              </a:rPr>
+              <a:t>1-2 (6.7%) </a:t>
+            </a:r>
+          </a:p>
+          <a:p>
+            <a:pPr lvl="1"/>
+            <a:r>
+              <a:rPr lang="en-US" sz="2000" dirty="0">
+                <a:latin typeface="Selawik Semibold" panose="020B0702040204020203" pitchFamily="34" charset="0"/>
+              </a:rPr>
+              <a:t>3-4 (33.3%) </a:t>
+            </a:r>
+          </a:p>
+          <a:p>
+            <a:pPr lvl="1"/>
+            <a:r>
+              <a:rPr lang="en-US" sz="2000" dirty="0">
+                <a:latin typeface="Selawik Semibold" panose="020B0702040204020203" pitchFamily="34" charset="0"/>
+              </a:rPr>
+              <a:t>5-6 (13.3%) </a:t>
+            </a:r>
+          </a:p>
+          <a:p>
+            <a:pPr lvl="1"/>
+            <a:r>
+              <a:rPr lang="en-US" sz="2000" dirty="0">
+                <a:latin typeface="Selawik Semibold" panose="020B0702040204020203" pitchFamily="34" charset="0"/>
+              </a:rPr>
+              <a:t>&gt;6 (46.71%) </a:t>
+            </a:r>
+          </a:p>
+        </p:txBody>
+      </p:sp>
+      <p:pic>
+        <p:nvPicPr>
+          <p:cNvPr id="4" name="Picture 3" descr="A drawing of a cartoon character&#10;&#10;Description automatically generated">
+            <a:extLst>
+              <a:ext uri="{FF2B5EF4-FFF2-40B4-BE49-F238E27FC236}">
+                <a16:creationId xmlns:a16="http://schemas.microsoft.com/office/drawing/2014/main" id="{A7FDC859-D890-4904-9C64-27F43DA90453}"/>
+              </a:ext>
+            </a:extLst>
+          </p:cNvPr>
+          <p:cNvPicPr>
+            <a:picLocks noChangeAspect="1"/>
+          </p:cNvPicPr>
+          <p:nvPr/>
+        </p:nvPicPr>
+        <p:blipFill rotWithShape="1">
+          <a:blip r:embed="rId2">
+            <a:extLst>
+              <a:ext uri="{28A0092B-C50C-407E-A947-70E740481C1C}">
+                <a14:useLocalDpi xmlns:a14="http://schemas.microsoft.com/office/drawing/2010/main" val="0"/>
+              </a:ext>
+            </a:extLst>
+          </a:blip>
+          <a:srcRect t="5616" r="2" b="2"/>
+          <a:stretch/>
+        </p:blipFill>
+        <p:spPr>
+          <a:xfrm>
+            <a:off x="7471144" y="1700078"/>
+            <a:ext cx="4720855" cy="2583792"/>
+          </a:xfrm>
+          <a:custGeom>
+            <a:avLst/>
+            <a:gdLst>
+              <a:gd name="connsiteX0" fmla="*/ 0 w 5475077"/>
+              <a:gd name="connsiteY0" fmla="*/ 0 h 2583792"/>
+              <a:gd name="connsiteX1" fmla="*/ 5475077 w 5475077"/>
+              <a:gd name="connsiteY1" fmla="*/ 0 h 2583792"/>
+              <a:gd name="connsiteX2" fmla="*/ 5475077 w 5475077"/>
+              <a:gd name="connsiteY2" fmla="*/ 2583792 h 2583792"/>
+              <a:gd name="connsiteX3" fmla="*/ 1197192 w 5475077"/>
+              <a:gd name="connsiteY3" fmla="*/ 2583792 h 2583792"/>
+            </a:gdLst>
+            <a:ahLst/>
+            <a:cxnLst>
+              <a:cxn ang="0">
+                <a:pos x="connsiteX0" y="connsiteY0"/>
+              </a:cxn>
+              <a:cxn ang="0">
+                <a:pos x="connsiteX1" y="connsiteY1"/>
+              </a:cxn>
+              <a:cxn ang="0">
+                <a:pos x="connsiteX2" y="connsiteY2"/>
+              </a:cxn>
+              <a:cxn ang="0">
+                <a:pos x="connsiteX3" y="connsiteY3"/>
+              </a:cxn>
+            </a:cxnLst>
+            <a:rect l="l" t="t" r="r" b="b"/>
+            <a:pathLst>
+              <a:path w="5475077" h="2583792">
+                <a:moveTo>
+                  <a:pt x="0" y="0"/>
+                </a:moveTo>
+                <a:lnTo>
+                  <a:pt x="5475077" y="0"/>
+                </a:lnTo>
+                <a:lnTo>
+                  <a:pt x="5475077" y="2583792"/>
+                </a:lnTo>
+                <a:lnTo>
+                  <a:pt x="1197192" y="2583792"/>
+                </a:lnTo>
+                <a:close/>
+              </a:path>
+            </a:pathLst>
+          </a:custGeom>
+        </p:spPr>
+      </p:pic>
+      <p:pic>
+        <p:nvPicPr>
+          <p:cNvPr id="5" name="Content Placeholder 4" descr="A picture containing indoor&#10;&#10;Description automatically generated">
+            <a:extLst>
+              <a:ext uri="{FF2B5EF4-FFF2-40B4-BE49-F238E27FC236}">
+                <a16:creationId xmlns:a16="http://schemas.microsoft.com/office/drawing/2014/main" id="{A58F0E55-21F3-485B-A07F-1CE74177BDD2}"/>
+              </a:ext>
+            </a:extLst>
+          </p:cNvPr>
+          <p:cNvPicPr>
+            <a:picLocks noChangeAspect="1"/>
+          </p:cNvPicPr>
+          <p:nvPr/>
+        </p:nvPicPr>
+        <p:blipFill rotWithShape="1">
+          <a:blip r:embed="rId3">
+            <a:extLst>
+              <a:ext uri="{28A0092B-C50C-407E-A947-70E740481C1C}">
+                <a14:useLocalDpi xmlns:a14="http://schemas.microsoft.com/office/drawing/2010/main" val="0"/>
+              </a:ext>
+            </a:extLst>
+          </a:blip>
+          <a:srcRect t="5300" r="3" b="6859"/>
+          <a:stretch/>
+        </p:blipFill>
+        <p:spPr>
+          <a:xfrm>
+            <a:off x="8491869" y="4283870"/>
+            <a:ext cx="3700129" cy="2583520"/>
+          </a:xfrm>
+          <a:custGeom>
+            <a:avLst/>
+            <a:gdLst>
+              <a:gd name="connsiteX0" fmla="*/ 0 w 4277884"/>
+              <a:gd name="connsiteY0" fmla="*/ 0 h 2583520"/>
+              <a:gd name="connsiteX1" fmla="*/ 4277884 w 4277884"/>
+              <a:gd name="connsiteY1" fmla="*/ 0 h 2583520"/>
+              <a:gd name="connsiteX2" fmla="*/ 4277884 w 4277884"/>
+              <a:gd name="connsiteY2" fmla="*/ 2583520 h 2583520"/>
+              <a:gd name="connsiteX3" fmla="*/ 1192437 w 4277884"/>
+              <a:gd name="connsiteY3" fmla="*/ 2583520 h 2583520"/>
+              <a:gd name="connsiteX4" fmla="*/ 1188085 w 4277884"/>
+              <a:gd name="connsiteY4" fmla="*/ 2574129 h 2583520"/>
+              <a:gd name="connsiteX5" fmla="*/ 1192715 w 4277884"/>
+              <a:gd name="connsiteY5" fmla="*/ 2574129 h 2583520"/>
+            </a:gdLst>
+            <a:ahLst/>
+            <a:cxnLst>
+              <a:cxn ang="0">
+                <a:pos x="connsiteX0" y="connsiteY0"/>
+              </a:cxn>
+              <a:cxn ang="0">
+                <a:pos x="connsiteX1" y="connsiteY1"/>
+              </a:cxn>
+              <a:cxn ang="0">
+                <a:pos x="connsiteX2" y="connsiteY2"/>
+              </a:cxn>
+              <a:cxn ang="0">
+                <a:pos x="connsiteX3" y="connsiteY3"/>
+              </a:cxn>
+              <a:cxn ang="0">
+                <a:pos x="connsiteX4" y="connsiteY4"/>
+              </a:cxn>
+              <a:cxn ang="0">
+                <a:pos x="connsiteX5" y="connsiteY5"/>
+              </a:cxn>
+            </a:cxnLst>
+            <a:rect l="l" t="t" r="r" b="b"/>
+            <a:pathLst>
+              <a:path w="4277884" h="2583520">
+                <a:moveTo>
+                  <a:pt x="0" y="0"/>
+                </a:moveTo>
+                <a:lnTo>
+                  <a:pt x="4277884" y="0"/>
+                </a:lnTo>
+                <a:lnTo>
+                  <a:pt x="4277884" y="2583520"/>
+                </a:lnTo>
+                <a:lnTo>
+                  <a:pt x="1192437" y="2583520"/>
+                </a:lnTo>
+                <a:lnTo>
+                  <a:pt x="1188085" y="2574129"/>
+                </a:lnTo>
+                <a:lnTo>
+                  <a:pt x="1192715" y="2574129"/>
+                </a:lnTo>
+                <a:close/>
+              </a:path>
+            </a:pathLst>
+          </a:custGeom>
+        </p:spPr>
+      </p:pic>
+      <p:sp>
+        <p:nvSpPr>
+          <p:cNvPr id="6" name="Rectangle 5">
+            <a:extLst>
+              <a:ext uri="{FF2B5EF4-FFF2-40B4-BE49-F238E27FC236}">
+                <a16:creationId xmlns:a16="http://schemas.microsoft.com/office/drawing/2014/main" id="{A2901312-C3C2-4CEC-80EF-823AB4FBB726}"/>
+              </a:ext>
+            </a:extLst>
+          </p:cNvPr>
+          <p:cNvSpPr/>
+          <p:nvPr/>
+        </p:nvSpPr>
+        <p:spPr>
+          <a:xfrm>
+            <a:off x="-1" y="1608918"/>
+            <a:ext cx="12191999" cy="91160"/>
+          </a:xfrm>
+          <a:prstGeom prst="rect">
+            <a:avLst/>
+          </a:prstGeom>
+          <a:solidFill>
+            <a:schemeClr val="bg1"/>
+          </a:solidFill>
+          <a:ln>
+            <a:noFill/>
+          </a:ln>
+        </p:spPr>
+        <p:style>
+          <a:lnRef idx="2">
+            <a:schemeClr val="accent1">
+              <a:shade val="50000"/>
+            </a:schemeClr>
+          </a:lnRef>
+          <a:fillRef idx="1">
+            <a:schemeClr val="accent1"/>
+          </a:fillRef>
+          <a:effectRef idx="0">
+            <a:schemeClr val="accent1"/>
+          </a:effectRef>
+          <a:fontRef idx="minor">
+            <a:schemeClr val="lt1"/>
+          </a:fontRef>
+        </p:style>
+        <p:txBody>
+          <a:bodyPr rtlCol="0" anchor="ctr"/>
+          <a:lstStyle/>
+          <a:p>
+            <a:pPr algn="ctr"/>
+            <a:endParaRPr lang="en-US">
+              <a:solidFill>
+                <a:srgbClr val="DB5B5C"/>
+              </a:solidFill>
+            </a:endParaRPr>
+          </a:p>
+        </p:txBody>
+      </p:sp>
+      <p:sp>
+        <p:nvSpPr>
+          <p:cNvPr id="15" name="Rectangle 14">
+            <a:extLst>
+              <a:ext uri="{FF2B5EF4-FFF2-40B4-BE49-F238E27FC236}">
+                <a16:creationId xmlns:a16="http://schemas.microsoft.com/office/drawing/2014/main" id="{AD0A7C9C-CA2C-4B9B-A125-2D09D5573B44}"/>
+              </a:ext>
+            </a:extLst>
+          </p:cNvPr>
+          <p:cNvSpPr/>
+          <p:nvPr/>
+        </p:nvSpPr>
+        <p:spPr>
+          <a:xfrm>
+            <a:off x="1" y="6677247"/>
+            <a:ext cx="12191999" cy="190143"/>
+          </a:xfrm>
+          <a:prstGeom prst="rect">
+            <a:avLst/>
+          </a:prstGeom>
+          <a:solidFill>
+            <a:schemeClr val="bg1"/>
+          </a:solidFill>
+          <a:ln>
+            <a:noFill/>
+          </a:ln>
+        </p:spPr>
+        <p:style>
+          <a:lnRef idx="2">
+            <a:schemeClr val="accent1">
+              <a:shade val="50000"/>
+            </a:schemeClr>
+          </a:lnRef>
+          <a:fillRef idx="1">
+            <a:schemeClr val="accent1"/>
+          </a:fillRef>
+          <a:effectRef idx="0">
+            <a:schemeClr val="accent1"/>
+          </a:effectRef>
+          <a:fontRef idx="minor">
+            <a:schemeClr val="lt1"/>
+          </a:fontRef>
+        </p:style>
+        <p:txBody>
+          <a:bodyPr rtlCol="0" anchor="ctr"/>
+          <a:lstStyle/>
+          <a:p>
+            <a:pPr algn="ctr"/>
+            <a:endParaRPr lang="en-US">
+              <a:solidFill>
+                <a:srgbClr val="DB5B5C"/>
+              </a:solidFill>
+            </a:endParaRPr>
+          </a:p>
+        </p:txBody>
+      </p:sp>
+      <p:sp>
+        <p:nvSpPr>
+          <p:cNvPr id="16" name="Rectangle 15">
+            <a:extLst>
+              <a:ext uri="{FF2B5EF4-FFF2-40B4-BE49-F238E27FC236}">
+                <a16:creationId xmlns:a16="http://schemas.microsoft.com/office/drawing/2014/main" id="{74A085FC-1866-46D4-97F7-51AA45E48D4F}"/>
+              </a:ext>
+            </a:extLst>
+          </p:cNvPr>
+          <p:cNvSpPr/>
+          <p:nvPr/>
+        </p:nvSpPr>
+        <p:spPr>
+          <a:xfrm rot="4092292">
+            <a:off x="5790668" y="4094517"/>
+            <a:ext cx="5446699" cy="137038"/>
+          </a:xfrm>
+          <a:prstGeom prst="rect">
+            <a:avLst/>
+          </a:prstGeom>
+          <a:solidFill>
+            <a:schemeClr val="bg1"/>
+          </a:solidFill>
+          <a:ln>
+            <a:noFill/>
+          </a:ln>
+        </p:spPr>
+        <p:style>
+          <a:lnRef idx="2">
+            <a:schemeClr val="accent1">
+              <a:shade val="50000"/>
+            </a:schemeClr>
+          </a:lnRef>
+          <a:fillRef idx="1">
+            <a:schemeClr val="accent1"/>
+          </a:fillRef>
+          <a:effectRef idx="0">
+            <a:schemeClr val="accent1"/>
+          </a:effectRef>
+          <a:fontRef idx="minor">
+            <a:schemeClr val="lt1"/>
+          </a:fontRef>
+        </p:style>
+        <p:txBody>
+          <a:bodyPr rtlCol="0" anchor="ctr"/>
+          <a:lstStyle/>
+          <a:p>
+            <a:pPr algn="ctr"/>
+            <a:endParaRPr lang="en-US">
+              <a:solidFill>
+                <a:srgbClr val="DB5B5C"/>
+              </a:solidFill>
+            </a:endParaRPr>
+          </a:p>
+        </p:txBody>
+      </p:sp>
+    </p:spTree>
+    <p:extLst>
+      <p:ext uri="{BB962C8B-B14F-4D97-AF65-F5344CB8AC3E}">
+        <p14:creationId xmlns:p14="http://schemas.microsoft.com/office/powerpoint/2010/main" val="1770409084"/>
+      </p:ext>
+    </p:extLst>
+  </p:cSld>
+  <p:clrMapOvr>
+    <a:overrideClrMapping bg1="dk1" tx1="lt1" bg2="dk2" tx2="lt2" accent1="accent1" accent2="accent2" accent3="accent3" accent4="accent4" accent5="accent5" accent6="accent6" hlink="hlink" folHlink="folHlink"/>
+  </p:clrMapOvr>
+</p:sld>
+</file>
+
 <file path=ppt/slides/slide3.xml><?xml version="1.0" encoding="utf-8"?>
 <p:sld xmlns:a="http://schemas.openxmlformats.org/drawingml/2006/main" xmlns:r="http://schemas.openxmlformats.org/officeDocument/2006/relationships" xmlns:p="http://schemas.openxmlformats.org/presentationml/2006/main">
   <p:cSld>
@@ -14770,7 +14069,7 @@
               <a:rPr lang="en-US" sz="2000" dirty="0">
                 <a:latin typeface="Selawik Semibold" panose="020B0702040204020203" pitchFamily="34" charset="0"/>
               </a:rPr>
-              <a:t>Global Sports Market Worth $600B-$700B (KPMG)</a:t>
+              <a:t>Global Sports Industry $600B-$700B (KPMG)</a:t>
             </a:r>
           </a:p>
           <a:p>
@@ -14802,7 +14101,7 @@
               <a:rPr lang="en-US" sz="2000" dirty="0">
                 <a:latin typeface="Selawik Semibold" panose="020B0702040204020203" pitchFamily="34" charset="0"/>
               </a:rPr>
-              <a:t>Investment in Data Services</a:t>
+              <a:t>Global Sports Analytics Market</a:t>
             </a:r>
           </a:p>
           <a:p>
@@ -15173,10 +14472,10 @@
       </p:sp>
       <p:sp>
         <p:nvSpPr>
-          <p:cNvPr id="3" name="TextBox 2">
-            <a:extLst>
-              <a:ext uri="{FF2B5EF4-FFF2-40B4-BE49-F238E27FC236}">
-                <a16:creationId xmlns:a16="http://schemas.microsoft.com/office/drawing/2014/main" id="{1831C309-A9F1-4598-A1C3-7A6D2475A5FB}"/>
+          <p:cNvPr id="12" name="TextBox 11">
+            <a:extLst>
+              <a:ext uri="{FF2B5EF4-FFF2-40B4-BE49-F238E27FC236}">
+                <a16:creationId xmlns:a16="http://schemas.microsoft.com/office/drawing/2014/main" id="{66E43B72-F462-425B-B219-B0768386DEEC}"/>
               </a:ext>
             </a:extLst>
           </p:cNvPr>
@@ -15185,8 +14484,8 @@
         </p:nvSpPr>
         <p:spPr>
           <a:xfrm>
-            <a:off x="1609047" y="5085391"/>
-            <a:ext cx="912276" cy="369332"/>
+            <a:off x="1259889" y="5021188"/>
+            <a:ext cx="1866907" cy="523220"/>
           </a:xfrm>
           <a:prstGeom prst="rect">
             <a:avLst/>
@@ -15239,20 +14538,20 @@
           <a:lstStyle/>
           <a:p>
             <a:r>
-              <a:rPr lang="en-US" dirty="0">
-                <a:latin typeface="Selawik Semibold" panose="020B0702040204020203" pitchFamily="34" charset="0"/>
-              </a:rPr>
-              <a:t>$125M</a:t>
-            </a:r>
-          </a:p>
-        </p:txBody>
-      </p:sp>
-      <p:sp>
-        <p:nvSpPr>
-          <p:cNvPr id="7" name="Arrow: Right 6">
-            <a:extLst>
-              <a:ext uri="{FF2B5EF4-FFF2-40B4-BE49-F238E27FC236}">
-                <a16:creationId xmlns:a16="http://schemas.microsoft.com/office/drawing/2014/main" id="{CA8BE5EB-571C-442A-A80C-A71B175A8D08}"/>
+              <a:rPr lang="en-US" sz="2800" dirty="0">
+                <a:latin typeface="Selawik Semibold" panose="020B0702040204020203" pitchFamily="34" charset="0"/>
+              </a:rPr>
+              <a:t>$135.23M</a:t>
+            </a:r>
+          </a:p>
+        </p:txBody>
+      </p:sp>
+      <p:sp>
+        <p:nvSpPr>
+          <p:cNvPr id="13" name="Arrow: Right 12">
+            <a:extLst>
+              <a:ext uri="{FF2B5EF4-FFF2-40B4-BE49-F238E27FC236}">
+                <a16:creationId xmlns:a16="http://schemas.microsoft.com/office/drawing/2014/main" id="{7972115E-F73D-4852-8A5F-59AE430EA59F}"/>
               </a:ext>
             </a:extLst>
           </p:cNvPr>
@@ -15261,8 +14560,8 @@
         </p:nvSpPr>
         <p:spPr>
           <a:xfrm>
-            <a:off x="2584600" y="5123446"/>
-            <a:ext cx="707571" cy="293222"/>
+            <a:off x="3191417" y="5097616"/>
+            <a:ext cx="2821167" cy="336849"/>
           </a:xfrm>
           <a:prstGeom prst="rightArrow">
             <a:avLst/>
@@ -15295,10 +14594,10 @@
       </p:sp>
       <p:sp>
         <p:nvSpPr>
-          <p:cNvPr id="12" name="TextBox 11">
-            <a:extLst>
-              <a:ext uri="{FF2B5EF4-FFF2-40B4-BE49-F238E27FC236}">
-                <a16:creationId xmlns:a16="http://schemas.microsoft.com/office/drawing/2014/main" id="{66E43B72-F462-425B-B219-B0768386DEEC}"/>
+          <p:cNvPr id="14" name="TextBox 13">
+            <a:extLst>
+              <a:ext uri="{FF2B5EF4-FFF2-40B4-BE49-F238E27FC236}">
+                <a16:creationId xmlns:a16="http://schemas.microsoft.com/office/drawing/2014/main" id="{23C5BBC6-82F2-4DC7-A2F9-31693E65F111}"/>
               </a:ext>
             </a:extLst>
           </p:cNvPr>
@@ -15307,8 +14606,8 @@
         </p:nvSpPr>
         <p:spPr>
           <a:xfrm>
-            <a:off x="3362961" y="5008447"/>
-            <a:ext cx="1623430" cy="523220"/>
+            <a:off x="6096000" y="4852309"/>
+            <a:ext cx="1964351" cy="769441"/>
           </a:xfrm>
           <a:prstGeom prst="rect">
             <a:avLst/>
@@ -15361,132 +14660,10 @@
           <a:lstStyle/>
           <a:p>
             <a:r>
-              <a:rPr lang="en-US" sz="2800" dirty="0">
-                <a:latin typeface="Selawik Semibold" panose="020B0702040204020203" pitchFamily="34" charset="0"/>
-              </a:rPr>
-              <a:t>$764.3M</a:t>
-            </a:r>
-          </a:p>
-        </p:txBody>
-      </p:sp>
-      <p:sp>
-        <p:nvSpPr>
-          <p:cNvPr id="13" name="Arrow: Right 12">
-            <a:extLst>
-              <a:ext uri="{FF2B5EF4-FFF2-40B4-BE49-F238E27FC236}">
-                <a16:creationId xmlns:a16="http://schemas.microsoft.com/office/drawing/2014/main" id="{7972115E-F73D-4852-8A5F-59AE430EA59F}"/>
-              </a:ext>
-            </a:extLst>
-          </p:cNvPr>
-          <p:cNvSpPr/>
-          <p:nvPr/>
-        </p:nvSpPr>
-        <p:spPr>
-          <a:xfrm>
-            <a:off x="5057181" y="5120499"/>
-            <a:ext cx="1223030" cy="293222"/>
-          </a:xfrm>
-          <a:prstGeom prst="rightArrow">
-            <a:avLst/>
-          </a:prstGeom>
-        </p:spPr>
-        <p:style>
-          <a:lnRef idx="2">
-            <a:schemeClr val="dk1">
-              <a:shade val="50000"/>
-            </a:schemeClr>
-          </a:lnRef>
-          <a:fillRef idx="1">
-            <a:schemeClr val="dk1"/>
-          </a:fillRef>
-          <a:effectRef idx="0">
-            <a:schemeClr val="dk1"/>
-          </a:effectRef>
-          <a:fontRef idx="minor">
-            <a:schemeClr val="lt1"/>
-          </a:fontRef>
-        </p:style>
-        <p:txBody>
-          <a:bodyPr rtlCol="0" anchor="ctr"/>
-          <a:lstStyle/>
-          <a:p>
-            <a:pPr algn="ctr"/>
-            <a:endParaRPr lang="en-US"/>
-          </a:p>
-        </p:txBody>
-      </p:sp>
-      <p:sp>
-        <p:nvSpPr>
-          <p:cNvPr id="14" name="TextBox 13">
-            <a:extLst>
-              <a:ext uri="{FF2B5EF4-FFF2-40B4-BE49-F238E27FC236}">
-                <a16:creationId xmlns:a16="http://schemas.microsoft.com/office/drawing/2014/main" id="{23C5BBC6-82F2-4DC7-A2F9-31693E65F111}"/>
-              </a:ext>
-            </a:extLst>
-          </p:cNvPr>
-          <p:cNvSpPr txBox="1"/>
-          <p:nvPr/>
-        </p:nvSpPr>
-        <p:spPr>
-          <a:xfrm>
-            <a:off x="6340940" y="4889379"/>
-            <a:ext cx="1964351" cy="769441"/>
-          </a:xfrm>
-          <a:prstGeom prst="rect">
-            <a:avLst/>
-          </a:prstGeom>
-          <a:gradFill flip="none" rotWithShape="1">
-            <a:gsLst>
-              <a:gs pos="0">
-                <a:schemeClr val="dk1">
-                  <a:lumMod val="67000"/>
-                </a:schemeClr>
-              </a:gs>
-              <a:gs pos="48000">
-                <a:schemeClr val="dk1">
-                  <a:lumMod val="97000"/>
-                  <a:lumOff val="3000"/>
-                </a:schemeClr>
-              </a:gs>
-              <a:gs pos="100000">
-                <a:schemeClr val="dk1">
-                  <a:lumMod val="60000"/>
-                  <a:lumOff val="40000"/>
-                </a:schemeClr>
-              </a:gs>
-            </a:gsLst>
-            <a:lin ang="16200000" scaled="1"/>
-            <a:tileRect/>
-          </a:gradFill>
-          <a:ln>
-            <a:noFill/>
-          </a:ln>
-        </p:spPr>
-        <p:style>
-          <a:lnRef idx="0">
-            <a:scrgbClr r="0" g="0" b="0"/>
-          </a:lnRef>
-          <a:fillRef idx="0">
-            <a:scrgbClr r="0" g="0" b="0"/>
-          </a:fillRef>
-          <a:effectRef idx="0">
-            <a:scrgbClr r="0" g="0" b="0"/>
-          </a:effectRef>
-          <a:fontRef idx="minor">
-            <a:schemeClr val="lt1"/>
-          </a:fontRef>
-        </p:style>
-        <p:txBody>
-          <a:bodyPr wrap="square" rtlCol="0">
-            <a:spAutoFit/>
-          </a:bodyPr>
-          <a:lstStyle/>
-          <a:p>
-            <a:r>
               <a:rPr lang="en-US" sz="4400" dirty="0">
                 <a:latin typeface="Selawik Semibold" panose="020B0702040204020203" pitchFamily="34" charset="0"/>
               </a:rPr>
-              <a:t>$3.07B</a:t>
+              <a:t>$2.43B</a:t>
             </a:r>
           </a:p>
         </p:txBody>
@@ -15614,10 +14791,10 @@
       </p:cxnSp>
       <p:cxnSp>
         <p:nvCxnSpPr>
-          <p:cNvPr id="26" name="Straight Connector 25">
-            <a:extLst>
-              <a:ext uri="{FF2B5EF4-FFF2-40B4-BE49-F238E27FC236}">
-                <a16:creationId xmlns:a16="http://schemas.microsoft.com/office/drawing/2014/main" id="{D8A51B34-7BEA-4BEE-ADB1-9FB9538C80A2}"/>
+          <p:cNvPr id="27" name="Straight Connector 26">
+            <a:extLst>
+              <a:ext uri="{FF2B5EF4-FFF2-40B4-BE49-F238E27FC236}">
+                <a16:creationId xmlns:a16="http://schemas.microsoft.com/office/drawing/2014/main" id="{6F1D6466-E4A1-4D26-BE56-C33ACFB0E384}"/>
               </a:ext>
             </a:extLst>
           </p:cNvPr>
@@ -15628,7 +14805,7 @@
         </p:nvCxnSpPr>
         <p:spPr>
           <a:xfrm>
-            <a:off x="4184277" y="5748513"/>
+            <a:off x="7037350" y="5748513"/>
             <a:ext cx="0" cy="228809"/>
           </a:xfrm>
           <a:prstGeom prst="line">
@@ -15655,55 +14832,12 @@
           </a:fontRef>
         </p:style>
       </p:cxnSp>
-      <p:cxnSp>
-        <p:nvCxnSpPr>
-          <p:cNvPr id="27" name="Straight Connector 26">
-            <a:extLst>
-              <a:ext uri="{FF2B5EF4-FFF2-40B4-BE49-F238E27FC236}">
-                <a16:creationId xmlns:a16="http://schemas.microsoft.com/office/drawing/2014/main" id="{6F1D6466-E4A1-4D26-BE56-C33ACFB0E384}"/>
-              </a:ext>
-            </a:extLst>
-          </p:cNvPr>
-          <p:cNvCxnSpPr>
-            <a:cxnSpLocks/>
-          </p:cNvCxnSpPr>
-          <p:nvPr/>
-        </p:nvCxnSpPr>
-        <p:spPr>
-          <a:xfrm>
-            <a:off x="7037350" y="5748513"/>
-            <a:ext cx="0" cy="228809"/>
-          </a:xfrm>
-          <a:prstGeom prst="line">
-            <a:avLst/>
-          </a:prstGeom>
-          <a:ln w="38100">
-            <a:solidFill>
-              <a:schemeClr val="tx1"/>
-            </a:solidFill>
-          </a:ln>
-        </p:spPr>
-        <p:style>
-          <a:lnRef idx="1">
-            <a:schemeClr val="accent1"/>
-          </a:lnRef>
-          <a:fillRef idx="0">
-            <a:schemeClr val="accent1"/>
-          </a:fillRef>
-          <a:effectRef idx="0">
-            <a:schemeClr val="accent1"/>
-          </a:effectRef>
-          <a:fontRef idx="minor">
-            <a:schemeClr val="tx1"/>
-          </a:fontRef>
-        </p:style>
-      </p:cxnSp>
-      <p:sp>
-        <p:nvSpPr>
-          <p:cNvPr id="24" name="TextBox 23">
-            <a:extLst>
-              <a:ext uri="{FF2B5EF4-FFF2-40B4-BE49-F238E27FC236}">
-                <a16:creationId xmlns:a16="http://schemas.microsoft.com/office/drawing/2014/main" id="{040E071E-5E67-45AB-9AB3-398752CD4058}"/>
+      <p:sp>
+        <p:nvSpPr>
+          <p:cNvPr id="28" name="TextBox 27">
+            <a:extLst>
+              <a:ext uri="{FF2B5EF4-FFF2-40B4-BE49-F238E27FC236}">
+                <a16:creationId xmlns:a16="http://schemas.microsoft.com/office/drawing/2014/main" id="{F934B21C-3EDC-445D-B3CA-D9D872F4BC6E}"/>
               </a:ext>
             </a:extLst>
           </p:cNvPr>
@@ -15712,7 +14846,7 @@
         </p:nvSpPr>
         <p:spPr>
           <a:xfrm>
-            <a:off x="1720076" y="5916026"/>
+            <a:off x="1772661" y="5949678"/>
             <a:ext cx="656720" cy="369332"/>
           </a:xfrm>
           <a:prstGeom prst="rect">
@@ -15728,17 +14862,17 @@
           <a:p>
             <a:r>
               <a:rPr lang="en-US" dirty="0"/>
-              <a:t>2014</a:t>
-            </a:r>
-          </a:p>
-        </p:txBody>
-      </p:sp>
-      <p:sp>
-        <p:nvSpPr>
-          <p:cNvPr id="28" name="TextBox 27">
-            <a:extLst>
-              <a:ext uri="{FF2B5EF4-FFF2-40B4-BE49-F238E27FC236}">
-                <a16:creationId xmlns:a16="http://schemas.microsoft.com/office/drawing/2014/main" id="{F934B21C-3EDC-445D-B3CA-D9D872F4BC6E}"/>
+              <a:t>2016</a:t>
+            </a:r>
+          </a:p>
+        </p:txBody>
+      </p:sp>
+      <p:sp>
+        <p:nvSpPr>
+          <p:cNvPr id="29" name="TextBox 28">
+            <a:extLst>
+              <a:ext uri="{FF2B5EF4-FFF2-40B4-BE49-F238E27FC236}">
+                <a16:creationId xmlns:a16="http://schemas.microsoft.com/office/drawing/2014/main" id="{C4E536FC-BB9D-4420-8917-FEB51410716B}"/>
               </a:ext>
             </a:extLst>
           </p:cNvPr>
@@ -15747,7 +14881,7 @@
         </p:nvSpPr>
         <p:spPr>
           <a:xfrm>
-            <a:off x="3846316" y="5919637"/>
+            <a:off x="6717904" y="5919024"/>
             <a:ext cx="656720" cy="369332"/>
           </a:xfrm>
           <a:prstGeom prst="rect">
@@ -15763,42 +14897,7 @@
           <a:p>
             <a:r>
               <a:rPr lang="en-US" dirty="0"/>
-              <a:t>2016</a:t>
-            </a:r>
-          </a:p>
-        </p:txBody>
-      </p:sp>
-      <p:sp>
-        <p:nvSpPr>
-          <p:cNvPr id="29" name="TextBox 28">
-            <a:extLst>
-              <a:ext uri="{FF2B5EF4-FFF2-40B4-BE49-F238E27FC236}">
-                <a16:creationId xmlns:a16="http://schemas.microsoft.com/office/drawing/2014/main" id="{C4E536FC-BB9D-4420-8917-FEB51410716B}"/>
-              </a:ext>
-            </a:extLst>
-          </p:cNvPr>
-          <p:cNvSpPr txBox="1"/>
-          <p:nvPr/>
-        </p:nvSpPr>
-        <p:spPr>
-          <a:xfrm>
-            <a:off x="6717904" y="5919024"/>
-            <a:ext cx="656720" cy="369332"/>
-          </a:xfrm>
-          <a:prstGeom prst="rect">
-            <a:avLst/>
-          </a:prstGeom>
-          <a:noFill/>
-        </p:spPr>
-        <p:txBody>
-          <a:bodyPr wrap="square" rtlCol="0">
-            <a:spAutoFit/>
-          </a:bodyPr>
-          <a:lstStyle/>
-          <a:p>
-            <a:r>
-              <a:rPr lang="en-US" dirty="0"/>
-              <a:t>2024</a:t>
+              <a:t>2025</a:t>
             </a:r>
           </a:p>
         </p:txBody>

--- a/Slides/Sports Analytics 3/Sports_Analytics_3_Lecture.pptx
+++ b/Slides/Sports Analytics 3/Sports_Analytics_3_Lecture.pptx
@@ -5,7 +5,7 @@
     <p:sldMasterId id="2147483648" r:id="rId1"/>
   </p:sldMasterIdLst>
   <p:notesMasterIdLst>
-    <p:notesMasterId r:id="rId21"/>
+    <p:notesMasterId r:id="rId20"/>
   </p:notesMasterIdLst>
   <p:sldIdLst>
     <p:sldId id="256" r:id="rId2"/>
@@ -13,20 +13,19 @@
     <p:sldId id="277" r:id="rId4"/>
     <p:sldId id="278" r:id="rId5"/>
     <p:sldId id="279" r:id="rId6"/>
-    <p:sldId id="280" r:id="rId7"/>
-    <p:sldId id="284" r:id="rId8"/>
-    <p:sldId id="257" r:id="rId9"/>
-    <p:sldId id="285" r:id="rId10"/>
-    <p:sldId id="286" r:id="rId11"/>
-    <p:sldId id="287" r:id="rId12"/>
-    <p:sldId id="290" r:id="rId13"/>
-    <p:sldId id="291" r:id="rId14"/>
+    <p:sldId id="284" r:id="rId7"/>
+    <p:sldId id="257" r:id="rId8"/>
+    <p:sldId id="285" r:id="rId9"/>
+    <p:sldId id="286" r:id="rId10"/>
+    <p:sldId id="287" r:id="rId11"/>
+    <p:sldId id="290" r:id="rId12"/>
+    <p:sldId id="291" r:id="rId13"/>
+    <p:sldId id="300" r:id="rId14"/>
     <p:sldId id="289" r:id="rId15"/>
     <p:sldId id="292" r:id="rId16"/>
     <p:sldId id="298" r:id="rId17"/>
-    <p:sldId id="299" r:id="rId18"/>
-    <p:sldId id="296" r:id="rId19"/>
-    <p:sldId id="281" r:id="rId20"/>
+    <p:sldId id="296" r:id="rId18"/>
+    <p:sldId id="281" r:id="rId19"/>
   </p:sldIdLst>
   <p:sldSz cx="12192000" cy="6858000"/>
   <p:notesSz cx="6858000" cy="9144000"/>
@@ -4038,7 +4037,7 @@
         <p:spPr>
           <a:xfrm>
             <a:off x="838199" y="2021248"/>
-            <a:ext cx="7653667" cy="4695905"/>
+            <a:ext cx="7086601" cy="4695905"/>
           </a:xfrm>
         </p:spPr>
         <p:txBody>
@@ -4056,7 +4055,7 @@
           </a:p>
           <a:p>
             <a:pPr lvl="1"/>
-            <a:endParaRPr lang="en-US" sz="2000" dirty="0">
+            <a:endParaRPr lang="en-US" sz="2000" b="1" dirty="0">
               <a:latin typeface="Selawik Semibold" panose="020B0702040204020203" pitchFamily="34" charset="0"/>
             </a:endParaRPr>
           </a:p>
@@ -4066,7 +4065,7 @@
               <a:rPr lang="en-US" sz="2000" dirty="0">
                 <a:latin typeface="Selawik Semibold" panose="020B0702040204020203" pitchFamily="34" charset="0"/>
               </a:rPr>
-              <a:t>Benefiting Other Stakeholders</a:t>
+              <a:t>Advancing Sports Gambling</a:t>
             </a:r>
           </a:p>
           <a:p>
@@ -4075,7 +4074,19 @@
               <a:rPr lang="en-US" sz="1800" dirty="0">
                 <a:latin typeface="Selawik Semibold" panose="020B0702040204020203" pitchFamily="34" charset="0"/>
               </a:rPr>
-              <a:t>Tracking Fan Behavior Outside the Stadium</a:t>
+              <a:t>Supreme Court Ruling Previous Statute Violated 10</a:t>
+            </a:r>
+            <a:r>
+              <a:rPr lang="en-US" sz="1800" baseline="30000" dirty="0">
+                <a:latin typeface="Selawik Semibold" panose="020B0702040204020203" pitchFamily="34" charset="0"/>
+              </a:rPr>
+              <a:t>th</a:t>
+            </a:r>
+            <a:r>
+              <a:rPr lang="en-US" sz="1800" dirty="0">
+                <a:latin typeface="Selawik Semibold" panose="020B0702040204020203" pitchFamily="34" charset="0"/>
+              </a:rPr>
+              <a:t> Amendment (Murphy v. National Collegiate Athletic Association)</a:t>
             </a:r>
           </a:p>
           <a:p>
@@ -4084,7 +4095,7 @@
               <a:rPr lang="en-US" sz="1800" dirty="0">
                 <a:latin typeface="Selawik Semibold" panose="020B0702040204020203" pitchFamily="34" charset="0"/>
               </a:rPr>
-              <a:t>Telecommunication, Retailers, Payment Providers, Ticket Agencies, and Sponsorships</a:t>
+              <a:t>States Free to Legislate Gambling</a:t>
             </a:r>
           </a:p>
           <a:p>
@@ -4093,74 +4104,35 @@
               <a:rPr lang="en-US" sz="1800" dirty="0">
                 <a:latin typeface="Selawik Semibold" panose="020B0702040204020203" pitchFamily="34" charset="0"/>
               </a:rPr>
-              <a:t>Adapt to Quick Changes in Consumer Behavior</a:t>
+              <a:t>Improvement of Gambling Products</a:t>
             </a:r>
           </a:p>
           <a:p>
             <a:pPr lvl="2"/>
-            <a:endParaRPr lang="en-US" sz="1800" dirty="0">
-              <a:latin typeface="Selawik Semibold" panose="020B0702040204020203" pitchFamily="34" charset="0"/>
-            </a:endParaRPr>
-          </a:p>
-          <a:p>
-            <a:pPr lvl="1"/>
-            <a:r>
-              <a:rPr lang="en-US" sz="2000" dirty="0">
-                <a:latin typeface="Selawik Semibold" panose="020B0702040204020203" pitchFamily="34" charset="0"/>
-              </a:rPr>
-              <a:t>Optimizing the Back-Office</a:t>
+            <a:r>
+              <a:rPr lang="en-US" sz="1800" dirty="0">
+                <a:latin typeface="Selawik Semibold" panose="020B0702040204020203" pitchFamily="34" charset="0"/>
+              </a:rPr>
+              <a:t>Data Aggregation and Visualization for Bettors </a:t>
             </a:r>
           </a:p>
           <a:p>
             <a:pPr lvl="2"/>
             <a:r>
-              <a:rPr lang="en-US" sz="1600" dirty="0">
-                <a:latin typeface="Selawik Semibold" panose="020B0702040204020203" pitchFamily="34" charset="0"/>
-              </a:rPr>
-              <a:t>HR Practices</a:t>
+              <a:rPr lang="en-US" sz="1800" dirty="0">
+                <a:latin typeface="Selawik Semibold" panose="020B0702040204020203" pitchFamily="34" charset="0"/>
+              </a:rPr>
+              <a:t>Develop Daily Fantasy Sports</a:t>
             </a:r>
           </a:p>
           <a:p>
             <a:pPr lvl="2"/>
             <a:r>
-              <a:rPr lang="en-US" sz="1600" dirty="0">
-                <a:latin typeface="Selawik Semibold" panose="020B0702040204020203" pitchFamily="34" charset="0"/>
-              </a:rPr>
-              <a:t>Game Scheduling</a:t>
-            </a:r>
-          </a:p>
-          <a:p>
-            <a:pPr lvl="2"/>
-            <a:r>
-              <a:rPr lang="en-US" sz="1600" dirty="0">
-                <a:latin typeface="Selawik Semibold" panose="020B0702040204020203" pitchFamily="34" charset="0"/>
-              </a:rPr>
-              <a:t>Supply Chain Management and Logistics</a:t>
-            </a:r>
-          </a:p>
-          <a:p>
-            <a:pPr lvl="2"/>
-            <a:r>
-              <a:rPr lang="en-US" sz="1600" dirty="0">
-                <a:latin typeface="Selawik Semibold" panose="020B0702040204020203" pitchFamily="34" charset="0"/>
-              </a:rPr>
-              <a:t>Marketing and Promotions</a:t>
-            </a:r>
-          </a:p>
-          <a:p>
-            <a:pPr lvl="2"/>
-            <a:r>
-              <a:rPr lang="en-US" sz="1600" dirty="0">
-                <a:latin typeface="Selawik Semibold" panose="020B0702040204020203" pitchFamily="34" charset="0"/>
-              </a:rPr>
-              <a:t>Procurement of Goods and Services</a:t>
-            </a:r>
-          </a:p>
-          <a:p>
-            <a:pPr lvl="2"/>
-            <a:endParaRPr lang="en-US" sz="1600" dirty="0">
-              <a:latin typeface="Selawik Semibold" panose="020B0702040204020203" pitchFamily="34" charset="0"/>
-            </a:endParaRPr>
+              <a:rPr lang="en-US" sz="1800" dirty="0">
+                <a:latin typeface="Selawik Semibold" panose="020B0702040204020203" pitchFamily="34" charset="0"/>
+              </a:rPr>
+              <a:t>Worth Over $5B According to Nevada Gaming Control Board (NGCB)</a:t>
+            </a:r>
           </a:p>
           <a:p>
             <a:pPr lvl="2"/>
@@ -4519,7 +4491,7 @@
     </p:spTree>
     <p:extLst>
       <p:ext uri="{BB962C8B-B14F-4D97-AF65-F5344CB8AC3E}">
-        <p14:creationId xmlns:p14="http://schemas.microsoft.com/office/powerpoint/2010/main" val="2738960413"/>
+        <p14:creationId xmlns:p14="http://schemas.microsoft.com/office/powerpoint/2010/main" val="328255060"/>
       </p:ext>
     </p:extLst>
   </p:cSld>
@@ -4649,7 +4621,7 @@
               <a:rPr lang="en-US" b="1" dirty="0">
                 <a:latin typeface="Selawik Semibold" panose="020B0604020202020204" pitchFamily="34" charset="0"/>
               </a:rPr>
-              <a:t>Industry Present</a:t>
+              <a:t>Your Industry Future</a:t>
             </a:r>
           </a:p>
         </p:txBody>
@@ -4673,12 +4645,12 @@
         <p:spPr>
           <a:xfrm>
             <a:off x="838199" y="2021248"/>
-            <a:ext cx="7086601" cy="4695905"/>
+            <a:ext cx="8107018" cy="4695905"/>
           </a:xfrm>
         </p:spPr>
         <p:txBody>
           <a:bodyPr>
-            <a:normAutofit/>
+            <a:normAutofit lnSpcReduction="10000"/>
           </a:bodyPr>
           <a:lstStyle/>
           <a:p>
@@ -4686,12 +4658,35 @@
               <a:rPr lang="en-US" sz="2400" dirty="0">
                 <a:latin typeface="Selawik Semibold" panose="020B0702040204020203" pitchFamily="34" charset="0"/>
               </a:rPr>
-              <a:t>Modern Applications of Sports Analytics</a:t>
+              <a:t>Prerequisites by Howard Hamilton </a:t>
+            </a:r>
+          </a:p>
+          <a:p>
+            <a:pPr marL="0" indent="0">
+              <a:buNone/>
+            </a:pPr>
+            <a:r>
+              <a:rPr lang="en-US" sz="2400" dirty="0">
+                <a:latin typeface="Selawik Semibold" panose="020B0702040204020203" pitchFamily="34" charset="0"/>
+              </a:rPr>
+              <a:t>   (</a:t>
+            </a:r>
+            <a:r>
+              <a:rPr lang="en-US" sz="2400" dirty="0" err="1">
+                <a:latin typeface="Selawik Semibold" panose="020B0702040204020203" pitchFamily="34" charset="0"/>
+              </a:rPr>
+              <a:t>Soccermetrics</a:t>
+            </a:r>
+            <a:r>
+              <a:rPr lang="en-US" sz="2400" dirty="0">
+                <a:latin typeface="Selawik Semibold" panose="020B0702040204020203" pitchFamily="34" charset="0"/>
+              </a:rPr>
+              <a:t>)</a:t>
             </a:r>
           </a:p>
           <a:p>
             <a:pPr lvl="1"/>
-            <a:endParaRPr lang="en-US" sz="2000" b="1" dirty="0">
+            <a:endParaRPr lang="en-US" sz="2000" dirty="0">
               <a:latin typeface="Selawik Semibold" panose="020B0702040204020203" pitchFamily="34" charset="0"/>
             </a:endParaRPr>
           </a:p>
@@ -4701,7 +4696,7 @@
               <a:rPr lang="en-US" sz="2000" dirty="0">
                 <a:latin typeface="Selawik Semibold" panose="020B0702040204020203" pitchFamily="34" charset="0"/>
               </a:rPr>
-              <a:t>Advancing Sports Gambling</a:t>
+              <a:t>Technical Skills</a:t>
             </a:r>
           </a:p>
           <a:p>
@@ -4710,19 +4705,16 @@
               <a:rPr lang="en-US" sz="1800" dirty="0">
                 <a:latin typeface="Selawik Semibold" panose="020B0702040204020203" pitchFamily="34" charset="0"/>
               </a:rPr>
-              <a:t>Supreme Court Ruling Previous Statute Violated 10</a:t>
-            </a:r>
-            <a:r>
-              <a:rPr lang="en-US" sz="1800" baseline="30000" dirty="0">
-                <a:latin typeface="Selawik Semibold" panose="020B0702040204020203" pitchFamily="34" charset="0"/>
-              </a:rPr>
-              <a:t>th</a:t>
-            </a:r>
+              <a:t>Mathematics (Linear Algebra/Probability Essential)</a:t>
+            </a:r>
+          </a:p>
+          <a:p>
+            <a:pPr lvl="2"/>
             <a:r>
               <a:rPr lang="en-US" sz="1800" dirty="0">
                 <a:latin typeface="Selawik Semibold" panose="020B0702040204020203" pitchFamily="34" charset="0"/>
               </a:rPr>
-              <a:t> Amendment (Murphy v. National Collegiate Athletic Association)</a:t>
+              <a:t>Statistics (Frequentist and Bayesian Perspectives)</a:t>
             </a:r>
           </a:p>
           <a:p>
@@ -4731,7 +4723,7 @@
               <a:rPr lang="en-US" sz="1800" dirty="0">
                 <a:latin typeface="Selawik Semibold" panose="020B0702040204020203" pitchFamily="34" charset="0"/>
               </a:rPr>
-              <a:t>States Free to Legislate Gambling</a:t>
+              <a:t>Machine Learning (Supervised and Unsupervised)</a:t>
             </a:r>
           </a:p>
           <a:p>
@@ -4740,7 +4732,7 @@
               <a:rPr lang="en-US" sz="1800" dirty="0">
                 <a:latin typeface="Selawik Semibold" panose="020B0702040204020203" pitchFamily="34" charset="0"/>
               </a:rPr>
-              <a:t>Improvement of Gambling Products</a:t>
+              <a:t>Programming (R/Python, Data Structures, OOP)</a:t>
             </a:r>
           </a:p>
           <a:p>
@@ -4749,7 +4741,7 @@
               <a:rPr lang="en-US" sz="1800" dirty="0">
                 <a:latin typeface="Selawik Semibold" panose="020B0702040204020203" pitchFamily="34" charset="0"/>
               </a:rPr>
-              <a:t>Data Aggregation and Visualization for Bettors </a:t>
+              <a:t>Databases</a:t>
             </a:r>
           </a:p>
           <a:p>
@@ -4758,16 +4750,39 @@
               <a:rPr lang="en-US" sz="1800" dirty="0">
                 <a:latin typeface="Selawik Semibold" panose="020B0702040204020203" pitchFamily="34" charset="0"/>
               </a:rPr>
-              <a:t>Develop Daily Fantasy Sports</a:t>
+              <a:t>Visualization</a:t>
             </a:r>
           </a:p>
           <a:p>
             <a:pPr lvl="2"/>
-            <a:r>
-              <a:rPr lang="en-US" sz="1800" dirty="0">
-                <a:latin typeface="Selawik Semibold" panose="020B0702040204020203" pitchFamily="34" charset="0"/>
-              </a:rPr>
-              <a:t>Worth Over $5B According to Nevada Gaming Control Board (NGCB)</a:t>
+            <a:endParaRPr lang="en-US" sz="1800" dirty="0">
+              <a:latin typeface="Selawik Semibold" panose="020B0702040204020203" pitchFamily="34" charset="0"/>
+            </a:endParaRPr>
+          </a:p>
+          <a:p>
+            <a:pPr lvl="1"/>
+            <a:r>
+              <a:rPr lang="en-US" sz="2000" dirty="0">
+                <a:latin typeface="Selawik Semibold" panose="020B0702040204020203" pitchFamily="34" charset="0"/>
+              </a:rPr>
+              <a:t>Socials Skills, Ethics, and the Law</a:t>
+            </a:r>
+          </a:p>
+          <a:p>
+            <a:pPr marL="457200" lvl="1" indent="0">
+              <a:buNone/>
+            </a:pPr>
+            <a:endParaRPr lang="en-US" sz="2000" dirty="0">
+              <a:latin typeface="Selawik Semibold" panose="020B0702040204020203" pitchFamily="34" charset="0"/>
+            </a:endParaRPr>
+          </a:p>
+          <a:p>
+            <a:pPr lvl="1"/>
+            <a:r>
+              <a:rPr lang="en-US" sz="2000" dirty="0">
+                <a:latin typeface="Selawik Semibold" panose="020B0702040204020203" pitchFamily="34" charset="0"/>
+              </a:rPr>
+              <a:t>Knowledgeable About All Aspects of the Sport</a:t>
             </a:r>
           </a:p>
           <a:p>
@@ -5127,7 +5142,7 @@
     </p:spTree>
     <p:extLst>
       <p:ext uri="{BB962C8B-B14F-4D97-AF65-F5344CB8AC3E}">
-        <p14:creationId xmlns:p14="http://schemas.microsoft.com/office/powerpoint/2010/main" val="328255060"/>
+        <p14:creationId xmlns:p14="http://schemas.microsoft.com/office/powerpoint/2010/main" val="3511620189"/>
       </p:ext>
     </p:extLst>
   </p:cSld>
@@ -5281,12 +5296,12 @@
         <p:spPr>
           <a:xfrm>
             <a:off x="838199" y="2021248"/>
-            <a:ext cx="8107018" cy="4695905"/>
+            <a:ext cx="7379044" cy="4695905"/>
           </a:xfrm>
         </p:spPr>
         <p:txBody>
           <a:bodyPr>
-            <a:normAutofit lnSpcReduction="10000"/>
+            <a:normAutofit/>
           </a:bodyPr>
           <a:lstStyle/>
           <a:p>
@@ -5294,132 +5309,130 @@
               <a:rPr lang="en-US" sz="2400" dirty="0">
                 <a:latin typeface="Selawik Semibold" panose="020B0702040204020203" pitchFamily="34" charset="0"/>
               </a:rPr>
-              <a:t>Prerequisites by Howard Hamilton </a:t>
+              <a:t>Real Jobs (Indeed)</a:t>
             </a:r>
           </a:p>
           <a:p>
             <a:pPr marL="0" indent="0">
               <a:buNone/>
             </a:pPr>
-            <a:r>
-              <a:rPr lang="en-US" sz="2400" dirty="0">
-                <a:latin typeface="Selawik Semibold" panose="020B0702040204020203" pitchFamily="34" charset="0"/>
-              </a:rPr>
-              <a:t>   (</a:t>
-            </a:r>
-            <a:r>
-              <a:rPr lang="en-US" sz="2400" dirty="0" err="1">
-                <a:latin typeface="Selawik Semibold" panose="020B0702040204020203" pitchFamily="34" charset="0"/>
-              </a:rPr>
-              <a:t>Soccermetrics</a:t>
-            </a:r>
-            <a:r>
-              <a:rPr lang="en-US" sz="2400" dirty="0">
-                <a:latin typeface="Selawik Semibold" panose="020B0702040204020203" pitchFamily="34" charset="0"/>
-              </a:rPr>
-              <a:t>)</a:t>
-            </a:r>
+            <a:endParaRPr lang="en-US" sz="2400" dirty="0">
+              <a:latin typeface="Selawik Semibold" panose="020B0702040204020203" pitchFamily="34" charset="0"/>
+            </a:endParaRPr>
+          </a:p>
+          <a:p>
+            <a:pPr lvl="1"/>
+            <a:r>
+              <a:rPr lang="en-US" sz="2000" dirty="0">
+                <a:latin typeface="Selawik Semibold" panose="020B0702040204020203" pitchFamily="34" charset="0"/>
+              </a:rPr>
+              <a:t>Baseball Analytics Intern for USA Baseball</a:t>
+            </a:r>
+          </a:p>
+          <a:p>
+            <a:pPr lvl="2"/>
+            <a:r>
+              <a:rPr lang="en-US" sz="1800" dirty="0">
+                <a:latin typeface="Selawik Semibold" panose="020B0702040204020203" pitchFamily="34" charset="0"/>
+              </a:rPr>
+              <a:t>Local Position in Cary</a:t>
+            </a:r>
+          </a:p>
+          <a:p>
+            <a:pPr lvl="2"/>
+            <a:r>
+              <a:rPr lang="en-US" sz="1800" dirty="0">
+                <a:latin typeface="Selawik Semibold" panose="020B0702040204020203" pitchFamily="34" charset="0"/>
+              </a:rPr>
+              <a:t>CS or Stats Background</a:t>
+            </a:r>
+          </a:p>
+          <a:p>
+            <a:pPr lvl="2"/>
+            <a:r>
+              <a:rPr lang="en-US" sz="1800" dirty="0">
+                <a:latin typeface="Selawik Semibold" panose="020B0702040204020203" pitchFamily="34" charset="0"/>
+              </a:rPr>
+              <a:t>R, SQL, Excel</a:t>
+            </a:r>
+          </a:p>
+          <a:p>
+            <a:pPr lvl="2"/>
+            <a:r>
+              <a:rPr lang="en-US" sz="1800" dirty="0">
+                <a:latin typeface="Selawik Semibold" panose="020B0702040204020203" pitchFamily="34" charset="0"/>
+              </a:rPr>
+              <a:t>Love of the Game</a:t>
+            </a:r>
+          </a:p>
+          <a:p>
+            <a:pPr marL="914400" lvl="2" indent="0">
+              <a:buNone/>
+            </a:pPr>
+            <a:endParaRPr lang="en-US" sz="1600" dirty="0">
+              <a:latin typeface="Selawik Semibold" panose="020B0702040204020203" pitchFamily="34" charset="0"/>
+            </a:endParaRPr>
+          </a:p>
+          <a:p>
+            <a:pPr lvl="1"/>
+            <a:r>
+              <a:rPr lang="en-US" sz="2000" dirty="0">
+                <a:latin typeface="Selawik Semibold" panose="020B0702040204020203" pitchFamily="34" charset="0"/>
+              </a:rPr>
+              <a:t>Analytics Internship for Arizona Coyotes</a:t>
+            </a:r>
+          </a:p>
+          <a:p>
+            <a:pPr lvl="2"/>
+            <a:r>
+              <a:rPr lang="en-US" sz="1800" dirty="0">
+                <a:latin typeface="Selawik Semibold" panose="020B0702040204020203" pitchFamily="34" charset="0"/>
+              </a:rPr>
+              <a:t>Dashboards in Tableau</a:t>
+            </a:r>
+          </a:p>
+          <a:p>
+            <a:pPr lvl="2"/>
+            <a:r>
+              <a:rPr lang="en-US" sz="1800" dirty="0">
+                <a:latin typeface="Selawik Semibold" panose="020B0702040204020203" pitchFamily="34" charset="0"/>
+              </a:rPr>
+              <a:t>Various Analytics Projects</a:t>
+            </a:r>
+          </a:p>
+          <a:p>
+            <a:pPr lvl="2"/>
+            <a:r>
+              <a:rPr lang="en-US" sz="1800" dirty="0">
+                <a:latin typeface="Selawik Semibold" panose="020B0702040204020203" pitchFamily="34" charset="0"/>
+              </a:rPr>
+              <a:t>SQL, R, Python</a:t>
+            </a:r>
+          </a:p>
+          <a:p>
+            <a:pPr marL="914400" lvl="2" indent="0">
+              <a:buNone/>
+            </a:pPr>
+            <a:endParaRPr lang="en-US" sz="1800" dirty="0">
+              <a:latin typeface="Selawik Semibold" panose="020B0702040204020203" pitchFamily="34" charset="0"/>
+            </a:endParaRPr>
+          </a:p>
+          <a:p>
+            <a:pPr lvl="2"/>
+            <a:endParaRPr lang="en-US" sz="1600" dirty="0">
+              <a:latin typeface="Selawik Semibold" panose="020B0702040204020203" pitchFamily="34" charset="0"/>
+            </a:endParaRPr>
+          </a:p>
+          <a:p>
+            <a:endParaRPr lang="en-US" sz="2400" dirty="0">
+              <a:latin typeface="Selawik Semibold" panose="020B0702040204020203" pitchFamily="34" charset="0"/>
+            </a:endParaRPr>
           </a:p>
           <a:p>
             <a:pPr lvl="1"/>
             <a:endParaRPr lang="en-US" sz="2000" dirty="0">
               <a:latin typeface="Selawik Semibold" panose="020B0702040204020203" pitchFamily="34" charset="0"/>
             </a:endParaRPr>
-          </a:p>
-          <a:p>
-            <a:pPr lvl="1"/>
-            <a:r>
-              <a:rPr lang="en-US" sz="2000" dirty="0">
-                <a:latin typeface="Selawik Semibold" panose="020B0702040204020203" pitchFamily="34" charset="0"/>
-              </a:rPr>
-              <a:t>Technical Skills</a:t>
-            </a:r>
-          </a:p>
-          <a:p>
-            <a:pPr lvl="2"/>
-            <a:r>
-              <a:rPr lang="en-US" sz="1800" dirty="0">
-                <a:latin typeface="Selawik Semibold" panose="020B0702040204020203" pitchFamily="34" charset="0"/>
-              </a:rPr>
-              <a:t>Mathematics (Linear Algebra/Probability Essential)</a:t>
-            </a:r>
-          </a:p>
-          <a:p>
-            <a:pPr lvl="2"/>
-            <a:r>
-              <a:rPr lang="en-US" sz="1800" dirty="0">
-                <a:latin typeface="Selawik Semibold" panose="020B0702040204020203" pitchFamily="34" charset="0"/>
-              </a:rPr>
-              <a:t>Statistics (Frequentist and Bayesian Perspectives)</a:t>
-            </a:r>
-          </a:p>
-          <a:p>
-            <a:pPr lvl="2"/>
-            <a:r>
-              <a:rPr lang="en-US" sz="1800" dirty="0">
-                <a:latin typeface="Selawik Semibold" panose="020B0702040204020203" pitchFamily="34" charset="0"/>
-              </a:rPr>
-              <a:t>Machine Learning (Supervised and Unsupervised)</a:t>
-            </a:r>
-          </a:p>
-          <a:p>
-            <a:pPr lvl="2"/>
-            <a:r>
-              <a:rPr lang="en-US" sz="1800" dirty="0">
-                <a:latin typeface="Selawik Semibold" panose="020B0702040204020203" pitchFamily="34" charset="0"/>
-              </a:rPr>
-              <a:t>Programming (R/Python, Data Structures, OOP)</a:t>
-            </a:r>
-          </a:p>
-          <a:p>
-            <a:pPr lvl="2"/>
-            <a:r>
-              <a:rPr lang="en-US" sz="1800" dirty="0">
-                <a:latin typeface="Selawik Semibold" panose="020B0702040204020203" pitchFamily="34" charset="0"/>
-              </a:rPr>
-              <a:t>Databases</a:t>
-            </a:r>
-          </a:p>
-          <a:p>
-            <a:pPr lvl="2"/>
-            <a:r>
-              <a:rPr lang="en-US" sz="1800" dirty="0">
-                <a:latin typeface="Selawik Semibold" panose="020B0702040204020203" pitchFamily="34" charset="0"/>
-              </a:rPr>
-              <a:t>Visualization</a:t>
-            </a:r>
-          </a:p>
-          <a:p>
-            <a:pPr lvl="2"/>
-            <a:endParaRPr lang="en-US" sz="1800" dirty="0">
-              <a:latin typeface="Selawik Semibold" panose="020B0702040204020203" pitchFamily="34" charset="0"/>
-            </a:endParaRPr>
-          </a:p>
-          <a:p>
-            <a:pPr lvl="1"/>
-            <a:r>
-              <a:rPr lang="en-US" sz="2000" dirty="0">
-                <a:latin typeface="Selawik Semibold" panose="020B0702040204020203" pitchFamily="34" charset="0"/>
-              </a:rPr>
-              <a:t>Socials Skills, Ethics, and the Law</a:t>
-            </a:r>
-          </a:p>
-          <a:p>
-            <a:pPr marL="457200" lvl="1" indent="0">
-              <a:buNone/>
-            </a:pPr>
-            <a:endParaRPr lang="en-US" sz="2000" dirty="0">
-              <a:latin typeface="Selawik Semibold" panose="020B0702040204020203" pitchFamily="34" charset="0"/>
-            </a:endParaRPr>
-          </a:p>
-          <a:p>
-            <a:pPr lvl="1"/>
-            <a:r>
-              <a:rPr lang="en-US" sz="2000" dirty="0">
-                <a:latin typeface="Selawik Semibold" panose="020B0702040204020203" pitchFamily="34" charset="0"/>
-              </a:rPr>
-              <a:t>Knowledgeable About All Aspects of the Sport</a:t>
-            </a:r>
           </a:p>
           <a:p>
             <a:pPr lvl="2"/>
@@ -5778,7 +5791,7 @@
     </p:spTree>
     <p:extLst>
       <p:ext uri="{BB962C8B-B14F-4D97-AF65-F5344CB8AC3E}">
-        <p14:creationId xmlns:p14="http://schemas.microsoft.com/office/powerpoint/2010/main" val="3511620189"/>
+        <p14:creationId xmlns:p14="http://schemas.microsoft.com/office/powerpoint/2010/main" val="3331566554"/>
       </p:ext>
     </p:extLst>
   </p:cSld>
@@ -6036,7 +6049,7 @@
               <a:rPr lang="en-US" sz="2000" dirty="0">
                 <a:latin typeface="Selawik Semibold" panose="020B0702040204020203" pitchFamily="34" charset="0"/>
               </a:rPr>
-              <a:t>Analyst for the Cleveland Indians</a:t>
+              <a:t>Operational Excellence Internship for FanDuel</a:t>
             </a:r>
           </a:p>
           <a:p>
@@ -6045,7 +6058,7 @@
               <a:rPr lang="en-US" sz="1800" dirty="0">
                 <a:latin typeface="Selawik Semibold" panose="020B0702040204020203" pitchFamily="34" charset="0"/>
               </a:rPr>
-              <a:t>Mission is to win a World Series (LOL)</a:t>
+              <a:t>SQL and Analytics</a:t>
             </a:r>
           </a:p>
           <a:p>
@@ -6054,25 +6067,7 @@
               <a:rPr lang="en-US" sz="1800" dirty="0">
                 <a:latin typeface="Selawik Semibold" panose="020B0702040204020203" pitchFamily="34" charset="0"/>
               </a:rPr>
-              <a:t>Design New Strategies, Tools, and Tactics</a:t>
-            </a:r>
-          </a:p>
-          <a:p>
-            <a:pPr lvl="2"/>
-            <a:r>
-              <a:rPr lang="en-US" sz="1800" dirty="0">
-                <a:latin typeface="Selawik Semibold" panose="020B0702040204020203" pitchFamily="34" charset="0"/>
-              </a:rPr>
-              <a:t>Understand Statistics and Experience with Regression</a:t>
-            </a:r>
-          </a:p>
-          <a:p>
-            <a:pPr lvl="2"/>
-            <a:r>
-              <a:rPr lang="en-US" sz="1800" dirty="0">
-                <a:latin typeface="Selawik Semibold" panose="020B0702040204020203" pitchFamily="34" charset="0"/>
-              </a:rPr>
-              <a:t>Tableau, SQL, and R</a:t>
+              <a:t>Love of the Game</a:t>
             </a:r>
           </a:p>
           <a:p>
@@ -6449,7 +6444,7 @@
     </p:spTree>
     <p:extLst>
       <p:ext uri="{BB962C8B-B14F-4D97-AF65-F5344CB8AC3E}">
-        <p14:creationId xmlns:p14="http://schemas.microsoft.com/office/powerpoint/2010/main" val="3331566554"/>
+        <p14:creationId xmlns:p14="http://schemas.microsoft.com/office/powerpoint/2010/main" val="19130736"/>
       </p:ext>
     </p:extLst>
   </p:cSld>
@@ -6633,7 +6628,7 @@
               <a:rPr lang="en-US" sz="2000" dirty="0">
                 <a:latin typeface="Selawik Semibold" panose="020B0702040204020203" pitchFamily="34" charset="0"/>
               </a:rPr>
-              <a:t>Part-time Faculty for Syracuse</a:t>
+              <a:t>Valuation &amp; Analytics Intern at IPG360</a:t>
             </a:r>
           </a:p>
           <a:p>
@@ -6642,7 +6637,7 @@
               <a:rPr lang="en-US" sz="1800" dirty="0">
                 <a:latin typeface="Selawik Semibold" panose="020B0702040204020203" pitchFamily="34" charset="0"/>
               </a:rPr>
-              <a:t>Introductory Sports Science Analytics</a:t>
+              <a:t>Build Content Database for Quarterly Insights Report</a:t>
             </a:r>
           </a:p>
           <a:p>
@@ -6651,7 +6646,16 @@
               <a:rPr lang="en-US" sz="1800" dirty="0">
                 <a:latin typeface="Selawik Semibold" panose="020B0702040204020203" pitchFamily="34" charset="0"/>
               </a:rPr>
-              <a:t>Master’s with 10+ Years Industry Experience</a:t>
+              <a:t>Market and Industry Research Assistance</a:t>
+            </a:r>
+          </a:p>
+          <a:p>
+            <a:pPr lvl="2"/>
+            <a:r>
+              <a:rPr lang="en-US" sz="1800" dirty="0">
+                <a:latin typeface="Selawik Semibold" panose="020B0702040204020203" pitchFamily="34" charset="0"/>
+              </a:rPr>
+              <a:t>3.0 GPA and Strong Software Skills (Microsoft Office)</a:t>
             </a:r>
           </a:p>
           <a:p>
@@ -6668,19 +6672,7 @@
               <a:rPr lang="en-US" sz="2000" dirty="0">
                 <a:latin typeface="Selawik Semibold" panose="020B0702040204020203" pitchFamily="34" charset="0"/>
               </a:rPr>
-              <a:t>Strategy Analyst for </a:t>
-            </a:r>
-            <a:r>
-              <a:rPr lang="en-US" sz="2000" dirty="0" err="1">
-                <a:latin typeface="Selawik Semibold" panose="020B0702040204020203" pitchFamily="34" charset="0"/>
-              </a:rPr>
-              <a:t>Skillz</a:t>
-            </a:r>
-            <a:r>
-              <a:rPr lang="en-US" sz="2000" dirty="0">
-                <a:latin typeface="Selawik Semibold" panose="020B0702040204020203" pitchFamily="34" charset="0"/>
-              </a:rPr>
-              <a:t> Inc.</a:t>
+              <a:t>Summer Intern for the NFL</a:t>
             </a:r>
           </a:p>
           <a:p>
@@ -6689,7 +6681,7 @@
               <a:rPr lang="en-US" sz="1800" dirty="0">
                 <a:latin typeface="Selawik Semibold" panose="020B0702040204020203" pitchFamily="34" charset="0"/>
               </a:rPr>
-              <a:t>Accelerate the Convergence of Sports, Video Games, &amp; Media</a:t>
+              <a:t>Corporate Strategy and Data and Analytics</a:t>
             </a:r>
           </a:p>
           <a:p>
@@ -6698,7 +6690,7 @@
               <a:rPr lang="en-US" sz="1800" dirty="0">
                 <a:latin typeface="Selawik Semibold" panose="020B0702040204020203" pitchFamily="34" charset="0"/>
               </a:rPr>
-              <a:t>Run A/B Experiments to Optimize the User Experience</a:t>
+              <a:t>MBA Student</a:t>
             </a:r>
           </a:p>
           <a:p>
@@ -6707,7 +6699,7 @@
               <a:rPr lang="en-US" sz="1800" dirty="0">
                 <a:latin typeface="Selawik Semibold" panose="020B0702040204020203" pitchFamily="34" charset="0"/>
               </a:rPr>
-              <a:t>Lead Analytics Projects</a:t>
+              <a:t>Coursework in CS, Math, Econometrics, etc.</a:t>
             </a:r>
           </a:p>
           <a:p>
@@ -6716,17 +6708,14 @@
               <a:rPr lang="en-US" sz="1800" dirty="0">
                 <a:latin typeface="Selawik Semibold" panose="020B0702040204020203" pitchFamily="34" charset="0"/>
               </a:rPr>
-              <a:t>Honesty in Developing and Sharing Insights from User Data</a:t>
+              <a:t>SQL, SAS, Python, R, Big Data</a:t>
             </a:r>
           </a:p>
           <a:p>
             <a:pPr lvl="2"/>
-            <a:r>
-              <a:rPr lang="en-US" sz="1800" dirty="0">
-                <a:latin typeface="Selawik Semibold" panose="020B0702040204020203" pitchFamily="34" charset="0"/>
-              </a:rPr>
-              <a:t>Experience Using Data Visualization Platforms</a:t>
-            </a:r>
+            <a:endParaRPr lang="en-US" sz="1800" dirty="0">
+              <a:latin typeface="Selawik Semibold" panose="020B0702040204020203" pitchFamily="34" charset="0"/>
+            </a:endParaRPr>
           </a:p>
           <a:p>
             <a:pPr lvl="2"/>
@@ -7276,57 +7265,6 @@
             <a:pPr marL="0" indent="0">
               <a:buNone/>
             </a:pPr>
-            <a:endParaRPr lang="en-US" sz="2400" dirty="0">
-              <a:latin typeface="Selawik Semibold" panose="020B0702040204020203" pitchFamily="34" charset="0"/>
-            </a:endParaRPr>
-          </a:p>
-          <a:p>
-            <a:pPr lvl="1"/>
-            <a:r>
-              <a:rPr lang="en-US" sz="2000" dirty="0">
-                <a:latin typeface="Selawik Semibold" panose="020B0702040204020203" pitchFamily="34" charset="0"/>
-              </a:rPr>
-              <a:t>Sports Statistical Analyst for CBS</a:t>
-            </a:r>
-          </a:p>
-          <a:p>
-            <a:pPr lvl="2"/>
-            <a:r>
-              <a:rPr lang="en-US" sz="1800" dirty="0">
-                <a:latin typeface="Selawik Semibold" panose="020B0702040204020203" pitchFamily="34" charset="0"/>
-              </a:rPr>
-              <a:t>Synthesize Sports Data and Statistics</a:t>
-            </a:r>
-          </a:p>
-          <a:p>
-            <a:pPr lvl="2"/>
-            <a:r>
-              <a:rPr lang="en-US" sz="1800" dirty="0">
-                <a:latin typeface="Selawik Semibold" panose="020B0702040204020203" pitchFamily="34" charset="0"/>
-              </a:rPr>
-              <a:t>Understand How Stats are Used to Make Predictions</a:t>
-            </a:r>
-          </a:p>
-          <a:p>
-            <a:pPr lvl="2"/>
-            <a:r>
-              <a:rPr lang="en-US" sz="1800" dirty="0">
-                <a:latin typeface="Selawik Semibold" panose="020B0702040204020203" pitchFamily="34" charset="0"/>
-              </a:rPr>
-              <a:t>Season Long and Daily Fantasy Sports Player</a:t>
-            </a:r>
-          </a:p>
-          <a:p>
-            <a:pPr lvl="2"/>
-            <a:r>
-              <a:rPr lang="en-US" sz="1800" dirty="0">
-                <a:latin typeface="Selawik Semibold" panose="020B0702040204020203" pitchFamily="34" charset="0"/>
-              </a:rPr>
-              <a:t>Knowledge of Sports Betting and Handicapping Stats</a:t>
-            </a:r>
-          </a:p>
-          <a:p>
-            <a:pPr lvl="2"/>
             <a:endParaRPr lang="en-US" sz="1600" dirty="0">
               <a:latin typeface="Selawik Semibold" panose="020B0702040204020203" pitchFamily="34" charset="0"/>
             </a:endParaRPr>
@@ -7337,7 +7275,7 @@
               <a:rPr lang="en-US" sz="2000" dirty="0">
                 <a:latin typeface="Selawik Semibold" panose="020B0702040204020203" pitchFamily="34" charset="0"/>
               </a:rPr>
-              <a:t>Revenue and Forecasting Associate for FanDuel</a:t>
+              <a:t>Analyst for the Cleveland Indians</a:t>
             </a:r>
           </a:p>
           <a:p>
@@ -7346,7 +7284,7 @@
               <a:rPr lang="en-US" sz="1800" dirty="0">
                 <a:latin typeface="Selawik Semibold" panose="020B0702040204020203" pitchFamily="34" charset="0"/>
               </a:rPr>
-              <a:t>Forecast Daily Revenue and Historical Trends</a:t>
+              <a:t>Focus on Consumer Research and Insights</a:t>
             </a:r>
           </a:p>
           <a:p>
@@ -7355,7 +7293,7 @@
               <a:rPr lang="en-US" sz="1800" dirty="0">
                 <a:latin typeface="Selawik Semibold" panose="020B0702040204020203" pitchFamily="34" charset="0"/>
               </a:rPr>
-              <a:t>Track Live Contest Performance</a:t>
+              <a:t>Bachelors Required is Business Related Field</a:t>
             </a:r>
           </a:p>
           <a:p>
@@ -7364,7 +7302,7 @@
               <a:rPr lang="en-US" sz="1800" dirty="0">
                 <a:latin typeface="Selawik Semibold" panose="020B0702040204020203" pitchFamily="34" charset="0"/>
               </a:rPr>
-              <a:t>Create Dashboards and Reports for Stakeholders</a:t>
+              <a:t>Knowledge of SurveyGizmo, Qualtrics, etc. </a:t>
             </a:r>
           </a:p>
           <a:p>
@@ -7373,16 +7311,67 @@
               <a:rPr lang="en-US" sz="1800" dirty="0">
                 <a:latin typeface="Selawik Semibold" panose="020B0702040204020203" pitchFamily="34" charset="0"/>
               </a:rPr>
-              <a:t>Regression, Cohort Analysis, Clustering, A/B Testing</a:t>
+              <a:t>Background with SQL or Tableau</a:t>
             </a:r>
           </a:p>
           <a:p>
             <a:pPr lvl="2"/>
+            <a:endParaRPr lang="en-US" dirty="0">
+              <a:latin typeface="Selawik Semibold" panose="020B0702040204020203" pitchFamily="34" charset="0"/>
+            </a:endParaRPr>
+          </a:p>
+          <a:p>
+            <a:pPr lvl="1"/>
+            <a:r>
+              <a:rPr lang="en-US" sz="2000" dirty="0">
+                <a:latin typeface="Selawik Semibold" panose="020B0702040204020203" pitchFamily="34" charset="0"/>
+              </a:rPr>
+              <a:t>Product Analyst for Turner</a:t>
+            </a:r>
+          </a:p>
+          <a:p>
+            <a:pPr lvl="2"/>
             <a:r>
               <a:rPr lang="en-US" sz="1800" dirty="0">
                 <a:latin typeface="Selawik Semibold" panose="020B0702040204020203" pitchFamily="34" charset="0"/>
               </a:rPr>
-              <a:t>Experience with SQL, Excel, R, and/or Python</a:t>
+              <a:t>Work in Bleacher Report Department</a:t>
+            </a:r>
+          </a:p>
+          <a:p>
+            <a:pPr lvl="2"/>
+            <a:r>
+              <a:rPr lang="en-US" sz="1800" dirty="0">
+                <a:latin typeface="Selawik Semibold" panose="020B0702040204020203" pitchFamily="34" charset="0"/>
+              </a:rPr>
+              <a:t>Build and Maintain Reports/Dashboards</a:t>
+            </a:r>
+          </a:p>
+          <a:p>
+            <a:pPr lvl="2"/>
+            <a:r>
+              <a:rPr lang="en-US" sz="1800" dirty="0">
+                <a:latin typeface="Selawik Semibold" panose="020B0702040204020203" pitchFamily="34" charset="0"/>
+              </a:rPr>
+              <a:t>Exploratory Analyses for Deeper Understanding</a:t>
+            </a:r>
+          </a:p>
+          <a:p>
+            <a:pPr lvl="2"/>
+            <a:r>
+              <a:rPr lang="en-US" sz="1800" dirty="0">
+                <a:latin typeface="Selawik Semibold" panose="020B0702040204020203" pitchFamily="34" charset="0"/>
+              </a:rPr>
+              <a:t>SQL, Python, R, Tableau</a:t>
+            </a:r>
+          </a:p>
+          <a:p>
+            <a:pPr lvl="2"/>
+            <a:r>
+              <a:rPr lang="en-US" sz="1800" dirty="0">
+                <a:latin typeface="Selawik Semibold" panose="020B0702040204020203" pitchFamily="34" charset="0"/>
+              </a:rPr>
+              <a:t>Regression, Hypothesis Testing, Data Visualization</a:t>
             </a:r>
           </a:p>
           <a:p>
@@ -7945,7 +7934,7 @@
             <a:pPr marL="0" indent="0">
               <a:buNone/>
             </a:pPr>
-            <a:endParaRPr lang="en-US" sz="2400" dirty="0">
+            <a:endParaRPr lang="en-US" sz="1800" dirty="0">
               <a:latin typeface="Selawik Semibold" panose="020B0702040204020203" pitchFamily="34" charset="0"/>
             </a:endParaRPr>
           </a:p>
@@ -7955,17 +7944,20 @@
               <a:rPr lang="en-US" sz="2000" dirty="0">
                 <a:latin typeface="Selawik Semibold" panose="020B0702040204020203" pitchFamily="34" charset="0"/>
               </a:rPr>
-              <a:t>Quantitative Ticket Trader and Analyst for </a:t>
+              <a:t>Senior Analyst for </a:t>
             </a:r>
             <a:r>
               <a:rPr lang="en-US" sz="2000" dirty="0" err="1">
                 <a:latin typeface="Selawik Semibold" panose="020B0702040204020203" pitchFamily="34" charset="0"/>
               </a:rPr>
-              <a:t>SeatSnob</a:t>
-            </a:r>
-            <a:endParaRPr lang="en-US" sz="2000" dirty="0">
-              <a:latin typeface="Selawik Semibold" panose="020B0702040204020203" pitchFamily="34" charset="0"/>
-            </a:endParaRPr>
+              <a:t>Kagr</a:t>
+            </a:r>
+            <a:r>
+              <a:rPr lang="en-US" sz="2000" dirty="0">
+                <a:latin typeface="Selawik Semibold" panose="020B0702040204020203" pitchFamily="34" charset="0"/>
+              </a:rPr>
+              <a:t> LLC</a:t>
+            </a:r>
           </a:p>
           <a:p>
             <a:pPr lvl="2"/>
@@ -7973,7 +7965,7 @@
               <a:rPr lang="en-US" sz="1800" dirty="0">
                 <a:latin typeface="Selawik Semibold" panose="020B0702040204020203" pitchFamily="34" charset="0"/>
               </a:rPr>
-              <a:t>Use Analytics Platform to Identify Buying Opportunities</a:t>
+              <a:t>Opportunity for Advanced Analytics in Sports</a:t>
             </a:r>
           </a:p>
           <a:p>
@@ -7982,7 +7974,7 @@
               <a:rPr lang="en-US" sz="1800" dirty="0">
                 <a:latin typeface="Selawik Semibold" panose="020B0702040204020203" pitchFamily="34" charset="0"/>
               </a:rPr>
-              <a:t>Improve and Refine Quantitative Tools</a:t>
+              <a:t>Revenue, Ticket Sales, Attendance Forecasting</a:t>
             </a:r>
           </a:p>
           <a:p>
@@ -7991,7 +7983,7 @@
               <a:rPr lang="en-US" sz="1800" dirty="0">
                 <a:latin typeface="Selawik Semibold" panose="020B0702040204020203" pitchFamily="34" charset="0"/>
               </a:rPr>
-              <a:t>Bachelor’s with Strong Numerical/Quantitative Skills</a:t>
+              <a:t>Analytical Models and Machine Learning</a:t>
             </a:r>
           </a:p>
           <a:p>
@@ -8000,7 +7992,7 @@
               <a:rPr lang="en-US" sz="1800" dirty="0">
                 <a:latin typeface="Selawik Semibold" panose="020B0702040204020203" pitchFamily="34" charset="0"/>
               </a:rPr>
-              <a:t>Strong in Excel</a:t>
+              <a:t>Interest in Applying Statistical Methodology</a:t>
             </a:r>
           </a:p>
           <a:p>
@@ -8009,7 +8001,16 @@
               <a:rPr lang="en-US" sz="1800" dirty="0">
                 <a:latin typeface="Selawik Semibold" panose="020B0702040204020203" pitchFamily="34" charset="0"/>
               </a:rPr>
-              <a:t>Knowledge of R/Python</a:t>
+              <a:t>Degree in Stats, Econ, Math, CS, etc.</a:t>
+            </a:r>
+          </a:p>
+          <a:p>
+            <a:pPr lvl="2"/>
+            <a:r>
+              <a:rPr lang="en-US" sz="1800" dirty="0">
+                <a:latin typeface="Selawik Semibold" panose="020B0702040204020203" pitchFamily="34" charset="0"/>
+              </a:rPr>
+              <a:t>R, Python, SQL Required</a:t>
             </a:r>
           </a:p>
           <a:p>
@@ -8026,7 +8027,7 @@
               <a:rPr lang="en-US" sz="2000" dirty="0">
                 <a:latin typeface="Selawik Semibold" panose="020B0702040204020203" pitchFamily="34" charset="0"/>
               </a:rPr>
-              <a:t>Valuation &amp; Analytics Intern at IPG360</a:t>
+              <a:t>Sport Activity Experience Data Science Director</a:t>
             </a:r>
           </a:p>
           <a:p>
@@ -8035,7 +8036,7 @@
               <a:rPr lang="en-US" sz="1800" dirty="0">
                 <a:latin typeface="Selawik Semibold" panose="020B0702040204020203" pitchFamily="34" charset="0"/>
               </a:rPr>
-              <a:t>Build Content Database for Quarterly Insights Report</a:t>
+              <a:t>Test Products</a:t>
             </a:r>
           </a:p>
           <a:p>
@@ -8044,7 +8045,7 @@
               <a:rPr lang="en-US" sz="1800" dirty="0">
                 <a:latin typeface="Selawik Semibold" panose="020B0702040204020203" pitchFamily="34" charset="0"/>
               </a:rPr>
-              <a:t>Market and Industry Research Assistance</a:t>
+              <a:t>Python and Deep Learning Libraries</a:t>
             </a:r>
           </a:p>
           <a:p>
@@ -8053,14 +8054,8 @@
               <a:rPr lang="en-US" sz="1800" dirty="0">
                 <a:latin typeface="Selawik Semibold" panose="020B0702040204020203" pitchFamily="34" charset="0"/>
               </a:rPr>
-              <a:t>3.0 GPA and Strong Software Skills (Microsoft Office)</a:t>
-            </a:r>
-          </a:p>
-          <a:p>
-            <a:pPr lvl="2"/>
-            <a:endParaRPr lang="en-US" sz="1600" dirty="0">
-              <a:latin typeface="Selawik Semibold" panose="020B0702040204020203" pitchFamily="34" charset="0"/>
-            </a:endParaRPr>
+              <a:t>Masters or PhD Preferred</a:t>
+            </a:r>
           </a:p>
           <a:p>
             <a:endParaRPr lang="en-US" sz="2400" dirty="0">
@@ -8584,7 +8579,7 @@
         <p:spPr>
           <a:xfrm>
             <a:off x="838199" y="2021248"/>
-            <a:ext cx="8107018" cy="4695905"/>
+            <a:ext cx="7102643" cy="4695905"/>
           </a:xfrm>
         </p:spPr>
         <p:txBody>
@@ -8597,14 +8592,14 @@
               <a:rPr lang="en-US" sz="2400" dirty="0">
                 <a:latin typeface="Selawik Semibold" panose="020B0702040204020203" pitchFamily="34" charset="0"/>
               </a:rPr>
-              <a:t>Real Jobs (Indeed)</a:t>
+              <a:t>Conferences </a:t>
             </a:r>
           </a:p>
           <a:p>
             <a:pPr marL="0" indent="0">
               <a:buNone/>
             </a:pPr>
-            <a:endParaRPr lang="en-US" sz="2400" dirty="0">
+            <a:endParaRPr lang="en-US" sz="1100" dirty="0">
               <a:latin typeface="Selawik Semibold" panose="020B0702040204020203" pitchFamily="34" charset="0"/>
             </a:endParaRPr>
           </a:p>
@@ -8614,98 +8609,66 @@
               <a:rPr lang="en-US" sz="2000" dirty="0">
                 <a:latin typeface="Selawik Semibold" panose="020B0702040204020203" pitchFamily="34" charset="0"/>
               </a:rPr>
-              <a:t>Associate Data Scientist for </a:t>
-            </a:r>
-            <a:r>
-              <a:rPr lang="en-US" sz="2000" dirty="0" err="1">
-                <a:latin typeface="Selawik Semibold" panose="020B0702040204020203" pitchFamily="34" charset="0"/>
-              </a:rPr>
-              <a:t>Tokio</a:t>
-            </a:r>
+              <a:t>Sports Industry Networking and Career Conference, February 18-19</a:t>
+            </a:r>
+          </a:p>
+          <a:p>
+            <a:pPr lvl="1"/>
             <a:r>
               <a:rPr lang="en-US" sz="2000" dirty="0">
                 <a:latin typeface="Selawik Semibold" panose="020B0702040204020203" pitchFamily="34" charset="0"/>
               </a:rPr>
-              <a:t> Marine HCC</a:t>
-            </a:r>
-          </a:p>
-          <a:p>
-            <a:pPr lvl="2"/>
-            <a:r>
-              <a:rPr lang="en-US" sz="1800" dirty="0">
-                <a:latin typeface="Selawik Semibold" panose="020B0702040204020203" pitchFamily="34" charset="0"/>
-              </a:rPr>
-              <a:t>Provide Specialized Insurance Products for Sports</a:t>
-            </a:r>
-          </a:p>
-          <a:p>
-            <a:pPr lvl="2"/>
-            <a:r>
-              <a:rPr lang="en-US" sz="1800" dirty="0">
-                <a:latin typeface="Selawik Semibold" panose="020B0702040204020203" pitchFamily="34" charset="0"/>
-              </a:rPr>
-              <a:t>Disciplines: Business, Math, and IT</a:t>
-            </a:r>
-          </a:p>
-          <a:p>
-            <a:pPr lvl="2"/>
-            <a:r>
-              <a:rPr lang="en-US" sz="1800" dirty="0">
-                <a:latin typeface="Selawik Semibold" panose="020B0702040204020203" pitchFamily="34" charset="0"/>
-              </a:rPr>
-              <a:t>Tied to Actuarial Topics and Ideas</a:t>
-            </a:r>
-          </a:p>
-          <a:p>
-            <a:pPr lvl="2"/>
-            <a:r>
-              <a:rPr lang="en-US" sz="1800" dirty="0">
-                <a:latin typeface="Selawik Semibold" panose="020B0702040204020203" pitchFamily="34" charset="0"/>
-              </a:rPr>
-              <a:t>Python, R, SQL, JSON, XML, C#, Excel, and VBA</a:t>
-            </a:r>
-          </a:p>
-          <a:p>
-            <a:pPr lvl="2"/>
-            <a:r>
-              <a:rPr lang="en-US" sz="1800" dirty="0">
-                <a:latin typeface="Selawik Semibold" panose="020B0702040204020203" pitchFamily="34" charset="0"/>
-              </a:rPr>
-              <a:t>Data Visualization Technologies</a:t>
-            </a:r>
-          </a:p>
-          <a:p>
-            <a:pPr lvl="2"/>
-            <a:r>
-              <a:rPr lang="en-US" sz="1800" dirty="0">
-                <a:latin typeface="Selawik Semibold" panose="020B0702040204020203" pitchFamily="34" charset="0"/>
-              </a:rPr>
-              <a:t>Bachelor’s Degree</a:t>
-            </a:r>
-            <a:endParaRPr lang="en-US" sz="1600" dirty="0">
-              <a:latin typeface="Selawik Semibold" panose="020B0702040204020203" pitchFamily="34" charset="0"/>
-            </a:endParaRPr>
-          </a:p>
-          <a:p>
-            <a:endParaRPr lang="en-US" sz="2400" dirty="0">
-              <a:latin typeface="Selawik Semibold" panose="020B0702040204020203" pitchFamily="34" charset="0"/>
-            </a:endParaRPr>
+              <a:t>MIT Sloan Sports Analytics Conference, April 8-9</a:t>
+            </a:r>
           </a:p>
           <a:p>
             <a:pPr lvl="1"/>
-            <a:endParaRPr lang="en-US" sz="2000" dirty="0">
-              <a:latin typeface="Selawik Semibold" panose="020B0702040204020203" pitchFamily="34" charset="0"/>
-            </a:endParaRPr>
+            <a:r>
+              <a:rPr lang="en-US" sz="2000" dirty="0">
+                <a:latin typeface="Selawik Semibold" panose="020B0702040204020203" pitchFamily="34" charset="0"/>
+              </a:rPr>
+              <a:t>Basketball Analytics Summit, April 16</a:t>
+            </a:r>
+          </a:p>
+          <a:p>
+            <a:pPr lvl="1"/>
+            <a:r>
+              <a:rPr lang="en-US" sz="2000" dirty="0">
+                <a:latin typeface="Selawik Semibold" panose="020B0702040204020203" pitchFamily="34" charset="0"/>
+              </a:rPr>
+              <a:t>International Conference on Sports Analytics and Performance Evaluation, June 24-25</a:t>
+            </a:r>
+          </a:p>
+          <a:p>
+            <a:pPr lvl="1"/>
+            <a:r>
+              <a:rPr lang="en-US" sz="2000" dirty="0">
+                <a:latin typeface="Selawik Semibold" panose="020B0702040204020203" pitchFamily="34" charset="0"/>
+              </a:rPr>
+              <a:t>International Conference on Machine Learning and Data Mining for Sports, June 28-29</a:t>
+            </a:r>
+          </a:p>
+          <a:p>
+            <a:pPr lvl="1"/>
+            <a:r>
+              <a:rPr lang="en-US" sz="2000" dirty="0">
+                <a:latin typeface="Selawik Semibold" panose="020B0702040204020203" pitchFamily="34" charset="0"/>
+              </a:rPr>
+              <a:t>Disney Data &amp; Analytics Conference, August 17-18</a:t>
+            </a:r>
+          </a:p>
+          <a:p>
+            <a:pPr lvl="1"/>
+            <a:r>
+              <a:rPr lang="en-US" sz="2000" dirty="0">
+                <a:latin typeface="Selawik Semibold" panose="020B0702040204020203" pitchFamily="34" charset="0"/>
+              </a:rPr>
+              <a:t>Sport &amp; Entertainment Analytics Conference, TBD</a:t>
+            </a:r>
           </a:p>
           <a:p>
             <a:pPr lvl="2"/>
             <a:endParaRPr lang="en-US" sz="1800" dirty="0">
-              <a:latin typeface="Selawik Semibold" panose="020B0702040204020203" pitchFamily="34" charset="0"/>
-            </a:endParaRPr>
-          </a:p>
-          <a:p>
-            <a:pPr lvl="1"/>
-            <a:endParaRPr lang="en-US" sz="2200" dirty="0">
               <a:latin typeface="Selawik Semibold" panose="020B0702040204020203" pitchFamily="34" charset="0"/>
             </a:endParaRPr>
           </a:p>
@@ -9051,598 +9014,6 @@
           </a:p>
         </p:txBody>
       </p:sp>
-    </p:spTree>
-    <p:extLst>
-      <p:ext uri="{BB962C8B-B14F-4D97-AF65-F5344CB8AC3E}">
-        <p14:creationId xmlns:p14="http://schemas.microsoft.com/office/powerpoint/2010/main" val="1863202342"/>
-      </p:ext>
-    </p:extLst>
-  </p:cSld>
-  <p:clrMapOvr>
-    <a:overrideClrMapping bg1="dk1" tx1="lt1" bg2="dk2" tx2="lt2" accent1="accent1" accent2="accent2" accent3="accent3" accent4="accent4" accent5="accent5" accent6="accent6" hlink="hlink" folHlink="folHlink"/>
-  </p:clrMapOvr>
-</p:sld>
-</file>
-
-<file path=ppt/slides/slide18.xml><?xml version="1.0" encoding="utf-8"?>
-<p:sld xmlns:a="http://schemas.openxmlformats.org/drawingml/2006/main" xmlns:r="http://schemas.openxmlformats.org/officeDocument/2006/relationships" xmlns:p="http://schemas.openxmlformats.org/presentationml/2006/main">
-  <p:cSld>
-    <p:bg>
-      <p:bgPr>
-        <a:solidFill>
-          <a:srgbClr val="395583"/>
-        </a:solidFill>
-        <a:effectLst/>
-      </p:bgPr>
-    </p:bg>
-    <p:spTree>
-      <p:nvGrpSpPr>
-        <p:cNvPr id="1" name=""/>
-        <p:cNvGrpSpPr/>
-        <p:nvPr/>
-      </p:nvGrpSpPr>
-      <p:grpSpPr>
-        <a:xfrm>
-          <a:off x="0" y="0"/>
-          <a:ext cx="0" cy="0"/>
-          <a:chOff x="0" y="0"/>
-          <a:chExt cx="0" cy="0"/>
-        </a:xfrm>
-      </p:grpSpPr>
-      <p:sp>
-        <p:nvSpPr>
-          <p:cNvPr id="25" name="Rectangle 24">
-            <a:extLst>
-              <a:ext uri="{FF2B5EF4-FFF2-40B4-BE49-F238E27FC236}">
-                <a16:creationId xmlns:a16="http://schemas.microsoft.com/office/drawing/2014/main" id="{A6792F05-2FD4-4F18-815E-15391E8B4A0E}"/>
-              </a:ext>
-              <a:ext uri="{C183D7F6-B498-43B3-948B-1728B52AA6E4}">
-                <adec:decorative xmlns:adec="http://schemas.microsoft.com/office/drawing/2017/decorative" val="1"/>
-              </a:ext>
-            </a:extLst>
-          </p:cNvPr>
-          <p:cNvSpPr>
-            <a:spLocks noGrp="1" noRot="1" noChangeAspect="1" noMove="1" noResize="1" noEditPoints="1" noAdjustHandles="1" noChangeArrowheads="1" noChangeShapeType="1" noTextEdit="1"/>
-          </p:cNvSpPr>
-          <p:nvPr>
-            <p:extLst>
-              <p:ext uri="{386F3935-93C4-4BCD-93E2-E3B085C9AB24}">
-                <p16:designElem xmlns:p16="http://schemas.microsoft.com/office/powerpoint/2015/main" val="1"/>
-              </p:ext>
-            </p:extLst>
-          </p:nvPr>
-        </p:nvSpPr>
-        <p:spPr>
-          <a:xfrm>
-            <a:off x="0" y="0"/>
-            <a:ext cx="12191999" cy="6858000"/>
-          </a:xfrm>
-          <a:prstGeom prst="rect">
-            <a:avLst/>
-          </a:prstGeom>
-          <a:solidFill>
-            <a:srgbClr val="395583"/>
-          </a:solidFill>
-          <a:ln>
-            <a:noFill/>
-          </a:ln>
-        </p:spPr>
-        <p:style>
-          <a:lnRef idx="2">
-            <a:schemeClr val="accent1">
-              <a:shade val="50000"/>
-            </a:schemeClr>
-          </a:lnRef>
-          <a:fillRef idx="1">
-            <a:schemeClr val="accent1"/>
-          </a:fillRef>
-          <a:effectRef idx="0">
-            <a:schemeClr val="accent1"/>
-          </a:effectRef>
-          <a:fontRef idx="minor">
-            <a:schemeClr val="lt1"/>
-          </a:fontRef>
-        </p:style>
-        <p:txBody>
-          <a:bodyPr rtlCol="0" anchor="ctr"/>
-          <a:lstStyle/>
-          <a:p>
-            <a:pPr algn="ctr"/>
-            <a:endParaRPr lang="en-US"/>
-          </a:p>
-        </p:txBody>
-      </p:sp>
-      <p:sp>
-        <p:nvSpPr>
-          <p:cNvPr id="2" name="Title 1">
-            <a:extLst>
-              <a:ext uri="{FF2B5EF4-FFF2-40B4-BE49-F238E27FC236}">
-                <a16:creationId xmlns:a16="http://schemas.microsoft.com/office/drawing/2014/main" id="{2589AFCC-0FF0-498C-B11F-8990DF0DAAA5}"/>
-              </a:ext>
-            </a:extLst>
-          </p:cNvPr>
-          <p:cNvSpPr>
-            <a:spLocks noGrp="1"/>
-          </p:cNvSpPr>
-          <p:nvPr>
-            <p:ph type="title"/>
-          </p:nvPr>
-        </p:nvSpPr>
-        <p:spPr>
-          <a:xfrm>
-            <a:off x="838200" y="365125"/>
-            <a:ext cx="10515600" cy="1325563"/>
-          </a:xfrm>
-        </p:spPr>
-        <p:txBody>
-          <a:bodyPr>
-            <a:normAutofit/>
-          </a:bodyPr>
-          <a:lstStyle/>
-          <a:p>
-            <a:r>
-              <a:rPr lang="en-US" b="1" dirty="0">
-                <a:latin typeface="Selawik Semibold" panose="020B0604020202020204" pitchFamily="34" charset="0"/>
-              </a:rPr>
-              <a:t>Your Industry Future</a:t>
-            </a:r>
-          </a:p>
-        </p:txBody>
-      </p:sp>
-      <p:sp>
-        <p:nvSpPr>
-          <p:cNvPr id="9" name="Content Placeholder 8">
-            <a:extLst>
-              <a:ext uri="{FF2B5EF4-FFF2-40B4-BE49-F238E27FC236}">
-                <a16:creationId xmlns:a16="http://schemas.microsoft.com/office/drawing/2014/main" id="{2D995594-59F2-4020-AB6F-751BAE84ADB3}"/>
-              </a:ext>
-            </a:extLst>
-          </p:cNvPr>
-          <p:cNvSpPr>
-            <a:spLocks noGrp="1"/>
-          </p:cNvSpPr>
-          <p:nvPr>
-            <p:ph idx="1"/>
-          </p:nvPr>
-        </p:nvSpPr>
-        <p:spPr>
-          <a:xfrm>
-            <a:off x="838199" y="2021248"/>
-            <a:ext cx="7102643" cy="4695905"/>
-          </a:xfrm>
-        </p:spPr>
-        <p:txBody>
-          <a:bodyPr>
-            <a:normAutofit/>
-          </a:bodyPr>
-          <a:lstStyle/>
-          <a:p>
-            <a:r>
-              <a:rPr lang="en-US" sz="2400" dirty="0">
-                <a:latin typeface="Selawik Semibold" panose="020B0702040204020203" pitchFamily="34" charset="0"/>
-              </a:rPr>
-              <a:t>Conferences </a:t>
-            </a:r>
-          </a:p>
-          <a:p>
-            <a:pPr marL="0" indent="0">
-              <a:buNone/>
-            </a:pPr>
-            <a:endParaRPr lang="en-US" sz="1100" dirty="0">
-              <a:latin typeface="Selawik Semibold" panose="020B0702040204020203" pitchFamily="34" charset="0"/>
-            </a:endParaRPr>
-          </a:p>
-          <a:p>
-            <a:pPr lvl="1"/>
-            <a:r>
-              <a:rPr lang="en-US" sz="2000" dirty="0">
-                <a:latin typeface="Selawik Semibold" panose="020B0702040204020203" pitchFamily="34" charset="0"/>
-              </a:rPr>
-              <a:t>Sports Industry Networking and Career Conference, February 18-19</a:t>
-            </a:r>
-          </a:p>
-          <a:p>
-            <a:pPr lvl="1"/>
-            <a:r>
-              <a:rPr lang="en-US" sz="2000" dirty="0">
-                <a:latin typeface="Selawik Semibold" panose="020B0702040204020203" pitchFamily="34" charset="0"/>
-              </a:rPr>
-              <a:t>MIT Sloan Sports Analytics Conference, April 8-9</a:t>
-            </a:r>
-          </a:p>
-          <a:p>
-            <a:pPr lvl="1"/>
-            <a:r>
-              <a:rPr lang="en-US" sz="2000" dirty="0">
-                <a:latin typeface="Selawik Semibold" panose="020B0702040204020203" pitchFamily="34" charset="0"/>
-              </a:rPr>
-              <a:t>Basketball Analytics Summit, April 16</a:t>
-            </a:r>
-          </a:p>
-          <a:p>
-            <a:pPr lvl="1"/>
-            <a:r>
-              <a:rPr lang="en-US" sz="2000" dirty="0">
-                <a:latin typeface="Selawik Semibold" panose="020B0702040204020203" pitchFamily="34" charset="0"/>
-              </a:rPr>
-              <a:t>International Conference on Sports Analytics and Performance Evaluation, June 24-25</a:t>
-            </a:r>
-          </a:p>
-          <a:p>
-            <a:pPr lvl="1"/>
-            <a:r>
-              <a:rPr lang="en-US" sz="2000" dirty="0">
-                <a:latin typeface="Selawik Semibold" panose="020B0702040204020203" pitchFamily="34" charset="0"/>
-              </a:rPr>
-              <a:t>International Conference on Machine Learning and Data Mining for Sports, June 28-29</a:t>
-            </a:r>
-          </a:p>
-          <a:p>
-            <a:pPr lvl="1"/>
-            <a:r>
-              <a:rPr lang="en-US" sz="2000" dirty="0">
-                <a:latin typeface="Selawik Semibold" panose="020B0702040204020203" pitchFamily="34" charset="0"/>
-              </a:rPr>
-              <a:t>Disney Data &amp; Analytics Conference, August 17-18</a:t>
-            </a:r>
-          </a:p>
-          <a:p>
-            <a:pPr lvl="1"/>
-            <a:r>
-              <a:rPr lang="en-US" sz="2000" dirty="0">
-                <a:latin typeface="Selawik Semibold" panose="020B0702040204020203" pitchFamily="34" charset="0"/>
-              </a:rPr>
-              <a:t>Sport &amp; Entertainment Analytics Conference, TBD</a:t>
-            </a:r>
-          </a:p>
-          <a:p>
-            <a:pPr lvl="2"/>
-            <a:endParaRPr lang="en-US" sz="1800" dirty="0">
-              <a:latin typeface="Selawik Semibold" panose="020B0702040204020203" pitchFamily="34" charset="0"/>
-            </a:endParaRPr>
-          </a:p>
-        </p:txBody>
-      </p:sp>
-      <p:pic>
-        <p:nvPicPr>
-          <p:cNvPr id="4" name="Picture 3" descr="A drawing of a cartoon character&#10;&#10;Description automatically generated">
-            <a:extLst>
-              <a:ext uri="{FF2B5EF4-FFF2-40B4-BE49-F238E27FC236}">
-                <a16:creationId xmlns:a16="http://schemas.microsoft.com/office/drawing/2014/main" id="{A7FDC859-D890-4904-9C64-27F43DA90453}"/>
-              </a:ext>
-            </a:extLst>
-          </p:cNvPr>
-          <p:cNvPicPr>
-            <a:picLocks noChangeAspect="1"/>
-          </p:cNvPicPr>
-          <p:nvPr/>
-        </p:nvPicPr>
-        <p:blipFill rotWithShape="1">
-          <a:blip r:embed="rId2">
-            <a:extLst>
-              <a:ext uri="{28A0092B-C50C-407E-A947-70E740481C1C}">
-                <a14:useLocalDpi xmlns:a14="http://schemas.microsoft.com/office/drawing/2010/main" val="0"/>
-              </a:ext>
-            </a:extLst>
-          </a:blip>
-          <a:srcRect t="5616" r="2" b="2"/>
-          <a:stretch/>
-        </p:blipFill>
-        <p:spPr>
-          <a:xfrm>
-            <a:off x="7471144" y="1700078"/>
-            <a:ext cx="4720855" cy="2583792"/>
-          </a:xfrm>
-          <a:custGeom>
-            <a:avLst/>
-            <a:gdLst>
-              <a:gd name="connsiteX0" fmla="*/ 0 w 5475077"/>
-              <a:gd name="connsiteY0" fmla="*/ 0 h 2583792"/>
-              <a:gd name="connsiteX1" fmla="*/ 5475077 w 5475077"/>
-              <a:gd name="connsiteY1" fmla="*/ 0 h 2583792"/>
-              <a:gd name="connsiteX2" fmla="*/ 5475077 w 5475077"/>
-              <a:gd name="connsiteY2" fmla="*/ 2583792 h 2583792"/>
-              <a:gd name="connsiteX3" fmla="*/ 1197192 w 5475077"/>
-              <a:gd name="connsiteY3" fmla="*/ 2583792 h 2583792"/>
-            </a:gdLst>
-            <a:ahLst/>
-            <a:cxnLst>
-              <a:cxn ang="0">
-                <a:pos x="connsiteX0" y="connsiteY0"/>
-              </a:cxn>
-              <a:cxn ang="0">
-                <a:pos x="connsiteX1" y="connsiteY1"/>
-              </a:cxn>
-              <a:cxn ang="0">
-                <a:pos x="connsiteX2" y="connsiteY2"/>
-              </a:cxn>
-              <a:cxn ang="0">
-                <a:pos x="connsiteX3" y="connsiteY3"/>
-              </a:cxn>
-            </a:cxnLst>
-            <a:rect l="l" t="t" r="r" b="b"/>
-            <a:pathLst>
-              <a:path w="5475077" h="2583792">
-                <a:moveTo>
-                  <a:pt x="0" y="0"/>
-                </a:moveTo>
-                <a:lnTo>
-                  <a:pt x="5475077" y="0"/>
-                </a:lnTo>
-                <a:lnTo>
-                  <a:pt x="5475077" y="2583792"/>
-                </a:lnTo>
-                <a:lnTo>
-                  <a:pt x="1197192" y="2583792"/>
-                </a:lnTo>
-                <a:close/>
-              </a:path>
-            </a:pathLst>
-          </a:custGeom>
-        </p:spPr>
-      </p:pic>
-      <p:pic>
-        <p:nvPicPr>
-          <p:cNvPr id="5" name="Content Placeholder 4" descr="A picture containing indoor&#10;&#10;Description automatically generated">
-            <a:extLst>
-              <a:ext uri="{FF2B5EF4-FFF2-40B4-BE49-F238E27FC236}">
-                <a16:creationId xmlns:a16="http://schemas.microsoft.com/office/drawing/2014/main" id="{A58F0E55-21F3-485B-A07F-1CE74177BDD2}"/>
-              </a:ext>
-            </a:extLst>
-          </p:cNvPr>
-          <p:cNvPicPr>
-            <a:picLocks noChangeAspect="1"/>
-          </p:cNvPicPr>
-          <p:nvPr/>
-        </p:nvPicPr>
-        <p:blipFill rotWithShape="1">
-          <a:blip r:embed="rId3">
-            <a:extLst>
-              <a:ext uri="{28A0092B-C50C-407E-A947-70E740481C1C}">
-                <a14:useLocalDpi xmlns:a14="http://schemas.microsoft.com/office/drawing/2010/main" val="0"/>
-              </a:ext>
-            </a:extLst>
-          </a:blip>
-          <a:srcRect t="5300" r="3" b="6859"/>
-          <a:stretch/>
-        </p:blipFill>
-        <p:spPr>
-          <a:xfrm>
-            <a:off x="8491869" y="4283870"/>
-            <a:ext cx="3700129" cy="2583520"/>
-          </a:xfrm>
-          <a:custGeom>
-            <a:avLst/>
-            <a:gdLst>
-              <a:gd name="connsiteX0" fmla="*/ 0 w 4277884"/>
-              <a:gd name="connsiteY0" fmla="*/ 0 h 2583520"/>
-              <a:gd name="connsiteX1" fmla="*/ 4277884 w 4277884"/>
-              <a:gd name="connsiteY1" fmla="*/ 0 h 2583520"/>
-              <a:gd name="connsiteX2" fmla="*/ 4277884 w 4277884"/>
-              <a:gd name="connsiteY2" fmla="*/ 2583520 h 2583520"/>
-              <a:gd name="connsiteX3" fmla="*/ 1192437 w 4277884"/>
-              <a:gd name="connsiteY3" fmla="*/ 2583520 h 2583520"/>
-              <a:gd name="connsiteX4" fmla="*/ 1188085 w 4277884"/>
-              <a:gd name="connsiteY4" fmla="*/ 2574129 h 2583520"/>
-              <a:gd name="connsiteX5" fmla="*/ 1192715 w 4277884"/>
-              <a:gd name="connsiteY5" fmla="*/ 2574129 h 2583520"/>
-            </a:gdLst>
-            <a:ahLst/>
-            <a:cxnLst>
-              <a:cxn ang="0">
-                <a:pos x="connsiteX0" y="connsiteY0"/>
-              </a:cxn>
-              <a:cxn ang="0">
-                <a:pos x="connsiteX1" y="connsiteY1"/>
-              </a:cxn>
-              <a:cxn ang="0">
-                <a:pos x="connsiteX2" y="connsiteY2"/>
-              </a:cxn>
-              <a:cxn ang="0">
-                <a:pos x="connsiteX3" y="connsiteY3"/>
-              </a:cxn>
-              <a:cxn ang="0">
-                <a:pos x="connsiteX4" y="connsiteY4"/>
-              </a:cxn>
-              <a:cxn ang="0">
-                <a:pos x="connsiteX5" y="connsiteY5"/>
-              </a:cxn>
-            </a:cxnLst>
-            <a:rect l="l" t="t" r="r" b="b"/>
-            <a:pathLst>
-              <a:path w="4277884" h="2583520">
-                <a:moveTo>
-                  <a:pt x="0" y="0"/>
-                </a:moveTo>
-                <a:lnTo>
-                  <a:pt x="4277884" y="0"/>
-                </a:lnTo>
-                <a:lnTo>
-                  <a:pt x="4277884" y="2583520"/>
-                </a:lnTo>
-                <a:lnTo>
-                  <a:pt x="1192437" y="2583520"/>
-                </a:lnTo>
-                <a:lnTo>
-                  <a:pt x="1188085" y="2574129"/>
-                </a:lnTo>
-                <a:lnTo>
-                  <a:pt x="1192715" y="2574129"/>
-                </a:lnTo>
-                <a:close/>
-              </a:path>
-            </a:pathLst>
-          </a:custGeom>
-        </p:spPr>
-      </p:pic>
-      <p:sp>
-        <p:nvSpPr>
-          <p:cNvPr id="6" name="Rectangle 5">
-            <a:extLst>
-              <a:ext uri="{FF2B5EF4-FFF2-40B4-BE49-F238E27FC236}">
-                <a16:creationId xmlns:a16="http://schemas.microsoft.com/office/drawing/2014/main" id="{A2901312-C3C2-4CEC-80EF-823AB4FBB726}"/>
-              </a:ext>
-            </a:extLst>
-          </p:cNvPr>
-          <p:cNvSpPr/>
-          <p:nvPr/>
-        </p:nvSpPr>
-        <p:spPr>
-          <a:xfrm>
-            <a:off x="-1" y="1608918"/>
-            <a:ext cx="12191999" cy="91160"/>
-          </a:xfrm>
-          <a:prstGeom prst="rect">
-            <a:avLst/>
-          </a:prstGeom>
-          <a:solidFill>
-            <a:schemeClr val="bg1"/>
-          </a:solidFill>
-          <a:ln>
-            <a:noFill/>
-          </a:ln>
-        </p:spPr>
-        <p:style>
-          <a:lnRef idx="2">
-            <a:schemeClr val="accent1">
-              <a:shade val="50000"/>
-            </a:schemeClr>
-          </a:lnRef>
-          <a:fillRef idx="1">
-            <a:schemeClr val="accent1"/>
-          </a:fillRef>
-          <a:effectRef idx="0">
-            <a:schemeClr val="accent1"/>
-          </a:effectRef>
-          <a:fontRef idx="minor">
-            <a:schemeClr val="lt1"/>
-          </a:fontRef>
-        </p:style>
-        <p:txBody>
-          <a:bodyPr rtlCol="0" anchor="ctr"/>
-          <a:lstStyle/>
-          <a:p>
-            <a:pPr algn="ctr"/>
-            <a:endParaRPr lang="en-US">
-              <a:solidFill>
-                <a:srgbClr val="DB5B5C"/>
-              </a:solidFill>
-            </a:endParaRPr>
-          </a:p>
-        </p:txBody>
-      </p:sp>
-      <p:sp>
-        <p:nvSpPr>
-          <p:cNvPr id="15" name="Rectangle 14">
-            <a:extLst>
-              <a:ext uri="{FF2B5EF4-FFF2-40B4-BE49-F238E27FC236}">
-                <a16:creationId xmlns:a16="http://schemas.microsoft.com/office/drawing/2014/main" id="{AD0A7C9C-CA2C-4B9B-A125-2D09D5573B44}"/>
-              </a:ext>
-            </a:extLst>
-          </p:cNvPr>
-          <p:cNvSpPr/>
-          <p:nvPr/>
-        </p:nvSpPr>
-        <p:spPr>
-          <a:xfrm>
-            <a:off x="1" y="6677247"/>
-            <a:ext cx="12191999" cy="190143"/>
-          </a:xfrm>
-          <a:prstGeom prst="rect">
-            <a:avLst/>
-          </a:prstGeom>
-          <a:solidFill>
-            <a:schemeClr val="bg1"/>
-          </a:solidFill>
-          <a:ln>
-            <a:noFill/>
-          </a:ln>
-        </p:spPr>
-        <p:style>
-          <a:lnRef idx="2">
-            <a:schemeClr val="accent1">
-              <a:shade val="50000"/>
-            </a:schemeClr>
-          </a:lnRef>
-          <a:fillRef idx="1">
-            <a:schemeClr val="accent1"/>
-          </a:fillRef>
-          <a:effectRef idx="0">
-            <a:schemeClr val="accent1"/>
-          </a:effectRef>
-          <a:fontRef idx="minor">
-            <a:schemeClr val="lt1"/>
-          </a:fontRef>
-        </p:style>
-        <p:txBody>
-          <a:bodyPr rtlCol="0" anchor="ctr"/>
-          <a:lstStyle/>
-          <a:p>
-            <a:pPr algn="ctr"/>
-            <a:endParaRPr lang="en-US">
-              <a:solidFill>
-                <a:srgbClr val="DB5B5C"/>
-              </a:solidFill>
-            </a:endParaRPr>
-          </a:p>
-        </p:txBody>
-      </p:sp>
-      <p:sp>
-        <p:nvSpPr>
-          <p:cNvPr id="16" name="Rectangle 15">
-            <a:extLst>
-              <a:ext uri="{FF2B5EF4-FFF2-40B4-BE49-F238E27FC236}">
-                <a16:creationId xmlns:a16="http://schemas.microsoft.com/office/drawing/2014/main" id="{74A085FC-1866-46D4-97F7-51AA45E48D4F}"/>
-              </a:ext>
-            </a:extLst>
-          </p:cNvPr>
-          <p:cNvSpPr/>
-          <p:nvPr/>
-        </p:nvSpPr>
-        <p:spPr>
-          <a:xfrm rot="4092292">
-            <a:off x="5790668" y="4094517"/>
-            <a:ext cx="5446699" cy="137038"/>
-          </a:xfrm>
-          <a:prstGeom prst="rect">
-            <a:avLst/>
-          </a:prstGeom>
-          <a:solidFill>
-            <a:schemeClr val="bg1"/>
-          </a:solidFill>
-          <a:ln>
-            <a:noFill/>
-          </a:ln>
-        </p:spPr>
-        <p:style>
-          <a:lnRef idx="2">
-            <a:schemeClr val="accent1">
-              <a:shade val="50000"/>
-            </a:schemeClr>
-          </a:lnRef>
-          <a:fillRef idx="1">
-            <a:schemeClr val="accent1"/>
-          </a:fillRef>
-          <a:effectRef idx="0">
-            <a:schemeClr val="accent1"/>
-          </a:effectRef>
-          <a:fontRef idx="minor">
-            <a:schemeClr val="lt1"/>
-          </a:fontRef>
-        </p:style>
-        <p:txBody>
-          <a:bodyPr rtlCol="0" anchor="ctr"/>
-          <a:lstStyle/>
-          <a:p>
-            <a:pPr algn="ctr"/>
-            <a:endParaRPr lang="en-US">
-              <a:solidFill>
-                <a:srgbClr val="DB5B5C"/>
-              </a:solidFill>
-            </a:endParaRPr>
-          </a:p>
-        </p:txBody>
-      </p:sp>
       <p:sp>
         <p:nvSpPr>
           <p:cNvPr id="3" name="TextBox 2">
@@ -9692,7 +9063,7 @@
 </p:sld>
 </file>
 
-<file path=ppt/slides/slide19.xml><?xml version="1.0" encoding="utf-8"?>
+<file path=ppt/slides/slide18.xml><?xml version="1.0" encoding="utf-8"?>
 <p:sld xmlns:a="http://schemas.openxmlformats.org/drawingml/2006/main" xmlns:r="http://schemas.openxmlformats.org/officeDocument/2006/relationships" xmlns:p="http://schemas.openxmlformats.org/presentationml/2006/main">
   <p:cSld>
     <p:bg>
@@ -13270,7 +12641,7 @@
     </p:spTree>
     <p:extLst>
       <p:ext uri="{BB962C8B-B14F-4D97-AF65-F5344CB8AC3E}">
-        <p14:creationId xmlns:p14="http://schemas.microsoft.com/office/powerpoint/2010/main" val="2540240952"/>
+        <p14:creationId xmlns:p14="http://schemas.microsoft.com/office/powerpoint/2010/main" val="3781612137"/>
       </p:ext>
     </p:extLst>
   </p:cSld>
@@ -13400,7 +12771,7 @@
               <a:rPr lang="en-US" b="1" dirty="0">
                 <a:latin typeface="Selawik Semibold" panose="020B0604020202020204" pitchFamily="34" charset="0"/>
               </a:rPr>
-              <a:t>Industry Past</a:t>
+              <a:t>Industry Present</a:t>
             </a:r>
           </a:p>
         </p:txBody>
@@ -13424,7 +12795,7 @@
         <p:spPr>
           <a:xfrm>
             <a:off x="838199" y="2021249"/>
-            <a:ext cx="7882219" cy="4366104"/>
+            <a:ext cx="7138737" cy="4155713"/>
           </a:xfrm>
         </p:spPr>
         <p:txBody>
@@ -13437,8 +12808,16 @@
               <a:rPr lang="en-US" sz="2400" dirty="0">
                 <a:latin typeface="Selawik Semibold" panose="020B0702040204020203" pitchFamily="34" charset="0"/>
               </a:rPr>
-              <a:t>Clear Process for Hiring/Evaluating Analysts</a:t>
-            </a:r>
+              <a:t>Article by Russell Karp (ITProPortal.com)</a:t>
+            </a:r>
+          </a:p>
+          <a:p>
+            <a:pPr marL="0" indent="0">
+              <a:buNone/>
+            </a:pPr>
+            <a:endParaRPr lang="en-US" sz="2000" dirty="0">
+              <a:latin typeface="Selawik Semibold" panose="020B0702040204020203" pitchFamily="34" charset="0"/>
+            </a:endParaRPr>
           </a:p>
           <a:p>
             <a:pPr lvl="1"/>
@@ -13446,8 +12825,16 @@
               <a:rPr lang="en-US" sz="2000" dirty="0">
                 <a:latin typeface="Selawik Semibold" panose="020B0702040204020203" pitchFamily="34" charset="0"/>
               </a:rPr>
-              <a:t>Strongly Agree (13.3%/14.3%)</a:t>
-            </a:r>
+              <a:t>Global Sports Industry $600B-$700B (KPMG)</a:t>
+            </a:r>
+          </a:p>
+          <a:p>
+            <a:pPr marL="457200" lvl="1" indent="0">
+              <a:buNone/>
+            </a:pPr>
+            <a:endParaRPr lang="en-US" sz="2000" dirty="0">
+              <a:latin typeface="Selawik Semibold" panose="020B0702040204020203" pitchFamily="34" charset="0"/>
+            </a:endParaRPr>
           </a:p>
           <a:p>
             <a:pPr lvl="1"/>
@@ -13455,34 +12842,7 @@
               <a:rPr lang="en-US" sz="2000" dirty="0">
                 <a:latin typeface="Selawik Semibold" panose="020B0702040204020203" pitchFamily="34" charset="0"/>
               </a:rPr>
-              <a:t>Somewhat Agree (13.3%/14.3%)</a:t>
-            </a:r>
-          </a:p>
-          <a:p>
-            <a:pPr lvl="1"/>
-            <a:r>
-              <a:rPr lang="en-US" sz="2000" dirty="0">
-                <a:latin typeface="Selawik Semibold" panose="020B0702040204020203" pitchFamily="34" charset="0"/>
-              </a:rPr>
-              <a:t>Neutral (26.7%/28.6%)</a:t>
-            </a:r>
-          </a:p>
-          <a:p>
-            <a:pPr lvl="1"/>
-            <a:r>
-              <a:rPr lang="en-US" sz="2000" dirty="0">
-                <a:latin typeface="Selawik Semibold" panose="020B0702040204020203" pitchFamily="34" charset="0"/>
-              </a:rPr>
-              <a:t>Somewhat Disagree (13.4%/21.4%)</a:t>
-            </a:r>
-          </a:p>
-          <a:p>
-            <a:pPr lvl="1"/>
-            <a:r>
-              <a:rPr lang="en-US" sz="2000" dirty="0">
-                <a:latin typeface="Selawik Semibold" panose="020B0702040204020203" pitchFamily="34" charset="0"/>
-              </a:rPr>
-              <a:t>Strongly Disagree (33.3%/21.4%)</a:t>
+              <a:t>Including All Business Dedicated to Sports $1.3T</a:t>
             </a:r>
           </a:p>
           <a:p>
@@ -13492,51 +12852,35 @@
             </a:endParaRPr>
           </a:p>
           <a:p>
-            <a:r>
-              <a:rPr lang="en-US" sz="2400" dirty="0">
-                <a:latin typeface="Selawik Semibold" panose="020B0702040204020203" pitchFamily="34" charset="0"/>
-              </a:rPr>
-              <a:t>Analytic Resources in Line with Strategic Game Plan</a:t>
-            </a:r>
-          </a:p>
-          <a:p>
             <a:pPr lvl="1"/>
             <a:r>
               <a:rPr lang="en-US" sz="2000" dirty="0">
                 <a:latin typeface="Selawik Semibold" panose="020B0702040204020203" pitchFamily="34" charset="0"/>
               </a:rPr>
-              <a:t>Strongly Agree (26.7%)</a:t>
+              <a:t>Global Sports Analytics Market</a:t>
             </a:r>
           </a:p>
           <a:p>
             <a:pPr lvl="1"/>
-            <a:r>
-              <a:rPr lang="en-US" sz="2000" dirty="0">
-                <a:latin typeface="Selawik Semibold" panose="020B0702040204020203" pitchFamily="34" charset="0"/>
-              </a:rPr>
-              <a:t>Somewhat Agree (33.3%)</a:t>
-            </a:r>
+            <a:endParaRPr lang="en-US" sz="2000" dirty="0">
+              <a:latin typeface="Selawik Semibold" panose="020B0702040204020203" pitchFamily="34" charset="0"/>
+            </a:endParaRPr>
           </a:p>
           <a:p>
             <a:pPr lvl="1"/>
-            <a:r>
-              <a:rPr lang="en-US" sz="2000" dirty="0">
-                <a:latin typeface="Selawik Semibold" panose="020B0702040204020203" pitchFamily="34" charset="0"/>
-              </a:rPr>
-              <a:t>Neutral (33.3%)</a:t>
-            </a:r>
+            <a:endParaRPr lang="en-US" sz="2000" dirty="0">
+              <a:latin typeface="Selawik Semibold" panose="020B0702040204020203" pitchFamily="34" charset="0"/>
+            </a:endParaRPr>
           </a:p>
           <a:p>
             <a:pPr lvl="1"/>
-            <a:r>
-              <a:rPr lang="en-US" sz="2000" dirty="0">
-                <a:latin typeface="Selawik Semibold" panose="020B0702040204020203" pitchFamily="34" charset="0"/>
-              </a:rPr>
-              <a:t>Strongly Disagree (6.7%)</a:t>
-            </a:r>
-          </a:p>
-          <a:p>
-            <a:endParaRPr lang="en-US" sz="2400" dirty="0">
+            <a:endParaRPr lang="en-US" sz="2000" dirty="0">
+              <a:latin typeface="Selawik Semibold" panose="020B0702040204020203" pitchFamily="34" charset="0"/>
+            </a:endParaRPr>
+          </a:p>
+          <a:p>
+            <a:pPr lvl="1"/>
+            <a:endParaRPr lang="en-US" sz="2000" dirty="0">
               <a:latin typeface="Selawik Semibold" panose="020B0702040204020203" pitchFamily="34" charset="0"/>
             </a:endParaRPr>
           </a:p>
@@ -13882,10 +13226,442 @@
           </a:p>
         </p:txBody>
       </p:sp>
+      <p:sp>
+        <p:nvSpPr>
+          <p:cNvPr id="12" name="TextBox 11">
+            <a:extLst>
+              <a:ext uri="{FF2B5EF4-FFF2-40B4-BE49-F238E27FC236}">
+                <a16:creationId xmlns:a16="http://schemas.microsoft.com/office/drawing/2014/main" id="{66E43B72-F462-425B-B219-B0768386DEEC}"/>
+              </a:ext>
+            </a:extLst>
+          </p:cNvPr>
+          <p:cNvSpPr txBox="1"/>
+          <p:nvPr/>
+        </p:nvSpPr>
+        <p:spPr>
+          <a:xfrm>
+            <a:off x="1259889" y="5021188"/>
+            <a:ext cx="1866907" cy="523220"/>
+          </a:xfrm>
+          <a:prstGeom prst="rect">
+            <a:avLst/>
+          </a:prstGeom>
+          <a:gradFill flip="none" rotWithShape="1">
+            <a:gsLst>
+              <a:gs pos="0">
+                <a:schemeClr val="dk1">
+                  <a:lumMod val="67000"/>
+                </a:schemeClr>
+              </a:gs>
+              <a:gs pos="48000">
+                <a:schemeClr val="dk1">
+                  <a:lumMod val="97000"/>
+                  <a:lumOff val="3000"/>
+                </a:schemeClr>
+              </a:gs>
+              <a:gs pos="100000">
+                <a:schemeClr val="dk1">
+                  <a:lumMod val="60000"/>
+                  <a:lumOff val="40000"/>
+                </a:schemeClr>
+              </a:gs>
+            </a:gsLst>
+            <a:lin ang="16200000" scaled="1"/>
+            <a:tileRect/>
+          </a:gradFill>
+          <a:ln>
+            <a:noFill/>
+          </a:ln>
+        </p:spPr>
+        <p:style>
+          <a:lnRef idx="0">
+            <a:scrgbClr r="0" g="0" b="0"/>
+          </a:lnRef>
+          <a:fillRef idx="0">
+            <a:scrgbClr r="0" g="0" b="0"/>
+          </a:fillRef>
+          <a:effectRef idx="0">
+            <a:scrgbClr r="0" g="0" b="0"/>
+          </a:effectRef>
+          <a:fontRef idx="minor">
+            <a:schemeClr val="lt1"/>
+          </a:fontRef>
+        </p:style>
+        <p:txBody>
+          <a:bodyPr wrap="square" rtlCol="0">
+            <a:spAutoFit/>
+          </a:bodyPr>
+          <a:lstStyle/>
+          <a:p>
+            <a:r>
+              <a:rPr lang="en-US" sz="2800" dirty="0">
+                <a:latin typeface="Selawik Semibold" panose="020B0702040204020203" pitchFamily="34" charset="0"/>
+              </a:rPr>
+              <a:t>$135.23M</a:t>
+            </a:r>
+          </a:p>
+        </p:txBody>
+      </p:sp>
+      <p:sp>
+        <p:nvSpPr>
+          <p:cNvPr id="13" name="Arrow: Right 12">
+            <a:extLst>
+              <a:ext uri="{FF2B5EF4-FFF2-40B4-BE49-F238E27FC236}">
+                <a16:creationId xmlns:a16="http://schemas.microsoft.com/office/drawing/2014/main" id="{7972115E-F73D-4852-8A5F-59AE430EA59F}"/>
+              </a:ext>
+            </a:extLst>
+          </p:cNvPr>
+          <p:cNvSpPr/>
+          <p:nvPr/>
+        </p:nvSpPr>
+        <p:spPr>
+          <a:xfrm>
+            <a:off x="3191417" y="5097616"/>
+            <a:ext cx="2821167" cy="336849"/>
+          </a:xfrm>
+          <a:prstGeom prst="rightArrow">
+            <a:avLst/>
+          </a:prstGeom>
+        </p:spPr>
+        <p:style>
+          <a:lnRef idx="2">
+            <a:schemeClr val="dk1">
+              <a:shade val="50000"/>
+            </a:schemeClr>
+          </a:lnRef>
+          <a:fillRef idx="1">
+            <a:schemeClr val="dk1"/>
+          </a:fillRef>
+          <a:effectRef idx="0">
+            <a:schemeClr val="dk1"/>
+          </a:effectRef>
+          <a:fontRef idx="minor">
+            <a:schemeClr val="lt1"/>
+          </a:fontRef>
+        </p:style>
+        <p:txBody>
+          <a:bodyPr rtlCol="0" anchor="ctr"/>
+          <a:lstStyle/>
+          <a:p>
+            <a:pPr algn="ctr"/>
+            <a:endParaRPr lang="en-US"/>
+          </a:p>
+        </p:txBody>
+      </p:sp>
+      <p:sp>
+        <p:nvSpPr>
+          <p:cNvPr id="14" name="TextBox 13">
+            <a:extLst>
+              <a:ext uri="{FF2B5EF4-FFF2-40B4-BE49-F238E27FC236}">
+                <a16:creationId xmlns:a16="http://schemas.microsoft.com/office/drawing/2014/main" id="{23C5BBC6-82F2-4DC7-A2F9-31693E65F111}"/>
+              </a:ext>
+            </a:extLst>
+          </p:cNvPr>
+          <p:cNvSpPr txBox="1"/>
+          <p:nvPr/>
+        </p:nvSpPr>
+        <p:spPr>
+          <a:xfrm>
+            <a:off x="6096000" y="4852309"/>
+            <a:ext cx="1964351" cy="769441"/>
+          </a:xfrm>
+          <a:prstGeom prst="rect">
+            <a:avLst/>
+          </a:prstGeom>
+          <a:gradFill flip="none" rotWithShape="1">
+            <a:gsLst>
+              <a:gs pos="0">
+                <a:schemeClr val="dk1">
+                  <a:lumMod val="67000"/>
+                </a:schemeClr>
+              </a:gs>
+              <a:gs pos="48000">
+                <a:schemeClr val="dk1">
+                  <a:lumMod val="97000"/>
+                  <a:lumOff val="3000"/>
+                </a:schemeClr>
+              </a:gs>
+              <a:gs pos="100000">
+                <a:schemeClr val="dk1">
+                  <a:lumMod val="60000"/>
+                  <a:lumOff val="40000"/>
+                </a:schemeClr>
+              </a:gs>
+            </a:gsLst>
+            <a:lin ang="16200000" scaled="1"/>
+            <a:tileRect/>
+          </a:gradFill>
+          <a:ln>
+            <a:noFill/>
+          </a:ln>
+        </p:spPr>
+        <p:style>
+          <a:lnRef idx="0">
+            <a:scrgbClr r="0" g="0" b="0"/>
+          </a:lnRef>
+          <a:fillRef idx="0">
+            <a:scrgbClr r="0" g="0" b="0"/>
+          </a:fillRef>
+          <a:effectRef idx="0">
+            <a:scrgbClr r="0" g="0" b="0"/>
+          </a:effectRef>
+          <a:fontRef idx="minor">
+            <a:schemeClr val="lt1"/>
+          </a:fontRef>
+        </p:style>
+        <p:txBody>
+          <a:bodyPr wrap="square" rtlCol="0">
+            <a:spAutoFit/>
+          </a:bodyPr>
+          <a:lstStyle/>
+          <a:p>
+            <a:r>
+              <a:rPr lang="en-US" sz="4400" dirty="0">
+                <a:latin typeface="Selawik Semibold" panose="020B0702040204020203" pitchFamily="34" charset="0"/>
+              </a:rPr>
+              <a:t>$2.43B</a:t>
+            </a:r>
+          </a:p>
+        </p:txBody>
+      </p:sp>
+      <p:sp>
+        <p:nvSpPr>
+          <p:cNvPr id="8" name="TextBox 7">
+            <a:extLst>
+              <a:ext uri="{FF2B5EF4-FFF2-40B4-BE49-F238E27FC236}">
+                <a16:creationId xmlns:a16="http://schemas.microsoft.com/office/drawing/2014/main" id="{D2C8D70E-0701-4AD6-9539-2A9C432D9415}"/>
+              </a:ext>
+            </a:extLst>
+          </p:cNvPr>
+          <p:cNvSpPr txBox="1"/>
+          <p:nvPr/>
+        </p:nvSpPr>
+        <p:spPr>
+          <a:xfrm>
+            <a:off x="4289612" y="6288182"/>
+            <a:ext cx="4961824" cy="369332"/>
+          </a:xfrm>
+          <a:prstGeom prst="rect">
+            <a:avLst/>
+          </a:prstGeom>
+          <a:noFill/>
+        </p:spPr>
+        <p:txBody>
+          <a:bodyPr wrap="square" rtlCol="0">
+            <a:spAutoFit/>
+          </a:bodyPr>
+          <a:lstStyle/>
+          <a:p>
+            <a:r>
+              <a:rPr lang="en-US" dirty="0"/>
+              <a:t>Projections in 2025 According to MarketWatch.com</a:t>
+            </a:r>
+          </a:p>
+        </p:txBody>
+      </p:sp>
+      <p:cxnSp>
+        <p:nvCxnSpPr>
+          <p:cNvPr id="11" name="Straight Connector 10">
+            <a:extLst>
+              <a:ext uri="{FF2B5EF4-FFF2-40B4-BE49-F238E27FC236}">
+                <a16:creationId xmlns:a16="http://schemas.microsoft.com/office/drawing/2014/main" id="{B4CF2BB5-AC55-4BEB-A0CE-0249A27679CE}"/>
+              </a:ext>
+            </a:extLst>
+          </p:cNvPr>
+          <p:cNvCxnSpPr>
+            <a:cxnSpLocks/>
+          </p:cNvCxnSpPr>
+          <p:nvPr/>
+        </p:nvCxnSpPr>
+        <p:spPr>
+          <a:xfrm>
+            <a:off x="1609047" y="5862918"/>
+            <a:ext cx="5954924" cy="0"/>
+          </a:xfrm>
+          <a:prstGeom prst="line">
+            <a:avLst/>
+          </a:prstGeom>
+          <a:ln w="38100">
+            <a:solidFill>
+              <a:schemeClr val="tx1"/>
+            </a:solidFill>
+          </a:ln>
+        </p:spPr>
+        <p:style>
+          <a:lnRef idx="1">
+            <a:schemeClr val="accent1"/>
+          </a:lnRef>
+          <a:fillRef idx="0">
+            <a:schemeClr val="accent1"/>
+          </a:fillRef>
+          <a:effectRef idx="0">
+            <a:schemeClr val="accent1"/>
+          </a:effectRef>
+          <a:fontRef idx="minor">
+            <a:schemeClr val="tx1"/>
+          </a:fontRef>
+        </p:style>
+      </p:cxnSp>
+      <p:cxnSp>
+        <p:nvCxnSpPr>
+          <p:cNvPr id="20" name="Straight Connector 19">
+            <a:extLst>
+              <a:ext uri="{FF2B5EF4-FFF2-40B4-BE49-F238E27FC236}">
+                <a16:creationId xmlns:a16="http://schemas.microsoft.com/office/drawing/2014/main" id="{AB14EFB5-2CE4-4032-B9F9-9D7C37EE5521}"/>
+              </a:ext>
+            </a:extLst>
+          </p:cNvPr>
+          <p:cNvCxnSpPr>
+            <a:cxnSpLocks/>
+          </p:cNvCxnSpPr>
+          <p:nvPr/>
+        </p:nvCxnSpPr>
+        <p:spPr>
+          <a:xfrm>
+            <a:off x="2048436" y="5748513"/>
+            <a:ext cx="0" cy="228809"/>
+          </a:xfrm>
+          <a:prstGeom prst="line">
+            <a:avLst/>
+          </a:prstGeom>
+          <a:ln w="38100">
+            <a:solidFill>
+              <a:schemeClr val="tx1"/>
+            </a:solidFill>
+          </a:ln>
+        </p:spPr>
+        <p:style>
+          <a:lnRef idx="1">
+            <a:schemeClr val="accent1"/>
+          </a:lnRef>
+          <a:fillRef idx="0">
+            <a:schemeClr val="accent1"/>
+          </a:fillRef>
+          <a:effectRef idx="0">
+            <a:schemeClr val="accent1"/>
+          </a:effectRef>
+          <a:fontRef idx="minor">
+            <a:schemeClr val="tx1"/>
+          </a:fontRef>
+        </p:style>
+      </p:cxnSp>
+      <p:cxnSp>
+        <p:nvCxnSpPr>
+          <p:cNvPr id="27" name="Straight Connector 26">
+            <a:extLst>
+              <a:ext uri="{FF2B5EF4-FFF2-40B4-BE49-F238E27FC236}">
+                <a16:creationId xmlns:a16="http://schemas.microsoft.com/office/drawing/2014/main" id="{6F1D6466-E4A1-4D26-BE56-C33ACFB0E384}"/>
+              </a:ext>
+            </a:extLst>
+          </p:cNvPr>
+          <p:cNvCxnSpPr>
+            <a:cxnSpLocks/>
+          </p:cNvCxnSpPr>
+          <p:nvPr/>
+        </p:nvCxnSpPr>
+        <p:spPr>
+          <a:xfrm>
+            <a:off x="7037350" y="5748513"/>
+            <a:ext cx="0" cy="228809"/>
+          </a:xfrm>
+          <a:prstGeom prst="line">
+            <a:avLst/>
+          </a:prstGeom>
+          <a:ln w="38100">
+            <a:solidFill>
+              <a:schemeClr val="tx1"/>
+            </a:solidFill>
+          </a:ln>
+        </p:spPr>
+        <p:style>
+          <a:lnRef idx="1">
+            <a:schemeClr val="accent1"/>
+          </a:lnRef>
+          <a:fillRef idx="0">
+            <a:schemeClr val="accent1"/>
+          </a:fillRef>
+          <a:effectRef idx="0">
+            <a:schemeClr val="accent1"/>
+          </a:effectRef>
+          <a:fontRef idx="minor">
+            <a:schemeClr val="tx1"/>
+          </a:fontRef>
+        </p:style>
+      </p:cxnSp>
+      <p:sp>
+        <p:nvSpPr>
+          <p:cNvPr id="28" name="TextBox 27">
+            <a:extLst>
+              <a:ext uri="{FF2B5EF4-FFF2-40B4-BE49-F238E27FC236}">
+                <a16:creationId xmlns:a16="http://schemas.microsoft.com/office/drawing/2014/main" id="{F934B21C-3EDC-445D-B3CA-D9D872F4BC6E}"/>
+              </a:ext>
+            </a:extLst>
+          </p:cNvPr>
+          <p:cNvSpPr txBox="1"/>
+          <p:nvPr/>
+        </p:nvSpPr>
+        <p:spPr>
+          <a:xfrm>
+            <a:off x="1772661" y="5949678"/>
+            <a:ext cx="656720" cy="369332"/>
+          </a:xfrm>
+          <a:prstGeom prst="rect">
+            <a:avLst/>
+          </a:prstGeom>
+          <a:noFill/>
+        </p:spPr>
+        <p:txBody>
+          <a:bodyPr wrap="square" rtlCol="0">
+            <a:spAutoFit/>
+          </a:bodyPr>
+          <a:lstStyle/>
+          <a:p>
+            <a:r>
+              <a:rPr lang="en-US" dirty="0"/>
+              <a:t>2016</a:t>
+            </a:r>
+          </a:p>
+        </p:txBody>
+      </p:sp>
+      <p:sp>
+        <p:nvSpPr>
+          <p:cNvPr id="29" name="TextBox 28">
+            <a:extLst>
+              <a:ext uri="{FF2B5EF4-FFF2-40B4-BE49-F238E27FC236}">
+                <a16:creationId xmlns:a16="http://schemas.microsoft.com/office/drawing/2014/main" id="{C4E536FC-BB9D-4420-8917-FEB51410716B}"/>
+              </a:ext>
+            </a:extLst>
+          </p:cNvPr>
+          <p:cNvSpPr txBox="1"/>
+          <p:nvPr/>
+        </p:nvSpPr>
+        <p:spPr>
+          <a:xfrm>
+            <a:off x="6717904" y="5919024"/>
+            <a:ext cx="656720" cy="369332"/>
+          </a:xfrm>
+          <a:prstGeom prst="rect">
+            <a:avLst/>
+          </a:prstGeom>
+          <a:noFill/>
+        </p:spPr>
+        <p:txBody>
+          <a:bodyPr wrap="square" rtlCol="0">
+            <a:spAutoFit/>
+          </a:bodyPr>
+          <a:lstStyle/>
+          <a:p>
+            <a:r>
+              <a:rPr lang="en-US" dirty="0"/>
+              <a:t>2025</a:t>
+            </a:r>
+          </a:p>
+        </p:txBody>
+      </p:sp>
     </p:spTree>
     <p:extLst>
       <p:ext uri="{BB962C8B-B14F-4D97-AF65-F5344CB8AC3E}">
-        <p14:creationId xmlns:p14="http://schemas.microsoft.com/office/powerpoint/2010/main" val="3781612137"/>
+        <p14:creationId xmlns:p14="http://schemas.microsoft.com/office/powerpoint/2010/main" val="2762272663"/>
       </p:ext>
     </p:extLst>
   </p:cSld>
@@ -14038,8 +13814,8 @@
         </p:nvSpPr>
         <p:spPr>
           <a:xfrm>
-            <a:off x="838199" y="2021249"/>
-            <a:ext cx="7138737" cy="4155713"/>
+            <a:off x="838199" y="2021248"/>
+            <a:ext cx="7653667" cy="4695905"/>
           </a:xfrm>
         </p:spPr>
         <p:txBody>
@@ -14052,31 +13828,59 @@
               <a:rPr lang="en-US" sz="2400" dirty="0">
                 <a:latin typeface="Selawik Semibold" panose="020B0702040204020203" pitchFamily="34" charset="0"/>
               </a:rPr>
-              <a:t>Article by Russell Karp (ITProPortal.com)</a:t>
-            </a:r>
-          </a:p>
-          <a:p>
-            <a:pPr marL="0" indent="0">
-              <a:buNone/>
-            </a:pPr>
-            <a:endParaRPr lang="en-US" sz="2000" dirty="0">
-              <a:latin typeface="Selawik Semibold" panose="020B0702040204020203" pitchFamily="34" charset="0"/>
-            </a:endParaRPr>
-          </a:p>
-          <a:p>
-            <a:pPr lvl="1"/>
-            <a:r>
-              <a:rPr lang="en-US" sz="2000" dirty="0">
-                <a:latin typeface="Selawik Semibold" panose="020B0702040204020203" pitchFamily="34" charset="0"/>
-              </a:rPr>
-              <a:t>Global Sports Industry $600B-$700B (KPMG)</a:t>
+              <a:t>Modern Applications of Sports Analytics</a:t>
             </a:r>
           </a:p>
           <a:p>
             <a:pPr marL="457200" lvl="1" indent="0">
               <a:buNone/>
             </a:pPr>
-            <a:endParaRPr lang="en-US" sz="2000" dirty="0">
+            <a:r>
+              <a:rPr lang="en-US" sz="2000" dirty="0">
+                <a:latin typeface="Selawik Semibold" panose="020B0702040204020203" pitchFamily="34" charset="0"/>
+              </a:rPr>
+              <a:t> </a:t>
+            </a:r>
+          </a:p>
+          <a:p>
+            <a:pPr lvl="1"/>
+            <a:r>
+              <a:rPr lang="en-US" sz="2000" dirty="0">
+                <a:latin typeface="Selawik Semibold" panose="020B0702040204020203" pitchFamily="34" charset="0"/>
+              </a:rPr>
+              <a:t>Helping the Team Win</a:t>
+            </a:r>
+          </a:p>
+          <a:p>
+            <a:pPr lvl="2"/>
+            <a:r>
+              <a:rPr lang="en-US" sz="1800" dirty="0">
+                <a:latin typeface="Selawik Semibold" panose="020B0702040204020203" pitchFamily="34" charset="0"/>
+              </a:rPr>
+              <a:t>Automated Video Analysis (Lincoln City, UK Football)</a:t>
+            </a:r>
+          </a:p>
+          <a:p>
+            <a:pPr lvl="2"/>
+            <a:r>
+              <a:rPr lang="en-US" sz="1800" dirty="0">
+                <a:latin typeface="Selawik Semibold" panose="020B0702040204020203" pitchFamily="34" charset="0"/>
+              </a:rPr>
+              <a:t>3D Depth Camera (NBA)</a:t>
+            </a:r>
+          </a:p>
+          <a:p>
+            <a:pPr lvl="2"/>
+            <a:r>
+              <a:rPr lang="en-US" sz="1800" dirty="0">
+                <a:latin typeface="Selawik Semibold" panose="020B0702040204020203" pitchFamily="34" charset="0"/>
+              </a:rPr>
+              <a:t>Wearable Technology (NBA, NHL)</a:t>
+            </a:r>
+          </a:p>
+          <a:p>
+            <a:pPr lvl="1"/>
+            <a:endParaRPr lang="en-US" sz="2200" dirty="0">
               <a:latin typeface="Selawik Semibold" panose="020B0702040204020203" pitchFamily="34" charset="0"/>
             </a:endParaRPr>
           </a:p>
@@ -14086,45 +13890,59 @@
               <a:rPr lang="en-US" sz="2000" dirty="0">
                 <a:latin typeface="Selawik Semibold" panose="020B0702040204020203" pitchFamily="34" charset="0"/>
               </a:rPr>
-              <a:t>Including All Business Dedicated to Sports $1.3T</a:t>
-            </a:r>
-          </a:p>
-          <a:p>
-            <a:pPr lvl="1"/>
-            <a:endParaRPr lang="en-US" sz="2000" dirty="0">
-              <a:latin typeface="Selawik Semibold" panose="020B0702040204020203" pitchFamily="34" charset="0"/>
-            </a:endParaRPr>
-          </a:p>
-          <a:p>
-            <a:pPr lvl="1"/>
-            <a:r>
-              <a:rPr lang="en-US" sz="2000" dirty="0">
-                <a:latin typeface="Selawik Semibold" panose="020B0702040204020203" pitchFamily="34" charset="0"/>
-              </a:rPr>
-              <a:t>Global Sports Analytics Market</a:t>
-            </a:r>
-          </a:p>
-          <a:p>
-            <a:pPr lvl="1"/>
-            <a:endParaRPr lang="en-US" sz="2000" dirty="0">
-              <a:latin typeface="Selawik Semibold" panose="020B0702040204020203" pitchFamily="34" charset="0"/>
-            </a:endParaRPr>
-          </a:p>
-          <a:p>
-            <a:pPr lvl="1"/>
-            <a:endParaRPr lang="en-US" sz="2000" dirty="0">
-              <a:latin typeface="Selawik Semibold" panose="020B0702040204020203" pitchFamily="34" charset="0"/>
-            </a:endParaRPr>
-          </a:p>
-          <a:p>
-            <a:pPr lvl="1"/>
-            <a:endParaRPr lang="en-US" sz="2000" dirty="0">
-              <a:latin typeface="Selawik Semibold" panose="020B0702040204020203" pitchFamily="34" charset="0"/>
-            </a:endParaRPr>
-          </a:p>
-          <a:p>
-            <a:pPr lvl="1"/>
-            <a:endParaRPr lang="en-US" sz="2000" dirty="0">
+              <a:t>Improving the Fan Experience</a:t>
+            </a:r>
+          </a:p>
+          <a:p>
+            <a:pPr lvl="2"/>
+            <a:r>
+              <a:rPr lang="en-US" sz="1800" dirty="0">
+                <a:latin typeface="Selawik Semibold" panose="020B0702040204020203" pitchFamily="34" charset="0"/>
+              </a:rPr>
+              <a:t>Analysis of Digital Engagement</a:t>
+            </a:r>
+          </a:p>
+          <a:p>
+            <a:pPr lvl="2"/>
+            <a:r>
+              <a:rPr lang="en-US" sz="1800" dirty="0">
+                <a:latin typeface="Selawik Semibold" panose="020B0702040204020203" pitchFamily="34" charset="0"/>
+              </a:rPr>
+              <a:t>Sentiment in Social Media</a:t>
+            </a:r>
+          </a:p>
+          <a:p>
+            <a:pPr lvl="2"/>
+            <a:r>
+              <a:rPr lang="en-US" sz="1800" dirty="0">
+                <a:latin typeface="Selawik Semibold" panose="020B0702040204020203" pitchFamily="34" charset="0"/>
+              </a:rPr>
+              <a:t>Analysis of Fan Behavior in Stadium (New England Patriots)</a:t>
+            </a:r>
+          </a:p>
+          <a:p>
+            <a:pPr lvl="2"/>
+            <a:r>
+              <a:rPr lang="en-US" sz="1800" dirty="0">
+                <a:latin typeface="Selawik Semibold" panose="020B0702040204020203" pitchFamily="34" charset="0"/>
+              </a:rPr>
+              <a:t>Wireless Internet and Phone Apps</a:t>
+            </a:r>
+          </a:p>
+          <a:p>
+            <a:pPr lvl="2"/>
+            <a:r>
+              <a:rPr lang="en-US" sz="1800" dirty="0">
+                <a:latin typeface="Selawik Semibold" panose="020B0702040204020203" pitchFamily="34" charset="0"/>
+              </a:rPr>
+              <a:t>Apps Supply Game Analytics, Parking Information, Promotions, and Traffic Information to the Fans (NFL)</a:t>
+            </a:r>
+          </a:p>
+          <a:p>
+            <a:pPr marL="914400" lvl="2" indent="0">
+              <a:buNone/>
+            </a:pPr>
+            <a:endParaRPr lang="en-US" sz="1800" dirty="0">
               <a:latin typeface="Selawik Semibold" panose="020B0702040204020203" pitchFamily="34" charset="0"/>
             </a:endParaRPr>
           </a:p>
@@ -14470,442 +14288,10 @@
           </a:p>
         </p:txBody>
       </p:sp>
-      <p:sp>
-        <p:nvSpPr>
-          <p:cNvPr id="12" name="TextBox 11">
-            <a:extLst>
-              <a:ext uri="{FF2B5EF4-FFF2-40B4-BE49-F238E27FC236}">
-                <a16:creationId xmlns:a16="http://schemas.microsoft.com/office/drawing/2014/main" id="{66E43B72-F462-425B-B219-B0768386DEEC}"/>
-              </a:ext>
-            </a:extLst>
-          </p:cNvPr>
-          <p:cNvSpPr txBox="1"/>
-          <p:nvPr/>
-        </p:nvSpPr>
-        <p:spPr>
-          <a:xfrm>
-            <a:off x="1259889" y="5021188"/>
-            <a:ext cx="1866907" cy="523220"/>
-          </a:xfrm>
-          <a:prstGeom prst="rect">
-            <a:avLst/>
-          </a:prstGeom>
-          <a:gradFill flip="none" rotWithShape="1">
-            <a:gsLst>
-              <a:gs pos="0">
-                <a:schemeClr val="dk1">
-                  <a:lumMod val="67000"/>
-                </a:schemeClr>
-              </a:gs>
-              <a:gs pos="48000">
-                <a:schemeClr val="dk1">
-                  <a:lumMod val="97000"/>
-                  <a:lumOff val="3000"/>
-                </a:schemeClr>
-              </a:gs>
-              <a:gs pos="100000">
-                <a:schemeClr val="dk1">
-                  <a:lumMod val="60000"/>
-                  <a:lumOff val="40000"/>
-                </a:schemeClr>
-              </a:gs>
-            </a:gsLst>
-            <a:lin ang="16200000" scaled="1"/>
-            <a:tileRect/>
-          </a:gradFill>
-          <a:ln>
-            <a:noFill/>
-          </a:ln>
-        </p:spPr>
-        <p:style>
-          <a:lnRef idx="0">
-            <a:scrgbClr r="0" g="0" b="0"/>
-          </a:lnRef>
-          <a:fillRef idx="0">
-            <a:scrgbClr r="0" g="0" b="0"/>
-          </a:fillRef>
-          <a:effectRef idx="0">
-            <a:scrgbClr r="0" g="0" b="0"/>
-          </a:effectRef>
-          <a:fontRef idx="minor">
-            <a:schemeClr val="lt1"/>
-          </a:fontRef>
-        </p:style>
-        <p:txBody>
-          <a:bodyPr wrap="square" rtlCol="0">
-            <a:spAutoFit/>
-          </a:bodyPr>
-          <a:lstStyle/>
-          <a:p>
-            <a:r>
-              <a:rPr lang="en-US" sz="2800" dirty="0">
-                <a:latin typeface="Selawik Semibold" panose="020B0702040204020203" pitchFamily="34" charset="0"/>
-              </a:rPr>
-              <a:t>$135.23M</a:t>
-            </a:r>
-          </a:p>
-        </p:txBody>
-      </p:sp>
-      <p:sp>
-        <p:nvSpPr>
-          <p:cNvPr id="13" name="Arrow: Right 12">
-            <a:extLst>
-              <a:ext uri="{FF2B5EF4-FFF2-40B4-BE49-F238E27FC236}">
-                <a16:creationId xmlns:a16="http://schemas.microsoft.com/office/drawing/2014/main" id="{7972115E-F73D-4852-8A5F-59AE430EA59F}"/>
-              </a:ext>
-            </a:extLst>
-          </p:cNvPr>
-          <p:cNvSpPr/>
-          <p:nvPr/>
-        </p:nvSpPr>
-        <p:spPr>
-          <a:xfrm>
-            <a:off x="3191417" y="5097616"/>
-            <a:ext cx="2821167" cy="336849"/>
-          </a:xfrm>
-          <a:prstGeom prst="rightArrow">
-            <a:avLst/>
-          </a:prstGeom>
-        </p:spPr>
-        <p:style>
-          <a:lnRef idx="2">
-            <a:schemeClr val="dk1">
-              <a:shade val="50000"/>
-            </a:schemeClr>
-          </a:lnRef>
-          <a:fillRef idx="1">
-            <a:schemeClr val="dk1"/>
-          </a:fillRef>
-          <a:effectRef idx="0">
-            <a:schemeClr val="dk1"/>
-          </a:effectRef>
-          <a:fontRef idx="minor">
-            <a:schemeClr val="lt1"/>
-          </a:fontRef>
-        </p:style>
-        <p:txBody>
-          <a:bodyPr rtlCol="0" anchor="ctr"/>
-          <a:lstStyle/>
-          <a:p>
-            <a:pPr algn="ctr"/>
-            <a:endParaRPr lang="en-US"/>
-          </a:p>
-        </p:txBody>
-      </p:sp>
-      <p:sp>
-        <p:nvSpPr>
-          <p:cNvPr id="14" name="TextBox 13">
-            <a:extLst>
-              <a:ext uri="{FF2B5EF4-FFF2-40B4-BE49-F238E27FC236}">
-                <a16:creationId xmlns:a16="http://schemas.microsoft.com/office/drawing/2014/main" id="{23C5BBC6-82F2-4DC7-A2F9-31693E65F111}"/>
-              </a:ext>
-            </a:extLst>
-          </p:cNvPr>
-          <p:cNvSpPr txBox="1"/>
-          <p:nvPr/>
-        </p:nvSpPr>
-        <p:spPr>
-          <a:xfrm>
-            <a:off x="6096000" y="4852309"/>
-            <a:ext cx="1964351" cy="769441"/>
-          </a:xfrm>
-          <a:prstGeom prst="rect">
-            <a:avLst/>
-          </a:prstGeom>
-          <a:gradFill flip="none" rotWithShape="1">
-            <a:gsLst>
-              <a:gs pos="0">
-                <a:schemeClr val="dk1">
-                  <a:lumMod val="67000"/>
-                </a:schemeClr>
-              </a:gs>
-              <a:gs pos="48000">
-                <a:schemeClr val="dk1">
-                  <a:lumMod val="97000"/>
-                  <a:lumOff val="3000"/>
-                </a:schemeClr>
-              </a:gs>
-              <a:gs pos="100000">
-                <a:schemeClr val="dk1">
-                  <a:lumMod val="60000"/>
-                  <a:lumOff val="40000"/>
-                </a:schemeClr>
-              </a:gs>
-            </a:gsLst>
-            <a:lin ang="16200000" scaled="1"/>
-            <a:tileRect/>
-          </a:gradFill>
-          <a:ln>
-            <a:noFill/>
-          </a:ln>
-        </p:spPr>
-        <p:style>
-          <a:lnRef idx="0">
-            <a:scrgbClr r="0" g="0" b="0"/>
-          </a:lnRef>
-          <a:fillRef idx="0">
-            <a:scrgbClr r="0" g="0" b="0"/>
-          </a:fillRef>
-          <a:effectRef idx="0">
-            <a:scrgbClr r="0" g="0" b="0"/>
-          </a:effectRef>
-          <a:fontRef idx="minor">
-            <a:schemeClr val="lt1"/>
-          </a:fontRef>
-        </p:style>
-        <p:txBody>
-          <a:bodyPr wrap="square" rtlCol="0">
-            <a:spAutoFit/>
-          </a:bodyPr>
-          <a:lstStyle/>
-          <a:p>
-            <a:r>
-              <a:rPr lang="en-US" sz="4400" dirty="0">
-                <a:latin typeface="Selawik Semibold" panose="020B0702040204020203" pitchFamily="34" charset="0"/>
-              </a:rPr>
-              <a:t>$2.43B</a:t>
-            </a:r>
-          </a:p>
-        </p:txBody>
-      </p:sp>
-      <p:sp>
-        <p:nvSpPr>
-          <p:cNvPr id="8" name="TextBox 7">
-            <a:extLst>
-              <a:ext uri="{FF2B5EF4-FFF2-40B4-BE49-F238E27FC236}">
-                <a16:creationId xmlns:a16="http://schemas.microsoft.com/office/drawing/2014/main" id="{D2C8D70E-0701-4AD6-9539-2A9C432D9415}"/>
-              </a:ext>
-            </a:extLst>
-          </p:cNvPr>
-          <p:cNvSpPr txBox="1"/>
-          <p:nvPr/>
-        </p:nvSpPr>
-        <p:spPr>
-          <a:xfrm>
-            <a:off x="4289612" y="6288182"/>
-            <a:ext cx="4961824" cy="369332"/>
-          </a:xfrm>
-          <a:prstGeom prst="rect">
-            <a:avLst/>
-          </a:prstGeom>
-          <a:noFill/>
-        </p:spPr>
-        <p:txBody>
-          <a:bodyPr wrap="square" rtlCol="0">
-            <a:spAutoFit/>
-          </a:bodyPr>
-          <a:lstStyle/>
-          <a:p>
-            <a:r>
-              <a:rPr lang="en-US" dirty="0"/>
-              <a:t>Projections in 2024 According to MarketWatch.com</a:t>
-            </a:r>
-          </a:p>
-        </p:txBody>
-      </p:sp>
-      <p:cxnSp>
-        <p:nvCxnSpPr>
-          <p:cNvPr id="11" name="Straight Connector 10">
-            <a:extLst>
-              <a:ext uri="{FF2B5EF4-FFF2-40B4-BE49-F238E27FC236}">
-                <a16:creationId xmlns:a16="http://schemas.microsoft.com/office/drawing/2014/main" id="{B4CF2BB5-AC55-4BEB-A0CE-0249A27679CE}"/>
-              </a:ext>
-            </a:extLst>
-          </p:cNvPr>
-          <p:cNvCxnSpPr>
-            <a:cxnSpLocks/>
-          </p:cNvCxnSpPr>
-          <p:nvPr/>
-        </p:nvCxnSpPr>
-        <p:spPr>
-          <a:xfrm>
-            <a:off x="1609047" y="5862918"/>
-            <a:ext cx="5954924" cy="0"/>
-          </a:xfrm>
-          <a:prstGeom prst="line">
-            <a:avLst/>
-          </a:prstGeom>
-          <a:ln w="38100">
-            <a:solidFill>
-              <a:schemeClr val="tx1"/>
-            </a:solidFill>
-          </a:ln>
-        </p:spPr>
-        <p:style>
-          <a:lnRef idx="1">
-            <a:schemeClr val="accent1"/>
-          </a:lnRef>
-          <a:fillRef idx="0">
-            <a:schemeClr val="accent1"/>
-          </a:fillRef>
-          <a:effectRef idx="0">
-            <a:schemeClr val="accent1"/>
-          </a:effectRef>
-          <a:fontRef idx="minor">
-            <a:schemeClr val="tx1"/>
-          </a:fontRef>
-        </p:style>
-      </p:cxnSp>
-      <p:cxnSp>
-        <p:nvCxnSpPr>
-          <p:cNvPr id="20" name="Straight Connector 19">
-            <a:extLst>
-              <a:ext uri="{FF2B5EF4-FFF2-40B4-BE49-F238E27FC236}">
-                <a16:creationId xmlns:a16="http://schemas.microsoft.com/office/drawing/2014/main" id="{AB14EFB5-2CE4-4032-B9F9-9D7C37EE5521}"/>
-              </a:ext>
-            </a:extLst>
-          </p:cNvPr>
-          <p:cNvCxnSpPr>
-            <a:cxnSpLocks/>
-          </p:cNvCxnSpPr>
-          <p:nvPr/>
-        </p:nvCxnSpPr>
-        <p:spPr>
-          <a:xfrm>
-            <a:off x="2048436" y="5748513"/>
-            <a:ext cx="0" cy="228809"/>
-          </a:xfrm>
-          <a:prstGeom prst="line">
-            <a:avLst/>
-          </a:prstGeom>
-          <a:ln w="38100">
-            <a:solidFill>
-              <a:schemeClr val="tx1"/>
-            </a:solidFill>
-          </a:ln>
-        </p:spPr>
-        <p:style>
-          <a:lnRef idx="1">
-            <a:schemeClr val="accent1"/>
-          </a:lnRef>
-          <a:fillRef idx="0">
-            <a:schemeClr val="accent1"/>
-          </a:fillRef>
-          <a:effectRef idx="0">
-            <a:schemeClr val="accent1"/>
-          </a:effectRef>
-          <a:fontRef idx="minor">
-            <a:schemeClr val="tx1"/>
-          </a:fontRef>
-        </p:style>
-      </p:cxnSp>
-      <p:cxnSp>
-        <p:nvCxnSpPr>
-          <p:cNvPr id="27" name="Straight Connector 26">
-            <a:extLst>
-              <a:ext uri="{FF2B5EF4-FFF2-40B4-BE49-F238E27FC236}">
-                <a16:creationId xmlns:a16="http://schemas.microsoft.com/office/drawing/2014/main" id="{6F1D6466-E4A1-4D26-BE56-C33ACFB0E384}"/>
-              </a:ext>
-            </a:extLst>
-          </p:cNvPr>
-          <p:cNvCxnSpPr>
-            <a:cxnSpLocks/>
-          </p:cNvCxnSpPr>
-          <p:nvPr/>
-        </p:nvCxnSpPr>
-        <p:spPr>
-          <a:xfrm>
-            <a:off x="7037350" y="5748513"/>
-            <a:ext cx="0" cy="228809"/>
-          </a:xfrm>
-          <a:prstGeom prst="line">
-            <a:avLst/>
-          </a:prstGeom>
-          <a:ln w="38100">
-            <a:solidFill>
-              <a:schemeClr val="tx1"/>
-            </a:solidFill>
-          </a:ln>
-        </p:spPr>
-        <p:style>
-          <a:lnRef idx="1">
-            <a:schemeClr val="accent1"/>
-          </a:lnRef>
-          <a:fillRef idx="0">
-            <a:schemeClr val="accent1"/>
-          </a:fillRef>
-          <a:effectRef idx="0">
-            <a:schemeClr val="accent1"/>
-          </a:effectRef>
-          <a:fontRef idx="minor">
-            <a:schemeClr val="tx1"/>
-          </a:fontRef>
-        </p:style>
-      </p:cxnSp>
-      <p:sp>
-        <p:nvSpPr>
-          <p:cNvPr id="28" name="TextBox 27">
-            <a:extLst>
-              <a:ext uri="{FF2B5EF4-FFF2-40B4-BE49-F238E27FC236}">
-                <a16:creationId xmlns:a16="http://schemas.microsoft.com/office/drawing/2014/main" id="{F934B21C-3EDC-445D-B3CA-D9D872F4BC6E}"/>
-              </a:ext>
-            </a:extLst>
-          </p:cNvPr>
-          <p:cNvSpPr txBox="1"/>
-          <p:nvPr/>
-        </p:nvSpPr>
-        <p:spPr>
-          <a:xfrm>
-            <a:off x="1772661" y="5949678"/>
-            <a:ext cx="656720" cy="369332"/>
-          </a:xfrm>
-          <a:prstGeom prst="rect">
-            <a:avLst/>
-          </a:prstGeom>
-          <a:noFill/>
-        </p:spPr>
-        <p:txBody>
-          <a:bodyPr wrap="square" rtlCol="0">
-            <a:spAutoFit/>
-          </a:bodyPr>
-          <a:lstStyle/>
-          <a:p>
-            <a:r>
-              <a:rPr lang="en-US" dirty="0"/>
-              <a:t>2016</a:t>
-            </a:r>
-          </a:p>
-        </p:txBody>
-      </p:sp>
-      <p:sp>
-        <p:nvSpPr>
-          <p:cNvPr id="29" name="TextBox 28">
-            <a:extLst>
-              <a:ext uri="{FF2B5EF4-FFF2-40B4-BE49-F238E27FC236}">
-                <a16:creationId xmlns:a16="http://schemas.microsoft.com/office/drawing/2014/main" id="{C4E536FC-BB9D-4420-8917-FEB51410716B}"/>
-              </a:ext>
-            </a:extLst>
-          </p:cNvPr>
-          <p:cNvSpPr txBox="1"/>
-          <p:nvPr/>
-        </p:nvSpPr>
-        <p:spPr>
-          <a:xfrm>
-            <a:off x="6717904" y="5919024"/>
-            <a:ext cx="656720" cy="369332"/>
-          </a:xfrm>
-          <a:prstGeom prst="rect">
-            <a:avLst/>
-          </a:prstGeom>
-          <a:noFill/>
-        </p:spPr>
-        <p:txBody>
-          <a:bodyPr wrap="square" rtlCol="0">
-            <a:spAutoFit/>
-          </a:bodyPr>
-          <a:lstStyle/>
-          <a:p>
-            <a:r>
-              <a:rPr lang="en-US" dirty="0"/>
-              <a:t>2025</a:t>
-            </a:r>
-          </a:p>
-        </p:txBody>
-      </p:sp>
     </p:spTree>
     <p:extLst>
       <p:ext uri="{BB962C8B-B14F-4D97-AF65-F5344CB8AC3E}">
-        <p14:creationId xmlns:p14="http://schemas.microsoft.com/office/powerpoint/2010/main" val="2762272663"/>
+        <p14:creationId xmlns:p14="http://schemas.microsoft.com/office/powerpoint/2010/main" val="1842452495"/>
       </p:ext>
     </p:extLst>
   </p:cSld>
@@ -15076,15 +14462,52 @@
             </a:r>
           </a:p>
           <a:p>
-            <a:pPr marL="457200" lvl="1" indent="0">
-              <a:buNone/>
-            </a:pPr>
+            <a:pPr lvl="1"/>
+            <a:endParaRPr lang="en-US" sz="2000" dirty="0">
+              <a:latin typeface="Selawik Semibold" panose="020B0702040204020203" pitchFamily="34" charset="0"/>
+            </a:endParaRPr>
+          </a:p>
+          <a:p>
+            <a:pPr lvl="1"/>
             <a:r>
               <a:rPr lang="en-US" sz="2000" dirty="0">
                 <a:latin typeface="Selawik Semibold" panose="020B0702040204020203" pitchFamily="34" charset="0"/>
               </a:rPr>
-              <a:t> </a:t>
-            </a:r>
+              <a:t>Benefiting Other Stakeholders</a:t>
+            </a:r>
+          </a:p>
+          <a:p>
+            <a:pPr lvl="2"/>
+            <a:r>
+              <a:rPr lang="en-US" sz="1800" dirty="0">
+                <a:latin typeface="Selawik Semibold" panose="020B0702040204020203" pitchFamily="34" charset="0"/>
+              </a:rPr>
+              <a:t>Tracking Fan Behavior Outside the Stadium</a:t>
+            </a:r>
+          </a:p>
+          <a:p>
+            <a:pPr lvl="2"/>
+            <a:r>
+              <a:rPr lang="en-US" sz="1800" dirty="0">
+                <a:latin typeface="Selawik Semibold" panose="020B0702040204020203" pitchFamily="34" charset="0"/>
+              </a:rPr>
+              <a:t>Telecommunication, Retailers, Payment Providers, Ticket Agencies, and Sponsorships</a:t>
+            </a:r>
+          </a:p>
+          <a:p>
+            <a:pPr lvl="2"/>
+            <a:r>
+              <a:rPr lang="en-US" sz="1800" dirty="0">
+                <a:latin typeface="Selawik Semibold" panose="020B0702040204020203" pitchFamily="34" charset="0"/>
+              </a:rPr>
+              <a:t>Adapt to Quick Changes in Consumer Behavior</a:t>
+            </a:r>
+          </a:p>
+          <a:p>
+            <a:pPr lvl="2"/>
+            <a:endParaRPr lang="en-US" sz="1800" dirty="0">
+              <a:latin typeface="Selawik Semibold" panose="020B0702040204020203" pitchFamily="34" charset="0"/>
+            </a:endParaRPr>
           </a:p>
           <a:p>
             <a:pPr lvl="1"/>
@@ -15092,101 +14515,69 @@
               <a:rPr lang="en-US" sz="2000" dirty="0">
                 <a:latin typeface="Selawik Semibold" panose="020B0702040204020203" pitchFamily="34" charset="0"/>
               </a:rPr>
-              <a:t>Helping the Team Win</a:t>
+              <a:t>Optimizing the Back-Office</a:t>
             </a:r>
           </a:p>
           <a:p>
             <a:pPr lvl="2"/>
             <a:r>
-              <a:rPr lang="en-US" sz="1800" dirty="0">
-                <a:latin typeface="Selawik Semibold" panose="020B0702040204020203" pitchFamily="34" charset="0"/>
-              </a:rPr>
-              <a:t>Automated Video Analysis (Lincoln City, UK Football)</a:t>
+              <a:rPr lang="en-US" sz="1600" dirty="0">
+                <a:latin typeface="Selawik Semibold" panose="020B0702040204020203" pitchFamily="34" charset="0"/>
+              </a:rPr>
+              <a:t>HR Practices</a:t>
             </a:r>
           </a:p>
           <a:p>
             <a:pPr lvl="2"/>
             <a:r>
-              <a:rPr lang="en-US" sz="1800" dirty="0">
-                <a:latin typeface="Selawik Semibold" panose="020B0702040204020203" pitchFamily="34" charset="0"/>
-              </a:rPr>
-              <a:t>3D Depth Camera (NBA)</a:t>
+              <a:rPr lang="en-US" sz="1600" dirty="0">
+                <a:latin typeface="Selawik Semibold" panose="020B0702040204020203" pitchFamily="34" charset="0"/>
+              </a:rPr>
+              <a:t>Game Scheduling</a:t>
             </a:r>
           </a:p>
           <a:p>
             <a:pPr lvl="2"/>
             <a:r>
-              <a:rPr lang="en-US" sz="1800" dirty="0">
-                <a:latin typeface="Selawik Semibold" panose="020B0702040204020203" pitchFamily="34" charset="0"/>
-              </a:rPr>
-              <a:t>Wearable Technology (NBA, NHL)</a:t>
-            </a:r>
+              <a:rPr lang="en-US" sz="1600" dirty="0">
+                <a:latin typeface="Selawik Semibold" panose="020B0702040204020203" pitchFamily="34" charset="0"/>
+              </a:rPr>
+              <a:t>Supply Chain Management and Logistics</a:t>
+            </a:r>
+          </a:p>
+          <a:p>
+            <a:pPr lvl="2"/>
+            <a:r>
+              <a:rPr lang="en-US" sz="1600" dirty="0">
+                <a:latin typeface="Selawik Semibold" panose="020B0702040204020203" pitchFamily="34" charset="0"/>
+              </a:rPr>
+              <a:t>Marketing and Promotions</a:t>
+            </a:r>
+          </a:p>
+          <a:p>
+            <a:pPr lvl="2"/>
+            <a:r>
+              <a:rPr lang="en-US" sz="1600" dirty="0">
+                <a:latin typeface="Selawik Semibold" panose="020B0702040204020203" pitchFamily="34" charset="0"/>
+              </a:rPr>
+              <a:t>Procurement of Goods and Services</a:t>
+            </a:r>
+          </a:p>
+          <a:p>
+            <a:pPr lvl="2"/>
+            <a:endParaRPr lang="en-US" sz="1600" dirty="0">
+              <a:latin typeface="Selawik Semibold" panose="020B0702040204020203" pitchFamily="34" charset="0"/>
+            </a:endParaRPr>
+          </a:p>
+          <a:p>
+            <a:pPr lvl="2"/>
+            <a:endParaRPr lang="en-US" sz="1800" dirty="0">
+              <a:latin typeface="Selawik Semibold" panose="020B0702040204020203" pitchFamily="34" charset="0"/>
+            </a:endParaRPr>
           </a:p>
           <a:p>
             <a:pPr lvl="1"/>
             <a:endParaRPr lang="en-US" sz="2200" dirty="0">
-              <a:latin typeface="Selawik Semibold" panose="020B0702040204020203" pitchFamily="34" charset="0"/>
-            </a:endParaRPr>
-          </a:p>
-          <a:p>
-            <a:pPr lvl="1"/>
-            <a:r>
-              <a:rPr lang="en-US" sz="2000" dirty="0">
-                <a:latin typeface="Selawik Semibold" panose="020B0702040204020203" pitchFamily="34" charset="0"/>
-              </a:rPr>
-              <a:t>Improving the Fan Experience</a:t>
-            </a:r>
-          </a:p>
-          <a:p>
-            <a:pPr lvl="2"/>
-            <a:r>
-              <a:rPr lang="en-US" sz="1800" dirty="0">
-                <a:latin typeface="Selawik Semibold" panose="020B0702040204020203" pitchFamily="34" charset="0"/>
-              </a:rPr>
-              <a:t>Analysis of Digital Engagement</a:t>
-            </a:r>
-          </a:p>
-          <a:p>
-            <a:pPr lvl="2"/>
-            <a:r>
-              <a:rPr lang="en-US" sz="1800" dirty="0">
-                <a:latin typeface="Selawik Semibold" panose="020B0702040204020203" pitchFamily="34" charset="0"/>
-              </a:rPr>
-              <a:t>Sentiment in Social Media</a:t>
-            </a:r>
-          </a:p>
-          <a:p>
-            <a:pPr lvl="2"/>
-            <a:r>
-              <a:rPr lang="en-US" sz="1800" dirty="0">
-                <a:latin typeface="Selawik Semibold" panose="020B0702040204020203" pitchFamily="34" charset="0"/>
-              </a:rPr>
-              <a:t>Analysis of Fan Behavior in Stadium (New England Patriots)</a:t>
-            </a:r>
-          </a:p>
-          <a:p>
-            <a:pPr lvl="2"/>
-            <a:r>
-              <a:rPr lang="en-US" sz="1800" dirty="0">
-                <a:latin typeface="Selawik Semibold" panose="020B0702040204020203" pitchFamily="34" charset="0"/>
-              </a:rPr>
-              <a:t>Wireless Internet and Phone Apps</a:t>
-            </a:r>
-          </a:p>
-          <a:p>
-            <a:pPr lvl="2"/>
-            <a:r>
-              <a:rPr lang="en-US" sz="1800" dirty="0">
-                <a:latin typeface="Selawik Semibold" panose="020B0702040204020203" pitchFamily="34" charset="0"/>
-              </a:rPr>
-              <a:t>Apps Supply Game Analytics, Parking Information, Promotions, and Traffic Information to the Fans (NFL)</a:t>
-            </a:r>
-          </a:p>
-          <a:p>
-            <a:pPr marL="914400" lvl="2" indent="0">
-              <a:buNone/>
-            </a:pPr>
-            <a:endParaRPr lang="en-US" sz="1800" dirty="0">
               <a:latin typeface="Selawik Semibold" panose="020B0702040204020203" pitchFamily="34" charset="0"/>
             </a:endParaRPr>
           </a:p>
@@ -15535,7 +14926,7 @@
     </p:spTree>
     <p:extLst>
       <p:ext uri="{BB962C8B-B14F-4D97-AF65-F5344CB8AC3E}">
-        <p14:creationId xmlns:p14="http://schemas.microsoft.com/office/powerpoint/2010/main" val="1842452495"/>
+        <p14:creationId xmlns:p14="http://schemas.microsoft.com/office/powerpoint/2010/main" val="2738960413"/>
       </p:ext>
     </p:extLst>
   </p:cSld>

--- a/Slides/Sports Analytics 3/Sports_Analytics_3_Lecture.pptx
+++ b/Slides/Sports Analytics 3/Sports_Analytics_3_Lecture.pptx
@@ -16,14 +16,14 @@
     <p:sldId id="284" r:id="rId7"/>
     <p:sldId id="257" r:id="rId8"/>
     <p:sldId id="285" r:id="rId9"/>
-    <p:sldId id="286" r:id="rId10"/>
-    <p:sldId id="287" r:id="rId11"/>
-    <p:sldId id="290" r:id="rId12"/>
-    <p:sldId id="291" r:id="rId13"/>
-    <p:sldId id="300" r:id="rId14"/>
-    <p:sldId id="289" r:id="rId15"/>
-    <p:sldId id="292" r:id="rId16"/>
-    <p:sldId id="298" r:id="rId17"/>
+    <p:sldId id="301" r:id="rId10"/>
+    <p:sldId id="286" r:id="rId11"/>
+    <p:sldId id="287" r:id="rId12"/>
+    <p:sldId id="290" r:id="rId13"/>
+    <p:sldId id="289" r:id="rId14"/>
+    <p:sldId id="302" r:id="rId15"/>
+    <p:sldId id="303" r:id="rId16"/>
+    <p:sldId id="304" r:id="rId17"/>
     <p:sldId id="296" r:id="rId18"/>
     <p:sldId id="281" r:id="rId19"/>
   </p:sldIdLst>
@@ -214,7 +214,7 @@
           <a:p>
             <a:fld id="{C04E5E84-956F-4423-97B3-5936A6D8EEEE}" type="datetimeFigureOut">
               <a:rPr lang="en-US" smtClean="0"/>
-              <a:t>1/26/2021</a:t>
+              <a:t>8/24/2021</a:t>
             </a:fld>
             <a:endParaRPr lang="en-US"/>
           </a:p>
@@ -628,7 +628,7 @@
           <a:p>
             <a:fld id="{3881C039-66A3-4640-815B-3B5A8B7D868D}" type="datetimeFigureOut">
               <a:rPr lang="en-US" smtClean="0"/>
-              <a:t>1/26/2021</a:t>
+              <a:t>8/24/2021</a:t>
             </a:fld>
             <a:endParaRPr lang="en-US"/>
           </a:p>
@@ -826,7 +826,7 @@
           <a:p>
             <a:fld id="{3881C039-66A3-4640-815B-3B5A8B7D868D}" type="datetimeFigureOut">
               <a:rPr lang="en-US" smtClean="0"/>
-              <a:t>1/26/2021</a:t>
+              <a:t>8/24/2021</a:t>
             </a:fld>
             <a:endParaRPr lang="en-US"/>
           </a:p>
@@ -1034,7 +1034,7 @@
           <a:p>
             <a:fld id="{3881C039-66A3-4640-815B-3B5A8B7D868D}" type="datetimeFigureOut">
               <a:rPr lang="en-US" smtClean="0"/>
-              <a:t>1/26/2021</a:t>
+              <a:t>8/24/2021</a:t>
             </a:fld>
             <a:endParaRPr lang="en-US"/>
           </a:p>
@@ -1232,7 +1232,7 @@
           <a:p>
             <a:fld id="{3881C039-66A3-4640-815B-3B5A8B7D868D}" type="datetimeFigureOut">
               <a:rPr lang="en-US" smtClean="0"/>
-              <a:t>1/26/2021</a:t>
+              <a:t>8/24/2021</a:t>
             </a:fld>
             <a:endParaRPr lang="en-US"/>
           </a:p>
@@ -1507,7 +1507,7 @@
           <a:p>
             <a:fld id="{3881C039-66A3-4640-815B-3B5A8B7D868D}" type="datetimeFigureOut">
               <a:rPr lang="en-US" smtClean="0"/>
-              <a:t>1/26/2021</a:t>
+              <a:t>8/24/2021</a:t>
             </a:fld>
             <a:endParaRPr lang="en-US"/>
           </a:p>
@@ -1772,7 +1772,7 @@
           <a:p>
             <a:fld id="{3881C039-66A3-4640-815B-3B5A8B7D868D}" type="datetimeFigureOut">
               <a:rPr lang="en-US" smtClean="0"/>
-              <a:t>1/26/2021</a:t>
+              <a:t>8/24/2021</a:t>
             </a:fld>
             <a:endParaRPr lang="en-US"/>
           </a:p>
@@ -2184,7 +2184,7 @@
           <a:p>
             <a:fld id="{3881C039-66A3-4640-815B-3B5A8B7D868D}" type="datetimeFigureOut">
               <a:rPr lang="en-US" smtClean="0"/>
-              <a:t>1/26/2021</a:t>
+              <a:t>8/24/2021</a:t>
             </a:fld>
             <a:endParaRPr lang="en-US"/>
           </a:p>
@@ -2325,7 +2325,7 @@
           <a:p>
             <a:fld id="{3881C039-66A3-4640-815B-3B5A8B7D868D}" type="datetimeFigureOut">
               <a:rPr lang="en-US" smtClean="0"/>
-              <a:t>1/26/2021</a:t>
+              <a:t>8/24/2021</a:t>
             </a:fld>
             <a:endParaRPr lang="en-US"/>
           </a:p>
@@ -2438,7 +2438,7 @@
           <a:p>
             <a:fld id="{3881C039-66A3-4640-815B-3B5A8B7D868D}" type="datetimeFigureOut">
               <a:rPr lang="en-US" smtClean="0"/>
-              <a:t>1/26/2021</a:t>
+              <a:t>8/24/2021</a:t>
             </a:fld>
             <a:endParaRPr lang="en-US"/>
           </a:p>
@@ -2749,7 +2749,7 @@
           <a:p>
             <a:fld id="{3881C039-66A3-4640-815B-3B5A8B7D868D}" type="datetimeFigureOut">
               <a:rPr lang="en-US" smtClean="0"/>
-              <a:t>1/26/2021</a:t>
+              <a:t>8/24/2021</a:t>
             </a:fld>
             <a:endParaRPr lang="en-US"/>
           </a:p>
@@ -3037,7 +3037,7 @@
           <a:p>
             <a:fld id="{3881C039-66A3-4640-815B-3B5A8B7D868D}" type="datetimeFigureOut">
               <a:rPr lang="en-US" smtClean="0"/>
-              <a:t>1/26/2021</a:t>
+              <a:t>8/24/2021</a:t>
             </a:fld>
             <a:endParaRPr lang="en-US"/>
           </a:p>
@@ -3281,7 +3281,7 @@
           <a:p>
             <a:fld id="{3881C039-66A3-4640-815B-3B5A8B7D868D}" type="datetimeFigureOut">
               <a:rPr lang="en-US" smtClean="0"/>
-              <a:t>1/26/2021</a:t>
+              <a:t>8/24/2021</a:t>
             </a:fld>
             <a:endParaRPr lang="en-US"/>
           </a:p>
@@ -4037,7 +4037,7 @@
         <p:spPr>
           <a:xfrm>
             <a:off x="838199" y="2021248"/>
-            <a:ext cx="7086601" cy="4695905"/>
+            <a:ext cx="7653667" cy="4695905"/>
           </a:xfrm>
         </p:spPr>
         <p:txBody>
@@ -4055,7 +4055,7 @@
           </a:p>
           <a:p>
             <a:pPr lvl="1"/>
-            <a:endParaRPr lang="en-US" sz="2000" b="1" dirty="0">
+            <a:endParaRPr lang="en-US" sz="2000" dirty="0">
               <a:latin typeface="Selawik Semibold" panose="020B0702040204020203" pitchFamily="34" charset="0"/>
             </a:endParaRPr>
           </a:p>
@@ -4065,7 +4065,7 @@
               <a:rPr lang="en-US" sz="2000" dirty="0">
                 <a:latin typeface="Selawik Semibold" panose="020B0702040204020203" pitchFamily="34" charset="0"/>
               </a:rPr>
-              <a:t>Advancing Sports Gambling</a:t>
+              <a:t>Benefiting Other Stakeholders</a:t>
             </a:r>
           </a:p>
           <a:p>
@@ -4074,19 +4074,16 @@
               <a:rPr lang="en-US" sz="1800" dirty="0">
                 <a:latin typeface="Selawik Semibold" panose="020B0702040204020203" pitchFamily="34" charset="0"/>
               </a:rPr>
-              <a:t>Supreme Court Ruling Previous Statute Violated 10</a:t>
-            </a:r>
-            <a:r>
-              <a:rPr lang="en-US" sz="1800" baseline="30000" dirty="0">
-                <a:latin typeface="Selawik Semibold" panose="020B0702040204020203" pitchFamily="34" charset="0"/>
-              </a:rPr>
-              <a:t>th</a:t>
-            </a:r>
+              <a:t>Tracking Fan Behavior Outside the Stadium</a:t>
+            </a:r>
+          </a:p>
+          <a:p>
+            <a:pPr lvl="2"/>
             <a:r>
               <a:rPr lang="en-US" sz="1800" dirty="0">
                 <a:latin typeface="Selawik Semibold" panose="020B0702040204020203" pitchFamily="34" charset="0"/>
               </a:rPr>
-              <a:t> Amendment (Murphy v. National Collegiate Athletic Association)</a:t>
+              <a:t>Telecommunication, Retailers, Payment Providers, Ticket Agencies, and Sponsorships</a:t>
             </a:r>
           </a:p>
           <a:p>
@@ -4095,44 +4092,74 @@
               <a:rPr lang="en-US" sz="1800" dirty="0">
                 <a:latin typeface="Selawik Semibold" panose="020B0702040204020203" pitchFamily="34" charset="0"/>
               </a:rPr>
-              <a:t>States Free to Legislate Gambling</a:t>
+              <a:t>Adapt to Quick Changes in Consumer Behavior</a:t>
             </a:r>
           </a:p>
           <a:p>
             <a:pPr lvl="2"/>
-            <a:r>
-              <a:rPr lang="en-US" sz="1800" dirty="0">
-                <a:latin typeface="Selawik Semibold" panose="020B0702040204020203" pitchFamily="34" charset="0"/>
-              </a:rPr>
-              <a:t>Improvement of Gambling Products</a:t>
+            <a:endParaRPr lang="en-US" sz="1800" dirty="0">
+              <a:latin typeface="Selawik Semibold" panose="020B0702040204020203" pitchFamily="34" charset="0"/>
+            </a:endParaRPr>
+          </a:p>
+          <a:p>
+            <a:pPr lvl="1"/>
+            <a:r>
+              <a:rPr lang="en-US" sz="2000" dirty="0">
+                <a:latin typeface="Selawik Semibold" panose="020B0702040204020203" pitchFamily="34" charset="0"/>
+              </a:rPr>
+              <a:t>Optimizing the Back-Office</a:t>
             </a:r>
           </a:p>
           <a:p>
             <a:pPr lvl="2"/>
             <a:r>
-              <a:rPr lang="en-US" sz="1800" dirty="0">
-                <a:latin typeface="Selawik Semibold" panose="020B0702040204020203" pitchFamily="34" charset="0"/>
-              </a:rPr>
-              <a:t>Data Aggregation and Visualization for Bettors </a:t>
+              <a:rPr lang="en-US" sz="1600" dirty="0">
+                <a:latin typeface="Selawik Semibold" panose="020B0702040204020203" pitchFamily="34" charset="0"/>
+              </a:rPr>
+              <a:t>HR Practices</a:t>
             </a:r>
           </a:p>
           <a:p>
             <a:pPr lvl="2"/>
             <a:r>
-              <a:rPr lang="en-US" sz="1800" dirty="0">
-                <a:latin typeface="Selawik Semibold" panose="020B0702040204020203" pitchFamily="34" charset="0"/>
-              </a:rPr>
-              <a:t>Develop Daily Fantasy Sports</a:t>
+              <a:rPr lang="en-US" sz="1600" dirty="0">
+                <a:latin typeface="Selawik Semibold" panose="020B0702040204020203" pitchFamily="34" charset="0"/>
+              </a:rPr>
+              <a:t>Game Scheduling</a:t>
             </a:r>
           </a:p>
           <a:p>
             <a:pPr lvl="2"/>
             <a:r>
-              <a:rPr lang="en-US" sz="1800" dirty="0">
-                <a:latin typeface="Selawik Semibold" panose="020B0702040204020203" pitchFamily="34" charset="0"/>
-              </a:rPr>
-              <a:t>Worth Over $5B According to Nevada Gaming Control Board (NGCB)</a:t>
-            </a:r>
+              <a:rPr lang="en-US" sz="1600" dirty="0">
+                <a:latin typeface="Selawik Semibold" panose="020B0702040204020203" pitchFamily="34" charset="0"/>
+              </a:rPr>
+              <a:t>Supply Chain Management and Logistics</a:t>
+            </a:r>
+          </a:p>
+          <a:p>
+            <a:pPr lvl="2"/>
+            <a:r>
+              <a:rPr lang="en-US" sz="1600" dirty="0">
+                <a:latin typeface="Selawik Semibold" panose="020B0702040204020203" pitchFamily="34" charset="0"/>
+              </a:rPr>
+              <a:t>Marketing and Promotions</a:t>
+            </a:r>
+          </a:p>
+          <a:p>
+            <a:pPr lvl="2"/>
+            <a:r>
+              <a:rPr lang="en-US" sz="1600" dirty="0">
+                <a:latin typeface="Selawik Semibold" panose="020B0702040204020203" pitchFamily="34" charset="0"/>
+              </a:rPr>
+              <a:t>Procurement of Goods and Services</a:t>
+            </a:r>
+          </a:p>
+          <a:p>
+            <a:pPr lvl="2"/>
+            <a:endParaRPr lang="en-US" sz="1600" dirty="0">
+              <a:latin typeface="Selawik Semibold" panose="020B0702040204020203" pitchFamily="34" charset="0"/>
+            </a:endParaRPr>
           </a:p>
           <a:p>
             <a:pPr lvl="2"/>
@@ -4491,7 +4518,7 @@
     </p:spTree>
     <p:extLst>
       <p:ext uri="{BB962C8B-B14F-4D97-AF65-F5344CB8AC3E}">
-        <p14:creationId xmlns:p14="http://schemas.microsoft.com/office/powerpoint/2010/main" val="328255060"/>
+        <p14:creationId xmlns:p14="http://schemas.microsoft.com/office/powerpoint/2010/main" val="2738960413"/>
       </p:ext>
     </p:extLst>
   </p:cSld>
@@ -4621,7 +4648,7 @@
               <a:rPr lang="en-US" b="1" dirty="0">
                 <a:latin typeface="Selawik Semibold" panose="020B0604020202020204" pitchFamily="34" charset="0"/>
               </a:rPr>
-              <a:t>Your Industry Future</a:t>
+              <a:t>Industry Present</a:t>
             </a:r>
           </a:p>
         </p:txBody>
@@ -4645,12 +4672,12 @@
         <p:spPr>
           <a:xfrm>
             <a:off x="838199" y="2021248"/>
-            <a:ext cx="8107018" cy="4695905"/>
+            <a:ext cx="7653668" cy="4695905"/>
           </a:xfrm>
         </p:spPr>
         <p:txBody>
           <a:bodyPr>
-            <a:normAutofit lnSpcReduction="10000"/>
+            <a:normAutofit/>
           </a:bodyPr>
           <a:lstStyle/>
           <a:p>
@@ -4658,35 +4685,12 @@
               <a:rPr lang="en-US" sz="2400" dirty="0">
                 <a:latin typeface="Selawik Semibold" panose="020B0702040204020203" pitchFamily="34" charset="0"/>
               </a:rPr>
-              <a:t>Prerequisites by Howard Hamilton </a:t>
-            </a:r>
-          </a:p>
-          <a:p>
-            <a:pPr marL="0" indent="0">
-              <a:buNone/>
-            </a:pPr>
-            <a:r>
-              <a:rPr lang="en-US" sz="2400" dirty="0">
-                <a:latin typeface="Selawik Semibold" panose="020B0702040204020203" pitchFamily="34" charset="0"/>
-              </a:rPr>
-              <a:t>   (</a:t>
-            </a:r>
-            <a:r>
-              <a:rPr lang="en-US" sz="2400" dirty="0" err="1">
-                <a:latin typeface="Selawik Semibold" panose="020B0702040204020203" pitchFamily="34" charset="0"/>
-              </a:rPr>
-              <a:t>Soccermetrics</a:t>
-            </a:r>
-            <a:r>
-              <a:rPr lang="en-US" sz="2400" dirty="0">
-                <a:latin typeface="Selawik Semibold" panose="020B0702040204020203" pitchFamily="34" charset="0"/>
-              </a:rPr>
-              <a:t>)</a:t>
+              <a:t>Modern Applications of Sports Analytics</a:t>
             </a:r>
           </a:p>
           <a:p>
             <a:pPr lvl="1"/>
-            <a:endParaRPr lang="en-US" sz="2000" dirty="0">
+            <a:endParaRPr lang="en-US" sz="2000" b="1" dirty="0">
               <a:latin typeface="Selawik Semibold" panose="020B0702040204020203" pitchFamily="34" charset="0"/>
             </a:endParaRPr>
           </a:p>
@@ -4696,7 +4700,7 @@
               <a:rPr lang="en-US" sz="2000" dirty="0">
                 <a:latin typeface="Selawik Semibold" panose="020B0702040204020203" pitchFamily="34" charset="0"/>
               </a:rPr>
-              <a:t>Technical Skills</a:t>
+              <a:t>Advancing Sports Gambling</a:t>
             </a:r>
           </a:p>
           <a:p>
@@ -4705,7 +4709,19 @@
               <a:rPr lang="en-US" sz="1800" dirty="0">
                 <a:latin typeface="Selawik Semibold" panose="020B0702040204020203" pitchFamily="34" charset="0"/>
               </a:rPr>
-              <a:t>Mathematics (Linear Algebra/Probability Essential)</a:t>
+              <a:t>Supreme Court Ruling Previous Statute Violated 10</a:t>
+            </a:r>
+            <a:r>
+              <a:rPr lang="en-US" sz="1800" baseline="30000" dirty="0">
+                <a:latin typeface="Selawik Semibold" panose="020B0702040204020203" pitchFamily="34" charset="0"/>
+              </a:rPr>
+              <a:t>th</a:t>
+            </a:r>
+            <a:r>
+              <a:rPr lang="en-US" sz="1800" dirty="0">
+                <a:latin typeface="Selawik Semibold" panose="020B0702040204020203" pitchFamily="34" charset="0"/>
+              </a:rPr>
+              <a:t> Amendment (Murphy v. National Collegiate Athletic Association)</a:t>
             </a:r>
           </a:p>
           <a:p>
@@ -4714,7 +4730,7 @@
               <a:rPr lang="en-US" sz="1800" dirty="0">
                 <a:latin typeface="Selawik Semibold" panose="020B0702040204020203" pitchFamily="34" charset="0"/>
               </a:rPr>
-              <a:t>Statistics (Frequentist and Bayesian Perspectives)</a:t>
+              <a:t>States Free to Legislate Gambling</a:t>
             </a:r>
           </a:p>
           <a:p>
@@ -4723,7 +4739,7 @@
               <a:rPr lang="en-US" sz="1800" dirty="0">
                 <a:latin typeface="Selawik Semibold" panose="020B0702040204020203" pitchFamily="34" charset="0"/>
               </a:rPr>
-              <a:t>Machine Learning (Supervised and Unsupervised)</a:t>
+              <a:t>Improvement of Gambling Products</a:t>
             </a:r>
           </a:p>
           <a:p>
@@ -4732,7 +4748,7 @@
               <a:rPr lang="en-US" sz="1800" dirty="0">
                 <a:latin typeface="Selawik Semibold" panose="020B0702040204020203" pitchFamily="34" charset="0"/>
               </a:rPr>
-              <a:t>Programming (R/Python, Data Structures, OOP)</a:t>
+              <a:t>Data Aggregation and Visualization for Bettors </a:t>
             </a:r>
           </a:p>
           <a:p>
@@ -4741,7 +4757,7 @@
               <a:rPr lang="en-US" sz="1800" dirty="0">
                 <a:latin typeface="Selawik Semibold" panose="020B0702040204020203" pitchFamily="34" charset="0"/>
               </a:rPr>
-              <a:t>Databases</a:t>
+              <a:t>Develop Daily Fantasy Sports</a:t>
             </a:r>
           </a:p>
           <a:p>
@@ -4750,7 +4766,16 @@
               <a:rPr lang="en-US" sz="1800" dirty="0">
                 <a:latin typeface="Selawik Semibold" panose="020B0702040204020203" pitchFamily="34" charset="0"/>
               </a:rPr>
-              <a:t>Visualization</a:t>
+              <a:t>Global Market worth $203B in 2020 (Statista.com)</a:t>
+            </a:r>
+          </a:p>
+          <a:p>
+            <a:pPr lvl="2"/>
+            <a:r>
+              <a:rPr lang="en-US" sz="1800" dirty="0">
+                <a:latin typeface="Selawik Semibold" panose="020B0702040204020203" pitchFamily="34" charset="0"/>
+              </a:rPr>
+              <a:t>US Revenue  Forecasted to reach $2.5B in 2021 (Statista.com)</a:t>
             </a:r>
           </a:p>
           <a:p>
@@ -4758,32 +4783,6 @@
             <a:endParaRPr lang="en-US" sz="1800" dirty="0">
               <a:latin typeface="Selawik Semibold" panose="020B0702040204020203" pitchFamily="34" charset="0"/>
             </a:endParaRPr>
-          </a:p>
-          <a:p>
-            <a:pPr lvl="1"/>
-            <a:r>
-              <a:rPr lang="en-US" sz="2000" dirty="0">
-                <a:latin typeface="Selawik Semibold" panose="020B0702040204020203" pitchFamily="34" charset="0"/>
-              </a:rPr>
-              <a:t>Socials Skills, Ethics, and the Law</a:t>
-            </a:r>
-          </a:p>
-          <a:p>
-            <a:pPr marL="457200" lvl="1" indent="0">
-              <a:buNone/>
-            </a:pPr>
-            <a:endParaRPr lang="en-US" sz="2000" dirty="0">
-              <a:latin typeface="Selawik Semibold" panose="020B0702040204020203" pitchFamily="34" charset="0"/>
-            </a:endParaRPr>
-          </a:p>
-          <a:p>
-            <a:pPr lvl="1"/>
-            <a:r>
-              <a:rPr lang="en-US" sz="2000" dirty="0">
-                <a:latin typeface="Selawik Semibold" panose="020B0702040204020203" pitchFamily="34" charset="0"/>
-              </a:rPr>
-              <a:t>Knowledgeable About All Aspects of the Sport</a:t>
-            </a:r>
           </a:p>
           <a:p>
             <a:pPr lvl="2"/>
@@ -5142,7 +5141,7 @@
     </p:spTree>
     <p:extLst>
       <p:ext uri="{BB962C8B-B14F-4D97-AF65-F5344CB8AC3E}">
-        <p14:creationId xmlns:p14="http://schemas.microsoft.com/office/powerpoint/2010/main" val="3511620189"/>
+        <p14:creationId xmlns:p14="http://schemas.microsoft.com/office/powerpoint/2010/main" val="328255060"/>
       </p:ext>
     </p:extLst>
   </p:cSld>
@@ -5296,12 +5295,12 @@
         <p:spPr>
           <a:xfrm>
             <a:off x="838199" y="2021248"/>
-            <a:ext cx="7379044" cy="4695905"/>
+            <a:ext cx="8107018" cy="4695905"/>
           </a:xfrm>
         </p:spPr>
         <p:txBody>
           <a:bodyPr>
-            <a:normAutofit/>
+            <a:normAutofit lnSpcReduction="10000"/>
           </a:bodyPr>
           <a:lstStyle/>
           <a:p>
@@ -5309,130 +5308,132 @@
               <a:rPr lang="en-US" sz="2400" dirty="0">
                 <a:latin typeface="Selawik Semibold" panose="020B0702040204020203" pitchFamily="34" charset="0"/>
               </a:rPr>
-              <a:t>Real Jobs (Indeed)</a:t>
+              <a:t>Prerequisites by Howard Hamilton </a:t>
             </a:r>
           </a:p>
           <a:p>
             <a:pPr marL="0" indent="0">
               <a:buNone/>
             </a:pPr>
-            <a:endParaRPr lang="en-US" sz="2400" dirty="0">
-              <a:latin typeface="Selawik Semibold" panose="020B0702040204020203" pitchFamily="34" charset="0"/>
-            </a:endParaRPr>
-          </a:p>
-          <a:p>
-            <a:pPr lvl="1"/>
-            <a:r>
-              <a:rPr lang="en-US" sz="2000" dirty="0">
-                <a:latin typeface="Selawik Semibold" panose="020B0702040204020203" pitchFamily="34" charset="0"/>
-              </a:rPr>
-              <a:t>Baseball Analytics Intern for USA Baseball</a:t>
-            </a:r>
-          </a:p>
-          <a:p>
-            <a:pPr lvl="2"/>
-            <a:r>
-              <a:rPr lang="en-US" sz="1800" dirty="0">
-                <a:latin typeface="Selawik Semibold" panose="020B0702040204020203" pitchFamily="34" charset="0"/>
-              </a:rPr>
-              <a:t>Local Position in Cary</a:t>
-            </a:r>
-          </a:p>
-          <a:p>
-            <a:pPr lvl="2"/>
-            <a:r>
-              <a:rPr lang="en-US" sz="1800" dirty="0">
-                <a:latin typeface="Selawik Semibold" panose="020B0702040204020203" pitchFamily="34" charset="0"/>
-              </a:rPr>
-              <a:t>CS or Stats Background</a:t>
-            </a:r>
-          </a:p>
-          <a:p>
-            <a:pPr lvl="2"/>
-            <a:r>
-              <a:rPr lang="en-US" sz="1800" dirty="0">
-                <a:latin typeface="Selawik Semibold" panose="020B0702040204020203" pitchFamily="34" charset="0"/>
-              </a:rPr>
-              <a:t>R, SQL, Excel</a:t>
-            </a:r>
-          </a:p>
-          <a:p>
-            <a:pPr lvl="2"/>
-            <a:r>
-              <a:rPr lang="en-US" sz="1800" dirty="0">
-                <a:latin typeface="Selawik Semibold" panose="020B0702040204020203" pitchFamily="34" charset="0"/>
-              </a:rPr>
-              <a:t>Love of the Game</a:t>
-            </a:r>
-          </a:p>
-          <a:p>
-            <a:pPr marL="914400" lvl="2" indent="0">
-              <a:buNone/>
-            </a:pPr>
-            <a:endParaRPr lang="en-US" sz="1600" dirty="0">
-              <a:latin typeface="Selawik Semibold" panose="020B0702040204020203" pitchFamily="34" charset="0"/>
-            </a:endParaRPr>
-          </a:p>
-          <a:p>
-            <a:pPr lvl="1"/>
-            <a:r>
-              <a:rPr lang="en-US" sz="2000" dirty="0">
-                <a:latin typeface="Selawik Semibold" panose="020B0702040204020203" pitchFamily="34" charset="0"/>
-              </a:rPr>
-              <a:t>Analytics Internship for Arizona Coyotes</a:t>
-            </a:r>
-          </a:p>
-          <a:p>
-            <a:pPr lvl="2"/>
-            <a:r>
-              <a:rPr lang="en-US" sz="1800" dirty="0">
-                <a:latin typeface="Selawik Semibold" panose="020B0702040204020203" pitchFamily="34" charset="0"/>
-              </a:rPr>
-              <a:t>Dashboards in Tableau</a:t>
-            </a:r>
-          </a:p>
-          <a:p>
-            <a:pPr lvl="2"/>
-            <a:r>
-              <a:rPr lang="en-US" sz="1800" dirty="0">
-                <a:latin typeface="Selawik Semibold" panose="020B0702040204020203" pitchFamily="34" charset="0"/>
-              </a:rPr>
-              <a:t>Various Analytics Projects</a:t>
-            </a:r>
-          </a:p>
-          <a:p>
-            <a:pPr lvl="2"/>
-            <a:r>
-              <a:rPr lang="en-US" sz="1800" dirty="0">
-                <a:latin typeface="Selawik Semibold" panose="020B0702040204020203" pitchFamily="34" charset="0"/>
-              </a:rPr>
-              <a:t>SQL, R, Python</a:t>
-            </a:r>
-          </a:p>
-          <a:p>
-            <a:pPr marL="914400" lvl="2" indent="0">
-              <a:buNone/>
-            </a:pPr>
-            <a:endParaRPr lang="en-US" sz="1800" dirty="0">
-              <a:latin typeface="Selawik Semibold" panose="020B0702040204020203" pitchFamily="34" charset="0"/>
-            </a:endParaRPr>
-          </a:p>
-          <a:p>
-            <a:pPr lvl="2"/>
-            <a:endParaRPr lang="en-US" sz="1600" dirty="0">
-              <a:latin typeface="Selawik Semibold" panose="020B0702040204020203" pitchFamily="34" charset="0"/>
-            </a:endParaRPr>
-          </a:p>
-          <a:p>
-            <a:endParaRPr lang="en-US" sz="2400" dirty="0">
-              <a:latin typeface="Selawik Semibold" panose="020B0702040204020203" pitchFamily="34" charset="0"/>
-            </a:endParaRPr>
+            <a:r>
+              <a:rPr lang="en-US" sz="2400" dirty="0">
+                <a:latin typeface="Selawik Semibold" panose="020B0702040204020203" pitchFamily="34" charset="0"/>
+              </a:rPr>
+              <a:t>   (</a:t>
+            </a:r>
+            <a:r>
+              <a:rPr lang="en-US" sz="2400" dirty="0" err="1">
+                <a:latin typeface="Selawik Semibold" panose="020B0702040204020203" pitchFamily="34" charset="0"/>
+              </a:rPr>
+              <a:t>Soccermetrics</a:t>
+            </a:r>
+            <a:r>
+              <a:rPr lang="en-US" sz="2400" dirty="0">
+                <a:latin typeface="Selawik Semibold" panose="020B0702040204020203" pitchFamily="34" charset="0"/>
+              </a:rPr>
+              <a:t>)</a:t>
+            </a:r>
           </a:p>
           <a:p>
             <a:pPr lvl="1"/>
             <a:endParaRPr lang="en-US" sz="2000" dirty="0">
               <a:latin typeface="Selawik Semibold" panose="020B0702040204020203" pitchFamily="34" charset="0"/>
             </a:endParaRPr>
+          </a:p>
+          <a:p>
+            <a:pPr lvl="1"/>
+            <a:r>
+              <a:rPr lang="en-US" sz="2000" dirty="0">
+                <a:latin typeface="Selawik Semibold" panose="020B0702040204020203" pitchFamily="34" charset="0"/>
+              </a:rPr>
+              <a:t>Technical Skills</a:t>
+            </a:r>
+          </a:p>
+          <a:p>
+            <a:pPr lvl="2"/>
+            <a:r>
+              <a:rPr lang="en-US" sz="1800" dirty="0">
+                <a:latin typeface="Selawik Semibold" panose="020B0702040204020203" pitchFamily="34" charset="0"/>
+              </a:rPr>
+              <a:t>Mathematics (Linear Algebra/Probability Essential)</a:t>
+            </a:r>
+          </a:p>
+          <a:p>
+            <a:pPr lvl="2"/>
+            <a:r>
+              <a:rPr lang="en-US" sz="1800" dirty="0">
+                <a:latin typeface="Selawik Semibold" panose="020B0702040204020203" pitchFamily="34" charset="0"/>
+              </a:rPr>
+              <a:t>Statistics (Frequentist and Bayesian Perspectives)</a:t>
+            </a:r>
+          </a:p>
+          <a:p>
+            <a:pPr lvl="2"/>
+            <a:r>
+              <a:rPr lang="en-US" sz="1800" dirty="0">
+                <a:latin typeface="Selawik Semibold" panose="020B0702040204020203" pitchFamily="34" charset="0"/>
+              </a:rPr>
+              <a:t>Machine Learning (Supervised and Unsupervised)</a:t>
+            </a:r>
+          </a:p>
+          <a:p>
+            <a:pPr lvl="2"/>
+            <a:r>
+              <a:rPr lang="en-US" sz="1800" dirty="0">
+                <a:latin typeface="Selawik Semibold" panose="020B0702040204020203" pitchFamily="34" charset="0"/>
+              </a:rPr>
+              <a:t>Programming (R/Python, Data Structures, OOP)</a:t>
+            </a:r>
+          </a:p>
+          <a:p>
+            <a:pPr lvl="2"/>
+            <a:r>
+              <a:rPr lang="en-US" sz="1800" dirty="0">
+                <a:latin typeface="Selawik Semibold" panose="020B0702040204020203" pitchFamily="34" charset="0"/>
+              </a:rPr>
+              <a:t>Databases</a:t>
+            </a:r>
+          </a:p>
+          <a:p>
+            <a:pPr lvl="2"/>
+            <a:r>
+              <a:rPr lang="en-US" sz="1800" dirty="0">
+                <a:latin typeface="Selawik Semibold" panose="020B0702040204020203" pitchFamily="34" charset="0"/>
+              </a:rPr>
+              <a:t>Visualization</a:t>
+            </a:r>
+          </a:p>
+          <a:p>
+            <a:pPr lvl="2"/>
+            <a:endParaRPr lang="en-US" sz="1800" dirty="0">
+              <a:latin typeface="Selawik Semibold" panose="020B0702040204020203" pitchFamily="34" charset="0"/>
+            </a:endParaRPr>
+          </a:p>
+          <a:p>
+            <a:pPr lvl="1"/>
+            <a:r>
+              <a:rPr lang="en-US" sz="2000" dirty="0">
+                <a:latin typeface="Selawik Semibold" panose="020B0702040204020203" pitchFamily="34" charset="0"/>
+              </a:rPr>
+              <a:t>Socials Skills, Ethics, and the Law</a:t>
+            </a:r>
+          </a:p>
+          <a:p>
+            <a:pPr marL="457200" lvl="1" indent="0">
+              <a:buNone/>
+            </a:pPr>
+            <a:endParaRPr lang="en-US" sz="2000" dirty="0">
+              <a:latin typeface="Selawik Semibold" panose="020B0702040204020203" pitchFamily="34" charset="0"/>
+            </a:endParaRPr>
+          </a:p>
+          <a:p>
+            <a:pPr lvl="1"/>
+            <a:r>
+              <a:rPr lang="en-US" sz="2000" dirty="0">
+                <a:latin typeface="Selawik Semibold" panose="020B0702040204020203" pitchFamily="34" charset="0"/>
+              </a:rPr>
+              <a:t>Knowledgeable About All Aspects of the Sport</a:t>
+            </a:r>
           </a:p>
           <a:p>
             <a:pPr lvl="2"/>
@@ -5791,7 +5792,7 @@
     </p:spTree>
     <p:extLst>
       <p:ext uri="{BB962C8B-B14F-4D97-AF65-F5344CB8AC3E}">
-        <p14:creationId xmlns:p14="http://schemas.microsoft.com/office/powerpoint/2010/main" val="3331566554"/>
+        <p14:creationId xmlns:p14="http://schemas.microsoft.com/office/powerpoint/2010/main" val="3511620189"/>
       </p:ext>
     </p:extLst>
   </p:cSld>
@@ -5945,7 +5946,7 @@
         <p:spPr>
           <a:xfrm>
             <a:off x="838199" y="2021248"/>
-            <a:ext cx="7379044" cy="4695905"/>
+            <a:ext cx="8107018" cy="4695905"/>
           </a:xfrm>
         </p:spPr>
         <p:txBody>
@@ -5975,8 +5976,11 @@
               <a:rPr lang="en-US" sz="2000" dirty="0">
                 <a:latin typeface="Selawik Semibold" panose="020B0702040204020203" pitchFamily="34" charset="0"/>
               </a:rPr>
-              <a:t>Quantitative Sports Researcher for SIG</a:t>
-            </a:r>
+              <a:t>Manager, Fan Analytics for NHL</a:t>
+            </a:r>
+            <a:endParaRPr lang="en-US" sz="1600" dirty="0">
+              <a:latin typeface="Selawik Semibold" panose="020B0702040204020203" pitchFamily="34" charset="0"/>
+            </a:endParaRPr>
           </a:p>
           <a:p>
             <a:pPr lvl="2"/>
@@ -5984,7 +5988,7 @@
               <a:rPr lang="en-US" sz="1800" dirty="0">
                 <a:latin typeface="Selawik Semibold" panose="020B0702040204020203" pitchFamily="34" charset="0"/>
               </a:rPr>
-              <a:t>Build Statistical Forecasting Models</a:t>
+              <a:t>Data Visualization (Tableau)</a:t>
             </a:r>
           </a:p>
           <a:p>
@@ -5993,7 +5997,7 @@
               <a:rPr lang="en-US" sz="1800" dirty="0">
                 <a:latin typeface="Selawik Semibold" panose="020B0702040204020203" pitchFamily="34" charset="0"/>
               </a:rPr>
-              <a:t>Implement Models and Simulate Outcomes</a:t>
+              <a:t>Understand Sports Industry Standard Metrics</a:t>
             </a:r>
           </a:p>
           <a:p>
@@ -6002,7 +6006,7 @@
               <a:rPr lang="en-US" sz="1800" dirty="0">
                 <a:latin typeface="Selawik Semibold" panose="020B0702040204020203" pitchFamily="34" charset="0"/>
               </a:rPr>
-              <a:t>Demonstrated Experience with Sports Analytics Projects</a:t>
+              <a:t>Python, R, SQL, or SPSS</a:t>
             </a:r>
           </a:p>
           <a:p>
@@ -6011,28 +6015,7 @@
               <a:rPr lang="en-US" sz="1800" dirty="0">
                 <a:latin typeface="Selawik Semibold" panose="020B0702040204020203" pitchFamily="34" charset="0"/>
               </a:rPr>
-              <a:t>Python, C++, </a:t>
-            </a:r>
-            <a:r>
-              <a:rPr lang="en-US" sz="1800" dirty="0" err="1">
-                <a:latin typeface="Selawik Semibold" panose="020B0702040204020203" pitchFamily="34" charset="0"/>
-              </a:rPr>
-              <a:t>Matlab</a:t>
-            </a:r>
-            <a:r>
-              <a:rPr lang="en-US" sz="1800" dirty="0">
-                <a:latin typeface="Selawik Semibold" panose="020B0702040204020203" pitchFamily="34" charset="0"/>
-              </a:rPr>
-              <a:t> and/or R</a:t>
-            </a:r>
-          </a:p>
-          <a:p>
-            <a:pPr lvl="2"/>
-            <a:r>
-              <a:rPr lang="en-US" sz="1800" dirty="0">
-                <a:latin typeface="Selawik Semibold" panose="020B0702040204020203" pitchFamily="34" charset="0"/>
-              </a:rPr>
-              <a:t>PhD Preferred</a:t>
+              <a:t>Expert in Excel</a:t>
             </a:r>
           </a:p>
           <a:p>
@@ -6049,8 +6032,17 @@
               <a:rPr lang="en-US" sz="2000" dirty="0">
                 <a:latin typeface="Selawik Semibold" panose="020B0702040204020203" pitchFamily="34" charset="0"/>
               </a:rPr>
-              <a:t>Operational Excellence Internship for FanDuel</a:t>
-            </a:r>
+              <a:t>Business Intelligence Analyst for </a:t>
+            </a:r>
+            <a:r>
+              <a:rPr lang="en-US" sz="2000" dirty="0" err="1">
+                <a:latin typeface="Selawik Semibold" panose="020B0702040204020203" pitchFamily="34" charset="0"/>
+              </a:rPr>
+              <a:t>YinzCam</a:t>
+            </a:r>
+            <a:endParaRPr lang="en-US" sz="2000" dirty="0">
+              <a:latin typeface="Selawik Semibold" panose="020B0702040204020203" pitchFamily="34" charset="0"/>
+            </a:endParaRPr>
           </a:p>
           <a:p>
             <a:pPr lvl="2"/>
@@ -6058,7 +6050,7 @@
               <a:rPr lang="en-US" sz="1800" dirty="0">
                 <a:latin typeface="Selawik Semibold" panose="020B0702040204020203" pitchFamily="34" charset="0"/>
               </a:rPr>
-              <a:t>SQL and Analytics</a:t>
+              <a:t>Business Analytics in Sports</a:t>
             </a:r>
           </a:p>
           <a:p>
@@ -6067,8 +6059,29 @@
               <a:rPr lang="en-US" sz="1800" dirty="0">
                 <a:latin typeface="Selawik Semibold" panose="020B0702040204020203" pitchFamily="34" charset="0"/>
               </a:rPr>
-              <a:t>Love of the Game</a:t>
-            </a:r>
+              <a:t>Databases, Machine Learning, Statistics, and Tableau</a:t>
+            </a:r>
+          </a:p>
+          <a:p>
+            <a:pPr lvl="2"/>
+            <a:r>
+              <a:rPr lang="en-US" sz="1800" dirty="0">
+                <a:latin typeface="Selawik Semibold" panose="020B0702040204020203" pitchFamily="34" charset="0"/>
+              </a:rPr>
+              <a:t>Masters Degree + Many Years of Experience</a:t>
+            </a:r>
+          </a:p>
+          <a:p>
+            <a:pPr lvl="2"/>
+            <a:endParaRPr lang="en-US" sz="1400" dirty="0">
+              <a:latin typeface="Selawik Semibold" panose="020B0702040204020203" pitchFamily="34" charset="0"/>
+            </a:endParaRPr>
+          </a:p>
+          <a:p>
+            <a:pPr lvl="2"/>
+            <a:endParaRPr lang="en-US" sz="1800" dirty="0">
+              <a:latin typeface="Selawik Semibold" panose="020B0702040204020203" pitchFamily="34" charset="0"/>
+            </a:endParaRPr>
           </a:p>
           <a:p>
             <a:pPr lvl="2"/>
@@ -6444,7 +6457,7 @@
     </p:spTree>
     <p:extLst>
       <p:ext uri="{BB962C8B-B14F-4D97-AF65-F5344CB8AC3E}">
-        <p14:creationId xmlns:p14="http://schemas.microsoft.com/office/powerpoint/2010/main" val="19130736"/>
+        <p14:creationId xmlns:p14="http://schemas.microsoft.com/office/powerpoint/2010/main" val="2082743496"/>
       </p:ext>
     </p:extLst>
   </p:cSld>
@@ -6628,8 +6641,11 @@
               <a:rPr lang="en-US" sz="2000" dirty="0">
                 <a:latin typeface="Selawik Semibold" panose="020B0702040204020203" pitchFamily="34" charset="0"/>
               </a:rPr>
-              <a:t>Valuation &amp; Analytics Intern at IPG360</a:t>
-            </a:r>
+              <a:t>Analyst, Sports &amp; Entertainment for CLEAR</a:t>
+            </a:r>
+            <a:endParaRPr lang="en-US" sz="1600" dirty="0">
+              <a:latin typeface="Selawik Semibold" panose="020B0702040204020203" pitchFamily="34" charset="0"/>
+            </a:endParaRPr>
           </a:p>
           <a:p>
             <a:pPr lvl="2"/>
@@ -6637,7 +6653,7 @@
               <a:rPr lang="en-US" sz="1800" dirty="0">
                 <a:latin typeface="Selawik Semibold" panose="020B0702040204020203" pitchFamily="34" charset="0"/>
               </a:rPr>
-              <a:t>Build Content Database for Quarterly Insights Report</a:t>
+              <a:t>Business Analytics</a:t>
             </a:r>
           </a:p>
           <a:p>
@@ -6646,7 +6662,7 @@
               <a:rPr lang="en-US" sz="1800" dirty="0">
                 <a:latin typeface="Selawik Semibold" panose="020B0702040204020203" pitchFamily="34" charset="0"/>
               </a:rPr>
-              <a:t>Market and Industry Research Assistance</a:t>
+              <a:t>Organize, Analyze, and Report on Data</a:t>
             </a:r>
           </a:p>
           <a:p>
@@ -6655,7 +6671,37 @@
               <a:rPr lang="en-US" sz="1800" dirty="0">
                 <a:latin typeface="Selawik Semibold" panose="020B0702040204020203" pitchFamily="34" charset="0"/>
               </a:rPr>
-              <a:t>3.0 GPA and Strong Software Skills (Microsoft Office)</a:t>
+              <a:t>Forecasting for Budgeting</a:t>
+            </a:r>
+          </a:p>
+          <a:p>
+            <a:pPr lvl="2"/>
+            <a:r>
+              <a:rPr lang="en-US" sz="1800" dirty="0">
+                <a:latin typeface="Selawik Semibold" panose="020B0702040204020203" pitchFamily="34" charset="0"/>
+              </a:rPr>
+              <a:t>Data Visualization (</a:t>
+            </a:r>
+            <a:r>
+              <a:rPr lang="en-US" sz="1800" dirty="0" err="1">
+                <a:latin typeface="Selawik Semibold" panose="020B0702040204020203" pitchFamily="34" charset="0"/>
+              </a:rPr>
+              <a:t>Tableeau</a:t>
+            </a:r>
+            <a:r>
+              <a:rPr lang="en-US" sz="1800" dirty="0">
+                <a:latin typeface="Selawik Semibold" panose="020B0702040204020203" pitchFamily="34" charset="0"/>
+              </a:rPr>
+              <a:t>)</a:t>
+            </a:r>
+          </a:p>
+          <a:p>
+            <a:pPr lvl="2"/>
+            <a:r>
+              <a:rPr lang="en-US" sz="1800" dirty="0">
+                <a:latin typeface="Selawik Semibold" panose="020B0702040204020203" pitchFamily="34" charset="0"/>
+              </a:rPr>
+              <a:t>Quantitative and Financial Modeling Skills</a:t>
             </a:r>
           </a:p>
           <a:p>
@@ -6672,7 +6718,7 @@
               <a:rPr lang="en-US" sz="2000" dirty="0">
                 <a:latin typeface="Selawik Semibold" panose="020B0702040204020203" pitchFamily="34" charset="0"/>
               </a:rPr>
-              <a:t>Summer Intern for the NFL</a:t>
+              <a:t>Analytics Manager for FanDuel</a:t>
             </a:r>
           </a:p>
           <a:p>
@@ -6681,7 +6727,7 @@
               <a:rPr lang="en-US" sz="1800" dirty="0">
                 <a:latin typeface="Selawik Semibold" panose="020B0702040204020203" pitchFamily="34" charset="0"/>
               </a:rPr>
-              <a:t>Corporate Strategy and Data and Analytics</a:t>
+              <a:t>Degree in Quantitative Field (Math, Stats, Econ, etc.)</a:t>
             </a:r>
           </a:p>
           <a:p>
@@ -6690,7 +6736,7 @@
               <a:rPr lang="en-US" sz="1800" dirty="0">
                 <a:latin typeface="Selawik Semibold" panose="020B0702040204020203" pitchFamily="34" charset="0"/>
               </a:rPr>
-              <a:t>MBA Student</a:t>
+              <a:t>Proficiency in SQL and Excel</a:t>
             </a:r>
           </a:p>
           <a:p>
@@ -6699,7 +6745,7 @@
               <a:rPr lang="en-US" sz="1800" dirty="0">
                 <a:latin typeface="Selawik Semibold" panose="020B0702040204020203" pitchFamily="34" charset="0"/>
               </a:rPr>
-              <a:t>Coursework in CS, Math, Econometrics, etc.</a:t>
+              <a:t>R, Python, Spark</a:t>
             </a:r>
           </a:p>
           <a:p>
@@ -6708,8 +6754,14 @@
               <a:rPr lang="en-US" sz="1800" dirty="0">
                 <a:latin typeface="Selawik Semibold" panose="020B0702040204020203" pitchFamily="34" charset="0"/>
               </a:rPr>
-              <a:t>SQL, SAS, Python, R, Big Data</a:t>
-            </a:r>
+              <a:t>Data Visualization in Tableau</a:t>
+            </a:r>
+          </a:p>
+          <a:p>
+            <a:pPr lvl="2"/>
+            <a:endParaRPr lang="en-US" sz="1400" dirty="0">
+              <a:latin typeface="Selawik Semibold" panose="020B0702040204020203" pitchFamily="34" charset="0"/>
+            </a:endParaRPr>
           </a:p>
           <a:p>
             <a:pPr lvl="2"/>
@@ -7091,7 +7143,7 @@
     </p:spTree>
     <p:extLst>
       <p:ext uri="{BB962C8B-B14F-4D97-AF65-F5344CB8AC3E}">
-        <p14:creationId xmlns:p14="http://schemas.microsoft.com/office/powerpoint/2010/main" val="2082743496"/>
+        <p14:creationId xmlns:p14="http://schemas.microsoft.com/office/powerpoint/2010/main" val="1406941442"/>
       </p:ext>
     </p:extLst>
   </p:cSld>
@@ -7265,26 +7317,29 @@
             <a:pPr marL="0" indent="0">
               <a:buNone/>
             </a:pPr>
+            <a:endParaRPr lang="en-US" sz="2400" dirty="0">
+              <a:latin typeface="Selawik Semibold" panose="020B0702040204020203" pitchFamily="34" charset="0"/>
+            </a:endParaRPr>
+          </a:p>
+          <a:p>
+            <a:pPr lvl="1"/>
+            <a:r>
+              <a:rPr lang="en-US" sz="2000" dirty="0">
+                <a:latin typeface="Selawik Semibold" panose="020B0702040204020203" pitchFamily="34" charset="0"/>
+              </a:rPr>
+              <a:t>Director, Business Intelligence for Sporting KC</a:t>
+            </a:r>
             <a:endParaRPr lang="en-US" sz="1600" dirty="0">
               <a:latin typeface="Selawik Semibold" panose="020B0702040204020203" pitchFamily="34" charset="0"/>
             </a:endParaRPr>
           </a:p>
           <a:p>
-            <a:pPr lvl="1"/>
-            <a:r>
-              <a:rPr lang="en-US" sz="2000" dirty="0">
-                <a:latin typeface="Selawik Semibold" panose="020B0702040204020203" pitchFamily="34" charset="0"/>
-              </a:rPr>
-              <a:t>Analyst for the Cleveland Indians</a:t>
-            </a:r>
-          </a:p>
-          <a:p>
             <a:pPr lvl="2"/>
             <a:r>
               <a:rPr lang="en-US" sz="1800" dirty="0">
                 <a:latin typeface="Selawik Semibold" panose="020B0702040204020203" pitchFamily="34" charset="0"/>
               </a:rPr>
-              <a:t>Focus on Consumer Research and Insights</a:t>
+              <a:t>Contributor to Sports Marketing Department</a:t>
             </a:r>
           </a:p>
           <a:p>
@@ -7293,7 +7348,7 @@
               <a:rPr lang="en-US" sz="1800" dirty="0">
                 <a:latin typeface="Selawik Semibold" panose="020B0702040204020203" pitchFamily="34" charset="0"/>
               </a:rPr>
-              <a:t>Bachelors Required is Business Related Field</a:t>
+              <a:t>Proficiency with Data Structures (SQL)</a:t>
             </a:r>
           </a:p>
           <a:p>
@@ -7302,87 +7357,62 @@
               <a:rPr lang="en-US" sz="1800" dirty="0">
                 <a:latin typeface="Selawik Semibold" panose="020B0702040204020203" pitchFamily="34" charset="0"/>
               </a:rPr>
-              <a:t>Knowledge of SurveyGizmo, Qualtrics, etc. </a:t>
-            </a:r>
-          </a:p>
-          <a:p>
-            <a:pPr lvl="2"/>
-            <a:r>
-              <a:rPr lang="en-US" sz="1800" dirty="0">
-                <a:latin typeface="Selawik Semibold" panose="020B0702040204020203" pitchFamily="34" charset="0"/>
-              </a:rPr>
-              <a:t>Background with SQL or Tableau</a:t>
-            </a:r>
-          </a:p>
-          <a:p>
-            <a:pPr lvl="2"/>
-            <a:endParaRPr lang="en-US" dirty="0">
-              <a:latin typeface="Selawik Semibold" panose="020B0702040204020203" pitchFamily="34" charset="0"/>
-            </a:endParaRPr>
-          </a:p>
-          <a:p>
-            <a:pPr lvl="1"/>
-            <a:r>
-              <a:rPr lang="en-US" sz="2000" dirty="0">
-                <a:latin typeface="Selawik Semibold" panose="020B0702040204020203" pitchFamily="34" charset="0"/>
-              </a:rPr>
-              <a:t>Product Analyst for Turner</a:t>
-            </a:r>
-          </a:p>
-          <a:p>
-            <a:pPr lvl="2"/>
-            <a:r>
-              <a:rPr lang="en-US" sz="1800" dirty="0">
-                <a:latin typeface="Selawik Semibold" panose="020B0702040204020203" pitchFamily="34" charset="0"/>
-              </a:rPr>
-              <a:t>Work in Bleacher Report Department</a:t>
-            </a:r>
-          </a:p>
-          <a:p>
-            <a:pPr lvl="2"/>
-            <a:r>
-              <a:rPr lang="en-US" sz="1800" dirty="0">
-                <a:latin typeface="Selawik Semibold" panose="020B0702040204020203" pitchFamily="34" charset="0"/>
-              </a:rPr>
-              <a:t>Build and Maintain Reports/Dashboards</a:t>
-            </a:r>
-          </a:p>
-          <a:p>
-            <a:pPr lvl="2"/>
-            <a:r>
-              <a:rPr lang="en-US" sz="1800" dirty="0">
-                <a:latin typeface="Selawik Semibold" panose="020B0702040204020203" pitchFamily="34" charset="0"/>
-              </a:rPr>
-              <a:t>Exploratory Analyses for Deeper Understanding</a:t>
-            </a:r>
-          </a:p>
-          <a:p>
-            <a:pPr lvl="2"/>
-            <a:r>
-              <a:rPr lang="en-US" sz="1800" dirty="0">
-                <a:latin typeface="Selawik Semibold" panose="020B0702040204020203" pitchFamily="34" charset="0"/>
-              </a:rPr>
-              <a:t>SQL, Python, R, Tableau</a:t>
-            </a:r>
-          </a:p>
-          <a:p>
-            <a:pPr lvl="2"/>
-            <a:r>
-              <a:rPr lang="en-US" sz="1800" dirty="0">
-                <a:latin typeface="Selawik Semibold" panose="020B0702040204020203" pitchFamily="34" charset="0"/>
-              </a:rPr>
-              <a:t>Regression, Hypothesis Testing, Data Visualization</a:t>
-            </a:r>
-          </a:p>
-          <a:p>
-            <a:pPr lvl="1"/>
+              <a:t>Proficiency with Data Visualization (Tableau)</a:t>
+            </a:r>
+          </a:p>
+          <a:p>
+            <a:pPr marL="914400" lvl="2" indent="0">
+              <a:buNone/>
+            </a:pPr>
             <a:endParaRPr lang="en-US" sz="1600" dirty="0">
               <a:latin typeface="Selawik Semibold" panose="020B0702040204020203" pitchFamily="34" charset="0"/>
             </a:endParaRPr>
           </a:p>
           <a:p>
+            <a:pPr lvl="1"/>
+            <a:r>
+              <a:rPr lang="en-US" sz="2000" dirty="0">
+                <a:latin typeface="Selawik Semibold" panose="020B0702040204020203" pitchFamily="34" charset="0"/>
+              </a:rPr>
+              <a:t>Junior Analyst, Sports Analytics for FS&amp;E</a:t>
+            </a:r>
+          </a:p>
+          <a:p>
             <a:pPr lvl="2"/>
-            <a:endParaRPr lang="en-US" sz="1600" dirty="0">
+            <a:r>
+              <a:rPr lang="en-US" sz="1800" dirty="0">
+                <a:latin typeface="Selawik Semibold" panose="020B0702040204020203" pitchFamily="34" charset="0"/>
+              </a:rPr>
+              <a:t>Global Sports Data, Technology and Analytics Consulting</a:t>
+            </a:r>
+          </a:p>
+          <a:p>
+            <a:pPr lvl="2"/>
+            <a:r>
+              <a:rPr lang="en-US" sz="1800" dirty="0">
+                <a:latin typeface="Selawik Semibold" panose="020B0702040204020203" pitchFamily="34" charset="0"/>
+              </a:rPr>
+              <a:t>Analyze and Interpret Complex Datasets</a:t>
+            </a:r>
+          </a:p>
+          <a:p>
+            <a:pPr lvl="2"/>
+            <a:r>
+              <a:rPr lang="en-US" sz="1800" dirty="0">
+                <a:latin typeface="Selawik Semibold" panose="020B0702040204020203" pitchFamily="34" charset="0"/>
+              </a:rPr>
+              <a:t>Python, R, SQL, VBA, SPSS</a:t>
+            </a:r>
+          </a:p>
+          <a:p>
+            <a:pPr lvl="2"/>
+            <a:endParaRPr lang="en-US" sz="1400" dirty="0">
+              <a:latin typeface="Selawik Semibold" panose="020B0702040204020203" pitchFamily="34" charset="0"/>
+            </a:endParaRPr>
+          </a:p>
+          <a:p>
+            <a:pPr lvl="2"/>
+            <a:endParaRPr lang="en-US" sz="1800" dirty="0">
               <a:latin typeface="Selawik Semibold" panose="020B0702040204020203" pitchFamily="34" charset="0"/>
             </a:endParaRPr>
           </a:p>
@@ -7760,7 +7790,7 @@
     </p:spTree>
     <p:extLst>
       <p:ext uri="{BB962C8B-B14F-4D97-AF65-F5344CB8AC3E}">
-        <p14:creationId xmlns:p14="http://schemas.microsoft.com/office/powerpoint/2010/main" val="216376330"/>
+        <p14:creationId xmlns:p14="http://schemas.microsoft.com/office/powerpoint/2010/main" val="2429112968"/>
       </p:ext>
     </p:extLst>
   </p:cSld>
@@ -7934,7 +7964,7 @@
             <a:pPr marL="0" indent="0">
               <a:buNone/>
             </a:pPr>
-            <a:endParaRPr lang="en-US" sz="1800" dirty="0">
+            <a:endParaRPr lang="en-US" sz="2400" dirty="0">
               <a:latin typeface="Selawik Semibold" panose="020B0702040204020203" pitchFamily="34" charset="0"/>
             </a:endParaRPr>
           </a:p>
@@ -7944,20 +7974,11 @@
               <a:rPr lang="en-US" sz="2000" dirty="0">
                 <a:latin typeface="Selawik Semibold" panose="020B0702040204020203" pitchFamily="34" charset="0"/>
               </a:rPr>
-              <a:t>Senior Analyst for </a:t>
-            </a:r>
-            <a:r>
-              <a:rPr lang="en-US" sz="2000" dirty="0" err="1">
-                <a:latin typeface="Selawik Semibold" panose="020B0702040204020203" pitchFamily="34" charset="0"/>
-              </a:rPr>
-              <a:t>Kagr</a:t>
-            </a:r>
-            <a:r>
-              <a:rPr lang="en-US" sz="2000" dirty="0">
-                <a:latin typeface="Selawik Semibold" panose="020B0702040204020203" pitchFamily="34" charset="0"/>
-              </a:rPr>
-              <a:t> LLC</a:t>
-            </a:r>
+              <a:t>Performance Data Analyst for Detroit Red Wings</a:t>
+            </a:r>
+            <a:endParaRPr lang="en-US" sz="1600" dirty="0">
+              <a:latin typeface="Selawik Semibold" panose="020B0702040204020203" pitchFamily="34" charset="0"/>
+            </a:endParaRPr>
           </a:p>
           <a:p>
             <a:pPr lvl="2"/>
@@ -7965,7 +7986,7 @@
               <a:rPr lang="en-US" sz="1800" dirty="0">
                 <a:latin typeface="Selawik Semibold" panose="020B0702040204020203" pitchFamily="34" charset="0"/>
               </a:rPr>
-              <a:t>Opportunity for Advanced Analytics in Sports</a:t>
+              <a:t>Master’s Degree in Data Science</a:t>
             </a:r>
           </a:p>
           <a:p>
@@ -7974,7 +7995,7 @@
               <a:rPr lang="en-US" sz="1800" dirty="0">
                 <a:latin typeface="Selawik Semibold" panose="020B0702040204020203" pitchFamily="34" charset="0"/>
               </a:rPr>
-              <a:t>Revenue, Ticket Sales, Attendance Forecasting</a:t>
+              <a:t>Collection and Interpretation of Performance Data</a:t>
             </a:r>
           </a:p>
           <a:p>
@@ -7983,7 +8004,7 @@
               <a:rPr lang="en-US" sz="1800" dirty="0">
                 <a:latin typeface="Selawik Semibold" panose="020B0702040204020203" pitchFamily="34" charset="0"/>
               </a:rPr>
-              <a:t>Analytical Models and Machine Learning</a:t>
+              <a:t>Basic Statistical Analysis Techniques</a:t>
             </a:r>
           </a:p>
           <a:p>
@@ -7992,29 +8013,11 @@
               <a:rPr lang="en-US" sz="1800" dirty="0">
                 <a:latin typeface="Selawik Semibold" panose="020B0702040204020203" pitchFamily="34" charset="0"/>
               </a:rPr>
-              <a:t>Interest in Applying Statistical Methodology</a:t>
-            </a:r>
-          </a:p>
-          <a:p>
-            <a:pPr lvl="2"/>
-            <a:r>
-              <a:rPr lang="en-US" sz="1800" dirty="0">
-                <a:latin typeface="Selawik Semibold" panose="020B0702040204020203" pitchFamily="34" charset="0"/>
-              </a:rPr>
-              <a:t>Degree in Stats, Econ, Math, CS, etc.</a:t>
-            </a:r>
-          </a:p>
-          <a:p>
-            <a:pPr lvl="2"/>
-            <a:r>
-              <a:rPr lang="en-US" sz="1800" dirty="0">
-                <a:latin typeface="Selawik Semibold" panose="020B0702040204020203" pitchFamily="34" charset="0"/>
-              </a:rPr>
-              <a:t>R, Python, SQL Required</a:t>
-            </a:r>
-          </a:p>
-          <a:p>
-            <a:pPr marL="457200" lvl="1" indent="0">
+              <a:t>R or Python</a:t>
+            </a:r>
+          </a:p>
+          <a:p>
+            <a:pPr marL="914400" lvl="2" indent="0">
               <a:buNone/>
             </a:pPr>
             <a:endParaRPr lang="en-US" sz="1600" dirty="0">
@@ -8027,7 +8030,7 @@
               <a:rPr lang="en-US" sz="2000" dirty="0">
                 <a:latin typeface="Selawik Semibold" panose="020B0702040204020203" pitchFamily="34" charset="0"/>
               </a:rPr>
-              <a:t>Sport Activity Experience Data Science Director</a:t>
+              <a:t>Research Analyst for Bleacher Report</a:t>
             </a:r>
           </a:p>
           <a:p>
@@ -8036,7 +8039,7 @@
               <a:rPr lang="en-US" sz="1800" dirty="0">
                 <a:latin typeface="Selawik Semibold" panose="020B0702040204020203" pitchFamily="34" charset="0"/>
               </a:rPr>
-              <a:t>Test Products</a:t>
+              <a:t>Mine, Analyze, and Deliver Data and Insights</a:t>
             </a:r>
           </a:p>
           <a:p>
@@ -8045,7 +8048,7 @@
               <a:rPr lang="en-US" sz="1800" dirty="0">
                 <a:latin typeface="Selawik Semibold" panose="020B0702040204020203" pitchFamily="34" charset="0"/>
               </a:rPr>
-              <a:t>Python and Deep Learning Libraries</a:t>
+              <a:t>Quantitative Research Experience</a:t>
             </a:r>
           </a:p>
           <a:p>
@@ -8054,8 +8057,44 @@
               <a:rPr lang="en-US" sz="1800" dirty="0">
                 <a:latin typeface="Selawik Semibold" panose="020B0702040204020203" pitchFamily="34" charset="0"/>
               </a:rPr>
-              <a:t>Masters or PhD Preferred</a:t>
-            </a:r>
+              <a:t>Experience with Statistical Analysis</a:t>
+            </a:r>
+          </a:p>
+          <a:p>
+            <a:pPr lvl="2"/>
+            <a:r>
+              <a:rPr lang="en-US" sz="1800" dirty="0">
+                <a:latin typeface="Selawik Semibold" panose="020B0702040204020203" pitchFamily="34" charset="0"/>
+              </a:rPr>
+              <a:t>R, SQL, SPSS, </a:t>
+            </a:r>
+            <a:r>
+              <a:rPr lang="en-US" sz="1800" dirty="0" err="1">
+                <a:latin typeface="Selawik Semibold" panose="020B0702040204020203" pitchFamily="34" charset="0"/>
+              </a:rPr>
+              <a:t>Tablewau</a:t>
+            </a:r>
+            <a:endParaRPr lang="en-US" sz="1800" dirty="0">
+              <a:latin typeface="Selawik Semibold" panose="020B0702040204020203" pitchFamily="34" charset="0"/>
+            </a:endParaRPr>
+          </a:p>
+          <a:p>
+            <a:pPr lvl="2"/>
+            <a:endParaRPr lang="en-US" sz="1400" dirty="0">
+              <a:latin typeface="Selawik Semibold" panose="020B0702040204020203" pitchFamily="34" charset="0"/>
+            </a:endParaRPr>
+          </a:p>
+          <a:p>
+            <a:pPr lvl="2"/>
+            <a:endParaRPr lang="en-US" sz="1800" dirty="0">
+              <a:latin typeface="Selawik Semibold" panose="020B0702040204020203" pitchFamily="34" charset="0"/>
+            </a:endParaRPr>
+          </a:p>
+          <a:p>
+            <a:pPr lvl="2"/>
+            <a:endParaRPr lang="en-US" sz="1600" dirty="0">
+              <a:latin typeface="Selawik Semibold" panose="020B0702040204020203" pitchFamily="34" charset="0"/>
+            </a:endParaRPr>
           </a:p>
           <a:p>
             <a:endParaRPr lang="en-US" sz="2400" dirty="0">
@@ -8425,7 +8464,7 @@
     </p:spTree>
     <p:extLst>
       <p:ext uri="{BB962C8B-B14F-4D97-AF65-F5344CB8AC3E}">
-        <p14:creationId xmlns:p14="http://schemas.microsoft.com/office/powerpoint/2010/main" val="3373734877"/>
+        <p14:creationId xmlns:p14="http://schemas.microsoft.com/office/powerpoint/2010/main" val="1344911940"/>
       </p:ext>
     </p:extLst>
   </p:cSld>
@@ -8609,7 +8648,7 @@
               <a:rPr lang="en-US" sz="2000" dirty="0">
                 <a:latin typeface="Selawik Semibold" panose="020B0702040204020203" pitchFamily="34" charset="0"/>
               </a:rPr>
-              <a:t>Sports Industry Networking and Career Conference, February 18-19</a:t>
+              <a:t>Carnegie Mellon Sports Analytics Conference</a:t>
             </a:r>
           </a:p>
           <a:p>
@@ -8618,16 +8657,22 @@
               <a:rPr lang="en-US" sz="2000" dirty="0">
                 <a:latin typeface="Selawik Semibold" panose="020B0702040204020203" pitchFamily="34" charset="0"/>
               </a:rPr>
-              <a:t>MIT Sloan Sports Analytics Conference, April 8-9</a:t>
+              <a:t>Great Lakes Analytics Conference</a:t>
             </a:r>
           </a:p>
           <a:p>
             <a:pPr lvl="1"/>
             <a:r>
+              <a:rPr lang="en-US" sz="2000" dirty="0" err="1">
+                <a:latin typeface="Selawik Semibold" panose="020B0702040204020203" pitchFamily="34" charset="0"/>
+              </a:rPr>
+              <a:t>MathSport</a:t>
+            </a:r>
+            <a:r>
               <a:rPr lang="en-US" sz="2000" dirty="0">
                 <a:latin typeface="Selawik Semibold" panose="020B0702040204020203" pitchFamily="34" charset="0"/>
               </a:rPr>
-              <a:t>Basketball Analytics Summit, April 16</a:t>
+              <a:t> International</a:t>
             </a:r>
           </a:p>
           <a:p>
@@ -8636,7 +8681,7 @@
               <a:rPr lang="en-US" sz="2000" dirty="0">
                 <a:latin typeface="Selawik Semibold" panose="020B0702040204020203" pitchFamily="34" charset="0"/>
               </a:rPr>
-              <a:t>International Conference on Sports Analytics and Performance Evaluation, June 24-25</a:t>
+              <a:t>MIT Sloan Sports Analytics Conference</a:t>
             </a:r>
           </a:p>
           <a:p>
@@ -8645,7 +8690,7 @@
               <a:rPr lang="en-US" sz="2000" dirty="0">
                 <a:latin typeface="Selawik Semibold" panose="020B0702040204020203" pitchFamily="34" charset="0"/>
               </a:rPr>
-              <a:t>International Conference on Machine Learning and Data Mining for Sports, June 28-29</a:t>
+              <a:t>New England Symposium on Statistics in Sports</a:t>
             </a:r>
           </a:p>
           <a:p>
@@ -8654,7 +8699,7 @@
               <a:rPr lang="en-US" sz="2000" dirty="0">
                 <a:latin typeface="Selawik Semibold" panose="020B0702040204020203" pitchFamily="34" charset="0"/>
               </a:rPr>
-              <a:t>Disney Data &amp; Analytics Conference, August 17-18</a:t>
+              <a:t>Rochester Institute of Technology Sports Analytics Conference</a:t>
             </a:r>
           </a:p>
           <a:p>
@@ -8663,8 +8708,29 @@
               <a:rPr lang="en-US" sz="2000" dirty="0">
                 <a:latin typeface="Selawik Semibold" panose="020B0702040204020203" pitchFamily="34" charset="0"/>
               </a:rPr>
-              <a:t>Sport &amp; Entertainment Analytics Conference, TBD</a:t>
-            </a:r>
+              <a:t>Sports IDEAS Symposium</a:t>
+            </a:r>
+          </a:p>
+          <a:p>
+            <a:pPr lvl="1"/>
+            <a:r>
+              <a:rPr lang="en-US" sz="2000" dirty="0" err="1">
+                <a:latin typeface="Selawik Semibold" panose="020B0702040204020203" pitchFamily="34" charset="0"/>
+              </a:rPr>
+              <a:t>Uconn</a:t>
+            </a:r>
+            <a:r>
+              <a:rPr lang="en-US" sz="2000" dirty="0">
+                <a:latin typeface="Selawik Semibold" panose="020B0702040204020203" pitchFamily="34" charset="0"/>
+              </a:rPr>
+              <a:t> Sports Analytics Symposium</a:t>
+            </a:r>
+          </a:p>
+          <a:p>
+            <a:pPr lvl="1"/>
+            <a:endParaRPr lang="en-US" sz="2000" dirty="0">
+              <a:latin typeface="Selawik Semibold" panose="020B0702040204020203" pitchFamily="34" charset="0"/>
+            </a:endParaRPr>
           </a:p>
           <a:p>
             <a:pPr lvl="2"/>
@@ -9028,7 +9094,7 @@
         </p:nvSpPr>
         <p:spPr>
           <a:xfrm>
-            <a:off x="529389" y="6298525"/>
+            <a:off x="396226" y="6292820"/>
             <a:ext cx="8713057" cy="400110"/>
           </a:xfrm>
           <a:prstGeom prst="rect">
@@ -9045,7 +9111,7 @@
             <a:pPr algn="r"/>
             <a:r>
               <a:rPr lang="en-US" sz="2000" dirty="0"/>
-              <a:t>Compiled by statsheetstuffers.com and sportsanalyticsconferences.com</a:t>
+              <a:t>Compiled by Medium.com</a:t>
             </a:r>
           </a:p>
         </p:txBody>
@@ -12808,42 +12874,11 @@
               <a:rPr lang="en-US" sz="2400" dirty="0">
                 <a:latin typeface="Selawik Semibold" panose="020B0702040204020203" pitchFamily="34" charset="0"/>
               </a:rPr>
-              <a:t>Article by Russell Karp (ITProPortal.com)</a:t>
-            </a:r>
-          </a:p>
-          <a:p>
-            <a:pPr marL="0" indent="0">
-              <a:buNone/>
-            </a:pPr>
+              <a:t>Value Placed on Sports Analytics</a:t>
+            </a:r>
             <a:endParaRPr lang="en-US" sz="2000" dirty="0">
               <a:latin typeface="Selawik Semibold" panose="020B0702040204020203" pitchFamily="34" charset="0"/>
             </a:endParaRPr>
-          </a:p>
-          <a:p>
-            <a:pPr lvl="1"/>
-            <a:r>
-              <a:rPr lang="en-US" sz="2000" dirty="0">
-                <a:latin typeface="Selawik Semibold" panose="020B0702040204020203" pitchFamily="34" charset="0"/>
-              </a:rPr>
-              <a:t>Global Sports Industry $600B-$700B (KPMG)</a:t>
-            </a:r>
-          </a:p>
-          <a:p>
-            <a:pPr marL="457200" lvl="1" indent="0">
-              <a:buNone/>
-            </a:pPr>
-            <a:endParaRPr lang="en-US" sz="2000" dirty="0">
-              <a:latin typeface="Selawik Semibold" panose="020B0702040204020203" pitchFamily="34" charset="0"/>
-            </a:endParaRPr>
-          </a:p>
-          <a:p>
-            <a:pPr lvl="1"/>
-            <a:r>
-              <a:rPr lang="en-US" sz="2000" dirty="0">
-                <a:latin typeface="Selawik Semibold" panose="020B0702040204020203" pitchFamily="34" charset="0"/>
-              </a:rPr>
-              <a:t>Including All Business Dedicated to Sports $1.3T</a:t>
-            </a:r>
           </a:p>
           <a:p>
             <a:pPr lvl="1"/>
@@ -12857,7 +12892,43 @@
               <a:rPr lang="en-US" sz="2000" dirty="0">
                 <a:latin typeface="Selawik Semibold" panose="020B0702040204020203" pitchFamily="34" charset="0"/>
               </a:rPr>
-              <a:t>Global Sports Analytics Market</a:t>
+              <a:t>Global Sports Industry $600B-$700B (2018)</a:t>
+            </a:r>
+          </a:p>
+          <a:p>
+            <a:pPr lvl="1"/>
+            <a:r>
+              <a:rPr lang="en-US" sz="2000" dirty="0">
+                <a:latin typeface="Selawik Semibold" panose="020B0702040204020203" pitchFamily="34" charset="0"/>
+              </a:rPr>
+              <a:t>Include Business Dedicated to Sports $1.3T (2018)</a:t>
+            </a:r>
+          </a:p>
+          <a:p>
+            <a:pPr lvl="1"/>
+            <a:r>
+              <a:rPr lang="en-US" sz="2000" dirty="0">
+                <a:latin typeface="Selawik Semibold" panose="020B0702040204020203" pitchFamily="34" charset="0"/>
+              </a:rPr>
+              <a:t>Global Sports Analytics Market in 2020 = $2.2B</a:t>
+            </a:r>
+          </a:p>
+          <a:p>
+            <a:pPr lvl="1"/>
+            <a:r>
+              <a:rPr lang="en-US" sz="2000" dirty="0">
+                <a:latin typeface="Selawik Semibold" panose="020B0702040204020203" pitchFamily="34" charset="0"/>
+              </a:rPr>
+              <a:t>Expected CAGR between 2020 and 2028 is 21.8%</a:t>
+            </a:r>
+          </a:p>
+          <a:p>
+            <a:pPr lvl="1"/>
+            <a:r>
+              <a:rPr lang="en-US" sz="2000" dirty="0">
+                <a:latin typeface="Selawik Semibold" panose="020B0702040204020203" pitchFamily="34" charset="0"/>
+              </a:rPr>
+              <a:t>Projection in 2028</a:t>
             </a:r>
           </a:p>
           <a:p>
@@ -13240,8 +13311,8 @@
         </p:nvSpPr>
         <p:spPr>
           <a:xfrm>
-            <a:off x="1259889" y="5021188"/>
-            <a:ext cx="1866907" cy="523220"/>
+            <a:off x="1172655" y="5127022"/>
+            <a:ext cx="1416594" cy="523220"/>
           </a:xfrm>
           <a:prstGeom prst="rect">
             <a:avLst/>
@@ -13297,7 +13368,7 @@
               <a:rPr lang="en-US" sz="2800" dirty="0">
                 <a:latin typeface="Selawik Semibold" panose="020B0702040204020203" pitchFamily="34" charset="0"/>
               </a:rPr>
-              <a:t>$135.23M</a:t>
+              <a:t>$2.20B</a:t>
             </a:r>
           </a:p>
         </p:txBody>
@@ -13316,8 +13387,8 @@
         </p:nvSpPr>
         <p:spPr>
           <a:xfrm>
-            <a:off x="3191417" y="5097616"/>
-            <a:ext cx="2821167" cy="336849"/>
+            <a:off x="2653872" y="5203451"/>
+            <a:ext cx="3271478" cy="265016"/>
           </a:xfrm>
           <a:prstGeom prst="rightArrow">
             <a:avLst/>
@@ -13362,8 +13433,8 @@
         </p:nvSpPr>
         <p:spPr>
           <a:xfrm>
-            <a:off x="6096000" y="4852309"/>
-            <a:ext cx="1964351" cy="769441"/>
+            <a:off x="6008765" y="4958143"/>
+            <a:ext cx="2302627" cy="769441"/>
           </a:xfrm>
           <a:prstGeom prst="rect">
             <a:avLst/>
@@ -13419,7 +13490,7 @@
               <a:rPr lang="en-US" sz="4400" dirty="0">
                 <a:latin typeface="Selawik Semibold" panose="020B0702040204020203" pitchFamily="34" charset="0"/>
               </a:rPr>
-              <a:t>$2.43B</a:t>
+              <a:t>$10.66B</a:t>
             </a:r>
           </a:p>
         </p:txBody>
@@ -13454,7 +13525,7 @@
           <a:p>
             <a:r>
               <a:rPr lang="en-US" dirty="0"/>
-              <a:t>Projections in 2025 According to MarketWatch.com</a:t>
+              <a:t>Projections in 2028 According to MarketWatch.com</a:t>
             </a:r>
           </a:p>
         </p:txBody>
@@ -13475,7 +13546,7 @@
         </p:nvCxnSpPr>
         <p:spPr>
           <a:xfrm>
-            <a:off x="1609047" y="5862918"/>
+            <a:off x="1521812" y="5968752"/>
             <a:ext cx="5954924" cy="0"/>
           </a:xfrm>
           <a:prstGeom prst="line">
@@ -13518,7 +13589,7 @@
         </p:nvCxnSpPr>
         <p:spPr>
           <a:xfrm>
-            <a:off x="2048436" y="5748513"/>
+            <a:off x="1961201" y="5854347"/>
             <a:ext cx="0" cy="228809"/>
           </a:xfrm>
           <a:prstGeom prst="line">
@@ -13561,7 +13632,7 @@
         </p:nvCxnSpPr>
         <p:spPr>
           <a:xfrm>
-            <a:off x="7037350" y="5748513"/>
+            <a:off x="6950115" y="5854347"/>
             <a:ext cx="0" cy="228809"/>
           </a:xfrm>
           <a:prstGeom prst="line">
@@ -13602,7 +13673,7 @@
         </p:nvSpPr>
         <p:spPr>
           <a:xfrm>
-            <a:off x="1772661" y="5949678"/>
+            <a:off x="1685426" y="6055512"/>
             <a:ext cx="656720" cy="369332"/>
           </a:xfrm>
           <a:prstGeom prst="rect">
@@ -13618,7 +13689,7 @@
           <a:p>
             <a:r>
               <a:rPr lang="en-US" dirty="0"/>
-              <a:t>2016</a:t>
+              <a:t>2020</a:t>
             </a:r>
           </a:p>
         </p:txBody>
@@ -13637,7 +13708,7 @@
         </p:nvSpPr>
         <p:spPr>
           <a:xfrm>
-            <a:off x="6717904" y="5919024"/>
+            <a:off x="6630669" y="6024858"/>
             <a:ext cx="656720" cy="369332"/>
           </a:xfrm>
           <a:prstGeom prst="rect">
@@ -13653,11 +13724,134 @@
           <a:p>
             <a:r>
               <a:rPr lang="en-US" dirty="0"/>
-              <a:t>2025</a:t>
-            </a:r>
-          </a:p>
-        </p:txBody>
-      </p:sp>
+              <a:t>2028</a:t>
+            </a:r>
+          </a:p>
+        </p:txBody>
+      </p:sp>
+      <mc:AlternateContent xmlns:mc="http://schemas.openxmlformats.org/markup-compatibility/2006">
+        <mc:Choice xmlns:a14="http://schemas.microsoft.com/office/drawing/2010/main" Requires="a14">
+          <p:sp>
+            <p:nvSpPr>
+              <p:cNvPr id="3" name="TextBox 2">
+                <a:extLst>
+                  <a:ext uri="{FF2B5EF4-FFF2-40B4-BE49-F238E27FC236}">
+                    <a16:creationId xmlns:a16="http://schemas.microsoft.com/office/drawing/2014/main" id="{E09078CE-7340-4719-9DB3-C8040F70D165}"/>
+                  </a:ext>
+                </a:extLst>
+              </p:cNvPr>
+              <p:cNvSpPr txBox="1"/>
+              <p:nvPr/>
+            </p:nvSpPr>
+            <p:spPr>
+              <a:xfrm>
+                <a:off x="2005080" y="4439138"/>
+                <a:ext cx="5162857" cy="369332"/>
+              </a:xfrm>
+              <a:prstGeom prst="rect">
+                <a:avLst/>
+              </a:prstGeom>
+              <a:noFill/>
+            </p:spPr>
+            <p:txBody>
+              <a:bodyPr wrap="square" rtlCol="0">
+                <a:spAutoFit/>
+              </a:bodyPr>
+              <a:lstStyle/>
+              <a:p>
+                <a14:m>
+                  <m:oMath xmlns:m="http://schemas.openxmlformats.org/officeDocument/2006/math">
+                    <m:r>
+                      <a:rPr lang="en-US" b="0" i="1" smtClean="0">
+                        <a:latin typeface="Cambria Math" panose="02040503050406030204" pitchFamily="18" charset="0"/>
+                      </a:rPr>
+                      <m:t>𝑃𝑟𝑜𝑗𝑒𝑐𝑡𝑖𝑜𝑛</m:t>
+                    </m:r>
+                    <m:r>
+                      <a:rPr lang="en-US" b="0" i="1" smtClean="0">
+                        <a:latin typeface="Cambria Math" panose="02040503050406030204" pitchFamily="18" charset="0"/>
+                      </a:rPr>
+                      <m:t> </m:t>
+                    </m:r>
+                    <m:r>
+                      <a:rPr lang="en-US" b="0" i="1" smtClean="0">
+                        <a:latin typeface="Cambria Math" panose="02040503050406030204" pitchFamily="18" charset="0"/>
+                      </a:rPr>
+                      <m:t>𝑖𝑛</m:t>
+                    </m:r>
+                    <m:r>
+                      <a:rPr lang="en-US" b="0" i="1" smtClean="0">
+                        <a:latin typeface="Cambria Math" panose="02040503050406030204" pitchFamily="18" charset="0"/>
+                      </a:rPr>
+                      <m:t> 2020=2.2∗(1+</m:t>
+                    </m:r>
+                    <m:r>
+                      <a:rPr lang="en-US" b="0" i="1" smtClean="0">
+                        <a:latin typeface="Cambria Math" panose="02040503050406030204" pitchFamily="18" charset="0"/>
+                      </a:rPr>
+                      <m:t>𝐶𝐴𝐺𝑅</m:t>
+                    </m:r>
+                    <m:r>
+                      <a:rPr lang="en-US" b="0" i="1" smtClean="0">
+                        <a:latin typeface="Cambria Math" panose="02040503050406030204" pitchFamily="18" charset="0"/>
+                      </a:rPr>
+                      <m:t>)^</m:t>
+                    </m:r>
+                  </m:oMath>
+                </a14:m>
+                <a:r>
+                  <a:rPr lang="en-US" dirty="0"/>
+                  <a:t>8 =10.66</a:t>
+                </a:r>
+              </a:p>
+            </p:txBody>
+          </p:sp>
+        </mc:Choice>
+        <mc:Fallback>
+          <p:sp>
+            <p:nvSpPr>
+              <p:cNvPr id="3" name="TextBox 2">
+                <a:extLst>
+                  <a:ext uri="{FF2B5EF4-FFF2-40B4-BE49-F238E27FC236}">
+                    <a16:creationId xmlns:a16="http://schemas.microsoft.com/office/drawing/2014/main" id="{E09078CE-7340-4719-9DB3-C8040F70D165}"/>
+                  </a:ext>
+                </a:extLst>
+              </p:cNvPr>
+              <p:cNvSpPr txBox="1">
+                <a:spLocks noRot="1" noChangeAspect="1" noMove="1" noResize="1" noEditPoints="1" noAdjustHandles="1" noChangeArrowheads="1" noChangeShapeType="1" noTextEdit="1"/>
+              </p:cNvSpPr>
+              <p:nvPr/>
+            </p:nvSpPr>
+            <p:spPr>
+              <a:xfrm>
+                <a:off x="2005080" y="4439138"/>
+                <a:ext cx="5162857" cy="369332"/>
+              </a:xfrm>
+              <a:prstGeom prst="rect">
+                <a:avLst/>
+              </a:prstGeom>
+              <a:blipFill>
+                <a:blip r:embed="rId4"/>
+                <a:stretch>
+                  <a:fillRect l="-354" t="-8197" b="-24590"/>
+                </a:stretch>
+              </a:blipFill>
+            </p:spPr>
+            <p:txBody>
+              <a:bodyPr/>
+              <a:lstStyle/>
+              <a:p>
+                <a:r>
+                  <a:rPr lang="en-US">
+                    <a:noFill/>
+                  </a:rPr>
+                  <a:t> </a:t>
+                </a:r>
+              </a:p>
+            </p:txBody>
+          </p:sp>
+        </mc:Fallback>
+      </mc:AlternateContent>
     </p:spTree>
     <p:extLst>
       <p:ext uri="{BB962C8B-B14F-4D97-AF65-F5344CB8AC3E}">
@@ -13814,8 +14008,8 @@
         </p:nvSpPr>
         <p:spPr>
           <a:xfrm>
-            <a:off x="838199" y="2021248"/>
-            <a:ext cx="7653667" cy="4695905"/>
+            <a:off x="838200" y="2021248"/>
+            <a:ext cx="7028544" cy="4695905"/>
           </a:xfrm>
         </p:spPr>
         <p:txBody>
@@ -13828,59 +14022,12 @@
               <a:rPr lang="en-US" sz="2400" dirty="0">
                 <a:latin typeface="Selawik Semibold" panose="020B0702040204020203" pitchFamily="34" charset="0"/>
               </a:rPr>
-              <a:t>Modern Applications of Sports Analytics</a:t>
-            </a:r>
-          </a:p>
-          <a:p>
-            <a:pPr marL="457200" lvl="1" indent="0">
-              <a:buNone/>
-            </a:pPr>
-            <a:r>
-              <a:rPr lang="en-US" sz="2000" dirty="0">
-                <a:latin typeface="Selawik Semibold" panose="020B0702040204020203" pitchFamily="34" charset="0"/>
-              </a:rPr>
-              <a:t> </a:t>
+              <a:t>Three Reasons for Projected Growth Rate</a:t>
             </a:r>
           </a:p>
           <a:p>
             <a:pPr lvl="1"/>
-            <a:r>
-              <a:rPr lang="en-US" sz="2000" dirty="0">
-                <a:latin typeface="Selawik Semibold" panose="020B0702040204020203" pitchFamily="34" charset="0"/>
-              </a:rPr>
-              <a:t>Helping the Team Win</a:t>
-            </a:r>
-          </a:p>
-          <a:p>
-            <a:pPr lvl="2"/>
-            <a:r>
-              <a:rPr lang="en-US" sz="1800" dirty="0">
-                <a:latin typeface="Selawik Semibold" panose="020B0702040204020203" pitchFamily="34" charset="0"/>
-              </a:rPr>
-              <a:t>Automated Video Analysis (Lincoln City, UK Football)</a:t>
-            </a:r>
-          </a:p>
-          <a:p>
-            <a:pPr lvl="2"/>
-            <a:r>
-              <a:rPr lang="en-US" sz="1800" dirty="0">
-                <a:latin typeface="Selawik Semibold" panose="020B0702040204020203" pitchFamily="34" charset="0"/>
-              </a:rPr>
-              <a:t>3D Depth Camera (NBA)</a:t>
-            </a:r>
-          </a:p>
-          <a:p>
-            <a:pPr lvl="2"/>
-            <a:r>
-              <a:rPr lang="en-US" sz="1800" dirty="0">
-                <a:latin typeface="Selawik Semibold" panose="020B0702040204020203" pitchFamily="34" charset="0"/>
-              </a:rPr>
-              <a:t>Wearable Technology (NBA, NHL)</a:t>
-            </a:r>
-          </a:p>
-          <a:p>
-            <a:pPr lvl="1"/>
-            <a:endParaRPr lang="en-US" sz="2200" dirty="0">
+            <a:endParaRPr lang="en-US" sz="1400" dirty="0">
               <a:latin typeface="Selawik Semibold" panose="020B0702040204020203" pitchFamily="34" charset="0"/>
             </a:endParaRPr>
           </a:p>
@@ -13890,61 +14037,26 @@
               <a:rPr lang="en-US" sz="2000" dirty="0">
                 <a:latin typeface="Selawik Semibold" panose="020B0702040204020203" pitchFamily="34" charset="0"/>
               </a:rPr>
-              <a:t>Improving the Fan Experience</a:t>
-            </a:r>
-          </a:p>
-          <a:p>
-            <a:pPr lvl="2"/>
-            <a:r>
-              <a:rPr lang="en-US" sz="1800" dirty="0">
-                <a:latin typeface="Selawik Semibold" panose="020B0702040204020203" pitchFamily="34" charset="0"/>
-              </a:rPr>
-              <a:t>Analysis of Digital Engagement</a:t>
-            </a:r>
-          </a:p>
-          <a:p>
-            <a:pPr lvl="2"/>
-            <a:r>
-              <a:rPr lang="en-US" sz="1800" dirty="0">
-                <a:latin typeface="Selawik Semibold" panose="020B0702040204020203" pitchFamily="34" charset="0"/>
-              </a:rPr>
-              <a:t>Sentiment in Social Media</a:t>
-            </a:r>
-          </a:p>
-          <a:p>
-            <a:pPr lvl="2"/>
-            <a:r>
-              <a:rPr lang="en-US" sz="1800" dirty="0">
-                <a:latin typeface="Selawik Semibold" panose="020B0702040204020203" pitchFamily="34" charset="0"/>
-              </a:rPr>
-              <a:t>Analysis of Fan Behavior in Stadium (New England Patriots)</a:t>
-            </a:r>
-          </a:p>
-          <a:p>
-            <a:pPr lvl="2"/>
-            <a:r>
-              <a:rPr lang="en-US" sz="1800" dirty="0">
-                <a:latin typeface="Selawik Semibold" panose="020B0702040204020203" pitchFamily="34" charset="0"/>
-              </a:rPr>
-              <a:t>Wireless Internet and Phone Apps</a:t>
-            </a:r>
-          </a:p>
-          <a:p>
-            <a:pPr lvl="2"/>
-            <a:r>
-              <a:rPr lang="en-US" sz="1800" dirty="0">
-                <a:latin typeface="Selawik Semibold" panose="020B0702040204020203" pitchFamily="34" charset="0"/>
-              </a:rPr>
-              <a:t>Apps Supply Game Analytics, Parking Information, Promotions, and Traffic Information to the Fans (NFL)</a:t>
-            </a:r>
-          </a:p>
-          <a:p>
-            <a:pPr marL="914400" lvl="2" indent="0">
-              <a:buNone/>
-            </a:pPr>
-            <a:endParaRPr lang="en-US" sz="1800" dirty="0">
-              <a:latin typeface="Selawik Semibold" panose="020B0702040204020203" pitchFamily="34" charset="0"/>
-            </a:endParaRPr>
+              <a:t>Demand for Performance Tracking of Players</a:t>
+            </a:r>
+          </a:p>
+          <a:p>
+            <a:pPr lvl="1"/>
+            <a:r>
+              <a:rPr lang="en-US" sz="2000" dirty="0">
+                <a:latin typeface="Selawik Semibold" panose="020B0702040204020203" pitchFamily="34" charset="0"/>
+              </a:rPr>
+              <a:t>Demand for Solutions for Determining Player Value in Player Transfers</a:t>
+            </a:r>
+          </a:p>
+          <a:p>
+            <a:pPr lvl="1"/>
+            <a:r>
+              <a:rPr lang="en-US" sz="2000" dirty="0">
+                <a:latin typeface="Selawik Semibold" panose="020B0702040204020203" pitchFamily="34" charset="0"/>
+              </a:rPr>
+              <a:t>Demand in Analyzing Data from the Rise in Sports Technology Investments</a:t>
+            </a:r>
           </a:p>
         </p:txBody>
       </p:sp>
@@ -14285,6 +14397,49 @@
                 <a:srgbClr val="DB5B5C"/>
               </a:solidFill>
             </a:endParaRPr>
+          </a:p>
+        </p:txBody>
+      </p:sp>
+      <p:sp>
+        <p:nvSpPr>
+          <p:cNvPr id="10" name="TextBox 9">
+            <a:extLst>
+              <a:ext uri="{FF2B5EF4-FFF2-40B4-BE49-F238E27FC236}">
+                <a16:creationId xmlns:a16="http://schemas.microsoft.com/office/drawing/2014/main" id="{04D008F5-F56A-42DE-AE28-A8E3F1805806}"/>
+              </a:ext>
+            </a:extLst>
+          </p:cNvPr>
+          <p:cNvSpPr txBox="1"/>
+          <p:nvPr/>
+        </p:nvSpPr>
+        <p:spPr>
+          <a:xfrm>
+            <a:off x="5328365" y="6171411"/>
+            <a:ext cx="3596638" cy="369332"/>
+          </a:xfrm>
+          <a:prstGeom prst="rect">
+            <a:avLst/>
+          </a:prstGeom>
+          <a:noFill/>
+        </p:spPr>
+        <p:txBody>
+          <a:bodyPr wrap="square" rtlCol="0">
+            <a:spAutoFit/>
+          </a:bodyPr>
+          <a:lstStyle/>
+          <a:p>
+            <a:r>
+              <a:rPr lang="en-US" dirty="0"/>
+              <a:t>Analysis from </a:t>
+            </a:r>
+            <a:r>
+              <a:rPr lang="en-US" dirty="0" err="1"/>
+              <a:t>Emergen</a:t>
+            </a:r>
+            <a:r>
+              <a:rPr lang="en-US" dirty="0"/>
+              <a:t> Research</a:t>
+            </a:r>
           </a:p>
         </p:txBody>
       </p:sp>
@@ -14462,8 +14617,55 @@
             </a:r>
           </a:p>
           <a:p>
+            <a:pPr marL="457200" lvl="1" indent="0">
+              <a:buNone/>
+            </a:pPr>
+            <a:r>
+              <a:rPr lang="en-US" sz="2000" dirty="0">
+                <a:latin typeface="Selawik Semibold" panose="020B0702040204020203" pitchFamily="34" charset="0"/>
+              </a:rPr>
+              <a:t> </a:t>
+            </a:r>
+          </a:p>
+          <a:p>
             <a:pPr lvl="1"/>
-            <a:endParaRPr lang="en-US" sz="2000" dirty="0">
+            <a:r>
+              <a:rPr lang="en-US" sz="2000" dirty="0">
+                <a:latin typeface="Selawik Semibold" panose="020B0702040204020203" pitchFamily="34" charset="0"/>
+              </a:rPr>
+              <a:t>Helping the Team Win</a:t>
+            </a:r>
+          </a:p>
+          <a:p>
+            <a:pPr lvl="2"/>
+            <a:r>
+              <a:rPr lang="en-US" sz="1800" dirty="0">
+                <a:latin typeface="Selawik Semibold" panose="020B0702040204020203" pitchFamily="34" charset="0"/>
+              </a:rPr>
+              <a:t>Automated Video Analysis (Lincoln City, UK Football)</a:t>
+            </a:r>
+          </a:p>
+          <a:p>
+            <a:pPr lvl="2"/>
+            <a:r>
+              <a:rPr lang="en-US" sz="1800" dirty="0">
+                <a:latin typeface="Selawik Semibold" panose="020B0702040204020203" pitchFamily="34" charset="0"/>
+              </a:rPr>
+              <a:t>3D Depth Camera (NBA)</a:t>
+            </a:r>
+          </a:p>
+          <a:p>
+            <a:pPr lvl="2"/>
+            <a:r>
+              <a:rPr lang="en-US" sz="1800" dirty="0">
+                <a:latin typeface="Selawik Semibold" panose="020B0702040204020203" pitchFamily="34" charset="0"/>
+              </a:rPr>
+              <a:t>Wearable Technology (NBA, NHL)</a:t>
+            </a:r>
+          </a:p>
+          <a:p>
+            <a:pPr lvl="1"/>
+            <a:endParaRPr lang="en-US" sz="2200" dirty="0">
               <a:latin typeface="Selawik Semibold" panose="020B0702040204020203" pitchFamily="34" charset="0"/>
             </a:endParaRPr>
           </a:p>
@@ -14473,7 +14675,7 @@
               <a:rPr lang="en-US" sz="2000" dirty="0">
                 <a:latin typeface="Selawik Semibold" panose="020B0702040204020203" pitchFamily="34" charset="0"/>
               </a:rPr>
-              <a:t>Benefiting Other Stakeholders</a:t>
+              <a:t>Improving the Fan Experience</a:t>
             </a:r>
           </a:p>
           <a:p>
@@ -14482,7 +14684,7 @@
               <a:rPr lang="en-US" sz="1800" dirty="0">
                 <a:latin typeface="Selawik Semibold" panose="020B0702040204020203" pitchFamily="34" charset="0"/>
               </a:rPr>
-              <a:t>Tracking Fan Behavior Outside the Stadium</a:t>
+              <a:t>Analysis of Digital Engagement</a:t>
             </a:r>
           </a:p>
           <a:p>
@@ -14491,7 +14693,7 @@
               <a:rPr lang="en-US" sz="1800" dirty="0">
                 <a:latin typeface="Selawik Semibold" panose="020B0702040204020203" pitchFamily="34" charset="0"/>
               </a:rPr>
-              <a:t>Telecommunication, Retailers, Payment Providers, Ticket Agencies, and Sponsorships</a:t>
+              <a:t>Sentiment in Social Media</a:t>
             </a:r>
           </a:p>
           <a:p>
@@ -14500,84 +14702,32 @@
               <a:rPr lang="en-US" sz="1800" dirty="0">
                 <a:latin typeface="Selawik Semibold" panose="020B0702040204020203" pitchFamily="34" charset="0"/>
               </a:rPr>
-              <a:t>Adapt to Quick Changes in Consumer Behavior</a:t>
+              <a:t>Analysis of Fan Behavior in Stadium (New England Patriots)</a:t>
             </a:r>
           </a:p>
           <a:p>
             <a:pPr lvl="2"/>
+            <a:r>
+              <a:rPr lang="en-US" sz="1800" dirty="0">
+                <a:latin typeface="Selawik Semibold" panose="020B0702040204020203" pitchFamily="34" charset="0"/>
+              </a:rPr>
+              <a:t>Wireless Internet and Phone Apps</a:t>
+            </a:r>
+          </a:p>
+          <a:p>
+            <a:pPr lvl="2"/>
+            <a:r>
+              <a:rPr lang="en-US" sz="1800" dirty="0">
+                <a:latin typeface="Selawik Semibold" panose="020B0702040204020203" pitchFamily="34" charset="0"/>
+              </a:rPr>
+              <a:t>Apps Supply Game Analytics, Parking Information, Promotions, and Traffic Information to the Fans (NFL)</a:t>
+            </a:r>
+          </a:p>
+          <a:p>
+            <a:pPr marL="914400" lvl="2" indent="0">
+              <a:buNone/>
+            </a:pPr>
             <a:endParaRPr lang="en-US" sz="1800" dirty="0">
-              <a:latin typeface="Selawik Semibold" panose="020B0702040204020203" pitchFamily="34" charset="0"/>
-            </a:endParaRPr>
-          </a:p>
-          <a:p>
-            <a:pPr lvl="1"/>
-            <a:r>
-              <a:rPr lang="en-US" sz="2000" dirty="0">
-                <a:latin typeface="Selawik Semibold" panose="020B0702040204020203" pitchFamily="34" charset="0"/>
-              </a:rPr>
-              <a:t>Optimizing the Back-Office</a:t>
-            </a:r>
-          </a:p>
-          <a:p>
-            <a:pPr lvl="2"/>
-            <a:r>
-              <a:rPr lang="en-US" sz="1600" dirty="0">
-                <a:latin typeface="Selawik Semibold" panose="020B0702040204020203" pitchFamily="34" charset="0"/>
-              </a:rPr>
-              <a:t>HR Practices</a:t>
-            </a:r>
-          </a:p>
-          <a:p>
-            <a:pPr lvl="2"/>
-            <a:r>
-              <a:rPr lang="en-US" sz="1600" dirty="0">
-                <a:latin typeface="Selawik Semibold" panose="020B0702040204020203" pitchFamily="34" charset="0"/>
-              </a:rPr>
-              <a:t>Game Scheduling</a:t>
-            </a:r>
-          </a:p>
-          <a:p>
-            <a:pPr lvl="2"/>
-            <a:r>
-              <a:rPr lang="en-US" sz="1600" dirty="0">
-                <a:latin typeface="Selawik Semibold" panose="020B0702040204020203" pitchFamily="34" charset="0"/>
-              </a:rPr>
-              <a:t>Supply Chain Management and Logistics</a:t>
-            </a:r>
-          </a:p>
-          <a:p>
-            <a:pPr lvl="2"/>
-            <a:r>
-              <a:rPr lang="en-US" sz="1600" dirty="0">
-                <a:latin typeface="Selawik Semibold" panose="020B0702040204020203" pitchFamily="34" charset="0"/>
-              </a:rPr>
-              <a:t>Marketing and Promotions</a:t>
-            </a:r>
-          </a:p>
-          <a:p>
-            <a:pPr lvl="2"/>
-            <a:r>
-              <a:rPr lang="en-US" sz="1600" dirty="0">
-                <a:latin typeface="Selawik Semibold" panose="020B0702040204020203" pitchFamily="34" charset="0"/>
-              </a:rPr>
-              <a:t>Procurement of Goods and Services</a:t>
-            </a:r>
-          </a:p>
-          <a:p>
-            <a:pPr lvl="2"/>
-            <a:endParaRPr lang="en-US" sz="1600" dirty="0">
-              <a:latin typeface="Selawik Semibold" panose="020B0702040204020203" pitchFamily="34" charset="0"/>
-            </a:endParaRPr>
-          </a:p>
-          <a:p>
-            <a:pPr lvl="2"/>
-            <a:endParaRPr lang="en-US" sz="1800" dirty="0">
-              <a:latin typeface="Selawik Semibold" panose="020B0702040204020203" pitchFamily="34" charset="0"/>
-            </a:endParaRPr>
-          </a:p>
-          <a:p>
-            <a:pPr lvl="1"/>
-            <a:endParaRPr lang="en-US" sz="2200" dirty="0">
               <a:latin typeface="Selawik Semibold" panose="020B0702040204020203" pitchFamily="34" charset="0"/>
             </a:endParaRPr>
           </a:p>
@@ -14926,7 +15076,7 @@
     </p:spTree>
     <p:extLst>
       <p:ext uri="{BB962C8B-B14F-4D97-AF65-F5344CB8AC3E}">
-        <p14:creationId xmlns:p14="http://schemas.microsoft.com/office/powerpoint/2010/main" val="2738960413"/>
+        <p14:creationId xmlns:p14="http://schemas.microsoft.com/office/powerpoint/2010/main" val="3238867921"/>
       </p:ext>
     </p:extLst>
   </p:cSld>

--- a/Slides/Sports Analytics 3/Sports_Analytics_3_Lecture.pptx
+++ b/Slides/Sports Analytics 3/Sports_Analytics_3_Lecture.pptx
@@ -214,7 +214,7 @@
           <a:p>
             <a:fld id="{C04E5E84-956F-4423-97B3-5936A6D8EEEE}" type="datetimeFigureOut">
               <a:rPr lang="en-US" smtClean="0"/>
-              <a:t>8/24/2021</a:t>
+              <a:t>1/11/2023</a:t>
             </a:fld>
             <a:endParaRPr lang="en-US"/>
           </a:p>
@@ -628,7 +628,7 @@
           <a:p>
             <a:fld id="{3881C039-66A3-4640-815B-3B5A8B7D868D}" type="datetimeFigureOut">
               <a:rPr lang="en-US" smtClean="0"/>
-              <a:t>8/24/2021</a:t>
+              <a:t>1/11/2023</a:t>
             </a:fld>
             <a:endParaRPr lang="en-US"/>
           </a:p>
@@ -826,7 +826,7 @@
           <a:p>
             <a:fld id="{3881C039-66A3-4640-815B-3B5A8B7D868D}" type="datetimeFigureOut">
               <a:rPr lang="en-US" smtClean="0"/>
-              <a:t>8/24/2021</a:t>
+              <a:t>1/11/2023</a:t>
             </a:fld>
             <a:endParaRPr lang="en-US"/>
           </a:p>
@@ -1034,7 +1034,7 @@
           <a:p>
             <a:fld id="{3881C039-66A3-4640-815B-3B5A8B7D868D}" type="datetimeFigureOut">
               <a:rPr lang="en-US" smtClean="0"/>
-              <a:t>8/24/2021</a:t>
+              <a:t>1/11/2023</a:t>
             </a:fld>
             <a:endParaRPr lang="en-US"/>
           </a:p>
@@ -1232,7 +1232,7 @@
           <a:p>
             <a:fld id="{3881C039-66A3-4640-815B-3B5A8B7D868D}" type="datetimeFigureOut">
               <a:rPr lang="en-US" smtClean="0"/>
-              <a:t>8/24/2021</a:t>
+              <a:t>1/11/2023</a:t>
             </a:fld>
             <a:endParaRPr lang="en-US"/>
           </a:p>
@@ -1507,7 +1507,7 @@
           <a:p>
             <a:fld id="{3881C039-66A3-4640-815B-3B5A8B7D868D}" type="datetimeFigureOut">
               <a:rPr lang="en-US" smtClean="0"/>
-              <a:t>8/24/2021</a:t>
+              <a:t>1/11/2023</a:t>
             </a:fld>
             <a:endParaRPr lang="en-US"/>
           </a:p>
@@ -1772,7 +1772,7 @@
           <a:p>
             <a:fld id="{3881C039-66A3-4640-815B-3B5A8B7D868D}" type="datetimeFigureOut">
               <a:rPr lang="en-US" smtClean="0"/>
-              <a:t>8/24/2021</a:t>
+              <a:t>1/11/2023</a:t>
             </a:fld>
             <a:endParaRPr lang="en-US"/>
           </a:p>
@@ -2184,7 +2184,7 @@
           <a:p>
             <a:fld id="{3881C039-66A3-4640-815B-3B5A8B7D868D}" type="datetimeFigureOut">
               <a:rPr lang="en-US" smtClean="0"/>
-              <a:t>8/24/2021</a:t>
+              <a:t>1/11/2023</a:t>
             </a:fld>
             <a:endParaRPr lang="en-US"/>
           </a:p>
@@ -2325,7 +2325,7 @@
           <a:p>
             <a:fld id="{3881C039-66A3-4640-815B-3B5A8B7D868D}" type="datetimeFigureOut">
               <a:rPr lang="en-US" smtClean="0"/>
-              <a:t>8/24/2021</a:t>
+              <a:t>1/11/2023</a:t>
             </a:fld>
             <a:endParaRPr lang="en-US"/>
           </a:p>
@@ -2438,7 +2438,7 @@
           <a:p>
             <a:fld id="{3881C039-66A3-4640-815B-3B5A8B7D868D}" type="datetimeFigureOut">
               <a:rPr lang="en-US" smtClean="0"/>
-              <a:t>8/24/2021</a:t>
+              <a:t>1/11/2023</a:t>
             </a:fld>
             <a:endParaRPr lang="en-US"/>
           </a:p>
@@ -2749,7 +2749,7 @@
           <a:p>
             <a:fld id="{3881C039-66A3-4640-815B-3B5A8B7D868D}" type="datetimeFigureOut">
               <a:rPr lang="en-US" smtClean="0"/>
-              <a:t>8/24/2021</a:t>
+              <a:t>1/11/2023</a:t>
             </a:fld>
             <a:endParaRPr lang="en-US"/>
           </a:p>
@@ -3037,7 +3037,7 @@
           <a:p>
             <a:fld id="{3881C039-66A3-4640-815B-3B5A8B7D868D}" type="datetimeFigureOut">
               <a:rPr lang="en-US" smtClean="0"/>
-              <a:t>8/24/2021</a:t>
+              <a:t>1/11/2023</a:t>
             </a:fld>
             <a:endParaRPr lang="en-US"/>
           </a:p>
@@ -3281,7 +3281,7 @@
           <a:p>
             <a:fld id="{3881C039-66A3-4640-815B-3B5A8B7D868D}" type="datetimeFigureOut">
               <a:rPr lang="en-US" smtClean="0"/>
-              <a:t>8/24/2021</a:t>
+              <a:t>1/11/2023</a:t>
             </a:fld>
             <a:endParaRPr lang="en-US"/>
           </a:p>
@@ -12910,7 +12910,7 @@
               <a:rPr lang="en-US" sz="2000" dirty="0">
                 <a:latin typeface="Selawik Semibold" panose="020B0702040204020203" pitchFamily="34" charset="0"/>
               </a:rPr>
-              <a:t>Global Sports Analytics Market in 2020 = $2.2B</a:t>
+              <a:t>Global Sports Analytics Market in 2021 = $1.79B</a:t>
             </a:r>
           </a:p>
           <a:p>
@@ -12919,7 +12919,7 @@
               <a:rPr lang="en-US" sz="2000" dirty="0">
                 <a:latin typeface="Selawik Semibold" panose="020B0702040204020203" pitchFamily="34" charset="0"/>
               </a:rPr>
-              <a:t>Expected CAGR between 2020 and 2028 is 21.8%</a:t>
+              <a:t>Expected CAGR between 2021 and 2028 is 28.1%</a:t>
             </a:r>
           </a:p>
           <a:p>
@@ -12928,7 +12928,7 @@
               <a:rPr lang="en-US" sz="2000" dirty="0">
                 <a:latin typeface="Selawik Semibold" panose="020B0702040204020203" pitchFamily="34" charset="0"/>
               </a:rPr>
-              <a:t>Projection in 2028</a:t>
+              <a:t>Projection in 2029</a:t>
             </a:r>
           </a:p>
           <a:p>
@@ -13368,7 +13368,7 @@
               <a:rPr lang="en-US" sz="2800" dirty="0">
                 <a:latin typeface="Selawik Semibold" panose="020B0702040204020203" pitchFamily="34" charset="0"/>
               </a:rPr>
-              <a:t>$2.20B</a:t>
+              <a:t>$1.79B</a:t>
             </a:r>
           </a:p>
         </p:txBody>
@@ -13490,7 +13490,7 @@
               <a:rPr lang="en-US" sz="4400" dirty="0">
                 <a:latin typeface="Selawik Semibold" panose="020B0702040204020203" pitchFamily="34" charset="0"/>
               </a:rPr>
-              <a:t>$10.66B</a:t>
+              <a:t>$12.6B</a:t>
             </a:r>
           </a:p>
         </p:txBody>
@@ -13525,7 +13525,15 @@
           <a:p>
             <a:r>
               <a:rPr lang="en-US" dirty="0"/>
-              <a:t>Projections in 2028 According to MarketWatch.com</a:t>
+              <a:t>Projections </a:t>
+            </a:r>
+            <a:r>
+              <a:rPr lang="en-US"/>
+              <a:t>in 2029 </a:t>
+            </a:r>
+            <a:r>
+              <a:rPr lang="en-US" dirty="0"/>
+              <a:t>According to MarketWatch.com</a:t>
             </a:r>
           </a:p>
         </p:txBody>
@@ -13689,7 +13697,7 @@
           <a:p>
             <a:r>
               <a:rPr lang="en-US" dirty="0"/>
-              <a:t>2020</a:t>
+              <a:t>2021</a:t>
             </a:r>
           </a:p>
         </p:txBody>
@@ -13724,7 +13732,7 @@
           <a:p>
             <a:r>
               <a:rPr lang="en-US" dirty="0"/>
-              <a:t>2028</a:t>
+              <a:t>2029</a:t>
             </a:r>
           </a:p>
         </p:txBody>
@@ -13783,7 +13791,7 @@
                       <a:rPr lang="en-US" b="0" i="1" smtClean="0">
                         <a:latin typeface="Cambria Math" panose="02040503050406030204" pitchFamily="18" charset="0"/>
                       </a:rPr>
-                      <m:t> 2020=2.2∗(1+</m:t>
+                      <m:t> 2021=1.79∗(1+</m:t>
                     </m:r>
                     <m:r>
                       <a:rPr lang="en-US" b="0" i="1" smtClean="0">
@@ -13801,7 +13809,7 @@
                 </a14:m>
                 <a:r>
                   <a:rPr lang="en-US" dirty="0"/>
-                  <a:t>8 =10.66</a:t>
+                  <a:t>8 =12.66</a:t>
                 </a:r>
               </a:p>
             </p:txBody>
@@ -13833,7 +13841,7 @@
               <a:blipFill>
                 <a:blip r:embed="rId4"/>
                 <a:stretch>
-                  <a:fillRect l="-354" t="-8197" b="-24590"/>
+                  <a:fillRect l="-354" t="-8197" r="-472" b="-24590"/>
                 </a:stretch>
               </a:blipFill>
             </p:spPr>

--- a/Slides/Sports Analytics 3/Sports_Analytics_3_Lecture.pptx
+++ b/Slides/Sports Analytics 3/Sports_Analytics_3_Lecture.pptx
@@ -5,7 +5,7 @@
     <p:sldMasterId id="2147483648" r:id="rId1"/>
   </p:sldMasterIdLst>
   <p:notesMasterIdLst>
-    <p:notesMasterId r:id="rId20"/>
+    <p:notesMasterId r:id="rId22"/>
   </p:notesMasterIdLst>
   <p:sldIdLst>
     <p:sldId id="256" r:id="rId2"/>
@@ -16,16 +16,18 @@
     <p:sldId id="284" r:id="rId7"/>
     <p:sldId id="257" r:id="rId8"/>
     <p:sldId id="285" r:id="rId9"/>
-    <p:sldId id="301" r:id="rId10"/>
-    <p:sldId id="286" r:id="rId11"/>
-    <p:sldId id="287" r:id="rId12"/>
-    <p:sldId id="290" r:id="rId13"/>
-    <p:sldId id="289" r:id="rId14"/>
-    <p:sldId id="302" r:id="rId15"/>
-    <p:sldId id="303" r:id="rId16"/>
-    <p:sldId id="304" r:id="rId17"/>
-    <p:sldId id="296" r:id="rId18"/>
-    <p:sldId id="281" r:id="rId19"/>
+    <p:sldId id="305" r:id="rId10"/>
+    <p:sldId id="301" r:id="rId11"/>
+    <p:sldId id="286" r:id="rId12"/>
+    <p:sldId id="287" r:id="rId13"/>
+    <p:sldId id="290" r:id="rId14"/>
+    <p:sldId id="289" r:id="rId15"/>
+    <p:sldId id="302" r:id="rId16"/>
+    <p:sldId id="303" r:id="rId17"/>
+    <p:sldId id="304" r:id="rId18"/>
+    <p:sldId id="306" r:id="rId19"/>
+    <p:sldId id="296" r:id="rId20"/>
+    <p:sldId id="281" r:id="rId21"/>
   </p:sldIdLst>
   <p:sldSz cx="12192000" cy="6858000"/>
   <p:notesSz cx="6858000" cy="9144000"/>
@@ -214,7 +216,7 @@
           <a:p>
             <a:fld id="{C04E5E84-956F-4423-97B3-5936A6D8EEEE}" type="datetimeFigureOut">
               <a:rPr lang="en-US" smtClean="0"/>
-              <a:t>1/11/2023</a:t>
+              <a:t>1/15/2023</a:t>
             </a:fld>
             <a:endParaRPr lang="en-US"/>
           </a:p>
@@ -628,7 +630,7 @@
           <a:p>
             <a:fld id="{3881C039-66A3-4640-815B-3B5A8B7D868D}" type="datetimeFigureOut">
               <a:rPr lang="en-US" smtClean="0"/>
-              <a:t>1/11/2023</a:t>
+              <a:t>1/15/2023</a:t>
             </a:fld>
             <a:endParaRPr lang="en-US"/>
           </a:p>
@@ -826,7 +828,7 @@
           <a:p>
             <a:fld id="{3881C039-66A3-4640-815B-3B5A8B7D868D}" type="datetimeFigureOut">
               <a:rPr lang="en-US" smtClean="0"/>
-              <a:t>1/11/2023</a:t>
+              <a:t>1/15/2023</a:t>
             </a:fld>
             <a:endParaRPr lang="en-US"/>
           </a:p>
@@ -1034,7 +1036,7 @@
           <a:p>
             <a:fld id="{3881C039-66A3-4640-815B-3B5A8B7D868D}" type="datetimeFigureOut">
               <a:rPr lang="en-US" smtClean="0"/>
-              <a:t>1/11/2023</a:t>
+              <a:t>1/15/2023</a:t>
             </a:fld>
             <a:endParaRPr lang="en-US"/>
           </a:p>
@@ -1232,7 +1234,7 @@
           <a:p>
             <a:fld id="{3881C039-66A3-4640-815B-3B5A8B7D868D}" type="datetimeFigureOut">
               <a:rPr lang="en-US" smtClean="0"/>
-              <a:t>1/11/2023</a:t>
+              <a:t>1/15/2023</a:t>
             </a:fld>
             <a:endParaRPr lang="en-US"/>
           </a:p>
@@ -1507,7 +1509,7 @@
           <a:p>
             <a:fld id="{3881C039-66A3-4640-815B-3B5A8B7D868D}" type="datetimeFigureOut">
               <a:rPr lang="en-US" smtClean="0"/>
-              <a:t>1/11/2023</a:t>
+              <a:t>1/15/2023</a:t>
             </a:fld>
             <a:endParaRPr lang="en-US"/>
           </a:p>
@@ -1772,7 +1774,7 @@
           <a:p>
             <a:fld id="{3881C039-66A3-4640-815B-3B5A8B7D868D}" type="datetimeFigureOut">
               <a:rPr lang="en-US" smtClean="0"/>
-              <a:t>1/11/2023</a:t>
+              <a:t>1/15/2023</a:t>
             </a:fld>
             <a:endParaRPr lang="en-US"/>
           </a:p>
@@ -2184,7 +2186,7 @@
           <a:p>
             <a:fld id="{3881C039-66A3-4640-815B-3B5A8B7D868D}" type="datetimeFigureOut">
               <a:rPr lang="en-US" smtClean="0"/>
-              <a:t>1/11/2023</a:t>
+              <a:t>1/15/2023</a:t>
             </a:fld>
             <a:endParaRPr lang="en-US"/>
           </a:p>
@@ -2325,7 +2327,7 @@
           <a:p>
             <a:fld id="{3881C039-66A3-4640-815B-3B5A8B7D868D}" type="datetimeFigureOut">
               <a:rPr lang="en-US" smtClean="0"/>
-              <a:t>1/11/2023</a:t>
+              <a:t>1/15/2023</a:t>
             </a:fld>
             <a:endParaRPr lang="en-US"/>
           </a:p>
@@ -2438,7 +2440,7 @@
           <a:p>
             <a:fld id="{3881C039-66A3-4640-815B-3B5A8B7D868D}" type="datetimeFigureOut">
               <a:rPr lang="en-US" smtClean="0"/>
-              <a:t>1/11/2023</a:t>
+              <a:t>1/15/2023</a:t>
             </a:fld>
             <a:endParaRPr lang="en-US"/>
           </a:p>
@@ -2749,7 +2751,7 @@
           <a:p>
             <a:fld id="{3881C039-66A3-4640-815B-3B5A8B7D868D}" type="datetimeFigureOut">
               <a:rPr lang="en-US" smtClean="0"/>
-              <a:t>1/11/2023</a:t>
+              <a:t>1/15/2023</a:t>
             </a:fld>
             <a:endParaRPr lang="en-US"/>
           </a:p>
@@ -3037,7 +3039,7 @@
           <a:p>
             <a:fld id="{3881C039-66A3-4640-815B-3B5A8B7D868D}" type="datetimeFigureOut">
               <a:rPr lang="en-US" smtClean="0"/>
-              <a:t>1/11/2023</a:t>
+              <a:t>1/15/2023</a:t>
             </a:fld>
             <a:endParaRPr lang="en-US"/>
           </a:p>
@@ -3281,7 +3283,7 @@
           <a:p>
             <a:fld id="{3881C039-66A3-4640-815B-3B5A8B7D868D}" type="datetimeFigureOut">
               <a:rPr lang="en-US" smtClean="0"/>
-              <a:t>1/11/2023</a:t>
+              <a:t>1/15/2023</a:t>
             </a:fld>
             <a:endParaRPr lang="en-US"/>
           </a:p>
@@ -4054,8 +4056,55 @@
             </a:r>
           </a:p>
           <a:p>
+            <a:pPr marL="457200" lvl="1" indent="0">
+              <a:buNone/>
+            </a:pPr>
+            <a:r>
+              <a:rPr lang="en-US" sz="2000" dirty="0">
+                <a:latin typeface="Selawik Semibold" panose="020B0702040204020203" pitchFamily="34" charset="0"/>
+              </a:rPr>
+              <a:t> </a:t>
+            </a:r>
+          </a:p>
+          <a:p>
             <a:pPr lvl="1"/>
-            <a:endParaRPr lang="en-US" sz="2000" dirty="0">
+            <a:r>
+              <a:rPr lang="en-US" sz="2000" dirty="0">
+                <a:latin typeface="Selawik Semibold" panose="020B0702040204020203" pitchFamily="34" charset="0"/>
+              </a:rPr>
+              <a:t>Helping the Team Win</a:t>
+            </a:r>
+          </a:p>
+          <a:p>
+            <a:pPr lvl="2"/>
+            <a:r>
+              <a:rPr lang="en-US" sz="1800" dirty="0">
+                <a:latin typeface="Selawik Semibold" panose="020B0702040204020203" pitchFamily="34" charset="0"/>
+              </a:rPr>
+              <a:t>Automated Video Analysis (Lincoln City, UK Football)</a:t>
+            </a:r>
+          </a:p>
+          <a:p>
+            <a:pPr lvl="2"/>
+            <a:r>
+              <a:rPr lang="en-US" sz="1800" dirty="0">
+                <a:latin typeface="Selawik Semibold" panose="020B0702040204020203" pitchFamily="34" charset="0"/>
+              </a:rPr>
+              <a:t>3D Depth Camera (NBA)</a:t>
+            </a:r>
+          </a:p>
+          <a:p>
+            <a:pPr lvl="2"/>
+            <a:r>
+              <a:rPr lang="en-US" sz="1800" dirty="0">
+                <a:latin typeface="Selawik Semibold" panose="020B0702040204020203" pitchFamily="34" charset="0"/>
+              </a:rPr>
+              <a:t>Wearable Technology (NBA, NHL)</a:t>
+            </a:r>
+          </a:p>
+          <a:p>
+            <a:pPr lvl="1"/>
+            <a:endParaRPr lang="en-US" sz="2200" dirty="0">
               <a:latin typeface="Selawik Semibold" panose="020B0702040204020203" pitchFamily="34" charset="0"/>
             </a:endParaRPr>
           </a:p>
@@ -4065,7 +4114,7 @@
               <a:rPr lang="en-US" sz="2000" dirty="0">
                 <a:latin typeface="Selawik Semibold" panose="020B0702040204020203" pitchFamily="34" charset="0"/>
               </a:rPr>
-              <a:t>Benefiting Other Stakeholders</a:t>
+              <a:t>Improving the Fan Experience</a:t>
             </a:r>
           </a:p>
           <a:p>
@@ -4074,7 +4123,7 @@
               <a:rPr lang="en-US" sz="1800" dirty="0">
                 <a:latin typeface="Selawik Semibold" panose="020B0702040204020203" pitchFamily="34" charset="0"/>
               </a:rPr>
-              <a:t>Tracking Fan Behavior Outside the Stadium</a:t>
+              <a:t>Analysis of Digital Engagement</a:t>
             </a:r>
           </a:p>
           <a:p>
@@ -4083,7 +4132,7 @@
               <a:rPr lang="en-US" sz="1800" dirty="0">
                 <a:latin typeface="Selawik Semibold" panose="020B0702040204020203" pitchFamily="34" charset="0"/>
               </a:rPr>
-              <a:t>Telecommunication, Retailers, Payment Providers, Ticket Agencies, and Sponsorships</a:t>
+              <a:t>Sentiment in Social Media</a:t>
             </a:r>
           </a:p>
           <a:p>
@@ -4092,84 +4141,32 @@
               <a:rPr lang="en-US" sz="1800" dirty="0">
                 <a:latin typeface="Selawik Semibold" panose="020B0702040204020203" pitchFamily="34" charset="0"/>
               </a:rPr>
-              <a:t>Adapt to Quick Changes in Consumer Behavior</a:t>
+              <a:t>Analysis of Fan Behavior in Stadium (New England Patriots)</a:t>
             </a:r>
           </a:p>
           <a:p>
             <a:pPr lvl="2"/>
+            <a:r>
+              <a:rPr lang="en-US" sz="1800" dirty="0">
+                <a:latin typeface="Selawik Semibold" panose="020B0702040204020203" pitchFamily="34" charset="0"/>
+              </a:rPr>
+              <a:t>Wireless Internet and Phone Apps</a:t>
+            </a:r>
+          </a:p>
+          <a:p>
+            <a:pPr lvl="2"/>
+            <a:r>
+              <a:rPr lang="en-US" sz="1800" dirty="0">
+                <a:latin typeface="Selawik Semibold" panose="020B0702040204020203" pitchFamily="34" charset="0"/>
+              </a:rPr>
+              <a:t>Apps Supply Game Analytics, Parking Information, Promotions, and Traffic Information to the Fans (NFL)</a:t>
+            </a:r>
+          </a:p>
+          <a:p>
+            <a:pPr marL="914400" lvl="2" indent="0">
+              <a:buNone/>
+            </a:pPr>
             <a:endParaRPr lang="en-US" sz="1800" dirty="0">
-              <a:latin typeface="Selawik Semibold" panose="020B0702040204020203" pitchFamily="34" charset="0"/>
-            </a:endParaRPr>
-          </a:p>
-          <a:p>
-            <a:pPr lvl="1"/>
-            <a:r>
-              <a:rPr lang="en-US" sz="2000" dirty="0">
-                <a:latin typeface="Selawik Semibold" panose="020B0702040204020203" pitchFamily="34" charset="0"/>
-              </a:rPr>
-              <a:t>Optimizing the Back-Office</a:t>
-            </a:r>
-          </a:p>
-          <a:p>
-            <a:pPr lvl="2"/>
-            <a:r>
-              <a:rPr lang="en-US" sz="1600" dirty="0">
-                <a:latin typeface="Selawik Semibold" panose="020B0702040204020203" pitchFamily="34" charset="0"/>
-              </a:rPr>
-              <a:t>HR Practices</a:t>
-            </a:r>
-          </a:p>
-          <a:p>
-            <a:pPr lvl="2"/>
-            <a:r>
-              <a:rPr lang="en-US" sz="1600" dirty="0">
-                <a:latin typeface="Selawik Semibold" panose="020B0702040204020203" pitchFamily="34" charset="0"/>
-              </a:rPr>
-              <a:t>Game Scheduling</a:t>
-            </a:r>
-          </a:p>
-          <a:p>
-            <a:pPr lvl="2"/>
-            <a:r>
-              <a:rPr lang="en-US" sz="1600" dirty="0">
-                <a:latin typeface="Selawik Semibold" panose="020B0702040204020203" pitchFamily="34" charset="0"/>
-              </a:rPr>
-              <a:t>Supply Chain Management and Logistics</a:t>
-            </a:r>
-          </a:p>
-          <a:p>
-            <a:pPr lvl="2"/>
-            <a:r>
-              <a:rPr lang="en-US" sz="1600" dirty="0">
-                <a:latin typeface="Selawik Semibold" panose="020B0702040204020203" pitchFamily="34" charset="0"/>
-              </a:rPr>
-              <a:t>Marketing and Promotions</a:t>
-            </a:r>
-          </a:p>
-          <a:p>
-            <a:pPr lvl="2"/>
-            <a:r>
-              <a:rPr lang="en-US" sz="1600" dirty="0">
-                <a:latin typeface="Selawik Semibold" panose="020B0702040204020203" pitchFamily="34" charset="0"/>
-              </a:rPr>
-              <a:t>Procurement of Goods and Services</a:t>
-            </a:r>
-          </a:p>
-          <a:p>
-            <a:pPr lvl="2"/>
-            <a:endParaRPr lang="en-US" sz="1600" dirty="0">
-              <a:latin typeface="Selawik Semibold" panose="020B0702040204020203" pitchFamily="34" charset="0"/>
-            </a:endParaRPr>
-          </a:p>
-          <a:p>
-            <a:pPr lvl="2"/>
-            <a:endParaRPr lang="en-US" sz="1800" dirty="0">
-              <a:latin typeface="Selawik Semibold" panose="020B0702040204020203" pitchFamily="34" charset="0"/>
-            </a:endParaRPr>
-          </a:p>
-          <a:p>
-            <a:pPr lvl="1"/>
-            <a:endParaRPr lang="en-US" sz="2200" dirty="0">
               <a:latin typeface="Selawik Semibold" panose="020B0702040204020203" pitchFamily="34" charset="0"/>
             </a:endParaRPr>
           </a:p>
@@ -4518,7 +4515,7 @@
     </p:spTree>
     <p:extLst>
       <p:ext uri="{BB962C8B-B14F-4D97-AF65-F5344CB8AC3E}">
-        <p14:creationId xmlns:p14="http://schemas.microsoft.com/office/powerpoint/2010/main" val="2738960413"/>
+        <p14:creationId xmlns:p14="http://schemas.microsoft.com/office/powerpoint/2010/main" val="3238867921"/>
       </p:ext>
     </p:extLst>
   </p:cSld>
@@ -4672,7 +4669,7 @@
         <p:spPr>
           <a:xfrm>
             <a:off x="838199" y="2021248"/>
-            <a:ext cx="7653668" cy="4695905"/>
+            <a:ext cx="7653667" cy="4695905"/>
           </a:xfrm>
         </p:spPr>
         <p:txBody>
@@ -4690,7 +4687,7 @@
           </a:p>
           <a:p>
             <a:pPr lvl="1"/>
-            <a:endParaRPr lang="en-US" sz="2000" b="1" dirty="0">
+            <a:endParaRPr lang="en-US" sz="2000" dirty="0">
               <a:latin typeface="Selawik Semibold" panose="020B0702040204020203" pitchFamily="34" charset="0"/>
             </a:endParaRPr>
           </a:p>
@@ -4700,7 +4697,7 @@
               <a:rPr lang="en-US" sz="2000" dirty="0">
                 <a:latin typeface="Selawik Semibold" panose="020B0702040204020203" pitchFamily="34" charset="0"/>
               </a:rPr>
-              <a:t>Advancing Sports Gambling</a:t>
+              <a:t>Benefiting Other Stakeholders</a:t>
             </a:r>
           </a:p>
           <a:p>
@@ -4709,19 +4706,16 @@
               <a:rPr lang="en-US" sz="1800" dirty="0">
                 <a:latin typeface="Selawik Semibold" panose="020B0702040204020203" pitchFamily="34" charset="0"/>
               </a:rPr>
-              <a:t>Supreme Court Ruling Previous Statute Violated 10</a:t>
-            </a:r>
-            <a:r>
-              <a:rPr lang="en-US" sz="1800" baseline="30000" dirty="0">
-                <a:latin typeface="Selawik Semibold" panose="020B0702040204020203" pitchFamily="34" charset="0"/>
-              </a:rPr>
-              <a:t>th</a:t>
-            </a:r>
+              <a:t>Tracking Fan Behavior Outside the Stadium</a:t>
+            </a:r>
+          </a:p>
+          <a:p>
+            <a:pPr lvl="2"/>
             <a:r>
               <a:rPr lang="en-US" sz="1800" dirty="0">
                 <a:latin typeface="Selawik Semibold" panose="020B0702040204020203" pitchFamily="34" charset="0"/>
               </a:rPr>
-              <a:t> Amendment (Murphy v. National Collegiate Athletic Association)</a:t>
+              <a:t>Telecommunication, Retailers, Payment Providers, Ticket Agencies, and Sponsorships</a:t>
             </a:r>
           </a:p>
           <a:p>
@@ -4730,57 +4724,72 @@
               <a:rPr lang="en-US" sz="1800" dirty="0">
                 <a:latin typeface="Selawik Semibold" panose="020B0702040204020203" pitchFamily="34" charset="0"/>
               </a:rPr>
-              <a:t>States Free to Legislate Gambling</a:t>
-            </a:r>
-          </a:p>
-          <a:p>
-            <a:pPr lvl="2"/>
-            <a:r>
-              <a:rPr lang="en-US" sz="1800" dirty="0">
-                <a:latin typeface="Selawik Semibold" panose="020B0702040204020203" pitchFamily="34" charset="0"/>
-              </a:rPr>
-              <a:t>Improvement of Gambling Products</a:t>
-            </a:r>
-          </a:p>
-          <a:p>
-            <a:pPr lvl="2"/>
-            <a:r>
-              <a:rPr lang="en-US" sz="1800" dirty="0">
-                <a:latin typeface="Selawik Semibold" panose="020B0702040204020203" pitchFamily="34" charset="0"/>
-              </a:rPr>
-              <a:t>Data Aggregation and Visualization for Bettors </a:t>
-            </a:r>
-          </a:p>
-          <a:p>
-            <a:pPr lvl="2"/>
-            <a:r>
-              <a:rPr lang="en-US" sz="1800" dirty="0">
-                <a:latin typeface="Selawik Semibold" panose="020B0702040204020203" pitchFamily="34" charset="0"/>
-              </a:rPr>
-              <a:t>Develop Daily Fantasy Sports</a:t>
-            </a:r>
-          </a:p>
-          <a:p>
-            <a:pPr lvl="2"/>
-            <a:r>
-              <a:rPr lang="en-US" sz="1800" dirty="0">
-                <a:latin typeface="Selawik Semibold" panose="020B0702040204020203" pitchFamily="34" charset="0"/>
-              </a:rPr>
-              <a:t>Global Market worth $203B in 2020 (Statista.com)</a:t>
-            </a:r>
-          </a:p>
-          <a:p>
-            <a:pPr lvl="2"/>
-            <a:r>
-              <a:rPr lang="en-US" sz="1800" dirty="0">
-                <a:latin typeface="Selawik Semibold" panose="020B0702040204020203" pitchFamily="34" charset="0"/>
-              </a:rPr>
-              <a:t>US Revenue  Forecasted to reach $2.5B in 2021 (Statista.com)</a:t>
+              <a:t>Adapt to Quick Changes in Consumer Behavior</a:t>
             </a:r>
           </a:p>
           <a:p>
             <a:pPr lvl="2"/>
             <a:endParaRPr lang="en-US" sz="1800" dirty="0">
+              <a:latin typeface="Selawik Semibold" panose="020B0702040204020203" pitchFamily="34" charset="0"/>
+            </a:endParaRPr>
+          </a:p>
+          <a:p>
+            <a:pPr lvl="1"/>
+            <a:r>
+              <a:rPr lang="en-US" sz="2000" dirty="0">
+                <a:latin typeface="Selawik Semibold" panose="020B0702040204020203" pitchFamily="34" charset="0"/>
+              </a:rPr>
+              <a:t>Optimizing the Back-Office</a:t>
+            </a:r>
+          </a:p>
+          <a:p>
+            <a:pPr lvl="2"/>
+            <a:r>
+              <a:rPr lang="en-US" sz="1600" dirty="0">
+                <a:latin typeface="Selawik Semibold" panose="020B0702040204020203" pitchFamily="34" charset="0"/>
+              </a:rPr>
+              <a:t>HR Practices</a:t>
+            </a:r>
+          </a:p>
+          <a:p>
+            <a:pPr lvl="2"/>
+            <a:r>
+              <a:rPr lang="en-US" sz="1600" dirty="0">
+                <a:latin typeface="Selawik Semibold" panose="020B0702040204020203" pitchFamily="34" charset="0"/>
+              </a:rPr>
+              <a:t>Game Scheduling</a:t>
+            </a:r>
+          </a:p>
+          <a:p>
+            <a:pPr lvl="2"/>
+            <a:r>
+              <a:rPr lang="en-US" sz="1600" dirty="0">
+                <a:latin typeface="Selawik Semibold" panose="020B0702040204020203" pitchFamily="34" charset="0"/>
+              </a:rPr>
+              <a:t>Supply Chain Management and Logistics</a:t>
+            </a:r>
+          </a:p>
+          <a:p>
+            <a:pPr lvl="2"/>
+            <a:r>
+              <a:rPr lang="en-US" sz="1600" dirty="0">
+                <a:latin typeface="Selawik Semibold" panose="020B0702040204020203" pitchFamily="34" charset="0"/>
+              </a:rPr>
+              <a:t>Marketing and Promotions</a:t>
+            </a:r>
+          </a:p>
+          <a:p>
+            <a:pPr lvl="2"/>
+            <a:r>
+              <a:rPr lang="en-US" sz="1600" dirty="0">
+                <a:latin typeface="Selawik Semibold" panose="020B0702040204020203" pitchFamily="34" charset="0"/>
+              </a:rPr>
+              <a:t>Procurement of Goods and Services</a:t>
+            </a:r>
+          </a:p>
+          <a:p>
+            <a:pPr lvl="2"/>
+            <a:endParaRPr lang="en-US" sz="1600" dirty="0">
               <a:latin typeface="Selawik Semibold" panose="020B0702040204020203" pitchFamily="34" charset="0"/>
             </a:endParaRPr>
           </a:p>
@@ -5141,7 +5150,7 @@
     </p:spTree>
     <p:extLst>
       <p:ext uri="{BB962C8B-B14F-4D97-AF65-F5344CB8AC3E}">
-        <p14:creationId xmlns:p14="http://schemas.microsoft.com/office/powerpoint/2010/main" val="328255060"/>
+        <p14:creationId xmlns:p14="http://schemas.microsoft.com/office/powerpoint/2010/main" val="2738960413"/>
       </p:ext>
     </p:extLst>
   </p:cSld>
@@ -5271,7 +5280,7 @@
               <a:rPr lang="en-US" b="1" dirty="0">
                 <a:latin typeface="Selawik Semibold" panose="020B0604020202020204" pitchFamily="34" charset="0"/>
               </a:rPr>
-              <a:t>Your Industry Future</a:t>
+              <a:t>Industry Present</a:t>
             </a:r>
           </a:p>
         </p:txBody>
@@ -5295,12 +5304,12 @@
         <p:spPr>
           <a:xfrm>
             <a:off x="838199" y="2021248"/>
-            <a:ext cx="8107018" cy="4695905"/>
+            <a:ext cx="7653668" cy="4695905"/>
           </a:xfrm>
         </p:spPr>
         <p:txBody>
           <a:bodyPr>
-            <a:normAutofit lnSpcReduction="10000"/>
+            <a:normAutofit/>
           </a:bodyPr>
           <a:lstStyle/>
           <a:p>
@@ -5308,35 +5317,12 @@
               <a:rPr lang="en-US" sz="2400" dirty="0">
                 <a:latin typeface="Selawik Semibold" panose="020B0702040204020203" pitchFamily="34" charset="0"/>
               </a:rPr>
-              <a:t>Prerequisites by Howard Hamilton </a:t>
-            </a:r>
-          </a:p>
-          <a:p>
-            <a:pPr marL="0" indent="0">
-              <a:buNone/>
-            </a:pPr>
-            <a:r>
-              <a:rPr lang="en-US" sz="2400" dirty="0">
-                <a:latin typeface="Selawik Semibold" panose="020B0702040204020203" pitchFamily="34" charset="0"/>
-              </a:rPr>
-              <a:t>   (</a:t>
-            </a:r>
-            <a:r>
-              <a:rPr lang="en-US" sz="2400" dirty="0" err="1">
-                <a:latin typeface="Selawik Semibold" panose="020B0702040204020203" pitchFamily="34" charset="0"/>
-              </a:rPr>
-              <a:t>Soccermetrics</a:t>
-            </a:r>
-            <a:r>
-              <a:rPr lang="en-US" sz="2400" dirty="0">
-                <a:latin typeface="Selawik Semibold" panose="020B0702040204020203" pitchFamily="34" charset="0"/>
-              </a:rPr>
-              <a:t>)</a:t>
+              <a:t>Modern Applications of Sports Analytics</a:t>
             </a:r>
           </a:p>
           <a:p>
             <a:pPr lvl="1"/>
-            <a:endParaRPr lang="en-US" sz="2000" dirty="0">
+            <a:endParaRPr lang="en-US" sz="2000" b="1" dirty="0">
               <a:latin typeface="Selawik Semibold" panose="020B0702040204020203" pitchFamily="34" charset="0"/>
             </a:endParaRPr>
           </a:p>
@@ -5346,7 +5332,7 @@
               <a:rPr lang="en-US" sz="2000" dirty="0">
                 <a:latin typeface="Selawik Semibold" panose="020B0702040204020203" pitchFamily="34" charset="0"/>
               </a:rPr>
-              <a:t>Technical Skills</a:t>
+              <a:t>Advancing Sports Gambling</a:t>
             </a:r>
           </a:p>
           <a:p>
@@ -5355,7 +5341,19 @@
               <a:rPr lang="en-US" sz="1800" dirty="0">
                 <a:latin typeface="Selawik Semibold" panose="020B0702040204020203" pitchFamily="34" charset="0"/>
               </a:rPr>
-              <a:t>Mathematics (Linear Algebra/Probability Essential)</a:t>
+              <a:t>Supreme Court Ruling Previous Statute Violated 10</a:t>
+            </a:r>
+            <a:r>
+              <a:rPr lang="en-US" sz="1800" baseline="30000" dirty="0">
+                <a:latin typeface="Selawik Semibold" panose="020B0702040204020203" pitchFamily="34" charset="0"/>
+              </a:rPr>
+              <a:t>th</a:t>
+            </a:r>
+            <a:r>
+              <a:rPr lang="en-US" sz="1800" dirty="0">
+                <a:latin typeface="Selawik Semibold" panose="020B0702040204020203" pitchFamily="34" charset="0"/>
+              </a:rPr>
+              <a:t> Amendment (Murphy v. National Collegiate Athletic Association)</a:t>
             </a:r>
           </a:p>
           <a:p>
@@ -5364,7 +5362,7 @@
               <a:rPr lang="en-US" sz="1800" dirty="0">
                 <a:latin typeface="Selawik Semibold" panose="020B0702040204020203" pitchFamily="34" charset="0"/>
               </a:rPr>
-              <a:t>Statistics (Frequentist and Bayesian Perspectives)</a:t>
+              <a:t>States Free to Legislate Gambling</a:t>
             </a:r>
           </a:p>
           <a:p>
@@ -5373,7 +5371,7 @@
               <a:rPr lang="en-US" sz="1800" dirty="0">
                 <a:latin typeface="Selawik Semibold" panose="020B0702040204020203" pitchFamily="34" charset="0"/>
               </a:rPr>
-              <a:t>Machine Learning (Supervised and Unsupervised)</a:t>
+              <a:t>Improvement of Gambling Products</a:t>
             </a:r>
           </a:p>
           <a:p>
@@ -5382,7 +5380,7 @@
               <a:rPr lang="en-US" sz="1800" dirty="0">
                 <a:latin typeface="Selawik Semibold" panose="020B0702040204020203" pitchFamily="34" charset="0"/>
               </a:rPr>
-              <a:t>Programming (R/Python, Data Structures, OOP)</a:t>
+              <a:t>Data Aggregation and Visualization for Bettors </a:t>
             </a:r>
           </a:p>
           <a:p>
@@ -5391,7 +5389,7 @@
               <a:rPr lang="en-US" sz="1800" dirty="0">
                 <a:latin typeface="Selawik Semibold" panose="020B0702040204020203" pitchFamily="34" charset="0"/>
               </a:rPr>
-              <a:t>Databases</a:t>
+              <a:t>Develop Daily Fantasy Sports</a:t>
             </a:r>
           </a:p>
           <a:p>
@@ -5400,7 +5398,25 @@
               <a:rPr lang="en-US" sz="1800" dirty="0">
                 <a:latin typeface="Selawik Semibold" panose="020B0702040204020203" pitchFamily="34" charset="0"/>
               </a:rPr>
-              <a:t>Visualization</a:t>
+              <a:t>Business Research Company</a:t>
+            </a:r>
+          </a:p>
+          <a:p>
+            <a:pPr lvl="3"/>
+            <a:r>
+              <a:rPr lang="en-US" sz="1600" dirty="0">
+                <a:latin typeface="Selawik Semibold" panose="020B0702040204020203" pitchFamily="34" charset="0"/>
+              </a:rPr>
+              <a:t>Market grew from $96.84B to 104.78B in Last Year</a:t>
+            </a:r>
+          </a:p>
+          <a:p>
+            <a:pPr lvl="3"/>
+            <a:r>
+              <a:rPr lang="en-US" sz="1600" dirty="0">
+                <a:latin typeface="Selawik Semibold" panose="020B0702040204020203" pitchFamily="34" charset="0"/>
+              </a:rPr>
+              <a:t>Largest Market is Western Europe</a:t>
             </a:r>
           </a:p>
           <a:p>
@@ -5408,32 +5424,6 @@
             <a:endParaRPr lang="en-US" sz="1800" dirty="0">
               <a:latin typeface="Selawik Semibold" panose="020B0702040204020203" pitchFamily="34" charset="0"/>
             </a:endParaRPr>
-          </a:p>
-          <a:p>
-            <a:pPr lvl="1"/>
-            <a:r>
-              <a:rPr lang="en-US" sz="2000" dirty="0">
-                <a:latin typeface="Selawik Semibold" panose="020B0702040204020203" pitchFamily="34" charset="0"/>
-              </a:rPr>
-              <a:t>Socials Skills, Ethics, and the Law</a:t>
-            </a:r>
-          </a:p>
-          <a:p>
-            <a:pPr marL="457200" lvl="1" indent="0">
-              <a:buNone/>
-            </a:pPr>
-            <a:endParaRPr lang="en-US" sz="2000" dirty="0">
-              <a:latin typeface="Selawik Semibold" panose="020B0702040204020203" pitchFamily="34" charset="0"/>
-            </a:endParaRPr>
-          </a:p>
-          <a:p>
-            <a:pPr lvl="1"/>
-            <a:r>
-              <a:rPr lang="en-US" sz="2000" dirty="0">
-                <a:latin typeface="Selawik Semibold" panose="020B0702040204020203" pitchFamily="34" charset="0"/>
-              </a:rPr>
-              <a:t>Knowledgeable About All Aspects of the Sport</a:t>
-            </a:r>
           </a:p>
           <a:p>
             <a:pPr lvl="2"/>
@@ -5792,7 +5782,7 @@
     </p:spTree>
     <p:extLst>
       <p:ext uri="{BB962C8B-B14F-4D97-AF65-F5344CB8AC3E}">
-        <p14:creationId xmlns:p14="http://schemas.microsoft.com/office/powerpoint/2010/main" val="3511620189"/>
+        <p14:creationId xmlns:p14="http://schemas.microsoft.com/office/powerpoint/2010/main" val="328255060"/>
       </p:ext>
     </p:extLst>
   </p:cSld>
@@ -5951,7 +5941,7 @@
         </p:spPr>
         <p:txBody>
           <a:bodyPr>
-            <a:normAutofit/>
+            <a:normAutofit lnSpcReduction="10000"/>
           </a:bodyPr>
           <a:lstStyle/>
           <a:p>
@@ -5959,98 +5949,54 @@
               <a:rPr lang="en-US" sz="2400" dirty="0">
                 <a:latin typeface="Selawik Semibold" panose="020B0702040204020203" pitchFamily="34" charset="0"/>
               </a:rPr>
-              <a:t>Real Jobs (Indeed)</a:t>
+              <a:t>Prerequisites by Howard Hamilton </a:t>
             </a:r>
           </a:p>
           <a:p>
             <a:pPr marL="0" indent="0">
               <a:buNone/>
             </a:pPr>
-            <a:endParaRPr lang="en-US" sz="2400" dirty="0">
-              <a:latin typeface="Selawik Semibold" panose="020B0702040204020203" pitchFamily="34" charset="0"/>
-            </a:endParaRPr>
+            <a:r>
+              <a:rPr lang="en-US" sz="2400" dirty="0">
+                <a:latin typeface="Selawik Semibold" panose="020B0702040204020203" pitchFamily="34" charset="0"/>
+              </a:rPr>
+              <a:t>   (</a:t>
+            </a:r>
+            <a:r>
+              <a:rPr lang="en-US" sz="2400" dirty="0" err="1">
+                <a:latin typeface="Selawik Semibold" panose="020B0702040204020203" pitchFamily="34" charset="0"/>
+              </a:rPr>
+              <a:t>Soccermetrics</a:t>
+            </a:r>
+            <a:r>
+              <a:rPr lang="en-US" sz="2400" dirty="0">
+                <a:latin typeface="Selawik Semibold" panose="020B0702040204020203" pitchFamily="34" charset="0"/>
+              </a:rPr>
+              <a:t>)</a:t>
+            </a:r>
           </a:p>
           <a:p>
             <a:pPr lvl="1"/>
-            <a:r>
-              <a:rPr lang="en-US" sz="2000" dirty="0">
-                <a:latin typeface="Selawik Semibold" panose="020B0702040204020203" pitchFamily="34" charset="0"/>
-              </a:rPr>
-              <a:t>Manager, Fan Analytics for NHL</a:t>
-            </a:r>
-            <a:endParaRPr lang="en-US" sz="1600" dirty="0">
-              <a:latin typeface="Selawik Semibold" panose="020B0702040204020203" pitchFamily="34" charset="0"/>
-            </a:endParaRPr>
-          </a:p>
-          <a:p>
-            <a:pPr lvl="2"/>
-            <a:r>
-              <a:rPr lang="en-US" sz="1800" dirty="0">
-                <a:latin typeface="Selawik Semibold" panose="020B0702040204020203" pitchFamily="34" charset="0"/>
-              </a:rPr>
-              <a:t>Data Visualization (Tableau)</a:t>
-            </a:r>
-          </a:p>
-          <a:p>
-            <a:pPr lvl="2"/>
-            <a:r>
-              <a:rPr lang="en-US" sz="1800" dirty="0">
-                <a:latin typeface="Selawik Semibold" panose="020B0702040204020203" pitchFamily="34" charset="0"/>
-              </a:rPr>
-              <a:t>Understand Sports Industry Standard Metrics</a:t>
-            </a:r>
-          </a:p>
-          <a:p>
-            <a:pPr lvl="2"/>
-            <a:r>
-              <a:rPr lang="en-US" sz="1800" dirty="0">
-                <a:latin typeface="Selawik Semibold" panose="020B0702040204020203" pitchFamily="34" charset="0"/>
-              </a:rPr>
-              <a:t>Python, R, SQL, or SPSS</a:t>
-            </a:r>
-          </a:p>
-          <a:p>
-            <a:pPr lvl="2"/>
-            <a:r>
-              <a:rPr lang="en-US" sz="1800" dirty="0">
-                <a:latin typeface="Selawik Semibold" panose="020B0702040204020203" pitchFamily="34" charset="0"/>
-              </a:rPr>
-              <a:t>Expert in Excel</a:t>
-            </a:r>
-          </a:p>
-          <a:p>
-            <a:pPr marL="914400" lvl="2" indent="0">
-              <a:buNone/>
-            </a:pPr>
-            <a:endParaRPr lang="en-US" sz="1600" dirty="0">
-              <a:latin typeface="Selawik Semibold" panose="020B0702040204020203" pitchFamily="34" charset="0"/>
-            </a:endParaRPr>
-          </a:p>
-          <a:p>
-            <a:pPr lvl="1"/>
-            <a:r>
-              <a:rPr lang="en-US" sz="2000" dirty="0">
-                <a:latin typeface="Selawik Semibold" panose="020B0702040204020203" pitchFamily="34" charset="0"/>
-              </a:rPr>
-              <a:t>Business Intelligence Analyst for </a:t>
-            </a:r>
-            <a:r>
-              <a:rPr lang="en-US" sz="2000" dirty="0" err="1">
-                <a:latin typeface="Selawik Semibold" panose="020B0702040204020203" pitchFamily="34" charset="0"/>
-              </a:rPr>
-              <a:t>YinzCam</a:t>
-            </a:r>
             <a:endParaRPr lang="en-US" sz="2000" dirty="0">
               <a:latin typeface="Selawik Semibold" panose="020B0702040204020203" pitchFamily="34" charset="0"/>
             </a:endParaRPr>
           </a:p>
           <a:p>
+            <a:pPr lvl="1"/>
+            <a:r>
+              <a:rPr lang="en-US" sz="2000" dirty="0">
+                <a:latin typeface="Selawik Semibold" panose="020B0702040204020203" pitchFamily="34" charset="0"/>
+              </a:rPr>
+              <a:t>Technical Skills</a:t>
+            </a:r>
+          </a:p>
+          <a:p>
             <a:pPr lvl="2"/>
             <a:r>
               <a:rPr lang="en-US" sz="1800" dirty="0">
                 <a:latin typeface="Selawik Semibold" panose="020B0702040204020203" pitchFamily="34" charset="0"/>
               </a:rPr>
-              <a:t>Business Analytics in Sports</a:t>
+              <a:t>Mathematics (Linear Algebra/Probability Essential)</a:t>
             </a:r>
           </a:p>
           <a:p>
@@ -6059,7 +6005,7 @@
               <a:rPr lang="en-US" sz="1800" dirty="0">
                 <a:latin typeface="Selawik Semibold" panose="020B0702040204020203" pitchFamily="34" charset="0"/>
               </a:rPr>
-              <a:t>Databases, Machine Learning, Statistics, and Tableau</a:t>
+              <a:t>Statistics (Frequentist and Bayesian Perspectives)</a:t>
             </a:r>
           </a:p>
           <a:p>
@@ -6068,14 +6014,35 @@
               <a:rPr lang="en-US" sz="1800" dirty="0">
                 <a:latin typeface="Selawik Semibold" panose="020B0702040204020203" pitchFamily="34" charset="0"/>
               </a:rPr>
-              <a:t>Masters Degree + Many Years of Experience</a:t>
+              <a:t>Machine Learning (Supervised and Unsupervised)</a:t>
             </a:r>
           </a:p>
           <a:p>
             <a:pPr lvl="2"/>
-            <a:endParaRPr lang="en-US" sz="1400" dirty="0">
-              <a:latin typeface="Selawik Semibold" panose="020B0702040204020203" pitchFamily="34" charset="0"/>
-            </a:endParaRPr>
+            <a:r>
+              <a:rPr lang="en-US" sz="1800" dirty="0">
+                <a:latin typeface="Selawik Semibold" panose="020B0702040204020203" pitchFamily="34" charset="0"/>
+              </a:rPr>
+              <a:t>Programming (R/Python, Data Structures, OOP)</a:t>
+            </a:r>
+          </a:p>
+          <a:p>
+            <a:pPr lvl="2"/>
+            <a:r>
+              <a:rPr lang="en-US" sz="1800" dirty="0">
+                <a:latin typeface="Selawik Semibold" panose="020B0702040204020203" pitchFamily="34" charset="0"/>
+              </a:rPr>
+              <a:t>Databases</a:t>
+            </a:r>
+          </a:p>
+          <a:p>
+            <a:pPr lvl="2"/>
+            <a:r>
+              <a:rPr lang="en-US" sz="1800" dirty="0">
+                <a:latin typeface="Selawik Semibold" panose="020B0702040204020203" pitchFamily="34" charset="0"/>
+              </a:rPr>
+              <a:t>Visualization</a:t>
+            </a:r>
           </a:p>
           <a:p>
             <a:pPr lvl="2"/>
@@ -6084,21 +6051,30 @@
             </a:endParaRPr>
           </a:p>
           <a:p>
-            <a:pPr lvl="2"/>
-            <a:endParaRPr lang="en-US" sz="1600" dirty="0">
-              <a:latin typeface="Selawik Semibold" panose="020B0702040204020203" pitchFamily="34" charset="0"/>
-            </a:endParaRPr>
-          </a:p>
-          <a:p>
-            <a:endParaRPr lang="en-US" sz="2400" dirty="0">
-              <a:latin typeface="Selawik Semibold" panose="020B0702040204020203" pitchFamily="34" charset="0"/>
-            </a:endParaRPr>
-          </a:p>
-          <a:p>
             <a:pPr lvl="1"/>
+            <a:r>
+              <a:rPr lang="en-US" sz="2000" dirty="0">
+                <a:latin typeface="Selawik Semibold" panose="020B0702040204020203" pitchFamily="34" charset="0"/>
+              </a:rPr>
+              <a:t>Socials Skills, Ethics, and the Law</a:t>
+            </a:r>
+          </a:p>
+          <a:p>
+            <a:pPr marL="457200" lvl="1" indent="0">
+              <a:buNone/>
+            </a:pPr>
             <a:endParaRPr lang="en-US" sz="2000" dirty="0">
               <a:latin typeface="Selawik Semibold" panose="020B0702040204020203" pitchFamily="34" charset="0"/>
             </a:endParaRPr>
+          </a:p>
+          <a:p>
+            <a:pPr lvl="1"/>
+            <a:r>
+              <a:rPr lang="en-US" sz="2000" dirty="0">
+                <a:latin typeface="Selawik Semibold" panose="020B0702040204020203" pitchFamily="34" charset="0"/>
+              </a:rPr>
+              <a:t>Knowledgeable About All Aspects of the Sport</a:t>
+            </a:r>
           </a:p>
           <a:p>
             <a:pPr lvl="2"/>
@@ -6457,7 +6433,7 @@
     </p:spTree>
     <p:extLst>
       <p:ext uri="{BB962C8B-B14F-4D97-AF65-F5344CB8AC3E}">
-        <p14:creationId xmlns:p14="http://schemas.microsoft.com/office/powerpoint/2010/main" val="2082743496"/>
+        <p14:creationId xmlns:p14="http://schemas.microsoft.com/office/powerpoint/2010/main" val="3511620189"/>
       </p:ext>
     </p:extLst>
   </p:cSld>
@@ -6641,7 +6617,7 @@
               <a:rPr lang="en-US" sz="2000" dirty="0">
                 <a:latin typeface="Selawik Semibold" panose="020B0702040204020203" pitchFamily="34" charset="0"/>
               </a:rPr>
-              <a:t>Analyst, Sports &amp; Entertainment for CLEAR</a:t>
+              <a:t>Data Engineer, Sports Analytics for SIG</a:t>
             </a:r>
             <a:endParaRPr lang="en-US" sz="1600" dirty="0">
               <a:latin typeface="Selawik Semibold" panose="020B0702040204020203" pitchFamily="34" charset="0"/>
@@ -6653,7 +6629,7 @@
               <a:rPr lang="en-US" sz="1800" dirty="0">
                 <a:latin typeface="Selawik Semibold" panose="020B0702040204020203" pitchFamily="34" charset="0"/>
               </a:rPr>
-              <a:t>Business Analytics</a:t>
+              <a:t>Data Science in Python</a:t>
             </a:r>
           </a:p>
           <a:p>
@@ -6662,7 +6638,7 @@
               <a:rPr lang="en-US" sz="1800" dirty="0">
                 <a:latin typeface="Selawik Semibold" panose="020B0702040204020203" pitchFamily="34" charset="0"/>
               </a:rPr>
-              <a:t>Organize, Analyze, and Report on Data</a:t>
+              <a:t>Large Data Storage and Data Processing</a:t>
             </a:r>
           </a:p>
           <a:p>
@@ -6671,7 +6647,7 @@
               <a:rPr lang="en-US" sz="1800" dirty="0">
                 <a:latin typeface="Selawik Semibold" panose="020B0702040204020203" pitchFamily="34" charset="0"/>
               </a:rPr>
-              <a:t>Forecasting for Budgeting</a:t>
+              <a:t>PhD, Master’s, or Bachelor’s</a:t>
             </a:r>
           </a:p>
           <a:p>
@@ -6680,28 +6656,7 @@
               <a:rPr lang="en-US" sz="1800" dirty="0">
                 <a:latin typeface="Selawik Semibold" panose="020B0702040204020203" pitchFamily="34" charset="0"/>
               </a:rPr>
-              <a:t>Data Visualization (</a:t>
-            </a:r>
-            <a:r>
-              <a:rPr lang="en-US" sz="1800" dirty="0" err="1">
-                <a:latin typeface="Selawik Semibold" panose="020B0702040204020203" pitchFamily="34" charset="0"/>
-              </a:rPr>
-              <a:t>Tableeau</a:t>
-            </a:r>
-            <a:r>
-              <a:rPr lang="en-US" sz="1800" dirty="0">
-                <a:latin typeface="Selawik Semibold" panose="020B0702040204020203" pitchFamily="34" charset="0"/>
-              </a:rPr>
-              <a:t>)</a:t>
-            </a:r>
-          </a:p>
-          <a:p>
-            <a:pPr lvl="2"/>
-            <a:r>
-              <a:rPr lang="en-US" sz="1800" dirty="0">
-                <a:latin typeface="Selawik Semibold" panose="020B0702040204020203" pitchFamily="34" charset="0"/>
-              </a:rPr>
-              <a:t>Quantitative and Financial Modeling Skills</a:t>
+              <a:t>Newest Business Area</a:t>
             </a:r>
           </a:p>
           <a:p>
@@ -6718,7 +6673,7 @@
               <a:rPr lang="en-US" sz="2000" dirty="0">
                 <a:latin typeface="Selawik Semibold" panose="020B0702040204020203" pitchFamily="34" charset="0"/>
               </a:rPr>
-              <a:t>Analytics Manager for FanDuel</a:t>
+              <a:t>Sports Scientist, Chicago Women’s Soccer Academy</a:t>
             </a:r>
           </a:p>
           <a:p>
@@ -6727,7 +6682,7 @@
               <a:rPr lang="en-US" sz="1800" dirty="0">
                 <a:latin typeface="Selawik Semibold" panose="020B0702040204020203" pitchFamily="34" charset="0"/>
               </a:rPr>
-              <a:t>Degree in Quantitative Field (Math, Stats, Econ, etc.)</a:t>
+              <a:t>Bachelor’s or Master’s in Exercise Science</a:t>
             </a:r>
           </a:p>
           <a:p>
@@ -6736,7 +6691,7 @@
               <a:rPr lang="en-US" sz="1800" dirty="0">
                 <a:latin typeface="Selawik Semibold" panose="020B0702040204020203" pitchFamily="34" charset="0"/>
               </a:rPr>
-              <a:t>Proficiency in SQL and Excel</a:t>
+              <a:t>Experience with Sports Science Technologies</a:t>
             </a:r>
           </a:p>
           <a:p>
@@ -6745,17 +6700,14 @@
               <a:rPr lang="en-US" sz="1800" dirty="0">
                 <a:latin typeface="Selawik Semibold" panose="020B0702040204020203" pitchFamily="34" charset="0"/>
               </a:rPr>
-              <a:t>R, Python, Spark</a:t>
+              <a:t>Deliver Daily Reports and Provide Data-Driven Feedback</a:t>
             </a:r>
           </a:p>
           <a:p>
             <a:pPr lvl="2"/>
-            <a:r>
-              <a:rPr lang="en-US" sz="1800" dirty="0">
-                <a:latin typeface="Selawik Semibold" panose="020B0702040204020203" pitchFamily="34" charset="0"/>
-              </a:rPr>
-              <a:t>Data Visualization in Tableau</a:t>
-            </a:r>
+            <a:endParaRPr lang="en-US" sz="1800" dirty="0">
+              <a:latin typeface="Selawik Semibold" panose="020B0702040204020203" pitchFamily="34" charset="0"/>
+            </a:endParaRPr>
           </a:p>
           <a:p>
             <a:pPr lvl="2"/>
@@ -7143,7 +7095,7 @@
     </p:spTree>
     <p:extLst>
       <p:ext uri="{BB962C8B-B14F-4D97-AF65-F5344CB8AC3E}">
-        <p14:creationId xmlns:p14="http://schemas.microsoft.com/office/powerpoint/2010/main" val="1406941442"/>
+        <p14:creationId xmlns:p14="http://schemas.microsoft.com/office/powerpoint/2010/main" val="2082743496"/>
       </p:ext>
     </p:extLst>
   </p:cSld>
@@ -7327,11 +7279,8 @@
               <a:rPr lang="en-US" sz="2000" dirty="0">
                 <a:latin typeface="Selawik Semibold" panose="020B0702040204020203" pitchFamily="34" charset="0"/>
               </a:rPr>
-              <a:t>Director, Business Intelligence for Sporting KC</a:t>
-            </a:r>
-            <a:endParaRPr lang="en-US" sz="1600" dirty="0">
-              <a:latin typeface="Selawik Semibold" panose="020B0702040204020203" pitchFamily="34" charset="0"/>
-            </a:endParaRPr>
+              <a:t>Sports Performance Analyst, Baltimore Orioles</a:t>
+            </a:r>
           </a:p>
           <a:p>
             <a:pPr lvl="2"/>
@@ -7339,7 +7288,7 @@
               <a:rPr lang="en-US" sz="1800" dirty="0">
                 <a:latin typeface="Selawik Semibold" panose="020B0702040204020203" pitchFamily="34" charset="0"/>
               </a:rPr>
-              <a:t>Contributor to Sports Marketing Department</a:t>
+              <a:t>Primarily Data Management/ Organization</a:t>
             </a:r>
           </a:p>
           <a:p>
@@ -7348,16 +7297,7 @@
               <a:rPr lang="en-US" sz="1800" dirty="0">
                 <a:latin typeface="Selawik Semibold" panose="020B0702040204020203" pitchFamily="34" charset="0"/>
               </a:rPr>
-              <a:t>Proficiency with Data Structures (SQL)</a:t>
-            </a:r>
-          </a:p>
-          <a:p>
-            <a:pPr lvl="2"/>
-            <a:r>
-              <a:rPr lang="en-US" sz="1800" dirty="0">
-                <a:latin typeface="Selawik Semibold" panose="020B0702040204020203" pitchFamily="34" charset="0"/>
-              </a:rPr>
-              <a:t>Proficiency with Data Visualization (Tableau)</a:t>
+              <a:t>Requirements are Unknown</a:t>
             </a:r>
           </a:p>
           <a:p>
@@ -7374,7 +7314,7 @@
               <a:rPr lang="en-US" sz="2000" dirty="0">
                 <a:latin typeface="Selawik Semibold" panose="020B0702040204020203" pitchFamily="34" charset="0"/>
               </a:rPr>
-              <a:t>Junior Analyst, Sports Analytics for FS&amp;E</a:t>
+              <a:t>Sports Injury Data Scientist, RWE Agile Analytics</a:t>
             </a:r>
           </a:p>
           <a:p>
@@ -7383,7 +7323,7 @@
               <a:rPr lang="en-US" sz="1800" dirty="0">
                 <a:latin typeface="Selawik Semibold" panose="020B0702040204020203" pitchFamily="34" charset="0"/>
               </a:rPr>
-              <a:t>Global Sports Data, Technology and Analytics Consulting</a:t>
+              <a:t>Part of IQVIA</a:t>
             </a:r>
           </a:p>
           <a:p>
@@ -7392,7 +7332,7 @@
               <a:rPr lang="en-US" sz="1800" dirty="0">
                 <a:latin typeface="Selawik Semibold" panose="020B0702040204020203" pitchFamily="34" charset="0"/>
               </a:rPr>
-              <a:t>Analyze and Interpret Complex Datasets</a:t>
+              <a:t>SQL, Python, SAS, R</a:t>
             </a:r>
           </a:p>
           <a:p>
@@ -7401,49 +7341,26 @@
               <a:rPr lang="en-US" sz="1800" dirty="0">
                 <a:latin typeface="Selawik Semibold" panose="020B0702040204020203" pitchFamily="34" charset="0"/>
               </a:rPr>
-              <a:t>Python, R, SQL, VBA, SPSS</a:t>
+              <a:t>Familiar with Basic Statistical Analyses</a:t>
             </a:r>
           </a:p>
           <a:p>
             <a:pPr lvl="2"/>
-            <a:endParaRPr lang="en-US" sz="1400" dirty="0">
-              <a:latin typeface="Selawik Semibold" panose="020B0702040204020203" pitchFamily="34" charset="0"/>
-            </a:endParaRPr>
+            <a:r>
+              <a:rPr lang="en-US" sz="1800" dirty="0">
+                <a:latin typeface="Selawik Semibold" panose="020B0702040204020203" pitchFamily="34" charset="0"/>
+              </a:rPr>
+              <a:t>Bachelor’s (6-8 years experience)</a:t>
+            </a:r>
           </a:p>
           <a:p>
             <a:pPr lvl="2"/>
-            <a:endParaRPr lang="en-US" sz="1800" dirty="0">
-              <a:latin typeface="Selawik Semibold" panose="020B0702040204020203" pitchFamily="34" charset="0"/>
-            </a:endParaRPr>
-          </a:p>
-          <a:p>
-            <a:pPr lvl="2"/>
-            <a:endParaRPr lang="en-US" sz="1600" dirty="0">
-              <a:latin typeface="Selawik Semibold" panose="020B0702040204020203" pitchFamily="34" charset="0"/>
-            </a:endParaRPr>
-          </a:p>
-          <a:p>
-            <a:endParaRPr lang="en-US" sz="2400" dirty="0">
-              <a:latin typeface="Selawik Semibold" panose="020B0702040204020203" pitchFamily="34" charset="0"/>
-            </a:endParaRPr>
-          </a:p>
-          <a:p>
-            <a:pPr lvl="1"/>
-            <a:endParaRPr lang="en-US" sz="2000" dirty="0">
-              <a:latin typeface="Selawik Semibold" panose="020B0702040204020203" pitchFamily="34" charset="0"/>
-            </a:endParaRPr>
-          </a:p>
-          <a:p>
-            <a:pPr lvl="2"/>
-            <a:endParaRPr lang="en-US" sz="1800" dirty="0">
-              <a:latin typeface="Selawik Semibold" panose="020B0702040204020203" pitchFamily="34" charset="0"/>
-            </a:endParaRPr>
-          </a:p>
-          <a:p>
-            <a:pPr lvl="1"/>
-            <a:endParaRPr lang="en-US" sz="2200" dirty="0">
-              <a:latin typeface="Selawik Semibold" panose="020B0702040204020203" pitchFamily="34" charset="0"/>
-            </a:endParaRPr>
+            <a:r>
+              <a:rPr lang="en-US" sz="1800" dirty="0">
+                <a:latin typeface="Selawik Semibold" panose="020B0702040204020203" pitchFamily="34" charset="0"/>
+              </a:rPr>
+              <a:t>Master’s (3-5 years experience)</a:t>
+            </a:r>
           </a:p>
         </p:txBody>
       </p:sp>
@@ -7790,7 +7707,7 @@
     </p:spTree>
     <p:extLst>
       <p:ext uri="{BB962C8B-B14F-4D97-AF65-F5344CB8AC3E}">
-        <p14:creationId xmlns:p14="http://schemas.microsoft.com/office/powerpoint/2010/main" val="2429112968"/>
+        <p14:creationId xmlns:p14="http://schemas.microsoft.com/office/powerpoint/2010/main" val="1406941442"/>
       </p:ext>
     </p:extLst>
   </p:cSld>
@@ -7974,7 +7891,7 @@
               <a:rPr lang="en-US" sz="2000" dirty="0">
                 <a:latin typeface="Selawik Semibold" panose="020B0702040204020203" pitchFamily="34" charset="0"/>
               </a:rPr>
-              <a:t>Performance Data Analyst for Detroit Red Wings</a:t>
+              <a:t>Sports Science Coordinator, Houston Texans</a:t>
             </a:r>
             <a:endParaRPr lang="en-US" sz="1600" dirty="0">
               <a:latin typeface="Selawik Semibold" panose="020B0702040204020203" pitchFamily="34" charset="0"/>
@@ -7986,7 +7903,7 @@
               <a:rPr lang="en-US" sz="1800" dirty="0">
                 <a:latin typeface="Selawik Semibold" panose="020B0702040204020203" pitchFamily="34" charset="0"/>
               </a:rPr>
-              <a:t>Master’s Degree in Data Science</a:t>
+              <a:t>Master’s Required</a:t>
             </a:r>
           </a:p>
           <a:p>
@@ -7995,7 +7912,7 @@
               <a:rPr lang="en-US" sz="1800" dirty="0">
                 <a:latin typeface="Selawik Semibold" panose="020B0702040204020203" pitchFamily="34" charset="0"/>
               </a:rPr>
-              <a:t>Collection and Interpretation of Performance Data</a:t>
+              <a:t>Expected to  Constantly Learn</a:t>
             </a:r>
           </a:p>
           <a:p>
@@ -8004,7 +7921,7 @@
               <a:rPr lang="en-US" sz="1800" dirty="0">
                 <a:latin typeface="Selawik Semibold" panose="020B0702040204020203" pitchFamily="34" charset="0"/>
               </a:rPr>
-              <a:t>Basic Statistical Analysis Techniques</a:t>
+              <a:t>MS in Sport Performance</a:t>
             </a:r>
           </a:p>
           <a:p>
@@ -8013,13 +7930,20 @@
               <a:rPr lang="en-US" sz="1800" dirty="0">
                 <a:latin typeface="Selawik Semibold" panose="020B0702040204020203" pitchFamily="34" charset="0"/>
               </a:rPr>
-              <a:t>R or Python</a:t>
-            </a:r>
-          </a:p>
-          <a:p>
-            <a:pPr marL="914400" lvl="2" indent="0">
-              <a:buNone/>
-            </a:pPr>
+              <a:t>SQL, Statistics, R/Python</a:t>
+            </a:r>
+          </a:p>
+          <a:p>
+            <a:pPr lvl="2"/>
+            <a:r>
+              <a:rPr lang="en-US" sz="1800" dirty="0">
+                <a:latin typeface="Selawik Semibold" panose="020B0702040204020203" pitchFamily="34" charset="0"/>
+              </a:rPr>
+              <a:t>Machine Learning and Time Series Methods</a:t>
+            </a:r>
+          </a:p>
+          <a:p>
+            <a:pPr lvl="2"/>
             <a:endParaRPr lang="en-US" sz="1600" dirty="0">
               <a:latin typeface="Selawik Semibold" panose="020B0702040204020203" pitchFamily="34" charset="0"/>
             </a:endParaRPr>
@@ -8030,7 +7954,7 @@
               <a:rPr lang="en-US" sz="2000" dirty="0">
                 <a:latin typeface="Selawik Semibold" panose="020B0702040204020203" pitchFamily="34" charset="0"/>
               </a:rPr>
-              <a:t>Research Analyst for Bleacher Report</a:t>
+              <a:t>Professor of Data Analytics, University of Tulsa</a:t>
             </a:r>
           </a:p>
           <a:p>
@@ -8039,7 +7963,7 @@
               <a:rPr lang="en-US" sz="1800" dirty="0">
                 <a:latin typeface="Selawik Semibold" panose="020B0702040204020203" pitchFamily="34" charset="0"/>
               </a:rPr>
-              <a:t>Mine, Analyze, and Deliver Data and Insights</a:t>
+              <a:t>Focus on Sports Analytics</a:t>
             </a:r>
           </a:p>
           <a:p>
@@ -8048,7 +7972,7 @@
               <a:rPr lang="en-US" sz="1800" dirty="0">
                 <a:latin typeface="Selawik Semibold" panose="020B0702040204020203" pitchFamily="34" charset="0"/>
               </a:rPr>
-              <a:t>Quantitative Research Experience</a:t>
+              <a:t>PhD and  Research Background in Sports</a:t>
             </a:r>
           </a:p>
           <a:p>
@@ -8057,26 +7981,8 @@
               <a:rPr lang="en-US" sz="1800" dirty="0">
                 <a:latin typeface="Selawik Semibold" panose="020B0702040204020203" pitchFamily="34" charset="0"/>
               </a:rPr>
-              <a:t>Experience with Statistical Analysis</a:t>
-            </a:r>
-          </a:p>
-          <a:p>
-            <a:pPr lvl="2"/>
-            <a:r>
-              <a:rPr lang="en-US" sz="1800" dirty="0">
-                <a:latin typeface="Selawik Semibold" panose="020B0702040204020203" pitchFamily="34" charset="0"/>
-              </a:rPr>
-              <a:t>R, SQL, SPSS, </a:t>
-            </a:r>
-            <a:r>
-              <a:rPr lang="en-US" sz="1800" dirty="0" err="1">
-                <a:latin typeface="Selawik Semibold" panose="020B0702040204020203" pitchFamily="34" charset="0"/>
-              </a:rPr>
-              <a:t>Tablewau</a:t>
-            </a:r>
-            <a:endParaRPr lang="en-US" sz="1800" dirty="0">
-              <a:latin typeface="Selawik Semibold" panose="020B0702040204020203" pitchFamily="34" charset="0"/>
-            </a:endParaRPr>
+              <a:t>College of Business</a:t>
+            </a:r>
           </a:p>
           <a:p>
             <a:pPr lvl="2"/>
@@ -8464,7 +8370,7 @@
     </p:spTree>
     <p:extLst>
       <p:ext uri="{BB962C8B-B14F-4D97-AF65-F5344CB8AC3E}">
-        <p14:creationId xmlns:p14="http://schemas.microsoft.com/office/powerpoint/2010/main" val="1344911940"/>
+        <p14:creationId xmlns:p14="http://schemas.microsoft.com/office/powerpoint/2010/main" val="2429112968"/>
       </p:ext>
     </p:extLst>
   </p:cSld>
@@ -8618,7 +8524,7 @@
         <p:spPr>
           <a:xfrm>
             <a:off x="838199" y="2021248"/>
-            <a:ext cx="7102643" cy="4695905"/>
+            <a:ext cx="8107018" cy="4695905"/>
           </a:xfrm>
         </p:spPr>
         <p:txBody>
@@ -8631,14 +8537,14 @@
               <a:rPr lang="en-US" sz="2400" dirty="0">
                 <a:latin typeface="Selawik Semibold" panose="020B0702040204020203" pitchFamily="34" charset="0"/>
               </a:rPr>
-              <a:t>Conferences </a:t>
+              <a:t>Real Jobs (Indeed)</a:t>
             </a:r>
           </a:p>
           <a:p>
             <a:pPr marL="0" indent="0">
               <a:buNone/>
             </a:pPr>
-            <a:endParaRPr lang="en-US" sz="1100" dirty="0">
+            <a:endParaRPr lang="en-US" sz="2400" dirty="0">
               <a:latin typeface="Selawik Semibold" panose="020B0702040204020203" pitchFamily="34" charset="0"/>
             </a:endParaRPr>
           </a:p>
@@ -8648,8 +8554,52 @@
               <a:rPr lang="en-US" sz="2000" dirty="0">
                 <a:latin typeface="Selawik Semibold" panose="020B0702040204020203" pitchFamily="34" charset="0"/>
               </a:rPr>
-              <a:t>Carnegie Mellon Sports Analytics Conference</a:t>
-            </a:r>
+              <a:t>Analyst, Club Business Operations for MLB</a:t>
+            </a:r>
+          </a:p>
+          <a:p>
+            <a:pPr lvl="2"/>
+            <a:r>
+              <a:rPr lang="en-US" sz="1800" dirty="0">
+                <a:latin typeface="Selawik Semibold" panose="020B0702040204020203" pitchFamily="34" charset="0"/>
+              </a:rPr>
+              <a:t>Quantitative Market Analyses</a:t>
+            </a:r>
+          </a:p>
+          <a:p>
+            <a:pPr lvl="2"/>
+            <a:r>
+              <a:rPr lang="en-US" sz="1800" dirty="0">
+                <a:latin typeface="Selawik Semibold" panose="020B0702040204020203" pitchFamily="34" charset="0"/>
+              </a:rPr>
+              <a:t>BS Degree in Business Related Field</a:t>
+            </a:r>
+          </a:p>
+          <a:p>
+            <a:pPr lvl="2"/>
+            <a:r>
+              <a:rPr lang="en-US" sz="1800" dirty="0">
+                <a:latin typeface="Selawik Semibold" panose="020B0702040204020203" pitchFamily="34" charset="0"/>
+              </a:rPr>
+              <a:t>Excel, PowerPoint, SQL</a:t>
+            </a:r>
+          </a:p>
+          <a:p>
+            <a:pPr lvl="2"/>
+            <a:r>
+              <a:rPr lang="en-US" sz="1800" dirty="0">
+                <a:latin typeface="Selawik Semibold" panose="020B0702040204020203" pitchFamily="34" charset="0"/>
+              </a:rPr>
+              <a:t>Exceptional Data Evaluation Skills</a:t>
+            </a:r>
+          </a:p>
+          <a:p>
+            <a:pPr marL="914400" lvl="2" indent="0">
+              <a:buNone/>
+            </a:pPr>
+            <a:endParaRPr lang="en-US" sz="1600" dirty="0">
+              <a:latin typeface="Selawik Semibold" panose="020B0702040204020203" pitchFamily="34" charset="0"/>
+            </a:endParaRPr>
           </a:p>
           <a:p>
             <a:pPr lvl="1"/>
@@ -8657,74 +8607,67 @@
               <a:rPr lang="en-US" sz="2000" dirty="0">
                 <a:latin typeface="Selawik Semibold" panose="020B0702040204020203" pitchFamily="34" charset="0"/>
               </a:rPr>
-              <a:t>Great Lakes Analytics Conference</a:t>
-            </a:r>
-          </a:p>
-          <a:p>
-            <a:pPr lvl="1"/>
-            <a:r>
-              <a:rPr lang="en-US" sz="2000" dirty="0" err="1">
-                <a:latin typeface="Selawik Semibold" panose="020B0702040204020203" pitchFamily="34" charset="0"/>
-              </a:rPr>
-              <a:t>MathSport</a:t>
-            </a:r>
-            <a:r>
-              <a:rPr lang="en-US" sz="2000" dirty="0">
-                <a:latin typeface="Selawik Semibold" panose="020B0702040204020203" pitchFamily="34" charset="0"/>
-              </a:rPr>
-              <a:t> International</a:t>
-            </a:r>
-          </a:p>
-          <a:p>
-            <a:pPr lvl="1"/>
-            <a:r>
-              <a:rPr lang="en-US" sz="2000" dirty="0">
-                <a:latin typeface="Selawik Semibold" panose="020B0702040204020203" pitchFamily="34" charset="0"/>
-              </a:rPr>
-              <a:t>MIT Sloan Sports Analytics Conference</a:t>
-            </a:r>
-          </a:p>
-          <a:p>
-            <a:pPr lvl="1"/>
-            <a:r>
-              <a:rPr lang="en-US" sz="2000" dirty="0">
-                <a:latin typeface="Selawik Semibold" panose="020B0702040204020203" pitchFamily="34" charset="0"/>
-              </a:rPr>
-              <a:t>New England Symposium on Statistics in Sports</a:t>
-            </a:r>
-          </a:p>
-          <a:p>
-            <a:pPr lvl="1"/>
-            <a:r>
-              <a:rPr lang="en-US" sz="2000" dirty="0">
-                <a:latin typeface="Selawik Semibold" panose="020B0702040204020203" pitchFamily="34" charset="0"/>
-              </a:rPr>
-              <a:t>Rochester Institute of Technology Sports Analytics Conference</a:t>
-            </a:r>
-          </a:p>
-          <a:p>
-            <a:pPr lvl="1"/>
-            <a:r>
-              <a:rPr lang="en-US" sz="2000" dirty="0">
-                <a:latin typeface="Selawik Semibold" panose="020B0702040204020203" pitchFamily="34" charset="0"/>
-              </a:rPr>
-              <a:t>Sports IDEAS Symposium</a:t>
-            </a:r>
-          </a:p>
-          <a:p>
-            <a:pPr lvl="1"/>
-            <a:r>
-              <a:rPr lang="en-US" sz="2000" dirty="0" err="1">
-                <a:latin typeface="Selawik Semibold" panose="020B0702040204020203" pitchFamily="34" charset="0"/>
-              </a:rPr>
-              <a:t>Uconn</a:t>
-            </a:r>
-            <a:r>
-              <a:rPr lang="en-US" sz="2000" dirty="0">
-                <a:latin typeface="Selawik Semibold" panose="020B0702040204020203" pitchFamily="34" charset="0"/>
-              </a:rPr>
-              <a:t> Sports Analytics Symposium</a:t>
-            </a:r>
+              <a:t>Business Analyst, Sports &amp; Entertainment for Aramark</a:t>
+            </a:r>
+          </a:p>
+          <a:p>
+            <a:pPr lvl="2"/>
+            <a:r>
+              <a:rPr lang="en-US" sz="1800" dirty="0">
+                <a:latin typeface="Selawik Semibold" panose="020B0702040204020203" pitchFamily="34" charset="0"/>
+              </a:rPr>
+              <a:t>Hospitality Company for Many Industries</a:t>
+            </a:r>
+          </a:p>
+          <a:p>
+            <a:pPr lvl="2"/>
+            <a:r>
+              <a:rPr lang="en-US" sz="1800" dirty="0">
+                <a:latin typeface="Selawik Semibold" panose="020B0702040204020203" pitchFamily="34" charset="0"/>
+              </a:rPr>
+              <a:t>Data Visualization with Tableau or </a:t>
+            </a:r>
+            <a:r>
+              <a:rPr lang="en-US" sz="1800" dirty="0" err="1">
+                <a:latin typeface="Selawik Semibold" panose="020B0702040204020203" pitchFamily="34" charset="0"/>
+              </a:rPr>
+              <a:t>PowerBI</a:t>
+            </a:r>
+            <a:endParaRPr lang="en-US" sz="1800" dirty="0">
+              <a:latin typeface="Selawik Semibold" panose="020B0702040204020203" pitchFamily="34" charset="0"/>
+            </a:endParaRPr>
+          </a:p>
+          <a:p>
+            <a:pPr lvl="2"/>
+            <a:r>
+              <a:rPr lang="en-US" sz="1800" dirty="0">
+                <a:latin typeface="Selawik Semibold" panose="020B0702040204020203" pitchFamily="34" charset="0"/>
+              </a:rPr>
+              <a:t>Exposure to Some Programming Language</a:t>
+            </a:r>
+          </a:p>
+          <a:p>
+            <a:pPr lvl="2"/>
+            <a:endParaRPr lang="en-US" sz="1400" dirty="0">
+              <a:latin typeface="Selawik Semibold" panose="020B0702040204020203" pitchFamily="34" charset="0"/>
+            </a:endParaRPr>
+          </a:p>
+          <a:p>
+            <a:pPr lvl="2"/>
+            <a:endParaRPr lang="en-US" sz="1800" dirty="0">
+              <a:latin typeface="Selawik Semibold" panose="020B0702040204020203" pitchFamily="34" charset="0"/>
+            </a:endParaRPr>
+          </a:p>
+          <a:p>
+            <a:pPr lvl="2"/>
+            <a:endParaRPr lang="en-US" sz="1600" dirty="0">
+              <a:latin typeface="Selawik Semibold" panose="020B0702040204020203" pitchFamily="34" charset="0"/>
+            </a:endParaRPr>
+          </a:p>
+          <a:p>
+            <a:endParaRPr lang="en-US" sz="2400" dirty="0">
+              <a:latin typeface="Selawik Semibold" panose="020B0702040204020203" pitchFamily="34" charset="0"/>
+            </a:endParaRPr>
           </a:p>
           <a:p>
             <a:pPr lvl="1"/>
@@ -8735,6 +8678,12 @@
           <a:p>
             <a:pPr lvl="2"/>
             <a:endParaRPr lang="en-US" sz="1800" dirty="0">
+              <a:latin typeface="Selawik Semibold" panose="020B0702040204020203" pitchFamily="34" charset="0"/>
+            </a:endParaRPr>
+          </a:p>
+          <a:p>
+            <a:pPr lvl="1"/>
+            <a:endParaRPr lang="en-US" sz="2200" dirty="0">
               <a:latin typeface="Selawik Semibold" panose="020B0702040204020203" pitchFamily="34" charset="0"/>
             </a:endParaRPr>
           </a:p>
@@ -9080,6 +9029,1299 @@
           </a:p>
         </p:txBody>
       </p:sp>
+    </p:spTree>
+    <p:extLst>
+      <p:ext uri="{BB962C8B-B14F-4D97-AF65-F5344CB8AC3E}">
+        <p14:creationId xmlns:p14="http://schemas.microsoft.com/office/powerpoint/2010/main" val="1344911940"/>
+      </p:ext>
+    </p:extLst>
+  </p:cSld>
+  <p:clrMapOvr>
+    <a:overrideClrMapping bg1="dk1" tx1="lt1" bg2="dk2" tx2="lt2" accent1="accent1" accent2="accent2" accent3="accent3" accent4="accent4" accent5="accent5" accent6="accent6" hlink="hlink" folHlink="folHlink"/>
+  </p:clrMapOvr>
+</p:sld>
+</file>
+
+<file path=ppt/slides/slide18.xml><?xml version="1.0" encoding="utf-8"?>
+<p:sld xmlns:a="http://schemas.openxmlformats.org/drawingml/2006/main" xmlns:r="http://schemas.openxmlformats.org/officeDocument/2006/relationships" xmlns:p="http://schemas.openxmlformats.org/presentationml/2006/main">
+  <p:cSld>
+    <p:bg>
+      <p:bgPr>
+        <a:solidFill>
+          <a:srgbClr val="395583"/>
+        </a:solidFill>
+        <a:effectLst/>
+      </p:bgPr>
+    </p:bg>
+    <p:spTree>
+      <p:nvGrpSpPr>
+        <p:cNvPr id="1" name=""/>
+        <p:cNvGrpSpPr/>
+        <p:nvPr/>
+      </p:nvGrpSpPr>
+      <p:grpSpPr>
+        <a:xfrm>
+          <a:off x="0" y="0"/>
+          <a:ext cx="0" cy="0"/>
+          <a:chOff x="0" y="0"/>
+          <a:chExt cx="0" cy="0"/>
+        </a:xfrm>
+      </p:grpSpPr>
+      <p:sp>
+        <p:nvSpPr>
+          <p:cNvPr id="25" name="Rectangle 24">
+            <a:extLst>
+              <a:ext uri="{FF2B5EF4-FFF2-40B4-BE49-F238E27FC236}">
+                <a16:creationId xmlns:a16="http://schemas.microsoft.com/office/drawing/2014/main" id="{A6792F05-2FD4-4F18-815E-15391E8B4A0E}"/>
+              </a:ext>
+              <a:ext uri="{C183D7F6-B498-43B3-948B-1728B52AA6E4}">
+                <adec:decorative xmlns:adec="http://schemas.microsoft.com/office/drawing/2017/decorative" val="1"/>
+              </a:ext>
+            </a:extLst>
+          </p:cNvPr>
+          <p:cNvSpPr>
+            <a:spLocks noGrp="1" noRot="1" noChangeAspect="1" noMove="1" noResize="1" noEditPoints="1" noAdjustHandles="1" noChangeArrowheads="1" noChangeShapeType="1" noTextEdit="1"/>
+          </p:cNvSpPr>
+          <p:nvPr>
+            <p:extLst>
+              <p:ext uri="{386F3935-93C4-4BCD-93E2-E3B085C9AB24}">
+                <p16:designElem xmlns:p16="http://schemas.microsoft.com/office/powerpoint/2015/main" val="1"/>
+              </p:ext>
+            </p:extLst>
+          </p:nvPr>
+        </p:nvSpPr>
+        <p:spPr>
+          <a:xfrm>
+            <a:off x="0" y="0"/>
+            <a:ext cx="12191999" cy="6858000"/>
+          </a:xfrm>
+          <a:prstGeom prst="rect">
+            <a:avLst/>
+          </a:prstGeom>
+          <a:solidFill>
+            <a:srgbClr val="395583"/>
+          </a:solidFill>
+          <a:ln>
+            <a:noFill/>
+          </a:ln>
+        </p:spPr>
+        <p:style>
+          <a:lnRef idx="2">
+            <a:schemeClr val="accent1">
+              <a:shade val="50000"/>
+            </a:schemeClr>
+          </a:lnRef>
+          <a:fillRef idx="1">
+            <a:schemeClr val="accent1"/>
+          </a:fillRef>
+          <a:effectRef idx="0">
+            <a:schemeClr val="accent1"/>
+          </a:effectRef>
+          <a:fontRef idx="minor">
+            <a:schemeClr val="lt1"/>
+          </a:fontRef>
+        </p:style>
+        <p:txBody>
+          <a:bodyPr rtlCol="0" anchor="ctr"/>
+          <a:lstStyle/>
+          <a:p>
+            <a:pPr algn="ctr"/>
+            <a:endParaRPr lang="en-US"/>
+          </a:p>
+        </p:txBody>
+      </p:sp>
+      <p:sp>
+        <p:nvSpPr>
+          <p:cNvPr id="2" name="Title 1">
+            <a:extLst>
+              <a:ext uri="{FF2B5EF4-FFF2-40B4-BE49-F238E27FC236}">
+                <a16:creationId xmlns:a16="http://schemas.microsoft.com/office/drawing/2014/main" id="{2589AFCC-0FF0-498C-B11F-8990DF0DAAA5}"/>
+              </a:ext>
+            </a:extLst>
+          </p:cNvPr>
+          <p:cNvSpPr>
+            <a:spLocks noGrp="1"/>
+          </p:cNvSpPr>
+          <p:nvPr>
+            <p:ph type="title"/>
+          </p:nvPr>
+        </p:nvSpPr>
+        <p:spPr>
+          <a:xfrm>
+            <a:off x="838200" y="365125"/>
+            <a:ext cx="10515600" cy="1325563"/>
+          </a:xfrm>
+        </p:spPr>
+        <p:txBody>
+          <a:bodyPr>
+            <a:normAutofit/>
+          </a:bodyPr>
+          <a:lstStyle/>
+          <a:p>
+            <a:r>
+              <a:rPr lang="en-US" b="1" dirty="0">
+                <a:latin typeface="Selawik Semibold" panose="020B0604020202020204" pitchFamily="34" charset="0"/>
+              </a:rPr>
+              <a:t>Your Industry Future</a:t>
+            </a:r>
+          </a:p>
+        </p:txBody>
+      </p:sp>
+      <p:sp>
+        <p:nvSpPr>
+          <p:cNvPr id="9" name="Content Placeholder 8">
+            <a:extLst>
+              <a:ext uri="{FF2B5EF4-FFF2-40B4-BE49-F238E27FC236}">
+                <a16:creationId xmlns:a16="http://schemas.microsoft.com/office/drawing/2014/main" id="{2D995594-59F2-4020-AB6F-751BAE84ADB3}"/>
+              </a:ext>
+            </a:extLst>
+          </p:cNvPr>
+          <p:cNvSpPr>
+            <a:spLocks noGrp="1"/>
+          </p:cNvSpPr>
+          <p:nvPr>
+            <p:ph idx="1"/>
+          </p:nvPr>
+        </p:nvSpPr>
+        <p:spPr>
+          <a:xfrm>
+            <a:off x="838199" y="2021248"/>
+            <a:ext cx="8107018" cy="4695905"/>
+          </a:xfrm>
+        </p:spPr>
+        <p:txBody>
+          <a:bodyPr>
+            <a:normAutofit/>
+          </a:bodyPr>
+          <a:lstStyle/>
+          <a:p>
+            <a:r>
+              <a:rPr lang="en-US" sz="2400" dirty="0">
+                <a:latin typeface="Selawik Semibold" panose="020B0702040204020203" pitchFamily="34" charset="0"/>
+              </a:rPr>
+              <a:t>Real Jobs (Indeed)</a:t>
+            </a:r>
+          </a:p>
+          <a:p>
+            <a:pPr marL="0" indent="0">
+              <a:buNone/>
+            </a:pPr>
+            <a:endParaRPr lang="en-US" sz="2400" dirty="0">
+              <a:latin typeface="Selawik Semibold" panose="020B0702040204020203" pitchFamily="34" charset="0"/>
+            </a:endParaRPr>
+          </a:p>
+          <a:p>
+            <a:pPr lvl="1"/>
+            <a:r>
+              <a:rPr lang="en-US" sz="2000" dirty="0">
+                <a:latin typeface="Selawik Semibold" panose="020B0702040204020203" pitchFamily="34" charset="0"/>
+              </a:rPr>
+              <a:t>Analyst, Baseball Operations for Giants</a:t>
+            </a:r>
+          </a:p>
+          <a:p>
+            <a:pPr lvl="2"/>
+            <a:r>
+              <a:rPr lang="en-US" sz="1800" dirty="0">
+                <a:latin typeface="Selawik Semibold" panose="020B0702040204020203" pitchFamily="34" charset="0"/>
+              </a:rPr>
+              <a:t>Perform Statistical Analyses</a:t>
+            </a:r>
+          </a:p>
+          <a:p>
+            <a:pPr lvl="2"/>
+            <a:r>
+              <a:rPr lang="en-US" sz="1800" dirty="0">
+                <a:latin typeface="Selawik Semibold" panose="020B0702040204020203" pitchFamily="34" charset="0"/>
+              </a:rPr>
+              <a:t>Collaboration with Software Engineers</a:t>
+            </a:r>
+          </a:p>
+          <a:p>
+            <a:pPr lvl="2"/>
+            <a:r>
+              <a:rPr lang="en-US" sz="1800" dirty="0">
+                <a:latin typeface="Selawik Semibold" panose="020B0702040204020203" pitchFamily="34" charset="0"/>
+              </a:rPr>
+              <a:t>BS in Quantitative Field</a:t>
+            </a:r>
+          </a:p>
+          <a:p>
+            <a:pPr lvl="2"/>
+            <a:r>
+              <a:rPr lang="en-US" sz="1800" dirty="0">
+                <a:latin typeface="Selawik Semibold" panose="020B0702040204020203" pitchFamily="34" charset="0"/>
+              </a:rPr>
+              <a:t>R, SQL, Python</a:t>
+            </a:r>
+          </a:p>
+          <a:p>
+            <a:pPr marL="914400" lvl="2" indent="0">
+              <a:buNone/>
+            </a:pPr>
+            <a:endParaRPr lang="en-US" sz="1600" dirty="0">
+              <a:latin typeface="Selawik Semibold" panose="020B0702040204020203" pitchFamily="34" charset="0"/>
+            </a:endParaRPr>
+          </a:p>
+          <a:p>
+            <a:pPr lvl="1"/>
+            <a:r>
+              <a:rPr lang="en-US" sz="2000" dirty="0">
+                <a:latin typeface="Selawik Semibold" panose="020B0702040204020203" pitchFamily="34" charset="0"/>
+              </a:rPr>
+              <a:t>Director of Data Science, DICK’S Sporting Goods</a:t>
+            </a:r>
+          </a:p>
+          <a:p>
+            <a:pPr lvl="2"/>
+            <a:r>
+              <a:rPr lang="en-US" sz="1800" dirty="0">
+                <a:latin typeface="Selawik Semibold" panose="020B0702040204020203" pitchFamily="34" charset="0"/>
+              </a:rPr>
+              <a:t>MS in Stats, Math, Econ, etc.</a:t>
+            </a:r>
+          </a:p>
+          <a:p>
+            <a:pPr lvl="2"/>
+            <a:r>
+              <a:rPr lang="en-US" sz="1800" dirty="0">
+                <a:latin typeface="Selawik Semibold" panose="020B0702040204020203" pitchFamily="34" charset="0"/>
+              </a:rPr>
+              <a:t>10-15 Years Experience</a:t>
+            </a:r>
+          </a:p>
+          <a:p>
+            <a:pPr lvl="2"/>
+            <a:r>
+              <a:rPr lang="en-US" sz="1800" dirty="0">
+                <a:latin typeface="Selawik Semibold" panose="020B0702040204020203" pitchFamily="34" charset="0"/>
+              </a:rPr>
+              <a:t>Proficient in SQL, R, Python, or SAS</a:t>
+            </a:r>
+          </a:p>
+          <a:p>
+            <a:pPr lvl="2"/>
+            <a:r>
+              <a:rPr lang="en-US" sz="1800" dirty="0">
+                <a:latin typeface="Selawik Semibold" panose="020B0702040204020203" pitchFamily="34" charset="0"/>
+              </a:rPr>
+              <a:t>Cloud Computing Environments</a:t>
+            </a:r>
+          </a:p>
+          <a:p>
+            <a:pPr lvl="2"/>
+            <a:r>
+              <a:rPr lang="en-US" sz="1800" dirty="0">
+                <a:latin typeface="Selawik Semibold" panose="020B0702040204020203" pitchFamily="34" charset="0"/>
+              </a:rPr>
+              <a:t>Lead Team of Data Science Managers and Data Scientists</a:t>
+            </a:r>
+            <a:endParaRPr lang="en-US" sz="1600" dirty="0">
+              <a:latin typeface="Selawik Semibold" panose="020B0702040204020203" pitchFamily="34" charset="0"/>
+            </a:endParaRPr>
+          </a:p>
+          <a:p>
+            <a:pPr lvl="2"/>
+            <a:endParaRPr lang="en-US" sz="1400" dirty="0">
+              <a:latin typeface="Selawik Semibold" panose="020B0702040204020203" pitchFamily="34" charset="0"/>
+            </a:endParaRPr>
+          </a:p>
+          <a:p>
+            <a:pPr lvl="2"/>
+            <a:endParaRPr lang="en-US" sz="1800" dirty="0">
+              <a:latin typeface="Selawik Semibold" panose="020B0702040204020203" pitchFamily="34" charset="0"/>
+            </a:endParaRPr>
+          </a:p>
+          <a:p>
+            <a:pPr lvl="2"/>
+            <a:endParaRPr lang="en-US" sz="1600" dirty="0">
+              <a:latin typeface="Selawik Semibold" panose="020B0702040204020203" pitchFamily="34" charset="0"/>
+            </a:endParaRPr>
+          </a:p>
+          <a:p>
+            <a:endParaRPr lang="en-US" sz="2400" dirty="0">
+              <a:latin typeface="Selawik Semibold" panose="020B0702040204020203" pitchFamily="34" charset="0"/>
+            </a:endParaRPr>
+          </a:p>
+          <a:p>
+            <a:pPr lvl="1"/>
+            <a:endParaRPr lang="en-US" sz="2000" dirty="0">
+              <a:latin typeface="Selawik Semibold" panose="020B0702040204020203" pitchFamily="34" charset="0"/>
+            </a:endParaRPr>
+          </a:p>
+          <a:p>
+            <a:pPr lvl="2"/>
+            <a:endParaRPr lang="en-US" sz="1800" dirty="0">
+              <a:latin typeface="Selawik Semibold" panose="020B0702040204020203" pitchFamily="34" charset="0"/>
+            </a:endParaRPr>
+          </a:p>
+          <a:p>
+            <a:pPr lvl="1"/>
+            <a:endParaRPr lang="en-US" sz="2200" dirty="0">
+              <a:latin typeface="Selawik Semibold" panose="020B0702040204020203" pitchFamily="34" charset="0"/>
+            </a:endParaRPr>
+          </a:p>
+        </p:txBody>
+      </p:sp>
+      <p:pic>
+        <p:nvPicPr>
+          <p:cNvPr id="4" name="Picture 3" descr="A drawing of a cartoon character&#10;&#10;Description automatically generated">
+            <a:extLst>
+              <a:ext uri="{FF2B5EF4-FFF2-40B4-BE49-F238E27FC236}">
+                <a16:creationId xmlns:a16="http://schemas.microsoft.com/office/drawing/2014/main" id="{A7FDC859-D890-4904-9C64-27F43DA90453}"/>
+              </a:ext>
+            </a:extLst>
+          </p:cNvPr>
+          <p:cNvPicPr>
+            <a:picLocks noChangeAspect="1"/>
+          </p:cNvPicPr>
+          <p:nvPr/>
+        </p:nvPicPr>
+        <p:blipFill rotWithShape="1">
+          <a:blip r:embed="rId2">
+            <a:extLst>
+              <a:ext uri="{28A0092B-C50C-407E-A947-70E740481C1C}">
+                <a14:useLocalDpi xmlns:a14="http://schemas.microsoft.com/office/drawing/2010/main" val="0"/>
+              </a:ext>
+            </a:extLst>
+          </a:blip>
+          <a:srcRect t="5616" r="2" b="2"/>
+          <a:stretch/>
+        </p:blipFill>
+        <p:spPr>
+          <a:xfrm>
+            <a:off x="7471144" y="1700078"/>
+            <a:ext cx="4720855" cy="2583792"/>
+          </a:xfrm>
+          <a:custGeom>
+            <a:avLst/>
+            <a:gdLst>
+              <a:gd name="connsiteX0" fmla="*/ 0 w 5475077"/>
+              <a:gd name="connsiteY0" fmla="*/ 0 h 2583792"/>
+              <a:gd name="connsiteX1" fmla="*/ 5475077 w 5475077"/>
+              <a:gd name="connsiteY1" fmla="*/ 0 h 2583792"/>
+              <a:gd name="connsiteX2" fmla="*/ 5475077 w 5475077"/>
+              <a:gd name="connsiteY2" fmla="*/ 2583792 h 2583792"/>
+              <a:gd name="connsiteX3" fmla="*/ 1197192 w 5475077"/>
+              <a:gd name="connsiteY3" fmla="*/ 2583792 h 2583792"/>
+            </a:gdLst>
+            <a:ahLst/>
+            <a:cxnLst>
+              <a:cxn ang="0">
+                <a:pos x="connsiteX0" y="connsiteY0"/>
+              </a:cxn>
+              <a:cxn ang="0">
+                <a:pos x="connsiteX1" y="connsiteY1"/>
+              </a:cxn>
+              <a:cxn ang="0">
+                <a:pos x="connsiteX2" y="connsiteY2"/>
+              </a:cxn>
+              <a:cxn ang="0">
+                <a:pos x="connsiteX3" y="connsiteY3"/>
+              </a:cxn>
+            </a:cxnLst>
+            <a:rect l="l" t="t" r="r" b="b"/>
+            <a:pathLst>
+              <a:path w="5475077" h="2583792">
+                <a:moveTo>
+                  <a:pt x="0" y="0"/>
+                </a:moveTo>
+                <a:lnTo>
+                  <a:pt x="5475077" y="0"/>
+                </a:lnTo>
+                <a:lnTo>
+                  <a:pt x="5475077" y="2583792"/>
+                </a:lnTo>
+                <a:lnTo>
+                  <a:pt x="1197192" y="2583792"/>
+                </a:lnTo>
+                <a:close/>
+              </a:path>
+            </a:pathLst>
+          </a:custGeom>
+        </p:spPr>
+      </p:pic>
+      <p:pic>
+        <p:nvPicPr>
+          <p:cNvPr id="5" name="Content Placeholder 4" descr="A picture containing indoor&#10;&#10;Description automatically generated">
+            <a:extLst>
+              <a:ext uri="{FF2B5EF4-FFF2-40B4-BE49-F238E27FC236}">
+                <a16:creationId xmlns:a16="http://schemas.microsoft.com/office/drawing/2014/main" id="{A58F0E55-21F3-485B-A07F-1CE74177BDD2}"/>
+              </a:ext>
+            </a:extLst>
+          </p:cNvPr>
+          <p:cNvPicPr>
+            <a:picLocks noChangeAspect="1"/>
+          </p:cNvPicPr>
+          <p:nvPr/>
+        </p:nvPicPr>
+        <p:blipFill rotWithShape="1">
+          <a:blip r:embed="rId3">
+            <a:extLst>
+              <a:ext uri="{28A0092B-C50C-407E-A947-70E740481C1C}">
+                <a14:useLocalDpi xmlns:a14="http://schemas.microsoft.com/office/drawing/2010/main" val="0"/>
+              </a:ext>
+            </a:extLst>
+          </a:blip>
+          <a:srcRect t="5300" r="3" b="6859"/>
+          <a:stretch/>
+        </p:blipFill>
+        <p:spPr>
+          <a:xfrm>
+            <a:off x="8491869" y="4283870"/>
+            <a:ext cx="3700129" cy="2583520"/>
+          </a:xfrm>
+          <a:custGeom>
+            <a:avLst/>
+            <a:gdLst>
+              <a:gd name="connsiteX0" fmla="*/ 0 w 4277884"/>
+              <a:gd name="connsiteY0" fmla="*/ 0 h 2583520"/>
+              <a:gd name="connsiteX1" fmla="*/ 4277884 w 4277884"/>
+              <a:gd name="connsiteY1" fmla="*/ 0 h 2583520"/>
+              <a:gd name="connsiteX2" fmla="*/ 4277884 w 4277884"/>
+              <a:gd name="connsiteY2" fmla="*/ 2583520 h 2583520"/>
+              <a:gd name="connsiteX3" fmla="*/ 1192437 w 4277884"/>
+              <a:gd name="connsiteY3" fmla="*/ 2583520 h 2583520"/>
+              <a:gd name="connsiteX4" fmla="*/ 1188085 w 4277884"/>
+              <a:gd name="connsiteY4" fmla="*/ 2574129 h 2583520"/>
+              <a:gd name="connsiteX5" fmla="*/ 1192715 w 4277884"/>
+              <a:gd name="connsiteY5" fmla="*/ 2574129 h 2583520"/>
+            </a:gdLst>
+            <a:ahLst/>
+            <a:cxnLst>
+              <a:cxn ang="0">
+                <a:pos x="connsiteX0" y="connsiteY0"/>
+              </a:cxn>
+              <a:cxn ang="0">
+                <a:pos x="connsiteX1" y="connsiteY1"/>
+              </a:cxn>
+              <a:cxn ang="0">
+                <a:pos x="connsiteX2" y="connsiteY2"/>
+              </a:cxn>
+              <a:cxn ang="0">
+                <a:pos x="connsiteX3" y="connsiteY3"/>
+              </a:cxn>
+              <a:cxn ang="0">
+                <a:pos x="connsiteX4" y="connsiteY4"/>
+              </a:cxn>
+              <a:cxn ang="0">
+                <a:pos x="connsiteX5" y="connsiteY5"/>
+              </a:cxn>
+            </a:cxnLst>
+            <a:rect l="l" t="t" r="r" b="b"/>
+            <a:pathLst>
+              <a:path w="4277884" h="2583520">
+                <a:moveTo>
+                  <a:pt x="0" y="0"/>
+                </a:moveTo>
+                <a:lnTo>
+                  <a:pt x="4277884" y="0"/>
+                </a:lnTo>
+                <a:lnTo>
+                  <a:pt x="4277884" y="2583520"/>
+                </a:lnTo>
+                <a:lnTo>
+                  <a:pt x="1192437" y="2583520"/>
+                </a:lnTo>
+                <a:lnTo>
+                  <a:pt x="1188085" y="2574129"/>
+                </a:lnTo>
+                <a:lnTo>
+                  <a:pt x="1192715" y="2574129"/>
+                </a:lnTo>
+                <a:close/>
+              </a:path>
+            </a:pathLst>
+          </a:custGeom>
+        </p:spPr>
+      </p:pic>
+      <p:sp>
+        <p:nvSpPr>
+          <p:cNvPr id="6" name="Rectangle 5">
+            <a:extLst>
+              <a:ext uri="{FF2B5EF4-FFF2-40B4-BE49-F238E27FC236}">
+                <a16:creationId xmlns:a16="http://schemas.microsoft.com/office/drawing/2014/main" id="{A2901312-C3C2-4CEC-80EF-823AB4FBB726}"/>
+              </a:ext>
+            </a:extLst>
+          </p:cNvPr>
+          <p:cNvSpPr/>
+          <p:nvPr/>
+        </p:nvSpPr>
+        <p:spPr>
+          <a:xfrm>
+            <a:off x="-1" y="1608918"/>
+            <a:ext cx="12191999" cy="91160"/>
+          </a:xfrm>
+          <a:prstGeom prst="rect">
+            <a:avLst/>
+          </a:prstGeom>
+          <a:solidFill>
+            <a:schemeClr val="bg1"/>
+          </a:solidFill>
+          <a:ln>
+            <a:noFill/>
+          </a:ln>
+        </p:spPr>
+        <p:style>
+          <a:lnRef idx="2">
+            <a:schemeClr val="accent1">
+              <a:shade val="50000"/>
+            </a:schemeClr>
+          </a:lnRef>
+          <a:fillRef idx="1">
+            <a:schemeClr val="accent1"/>
+          </a:fillRef>
+          <a:effectRef idx="0">
+            <a:schemeClr val="accent1"/>
+          </a:effectRef>
+          <a:fontRef idx="minor">
+            <a:schemeClr val="lt1"/>
+          </a:fontRef>
+        </p:style>
+        <p:txBody>
+          <a:bodyPr rtlCol="0" anchor="ctr"/>
+          <a:lstStyle/>
+          <a:p>
+            <a:pPr algn="ctr"/>
+            <a:endParaRPr lang="en-US">
+              <a:solidFill>
+                <a:srgbClr val="DB5B5C"/>
+              </a:solidFill>
+            </a:endParaRPr>
+          </a:p>
+        </p:txBody>
+      </p:sp>
+      <p:sp>
+        <p:nvSpPr>
+          <p:cNvPr id="15" name="Rectangle 14">
+            <a:extLst>
+              <a:ext uri="{FF2B5EF4-FFF2-40B4-BE49-F238E27FC236}">
+                <a16:creationId xmlns:a16="http://schemas.microsoft.com/office/drawing/2014/main" id="{AD0A7C9C-CA2C-4B9B-A125-2D09D5573B44}"/>
+              </a:ext>
+            </a:extLst>
+          </p:cNvPr>
+          <p:cNvSpPr/>
+          <p:nvPr/>
+        </p:nvSpPr>
+        <p:spPr>
+          <a:xfrm>
+            <a:off x="1" y="6677247"/>
+            <a:ext cx="12191999" cy="190143"/>
+          </a:xfrm>
+          <a:prstGeom prst="rect">
+            <a:avLst/>
+          </a:prstGeom>
+          <a:solidFill>
+            <a:schemeClr val="bg1"/>
+          </a:solidFill>
+          <a:ln>
+            <a:noFill/>
+          </a:ln>
+        </p:spPr>
+        <p:style>
+          <a:lnRef idx="2">
+            <a:schemeClr val="accent1">
+              <a:shade val="50000"/>
+            </a:schemeClr>
+          </a:lnRef>
+          <a:fillRef idx="1">
+            <a:schemeClr val="accent1"/>
+          </a:fillRef>
+          <a:effectRef idx="0">
+            <a:schemeClr val="accent1"/>
+          </a:effectRef>
+          <a:fontRef idx="minor">
+            <a:schemeClr val="lt1"/>
+          </a:fontRef>
+        </p:style>
+        <p:txBody>
+          <a:bodyPr rtlCol="0" anchor="ctr"/>
+          <a:lstStyle/>
+          <a:p>
+            <a:pPr algn="ctr"/>
+            <a:endParaRPr lang="en-US">
+              <a:solidFill>
+                <a:srgbClr val="DB5B5C"/>
+              </a:solidFill>
+            </a:endParaRPr>
+          </a:p>
+        </p:txBody>
+      </p:sp>
+      <p:sp>
+        <p:nvSpPr>
+          <p:cNvPr id="16" name="Rectangle 15">
+            <a:extLst>
+              <a:ext uri="{FF2B5EF4-FFF2-40B4-BE49-F238E27FC236}">
+                <a16:creationId xmlns:a16="http://schemas.microsoft.com/office/drawing/2014/main" id="{74A085FC-1866-46D4-97F7-51AA45E48D4F}"/>
+              </a:ext>
+            </a:extLst>
+          </p:cNvPr>
+          <p:cNvSpPr/>
+          <p:nvPr/>
+        </p:nvSpPr>
+        <p:spPr>
+          <a:xfrm rot="4092292">
+            <a:off x="5790668" y="4094517"/>
+            <a:ext cx="5446699" cy="137038"/>
+          </a:xfrm>
+          <a:prstGeom prst="rect">
+            <a:avLst/>
+          </a:prstGeom>
+          <a:solidFill>
+            <a:schemeClr val="bg1"/>
+          </a:solidFill>
+          <a:ln>
+            <a:noFill/>
+          </a:ln>
+        </p:spPr>
+        <p:style>
+          <a:lnRef idx="2">
+            <a:schemeClr val="accent1">
+              <a:shade val="50000"/>
+            </a:schemeClr>
+          </a:lnRef>
+          <a:fillRef idx="1">
+            <a:schemeClr val="accent1"/>
+          </a:fillRef>
+          <a:effectRef idx="0">
+            <a:schemeClr val="accent1"/>
+          </a:effectRef>
+          <a:fontRef idx="minor">
+            <a:schemeClr val="lt1"/>
+          </a:fontRef>
+        </p:style>
+        <p:txBody>
+          <a:bodyPr rtlCol="0" anchor="ctr"/>
+          <a:lstStyle/>
+          <a:p>
+            <a:pPr algn="ctr"/>
+            <a:endParaRPr lang="en-US">
+              <a:solidFill>
+                <a:srgbClr val="DB5B5C"/>
+              </a:solidFill>
+            </a:endParaRPr>
+          </a:p>
+        </p:txBody>
+      </p:sp>
+    </p:spTree>
+    <p:extLst>
+      <p:ext uri="{BB962C8B-B14F-4D97-AF65-F5344CB8AC3E}">
+        <p14:creationId xmlns:p14="http://schemas.microsoft.com/office/powerpoint/2010/main" val="1291736236"/>
+      </p:ext>
+    </p:extLst>
+  </p:cSld>
+  <p:clrMapOvr>
+    <a:overrideClrMapping bg1="dk1" tx1="lt1" bg2="dk2" tx2="lt2" accent1="accent1" accent2="accent2" accent3="accent3" accent4="accent4" accent5="accent5" accent6="accent6" hlink="hlink" folHlink="folHlink"/>
+  </p:clrMapOvr>
+</p:sld>
+</file>
+
+<file path=ppt/slides/slide19.xml><?xml version="1.0" encoding="utf-8"?>
+<p:sld xmlns:a="http://schemas.openxmlformats.org/drawingml/2006/main" xmlns:r="http://schemas.openxmlformats.org/officeDocument/2006/relationships" xmlns:p="http://schemas.openxmlformats.org/presentationml/2006/main">
+  <p:cSld>
+    <p:bg>
+      <p:bgPr>
+        <a:solidFill>
+          <a:srgbClr val="395583"/>
+        </a:solidFill>
+        <a:effectLst/>
+      </p:bgPr>
+    </p:bg>
+    <p:spTree>
+      <p:nvGrpSpPr>
+        <p:cNvPr id="1" name=""/>
+        <p:cNvGrpSpPr/>
+        <p:nvPr/>
+      </p:nvGrpSpPr>
+      <p:grpSpPr>
+        <a:xfrm>
+          <a:off x="0" y="0"/>
+          <a:ext cx="0" cy="0"/>
+          <a:chOff x="0" y="0"/>
+          <a:chExt cx="0" cy="0"/>
+        </a:xfrm>
+      </p:grpSpPr>
+      <p:sp>
+        <p:nvSpPr>
+          <p:cNvPr id="25" name="Rectangle 24">
+            <a:extLst>
+              <a:ext uri="{FF2B5EF4-FFF2-40B4-BE49-F238E27FC236}">
+                <a16:creationId xmlns:a16="http://schemas.microsoft.com/office/drawing/2014/main" id="{A6792F05-2FD4-4F18-815E-15391E8B4A0E}"/>
+              </a:ext>
+              <a:ext uri="{C183D7F6-B498-43B3-948B-1728B52AA6E4}">
+                <adec:decorative xmlns:adec="http://schemas.microsoft.com/office/drawing/2017/decorative" val="1"/>
+              </a:ext>
+            </a:extLst>
+          </p:cNvPr>
+          <p:cNvSpPr>
+            <a:spLocks noGrp="1" noRot="1" noChangeAspect="1" noMove="1" noResize="1" noEditPoints="1" noAdjustHandles="1" noChangeArrowheads="1" noChangeShapeType="1" noTextEdit="1"/>
+          </p:cNvSpPr>
+          <p:nvPr>
+            <p:extLst>
+              <p:ext uri="{386F3935-93C4-4BCD-93E2-E3B085C9AB24}">
+                <p16:designElem xmlns:p16="http://schemas.microsoft.com/office/powerpoint/2015/main" val="1"/>
+              </p:ext>
+            </p:extLst>
+          </p:nvPr>
+        </p:nvSpPr>
+        <p:spPr>
+          <a:xfrm>
+            <a:off x="0" y="0"/>
+            <a:ext cx="12191999" cy="6858000"/>
+          </a:xfrm>
+          <a:prstGeom prst="rect">
+            <a:avLst/>
+          </a:prstGeom>
+          <a:solidFill>
+            <a:srgbClr val="395583"/>
+          </a:solidFill>
+          <a:ln>
+            <a:noFill/>
+          </a:ln>
+        </p:spPr>
+        <p:style>
+          <a:lnRef idx="2">
+            <a:schemeClr val="accent1">
+              <a:shade val="50000"/>
+            </a:schemeClr>
+          </a:lnRef>
+          <a:fillRef idx="1">
+            <a:schemeClr val="accent1"/>
+          </a:fillRef>
+          <a:effectRef idx="0">
+            <a:schemeClr val="accent1"/>
+          </a:effectRef>
+          <a:fontRef idx="minor">
+            <a:schemeClr val="lt1"/>
+          </a:fontRef>
+        </p:style>
+        <p:txBody>
+          <a:bodyPr rtlCol="0" anchor="ctr"/>
+          <a:lstStyle/>
+          <a:p>
+            <a:pPr algn="ctr"/>
+            <a:endParaRPr lang="en-US"/>
+          </a:p>
+        </p:txBody>
+      </p:sp>
+      <p:sp>
+        <p:nvSpPr>
+          <p:cNvPr id="2" name="Title 1">
+            <a:extLst>
+              <a:ext uri="{FF2B5EF4-FFF2-40B4-BE49-F238E27FC236}">
+                <a16:creationId xmlns:a16="http://schemas.microsoft.com/office/drawing/2014/main" id="{2589AFCC-0FF0-498C-B11F-8990DF0DAAA5}"/>
+              </a:ext>
+            </a:extLst>
+          </p:cNvPr>
+          <p:cNvSpPr>
+            <a:spLocks noGrp="1"/>
+          </p:cNvSpPr>
+          <p:nvPr>
+            <p:ph type="title"/>
+          </p:nvPr>
+        </p:nvSpPr>
+        <p:spPr>
+          <a:xfrm>
+            <a:off x="838200" y="365125"/>
+            <a:ext cx="10515600" cy="1325563"/>
+          </a:xfrm>
+        </p:spPr>
+        <p:txBody>
+          <a:bodyPr>
+            <a:normAutofit/>
+          </a:bodyPr>
+          <a:lstStyle/>
+          <a:p>
+            <a:r>
+              <a:rPr lang="en-US" b="1" dirty="0">
+                <a:latin typeface="Selawik Semibold" panose="020B0604020202020204" pitchFamily="34" charset="0"/>
+              </a:rPr>
+              <a:t>Your Industry Future</a:t>
+            </a:r>
+          </a:p>
+        </p:txBody>
+      </p:sp>
+      <p:sp>
+        <p:nvSpPr>
+          <p:cNvPr id="9" name="Content Placeholder 8">
+            <a:extLst>
+              <a:ext uri="{FF2B5EF4-FFF2-40B4-BE49-F238E27FC236}">
+                <a16:creationId xmlns:a16="http://schemas.microsoft.com/office/drawing/2014/main" id="{2D995594-59F2-4020-AB6F-751BAE84ADB3}"/>
+              </a:ext>
+            </a:extLst>
+          </p:cNvPr>
+          <p:cNvSpPr>
+            <a:spLocks noGrp="1"/>
+          </p:cNvSpPr>
+          <p:nvPr>
+            <p:ph idx="1"/>
+          </p:nvPr>
+        </p:nvSpPr>
+        <p:spPr>
+          <a:xfrm>
+            <a:off x="838199" y="2021248"/>
+            <a:ext cx="7102643" cy="4695905"/>
+          </a:xfrm>
+        </p:spPr>
+        <p:txBody>
+          <a:bodyPr>
+            <a:normAutofit/>
+          </a:bodyPr>
+          <a:lstStyle/>
+          <a:p>
+            <a:r>
+              <a:rPr lang="en-US" sz="2400" dirty="0">
+                <a:latin typeface="Selawik Semibold" panose="020B0702040204020203" pitchFamily="34" charset="0"/>
+              </a:rPr>
+              <a:t>Conferences </a:t>
+            </a:r>
+          </a:p>
+          <a:p>
+            <a:pPr marL="0" indent="0">
+              <a:buNone/>
+            </a:pPr>
+            <a:endParaRPr lang="en-US" sz="1100" dirty="0">
+              <a:latin typeface="Selawik Semibold" panose="020B0702040204020203" pitchFamily="34" charset="0"/>
+            </a:endParaRPr>
+          </a:p>
+          <a:p>
+            <a:pPr lvl="1"/>
+            <a:r>
+              <a:rPr lang="en-US" sz="2000" dirty="0">
+                <a:latin typeface="Selawik Semibold" panose="020B0702040204020203" pitchFamily="34" charset="0"/>
+              </a:rPr>
+              <a:t>Carnegie Mellon Sports Analytics Conference</a:t>
+            </a:r>
+          </a:p>
+          <a:p>
+            <a:pPr lvl="1"/>
+            <a:r>
+              <a:rPr lang="en-US" sz="2000" dirty="0">
+                <a:latin typeface="Selawik Semibold" panose="020B0702040204020203" pitchFamily="34" charset="0"/>
+              </a:rPr>
+              <a:t>Great Lakes Analytics Conference</a:t>
+            </a:r>
+          </a:p>
+          <a:p>
+            <a:pPr lvl="1"/>
+            <a:r>
+              <a:rPr lang="en-US" sz="2000" dirty="0" err="1">
+                <a:latin typeface="Selawik Semibold" panose="020B0702040204020203" pitchFamily="34" charset="0"/>
+              </a:rPr>
+              <a:t>MathSport</a:t>
+            </a:r>
+            <a:r>
+              <a:rPr lang="en-US" sz="2000" dirty="0">
+                <a:latin typeface="Selawik Semibold" panose="020B0702040204020203" pitchFamily="34" charset="0"/>
+              </a:rPr>
+              <a:t> International</a:t>
+            </a:r>
+          </a:p>
+          <a:p>
+            <a:pPr lvl="1"/>
+            <a:r>
+              <a:rPr lang="en-US" sz="2000" dirty="0">
+                <a:latin typeface="Selawik Semibold" panose="020B0702040204020203" pitchFamily="34" charset="0"/>
+              </a:rPr>
+              <a:t>MIT Sloan Sports Analytics Conference</a:t>
+            </a:r>
+          </a:p>
+          <a:p>
+            <a:pPr lvl="1"/>
+            <a:r>
+              <a:rPr lang="en-US" sz="2000" dirty="0">
+                <a:latin typeface="Selawik Semibold" panose="020B0702040204020203" pitchFamily="34" charset="0"/>
+              </a:rPr>
+              <a:t>New England Symposium on Statistics in Sports</a:t>
+            </a:r>
+          </a:p>
+          <a:p>
+            <a:pPr lvl="1"/>
+            <a:r>
+              <a:rPr lang="en-US" sz="2000" dirty="0">
+                <a:latin typeface="Selawik Semibold" panose="020B0702040204020203" pitchFamily="34" charset="0"/>
+              </a:rPr>
+              <a:t>Rochester Institute of Technology Sports Analytics Conference</a:t>
+            </a:r>
+          </a:p>
+          <a:p>
+            <a:pPr lvl="1"/>
+            <a:r>
+              <a:rPr lang="en-US" sz="2000" dirty="0">
+                <a:latin typeface="Selawik Semibold" panose="020B0702040204020203" pitchFamily="34" charset="0"/>
+              </a:rPr>
+              <a:t>Sports IDEAS Symposium</a:t>
+            </a:r>
+          </a:p>
+          <a:p>
+            <a:pPr lvl="1"/>
+            <a:r>
+              <a:rPr lang="en-US" sz="2000" dirty="0" err="1">
+                <a:latin typeface="Selawik Semibold" panose="020B0702040204020203" pitchFamily="34" charset="0"/>
+              </a:rPr>
+              <a:t>Uconn</a:t>
+            </a:r>
+            <a:r>
+              <a:rPr lang="en-US" sz="2000" dirty="0">
+                <a:latin typeface="Selawik Semibold" panose="020B0702040204020203" pitchFamily="34" charset="0"/>
+              </a:rPr>
+              <a:t> Sports Analytics Symposium</a:t>
+            </a:r>
+          </a:p>
+          <a:p>
+            <a:pPr lvl="1"/>
+            <a:endParaRPr lang="en-US" sz="2000" dirty="0">
+              <a:latin typeface="Selawik Semibold" panose="020B0702040204020203" pitchFamily="34" charset="0"/>
+            </a:endParaRPr>
+          </a:p>
+          <a:p>
+            <a:pPr lvl="2"/>
+            <a:endParaRPr lang="en-US" sz="1800" dirty="0">
+              <a:latin typeface="Selawik Semibold" panose="020B0702040204020203" pitchFamily="34" charset="0"/>
+            </a:endParaRPr>
+          </a:p>
+        </p:txBody>
+      </p:sp>
+      <p:pic>
+        <p:nvPicPr>
+          <p:cNvPr id="4" name="Picture 3" descr="A drawing of a cartoon character&#10;&#10;Description automatically generated">
+            <a:extLst>
+              <a:ext uri="{FF2B5EF4-FFF2-40B4-BE49-F238E27FC236}">
+                <a16:creationId xmlns:a16="http://schemas.microsoft.com/office/drawing/2014/main" id="{A7FDC859-D890-4904-9C64-27F43DA90453}"/>
+              </a:ext>
+            </a:extLst>
+          </p:cNvPr>
+          <p:cNvPicPr>
+            <a:picLocks noChangeAspect="1"/>
+          </p:cNvPicPr>
+          <p:nvPr/>
+        </p:nvPicPr>
+        <p:blipFill rotWithShape="1">
+          <a:blip r:embed="rId2">
+            <a:extLst>
+              <a:ext uri="{28A0092B-C50C-407E-A947-70E740481C1C}">
+                <a14:useLocalDpi xmlns:a14="http://schemas.microsoft.com/office/drawing/2010/main" val="0"/>
+              </a:ext>
+            </a:extLst>
+          </a:blip>
+          <a:srcRect t="5616" r="2" b="2"/>
+          <a:stretch/>
+        </p:blipFill>
+        <p:spPr>
+          <a:xfrm>
+            <a:off x="7471144" y="1700078"/>
+            <a:ext cx="4720855" cy="2583792"/>
+          </a:xfrm>
+          <a:custGeom>
+            <a:avLst/>
+            <a:gdLst>
+              <a:gd name="connsiteX0" fmla="*/ 0 w 5475077"/>
+              <a:gd name="connsiteY0" fmla="*/ 0 h 2583792"/>
+              <a:gd name="connsiteX1" fmla="*/ 5475077 w 5475077"/>
+              <a:gd name="connsiteY1" fmla="*/ 0 h 2583792"/>
+              <a:gd name="connsiteX2" fmla="*/ 5475077 w 5475077"/>
+              <a:gd name="connsiteY2" fmla="*/ 2583792 h 2583792"/>
+              <a:gd name="connsiteX3" fmla="*/ 1197192 w 5475077"/>
+              <a:gd name="connsiteY3" fmla="*/ 2583792 h 2583792"/>
+            </a:gdLst>
+            <a:ahLst/>
+            <a:cxnLst>
+              <a:cxn ang="0">
+                <a:pos x="connsiteX0" y="connsiteY0"/>
+              </a:cxn>
+              <a:cxn ang="0">
+                <a:pos x="connsiteX1" y="connsiteY1"/>
+              </a:cxn>
+              <a:cxn ang="0">
+                <a:pos x="connsiteX2" y="connsiteY2"/>
+              </a:cxn>
+              <a:cxn ang="0">
+                <a:pos x="connsiteX3" y="connsiteY3"/>
+              </a:cxn>
+            </a:cxnLst>
+            <a:rect l="l" t="t" r="r" b="b"/>
+            <a:pathLst>
+              <a:path w="5475077" h="2583792">
+                <a:moveTo>
+                  <a:pt x="0" y="0"/>
+                </a:moveTo>
+                <a:lnTo>
+                  <a:pt x="5475077" y="0"/>
+                </a:lnTo>
+                <a:lnTo>
+                  <a:pt x="5475077" y="2583792"/>
+                </a:lnTo>
+                <a:lnTo>
+                  <a:pt x="1197192" y="2583792"/>
+                </a:lnTo>
+                <a:close/>
+              </a:path>
+            </a:pathLst>
+          </a:custGeom>
+        </p:spPr>
+      </p:pic>
+      <p:pic>
+        <p:nvPicPr>
+          <p:cNvPr id="5" name="Content Placeholder 4" descr="A picture containing indoor&#10;&#10;Description automatically generated">
+            <a:extLst>
+              <a:ext uri="{FF2B5EF4-FFF2-40B4-BE49-F238E27FC236}">
+                <a16:creationId xmlns:a16="http://schemas.microsoft.com/office/drawing/2014/main" id="{A58F0E55-21F3-485B-A07F-1CE74177BDD2}"/>
+              </a:ext>
+            </a:extLst>
+          </p:cNvPr>
+          <p:cNvPicPr>
+            <a:picLocks noChangeAspect="1"/>
+          </p:cNvPicPr>
+          <p:nvPr/>
+        </p:nvPicPr>
+        <p:blipFill rotWithShape="1">
+          <a:blip r:embed="rId3">
+            <a:extLst>
+              <a:ext uri="{28A0092B-C50C-407E-A947-70E740481C1C}">
+                <a14:useLocalDpi xmlns:a14="http://schemas.microsoft.com/office/drawing/2010/main" val="0"/>
+              </a:ext>
+            </a:extLst>
+          </a:blip>
+          <a:srcRect t="5300" r="3" b="6859"/>
+          <a:stretch/>
+        </p:blipFill>
+        <p:spPr>
+          <a:xfrm>
+            <a:off x="8491869" y="4283870"/>
+            <a:ext cx="3700129" cy="2583520"/>
+          </a:xfrm>
+          <a:custGeom>
+            <a:avLst/>
+            <a:gdLst>
+              <a:gd name="connsiteX0" fmla="*/ 0 w 4277884"/>
+              <a:gd name="connsiteY0" fmla="*/ 0 h 2583520"/>
+              <a:gd name="connsiteX1" fmla="*/ 4277884 w 4277884"/>
+              <a:gd name="connsiteY1" fmla="*/ 0 h 2583520"/>
+              <a:gd name="connsiteX2" fmla="*/ 4277884 w 4277884"/>
+              <a:gd name="connsiteY2" fmla="*/ 2583520 h 2583520"/>
+              <a:gd name="connsiteX3" fmla="*/ 1192437 w 4277884"/>
+              <a:gd name="connsiteY3" fmla="*/ 2583520 h 2583520"/>
+              <a:gd name="connsiteX4" fmla="*/ 1188085 w 4277884"/>
+              <a:gd name="connsiteY4" fmla="*/ 2574129 h 2583520"/>
+              <a:gd name="connsiteX5" fmla="*/ 1192715 w 4277884"/>
+              <a:gd name="connsiteY5" fmla="*/ 2574129 h 2583520"/>
+            </a:gdLst>
+            <a:ahLst/>
+            <a:cxnLst>
+              <a:cxn ang="0">
+                <a:pos x="connsiteX0" y="connsiteY0"/>
+              </a:cxn>
+              <a:cxn ang="0">
+                <a:pos x="connsiteX1" y="connsiteY1"/>
+              </a:cxn>
+              <a:cxn ang="0">
+                <a:pos x="connsiteX2" y="connsiteY2"/>
+              </a:cxn>
+              <a:cxn ang="0">
+                <a:pos x="connsiteX3" y="connsiteY3"/>
+              </a:cxn>
+              <a:cxn ang="0">
+                <a:pos x="connsiteX4" y="connsiteY4"/>
+              </a:cxn>
+              <a:cxn ang="0">
+                <a:pos x="connsiteX5" y="connsiteY5"/>
+              </a:cxn>
+            </a:cxnLst>
+            <a:rect l="l" t="t" r="r" b="b"/>
+            <a:pathLst>
+              <a:path w="4277884" h="2583520">
+                <a:moveTo>
+                  <a:pt x="0" y="0"/>
+                </a:moveTo>
+                <a:lnTo>
+                  <a:pt x="4277884" y="0"/>
+                </a:lnTo>
+                <a:lnTo>
+                  <a:pt x="4277884" y="2583520"/>
+                </a:lnTo>
+                <a:lnTo>
+                  <a:pt x="1192437" y="2583520"/>
+                </a:lnTo>
+                <a:lnTo>
+                  <a:pt x="1188085" y="2574129"/>
+                </a:lnTo>
+                <a:lnTo>
+                  <a:pt x="1192715" y="2574129"/>
+                </a:lnTo>
+                <a:close/>
+              </a:path>
+            </a:pathLst>
+          </a:custGeom>
+        </p:spPr>
+      </p:pic>
+      <p:sp>
+        <p:nvSpPr>
+          <p:cNvPr id="6" name="Rectangle 5">
+            <a:extLst>
+              <a:ext uri="{FF2B5EF4-FFF2-40B4-BE49-F238E27FC236}">
+                <a16:creationId xmlns:a16="http://schemas.microsoft.com/office/drawing/2014/main" id="{A2901312-C3C2-4CEC-80EF-823AB4FBB726}"/>
+              </a:ext>
+            </a:extLst>
+          </p:cNvPr>
+          <p:cNvSpPr/>
+          <p:nvPr/>
+        </p:nvSpPr>
+        <p:spPr>
+          <a:xfrm>
+            <a:off x="-1" y="1608918"/>
+            <a:ext cx="12191999" cy="91160"/>
+          </a:xfrm>
+          <a:prstGeom prst="rect">
+            <a:avLst/>
+          </a:prstGeom>
+          <a:solidFill>
+            <a:schemeClr val="bg1"/>
+          </a:solidFill>
+          <a:ln>
+            <a:noFill/>
+          </a:ln>
+        </p:spPr>
+        <p:style>
+          <a:lnRef idx="2">
+            <a:schemeClr val="accent1">
+              <a:shade val="50000"/>
+            </a:schemeClr>
+          </a:lnRef>
+          <a:fillRef idx="1">
+            <a:schemeClr val="accent1"/>
+          </a:fillRef>
+          <a:effectRef idx="0">
+            <a:schemeClr val="accent1"/>
+          </a:effectRef>
+          <a:fontRef idx="minor">
+            <a:schemeClr val="lt1"/>
+          </a:fontRef>
+        </p:style>
+        <p:txBody>
+          <a:bodyPr rtlCol="0" anchor="ctr"/>
+          <a:lstStyle/>
+          <a:p>
+            <a:pPr algn="ctr"/>
+            <a:endParaRPr lang="en-US">
+              <a:solidFill>
+                <a:srgbClr val="DB5B5C"/>
+              </a:solidFill>
+            </a:endParaRPr>
+          </a:p>
+        </p:txBody>
+      </p:sp>
+      <p:sp>
+        <p:nvSpPr>
+          <p:cNvPr id="15" name="Rectangle 14">
+            <a:extLst>
+              <a:ext uri="{FF2B5EF4-FFF2-40B4-BE49-F238E27FC236}">
+                <a16:creationId xmlns:a16="http://schemas.microsoft.com/office/drawing/2014/main" id="{AD0A7C9C-CA2C-4B9B-A125-2D09D5573B44}"/>
+              </a:ext>
+            </a:extLst>
+          </p:cNvPr>
+          <p:cNvSpPr/>
+          <p:nvPr/>
+        </p:nvSpPr>
+        <p:spPr>
+          <a:xfrm>
+            <a:off x="1" y="6677247"/>
+            <a:ext cx="12191999" cy="190143"/>
+          </a:xfrm>
+          <a:prstGeom prst="rect">
+            <a:avLst/>
+          </a:prstGeom>
+          <a:solidFill>
+            <a:schemeClr val="bg1"/>
+          </a:solidFill>
+          <a:ln>
+            <a:noFill/>
+          </a:ln>
+        </p:spPr>
+        <p:style>
+          <a:lnRef idx="2">
+            <a:schemeClr val="accent1">
+              <a:shade val="50000"/>
+            </a:schemeClr>
+          </a:lnRef>
+          <a:fillRef idx="1">
+            <a:schemeClr val="accent1"/>
+          </a:fillRef>
+          <a:effectRef idx="0">
+            <a:schemeClr val="accent1"/>
+          </a:effectRef>
+          <a:fontRef idx="minor">
+            <a:schemeClr val="lt1"/>
+          </a:fontRef>
+        </p:style>
+        <p:txBody>
+          <a:bodyPr rtlCol="0" anchor="ctr"/>
+          <a:lstStyle/>
+          <a:p>
+            <a:pPr algn="ctr"/>
+            <a:endParaRPr lang="en-US">
+              <a:solidFill>
+                <a:srgbClr val="DB5B5C"/>
+              </a:solidFill>
+            </a:endParaRPr>
+          </a:p>
+        </p:txBody>
+      </p:sp>
+      <p:sp>
+        <p:nvSpPr>
+          <p:cNvPr id="16" name="Rectangle 15">
+            <a:extLst>
+              <a:ext uri="{FF2B5EF4-FFF2-40B4-BE49-F238E27FC236}">
+                <a16:creationId xmlns:a16="http://schemas.microsoft.com/office/drawing/2014/main" id="{74A085FC-1866-46D4-97F7-51AA45E48D4F}"/>
+              </a:ext>
+            </a:extLst>
+          </p:cNvPr>
+          <p:cNvSpPr/>
+          <p:nvPr/>
+        </p:nvSpPr>
+        <p:spPr>
+          <a:xfrm rot="4092292">
+            <a:off x="5790668" y="4094517"/>
+            <a:ext cx="5446699" cy="137038"/>
+          </a:xfrm>
+          <a:prstGeom prst="rect">
+            <a:avLst/>
+          </a:prstGeom>
+          <a:solidFill>
+            <a:schemeClr val="bg1"/>
+          </a:solidFill>
+          <a:ln>
+            <a:noFill/>
+          </a:ln>
+        </p:spPr>
+        <p:style>
+          <a:lnRef idx="2">
+            <a:schemeClr val="accent1">
+              <a:shade val="50000"/>
+            </a:schemeClr>
+          </a:lnRef>
+          <a:fillRef idx="1">
+            <a:schemeClr val="accent1"/>
+          </a:fillRef>
+          <a:effectRef idx="0">
+            <a:schemeClr val="accent1"/>
+          </a:effectRef>
+          <a:fontRef idx="minor">
+            <a:schemeClr val="lt1"/>
+          </a:fontRef>
+        </p:style>
+        <p:txBody>
+          <a:bodyPr rtlCol="0" anchor="ctr"/>
+          <a:lstStyle/>
+          <a:p>
+            <a:pPr algn="ctr"/>
+            <a:endParaRPr lang="en-US">
+              <a:solidFill>
+                <a:srgbClr val="DB5B5C"/>
+              </a:solidFill>
+            </a:endParaRPr>
+          </a:p>
+        </p:txBody>
+      </p:sp>
       <p:sp>
         <p:nvSpPr>
           <p:cNvPr id="3" name="TextBox 2">
@@ -9110,8 +10352,12 @@
           <a:p>
             <a:pPr algn="r"/>
             <a:r>
+              <a:rPr lang="en-US" sz="2000"/>
+              <a:t>Compiled on </a:t>
+            </a:r>
+            <a:r>
               <a:rPr lang="en-US" sz="2000" dirty="0"/>
-              <a:t>Compiled by Medium.com</a:t>
+              <a:t>Medium.com</a:t>
             </a:r>
           </a:p>
         </p:txBody>
@@ -9129,7 +10375,596 @@
 </p:sld>
 </file>
 
-<file path=ppt/slides/slide18.xml><?xml version="1.0" encoding="utf-8"?>
+<file path=ppt/slides/slide2.xml><?xml version="1.0" encoding="utf-8"?>
+<p:sld xmlns:a="http://schemas.openxmlformats.org/drawingml/2006/main" xmlns:r="http://schemas.openxmlformats.org/officeDocument/2006/relationships" xmlns:p="http://schemas.openxmlformats.org/presentationml/2006/main">
+  <p:cSld>
+    <p:bg>
+      <p:bgPr>
+        <a:solidFill>
+          <a:srgbClr val="395583"/>
+        </a:solidFill>
+        <a:effectLst/>
+      </p:bgPr>
+    </p:bg>
+    <p:spTree>
+      <p:nvGrpSpPr>
+        <p:cNvPr id="1" name=""/>
+        <p:cNvGrpSpPr/>
+        <p:nvPr/>
+      </p:nvGrpSpPr>
+      <p:grpSpPr>
+        <a:xfrm>
+          <a:off x="0" y="0"/>
+          <a:ext cx="0" cy="0"/>
+          <a:chOff x="0" y="0"/>
+          <a:chExt cx="0" cy="0"/>
+        </a:xfrm>
+      </p:grpSpPr>
+      <p:sp>
+        <p:nvSpPr>
+          <p:cNvPr id="25" name="Rectangle 24">
+            <a:extLst>
+              <a:ext uri="{FF2B5EF4-FFF2-40B4-BE49-F238E27FC236}">
+                <a16:creationId xmlns:a16="http://schemas.microsoft.com/office/drawing/2014/main" id="{A6792F05-2FD4-4F18-815E-15391E8B4A0E}"/>
+              </a:ext>
+              <a:ext uri="{C183D7F6-B498-43B3-948B-1728B52AA6E4}">
+                <adec:decorative xmlns:adec="http://schemas.microsoft.com/office/drawing/2017/decorative" val="1"/>
+              </a:ext>
+            </a:extLst>
+          </p:cNvPr>
+          <p:cNvSpPr>
+            <a:spLocks noGrp="1" noRot="1" noChangeAspect="1" noMove="1" noResize="1" noEditPoints="1" noAdjustHandles="1" noChangeArrowheads="1" noChangeShapeType="1" noTextEdit="1"/>
+          </p:cNvSpPr>
+          <p:nvPr>
+            <p:extLst>
+              <p:ext uri="{386F3935-93C4-4BCD-93E2-E3B085C9AB24}">
+                <p16:designElem xmlns:p16="http://schemas.microsoft.com/office/powerpoint/2015/main" val="1"/>
+              </p:ext>
+            </p:extLst>
+          </p:nvPr>
+        </p:nvSpPr>
+        <p:spPr>
+          <a:xfrm>
+            <a:off x="0" y="0"/>
+            <a:ext cx="12191999" cy="6858000"/>
+          </a:xfrm>
+          <a:prstGeom prst="rect">
+            <a:avLst/>
+          </a:prstGeom>
+          <a:solidFill>
+            <a:srgbClr val="395583"/>
+          </a:solidFill>
+          <a:ln>
+            <a:noFill/>
+          </a:ln>
+        </p:spPr>
+        <p:style>
+          <a:lnRef idx="2">
+            <a:schemeClr val="accent1">
+              <a:shade val="50000"/>
+            </a:schemeClr>
+          </a:lnRef>
+          <a:fillRef idx="1">
+            <a:schemeClr val="accent1"/>
+          </a:fillRef>
+          <a:effectRef idx="0">
+            <a:schemeClr val="accent1"/>
+          </a:effectRef>
+          <a:fontRef idx="minor">
+            <a:schemeClr val="lt1"/>
+          </a:fontRef>
+        </p:style>
+        <p:txBody>
+          <a:bodyPr rtlCol="0" anchor="ctr"/>
+          <a:lstStyle/>
+          <a:p>
+            <a:pPr algn="ctr"/>
+            <a:endParaRPr lang="en-US"/>
+          </a:p>
+        </p:txBody>
+      </p:sp>
+      <p:sp>
+        <p:nvSpPr>
+          <p:cNvPr id="2" name="Title 1">
+            <a:extLst>
+              <a:ext uri="{FF2B5EF4-FFF2-40B4-BE49-F238E27FC236}">
+                <a16:creationId xmlns:a16="http://schemas.microsoft.com/office/drawing/2014/main" id="{2589AFCC-0FF0-498C-B11F-8990DF0DAAA5}"/>
+              </a:ext>
+            </a:extLst>
+          </p:cNvPr>
+          <p:cNvSpPr>
+            <a:spLocks noGrp="1"/>
+          </p:cNvSpPr>
+          <p:nvPr>
+            <p:ph type="title"/>
+          </p:nvPr>
+        </p:nvSpPr>
+        <p:spPr>
+          <a:xfrm>
+            <a:off x="838200" y="365125"/>
+            <a:ext cx="10515600" cy="1325563"/>
+          </a:xfrm>
+        </p:spPr>
+        <p:txBody>
+          <a:bodyPr>
+            <a:normAutofit/>
+          </a:bodyPr>
+          <a:lstStyle/>
+          <a:p>
+            <a:r>
+              <a:rPr lang="en-US" b="1" dirty="0">
+                <a:latin typeface="Selawik Semibold" panose="020B0604020202020204" pitchFamily="34" charset="0"/>
+              </a:rPr>
+              <a:t>Industry Past</a:t>
+            </a:r>
+          </a:p>
+        </p:txBody>
+      </p:sp>
+      <p:sp>
+        <p:nvSpPr>
+          <p:cNvPr id="9" name="Content Placeholder 8">
+            <a:extLst>
+              <a:ext uri="{FF2B5EF4-FFF2-40B4-BE49-F238E27FC236}">
+                <a16:creationId xmlns:a16="http://schemas.microsoft.com/office/drawing/2014/main" id="{2D995594-59F2-4020-AB6F-751BAE84ADB3}"/>
+              </a:ext>
+            </a:extLst>
+          </p:cNvPr>
+          <p:cNvSpPr>
+            <a:spLocks noGrp="1"/>
+          </p:cNvSpPr>
+          <p:nvPr>
+            <p:ph idx="1"/>
+          </p:nvPr>
+        </p:nvSpPr>
+        <p:spPr>
+          <a:xfrm>
+            <a:off x="838200" y="2021249"/>
+            <a:ext cx="6994712" cy="4155713"/>
+          </a:xfrm>
+        </p:spPr>
+        <p:txBody>
+          <a:bodyPr>
+            <a:normAutofit/>
+          </a:bodyPr>
+          <a:lstStyle/>
+          <a:p>
+            <a:r>
+              <a:rPr lang="en-US" sz="2400" dirty="0">
+                <a:latin typeface="Selawik Semibold" panose="020B0702040204020203" pitchFamily="34" charset="0"/>
+              </a:rPr>
+              <a:t>Sports Analytics Use Survey (2013)</a:t>
+            </a:r>
+          </a:p>
+          <a:p>
+            <a:endParaRPr lang="en-US" sz="2400" dirty="0">
+              <a:latin typeface="Selawik Semibold" panose="020B0702040204020203" pitchFamily="34" charset="0"/>
+            </a:endParaRPr>
+          </a:p>
+          <a:p>
+            <a:r>
+              <a:rPr lang="en-US" sz="2400" dirty="0">
+                <a:latin typeface="Selawik Semibold" panose="020B0702040204020203" pitchFamily="34" charset="0"/>
+              </a:rPr>
+              <a:t>Sample of 27 People</a:t>
+            </a:r>
+            <a:r>
+              <a:rPr lang="en-US" sz="2000" dirty="0">
+                <a:latin typeface="Selawik Semibold" panose="020B0702040204020203" pitchFamily="34" charset="0"/>
+              </a:rPr>
+              <a:t> </a:t>
+            </a:r>
+            <a:r>
+              <a:rPr lang="en-US" sz="2400" dirty="0">
+                <a:latin typeface="Selawik Semibold" panose="020B0702040204020203" pitchFamily="34" charset="0"/>
+              </a:rPr>
+              <a:t>(NFL, MLB, NBA, EPL)</a:t>
+            </a:r>
+          </a:p>
+          <a:p>
+            <a:endParaRPr lang="en-US" sz="2400" dirty="0">
+              <a:latin typeface="Selawik Semibold" panose="020B0702040204020203" pitchFamily="34" charset="0"/>
+            </a:endParaRPr>
+          </a:p>
+          <a:p>
+            <a:r>
+              <a:rPr lang="en-US" sz="2400" dirty="0">
+                <a:latin typeface="Selawik Semibold" panose="020B0702040204020203" pitchFamily="34" charset="0"/>
+              </a:rPr>
+              <a:t>How Many Different Sources?</a:t>
+            </a:r>
+          </a:p>
+          <a:p>
+            <a:pPr lvl="1"/>
+            <a:r>
+              <a:rPr lang="en-US" sz="2000" dirty="0">
+                <a:latin typeface="Selawik Semibold" panose="020B0702040204020203" pitchFamily="34" charset="0"/>
+              </a:rPr>
+              <a:t>1-2 (6.7%) </a:t>
+            </a:r>
+          </a:p>
+          <a:p>
+            <a:pPr lvl="1"/>
+            <a:r>
+              <a:rPr lang="en-US" sz="2000" dirty="0">
+                <a:latin typeface="Selawik Semibold" panose="020B0702040204020203" pitchFamily="34" charset="0"/>
+              </a:rPr>
+              <a:t>3-4 (33.3%) </a:t>
+            </a:r>
+          </a:p>
+          <a:p>
+            <a:pPr lvl="1"/>
+            <a:r>
+              <a:rPr lang="en-US" sz="2000" dirty="0">
+                <a:latin typeface="Selawik Semibold" panose="020B0702040204020203" pitchFamily="34" charset="0"/>
+              </a:rPr>
+              <a:t>5-6 (13.3%) </a:t>
+            </a:r>
+          </a:p>
+          <a:p>
+            <a:pPr lvl="1"/>
+            <a:r>
+              <a:rPr lang="en-US" sz="2000" dirty="0">
+                <a:latin typeface="Selawik Semibold" panose="020B0702040204020203" pitchFamily="34" charset="0"/>
+              </a:rPr>
+              <a:t>&gt;6 (46.71%) </a:t>
+            </a:r>
+          </a:p>
+        </p:txBody>
+      </p:sp>
+      <p:pic>
+        <p:nvPicPr>
+          <p:cNvPr id="4" name="Picture 3" descr="A drawing of a cartoon character&#10;&#10;Description automatically generated">
+            <a:extLst>
+              <a:ext uri="{FF2B5EF4-FFF2-40B4-BE49-F238E27FC236}">
+                <a16:creationId xmlns:a16="http://schemas.microsoft.com/office/drawing/2014/main" id="{A7FDC859-D890-4904-9C64-27F43DA90453}"/>
+              </a:ext>
+            </a:extLst>
+          </p:cNvPr>
+          <p:cNvPicPr>
+            <a:picLocks noChangeAspect="1"/>
+          </p:cNvPicPr>
+          <p:nvPr/>
+        </p:nvPicPr>
+        <p:blipFill rotWithShape="1">
+          <a:blip r:embed="rId2">
+            <a:extLst>
+              <a:ext uri="{28A0092B-C50C-407E-A947-70E740481C1C}">
+                <a14:useLocalDpi xmlns:a14="http://schemas.microsoft.com/office/drawing/2010/main" val="0"/>
+              </a:ext>
+            </a:extLst>
+          </a:blip>
+          <a:srcRect t="5616" r="2" b="2"/>
+          <a:stretch/>
+        </p:blipFill>
+        <p:spPr>
+          <a:xfrm>
+            <a:off x="7471144" y="1700078"/>
+            <a:ext cx="4720855" cy="2583792"/>
+          </a:xfrm>
+          <a:custGeom>
+            <a:avLst/>
+            <a:gdLst>
+              <a:gd name="connsiteX0" fmla="*/ 0 w 5475077"/>
+              <a:gd name="connsiteY0" fmla="*/ 0 h 2583792"/>
+              <a:gd name="connsiteX1" fmla="*/ 5475077 w 5475077"/>
+              <a:gd name="connsiteY1" fmla="*/ 0 h 2583792"/>
+              <a:gd name="connsiteX2" fmla="*/ 5475077 w 5475077"/>
+              <a:gd name="connsiteY2" fmla="*/ 2583792 h 2583792"/>
+              <a:gd name="connsiteX3" fmla="*/ 1197192 w 5475077"/>
+              <a:gd name="connsiteY3" fmla="*/ 2583792 h 2583792"/>
+            </a:gdLst>
+            <a:ahLst/>
+            <a:cxnLst>
+              <a:cxn ang="0">
+                <a:pos x="connsiteX0" y="connsiteY0"/>
+              </a:cxn>
+              <a:cxn ang="0">
+                <a:pos x="connsiteX1" y="connsiteY1"/>
+              </a:cxn>
+              <a:cxn ang="0">
+                <a:pos x="connsiteX2" y="connsiteY2"/>
+              </a:cxn>
+              <a:cxn ang="0">
+                <a:pos x="connsiteX3" y="connsiteY3"/>
+              </a:cxn>
+            </a:cxnLst>
+            <a:rect l="l" t="t" r="r" b="b"/>
+            <a:pathLst>
+              <a:path w="5475077" h="2583792">
+                <a:moveTo>
+                  <a:pt x="0" y="0"/>
+                </a:moveTo>
+                <a:lnTo>
+                  <a:pt x="5475077" y="0"/>
+                </a:lnTo>
+                <a:lnTo>
+                  <a:pt x="5475077" y="2583792"/>
+                </a:lnTo>
+                <a:lnTo>
+                  <a:pt x="1197192" y="2583792"/>
+                </a:lnTo>
+                <a:close/>
+              </a:path>
+            </a:pathLst>
+          </a:custGeom>
+        </p:spPr>
+      </p:pic>
+      <p:pic>
+        <p:nvPicPr>
+          <p:cNvPr id="5" name="Content Placeholder 4" descr="A picture containing indoor&#10;&#10;Description automatically generated">
+            <a:extLst>
+              <a:ext uri="{FF2B5EF4-FFF2-40B4-BE49-F238E27FC236}">
+                <a16:creationId xmlns:a16="http://schemas.microsoft.com/office/drawing/2014/main" id="{A58F0E55-21F3-485B-A07F-1CE74177BDD2}"/>
+              </a:ext>
+            </a:extLst>
+          </p:cNvPr>
+          <p:cNvPicPr>
+            <a:picLocks noChangeAspect="1"/>
+          </p:cNvPicPr>
+          <p:nvPr/>
+        </p:nvPicPr>
+        <p:blipFill rotWithShape="1">
+          <a:blip r:embed="rId3">
+            <a:extLst>
+              <a:ext uri="{28A0092B-C50C-407E-A947-70E740481C1C}">
+                <a14:useLocalDpi xmlns:a14="http://schemas.microsoft.com/office/drawing/2010/main" val="0"/>
+              </a:ext>
+            </a:extLst>
+          </a:blip>
+          <a:srcRect t="5300" r="3" b="6859"/>
+          <a:stretch/>
+        </p:blipFill>
+        <p:spPr>
+          <a:xfrm>
+            <a:off x="8491869" y="4283870"/>
+            <a:ext cx="3700129" cy="2583520"/>
+          </a:xfrm>
+          <a:custGeom>
+            <a:avLst/>
+            <a:gdLst>
+              <a:gd name="connsiteX0" fmla="*/ 0 w 4277884"/>
+              <a:gd name="connsiteY0" fmla="*/ 0 h 2583520"/>
+              <a:gd name="connsiteX1" fmla="*/ 4277884 w 4277884"/>
+              <a:gd name="connsiteY1" fmla="*/ 0 h 2583520"/>
+              <a:gd name="connsiteX2" fmla="*/ 4277884 w 4277884"/>
+              <a:gd name="connsiteY2" fmla="*/ 2583520 h 2583520"/>
+              <a:gd name="connsiteX3" fmla="*/ 1192437 w 4277884"/>
+              <a:gd name="connsiteY3" fmla="*/ 2583520 h 2583520"/>
+              <a:gd name="connsiteX4" fmla="*/ 1188085 w 4277884"/>
+              <a:gd name="connsiteY4" fmla="*/ 2574129 h 2583520"/>
+              <a:gd name="connsiteX5" fmla="*/ 1192715 w 4277884"/>
+              <a:gd name="connsiteY5" fmla="*/ 2574129 h 2583520"/>
+            </a:gdLst>
+            <a:ahLst/>
+            <a:cxnLst>
+              <a:cxn ang="0">
+                <a:pos x="connsiteX0" y="connsiteY0"/>
+              </a:cxn>
+              <a:cxn ang="0">
+                <a:pos x="connsiteX1" y="connsiteY1"/>
+              </a:cxn>
+              <a:cxn ang="0">
+                <a:pos x="connsiteX2" y="connsiteY2"/>
+              </a:cxn>
+              <a:cxn ang="0">
+                <a:pos x="connsiteX3" y="connsiteY3"/>
+              </a:cxn>
+              <a:cxn ang="0">
+                <a:pos x="connsiteX4" y="connsiteY4"/>
+              </a:cxn>
+              <a:cxn ang="0">
+                <a:pos x="connsiteX5" y="connsiteY5"/>
+              </a:cxn>
+            </a:cxnLst>
+            <a:rect l="l" t="t" r="r" b="b"/>
+            <a:pathLst>
+              <a:path w="4277884" h="2583520">
+                <a:moveTo>
+                  <a:pt x="0" y="0"/>
+                </a:moveTo>
+                <a:lnTo>
+                  <a:pt x="4277884" y="0"/>
+                </a:lnTo>
+                <a:lnTo>
+                  <a:pt x="4277884" y="2583520"/>
+                </a:lnTo>
+                <a:lnTo>
+                  <a:pt x="1192437" y="2583520"/>
+                </a:lnTo>
+                <a:lnTo>
+                  <a:pt x="1188085" y="2574129"/>
+                </a:lnTo>
+                <a:lnTo>
+                  <a:pt x="1192715" y="2574129"/>
+                </a:lnTo>
+                <a:close/>
+              </a:path>
+            </a:pathLst>
+          </a:custGeom>
+        </p:spPr>
+      </p:pic>
+      <p:sp>
+        <p:nvSpPr>
+          <p:cNvPr id="6" name="Rectangle 5">
+            <a:extLst>
+              <a:ext uri="{FF2B5EF4-FFF2-40B4-BE49-F238E27FC236}">
+                <a16:creationId xmlns:a16="http://schemas.microsoft.com/office/drawing/2014/main" id="{A2901312-C3C2-4CEC-80EF-823AB4FBB726}"/>
+              </a:ext>
+            </a:extLst>
+          </p:cNvPr>
+          <p:cNvSpPr/>
+          <p:nvPr/>
+        </p:nvSpPr>
+        <p:spPr>
+          <a:xfrm>
+            <a:off x="-1" y="1608918"/>
+            <a:ext cx="12191999" cy="91160"/>
+          </a:xfrm>
+          <a:prstGeom prst="rect">
+            <a:avLst/>
+          </a:prstGeom>
+          <a:solidFill>
+            <a:schemeClr val="bg1"/>
+          </a:solidFill>
+          <a:ln>
+            <a:noFill/>
+          </a:ln>
+        </p:spPr>
+        <p:style>
+          <a:lnRef idx="2">
+            <a:schemeClr val="accent1">
+              <a:shade val="50000"/>
+            </a:schemeClr>
+          </a:lnRef>
+          <a:fillRef idx="1">
+            <a:schemeClr val="accent1"/>
+          </a:fillRef>
+          <a:effectRef idx="0">
+            <a:schemeClr val="accent1"/>
+          </a:effectRef>
+          <a:fontRef idx="minor">
+            <a:schemeClr val="lt1"/>
+          </a:fontRef>
+        </p:style>
+        <p:txBody>
+          <a:bodyPr rtlCol="0" anchor="ctr"/>
+          <a:lstStyle/>
+          <a:p>
+            <a:pPr algn="ctr"/>
+            <a:endParaRPr lang="en-US">
+              <a:solidFill>
+                <a:srgbClr val="DB5B5C"/>
+              </a:solidFill>
+            </a:endParaRPr>
+          </a:p>
+        </p:txBody>
+      </p:sp>
+      <p:sp>
+        <p:nvSpPr>
+          <p:cNvPr id="15" name="Rectangle 14">
+            <a:extLst>
+              <a:ext uri="{FF2B5EF4-FFF2-40B4-BE49-F238E27FC236}">
+                <a16:creationId xmlns:a16="http://schemas.microsoft.com/office/drawing/2014/main" id="{AD0A7C9C-CA2C-4B9B-A125-2D09D5573B44}"/>
+              </a:ext>
+            </a:extLst>
+          </p:cNvPr>
+          <p:cNvSpPr/>
+          <p:nvPr/>
+        </p:nvSpPr>
+        <p:spPr>
+          <a:xfrm>
+            <a:off x="1" y="6677247"/>
+            <a:ext cx="12191999" cy="190143"/>
+          </a:xfrm>
+          <a:prstGeom prst="rect">
+            <a:avLst/>
+          </a:prstGeom>
+          <a:solidFill>
+            <a:schemeClr val="bg1"/>
+          </a:solidFill>
+          <a:ln>
+            <a:noFill/>
+          </a:ln>
+        </p:spPr>
+        <p:style>
+          <a:lnRef idx="2">
+            <a:schemeClr val="accent1">
+              <a:shade val="50000"/>
+            </a:schemeClr>
+          </a:lnRef>
+          <a:fillRef idx="1">
+            <a:schemeClr val="accent1"/>
+          </a:fillRef>
+          <a:effectRef idx="0">
+            <a:schemeClr val="accent1"/>
+          </a:effectRef>
+          <a:fontRef idx="minor">
+            <a:schemeClr val="lt1"/>
+          </a:fontRef>
+        </p:style>
+        <p:txBody>
+          <a:bodyPr rtlCol="0" anchor="ctr"/>
+          <a:lstStyle/>
+          <a:p>
+            <a:pPr algn="ctr"/>
+            <a:endParaRPr lang="en-US">
+              <a:solidFill>
+                <a:srgbClr val="DB5B5C"/>
+              </a:solidFill>
+            </a:endParaRPr>
+          </a:p>
+        </p:txBody>
+      </p:sp>
+      <p:sp>
+        <p:nvSpPr>
+          <p:cNvPr id="16" name="Rectangle 15">
+            <a:extLst>
+              <a:ext uri="{FF2B5EF4-FFF2-40B4-BE49-F238E27FC236}">
+                <a16:creationId xmlns:a16="http://schemas.microsoft.com/office/drawing/2014/main" id="{74A085FC-1866-46D4-97F7-51AA45E48D4F}"/>
+              </a:ext>
+            </a:extLst>
+          </p:cNvPr>
+          <p:cNvSpPr/>
+          <p:nvPr/>
+        </p:nvSpPr>
+        <p:spPr>
+          <a:xfrm rot="4092292">
+            <a:off x="5790668" y="4094517"/>
+            <a:ext cx="5446699" cy="137038"/>
+          </a:xfrm>
+          <a:prstGeom prst="rect">
+            <a:avLst/>
+          </a:prstGeom>
+          <a:solidFill>
+            <a:schemeClr val="bg1"/>
+          </a:solidFill>
+          <a:ln>
+            <a:noFill/>
+          </a:ln>
+        </p:spPr>
+        <p:style>
+          <a:lnRef idx="2">
+            <a:schemeClr val="accent1">
+              <a:shade val="50000"/>
+            </a:schemeClr>
+          </a:lnRef>
+          <a:fillRef idx="1">
+            <a:schemeClr val="accent1"/>
+          </a:fillRef>
+          <a:effectRef idx="0">
+            <a:schemeClr val="accent1"/>
+          </a:effectRef>
+          <a:fontRef idx="minor">
+            <a:schemeClr val="lt1"/>
+          </a:fontRef>
+        </p:style>
+        <p:txBody>
+          <a:bodyPr rtlCol="0" anchor="ctr"/>
+          <a:lstStyle/>
+          <a:p>
+            <a:pPr algn="ctr"/>
+            <a:endParaRPr lang="en-US">
+              <a:solidFill>
+                <a:srgbClr val="DB5B5C"/>
+              </a:solidFill>
+            </a:endParaRPr>
+          </a:p>
+        </p:txBody>
+      </p:sp>
+    </p:spTree>
+    <p:extLst>
+      <p:ext uri="{BB962C8B-B14F-4D97-AF65-F5344CB8AC3E}">
+        <p14:creationId xmlns:p14="http://schemas.microsoft.com/office/powerpoint/2010/main" val="1770409084"/>
+      </p:ext>
+    </p:extLst>
+  </p:cSld>
+  <p:clrMapOvr>
+    <a:overrideClrMapping bg1="dk1" tx1="lt1" bg2="dk2" tx2="lt2" accent1="accent1" accent2="accent2" accent3="accent3" accent4="accent4" accent5="accent5" accent6="accent6" hlink="hlink" folHlink="folHlink"/>
+  </p:clrMapOvr>
+</p:sld>
+</file>
+
+<file path=ppt/slides/slide20.xml><?xml version="1.0" encoding="utf-8"?>
 <p:sld xmlns:a="http://schemas.openxmlformats.org/drawingml/2006/main" xmlns:r="http://schemas.openxmlformats.org/officeDocument/2006/relationships" xmlns:p="http://schemas.openxmlformats.org/presentationml/2006/main">
   <p:cSld>
     <p:bg>
@@ -9737,595 +11572,6 @@
 </p:sld>
 </file>
 
-<file path=ppt/slides/slide2.xml><?xml version="1.0" encoding="utf-8"?>
-<p:sld xmlns:a="http://schemas.openxmlformats.org/drawingml/2006/main" xmlns:r="http://schemas.openxmlformats.org/officeDocument/2006/relationships" xmlns:p="http://schemas.openxmlformats.org/presentationml/2006/main">
-  <p:cSld>
-    <p:bg>
-      <p:bgPr>
-        <a:solidFill>
-          <a:srgbClr val="395583"/>
-        </a:solidFill>
-        <a:effectLst/>
-      </p:bgPr>
-    </p:bg>
-    <p:spTree>
-      <p:nvGrpSpPr>
-        <p:cNvPr id="1" name=""/>
-        <p:cNvGrpSpPr/>
-        <p:nvPr/>
-      </p:nvGrpSpPr>
-      <p:grpSpPr>
-        <a:xfrm>
-          <a:off x="0" y="0"/>
-          <a:ext cx="0" cy="0"/>
-          <a:chOff x="0" y="0"/>
-          <a:chExt cx="0" cy="0"/>
-        </a:xfrm>
-      </p:grpSpPr>
-      <p:sp>
-        <p:nvSpPr>
-          <p:cNvPr id="25" name="Rectangle 24">
-            <a:extLst>
-              <a:ext uri="{FF2B5EF4-FFF2-40B4-BE49-F238E27FC236}">
-                <a16:creationId xmlns:a16="http://schemas.microsoft.com/office/drawing/2014/main" id="{A6792F05-2FD4-4F18-815E-15391E8B4A0E}"/>
-              </a:ext>
-              <a:ext uri="{C183D7F6-B498-43B3-948B-1728B52AA6E4}">
-                <adec:decorative xmlns:adec="http://schemas.microsoft.com/office/drawing/2017/decorative" val="1"/>
-              </a:ext>
-            </a:extLst>
-          </p:cNvPr>
-          <p:cNvSpPr>
-            <a:spLocks noGrp="1" noRot="1" noChangeAspect="1" noMove="1" noResize="1" noEditPoints="1" noAdjustHandles="1" noChangeArrowheads="1" noChangeShapeType="1" noTextEdit="1"/>
-          </p:cNvSpPr>
-          <p:nvPr>
-            <p:extLst>
-              <p:ext uri="{386F3935-93C4-4BCD-93E2-E3B085C9AB24}">
-                <p16:designElem xmlns:p16="http://schemas.microsoft.com/office/powerpoint/2015/main" val="1"/>
-              </p:ext>
-            </p:extLst>
-          </p:nvPr>
-        </p:nvSpPr>
-        <p:spPr>
-          <a:xfrm>
-            <a:off x="0" y="0"/>
-            <a:ext cx="12191999" cy="6858000"/>
-          </a:xfrm>
-          <a:prstGeom prst="rect">
-            <a:avLst/>
-          </a:prstGeom>
-          <a:solidFill>
-            <a:srgbClr val="395583"/>
-          </a:solidFill>
-          <a:ln>
-            <a:noFill/>
-          </a:ln>
-        </p:spPr>
-        <p:style>
-          <a:lnRef idx="2">
-            <a:schemeClr val="accent1">
-              <a:shade val="50000"/>
-            </a:schemeClr>
-          </a:lnRef>
-          <a:fillRef idx="1">
-            <a:schemeClr val="accent1"/>
-          </a:fillRef>
-          <a:effectRef idx="0">
-            <a:schemeClr val="accent1"/>
-          </a:effectRef>
-          <a:fontRef idx="minor">
-            <a:schemeClr val="lt1"/>
-          </a:fontRef>
-        </p:style>
-        <p:txBody>
-          <a:bodyPr rtlCol="0" anchor="ctr"/>
-          <a:lstStyle/>
-          <a:p>
-            <a:pPr algn="ctr"/>
-            <a:endParaRPr lang="en-US"/>
-          </a:p>
-        </p:txBody>
-      </p:sp>
-      <p:sp>
-        <p:nvSpPr>
-          <p:cNvPr id="2" name="Title 1">
-            <a:extLst>
-              <a:ext uri="{FF2B5EF4-FFF2-40B4-BE49-F238E27FC236}">
-                <a16:creationId xmlns:a16="http://schemas.microsoft.com/office/drawing/2014/main" id="{2589AFCC-0FF0-498C-B11F-8990DF0DAAA5}"/>
-              </a:ext>
-            </a:extLst>
-          </p:cNvPr>
-          <p:cNvSpPr>
-            <a:spLocks noGrp="1"/>
-          </p:cNvSpPr>
-          <p:nvPr>
-            <p:ph type="title"/>
-          </p:nvPr>
-        </p:nvSpPr>
-        <p:spPr>
-          <a:xfrm>
-            <a:off x="838200" y="365125"/>
-            <a:ext cx="10515600" cy="1325563"/>
-          </a:xfrm>
-        </p:spPr>
-        <p:txBody>
-          <a:bodyPr>
-            <a:normAutofit/>
-          </a:bodyPr>
-          <a:lstStyle/>
-          <a:p>
-            <a:r>
-              <a:rPr lang="en-US" b="1" dirty="0">
-                <a:latin typeface="Selawik Semibold" panose="020B0604020202020204" pitchFamily="34" charset="0"/>
-              </a:rPr>
-              <a:t>Industry Past</a:t>
-            </a:r>
-          </a:p>
-        </p:txBody>
-      </p:sp>
-      <p:sp>
-        <p:nvSpPr>
-          <p:cNvPr id="9" name="Content Placeholder 8">
-            <a:extLst>
-              <a:ext uri="{FF2B5EF4-FFF2-40B4-BE49-F238E27FC236}">
-                <a16:creationId xmlns:a16="http://schemas.microsoft.com/office/drawing/2014/main" id="{2D995594-59F2-4020-AB6F-751BAE84ADB3}"/>
-              </a:ext>
-            </a:extLst>
-          </p:cNvPr>
-          <p:cNvSpPr>
-            <a:spLocks noGrp="1"/>
-          </p:cNvSpPr>
-          <p:nvPr>
-            <p:ph idx="1"/>
-          </p:nvPr>
-        </p:nvSpPr>
-        <p:spPr>
-          <a:xfrm>
-            <a:off x="838200" y="2021249"/>
-            <a:ext cx="6994712" cy="4155713"/>
-          </a:xfrm>
-        </p:spPr>
-        <p:txBody>
-          <a:bodyPr>
-            <a:normAutofit/>
-          </a:bodyPr>
-          <a:lstStyle/>
-          <a:p>
-            <a:r>
-              <a:rPr lang="en-US" sz="2400" dirty="0">
-                <a:latin typeface="Selawik Semibold" panose="020B0702040204020203" pitchFamily="34" charset="0"/>
-              </a:rPr>
-              <a:t>Sports Analytics Use Survey (2013)</a:t>
-            </a:r>
-          </a:p>
-          <a:p>
-            <a:endParaRPr lang="en-US" sz="2400" dirty="0">
-              <a:latin typeface="Selawik Semibold" panose="020B0702040204020203" pitchFamily="34" charset="0"/>
-            </a:endParaRPr>
-          </a:p>
-          <a:p>
-            <a:r>
-              <a:rPr lang="en-US" sz="2400" dirty="0">
-                <a:latin typeface="Selawik Semibold" panose="020B0702040204020203" pitchFamily="34" charset="0"/>
-              </a:rPr>
-              <a:t>Sample of 27 People</a:t>
-            </a:r>
-            <a:r>
-              <a:rPr lang="en-US" sz="2000" dirty="0">
-                <a:latin typeface="Selawik Semibold" panose="020B0702040204020203" pitchFamily="34" charset="0"/>
-              </a:rPr>
-              <a:t> </a:t>
-            </a:r>
-            <a:r>
-              <a:rPr lang="en-US" sz="2400" dirty="0">
-                <a:latin typeface="Selawik Semibold" panose="020B0702040204020203" pitchFamily="34" charset="0"/>
-              </a:rPr>
-              <a:t>(NFL, MLB, NBA, EPL)</a:t>
-            </a:r>
-          </a:p>
-          <a:p>
-            <a:endParaRPr lang="en-US" sz="2400" dirty="0">
-              <a:latin typeface="Selawik Semibold" panose="020B0702040204020203" pitchFamily="34" charset="0"/>
-            </a:endParaRPr>
-          </a:p>
-          <a:p>
-            <a:r>
-              <a:rPr lang="en-US" sz="2400" dirty="0">
-                <a:latin typeface="Selawik Semibold" panose="020B0702040204020203" pitchFamily="34" charset="0"/>
-              </a:rPr>
-              <a:t>How Many Different Sources?</a:t>
-            </a:r>
-          </a:p>
-          <a:p>
-            <a:pPr lvl="1"/>
-            <a:r>
-              <a:rPr lang="en-US" sz="2000" dirty="0">
-                <a:latin typeface="Selawik Semibold" panose="020B0702040204020203" pitchFamily="34" charset="0"/>
-              </a:rPr>
-              <a:t>1-2 (6.7%) </a:t>
-            </a:r>
-          </a:p>
-          <a:p>
-            <a:pPr lvl="1"/>
-            <a:r>
-              <a:rPr lang="en-US" sz="2000" dirty="0">
-                <a:latin typeface="Selawik Semibold" panose="020B0702040204020203" pitchFamily="34" charset="0"/>
-              </a:rPr>
-              <a:t>3-4 (33.3%) </a:t>
-            </a:r>
-          </a:p>
-          <a:p>
-            <a:pPr lvl="1"/>
-            <a:r>
-              <a:rPr lang="en-US" sz="2000" dirty="0">
-                <a:latin typeface="Selawik Semibold" panose="020B0702040204020203" pitchFamily="34" charset="0"/>
-              </a:rPr>
-              <a:t>5-6 (13.3%) </a:t>
-            </a:r>
-          </a:p>
-          <a:p>
-            <a:pPr lvl="1"/>
-            <a:r>
-              <a:rPr lang="en-US" sz="2000" dirty="0">
-                <a:latin typeface="Selawik Semibold" panose="020B0702040204020203" pitchFamily="34" charset="0"/>
-              </a:rPr>
-              <a:t>&gt;6 (46.71%) </a:t>
-            </a:r>
-          </a:p>
-        </p:txBody>
-      </p:sp>
-      <p:pic>
-        <p:nvPicPr>
-          <p:cNvPr id="4" name="Picture 3" descr="A drawing of a cartoon character&#10;&#10;Description automatically generated">
-            <a:extLst>
-              <a:ext uri="{FF2B5EF4-FFF2-40B4-BE49-F238E27FC236}">
-                <a16:creationId xmlns:a16="http://schemas.microsoft.com/office/drawing/2014/main" id="{A7FDC859-D890-4904-9C64-27F43DA90453}"/>
-              </a:ext>
-            </a:extLst>
-          </p:cNvPr>
-          <p:cNvPicPr>
-            <a:picLocks noChangeAspect="1"/>
-          </p:cNvPicPr>
-          <p:nvPr/>
-        </p:nvPicPr>
-        <p:blipFill rotWithShape="1">
-          <a:blip r:embed="rId2">
-            <a:extLst>
-              <a:ext uri="{28A0092B-C50C-407E-A947-70E740481C1C}">
-                <a14:useLocalDpi xmlns:a14="http://schemas.microsoft.com/office/drawing/2010/main" val="0"/>
-              </a:ext>
-            </a:extLst>
-          </a:blip>
-          <a:srcRect t="5616" r="2" b="2"/>
-          <a:stretch/>
-        </p:blipFill>
-        <p:spPr>
-          <a:xfrm>
-            <a:off x="7471144" y="1700078"/>
-            <a:ext cx="4720855" cy="2583792"/>
-          </a:xfrm>
-          <a:custGeom>
-            <a:avLst/>
-            <a:gdLst>
-              <a:gd name="connsiteX0" fmla="*/ 0 w 5475077"/>
-              <a:gd name="connsiteY0" fmla="*/ 0 h 2583792"/>
-              <a:gd name="connsiteX1" fmla="*/ 5475077 w 5475077"/>
-              <a:gd name="connsiteY1" fmla="*/ 0 h 2583792"/>
-              <a:gd name="connsiteX2" fmla="*/ 5475077 w 5475077"/>
-              <a:gd name="connsiteY2" fmla="*/ 2583792 h 2583792"/>
-              <a:gd name="connsiteX3" fmla="*/ 1197192 w 5475077"/>
-              <a:gd name="connsiteY3" fmla="*/ 2583792 h 2583792"/>
-            </a:gdLst>
-            <a:ahLst/>
-            <a:cxnLst>
-              <a:cxn ang="0">
-                <a:pos x="connsiteX0" y="connsiteY0"/>
-              </a:cxn>
-              <a:cxn ang="0">
-                <a:pos x="connsiteX1" y="connsiteY1"/>
-              </a:cxn>
-              <a:cxn ang="0">
-                <a:pos x="connsiteX2" y="connsiteY2"/>
-              </a:cxn>
-              <a:cxn ang="0">
-                <a:pos x="connsiteX3" y="connsiteY3"/>
-              </a:cxn>
-            </a:cxnLst>
-            <a:rect l="l" t="t" r="r" b="b"/>
-            <a:pathLst>
-              <a:path w="5475077" h="2583792">
-                <a:moveTo>
-                  <a:pt x="0" y="0"/>
-                </a:moveTo>
-                <a:lnTo>
-                  <a:pt x="5475077" y="0"/>
-                </a:lnTo>
-                <a:lnTo>
-                  <a:pt x="5475077" y="2583792"/>
-                </a:lnTo>
-                <a:lnTo>
-                  <a:pt x="1197192" y="2583792"/>
-                </a:lnTo>
-                <a:close/>
-              </a:path>
-            </a:pathLst>
-          </a:custGeom>
-        </p:spPr>
-      </p:pic>
-      <p:pic>
-        <p:nvPicPr>
-          <p:cNvPr id="5" name="Content Placeholder 4" descr="A picture containing indoor&#10;&#10;Description automatically generated">
-            <a:extLst>
-              <a:ext uri="{FF2B5EF4-FFF2-40B4-BE49-F238E27FC236}">
-                <a16:creationId xmlns:a16="http://schemas.microsoft.com/office/drawing/2014/main" id="{A58F0E55-21F3-485B-A07F-1CE74177BDD2}"/>
-              </a:ext>
-            </a:extLst>
-          </p:cNvPr>
-          <p:cNvPicPr>
-            <a:picLocks noChangeAspect="1"/>
-          </p:cNvPicPr>
-          <p:nvPr/>
-        </p:nvPicPr>
-        <p:blipFill rotWithShape="1">
-          <a:blip r:embed="rId3">
-            <a:extLst>
-              <a:ext uri="{28A0092B-C50C-407E-A947-70E740481C1C}">
-                <a14:useLocalDpi xmlns:a14="http://schemas.microsoft.com/office/drawing/2010/main" val="0"/>
-              </a:ext>
-            </a:extLst>
-          </a:blip>
-          <a:srcRect t="5300" r="3" b="6859"/>
-          <a:stretch/>
-        </p:blipFill>
-        <p:spPr>
-          <a:xfrm>
-            <a:off x="8491869" y="4283870"/>
-            <a:ext cx="3700129" cy="2583520"/>
-          </a:xfrm>
-          <a:custGeom>
-            <a:avLst/>
-            <a:gdLst>
-              <a:gd name="connsiteX0" fmla="*/ 0 w 4277884"/>
-              <a:gd name="connsiteY0" fmla="*/ 0 h 2583520"/>
-              <a:gd name="connsiteX1" fmla="*/ 4277884 w 4277884"/>
-              <a:gd name="connsiteY1" fmla="*/ 0 h 2583520"/>
-              <a:gd name="connsiteX2" fmla="*/ 4277884 w 4277884"/>
-              <a:gd name="connsiteY2" fmla="*/ 2583520 h 2583520"/>
-              <a:gd name="connsiteX3" fmla="*/ 1192437 w 4277884"/>
-              <a:gd name="connsiteY3" fmla="*/ 2583520 h 2583520"/>
-              <a:gd name="connsiteX4" fmla="*/ 1188085 w 4277884"/>
-              <a:gd name="connsiteY4" fmla="*/ 2574129 h 2583520"/>
-              <a:gd name="connsiteX5" fmla="*/ 1192715 w 4277884"/>
-              <a:gd name="connsiteY5" fmla="*/ 2574129 h 2583520"/>
-            </a:gdLst>
-            <a:ahLst/>
-            <a:cxnLst>
-              <a:cxn ang="0">
-                <a:pos x="connsiteX0" y="connsiteY0"/>
-              </a:cxn>
-              <a:cxn ang="0">
-                <a:pos x="connsiteX1" y="connsiteY1"/>
-              </a:cxn>
-              <a:cxn ang="0">
-                <a:pos x="connsiteX2" y="connsiteY2"/>
-              </a:cxn>
-              <a:cxn ang="0">
-                <a:pos x="connsiteX3" y="connsiteY3"/>
-              </a:cxn>
-              <a:cxn ang="0">
-                <a:pos x="connsiteX4" y="connsiteY4"/>
-              </a:cxn>
-              <a:cxn ang="0">
-                <a:pos x="connsiteX5" y="connsiteY5"/>
-              </a:cxn>
-            </a:cxnLst>
-            <a:rect l="l" t="t" r="r" b="b"/>
-            <a:pathLst>
-              <a:path w="4277884" h="2583520">
-                <a:moveTo>
-                  <a:pt x="0" y="0"/>
-                </a:moveTo>
-                <a:lnTo>
-                  <a:pt x="4277884" y="0"/>
-                </a:lnTo>
-                <a:lnTo>
-                  <a:pt x="4277884" y="2583520"/>
-                </a:lnTo>
-                <a:lnTo>
-                  <a:pt x="1192437" y="2583520"/>
-                </a:lnTo>
-                <a:lnTo>
-                  <a:pt x="1188085" y="2574129"/>
-                </a:lnTo>
-                <a:lnTo>
-                  <a:pt x="1192715" y="2574129"/>
-                </a:lnTo>
-                <a:close/>
-              </a:path>
-            </a:pathLst>
-          </a:custGeom>
-        </p:spPr>
-      </p:pic>
-      <p:sp>
-        <p:nvSpPr>
-          <p:cNvPr id="6" name="Rectangle 5">
-            <a:extLst>
-              <a:ext uri="{FF2B5EF4-FFF2-40B4-BE49-F238E27FC236}">
-                <a16:creationId xmlns:a16="http://schemas.microsoft.com/office/drawing/2014/main" id="{A2901312-C3C2-4CEC-80EF-823AB4FBB726}"/>
-              </a:ext>
-            </a:extLst>
-          </p:cNvPr>
-          <p:cNvSpPr/>
-          <p:nvPr/>
-        </p:nvSpPr>
-        <p:spPr>
-          <a:xfrm>
-            <a:off x="-1" y="1608918"/>
-            <a:ext cx="12191999" cy="91160"/>
-          </a:xfrm>
-          <a:prstGeom prst="rect">
-            <a:avLst/>
-          </a:prstGeom>
-          <a:solidFill>
-            <a:schemeClr val="bg1"/>
-          </a:solidFill>
-          <a:ln>
-            <a:noFill/>
-          </a:ln>
-        </p:spPr>
-        <p:style>
-          <a:lnRef idx="2">
-            <a:schemeClr val="accent1">
-              <a:shade val="50000"/>
-            </a:schemeClr>
-          </a:lnRef>
-          <a:fillRef idx="1">
-            <a:schemeClr val="accent1"/>
-          </a:fillRef>
-          <a:effectRef idx="0">
-            <a:schemeClr val="accent1"/>
-          </a:effectRef>
-          <a:fontRef idx="minor">
-            <a:schemeClr val="lt1"/>
-          </a:fontRef>
-        </p:style>
-        <p:txBody>
-          <a:bodyPr rtlCol="0" anchor="ctr"/>
-          <a:lstStyle/>
-          <a:p>
-            <a:pPr algn="ctr"/>
-            <a:endParaRPr lang="en-US">
-              <a:solidFill>
-                <a:srgbClr val="DB5B5C"/>
-              </a:solidFill>
-            </a:endParaRPr>
-          </a:p>
-        </p:txBody>
-      </p:sp>
-      <p:sp>
-        <p:nvSpPr>
-          <p:cNvPr id="15" name="Rectangle 14">
-            <a:extLst>
-              <a:ext uri="{FF2B5EF4-FFF2-40B4-BE49-F238E27FC236}">
-                <a16:creationId xmlns:a16="http://schemas.microsoft.com/office/drawing/2014/main" id="{AD0A7C9C-CA2C-4B9B-A125-2D09D5573B44}"/>
-              </a:ext>
-            </a:extLst>
-          </p:cNvPr>
-          <p:cNvSpPr/>
-          <p:nvPr/>
-        </p:nvSpPr>
-        <p:spPr>
-          <a:xfrm>
-            <a:off x="1" y="6677247"/>
-            <a:ext cx="12191999" cy="190143"/>
-          </a:xfrm>
-          <a:prstGeom prst="rect">
-            <a:avLst/>
-          </a:prstGeom>
-          <a:solidFill>
-            <a:schemeClr val="bg1"/>
-          </a:solidFill>
-          <a:ln>
-            <a:noFill/>
-          </a:ln>
-        </p:spPr>
-        <p:style>
-          <a:lnRef idx="2">
-            <a:schemeClr val="accent1">
-              <a:shade val="50000"/>
-            </a:schemeClr>
-          </a:lnRef>
-          <a:fillRef idx="1">
-            <a:schemeClr val="accent1"/>
-          </a:fillRef>
-          <a:effectRef idx="0">
-            <a:schemeClr val="accent1"/>
-          </a:effectRef>
-          <a:fontRef idx="minor">
-            <a:schemeClr val="lt1"/>
-          </a:fontRef>
-        </p:style>
-        <p:txBody>
-          <a:bodyPr rtlCol="0" anchor="ctr"/>
-          <a:lstStyle/>
-          <a:p>
-            <a:pPr algn="ctr"/>
-            <a:endParaRPr lang="en-US">
-              <a:solidFill>
-                <a:srgbClr val="DB5B5C"/>
-              </a:solidFill>
-            </a:endParaRPr>
-          </a:p>
-        </p:txBody>
-      </p:sp>
-      <p:sp>
-        <p:nvSpPr>
-          <p:cNvPr id="16" name="Rectangle 15">
-            <a:extLst>
-              <a:ext uri="{FF2B5EF4-FFF2-40B4-BE49-F238E27FC236}">
-                <a16:creationId xmlns:a16="http://schemas.microsoft.com/office/drawing/2014/main" id="{74A085FC-1866-46D4-97F7-51AA45E48D4F}"/>
-              </a:ext>
-            </a:extLst>
-          </p:cNvPr>
-          <p:cNvSpPr/>
-          <p:nvPr/>
-        </p:nvSpPr>
-        <p:spPr>
-          <a:xfrm rot="4092292">
-            <a:off x="5790668" y="4094517"/>
-            <a:ext cx="5446699" cy="137038"/>
-          </a:xfrm>
-          <a:prstGeom prst="rect">
-            <a:avLst/>
-          </a:prstGeom>
-          <a:solidFill>
-            <a:schemeClr val="bg1"/>
-          </a:solidFill>
-          <a:ln>
-            <a:noFill/>
-          </a:ln>
-        </p:spPr>
-        <p:style>
-          <a:lnRef idx="2">
-            <a:schemeClr val="accent1">
-              <a:shade val="50000"/>
-            </a:schemeClr>
-          </a:lnRef>
-          <a:fillRef idx="1">
-            <a:schemeClr val="accent1"/>
-          </a:fillRef>
-          <a:effectRef idx="0">
-            <a:schemeClr val="accent1"/>
-          </a:effectRef>
-          <a:fontRef idx="minor">
-            <a:schemeClr val="lt1"/>
-          </a:fontRef>
-        </p:style>
-        <p:txBody>
-          <a:bodyPr rtlCol="0" anchor="ctr"/>
-          <a:lstStyle/>
-          <a:p>
-            <a:pPr algn="ctr"/>
-            <a:endParaRPr lang="en-US">
-              <a:solidFill>
-                <a:srgbClr val="DB5B5C"/>
-              </a:solidFill>
-            </a:endParaRPr>
-          </a:p>
-        </p:txBody>
-      </p:sp>
-    </p:spTree>
-    <p:extLst>
-      <p:ext uri="{BB962C8B-B14F-4D97-AF65-F5344CB8AC3E}">
-        <p14:creationId xmlns:p14="http://schemas.microsoft.com/office/powerpoint/2010/main" val="1770409084"/>
-      </p:ext>
-    </p:extLst>
-  </p:cSld>
-  <p:clrMapOvr>
-    <a:overrideClrMapping bg1="dk1" tx1="lt1" bg2="dk2" tx2="lt2" accent1="accent1" accent2="accent2" accent3="accent3" accent4="accent4" accent5="accent5" accent6="accent6" hlink="hlink" folHlink="folHlink"/>
-  </p:clrMapOvr>
-</p:sld>
-</file>
-
 <file path=ppt/slides/slide3.xml><?xml version="1.0" encoding="utf-8"?>
 <p:sld xmlns:a="http://schemas.openxmlformats.org/drawingml/2006/main" xmlns:r="http://schemas.openxmlformats.org/officeDocument/2006/relationships" xmlns:p="http://schemas.openxmlformats.org/presentationml/2006/main">
   <p:cSld>
@@ -12892,7 +14138,7 @@
               <a:rPr lang="en-US" sz="2000" dirty="0">
                 <a:latin typeface="Selawik Semibold" panose="020B0702040204020203" pitchFamily="34" charset="0"/>
               </a:rPr>
-              <a:t>Global Sports Industry $600B-$700B (2018)</a:t>
+              <a:t>Global Sports Industry $486.61B (2022)</a:t>
             </a:r>
           </a:p>
           <a:p>
@@ -12901,11 +14147,17 @@
               <a:rPr lang="en-US" sz="2000" dirty="0">
                 <a:latin typeface="Selawik Semibold" panose="020B0702040204020203" pitchFamily="34" charset="0"/>
               </a:rPr>
-              <a:t>Include Business Dedicated to Sports $1.3T (2018)</a:t>
+              <a:t>Expected CAGR over next 5 years is 5%</a:t>
             </a:r>
           </a:p>
           <a:p>
             <a:pPr lvl="1"/>
+            <a:endParaRPr lang="en-US" sz="2000" dirty="0">
+              <a:latin typeface="Selawik Semibold" panose="020B0702040204020203" pitchFamily="34" charset="0"/>
+            </a:endParaRPr>
+          </a:p>
+          <a:p>
+            <a:pPr lvl="1"/>
             <a:r>
               <a:rPr lang="en-US" sz="2000" dirty="0">
                 <a:latin typeface="Selawik Semibold" panose="020B0702040204020203" pitchFamily="34" charset="0"/>
@@ -12919,20 +14171,13 @@
               <a:rPr lang="en-US" sz="2000" dirty="0">
                 <a:latin typeface="Selawik Semibold" panose="020B0702040204020203" pitchFamily="34" charset="0"/>
               </a:rPr>
-              <a:t>Expected CAGR between 2021 and 2028 is 28.1%</a:t>
-            </a:r>
-          </a:p>
-          <a:p>
-            <a:pPr lvl="1"/>
-            <a:r>
-              <a:rPr lang="en-US" sz="2000" dirty="0">
-                <a:latin typeface="Selawik Semibold" panose="020B0702040204020203" pitchFamily="34" charset="0"/>
-              </a:rPr>
-              <a:t>Projection in 2029</a:t>
-            </a:r>
-          </a:p>
-          <a:p>
-            <a:pPr lvl="1"/>
+              <a:t>Expected CAGR over next 8 years is 27.6% </a:t>
+            </a:r>
+          </a:p>
+          <a:p>
+            <a:pPr marL="457200" lvl="1" indent="0">
+              <a:buNone/>
+            </a:pPr>
             <a:endParaRPr lang="en-US" sz="2000" dirty="0">
               <a:latin typeface="Selawik Semibold" panose="020B0702040204020203" pitchFamily="34" charset="0"/>
             </a:endParaRPr>
@@ -13753,7 +14998,7 @@
             </p:nvSpPr>
             <p:spPr>
               <a:xfrm>
-                <a:off x="2005080" y="4439138"/>
+                <a:off x="1787258" y="4494566"/>
                 <a:ext cx="5162857" cy="369332"/>
               </a:xfrm>
               <a:prstGeom prst="rect">
@@ -13791,7 +15036,7 @@
                       <a:rPr lang="en-US" b="0" i="1" smtClean="0">
                         <a:latin typeface="Cambria Math" panose="02040503050406030204" pitchFamily="18" charset="0"/>
                       </a:rPr>
-                      <m:t> 2021=1.79∗(1+</m:t>
+                      <m:t> 2029=1.79∗(1+</m:t>
                     </m:r>
                     <m:r>
                       <a:rPr lang="en-US" b="0" i="1" smtClean="0">
@@ -13809,7 +15054,7 @@
                 </a14:m>
                 <a:r>
                   <a:rPr lang="en-US" dirty="0"/>
-                  <a:t>8 =12.66</a:t>
+                  <a:t>8 =12.6</a:t>
                 </a:r>
               </a:p>
             </p:txBody>
@@ -13832,7 +15077,7 @@
             </p:nvSpPr>
             <p:spPr>
               <a:xfrm>
-                <a:off x="2005080" y="4439138"/>
+                <a:off x="1787258" y="4494566"/>
                 <a:ext cx="5162857" cy="369332"/>
               </a:xfrm>
               <a:prstGeom prst="rect">
@@ -13841,7 +15086,7 @@
               <a:blipFill>
                 <a:blip r:embed="rId4"/>
                 <a:stretch>
-                  <a:fillRect l="-354" t="-8197" r="-472" b="-24590"/>
+                  <a:fillRect l="-354" t="-8197" b="-24590"/>
                 </a:stretch>
               </a:blipFill>
             </p:spPr>
@@ -14016,8 +15261,8 @@
         </p:nvSpPr>
         <p:spPr>
           <a:xfrm>
-            <a:off x="838200" y="2021248"/>
-            <a:ext cx="7028544" cy="4695905"/>
+            <a:off x="838199" y="2021248"/>
+            <a:ext cx="7653667" cy="4695905"/>
           </a:xfrm>
         </p:spPr>
         <p:txBody>
@@ -14030,7 +15275,7 @@
               <a:rPr lang="en-US" sz="2400" dirty="0">
                 <a:latin typeface="Selawik Semibold" panose="020B0702040204020203" pitchFamily="34" charset="0"/>
               </a:rPr>
-              <a:t>Three Reasons for Projected Growth Rate</a:t>
+              <a:t>Reasons for Projection (MarketWatch)</a:t>
             </a:r>
           </a:p>
           <a:p>
@@ -14045,7 +15290,7 @@
               <a:rPr lang="en-US" sz="2000" dirty="0">
                 <a:latin typeface="Selawik Semibold" panose="020B0702040204020203" pitchFamily="34" charset="0"/>
               </a:rPr>
-              <a:t>Demand for Performance Tracking of Players</a:t>
+              <a:t>Focus on Data-Driven Decision Making</a:t>
             </a:r>
           </a:p>
           <a:p>
@@ -14054,7 +15299,7 @@
               <a:rPr lang="en-US" sz="2000" dirty="0">
                 <a:latin typeface="Selawik Semibold" panose="020B0702040204020203" pitchFamily="34" charset="0"/>
               </a:rPr>
-              <a:t>Demand for Solutions for Determining Player Value in Player Transfers</a:t>
+              <a:t>Demand for Fan Engagement</a:t>
             </a:r>
           </a:p>
           <a:p>
@@ -14063,7 +15308,25 @@
               <a:rPr lang="en-US" sz="2000" dirty="0">
                 <a:latin typeface="Selawik Semibold" panose="020B0702040204020203" pitchFamily="34" charset="0"/>
               </a:rPr>
-              <a:t>Demand in Analyzing Data from the Rise in Sports Technology Investments</a:t>
+              <a:t>Growing Use of Analytics in Sports</a:t>
+            </a:r>
+          </a:p>
+          <a:p>
+            <a:pPr lvl="1"/>
+            <a:r>
+              <a:rPr lang="en-US" sz="2000" dirty="0">
+                <a:latin typeface="Selawik Semibold" panose="020B0702040204020203" pitchFamily="34" charset="0"/>
+              </a:rPr>
+              <a:t>Technological Advancements</a:t>
+            </a:r>
+          </a:p>
+          <a:p>
+            <a:pPr lvl="1"/>
+            <a:r>
+              <a:rPr lang="en-US" sz="2000" dirty="0">
+                <a:latin typeface="Selawik Semibold" panose="020B0702040204020203" pitchFamily="34" charset="0"/>
+              </a:rPr>
+              <a:t>Increasing Investment in Analytics</a:t>
             </a:r>
           </a:p>
         </p:txBody>
@@ -14405,49 +15668,6 @@
                 <a:srgbClr val="DB5B5C"/>
               </a:solidFill>
             </a:endParaRPr>
-          </a:p>
-        </p:txBody>
-      </p:sp>
-      <p:sp>
-        <p:nvSpPr>
-          <p:cNvPr id="10" name="TextBox 9">
-            <a:extLst>
-              <a:ext uri="{FF2B5EF4-FFF2-40B4-BE49-F238E27FC236}">
-                <a16:creationId xmlns:a16="http://schemas.microsoft.com/office/drawing/2014/main" id="{04D008F5-F56A-42DE-AE28-A8E3F1805806}"/>
-              </a:ext>
-            </a:extLst>
-          </p:cNvPr>
-          <p:cNvSpPr txBox="1"/>
-          <p:nvPr/>
-        </p:nvSpPr>
-        <p:spPr>
-          <a:xfrm>
-            <a:off x="5328365" y="6171411"/>
-            <a:ext cx="3596638" cy="369332"/>
-          </a:xfrm>
-          <a:prstGeom prst="rect">
-            <a:avLst/>
-          </a:prstGeom>
-          <a:noFill/>
-        </p:spPr>
-        <p:txBody>
-          <a:bodyPr wrap="square" rtlCol="0">
-            <a:spAutoFit/>
-          </a:bodyPr>
-          <a:lstStyle/>
-          <a:p>
-            <a:r>
-              <a:rPr lang="en-US" dirty="0"/>
-              <a:t>Analysis from </a:t>
-            </a:r>
-            <a:r>
-              <a:rPr lang="en-US" dirty="0" err="1"/>
-              <a:t>Emergen</a:t>
-            </a:r>
-            <a:r>
-              <a:rPr lang="en-US" dirty="0"/>
-              <a:t> Research</a:t>
-            </a:r>
           </a:p>
         </p:txBody>
       </p:sp>
@@ -14621,59 +15841,12 @@
               <a:rPr lang="en-US" sz="2400" dirty="0">
                 <a:latin typeface="Selawik Semibold" panose="020B0702040204020203" pitchFamily="34" charset="0"/>
               </a:rPr>
-              <a:t>Modern Applications of Sports Analytics</a:t>
-            </a:r>
-          </a:p>
-          <a:p>
-            <a:pPr marL="457200" lvl="1" indent="0">
-              <a:buNone/>
-            </a:pPr>
-            <a:r>
-              <a:rPr lang="en-US" sz="2000" dirty="0">
-                <a:latin typeface="Selawik Semibold" panose="020B0702040204020203" pitchFamily="34" charset="0"/>
-              </a:rPr>
-              <a:t> </a:t>
+              <a:t>Upcoming Market Trends (MarketWatch)</a:t>
             </a:r>
           </a:p>
           <a:p>
             <a:pPr lvl="1"/>
-            <a:r>
-              <a:rPr lang="en-US" sz="2000" dirty="0">
-                <a:latin typeface="Selawik Semibold" panose="020B0702040204020203" pitchFamily="34" charset="0"/>
-              </a:rPr>
-              <a:t>Helping the Team Win</a:t>
-            </a:r>
-          </a:p>
-          <a:p>
-            <a:pPr lvl="2"/>
-            <a:r>
-              <a:rPr lang="en-US" sz="1800" dirty="0">
-                <a:latin typeface="Selawik Semibold" panose="020B0702040204020203" pitchFamily="34" charset="0"/>
-              </a:rPr>
-              <a:t>Automated Video Analysis (Lincoln City, UK Football)</a:t>
-            </a:r>
-          </a:p>
-          <a:p>
-            <a:pPr lvl="2"/>
-            <a:r>
-              <a:rPr lang="en-US" sz="1800" dirty="0">
-                <a:latin typeface="Selawik Semibold" panose="020B0702040204020203" pitchFamily="34" charset="0"/>
-              </a:rPr>
-              <a:t>3D Depth Camera (NBA)</a:t>
-            </a:r>
-          </a:p>
-          <a:p>
-            <a:pPr lvl="2"/>
-            <a:r>
-              <a:rPr lang="en-US" sz="1800" dirty="0">
-                <a:latin typeface="Selawik Semibold" panose="020B0702040204020203" pitchFamily="34" charset="0"/>
-              </a:rPr>
-              <a:t>Wearable Technology (NBA, NHL)</a:t>
-            </a:r>
-          </a:p>
-          <a:p>
-            <a:pPr lvl="1"/>
-            <a:endParaRPr lang="en-US" sz="2200" dirty="0">
+            <a:endParaRPr lang="en-US" sz="1400" dirty="0">
               <a:latin typeface="Selawik Semibold" panose="020B0702040204020203" pitchFamily="34" charset="0"/>
             </a:endParaRPr>
           </a:p>
@@ -14683,61 +15856,97 @@
               <a:rPr lang="en-US" sz="2000" dirty="0">
                 <a:latin typeface="Selawik Semibold" panose="020B0702040204020203" pitchFamily="34" charset="0"/>
               </a:rPr>
-              <a:t>Improving the Fan Experience</a:t>
-            </a:r>
-          </a:p>
-          <a:p>
-            <a:pPr lvl="2"/>
-            <a:r>
-              <a:rPr lang="en-US" sz="1800" dirty="0">
-                <a:latin typeface="Selawik Semibold" panose="020B0702040204020203" pitchFamily="34" charset="0"/>
-              </a:rPr>
-              <a:t>Analysis of Digital Engagement</a:t>
-            </a:r>
-          </a:p>
-          <a:p>
-            <a:pPr lvl="2"/>
-            <a:r>
-              <a:rPr lang="en-US" sz="1800" dirty="0">
-                <a:latin typeface="Selawik Semibold" panose="020B0702040204020203" pitchFamily="34" charset="0"/>
-              </a:rPr>
-              <a:t>Sentiment in Social Media</a:t>
-            </a:r>
-          </a:p>
-          <a:p>
-            <a:pPr lvl="2"/>
-            <a:r>
-              <a:rPr lang="en-US" sz="1800" dirty="0">
-                <a:latin typeface="Selawik Semibold" panose="020B0702040204020203" pitchFamily="34" charset="0"/>
-              </a:rPr>
-              <a:t>Analysis of Fan Behavior in Stadium (New England Patriots)</a:t>
-            </a:r>
-          </a:p>
-          <a:p>
-            <a:pPr lvl="2"/>
-            <a:r>
-              <a:rPr lang="en-US" sz="1800" dirty="0">
-                <a:latin typeface="Selawik Semibold" panose="020B0702040204020203" pitchFamily="34" charset="0"/>
-              </a:rPr>
-              <a:t>Wireless Internet and Phone Apps</a:t>
-            </a:r>
-          </a:p>
-          <a:p>
-            <a:pPr lvl="2"/>
-            <a:r>
-              <a:rPr lang="en-US" sz="1800" dirty="0">
-                <a:latin typeface="Selawik Semibold" panose="020B0702040204020203" pitchFamily="34" charset="0"/>
-              </a:rPr>
-              <a:t>Apps Supply Game Analytics, Parking Information, Promotions, and Traffic Information to the Fans (NFL)</a:t>
-            </a:r>
-          </a:p>
-          <a:p>
-            <a:pPr marL="914400" lvl="2" indent="0">
-              <a:buNone/>
-            </a:pPr>
-            <a:endParaRPr lang="en-US" sz="1800" dirty="0">
-              <a:latin typeface="Selawik Semibold" panose="020B0702040204020203" pitchFamily="34" charset="0"/>
-            </a:endParaRPr>
+              <a:t>Increased Use of AI and Machine Learning</a:t>
+            </a:r>
+          </a:p>
+          <a:p>
+            <a:pPr lvl="1"/>
+            <a:r>
+              <a:rPr lang="en-US" sz="2000" dirty="0">
+                <a:latin typeface="Selawik Semibold" panose="020B0702040204020203" pitchFamily="34" charset="0"/>
+              </a:rPr>
+              <a:t>Larger Emphasis on Data Visualization</a:t>
+            </a:r>
+          </a:p>
+          <a:p>
+            <a:pPr lvl="1"/>
+            <a:r>
+              <a:rPr lang="en-US" sz="2000" dirty="0">
+                <a:latin typeface="Selawik Semibold" panose="020B0702040204020203" pitchFamily="34" charset="0"/>
+              </a:rPr>
+              <a:t>More Comprehensive Data Collection</a:t>
+            </a:r>
+          </a:p>
+          <a:p>
+            <a:pPr lvl="1"/>
+            <a:r>
+              <a:rPr lang="en-US" sz="2000" dirty="0">
+                <a:latin typeface="Selawik Semibold" panose="020B0702040204020203" pitchFamily="34" charset="0"/>
+              </a:rPr>
+              <a:t>Increased Use of Data in Decision Making</a:t>
+            </a:r>
+          </a:p>
+          <a:p>
+            <a:pPr lvl="1"/>
+            <a:r>
+              <a:rPr lang="en-US" sz="2000" dirty="0">
+                <a:latin typeface="Selawik Semibold" panose="020B0702040204020203" pitchFamily="34" charset="0"/>
+              </a:rPr>
+              <a:t>Increased Demand in Sports Analytics Services</a:t>
+            </a:r>
+          </a:p>
+          <a:p>
+            <a:r>
+              <a:rPr lang="en-US" sz="2400" dirty="0">
+                <a:latin typeface="Selawik Semibold" panose="020B0702040204020203" pitchFamily="34" charset="0"/>
+              </a:rPr>
+              <a:t>USA Companies in Market (MarketWatch.com)</a:t>
+            </a:r>
+          </a:p>
+          <a:p>
+            <a:pPr lvl="1"/>
+            <a:r>
+              <a:rPr lang="en-US" sz="2000" dirty="0">
+                <a:latin typeface="Selawik Semibold" panose="020B0702040204020203" pitchFamily="34" charset="0"/>
+              </a:rPr>
+              <a:t>Oracle</a:t>
+            </a:r>
+          </a:p>
+          <a:p>
+            <a:pPr lvl="1"/>
+            <a:r>
+              <a:rPr lang="en-US" sz="2000" dirty="0">
+                <a:latin typeface="Selawik Semibold" panose="020B0702040204020203" pitchFamily="34" charset="0"/>
+              </a:rPr>
+              <a:t>WHOOP</a:t>
+            </a:r>
+          </a:p>
+          <a:p>
+            <a:pPr lvl="1"/>
+            <a:r>
+              <a:rPr lang="en-US" sz="2000" dirty="0">
+                <a:latin typeface="Selawik Semibold" panose="020B0702040204020203" pitchFamily="34" charset="0"/>
+              </a:rPr>
+              <a:t>IBM</a:t>
+            </a:r>
+          </a:p>
+          <a:p>
+            <a:pPr lvl="1"/>
+            <a:r>
+              <a:rPr lang="en-US" sz="2000" dirty="0">
+                <a:latin typeface="Selawik Semibold" panose="020B0702040204020203" pitchFamily="34" charset="0"/>
+              </a:rPr>
+              <a:t>SAS</a:t>
+            </a:r>
+          </a:p>
+          <a:p>
+            <a:pPr lvl="1"/>
+            <a:r>
+              <a:rPr lang="en-US" sz="2000" dirty="0">
+                <a:latin typeface="Selawik Semibold" panose="020B0702040204020203" pitchFamily="34" charset="0"/>
+              </a:rPr>
+              <a:t>Stats Perform</a:t>
+            </a:r>
           </a:p>
         </p:txBody>
       </p:sp>
@@ -15084,7 +16293,7 @@
     </p:spTree>
     <p:extLst>
       <p:ext uri="{BB962C8B-B14F-4D97-AF65-F5344CB8AC3E}">
-        <p14:creationId xmlns:p14="http://schemas.microsoft.com/office/powerpoint/2010/main" val="3238867921"/>
+        <p14:creationId xmlns:p14="http://schemas.microsoft.com/office/powerpoint/2010/main" val="716918539"/>
       </p:ext>
     </p:extLst>
   </p:cSld>

--- a/Slides/Sports Analytics 3/Sports_Analytics_3_Lecture.pptx
+++ b/Slides/Sports Analytics 3/Sports_Analytics_3_Lecture.pptx
@@ -5,7 +5,7 @@
     <p:sldMasterId id="2147483648" r:id="rId1"/>
   </p:sldMasterIdLst>
   <p:notesMasterIdLst>
-    <p:notesMasterId r:id="rId22"/>
+    <p:notesMasterId r:id="rId25"/>
   </p:notesMasterIdLst>
   <p:sldIdLst>
     <p:sldId id="256" r:id="rId2"/>
@@ -14,20 +14,23 @@
     <p:sldId id="278" r:id="rId5"/>
     <p:sldId id="279" r:id="rId6"/>
     <p:sldId id="284" r:id="rId7"/>
-    <p:sldId id="257" r:id="rId8"/>
-    <p:sldId id="285" r:id="rId9"/>
-    <p:sldId id="305" r:id="rId10"/>
-    <p:sldId id="301" r:id="rId11"/>
-    <p:sldId id="286" r:id="rId12"/>
-    <p:sldId id="287" r:id="rId13"/>
-    <p:sldId id="290" r:id="rId14"/>
-    <p:sldId id="289" r:id="rId15"/>
-    <p:sldId id="302" r:id="rId16"/>
-    <p:sldId id="303" r:id="rId17"/>
-    <p:sldId id="304" r:id="rId18"/>
-    <p:sldId id="306" r:id="rId19"/>
-    <p:sldId id="296" r:id="rId20"/>
-    <p:sldId id="281" r:id="rId21"/>
+    <p:sldId id="307" r:id="rId8"/>
+    <p:sldId id="257" r:id="rId9"/>
+    <p:sldId id="308" r:id="rId10"/>
+    <p:sldId id="309" r:id="rId11"/>
+    <p:sldId id="310" r:id="rId12"/>
+    <p:sldId id="311" r:id="rId13"/>
+    <p:sldId id="301" r:id="rId14"/>
+    <p:sldId id="286" r:id="rId15"/>
+    <p:sldId id="287" r:id="rId16"/>
+    <p:sldId id="290" r:id="rId17"/>
+    <p:sldId id="289" r:id="rId18"/>
+    <p:sldId id="302" r:id="rId19"/>
+    <p:sldId id="303" r:id="rId20"/>
+    <p:sldId id="304" r:id="rId21"/>
+    <p:sldId id="306" r:id="rId22"/>
+    <p:sldId id="296" r:id="rId23"/>
+    <p:sldId id="281" r:id="rId24"/>
   </p:sldIdLst>
   <p:sldSz cx="12192000" cy="6858000"/>
   <p:notesSz cx="6858000" cy="9144000"/>
@@ -216,7 +219,7 @@
           <a:p>
             <a:fld id="{C04E5E84-956F-4423-97B3-5936A6D8EEEE}" type="datetimeFigureOut">
               <a:rPr lang="en-US" smtClean="0"/>
-              <a:t>1/15/2023</a:t>
+              <a:t>1/15/2024</a:t>
             </a:fld>
             <a:endParaRPr lang="en-US"/>
           </a:p>
@@ -630,7 +633,7 @@
           <a:p>
             <a:fld id="{3881C039-66A3-4640-815B-3B5A8B7D868D}" type="datetimeFigureOut">
               <a:rPr lang="en-US" smtClean="0"/>
-              <a:t>1/15/2023</a:t>
+              <a:t>1/15/2024</a:t>
             </a:fld>
             <a:endParaRPr lang="en-US"/>
           </a:p>
@@ -828,7 +831,7 @@
           <a:p>
             <a:fld id="{3881C039-66A3-4640-815B-3B5A8B7D868D}" type="datetimeFigureOut">
               <a:rPr lang="en-US" smtClean="0"/>
-              <a:t>1/15/2023</a:t>
+              <a:t>1/15/2024</a:t>
             </a:fld>
             <a:endParaRPr lang="en-US"/>
           </a:p>
@@ -1036,7 +1039,7 @@
           <a:p>
             <a:fld id="{3881C039-66A3-4640-815B-3B5A8B7D868D}" type="datetimeFigureOut">
               <a:rPr lang="en-US" smtClean="0"/>
-              <a:t>1/15/2023</a:t>
+              <a:t>1/15/2024</a:t>
             </a:fld>
             <a:endParaRPr lang="en-US"/>
           </a:p>
@@ -1234,7 +1237,7 @@
           <a:p>
             <a:fld id="{3881C039-66A3-4640-815B-3B5A8B7D868D}" type="datetimeFigureOut">
               <a:rPr lang="en-US" smtClean="0"/>
-              <a:t>1/15/2023</a:t>
+              <a:t>1/15/2024</a:t>
             </a:fld>
             <a:endParaRPr lang="en-US"/>
           </a:p>
@@ -1509,7 +1512,7 @@
           <a:p>
             <a:fld id="{3881C039-66A3-4640-815B-3B5A8B7D868D}" type="datetimeFigureOut">
               <a:rPr lang="en-US" smtClean="0"/>
-              <a:t>1/15/2023</a:t>
+              <a:t>1/15/2024</a:t>
             </a:fld>
             <a:endParaRPr lang="en-US"/>
           </a:p>
@@ -1774,7 +1777,7 @@
           <a:p>
             <a:fld id="{3881C039-66A3-4640-815B-3B5A8B7D868D}" type="datetimeFigureOut">
               <a:rPr lang="en-US" smtClean="0"/>
-              <a:t>1/15/2023</a:t>
+              <a:t>1/15/2024</a:t>
             </a:fld>
             <a:endParaRPr lang="en-US"/>
           </a:p>
@@ -2186,7 +2189,7 @@
           <a:p>
             <a:fld id="{3881C039-66A3-4640-815B-3B5A8B7D868D}" type="datetimeFigureOut">
               <a:rPr lang="en-US" smtClean="0"/>
-              <a:t>1/15/2023</a:t>
+              <a:t>1/15/2024</a:t>
             </a:fld>
             <a:endParaRPr lang="en-US"/>
           </a:p>
@@ -2327,7 +2330,7 @@
           <a:p>
             <a:fld id="{3881C039-66A3-4640-815B-3B5A8B7D868D}" type="datetimeFigureOut">
               <a:rPr lang="en-US" smtClean="0"/>
-              <a:t>1/15/2023</a:t>
+              <a:t>1/15/2024</a:t>
             </a:fld>
             <a:endParaRPr lang="en-US"/>
           </a:p>
@@ -2440,7 +2443,7 @@
           <a:p>
             <a:fld id="{3881C039-66A3-4640-815B-3B5A8B7D868D}" type="datetimeFigureOut">
               <a:rPr lang="en-US" smtClean="0"/>
-              <a:t>1/15/2023</a:t>
+              <a:t>1/15/2024</a:t>
             </a:fld>
             <a:endParaRPr lang="en-US"/>
           </a:p>
@@ -2751,7 +2754,7 @@
           <a:p>
             <a:fld id="{3881C039-66A3-4640-815B-3B5A8B7D868D}" type="datetimeFigureOut">
               <a:rPr lang="en-US" smtClean="0"/>
-              <a:t>1/15/2023</a:t>
+              <a:t>1/15/2024</a:t>
             </a:fld>
             <a:endParaRPr lang="en-US"/>
           </a:p>
@@ -3039,7 +3042,7 @@
           <a:p>
             <a:fld id="{3881C039-66A3-4640-815B-3B5A8B7D868D}" type="datetimeFigureOut">
               <a:rPr lang="en-US" smtClean="0"/>
-              <a:t>1/15/2023</a:t>
+              <a:t>1/15/2024</a:t>
             </a:fld>
             <a:endParaRPr lang="en-US"/>
           </a:p>
@@ -3283,7 +3286,7 @@
           <a:p>
             <a:fld id="{3881C039-66A3-4640-815B-3B5A8B7D868D}" type="datetimeFigureOut">
               <a:rPr lang="en-US" smtClean="0"/>
-              <a:t>1/15/2023</a:t>
+              <a:t>1/15/2024</a:t>
             </a:fld>
             <a:endParaRPr lang="en-US"/>
           </a:p>
@@ -4038,8 +4041,8 @@
         </p:nvSpPr>
         <p:spPr>
           <a:xfrm>
-            <a:off x="838199" y="2021248"/>
-            <a:ext cx="7653667" cy="4695905"/>
+            <a:off x="838199" y="2021249"/>
+            <a:ext cx="7138737" cy="4155713"/>
           </a:xfrm>
         </p:spPr>
         <p:txBody>
@@ -4052,121 +4055,50 @@
               <a:rPr lang="en-US" sz="2400" dirty="0">
                 <a:latin typeface="Selawik Semibold" panose="020B0702040204020203" pitchFamily="34" charset="0"/>
               </a:rPr>
-              <a:t>Modern Applications of Sports Analytics</a:t>
+              <a:t>Value Placed on Sports Analytics</a:t>
+            </a:r>
+            <a:endParaRPr lang="en-US" sz="2000" dirty="0">
+              <a:latin typeface="Selawik Semibold" panose="020B0702040204020203" pitchFamily="34" charset="0"/>
+            </a:endParaRPr>
+          </a:p>
+          <a:p>
+            <a:pPr lvl="1"/>
+            <a:endParaRPr lang="en-US" sz="2000" dirty="0">
+              <a:latin typeface="Selawik Semibold" panose="020B0702040204020203" pitchFamily="34" charset="0"/>
+            </a:endParaRPr>
+          </a:p>
+          <a:p>
+            <a:pPr lvl="1"/>
+            <a:r>
+              <a:rPr lang="en-US" sz="2000" dirty="0">
+                <a:latin typeface="Selawik Semibold" panose="020B0702040204020203" pitchFamily="34" charset="0"/>
+              </a:rPr>
+              <a:t>Grand View Research on Sports Analytics Market</a:t>
             </a:r>
           </a:p>
           <a:p>
             <a:pPr marL="457200" lvl="1" indent="0">
               <a:buNone/>
             </a:pPr>
-            <a:r>
-              <a:rPr lang="en-US" sz="2000" dirty="0">
-                <a:latin typeface="Selawik Semibold" panose="020B0702040204020203" pitchFamily="34" charset="0"/>
-              </a:rPr>
-              <a:t> </a:t>
-            </a:r>
-          </a:p>
-          <a:p>
-            <a:pPr lvl="1"/>
-            <a:r>
-              <a:rPr lang="en-US" sz="2000" dirty="0">
-                <a:latin typeface="Selawik Semibold" panose="020B0702040204020203" pitchFamily="34" charset="0"/>
-              </a:rPr>
-              <a:t>Helping the Team Win</a:t>
-            </a:r>
-          </a:p>
-          <a:p>
-            <a:pPr lvl="2"/>
-            <a:r>
-              <a:rPr lang="en-US" sz="1800" dirty="0">
-                <a:latin typeface="Selawik Semibold" panose="020B0702040204020203" pitchFamily="34" charset="0"/>
-              </a:rPr>
-              <a:t>Automated Video Analysis (Lincoln City, UK Football)</a:t>
-            </a:r>
-          </a:p>
-          <a:p>
-            <a:pPr lvl="2"/>
-            <a:r>
-              <a:rPr lang="en-US" sz="1800" dirty="0">
-                <a:latin typeface="Selawik Semibold" panose="020B0702040204020203" pitchFamily="34" charset="0"/>
-              </a:rPr>
-              <a:t>3D Depth Camera (NBA)</a:t>
-            </a:r>
-          </a:p>
-          <a:p>
-            <a:pPr lvl="2"/>
-            <a:r>
-              <a:rPr lang="en-US" sz="1800" dirty="0">
-                <a:latin typeface="Selawik Semibold" panose="020B0702040204020203" pitchFamily="34" charset="0"/>
-              </a:rPr>
-              <a:t>Wearable Technology (NBA, NHL)</a:t>
-            </a:r>
-          </a:p>
-          <a:p>
-            <a:pPr lvl="1"/>
-            <a:endParaRPr lang="en-US" sz="2200" dirty="0">
+            <a:endParaRPr lang="en-US" sz="2000" dirty="0">
               <a:latin typeface="Selawik Semibold" panose="020B0702040204020203" pitchFamily="34" charset="0"/>
             </a:endParaRPr>
           </a:p>
           <a:p>
             <a:pPr lvl="1"/>
-            <a:r>
-              <a:rPr lang="en-US" sz="2000" dirty="0">
-                <a:latin typeface="Selawik Semibold" panose="020B0702040204020203" pitchFamily="34" charset="0"/>
-              </a:rPr>
-              <a:t>Improving the Fan Experience</a:t>
-            </a:r>
-          </a:p>
-          <a:p>
-            <a:pPr lvl="2"/>
-            <a:r>
-              <a:rPr lang="en-US" sz="1800" dirty="0">
-                <a:latin typeface="Selawik Semibold" panose="020B0702040204020203" pitchFamily="34" charset="0"/>
-              </a:rPr>
-              <a:t>Analysis of Digital Engagement</a:t>
-            </a:r>
-          </a:p>
-          <a:p>
-            <a:pPr lvl="2"/>
-            <a:r>
-              <a:rPr lang="en-US" sz="1800" dirty="0">
-                <a:latin typeface="Selawik Semibold" panose="020B0702040204020203" pitchFamily="34" charset="0"/>
-              </a:rPr>
-              <a:t>Sentiment in Social Media</a:t>
-            </a:r>
-          </a:p>
-          <a:p>
-            <a:pPr lvl="2"/>
-            <a:r>
-              <a:rPr lang="en-US" sz="1800" dirty="0">
-                <a:latin typeface="Selawik Semibold" panose="020B0702040204020203" pitchFamily="34" charset="0"/>
-              </a:rPr>
-              <a:t>Analysis of Fan Behavior in Stadium (New England Patriots)</a:t>
-            </a:r>
-          </a:p>
-          <a:p>
-            <a:pPr lvl="2"/>
-            <a:r>
-              <a:rPr lang="en-US" sz="1800" dirty="0">
-                <a:latin typeface="Selawik Semibold" panose="020B0702040204020203" pitchFamily="34" charset="0"/>
-              </a:rPr>
-              <a:t>Wireless Internet and Phone Apps</a:t>
-            </a:r>
-          </a:p>
-          <a:p>
-            <a:pPr lvl="2"/>
-            <a:r>
-              <a:rPr lang="en-US" sz="1800" dirty="0">
-                <a:latin typeface="Selawik Semibold" panose="020B0702040204020203" pitchFamily="34" charset="0"/>
-              </a:rPr>
-              <a:t>Apps Supply Game Analytics, Parking Information, Promotions, and Traffic Information to the Fans (NFL)</a:t>
-            </a:r>
-          </a:p>
-          <a:p>
-            <a:pPr marL="914400" lvl="2" indent="0">
-              <a:buNone/>
-            </a:pPr>
-            <a:endParaRPr lang="en-US" sz="1800" dirty="0">
+            <a:endParaRPr lang="en-US" sz="2000" dirty="0">
+              <a:latin typeface="Selawik Semibold" panose="020B0702040204020203" pitchFamily="34" charset="0"/>
+            </a:endParaRPr>
+          </a:p>
+          <a:p>
+            <a:pPr lvl="1"/>
+            <a:endParaRPr lang="en-US" sz="2000" dirty="0">
+              <a:latin typeface="Selawik Semibold" panose="020B0702040204020203" pitchFamily="34" charset="0"/>
+            </a:endParaRPr>
+          </a:p>
+          <a:p>
+            <a:pPr lvl="1"/>
+            <a:endParaRPr lang="en-US" sz="2000" dirty="0">
               <a:latin typeface="Selawik Semibold" panose="020B0702040204020203" pitchFamily="34" charset="0"/>
             </a:endParaRPr>
           </a:p>
@@ -4512,10 +4444,40 @@
           </a:p>
         </p:txBody>
       </p:sp>
+      <p:pic>
+        <p:nvPicPr>
+          <p:cNvPr id="7" name="Picture 6">
+            <a:extLst>
+              <a:ext uri="{FF2B5EF4-FFF2-40B4-BE49-F238E27FC236}">
+                <a16:creationId xmlns:a16="http://schemas.microsoft.com/office/drawing/2014/main" id="{6624AA6D-F03B-8751-FBD1-171C6843020D}"/>
+              </a:ext>
+            </a:extLst>
+          </p:cNvPr>
+          <p:cNvPicPr>
+            <a:picLocks noChangeAspect="1"/>
+          </p:cNvPicPr>
+          <p:nvPr/>
+        </p:nvPicPr>
+        <p:blipFill>
+          <a:blip r:embed="rId4"/>
+          <a:stretch>
+            <a:fillRect/>
+          </a:stretch>
+        </p:blipFill>
+        <p:spPr>
+          <a:xfrm>
+            <a:off x="1044202" y="3156156"/>
+            <a:ext cx="6801222" cy="3511702"/>
+          </a:xfrm>
+          <a:prstGeom prst="rect">
+            <a:avLst/>
+          </a:prstGeom>
+        </p:spPr>
+      </p:pic>
     </p:spTree>
     <p:extLst>
       <p:ext uri="{BB962C8B-B14F-4D97-AF65-F5344CB8AC3E}">
-        <p14:creationId xmlns:p14="http://schemas.microsoft.com/office/powerpoint/2010/main" val="3238867921"/>
+        <p14:creationId xmlns:p14="http://schemas.microsoft.com/office/powerpoint/2010/main" val="1911867235"/>
       </p:ext>
     </p:extLst>
   </p:cSld>
@@ -4668,8 +4630,8 @@
         </p:nvSpPr>
         <p:spPr>
           <a:xfrm>
-            <a:off x="838199" y="2021248"/>
-            <a:ext cx="7653667" cy="4695905"/>
+            <a:off x="838199" y="2021249"/>
+            <a:ext cx="7138737" cy="4155713"/>
           </a:xfrm>
         </p:spPr>
         <p:txBody>
@@ -4682,8 +4644,11 @@
               <a:rPr lang="en-US" sz="2400" dirty="0">
                 <a:latin typeface="Selawik Semibold" panose="020B0702040204020203" pitchFamily="34" charset="0"/>
               </a:rPr>
-              <a:t>Modern Applications of Sports Analytics</a:t>
-            </a:r>
+              <a:t>Value Placed on Sports Analytics</a:t>
+            </a:r>
+            <a:endParaRPr lang="en-US" sz="2000" dirty="0">
+              <a:latin typeface="Selawik Semibold" panose="020B0702040204020203" pitchFamily="34" charset="0"/>
+            </a:endParaRPr>
           </a:p>
           <a:p>
             <a:pPr lvl="1"/>
@@ -4697,111 +4662,32 @@
               <a:rPr lang="en-US" sz="2000" dirty="0">
                 <a:latin typeface="Selawik Semibold" panose="020B0702040204020203" pitchFamily="34" charset="0"/>
               </a:rPr>
-              <a:t>Benefiting Other Stakeholders</a:t>
-            </a:r>
-          </a:p>
-          <a:p>
-            <a:pPr lvl="2"/>
-            <a:r>
-              <a:rPr lang="en-US" sz="1800" dirty="0">
-                <a:latin typeface="Selawik Semibold" panose="020B0702040204020203" pitchFamily="34" charset="0"/>
-              </a:rPr>
-              <a:t>Tracking Fan Behavior Outside the Stadium</a:t>
-            </a:r>
-          </a:p>
-          <a:p>
-            <a:pPr lvl="2"/>
-            <a:r>
-              <a:rPr lang="en-US" sz="1800" dirty="0">
-                <a:latin typeface="Selawik Semibold" panose="020B0702040204020203" pitchFamily="34" charset="0"/>
-              </a:rPr>
-              <a:t>Telecommunication, Retailers, Payment Providers, Ticket Agencies, and Sponsorships</a:t>
-            </a:r>
-          </a:p>
-          <a:p>
-            <a:pPr lvl="2"/>
-            <a:r>
-              <a:rPr lang="en-US" sz="1800" dirty="0">
-                <a:latin typeface="Selawik Semibold" panose="020B0702040204020203" pitchFamily="34" charset="0"/>
-              </a:rPr>
-              <a:t>Adapt to Quick Changes in Consumer Behavior</a:t>
-            </a:r>
-          </a:p>
-          <a:p>
-            <a:pPr lvl="2"/>
-            <a:endParaRPr lang="en-US" sz="1800" dirty="0">
+              <a:t>Grand View Research on Sports Analytics Market</a:t>
+            </a:r>
+          </a:p>
+          <a:p>
+            <a:pPr marL="457200" lvl="1" indent="0">
+              <a:buNone/>
+            </a:pPr>
+            <a:endParaRPr lang="en-US" sz="2000" dirty="0">
               <a:latin typeface="Selawik Semibold" panose="020B0702040204020203" pitchFamily="34" charset="0"/>
             </a:endParaRPr>
           </a:p>
           <a:p>
             <a:pPr lvl="1"/>
-            <a:r>
-              <a:rPr lang="en-US" sz="2000" dirty="0">
-                <a:latin typeface="Selawik Semibold" panose="020B0702040204020203" pitchFamily="34" charset="0"/>
-              </a:rPr>
-              <a:t>Optimizing the Back-Office</a:t>
-            </a:r>
-          </a:p>
-          <a:p>
-            <a:pPr lvl="2"/>
-            <a:r>
-              <a:rPr lang="en-US" sz="1600" dirty="0">
-                <a:latin typeface="Selawik Semibold" panose="020B0702040204020203" pitchFamily="34" charset="0"/>
-              </a:rPr>
-              <a:t>HR Practices</a:t>
-            </a:r>
-          </a:p>
-          <a:p>
-            <a:pPr lvl="2"/>
-            <a:r>
-              <a:rPr lang="en-US" sz="1600" dirty="0">
-                <a:latin typeface="Selawik Semibold" panose="020B0702040204020203" pitchFamily="34" charset="0"/>
-              </a:rPr>
-              <a:t>Game Scheduling</a:t>
-            </a:r>
-          </a:p>
-          <a:p>
-            <a:pPr lvl="2"/>
-            <a:r>
-              <a:rPr lang="en-US" sz="1600" dirty="0">
-                <a:latin typeface="Selawik Semibold" panose="020B0702040204020203" pitchFamily="34" charset="0"/>
-              </a:rPr>
-              <a:t>Supply Chain Management and Logistics</a:t>
-            </a:r>
-          </a:p>
-          <a:p>
-            <a:pPr lvl="2"/>
-            <a:r>
-              <a:rPr lang="en-US" sz="1600" dirty="0">
-                <a:latin typeface="Selawik Semibold" panose="020B0702040204020203" pitchFamily="34" charset="0"/>
-              </a:rPr>
-              <a:t>Marketing and Promotions</a:t>
-            </a:r>
-          </a:p>
-          <a:p>
-            <a:pPr lvl="2"/>
-            <a:r>
-              <a:rPr lang="en-US" sz="1600" dirty="0">
-                <a:latin typeface="Selawik Semibold" panose="020B0702040204020203" pitchFamily="34" charset="0"/>
-              </a:rPr>
-              <a:t>Procurement of Goods and Services</a:t>
-            </a:r>
-          </a:p>
-          <a:p>
-            <a:pPr lvl="2"/>
-            <a:endParaRPr lang="en-US" sz="1600" dirty="0">
+            <a:endParaRPr lang="en-US" sz="2000" dirty="0">
               <a:latin typeface="Selawik Semibold" panose="020B0702040204020203" pitchFamily="34" charset="0"/>
             </a:endParaRPr>
           </a:p>
           <a:p>
-            <a:pPr lvl="2"/>
-            <a:endParaRPr lang="en-US" sz="1800" dirty="0">
+            <a:pPr lvl="1"/>
+            <a:endParaRPr lang="en-US" sz="2000" dirty="0">
               <a:latin typeface="Selawik Semibold" panose="020B0702040204020203" pitchFamily="34" charset="0"/>
             </a:endParaRPr>
           </a:p>
           <a:p>
             <a:pPr lvl="1"/>
-            <a:endParaRPr lang="en-US" sz="2200" dirty="0">
+            <a:endParaRPr lang="en-US" sz="2000" dirty="0">
               <a:latin typeface="Selawik Semibold" panose="020B0702040204020203" pitchFamily="34" charset="0"/>
             </a:endParaRPr>
           </a:p>
@@ -5147,10 +5033,40 @@
           </a:p>
         </p:txBody>
       </p:sp>
+      <p:pic>
+        <p:nvPicPr>
+          <p:cNvPr id="8" name="Picture 7">
+            <a:extLst>
+              <a:ext uri="{FF2B5EF4-FFF2-40B4-BE49-F238E27FC236}">
+                <a16:creationId xmlns:a16="http://schemas.microsoft.com/office/drawing/2014/main" id="{F4F63164-6B7A-5062-887B-9DA12B21F738}"/>
+              </a:ext>
+            </a:extLst>
+          </p:cNvPr>
+          <p:cNvPicPr>
+            <a:picLocks noChangeAspect="1"/>
+          </p:cNvPicPr>
+          <p:nvPr/>
+        </p:nvPicPr>
+        <p:blipFill>
+          <a:blip r:embed="rId4"/>
+          <a:stretch>
+            <a:fillRect/>
+          </a:stretch>
+        </p:blipFill>
+        <p:spPr>
+          <a:xfrm>
+            <a:off x="709602" y="3083368"/>
+            <a:ext cx="7072667" cy="3662516"/>
+          </a:xfrm>
+          <a:prstGeom prst="rect">
+            <a:avLst/>
+          </a:prstGeom>
+        </p:spPr>
+      </p:pic>
     </p:spTree>
     <p:extLst>
       <p:ext uri="{BB962C8B-B14F-4D97-AF65-F5344CB8AC3E}">
-        <p14:creationId xmlns:p14="http://schemas.microsoft.com/office/powerpoint/2010/main" val="2738960413"/>
+        <p14:creationId xmlns:p14="http://schemas.microsoft.com/office/powerpoint/2010/main" val="3300266217"/>
       </p:ext>
     </p:extLst>
   </p:cSld>
@@ -5303,13 +5219,13 @@
         </p:nvSpPr>
         <p:spPr>
           <a:xfrm>
-            <a:off x="838199" y="2021248"/>
-            <a:ext cx="7653668" cy="4695905"/>
+            <a:off x="838199" y="2021249"/>
+            <a:ext cx="7138737" cy="4155713"/>
           </a:xfrm>
         </p:spPr>
         <p:txBody>
           <a:bodyPr>
-            <a:normAutofit/>
+            <a:normAutofit lnSpcReduction="10000"/>
           </a:bodyPr>
           <a:lstStyle/>
           <a:p>
@@ -5317,123 +5233,168 @@
               <a:rPr lang="en-US" sz="2400" dirty="0">
                 <a:latin typeface="Selawik Semibold" panose="020B0702040204020203" pitchFamily="34" charset="0"/>
               </a:rPr>
-              <a:t>Modern Applications of Sports Analytics</a:t>
-            </a:r>
-          </a:p>
-          <a:p>
-            <a:pPr lvl="1"/>
-            <a:endParaRPr lang="en-US" sz="2000" b="1" dirty="0">
+              <a:t>Value Placed on Sports Analytics</a:t>
+            </a:r>
+            <a:endParaRPr lang="en-US" sz="2000" dirty="0">
               <a:latin typeface="Selawik Semibold" panose="020B0702040204020203" pitchFamily="34" charset="0"/>
             </a:endParaRPr>
           </a:p>
           <a:p>
             <a:pPr lvl="1"/>
-            <a:r>
-              <a:rPr lang="en-US" sz="2000" dirty="0">
-                <a:latin typeface="Selawik Semibold" panose="020B0702040204020203" pitchFamily="34" charset="0"/>
-              </a:rPr>
-              <a:t>Advancing Sports Gambling</a:t>
-            </a:r>
-          </a:p>
-          <a:p>
-            <a:pPr lvl="2"/>
-            <a:r>
-              <a:rPr lang="en-US" sz="1800" dirty="0">
-                <a:latin typeface="Selawik Semibold" panose="020B0702040204020203" pitchFamily="34" charset="0"/>
-              </a:rPr>
-              <a:t>Supreme Court Ruling Previous Statute Violated 10</a:t>
-            </a:r>
-            <a:r>
-              <a:rPr lang="en-US" sz="1800" baseline="30000" dirty="0">
-                <a:latin typeface="Selawik Semibold" panose="020B0702040204020203" pitchFamily="34" charset="0"/>
-              </a:rPr>
-              <a:t>th</a:t>
-            </a:r>
-            <a:r>
-              <a:rPr lang="en-US" sz="1800" dirty="0">
-                <a:latin typeface="Selawik Semibold" panose="020B0702040204020203" pitchFamily="34" charset="0"/>
-              </a:rPr>
-              <a:t> Amendment (Murphy v. National Collegiate Athletic Association)</a:t>
-            </a:r>
-          </a:p>
-          <a:p>
-            <a:pPr lvl="2"/>
-            <a:r>
-              <a:rPr lang="en-US" sz="1800" dirty="0">
-                <a:latin typeface="Selawik Semibold" panose="020B0702040204020203" pitchFamily="34" charset="0"/>
-              </a:rPr>
-              <a:t>States Free to Legislate Gambling</a:t>
-            </a:r>
-          </a:p>
-          <a:p>
-            <a:pPr lvl="2"/>
-            <a:r>
-              <a:rPr lang="en-US" sz="1800" dirty="0">
-                <a:latin typeface="Selawik Semibold" panose="020B0702040204020203" pitchFamily="34" charset="0"/>
-              </a:rPr>
-              <a:t>Improvement of Gambling Products</a:t>
-            </a:r>
-          </a:p>
-          <a:p>
-            <a:pPr lvl="2"/>
-            <a:r>
-              <a:rPr lang="en-US" sz="1800" dirty="0">
-                <a:latin typeface="Selawik Semibold" panose="020B0702040204020203" pitchFamily="34" charset="0"/>
-              </a:rPr>
-              <a:t>Data Aggregation and Visualization for Bettors </a:t>
-            </a:r>
-          </a:p>
-          <a:p>
-            <a:pPr lvl="2"/>
-            <a:r>
-              <a:rPr lang="en-US" sz="1800" dirty="0">
-                <a:latin typeface="Selawik Semibold" panose="020B0702040204020203" pitchFamily="34" charset="0"/>
-              </a:rPr>
-              <a:t>Develop Daily Fantasy Sports</a:t>
-            </a:r>
-          </a:p>
-          <a:p>
-            <a:pPr lvl="2"/>
-            <a:r>
-              <a:rPr lang="en-US" sz="1800" dirty="0">
-                <a:latin typeface="Selawik Semibold" panose="020B0702040204020203" pitchFamily="34" charset="0"/>
-              </a:rPr>
-              <a:t>Business Research Company</a:t>
-            </a:r>
-          </a:p>
-          <a:p>
-            <a:pPr lvl="3"/>
-            <a:r>
-              <a:rPr lang="en-US" sz="1600" dirty="0">
-                <a:latin typeface="Selawik Semibold" panose="020B0702040204020203" pitchFamily="34" charset="0"/>
-              </a:rPr>
-              <a:t>Market grew from $96.84B to 104.78B in Last Year</a:t>
-            </a:r>
-          </a:p>
-          <a:p>
-            <a:pPr lvl="3"/>
-            <a:r>
-              <a:rPr lang="en-US" sz="1600" dirty="0">
-                <a:latin typeface="Selawik Semibold" panose="020B0702040204020203" pitchFamily="34" charset="0"/>
-              </a:rPr>
-              <a:t>Largest Market is Western Europe</a:t>
-            </a:r>
-          </a:p>
-          <a:p>
-            <a:pPr lvl="2"/>
-            <a:endParaRPr lang="en-US" sz="1800" dirty="0">
+            <a:endParaRPr lang="en-US" sz="2000" dirty="0">
               <a:latin typeface="Selawik Semibold" panose="020B0702040204020203" pitchFamily="34" charset="0"/>
             </a:endParaRPr>
           </a:p>
           <a:p>
+            <a:pPr lvl="1"/>
+            <a:r>
+              <a:rPr lang="en-US" sz="2000" dirty="0">
+                <a:latin typeface="Selawik Semibold" panose="020B0702040204020203" pitchFamily="34" charset="0"/>
+              </a:rPr>
+              <a:t>Grand View Research on Sports Analytics Market</a:t>
+            </a:r>
+          </a:p>
+          <a:p>
             <a:pPr lvl="2"/>
-            <a:endParaRPr lang="en-US" sz="1800" dirty="0">
+            <a:r>
+              <a:rPr lang="en-US" sz="1600" dirty="0">
+                <a:latin typeface="Selawik Semibold" panose="020B0702040204020203" pitchFamily="34" charset="0"/>
+              </a:rPr>
+              <a:t>Agile Sports Analytics, LLC</a:t>
+            </a:r>
+          </a:p>
+          <a:p>
+            <a:pPr lvl="2"/>
+            <a:r>
+              <a:rPr lang="en-US" sz="1600" dirty="0">
+                <a:latin typeface="Selawik Semibold" panose="020B0702040204020203" pitchFamily="34" charset="0"/>
+              </a:rPr>
+              <a:t>Catapult Sports</a:t>
+            </a:r>
+          </a:p>
+          <a:p>
+            <a:pPr lvl="2"/>
+            <a:r>
+              <a:rPr lang="en-US" sz="1600" dirty="0" err="1">
+                <a:latin typeface="Selawik Semibold" panose="020B0702040204020203" pitchFamily="34" charset="0"/>
+              </a:rPr>
+              <a:t>ChrynoHego</a:t>
+            </a:r>
+            <a:r>
+              <a:rPr lang="en-US" sz="1600" dirty="0">
+                <a:latin typeface="Selawik Semibold" panose="020B0702040204020203" pitchFamily="34" charset="0"/>
+              </a:rPr>
+              <a:t> Corporation</a:t>
+            </a:r>
+          </a:p>
+          <a:p>
+            <a:pPr lvl="2"/>
+            <a:r>
+              <a:rPr lang="en-US" sz="1600" dirty="0">
+                <a:latin typeface="Selawik Semibold" panose="020B0702040204020203" pitchFamily="34" charset="0"/>
+              </a:rPr>
+              <a:t>Deltatre</a:t>
+            </a:r>
+          </a:p>
+          <a:p>
+            <a:pPr lvl="2"/>
+            <a:r>
+              <a:rPr lang="en-US" sz="1600" dirty="0" err="1">
+                <a:latin typeface="Selawik Semibold" panose="020B0702040204020203" pitchFamily="34" charset="0"/>
+              </a:rPr>
+              <a:t>Experfy</a:t>
+            </a:r>
+            <a:r>
+              <a:rPr lang="en-US" sz="1600" dirty="0">
+                <a:latin typeface="Selawik Semibold" panose="020B0702040204020203" pitchFamily="34" charset="0"/>
+              </a:rPr>
+              <a:t> Inc. </a:t>
+            </a:r>
+          </a:p>
+          <a:p>
+            <a:pPr lvl="2"/>
+            <a:r>
+              <a:rPr lang="en-US" sz="1600" dirty="0">
+                <a:latin typeface="Selawik Semibold" panose="020B0702040204020203" pitchFamily="34" charset="0"/>
+              </a:rPr>
+              <a:t>Genius Sports Group</a:t>
+            </a:r>
+          </a:p>
+          <a:p>
+            <a:pPr lvl="2"/>
+            <a:r>
+              <a:rPr lang="en-US" sz="1600" dirty="0">
+                <a:latin typeface="Selawik Semibold" panose="020B0702040204020203" pitchFamily="34" charset="0"/>
+              </a:rPr>
+              <a:t>IBM Corporation</a:t>
+            </a:r>
+          </a:p>
+          <a:p>
+            <a:pPr lvl="2"/>
+            <a:r>
+              <a:rPr lang="en-US" sz="1600" dirty="0">
+                <a:latin typeface="Selawik Semibold" panose="020B0702040204020203" pitchFamily="34" charset="0"/>
+              </a:rPr>
+              <a:t>Oracle Corporation</a:t>
+            </a:r>
+          </a:p>
+          <a:p>
+            <a:pPr lvl="2"/>
+            <a:r>
+              <a:rPr lang="en-US" sz="1600" dirty="0">
+                <a:latin typeface="Selawik Semibold" panose="020B0702040204020203" pitchFamily="34" charset="0"/>
+              </a:rPr>
+              <a:t>SAP SE</a:t>
+            </a:r>
+          </a:p>
+          <a:p>
+            <a:pPr lvl="2"/>
+            <a:r>
+              <a:rPr lang="en-US" sz="1600" dirty="0">
+                <a:latin typeface="Selawik Semibold" panose="020B0702040204020203" pitchFamily="34" charset="0"/>
+              </a:rPr>
+              <a:t>SAS Institute Inc.</a:t>
+            </a:r>
+          </a:p>
+          <a:p>
+            <a:pPr lvl="2"/>
+            <a:r>
+              <a:rPr lang="en-US" sz="1600" dirty="0" err="1">
+                <a:latin typeface="Selawik Semibold" panose="020B0702040204020203" pitchFamily="34" charset="0"/>
+              </a:rPr>
+              <a:t>Sportradar</a:t>
+            </a:r>
+            <a:r>
+              <a:rPr lang="en-US" sz="1600" dirty="0">
+                <a:latin typeface="Selawik Semibold" panose="020B0702040204020203" pitchFamily="34" charset="0"/>
+              </a:rPr>
+              <a:t> AG</a:t>
+            </a:r>
+          </a:p>
+          <a:p>
+            <a:pPr lvl="2"/>
+            <a:r>
+              <a:rPr lang="en-US" sz="1600" dirty="0">
+                <a:latin typeface="Selawik Semibold" panose="020B0702040204020203" pitchFamily="34" charset="0"/>
+              </a:rPr>
+              <a:t>Stats Perform</a:t>
+            </a:r>
+          </a:p>
+          <a:p>
+            <a:pPr lvl="1"/>
+            <a:endParaRPr lang="en-US" sz="2000" dirty="0">
               <a:latin typeface="Selawik Semibold" panose="020B0702040204020203" pitchFamily="34" charset="0"/>
             </a:endParaRPr>
           </a:p>
           <a:p>
             <a:pPr lvl="1"/>
-            <a:endParaRPr lang="en-US" sz="2200" dirty="0">
+            <a:endParaRPr lang="en-US" sz="2000" dirty="0">
+              <a:latin typeface="Selawik Semibold" panose="020B0702040204020203" pitchFamily="34" charset="0"/>
+            </a:endParaRPr>
+          </a:p>
+          <a:p>
+            <a:pPr lvl="1"/>
+            <a:endParaRPr lang="en-US" sz="2000" dirty="0">
               <a:latin typeface="Selawik Semibold" panose="020B0702040204020203" pitchFamily="34" charset="0"/>
             </a:endParaRPr>
           </a:p>
@@ -5782,7 +5743,7 @@
     </p:spTree>
     <p:extLst>
       <p:ext uri="{BB962C8B-B14F-4D97-AF65-F5344CB8AC3E}">
-        <p14:creationId xmlns:p14="http://schemas.microsoft.com/office/powerpoint/2010/main" val="328255060"/>
+        <p14:creationId xmlns:p14="http://schemas.microsoft.com/office/powerpoint/2010/main" val="135951548"/>
       </p:ext>
     </p:extLst>
   </p:cSld>
@@ -5912,7 +5873,7 @@
               <a:rPr lang="en-US" b="1" dirty="0">
                 <a:latin typeface="Selawik Semibold" panose="020B0604020202020204" pitchFamily="34" charset="0"/>
               </a:rPr>
-              <a:t>Your Industry Future</a:t>
+              <a:t>Industry Present</a:t>
             </a:r>
           </a:p>
         </p:txBody>
@@ -5936,12 +5897,12 @@
         <p:spPr>
           <a:xfrm>
             <a:off x="838199" y="2021248"/>
-            <a:ext cx="8107018" cy="4695905"/>
+            <a:ext cx="7653667" cy="4695905"/>
           </a:xfrm>
         </p:spPr>
         <p:txBody>
           <a:bodyPr>
-            <a:normAutofit lnSpcReduction="10000"/>
+            <a:normAutofit/>
           </a:bodyPr>
           <a:lstStyle/>
           <a:p>
@@ -5949,121 +5910,59 @@
               <a:rPr lang="en-US" sz="2400" dirty="0">
                 <a:latin typeface="Selawik Semibold" panose="020B0702040204020203" pitchFamily="34" charset="0"/>
               </a:rPr>
-              <a:t>Prerequisites by Howard Hamilton </a:t>
-            </a:r>
-          </a:p>
-          <a:p>
-            <a:pPr marL="0" indent="0">
-              <a:buNone/>
-            </a:pPr>
-            <a:r>
-              <a:rPr lang="en-US" sz="2400" dirty="0">
-                <a:latin typeface="Selawik Semibold" panose="020B0702040204020203" pitchFamily="34" charset="0"/>
-              </a:rPr>
-              <a:t>   (</a:t>
-            </a:r>
-            <a:r>
-              <a:rPr lang="en-US" sz="2400" dirty="0" err="1">
-                <a:latin typeface="Selawik Semibold" panose="020B0702040204020203" pitchFamily="34" charset="0"/>
-              </a:rPr>
-              <a:t>Soccermetrics</a:t>
-            </a:r>
-            <a:r>
-              <a:rPr lang="en-US" sz="2400" dirty="0">
-                <a:latin typeface="Selawik Semibold" panose="020B0702040204020203" pitchFamily="34" charset="0"/>
-              </a:rPr>
-              <a:t>)</a:t>
-            </a:r>
-          </a:p>
-          <a:p>
-            <a:pPr lvl="1"/>
-            <a:endParaRPr lang="en-US" sz="2000" dirty="0">
-              <a:latin typeface="Selawik Semibold" panose="020B0702040204020203" pitchFamily="34" charset="0"/>
-            </a:endParaRPr>
-          </a:p>
-          <a:p>
-            <a:pPr lvl="1"/>
-            <a:r>
-              <a:rPr lang="en-US" sz="2000" dirty="0">
-                <a:latin typeface="Selawik Semibold" panose="020B0702040204020203" pitchFamily="34" charset="0"/>
-              </a:rPr>
-              <a:t>Technical Skills</a:t>
-            </a:r>
-          </a:p>
-          <a:p>
-            <a:pPr lvl="2"/>
-            <a:r>
-              <a:rPr lang="en-US" sz="1800" dirty="0">
-                <a:latin typeface="Selawik Semibold" panose="020B0702040204020203" pitchFamily="34" charset="0"/>
-              </a:rPr>
-              <a:t>Mathematics (Linear Algebra/Probability Essential)</a:t>
-            </a:r>
-          </a:p>
-          <a:p>
-            <a:pPr lvl="2"/>
-            <a:r>
-              <a:rPr lang="en-US" sz="1800" dirty="0">
-                <a:latin typeface="Selawik Semibold" panose="020B0702040204020203" pitchFamily="34" charset="0"/>
-              </a:rPr>
-              <a:t>Statistics (Frequentist and Bayesian Perspectives)</a:t>
-            </a:r>
-          </a:p>
-          <a:p>
-            <a:pPr lvl="2"/>
-            <a:r>
-              <a:rPr lang="en-US" sz="1800" dirty="0">
-                <a:latin typeface="Selawik Semibold" panose="020B0702040204020203" pitchFamily="34" charset="0"/>
-              </a:rPr>
-              <a:t>Machine Learning (Supervised and Unsupervised)</a:t>
-            </a:r>
-          </a:p>
-          <a:p>
-            <a:pPr lvl="2"/>
-            <a:r>
-              <a:rPr lang="en-US" sz="1800" dirty="0">
-                <a:latin typeface="Selawik Semibold" panose="020B0702040204020203" pitchFamily="34" charset="0"/>
-              </a:rPr>
-              <a:t>Programming (R/Python, Data Structures, OOP)</a:t>
-            </a:r>
-          </a:p>
-          <a:p>
-            <a:pPr lvl="2"/>
-            <a:r>
-              <a:rPr lang="en-US" sz="1800" dirty="0">
-                <a:latin typeface="Selawik Semibold" panose="020B0702040204020203" pitchFamily="34" charset="0"/>
-              </a:rPr>
-              <a:t>Databases</a:t>
-            </a:r>
-          </a:p>
-          <a:p>
-            <a:pPr lvl="2"/>
-            <a:r>
-              <a:rPr lang="en-US" sz="1800" dirty="0">
-                <a:latin typeface="Selawik Semibold" panose="020B0702040204020203" pitchFamily="34" charset="0"/>
-              </a:rPr>
-              <a:t>Visualization</a:t>
-            </a:r>
-          </a:p>
-          <a:p>
-            <a:pPr lvl="2"/>
-            <a:endParaRPr lang="en-US" sz="1800" dirty="0">
-              <a:latin typeface="Selawik Semibold" panose="020B0702040204020203" pitchFamily="34" charset="0"/>
-            </a:endParaRPr>
-          </a:p>
-          <a:p>
-            <a:pPr lvl="1"/>
-            <a:r>
-              <a:rPr lang="en-US" sz="2000" dirty="0">
-                <a:latin typeface="Selawik Semibold" panose="020B0702040204020203" pitchFamily="34" charset="0"/>
-              </a:rPr>
-              <a:t>Socials Skills, Ethics, and the Law</a:t>
+              <a:t>Modern Applications of Sports Analytics</a:t>
             </a:r>
           </a:p>
           <a:p>
             <a:pPr marL="457200" lvl="1" indent="0">
               <a:buNone/>
             </a:pPr>
-            <a:endParaRPr lang="en-US" sz="2000" dirty="0">
+            <a:r>
+              <a:rPr lang="en-US" sz="2000" dirty="0">
+                <a:latin typeface="Selawik Semibold" panose="020B0702040204020203" pitchFamily="34" charset="0"/>
+              </a:rPr>
+              <a:t> </a:t>
+            </a:r>
+          </a:p>
+          <a:p>
+            <a:pPr lvl="1"/>
+            <a:r>
+              <a:rPr lang="en-US" sz="2000" dirty="0">
+                <a:latin typeface="Selawik Semibold" panose="020B0702040204020203" pitchFamily="34" charset="0"/>
+              </a:rPr>
+              <a:t>Helping the Team Win</a:t>
+            </a:r>
+          </a:p>
+          <a:p>
+            <a:pPr lvl="2"/>
+            <a:r>
+              <a:rPr lang="en-US" sz="1800" dirty="0">
+                <a:latin typeface="Selawik Semibold" panose="020B0702040204020203" pitchFamily="34" charset="0"/>
+              </a:rPr>
+              <a:t>Automated Video Analysis (Lincoln City, UK Football)</a:t>
+            </a:r>
+          </a:p>
+          <a:p>
+            <a:pPr lvl="2"/>
+            <a:r>
+              <a:rPr lang="en-US" sz="1800" dirty="0">
+                <a:latin typeface="Selawik Semibold" panose="020B0702040204020203" pitchFamily="34" charset="0"/>
+              </a:rPr>
+              <a:t>3D Depth Camera (NBA)</a:t>
+            </a:r>
+          </a:p>
+          <a:p>
+            <a:pPr lvl="2"/>
+            <a:r>
+              <a:rPr lang="en-US" sz="1800" dirty="0">
+                <a:latin typeface="Selawik Semibold" panose="020B0702040204020203" pitchFamily="34" charset="0"/>
+              </a:rPr>
+              <a:t>Wearable Technology (NBA, NHL)</a:t>
+            </a:r>
+          </a:p>
+          <a:p>
+            <a:pPr lvl="1"/>
+            <a:endParaRPr lang="en-US" sz="2200" dirty="0">
               <a:latin typeface="Selawik Semibold" panose="020B0702040204020203" pitchFamily="34" charset="0"/>
             </a:endParaRPr>
           </a:p>
@@ -6073,18 +5972,59 @@
               <a:rPr lang="en-US" sz="2000" dirty="0">
                 <a:latin typeface="Selawik Semibold" panose="020B0702040204020203" pitchFamily="34" charset="0"/>
               </a:rPr>
-              <a:t>Knowledgeable About All Aspects of the Sport</a:t>
+              <a:t>Improving the Fan Experience</a:t>
             </a:r>
           </a:p>
           <a:p>
             <a:pPr lvl="2"/>
+            <a:r>
+              <a:rPr lang="en-US" sz="1800" dirty="0">
+                <a:latin typeface="Selawik Semibold" panose="020B0702040204020203" pitchFamily="34" charset="0"/>
+              </a:rPr>
+              <a:t>Analysis of Digital Engagement</a:t>
+            </a:r>
+          </a:p>
+          <a:p>
+            <a:pPr lvl="2"/>
+            <a:r>
+              <a:rPr lang="en-US" sz="1800" dirty="0">
+                <a:latin typeface="Selawik Semibold" panose="020B0702040204020203" pitchFamily="34" charset="0"/>
+              </a:rPr>
+              <a:t>Sentiment in Social Media</a:t>
+            </a:r>
+          </a:p>
+          <a:p>
+            <a:pPr lvl="2"/>
+            <a:r>
+              <a:rPr lang="en-US" sz="1800" dirty="0">
+                <a:latin typeface="Selawik Semibold" panose="020B0702040204020203" pitchFamily="34" charset="0"/>
+              </a:rPr>
+              <a:t>Analysis of Fan Behavior in Stadium (New England Patriots)</a:t>
+            </a:r>
+          </a:p>
+          <a:p>
+            <a:pPr lvl="2"/>
+            <a:r>
+              <a:rPr lang="en-US" sz="1800" dirty="0">
+                <a:latin typeface="Selawik Semibold" panose="020B0702040204020203" pitchFamily="34" charset="0"/>
+              </a:rPr>
+              <a:t>Wireless Internet and Phone Apps</a:t>
+            </a:r>
+          </a:p>
+          <a:p>
+            <a:pPr lvl="2"/>
+            <a:r>
+              <a:rPr lang="en-US" sz="1800" dirty="0">
+                <a:latin typeface="Selawik Semibold" panose="020B0702040204020203" pitchFamily="34" charset="0"/>
+              </a:rPr>
+              <a:t>Apps Supply Game Analytics, Parking Information, Promotions, and Traffic Information to the Fans (NFL)</a:t>
+            </a:r>
+          </a:p>
+          <a:p>
+            <a:pPr marL="914400" lvl="2" indent="0">
+              <a:buNone/>
+            </a:pPr>
             <a:endParaRPr lang="en-US" sz="1800" dirty="0">
-              <a:latin typeface="Selawik Semibold" panose="020B0702040204020203" pitchFamily="34" charset="0"/>
-            </a:endParaRPr>
-          </a:p>
-          <a:p>
-            <a:pPr lvl="1"/>
-            <a:endParaRPr lang="en-US" sz="2200" dirty="0">
               <a:latin typeface="Selawik Semibold" panose="020B0702040204020203" pitchFamily="34" charset="0"/>
             </a:endParaRPr>
           </a:p>
@@ -6433,7 +6373,7 @@
     </p:spTree>
     <p:extLst>
       <p:ext uri="{BB962C8B-B14F-4D97-AF65-F5344CB8AC3E}">
-        <p14:creationId xmlns:p14="http://schemas.microsoft.com/office/powerpoint/2010/main" val="3511620189"/>
+        <p14:creationId xmlns:p14="http://schemas.microsoft.com/office/powerpoint/2010/main" val="3238867921"/>
       </p:ext>
     </p:extLst>
   </p:cSld>
@@ -6563,7 +6503,7 @@
               <a:rPr lang="en-US" b="1" dirty="0">
                 <a:latin typeface="Selawik Semibold" panose="020B0604020202020204" pitchFamily="34" charset="0"/>
               </a:rPr>
-              <a:t>Your Industry Future</a:t>
+              <a:t>Industry Present</a:t>
             </a:r>
           </a:p>
         </p:txBody>
@@ -6587,7 +6527,7 @@
         <p:spPr>
           <a:xfrm>
             <a:off x="838199" y="2021248"/>
-            <a:ext cx="8107018" cy="4695905"/>
+            <a:ext cx="7653667" cy="4695905"/>
           </a:xfrm>
         </p:spPr>
         <p:txBody>
@@ -6600,14 +6540,12 @@
               <a:rPr lang="en-US" sz="2400" dirty="0">
                 <a:latin typeface="Selawik Semibold" panose="020B0702040204020203" pitchFamily="34" charset="0"/>
               </a:rPr>
-              <a:t>Real Jobs (Indeed)</a:t>
-            </a:r>
-          </a:p>
-          <a:p>
-            <a:pPr marL="0" indent="0">
-              <a:buNone/>
-            </a:pPr>
-            <a:endParaRPr lang="en-US" sz="2400" dirty="0">
+              <a:t>Modern Applications of Sports Analytics</a:t>
+            </a:r>
+          </a:p>
+          <a:p>
+            <a:pPr lvl="1"/>
+            <a:endParaRPr lang="en-US" sz="2000" dirty="0">
               <a:latin typeface="Selawik Semibold" panose="020B0702040204020203" pitchFamily="34" charset="0"/>
             </a:endParaRPr>
           </a:p>
@@ -6617,11 +6555,8 @@
               <a:rPr lang="en-US" sz="2000" dirty="0">
                 <a:latin typeface="Selawik Semibold" panose="020B0702040204020203" pitchFamily="34" charset="0"/>
               </a:rPr>
-              <a:t>Data Engineer, Sports Analytics for SIG</a:t>
-            </a:r>
-            <a:endParaRPr lang="en-US" sz="1600" dirty="0">
-              <a:latin typeface="Selawik Semibold" panose="020B0702040204020203" pitchFamily="34" charset="0"/>
-            </a:endParaRPr>
+              <a:t>Benefiting Other Stakeholders</a:t>
+            </a:r>
           </a:p>
           <a:p>
             <a:pPr lvl="2"/>
@@ -6629,7 +6564,7 @@
               <a:rPr lang="en-US" sz="1800" dirty="0">
                 <a:latin typeface="Selawik Semibold" panose="020B0702040204020203" pitchFamily="34" charset="0"/>
               </a:rPr>
-              <a:t>Data Science in Python</a:t>
+              <a:t>Tracking Fan Behavior Outside the Stadium</a:t>
             </a:r>
           </a:p>
           <a:p>
@@ -6638,7 +6573,7 @@
               <a:rPr lang="en-US" sz="1800" dirty="0">
                 <a:latin typeface="Selawik Semibold" panose="020B0702040204020203" pitchFamily="34" charset="0"/>
               </a:rPr>
-              <a:t>Large Data Storage and Data Processing</a:t>
+              <a:t>Telecommunication, Retailers, Payment Providers, Ticket Agencies, and Sponsorships</a:t>
             </a:r>
           </a:p>
           <a:p>
@@ -6647,60 +6582,7 @@
               <a:rPr lang="en-US" sz="1800" dirty="0">
                 <a:latin typeface="Selawik Semibold" panose="020B0702040204020203" pitchFamily="34" charset="0"/>
               </a:rPr>
-              <a:t>PhD, Master’s, or Bachelor’s</a:t>
-            </a:r>
-          </a:p>
-          <a:p>
-            <a:pPr lvl="2"/>
-            <a:r>
-              <a:rPr lang="en-US" sz="1800" dirty="0">
-                <a:latin typeface="Selawik Semibold" panose="020B0702040204020203" pitchFamily="34" charset="0"/>
-              </a:rPr>
-              <a:t>Newest Business Area</a:t>
-            </a:r>
-          </a:p>
-          <a:p>
-            <a:pPr marL="914400" lvl="2" indent="0">
-              <a:buNone/>
-            </a:pPr>
-            <a:endParaRPr lang="en-US" sz="1600" dirty="0">
-              <a:latin typeface="Selawik Semibold" panose="020B0702040204020203" pitchFamily="34" charset="0"/>
-            </a:endParaRPr>
-          </a:p>
-          <a:p>
-            <a:pPr lvl="1"/>
-            <a:r>
-              <a:rPr lang="en-US" sz="2000" dirty="0">
-                <a:latin typeface="Selawik Semibold" panose="020B0702040204020203" pitchFamily="34" charset="0"/>
-              </a:rPr>
-              <a:t>Sports Scientist, Chicago Women’s Soccer Academy</a:t>
-            </a:r>
-          </a:p>
-          <a:p>
-            <a:pPr lvl="2"/>
-            <a:r>
-              <a:rPr lang="en-US" sz="1800" dirty="0">
-                <a:latin typeface="Selawik Semibold" panose="020B0702040204020203" pitchFamily="34" charset="0"/>
-              </a:rPr>
-              <a:t>Bachelor’s or Master’s in Exercise Science</a:t>
-            </a:r>
-          </a:p>
-          <a:p>
-            <a:pPr lvl="2"/>
-            <a:r>
-              <a:rPr lang="en-US" sz="1800" dirty="0">
-                <a:latin typeface="Selawik Semibold" panose="020B0702040204020203" pitchFamily="34" charset="0"/>
-              </a:rPr>
-              <a:t>Experience with Sports Science Technologies</a:t>
-            </a:r>
-          </a:p>
-          <a:p>
-            <a:pPr lvl="2"/>
-            <a:r>
-              <a:rPr lang="en-US" sz="1800" dirty="0">
-                <a:latin typeface="Selawik Semibold" panose="020B0702040204020203" pitchFamily="34" charset="0"/>
-              </a:rPr>
-              <a:t>Deliver Daily Reports and Provide Data-Driven Feedback</a:t>
+              <a:t>Adapt to Quick Changes in Consumer Behavior</a:t>
             </a:r>
           </a:p>
           <a:p>
@@ -6710,31 +6592,62 @@
             </a:endParaRPr>
           </a:p>
           <a:p>
+            <a:pPr lvl="1"/>
+            <a:r>
+              <a:rPr lang="en-US" sz="2000" dirty="0">
+                <a:latin typeface="Selawik Semibold" panose="020B0702040204020203" pitchFamily="34" charset="0"/>
+              </a:rPr>
+              <a:t>Optimizing the Back-Office</a:t>
+            </a:r>
+          </a:p>
+          <a:p>
             <a:pPr lvl="2"/>
-            <a:endParaRPr lang="en-US" sz="1400" dirty="0">
-              <a:latin typeface="Selawik Semibold" panose="020B0702040204020203" pitchFamily="34" charset="0"/>
-            </a:endParaRPr>
+            <a:r>
+              <a:rPr lang="en-US" sz="1600" dirty="0">
+                <a:latin typeface="Selawik Semibold" panose="020B0702040204020203" pitchFamily="34" charset="0"/>
+              </a:rPr>
+              <a:t>HR Practices</a:t>
+            </a:r>
           </a:p>
           <a:p>
             <a:pPr lvl="2"/>
-            <a:endParaRPr lang="en-US" sz="1800" dirty="0">
-              <a:latin typeface="Selawik Semibold" panose="020B0702040204020203" pitchFamily="34" charset="0"/>
-            </a:endParaRPr>
+            <a:r>
+              <a:rPr lang="en-US" sz="1600" dirty="0">
+                <a:latin typeface="Selawik Semibold" panose="020B0702040204020203" pitchFamily="34" charset="0"/>
+              </a:rPr>
+              <a:t>Game Scheduling</a:t>
+            </a:r>
+          </a:p>
+          <a:p>
+            <a:pPr lvl="2"/>
+            <a:r>
+              <a:rPr lang="en-US" sz="1600" dirty="0">
+                <a:latin typeface="Selawik Semibold" panose="020B0702040204020203" pitchFamily="34" charset="0"/>
+              </a:rPr>
+              <a:t>Supply Chain Management and Logistics</a:t>
+            </a:r>
+          </a:p>
+          <a:p>
+            <a:pPr lvl="2"/>
+            <a:r>
+              <a:rPr lang="en-US" sz="1600" dirty="0">
+                <a:latin typeface="Selawik Semibold" panose="020B0702040204020203" pitchFamily="34" charset="0"/>
+              </a:rPr>
+              <a:t>Marketing and Promotions</a:t>
+            </a:r>
+          </a:p>
+          <a:p>
+            <a:pPr lvl="2"/>
+            <a:r>
+              <a:rPr lang="en-US" sz="1600" dirty="0">
+                <a:latin typeface="Selawik Semibold" panose="020B0702040204020203" pitchFamily="34" charset="0"/>
+              </a:rPr>
+              <a:t>Procurement of Goods and Services</a:t>
+            </a:r>
           </a:p>
           <a:p>
             <a:pPr lvl="2"/>
             <a:endParaRPr lang="en-US" sz="1600" dirty="0">
-              <a:latin typeface="Selawik Semibold" panose="020B0702040204020203" pitchFamily="34" charset="0"/>
-            </a:endParaRPr>
-          </a:p>
-          <a:p>
-            <a:endParaRPr lang="en-US" sz="2400" dirty="0">
-              <a:latin typeface="Selawik Semibold" panose="020B0702040204020203" pitchFamily="34" charset="0"/>
-            </a:endParaRPr>
-          </a:p>
-          <a:p>
-            <a:pPr lvl="1"/>
-            <a:endParaRPr lang="en-US" sz="2000" dirty="0">
               <a:latin typeface="Selawik Semibold" panose="020B0702040204020203" pitchFamily="34" charset="0"/>
             </a:endParaRPr>
           </a:p>
@@ -7095,7 +7008,7 @@
     </p:spTree>
     <p:extLst>
       <p:ext uri="{BB962C8B-B14F-4D97-AF65-F5344CB8AC3E}">
-        <p14:creationId xmlns:p14="http://schemas.microsoft.com/office/powerpoint/2010/main" val="2082743496"/>
+        <p14:creationId xmlns:p14="http://schemas.microsoft.com/office/powerpoint/2010/main" val="2738960413"/>
       </p:ext>
     </p:extLst>
   </p:cSld>
@@ -7225,7 +7138,7 @@
               <a:rPr lang="en-US" b="1" dirty="0">
                 <a:latin typeface="Selawik Semibold" panose="020B0604020202020204" pitchFamily="34" charset="0"/>
               </a:rPr>
-              <a:t>Your Industry Future</a:t>
+              <a:t>Industry Present</a:t>
             </a:r>
           </a:p>
         </p:txBody>
@@ -7249,7 +7162,7 @@
         <p:spPr>
           <a:xfrm>
             <a:off x="838199" y="2021248"/>
-            <a:ext cx="8107018" cy="4695905"/>
+            <a:ext cx="7653668" cy="4695905"/>
           </a:xfrm>
         </p:spPr>
         <p:txBody>
@@ -7262,14 +7175,12 @@
               <a:rPr lang="en-US" sz="2400" dirty="0">
                 <a:latin typeface="Selawik Semibold" panose="020B0702040204020203" pitchFamily="34" charset="0"/>
               </a:rPr>
-              <a:t>Real Jobs (Indeed)</a:t>
-            </a:r>
-          </a:p>
-          <a:p>
-            <a:pPr marL="0" indent="0">
-              <a:buNone/>
-            </a:pPr>
-            <a:endParaRPr lang="en-US" sz="2400" dirty="0">
+              <a:t>Modern Applications of Sports Analytics</a:t>
+            </a:r>
+          </a:p>
+          <a:p>
+            <a:pPr lvl="1"/>
+            <a:endParaRPr lang="en-US" sz="2000" b="1" dirty="0">
               <a:latin typeface="Selawik Semibold" panose="020B0702040204020203" pitchFamily="34" charset="0"/>
             </a:endParaRPr>
           </a:p>
@@ -7279,7 +7190,7 @@
               <a:rPr lang="en-US" sz="2000" dirty="0">
                 <a:latin typeface="Selawik Semibold" panose="020B0702040204020203" pitchFamily="34" charset="0"/>
               </a:rPr>
-              <a:t>Sports Performance Analyst, Baltimore Orioles</a:t>
+              <a:t>Advancing Sports Gambling</a:t>
             </a:r>
           </a:p>
           <a:p>
@@ -7288,7 +7199,19 @@
               <a:rPr lang="en-US" sz="1800" dirty="0">
                 <a:latin typeface="Selawik Semibold" panose="020B0702040204020203" pitchFamily="34" charset="0"/>
               </a:rPr>
-              <a:t>Primarily Data Management/ Organization</a:t>
+              <a:t>Supreme Court Ruling Previous Statute Violated 10</a:t>
+            </a:r>
+            <a:r>
+              <a:rPr lang="en-US" sz="1800" baseline="30000" dirty="0">
+                <a:latin typeface="Selawik Semibold" panose="020B0702040204020203" pitchFamily="34" charset="0"/>
+              </a:rPr>
+              <a:t>th</a:t>
+            </a:r>
+            <a:r>
+              <a:rPr lang="en-US" sz="1800" dirty="0">
+                <a:latin typeface="Selawik Semibold" panose="020B0702040204020203" pitchFamily="34" charset="0"/>
+              </a:rPr>
+              <a:t> Amendment (Murphy v. National Collegiate Athletic Association)</a:t>
             </a:r>
           </a:p>
           <a:p>
@@ -7297,70 +7220,47 @@
               <a:rPr lang="en-US" sz="1800" dirty="0">
                 <a:latin typeface="Selawik Semibold" panose="020B0702040204020203" pitchFamily="34" charset="0"/>
               </a:rPr>
-              <a:t>Requirements are Unknown</a:t>
-            </a:r>
-          </a:p>
-          <a:p>
-            <a:pPr marL="914400" lvl="2" indent="0">
-              <a:buNone/>
-            </a:pPr>
-            <a:endParaRPr lang="en-US" sz="1600" dirty="0">
+              <a:t>States Free to Legislate Gambling</a:t>
+            </a:r>
+          </a:p>
+          <a:p>
+            <a:pPr lvl="2"/>
+            <a:r>
+              <a:rPr lang="en-US" sz="1800" dirty="0">
+                <a:latin typeface="Selawik Semibold" panose="020B0702040204020203" pitchFamily="34" charset="0"/>
+              </a:rPr>
+              <a:t>Improvement of Gambling Products</a:t>
+            </a:r>
+          </a:p>
+          <a:p>
+            <a:pPr lvl="2"/>
+            <a:r>
+              <a:rPr lang="en-US" sz="1800" dirty="0">
+                <a:latin typeface="Selawik Semibold" panose="020B0702040204020203" pitchFamily="34" charset="0"/>
+              </a:rPr>
+              <a:t>Data Aggregation and Visualization for Bettors </a:t>
+            </a:r>
+          </a:p>
+          <a:p>
+            <a:pPr lvl="2"/>
+            <a:r>
+              <a:rPr lang="en-US" sz="1800" dirty="0">
+                <a:latin typeface="Selawik Semibold" panose="020B0702040204020203" pitchFamily="34" charset="0"/>
+              </a:rPr>
+              <a:t>Develop Daily Fantasy Sports</a:t>
+            </a:r>
+          </a:p>
+          <a:p>
+            <a:pPr lvl="2"/>
+            <a:endParaRPr lang="en-US" sz="1800" dirty="0">
               <a:latin typeface="Selawik Semibold" panose="020B0702040204020203" pitchFamily="34" charset="0"/>
             </a:endParaRPr>
           </a:p>
           <a:p>
             <a:pPr lvl="1"/>
-            <a:r>
-              <a:rPr lang="en-US" sz="2000" dirty="0">
-                <a:latin typeface="Selawik Semibold" panose="020B0702040204020203" pitchFamily="34" charset="0"/>
-              </a:rPr>
-              <a:t>Sports Injury Data Scientist, RWE Agile Analytics</a:t>
-            </a:r>
-          </a:p>
-          <a:p>
-            <a:pPr lvl="2"/>
-            <a:r>
-              <a:rPr lang="en-US" sz="1800" dirty="0">
-                <a:latin typeface="Selawik Semibold" panose="020B0702040204020203" pitchFamily="34" charset="0"/>
-              </a:rPr>
-              <a:t>Part of IQVIA</a:t>
-            </a:r>
-          </a:p>
-          <a:p>
-            <a:pPr lvl="2"/>
-            <a:r>
-              <a:rPr lang="en-US" sz="1800" dirty="0">
-                <a:latin typeface="Selawik Semibold" panose="020B0702040204020203" pitchFamily="34" charset="0"/>
-              </a:rPr>
-              <a:t>SQL, Python, SAS, R</a:t>
-            </a:r>
-          </a:p>
-          <a:p>
-            <a:pPr lvl="2"/>
-            <a:r>
-              <a:rPr lang="en-US" sz="1800" dirty="0">
-                <a:latin typeface="Selawik Semibold" panose="020B0702040204020203" pitchFamily="34" charset="0"/>
-              </a:rPr>
-              <a:t>Familiar with Basic Statistical Analyses</a:t>
-            </a:r>
-          </a:p>
-          <a:p>
-            <a:pPr lvl="2"/>
-            <a:r>
-              <a:rPr lang="en-US" sz="1800" dirty="0">
-                <a:latin typeface="Selawik Semibold" panose="020B0702040204020203" pitchFamily="34" charset="0"/>
-              </a:rPr>
-              <a:t>Bachelor’s (6-8 years experience)</a:t>
-            </a:r>
-          </a:p>
-          <a:p>
-            <a:pPr lvl="2"/>
-            <a:r>
-              <a:rPr lang="en-US" sz="1800" dirty="0">
-                <a:latin typeface="Selawik Semibold" panose="020B0702040204020203" pitchFamily="34" charset="0"/>
-              </a:rPr>
-              <a:t>Master’s (3-5 years experience)</a:t>
-            </a:r>
+            <a:endParaRPr lang="en-US" sz="2200" dirty="0">
+              <a:latin typeface="Selawik Semibold" panose="020B0702040204020203" pitchFamily="34" charset="0"/>
+            </a:endParaRPr>
           </a:p>
         </p:txBody>
       </p:sp>
@@ -7707,7 +7607,7 @@
     </p:spTree>
     <p:extLst>
       <p:ext uri="{BB962C8B-B14F-4D97-AF65-F5344CB8AC3E}">
-        <p14:creationId xmlns:p14="http://schemas.microsoft.com/office/powerpoint/2010/main" val="1406941442"/>
+        <p14:creationId xmlns:p14="http://schemas.microsoft.com/office/powerpoint/2010/main" val="328255060"/>
       </p:ext>
     </p:extLst>
   </p:cSld>
@@ -7866,7 +7766,7 @@
         </p:spPr>
         <p:txBody>
           <a:bodyPr>
-            <a:normAutofit/>
+            <a:normAutofit lnSpcReduction="10000"/>
           </a:bodyPr>
           <a:lstStyle/>
           <a:p>
@@ -7874,14 +7774,35 @@
               <a:rPr lang="en-US" sz="2400" dirty="0">
                 <a:latin typeface="Selawik Semibold" panose="020B0702040204020203" pitchFamily="34" charset="0"/>
               </a:rPr>
-              <a:t>Real Jobs (Indeed)</a:t>
+              <a:t>Prerequisites by Howard Hamilton </a:t>
             </a:r>
           </a:p>
           <a:p>
             <a:pPr marL="0" indent="0">
               <a:buNone/>
             </a:pPr>
-            <a:endParaRPr lang="en-US" sz="2400" dirty="0">
+            <a:r>
+              <a:rPr lang="en-US" sz="2400" dirty="0">
+                <a:latin typeface="Selawik Semibold" panose="020B0702040204020203" pitchFamily="34" charset="0"/>
+              </a:rPr>
+              <a:t>   (</a:t>
+            </a:r>
+            <a:r>
+              <a:rPr lang="en-US" sz="2400" dirty="0" err="1">
+                <a:latin typeface="Selawik Semibold" panose="020B0702040204020203" pitchFamily="34" charset="0"/>
+              </a:rPr>
+              <a:t>Soccermetrics</a:t>
+            </a:r>
+            <a:r>
+              <a:rPr lang="en-US" sz="2400" dirty="0">
+                <a:latin typeface="Selawik Semibold" panose="020B0702040204020203" pitchFamily="34" charset="0"/>
+              </a:rPr>
+              <a:t>)</a:t>
+            </a:r>
+          </a:p>
+          <a:p>
+            <a:pPr lvl="1"/>
+            <a:endParaRPr lang="en-US" sz="2000" dirty="0">
               <a:latin typeface="Selawik Semibold" panose="020B0702040204020203" pitchFamily="34" charset="0"/>
             </a:endParaRPr>
           </a:p>
@@ -7891,11 +7812,8 @@
               <a:rPr lang="en-US" sz="2000" dirty="0">
                 <a:latin typeface="Selawik Semibold" panose="020B0702040204020203" pitchFamily="34" charset="0"/>
               </a:rPr>
-              <a:t>Sports Science Coordinator, Houston Texans</a:t>
-            </a:r>
-            <a:endParaRPr lang="en-US" sz="1600" dirty="0">
-              <a:latin typeface="Selawik Semibold" panose="020B0702040204020203" pitchFamily="34" charset="0"/>
-            </a:endParaRPr>
+              <a:t>Technical Skills</a:t>
+            </a:r>
           </a:p>
           <a:p>
             <a:pPr lvl="2"/>
@@ -7903,7 +7821,7 @@
               <a:rPr lang="en-US" sz="1800" dirty="0">
                 <a:latin typeface="Selawik Semibold" panose="020B0702040204020203" pitchFamily="34" charset="0"/>
               </a:rPr>
-              <a:t>Master’s Required</a:t>
+              <a:t>Mathematics (Linear Algebra/Probability Essential)</a:t>
             </a:r>
           </a:p>
           <a:p>
@@ -7912,7 +7830,7 @@
               <a:rPr lang="en-US" sz="1800" dirty="0">
                 <a:latin typeface="Selawik Semibold" panose="020B0702040204020203" pitchFamily="34" charset="0"/>
               </a:rPr>
-              <a:t>Expected to  Constantly Learn</a:t>
+              <a:t>Statistics (Frequentist and Bayesian Perspectives)</a:t>
             </a:r>
           </a:p>
           <a:p>
@@ -7921,7 +7839,7 @@
               <a:rPr lang="en-US" sz="1800" dirty="0">
                 <a:latin typeface="Selawik Semibold" panose="020B0702040204020203" pitchFamily="34" charset="0"/>
               </a:rPr>
-              <a:t>MS in Sport Performance</a:t>
+              <a:t>Machine Learning (Supervised and Unsupervised)</a:t>
             </a:r>
           </a:p>
           <a:p>
@@ -7930,7 +7848,7 @@
               <a:rPr lang="en-US" sz="1800" dirty="0">
                 <a:latin typeface="Selawik Semibold" panose="020B0702040204020203" pitchFamily="34" charset="0"/>
               </a:rPr>
-              <a:t>SQL, Statistics, R/Python</a:t>
+              <a:t>Programming (R/Python, Data Structures, OOP)</a:t>
             </a:r>
           </a:p>
           <a:p>
@@ -7939,56 +7857,17 @@
               <a:rPr lang="en-US" sz="1800" dirty="0">
                 <a:latin typeface="Selawik Semibold" panose="020B0702040204020203" pitchFamily="34" charset="0"/>
               </a:rPr>
-              <a:t>Machine Learning and Time Series Methods</a:t>
+              <a:t>Databases</a:t>
             </a:r>
           </a:p>
           <a:p>
             <a:pPr lvl="2"/>
-            <a:endParaRPr lang="en-US" sz="1600" dirty="0">
-              <a:latin typeface="Selawik Semibold" panose="020B0702040204020203" pitchFamily="34" charset="0"/>
-            </a:endParaRPr>
-          </a:p>
-          <a:p>
-            <a:pPr lvl="1"/>
-            <a:r>
-              <a:rPr lang="en-US" sz="2000" dirty="0">
-                <a:latin typeface="Selawik Semibold" panose="020B0702040204020203" pitchFamily="34" charset="0"/>
-              </a:rPr>
-              <a:t>Professor of Data Analytics, University of Tulsa</a:t>
-            </a:r>
-          </a:p>
-          <a:p>
-            <a:pPr lvl="2"/>
             <a:r>
               <a:rPr lang="en-US" sz="1800" dirty="0">
                 <a:latin typeface="Selawik Semibold" panose="020B0702040204020203" pitchFamily="34" charset="0"/>
               </a:rPr>
-              <a:t>Focus on Sports Analytics</a:t>
-            </a:r>
-          </a:p>
-          <a:p>
-            <a:pPr lvl="2"/>
-            <a:r>
-              <a:rPr lang="en-US" sz="1800" dirty="0">
-                <a:latin typeface="Selawik Semibold" panose="020B0702040204020203" pitchFamily="34" charset="0"/>
-              </a:rPr>
-              <a:t>PhD and  Research Background in Sports</a:t>
-            </a:r>
-          </a:p>
-          <a:p>
-            <a:pPr lvl="2"/>
-            <a:r>
-              <a:rPr lang="en-US" sz="1800" dirty="0">
-                <a:latin typeface="Selawik Semibold" panose="020B0702040204020203" pitchFamily="34" charset="0"/>
-              </a:rPr>
-              <a:t>College of Business</a:t>
-            </a:r>
-          </a:p>
-          <a:p>
-            <a:pPr lvl="2"/>
-            <a:endParaRPr lang="en-US" sz="1400" dirty="0">
-              <a:latin typeface="Selawik Semibold" panose="020B0702040204020203" pitchFamily="34" charset="0"/>
-            </a:endParaRPr>
+              <a:t>Visualization</a:t>
+            </a:r>
           </a:p>
           <a:p>
             <a:pPr lvl="2"/>
@@ -7997,21 +7876,30 @@
             </a:endParaRPr>
           </a:p>
           <a:p>
-            <a:pPr lvl="2"/>
-            <a:endParaRPr lang="en-US" sz="1600" dirty="0">
-              <a:latin typeface="Selawik Semibold" panose="020B0702040204020203" pitchFamily="34" charset="0"/>
-            </a:endParaRPr>
-          </a:p>
-          <a:p>
-            <a:endParaRPr lang="en-US" sz="2400" dirty="0">
-              <a:latin typeface="Selawik Semibold" panose="020B0702040204020203" pitchFamily="34" charset="0"/>
-            </a:endParaRPr>
-          </a:p>
-          <a:p>
             <a:pPr lvl="1"/>
+            <a:r>
+              <a:rPr lang="en-US" sz="2000" dirty="0">
+                <a:latin typeface="Selawik Semibold" panose="020B0702040204020203" pitchFamily="34" charset="0"/>
+              </a:rPr>
+              <a:t>Socials Skills, Ethics, and the Law</a:t>
+            </a:r>
+          </a:p>
+          <a:p>
+            <a:pPr marL="457200" lvl="1" indent="0">
+              <a:buNone/>
+            </a:pPr>
             <a:endParaRPr lang="en-US" sz="2000" dirty="0">
               <a:latin typeface="Selawik Semibold" panose="020B0702040204020203" pitchFamily="34" charset="0"/>
             </a:endParaRPr>
+          </a:p>
+          <a:p>
+            <a:pPr lvl="1"/>
+            <a:r>
+              <a:rPr lang="en-US" sz="2000" dirty="0">
+                <a:latin typeface="Selawik Semibold" panose="020B0702040204020203" pitchFamily="34" charset="0"/>
+              </a:rPr>
+              <a:t>Knowledgeable About All Aspects of the Sport</a:t>
+            </a:r>
           </a:p>
           <a:p>
             <a:pPr lvl="2"/>
@@ -8370,7 +8258,7 @@
     </p:spTree>
     <p:extLst>
       <p:ext uri="{BB962C8B-B14F-4D97-AF65-F5344CB8AC3E}">
-        <p14:creationId xmlns:p14="http://schemas.microsoft.com/office/powerpoint/2010/main" val="2429112968"/>
+        <p14:creationId xmlns:p14="http://schemas.microsoft.com/office/powerpoint/2010/main" val="3511620189"/>
       </p:ext>
     </p:extLst>
   </p:cSld>
@@ -8554,8 +8442,11 @@
               <a:rPr lang="en-US" sz="2000" dirty="0">
                 <a:latin typeface="Selawik Semibold" panose="020B0702040204020203" pitchFamily="34" charset="0"/>
               </a:rPr>
-              <a:t>Analyst, Club Business Operations for MLB</a:t>
-            </a:r>
+              <a:t>Data Engineer, Sports Analytics for SIG</a:t>
+            </a:r>
+            <a:endParaRPr lang="en-US" sz="1600" dirty="0">
+              <a:latin typeface="Selawik Semibold" panose="020B0702040204020203" pitchFamily="34" charset="0"/>
+            </a:endParaRPr>
           </a:p>
           <a:p>
             <a:pPr lvl="2"/>
@@ -8563,7 +8454,7 @@
               <a:rPr lang="en-US" sz="1800" dirty="0">
                 <a:latin typeface="Selawik Semibold" panose="020B0702040204020203" pitchFamily="34" charset="0"/>
               </a:rPr>
-              <a:t>Quantitative Market Analyses</a:t>
+              <a:t>Data Science in Python</a:t>
             </a:r>
           </a:p>
           <a:p>
@@ -8572,7 +8463,7 @@
               <a:rPr lang="en-US" sz="1800" dirty="0">
                 <a:latin typeface="Selawik Semibold" panose="020B0702040204020203" pitchFamily="34" charset="0"/>
               </a:rPr>
-              <a:t>BS Degree in Business Related Field</a:t>
+              <a:t>Large Data Storage and Data Processing</a:t>
             </a:r>
           </a:p>
           <a:p>
@@ -8581,7 +8472,7 @@
               <a:rPr lang="en-US" sz="1800" dirty="0">
                 <a:latin typeface="Selawik Semibold" panose="020B0702040204020203" pitchFamily="34" charset="0"/>
               </a:rPr>
-              <a:t>Excel, PowerPoint, SQL</a:t>
+              <a:t>PhD, Master’s, or Bachelor’s</a:t>
             </a:r>
           </a:p>
           <a:p>
@@ -8590,7 +8481,7 @@
               <a:rPr lang="en-US" sz="1800" dirty="0">
                 <a:latin typeface="Selawik Semibold" panose="020B0702040204020203" pitchFamily="34" charset="0"/>
               </a:rPr>
-              <a:t>Exceptional Data Evaluation Skills</a:t>
+              <a:t>Newest Business Area</a:t>
             </a:r>
           </a:p>
           <a:p>
@@ -8607,7 +8498,7 @@
               <a:rPr lang="en-US" sz="2000" dirty="0">
                 <a:latin typeface="Selawik Semibold" panose="020B0702040204020203" pitchFamily="34" charset="0"/>
               </a:rPr>
-              <a:t>Business Analyst, Sports &amp; Entertainment for Aramark</a:t>
+              <a:t>Sports Scientist, Chicago Women’s Soccer Academy</a:t>
             </a:r>
           </a:p>
           <a:p>
@@ -8616,7 +8507,7 @@
               <a:rPr lang="en-US" sz="1800" dirty="0">
                 <a:latin typeface="Selawik Semibold" panose="020B0702040204020203" pitchFamily="34" charset="0"/>
               </a:rPr>
-              <a:t>Hospitality Company for Many Industries</a:t>
+              <a:t>Bachelor’s or Master’s in Exercise Science</a:t>
             </a:r>
           </a:p>
           <a:p>
@@ -8625,26 +8516,23 @@
               <a:rPr lang="en-US" sz="1800" dirty="0">
                 <a:latin typeface="Selawik Semibold" panose="020B0702040204020203" pitchFamily="34" charset="0"/>
               </a:rPr>
-              <a:t>Data Visualization with Tableau or </a:t>
-            </a:r>
-            <a:r>
-              <a:rPr lang="en-US" sz="1800" dirty="0" err="1">
-                <a:latin typeface="Selawik Semibold" panose="020B0702040204020203" pitchFamily="34" charset="0"/>
-              </a:rPr>
-              <a:t>PowerBI</a:t>
-            </a:r>
+              <a:t>Experience with Sports Science Technologies</a:t>
+            </a:r>
+          </a:p>
+          <a:p>
+            <a:pPr lvl="2"/>
+            <a:r>
+              <a:rPr lang="en-US" sz="1800" dirty="0">
+                <a:latin typeface="Selawik Semibold" panose="020B0702040204020203" pitchFamily="34" charset="0"/>
+              </a:rPr>
+              <a:t>Deliver Daily Reports and Provide Data-Driven Feedback</a:t>
+            </a:r>
+          </a:p>
+          <a:p>
+            <a:pPr lvl="2"/>
             <a:endParaRPr lang="en-US" sz="1800" dirty="0">
               <a:latin typeface="Selawik Semibold" panose="020B0702040204020203" pitchFamily="34" charset="0"/>
             </a:endParaRPr>
-          </a:p>
-          <a:p>
-            <a:pPr lvl="2"/>
-            <a:r>
-              <a:rPr lang="en-US" sz="1800" dirty="0">
-                <a:latin typeface="Selawik Semibold" panose="020B0702040204020203" pitchFamily="34" charset="0"/>
-              </a:rPr>
-              <a:t>Exposure to Some Programming Language</a:t>
-            </a:r>
           </a:p>
           <a:p>
             <a:pPr lvl="2"/>
@@ -9032,7 +8920,7 @@
     </p:spTree>
     <p:extLst>
       <p:ext uri="{BB962C8B-B14F-4D97-AF65-F5344CB8AC3E}">
-        <p14:creationId xmlns:p14="http://schemas.microsoft.com/office/powerpoint/2010/main" val="1344911940"/>
+        <p14:creationId xmlns:p14="http://schemas.microsoft.com/office/powerpoint/2010/main" val="2082743496"/>
       </p:ext>
     </p:extLst>
   </p:cSld>
@@ -9216,7 +9104,7 @@
               <a:rPr lang="en-US" sz="2000" dirty="0">
                 <a:latin typeface="Selawik Semibold" panose="020B0702040204020203" pitchFamily="34" charset="0"/>
               </a:rPr>
-              <a:t>Analyst, Baseball Operations for Giants</a:t>
+              <a:t>Sports Performance Analyst, Baltimore Orioles</a:t>
             </a:r>
           </a:p>
           <a:p>
@@ -9225,7 +9113,7 @@
               <a:rPr lang="en-US" sz="1800" dirty="0">
                 <a:latin typeface="Selawik Semibold" panose="020B0702040204020203" pitchFamily="34" charset="0"/>
               </a:rPr>
-              <a:t>Perform Statistical Analyses</a:t>
+              <a:t>Primarily Data Management/ Organization</a:t>
             </a:r>
           </a:p>
           <a:p>
@@ -9234,25 +9122,7 @@
               <a:rPr lang="en-US" sz="1800" dirty="0">
                 <a:latin typeface="Selawik Semibold" panose="020B0702040204020203" pitchFamily="34" charset="0"/>
               </a:rPr>
-              <a:t>Collaboration with Software Engineers</a:t>
-            </a:r>
-          </a:p>
-          <a:p>
-            <a:pPr lvl="2"/>
-            <a:r>
-              <a:rPr lang="en-US" sz="1800" dirty="0">
-                <a:latin typeface="Selawik Semibold" panose="020B0702040204020203" pitchFamily="34" charset="0"/>
-              </a:rPr>
-              <a:t>BS in Quantitative Field</a:t>
-            </a:r>
-          </a:p>
-          <a:p>
-            <a:pPr lvl="2"/>
-            <a:r>
-              <a:rPr lang="en-US" sz="1800" dirty="0">
-                <a:latin typeface="Selawik Semibold" panose="020B0702040204020203" pitchFamily="34" charset="0"/>
-              </a:rPr>
-              <a:t>R, SQL, Python</a:t>
+              <a:t>Requirements are Unknown</a:t>
             </a:r>
           </a:p>
           <a:p>
@@ -9269,7 +9139,7 @@
               <a:rPr lang="en-US" sz="2000" dirty="0">
                 <a:latin typeface="Selawik Semibold" panose="020B0702040204020203" pitchFamily="34" charset="0"/>
               </a:rPr>
-              <a:t>Director of Data Science, DICK’S Sporting Goods</a:t>
+              <a:t>Sports Injury Data Scientist, RWE Agile Analytics</a:t>
             </a:r>
           </a:p>
           <a:p>
@@ -9278,7 +9148,7 @@
               <a:rPr lang="en-US" sz="1800" dirty="0">
                 <a:latin typeface="Selawik Semibold" panose="020B0702040204020203" pitchFamily="34" charset="0"/>
               </a:rPr>
-              <a:t>MS in Stats, Math, Econ, etc.</a:t>
+              <a:t>Part of IQVIA</a:t>
             </a:r>
           </a:p>
           <a:p>
@@ -9287,7 +9157,7 @@
               <a:rPr lang="en-US" sz="1800" dirty="0">
                 <a:latin typeface="Selawik Semibold" panose="020B0702040204020203" pitchFamily="34" charset="0"/>
               </a:rPr>
-              <a:t>10-15 Years Experience</a:t>
+              <a:t>SQL, Python, SAS, R</a:t>
             </a:r>
           </a:p>
           <a:p>
@@ -9296,7 +9166,7 @@
               <a:rPr lang="en-US" sz="1800" dirty="0">
                 <a:latin typeface="Selawik Semibold" panose="020B0702040204020203" pitchFamily="34" charset="0"/>
               </a:rPr>
-              <a:t>Proficient in SQL, R, Python, or SAS</a:t>
+              <a:t>Familiar with Basic Statistical Analyses</a:t>
             </a:r>
           </a:p>
           <a:p>
@@ -9305,7 +9175,7 @@
               <a:rPr lang="en-US" sz="1800" dirty="0">
                 <a:latin typeface="Selawik Semibold" panose="020B0702040204020203" pitchFamily="34" charset="0"/>
               </a:rPr>
-              <a:t>Cloud Computing Environments</a:t>
+              <a:t>Bachelor’s (6-8 years experience)</a:t>
             </a:r>
           </a:p>
           <a:p>
@@ -9314,52 +9184,8 @@
               <a:rPr lang="en-US" sz="1800" dirty="0">
                 <a:latin typeface="Selawik Semibold" panose="020B0702040204020203" pitchFamily="34" charset="0"/>
               </a:rPr>
-              <a:t>Lead Team of Data Science Managers and Data Scientists</a:t>
-            </a:r>
-            <a:endParaRPr lang="en-US" sz="1600" dirty="0">
-              <a:latin typeface="Selawik Semibold" panose="020B0702040204020203" pitchFamily="34" charset="0"/>
-            </a:endParaRPr>
-          </a:p>
-          <a:p>
-            <a:pPr lvl="2"/>
-            <a:endParaRPr lang="en-US" sz="1400" dirty="0">
-              <a:latin typeface="Selawik Semibold" panose="020B0702040204020203" pitchFamily="34" charset="0"/>
-            </a:endParaRPr>
-          </a:p>
-          <a:p>
-            <a:pPr lvl="2"/>
-            <a:endParaRPr lang="en-US" sz="1800" dirty="0">
-              <a:latin typeface="Selawik Semibold" panose="020B0702040204020203" pitchFamily="34" charset="0"/>
-            </a:endParaRPr>
-          </a:p>
-          <a:p>
-            <a:pPr lvl="2"/>
-            <a:endParaRPr lang="en-US" sz="1600" dirty="0">
-              <a:latin typeface="Selawik Semibold" panose="020B0702040204020203" pitchFamily="34" charset="0"/>
-            </a:endParaRPr>
-          </a:p>
-          <a:p>
-            <a:endParaRPr lang="en-US" sz="2400" dirty="0">
-              <a:latin typeface="Selawik Semibold" panose="020B0702040204020203" pitchFamily="34" charset="0"/>
-            </a:endParaRPr>
-          </a:p>
-          <a:p>
-            <a:pPr lvl="1"/>
-            <a:endParaRPr lang="en-US" sz="2000" dirty="0">
-              <a:latin typeface="Selawik Semibold" panose="020B0702040204020203" pitchFamily="34" charset="0"/>
-            </a:endParaRPr>
-          </a:p>
-          <a:p>
-            <a:pPr lvl="2"/>
-            <a:endParaRPr lang="en-US" sz="1800" dirty="0">
-              <a:latin typeface="Selawik Semibold" panose="020B0702040204020203" pitchFamily="34" charset="0"/>
-            </a:endParaRPr>
-          </a:p>
-          <a:p>
-            <a:pPr lvl="1"/>
-            <a:endParaRPr lang="en-US" sz="2200" dirty="0">
-              <a:latin typeface="Selawik Semibold" panose="020B0702040204020203" pitchFamily="34" charset="0"/>
-            </a:endParaRPr>
+              <a:t>Master’s (3-5 years experience)</a:t>
+            </a:r>
           </a:p>
         </p:txBody>
       </p:sp>
@@ -9706,7 +9532,7 @@
     </p:spTree>
     <p:extLst>
       <p:ext uri="{BB962C8B-B14F-4D97-AF65-F5344CB8AC3E}">
-        <p14:creationId xmlns:p14="http://schemas.microsoft.com/office/powerpoint/2010/main" val="1291736236"/>
+        <p14:creationId xmlns:p14="http://schemas.microsoft.com/office/powerpoint/2010/main" val="1406941442"/>
       </p:ext>
     </p:extLst>
   </p:cSld>
@@ -9860,7 +9686,7 @@
         <p:spPr>
           <a:xfrm>
             <a:off x="838199" y="2021248"/>
-            <a:ext cx="7102643" cy="4695905"/>
+            <a:ext cx="8107018" cy="4695905"/>
           </a:xfrm>
         </p:spPr>
         <p:txBody>
@@ -9873,14 +9699,14 @@
               <a:rPr lang="en-US" sz="2400" dirty="0">
                 <a:latin typeface="Selawik Semibold" panose="020B0702040204020203" pitchFamily="34" charset="0"/>
               </a:rPr>
-              <a:t>Conferences </a:t>
+              <a:t>Real Jobs (Indeed)</a:t>
             </a:r>
           </a:p>
           <a:p>
             <a:pPr marL="0" indent="0">
               <a:buNone/>
             </a:pPr>
-            <a:endParaRPr lang="en-US" sz="1100" dirty="0">
+            <a:endParaRPr lang="en-US" sz="2400" dirty="0">
               <a:latin typeface="Selawik Semibold" panose="020B0702040204020203" pitchFamily="34" charset="0"/>
             </a:endParaRPr>
           </a:p>
@@ -9890,8 +9716,62 @@
               <a:rPr lang="en-US" sz="2000" dirty="0">
                 <a:latin typeface="Selawik Semibold" panose="020B0702040204020203" pitchFamily="34" charset="0"/>
               </a:rPr>
-              <a:t>Carnegie Mellon Sports Analytics Conference</a:t>
-            </a:r>
+              <a:t>Sports Science Coordinator, Houston Texans</a:t>
+            </a:r>
+            <a:endParaRPr lang="en-US" sz="1600" dirty="0">
+              <a:latin typeface="Selawik Semibold" panose="020B0702040204020203" pitchFamily="34" charset="0"/>
+            </a:endParaRPr>
+          </a:p>
+          <a:p>
+            <a:pPr lvl="2"/>
+            <a:r>
+              <a:rPr lang="en-US" sz="1800" dirty="0">
+                <a:latin typeface="Selawik Semibold" panose="020B0702040204020203" pitchFamily="34" charset="0"/>
+              </a:rPr>
+              <a:t>Master’s Required</a:t>
+            </a:r>
+          </a:p>
+          <a:p>
+            <a:pPr lvl="2"/>
+            <a:r>
+              <a:rPr lang="en-US" sz="1800" dirty="0">
+                <a:latin typeface="Selawik Semibold" panose="020B0702040204020203" pitchFamily="34" charset="0"/>
+              </a:rPr>
+              <a:t>Expected to  Constantly Learn</a:t>
+            </a:r>
+          </a:p>
+          <a:p>
+            <a:pPr lvl="2"/>
+            <a:r>
+              <a:rPr lang="en-US" sz="1800" dirty="0">
+                <a:latin typeface="Selawik Semibold" panose="020B0702040204020203" pitchFamily="34" charset="0"/>
+              </a:rPr>
+              <a:t>MS in Sport Performance</a:t>
+            </a:r>
+          </a:p>
+          <a:p>
+            <a:pPr lvl="2"/>
+            <a:r>
+              <a:rPr lang="en-US" sz="1800" dirty="0">
+                <a:latin typeface="Selawik Semibold" panose="020B0702040204020203" pitchFamily="34" charset="0"/>
+              </a:rPr>
+              <a:t>SQL, Statistics, R/Python</a:t>
+            </a:r>
+          </a:p>
+          <a:p>
+            <a:pPr lvl="2"/>
+            <a:r>
+              <a:rPr lang="en-US" sz="1800" dirty="0">
+                <a:latin typeface="Selawik Semibold" panose="020B0702040204020203" pitchFamily="34" charset="0"/>
+              </a:rPr>
+              <a:t>Machine Learning and Time Series Methods</a:t>
+            </a:r>
+          </a:p>
+          <a:p>
+            <a:pPr lvl="2"/>
+            <a:endParaRPr lang="en-US" sz="1600" dirty="0">
+              <a:latin typeface="Selawik Semibold" panose="020B0702040204020203" pitchFamily="34" charset="0"/>
+            </a:endParaRPr>
           </a:p>
           <a:p>
             <a:pPr lvl="1"/>
@@ -9899,74 +9779,58 @@
               <a:rPr lang="en-US" sz="2000" dirty="0">
                 <a:latin typeface="Selawik Semibold" panose="020B0702040204020203" pitchFamily="34" charset="0"/>
               </a:rPr>
-              <a:t>Great Lakes Analytics Conference</a:t>
-            </a:r>
-          </a:p>
-          <a:p>
-            <a:pPr lvl="1"/>
-            <a:r>
-              <a:rPr lang="en-US" sz="2000" dirty="0" err="1">
-                <a:latin typeface="Selawik Semibold" panose="020B0702040204020203" pitchFamily="34" charset="0"/>
-              </a:rPr>
-              <a:t>MathSport</a:t>
-            </a:r>
-            <a:r>
-              <a:rPr lang="en-US" sz="2000" dirty="0">
-                <a:latin typeface="Selawik Semibold" panose="020B0702040204020203" pitchFamily="34" charset="0"/>
-              </a:rPr>
-              <a:t> International</a:t>
-            </a:r>
-          </a:p>
-          <a:p>
-            <a:pPr lvl="1"/>
-            <a:r>
-              <a:rPr lang="en-US" sz="2000" dirty="0">
-                <a:latin typeface="Selawik Semibold" panose="020B0702040204020203" pitchFamily="34" charset="0"/>
-              </a:rPr>
-              <a:t>MIT Sloan Sports Analytics Conference</a:t>
-            </a:r>
-          </a:p>
-          <a:p>
-            <a:pPr lvl="1"/>
-            <a:r>
-              <a:rPr lang="en-US" sz="2000" dirty="0">
-                <a:latin typeface="Selawik Semibold" panose="020B0702040204020203" pitchFamily="34" charset="0"/>
-              </a:rPr>
-              <a:t>New England Symposium on Statistics in Sports</a:t>
-            </a:r>
-          </a:p>
-          <a:p>
-            <a:pPr lvl="1"/>
-            <a:r>
-              <a:rPr lang="en-US" sz="2000" dirty="0">
-                <a:latin typeface="Selawik Semibold" panose="020B0702040204020203" pitchFamily="34" charset="0"/>
-              </a:rPr>
-              <a:t>Rochester Institute of Technology Sports Analytics Conference</a:t>
-            </a:r>
-          </a:p>
-          <a:p>
-            <a:pPr lvl="1"/>
-            <a:r>
-              <a:rPr lang="en-US" sz="2000" dirty="0">
-                <a:latin typeface="Selawik Semibold" panose="020B0702040204020203" pitchFamily="34" charset="0"/>
-              </a:rPr>
-              <a:t>Sports IDEAS Symposium</a:t>
-            </a:r>
-          </a:p>
-          <a:p>
-            <a:pPr lvl="1"/>
-            <a:r>
-              <a:rPr lang="en-US" sz="2000" dirty="0" err="1">
-                <a:latin typeface="Selawik Semibold" panose="020B0702040204020203" pitchFamily="34" charset="0"/>
-              </a:rPr>
-              <a:t>Uconn</a:t>
-            </a:r>
-            <a:r>
-              <a:rPr lang="en-US" sz="2000" dirty="0">
-                <a:latin typeface="Selawik Semibold" panose="020B0702040204020203" pitchFamily="34" charset="0"/>
-              </a:rPr>
-              <a:t> Sports Analytics Symposium</a:t>
-            </a:r>
+              <a:t>Professor of Data Analytics, University of Tulsa</a:t>
+            </a:r>
+          </a:p>
+          <a:p>
+            <a:pPr lvl="2"/>
+            <a:r>
+              <a:rPr lang="en-US" sz="1800" dirty="0">
+                <a:latin typeface="Selawik Semibold" panose="020B0702040204020203" pitchFamily="34" charset="0"/>
+              </a:rPr>
+              <a:t>Focus on Sports Analytics</a:t>
+            </a:r>
+          </a:p>
+          <a:p>
+            <a:pPr lvl="2"/>
+            <a:r>
+              <a:rPr lang="en-US" sz="1800" dirty="0">
+                <a:latin typeface="Selawik Semibold" panose="020B0702040204020203" pitchFamily="34" charset="0"/>
+              </a:rPr>
+              <a:t>PhD and  Research Background in Sports</a:t>
+            </a:r>
+          </a:p>
+          <a:p>
+            <a:pPr lvl="2"/>
+            <a:r>
+              <a:rPr lang="en-US" sz="1800" dirty="0">
+                <a:latin typeface="Selawik Semibold" panose="020B0702040204020203" pitchFamily="34" charset="0"/>
+              </a:rPr>
+              <a:t>College of Business</a:t>
+            </a:r>
+          </a:p>
+          <a:p>
+            <a:pPr lvl="2"/>
+            <a:endParaRPr lang="en-US" sz="1400" dirty="0">
+              <a:latin typeface="Selawik Semibold" panose="020B0702040204020203" pitchFamily="34" charset="0"/>
+            </a:endParaRPr>
+          </a:p>
+          <a:p>
+            <a:pPr lvl="2"/>
+            <a:endParaRPr lang="en-US" sz="1800" dirty="0">
+              <a:latin typeface="Selawik Semibold" panose="020B0702040204020203" pitchFamily="34" charset="0"/>
+            </a:endParaRPr>
+          </a:p>
+          <a:p>
+            <a:pPr lvl="2"/>
+            <a:endParaRPr lang="en-US" sz="1600" dirty="0">
+              <a:latin typeface="Selawik Semibold" panose="020B0702040204020203" pitchFamily="34" charset="0"/>
+            </a:endParaRPr>
+          </a:p>
+          <a:p>
+            <a:endParaRPr lang="en-US" sz="2400" dirty="0">
+              <a:latin typeface="Selawik Semibold" panose="020B0702040204020203" pitchFamily="34" charset="0"/>
+            </a:endParaRPr>
           </a:p>
           <a:p>
             <a:pPr lvl="1"/>
@@ -9977,6 +9841,12 @@
           <a:p>
             <a:pPr lvl="2"/>
             <a:endParaRPr lang="en-US" sz="1800" dirty="0">
+              <a:latin typeface="Selawik Semibold" panose="020B0702040204020203" pitchFamily="34" charset="0"/>
+            </a:endParaRPr>
+          </a:p>
+          <a:p>
+            <a:pPr lvl="1"/>
+            <a:endParaRPr lang="en-US" sz="2200" dirty="0">
               <a:latin typeface="Selawik Semibold" panose="020B0702040204020203" pitchFamily="34" charset="0"/>
             </a:endParaRPr>
           </a:p>
@@ -10322,50 +10192,10 @@
           </a:p>
         </p:txBody>
       </p:sp>
-      <p:sp>
-        <p:nvSpPr>
-          <p:cNvPr id="3" name="TextBox 2">
-            <a:extLst>
-              <a:ext uri="{FF2B5EF4-FFF2-40B4-BE49-F238E27FC236}">
-                <a16:creationId xmlns:a16="http://schemas.microsoft.com/office/drawing/2014/main" id="{8044F9F7-5205-4FC0-8642-6E1BDFC2171E}"/>
-              </a:ext>
-            </a:extLst>
-          </p:cNvPr>
-          <p:cNvSpPr txBox="1"/>
-          <p:nvPr/>
-        </p:nvSpPr>
-        <p:spPr>
-          <a:xfrm>
-            <a:off x="396226" y="6292820"/>
-            <a:ext cx="8713057" cy="400110"/>
-          </a:xfrm>
-          <a:prstGeom prst="rect">
-            <a:avLst/>
-          </a:prstGeom>
-          <a:noFill/>
-        </p:spPr>
-        <p:txBody>
-          <a:bodyPr wrap="square" rtlCol="0">
-            <a:spAutoFit/>
-          </a:bodyPr>
-          <a:lstStyle/>
-          <a:p>
-            <a:pPr algn="r"/>
-            <a:r>
-              <a:rPr lang="en-US" sz="2000"/>
-              <a:t>Compiled on </a:t>
-            </a:r>
-            <a:r>
-              <a:rPr lang="en-US" sz="2000" dirty="0"/>
-              <a:t>Medium.com</a:t>
-            </a:r>
-          </a:p>
-        </p:txBody>
-      </p:sp>
     </p:spTree>
     <p:extLst>
       <p:ext uri="{BB962C8B-B14F-4D97-AF65-F5344CB8AC3E}">
-        <p14:creationId xmlns:p14="http://schemas.microsoft.com/office/powerpoint/2010/main" val="866404210"/>
+        <p14:creationId xmlns:p14="http://schemas.microsoft.com/office/powerpoint/2010/main" val="2429112968"/>
       </p:ext>
     </p:extLst>
   </p:cSld>
@@ -10965,6 +10795,1951 @@
 </file>
 
 <file path=ppt/slides/slide20.xml><?xml version="1.0" encoding="utf-8"?>
+<p:sld xmlns:a="http://schemas.openxmlformats.org/drawingml/2006/main" xmlns:r="http://schemas.openxmlformats.org/officeDocument/2006/relationships" xmlns:p="http://schemas.openxmlformats.org/presentationml/2006/main">
+  <p:cSld>
+    <p:bg>
+      <p:bgPr>
+        <a:solidFill>
+          <a:srgbClr val="395583"/>
+        </a:solidFill>
+        <a:effectLst/>
+      </p:bgPr>
+    </p:bg>
+    <p:spTree>
+      <p:nvGrpSpPr>
+        <p:cNvPr id="1" name=""/>
+        <p:cNvGrpSpPr/>
+        <p:nvPr/>
+      </p:nvGrpSpPr>
+      <p:grpSpPr>
+        <a:xfrm>
+          <a:off x="0" y="0"/>
+          <a:ext cx="0" cy="0"/>
+          <a:chOff x="0" y="0"/>
+          <a:chExt cx="0" cy="0"/>
+        </a:xfrm>
+      </p:grpSpPr>
+      <p:sp>
+        <p:nvSpPr>
+          <p:cNvPr id="25" name="Rectangle 24">
+            <a:extLst>
+              <a:ext uri="{FF2B5EF4-FFF2-40B4-BE49-F238E27FC236}">
+                <a16:creationId xmlns:a16="http://schemas.microsoft.com/office/drawing/2014/main" id="{A6792F05-2FD4-4F18-815E-15391E8B4A0E}"/>
+              </a:ext>
+              <a:ext uri="{C183D7F6-B498-43B3-948B-1728B52AA6E4}">
+                <adec:decorative xmlns:adec="http://schemas.microsoft.com/office/drawing/2017/decorative" val="1"/>
+              </a:ext>
+            </a:extLst>
+          </p:cNvPr>
+          <p:cNvSpPr>
+            <a:spLocks noGrp="1" noRot="1" noChangeAspect="1" noMove="1" noResize="1" noEditPoints="1" noAdjustHandles="1" noChangeArrowheads="1" noChangeShapeType="1" noTextEdit="1"/>
+          </p:cNvSpPr>
+          <p:nvPr>
+            <p:extLst>
+              <p:ext uri="{386F3935-93C4-4BCD-93E2-E3B085C9AB24}">
+                <p16:designElem xmlns:p16="http://schemas.microsoft.com/office/powerpoint/2015/main" val="1"/>
+              </p:ext>
+            </p:extLst>
+          </p:nvPr>
+        </p:nvSpPr>
+        <p:spPr>
+          <a:xfrm>
+            <a:off x="0" y="0"/>
+            <a:ext cx="12191999" cy="6858000"/>
+          </a:xfrm>
+          <a:prstGeom prst="rect">
+            <a:avLst/>
+          </a:prstGeom>
+          <a:solidFill>
+            <a:srgbClr val="395583"/>
+          </a:solidFill>
+          <a:ln>
+            <a:noFill/>
+          </a:ln>
+        </p:spPr>
+        <p:style>
+          <a:lnRef idx="2">
+            <a:schemeClr val="accent1">
+              <a:shade val="50000"/>
+            </a:schemeClr>
+          </a:lnRef>
+          <a:fillRef idx="1">
+            <a:schemeClr val="accent1"/>
+          </a:fillRef>
+          <a:effectRef idx="0">
+            <a:schemeClr val="accent1"/>
+          </a:effectRef>
+          <a:fontRef idx="minor">
+            <a:schemeClr val="lt1"/>
+          </a:fontRef>
+        </p:style>
+        <p:txBody>
+          <a:bodyPr rtlCol="0" anchor="ctr"/>
+          <a:lstStyle/>
+          <a:p>
+            <a:pPr algn="ctr"/>
+            <a:endParaRPr lang="en-US"/>
+          </a:p>
+        </p:txBody>
+      </p:sp>
+      <p:sp>
+        <p:nvSpPr>
+          <p:cNvPr id="2" name="Title 1">
+            <a:extLst>
+              <a:ext uri="{FF2B5EF4-FFF2-40B4-BE49-F238E27FC236}">
+                <a16:creationId xmlns:a16="http://schemas.microsoft.com/office/drawing/2014/main" id="{2589AFCC-0FF0-498C-B11F-8990DF0DAAA5}"/>
+              </a:ext>
+            </a:extLst>
+          </p:cNvPr>
+          <p:cNvSpPr>
+            <a:spLocks noGrp="1"/>
+          </p:cNvSpPr>
+          <p:nvPr>
+            <p:ph type="title"/>
+          </p:nvPr>
+        </p:nvSpPr>
+        <p:spPr>
+          <a:xfrm>
+            <a:off x="838200" y="365125"/>
+            <a:ext cx="10515600" cy="1325563"/>
+          </a:xfrm>
+        </p:spPr>
+        <p:txBody>
+          <a:bodyPr>
+            <a:normAutofit/>
+          </a:bodyPr>
+          <a:lstStyle/>
+          <a:p>
+            <a:r>
+              <a:rPr lang="en-US" b="1" dirty="0">
+                <a:latin typeface="Selawik Semibold" panose="020B0604020202020204" pitchFamily="34" charset="0"/>
+              </a:rPr>
+              <a:t>Your Industry Future</a:t>
+            </a:r>
+          </a:p>
+        </p:txBody>
+      </p:sp>
+      <p:sp>
+        <p:nvSpPr>
+          <p:cNvPr id="9" name="Content Placeholder 8">
+            <a:extLst>
+              <a:ext uri="{FF2B5EF4-FFF2-40B4-BE49-F238E27FC236}">
+                <a16:creationId xmlns:a16="http://schemas.microsoft.com/office/drawing/2014/main" id="{2D995594-59F2-4020-AB6F-751BAE84ADB3}"/>
+              </a:ext>
+            </a:extLst>
+          </p:cNvPr>
+          <p:cNvSpPr>
+            <a:spLocks noGrp="1"/>
+          </p:cNvSpPr>
+          <p:nvPr>
+            <p:ph idx="1"/>
+          </p:nvPr>
+        </p:nvSpPr>
+        <p:spPr>
+          <a:xfrm>
+            <a:off x="838199" y="2021248"/>
+            <a:ext cx="8107018" cy="4695905"/>
+          </a:xfrm>
+        </p:spPr>
+        <p:txBody>
+          <a:bodyPr>
+            <a:normAutofit/>
+          </a:bodyPr>
+          <a:lstStyle/>
+          <a:p>
+            <a:r>
+              <a:rPr lang="en-US" sz="2400" dirty="0">
+                <a:latin typeface="Selawik Semibold" panose="020B0702040204020203" pitchFamily="34" charset="0"/>
+              </a:rPr>
+              <a:t>Real Jobs (Indeed)</a:t>
+            </a:r>
+          </a:p>
+          <a:p>
+            <a:pPr marL="0" indent="0">
+              <a:buNone/>
+            </a:pPr>
+            <a:endParaRPr lang="en-US" sz="2400" dirty="0">
+              <a:latin typeface="Selawik Semibold" panose="020B0702040204020203" pitchFamily="34" charset="0"/>
+            </a:endParaRPr>
+          </a:p>
+          <a:p>
+            <a:pPr lvl="1"/>
+            <a:r>
+              <a:rPr lang="en-US" sz="2000" dirty="0">
+                <a:latin typeface="Selawik Semibold" panose="020B0702040204020203" pitchFamily="34" charset="0"/>
+              </a:rPr>
+              <a:t>Analyst, Club Business Operations for MLB</a:t>
+            </a:r>
+          </a:p>
+          <a:p>
+            <a:pPr lvl="2"/>
+            <a:r>
+              <a:rPr lang="en-US" sz="1800" dirty="0">
+                <a:latin typeface="Selawik Semibold" panose="020B0702040204020203" pitchFamily="34" charset="0"/>
+              </a:rPr>
+              <a:t>Quantitative Market Analyses</a:t>
+            </a:r>
+          </a:p>
+          <a:p>
+            <a:pPr lvl="2"/>
+            <a:r>
+              <a:rPr lang="en-US" sz="1800" dirty="0">
+                <a:latin typeface="Selawik Semibold" panose="020B0702040204020203" pitchFamily="34" charset="0"/>
+              </a:rPr>
+              <a:t>BS Degree in Business Related Field</a:t>
+            </a:r>
+          </a:p>
+          <a:p>
+            <a:pPr lvl="2"/>
+            <a:r>
+              <a:rPr lang="en-US" sz="1800" dirty="0">
+                <a:latin typeface="Selawik Semibold" panose="020B0702040204020203" pitchFamily="34" charset="0"/>
+              </a:rPr>
+              <a:t>Excel, PowerPoint, SQL</a:t>
+            </a:r>
+          </a:p>
+          <a:p>
+            <a:pPr lvl="2"/>
+            <a:r>
+              <a:rPr lang="en-US" sz="1800" dirty="0">
+                <a:latin typeface="Selawik Semibold" panose="020B0702040204020203" pitchFamily="34" charset="0"/>
+              </a:rPr>
+              <a:t>Exceptional Data Evaluation Skills</a:t>
+            </a:r>
+          </a:p>
+          <a:p>
+            <a:pPr marL="914400" lvl="2" indent="0">
+              <a:buNone/>
+            </a:pPr>
+            <a:endParaRPr lang="en-US" sz="1600" dirty="0">
+              <a:latin typeface="Selawik Semibold" panose="020B0702040204020203" pitchFamily="34" charset="0"/>
+            </a:endParaRPr>
+          </a:p>
+          <a:p>
+            <a:pPr lvl="1"/>
+            <a:r>
+              <a:rPr lang="en-US" sz="2000" dirty="0">
+                <a:latin typeface="Selawik Semibold" panose="020B0702040204020203" pitchFamily="34" charset="0"/>
+              </a:rPr>
+              <a:t>Business Analyst, Sports &amp; Entertainment for Aramark</a:t>
+            </a:r>
+          </a:p>
+          <a:p>
+            <a:pPr lvl="2"/>
+            <a:r>
+              <a:rPr lang="en-US" sz="1800" dirty="0">
+                <a:latin typeface="Selawik Semibold" panose="020B0702040204020203" pitchFamily="34" charset="0"/>
+              </a:rPr>
+              <a:t>Hospitality Company for Many Industries</a:t>
+            </a:r>
+          </a:p>
+          <a:p>
+            <a:pPr lvl="2"/>
+            <a:r>
+              <a:rPr lang="en-US" sz="1800" dirty="0">
+                <a:latin typeface="Selawik Semibold" panose="020B0702040204020203" pitchFamily="34" charset="0"/>
+              </a:rPr>
+              <a:t>Data Visualization with Tableau or </a:t>
+            </a:r>
+            <a:r>
+              <a:rPr lang="en-US" sz="1800" dirty="0" err="1">
+                <a:latin typeface="Selawik Semibold" panose="020B0702040204020203" pitchFamily="34" charset="0"/>
+              </a:rPr>
+              <a:t>PowerBI</a:t>
+            </a:r>
+            <a:endParaRPr lang="en-US" sz="1800" dirty="0">
+              <a:latin typeface="Selawik Semibold" panose="020B0702040204020203" pitchFamily="34" charset="0"/>
+            </a:endParaRPr>
+          </a:p>
+          <a:p>
+            <a:pPr lvl="2"/>
+            <a:r>
+              <a:rPr lang="en-US" sz="1800" dirty="0">
+                <a:latin typeface="Selawik Semibold" panose="020B0702040204020203" pitchFamily="34" charset="0"/>
+              </a:rPr>
+              <a:t>Exposure to Some Programming Language</a:t>
+            </a:r>
+          </a:p>
+          <a:p>
+            <a:pPr lvl="2"/>
+            <a:endParaRPr lang="en-US" sz="1400" dirty="0">
+              <a:latin typeface="Selawik Semibold" panose="020B0702040204020203" pitchFamily="34" charset="0"/>
+            </a:endParaRPr>
+          </a:p>
+          <a:p>
+            <a:pPr lvl="2"/>
+            <a:endParaRPr lang="en-US" sz="1800" dirty="0">
+              <a:latin typeface="Selawik Semibold" panose="020B0702040204020203" pitchFamily="34" charset="0"/>
+            </a:endParaRPr>
+          </a:p>
+          <a:p>
+            <a:pPr lvl="2"/>
+            <a:endParaRPr lang="en-US" sz="1600" dirty="0">
+              <a:latin typeface="Selawik Semibold" panose="020B0702040204020203" pitchFamily="34" charset="0"/>
+            </a:endParaRPr>
+          </a:p>
+          <a:p>
+            <a:endParaRPr lang="en-US" sz="2400" dirty="0">
+              <a:latin typeface="Selawik Semibold" panose="020B0702040204020203" pitchFamily="34" charset="0"/>
+            </a:endParaRPr>
+          </a:p>
+          <a:p>
+            <a:pPr lvl="1"/>
+            <a:endParaRPr lang="en-US" sz="2000" dirty="0">
+              <a:latin typeface="Selawik Semibold" panose="020B0702040204020203" pitchFamily="34" charset="0"/>
+            </a:endParaRPr>
+          </a:p>
+          <a:p>
+            <a:pPr lvl="2"/>
+            <a:endParaRPr lang="en-US" sz="1800" dirty="0">
+              <a:latin typeface="Selawik Semibold" panose="020B0702040204020203" pitchFamily="34" charset="0"/>
+            </a:endParaRPr>
+          </a:p>
+          <a:p>
+            <a:pPr lvl="1"/>
+            <a:endParaRPr lang="en-US" sz="2200" dirty="0">
+              <a:latin typeface="Selawik Semibold" panose="020B0702040204020203" pitchFamily="34" charset="0"/>
+            </a:endParaRPr>
+          </a:p>
+        </p:txBody>
+      </p:sp>
+      <p:pic>
+        <p:nvPicPr>
+          <p:cNvPr id="4" name="Picture 3" descr="A drawing of a cartoon character&#10;&#10;Description automatically generated">
+            <a:extLst>
+              <a:ext uri="{FF2B5EF4-FFF2-40B4-BE49-F238E27FC236}">
+                <a16:creationId xmlns:a16="http://schemas.microsoft.com/office/drawing/2014/main" id="{A7FDC859-D890-4904-9C64-27F43DA90453}"/>
+              </a:ext>
+            </a:extLst>
+          </p:cNvPr>
+          <p:cNvPicPr>
+            <a:picLocks noChangeAspect="1"/>
+          </p:cNvPicPr>
+          <p:nvPr/>
+        </p:nvPicPr>
+        <p:blipFill rotWithShape="1">
+          <a:blip r:embed="rId2">
+            <a:extLst>
+              <a:ext uri="{28A0092B-C50C-407E-A947-70E740481C1C}">
+                <a14:useLocalDpi xmlns:a14="http://schemas.microsoft.com/office/drawing/2010/main" val="0"/>
+              </a:ext>
+            </a:extLst>
+          </a:blip>
+          <a:srcRect t="5616" r="2" b="2"/>
+          <a:stretch/>
+        </p:blipFill>
+        <p:spPr>
+          <a:xfrm>
+            <a:off x="7471144" y="1700078"/>
+            <a:ext cx="4720855" cy="2583792"/>
+          </a:xfrm>
+          <a:custGeom>
+            <a:avLst/>
+            <a:gdLst>
+              <a:gd name="connsiteX0" fmla="*/ 0 w 5475077"/>
+              <a:gd name="connsiteY0" fmla="*/ 0 h 2583792"/>
+              <a:gd name="connsiteX1" fmla="*/ 5475077 w 5475077"/>
+              <a:gd name="connsiteY1" fmla="*/ 0 h 2583792"/>
+              <a:gd name="connsiteX2" fmla="*/ 5475077 w 5475077"/>
+              <a:gd name="connsiteY2" fmla="*/ 2583792 h 2583792"/>
+              <a:gd name="connsiteX3" fmla="*/ 1197192 w 5475077"/>
+              <a:gd name="connsiteY3" fmla="*/ 2583792 h 2583792"/>
+            </a:gdLst>
+            <a:ahLst/>
+            <a:cxnLst>
+              <a:cxn ang="0">
+                <a:pos x="connsiteX0" y="connsiteY0"/>
+              </a:cxn>
+              <a:cxn ang="0">
+                <a:pos x="connsiteX1" y="connsiteY1"/>
+              </a:cxn>
+              <a:cxn ang="0">
+                <a:pos x="connsiteX2" y="connsiteY2"/>
+              </a:cxn>
+              <a:cxn ang="0">
+                <a:pos x="connsiteX3" y="connsiteY3"/>
+              </a:cxn>
+            </a:cxnLst>
+            <a:rect l="l" t="t" r="r" b="b"/>
+            <a:pathLst>
+              <a:path w="5475077" h="2583792">
+                <a:moveTo>
+                  <a:pt x="0" y="0"/>
+                </a:moveTo>
+                <a:lnTo>
+                  <a:pt x="5475077" y="0"/>
+                </a:lnTo>
+                <a:lnTo>
+                  <a:pt x="5475077" y="2583792"/>
+                </a:lnTo>
+                <a:lnTo>
+                  <a:pt x="1197192" y="2583792"/>
+                </a:lnTo>
+                <a:close/>
+              </a:path>
+            </a:pathLst>
+          </a:custGeom>
+        </p:spPr>
+      </p:pic>
+      <p:pic>
+        <p:nvPicPr>
+          <p:cNvPr id="5" name="Content Placeholder 4" descr="A picture containing indoor&#10;&#10;Description automatically generated">
+            <a:extLst>
+              <a:ext uri="{FF2B5EF4-FFF2-40B4-BE49-F238E27FC236}">
+                <a16:creationId xmlns:a16="http://schemas.microsoft.com/office/drawing/2014/main" id="{A58F0E55-21F3-485B-A07F-1CE74177BDD2}"/>
+              </a:ext>
+            </a:extLst>
+          </p:cNvPr>
+          <p:cNvPicPr>
+            <a:picLocks noChangeAspect="1"/>
+          </p:cNvPicPr>
+          <p:nvPr/>
+        </p:nvPicPr>
+        <p:blipFill rotWithShape="1">
+          <a:blip r:embed="rId3">
+            <a:extLst>
+              <a:ext uri="{28A0092B-C50C-407E-A947-70E740481C1C}">
+                <a14:useLocalDpi xmlns:a14="http://schemas.microsoft.com/office/drawing/2010/main" val="0"/>
+              </a:ext>
+            </a:extLst>
+          </a:blip>
+          <a:srcRect t="5300" r="3" b="6859"/>
+          <a:stretch/>
+        </p:blipFill>
+        <p:spPr>
+          <a:xfrm>
+            <a:off x="8491869" y="4283870"/>
+            <a:ext cx="3700129" cy="2583520"/>
+          </a:xfrm>
+          <a:custGeom>
+            <a:avLst/>
+            <a:gdLst>
+              <a:gd name="connsiteX0" fmla="*/ 0 w 4277884"/>
+              <a:gd name="connsiteY0" fmla="*/ 0 h 2583520"/>
+              <a:gd name="connsiteX1" fmla="*/ 4277884 w 4277884"/>
+              <a:gd name="connsiteY1" fmla="*/ 0 h 2583520"/>
+              <a:gd name="connsiteX2" fmla="*/ 4277884 w 4277884"/>
+              <a:gd name="connsiteY2" fmla="*/ 2583520 h 2583520"/>
+              <a:gd name="connsiteX3" fmla="*/ 1192437 w 4277884"/>
+              <a:gd name="connsiteY3" fmla="*/ 2583520 h 2583520"/>
+              <a:gd name="connsiteX4" fmla="*/ 1188085 w 4277884"/>
+              <a:gd name="connsiteY4" fmla="*/ 2574129 h 2583520"/>
+              <a:gd name="connsiteX5" fmla="*/ 1192715 w 4277884"/>
+              <a:gd name="connsiteY5" fmla="*/ 2574129 h 2583520"/>
+            </a:gdLst>
+            <a:ahLst/>
+            <a:cxnLst>
+              <a:cxn ang="0">
+                <a:pos x="connsiteX0" y="connsiteY0"/>
+              </a:cxn>
+              <a:cxn ang="0">
+                <a:pos x="connsiteX1" y="connsiteY1"/>
+              </a:cxn>
+              <a:cxn ang="0">
+                <a:pos x="connsiteX2" y="connsiteY2"/>
+              </a:cxn>
+              <a:cxn ang="0">
+                <a:pos x="connsiteX3" y="connsiteY3"/>
+              </a:cxn>
+              <a:cxn ang="0">
+                <a:pos x="connsiteX4" y="connsiteY4"/>
+              </a:cxn>
+              <a:cxn ang="0">
+                <a:pos x="connsiteX5" y="connsiteY5"/>
+              </a:cxn>
+            </a:cxnLst>
+            <a:rect l="l" t="t" r="r" b="b"/>
+            <a:pathLst>
+              <a:path w="4277884" h="2583520">
+                <a:moveTo>
+                  <a:pt x="0" y="0"/>
+                </a:moveTo>
+                <a:lnTo>
+                  <a:pt x="4277884" y="0"/>
+                </a:lnTo>
+                <a:lnTo>
+                  <a:pt x="4277884" y="2583520"/>
+                </a:lnTo>
+                <a:lnTo>
+                  <a:pt x="1192437" y="2583520"/>
+                </a:lnTo>
+                <a:lnTo>
+                  <a:pt x="1188085" y="2574129"/>
+                </a:lnTo>
+                <a:lnTo>
+                  <a:pt x="1192715" y="2574129"/>
+                </a:lnTo>
+                <a:close/>
+              </a:path>
+            </a:pathLst>
+          </a:custGeom>
+        </p:spPr>
+      </p:pic>
+      <p:sp>
+        <p:nvSpPr>
+          <p:cNvPr id="6" name="Rectangle 5">
+            <a:extLst>
+              <a:ext uri="{FF2B5EF4-FFF2-40B4-BE49-F238E27FC236}">
+                <a16:creationId xmlns:a16="http://schemas.microsoft.com/office/drawing/2014/main" id="{A2901312-C3C2-4CEC-80EF-823AB4FBB726}"/>
+              </a:ext>
+            </a:extLst>
+          </p:cNvPr>
+          <p:cNvSpPr/>
+          <p:nvPr/>
+        </p:nvSpPr>
+        <p:spPr>
+          <a:xfrm>
+            <a:off x="-1" y="1608918"/>
+            <a:ext cx="12191999" cy="91160"/>
+          </a:xfrm>
+          <a:prstGeom prst="rect">
+            <a:avLst/>
+          </a:prstGeom>
+          <a:solidFill>
+            <a:schemeClr val="bg1"/>
+          </a:solidFill>
+          <a:ln>
+            <a:noFill/>
+          </a:ln>
+        </p:spPr>
+        <p:style>
+          <a:lnRef idx="2">
+            <a:schemeClr val="accent1">
+              <a:shade val="50000"/>
+            </a:schemeClr>
+          </a:lnRef>
+          <a:fillRef idx="1">
+            <a:schemeClr val="accent1"/>
+          </a:fillRef>
+          <a:effectRef idx="0">
+            <a:schemeClr val="accent1"/>
+          </a:effectRef>
+          <a:fontRef idx="minor">
+            <a:schemeClr val="lt1"/>
+          </a:fontRef>
+        </p:style>
+        <p:txBody>
+          <a:bodyPr rtlCol="0" anchor="ctr"/>
+          <a:lstStyle/>
+          <a:p>
+            <a:pPr algn="ctr"/>
+            <a:endParaRPr lang="en-US">
+              <a:solidFill>
+                <a:srgbClr val="DB5B5C"/>
+              </a:solidFill>
+            </a:endParaRPr>
+          </a:p>
+        </p:txBody>
+      </p:sp>
+      <p:sp>
+        <p:nvSpPr>
+          <p:cNvPr id="15" name="Rectangle 14">
+            <a:extLst>
+              <a:ext uri="{FF2B5EF4-FFF2-40B4-BE49-F238E27FC236}">
+                <a16:creationId xmlns:a16="http://schemas.microsoft.com/office/drawing/2014/main" id="{AD0A7C9C-CA2C-4B9B-A125-2D09D5573B44}"/>
+              </a:ext>
+            </a:extLst>
+          </p:cNvPr>
+          <p:cNvSpPr/>
+          <p:nvPr/>
+        </p:nvSpPr>
+        <p:spPr>
+          <a:xfrm>
+            <a:off x="1" y="6677247"/>
+            <a:ext cx="12191999" cy="190143"/>
+          </a:xfrm>
+          <a:prstGeom prst="rect">
+            <a:avLst/>
+          </a:prstGeom>
+          <a:solidFill>
+            <a:schemeClr val="bg1"/>
+          </a:solidFill>
+          <a:ln>
+            <a:noFill/>
+          </a:ln>
+        </p:spPr>
+        <p:style>
+          <a:lnRef idx="2">
+            <a:schemeClr val="accent1">
+              <a:shade val="50000"/>
+            </a:schemeClr>
+          </a:lnRef>
+          <a:fillRef idx="1">
+            <a:schemeClr val="accent1"/>
+          </a:fillRef>
+          <a:effectRef idx="0">
+            <a:schemeClr val="accent1"/>
+          </a:effectRef>
+          <a:fontRef idx="minor">
+            <a:schemeClr val="lt1"/>
+          </a:fontRef>
+        </p:style>
+        <p:txBody>
+          <a:bodyPr rtlCol="0" anchor="ctr"/>
+          <a:lstStyle/>
+          <a:p>
+            <a:pPr algn="ctr"/>
+            <a:endParaRPr lang="en-US">
+              <a:solidFill>
+                <a:srgbClr val="DB5B5C"/>
+              </a:solidFill>
+            </a:endParaRPr>
+          </a:p>
+        </p:txBody>
+      </p:sp>
+      <p:sp>
+        <p:nvSpPr>
+          <p:cNvPr id="16" name="Rectangle 15">
+            <a:extLst>
+              <a:ext uri="{FF2B5EF4-FFF2-40B4-BE49-F238E27FC236}">
+                <a16:creationId xmlns:a16="http://schemas.microsoft.com/office/drawing/2014/main" id="{74A085FC-1866-46D4-97F7-51AA45E48D4F}"/>
+              </a:ext>
+            </a:extLst>
+          </p:cNvPr>
+          <p:cNvSpPr/>
+          <p:nvPr/>
+        </p:nvSpPr>
+        <p:spPr>
+          <a:xfrm rot="4092292">
+            <a:off x="5790668" y="4094517"/>
+            <a:ext cx="5446699" cy="137038"/>
+          </a:xfrm>
+          <a:prstGeom prst="rect">
+            <a:avLst/>
+          </a:prstGeom>
+          <a:solidFill>
+            <a:schemeClr val="bg1"/>
+          </a:solidFill>
+          <a:ln>
+            <a:noFill/>
+          </a:ln>
+        </p:spPr>
+        <p:style>
+          <a:lnRef idx="2">
+            <a:schemeClr val="accent1">
+              <a:shade val="50000"/>
+            </a:schemeClr>
+          </a:lnRef>
+          <a:fillRef idx="1">
+            <a:schemeClr val="accent1"/>
+          </a:fillRef>
+          <a:effectRef idx="0">
+            <a:schemeClr val="accent1"/>
+          </a:effectRef>
+          <a:fontRef idx="minor">
+            <a:schemeClr val="lt1"/>
+          </a:fontRef>
+        </p:style>
+        <p:txBody>
+          <a:bodyPr rtlCol="0" anchor="ctr"/>
+          <a:lstStyle/>
+          <a:p>
+            <a:pPr algn="ctr"/>
+            <a:endParaRPr lang="en-US">
+              <a:solidFill>
+                <a:srgbClr val="DB5B5C"/>
+              </a:solidFill>
+            </a:endParaRPr>
+          </a:p>
+        </p:txBody>
+      </p:sp>
+    </p:spTree>
+    <p:extLst>
+      <p:ext uri="{BB962C8B-B14F-4D97-AF65-F5344CB8AC3E}">
+        <p14:creationId xmlns:p14="http://schemas.microsoft.com/office/powerpoint/2010/main" val="1344911940"/>
+      </p:ext>
+    </p:extLst>
+  </p:cSld>
+  <p:clrMapOvr>
+    <a:overrideClrMapping bg1="dk1" tx1="lt1" bg2="dk2" tx2="lt2" accent1="accent1" accent2="accent2" accent3="accent3" accent4="accent4" accent5="accent5" accent6="accent6" hlink="hlink" folHlink="folHlink"/>
+  </p:clrMapOvr>
+</p:sld>
+</file>
+
+<file path=ppt/slides/slide21.xml><?xml version="1.0" encoding="utf-8"?>
+<p:sld xmlns:a="http://schemas.openxmlformats.org/drawingml/2006/main" xmlns:r="http://schemas.openxmlformats.org/officeDocument/2006/relationships" xmlns:p="http://schemas.openxmlformats.org/presentationml/2006/main">
+  <p:cSld>
+    <p:bg>
+      <p:bgPr>
+        <a:solidFill>
+          <a:srgbClr val="395583"/>
+        </a:solidFill>
+        <a:effectLst/>
+      </p:bgPr>
+    </p:bg>
+    <p:spTree>
+      <p:nvGrpSpPr>
+        <p:cNvPr id="1" name=""/>
+        <p:cNvGrpSpPr/>
+        <p:nvPr/>
+      </p:nvGrpSpPr>
+      <p:grpSpPr>
+        <a:xfrm>
+          <a:off x="0" y="0"/>
+          <a:ext cx="0" cy="0"/>
+          <a:chOff x="0" y="0"/>
+          <a:chExt cx="0" cy="0"/>
+        </a:xfrm>
+      </p:grpSpPr>
+      <p:sp>
+        <p:nvSpPr>
+          <p:cNvPr id="25" name="Rectangle 24">
+            <a:extLst>
+              <a:ext uri="{FF2B5EF4-FFF2-40B4-BE49-F238E27FC236}">
+                <a16:creationId xmlns:a16="http://schemas.microsoft.com/office/drawing/2014/main" id="{A6792F05-2FD4-4F18-815E-15391E8B4A0E}"/>
+              </a:ext>
+              <a:ext uri="{C183D7F6-B498-43B3-948B-1728B52AA6E4}">
+                <adec:decorative xmlns:adec="http://schemas.microsoft.com/office/drawing/2017/decorative" val="1"/>
+              </a:ext>
+            </a:extLst>
+          </p:cNvPr>
+          <p:cNvSpPr>
+            <a:spLocks noGrp="1" noRot="1" noChangeAspect="1" noMove="1" noResize="1" noEditPoints="1" noAdjustHandles="1" noChangeArrowheads="1" noChangeShapeType="1" noTextEdit="1"/>
+          </p:cNvSpPr>
+          <p:nvPr>
+            <p:extLst>
+              <p:ext uri="{386F3935-93C4-4BCD-93E2-E3B085C9AB24}">
+                <p16:designElem xmlns:p16="http://schemas.microsoft.com/office/powerpoint/2015/main" val="1"/>
+              </p:ext>
+            </p:extLst>
+          </p:nvPr>
+        </p:nvSpPr>
+        <p:spPr>
+          <a:xfrm>
+            <a:off x="0" y="0"/>
+            <a:ext cx="12191999" cy="6858000"/>
+          </a:xfrm>
+          <a:prstGeom prst="rect">
+            <a:avLst/>
+          </a:prstGeom>
+          <a:solidFill>
+            <a:srgbClr val="395583"/>
+          </a:solidFill>
+          <a:ln>
+            <a:noFill/>
+          </a:ln>
+        </p:spPr>
+        <p:style>
+          <a:lnRef idx="2">
+            <a:schemeClr val="accent1">
+              <a:shade val="50000"/>
+            </a:schemeClr>
+          </a:lnRef>
+          <a:fillRef idx="1">
+            <a:schemeClr val="accent1"/>
+          </a:fillRef>
+          <a:effectRef idx="0">
+            <a:schemeClr val="accent1"/>
+          </a:effectRef>
+          <a:fontRef idx="minor">
+            <a:schemeClr val="lt1"/>
+          </a:fontRef>
+        </p:style>
+        <p:txBody>
+          <a:bodyPr rtlCol="0" anchor="ctr"/>
+          <a:lstStyle/>
+          <a:p>
+            <a:pPr algn="ctr"/>
+            <a:endParaRPr lang="en-US"/>
+          </a:p>
+        </p:txBody>
+      </p:sp>
+      <p:sp>
+        <p:nvSpPr>
+          <p:cNvPr id="2" name="Title 1">
+            <a:extLst>
+              <a:ext uri="{FF2B5EF4-FFF2-40B4-BE49-F238E27FC236}">
+                <a16:creationId xmlns:a16="http://schemas.microsoft.com/office/drawing/2014/main" id="{2589AFCC-0FF0-498C-B11F-8990DF0DAAA5}"/>
+              </a:ext>
+            </a:extLst>
+          </p:cNvPr>
+          <p:cNvSpPr>
+            <a:spLocks noGrp="1"/>
+          </p:cNvSpPr>
+          <p:nvPr>
+            <p:ph type="title"/>
+          </p:nvPr>
+        </p:nvSpPr>
+        <p:spPr>
+          <a:xfrm>
+            <a:off x="838200" y="365125"/>
+            <a:ext cx="10515600" cy="1325563"/>
+          </a:xfrm>
+        </p:spPr>
+        <p:txBody>
+          <a:bodyPr>
+            <a:normAutofit/>
+          </a:bodyPr>
+          <a:lstStyle/>
+          <a:p>
+            <a:r>
+              <a:rPr lang="en-US" b="1" dirty="0">
+                <a:latin typeface="Selawik Semibold" panose="020B0604020202020204" pitchFamily="34" charset="0"/>
+              </a:rPr>
+              <a:t>Your Industry Future</a:t>
+            </a:r>
+          </a:p>
+        </p:txBody>
+      </p:sp>
+      <p:sp>
+        <p:nvSpPr>
+          <p:cNvPr id="9" name="Content Placeholder 8">
+            <a:extLst>
+              <a:ext uri="{FF2B5EF4-FFF2-40B4-BE49-F238E27FC236}">
+                <a16:creationId xmlns:a16="http://schemas.microsoft.com/office/drawing/2014/main" id="{2D995594-59F2-4020-AB6F-751BAE84ADB3}"/>
+              </a:ext>
+            </a:extLst>
+          </p:cNvPr>
+          <p:cNvSpPr>
+            <a:spLocks noGrp="1"/>
+          </p:cNvSpPr>
+          <p:nvPr>
+            <p:ph idx="1"/>
+          </p:nvPr>
+        </p:nvSpPr>
+        <p:spPr>
+          <a:xfrm>
+            <a:off x="838199" y="2021248"/>
+            <a:ext cx="8107018" cy="4695905"/>
+          </a:xfrm>
+        </p:spPr>
+        <p:txBody>
+          <a:bodyPr>
+            <a:normAutofit/>
+          </a:bodyPr>
+          <a:lstStyle/>
+          <a:p>
+            <a:r>
+              <a:rPr lang="en-US" sz="2400" dirty="0">
+                <a:latin typeface="Selawik Semibold" panose="020B0702040204020203" pitchFamily="34" charset="0"/>
+              </a:rPr>
+              <a:t>Real Jobs (Indeed)</a:t>
+            </a:r>
+          </a:p>
+          <a:p>
+            <a:pPr marL="0" indent="0">
+              <a:buNone/>
+            </a:pPr>
+            <a:endParaRPr lang="en-US" sz="2400" dirty="0">
+              <a:latin typeface="Selawik Semibold" panose="020B0702040204020203" pitchFamily="34" charset="0"/>
+            </a:endParaRPr>
+          </a:p>
+          <a:p>
+            <a:pPr lvl="1"/>
+            <a:r>
+              <a:rPr lang="en-US" sz="2000" dirty="0">
+                <a:latin typeface="Selawik Semibold" panose="020B0702040204020203" pitchFamily="34" charset="0"/>
+              </a:rPr>
+              <a:t>Analyst, Baseball Operations for Giants</a:t>
+            </a:r>
+          </a:p>
+          <a:p>
+            <a:pPr lvl="2"/>
+            <a:r>
+              <a:rPr lang="en-US" sz="1800" dirty="0">
+                <a:latin typeface="Selawik Semibold" panose="020B0702040204020203" pitchFamily="34" charset="0"/>
+              </a:rPr>
+              <a:t>Perform Statistical Analyses</a:t>
+            </a:r>
+          </a:p>
+          <a:p>
+            <a:pPr lvl="2"/>
+            <a:r>
+              <a:rPr lang="en-US" sz="1800" dirty="0">
+                <a:latin typeface="Selawik Semibold" panose="020B0702040204020203" pitchFamily="34" charset="0"/>
+              </a:rPr>
+              <a:t>Collaboration with Software Engineers</a:t>
+            </a:r>
+          </a:p>
+          <a:p>
+            <a:pPr lvl="2"/>
+            <a:r>
+              <a:rPr lang="en-US" sz="1800" dirty="0">
+                <a:latin typeface="Selawik Semibold" panose="020B0702040204020203" pitchFamily="34" charset="0"/>
+              </a:rPr>
+              <a:t>BS in Quantitative Field</a:t>
+            </a:r>
+          </a:p>
+          <a:p>
+            <a:pPr lvl="2"/>
+            <a:r>
+              <a:rPr lang="en-US" sz="1800" dirty="0">
+                <a:latin typeface="Selawik Semibold" panose="020B0702040204020203" pitchFamily="34" charset="0"/>
+              </a:rPr>
+              <a:t>R, SQL, Python</a:t>
+            </a:r>
+          </a:p>
+          <a:p>
+            <a:pPr marL="914400" lvl="2" indent="0">
+              <a:buNone/>
+            </a:pPr>
+            <a:endParaRPr lang="en-US" sz="1600" dirty="0">
+              <a:latin typeface="Selawik Semibold" panose="020B0702040204020203" pitchFamily="34" charset="0"/>
+            </a:endParaRPr>
+          </a:p>
+          <a:p>
+            <a:pPr lvl="1"/>
+            <a:r>
+              <a:rPr lang="en-US" sz="2000" dirty="0">
+                <a:latin typeface="Selawik Semibold" panose="020B0702040204020203" pitchFamily="34" charset="0"/>
+              </a:rPr>
+              <a:t>Director of Data Science, DICK’S Sporting Goods</a:t>
+            </a:r>
+          </a:p>
+          <a:p>
+            <a:pPr lvl="2"/>
+            <a:r>
+              <a:rPr lang="en-US" sz="1800" dirty="0">
+                <a:latin typeface="Selawik Semibold" panose="020B0702040204020203" pitchFamily="34" charset="0"/>
+              </a:rPr>
+              <a:t>MS in Stats, Math, Econ, etc.</a:t>
+            </a:r>
+          </a:p>
+          <a:p>
+            <a:pPr lvl="2"/>
+            <a:r>
+              <a:rPr lang="en-US" sz="1800" dirty="0">
+                <a:latin typeface="Selawik Semibold" panose="020B0702040204020203" pitchFamily="34" charset="0"/>
+              </a:rPr>
+              <a:t>10-15 Years Experience</a:t>
+            </a:r>
+          </a:p>
+          <a:p>
+            <a:pPr lvl="2"/>
+            <a:r>
+              <a:rPr lang="en-US" sz="1800" dirty="0">
+                <a:latin typeface="Selawik Semibold" panose="020B0702040204020203" pitchFamily="34" charset="0"/>
+              </a:rPr>
+              <a:t>Proficient in SQL, R, Python, or SAS</a:t>
+            </a:r>
+          </a:p>
+          <a:p>
+            <a:pPr lvl="2"/>
+            <a:r>
+              <a:rPr lang="en-US" sz="1800" dirty="0">
+                <a:latin typeface="Selawik Semibold" panose="020B0702040204020203" pitchFamily="34" charset="0"/>
+              </a:rPr>
+              <a:t>Cloud Computing Environments</a:t>
+            </a:r>
+          </a:p>
+          <a:p>
+            <a:pPr lvl="2"/>
+            <a:r>
+              <a:rPr lang="en-US" sz="1800" dirty="0">
+                <a:latin typeface="Selawik Semibold" panose="020B0702040204020203" pitchFamily="34" charset="0"/>
+              </a:rPr>
+              <a:t>Lead Team of Data Science Managers and Data Scientists</a:t>
+            </a:r>
+            <a:endParaRPr lang="en-US" sz="1600" dirty="0">
+              <a:latin typeface="Selawik Semibold" panose="020B0702040204020203" pitchFamily="34" charset="0"/>
+            </a:endParaRPr>
+          </a:p>
+          <a:p>
+            <a:pPr lvl="2"/>
+            <a:endParaRPr lang="en-US" sz="1400" dirty="0">
+              <a:latin typeface="Selawik Semibold" panose="020B0702040204020203" pitchFamily="34" charset="0"/>
+            </a:endParaRPr>
+          </a:p>
+          <a:p>
+            <a:pPr lvl="2"/>
+            <a:endParaRPr lang="en-US" sz="1800" dirty="0">
+              <a:latin typeface="Selawik Semibold" panose="020B0702040204020203" pitchFamily="34" charset="0"/>
+            </a:endParaRPr>
+          </a:p>
+          <a:p>
+            <a:pPr lvl="2"/>
+            <a:endParaRPr lang="en-US" sz="1600" dirty="0">
+              <a:latin typeface="Selawik Semibold" panose="020B0702040204020203" pitchFamily="34" charset="0"/>
+            </a:endParaRPr>
+          </a:p>
+          <a:p>
+            <a:endParaRPr lang="en-US" sz="2400" dirty="0">
+              <a:latin typeface="Selawik Semibold" panose="020B0702040204020203" pitchFamily="34" charset="0"/>
+            </a:endParaRPr>
+          </a:p>
+          <a:p>
+            <a:pPr lvl="1"/>
+            <a:endParaRPr lang="en-US" sz="2000" dirty="0">
+              <a:latin typeface="Selawik Semibold" panose="020B0702040204020203" pitchFamily="34" charset="0"/>
+            </a:endParaRPr>
+          </a:p>
+          <a:p>
+            <a:pPr lvl="2"/>
+            <a:endParaRPr lang="en-US" sz="1800" dirty="0">
+              <a:latin typeface="Selawik Semibold" panose="020B0702040204020203" pitchFamily="34" charset="0"/>
+            </a:endParaRPr>
+          </a:p>
+          <a:p>
+            <a:pPr lvl="1"/>
+            <a:endParaRPr lang="en-US" sz="2200" dirty="0">
+              <a:latin typeface="Selawik Semibold" panose="020B0702040204020203" pitchFamily="34" charset="0"/>
+            </a:endParaRPr>
+          </a:p>
+        </p:txBody>
+      </p:sp>
+      <p:pic>
+        <p:nvPicPr>
+          <p:cNvPr id="4" name="Picture 3" descr="A drawing of a cartoon character&#10;&#10;Description automatically generated">
+            <a:extLst>
+              <a:ext uri="{FF2B5EF4-FFF2-40B4-BE49-F238E27FC236}">
+                <a16:creationId xmlns:a16="http://schemas.microsoft.com/office/drawing/2014/main" id="{A7FDC859-D890-4904-9C64-27F43DA90453}"/>
+              </a:ext>
+            </a:extLst>
+          </p:cNvPr>
+          <p:cNvPicPr>
+            <a:picLocks noChangeAspect="1"/>
+          </p:cNvPicPr>
+          <p:nvPr/>
+        </p:nvPicPr>
+        <p:blipFill rotWithShape="1">
+          <a:blip r:embed="rId2">
+            <a:extLst>
+              <a:ext uri="{28A0092B-C50C-407E-A947-70E740481C1C}">
+                <a14:useLocalDpi xmlns:a14="http://schemas.microsoft.com/office/drawing/2010/main" val="0"/>
+              </a:ext>
+            </a:extLst>
+          </a:blip>
+          <a:srcRect t="5616" r="2" b="2"/>
+          <a:stretch/>
+        </p:blipFill>
+        <p:spPr>
+          <a:xfrm>
+            <a:off x="7471144" y="1700078"/>
+            <a:ext cx="4720855" cy="2583792"/>
+          </a:xfrm>
+          <a:custGeom>
+            <a:avLst/>
+            <a:gdLst>
+              <a:gd name="connsiteX0" fmla="*/ 0 w 5475077"/>
+              <a:gd name="connsiteY0" fmla="*/ 0 h 2583792"/>
+              <a:gd name="connsiteX1" fmla="*/ 5475077 w 5475077"/>
+              <a:gd name="connsiteY1" fmla="*/ 0 h 2583792"/>
+              <a:gd name="connsiteX2" fmla="*/ 5475077 w 5475077"/>
+              <a:gd name="connsiteY2" fmla="*/ 2583792 h 2583792"/>
+              <a:gd name="connsiteX3" fmla="*/ 1197192 w 5475077"/>
+              <a:gd name="connsiteY3" fmla="*/ 2583792 h 2583792"/>
+            </a:gdLst>
+            <a:ahLst/>
+            <a:cxnLst>
+              <a:cxn ang="0">
+                <a:pos x="connsiteX0" y="connsiteY0"/>
+              </a:cxn>
+              <a:cxn ang="0">
+                <a:pos x="connsiteX1" y="connsiteY1"/>
+              </a:cxn>
+              <a:cxn ang="0">
+                <a:pos x="connsiteX2" y="connsiteY2"/>
+              </a:cxn>
+              <a:cxn ang="0">
+                <a:pos x="connsiteX3" y="connsiteY3"/>
+              </a:cxn>
+            </a:cxnLst>
+            <a:rect l="l" t="t" r="r" b="b"/>
+            <a:pathLst>
+              <a:path w="5475077" h="2583792">
+                <a:moveTo>
+                  <a:pt x="0" y="0"/>
+                </a:moveTo>
+                <a:lnTo>
+                  <a:pt x="5475077" y="0"/>
+                </a:lnTo>
+                <a:lnTo>
+                  <a:pt x="5475077" y="2583792"/>
+                </a:lnTo>
+                <a:lnTo>
+                  <a:pt x="1197192" y="2583792"/>
+                </a:lnTo>
+                <a:close/>
+              </a:path>
+            </a:pathLst>
+          </a:custGeom>
+        </p:spPr>
+      </p:pic>
+      <p:pic>
+        <p:nvPicPr>
+          <p:cNvPr id="5" name="Content Placeholder 4" descr="A picture containing indoor&#10;&#10;Description automatically generated">
+            <a:extLst>
+              <a:ext uri="{FF2B5EF4-FFF2-40B4-BE49-F238E27FC236}">
+                <a16:creationId xmlns:a16="http://schemas.microsoft.com/office/drawing/2014/main" id="{A58F0E55-21F3-485B-A07F-1CE74177BDD2}"/>
+              </a:ext>
+            </a:extLst>
+          </p:cNvPr>
+          <p:cNvPicPr>
+            <a:picLocks noChangeAspect="1"/>
+          </p:cNvPicPr>
+          <p:nvPr/>
+        </p:nvPicPr>
+        <p:blipFill rotWithShape="1">
+          <a:blip r:embed="rId3">
+            <a:extLst>
+              <a:ext uri="{28A0092B-C50C-407E-A947-70E740481C1C}">
+                <a14:useLocalDpi xmlns:a14="http://schemas.microsoft.com/office/drawing/2010/main" val="0"/>
+              </a:ext>
+            </a:extLst>
+          </a:blip>
+          <a:srcRect t="5300" r="3" b="6859"/>
+          <a:stretch/>
+        </p:blipFill>
+        <p:spPr>
+          <a:xfrm>
+            <a:off x="8491869" y="4283870"/>
+            <a:ext cx="3700129" cy="2583520"/>
+          </a:xfrm>
+          <a:custGeom>
+            <a:avLst/>
+            <a:gdLst>
+              <a:gd name="connsiteX0" fmla="*/ 0 w 4277884"/>
+              <a:gd name="connsiteY0" fmla="*/ 0 h 2583520"/>
+              <a:gd name="connsiteX1" fmla="*/ 4277884 w 4277884"/>
+              <a:gd name="connsiteY1" fmla="*/ 0 h 2583520"/>
+              <a:gd name="connsiteX2" fmla="*/ 4277884 w 4277884"/>
+              <a:gd name="connsiteY2" fmla="*/ 2583520 h 2583520"/>
+              <a:gd name="connsiteX3" fmla="*/ 1192437 w 4277884"/>
+              <a:gd name="connsiteY3" fmla="*/ 2583520 h 2583520"/>
+              <a:gd name="connsiteX4" fmla="*/ 1188085 w 4277884"/>
+              <a:gd name="connsiteY4" fmla="*/ 2574129 h 2583520"/>
+              <a:gd name="connsiteX5" fmla="*/ 1192715 w 4277884"/>
+              <a:gd name="connsiteY5" fmla="*/ 2574129 h 2583520"/>
+            </a:gdLst>
+            <a:ahLst/>
+            <a:cxnLst>
+              <a:cxn ang="0">
+                <a:pos x="connsiteX0" y="connsiteY0"/>
+              </a:cxn>
+              <a:cxn ang="0">
+                <a:pos x="connsiteX1" y="connsiteY1"/>
+              </a:cxn>
+              <a:cxn ang="0">
+                <a:pos x="connsiteX2" y="connsiteY2"/>
+              </a:cxn>
+              <a:cxn ang="0">
+                <a:pos x="connsiteX3" y="connsiteY3"/>
+              </a:cxn>
+              <a:cxn ang="0">
+                <a:pos x="connsiteX4" y="connsiteY4"/>
+              </a:cxn>
+              <a:cxn ang="0">
+                <a:pos x="connsiteX5" y="connsiteY5"/>
+              </a:cxn>
+            </a:cxnLst>
+            <a:rect l="l" t="t" r="r" b="b"/>
+            <a:pathLst>
+              <a:path w="4277884" h="2583520">
+                <a:moveTo>
+                  <a:pt x="0" y="0"/>
+                </a:moveTo>
+                <a:lnTo>
+                  <a:pt x="4277884" y="0"/>
+                </a:lnTo>
+                <a:lnTo>
+                  <a:pt x="4277884" y="2583520"/>
+                </a:lnTo>
+                <a:lnTo>
+                  <a:pt x="1192437" y="2583520"/>
+                </a:lnTo>
+                <a:lnTo>
+                  <a:pt x="1188085" y="2574129"/>
+                </a:lnTo>
+                <a:lnTo>
+                  <a:pt x="1192715" y="2574129"/>
+                </a:lnTo>
+                <a:close/>
+              </a:path>
+            </a:pathLst>
+          </a:custGeom>
+        </p:spPr>
+      </p:pic>
+      <p:sp>
+        <p:nvSpPr>
+          <p:cNvPr id="6" name="Rectangle 5">
+            <a:extLst>
+              <a:ext uri="{FF2B5EF4-FFF2-40B4-BE49-F238E27FC236}">
+                <a16:creationId xmlns:a16="http://schemas.microsoft.com/office/drawing/2014/main" id="{A2901312-C3C2-4CEC-80EF-823AB4FBB726}"/>
+              </a:ext>
+            </a:extLst>
+          </p:cNvPr>
+          <p:cNvSpPr/>
+          <p:nvPr/>
+        </p:nvSpPr>
+        <p:spPr>
+          <a:xfrm>
+            <a:off x="-1" y="1608918"/>
+            <a:ext cx="12191999" cy="91160"/>
+          </a:xfrm>
+          <a:prstGeom prst="rect">
+            <a:avLst/>
+          </a:prstGeom>
+          <a:solidFill>
+            <a:schemeClr val="bg1"/>
+          </a:solidFill>
+          <a:ln>
+            <a:noFill/>
+          </a:ln>
+        </p:spPr>
+        <p:style>
+          <a:lnRef idx="2">
+            <a:schemeClr val="accent1">
+              <a:shade val="50000"/>
+            </a:schemeClr>
+          </a:lnRef>
+          <a:fillRef idx="1">
+            <a:schemeClr val="accent1"/>
+          </a:fillRef>
+          <a:effectRef idx="0">
+            <a:schemeClr val="accent1"/>
+          </a:effectRef>
+          <a:fontRef idx="minor">
+            <a:schemeClr val="lt1"/>
+          </a:fontRef>
+        </p:style>
+        <p:txBody>
+          <a:bodyPr rtlCol="0" anchor="ctr"/>
+          <a:lstStyle/>
+          <a:p>
+            <a:pPr algn="ctr"/>
+            <a:endParaRPr lang="en-US">
+              <a:solidFill>
+                <a:srgbClr val="DB5B5C"/>
+              </a:solidFill>
+            </a:endParaRPr>
+          </a:p>
+        </p:txBody>
+      </p:sp>
+      <p:sp>
+        <p:nvSpPr>
+          <p:cNvPr id="15" name="Rectangle 14">
+            <a:extLst>
+              <a:ext uri="{FF2B5EF4-FFF2-40B4-BE49-F238E27FC236}">
+                <a16:creationId xmlns:a16="http://schemas.microsoft.com/office/drawing/2014/main" id="{AD0A7C9C-CA2C-4B9B-A125-2D09D5573B44}"/>
+              </a:ext>
+            </a:extLst>
+          </p:cNvPr>
+          <p:cNvSpPr/>
+          <p:nvPr/>
+        </p:nvSpPr>
+        <p:spPr>
+          <a:xfrm>
+            <a:off x="1" y="6677247"/>
+            <a:ext cx="12191999" cy="190143"/>
+          </a:xfrm>
+          <a:prstGeom prst="rect">
+            <a:avLst/>
+          </a:prstGeom>
+          <a:solidFill>
+            <a:schemeClr val="bg1"/>
+          </a:solidFill>
+          <a:ln>
+            <a:noFill/>
+          </a:ln>
+        </p:spPr>
+        <p:style>
+          <a:lnRef idx="2">
+            <a:schemeClr val="accent1">
+              <a:shade val="50000"/>
+            </a:schemeClr>
+          </a:lnRef>
+          <a:fillRef idx="1">
+            <a:schemeClr val="accent1"/>
+          </a:fillRef>
+          <a:effectRef idx="0">
+            <a:schemeClr val="accent1"/>
+          </a:effectRef>
+          <a:fontRef idx="minor">
+            <a:schemeClr val="lt1"/>
+          </a:fontRef>
+        </p:style>
+        <p:txBody>
+          <a:bodyPr rtlCol="0" anchor="ctr"/>
+          <a:lstStyle/>
+          <a:p>
+            <a:pPr algn="ctr"/>
+            <a:endParaRPr lang="en-US">
+              <a:solidFill>
+                <a:srgbClr val="DB5B5C"/>
+              </a:solidFill>
+            </a:endParaRPr>
+          </a:p>
+        </p:txBody>
+      </p:sp>
+      <p:sp>
+        <p:nvSpPr>
+          <p:cNvPr id="16" name="Rectangle 15">
+            <a:extLst>
+              <a:ext uri="{FF2B5EF4-FFF2-40B4-BE49-F238E27FC236}">
+                <a16:creationId xmlns:a16="http://schemas.microsoft.com/office/drawing/2014/main" id="{74A085FC-1866-46D4-97F7-51AA45E48D4F}"/>
+              </a:ext>
+            </a:extLst>
+          </p:cNvPr>
+          <p:cNvSpPr/>
+          <p:nvPr/>
+        </p:nvSpPr>
+        <p:spPr>
+          <a:xfrm rot="4092292">
+            <a:off x="5790668" y="4094517"/>
+            <a:ext cx="5446699" cy="137038"/>
+          </a:xfrm>
+          <a:prstGeom prst="rect">
+            <a:avLst/>
+          </a:prstGeom>
+          <a:solidFill>
+            <a:schemeClr val="bg1"/>
+          </a:solidFill>
+          <a:ln>
+            <a:noFill/>
+          </a:ln>
+        </p:spPr>
+        <p:style>
+          <a:lnRef idx="2">
+            <a:schemeClr val="accent1">
+              <a:shade val="50000"/>
+            </a:schemeClr>
+          </a:lnRef>
+          <a:fillRef idx="1">
+            <a:schemeClr val="accent1"/>
+          </a:fillRef>
+          <a:effectRef idx="0">
+            <a:schemeClr val="accent1"/>
+          </a:effectRef>
+          <a:fontRef idx="minor">
+            <a:schemeClr val="lt1"/>
+          </a:fontRef>
+        </p:style>
+        <p:txBody>
+          <a:bodyPr rtlCol="0" anchor="ctr"/>
+          <a:lstStyle/>
+          <a:p>
+            <a:pPr algn="ctr"/>
+            <a:endParaRPr lang="en-US">
+              <a:solidFill>
+                <a:srgbClr val="DB5B5C"/>
+              </a:solidFill>
+            </a:endParaRPr>
+          </a:p>
+        </p:txBody>
+      </p:sp>
+    </p:spTree>
+    <p:extLst>
+      <p:ext uri="{BB962C8B-B14F-4D97-AF65-F5344CB8AC3E}">
+        <p14:creationId xmlns:p14="http://schemas.microsoft.com/office/powerpoint/2010/main" val="1291736236"/>
+      </p:ext>
+    </p:extLst>
+  </p:cSld>
+  <p:clrMapOvr>
+    <a:overrideClrMapping bg1="dk1" tx1="lt1" bg2="dk2" tx2="lt2" accent1="accent1" accent2="accent2" accent3="accent3" accent4="accent4" accent5="accent5" accent6="accent6" hlink="hlink" folHlink="folHlink"/>
+  </p:clrMapOvr>
+</p:sld>
+</file>
+
+<file path=ppt/slides/slide22.xml><?xml version="1.0" encoding="utf-8"?>
+<p:sld xmlns:a="http://schemas.openxmlformats.org/drawingml/2006/main" xmlns:r="http://schemas.openxmlformats.org/officeDocument/2006/relationships" xmlns:p="http://schemas.openxmlformats.org/presentationml/2006/main">
+  <p:cSld>
+    <p:bg>
+      <p:bgPr>
+        <a:solidFill>
+          <a:srgbClr val="395583"/>
+        </a:solidFill>
+        <a:effectLst/>
+      </p:bgPr>
+    </p:bg>
+    <p:spTree>
+      <p:nvGrpSpPr>
+        <p:cNvPr id="1" name=""/>
+        <p:cNvGrpSpPr/>
+        <p:nvPr/>
+      </p:nvGrpSpPr>
+      <p:grpSpPr>
+        <a:xfrm>
+          <a:off x="0" y="0"/>
+          <a:ext cx="0" cy="0"/>
+          <a:chOff x="0" y="0"/>
+          <a:chExt cx="0" cy="0"/>
+        </a:xfrm>
+      </p:grpSpPr>
+      <p:sp>
+        <p:nvSpPr>
+          <p:cNvPr id="25" name="Rectangle 24">
+            <a:extLst>
+              <a:ext uri="{FF2B5EF4-FFF2-40B4-BE49-F238E27FC236}">
+                <a16:creationId xmlns:a16="http://schemas.microsoft.com/office/drawing/2014/main" id="{A6792F05-2FD4-4F18-815E-15391E8B4A0E}"/>
+              </a:ext>
+              <a:ext uri="{C183D7F6-B498-43B3-948B-1728B52AA6E4}">
+                <adec:decorative xmlns:adec="http://schemas.microsoft.com/office/drawing/2017/decorative" val="1"/>
+              </a:ext>
+            </a:extLst>
+          </p:cNvPr>
+          <p:cNvSpPr>
+            <a:spLocks noGrp="1" noRot="1" noChangeAspect="1" noMove="1" noResize="1" noEditPoints="1" noAdjustHandles="1" noChangeArrowheads="1" noChangeShapeType="1" noTextEdit="1"/>
+          </p:cNvSpPr>
+          <p:nvPr>
+            <p:extLst>
+              <p:ext uri="{386F3935-93C4-4BCD-93E2-E3B085C9AB24}">
+                <p16:designElem xmlns:p16="http://schemas.microsoft.com/office/powerpoint/2015/main" val="1"/>
+              </p:ext>
+            </p:extLst>
+          </p:nvPr>
+        </p:nvSpPr>
+        <p:spPr>
+          <a:xfrm>
+            <a:off x="0" y="0"/>
+            <a:ext cx="12191999" cy="6858000"/>
+          </a:xfrm>
+          <a:prstGeom prst="rect">
+            <a:avLst/>
+          </a:prstGeom>
+          <a:solidFill>
+            <a:srgbClr val="395583"/>
+          </a:solidFill>
+          <a:ln>
+            <a:noFill/>
+          </a:ln>
+        </p:spPr>
+        <p:style>
+          <a:lnRef idx="2">
+            <a:schemeClr val="accent1">
+              <a:shade val="50000"/>
+            </a:schemeClr>
+          </a:lnRef>
+          <a:fillRef idx="1">
+            <a:schemeClr val="accent1"/>
+          </a:fillRef>
+          <a:effectRef idx="0">
+            <a:schemeClr val="accent1"/>
+          </a:effectRef>
+          <a:fontRef idx="minor">
+            <a:schemeClr val="lt1"/>
+          </a:fontRef>
+        </p:style>
+        <p:txBody>
+          <a:bodyPr rtlCol="0" anchor="ctr"/>
+          <a:lstStyle/>
+          <a:p>
+            <a:pPr algn="ctr"/>
+            <a:endParaRPr lang="en-US"/>
+          </a:p>
+        </p:txBody>
+      </p:sp>
+      <p:sp>
+        <p:nvSpPr>
+          <p:cNvPr id="2" name="Title 1">
+            <a:extLst>
+              <a:ext uri="{FF2B5EF4-FFF2-40B4-BE49-F238E27FC236}">
+                <a16:creationId xmlns:a16="http://schemas.microsoft.com/office/drawing/2014/main" id="{2589AFCC-0FF0-498C-B11F-8990DF0DAAA5}"/>
+              </a:ext>
+            </a:extLst>
+          </p:cNvPr>
+          <p:cNvSpPr>
+            <a:spLocks noGrp="1"/>
+          </p:cNvSpPr>
+          <p:nvPr>
+            <p:ph type="title"/>
+          </p:nvPr>
+        </p:nvSpPr>
+        <p:spPr>
+          <a:xfrm>
+            <a:off x="838200" y="365125"/>
+            <a:ext cx="10515600" cy="1325563"/>
+          </a:xfrm>
+        </p:spPr>
+        <p:txBody>
+          <a:bodyPr>
+            <a:normAutofit/>
+          </a:bodyPr>
+          <a:lstStyle/>
+          <a:p>
+            <a:r>
+              <a:rPr lang="en-US" b="1" dirty="0">
+                <a:latin typeface="Selawik Semibold" panose="020B0604020202020204" pitchFamily="34" charset="0"/>
+              </a:rPr>
+              <a:t>Your Industry Future</a:t>
+            </a:r>
+          </a:p>
+        </p:txBody>
+      </p:sp>
+      <p:sp>
+        <p:nvSpPr>
+          <p:cNvPr id="9" name="Content Placeholder 8">
+            <a:extLst>
+              <a:ext uri="{FF2B5EF4-FFF2-40B4-BE49-F238E27FC236}">
+                <a16:creationId xmlns:a16="http://schemas.microsoft.com/office/drawing/2014/main" id="{2D995594-59F2-4020-AB6F-751BAE84ADB3}"/>
+              </a:ext>
+            </a:extLst>
+          </p:cNvPr>
+          <p:cNvSpPr>
+            <a:spLocks noGrp="1"/>
+          </p:cNvSpPr>
+          <p:nvPr>
+            <p:ph idx="1"/>
+          </p:nvPr>
+        </p:nvSpPr>
+        <p:spPr>
+          <a:xfrm>
+            <a:off x="838199" y="2021248"/>
+            <a:ext cx="7102643" cy="4695905"/>
+          </a:xfrm>
+        </p:spPr>
+        <p:txBody>
+          <a:bodyPr>
+            <a:normAutofit/>
+          </a:bodyPr>
+          <a:lstStyle/>
+          <a:p>
+            <a:r>
+              <a:rPr lang="en-US" sz="2400" dirty="0">
+                <a:latin typeface="Selawik Semibold" panose="020B0702040204020203" pitchFamily="34" charset="0"/>
+              </a:rPr>
+              <a:t>Conferences </a:t>
+            </a:r>
+          </a:p>
+          <a:p>
+            <a:pPr marL="0" indent="0">
+              <a:buNone/>
+            </a:pPr>
+            <a:endParaRPr lang="en-US" sz="1100" dirty="0">
+              <a:latin typeface="Selawik Semibold" panose="020B0702040204020203" pitchFamily="34" charset="0"/>
+            </a:endParaRPr>
+          </a:p>
+          <a:p>
+            <a:pPr lvl="1"/>
+            <a:r>
+              <a:rPr lang="en-US" sz="2000" dirty="0">
+                <a:latin typeface="Selawik Semibold" panose="020B0702040204020203" pitchFamily="34" charset="0"/>
+              </a:rPr>
+              <a:t>MIT Sloan (March)</a:t>
+            </a:r>
+          </a:p>
+          <a:p>
+            <a:pPr lvl="1"/>
+            <a:r>
+              <a:rPr lang="en-US" sz="2000" dirty="0">
+                <a:latin typeface="Selawik Semibold" panose="020B0702040204020203" pitchFamily="34" charset="0"/>
+              </a:rPr>
+              <a:t>International Sports Analytics Conference (July)</a:t>
+            </a:r>
+          </a:p>
+          <a:p>
+            <a:pPr lvl="1"/>
+            <a:r>
+              <a:rPr lang="en-US" sz="2000" dirty="0">
+                <a:latin typeface="Selawik Semibold" panose="020B0702040204020203" pitchFamily="34" charset="0"/>
+              </a:rPr>
+              <a:t>UConn Sports Analytics Symposium (April)</a:t>
+            </a:r>
+          </a:p>
+          <a:p>
+            <a:pPr lvl="1"/>
+            <a:r>
+              <a:rPr lang="en-US" sz="2000" dirty="0">
+                <a:latin typeface="Selawik Semibold" panose="020B0702040204020203" pitchFamily="34" charset="0"/>
+              </a:rPr>
+              <a:t>OSU Sports Analytics Conference (April)</a:t>
+            </a:r>
+          </a:p>
+          <a:p>
+            <a:pPr lvl="1"/>
+            <a:r>
+              <a:rPr lang="en-US" sz="2000" dirty="0">
+                <a:latin typeface="Selawik Semibold" panose="020B0702040204020203" pitchFamily="34" charset="0"/>
+              </a:rPr>
+              <a:t>Carnegie Mellon Sports Analytics Conference (?)</a:t>
+            </a:r>
+          </a:p>
+          <a:p>
+            <a:pPr lvl="1"/>
+            <a:r>
+              <a:rPr lang="en-US" sz="2000" dirty="0">
+                <a:latin typeface="Selawik Semibold" panose="020B0702040204020203" pitchFamily="34" charset="0"/>
+              </a:rPr>
+              <a:t>New England Symposium on Stat. in Sports (2025)</a:t>
+            </a:r>
+          </a:p>
+          <a:p>
+            <a:pPr lvl="1"/>
+            <a:r>
+              <a:rPr lang="en-US" sz="2000" dirty="0">
+                <a:latin typeface="Selawik Semibold" panose="020B0702040204020203" pitchFamily="34" charset="0"/>
+              </a:rPr>
+              <a:t>Great Lakes Data and Analytics (April)</a:t>
+            </a:r>
+          </a:p>
+          <a:p>
+            <a:pPr lvl="1"/>
+            <a:r>
+              <a:rPr lang="en-US" sz="2000" dirty="0">
+                <a:latin typeface="Selawik Semibold" panose="020B0702040204020203" pitchFamily="34" charset="0"/>
+              </a:rPr>
+              <a:t>International Conference on Sports Analytics and Data Visualization (August)</a:t>
+            </a:r>
+          </a:p>
+          <a:p>
+            <a:pPr marL="457200" lvl="1" indent="0">
+              <a:buNone/>
+            </a:pPr>
+            <a:endParaRPr lang="en-US" sz="2000" dirty="0">
+              <a:latin typeface="Selawik Semibold" panose="020B0702040204020203" pitchFamily="34" charset="0"/>
+            </a:endParaRPr>
+          </a:p>
+          <a:p>
+            <a:pPr lvl="2"/>
+            <a:endParaRPr lang="en-US" sz="1800" dirty="0">
+              <a:latin typeface="Selawik Semibold" panose="020B0702040204020203" pitchFamily="34" charset="0"/>
+            </a:endParaRPr>
+          </a:p>
+        </p:txBody>
+      </p:sp>
+      <p:pic>
+        <p:nvPicPr>
+          <p:cNvPr id="4" name="Picture 3" descr="A drawing of a cartoon character&#10;&#10;Description automatically generated">
+            <a:extLst>
+              <a:ext uri="{FF2B5EF4-FFF2-40B4-BE49-F238E27FC236}">
+                <a16:creationId xmlns:a16="http://schemas.microsoft.com/office/drawing/2014/main" id="{A7FDC859-D890-4904-9C64-27F43DA90453}"/>
+              </a:ext>
+            </a:extLst>
+          </p:cNvPr>
+          <p:cNvPicPr>
+            <a:picLocks noChangeAspect="1"/>
+          </p:cNvPicPr>
+          <p:nvPr/>
+        </p:nvPicPr>
+        <p:blipFill rotWithShape="1">
+          <a:blip r:embed="rId2">
+            <a:extLst>
+              <a:ext uri="{28A0092B-C50C-407E-A947-70E740481C1C}">
+                <a14:useLocalDpi xmlns:a14="http://schemas.microsoft.com/office/drawing/2010/main" val="0"/>
+              </a:ext>
+            </a:extLst>
+          </a:blip>
+          <a:srcRect t="5616" r="2" b="2"/>
+          <a:stretch/>
+        </p:blipFill>
+        <p:spPr>
+          <a:xfrm>
+            <a:off x="7471144" y="1700078"/>
+            <a:ext cx="4720855" cy="2583792"/>
+          </a:xfrm>
+          <a:custGeom>
+            <a:avLst/>
+            <a:gdLst>
+              <a:gd name="connsiteX0" fmla="*/ 0 w 5475077"/>
+              <a:gd name="connsiteY0" fmla="*/ 0 h 2583792"/>
+              <a:gd name="connsiteX1" fmla="*/ 5475077 w 5475077"/>
+              <a:gd name="connsiteY1" fmla="*/ 0 h 2583792"/>
+              <a:gd name="connsiteX2" fmla="*/ 5475077 w 5475077"/>
+              <a:gd name="connsiteY2" fmla="*/ 2583792 h 2583792"/>
+              <a:gd name="connsiteX3" fmla="*/ 1197192 w 5475077"/>
+              <a:gd name="connsiteY3" fmla="*/ 2583792 h 2583792"/>
+            </a:gdLst>
+            <a:ahLst/>
+            <a:cxnLst>
+              <a:cxn ang="0">
+                <a:pos x="connsiteX0" y="connsiteY0"/>
+              </a:cxn>
+              <a:cxn ang="0">
+                <a:pos x="connsiteX1" y="connsiteY1"/>
+              </a:cxn>
+              <a:cxn ang="0">
+                <a:pos x="connsiteX2" y="connsiteY2"/>
+              </a:cxn>
+              <a:cxn ang="0">
+                <a:pos x="connsiteX3" y="connsiteY3"/>
+              </a:cxn>
+            </a:cxnLst>
+            <a:rect l="l" t="t" r="r" b="b"/>
+            <a:pathLst>
+              <a:path w="5475077" h="2583792">
+                <a:moveTo>
+                  <a:pt x="0" y="0"/>
+                </a:moveTo>
+                <a:lnTo>
+                  <a:pt x="5475077" y="0"/>
+                </a:lnTo>
+                <a:lnTo>
+                  <a:pt x="5475077" y="2583792"/>
+                </a:lnTo>
+                <a:lnTo>
+                  <a:pt x="1197192" y="2583792"/>
+                </a:lnTo>
+                <a:close/>
+              </a:path>
+            </a:pathLst>
+          </a:custGeom>
+        </p:spPr>
+      </p:pic>
+      <p:pic>
+        <p:nvPicPr>
+          <p:cNvPr id="5" name="Content Placeholder 4" descr="A picture containing indoor&#10;&#10;Description automatically generated">
+            <a:extLst>
+              <a:ext uri="{FF2B5EF4-FFF2-40B4-BE49-F238E27FC236}">
+                <a16:creationId xmlns:a16="http://schemas.microsoft.com/office/drawing/2014/main" id="{A58F0E55-21F3-485B-A07F-1CE74177BDD2}"/>
+              </a:ext>
+            </a:extLst>
+          </p:cNvPr>
+          <p:cNvPicPr>
+            <a:picLocks noChangeAspect="1"/>
+          </p:cNvPicPr>
+          <p:nvPr/>
+        </p:nvPicPr>
+        <p:blipFill rotWithShape="1">
+          <a:blip r:embed="rId3">
+            <a:extLst>
+              <a:ext uri="{28A0092B-C50C-407E-A947-70E740481C1C}">
+                <a14:useLocalDpi xmlns:a14="http://schemas.microsoft.com/office/drawing/2010/main" val="0"/>
+              </a:ext>
+            </a:extLst>
+          </a:blip>
+          <a:srcRect t="5300" r="3" b="6859"/>
+          <a:stretch/>
+        </p:blipFill>
+        <p:spPr>
+          <a:xfrm>
+            <a:off x="8491869" y="4283870"/>
+            <a:ext cx="3700129" cy="2583520"/>
+          </a:xfrm>
+          <a:custGeom>
+            <a:avLst/>
+            <a:gdLst>
+              <a:gd name="connsiteX0" fmla="*/ 0 w 4277884"/>
+              <a:gd name="connsiteY0" fmla="*/ 0 h 2583520"/>
+              <a:gd name="connsiteX1" fmla="*/ 4277884 w 4277884"/>
+              <a:gd name="connsiteY1" fmla="*/ 0 h 2583520"/>
+              <a:gd name="connsiteX2" fmla="*/ 4277884 w 4277884"/>
+              <a:gd name="connsiteY2" fmla="*/ 2583520 h 2583520"/>
+              <a:gd name="connsiteX3" fmla="*/ 1192437 w 4277884"/>
+              <a:gd name="connsiteY3" fmla="*/ 2583520 h 2583520"/>
+              <a:gd name="connsiteX4" fmla="*/ 1188085 w 4277884"/>
+              <a:gd name="connsiteY4" fmla="*/ 2574129 h 2583520"/>
+              <a:gd name="connsiteX5" fmla="*/ 1192715 w 4277884"/>
+              <a:gd name="connsiteY5" fmla="*/ 2574129 h 2583520"/>
+            </a:gdLst>
+            <a:ahLst/>
+            <a:cxnLst>
+              <a:cxn ang="0">
+                <a:pos x="connsiteX0" y="connsiteY0"/>
+              </a:cxn>
+              <a:cxn ang="0">
+                <a:pos x="connsiteX1" y="connsiteY1"/>
+              </a:cxn>
+              <a:cxn ang="0">
+                <a:pos x="connsiteX2" y="connsiteY2"/>
+              </a:cxn>
+              <a:cxn ang="0">
+                <a:pos x="connsiteX3" y="connsiteY3"/>
+              </a:cxn>
+              <a:cxn ang="0">
+                <a:pos x="connsiteX4" y="connsiteY4"/>
+              </a:cxn>
+              <a:cxn ang="0">
+                <a:pos x="connsiteX5" y="connsiteY5"/>
+              </a:cxn>
+            </a:cxnLst>
+            <a:rect l="l" t="t" r="r" b="b"/>
+            <a:pathLst>
+              <a:path w="4277884" h="2583520">
+                <a:moveTo>
+                  <a:pt x="0" y="0"/>
+                </a:moveTo>
+                <a:lnTo>
+                  <a:pt x="4277884" y="0"/>
+                </a:lnTo>
+                <a:lnTo>
+                  <a:pt x="4277884" y="2583520"/>
+                </a:lnTo>
+                <a:lnTo>
+                  <a:pt x="1192437" y="2583520"/>
+                </a:lnTo>
+                <a:lnTo>
+                  <a:pt x="1188085" y="2574129"/>
+                </a:lnTo>
+                <a:lnTo>
+                  <a:pt x="1192715" y="2574129"/>
+                </a:lnTo>
+                <a:close/>
+              </a:path>
+            </a:pathLst>
+          </a:custGeom>
+        </p:spPr>
+      </p:pic>
+      <p:sp>
+        <p:nvSpPr>
+          <p:cNvPr id="6" name="Rectangle 5">
+            <a:extLst>
+              <a:ext uri="{FF2B5EF4-FFF2-40B4-BE49-F238E27FC236}">
+                <a16:creationId xmlns:a16="http://schemas.microsoft.com/office/drawing/2014/main" id="{A2901312-C3C2-4CEC-80EF-823AB4FBB726}"/>
+              </a:ext>
+            </a:extLst>
+          </p:cNvPr>
+          <p:cNvSpPr/>
+          <p:nvPr/>
+        </p:nvSpPr>
+        <p:spPr>
+          <a:xfrm>
+            <a:off x="-1" y="1608918"/>
+            <a:ext cx="12191999" cy="91160"/>
+          </a:xfrm>
+          <a:prstGeom prst="rect">
+            <a:avLst/>
+          </a:prstGeom>
+          <a:solidFill>
+            <a:schemeClr val="bg1"/>
+          </a:solidFill>
+          <a:ln>
+            <a:noFill/>
+          </a:ln>
+        </p:spPr>
+        <p:style>
+          <a:lnRef idx="2">
+            <a:schemeClr val="accent1">
+              <a:shade val="50000"/>
+            </a:schemeClr>
+          </a:lnRef>
+          <a:fillRef idx="1">
+            <a:schemeClr val="accent1"/>
+          </a:fillRef>
+          <a:effectRef idx="0">
+            <a:schemeClr val="accent1"/>
+          </a:effectRef>
+          <a:fontRef idx="minor">
+            <a:schemeClr val="lt1"/>
+          </a:fontRef>
+        </p:style>
+        <p:txBody>
+          <a:bodyPr rtlCol="0" anchor="ctr"/>
+          <a:lstStyle/>
+          <a:p>
+            <a:pPr algn="ctr"/>
+            <a:endParaRPr lang="en-US">
+              <a:solidFill>
+                <a:srgbClr val="DB5B5C"/>
+              </a:solidFill>
+            </a:endParaRPr>
+          </a:p>
+        </p:txBody>
+      </p:sp>
+      <p:sp>
+        <p:nvSpPr>
+          <p:cNvPr id="15" name="Rectangle 14">
+            <a:extLst>
+              <a:ext uri="{FF2B5EF4-FFF2-40B4-BE49-F238E27FC236}">
+                <a16:creationId xmlns:a16="http://schemas.microsoft.com/office/drawing/2014/main" id="{AD0A7C9C-CA2C-4B9B-A125-2D09D5573B44}"/>
+              </a:ext>
+            </a:extLst>
+          </p:cNvPr>
+          <p:cNvSpPr/>
+          <p:nvPr/>
+        </p:nvSpPr>
+        <p:spPr>
+          <a:xfrm>
+            <a:off x="1" y="6677247"/>
+            <a:ext cx="12191999" cy="190143"/>
+          </a:xfrm>
+          <a:prstGeom prst="rect">
+            <a:avLst/>
+          </a:prstGeom>
+          <a:solidFill>
+            <a:schemeClr val="bg1"/>
+          </a:solidFill>
+          <a:ln>
+            <a:noFill/>
+          </a:ln>
+        </p:spPr>
+        <p:style>
+          <a:lnRef idx="2">
+            <a:schemeClr val="accent1">
+              <a:shade val="50000"/>
+            </a:schemeClr>
+          </a:lnRef>
+          <a:fillRef idx="1">
+            <a:schemeClr val="accent1"/>
+          </a:fillRef>
+          <a:effectRef idx="0">
+            <a:schemeClr val="accent1"/>
+          </a:effectRef>
+          <a:fontRef idx="minor">
+            <a:schemeClr val="lt1"/>
+          </a:fontRef>
+        </p:style>
+        <p:txBody>
+          <a:bodyPr rtlCol="0" anchor="ctr"/>
+          <a:lstStyle/>
+          <a:p>
+            <a:pPr algn="ctr"/>
+            <a:endParaRPr lang="en-US">
+              <a:solidFill>
+                <a:srgbClr val="DB5B5C"/>
+              </a:solidFill>
+            </a:endParaRPr>
+          </a:p>
+        </p:txBody>
+      </p:sp>
+      <p:sp>
+        <p:nvSpPr>
+          <p:cNvPr id="16" name="Rectangle 15">
+            <a:extLst>
+              <a:ext uri="{FF2B5EF4-FFF2-40B4-BE49-F238E27FC236}">
+                <a16:creationId xmlns:a16="http://schemas.microsoft.com/office/drawing/2014/main" id="{74A085FC-1866-46D4-97F7-51AA45E48D4F}"/>
+              </a:ext>
+            </a:extLst>
+          </p:cNvPr>
+          <p:cNvSpPr/>
+          <p:nvPr/>
+        </p:nvSpPr>
+        <p:spPr>
+          <a:xfrm rot="4092292">
+            <a:off x="5790668" y="4094517"/>
+            <a:ext cx="5446699" cy="137038"/>
+          </a:xfrm>
+          <a:prstGeom prst="rect">
+            <a:avLst/>
+          </a:prstGeom>
+          <a:solidFill>
+            <a:schemeClr val="bg1"/>
+          </a:solidFill>
+          <a:ln>
+            <a:noFill/>
+          </a:ln>
+        </p:spPr>
+        <p:style>
+          <a:lnRef idx="2">
+            <a:schemeClr val="accent1">
+              <a:shade val="50000"/>
+            </a:schemeClr>
+          </a:lnRef>
+          <a:fillRef idx="1">
+            <a:schemeClr val="accent1"/>
+          </a:fillRef>
+          <a:effectRef idx="0">
+            <a:schemeClr val="accent1"/>
+          </a:effectRef>
+          <a:fontRef idx="minor">
+            <a:schemeClr val="lt1"/>
+          </a:fontRef>
+        </p:style>
+        <p:txBody>
+          <a:bodyPr rtlCol="0" anchor="ctr"/>
+          <a:lstStyle/>
+          <a:p>
+            <a:pPr algn="ctr"/>
+            <a:endParaRPr lang="en-US">
+              <a:solidFill>
+                <a:srgbClr val="DB5B5C"/>
+              </a:solidFill>
+            </a:endParaRPr>
+          </a:p>
+        </p:txBody>
+      </p:sp>
+    </p:spTree>
+    <p:extLst>
+      <p:ext uri="{BB962C8B-B14F-4D97-AF65-F5344CB8AC3E}">
+        <p14:creationId xmlns:p14="http://schemas.microsoft.com/office/powerpoint/2010/main" val="866404210"/>
+      </p:ext>
+    </p:extLst>
+  </p:cSld>
+  <p:clrMapOvr>
+    <a:overrideClrMapping bg1="dk1" tx1="lt1" bg2="dk2" tx2="lt2" accent1="accent1" accent2="accent2" accent3="accent3" accent4="accent4" accent5="accent5" accent6="accent6" hlink="hlink" folHlink="folHlink"/>
+  </p:clrMapOvr>
+</p:sld>
+</file>
+
+<file path=ppt/slides/slide23.xml><?xml version="1.0" encoding="utf-8"?>
 <p:sld xmlns:a="http://schemas.openxmlformats.org/drawingml/2006/main" xmlns:r="http://schemas.openxmlformats.org/officeDocument/2006/relationships" xmlns:p="http://schemas.openxmlformats.org/presentationml/2006/main">
   <p:cSld>
     <p:bg>
@@ -14138,16 +15913,40 @@
               <a:rPr lang="en-US" sz="2000" dirty="0">
                 <a:latin typeface="Selawik Semibold" panose="020B0702040204020203" pitchFamily="34" charset="0"/>
               </a:rPr>
-              <a:t>Global Sports Industry $486.61B (2022)</a:t>
-            </a:r>
-          </a:p>
-          <a:p>
-            <a:pPr lvl="1"/>
-            <a:r>
-              <a:rPr lang="en-US" sz="2000" dirty="0">
-                <a:latin typeface="Selawik Semibold" panose="020B0702040204020203" pitchFamily="34" charset="0"/>
-              </a:rPr>
-              <a:t>Expected CAGR over next 5 years is 5%</a:t>
+              <a:t>Business Research Company Analysis</a:t>
+            </a:r>
+          </a:p>
+          <a:p>
+            <a:pPr lvl="2"/>
+            <a:r>
+              <a:rPr lang="en-US" sz="1800" dirty="0">
+                <a:latin typeface="Selawik Semibold" panose="020B0702040204020203" pitchFamily="34" charset="0"/>
+              </a:rPr>
+              <a:t>Global Sports Industry $486.61B to $512.14B</a:t>
+            </a:r>
+          </a:p>
+          <a:p>
+            <a:pPr lvl="2"/>
+            <a:r>
+              <a:rPr lang="en-US" sz="1800" dirty="0">
+                <a:latin typeface="Selawik Semibold" panose="020B0702040204020203" pitchFamily="34" charset="0"/>
+              </a:rPr>
+              <a:t>Actual CAGR of 5.2% in 2023</a:t>
+            </a:r>
+          </a:p>
+          <a:p>
+            <a:pPr lvl="2"/>
+            <a:r>
+              <a:rPr lang="en-US" sz="1800" dirty="0">
+                <a:latin typeface="Selawik Semibold" panose="020B0702040204020203" pitchFamily="34" charset="0"/>
+              </a:rPr>
+              <a:t>Expected to Grow to $623.63B </a:t>
+            </a:r>
+            <a:r>
+              <a:rPr lang="en-US" sz="1600" dirty="0">
+                <a:latin typeface="Selawik Semibold" panose="020B0702040204020203" pitchFamily="34" charset="0"/>
+              </a:rPr>
+              <a:t>in 2027 (CAGR 5%)</a:t>
             </a:r>
           </a:p>
           <a:p>
@@ -14162,35 +15961,12 @@
               <a:rPr lang="en-US" sz="2000" dirty="0">
                 <a:latin typeface="Selawik Semibold" panose="020B0702040204020203" pitchFamily="34" charset="0"/>
               </a:rPr>
-              <a:t>Global Sports Analytics Market in 2021 = $1.79B</a:t>
-            </a:r>
-          </a:p>
-          <a:p>
-            <a:pPr lvl="1"/>
-            <a:r>
-              <a:rPr lang="en-US" sz="2000" dirty="0">
-                <a:latin typeface="Selawik Semibold" panose="020B0702040204020203" pitchFamily="34" charset="0"/>
-              </a:rPr>
-              <a:t>Expected CAGR over next 8 years is 27.6% </a:t>
-            </a:r>
-          </a:p>
-          <a:p>
-            <a:pPr marL="457200" lvl="1" indent="0">
-              <a:buNone/>
-            </a:pPr>
-            <a:endParaRPr lang="en-US" sz="2000" dirty="0">
-              <a:latin typeface="Selawik Semibold" panose="020B0702040204020203" pitchFamily="34" charset="0"/>
-            </a:endParaRPr>
-          </a:p>
-          <a:p>
-            <a:pPr lvl="1"/>
-            <a:endParaRPr lang="en-US" sz="2000" dirty="0">
-              <a:latin typeface="Selawik Semibold" panose="020B0702040204020203" pitchFamily="34" charset="0"/>
-            </a:endParaRPr>
-          </a:p>
-          <a:p>
-            <a:pPr lvl="1"/>
-            <a:endParaRPr lang="en-US" sz="2000" dirty="0">
+              <a:t>Deloitte Article Industry Trends for 2023</a:t>
+            </a:r>
+          </a:p>
+          <a:p>
+            <a:pPr lvl="2"/>
+            <a:endParaRPr lang="en-US" sz="1600" dirty="0">
               <a:latin typeface="Selawik Semibold" panose="020B0702040204020203" pitchFamily="34" charset="0"/>
             </a:endParaRPr>
           </a:p>
@@ -14542,6 +16318,616 @@
           </a:p>
         </p:txBody>
       </p:sp>
+    </p:spTree>
+    <p:extLst>
+      <p:ext uri="{BB962C8B-B14F-4D97-AF65-F5344CB8AC3E}">
+        <p14:creationId xmlns:p14="http://schemas.microsoft.com/office/powerpoint/2010/main" val="919024553"/>
+      </p:ext>
+    </p:extLst>
+  </p:cSld>
+  <p:clrMapOvr>
+    <a:overrideClrMapping bg1="dk1" tx1="lt1" bg2="dk2" tx2="lt2" accent1="accent1" accent2="accent2" accent3="accent3" accent4="accent4" accent5="accent5" accent6="accent6" hlink="hlink" folHlink="folHlink"/>
+  </p:clrMapOvr>
+</p:sld>
+</file>
+
+<file path=ppt/slides/slide8.xml><?xml version="1.0" encoding="utf-8"?>
+<p:sld xmlns:a="http://schemas.openxmlformats.org/drawingml/2006/main" xmlns:r="http://schemas.openxmlformats.org/officeDocument/2006/relationships" xmlns:p="http://schemas.openxmlformats.org/presentationml/2006/main">
+  <p:cSld>
+    <p:bg>
+      <p:bgPr>
+        <a:solidFill>
+          <a:srgbClr val="395583"/>
+        </a:solidFill>
+        <a:effectLst/>
+      </p:bgPr>
+    </p:bg>
+    <p:spTree>
+      <p:nvGrpSpPr>
+        <p:cNvPr id="1" name=""/>
+        <p:cNvGrpSpPr/>
+        <p:nvPr/>
+      </p:nvGrpSpPr>
+      <p:grpSpPr>
+        <a:xfrm>
+          <a:off x="0" y="0"/>
+          <a:ext cx="0" cy="0"/>
+          <a:chOff x="0" y="0"/>
+          <a:chExt cx="0" cy="0"/>
+        </a:xfrm>
+      </p:grpSpPr>
+      <p:sp>
+        <p:nvSpPr>
+          <p:cNvPr id="25" name="Rectangle 24">
+            <a:extLst>
+              <a:ext uri="{FF2B5EF4-FFF2-40B4-BE49-F238E27FC236}">
+                <a16:creationId xmlns:a16="http://schemas.microsoft.com/office/drawing/2014/main" id="{A6792F05-2FD4-4F18-815E-15391E8B4A0E}"/>
+              </a:ext>
+              <a:ext uri="{C183D7F6-B498-43B3-948B-1728B52AA6E4}">
+                <adec:decorative xmlns:adec="http://schemas.microsoft.com/office/drawing/2017/decorative" val="1"/>
+              </a:ext>
+            </a:extLst>
+          </p:cNvPr>
+          <p:cNvSpPr>
+            <a:spLocks noGrp="1" noRot="1" noChangeAspect="1" noMove="1" noResize="1" noEditPoints="1" noAdjustHandles="1" noChangeArrowheads="1" noChangeShapeType="1" noTextEdit="1"/>
+          </p:cNvSpPr>
+          <p:nvPr>
+            <p:extLst>
+              <p:ext uri="{386F3935-93C4-4BCD-93E2-E3B085C9AB24}">
+                <p16:designElem xmlns:p16="http://schemas.microsoft.com/office/powerpoint/2015/main" val="1"/>
+              </p:ext>
+            </p:extLst>
+          </p:nvPr>
+        </p:nvSpPr>
+        <p:spPr>
+          <a:xfrm>
+            <a:off x="0" y="0"/>
+            <a:ext cx="12191999" cy="6858000"/>
+          </a:xfrm>
+          <a:prstGeom prst="rect">
+            <a:avLst/>
+          </a:prstGeom>
+          <a:solidFill>
+            <a:srgbClr val="395583"/>
+          </a:solidFill>
+          <a:ln>
+            <a:noFill/>
+          </a:ln>
+        </p:spPr>
+        <p:style>
+          <a:lnRef idx="2">
+            <a:schemeClr val="accent1">
+              <a:shade val="50000"/>
+            </a:schemeClr>
+          </a:lnRef>
+          <a:fillRef idx="1">
+            <a:schemeClr val="accent1"/>
+          </a:fillRef>
+          <a:effectRef idx="0">
+            <a:schemeClr val="accent1"/>
+          </a:effectRef>
+          <a:fontRef idx="minor">
+            <a:schemeClr val="lt1"/>
+          </a:fontRef>
+        </p:style>
+        <p:txBody>
+          <a:bodyPr rtlCol="0" anchor="ctr"/>
+          <a:lstStyle/>
+          <a:p>
+            <a:pPr algn="ctr"/>
+            <a:endParaRPr lang="en-US"/>
+          </a:p>
+        </p:txBody>
+      </p:sp>
+      <p:sp>
+        <p:nvSpPr>
+          <p:cNvPr id="2" name="Title 1">
+            <a:extLst>
+              <a:ext uri="{FF2B5EF4-FFF2-40B4-BE49-F238E27FC236}">
+                <a16:creationId xmlns:a16="http://schemas.microsoft.com/office/drawing/2014/main" id="{2589AFCC-0FF0-498C-B11F-8990DF0DAAA5}"/>
+              </a:ext>
+            </a:extLst>
+          </p:cNvPr>
+          <p:cNvSpPr>
+            <a:spLocks noGrp="1"/>
+          </p:cNvSpPr>
+          <p:nvPr>
+            <p:ph type="title"/>
+          </p:nvPr>
+        </p:nvSpPr>
+        <p:spPr>
+          <a:xfrm>
+            <a:off x="838200" y="365125"/>
+            <a:ext cx="10515600" cy="1325563"/>
+          </a:xfrm>
+        </p:spPr>
+        <p:txBody>
+          <a:bodyPr>
+            <a:normAutofit/>
+          </a:bodyPr>
+          <a:lstStyle/>
+          <a:p>
+            <a:r>
+              <a:rPr lang="en-US" b="1" dirty="0">
+                <a:latin typeface="Selawik Semibold" panose="020B0604020202020204" pitchFamily="34" charset="0"/>
+              </a:rPr>
+              <a:t>Industry Present</a:t>
+            </a:r>
+          </a:p>
+        </p:txBody>
+      </p:sp>
+      <p:sp>
+        <p:nvSpPr>
+          <p:cNvPr id="9" name="Content Placeholder 8">
+            <a:extLst>
+              <a:ext uri="{FF2B5EF4-FFF2-40B4-BE49-F238E27FC236}">
+                <a16:creationId xmlns:a16="http://schemas.microsoft.com/office/drawing/2014/main" id="{2D995594-59F2-4020-AB6F-751BAE84ADB3}"/>
+              </a:ext>
+            </a:extLst>
+          </p:cNvPr>
+          <p:cNvSpPr>
+            <a:spLocks noGrp="1"/>
+          </p:cNvSpPr>
+          <p:nvPr>
+            <p:ph idx="1"/>
+          </p:nvPr>
+        </p:nvSpPr>
+        <p:spPr>
+          <a:xfrm>
+            <a:off x="838199" y="2021249"/>
+            <a:ext cx="7138737" cy="4155713"/>
+          </a:xfrm>
+        </p:spPr>
+        <p:txBody>
+          <a:bodyPr>
+            <a:normAutofit/>
+          </a:bodyPr>
+          <a:lstStyle/>
+          <a:p>
+            <a:r>
+              <a:rPr lang="en-US" sz="2400" dirty="0">
+                <a:latin typeface="Selawik Semibold" panose="020B0702040204020203" pitchFamily="34" charset="0"/>
+              </a:rPr>
+              <a:t>Value Placed on Sports Analytics</a:t>
+            </a:r>
+            <a:endParaRPr lang="en-US" sz="2000" dirty="0">
+              <a:latin typeface="Selawik Semibold" panose="020B0702040204020203" pitchFamily="34" charset="0"/>
+            </a:endParaRPr>
+          </a:p>
+          <a:p>
+            <a:pPr lvl="1"/>
+            <a:endParaRPr lang="en-US" sz="2000" dirty="0">
+              <a:latin typeface="Selawik Semibold" panose="020B0702040204020203" pitchFamily="34" charset="0"/>
+            </a:endParaRPr>
+          </a:p>
+          <a:p>
+            <a:pPr lvl="1"/>
+            <a:r>
+              <a:rPr lang="en-US" sz="2000" dirty="0">
+                <a:latin typeface="Selawik Semibold" panose="020B0702040204020203" pitchFamily="34" charset="0"/>
+              </a:rPr>
+              <a:t>Grand View Research on Sports Analytics Market</a:t>
+            </a:r>
+          </a:p>
+          <a:p>
+            <a:pPr lvl="2"/>
+            <a:r>
+              <a:rPr lang="en-US" sz="1800" dirty="0">
+                <a:latin typeface="Selawik Semibold" panose="020B0702040204020203" pitchFamily="34" charset="0"/>
+              </a:rPr>
+              <a:t>Valued at $2.73B in 2022 and $3.52B in 2023</a:t>
+            </a:r>
+          </a:p>
+          <a:p>
+            <a:pPr lvl="2"/>
+            <a:r>
+              <a:rPr lang="en-US" sz="1800" dirty="0">
+                <a:latin typeface="Selawik Semibold" panose="020B0702040204020203" pitchFamily="34" charset="0"/>
+              </a:rPr>
+              <a:t>Expected CAGR Between 2023 and 2030 is 22.3%</a:t>
+            </a:r>
+          </a:p>
+          <a:p>
+            <a:pPr lvl="2"/>
+            <a:endParaRPr lang="en-US" sz="1800" dirty="0">
+              <a:latin typeface="Selawik Semibold" panose="020B0702040204020203" pitchFamily="34" charset="0"/>
+            </a:endParaRPr>
+          </a:p>
+          <a:p>
+            <a:pPr lvl="2"/>
+            <a:r>
+              <a:rPr lang="en-US" sz="1800" dirty="0">
+                <a:latin typeface="Selawik Semibold" panose="020B0702040204020203" pitchFamily="34" charset="0"/>
+              </a:rPr>
+              <a:t>Software Segment Dominates at 61% of Market</a:t>
+            </a:r>
+          </a:p>
+          <a:p>
+            <a:pPr lvl="2"/>
+            <a:r>
+              <a:rPr lang="en-US" sz="1800" dirty="0">
+                <a:latin typeface="Selawik Semibold" panose="020B0702040204020203" pitchFamily="34" charset="0"/>
+              </a:rPr>
+              <a:t>Services Segment Expected to Grow by 19%</a:t>
+            </a:r>
+          </a:p>
+          <a:p>
+            <a:pPr lvl="2"/>
+            <a:r>
+              <a:rPr lang="en-US" sz="1800" dirty="0">
+                <a:latin typeface="Selawik Semibold" panose="020B0702040204020203" pitchFamily="34" charset="0"/>
+              </a:rPr>
+              <a:t>On-Field Analytics (61%) Dominates Off-Field Analytics</a:t>
+            </a:r>
+          </a:p>
+          <a:p>
+            <a:pPr marL="457200" lvl="1" indent="0">
+              <a:buNone/>
+            </a:pPr>
+            <a:endParaRPr lang="en-US" sz="2000" dirty="0">
+              <a:latin typeface="Selawik Semibold" panose="020B0702040204020203" pitchFamily="34" charset="0"/>
+            </a:endParaRPr>
+          </a:p>
+          <a:p>
+            <a:pPr lvl="1"/>
+            <a:endParaRPr lang="en-US" sz="2000" dirty="0">
+              <a:latin typeface="Selawik Semibold" panose="020B0702040204020203" pitchFamily="34" charset="0"/>
+            </a:endParaRPr>
+          </a:p>
+          <a:p>
+            <a:pPr lvl="1"/>
+            <a:endParaRPr lang="en-US" sz="2000" dirty="0">
+              <a:latin typeface="Selawik Semibold" panose="020B0702040204020203" pitchFamily="34" charset="0"/>
+            </a:endParaRPr>
+          </a:p>
+          <a:p>
+            <a:pPr lvl="1"/>
+            <a:endParaRPr lang="en-US" sz="2000" dirty="0">
+              <a:latin typeface="Selawik Semibold" panose="020B0702040204020203" pitchFamily="34" charset="0"/>
+            </a:endParaRPr>
+          </a:p>
+        </p:txBody>
+      </p:sp>
+      <p:pic>
+        <p:nvPicPr>
+          <p:cNvPr id="4" name="Picture 3" descr="A drawing of a cartoon character&#10;&#10;Description automatically generated">
+            <a:extLst>
+              <a:ext uri="{FF2B5EF4-FFF2-40B4-BE49-F238E27FC236}">
+                <a16:creationId xmlns:a16="http://schemas.microsoft.com/office/drawing/2014/main" id="{A7FDC859-D890-4904-9C64-27F43DA90453}"/>
+              </a:ext>
+            </a:extLst>
+          </p:cNvPr>
+          <p:cNvPicPr>
+            <a:picLocks noChangeAspect="1"/>
+          </p:cNvPicPr>
+          <p:nvPr/>
+        </p:nvPicPr>
+        <p:blipFill rotWithShape="1">
+          <a:blip r:embed="rId2">
+            <a:extLst>
+              <a:ext uri="{28A0092B-C50C-407E-A947-70E740481C1C}">
+                <a14:useLocalDpi xmlns:a14="http://schemas.microsoft.com/office/drawing/2010/main" val="0"/>
+              </a:ext>
+            </a:extLst>
+          </a:blip>
+          <a:srcRect t="5616" r="2" b="2"/>
+          <a:stretch/>
+        </p:blipFill>
+        <p:spPr>
+          <a:xfrm>
+            <a:off x="7471144" y="1700078"/>
+            <a:ext cx="4720855" cy="2583792"/>
+          </a:xfrm>
+          <a:custGeom>
+            <a:avLst/>
+            <a:gdLst>
+              <a:gd name="connsiteX0" fmla="*/ 0 w 5475077"/>
+              <a:gd name="connsiteY0" fmla="*/ 0 h 2583792"/>
+              <a:gd name="connsiteX1" fmla="*/ 5475077 w 5475077"/>
+              <a:gd name="connsiteY1" fmla="*/ 0 h 2583792"/>
+              <a:gd name="connsiteX2" fmla="*/ 5475077 w 5475077"/>
+              <a:gd name="connsiteY2" fmla="*/ 2583792 h 2583792"/>
+              <a:gd name="connsiteX3" fmla="*/ 1197192 w 5475077"/>
+              <a:gd name="connsiteY3" fmla="*/ 2583792 h 2583792"/>
+            </a:gdLst>
+            <a:ahLst/>
+            <a:cxnLst>
+              <a:cxn ang="0">
+                <a:pos x="connsiteX0" y="connsiteY0"/>
+              </a:cxn>
+              <a:cxn ang="0">
+                <a:pos x="connsiteX1" y="connsiteY1"/>
+              </a:cxn>
+              <a:cxn ang="0">
+                <a:pos x="connsiteX2" y="connsiteY2"/>
+              </a:cxn>
+              <a:cxn ang="0">
+                <a:pos x="connsiteX3" y="connsiteY3"/>
+              </a:cxn>
+            </a:cxnLst>
+            <a:rect l="l" t="t" r="r" b="b"/>
+            <a:pathLst>
+              <a:path w="5475077" h="2583792">
+                <a:moveTo>
+                  <a:pt x="0" y="0"/>
+                </a:moveTo>
+                <a:lnTo>
+                  <a:pt x="5475077" y="0"/>
+                </a:lnTo>
+                <a:lnTo>
+                  <a:pt x="5475077" y="2583792"/>
+                </a:lnTo>
+                <a:lnTo>
+                  <a:pt x="1197192" y="2583792"/>
+                </a:lnTo>
+                <a:close/>
+              </a:path>
+            </a:pathLst>
+          </a:custGeom>
+        </p:spPr>
+      </p:pic>
+      <p:pic>
+        <p:nvPicPr>
+          <p:cNvPr id="5" name="Content Placeholder 4" descr="A picture containing indoor&#10;&#10;Description automatically generated">
+            <a:extLst>
+              <a:ext uri="{FF2B5EF4-FFF2-40B4-BE49-F238E27FC236}">
+                <a16:creationId xmlns:a16="http://schemas.microsoft.com/office/drawing/2014/main" id="{A58F0E55-21F3-485B-A07F-1CE74177BDD2}"/>
+              </a:ext>
+            </a:extLst>
+          </p:cNvPr>
+          <p:cNvPicPr>
+            <a:picLocks noChangeAspect="1"/>
+          </p:cNvPicPr>
+          <p:nvPr/>
+        </p:nvPicPr>
+        <p:blipFill rotWithShape="1">
+          <a:blip r:embed="rId3">
+            <a:extLst>
+              <a:ext uri="{28A0092B-C50C-407E-A947-70E740481C1C}">
+                <a14:useLocalDpi xmlns:a14="http://schemas.microsoft.com/office/drawing/2010/main" val="0"/>
+              </a:ext>
+            </a:extLst>
+          </a:blip>
+          <a:srcRect t="5300" r="3" b="6859"/>
+          <a:stretch/>
+        </p:blipFill>
+        <p:spPr>
+          <a:xfrm>
+            <a:off x="8491869" y="4283870"/>
+            <a:ext cx="3700129" cy="2583520"/>
+          </a:xfrm>
+          <a:custGeom>
+            <a:avLst/>
+            <a:gdLst>
+              <a:gd name="connsiteX0" fmla="*/ 0 w 4277884"/>
+              <a:gd name="connsiteY0" fmla="*/ 0 h 2583520"/>
+              <a:gd name="connsiteX1" fmla="*/ 4277884 w 4277884"/>
+              <a:gd name="connsiteY1" fmla="*/ 0 h 2583520"/>
+              <a:gd name="connsiteX2" fmla="*/ 4277884 w 4277884"/>
+              <a:gd name="connsiteY2" fmla="*/ 2583520 h 2583520"/>
+              <a:gd name="connsiteX3" fmla="*/ 1192437 w 4277884"/>
+              <a:gd name="connsiteY3" fmla="*/ 2583520 h 2583520"/>
+              <a:gd name="connsiteX4" fmla="*/ 1188085 w 4277884"/>
+              <a:gd name="connsiteY4" fmla="*/ 2574129 h 2583520"/>
+              <a:gd name="connsiteX5" fmla="*/ 1192715 w 4277884"/>
+              <a:gd name="connsiteY5" fmla="*/ 2574129 h 2583520"/>
+            </a:gdLst>
+            <a:ahLst/>
+            <a:cxnLst>
+              <a:cxn ang="0">
+                <a:pos x="connsiteX0" y="connsiteY0"/>
+              </a:cxn>
+              <a:cxn ang="0">
+                <a:pos x="connsiteX1" y="connsiteY1"/>
+              </a:cxn>
+              <a:cxn ang="0">
+                <a:pos x="connsiteX2" y="connsiteY2"/>
+              </a:cxn>
+              <a:cxn ang="0">
+                <a:pos x="connsiteX3" y="connsiteY3"/>
+              </a:cxn>
+              <a:cxn ang="0">
+                <a:pos x="connsiteX4" y="connsiteY4"/>
+              </a:cxn>
+              <a:cxn ang="0">
+                <a:pos x="connsiteX5" y="connsiteY5"/>
+              </a:cxn>
+            </a:cxnLst>
+            <a:rect l="l" t="t" r="r" b="b"/>
+            <a:pathLst>
+              <a:path w="4277884" h="2583520">
+                <a:moveTo>
+                  <a:pt x="0" y="0"/>
+                </a:moveTo>
+                <a:lnTo>
+                  <a:pt x="4277884" y="0"/>
+                </a:lnTo>
+                <a:lnTo>
+                  <a:pt x="4277884" y="2583520"/>
+                </a:lnTo>
+                <a:lnTo>
+                  <a:pt x="1192437" y="2583520"/>
+                </a:lnTo>
+                <a:lnTo>
+                  <a:pt x="1188085" y="2574129"/>
+                </a:lnTo>
+                <a:lnTo>
+                  <a:pt x="1192715" y="2574129"/>
+                </a:lnTo>
+                <a:close/>
+              </a:path>
+            </a:pathLst>
+          </a:custGeom>
+        </p:spPr>
+      </p:pic>
+      <p:sp>
+        <p:nvSpPr>
+          <p:cNvPr id="6" name="Rectangle 5">
+            <a:extLst>
+              <a:ext uri="{FF2B5EF4-FFF2-40B4-BE49-F238E27FC236}">
+                <a16:creationId xmlns:a16="http://schemas.microsoft.com/office/drawing/2014/main" id="{A2901312-C3C2-4CEC-80EF-823AB4FBB726}"/>
+              </a:ext>
+            </a:extLst>
+          </p:cNvPr>
+          <p:cNvSpPr/>
+          <p:nvPr/>
+        </p:nvSpPr>
+        <p:spPr>
+          <a:xfrm>
+            <a:off x="-1" y="1608918"/>
+            <a:ext cx="12191999" cy="91160"/>
+          </a:xfrm>
+          <a:prstGeom prst="rect">
+            <a:avLst/>
+          </a:prstGeom>
+          <a:solidFill>
+            <a:schemeClr val="bg1"/>
+          </a:solidFill>
+          <a:ln>
+            <a:noFill/>
+          </a:ln>
+        </p:spPr>
+        <p:style>
+          <a:lnRef idx="2">
+            <a:schemeClr val="accent1">
+              <a:shade val="50000"/>
+            </a:schemeClr>
+          </a:lnRef>
+          <a:fillRef idx="1">
+            <a:schemeClr val="accent1"/>
+          </a:fillRef>
+          <a:effectRef idx="0">
+            <a:schemeClr val="accent1"/>
+          </a:effectRef>
+          <a:fontRef idx="minor">
+            <a:schemeClr val="lt1"/>
+          </a:fontRef>
+        </p:style>
+        <p:txBody>
+          <a:bodyPr rtlCol="0" anchor="ctr"/>
+          <a:lstStyle/>
+          <a:p>
+            <a:pPr algn="ctr"/>
+            <a:endParaRPr lang="en-US">
+              <a:solidFill>
+                <a:srgbClr val="DB5B5C"/>
+              </a:solidFill>
+            </a:endParaRPr>
+          </a:p>
+        </p:txBody>
+      </p:sp>
+      <p:sp>
+        <p:nvSpPr>
+          <p:cNvPr id="15" name="Rectangle 14">
+            <a:extLst>
+              <a:ext uri="{FF2B5EF4-FFF2-40B4-BE49-F238E27FC236}">
+                <a16:creationId xmlns:a16="http://schemas.microsoft.com/office/drawing/2014/main" id="{AD0A7C9C-CA2C-4B9B-A125-2D09D5573B44}"/>
+              </a:ext>
+            </a:extLst>
+          </p:cNvPr>
+          <p:cNvSpPr/>
+          <p:nvPr/>
+        </p:nvSpPr>
+        <p:spPr>
+          <a:xfrm>
+            <a:off x="1" y="6677247"/>
+            <a:ext cx="12191999" cy="190143"/>
+          </a:xfrm>
+          <a:prstGeom prst="rect">
+            <a:avLst/>
+          </a:prstGeom>
+          <a:solidFill>
+            <a:schemeClr val="bg1"/>
+          </a:solidFill>
+          <a:ln>
+            <a:noFill/>
+          </a:ln>
+        </p:spPr>
+        <p:style>
+          <a:lnRef idx="2">
+            <a:schemeClr val="accent1">
+              <a:shade val="50000"/>
+            </a:schemeClr>
+          </a:lnRef>
+          <a:fillRef idx="1">
+            <a:schemeClr val="accent1"/>
+          </a:fillRef>
+          <a:effectRef idx="0">
+            <a:schemeClr val="accent1"/>
+          </a:effectRef>
+          <a:fontRef idx="minor">
+            <a:schemeClr val="lt1"/>
+          </a:fontRef>
+        </p:style>
+        <p:txBody>
+          <a:bodyPr rtlCol="0" anchor="ctr"/>
+          <a:lstStyle/>
+          <a:p>
+            <a:pPr algn="ctr"/>
+            <a:endParaRPr lang="en-US">
+              <a:solidFill>
+                <a:srgbClr val="DB5B5C"/>
+              </a:solidFill>
+            </a:endParaRPr>
+          </a:p>
+        </p:txBody>
+      </p:sp>
+      <p:sp>
+        <p:nvSpPr>
+          <p:cNvPr id="16" name="Rectangle 15">
+            <a:extLst>
+              <a:ext uri="{FF2B5EF4-FFF2-40B4-BE49-F238E27FC236}">
+                <a16:creationId xmlns:a16="http://schemas.microsoft.com/office/drawing/2014/main" id="{74A085FC-1866-46D4-97F7-51AA45E48D4F}"/>
+              </a:ext>
+            </a:extLst>
+          </p:cNvPr>
+          <p:cNvSpPr/>
+          <p:nvPr/>
+        </p:nvSpPr>
+        <p:spPr>
+          <a:xfrm rot="4092292">
+            <a:off x="5790668" y="4094517"/>
+            <a:ext cx="5446699" cy="137038"/>
+          </a:xfrm>
+          <a:prstGeom prst="rect">
+            <a:avLst/>
+          </a:prstGeom>
+          <a:solidFill>
+            <a:schemeClr val="bg1"/>
+          </a:solidFill>
+          <a:ln>
+            <a:noFill/>
+          </a:ln>
+        </p:spPr>
+        <p:style>
+          <a:lnRef idx="2">
+            <a:schemeClr val="accent1">
+              <a:shade val="50000"/>
+            </a:schemeClr>
+          </a:lnRef>
+          <a:fillRef idx="1">
+            <a:schemeClr val="accent1"/>
+          </a:fillRef>
+          <a:effectRef idx="0">
+            <a:schemeClr val="accent1"/>
+          </a:effectRef>
+          <a:fontRef idx="minor">
+            <a:schemeClr val="lt1"/>
+          </a:fontRef>
+        </p:style>
+        <p:txBody>
+          <a:bodyPr rtlCol="0" anchor="ctr"/>
+          <a:lstStyle/>
+          <a:p>
+            <a:pPr algn="ctr"/>
+            <a:endParaRPr lang="en-US">
+              <a:solidFill>
+                <a:srgbClr val="DB5B5C"/>
+              </a:solidFill>
+            </a:endParaRPr>
+          </a:p>
+        </p:txBody>
+      </p:sp>
       <p:sp>
         <p:nvSpPr>
           <p:cNvPr id="12" name="TextBox 11">
@@ -14556,7 +16942,7 @@
         </p:nvSpPr>
         <p:spPr>
           <a:xfrm>
-            <a:off x="1172655" y="5127022"/>
+            <a:off x="1252904" y="5424934"/>
             <a:ext cx="1416594" cy="523220"/>
           </a:xfrm>
           <a:prstGeom prst="rect">
@@ -14613,7 +16999,7 @@
               <a:rPr lang="en-US" sz="2800" dirty="0">
                 <a:latin typeface="Selawik Semibold" panose="020B0702040204020203" pitchFamily="34" charset="0"/>
               </a:rPr>
-              <a:t>$1.79B</a:t>
+              <a:t>$2.73B</a:t>
             </a:r>
           </a:p>
         </p:txBody>
@@ -14632,8 +17018,8 @@
         </p:nvSpPr>
         <p:spPr>
           <a:xfrm>
-            <a:off x="2653872" y="5203451"/>
-            <a:ext cx="3271478" cy="265016"/>
+            <a:off x="4169055" y="5584777"/>
+            <a:ext cx="1839886" cy="235028"/>
           </a:xfrm>
           <a:prstGeom prst="rightArrow">
             <a:avLst/>
@@ -14678,7 +17064,7 @@
         </p:nvSpPr>
         <p:spPr>
           <a:xfrm>
-            <a:off x="6008765" y="4958143"/>
+            <a:off x="6054419" y="5200057"/>
             <a:ext cx="2302627" cy="769441"/>
           </a:xfrm>
           <a:prstGeom prst="rect">
@@ -14735,50 +17121,7 @@
               <a:rPr lang="en-US" sz="4400" dirty="0">
                 <a:latin typeface="Selawik Semibold" panose="020B0702040204020203" pitchFamily="34" charset="0"/>
               </a:rPr>
-              <a:t>$12.6B</a:t>
-            </a:r>
-          </a:p>
-        </p:txBody>
-      </p:sp>
-      <p:sp>
-        <p:nvSpPr>
-          <p:cNvPr id="8" name="TextBox 7">
-            <a:extLst>
-              <a:ext uri="{FF2B5EF4-FFF2-40B4-BE49-F238E27FC236}">
-                <a16:creationId xmlns:a16="http://schemas.microsoft.com/office/drawing/2014/main" id="{D2C8D70E-0701-4AD6-9539-2A9C432D9415}"/>
-              </a:ext>
-            </a:extLst>
-          </p:cNvPr>
-          <p:cNvSpPr txBox="1"/>
-          <p:nvPr/>
-        </p:nvSpPr>
-        <p:spPr>
-          <a:xfrm>
-            <a:off x="4289612" y="6288182"/>
-            <a:ext cx="4961824" cy="369332"/>
-          </a:xfrm>
-          <a:prstGeom prst="rect">
-            <a:avLst/>
-          </a:prstGeom>
-          <a:noFill/>
-        </p:spPr>
-        <p:txBody>
-          <a:bodyPr wrap="square" rtlCol="0">
-            <a:spAutoFit/>
-          </a:bodyPr>
-          <a:lstStyle/>
-          <a:p>
-            <a:r>
-              <a:rPr lang="en-US" dirty="0"/>
-              <a:t>Projections </a:t>
-            </a:r>
-            <a:r>
-              <a:rPr lang="en-US"/>
-              <a:t>in 2029 </a:t>
-            </a:r>
-            <a:r>
-              <a:rPr lang="en-US" dirty="0"/>
-              <a:t>According to MarketWatch.com</a:t>
+              <a:t>$14.41B</a:t>
             </a:r>
           </a:p>
         </p:txBody>
@@ -14799,7 +17142,7 @@
         </p:nvCxnSpPr>
         <p:spPr>
           <a:xfrm>
-            <a:off x="1521812" y="5968752"/>
+            <a:off x="1516220" y="6176962"/>
             <a:ext cx="5954924" cy="0"/>
           </a:xfrm>
           <a:prstGeom prst="line">
@@ -14842,7 +17185,7 @@
         </p:nvCxnSpPr>
         <p:spPr>
           <a:xfrm>
-            <a:off x="1961201" y="5854347"/>
+            <a:off x="1961201" y="6033632"/>
             <a:ext cx="0" cy="228809"/>
           </a:xfrm>
           <a:prstGeom prst="line">
@@ -14885,7 +17228,7 @@
         </p:nvCxnSpPr>
         <p:spPr>
           <a:xfrm>
-            <a:off x="6950115" y="5854347"/>
+            <a:off x="6950115" y="6033631"/>
             <a:ext cx="0" cy="228809"/>
           </a:xfrm>
           <a:prstGeom prst="line">
@@ -14926,7 +17269,7 @@
         </p:nvSpPr>
         <p:spPr>
           <a:xfrm>
-            <a:off x="1685426" y="6055512"/>
+            <a:off x="1632841" y="6281171"/>
             <a:ext cx="656720" cy="369332"/>
           </a:xfrm>
           <a:prstGeom prst="rect">
@@ -14942,7 +17285,7 @@
           <a:p>
             <a:r>
               <a:rPr lang="en-US" dirty="0"/>
-              <a:t>2021</a:t>
+              <a:t>2022</a:t>
             </a:r>
           </a:p>
         </p:txBody>
@@ -14961,7 +17304,7 @@
         </p:nvSpPr>
         <p:spPr>
           <a:xfrm>
-            <a:off x="6630669" y="6024858"/>
+            <a:off x="6621755" y="6262441"/>
             <a:ext cx="656720" cy="369332"/>
           </a:xfrm>
           <a:prstGeom prst="rect">
@@ -14977,13 +17320,13 @@
           <a:p>
             <a:r>
               <a:rPr lang="en-US" dirty="0"/>
-              <a:t>2029</a:t>
-            </a:r>
-          </a:p>
-        </p:txBody>
-      </p:sp>
-      <mc:AlternateContent xmlns:mc="http://schemas.openxmlformats.org/markup-compatibility/2006">
-        <mc:Choice xmlns:a14="http://schemas.microsoft.com/office/drawing/2010/main" Requires="a14">
+              <a:t>2030</a:t>
+            </a:r>
+          </a:p>
+        </p:txBody>
+      </p:sp>
+      <mc:AlternateContent xmlns:mc="http://schemas.openxmlformats.org/markup-compatibility/2006" xmlns:a14="http://schemas.microsoft.com/office/drawing/2010/main">
+        <mc:Choice Requires="a14">
           <p:sp>
             <p:nvSpPr>
               <p:cNvPr id="3" name="TextBox 2">
@@ -14998,7 +17341,7 @@
             </p:nvSpPr>
             <p:spPr>
               <a:xfrm>
-                <a:off x="1787258" y="4494566"/>
+                <a:off x="1961201" y="3714733"/>
                 <a:ext cx="5162857" cy="369332"/>
               </a:xfrm>
               <a:prstGeom prst="rect">
@@ -15036,7 +17379,7 @@
                       <a:rPr lang="en-US" b="0" i="1" smtClean="0">
                         <a:latin typeface="Cambria Math" panose="02040503050406030204" pitchFamily="18" charset="0"/>
                       </a:rPr>
-                      <m:t> 2029=1.79∗(1+</m:t>
+                      <m:t> 2030=3.52∗(1+</m:t>
                     </m:r>
                     <m:r>
                       <a:rPr lang="en-US" b="0" i="1" smtClean="0">
@@ -15050,17 +17393,23 @@
                       </a:rPr>
                       <m:t>)^</m:t>
                     </m:r>
+                    <m:r>
+                      <a:rPr lang="en-US" b="0" i="0" smtClean="0">
+                        <a:latin typeface="Cambria Math" panose="02040503050406030204" pitchFamily="18" charset="0"/>
+                      </a:rPr>
+                      <m:t>7</m:t>
+                    </m:r>
                   </m:oMath>
                 </a14:m>
                 <a:r>
                   <a:rPr lang="en-US" dirty="0"/>
-                  <a:t>8 =12.6</a:t>
+                  <a:t> =14.41</a:t>
                 </a:r>
               </a:p>
             </p:txBody>
           </p:sp>
         </mc:Choice>
-        <mc:Fallback>
+        <mc:Fallback xmlns="">
           <p:sp>
             <p:nvSpPr>
               <p:cNvPr id="3" name="TextBox 2">
@@ -15077,7 +17426,7 @@
             </p:nvSpPr>
             <p:spPr>
               <a:xfrm>
-                <a:off x="1787258" y="4494566"/>
+                <a:off x="1961201" y="3714733"/>
                 <a:ext cx="5162857" cy="369332"/>
               </a:xfrm>
               <a:prstGeom prst="rect">
@@ -15086,7 +17435,7 @@
               <a:blipFill>
                 <a:blip r:embed="rId4"/>
                 <a:stretch>
-                  <a:fillRect l="-354" t="-8197" b="-24590"/>
+                  <a:fillRect l="-354" t="-8197" r="-708" b="-24590"/>
                 </a:stretch>
               </a:blipFill>
             </p:spPr>
@@ -15105,576 +17454,164 @@
           </p:sp>
         </mc:Fallback>
       </mc:AlternateContent>
-    </p:spTree>
-    <p:extLst>
-      <p:ext uri="{BB962C8B-B14F-4D97-AF65-F5344CB8AC3E}">
-        <p14:creationId xmlns:p14="http://schemas.microsoft.com/office/powerpoint/2010/main" val="2762272663"/>
-      </p:ext>
-    </p:extLst>
-  </p:cSld>
-  <p:clrMapOvr>
-    <a:overrideClrMapping bg1="dk1" tx1="lt1" bg2="dk2" tx2="lt2" accent1="accent1" accent2="accent2" accent3="accent3" accent4="accent4" accent5="accent5" accent6="accent6" hlink="hlink" folHlink="folHlink"/>
-  </p:clrMapOvr>
-</p:sld>
-</file>
-
-<file path=ppt/slides/slide8.xml><?xml version="1.0" encoding="utf-8"?>
-<p:sld xmlns:a="http://schemas.openxmlformats.org/drawingml/2006/main" xmlns:r="http://schemas.openxmlformats.org/officeDocument/2006/relationships" xmlns:p="http://schemas.openxmlformats.org/presentationml/2006/main">
-  <p:cSld>
-    <p:bg>
-      <p:bgPr>
-        <a:solidFill>
-          <a:srgbClr val="395583"/>
-        </a:solidFill>
-        <a:effectLst/>
-      </p:bgPr>
-    </p:bg>
-    <p:spTree>
-      <p:nvGrpSpPr>
-        <p:cNvPr id="1" name=""/>
-        <p:cNvGrpSpPr/>
-        <p:nvPr/>
-      </p:nvGrpSpPr>
-      <p:grpSpPr>
-        <a:xfrm>
-          <a:off x="0" y="0"/>
-          <a:ext cx="0" cy="0"/>
-          <a:chOff x="0" y="0"/>
-          <a:chExt cx="0" cy="0"/>
-        </a:xfrm>
-      </p:grpSpPr>
-      <p:sp>
-        <p:nvSpPr>
-          <p:cNvPr id="25" name="Rectangle 24">
-            <a:extLst>
-              <a:ext uri="{FF2B5EF4-FFF2-40B4-BE49-F238E27FC236}">
-                <a16:creationId xmlns:a16="http://schemas.microsoft.com/office/drawing/2014/main" id="{A6792F05-2FD4-4F18-815E-15391E8B4A0E}"/>
-              </a:ext>
-              <a:ext uri="{C183D7F6-B498-43B3-948B-1728B52AA6E4}">
-                <adec:decorative xmlns:adec="http://schemas.microsoft.com/office/drawing/2017/decorative" val="1"/>
-              </a:ext>
-            </a:extLst>
-          </p:cNvPr>
-          <p:cNvSpPr>
-            <a:spLocks noGrp="1" noRot="1" noChangeAspect="1" noMove="1" noResize="1" noEditPoints="1" noAdjustHandles="1" noChangeArrowheads="1" noChangeShapeType="1" noTextEdit="1"/>
-          </p:cNvSpPr>
-          <p:nvPr>
-            <p:extLst>
-              <p:ext uri="{386F3935-93C4-4BCD-93E2-E3B085C9AB24}">
-                <p16:designElem xmlns:p16="http://schemas.microsoft.com/office/powerpoint/2015/main" val="1"/>
-              </p:ext>
-            </p:extLst>
-          </p:nvPr>
-        </p:nvSpPr>
-        <p:spPr>
-          <a:xfrm>
-            <a:off x="0" y="0"/>
-            <a:ext cx="12191999" cy="6858000"/>
-          </a:xfrm>
-          <a:prstGeom prst="rect">
+      <p:cxnSp>
+        <p:nvCxnSpPr>
+          <p:cNvPr id="7" name="Straight Connector 6">
+            <a:extLst>
+              <a:ext uri="{FF2B5EF4-FFF2-40B4-BE49-F238E27FC236}">
+                <a16:creationId xmlns:a16="http://schemas.microsoft.com/office/drawing/2014/main" id="{50DD8629-3AA9-5B71-572E-2046BE8E688A}"/>
+              </a:ext>
+            </a:extLst>
+          </p:cNvPr>
+          <p:cNvCxnSpPr>
+            <a:cxnSpLocks/>
+          </p:cNvCxnSpPr>
+          <p:nvPr/>
+        </p:nvCxnSpPr>
+        <p:spPr>
+          <a:xfrm>
+            <a:off x="3273807" y="6062557"/>
+            <a:ext cx="0" cy="228809"/>
+          </a:xfrm>
+          <a:prstGeom prst="line">
             <a:avLst/>
           </a:prstGeom>
-          <a:solidFill>
-            <a:srgbClr val="395583"/>
-          </a:solidFill>
-          <a:ln>
-            <a:noFill/>
+          <a:ln w="38100">
+            <a:solidFill>
+              <a:schemeClr val="tx1"/>
+            </a:solidFill>
           </a:ln>
         </p:spPr>
         <p:style>
-          <a:lnRef idx="2">
-            <a:schemeClr val="accent1">
-              <a:shade val="50000"/>
-            </a:schemeClr>
+          <a:lnRef idx="1">
+            <a:schemeClr val="accent1"/>
           </a:lnRef>
-          <a:fillRef idx="1">
+          <a:fillRef idx="0">
             <a:schemeClr val="accent1"/>
           </a:fillRef>
           <a:effectRef idx="0">
             <a:schemeClr val="accent1"/>
           </a:effectRef>
           <a:fontRef idx="minor">
-            <a:schemeClr val="lt1"/>
+            <a:schemeClr val="tx1"/>
           </a:fontRef>
         </p:style>
-        <p:txBody>
-          <a:bodyPr rtlCol="0" anchor="ctr"/>
-          <a:lstStyle/>
-          <a:p>
-            <a:pPr algn="ctr"/>
-            <a:endParaRPr lang="en-US"/>
-          </a:p>
-        </p:txBody>
-      </p:sp>
-      <p:sp>
-        <p:nvSpPr>
-          <p:cNvPr id="2" name="Title 1">
-            <a:extLst>
-              <a:ext uri="{FF2B5EF4-FFF2-40B4-BE49-F238E27FC236}">
-                <a16:creationId xmlns:a16="http://schemas.microsoft.com/office/drawing/2014/main" id="{2589AFCC-0FF0-498C-B11F-8990DF0DAAA5}"/>
-              </a:ext>
-            </a:extLst>
-          </p:cNvPr>
-          <p:cNvSpPr>
-            <a:spLocks noGrp="1"/>
-          </p:cNvSpPr>
-          <p:nvPr>
-            <p:ph type="title"/>
-          </p:nvPr>
-        </p:nvSpPr>
-        <p:spPr>
-          <a:xfrm>
-            <a:off x="838200" y="365125"/>
-            <a:ext cx="10515600" cy="1325563"/>
-          </a:xfrm>
-        </p:spPr>
-        <p:txBody>
-          <a:bodyPr>
-            <a:normAutofit/>
-          </a:bodyPr>
-          <a:lstStyle/>
-          <a:p>
-            <a:r>
-              <a:rPr lang="en-US" b="1" dirty="0">
-                <a:latin typeface="Selawik Semibold" panose="020B0604020202020204" pitchFamily="34" charset="0"/>
-              </a:rPr>
-              <a:t>Industry Present</a:t>
-            </a:r>
-          </a:p>
-        </p:txBody>
-      </p:sp>
-      <p:sp>
-        <p:nvSpPr>
-          <p:cNvPr id="9" name="Content Placeholder 8">
-            <a:extLst>
-              <a:ext uri="{FF2B5EF4-FFF2-40B4-BE49-F238E27FC236}">
-                <a16:creationId xmlns:a16="http://schemas.microsoft.com/office/drawing/2014/main" id="{2D995594-59F2-4020-AB6F-751BAE84ADB3}"/>
-              </a:ext>
-            </a:extLst>
-          </p:cNvPr>
-          <p:cNvSpPr>
-            <a:spLocks noGrp="1"/>
-          </p:cNvSpPr>
-          <p:nvPr>
-            <p:ph idx="1"/>
-          </p:nvPr>
-        </p:nvSpPr>
-        <p:spPr>
-          <a:xfrm>
-            <a:off x="838199" y="2021248"/>
-            <a:ext cx="7653667" cy="4695905"/>
-          </a:xfrm>
-        </p:spPr>
-        <p:txBody>
-          <a:bodyPr>
-            <a:normAutofit/>
-          </a:bodyPr>
-          <a:lstStyle/>
-          <a:p>
-            <a:r>
-              <a:rPr lang="en-US" sz="2400" dirty="0">
-                <a:latin typeface="Selawik Semibold" panose="020B0702040204020203" pitchFamily="34" charset="0"/>
-              </a:rPr>
-              <a:t>Reasons for Projection (MarketWatch)</a:t>
-            </a:r>
-          </a:p>
-          <a:p>
-            <a:pPr lvl="1"/>
-            <a:endParaRPr lang="en-US" sz="1400" dirty="0">
-              <a:latin typeface="Selawik Semibold" panose="020B0702040204020203" pitchFamily="34" charset="0"/>
-            </a:endParaRPr>
-          </a:p>
-          <a:p>
-            <a:pPr lvl="1"/>
-            <a:r>
-              <a:rPr lang="en-US" sz="2000" dirty="0">
-                <a:latin typeface="Selawik Semibold" panose="020B0702040204020203" pitchFamily="34" charset="0"/>
-              </a:rPr>
-              <a:t>Focus on Data-Driven Decision Making</a:t>
-            </a:r>
-          </a:p>
-          <a:p>
-            <a:pPr lvl="1"/>
-            <a:r>
-              <a:rPr lang="en-US" sz="2000" dirty="0">
-                <a:latin typeface="Selawik Semibold" panose="020B0702040204020203" pitchFamily="34" charset="0"/>
-              </a:rPr>
-              <a:t>Demand for Fan Engagement</a:t>
-            </a:r>
-          </a:p>
-          <a:p>
-            <a:pPr lvl="1"/>
-            <a:r>
-              <a:rPr lang="en-US" sz="2000" dirty="0">
-                <a:latin typeface="Selawik Semibold" panose="020B0702040204020203" pitchFamily="34" charset="0"/>
-              </a:rPr>
-              <a:t>Growing Use of Analytics in Sports</a:t>
-            </a:r>
-          </a:p>
-          <a:p>
-            <a:pPr lvl="1"/>
-            <a:r>
-              <a:rPr lang="en-US" sz="2000" dirty="0">
-                <a:latin typeface="Selawik Semibold" panose="020B0702040204020203" pitchFamily="34" charset="0"/>
-              </a:rPr>
-              <a:t>Technological Advancements</a:t>
-            </a:r>
-          </a:p>
-          <a:p>
-            <a:pPr lvl="1"/>
-            <a:r>
-              <a:rPr lang="en-US" sz="2000" dirty="0">
-                <a:latin typeface="Selawik Semibold" panose="020B0702040204020203" pitchFamily="34" charset="0"/>
-              </a:rPr>
-              <a:t>Increasing Investment in Analytics</a:t>
-            </a:r>
-          </a:p>
-        </p:txBody>
-      </p:sp>
-      <p:pic>
-        <p:nvPicPr>
-          <p:cNvPr id="4" name="Picture 3" descr="A drawing of a cartoon character&#10;&#10;Description automatically generated">
-            <a:extLst>
-              <a:ext uri="{FF2B5EF4-FFF2-40B4-BE49-F238E27FC236}">
-                <a16:creationId xmlns:a16="http://schemas.microsoft.com/office/drawing/2014/main" id="{A7FDC859-D890-4904-9C64-27F43DA90453}"/>
-              </a:ext>
-            </a:extLst>
-          </p:cNvPr>
-          <p:cNvPicPr>
-            <a:picLocks noChangeAspect="1"/>
-          </p:cNvPicPr>
+      </p:cxnSp>
+      <p:sp>
+        <p:nvSpPr>
+          <p:cNvPr id="10" name="TextBox 9">
+            <a:extLst>
+              <a:ext uri="{FF2B5EF4-FFF2-40B4-BE49-F238E27FC236}">
+                <a16:creationId xmlns:a16="http://schemas.microsoft.com/office/drawing/2014/main" id="{609C8CD7-F3CD-94C5-5C53-80D99CDC2FA8}"/>
+              </a:ext>
+            </a:extLst>
+          </p:cNvPr>
+          <p:cNvSpPr txBox="1"/>
           <p:nvPr/>
-        </p:nvPicPr>
-        <p:blipFill rotWithShape="1">
-          <a:blip r:embed="rId2">
-            <a:extLst>
-              <a:ext uri="{28A0092B-C50C-407E-A947-70E740481C1C}">
-                <a14:useLocalDpi xmlns:a14="http://schemas.microsoft.com/office/drawing/2010/main" val="0"/>
-              </a:ext>
-            </a:extLst>
-          </a:blip>
-          <a:srcRect t="5616" r="2" b="2"/>
-          <a:stretch/>
-        </p:blipFill>
-        <p:spPr>
-          <a:xfrm>
-            <a:off x="7471144" y="1700078"/>
-            <a:ext cx="4720855" cy="2583792"/>
-          </a:xfrm>
-          <a:custGeom>
-            <a:avLst/>
-            <a:gdLst>
-              <a:gd name="connsiteX0" fmla="*/ 0 w 5475077"/>
-              <a:gd name="connsiteY0" fmla="*/ 0 h 2583792"/>
-              <a:gd name="connsiteX1" fmla="*/ 5475077 w 5475077"/>
-              <a:gd name="connsiteY1" fmla="*/ 0 h 2583792"/>
-              <a:gd name="connsiteX2" fmla="*/ 5475077 w 5475077"/>
-              <a:gd name="connsiteY2" fmla="*/ 2583792 h 2583792"/>
-              <a:gd name="connsiteX3" fmla="*/ 1197192 w 5475077"/>
-              <a:gd name="connsiteY3" fmla="*/ 2583792 h 2583792"/>
-            </a:gdLst>
-            <a:ahLst/>
-            <a:cxnLst>
-              <a:cxn ang="0">
-                <a:pos x="connsiteX0" y="connsiteY0"/>
-              </a:cxn>
-              <a:cxn ang="0">
-                <a:pos x="connsiteX1" y="connsiteY1"/>
-              </a:cxn>
-              <a:cxn ang="0">
-                <a:pos x="connsiteX2" y="connsiteY2"/>
-              </a:cxn>
-              <a:cxn ang="0">
-                <a:pos x="connsiteX3" y="connsiteY3"/>
-              </a:cxn>
-            </a:cxnLst>
-            <a:rect l="l" t="t" r="r" b="b"/>
-            <a:pathLst>
-              <a:path w="5475077" h="2583792">
-                <a:moveTo>
-                  <a:pt x="0" y="0"/>
-                </a:moveTo>
-                <a:lnTo>
-                  <a:pt x="5475077" y="0"/>
-                </a:lnTo>
-                <a:lnTo>
-                  <a:pt x="5475077" y="2583792"/>
-                </a:lnTo>
-                <a:lnTo>
-                  <a:pt x="1197192" y="2583792"/>
-                </a:lnTo>
-                <a:close/>
-              </a:path>
-            </a:pathLst>
-          </a:custGeom>
-        </p:spPr>
-      </p:pic>
-      <p:pic>
-        <p:nvPicPr>
-          <p:cNvPr id="5" name="Content Placeholder 4" descr="A picture containing indoor&#10;&#10;Description automatically generated">
-            <a:extLst>
-              <a:ext uri="{FF2B5EF4-FFF2-40B4-BE49-F238E27FC236}">
-                <a16:creationId xmlns:a16="http://schemas.microsoft.com/office/drawing/2014/main" id="{A58F0E55-21F3-485B-A07F-1CE74177BDD2}"/>
-              </a:ext>
-            </a:extLst>
-          </p:cNvPr>
-          <p:cNvPicPr>
-            <a:picLocks noChangeAspect="1"/>
-          </p:cNvPicPr>
-          <p:nvPr/>
-        </p:nvPicPr>
-        <p:blipFill rotWithShape="1">
-          <a:blip r:embed="rId3">
-            <a:extLst>
-              <a:ext uri="{28A0092B-C50C-407E-A947-70E740481C1C}">
-                <a14:useLocalDpi xmlns:a14="http://schemas.microsoft.com/office/drawing/2010/main" val="0"/>
-              </a:ext>
-            </a:extLst>
-          </a:blip>
-          <a:srcRect t="5300" r="3" b="6859"/>
-          <a:stretch/>
-        </p:blipFill>
-        <p:spPr>
-          <a:xfrm>
-            <a:off x="8491869" y="4283870"/>
-            <a:ext cx="3700129" cy="2583520"/>
-          </a:xfrm>
-          <a:custGeom>
-            <a:avLst/>
-            <a:gdLst>
-              <a:gd name="connsiteX0" fmla="*/ 0 w 4277884"/>
-              <a:gd name="connsiteY0" fmla="*/ 0 h 2583520"/>
-              <a:gd name="connsiteX1" fmla="*/ 4277884 w 4277884"/>
-              <a:gd name="connsiteY1" fmla="*/ 0 h 2583520"/>
-              <a:gd name="connsiteX2" fmla="*/ 4277884 w 4277884"/>
-              <a:gd name="connsiteY2" fmla="*/ 2583520 h 2583520"/>
-              <a:gd name="connsiteX3" fmla="*/ 1192437 w 4277884"/>
-              <a:gd name="connsiteY3" fmla="*/ 2583520 h 2583520"/>
-              <a:gd name="connsiteX4" fmla="*/ 1188085 w 4277884"/>
-              <a:gd name="connsiteY4" fmla="*/ 2574129 h 2583520"/>
-              <a:gd name="connsiteX5" fmla="*/ 1192715 w 4277884"/>
-              <a:gd name="connsiteY5" fmla="*/ 2574129 h 2583520"/>
-            </a:gdLst>
-            <a:ahLst/>
-            <a:cxnLst>
-              <a:cxn ang="0">
-                <a:pos x="connsiteX0" y="connsiteY0"/>
-              </a:cxn>
-              <a:cxn ang="0">
-                <a:pos x="connsiteX1" y="connsiteY1"/>
-              </a:cxn>
-              <a:cxn ang="0">
-                <a:pos x="connsiteX2" y="connsiteY2"/>
-              </a:cxn>
-              <a:cxn ang="0">
-                <a:pos x="connsiteX3" y="connsiteY3"/>
-              </a:cxn>
-              <a:cxn ang="0">
-                <a:pos x="connsiteX4" y="connsiteY4"/>
-              </a:cxn>
-              <a:cxn ang="0">
-                <a:pos x="connsiteX5" y="connsiteY5"/>
-              </a:cxn>
-            </a:cxnLst>
-            <a:rect l="l" t="t" r="r" b="b"/>
-            <a:pathLst>
-              <a:path w="4277884" h="2583520">
-                <a:moveTo>
-                  <a:pt x="0" y="0"/>
-                </a:moveTo>
-                <a:lnTo>
-                  <a:pt x="4277884" y="0"/>
-                </a:lnTo>
-                <a:lnTo>
-                  <a:pt x="4277884" y="2583520"/>
-                </a:lnTo>
-                <a:lnTo>
-                  <a:pt x="1192437" y="2583520"/>
-                </a:lnTo>
-                <a:lnTo>
-                  <a:pt x="1188085" y="2574129"/>
-                </a:lnTo>
-                <a:lnTo>
-                  <a:pt x="1192715" y="2574129"/>
-                </a:lnTo>
-                <a:close/>
-              </a:path>
-            </a:pathLst>
-          </a:custGeom>
-        </p:spPr>
-      </p:pic>
-      <p:sp>
-        <p:nvSpPr>
-          <p:cNvPr id="6" name="Rectangle 5">
-            <a:extLst>
-              <a:ext uri="{FF2B5EF4-FFF2-40B4-BE49-F238E27FC236}">
-                <a16:creationId xmlns:a16="http://schemas.microsoft.com/office/drawing/2014/main" id="{A2901312-C3C2-4CEC-80EF-823AB4FBB726}"/>
-              </a:ext>
-            </a:extLst>
-          </p:cNvPr>
-          <p:cNvSpPr/>
-          <p:nvPr/>
-        </p:nvSpPr>
-        <p:spPr>
-          <a:xfrm>
-            <a:off x="-1" y="1608918"/>
-            <a:ext cx="12191999" cy="91160"/>
+        </p:nvSpPr>
+        <p:spPr>
+          <a:xfrm>
+            <a:off x="2934445" y="6270631"/>
+            <a:ext cx="656720" cy="369332"/>
           </a:xfrm>
           <a:prstGeom prst="rect">
             <a:avLst/>
           </a:prstGeom>
-          <a:solidFill>
-            <a:schemeClr val="bg1"/>
-          </a:solidFill>
+          <a:noFill/>
+        </p:spPr>
+        <p:txBody>
+          <a:bodyPr wrap="square" rtlCol="0">
+            <a:spAutoFit/>
+          </a:bodyPr>
+          <a:lstStyle/>
+          <a:p>
+            <a:r>
+              <a:rPr lang="en-US" dirty="0"/>
+              <a:t>2023</a:t>
+            </a:r>
+          </a:p>
+        </p:txBody>
+      </p:sp>
+      <p:sp>
+        <p:nvSpPr>
+          <p:cNvPr id="17" name="TextBox 16">
+            <a:extLst>
+              <a:ext uri="{FF2B5EF4-FFF2-40B4-BE49-F238E27FC236}">
+                <a16:creationId xmlns:a16="http://schemas.microsoft.com/office/drawing/2014/main" id="{56622083-3495-C512-E385-B8E8A2D6210F}"/>
+              </a:ext>
+            </a:extLst>
+          </p:cNvPr>
+          <p:cNvSpPr txBox="1"/>
+          <p:nvPr/>
+        </p:nvSpPr>
+        <p:spPr>
+          <a:xfrm>
+            <a:off x="2734057" y="5442987"/>
+            <a:ext cx="1320268" cy="523220"/>
+          </a:xfrm>
+          <a:prstGeom prst="rect">
+            <a:avLst/>
+          </a:prstGeom>
+          <a:gradFill flip="none" rotWithShape="1">
+            <a:gsLst>
+              <a:gs pos="0">
+                <a:schemeClr val="dk1">
+                  <a:lumMod val="67000"/>
+                </a:schemeClr>
+              </a:gs>
+              <a:gs pos="48000">
+                <a:schemeClr val="dk1">
+                  <a:lumMod val="97000"/>
+                  <a:lumOff val="3000"/>
+                </a:schemeClr>
+              </a:gs>
+              <a:gs pos="100000">
+                <a:schemeClr val="dk1">
+                  <a:lumMod val="60000"/>
+                  <a:lumOff val="40000"/>
+                </a:schemeClr>
+              </a:gs>
+            </a:gsLst>
+            <a:lin ang="16200000" scaled="1"/>
+            <a:tileRect/>
+          </a:gradFill>
           <a:ln>
             <a:noFill/>
           </a:ln>
         </p:spPr>
         <p:style>
-          <a:lnRef idx="2">
-            <a:schemeClr val="accent1">
-              <a:shade val="50000"/>
-            </a:schemeClr>
+          <a:lnRef idx="0">
+            <a:scrgbClr r="0" g="0" b="0"/>
           </a:lnRef>
-          <a:fillRef idx="1">
-            <a:schemeClr val="accent1"/>
+          <a:fillRef idx="0">
+            <a:scrgbClr r="0" g="0" b="0"/>
           </a:fillRef>
           <a:effectRef idx="0">
-            <a:schemeClr val="accent1"/>
+            <a:scrgbClr r="0" g="0" b="0"/>
           </a:effectRef>
           <a:fontRef idx="minor">
             <a:schemeClr val="lt1"/>
           </a:fontRef>
         </p:style>
         <p:txBody>
-          <a:bodyPr rtlCol="0" anchor="ctr"/>
+          <a:bodyPr wrap="square" rtlCol="0">
+            <a:spAutoFit/>
+          </a:bodyPr>
           <a:lstStyle/>
           <a:p>
-            <a:pPr algn="ctr"/>
-            <a:endParaRPr lang="en-US">
-              <a:solidFill>
-                <a:srgbClr val="DB5B5C"/>
-              </a:solidFill>
-            </a:endParaRPr>
-          </a:p>
-        </p:txBody>
-      </p:sp>
-      <p:sp>
-        <p:nvSpPr>
-          <p:cNvPr id="15" name="Rectangle 14">
-            <a:extLst>
-              <a:ext uri="{FF2B5EF4-FFF2-40B4-BE49-F238E27FC236}">
-                <a16:creationId xmlns:a16="http://schemas.microsoft.com/office/drawing/2014/main" id="{AD0A7C9C-CA2C-4B9B-A125-2D09D5573B44}"/>
-              </a:ext>
-            </a:extLst>
-          </p:cNvPr>
-          <p:cNvSpPr/>
-          <p:nvPr/>
-        </p:nvSpPr>
-        <p:spPr>
-          <a:xfrm>
-            <a:off x="1" y="6677247"/>
-            <a:ext cx="12191999" cy="190143"/>
-          </a:xfrm>
-          <a:prstGeom prst="rect">
-            <a:avLst/>
-          </a:prstGeom>
-          <a:solidFill>
-            <a:schemeClr val="bg1"/>
-          </a:solidFill>
-          <a:ln>
-            <a:noFill/>
-          </a:ln>
-        </p:spPr>
-        <p:style>
-          <a:lnRef idx="2">
-            <a:schemeClr val="accent1">
-              <a:shade val="50000"/>
-            </a:schemeClr>
-          </a:lnRef>
-          <a:fillRef idx="1">
-            <a:schemeClr val="accent1"/>
-          </a:fillRef>
-          <a:effectRef idx="0">
-            <a:schemeClr val="accent1"/>
-          </a:effectRef>
-          <a:fontRef idx="minor">
-            <a:schemeClr val="lt1"/>
-          </a:fontRef>
-        </p:style>
-        <p:txBody>
-          <a:bodyPr rtlCol="0" anchor="ctr"/>
-          <a:lstStyle/>
-          <a:p>
-            <a:pPr algn="ctr"/>
-            <a:endParaRPr lang="en-US">
-              <a:solidFill>
-                <a:srgbClr val="DB5B5C"/>
-              </a:solidFill>
-            </a:endParaRPr>
-          </a:p>
-        </p:txBody>
-      </p:sp>
-      <p:sp>
-        <p:nvSpPr>
-          <p:cNvPr id="16" name="Rectangle 15">
-            <a:extLst>
-              <a:ext uri="{FF2B5EF4-FFF2-40B4-BE49-F238E27FC236}">
-                <a16:creationId xmlns:a16="http://schemas.microsoft.com/office/drawing/2014/main" id="{74A085FC-1866-46D4-97F7-51AA45E48D4F}"/>
-              </a:ext>
-            </a:extLst>
-          </p:cNvPr>
-          <p:cNvSpPr/>
-          <p:nvPr/>
-        </p:nvSpPr>
-        <p:spPr>
-          <a:xfrm rot="4092292">
-            <a:off x="5790668" y="4094517"/>
-            <a:ext cx="5446699" cy="137038"/>
-          </a:xfrm>
-          <a:prstGeom prst="rect">
-            <a:avLst/>
-          </a:prstGeom>
-          <a:solidFill>
-            <a:schemeClr val="bg1"/>
-          </a:solidFill>
-          <a:ln>
-            <a:noFill/>
-          </a:ln>
-        </p:spPr>
-        <p:style>
-          <a:lnRef idx="2">
-            <a:schemeClr val="accent1">
-              <a:shade val="50000"/>
-            </a:schemeClr>
-          </a:lnRef>
-          <a:fillRef idx="1">
-            <a:schemeClr val="accent1"/>
-          </a:fillRef>
-          <a:effectRef idx="0">
-            <a:schemeClr val="accent1"/>
-          </a:effectRef>
-          <a:fontRef idx="minor">
-            <a:schemeClr val="lt1"/>
-          </a:fontRef>
-        </p:style>
-        <p:txBody>
-          <a:bodyPr rtlCol="0" anchor="ctr"/>
-          <a:lstStyle/>
-          <a:p>
-            <a:pPr algn="ctr"/>
-            <a:endParaRPr lang="en-US">
-              <a:solidFill>
-                <a:srgbClr val="DB5B5C"/>
-              </a:solidFill>
-            </a:endParaRPr>
+            <a:r>
+              <a:rPr lang="en-US" sz="2800" dirty="0">
+                <a:latin typeface="Selawik Semibold" panose="020B0702040204020203" pitchFamily="34" charset="0"/>
+              </a:rPr>
+              <a:t>$3.52B</a:t>
+            </a:r>
           </a:p>
         </p:txBody>
       </p:sp>
     </p:spTree>
     <p:extLst>
       <p:ext uri="{BB962C8B-B14F-4D97-AF65-F5344CB8AC3E}">
-        <p14:creationId xmlns:p14="http://schemas.microsoft.com/office/powerpoint/2010/main" val="1842452495"/>
+        <p14:creationId xmlns:p14="http://schemas.microsoft.com/office/powerpoint/2010/main" val="2762272663"/>
       </p:ext>
     </p:extLst>
   </p:cSld>
@@ -15827,8 +17764,8 @@
         </p:nvSpPr>
         <p:spPr>
           <a:xfrm>
-            <a:off x="838199" y="2021248"/>
-            <a:ext cx="7653667" cy="4695905"/>
+            <a:off x="838199" y="2021249"/>
+            <a:ext cx="7138737" cy="4155713"/>
           </a:xfrm>
         </p:spPr>
         <p:txBody>
@@ -15841,112 +17778,52 @@
               <a:rPr lang="en-US" sz="2400" dirty="0">
                 <a:latin typeface="Selawik Semibold" panose="020B0702040204020203" pitchFamily="34" charset="0"/>
               </a:rPr>
-              <a:t>Upcoming Market Trends (MarketWatch)</a:t>
-            </a:r>
-          </a:p>
-          <a:p>
-            <a:pPr lvl="1"/>
-            <a:endParaRPr lang="en-US" sz="1400" dirty="0">
+              <a:t>Value Placed on Sports Analytics</a:t>
+            </a:r>
+            <a:endParaRPr lang="en-US" sz="2000" dirty="0">
               <a:latin typeface="Selawik Semibold" panose="020B0702040204020203" pitchFamily="34" charset="0"/>
             </a:endParaRPr>
           </a:p>
           <a:p>
             <a:pPr lvl="1"/>
+            <a:endParaRPr lang="en-US" sz="2000" dirty="0">
+              <a:latin typeface="Selawik Semibold" panose="020B0702040204020203" pitchFamily="34" charset="0"/>
+            </a:endParaRPr>
+          </a:p>
+          <a:p>
+            <a:pPr lvl="1"/>
             <a:r>
               <a:rPr lang="en-US" sz="2000" dirty="0">
                 <a:latin typeface="Selawik Semibold" panose="020B0702040204020203" pitchFamily="34" charset="0"/>
               </a:rPr>
-              <a:t>Increased Use of AI and Machine Learning</a:t>
-            </a:r>
+              <a:t>Grand View Research on Sports Analytics Market</a:t>
+            </a:r>
+          </a:p>
+          <a:p>
+            <a:pPr marL="457200" lvl="1" indent="0">
+              <a:buNone/>
+            </a:pPr>
+            <a:endParaRPr lang="en-US" sz="2000" dirty="0">
+              <a:latin typeface="Selawik Semibold" panose="020B0702040204020203" pitchFamily="34" charset="0"/>
+            </a:endParaRPr>
           </a:p>
           <a:p>
             <a:pPr lvl="1"/>
-            <a:r>
-              <a:rPr lang="en-US" sz="2000" dirty="0">
-                <a:latin typeface="Selawik Semibold" panose="020B0702040204020203" pitchFamily="34" charset="0"/>
-              </a:rPr>
-              <a:t>Larger Emphasis on Data Visualization</a:t>
-            </a:r>
+            <a:endParaRPr lang="en-US" sz="2000" dirty="0">
+              <a:latin typeface="Selawik Semibold" panose="020B0702040204020203" pitchFamily="34" charset="0"/>
+            </a:endParaRPr>
           </a:p>
           <a:p>
             <a:pPr lvl="1"/>
-            <a:r>
-              <a:rPr lang="en-US" sz="2000" dirty="0">
-                <a:latin typeface="Selawik Semibold" panose="020B0702040204020203" pitchFamily="34" charset="0"/>
-              </a:rPr>
-              <a:t>More Comprehensive Data Collection</a:t>
-            </a:r>
+            <a:endParaRPr lang="en-US" sz="2000" dirty="0">
+              <a:latin typeface="Selawik Semibold" panose="020B0702040204020203" pitchFamily="34" charset="0"/>
+            </a:endParaRPr>
           </a:p>
           <a:p>
             <a:pPr lvl="1"/>
-            <a:r>
-              <a:rPr lang="en-US" sz="2000" dirty="0">
-                <a:latin typeface="Selawik Semibold" panose="020B0702040204020203" pitchFamily="34" charset="0"/>
-              </a:rPr>
-              <a:t>Increased Use of Data in Decision Making</a:t>
-            </a:r>
-          </a:p>
-          <a:p>
-            <a:pPr lvl="1"/>
-            <a:r>
-              <a:rPr lang="en-US" sz="2000" dirty="0">
-                <a:latin typeface="Selawik Semibold" panose="020B0702040204020203" pitchFamily="34" charset="0"/>
-              </a:rPr>
-              <a:t>Increased Demand in Sports Analytics Services</a:t>
-            </a:r>
-          </a:p>
-          <a:p>
-            <a:r>
-              <a:rPr lang="en-US" sz="2400" dirty="0">
-                <a:latin typeface="Selawik Semibold" panose="020B0702040204020203" pitchFamily="34" charset="0"/>
-              </a:rPr>
-              <a:t>USA Companies in Market (MarketWatch.com)</a:t>
-            </a:r>
-          </a:p>
-          <a:p>
-            <a:pPr lvl="1"/>
-            <a:r>
-              <a:rPr lang="en-US" sz="2000" dirty="0">
-                <a:latin typeface="Selawik Semibold" panose="020B0702040204020203" pitchFamily="34" charset="0"/>
-              </a:rPr>
-              <a:t>Oracle</a:t>
-            </a:r>
-          </a:p>
-          <a:p>
-            <a:pPr lvl="1"/>
-            <a:r>
-              <a:rPr lang="en-US" sz="2000" dirty="0">
-                <a:latin typeface="Selawik Semibold" panose="020B0702040204020203" pitchFamily="34" charset="0"/>
-              </a:rPr>
-              <a:t>WHOOP</a:t>
-            </a:r>
-          </a:p>
-          <a:p>
-            <a:pPr lvl="1"/>
-            <a:r>
-              <a:rPr lang="en-US" sz="2000" dirty="0">
-                <a:latin typeface="Selawik Semibold" panose="020B0702040204020203" pitchFamily="34" charset="0"/>
-              </a:rPr>
-              <a:t>IBM</a:t>
-            </a:r>
-          </a:p>
-          <a:p>
-            <a:pPr lvl="1"/>
-            <a:r>
-              <a:rPr lang="en-US" sz="2000" dirty="0">
-                <a:latin typeface="Selawik Semibold" panose="020B0702040204020203" pitchFamily="34" charset="0"/>
-              </a:rPr>
-              <a:t>SAS</a:t>
-            </a:r>
-          </a:p>
-          <a:p>
-            <a:pPr lvl="1"/>
-            <a:r>
-              <a:rPr lang="en-US" sz="2000" dirty="0">
-                <a:latin typeface="Selawik Semibold" panose="020B0702040204020203" pitchFamily="34" charset="0"/>
-              </a:rPr>
-              <a:t>Stats Perform</a:t>
-            </a:r>
+            <a:endParaRPr lang="en-US" sz="2000" dirty="0">
+              <a:latin typeface="Selawik Semibold" panose="020B0702040204020203" pitchFamily="34" charset="0"/>
+            </a:endParaRPr>
           </a:p>
         </p:txBody>
       </p:sp>
@@ -16290,10 +18167,40 @@
           </a:p>
         </p:txBody>
       </p:sp>
+      <p:pic>
+        <p:nvPicPr>
+          <p:cNvPr id="8" name="Picture 7">
+            <a:extLst>
+              <a:ext uri="{FF2B5EF4-FFF2-40B4-BE49-F238E27FC236}">
+                <a16:creationId xmlns:a16="http://schemas.microsoft.com/office/drawing/2014/main" id="{D3C86526-9AFC-7A4A-DCC5-4146B4114261}"/>
+              </a:ext>
+            </a:extLst>
+          </p:cNvPr>
+          <p:cNvPicPr>
+            <a:picLocks noChangeAspect="1"/>
+          </p:cNvPicPr>
+          <p:nvPr/>
+        </p:nvPicPr>
+        <p:blipFill>
+          <a:blip r:embed="rId4"/>
+          <a:stretch>
+            <a:fillRect/>
+          </a:stretch>
+        </p:blipFill>
+        <p:spPr>
+          <a:xfrm>
+            <a:off x="1006897" y="3132595"/>
+            <a:ext cx="6655056" cy="3443875"/>
+          </a:xfrm>
+          <a:prstGeom prst="rect">
+            <a:avLst/>
+          </a:prstGeom>
+        </p:spPr>
+      </p:pic>
     </p:spTree>
     <p:extLst>
       <p:ext uri="{BB962C8B-B14F-4D97-AF65-F5344CB8AC3E}">
-        <p14:creationId xmlns:p14="http://schemas.microsoft.com/office/powerpoint/2010/main" val="716918539"/>
+        <p14:creationId xmlns:p14="http://schemas.microsoft.com/office/powerpoint/2010/main" val="3900949920"/>
       </p:ext>
     </p:extLst>
   </p:cSld>

--- a/Slides/Sports Analytics 3/Sports_Analytics_3_Lecture.pptx
+++ b/Slides/Sports Analytics 3/Sports_Analytics_3_Lecture.pptx
@@ -25,10 +25,10 @@
     <p:sldId id="287" r:id="rId16"/>
     <p:sldId id="290" r:id="rId17"/>
     <p:sldId id="289" r:id="rId18"/>
-    <p:sldId id="302" r:id="rId19"/>
-    <p:sldId id="303" r:id="rId20"/>
-    <p:sldId id="304" r:id="rId21"/>
-    <p:sldId id="306" r:id="rId22"/>
+    <p:sldId id="312" r:id="rId19"/>
+    <p:sldId id="313" r:id="rId20"/>
+    <p:sldId id="314" r:id="rId21"/>
+    <p:sldId id="315" r:id="rId22"/>
     <p:sldId id="296" r:id="rId23"/>
     <p:sldId id="281" r:id="rId24"/>
   </p:sldIdLst>
@@ -219,7 +219,7 @@
           <a:p>
             <a:fld id="{C04E5E84-956F-4423-97B3-5936A6D8EEEE}" type="datetimeFigureOut">
               <a:rPr lang="en-US" smtClean="0"/>
-              <a:t>1/15/2024</a:t>
+              <a:t>1/17/2024</a:t>
             </a:fld>
             <a:endParaRPr lang="en-US"/>
           </a:p>
@@ -633,7 +633,7 @@
           <a:p>
             <a:fld id="{3881C039-66A3-4640-815B-3B5A8B7D868D}" type="datetimeFigureOut">
               <a:rPr lang="en-US" smtClean="0"/>
-              <a:t>1/15/2024</a:t>
+              <a:t>1/17/2024</a:t>
             </a:fld>
             <a:endParaRPr lang="en-US"/>
           </a:p>
@@ -831,7 +831,7 @@
           <a:p>
             <a:fld id="{3881C039-66A3-4640-815B-3B5A8B7D868D}" type="datetimeFigureOut">
               <a:rPr lang="en-US" smtClean="0"/>
-              <a:t>1/15/2024</a:t>
+              <a:t>1/17/2024</a:t>
             </a:fld>
             <a:endParaRPr lang="en-US"/>
           </a:p>
@@ -1039,7 +1039,7 @@
           <a:p>
             <a:fld id="{3881C039-66A3-4640-815B-3B5A8B7D868D}" type="datetimeFigureOut">
               <a:rPr lang="en-US" smtClean="0"/>
-              <a:t>1/15/2024</a:t>
+              <a:t>1/17/2024</a:t>
             </a:fld>
             <a:endParaRPr lang="en-US"/>
           </a:p>
@@ -1237,7 +1237,7 @@
           <a:p>
             <a:fld id="{3881C039-66A3-4640-815B-3B5A8B7D868D}" type="datetimeFigureOut">
               <a:rPr lang="en-US" smtClean="0"/>
-              <a:t>1/15/2024</a:t>
+              <a:t>1/17/2024</a:t>
             </a:fld>
             <a:endParaRPr lang="en-US"/>
           </a:p>
@@ -1512,7 +1512,7 @@
           <a:p>
             <a:fld id="{3881C039-66A3-4640-815B-3B5A8B7D868D}" type="datetimeFigureOut">
               <a:rPr lang="en-US" smtClean="0"/>
-              <a:t>1/15/2024</a:t>
+              <a:t>1/17/2024</a:t>
             </a:fld>
             <a:endParaRPr lang="en-US"/>
           </a:p>
@@ -1777,7 +1777,7 @@
           <a:p>
             <a:fld id="{3881C039-66A3-4640-815B-3B5A8B7D868D}" type="datetimeFigureOut">
               <a:rPr lang="en-US" smtClean="0"/>
-              <a:t>1/15/2024</a:t>
+              <a:t>1/17/2024</a:t>
             </a:fld>
             <a:endParaRPr lang="en-US"/>
           </a:p>
@@ -2189,7 +2189,7 @@
           <a:p>
             <a:fld id="{3881C039-66A3-4640-815B-3B5A8B7D868D}" type="datetimeFigureOut">
               <a:rPr lang="en-US" smtClean="0"/>
-              <a:t>1/15/2024</a:t>
+              <a:t>1/17/2024</a:t>
             </a:fld>
             <a:endParaRPr lang="en-US"/>
           </a:p>
@@ -2330,7 +2330,7 @@
           <a:p>
             <a:fld id="{3881C039-66A3-4640-815B-3B5A8B7D868D}" type="datetimeFigureOut">
               <a:rPr lang="en-US" smtClean="0"/>
-              <a:t>1/15/2024</a:t>
+              <a:t>1/17/2024</a:t>
             </a:fld>
             <a:endParaRPr lang="en-US"/>
           </a:p>
@@ -2443,7 +2443,7 @@
           <a:p>
             <a:fld id="{3881C039-66A3-4640-815B-3B5A8B7D868D}" type="datetimeFigureOut">
               <a:rPr lang="en-US" smtClean="0"/>
-              <a:t>1/15/2024</a:t>
+              <a:t>1/17/2024</a:t>
             </a:fld>
             <a:endParaRPr lang="en-US"/>
           </a:p>
@@ -2754,7 +2754,7 @@
           <a:p>
             <a:fld id="{3881C039-66A3-4640-815B-3B5A8B7D868D}" type="datetimeFigureOut">
               <a:rPr lang="en-US" smtClean="0"/>
-              <a:t>1/15/2024</a:t>
+              <a:t>1/17/2024</a:t>
             </a:fld>
             <a:endParaRPr lang="en-US"/>
           </a:p>
@@ -3042,7 +3042,7 @@
           <a:p>
             <a:fld id="{3881C039-66A3-4640-815B-3B5A8B7D868D}" type="datetimeFigureOut">
               <a:rPr lang="en-US" smtClean="0"/>
-              <a:t>1/15/2024</a:t>
+              <a:t>1/17/2024</a:t>
             </a:fld>
             <a:endParaRPr lang="en-US"/>
           </a:p>
@@ -3286,7 +3286,7 @@
           <a:p>
             <a:fld id="{3881C039-66A3-4640-815B-3B5A8B7D868D}" type="datetimeFigureOut">
               <a:rPr lang="en-US" smtClean="0"/>
-              <a:t>1/15/2024</a:t>
+              <a:t>1/17/2024</a:t>
             </a:fld>
             <a:endParaRPr lang="en-US"/>
           </a:p>
@@ -7252,7 +7252,31 @@
           </a:p>
           <a:p>
             <a:pPr lvl="2"/>
-            <a:endParaRPr lang="en-US" sz="1800" dirty="0">
+            <a:r>
+              <a:rPr lang="en-US" sz="1800" dirty="0">
+                <a:latin typeface="Selawik Semibold" panose="020B0702040204020203" pitchFamily="34" charset="0"/>
+              </a:rPr>
+              <a:t>Grandview Research</a:t>
+            </a:r>
+          </a:p>
+          <a:p>
+            <a:pPr lvl="3"/>
+            <a:r>
+              <a:rPr lang="en-US" sz="1600" dirty="0">
+                <a:latin typeface="Selawik Semibold" panose="020B0702040204020203" pitchFamily="34" charset="0"/>
+              </a:rPr>
+              <a:t>Global Market Valued at $83.65B in 2022</a:t>
+            </a:r>
+          </a:p>
+          <a:p>
+            <a:pPr lvl="3"/>
+            <a:r>
+              <a:rPr lang="en-US" sz="1600">
+                <a:latin typeface="Selawik Semibold" panose="020B0702040204020203" pitchFamily="34" charset="0"/>
+              </a:rPr>
+              <a:t>Projected to Reach $182.12B in 2030</a:t>
+            </a:r>
+            <a:endParaRPr lang="en-US" sz="1600" dirty="0">
               <a:latin typeface="Selawik Semibold" panose="020B0702040204020203" pitchFamily="34" charset="0"/>
             </a:endParaRPr>
           </a:p>
@@ -8442,7 +8466,7 @@
               <a:rPr lang="en-US" sz="2000" dirty="0">
                 <a:latin typeface="Selawik Semibold" panose="020B0702040204020203" pitchFamily="34" charset="0"/>
               </a:rPr>
-              <a:t>Data Engineer, Sports Analytics for SIG</a:t>
+              <a:t>Data Scientist, FanDuel</a:t>
             </a:r>
             <a:endParaRPr lang="en-US" sz="1600" dirty="0">
               <a:latin typeface="Selawik Semibold" panose="020B0702040204020203" pitchFamily="34" charset="0"/>
@@ -8451,43 +8475,41 @@
           <a:p>
             <a:pPr lvl="2"/>
             <a:r>
-              <a:rPr lang="en-US" sz="1800" dirty="0">
-                <a:latin typeface="Selawik Semibold" panose="020B0702040204020203" pitchFamily="34" charset="0"/>
-              </a:rPr>
-              <a:t>Data Science in Python</a:t>
+              <a:rPr lang="en-US" sz="1600" dirty="0">
+                <a:latin typeface="Selawik Semibold" panose="020B0702040204020203" pitchFamily="34" charset="0"/>
+              </a:rPr>
+              <a:t>Bachelor’s Degree in Numerate Degree</a:t>
             </a:r>
           </a:p>
           <a:p>
             <a:pPr lvl="2"/>
             <a:r>
-              <a:rPr lang="en-US" sz="1800" dirty="0">
-                <a:latin typeface="Selawik Semibold" panose="020B0702040204020203" pitchFamily="34" charset="0"/>
-              </a:rPr>
-              <a:t>Large Data Storage and Data Processing</a:t>
+              <a:rPr lang="en-US" sz="1600" dirty="0">
+                <a:latin typeface="Selawik Semibold" panose="020B0702040204020203" pitchFamily="34" charset="0"/>
+              </a:rPr>
+              <a:t>Build Machine Learning Models</a:t>
             </a:r>
           </a:p>
           <a:p>
             <a:pPr lvl="2"/>
             <a:r>
-              <a:rPr lang="en-US" sz="1800" dirty="0">
-                <a:latin typeface="Selawik Semibold" panose="020B0702040204020203" pitchFamily="34" charset="0"/>
-              </a:rPr>
-              <a:t>PhD, Master’s, or Bachelor’s</a:t>
+              <a:rPr lang="en-US" sz="1600" dirty="0">
+                <a:latin typeface="Selawik Semibold" panose="020B0702040204020203" pitchFamily="34" charset="0"/>
+              </a:rPr>
+              <a:t>Data Collection and Cleaning</a:t>
             </a:r>
           </a:p>
           <a:p>
             <a:pPr lvl="2"/>
             <a:r>
-              <a:rPr lang="en-US" sz="1800" dirty="0">
-                <a:latin typeface="Selawik Semibold" panose="020B0702040204020203" pitchFamily="34" charset="0"/>
-              </a:rPr>
-              <a:t>Newest Business Area</a:t>
-            </a:r>
-          </a:p>
-          <a:p>
-            <a:pPr marL="914400" lvl="2" indent="0">
-              <a:buNone/>
-            </a:pPr>
+              <a:rPr lang="en-US" sz="1600" dirty="0">
+                <a:latin typeface="Selawik Semibold" panose="020B0702040204020203" pitchFamily="34" charset="0"/>
+              </a:rPr>
+              <a:t>R or Python + SQL</a:t>
+            </a:r>
+          </a:p>
+          <a:p>
+            <a:pPr lvl="2"/>
             <a:endParaRPr lang="en-US" sz="1600" dirty="0">
               <a:latin typeface="Selawik Semibold" panose="020B0702040204020203" pitchFamily="34" charset="0"/>
             </a:endParaRPr>
@@ -8498,38 +8520,53 @@
               <a:rPr lang="en-US" sz="2000" dirty="0">
                 <a:latin typeface="Selawik Semibold" panose="020B0702040204020203" pitchFamily="34" charset="0"/>
               </a:rPr>
-              <a:t>Sports Scientist, Chicago Women’s Soccer Academy</a:t>
+              <a:t>Research Analyst, Harris Blitzer Sports &amp; Entertainment</a:t>
             </a:r>
           </a:p>
           <a:p>
             <a:pPr lvl="2"/>
             <a:r>
-              <a:rPr lang="en-US" sz="1800" dirty="0">
-                <a:latin typeface="Selawik Semibold" panose="020B0702040204020203" pitchFamily="34" charset="0"/>
-              </a:rPr>
-              <a:t>Bachelor’s or Master’s in Exercise Science</a:t>
+              <a:rPr lang="en-US" sz="1600" dirty="0">
+                <a:latin typeface="Selawik Semibold" panose="020B0702040204020203" pitchFamily="34" charset="0"/>
+              </a:rPr>
+              <a:t>Gather, Validate, Synthesize 3</a:t>
+            </a:r>
+            <a:r>
+              <a:rPr lang="en-US" sz="1600" baseline="30000" dirty="0">
+                <a:latin typeface="Selawik Semibold" panose="020B0702040204020203" pitchFamily="34" charset="0"/>
+              </a:rPr>
+              <a:t>rd</a:t>
+            </a:r>
+            <a:r>
+              <a:rPr lang="en-US" sz="1600" dirty="0">
+                <a:latin typeface="Selawik Semibold" panose="020B0702040204020203" pitchFamily="34" charset="0"/>
+              </a:rPr>
+              <a:t> Party Fan Data</a:t>
             </a:r>
           </a:p>
           <a:p>
             <a:pPr lvl="2"/>
             <a:r>
-              <a:rPr lang="en-US" sz="1800" dirty="0">
-                <a:latin typeface="Selawik Semibold" panose="020B0702040204020203" pitchFamily="34" charset="0"/>
-              </a:rPr>
-              <a:t>Experience with Sports Science Technologies</a:t>
+              <a:rPr lang="en-US" sz="1600" dirty="0">
+                <a:latin typeface="Selawik Semibold" panose="020B0702040204020203" pitchFamily="34" charset="0"/>
+              </a:rPr>
+              <a:t>Focus on Data Visualization and Communication Skills</a:t>
             </a:r>
           </a:p>
           <a:p>
             <a:pPr lvl="2"/>
             <a:r>
-              <a:rPr lang="en-US" sz="1800" dirty="0">
-                <a:latin typeface="Selawik Semibold" panose="020B0702040204020203" pitchFamily="34" charset="0"/>
-              </a:rPr>
-              <a:t>Deliver Daily Reports and Provide Data-Driven Feedback</a:t>
-            </a:r>
-          </a:p>
-          <a:p>
-            <a:pPr lvl="2"/>
+              <a:rPr lang="en-US" sz="1600" dirty="0">
+                <a:latin typeface="Selawik Semibold" panose="020B0702040204020203" pitchFamily="34" charset="0"/>
+              </a:rPr>
+              <a:t>EXCEL + PowerPoint + </a:t>
+            </a:r>
+            <a:r>
+              <a:rPr lang="en-US" sz="1600" dirty="0" err="1">
+                <a:latin typeface="Selawik Semibold" panose="020B0702040204020203" pitchFamily="34" charset="0"/>
+              </a:rPr>
+              <a:t>PowerBI</a:t>
+            </a:r>
             <a:endParaRPr lang="en-US" sz="1800" dirty="0">
               <a:latin typeface="Selawik Semibold" panose="020B0702040204020203" pitchFamily="34" charset="0"/>
             </a:endParaRPr>
@@ -9104,88 +9141,139 @@
               <a:rPr lang="en-US" sz="2000" dirty="0">
                 <a:latin typeface="Selawik Semibold" panose="020B0702040204020203" pitchFamily="34" charset="0"/>
               </a:rPr>
-              <a:t>Sports Performance Analyst, Baltimore Orioles</a:t>
+              <a:t>Scheels All Sports, Inc</a:t>
             </a:r>
           </a:p>
           <a:p>
             <a:pPr lvl="2"/>
             <a:r>
-              <a:rPr lang="en-US" sz="1800" dirty="0">
-                <a:latin typeface="Selawik Semibold" panose="020B0702040204020203" pitchFamily="34" charset="0"/>
-              </a:rPr>
-              <a:t>Primarily Data Management/ Organization</a:t>
+              <a:rPr lang="en-US" sz="1600" dirty="0">
+                <a:latin typeface="Selawik Semibold" panose="020B0702040204020203" pitchFamily="34" charset="0"/>
+              </a:rPr>
+              <a:t>Retail Company</a:t>
             </a:r>
           </a:p>
           <a:p>
             <a:pPr lvl="2"/>
             <a:r>
-              <a:rPr lang="en-US" sz="1800" dirty="0">
-                <a:latin typeface="Selawik Semibold" panose="020B0702040204020203" pitchFamily="34" charset="0"/>
-              </a:rPr>
-              <a:t>Requirements are Unknown</a:t>
-            </a:r>
-          </a:p>
-          <a:p>
-            <a:pPr marL="914400" lvl="2" indent="0">
-              <a:buNone/>
-            </a:pPr>
+              <a:rPr lang="en-US" sz="1600" dirty="0">
+                <a:latin typeface="Selawik Semibold" panose="020B0702040204020203" pitchFamily="34" charset="0"/>
+              </a:rPr>
+              <a:t>Machine Learning to Analyze Data</a:t>
+            </a:r>
+          </a:p>
+          <a:p>
+            <a:pPr lvl="2"/>
+            <a:r>
+              <a:rPr lang="en-US" sz="1600" dirty="0">
+                <a:latin typeface="Selawik Semibold" panose="020B0702040204020203" pitchFamily="34" charset="0"/>
+              </a:rPr>
+              <a:t>Data Collection and Improvement in Reporting Insights</a:t>
+            </a:r>
+          </a:p>
+          <a:p>
+            <a:pPr lvl="1"/>
+            <a:endParaRPr lang="en-US" sz="2000" dirty="0">
+              <a:latin typeface="Selawik Semibold" panose="020B0702040204020203" pitchFamily="34" charset="0"/>
+            </a:endParaRPr>
+          </a:p>
+          <a:p>
+            <a:pPr lvl="1"/>
+            <a:r>
+              <a:rPr lang="en-US" sz="2000" dirty="0">
+                <a:latin typeface="Selawik Semibold" panose="020B0702040204020203" pitchFamily="34" charset="0"/>
+              </a:rPr>
+              <a:t>Data Analyst, Elevate Sports Ventures</a:t>
+            </a:r>
+          </a:p>
+          <a:p>
+            <a:pPr lvl="2"/>
+            <a:r>
+              <a:rPr lang="en-US" sz="1600" dirty="0">
+                <a:latin typeface="Selawik Semibold" panose="020B0702040204020203" pitchFamily="34" charset="0"/>
+              </a:rPr>
+              <a:t>Consulting Firm for over 175 Sports Teams, Brands, Venues, etc.</a:t>
+            </a:r>
+          </a:p>
+          <a:p>
+            <a:pPr lvl="2"/>
+            <a:r>
+              <a:rPr lang="en-US" sz="1600" dirty="0">
+                <a:latin typeface="Selawik Semibold" panose="020B0702040204020203" pitchFamily="34" charset="0"/>
+              </a:rPr>
+              <a:t>Obtaining, Analyzing, Interpretating Market Sales Data</a:t>
+            </a:r>
+          </a:p>
+          <a:p>
+            <a:pPr lvl="2"/>
+            <a:r>
+              <a:rPr lang="en-US" sz="1600" dirty="0">
+                <a:latin typeface="Selawik Semibold" panose="020B0702040204020203" pitchFamily="34" charset="0"/>
+              </a:rPr>
+              <a:t>Lower Level and Data Entry Involved</a:t>
+            </a:r>
+          </a:p>
+          <a:p>
+            <a:pPr lvl="2"/>
+            <a:r>
+              <a:rPr lang="en-US" sz="1600" dirty="0">
+                <a:latin typeface="Selawik Semibold" panose="020B0702040204020203" pitchFamily="34" charset="0"/>
+              </a:rPr>
+              <a:t>Located in Charlotte</a:t>
+            </a:r>
+          </a:p>
+          <a:p>
+            <a:pPr lvl="2"/>
             <a:endParaRPr lang="en-US" sz="1600" dirty="0">
               <a:latin typeface="Selawik Semibold" panose="020B0702040204020203" pitchFamily="34" charset="0"/>
             </a:endParaRPr>
           </a:p>
           <a:p>
+            <a:pPr lvl="2"/>
+            <a:endParaRPr lang="en-US" sz="1600" dirty="0">
+              <a:latin typeface="Selawik Semibold" panose="020B0702040204020203" pitchFamily="34" charset="0"/>
+            </a:endParaRPr>
+          </a:p>
+          <a:p>
+            <a:pPr lvl="2"/>
+            <a:endParaRPr lang="en-US" sz="1400" dirty="0">
+              <a:latin typeface="Selawik Semibold" panose="020B0702040204020203" pitchFamily="34" charset="0"/>
+            </a:endParaRPr>
+          </a:p>
+          <a:p>
+            <a:pPr lvl="2"/>
+            <a:endParaRPr lang="en-US" sz="1800" dirty="0">
+              <a:latin typeface="Selawik Semibold" panose="020B0702040204020203" pitchFamily="34" charset="0"/>
+            </a:endParaRPr>
+          </a:p>
+          <a:p>
+            <a:pPr lvl="2"/>
+            <a:endParaRPr lang="en-US" sz="1600" dirty="0">
+              <a:latin typeface="Selawik Semibold" panose="020B0702040204020203" pitchFamily="34" charset="0"/>
+            </a:endParaRPr>
+          </a:p>
+          <a:p>
+            <a:endParaRPr lang="en-US" sz="2400" dirty="0">
+              <a:latin typeface="Selawik Semibold" panose="020B0702040204020203" pitchFamily="34" charset="0"/>
+            </a:endParaRPr>
+          </a:p>
+          <a:p>
             <a:pPr lvl="1"/>
-            <a:r>
-              <a:rPr lang="en-US" sz="2000" dirty="0">
-                <a:latin typeface="Selawik Semibold" panose="020B0702040204020203" pitchFamily="34" charset="0"/>
-              </a:rPr>
-              <a:t>Sports Injury Data Scientist, RWE Agile Analytics</a:t>
-            </a:r>
+            <a:endParaRPr lang="en-US" sz="2000" dirty="0">
+              <a:latin typeface="Selawik Semibold" panose="020B0702040204020203" pitchFamily="34" charset="0"/>
+            </a:endParaRPr>
           </a:p>
           <a:p>
             <a:pPr lvl="2"/>
-            <a:r>
-              <a:rPr lang="en-US" sz="1800" dirty="0">
-                <a:latin typeface="Selawik Semibold" panose="020B0702040204020203" pitchFamily="34" charset="0"/>
-              </a:rPr>
-              <a:t>Part of IQVIA</a:t>
-            </a:r>
-          </a:p>
-          <a:p>
-            <a:pPr lvl="2"/>
-            <a:r>
-              <a:rPr lang="en-US" sz="1800" dirty="0">
-                <a:latin typeface="Selawik Semibold" panose="020B0702040204020203" pitchFamily="34" charset="0"/>
-              </a:rPr>
-              <a:t>SQL, Python, SAS, R</a:t>
-            </a:r>
-          </a:p>
-          <a:p>
-            <a:pPr lvl="2"/>
-            <a:r>
-              <a:rPr lang="en-US" sz="1800" dirty="0">
-                <a:latin typeface="Selawik Semibold" panose="020B0702040204020203" pitchFamily="34" charset="0"/>
-              </a:rPr>
-              <a:t>Familiar with Basic Statistical Analyses</a:t>
-            </a:r>
-          </a:p>
-          <a:p>
-            <a:pPr lvl="2"/>
-            <a:r>
-              <a:rPr lang="en-US" sz="1800" dirty="0">
-                <a:latin typeface="Selawik Semibold" panose="020B0702040204020203" pitchFamily="34" charset="0"/>
-              </a:rPr>
-              <a:t>Bachelor’s (6-8 years experience)</a:t>
-            </a:r>
-          </a:p>
-          <a:p>
-            <a:pPr lvl="2"/>
-            <a:r>
-              <a:rPr lang="en-US" sz="1800" dirty="0">
-                <a:latin typeface="Selawik Semibold" panose="020B0702040204020203" pitchFamily="34" charset="0"/>
-              </a:rPr>
-              <a:t>Master’s (3-5 years experience)</a:t>
-            </a:r>
+            <a:endParaRPr lang="en-US" sz="1800" dirty="0">
+              <a:latin typeface="Selawik Semibold" panose="020B0702040204020203" pitchFamily="34" charset="0"/>
+            </a:endParaRPr>
+          </a:p>
+          <a:p>
+            <a:pPr lvl="1"/>
+            <a:endParaRPr lang="en-US" sz="2200" dirty="0">
+              <a:latin typeface="Selawik Semibold" panose="020B0702040204020203" pitchFamily="34" charset="0"/>
+            </a:endParaRPr>
           </a:p>
         </p:txBody>
       </p:sp>
@@ -9532,7 +9620,7 @@
     </p:spTree>
     <p:extLst>
       <p:ext uri="{BB962C8B-B14F-4D97-AF65-F5344CB8AC3E}">
-        <p14:creationId xmlns:p14="http://schemas.microsoft.com/office/powerpoint/2010/main" val="1406941442"/>
+        <p14:creationId xmlns:p14="http://schemas.microsoft.com/office/powerpoint/2010/main" val="1901708965"/>
       </p:ext>
     </p:extLst>
   </p:cSld>
@@ -9716,55 +9804,103 @@
               <a:rPr lang="en-US" sz="2000" dirty="0">
                 <a:latin typeface="Selawik Semibold" panose="020B0702040204020203" pitchFamily="34" charset="0"/>
               </a:rPr>
-              <a:t>Sports Science Coordinator, Houston Texans</a:t>
-            </a:r>
-            <a:endParaRPr lang="en-US" sz="1600" dirty="0">
+              <a:t>Trading Analyst, DraftKings</a:t>
+            </a:r>
+          </a:p>
+          <a:p>
+            <a:pPr lvl="2"/>
+            <a:r>
+              <a:rPr lang="en-US" sz="1600" dirty="0">
+                <a:latin typeface="Selawik Semibold" panose="020B0702040204020203" pitchFamily="34" charset="0"/>
+              </a:rPr>
+              <a:t>Bachelor’s Degree in Math, Stats, CS, etc.</a:t>
+            </a:r>
+          </a:p>
+          <a:p>
+            <a:pPr lvl="2"/>
+            <a:r>
+              <a:rPr lang="en-US" sz="1600" dirty="0">
+                <a:latin typeface="Selawik Semibold" panose="020B0702040204020203" pitchFamily="34" charset="0"/>
+              </a:rPr>
+              <a:t>Experience with SQL, R, Excel or Python</a:t>
+            </a:r>
+          </a:p>
+          <a:p>
+            <a:pPr lvl="2"/>
+            <a:r>
+              <a:rPr lang="en-US" sz="1600" dirty="0">
+                <a:latin typeface="Selawik Semibold" panose="020B0702040204020203" pitchFamily="34" charset="0"/>
+              </a:rPr>
+              <a:t>Experience with Tableau</a:t>
+            </a:r>
+          </a:p>
+          <a:p>
+            <a:pPr lvl="1"/>
+            <a:endParaRPr lang="en-US" sz="2000" dirty="0">
               <a:latin typeface="Selawik Semibold" panose="020B0702040204020203" pitchFamily="34" charset="0"/>
             </a:endParaRPr>
           </a:p>
           <a:p>
+            <a:pPr lvl="1"/>
+            <a:r>
+              <a:rPr lang="en-US" sz="2000" dirty="0">
+                <a:latin typeface="Selawik Semibold" panose="020B0702040204020203" pitchFamily="34" charset="0"/>
+              </a:rPr>
+              <a:t>Data Analyst, </a:t>
+            </a:r>
+            <a:r>
+              <a:rPr lang="en-US" sz="2000" dirty="0" err="1">
+                <a:latin typeface="Selawik Semibold" panose="020B0702040204020203" pitchFamily="34" charset="0"/>
+              </a:rPr>
+              <a:t>Eventellect</a:t>
+            </a:r>
+            <a:endParaRPr lang="en-US" sz="2000" dirty="0">
+              <a:latin typeface="Selawik Semibold" panose="020B0702040204020203" pitchFamily="34" charset="0"/>
+            </a:endParaRPr>
+          </a:p>
+          <a:p>
             <a:pPr lvl="2"/>
             <a:r>
-              <a:rPr lang="en-US" sz="1800" dirty="0">
-                <a:latin typeface="Selawik Semibold" panose="020B0702040204020203" pitchFamily="34" charset="0"/>
-              </a:rPr>
-              <a:t>Master’s Required</a:t>
+              <a:rPr lang="en-US" sz="1600" dirty="0">
+                <a:latin typeface="Selawik Semibold" panose="020B0702040204020203" pitchFamily="34" charset="0"/>
+              </a:rPr>
+              <a:t>Bachelor’s Degree in Math, Stats, CS, etc.</a:t>
             </a:r>
           </a:p>
           <a:p>
             <a:pPr lvl="2"/>
             <a:r>
-              <a:rPr lang="en-US" sz="1800" dirty="0">
-                <a:latin typeface="Selawik Semibold" panose="020B0702040204020203" pitchFamily="34" charset="0"/>
-              </a:rPr>
-              <a:t>Expected to  Constantly Learn</a:t>
+              <a:rPr lang="en-US" sz="1600" dirty="0">
+                <a:latin typeface="Selawik Semibold" panose="020B0702040204020203" pitchFamily="34" charset="0"/>
+              </a:rPr>
+              <a:t>Research Regarding Single Game Ticket Sales</a:t>
             </a:r>
           </a:p>
           <a:p>
             <a:pPr lvl="2"/>
             <a:r>
-              <a:rPr lang="en-US" sz="1800" dirty="0">
-                <a:latin typeface="Selawik Semibold" panose="020B0702040204020203" pitchFamily="34" charset="0"/>
-              </a:rPr>
-              <a:t>MS in Sport Performance</a:t>
+              <a:rPr lang="en-US" sz="1600" dirty="0">
+                <a:latin typeface="Selawik Semibold" panose="020B0702040204020203" pitchFamily="34" charset="0"/>
+              </a:rPr>
+              <a:t>SQL Proficiency</a:t>
             </a:r>
           </a:p>
           <a:p>
             <a:pPr lvl="2"/>
             <a:r>
-              <a:rPr lang="en-US" sz="1800" dirty="0">
-                <a:latin typeface="Selawik Semibold" panose="020B0702040204020203" pitchFamily="34" charset="0"/>
-              </a:rPr>
-              <a:t>SQL, Statistics, R/Python</a:t>
+              <a:rPr lang="en-US" sz="1600" dirty="0">
+                <a:latin typeface="Selawik Semibold" panose="020B0702040204020203" pitchFamily="34" charset="0"/>
+              </a:rPr>
+              <a:t>Analysis of Large Datasets</a:t>
             </a:r>
           </a:p>
           <a:p>
             <a:pPr lvl="2"/>
             <a:r>
-              <a:rPr lang="en-US" sz="1800" dirty="0">
-                <a:latin typeface="Selawik Semibold" panose="020B0702040204020203" pitchFamily="34" charset="0"/>
-              </a:rPr>
-              <a:t>Machine Learning and Time Series Methods</a:t>
+              <a:rPr lang="en-US" sz="1600" dirty="0">
+                <a:latin typeface="Selawik Semibold" panose="020B0702040204020203" pitchFamily="34" charset="0"/>
+              </a:rPr>
+              <a:t>Python Experience</a:t>
             </a:r>
           </a:p>
           <a:p>
@@ -9772,42 +9908,6 @@
             <a:endParaRPr lang="en-US" sz="1600" dirty="0">
               <a:latin typeface="Selawik Semibold" panose="020B0702040204020203" pitchFamily="34" charset="0"/>
             </a:endParaRPr>
-          </a:p>
-          <a:p>
-            <a:pPr lvl="1"/>
-            <a:r>
-              <a:rPr lang="en-US" sz="2000" dirty="0">
-                <a:latin typeface="Selawik Semibold" panose="020B0702040204020203" pitchFamily="34" charset="0"/>
-              </a:rPr>
-              <a:t>Professor of Data Analytics, University of Tulsa</a:t>
-            </a:r>
-          </a:p>
-          <a:p>
-            <a:pPr lvl="2"/>
-            <a:r>
-              <a:rPr lang="en-US" sz="1800" dirty="0">
-                <a:latin typeface="Selawik Semibold" panose="020B0702040204020203" pitchFamily="34" charset="0"/>
-              </a:rPr>
-              <a:t>Focus on Sports Analytics</a:t>
-            </a:r>
-          </a:p>
-          <a:p>
-            <a:pPr lvl="2"/>
-            <a:r>
-              <a:rPr lang="en-US" sz="1800" dirty="0">
-                <a:latin typeface="Selawik Semibold" panose="020B0702040204020203" pitchFamily="34" charset="0"/>
-              </a:rPr>
-              <a:t>PhD and  Research Background in Sports</a:t>
-            </a:r>
-          </a:p>
-          <a:p>
-            <a:pPr lvl="2"/>
-            <a:r>
-              <a:rPr lang="en-US" sz="1800" dirty="0">
-                <a:latin typeface="Selawik Semibold" panose="020B0702040204020203" pitchFamily="34" charset="0"/>
-              </a:rPr>
-              <a:t>College of Business</a:t>
-            </a:r>
           </a:p>
           <a:p>
             <a:pPr lvl="2"/>
@@ -10195,7 +10295,7 @@
     </p:spTree>
     <p:extLst>
       <p:ext uri="{BB962C8B-B14F-4D97-AF65-F5344CB8AC3E}">
-        <p14:creationId xmlns:p14="http://schemas.microsoft.com/office/powerpoint/2010/main" val="2429112968"/>
+        <p14:creationId xmlns:p14="http://schemas.microsoft.com/office/powerpoint/2010/main" val="2457944360"/>
       </p:ext>
     </p:extLst>
   </p:cSld>
@@ -10968,97 +11068,92 @@
               <a:rPr lang="en-US" sz="2000" dirty="0">
                 <a:latin typeface="Selawik Semibold" panose="020B0702040204020203" pitchFamily="34" charset="0"/>
               </a:rPr>
-              <a:t>Analyst, Club Business Operations for MLB</a:t>
+              <a:t>Marketing Analytics Analyst, NBA</a:t>
             </a:r>
           </a:p>
           <a:p>
             <a:pPr lvl="2"/>
             <a:r>
-              <a:rPr lang="en-US" sz="1800" dirty="0">
-                <a:latin typeface="Selawik Semibold" panose="020B0702040204020203" pitchFamily="34" charset="0"/>
-              </a:rPr>
-              <a:t>Quantitative Market Analyses</a:t>
-            </a:r>
-          </a:p>
-          <a:p>
-            <a:pPr lvl="2"/>
-            <a:r>
-              <a:rPr lang="en-US" sz="1800" dirty="0">
-                <a:latin typeface="Selawik Semibold" panose="020B0702040204020203" pitchFamily="34" charset="0"/>
-              </a:rPr>
-              <a:t>BS Degree in Business Related Field</a:t>
-            </a:r>
-          </a:p>
-          <a:p>
-            <a:pPr lvl="2"/>
-            <a:r>
-              <a:rPr lang="en-US" sz="1800" dirty="0">
-                <a:latin typeface="Selawik Semibold" panose="020B0702040204020203" pitchFamily="34" charset="0"/>
-              </a:rPr>
-              <a:t>Excel, PowerPoint, SQL</a:t>
-            </a:r>
-          </a:p>
-          <a:p>
-            <a:pPr lvl="2"/>
-            <a:r>
-              <a:rPr lang="en-US" sz="1800" dirty="0">
-                <a:latin typeface="Selawik Semibold" panose="020B0702040204020203" pitchFamily="34" charset="0"/>
-              </a:rPr>
-              <a:t>Exceptional Data Evaluation Skills</a:t>
-            </a:r>
-          </a:p>
-          <a:p>
-            <a:pPr marL="914400" lvl="2" indent="0">
-              <a:buNone/>
-            </a:pPr>
+              <a:rPr lang="en-US" sz="1600" dirty="0">
+                <a:latin typeface="Selawik Semibold" panose="020B0702040204020203" pitchFamily="34" charset="0"/>
+              </a:rPr>
+              <a:t>Develop Dashboards Using Tableau or </a:t>
+            </a:r>
+            <a:r>
+              <a:rPr lang="en-US" sz="1600" dirty="0" err="1">
+                <a:latin typeface="Selawik Semibold" panose="020B0702040204020203" pitchFamily="34" charset="0"/>
+              </a:rPr>
+              <a:t>PowerBI</a:t>
+            </a:r>
             <a:endParaRPr lang="en-US" sz="1600" dirty="0">
               <a:latin typeface="Selawik Semibold" panose="020B0702040204020203" pitchFamily="34" charset="0"/>
             </a:endParaRPr>
           </a:p>
           <a:p>
+            <a:pPr lvl="2"/>
+            <a:r>
+              <a:rPr lang="en-US" sz="1600" dirty="0">
+                <a:latin typeface="Selawik Semibold" panose="020B0702040204020203" pitchFamily="34" charset="0"/>
+              </a:rPr>
+              <a:t>R or Python + SQL</a:t>
+            </a:r>
+          </a:p>
+          <a:p>
             <a:pPr lvl="1"/>
-            <a:r>
-              <a:rPr lang="en-US" sz="2000" dirty="0">
-                <a:latin typeface="Selawik Semibold" panose="020B0702040204020203" pitchFamily="34" charset="0"/>
-              </a:rPr>
-              <a:t>Business Analyst, Sports &amp; Entertainment for Aramark</a:t>
-            </a:r>
-          </a:p>
-          <a:p>
-            <a:pPr lvl="2"/>
-            <a:r>
-              <a:rPr lang="en-US" sz="1800" dirty="0">
-                <a:latin typeface="Selawik Semibold" panose="020B0702040204020203" pitchFamily="34" charset="0"/>
-              </a:rPr>
-              <a:t>Hospitality Company for Many Industries</a:t>
-            </a:r>
-          </a:p>
-          <a:p>
-            <a:pPr lvl="2"/>
-            <a:r>
-              <a:rPr lang="en-US" sz="1800" dirty="0">
-                <a:latin typeface="Selawik Semibold" panose="020B0702040204020203" pitchFamily="34" charset="0"/>
-              </a:rPr>
-              <a:t>Data Visualization with Tableau or </a:t>
-            </a:r>
-            <a:r>
-              <a:rPr lang="en-US" sz="1800" dirty="0" err="1">
-                <a:latin typeface="Selawik Semibold" panose="020B0702040204020203" pitchFamily="34" charset="0"/>
-              </a:rPr>
-              <a:t>PowerBI</a:t>
-            </a:r>
-            <a:endParaRPr lang="en-US" sz="1800" dirty="0">
+            <a:endParaRPr lang="en-US" sz="2000" dirty="0">
               <a:latin typeface="Selawik Semibold" panose="020B0702040204020203" pitchFamily="34" charset="0"/>
             </a:endParaRPr>
           </a:p>
           <a:p>
+            <a:pPr lvl="1"/>
+            <a:r>
+              <a:rPr lang="en-US" sz="2000" dirty="0">
+                <a:latin typeface="Selawik Semibold" panose="020B0702040204020203" pitchFamily="34" charset="0"/>
+              </a:rPr>
+              <a:t>Email Marketing Analyst, Arizona Cardinals</a:t>
+            </a:r>
+          </a:p>
+          <a:p>
             <a:pPr lvl="2"/>
             <a:r>
-              <a:rPr lang="en-US" sz="1800" dirty="0">
-                <a:latin typeface="Selawik Semibold" panose="020B0702040204020203" pitchFamily="34" charset="0"/>
-              </a:rPr>
-              <a:t>Exposure to Some Programming Language</a:t>
-            </a:r>
+              <a:rPr lang="en-US" sz="1600" dirty="0">
+                <a:latin typeface="Selawik Semibold" panose="020B0702040204020203" pitchFamily="34" charset="0"/>
+              </a:rPr>
+              <a:t>AB Testing on Email and SMS</a:t>
+            </a:r>
+          </a:p>
+          <a:p>
+            <a:pPr lvl="2"/>
+            <a:r>
+              <a:rPr lang="en-US" sz="1600" dirty="0">
+                <a:latin typeface="Selawik Semibold" panose="020B0702040204020203" pitchFamily="34" charset="0"/>
+              </a:rPr>
+              <a:t>Monthly Reports on Marketing Data</a:t>
+            </a:r>
+          </a:p>
+          <a:p>
+            <a:pPr lvl="2"/>
+            <a:r>
+              <a:rPr lang="en-US" sz="1600" dirty="0">
+                <a:latin typeface="Selawik Semibold" panose="020B0702040204020203" pitchFamily="34" charset="0"/>
+              </a:rPr>
+              <a:t>HTML + SQL + Python</a:t>
+            </a:r>
+          </a:p>
+          <a:p>
+            <a:pPr lvl="2"/>
+            <a:r>
+              <a:rPr lang="en-US" sz="1600" dirty="0">
+                <a:latin typeface="Selawik Semibold" panose="020B0702040204020203" pitchFamily="34" charset="0"/>
+              </a:rPr>
+              <a:t>Machine Learning</a:t>
+            </a:r>
+          </a:p>
+          <a:p>
+            <a:pPr lvl="2"/>
+            <a:endParaRPr lang="en-US" sz="1600" dirty="0">
+              <a:latin typeface="Selawik Semibold" panose="020B0702040204020203" pitchFamily="34" charset="0"/>
+            </a:endParaRPr>
           </a:p>
           <a:p>
             <a:pPr lvl="2"/>
@@ -11446,7 +11541,7 @@
     </p:spTree>
     <p:extLst>
       <p:ext uri="{BB962C8B-B14F-4D97-AF65-F5344CB8AC3E}">
-        <p14:creationId xmlns:p14="http://schemas.microsoft.com/office/powerpoint/2010/main" val="1344911940"/>
+        <p14:creationId xmlns:p14="http://schemas.microsoft.com/office/powerpoint/2010/main" val="654531707"/>
       </p:ext>
     </p:extLst>
   </p:cSld>
@@ -11630,49 +11725,47 @@
               <a:rPr lang="en-US" sz="2000" dirty="0">
                 <a:latin typeface="Selawik Semibold" panose="020B0702040204020203" pitchFamily="34" charset="0"/>
               </a:rPr>
-              <a:t>Analyst, Baseball Operations for Giants</a:t>
+              <a:t>Baseball Operations Analyst, Detroit Tigers</a:t>
             </a:r>
           </a:p>
           <a:p>
             <a:pPr lvl="2"/>
             <a:r>
-              <a:rPr lang="en-US" sz="1800" dirty="0">
-                <a:latin typeface="Selawik Semibold" panose="020B0702040204020203" pitchFamily="34" charset="0"/>
-              </a:rPr>
-              <a:t>Perform Statistical Analyses</a:t>
+              <a:rPr lang="en-US" sz="1600" dirty="0">
+                <a:latin typeface="Selawik Semibold" panose="020B0702040204020203" pitchFamily="34" charset="0"/>
+              </a:rPr>
+              <a:t>Master’s Degree Preferred. Statistics, Math, CS, etc. </a:t>
             </a:r>
           </a:p>
           <a:p>
             <a:pPr lvl="2"/>
             <a:r>
-              <a:rPr lang="en-US" sz="1800" dirty="0">
-                <a:latin typeface="Selawik Semibold" panose="020B0702040204020203" pitchFamily="34" charset="0"/>
-              </a:rPr>
-              <a:t>Collaboration with Software Engineers</a:t>
+              <a:rPr lang="en-US" sz="1600" dirty="0">
+                <a:latin typeface="Selawik Semibold" panose="020B0702040204020203" pitchFamily="34" charset="0"/>
+              </a:rPr>
+              <a:t>Experience Working with Baseball Data</a:t>
             </a:r>
           </a:p>
           <a:p>
             <a:pPr lvl="2"/>
             <a:r>
-              <a:rPr lang="en-US" sz="1800" dirty="0">
-                <a:latin typeface="Selawik Semibold" panose="020B0702040204020203" pitchFamily="34" charset="0"/>
-              </a:rPr>
-              <a:t>BS in Quantitative Field</a:t>
+              <a:rPr lang="en-US" sz="1600" dirty="0">
+                <a:latin typeface="Selawik Semibold" panose="020B0702040204020203" pitchFamily="34" charset="0"/>
+              </a:rPr>
+              <a:t>R or STATA or SPSS or SAS or Python</a:t>
             </a:r>
           </a:p>
           <a:p>
             <a:pPr lvl="2"/>
             <a:r>
-              <a:rPr lang="en-US" sz="1800" dirty="0">
-                <a:latin typeface="Selawik Semibold" panose="020B0702040204020203" pitchFamily="34" charset="0"/>
-              </a:rPr>
-              <a:t>R, SQL, Python</a:t>
-            </a:r>
-          </a:p>
-          <a:p>
-            <a:pPr marL="914400" lvl="2" indent="0">
-              <a:buNone/>
-            </a:pPr>
+              <a:rPr lang="en-US" sz="1600" dirty="0">
+                <a:latin typeface="Selawik Semibold" panose="020B0702040204020203" pitchFamily="34" charset="0"/>
+              </a:rPr>
+              <a:t>Expertise with SQL</a:t>
+            </a:r>
+          </a:p>
+          <a:p>
+            <a:pPr lvl="2"/>
             <a:endParaRPr lang="en-US" sz="1600" dirty="0">
               <a:latin typeface="Selawik Semibold" panose="020B0702040204020203" pitchFamily="34" charset="0"/>
             </a:endParaRPr>
@@ -11683,65 +11776,35 @@
               <a:rPr lang="en-US" sz="2000" dirty="0">
                 <a:latin typeface="Selawik Semibold" panose="020B0702040204020203" pitchFamily="34" charset="0"/>
               </a:rPr>
-              <a:t>Director of Data Science, DICK’S Sporting Goods</a:t>
+              <a:t>Quantitative Sports Researcher, SIG</a:t>
             </a:r>
           </a:p>
           <a:p>
             <a:pPr lvl="2"/>
             <a:r>
-              <a:rPr lang="en-US" sz="1800" dirty="0">
-                <a:latin typeface="Selawik Semibold" panose="020B0702040204020203" pitchFamily="34" charset="0"/>
-              </a:rPr>
-              <a:t>MS in Stats, Math, Econ, etc.</a:t>
+              <a:rPr lang="en-US" sz="1600" dirty="0">
+                <a:latin typeface="Selawik Semibold" panose="020B0702040204020203" pitchFamily="34" charset="0"/>
+              </a:rPr>
+              <a:t>Master’s or PhD Preferred</a:t>
             </a:r>
           </a:p>
           <a:p>
             <a:pPr lvl="2"/>
             <a:r>
-              <a:rPr lang="en-US" sz="1800" dirty="0">
-                <a:latin typeface="Selawik Semibold" panose="020B0702040204020203" pitchFamily="34" charset="0"/>
-              </a:rPr>
-              <a:t>10-15 Years Experience</a:t>
+              <a:rPr lang="en-US" sz="1600" dirty="0">
+                <a:latin typeface="Selawik Semibold" panose="020B0702040204020203" pitchFamily="34" charset="0"/>
+              </a:rPr>
+              <a:t>Experience Working on Sports Analytics Projects</a:t>
             </a:r>
           </a:p>
           <a:p>
             <a:pPr lvl="2"/>
             <a:r>
-              <a:rPr lang="en-US" sz="1800" dirty="0">
-                <a:latin typeface="Selawik Semibold" panose="020B0702040204020203" pitchFamily="34" charset="0"/>
-              </a:rPr>
-              <a:t>Proficient in SQL, R, Python, or SAS</a:t>
-            </a:r>
-          </a:p>
-          <a:p>
-            <a:pPr lvl="2"/>
-            <a:r>
-              <a:rPr lang="en-US" sz="1800" dirty="0">
-                <a:latin typeface="Selawik Semibold" panose="020B0702040204020203" pitchFamily="34" charset="0"/>
-              </a:rPr>
-              <a:t>Cloud Computing Environments</a:t>
-            </a:r>
-          </a:p>
-          <a:p>
-            <a:pPr lvl="2"/>
-            <a:r>
-              <a:rPr lang="en-US" sz="1800" dirty="0">
-                <a:latin typeface="Selawik Semibold" panose="020B0702040204020203" pitchFamily="34" charset="0"/>
-              </a:rPr>
-              <a:t>Lead Team of Data Science Managers and Data Scientists</a:t>
-            </a:r>
-            <a:endParaRPr lang="en-US" sz="1600" dirty="0">
-              <a:latin typeface="Selawik Semibold" panose="020B0702040204020203" pitchFamily="34" charset="0"/>
-            </a:endParaRPr>
-          </a:p>
-          <a:p>
-            <a:pPr lvl="2"/>
-            <a:endParaRPr lang="en-US" sz="1400" dirty="0">
-              <a:latin typeface="Selawik Semibold" panose="020B0702040204020203" pitchFamily="34" charset="0"/>
-            </a:endParaRPr>
-          </a:p>
-          <a:p>
-            <a:pPr lvl="2"/>
+              <a:rPr lang="en-US" sz="1600" dirty="0">
+                <a:latin typeface="Selawik Semibold" panose="020B0702040204020203" pitchFamily="34" charset="0"/>
+              </a:rPr>
+              <a:t>Build Statistical Forecasting Models Linked to Sports Betting</a:t>
+            </a:r>
             <a:endParaRPr lang="en-US" sz="1800" dirty="0">
               <a:latin typeface="Selawik Semibold" panose="020B0702040204020203" pitchFamily="34" charset="0"/>
             </a:endParaRPr>
@@ -12120,7 +12183,7 @@
     </p:spTree>
     <p:extLst>
       <p:ext uri="{BB962C8B-B14F-4D97-AF65-F5344CB8AC3E}">
-        <p14:creationId xmlns:p14="http://schemas.microsoft.com/office/powerpoint/2010/main" val="1291736236"/>
+        <p14:creationId xmlns:p14="http://schemas.microsoft.com/office/powerpoint/2010/main" val="93355944"/>
       </p:ext>
     </p:extLst>
   </p:cSld>

--- a/Slides/Sports Analytics 3/Sports_Analytics_3_Lecture.pptx
+++ b/Slides/Sports Analytics 3/Sports_Analytics_3_Lecture.pptx
@@ -14,21 +14,21 @@
     <p:sldId id="278" r:id="rId5"/>
     <p:sldId id="279" r:id="rId6"/>
     <p:sldId id="284" r:id="rId7"/>
-    <p:sldId id="307" r:id="rId8"/>
-    <p:sldId id="257" r:id="rId9"/>
-    <p:sldId id="308" r:id="rId10"/>
-    <p:sldId id="309" r:id="rId11"/>
-    <p:sldId id="310" r:id="rId12"/>
-    <p:sldId id="311" r:id="rId13"/>
-    <p:sldId id="301" r:id="rId14"/>
-    <p:sldId id="286" r:id="rId15"/>
-    <p:sldId id="287" r:id="rId16"/>
-    <p:sldId id="290" r:id="rId17"/>
-    <p:sldId id="289" r:id="rId18"/>
-    <p:sldId id="312" r:id="rId19"/>
-    <p:sldId id="313" r:id="rId20"/>
-    <p:sldId id="314" r:id="rId21"/>
-    <p:sldId id="315" r:id="rId22"/>
+    <p:sldId id="316" r:id="rId8"/>
+    <p:sldId id="307" r:id="rId9"/>
+    <p:sldId id="257" r:id="rId10"/>
+    <p:sldId id="308" r:id="rId11"/>
+    <p:sldId id="309" r:id="rId12"/>
+    <p:sldId id="310" r:id="rId13"/>
+    <p:sldId id="311" r:id="rId14"/>
+    <p:sldId id="301" r:id="rId15"/>
+    <p:sldId id="286" r:id="rId16"/>
+    <p:sldId id="287" r:id="rId17"/>
+    <p:sldId id="290" r:id="rId18"/>
+    <p:sldId id="289" r:id="rId19"/>
+    <p:sldId id="317" r:id="rId20"/>
+    <p:sldId id="318" r:id="rId21"/>
+    <p:sldId id="319" r:id="rId22"/>
     <p:sldId id="296" r:id="rId23"/>
     <p:sldId id="281" r:id="rId24"/>
   </p:sldIdLst>
@@ -219,7 +219,7 @@
           <a:p>
             <a:fld id="{C04E5E84-956F-4423-97B3-5936A6D8EEEE}" type="datetimeFigureOut">
               <a:rPr lang="en-US" smtClean="0"/>
-              <a:t>1/17/2024</a:t>
+              <a:t>1/12/2025</a:t>
             </a:fld>
             <a:endParaRPr lang="en-US"/>
           </a:p>
@@ -633,7 +633,7 @@
           <a:p>
             <a:fld id="{3881C039-66A3-4640-815B-3B5A8B7D868D}" type="datetimeFigureOut">
               <a:rPr lang="en-US" smtClean="0"/>
-              <a:t>1/17/2024</a:t>
+              <a:t>1/12/2025</a:t>
             </a:fld>
             <a:endParaRPr lang="en-US"/>
           </a:p>
@@ -831,7 +831,7 @@
           <a:p>
             <a:fld id="{3881C039-66A3-4640-815B-3B5A8B7D868D}" type="datetimeFigureOut">
               <a:rPr lang="en-US" smtClean="0"/>
-              <a:t>1/17/2024</a:t>
+              <a:t>1/12/2025</a:t>
             </a:fld>
             <a:endParaRPr lang="en-US"/>
           </a:p>
@@ -1039,7 +1039,7 @@
           <a:p>
             <a:fld id="{3881C039-66A3-4640-815B-3B5A8B7D868D}" type="datetimeFigureOut">
               <a:rPr lang="en-US" smtClean="0"/>
-              <a:t>1/17/2024</a:t>
+              <a:t>1/12/2025</a:t>
             </a:fld>
             <a:endParaRPr lang="en-US"/>
           </a:p>
@@ -1237,7 +1237,7 @@
           <a:p>
             <a:fld id="{3881C039-66A3-4640-815B-3B5A8B7D868D}" type="datetimeFigureOut">
               <a:rPr lang="en-US" smtClean="0"/>
-              <a:t>1/17/2024</a:t>
+              <a:t>1/12/2025</a:t>
             </a:fld>
             <a:endParaRPr lang="en-US"/>
           </a:p>
@@ -1512,7 +1512,7 @@
           <a:p>
             <a:fld id="{3881C039-66A3-4640-815B-3B5A8B7D868D}" type="datetimeFigureOut">
               <a:rPr lang="en-US" smtClean="0"/>
-              <a:t>1/17/2024</a:t>
+              <a:t>1/12/2025</a:t>
             </a:fld>
             <a:endParaRPr lang="en-US"/>
           </a:p>
@@ -1777,7 +1777,7 @@
           <a:p>
             <a:fld id="{3881C039-66A3-4640-815B-3B5A8B7D868D}" type="datetimeFigureOut">
               <a:rPr lang="en-US" smtClean="0"/>
-              <a:t>1/17/2024</a:t>
+              <a:t>1/12/2025</a:t>
             </a:fld>
             <a:endParaRPr lang="en-US"/>
           </a:p>
@@ -2189,7 +2189,7 @@
           <a:p>
             <a:fld id="{3881C039-66A3-4640-815B-3B5A8B7D868D}" type="datetimeFigureOut">
               <a:rPr lang="en-US" smtClean="0"/>
-              <a:t>1/17/2024</a:t>
+              <a:t>1/12/2025</a:t>
             </a:fld>
             <a:endParaRPr lang="en-US"/>
           </a:p>
@@ -2330,7 +2330,7 @@
           <a:p>
             <a:fld id="{3881C039-66A3-4640-815B-3B5A8B7D868D}" type="datetimeFigureOut">
               <a:rPr lang="en-US" smtClean="0"/>
-              <a:t>1/17/2024</a:t>
+              <a:t>1/12/2025</a:t>
             </a:fld>
             <a:endParaRPr lang="en-US"/>
           </a:p>
@@ -2443,7 +2443,7 @@
           <a:p>
             <a:fld id="{3881C039-66A3-4640-815B-3B5A8B7D868D}" type="datetimeFigureOut">
               <a:rPr lang="en-US" smtClean="0"/>
-              <a:t>1/17/2024</a:t>
+              <a:t>1/12/2025</a:t>
             </a:fld>
             <a:endParaRPr lang="en-US"/>
           </a:p>
@@ -2754,7 +2754,7 @@
           <a:p>
             <a:fld id="{3881C039-66A3-4640-815B-3B5A8B7D868D}" type="datetimeFigureOut">
               <a:rPr lang="en-US" smtClean="0"/>
-              <a:t>1/17/2024</a:t>
+              <a:t>1/12/2025</a:t>
             </a:fld>
             <a:endParaRPr lang="en-US"/>
           </a:p>
@@ -3042,7 +3042,7 @@
           <a:p>
             <a:fld id="{3881C039-66A3-4640-815B-3B5A8B7D868D}" type="datetimeFigureOut">
               <a:rPr lang="en-US" smtClean="0"/>
-              <a:t>1/17/2024</a:t>
+              <a:t>1/12/2025</a:t>
             </a:fld>
             <a:endParaRPr lang="en-US"/>
           </a:p>
@@ -3286,7 +3286,7 @@
           <a:p>
             <a:fld id="{3881C039-66A3-4640-815B-3B5A8B7D868D}" type="datetimeFigureOut">
               <a:rPr lang="en-US" smtClean="0"/>
-              <a:t>1/17/2024</a:t>
+              <a:t>1/12/2025</a:t>
             </a:fld>
             <a:endParaRPr lang="en-US"/>
           </a:p>
@@ -4446,10 +4446,10 @@
       </p:sp>
       <p:pic>
         <p:nvPicPr>
-          <p:cNvPr id="7" name="Picture 6">
-            <a:extLst>
-              <a:ext uri="{FF2B5EF4-FFF2-40B4-BE49-F238E27FC236}">
-                <a16:creationId xmlns:a16="http://schemas.microsoft.com/office/drawing/2014/main" id="{6624AA6D-F03B-8751-FBD1-171C6843020D}"/>
+          <p:cNvPr id="7" name="Picture 6" descr="A graph of sales growth&#10;&#10;Description automatically generated with medium confidence">
+            <a:extLst>
+              <a:ext uri="{FF2B5EF4-FFF2-40B4-BE49-F238E27FC236}">
+                <a16:creationId xmlns:a16="http://schemas.microsoft.com/office/drawing/2014/main" id="{175123E2-E2BE-20BB-7F0E-324053E243D4}"/>
               </a:ext>
             </a:extLst>
           </p:cNvPr>
@@ -4459,15 +4459,21 @@
           <p:nvPr/>
         </p:nvPicPr>
         <p:blipFill>
-          <a:blip r:embed="rId4"/>
+          <a:blip r:embed="rId4">
+            <a:extLst>
+              <a:ext uri="{28A0092B-C50C-407E-A947-70E740481C1C}">
+                <a14:useLocalDpi xmlns:a14="http://schemas.microsoft.com/office/drawing/2010/main" val="0"/>
+              </a:ext>
+            </a:extLst>
+          </a:blip>
           <a:stretch>
             <a:fillRect/>
           </a:stretch>
         </p:blipFill>
         <p:spPr>
           <a:xfrm>
-            <a:off x="1044202" y="3156156"/>
-            <a:ext cx="6801222" cy="3511702"/>
+            <a:off x="974990" y="3135787"/>
+            <a:ext cx="6990568" cy="3651790"/>
           </a:xfrm>
           <a:prstGeom prst="rect">
             <a:avLst/>
@@ -4477,7 +4483,7 @@
     </p:spTree>
     <p:extLst>
       <p:ext uri="{BB962C8B-B14F-4D97-AF65-F5344CB8AC3E}">
-        <p14:creationId xmlns:p14="http://schemas.microsoft.com/office/powerpoint/2010/main" val="1911867235"/>
+        <p14:creationId xmlns:p14="http://schemas.microsoft.com/office/powerpoint/2010/main" val="3900949920"/>
       </p:ext>
     </p:extLst>
   </p:cSld>
@@ -5035,10 +5041,10 @@
       </p:sp>
       <p:pic>
         <p:nvPicPr>
-          <p:cNvPr id="8" name="Picture 7">
-            <a:extLst>
-              <a:ext uri="{FF2B5EF4-FFF2-40B4-BE49-F238E27FC236}">
-                <a16:creationId xmlns:a16="http://schemas.microsoft.com/office/drawing/2014/main" id="{F4F63164-6B7A-5062-887B-9DA12B21F738}"/>
+          <p:cNvPr id="7" name="Picture 6">
+            <a:extLst>
+              <a:ext uri="{FF2B5EF4-FFF2-40B4-BE49-F238E27FC236}">
+                <a16:creationId xmlns:a16="http://schemas.microsoft.com/office/drawing/2014/main" id="{6624AA6D-F03B-8751-FBD1-171C6843020D}"/>
               </a:ext>
             </a:extLst>
           </p:cNvPr>
@@ -5055,8 +5061,8 @@
         </p:blipFill>
         <p:spPr>
           <a:xfrm>
-            <a:off x="709602" y="3083368"/>
-            <a:ext cx="7072667" cy="3662516"/>
+            <a:off x="1044202" y="3156156"/>
+            <a:ext cx="6801222" cy="3511702"/>
           </a:xfrm>
           <a:prstGeom prst="rect">
             <a:avLst/>
@@ -5066,7 +5072,7 @@
     </p:spTree>
     <p:extLst>
       <p:ext uri="{BB962C8B-B14F-4D97-AF65-F5344CB8AC3E}">
-        <p14:creationId xmlns:p14="http://schemas.microsoft.com/office/powerpoint/2010/main" val="3300266217"/>
+        <p14:creationId xmlns:p14="http://schemas.microsoft.com/office/powerpoint/2010/main" val="1911867235"/>
       </p:ext>
     </p:extLst>
   </p:cSld>
@@ -5225,7 +5231,7 @@
         </p:spPr>
         <p:txBody>
           <a:bodyPr>
-            <a:normAutofit lnSpcReduction="10000"/>
+            <a:normAutofit/>
           </a:bodyPr>
           <a:lstStyle/>
           <a:p>
@@ -5255,130 +5261,12 @@
             </a:r>
           </a:p>
           <a:p>
-            <a:pPr lvl="2"/>
-            <a:r>
-              <a:rPr lang="en-US" sz="1600" dirty="0">
-                <a:latin typeface="Selawik Semibold" panose="020B0702040204020203" pitchFamily="34" charset="0"/>
-              </a:rPr>
-              <a:t>Agile Sports Analytics, LLC</a:t>
-            </a:r>
-          </a:p>
-          <a:p>
-            <a:pPr lvl="2"/>
-            <a:r>
-              <a:rPr lang="en-US" sz="1600" dirty="0">
-                <a:latin typeface="Selawik Semibold" panose="020B0702040204020203" pitchFamily="34" charset="0"/>
-              </a:rPr>
-              <a:t>Catapult Sports</a:t>
-            </a:r>
-          </a:p>
-          <a:p>
-            <a:pPr lvl="2"/>
-            <a:r>
-              <a:rPr lang="en-US" sz="1600" dirty="0" err="1">
-                <a:latin typeface="Selawik Semibold" panose="020B0702040204020203" pitchFamily="34" charset="0"/>
-              </a:rPr>
-              <a:t>ChrynoHego</a:t>
-            </a:r>
-            <a:r>
-              <a:rPr lang="en-US" sz="1600" dirty="0">
-                <a:latin typeface="Selawik Semibold" panose="020B0702040204020203" pitchFamily="34" charset="0"/>
-              </a:rPr>
-              <a:t> Corporation</a:t>
-            </a:r>
-          </a:p>
-          <a:p>
-            <a:pPr lvl="2"/>
-            <a:r>
-              <a:rPr lang="en-US" sz="1600" dirty="0">
-                <a:latin typeface="Selawik Semibold" panose="020B0702040204020203" pitchFamily="34" charset="0"/>
-              </a:rPr>
-              <a:t>Deltatre</a:t>
-            </a:r>
-          </a:p>
-          <a:p>
-            <a:pPr lvl="2"/>
-            <a:r>
-              <a:rPr lang="en-US" sz="1600" dirty="0" err="1">
-                <a:latin typeface="Selawik Semibold" panose="020B0702040204020203" pitchFamily="34" charset="0"/>
-              </a:rPr>
-              <a:t>Experfy</a:t>
-            </a:r>
-            <a:r>
-              <a:rPr lang="en-US" sz="1600" dirty="0">
-                <a:latin typeface="Selawik Semibold" panose="020B0702040204020203" pitchFamily="34" charset="0"/>
-              </a:rPr>
-              <a:t> Inc. </a:t>
-            </a:r>
-          </a:p>
-          <a:p>
-            <a:pPr lvl="2"/>
-            <a:r>
-              <a:rPr lang="en-US" sz="1600" dirty="0">
-                <a:latin typeface="Selawik Semibold" panose="020B0702040204020203" pitchFamily="34" charset="0"/>
-              </a:rPr>
-              <a:t>Genius Sports Group</a:t>
-            </a:r>
-          </a:p>
-          <a:p>
-            <a:pPr lvl="2"/>
-            <a:r>
-              <a:rPr lang="en-US" sz="1600" dirty="0">
-                <a:latin typeface="Selawik Semibold" panose="020B0702040204020203" pitchFamily="34" charset="0"/>
-              </a:rPr>
-              <a:t>IBM Corporation</a:t>
-            </a:r>
-          </a:p>
-          <a:p>
-            <a:pPr lvl="2"/>
-            <a:r>
-              <a:rPr lang="en-US" sz="1600" dirty="0">
-                <a:latin typeface="Selawik Semibold" panose="020B0702040204020203" pitchFamily="34" charset="0"/>
-              </a:rPr>
-              <a:t>Oracle Corporation</a:t>
-            </a:r>
-          </a:p>
-          <a:p>
-            <a:pPr lvl="2"/>
-            <a:r>
-              <a:rPr lang="en-US" sz="1600" dirty="0">
-                <a:latin typeface="Selawik Semibold" panose="020B0702040204020203" pitchFamily="34" charset="0"/>
-              </a:rPr>
-              <a:t>SAP SE</a:t>
-            </a:r>
-          </a:p>
-          <a:p>
-            <a:pPr lvl="2"/>
-            <a:r>
-              <a:rPr lang="en-US" sz="1600" dirty="0">
-                <a:latin typeface="Selawik Semibold" panose="020B0702040204020203" pitchFamily="34" charset="0"/>
-              </a:rPr>
-              <a:t>SAS Institute Inc.</a:t>
-            </a:r>
-          </a:p>
-          <a:p>
-            <a:pPr lvl="2"/>
-            <a:r>
-              <a:rPr lang="en-US" sz="1600" dirty="0" err="1">
-                <a:latin typeface="Selawik Semibold" panose="020B0702040204020203" pitchFamily="34" charset="0"/>
-              </a:rPr>
-              <a:t>Sportradar</a:t>
-            </a:r>
-            <a:r>
-              <a:rPr lang="en-US" sz="1600" dirty="0">
-                <a:latin typeface="Selawik Semibold" panose="020B0702040204020203" pitchFamily="34" charset="0"/>
-              </a:rPr>
-              <a:t> AG</a:t>
-            </a:r>
-          </a:p>
-          <a:p>
-            <a:pPr lvl="2"/>
-            <a:r>
-              <a:rPr lang="en-US" sz="1600" dirty="0">
-                <a:latin typeface="Selawik Semibold" panose="020B0702040204020203" pitchFamily="34" charset="0"/>
-              </a:rPr>
-              <a:t>Stats Perform</a:t>
-            </a:r>
+            <a:pPr marL="457200" lvl="1" indent="0">
+              <a:buNone/>
+            </a:pPr>
+            <a:endParaRPr lang="en-US" sz="2000" dirty="0">
+              <a:latin typeface="Selawik Semibold" panose="020B0702040204020203" pitchFamily="34" charset="0"/>
+            </a:endParaRPr>
           </a:p>
           <a:p>
             <a:pPr lvl="1"/>
@@ -5740,10 +5628,46 @@
           </a:p>
         </p:txBody>
       </p:sp>
+      <p:pic>
+        <p:nvPicPr>
+          <p:cNvPr id="7" name="Picture 6" descr="A map of the world&#10;&#10;Description automatically generated">
+            <a:extLst>
+              <a:ext uri="{FF2B5EF4-FFF2-40B4-BE49-F238E27FC236}">
+                <a16:creationId xmlns:a16="http://schemas.microsoft.com/office/drawing/2014/main" id="{C5063F18-4565-70A4-46A6-7BE9867D0C62}"/>
+              </a:ext>
+            </a:extLst>
+          </p:cNvPr>
+          <p:cNvPicPr>
+            <a:picLocks noChangeAspect="1"/>
+          </p:cNvPicPr>
+          <p:nvPr/>
+        </p:nvPicPr>
+        <p:blipFill>
+          <a:blip r:embed="rId4">
+            <a:extLst>
+              <a:ext uri="{28A0092B-C50C-407E-A947-70E740481C1C}">
+                <a14:useLocalDpi xmlns:a14="http://schemas.microsoft.com/office/drawing/2010/main" val="0"/>
+              </a:ext>
+            </a:extLst>
+          </a:blip>
+          <a:stretch>
+            <a:fillRect/>
+          </a:stretch>
+        </p:blipFill>
+        <p:spPr>
+          <a:xfrm>
+            <a:off x="1022954" y="3176992"/>
+            <a:ext cx="6985880" cy="3643902"/>
+          </a:xfrm>
+          <a:prstGeom prst="rect">
+            <a:avLst/>
+          </a:prstGeom>
+        </p:spPr>
+      </p:pic>
     </p:spTree>
     <p:extLst>
       <p:ext uri="{BB962C8B-B14F-4D97-AF65-F5344CB8AC3E}">
-        <p14:creationId xmlns:p14="http://schemas.microsoft.com/office/powerpoint/2010/main" val="135951548"/>
+        <p14:creationId xmlns:p14="http://schemas.microsoft.com/office/powerpoint/2010/main" val="3300266217"/>
       </p:ext>
     </p:extLst>
   </p:cSld>
@@ -5896,13 +5820,13 @@
         </p:nvSpPr>
         <p:spPr>
           <a:xfrm>
-            <a:off x="838199" y="2021248"/>
-            <a:ext cx="7653667" cy="4695905"/>
+            <a:off x="838199" y="2021249"/>
+            <a:ext cx="7138737" cy="4155713"/>
           </a:xfrm>
         </p:spPr>
         <p:txBody>
           <a:bodyPr>
-            <a:normAutofit/>
+            <a:normAutofit lnSpcReduction="10000"/>
           </a:bodyPr>
           <a:lstStyle/>
           <a:p>
@@ -5910,121 +5834,168 @@
               <a:rPr lang="en-US" sz="2400" dirty="0">
                 <a:latin typeface="Selawik Semibold" panose="020B0702040204020203" pitchFamily="34" charset="0"/>
               </a:rPr>
-              <a:t>Modern Applications of Sports Analytics</a:t>
-            </a:r>
-          </a:p>
-          <a:p>
-            <a:pPr marL="457200" lvl="1" indent="0">
-              <a:buNone/>
-            </a:pPr>
-            <a:r>
-              <a:rPr lang="en-US" sz="2000" dirty="0">
-                <a:latin typeface="Selawik Semibold" panose="020B0702040204020203" pitchFamily="34" charset="0"/>
-              </a:rPr>
-              <a:t> </a:t>
-            </a:r>
-          </a:p>
-          <a:p>
-            <a:pPr lvl="1"/>
-            <a:r>
-              <a:rPr lang="en-US" sz="2000" dirty="0">
-                <a:latin typeface="Selawik Semibold" panose="020B0702040204020203" pitchFamily="34" charset="0"/>
-              </a:rPr>
-              <a:t>Helping the Team Win</a:t>
-            </a:r>
-          </a:p>
-          <a:p>
-            <a:pPr lvl="2"/>
-            <a:r>
-              <a:rPr lang="en-US" sz="1800" dirty="0">
-                <a:latin typeface="Selawik Semibold" panose="020B0702040204020203" pitchFamily="34" charset="0"/>
-              </a:rPr>
-              <a:t>Automated Video Analysis (Lincoln City, UK Football)</a:t>
-            </a:r>
-          </a:p>
-          <a:p>
-            <a:pPr lvl="2"/>
-            <a:r>
-              <a:rPr lang="en-US" sz="1800" dirty="0">
-                <a:latin typeface="Selawik Semibold" panose="020B0702040204020203" pitchFamily="34" charset="0"/>
-              </a:rPr>
-              <a:t>3D Depth Camera (NBA)</a:t>
-            </a:r>
-          </a:p>
-          <a:p>
-            <a:pPr lvl="2"/>
-            <a:r>
-              <a:rPr lang="en-US" sz="1800" dirty="0">
-                <a:latin typeface="Selawik Semibold" panose="020B0702040204020203" pitchFamily="34" charset="0"/>
-              </a:rPr>
-              <a:t>Wearable Technology (NBA, NHL)</a:t>
-            </a:r>
-          </a:p>
-          <a:p>
-            <a:pPr lvl="1"/>
-            <a:endParaRPr lang="en-US" sz="2200" dirty="0">
+              <a:t>Value Placed on Sports Analytics</a:t>
+            </a:r>
+            <a:endParaRPr lang="en-US" sz="2000" dirty="0">
               <a:latin typeface="Selawik Semibold" panose="020B0702040204020203" pitchFamily="34" charset="0"/>
             </a:endParaRPr>
           </a:p>
           <a:p>
             <a:pPr lvl="1"/>
+            <a:endParaRPr lang="en-US" sz="2000" dirty="0">
+              <a:latin typeface="Selawik Semibold" panose="020B0702040204020203" pitchFamily="34" charset="0"/>
+            </a:endParaRPr>
+          </a:p>
+          <a:p>
+            <a:pPr lvl="1"/>
             <a:r>
               <a:rPr lang="en-US" sz="2000" dirty="0">
                 <a:latin typeface="Selawik Semibold" panose="020B0702040204020203" pitchFamily="34" charset="0"/>
               </a:rPr>
-              <a:t>Improving the Fan Experience</a:t>
+              <a:t>Grand View Research on Sports Analytics Market</a:t>
             </a:r>
           </a:p>
           <a:p>
             <a:pPr lvl="2"/>
             <a:r>
-              <a:rPr lang="en-US" sz="1800" dirty="0">
-                <a:latin typeface="Selawik Semibold" panose="020B0702040204020203" pitchFamily="34" charset="0"/>
-              </a:rPr>
-              <a:t>Analysis of Digital Engagement</a:t>
+              <a:rPr lang="en-US" sz="1600" dirty="0">
+                <a:latin typeface="Selawik Semibold" panose="020B0702040204020203" pitchFamily="34" charset="0"/>
+              </a:rPr>
+              <a:t>Agile Sports Analytics, LLC</a:t>
             </a:r>
           </a:p>
           <a:p>
             <a:pPr lvl="2"/>
             <a:r>
-              <a:rPr lang="en-US" sz="1800" dirty="0">
-                <a:latin typeface="Selawik Semibold" panose="020B0702040204020203" pitchFamily="34" charset="0"/>
-              </a:rPr>
-              <a:t>Sentiment in Social Media</a:t>
+              <a:rPr lang="en-US" sz="1600" dirty="0">
+                <a:latin typeface="Selawik Semibold" panose="020B0702040204020203" pitchFamily="34" charset="0"/>
+              </a:rPr>
+              <a:t>Catapult Sports</a:t>
             </a:r>
           </a:p>
           <a:p>
             <a:pPr lvl="2"/>
             <a:r>
-              <a:rPr lang="en-US" sz="1800" dirty="0">
-                <a:latin typeface="Selawik Semibold" panose="020B0702040204020203" pitchFamily="34" charset="0"/>
-              </a:rPr>
-              <a:t>Analysis of Fan Behavior in Stadium (New England Patriots)</a:t>
+              <a:rPr lang="en-US" sz="1600" dirty="0" err="1">
+                <a:latin typeface="Selawik Semibold" panose="020B0702040204020203" pitchFamily="34" charset="0"/>
+              </a:rPr>
+              <a:t>ChrynoHego</a:t>
+            </a:r>
+            <a:r>
+              <a:rPr lang="en-US" sz="1600" dirty="0">
+                <a:latin typeface="Selawik Semibold" panose="020B0702040204020203" pitchFamily="34" charset="0"/>
+              </a:rPr>
+              <a:t> Corporation</a:t>
             </a:r>
           </a:p>
           <a:p>
             <a:pPr lvl="2"/>
             <a:r>
-              <a:rPr lang="en-US" sz="1800" dirty="0">
-                <a:latin typeface="Selawik Semibold" panose="020B0702040204020203" pitchFamily="34" charset="0"/>
-              </a:rPr>
-              <a:t>Wireless Internet and Phone Apps</a:t>
+              <a:rPr lang="en-US" sz="1600" dirty="0">
+                <a:latin typeface="Selawik Semibold" panose="020B0702040204020203" pitchFamily="34" charset="0"/>
+              </a:rPr>
+              <a:t>Deltatre</a:t>
             </a:r>
           </a:p>
           <a:p>
             <a:pPr lvl="2"/>
             <a:r>
-              <a:rPr lang="en-US" sz="1800" dirty="0">
-                <a:latin typeface="Selawik Semibold" panose="020B0702040204020203" pitchFamily="34" charset="0"/>
-              </a:rPr>
-              <a:t>Apps Supply Game Analytics, Parking Information, Promotions, and Traffic Information to the Fans (NFL)</a:t>
-            </a:r>
-          </a:p>
-          <a:p>
-            <a:pPr marL="914400" lvl="2" indent="0">
-              <a:buNone/>
-            </a:pPr>
-            <a:endParaRPr lang="en-US" sz="1800" dirty="0">
+              <a:rPr lang="en-US" sz="1600" dirty="0" err="1">
+                <a:latin typeface="Selawik Semibold" panose="020B0702040204020203" pitchFamily="34" charset="0"/>
+              </a:rPr>
+              <a:t>Experfy</a:t>
+            </a:r>
+            <a:r>
+              <a:rPr lang="en-US" sz="1600" dirty="0">
+                <a:latin typeface="Selawik Semibold" panose="020B0702040204020203" pitchFamily="34" charset="0"/>
+              </a:rPr>
+              <a:t> Inc. </a:t>
+            </a:r>
+          </a:p>
+          <a:p>
+            <a:pPr lvl="2"/>
+            <a:r>
+              <a:rPr lang="en-US" sz="1600" dirty="0">
+                <a:latin typeface="Selawik Semibold" panose="020B0702040204020203" pitchFamily="34" charset="0"/>
+              </a:rPr>
+              <a:t>Genius Sports Group</a:t>
+            </a:r>
+          </a:p>
+          <a:p>
+            <a:pPr lvl="2"/>
+            <a:r>
+              <a:rPr lang="en-US" sz="1600" dirty="0">
+                <a:latin typeface="Selawik Semibold" panose="020B0702040204020203" pitchFamily="34" charset="0"/>
+              </a:rPr>
+              <a:t>IBM Corporation</a:t>
+            </a:r>
+          </a:p>
+          <a:p>
+            <a:pPr lvl="2"/>
+            <a:r>
+              <a:rPr lang="en-US" sz="1600" dirty="0">
+                <a:latin typeface="Selawik Semibold" panose="020B0702040204020203" pitchFamily="34" charset="0"/>
+              </a:rPr>
+              <a:t>Oracle Corporation</a:t>
+            </a:r>
+          </a:p>
+          <a:p>
+            <a:pPr lvl="2"/>
+            <a:r>
+              <a:rPr lang="en-US" sz="1600" dirty="0">
+                <a:latin typeface="Selawik Semibold" panose="020B0702040204020203" pitchFamily="34" charset="0"/>
+              </a:rPr>
+              <a:t>SAP SE</a:t>
+            </a:r>
+          </a:p>
+          <a:p>
+            <a:pPr lvl="2"/>
+            <a:r>
+              <a:rPr lang="en-US" sz="1600" dirty="0">
+                <a:latin typeface="Selawik Semibold" panose="020B0702040204020203" pitchFamily="34" charset="0"/>
+              </a:rPr>
+              <a:t>SAS Institute Inc.</a:t>
+            </a:r>
+          </a:p>
+          <a:p>
+            <a:pPr lvl="2"/>
+            <a:r>
+              <a:rPr lang="en-US" sz="1600" dirty="0" err="1">
+                <a:latin typeface="Selawik Semibold" panose="020B0702040204020203" pitchFamily="34" charset="0"/>
+              </a:rPr>
+              <a:t>Sportradar</a:t>
+            </a:r>
+            <a:r>
+              <a:rPr lang="en-US" sz="1600" dirty="0">
+                <a:latin typeface="Selawik Semibold" panose="020B0702040204020203" pitchFamily="34" charset="0"/>
+              </a:rPr>
+              <a:t> AG</a:t>
+            </a:r>
+          </a:p>
+          <a:p>
+            <a:pPr lvl="2"/>
+            <a:r>
+              <a:rPr lang="en-US" sz="1600" dirty="0">
+                <a:latin typeface="Selawik Semibold" panose="020B0702040204020203" pitchFamily="34" charset="0"/>
+              </a:rPr>
+              <a:t>Stats Perform</a:t>
+            </a:r>
+          </a:p>
+          <a:p>
+            <a:pPr lvl="1"/>
+            <a:endParaRPr lang="en-US" sz="2000" dirty="0">
+              <a:latin typeface="Selawik Semibold" panose="020B0702040204020203" pitchFamily="34" charset="0"/>
+            </a:endParaRPr>
+          </a:p>
+          <a:p>
+            <a:pPr lvl="1"/>
+            <a:endParaRPr lang="en-US" sz="2000" dirty="0">
+              <a:latin typeface="Selawik Semibold" panose="020B0702040204020203" pitchFamily="34" charset="0"/>
+            </a:endParaRPr>
+          </a:p>
+          <a:p>
+            <a:pPr lvl="1"/>
+            <a:endParaRPr lang="en-US" sz="2000" dirty="0">
               <a:latin typeface="Selawik Semibold" panose="020B0702040204020203" pitchFamily="34" charset="0"/>
             </a:endParaRPr>
           </a:p>
@@ -6373,7 +6344,7 @@
     </p:spTree>
     <p:extLst>
       <p:ext uri="{BB962C8B-B14F-4D97-AF65-F5344CB8AC3E}">
-        <p14:creationId xmlns:p14="http://schemas.microsoft.com/office/powerpoint/2010/main" val="3238867921"/>
+        <p14:creationId xmlns:p14="http://schemas.microsoft.com/office/powerpoint/2010/main" val="135951548"/>
       </p:ext>
     </p:extLst>
   </p:cSld>
@@ -6526,13 +6497,13 @@
         </p:nvSpPr>
         <p:spPr>
           <a:xfrm>
-            <a:off x="838199" y="2021248"/>
-            <a:ext cx="7653667" cy="4695905"/>
+            <a:off x="838199" y="2021247"/>
+            <a:ext cx="8449850" cy="4787067"/>
           </a:xfrm>
         </p:spPr>
         <p:txBody>
           <a:bodyPr>
-            <a:normAutofit/>
+            <a:normAutofit lnSpcReduction="10000"/>
           </a:bodyPr>
           <a:lstStyle/>
           <a:p>
@@ -6540,12 +6511,80 @@
               <a:rPr lang="en-US" sz="2400" dirty="0">
                 <a:latin typeface="Selawik Semibold" panose="020B0702040204020203" pitchFamily="34" charset="0"/>
               </a:rPr>
-              <a:t>Modern Applications of Sports Analytics</a:t>
+              <a:t>Modern Applications of Sports Analytics </a:t>
             </a:r>
           </a:p>
           <a:p>
             <a:pPr lvl="1"/>
-            <a:endParaRPr lang="en-US" sz="2000" dirty="0">
+            <a:r>
+              <a:rPr lang="en-US" sz="2000" dirty="0">
+                <a:latin typeface="Selawik Semibold" panose="020B0702040204020203" pitchFamily="34" charset="0"/>
+              </a:rPr>
+              <a:t>Forbes Article from 2021 by </a:t>
+            </a:r>
+            <a:r>
+              <a:rPr lang="en-US" sz="2000" dirty="0" err="1">
+                <a:latin typeface="Selawik Semibold" panose="020B0702040204020203" pitchFamily="34" charset="0"/>
+              </a:rPr>
+              <a:t>Abhas</a:t>
+            </a:r>
+            <a:r>
+              <a:rPr lang="en-US" sz="2000" dirty="0">
+                <a:latin typeface="Selawik Semibold" panose="020B0702040204020203" pitchFamily="34" charset="0"/>
+              </a:rPr>
+              <a:t> Ricky</a:t>
+            </a:r>
+          </a:p>
+          <a:p>
+            <a:pPr marL="457200" lvl="1" indent="0">
+              <a:buNone/>
+            </a:pPr>
+            <a:r>
+              <a:rPr lang="en-US" sz="2000" dirty="0">
+                <a:latin typeface="Selawik Semibold" panose="020B0702040204020203" pitchFamily="34" charset="0"/>
+              </a:rPr>
+              <a:t> </a:t>
+            </a:r>
+          </a:p>
+          <a:p>
+            <a:pPr lvl="1"/>
+            <a:r>
+              <a:rPr lang="en-US" sz="2000" dirty="0">
+                <a:latin typeface="Selawik Semibold" panose="020B0702040204020203" pitchFamily="34" charset="0"/>
+              </a:rPr>
+              <a:t>Helping the Team Win</a:t>
+            </a:r>
+          </a:p>
+          <a:p>
+            <a:pPr lvl="2"/>
+            <a:r>
+              <a:rPr lang="en-US" sz="1800" dirty="0">
+                <a:latin typeface="Selawik Semibold" panose="020B0702040204020203" pitchFamily="34" charset="0"/>
+              </a:rPr>
+              <a:t>Automated Video Analysis (Lincoln City, UK Football)</a:t>
+            </a:r>
+          </a:p>
+          <a:p>
+            <a:pPr lvl="2"/>
+            <a:r>
+              <a:rPr lang="en-US" sz="1800" dirty="0">
+                <a:latin typeface="Selawik Semibold" panose="020B0702040204020203" pitchFamily="34" charset="0"/>
+              </a:rPr>
+              <a:t>3D Depth Camera (NBA)</a:t>
+            </a:r>
+          </a:p>
+          <a:p>
+            <a:pPr lvl="2"/>
+            <a:r>
+              <a:rPr lang="en-US" sz="1800" dirty="0">
+                <a:latin typeface="Selawik Semibold" panose="020B0702040204020203" pitchFamily="34" charset="0"/>
+              </a:rPr>
+              <a:t>Wearable Technology (NBA, NHL)</a:t>
+            </a:r>
+          </a:p>
+          <a:p>
+            <a:pPr lvl="1"/>
+            <a:endParaRPr lang="en-US" sz="2200" dirty="0">
               <a:latin typeface="Selawik Semibold" panose="020B0702040204020203" pitchFamily="34" charset="0"/>
             </a:endParaRPr>
           </a:p>
@@ -6555,7 +6594,7 @@
               <a:rPr lang="en-US" sz="2000" dirty="0">
                 <a:latin typeface="Selawik Semibold" panose="020B0702040204020203" pitchFamily="34" charset="0"/>
               </a:rPr>
-              <a:t>Benefiting Other Stakeholders</a:t>
+              <a:t>Improving the Fan Experience</a:t>
             </a:r>
           </a:p>
           <a:p>
@@ -6564,7 +6603,7 @@
               <a:rPr lang="en-US" sz="1800" dirty="0">
                 <a:latin typeface="Selawik Semibold" panose="020B0702040204020203" pitchFamily="34" charset="0"/>
               </a:rPr>
-              <a:t>Tracking Fan Behavior Outside the Stadium</a:t>
+              <a:t>Analysis of Digital Engagement</a:t>
             </a:r>
           </a:p>
           <a:p>
@@ -6573,7 +6612,7 @@
               <a:rPr lang="en-US" sz="1800" dirty="0">
                 <a:latin typeface="Selawik Semibold" panose="020B0702040204020203" pitchFamily="34" charset="0"/>
               </a:rPr>
-              <a:t>Telecommunication, Retailers, Payment Providers, Ticket Agencies, and Sponsorships</a:t>
+              <a:t>Sentiment in Social Media</a:t>
             </a:r>
           </a:p>
           <a:p>
@@ -6582,84 +6621,32 @@
               <a:rPr lang="en-US" sz="1800" dirty="0">
                 <a:latin typeface="Selawik Semibold" panose="020B0702040204020203" pitchFamily="34" charset="0"/>
               </a:rPr>
-              <a:t>Adapt to Quick Changes in Consumer Behavior</a:t>
+              <a:t>Analysis of Fan Behavior in Stadium (New England Patriots)</a:t>
             </a:r>
           </a:p>
           <a:p>
             <a:pPr lvl="2"/>
+            <a:r>
+              <a:rPr lang="en-US" sz="1800" dirty="0">
+                <a:latin typeface="Selawik Semibold" panose="020B0702040204020203" pitchFamily="34" charset="0"/>
+              </a:rPr>
+              <a:t>Wireless Internet and Phone Apps</a:t>
+            </a:r>
+          </a:p>
+          <a:p>
+            <a:pPr lvl="2"/>
+            <a:r>
+              <a:rPr lang="en-US" sz="1800" dirty="0">
+                <a:latin typeface="Selawik Semibold" panose="020B0702040204020203" pitchFamily="34" charset="0"/>
+              </a:rPr>
+              <a:t>Apps Supply Game Analytics, Parking Information, Promotions, and Traffic Information to the Fans (NFL)</a:t>
+            </a:r>
+          </a:p>
+          <a:p>
+            <a:pPr marL="914400" lvl="2" indent="0">
+              <a:buNone/>
+            </a:pPr>
             <a:endParaRPr lang="en-US" sz="1800" dirty="0">
-              <a:latin typeface="Selawik Semibold" panose="020B0702040204020203" pitchFamily="34" charset="0"/>
-            </a:endParaRPr>
-          </a:p>
-          <a:p>
-            <a:pPr lvl="1"/>
-            <a:r>
-              <a:rPr lang="en-US" sz="2000" dirty="0">
-                <a:latin typeface="Selawik Semibold" panose="020B0702040204020203" pitchFamily="34" charset="0"/>
-              </a:rPr>
-              <a:t>Optimizing the Back-Office</a:t>
-            </a:r>
-          </a:p>
-          <a:p>
-            <a:pPr lvl="2"/>
-            <a:r>
-              <a:rPr lang="en-US" sz="1600" dirty="0">
-                <a:latin typeface="Selawik Semibold" panose="020B0702040204020203" pitchFamily="34" charset="0"/>
-              </a:rPr>
-              <a:t>HR Practices</a:t>
-            </a:r>
-          </a:p>
-          <a:p>
-            <a:pPr lvl="2"/>
-            <a:r>
-              <a:rPr lang="en-US" sz="1600" dirty="0">
-                <a:latin typeface="Selawik Semibold" panose="020B0702040204020203" pitchFamily="34" charset="0"/>
-              </a:rPr>
-              <a:t>Game Scheduling</a:t>
-            </a:r>
-          </a:p>
-          <a:p>
-            <a:pPr lvl="2"/>
-            <a:r>
-              <a:rPr lang="en-US" sz="1600" dirty="0">
-                <a:latin typeface="Selawik Semibold" panose="020B0702040204020203" pitchFamily="34" charset="0"/>
-              </a:rPr>
-              <a:t>Supply Chain Management and Logistics</a:t>
-            </a:r>
-          </a:p>
-          <a:p>
-            <a:pPr lvl="2"/>
-            <a:r>
-              <a:rPr lang="en-US" sz="1600" dirty="0">
-                <a:latin typeface="Selawik Semibold" panose="020B0702040204020203" pitchFamily="34" charset="0"/>
-              </a:rPr>
-              <a:t>Marketing and Promotions</a:t>
-            </a:r>
-          </a:p>
-          <a:p>
-            <a:pPr lvl="2"/>
-            <a:r>
-              <a:rPr lang="en-US" sz="1600" dirty="0">
-                <a:latin typeface="Selawik Semibold" panose="020B0702040204020203" pitchFamily="34" charset="0"/>
-              </a:rPr>
-              <a:t>Procurement of Goods and Services</a:t>
-            </a:r>
-          </a:p>
-          <a:p>
-            <a:pPr lvl="2"/>
-            <a:endParaRPr lang="en-US" sz="1600" dirty="0">
-              <a:latin typeface="Selawik Semibold" panose="020B0702040204020203" pitchFamily="34" charset="0"/>
-            </a:endParaRPr>
-          </a:p>
-          <a:p>
-            <a:pPr lvl="2"/>
-            <a:endParaRPr lang="en-US" sz="1800" dirty="0">
-              <a:latin typeface="Selawik Semibold" panose="020B0702040204020203" pitchFamily="34" charset="0"/>
-            </a:endParaRPr>
-          </a:p>
-          <a:p>
-            <a:pPr lvl="1"/>
-            <a:endParaRPr lang="en-US" sz="2200" dirty="0">
               <a:latin typeface="Selawik Semibold" panose="020B0702040204020203" pitchFamily="34" charset="0"/>
             </a:endParaRPr>
           </a:p>
@@ -7008,7 +6995,7 @@
     </p:spTree>
     <p:extLst>
       <p:ext uri="{BB962C8B-B14F-4D97-AF65-F5344CB8AC3E}">
-        <p14:creationId xmlns:p14="http://schemas.microsoft.com/office/powerpoint/2010/main" val="2738960413"/>
+        <p14:creationId xmlns:p14="http://schemas.microsoft.com/office/powerpoint/2010/main" val="3238867921"/>
       </p:ext>
     </p:extLst>
   </p:cSld>
@@ -7162,7 +7149,7 @@
         <p:spPr>
           <a:xfrm>
             <a:off x="838199" y="2021248"/>
-            <a:ext cx="7653668" cy="4695905"/>
+            <a:ext cx="7653667" cy="4695905"/>
           </a:xfrm>
         </p:spPr>
         <p:txBody>
@@ -7180,7 +7167,7 @@
           </a:p>
           <a:p>
             <a:pPr lvl="1"/>
-            <a:endParaRPr lang="en-US" sz="2000" b="1" dirty="0">
+            <a:endParaRPr lang="en-US" sz="2000" dirty="0">
               <a:latin typeface="Selawik Semibold" panose="020B0702040204020203" pitchFamily="34" charset="0"/>
             </a:endParaRPr>
           </a:p>
@@ -7190,7 +7177,7 @@
               <a:rPr lang="en-US" sz="2000" dirty="0">
                 <a:latin typeface="Selawik Semibold" panose="020B0702040204020203" pitchFamily="34" charset="0"/>
               </a:rPr>
-              <a:t>Advancing Sports Gambling</a:t>
+              <a:t>Benefiting Other Stakeholders</a:t>
             </a:r>
           </a:p>
           <a:p>
@@ -7199,19 +7186,16 @@
               <a:rPr lang="en-US" sz="1800" dirty="0">
                 <a:latin typeface="Selawik Semibold" panose="020B0702040204020203" pitchFamily="34" charset="0"/>
               </a:rPr>
-              <a:t>Supreme Court Ruling Previous Statute Violated 10</a:t>
-            </a:r>
-            <a:r>
-              <a:rPr lang="en-US" sz="1800" baseline="30000" dirty="0">
-                <a:latin typeface="Selawik Semibold" panose="020B0702040204020203" pitchFamily="34" charset="0"/>
-              </a:rPr>
-              <a:t>th</a:t>
-            </a:r>
+              <a:t>Tracking Fan Behavior Outside the Stadium</a:t>
+            </a:r>
+          </a:p>
+          <a:p>
+            <a:pPr lvl="2"/>
             <a:r>
               <a:rPr lang="en-US" sz="1800" dirty="0">
                 <a:latin typeface="Selawik Semibold" panose="020B0702040204020203" pitchFamily="34" charset="0"/>
               </a:rPr>
-              <a:t> Amendment (Murphy v. National Collegiate Athletic Association)</a:t>
+              <a:t>Telecommunication, Retailers, Payment Providers, Ticket Agencies, and Sponsorships</a:t>
             </a:r>
           </a:p>
           <a:p>
@@ -7220,63 +7204,78 @@
               <a:rPr lang="en-US" sz="1800" dirty="0">
                 <a:latin typeface="Selawik Semibold" panose="020B0702040204020203" pitchFamily="34" charset="0"/>
               </a:rPr>
-              <a:t>States Free to Legislate Gambling</a:t>
+              <a:t>Adapt to Quick Changes in Consumer Behavior</a:t>
             </a:r>
           </a:p>
           <a:p>
             <a:pPr lvl="2"/>
-            <a:r>
-              <a:rPr lang="en-US" sz="1800" dirty="0">
-                <a:latin typeface="Selawik Semibold" panose="020B0702040204020203" pitchFamily="34" charset="0"/>
-              </a:rPr>
-              <a:t>Improvement of Gambling Products</a:t>
+            <a:endParaRPr lang="en-US" sz="1800" dirty="0">
+              <a:latin typeface="Selawik Semibold" panose="020B0702040204020203" pitchFamily="34" charset="0"/>
+            </a:endParaRPr>
+          </a:p>
+          <a:p>
+            <a:pPr lvl="1"/>
+            <a:r>
+              <a:rPr lang="en-US" sz="2000" dirty="0">
+                <a:latin typeface="Selawik Semibold" panose="020B0702040204020203" pitchFamily="34" charset="0"/>
+              </a:rPr>
+              <a:t>Optimizing the Back-Office</a:t>
             </a:r>
           </a:p>
           <a:p>
             <a:pPr lvl="2"/>
             <a:r>
-              <a:rPr lang="en-US" sz="1800" dirty="0">
-                <a:latin typeface="Selawik Semibold" panose="020B0702040204020203" pitchFamily="34" charset="0"/>
-              </a:rPr>
-              <a:t>Data Aggregation and Visualization for Bettors </a:t>
+              <a:rPr lang="en-US" sz="1600" dirty="0">
+                <a:latin typeface="Selawik Semibold" panose="020B0702040204020203" pitchFamily="34" charset="0"/>
+              </a:rPr>
+              <a:t>HR Practices</a:t>
             </a:r>
           </a:p>
           <a:p>
             <a:pPr lvl="2"/>
             <a:r>
-              <a:rPr lang="en-US" sz="1800" dirty="0">
-                <a:latin typeface="Selawik Semibold" panose="020B0702040204020203" pitchFamily="34" charset="0"/>
-              </a:rPr>
-              <a:t>Develop Daily Fantasy Sports</a:t>
+              <a:rPr lang="en-US" sz="1600" dirty="0">
+                <a:latin typeface="Selawik Semibold" panose="020B0702040204020203" pitchFamily="34" charset="0"/>
+              </a:rPr>
+              <a:t>Game Scheduling</a:t>
             </a:r>
           </a:p>
           <a:p>
             <a:pPr lvl="2"/>
             <a:r>
-              <a:rPr lang="en-US" sz="1800" dirty="0">
-                <a:latin typeface="Selawik Semibold" panose="020B0702040204020203" pitchFamily="34" charset="0"/>
-              </a:rPr>
-              <a:t>Grandview Research</a:t>
-            </a:r>
-          </a:p>
-          <a:p>
-            <a:pPr lvl="3"/>
-            <a:r>
               <a:rPr lang="en-US" sz="1600" dirty="0">
                 <a:latin typeface="Selawik Semibold" panose="020B0702040204020203" pitchFamily="34" charset="0"/>
               </a:rPr>
-              <a:t>Global Market Valued at $83.65B in 2022</a:t>
-            </a:r>
-          </a:p>
-          <a:p>
-            <a:pPr lvl="3"/>
-            <a:r>
-              <a:rPr lang="en-US" sz="1600">
-                <a:latin typeface="Selawik Semibold" panose="020B0702040204020203" pitchFamily="34" charset="0"/>
-              </a:rPr>
-              <a:t>Projected to Reach $182.12B in 2030</a:t>
-            </a:r>
+              <a:t>Supply Chain Management and Logistics</a:t>
+            </a:r>
+          </a:p>
+          <a:p>
+            <a:pPr lvl="2"/>
+            <a:r>
+              <a:rPr lang="en-US" sz="1600" dirty="0">
+                <a:latin typeface="Selawik Semibold" panose="020B0702040204020203" pitchFamily="34" charset="0"/>
+              </a:rPr>
+              <a:t>Marketing and Promotions</a:t>
+            </a:r>
+          </a:p>
+          <a:p>
+            <a:pPr lvl="2"/>
+            <a:r>
+              <a:rPr lang="en-US" sz="1600" dirty="0">
+                <a:latin typeface="Selawik Semibold" panose="020B0702040204020203" pitchFamily="34" charset="0"/>
+              </a:rPr>
+              <a:t>Procurement of Goods and Services</a:t>
+            </a:r>
+          </a:p>
+          <a:p>
+            <a:pPr lvl="2"/>
             <a:endParaRPr lang="en-US" sz="1600" dirty="0">
+              <a:latin typeface="Selawik Semibold" panose="020B0702040204020203" pitchFamily="34" charset="0"/>
+            </a:endParaRPr>
+          </a:p>
+          <a:p>
+            <a:pPr lvl="2"/>
+            <a:endParaRPr lang="en-US" sz="1800" dirty="0">
               <a:latin typeface="Selawik Semibold" panose="020B0702040204020203" pitchFamily="34" charset="0"/>
             </a:endParaRPr>
           </a:p>
@@ -7631,7 +7630,7 @@
     </p:spTree>
     <p:extLst>
       <p:ext uri="{BB962C8B-B14F-4D97-AF65-F5344CB8AC3E}">
-        <p14:creationId xmlns:p14="http://schemas.microsoft.com/office/powerpoint/2010/main" val="328255060"/>
+        <p14:creationId xmlns:p14="http://schemas.microsoft.com/office/powerpoint/2010/main" val="2738960413"/>
       </p:ext>
     </p:extLst>
   </p:cSld>
@@ -7761,7 +7760,7 @@
               <a:rPr lang="en-US" b="1" dirty="0">
                 <a:latin typeface="Selawik Semibold" panose="020B0604020202020204" pitchFamily="34" charset="0"/>
               </a:rPr>
-              <a:t>Your Industry Future</a:t>
+              <a:t>Industry Present</a:t>
             </a:r>
           </a:p>
         </p:txBody>
@@ -7785,12 +7784,12 @@
         <p:spPr>
           <a:xfrm>
             <a:off x="838199" y="2021248"/>
-            <a:ext cx="8107018" cy="4695905"/>
+            <a:ext cx="7653668" cy="4695905"/>
           </a:xfrm>
         </p:spPr>
         <p:txBody>
           <a:bodyPr>
-            <a:normAutofit lnSpcReduction="10000"/>
+            <a:normAutofit/>
           </a:bodyPr>
           <a:lstStyle/>
           <a:p>
@@ -7798,35 +7797,12 @@
               <a:rPr lang="en-US" sz="2400" dirty="0">
                 <a:latin typeface="Selawik Semibold" panose="020B0702040204020203" pitchFamily="34" charset="0"/>
               </a:rPr>
-              <a:t>Prerequisites by Howard Hamilton </a:t>
-            </a:r>
-          </a:p>
-          <a:p>
-            <a:pPr marL="0" indent="0">
-              <a:buNone/>
-            </a:pPr>
-            <a:r>
-              <a:rPr lang="en-US" sz="2400" dirty="0">
-                <a:latin typeface="Selawik Semibold" panose="020B0702040204020203" pitchFamily="34" charset="0"/>
-              </a:rPr>
-              <a:t>   (</a:t>
-            </a:r>
-            <a:r>
-              <a:rPr lang="en-US" sz="2400" dirty="0" err="1">
-                <a:latin typeface="Selawik Semibold" panose="020B0702040204020203" pitchFamily="34" charset="0"/>
-              </a:rPr>
-              <a:t>Soccermetrics</a:t>
-            </a:r>
-            <a:r>
-              <a:rPr lang="en-US" sz="2400" dirty="0">
-                <a:latin typeface="Selawik Semibold" panose="020B0702040204020203" pitchFamily="34" charset="0"/>
-              </a:rPr>
-              <a:t>)</a:t>
+              <a:t>Modern Applications of Sports Analytics</a:t>
             </a:r>
           </a:p>
           <a:p>
             <a:pPr lvl="1"/>
-            <a:endParaRPr lang="en-US" sz="2000" dirty="0">
+            <a:endParaRPr lang="en-US" sz="2000" b="1" dirty="0">
               <a:latin typeface="Selawik Semibold" panose="020B0702040204020203" pitchFamily="34" charset="0"/>
             </a:endParaRPr>
           </a:p>
@@ -7836,7 +7812,7 @@
               <a:rPr lang="en-US" sz="2000" dirty="0">
                 <a:latin typeface="Selawik Semibold" panose="020B0702040204020203" pitchFamily="34" charset="0"/>
               </a:rPr>
-              <a:t>Technical Skills</a:t>
+              <a:t>Advancing Sports Gambling</a:t>
             </a:r>
           </a:p>
           <a:p>
@@ -7845,7 +7821,19 @@
               <a:rPr lang="en-US" sz="1800" dirty="0">
                 <a:latin typeface="Selawik Semibold" panose="020B0702040204020203" pitchFamily="34" charset="0"/>
               </a:rPr>
-              <a:t>Mathematics (Linear Algebra/Probability Essential)</a:t>
+              <a:t>Supreme Court Ruling Previous Statute Violated 10</a:t>
+            </a:r>
+            <a:r>
+              <a:rPr lang="en-US" sz="1800" baseline="30000" dirty="0">
+                <a:latin typeface="Selawik Semibold" panose="020B0702040204020203" pitchFamily="34" charset="0"/>
+              </a:rPr>
+              <a:t>th</a:t>
+            </a:r>
+            <a:r>
+              <a:rPr lang="en-US" sz="1800" dirty="0">
+                <a:latin typeface="Selawik Semibold" panose="020B0702040204020203" pitchFamily="34" charset="0"/>
+              </a:rPr>
+              <a:t> Amendment (Murphy v. National Collegiate Athletic Association)</a:t>
             </a:r>
           </a:p>
           <a:p>
@@ -7854,7 +7842,7 @@
               <a:rPr lang="en-US" sz="1800" dirty="0">
                 <a:latin typeface="Selawik Semibold" panose="020B0702040204020203" pitchFamily="34" charset="0"/>
               </a:rPr>
-              <a:t>Statistics (Frequentist and Bayesian Perspectives)</a:t>
+              <a:t>States Free to Legislate Gambling</a:t>
             </a:r>
           </a:p>
           <a:p>
@@ -7863,7 +7851,7 @@
               <a:rPr lang="en-US" sz="1800" dirty="0">
                 <a:latin typeface="Selawik Semibold" panose="020B0702040204020203" pitchFamily="34" charset="0"/>
               </a:rPr>
-              <a:t>Machine Learning (Supervised and Unsupervised)</a:t>
+              <a:t>Improvement of Gambling Products</a:t>
             </a:r>
           </a:p>
           <a:p>
@@ -7872,7 +7860,7 @@
               <a:rPr lang="en-US" sz="1800" dirty="0">
                 <a:latin typeface="Selawik Semibold" panose="020B0702040204020203" pitchFamily="34" charset="0"/>
               </a:rPr>
-              <a:t>Programming (R/Python, Data Structures, OOP)</a:t>
+              <a:t>Data Aggregation and Visualization for Bettors </a:t>
             </a:r>
           </a:p>
           <a:p>
@@ -7881,7 +7869,7 @@
               <a:rPr lang="en-US" sz="1800" dirty="0">
                 <a:latin typeface="Selawik Semibold" panose="020B0702040204020203" pitchFamily="34" charset="0"/>
               </a:rPr>
-              <a:t>Databases</a:t>
+              <a:t>Develop Daily Fantasy Sports</a:t>
             </a:r>
           </a:p>
           <a:p>
@@ -7890,44 +7878,27 @@
               <a:rPr lang="en-US" sz="1800" dirty="0">
                 <a:latin typeface="Selawik Semibold" panose="020B0702040204020203" pitchFamily="34" charset="0"/>
               </a:rPr>
-              <a:t>Visualization</a:t>
-            </a:r>
-          </a:p>
-          <a:p>
-            <a:pPr lvl="2"/>
-            <a:endParaRPr lang="en-US" sz="1800" dirty="0">
-              <a:latin typeface="Selawik Semibold" panose="020B0702040204020203" pitchFamily="34" charset="0"/>
-            </a:endParaRPr>
-          </a:p>
-          <a:p>
-            <a:pPr lvl="1"/>
-            <a:r>
-              <a:rPr lang="en-US" sz="2000" dirty="0">
-                <a:latin typeface="Selawik Semibold" panose="020B0702040204020203" pitchFamily="34" charset="0"/>
-              </a:rPr>
-              <a:t>Socials Skills, Ethics, and the Law</a:t>
-            </a:r>
-          </a:p>
-          <a:p>
-            <a:pPr marL="457200" lvl="1" indent="0">
-              <a:buNone/>
-            </a:pPr>
-            <a:endParaRPr lang="en-US" sz="2000" dirty="0">
-              <a:latin typeface="Selawik Semibold" panose="020B0702040204020203" pitchFamily="34" charset="0"/>
-            </a:endParaRPr>
-          </a:p>
-          <a:p>
-            <a:pPr lvl="1"/>
-            <a:r>
-              <a:rPr lang="en-US" sz="2000" dirty="0">
-                <a:latin typeface="Selawik Semibold" panose="020B0702040204020203" pitchFamily="34" charset="0"/>
-              </a:rPr>
-              <a:t>Knowledgeable About All Aspects of the Sport</a:t>
-            </a:r>
-          </a:p>
-          <a:p>
-            <a:pPr lvl="2"/>
-            <a:endParaRPr lang="en-US" sz="1800" dirty="0">
+              <a:t>Grandview Research</a:t>
+            </a:r>
+          </a:p>
+          <a:p>
+            <a:pPr lvl="3"/>
+            <a:r>
+              <a:rPr lang="en-US" sz="1600" dirty="0">
+                <a:latin typeface="Selawik Semibold" panose="020B0702040204020203" pitchFamily="34" charset="0"/>
+              </a:rPr>
+              <a:t>Global Market Valued at $83.65B in 2022</a:t>
+            </a:r>
+          </a:p>
+          <a:p>
+            <a:pPr lvl="3"/>
+            <a:r>
+              <a:rPr lang="en-US" sz="1600">
+                <a:latin typeface="Selawik Semibold" panose="020B0702040204020203" pitchFamily="34" charset="0"/>
+              </a:rPr>
+              <a:t>Projected to Reach $182.12B in 2030</a:t>
+            </a:r>
+            <a:endParaRPr lang="en-US" sz="1600" dirty="0">
               <a:latin typeface="Selawik Semibold" panose="020B0702040204020203" pitchFamily="34" charset="0"/>
             </a:endParaRPr>
           </a:p>
@@ -8282,7 +8253,7 @@
     </p:spTree>
     <p:extLst>
       <p:ext uri="{BB962C8B-B14F-4D97-AF65-F5344CB8AC3E}">
-        <p14:creationId xmlns:p14="http://schemas.microsoft.com/office/powerpoint/2010/main" val="3511620189"/>
+        <p14:creationId xmlns:p14="http://schemas.microsoft.com/office/powerpoint/2010/main" val="328255060"/>
       </p:ext>
     </p:extLst>
   </p:cSld>
@@ -8441,7 +8412,7 @@
         </p:spPr>
         <p:txBody>
           <a:bodyPr>
-            <a:normAutofit/>
+            <a:normAutofit lnSpcReduction="10000"/>
           </a:bodyPr>
           <a:lstStyle/>
           <a:p>
@@ -8449,14 +8420,35 @@
               <a:rPr lang="en-US" sz="2400" dirty="0">
                 <a:latin typeface="Selawik Semibold" panose="020B0702040204020203" pitchFamily="34" charset="0"/>
               </a:rPr>
-              <a:t>Real Jobs (Indeed)</a:t>
+              <a:t>Prerequisites by Howard Hamilton </a:t>
             </a:r>
           </a:p>
           <a:p>
             <a:pPr marL="0" indent="0">
               <a:buNone/>
             </a:pPr>
-            <a:endParaRPr lang="en-US" sz="2400" dirty="0">
+            <a:r>
+              <a:rPr lang="en-US" sz="2400" dirty="0">
+                <a:latin typeface="Selawik Semibold" panose="020B0702040204020203" pitchFamily="34" charset="0"/>
+              </a:rPr>
+              <a:t>   (</a:t>
+            </a:r>
+            <a:r>
+              <a:rPr lang="en-US" sz="2400" dirty="0" err="1">
+                <a:latin typeface="Selawik Semibold" panose="020B0702040204020203" pitchFamily="34" charset="0"/>
+              </a:rPr>
+              <a:t>Soccermetrics</a:t>
+            </a:r>
+            <a:r>
+              <a:rPr lang="en-US" sz="2400" dirty="0">
+                <a:latin typeface="Selawik Semibold" panose="020B0702040204020203" pitchFamily="34" charset="0"/>
+              </a:rPr>
+              <a:t>)</a:t>
+            </a:r>
+          </a:p>
+          <a:p>
+            <a:pPr lvl="1"/>
+            <a:endParaRPr lang="en-US" sz="2000" dirty="0">
               <a:latin typeface="Selawik Semibold" panose="020B0702040204020203" pitchFamily="34" charset="0"/>
             </a:endParaRPr>
           </a:p>
@@ -8466,116 +8458,62 @@
               <a:rPr lang="en-US" sz="2000" dirty="0">
                 <a:latin typeface="Selawik Semibold" panose="020B0702040204020203" pitchFamily="34" charset="0"/>
               </a:rPr>
-              <a:t>Data Scientist, FanDuel</a:t>
-            </a:r>
-            <a:endParaRPr lang="en-US" sz="1600" dirty="0">
-              <a:latin typeface="Selawik Semibold" panose="020B0702040204020203" pitchFamily="34" charset="0"/>
-            </a:endParaRPr>
+              <a:t>Technical Skills</a:t>
+            </a:r>
           </a:p>
           <a:p>
             <a:pPr lvl="2"/>
             <a:r>
-              <a:rPr lang="en-US" sz="1600" dirty="0">
-                <a:latin typeface="Selawik Semibold" panose="020B0702040204020203" pitchFamily="34" charset="0"/>
-              </a:rPr>
-              <a:t>Bachelor’s Degree in Numerate Degree</a:t>
+              <a:rPr lang="en-US" sz="1800" dirty="0">
+                <a:latin typeface="Selawik Semibold" panose="020B0702040204020203" pitchFamily="34" charset="0"/>
+              </a:rPr>
+              <a:t>Mathematics (Linear Algebra/Probability Essential)</a:t>
             </a:r>
           </a:p>
           <a:p>
             <a:pPr lvl="2"/>
             <a:r>
-              <a:rPr lang="en-US" sz="1600" dirty="0">
-                <a:latin typeface="Selawik Semibold" panose="020B0702040204020203" pitchFamily="34" charset="0"/>
-              </a:rPr>
-              <a:t>Build Machine Learning Models</a:t>
+              <a:rPr lang="en-US" sz="1800" dirty="0">
+                <a:latin typeface="Selawik Semibold" panose="020B0702040204020203" pitchFamily="34" charset="0"/>
+              </a:rPr>
+              <a:t>Statistics (Frequentist and Bayesian Perspectives)</a:t>
             </a:r>
           </a:p>
           <a:p>
             <a:pPr lvl="2"/>
             <a:r>
-              <a:rPr lang="en-US" sz="1600" dirty="0">
-                <a:latin typeface="Selawik Semibold" panose="020B0702040204020203" pitchFamily="34" charset="0"/>
-              </a:rPr>
-              <a:t>Data Collection and Cleaning</a:t>
+              <a:rPr lang="en-US" sz="1800" dirty="0">
+                <a:latin typeface="Selawik Semibold" panose="020B0702040204020203" pitchFamily="34" charset="0"/>
+              </a:rPr>
+              <a:t>Machine Learning (Supervised and Unsupervised)</a:t>
             </a:r>
           </a:p>
           <a:p>
             <a:pPr lvl="2"/>
             <a:r>
-              <a:rPr lang="en-US" sz="1600" dirty="0">
-                <a:latin typeface="Selawik Semibold" panose="020B0702040204020203" pitchFamily="34" charset="0"/>
-              </a:rPr>
-              <a:t>R or Python + SQL</a:t>
+              <a:rPr lang="en-US" sz="1800" dirty="0">
+                <a:latin typeface="Selawik Semibold" panose="020B0702040204020203" pitchFamily="34" charset="0"/>
+              </a:rPr>
+              <a:t>Programming (R/Python, Data Structures, OOP)</a:t>
             </a:r>
           </a:p>
           <a:p>
             <a:pPr lvl="2"/>
-            <a:endParaRPr lang="en-US" sz="1600" dirty="0">
-              <a:latin typeface="Selawik Semibold" panose="020B0702040204020203" pitchFamily="34" charset="0"/>
-            </a:endParaRPr>
-          </a:p>
-          <a:p>
-            <a:pPr lvl="1"/>
-            <a:r>
-              <a:rPr lang="en-US" sz="2000" dirty="0">
-                <a:latin typeface="Selawik Semibold" panose="020B0702040204020203" pitchFamily="34" charset="0"/>
-              </a:rPr>
-              <a:t>Research Analyst, Harris Blitzer Sports &amp; Entertainment</a:t>
+            <a:r>
+              <a:rPr lang="en-US" sz="1800" dirty="0">
+                <a:latin typeface="Selawik Semibold" panose="020B0702040204020203" pitchFamily="34" charset="0"/>
+              </a:rPr>
+              <a:t>Databases</a:t>
             </a:r>
           </a:p>
           <a:p>
             <a:pPr lvl="2"/>
             <a:r>
-              <a:rPr lang="en-US" sz="1600" dirty="0">
-                <a:latin typeface="Selawik Semibold" panose="020B0702040204020203" pitchFamily="34" charset="0"/>
-              </a:rPr>
-              <a:t>Gather, Validate, Synthesize 3</a:t>
-            </a:r>
-            <a:r>
-              <a:rPr lang="en-US" sz="1600" baseline="30000" dirty="0">
-                <a:latin typeface="Selawik Semibold" panose="020B0702040204020203" pitchFamily="34" charset="0"/>
-              </a:rPr>
-              <a:t>rd</a:t>
-            </a:r>
-            <a:r>
-              <a:rPr lang="en-US" sz="1600" dirty="0">
-                <a:latin typeface="Selawik Semibold" panose="020B0702040204020203" pitchFamily="34" charset="0"/>
-              </a:rPr>
-              <a:t> Party Fan Data</a:t>
-            </a:r>
-          </a:p>
-          <a:p>
-            <a:pPr lvl="2"/>
-            <a:r>
-              <a:rPr lang="en-US" sz="1600" dirty="0">
-                <a:latin typeface="Selawik Semibold" panose="020B0702040204020203" pitchFamily="34" charset="0"/>
-              </a:rPr>
-              <a:t>Focus on Data Visualization and Communication Skills</a:t>
-            </a:r>
-          </a:p>
-          <a:p>
-            <a:pPr lvl="2"/>
-            <a:r>
-              <a:rPr lang="en-US" sz="1600" dirty="0">
-                <a:latin typeface="Selawik Semibold" panose="020B0702040204020203" pitchFamily="34" charset="0"/>
-              </a:rPr>
-              <a:t>EXCEL + PowerPoint + </a:t>
-            </a:r>
-            <a:r>
-              <a:rPr lang="en-US" sz="1600" dirty="0" err="1">
-                <a:latin typeface="Selawik Semibold" panose="020B0702040204020203" pitchFamily="34" charset="0"/>
-              </a:rPr>
-              <a:t>PowerBI</a:t>
-            </a:r>
-            <a:endParaRPr lang="en-US" sz="1800" dirty="0">
-              <a:latin typeface="Selawik Semibold" panose="020B0702040204020203" pitchFamily="34" charset="0"/>
-            </a:endParaRPr>
-          </a:p>
-          <a:p>
-            <a:pPr lvl="2"/>
-            <a:endParaRPr lang="en-US" sz="1400" dirty="0">
-              <a:latin typeface="Selawik Semibold" panose="020B0702040204020203" pitchFamily="34" charset="0"/>
-            </a:endParaRPr>
+              <a:rPr lang="en-US" sz="1800" dirty="0">
+                <a:latin typeface="Selawik Semibold" panose="020B0702040204020203" pitchFamily="34" charset="0"/>
+              </a:rPr>
+              <a:t>Visualization</a:t>
+            </a:r>
           </a:p>
           <a:p>
             <a:pPr lvl="2"/>
@@ -8584,21 +8522,30 @@
             </a:endParaRPr>
           </a:p>
           <a:p>
-            <a:pPr lvl="2"/>
-            <a:endParaRPr lang="en-US" sz="1600" dirty="0">
-              <a:latin typeface="Selawik Semibold" panose="020B0702040204020203" pitchFamily="34" charset="0"/>
-            </a:endParaRPr>
-          </a:p>
-          <a:p>
-            <a:endParaRPr lang="en-US" sz="2400" dirty="0">
-              <a:latin typeface="Selawik Semibold" panose="020B0702040204020203" pitchFamily="34" charset="0"/>
-            </a:endParaRPr>
-          </a:p>
-          <a:p>
             <a:pPr lvl="1"/>
+            <a:r>
+              <a:rPr lang="en-US" sz="2000" dirty="0">
+                <a:latin typeface="Selawik Semibold" panose="020B0702040204020203" pitchFamily="34" charset="0"/>
+              </a:rPr>
+              <a:t>Socials Skills, Ethics, and the Law</a:t>
+            </a:r>
+          </a:p>
+          <a:p>
+            <a:pPr marL="457200" lvl="1" indent="0">
+              <a:buNone/>
+            </a:pPr>
             <a:endParaRPr lang="en-US" sz="2000" dirty="0">
               <a:latin typeface="Selawik Semibold" panose="020B0702040204020203" pitchFamily="34" charset="0"/>
             </a:endParaRPr>
+          </a:p>
+          <a:p>
+            <a:pPr lvl="1"/>
+            <a:r>
+              <a:rPr lang="en-US" sz="2000" dirty="0">
+                <a:latin typeface="Selawik Semibold" panose="020B0702040204020203" pitchFamily="34" charset="0"/>
+              </a:rPr>
+              <a:t>Knowledgeable About All Aspects of the Sport</a:t>
+            </a:r>
           </a:p>
           <a:p>
             <a:pPr lvl="2"/>
@@ -8957,7 +8904,7 @@
     </p:spTree>
     <p:extLst>
       <p:ext uri="{BB962C8B-B14F-4D97-AF65-F5344CB8AC3E}">
-        <p14:creationId xmlns:p14="http://schemas.microsoft.com/office/powerpoint/2010/main" val="2082743496"/>
+        <p14:creationId xmlns:p14="http://schemas.microsoft.com/office/powerpoint/2010/main" val="3511620189"/>
       </p:ext>
     </p:extLst>
   </p:cSld>
@@ -9124,7 +9071,7 @@
               <a:rPr lang="en-US" sz="2400" dirty="0">
                 <a:latin typeface="Selawik Semibold" panose="020B0702040204020203" pitchFamily="34" charset="0"/>
               </a:rPr>
-              <a:t>Real Jobs (Indeed)</a:t>
+              <a:t>Real Jobs (Builtin.com)</a:t>
             </a:r>
           </a:p>
           <a:p>
@@ -9141,58 +9088,25 @@
               <a:rPr lang="en-US" sz="2000" dirty="0">
                 <a:latin typeface="Selawik Semibold" panose="020B0702040204020203" pitchFamily="34" charset="0"/>
               </a:rPr>
-              <a:t>Scheels All Sports, Inc</a:t>
-            </a:r>
-          </a:p>
-          <a:p>
-            <a:pPr lvl="2"/>
-            <a:r>
-              <a:rPr lang="en-US" sz="1600" dirty="0">
-                <a:latin typeface="Selawik Semibold" panose="020B0702040204020203" pitchFamily="34" charset="0"/>
-              </a:rPr>
-              <a:t>Retail Company</a:t>
-            </a:r>
-          </a:p>
-          <a:p>
-            <a:pPr lvl="2"/>
-            <a:r>
-              <a:rPr lang="en-US" sz="1600" dirty="0">
-                <a:latin typeface="Selawik Semibold" panose="020B0702040204020203" pitchFamily="34" charset="0"/>
-              </a:rPr>
-              <a:t>Machine Learning to Analyze Data</a:t>
-            </a:r>
-          </a:p>
-          <a:p>
-            <a:pPr lvl="2"/>
-            <a:r>
-              <a:rPr lang="en-US" sz="1600" dirty="0">
-                <a:latin typeface="Selawik Semibold" panose="020B0702040204020203" pitchFamily="34" charset="0"/>
-              </a:rPr>
-              <a:t>Data Collection and Improvement in Reporting Insights</a:t>
-            </a:r>
-          </a:p>
-          <a:p>
-            <a:pPr lvl="1"/>
+              <a:t>Trading Analyst, </a:t>
+            </a:r>
+            <a:r>
+              <a:rPr lang="en-US" sz="2000" dirty="0" err="1">
+                <a:latin typeface="Selawik Semibold" panose="020B0702040204020203" pitchFamily="34" charset="0"/>
+              </a:rPr>
+              <a:t>SeatGeek</a:t>
+            </a:r>
             <a:endParaRPr lang="en-US" sz="2000" dirty="0">
               <a:latin typeface="Selawik Semibold" panose="020B0702040204020203" pitchFamily="34" charset="0"/>
             </a:endParaRPr>
           </a:p>
           <a:p>
-            <a:pPr lvl="1"/>
-            <a:r>
-              <a:rPr lang="en-US" sz="2000" dirty="0">
-                <a:latin typeface="Selawik Semibold" panose="020B0702040204020203" pitchFamily="34" charset="0"/>
-              </a:rPr>
-              <a:t>Data Analyst, Elevate Sports Ventures</a:t>
-            </a:r>
-          </a:p>
-          <a:p>
             <a:pPr lvl="2"/>
             <a:r>
               <a:rPr lang="en-US" sz="1600" dirty="0">
                 <a:latin typeface="Selawik Semibold" panose="020B0702040204020203" pitchFamily="34" charset="0"/>
               </a:rPr>
-              <a:t>Consulting Firm for over 175 Sports Teams, Brands, Venues, etc.</a:t>
+              <a:t>Analyze Supply and Demand Data for Partners</a:t>
             </a:r>
           </a:p>
           <a:p>
@@ -9201,25 +9115,22 @@
               <a:rPr lang="en-US" sz="1600" dirty="0">
                 <a:latin typeface="Selawik Semibold" panose="020B0702040204020203" pitchFamily="34" charset="0"/>
               </a:rPr>
-              <a:t>Obtaining, Analyzing, Interpretating Market Sales Data</a:t>
+              <a:t>Fluency in SQL and Python</a:t>
             </a:r>
           </a:p>
           <a:p>
             <a:pPr lvl="2"/>
             <a:r>
+              <a:rPr lang="en-US" sz="1600" dirty="0" err="1">
+                <a:latin typeface="Selawik Semibold" panose="020B0702040204020203" pitchFamily="34" charset="0"/>
+              </a:rPr>
+              <a:t>Bacherlors</a:t>
+            </a:r>
+            <a:r>
               <a:rPr lang="en-US" sz="1600" dirty="0">
                 <a:latin typeface="Selawik Semibold" panose="020B0702040204020203" pitchFamily="34" charset="0"/>
               </a:rPr>
-              <a:t>Lower Level and Data Entry Involved</a:t>
-            </a:r>
-          </a:p>
-          <a:p>
-            <a:pPr lvl="2"/>
-            <a:r>
-              <a:rPr lang="en-US" sz="1600" dirty="0">
-                <a:latin typeface="Selawik Semibold" panose="020B0702040204020203" pitchFamily="34" charset="0"/>
-              </a:rPr>
-              <a:t>Located in Charlotte</a:t>
+              <a:t> Degree in Quantitative Field</a:t>
             </a:r>
           </a:p>
           <a:p>
@@ -9229,7 +9140,94 @@
             </a:endParaRPr>
           </a:p>
           <a:p>
+            <a:pPr lvl="1"/>
+            <a:r>
+              <a:rPr lang="en-US" sz="2000" dirty="0">
+                <a:latin typeface="Selawik Semibold" panose="020B0702040204020203" pitchFamily="34" charset="0"/>
+              </a:rPr>
+              <a:t>Machine Learning Ops Engineer, </a:t>
+            </a:r>
+            <a:r>
+              <a:rPr lang="en-US" sz="2000" dirty="0" err="1">
+                <a:latin typeface="Selawik Semibold" panose="020B0702040204020203" pitchFamily="34" charset="0"/>
+              </a:rPr>
+              <a:t>GameChanger</a:t>
+            </a:r>
+            <a:endParaRPr lang="en-US" sz="2000" dirty="0">
+              <a:latin typeface="Selawik Semibold" panose="020B0702040204020203" pitchFamily="34" charset="0"/>
+            </a:endParaRPr>
+          </a:p>
+          <a:p>
             <a:pPr lvl="2"/>
+            <a:r>
+              <a:rPr lang="en-US" sz="1600" dirty="0">
+                <a:latin typeface="Selawik Semibold" panose="020B0702040204020203" pitchFamily="34" charset="0"/>
+              </a:rPr>
+              <a:t>Sports Tech Company Focused on Youth Sports</a:t>
+            </a:r>
+          </a:p>
+          <a:p>
+            <a:pPr lvl="2"/>
+            <a:r>
+              <a:rPr lang="en-US" sz="1600" dirty="0">
+                <a:latin typeface="Selawik Semibold" panose="020B0702040204020203" pitchFamily="34" charset="0"/>
+              </a:rPr>
+              <a:t>Design/Implement Machine Learning Model Pipelines</a:t>
+            </a:r>
+          </a:p>
+          <a:p>
+            <a:pPr lvl="2"/>
+            <a:r>
+              <a:rPr lang="en-US" sz="1600" dirty="0">
+                <a:latin typeface="Selawik Semibold" panose="020B0702040204020203" pitchFamily="34" charset="0"/>
+              </a:rPr>
+              <a:t>Background Building Machine Learning Infrastructure</a:t>
+            </a:r>
+          </a:p>
+          <a:p>
+            <a:pPr lvl="2"/>
+            <a:r>
+              <a:rPr lang="en-US" sz="1600" dirty="0">
+                <a:latin typeface="Selawik Semibold" panose="020B0702040204020203" pitchFamily="34" charset="0"/>
+              </a:rPr>
+              <a:t>Manage Computer Vision Models</a:t>
+            </a:r>
+          </a:p>
+          <a:p>
+            <a:pPr lvl="2"/>
+            <a:r>
+              <a:rPr lang="en-US" sz="1600" dirty="0">
+                <a:latin typeface="Selawik Semibold" panose="020B0702040204020203" pitchFamily="34" charset="0"/>
+              </a:rPr>
+              <a:t>Bachelors or Masters in CS, Engineering, etc.</a:t>
+            </a:r>
+          </a:p>
+          <a:p>
+            <a:pPr lvl="2"/>
+            <a:r>
+              <a:rPr lang="en-US" sz="1600" dirty="0">
+                <a:latin typeface="Selawik Semibold" panose="020B0702040204020203" pitchFamily="34" charset="0"/>
+              </a:rPr>
+              <a:t>Python with </a:t>
+            </a:r>
+            <a:r>
+              <a:rPr lang="en-US" sz="1600" dirty="0" err="1">
+                <a:latin typeface="Selawik Semibold" panose="020B0702040204020203" pitchFamily="34" charset="0"/>
+              </a:rPr>
+              <a:t>PyTorch</a:t>
+            </a:r>
+            <a:r>
+              <a:rPr lang="en-US" sz="1600" dirty="0">
+                <a:latin typeface="Selawik Semibold" panose="020B0702040204020203" pitchFamily="34" charset="0"/>
+              </a:rPr>
+              <a:t> and </a:t>
+            </a:r>
+            <a:r>
+              <a:rPr lang="en-US" sz="1600" dirty="0" err="1">
+                <a:latin typeface="Selawik Semibold" panose="020B0702040204020203" pitchFamily="34" charset="0"/>
+              </a:rPr>
+              <a:t>Tensorflow</a:t>
+            </a:r>
             <a:endParaRPr lang="en-US" sz="1600" dirty="0">
               <a:latin typeface="Selawik Semibold" panose="020B0702040204020203" pitchFamily="34" charset="0"/>
             </a:endParaRPr>
@@ -9620,7 +9618,7 @@
     </p:spTree>
     <p:extLst>
       <p:ext uri="{BB962C8B-B14F-4D97-AF65-F5344CB8AC3E}">
-        <p14:creationId xmlns:p14="http://schemas.microsoft.com/office/powerpoint/2010/main" val="1901708965"/>
+        <p14:creationId xmlns:p14="http://schemas.microsoft.com/office/powerpoint/2010/main" val="2082743496"/>
       </p:ext>
     </p:extLst>
   </p:cSld>
@@ -9643,7 +9641,13 @@
     </p:bg>
     <p:spTree>
       <p:nvGrpSpPr>
-        <p:cNvPr id="1" name=""/>
+        <p:cNvPr id="1" name="">
+          <a:extLst>
+            <a:ext uri="{FF2B5EF4-FFF2-40B4-BE49-F238E27FC236}">
+              <a16:creationId xmlns:a16="http://schemas.microsoft.com/office/drawing/2014/main" id="{6E1C4EFA-5130-624F-C38C-EEC01EA1138A}"/>
+            </a:ext>
+          </a:extLst>
+        </p:cNvPr>
         <p:cNvGrpSpPr/>
         <p:nvPr/>
       </p:nvGrpSpPr>
@@ -9660,7 +9664,7 @@
           <p:cNvPr id="25" name="Rectangle 24">
             <a:extLst>
               <a:ext uri="{FF2B5EF4-FFF2-40B4-BE49-F238E27FC236}">
-                <a16:creationId xmlns:a16="http://schemas.microsoft.com/office/drawing/2014/main" id="{A6792F05-2FD4-4F18-815E-15391E8B4A0E}"/>
+                <a16:creationId xmlns:a16="http://schemas.microsoft.com/office/drawing/2014/main" id="{70F47418-5511-7542-0D67-5F6046714823}"/>
               </a:ext>
               <a:ext uri="{C183D7F6-B498-43B3-948B-1728B52AA6E4}">
                 <adec:decorative xmlns:adec="http://schemas.microsoft.com/office/drawing/2017/decorative" val="1"/>
@@ -9723,7 +9727,7 @@
           <p:cNvPr id="2" name="Title 1">
             <a:extLst>
               <a:ext uri="{FF2B5EF4-FFF2-40B4-BE49-F238E27FC236}">
-                <a16:creationId xmlns:a16="http://schemas.microsoft.com/office/drawing/2014/main" id="{2589AFCC-0FF0-498C-B11F-8990DF0DAAA5}"/>
+                <a16:creationId xmlns:a16="http://schemas.microsoft.com/office/drawing/2014/main" id="{8D0D8571-E13D-BFDF-2A5D-9B3E8EFCB13A}"/>
               </a:ext>
             </a:extLst>
           </p:cNvPr>
@@ -9760,7 +9764,7 @@
           <p:cNvPr id="9" name="Content Placeholder 8">
             <a:extLst>
               <a:ext uri="{FF2B5EF4-FFF2-40B4-BE49-F238E27FC236}">
-                <a16:creationId xmlns:a16="http://schemas.microsoft.com/office/drawing/2014/main" id="{2D995594-59F2-4020-AB6F-751BAE84ADB3}"/>
+                <a16:creationId xmlns:a16="http://schemas.microsoft.com/office/drawing/2014/main" id="{56DEAD07-2FD2-2C9C-68F7-07A15A50C0AA}"/>
               </a:ext>
             </a:extLst>
           </p:cNvPr>
@@ -9787,7 +9791,7 @@
               <a:rPr lang="en-US" sz="2400" dirty="0">
                 <a:latin typeface="Selawik Semibold" panose="020B0702040204020203" pitchFamily="34" charset="0"/>
               </a:rPr>
-              <a:t>Real Jobs (Indeed)</a:t>
+              <a:t>Real Jobs (Builtin.com)</a:t>
             </a:r>
           </a:p>
           <a:p>
@@ -9804,7 +9808,7 @@
               <a:rPr lang="en-US" sz="2000" dirty="0">
                 <a:latin typeface="Selawik Semibold" panose="020B0702040204020203" pitchFamily="34" charset="0"/>
               </a:rPr>
-              <a:t>Trading Analyst, DraftKings</a:t>
+              <a:t>Senior Analyst, DraftKings</a:t>
             </a:r>
           </a:p>
           <a:p>
@@ -9813,7 +9817,7 @@
               <a:rPr lang="en-US" sz="1600" dirty="0">
                 <a:latin typeface="Selawik Semibold" panose="020B0702040204020203" pitchFamily="34" charset="0"/>
               </a:rPr>
-              <a:t>Bachelor’s Degree in Math, Stats, CS, etc.</a:t>
+              <a:t>Former 538 Student Works There</a:t>
             </a:r>
           </a:p>
           <a:p>
@@ -9822,7 +9826,7 @@
               <a:rPr lang="en-US" sz="1600" dirty="0">
                 <a:latin typeface="Selawik Semibold" panose="020B0702040204020203" pitchFamily="34" charset="0"/>
               </a:rPr>
-              <a:t>Experience with SQL, R, Excel or Python</a:t>
+              <a:t>3+ Years Experience</a:t>
             </a:r>
           </a:p>
           <a:p>
@@ -9831,8 +9835,100 @@
               <a:rPr lang="en-US" sz="1600" dirty="0">
                 <a:latin typeface="Selawik Semibold" panose="020B0702040204020203" pitchFamily="34" charset="0"/>
               </a:rPr>
-              <a:t>Experience with Tableau</a:t>
-            </a:r>
+              <a:t>Bachelors Degree in Math, Stats, etc.</a:t>
+            </a:r>
+          </a:p>
+          <a:p>
+            <a:pPr lvl="2"/>
+            <a:r>
+              <a:rPr lang="en-US" sz="1600" dirty="0">
+                <a:latin typeface="Selawik Semibold" panose="020B0702040204020203" pitchFamily="34" charset="0"/>
+              </a:rPr>
+              <a:t>Proficiency in SQL, Snowflake, Tableau</a:t>
+            </a:r>
+          </a:p>
+          <a:p>
+            <a:pPr lvl="2"/>
+            <a:endParaRPr lang="en-US" sz="1600" dirty="0">
+              <a:latin typeface="Selawik Semibold" panose="020B0702040204020203" pitchFamily="34" charset="0"/>
+            </a:endParaRPr>
+          </a:p>
+          <a:p>
+            <a:pPr lvl="1"/>
+            <a:r>
+              <a:rPr lang="en-US" sz="2000" dirty="0">
+                <a:latin typeface="Selawik Semibold" panose="020B0702040204020203" pitchFamily="34" charset="0"/>
+              </a:rPr>
+              <a:t>Sports Statistician, Genius Sports</a:t>
+            </a:r>
+          </a:p>
+          <a:p>
+            <a:pPr lvl="2"/>
+            <a:r>
+              <a:rPr lang="en-US" sz="1600" dirty="0">
+                <a:latin typeface="Selawik Semibold" panose="020B0702040204020203" pitchFamily="34" charset="0"/>
+              </a:rPr>
+              <a:t>European Company but Remote</a:t>
+            </a:r>
+          </a:p>
+          <a:p>
+            <a:pPr lvl="2"/>
+            <a:r>
+              <a:rPr lang="en-US" sz="1600" dirty="0">
+                <a:latin typeface="Selawik Semibold" panose="020B0702040204020203" pitchFamily="34" charset="0"/>
+              </a:rPr>
+              <a:t>Probably Just Data Collection from Live Events</a:t>
+            </a:r>
+          </a:p>
+          <a:p>
+            <a:pPr lvl="2"/>
+            <a:r>
+              <a:rPr lang="en-US" sz="1600" dirty="0">
+                <a:latin typeface="Selawik Semibold" panose="020B0702040204020203" pitchFamily="34" charset="0"/>
+              </a:rPr>
+              <a:t>Paid Per Game</a:t>
+            </a:r>
+          </a:p>
+          <a:p>
+            <a:pPr lvl="2"/>
+            <a:endParaRPr lang="en-US" sz="1600" dirty="0">
+              <a:latin typeface="Selawik Semibold" panose="020B0702040204020203" pitchFamily="34" charset="0"/>
+            </a:endParaRPr>
+          </a:p>
+          <a:p>
+            <a:pPr lvl="2"/>
+            <a:endParaRPr lang="en-US" sz="1600" dirty="0">
+              <a:latin typeface="Selawik Semibold" panose="020B0702040204020203" pitchFamily="34" charset="0"/>
+            </a:endParaRPr>
+          </a:p>
+          <a:p>
+            <a:pPr lvl="2"/>
+            <a:endParaRPr lang="en-US" sz="1600" dirty="0">
+              <a:latin typeface="Selawik Semibold" panose="020B0702040204020203" pitchFamily="34" charset="0"/>
+            </a:endParaRPr>
+          </a:p>
+          <a:p>
+            <a:pPr lvl="2"/>
+            <a:endParaRPr lang="en-US" sz="1400" dirty="0">
+              <a:latin typeface="Selawik Semibold" panose="020B0702040204020203" pitchFamily="34" charset="0"/>
+            </a:endParaRPr>
+          </a:p>
+          <a:p>
+            <a:pPr lvl="2"/>
+            <a:endParaRPr lang="en-US" sz="1800" dirty="0">
+              <a:latin typeface="Selawik Semibold" panose="020B0702040204020203" pitchFamily="34" charset="0"/>
+            </a:endParaRPr>
+          </a:p>
+          <a:p>
+            <a:pPr lvl="2"/>
+            <a:endParaRPr lang="en-US" sz="1600" dirty="0">
+              <a:latin typeface="Selawik Semibold" panose="020B0702040204020203" pitchFamily="34" charset="0"/>
+            </a:endParaRPr>
+          </a:p>
+          <a:p>
+            <a:endParaRPr lang="en-US" sz="2400" dirty="0">
+              <a:latin typeface="Selawik Semibold" panose="020B0702040204020203" pitchFamily="34" charset="0"/>
+            </a:endParaRPr>
           </a:p>
           <a:p>
             <a:pPr lvl="1"/>
@@ -9841,110 +9937,12 @@
             </a:endParaRPr>
           </a:p>
           <a:p>
-            <a:pPr lvl="1"/>
-            <a:r>
-              <a:rPr lang="en-US" sz="2000" dirty="0">
-                <a:latin typeface="Selawik Semibold" panose="020B0702040204020203" pitchFamily="34" charset="0"/>
-              </a:rPr>
-              <a:t>Data Analyst, </a:t>
-            </a:r>
-            <a:r>
-              <a:rPr lang="en-US" sz="2000" dirty="0" err="1">
-                <a:latin typeface="Selawik Semibold" panose="020B0702040204020203" pitchFamily="34" charset="0"/>
-              </a:rPr>
-              <a:t>Eventellect</a:t>
-            </a:r>
-            <a:endParaRPr lang="en-US" sz="2000" dirty="0">
-              <a:latin typeface="Selawik Semibold" panose="020B0702040204020203" pitchFamily="34" charset="0"/>
-            </a:endParaRPr>
-          </a:p>
-          <a:p>
-            <a:pPr lvl="2"/>
-            <a:r>
-              <a:rPr lang="en-US" sz="1600" dirty="0">
-                <a:latin typeface="Selawik Semibold" panose="020B0702040204020203" pitchFamily="34" charset="0"/>
-              </a:rPr>
-              <a:t>Bachelor’s Degree in Math, Stats, CS, etc.</a:t>
-            </a:r>
-          </a:p>
-          <a:p>
-            <a:pPr lvl="2"/>
-            <a:r>
-              <a:rPr lang="en-US" sz="1600" dirty="0">
-                <a:latin typeface="Selawik Semibold" panose="020B0702040204020203" pitchFamily="34" charset="0"/>
-              </a:rPr>
-              <a:t>Research Regarding Single Game Ticket Sales</a:t>
-            </a:r>
-          </a:p>
-          <a:p>
-            <a:pPr lvl="2"/>
-            <a:r>
-              <a:rPr lang="en-US" sz="1600" dirty="0">
-                <a:latin typeface="Selawik Semibold" panose="020B0702040204020203" pitchFamily="34" charset="0"/>
-              </a:rPr>
-              <a:t>SQL Proficiency</a:t>
-            </a:r>
-          </a:p>
-          <a:p>
-            <a:pPr lvl="2"/>
-            <a:r>
-              <a:rPr lang="en-US" sz="1600" dirty="0">
-                <a:latin typeface="Selawik Semibold" panose="020B0702040204020203" pitchFamily="34" charset="0"/>
-              </a:rPr>
-              <a:t>Analysis of Large Datasets</a:t>
-            </a:r>
-          </a:p>
-          <a:p>
-            <a:pPr lvl="2"/>
-            <a:r>
-              <a:rPr lang="en-US" sz="1600" dirty="0">
-                <a:latin typeface="Selawik Semibold" panose="020B0702040204020203" pitchFamily="34" charset="0"/>
-              </a:rPr>
-              <a:t>Python Experience</a:t>
-            </a:r>
-          </a:p>
-          <a:p>
-            <a:pPr lvl="2"/>
-            <a:endParaRPr lang="en-US" sz="1600" dirty="0">
-              <a:latin typeface="Selawik Semibold" panose="020B0702040204020203" pitchFamily="34" charset="0"/>
-            </a:endParaRPr>
-          </a:p>
-          <a:p>
-            <a:pPr lvl="2"/>
-            <a:endParaRPr lang="en-US" sz="1400" dirty="0">
-              <a:latin typeface="Selawik Semibold" panose="020B0702040204020203" pitchFamily="34" charset="0"/>
-            </a:endParaRPr>
-          </a:p>
-          <a:p>
             <a:pPr lvl="2"/>
             <a:endParaRPr lang="en-US" sz="1800" dirty="0">
               <a:latin typeface="Selawik Semibold" panose="020B0702040204020203" pitchFamily="34" charset="0"/>
             </a:endParaRPr>
           </a:p>
           <a:p>
-            <a:pPr lvl="2"/>
-            <a:endParaRPr lang="en-US" sz="1600" dirty="0">
-              <a:latin typeface="Selawik Semibold" panose="020B0702040204020203" pitchFamily="34" charset="0"/>
-            </a:endParaRPr>
-          </a:p>
-          <a:p>
-            <a:endParaRPr lang="en-US" sz="2400" dirty="0">
-              <a:latin typeface="Selawik Semibold" panose="020B0702040204020203" pitchFamily="34" charset="0"/>
-            </a:endParaRPr>
-          </a:p>
-          <a:p>
-            <a:pPr lvl="1"/>
-            <a:endParaRPr lang="en-US" sz="2000" dirty="0">
-              <a:latin typeface="Selawik Semibold" panose="020B0702040204020203" pitchFamily="34" charset="0"/>
-            </a:endParaRPr>
-          </a:p>
-          <a:p>
-            <a:pPr lvl="2"/>
-            <a:endParaRPr lang="en-US" sz="1800" dirty="0">
-              <a:latin typeface="Selawik Semibold" panose="020B0702040204020203" pitchFamily="34" charset="0"/>
-            </a:endParaRPr>
-          </a:p>
-          <a:p>
             <a:pPr lvl="1"/>
             <a:endParaRPr lang="en-US" sz="2200" dirty="0">
               <a:latin typeface="Selawik Semibold" panose="020B0702040204020203" pitchFamily="34" charset="0"/>
@@ -9957,7 +9955,7 @@
           <p:cNvPr id="4" name="Picture 3" descr="A drawing of a cartoon character&#10;&#10;Description automatically generated">
             <a:extLst>
               <a:ext uri="{FF2B5EF4-FFF2-40B4-BE49-F238E27FC236}">
-                <a16:creationId xmlns:a16="http://schemas.microsoft.com/office/drawing/2014/main" id="{A7FDC859-D890-4904-9C64-27F43DA90453}"/>
+                <a16:creationId xmlns:a16="http://schemas.microsoft.com/office/drawing/2014/main" id="{4BCA7387-186B-BC41-F795-5E14B6CE46F6}"/>
               </a:ext>
             </a:extLst>
           </p:cNvPr>
@@ -10035,7 +10033,7 @@
           <p:cNvPr id="5" name="Content Placeholder 4" descr="A picture containing indoor&#10;&#10;Description automatically generated">
             <a:extLst>
               <a:ext uri="{FF2B5EF4-FFF2-40B4-BE49-F238E27FC236}">
-                <a16:creationId xmlns:a16="http://schemas.microsoft.com/office/drawing/2014/main" id="{A58F0E55-21F3-485B-A07F-1CE74177BDD2}"/>
+                <a16:creationId xmlns:a16="http://schemas.microsoft.com/office/drawing/2014/main" id="{99476241-3907-4793-D90E-29C605438ACD}"/>
               </a:ext>
             </a:extLst>
           </p:cNvPr>
@@ -10129,7 +10127,7 @@
           <p:cNvPr id="6" name="Rectangle 5">
             <a:extLst>
               <a:ext uri="{FF2B5EF4-FFF2-40B4-BE49-F238E27FC236}">
-                <a16:creationId xmlns:a16="http://schemas.microsoft.com/office/drawing/2014/main" id="{A2901312-C3C2-4CEC-80EF-823AB4FBB726}"/>
+                <a16:creationId xmlns:a16="http://schemas.microsoft.com/office/drawing/2014/main" id="{AE6F93D2-DE78-1461-F79A-09ADB62138E6}"/>
               </a:ext>
             </a:extLst>
           </p:cNvPr>
@@ -10185,7 +10183,7 @@
           <p:cNvPr id="15" name="Rectangle 14">
             <a:extLst>
               <a:ext uri="{FF2B5EF4-FFF2-40B4-BE49-F238E27FC236}">
-                <a16:creationId xmlns:a16="http://schemas.microsoft.com/office/drawing/2014/main" id="{AD0A7C9C-CA2C-4B9B-A125-2D09D5573B44}"/>
+                <a16:creationId xmlns:a16="http://schemas.microsoft.com/office/drawing/2014/main" id="{88B8F7D9-4B0D-D877-08BC-0C138370BC4A}"/>
               </a:ext>
             </a:extLst>
           </p:cNvPr>
@@ -10241,7 +10239,7 @@
           <p:cNvPr id="16" name="Rectangle 15">
             <a:extLst>
               <a:ext uri="{FF2B5EF4-FFF2-40B4-BE49-F238E27FC236}">
-                <a16:creationId xmlns:a16="http://schemas.microsoft.com/office/drawing/2014/main" id="{74A085FC-1866-46D4-97F7-51AA45E48D4F}"/>
+                <a16:creationId xmlns:a16="http://schemas.microsoft.com/office/drawing/2014/main" id="{F72EDABE-0C0A-3F4A-F479-72190CA668A9}"/>
               </a:ext>
             </a:extLst>
           </p:cNvPr>
@@ -10295,7 +10293,7 @@
     </p:spTree>
     <p:extLst>
       <p:ext uri="{BB962C8B-B14F-4D97-AF65-F5344CB8AC3E}">
-        <p14:creationId xmlns:p14="http://schemas.microsoft.com/office/powerpoint/2010/main" val="2457944360"/>
+        <p14:creationId xmlns:p14="http://schemas.microsoft.com/office/powerpoint/2010/main" val="3886325429"/>
       </p:ext>
     </p:extLst>
   </p:cSld>
@@ -10907,7 +10905,13 @@
     </p:bg>
     <p:spTree>
       <p:nvGrpSpPr>
-        <p:cNvPr id="1" name=""/>
+        <p:cNvPr id="1" name="">
+          <a:extLst>
+            <a:ext uri="{FF2B5EF4-FFF2-40B4-BE49-F238E27FC236}">
+              <a16:creationId xmlns:a16="http://schemas.microsoft.com/office/drawing/2014/main" id="{D8336C81-F98A-69C1-DF30-5681F10F278F}"/>
+            </a:ext>
+          </a:extLst>
+        </p:cNvPr>
         <p:cNvGrpSpPr/>
         <p:nvPr/>
       </p:nvGrpSpPr>
@@ -10924,7 +10928,7 @@
           <p:cNvPr id="25" name="Rectangle 24">
             <a:extLst>
               <a:ext uri="{FF2B5EF4-FFF2-40B4-BE49-F238E27FC236}">
-                <a16:creationId xmlns:a16="http://schemas.microsoft.com/office/drawing/2014/main" id="{A6792F05-2FD4-4F18-815E-15391E8B4A0E}"/>
+                <a16:creationId xmlns:a16="http://schemas.microsoft.com/office/drawing/2014/main" id="{1D901E50-F2D6-D6BA-FF1B-AE2B158236C9}"/>
               </a:ext>
               <a:ext uri="{C183D7F6-B498-43B3-948B-1728B52AA6E4}">
                 <adec:decorative xmlns:adec="http://schemas.microsoft.com/office/drawing/2017/decorative" val="1"/>
@@ -10987,7 +10991,7 @@
           <p:cNvPr id="2" name="Title 1">
             <a:extLst>
               <a:ext uri="{FF2B5EF4-FFF2-40B4-BE49-F238E27FC236}">
-                <a16:creationId xmlns:a16="http://schemas.microsoft.com/office/drawing/2014/main" id="{2589AFCC-0FF0-498C-B11F-8990DF0DAAA5}"/>
+                <a16:creationId xmlns:a16="http://schemas.microsoft.com/office/drawing/2014/main" id="{FB5C1D46-D5A1-0CE8-B26D-BF89BB0C6771}"/>
               </a:ext>
             </a:extLst>
           </p:cNvPr>
@@ -11024,7 +11028,7 @@
           <p:cNvPr id="9" name="Content Placeholder 8">
             <a:extLst>
               <a:ext uri="{FF2B5EF4-FFF2-40B4-BE49-F238E27FC236}">
-                <a16:creationId xmlns:a16="http://schemas.microsoft.com/office/drawing/2014/main" id="{2D995594-59F2-4020-AB6F-751BAE84ADB3}"/>
+                <a16:creationId xmlns:a16="http://schemas.microsoft.com/office/drawing/2014/main" id="{4E453F8F-0DD8-0315-3021-64BAF411BF3E}"/>
               </a:ext>
             </a:extLst>
           </p:cNvPr>
@@ -11051,7 +11055,7 @@
               <a:rPr lang="en-US" sz="2400" dirty="0">
                 <a:latin typeface="Selawik Semibold" panose="020B0702040204020203" pitchFamily="34" charset="0"/>
               </a:rPr>
-              <a:t>Real Jobs (Indeed)</a:t>
+              <a:t>Real Jobs (Builtin.com)</a:t>
             </a:r>
           </a:p>
           <a:p>
@@ -11068,7 +11072,7 @@
               <a:rPr lang="en-US" sz="2000" dirty="0">
                 <a:latin typeface="Selawik Semibold" panose="020B0702040204020203" pitchFamily="34" charset="0"/>
               </a:rPr>
-              <a:t>Marketing Analytics Analyst, NBA</a:t>
+              <a:t>Data Scientist, Twitch</a:t>
             </a:r>
           </a:p>
           <a:p>
@@ -11077,26 +11081,127 @@
               <a:rPr lang="en-US" sz="1600" dirty="0">
                 <a:latin typeface="Selawik Semibold" panose="020B0702040204020203" pitchFamily="34" charset="0"/>
               </a:rPr>
-              <a:t>Develop Dashboards Using Tableau or </a:t>
-            </a:r>
-            <a:r>
-              <a:rPr lang="en-US" sz="1600" dirty="0" err="1">
-                <a:latin typeface="Selawik Semibold" panose="020B0702040204020203" pitchFamily="34" charset="0"/>
-              </a:rPr>
-              <a:t>PowerBI</a:t>
-            </a:r>
+              <a:t>Not Really Sports Analytics Specifically</a:t>
+            </a:r>
+          </a:p>
+          <a:p>
+            <a:pPr lvl="2"/>
+            <a:r>
+              <a:rPr lang="en-US" sz="1600" dirty="0">
+                <a:latin typeface="Selawik Semibold" panose="020B0702040204020203" pitchFamily="34" charset="0"/>
+              </a:rPr>
+              <a:t>Bachelors in Data Science, CS, Math, etc.</a:t>
+            </a:r>
+          </a:p>
+          <a:p>
+            <a:pPr lvl="2"/>
+            <a:r>
+              <a:rPr lang="en-US" sz="1600" dirty="0">
+                <a:latin typeface="Selawik Semibold" panose="020B0702040204020203" pitchFamily="34" charset="0"/>
+              </a:rPr>
+              <a:t>3 Years Experience in Data Science and ML</a:t>
+            </a:r>
+          </a:p>
+          <a:p>
+            <a:pPr lvl="2"/>
+            <a:r>
+              <a:rPr lang="en-US" sz="1600" dirty="0">
+                <a:latin typeface="Selawik Semibold" panose="020B0702040204020203" pitchFamily="34" charset="0"/>
+              </a:rPr>
+              <a:t>Expert SQL and Proficient in Python/R</a:t>
+            </a:r>
+          </a:p>
+          <a:p>
+            <a:pPr lvl="2"/>
             <a:endParaRPr lang="en-US" sz="1600" dirty="0">
               <a:latin typeface="Selawik Semibold" panose="020B0702040204020203" pitchFamily="34" charset="0"/>
             </a:endParaRPr>
           </a:p>
           <a:p>
+            <a:pPr lvl="1"/>
+            <a:r>
+              <a:rPr lang="en-US" sz="2000" dirty="0">
+                <a:latin typeface="Selawik Semibold" panose="020B0702040204020203" pitchFamily="34" charset="0"/>
+              </a:rPr>
+              <a:t>Quantitative Analyst, Philadelphia Eagles</a:t>
+            </a:r>
+          </a:p>
+          <a:p>
             <a:pPr lvl="2"/>
             <a:r>
               <a:rPr lang="en-US" sz="1600" dirty="0">
                 <a:latin typeface="Selawik Semibold" panose="020B0702040204020203" pitchFamily="34" charset="0"/>
               </a:rPr>
-              <a:t>R or Python + SQL</a:t>
-            </a:r>
+              <a:t>Work with Analytics Team in Football Operations</a:t>
+            </a:r>
+          </a:p>
+          <a:p>
+            <a:pPr lvl="2"/>
+            <a:r>
+              <a:rPr lang="en-US" sz="1600" dirty="0">
+                <a:latin typeface="Selawik Semibold" panose="020B0702040204020203" pitchFamily="34" charset="0"/>
+              </a:rPr>
+              <a:t>Strong Analytica Skills with Experience in Stats and ML</a:t>
+            </a:r>
+          </a:p>
+          <a:p>
+            <a:pPr lvl="2"/>
+            <a:r>
+              <a:rPr lang="en-US" sz="1600" dirty="0">
+                <a:latin typeface="Selawik Semibold" panose="020B0702040204020203" pitchFamily="34" charset="0"/>
+              </a:rPr>
+              <a:t>Proficient in R, Python, SQL</a:t>
+            </a:r>
+          </a:p>
+          <a:p>
+            <a:pPr lvl="2"/>
+            <a:r>
+              <a:rPr lang="en-US" sz="1600" dirty="0">
+                <a:latin typeface="Selawik Semibold" panose="020B0702040204020203" pitchFamily="34" charset="0"/>
+              </a:rPr>
+              <a:t>No Degree Requirement Mentioned</a:t>
+            </a:r>
+          </a:p>
+          <a:p>
+            <a:pPr lvl="2"/>
+            <a:endParaRPr lang="en-US" sz="1600" dirty="0">
+              <a:latin typeface="Selawik Semibold" panose="020B0702040204020203" pitchFamily="34" charset="0"/>
+            </a:endParaRPr>
+          </a:p>
+          <a:p>
+            <a:pPr lvl="2"/>
+            <a:endParaRPr lang="en-US" sz="1600" dirty="0">
+              <a:latin typeface="Selawik Semibold" panose="020B0702040204020203" pitchFamily="34" charset="0"/>
+            </a:endParaRPr>
+          </a:p>
+          <a:p>
+            <a:pPr lvl="2"/>
+            <a:endParaRPr lang="en-US" sz="1600" dirty="0">
+              <a:latin typeface="Selawik Semibold" panose="020B0702040204020203" pitchFamily="34" charset="0"/>
+            </a:endParaRPr>
+          </a:p>
+          <a:p>
+            <a:pPr lvl="2"/>
+            <a:endParaRPr lang="en-US" sz="1400" dirty="0">
+              <a:latin typeface="Selawik Semibold" panose="020B0702040204020203" pitchFamily="34" charset="0"/>
+            </a:endParaRPr>
+          </a:p>
+          <a:p>
+            <a:pPr lvl="2"/>
+            <a:endParaRPr lang="en-US" sz="1800" dirty="0">
+              <a:latin typeface="Selawik Semibold" panose="020B0702040204020203" pitchFamily="34" charset="0"/>
+            </a:endParaRPr>
+          </a:p>
+          <a:p>
+            <a:pPr lvl="2"/>
+            <a:endParaRPr lang="en-US" sz="1600" dirty="0">
+              <a:latin typeface="Selawik Semibold" panose="020B0702040204020203" pitchFamily="34" charset="0"/>
+            </a:endParaRPr>
+          </a:p>
+          <a:p>
+            <a:endParaRPr lang="en-US" sz="2400" dirty="0">
+              <a:latin typeface="Selawik Semibold" panose="020B0702040204020203" pitchFamily="34" charset="0"/>
+            </a:endParaRPr>
           </a:p>
           <a:p>
             <a:pPr lvl="1"/>
@@ -11105,92 +11210,12 @@
             </a:endParaRPr>
           </a:p>
           <a:p>
-            <a:pPr lvl="1"/>
-            <a:r>
-              <a:rPr lang="en-US" sz="2000" dirty="0">
-                <a:latin typeface="Selawik Semibold" panose="020B0702040204020203" pitchFamily="34" charset="0"/>
-              </a:rPr>
-              <a:t>Email Marketing Analyst, Arizona Cardinals</a:t>
-            </a:r>
-          </a:p>
-          <a:p>
-            <a:pPr lvl="2"/>
-            <a:r>
-              <a:rPr lang="en-US" sz="1600" dirty="0">
-                <a:latin typeface="Selawik Semibold" panose="020B0702040204020203" pitchFamily="34" charset="0"/>
-              </a:rPr>
-              <a:t>AB Testing on Email and SMS</a:t>
-            </a:r>
-          </a:p>
-          <a:p>
-            <a:pPr lvl="2"/>
-            <a:r>
-              <a:rPr lang="en-US" sz="1600" dirty="0">
-                <a:latin typeface="Selawik Semibold" panose="020B0702040204020203" pitchFamily="34" charset="0"/>
-              </a:rPr>
-              <a:t>Monthly Reports on Marketing Data</a:t>
-            </a:r>
-          </a:p>
-          <a:p>
-            <a:pPr lvl="2"/>
-            <a:r>
-              <a:rPr lang="en-US" sz="1600" dirty="0">
-                <a:latin typeface="Selawik Semibold" panose="020B0702040204020203" pitchFamily="34" charset="0"/>
-              </a:rPr>
-              <a:t>HTML + SQL + Python</a:t>
-            </a:r>
-          </a:p>
-          <a:p>
-            <a:pPr lvl="2"/>
-            <a:r>
-              <a:rPr lang="en-US" sz="1600" dirty="0">
-                <a:latin typeface="Selawik Semibold" panose="020B0702040204020203" pitchFamily="34" charset="0"/>
-              </a:rPr>
-              <a:t>Machine Learning</a:t>
-            </a:r>
-          </a:p>
-          <a:p>
-            <a:pPr lvl="2"/>
-            <a:endParaRPr lang="en-US" sz="1600" dirty="0">
-              <a:latin typeface="Selawik Semibold" panose="020B0702040204020203" pitchFamily="34" charset="0"/>
-            </a:endParaRPr>
-          </a:p>
-          <a:p>
-            <a:pPr lvl="2"/>
-            <a:endParaRPr lang="en-US" sz="1400" dirty="0">
-              <a:latin typeface="Selawik Semibold" panose="020B0702040204020203" pitchFamily="34" charset="0"/>
-            </a:endParaRPr>
-          </a:p>
-          <a:p>
             <a:pPr lvl="2"/>
             <a:endParaRPr lang="en-US" sz="1800" dirty="0">
               <a:latin typeface="Selawik Semibold" panose="020B0702040204020203" pitchFamily="34" charset="0"/>
             </a:endParaRPr>
           </a:p>
           <a:p>
-            <a:pPr lvl="2"/>
-            <a:endParaRPr lang="en-US" sz="1600" dirty="0">
-              <a:latin typeface="Selawik Semibold" panose="020B0702040204020203" pitchFamily="34" charset="0"/>
-            </a:endParaRPr>
-          </a:p>
-          <a:p>
-            <a:endParaRPr lang="en-US" sz="2400" dirty="0">
-              <a:latin typeface="Selawik Semibold" panose="020B0702040204020203" pitchFamily="34" charset="0"/>
-            </a:endParaRPr>
-          </a:p>
-          <a:p>
-            <a:pPr lvl="1"/>
-            <a:endParaRPr lang="en-US" sz="2000" dirty="0">
-              <a:latin typeface="Selawik Semibold" panose="020B0702040204020203" pitchFamily="34" charset="0"/>
-            </a:endParaRPr>
-          </a:p>
-          <a:p>
-            <a:pPr lvl="2"/>
-            <a:endParaRPr lang="en-US" sz="1800" dirty="0">
-              <a:latin typeface="Selawik Semibold" panose="020B0702040204020203" pitchFamily="34" charset="0"/>
-            </a:endParaRPr>
-          </a:p>
-          <a:p>
             <a:pPr lvl="1"/>
             <a:endParaRPr lang="en-US" sz="2200" dirty="0">
               <a:latin typeface="Selawik Semibold" panose="020B0702040204020203" pitchFamily="34" charset="0"/>
@@ -11203,7 +11228,7 @@
           <p:cNvPr id="4" name="Picture 3" descr="A drawing of a cartoon character&#10;&#10;Description automatically generated">
             <a:extLst>
               <a:ext uri="{FF2B5EF4-FFF2-40B4-BE49-F238E27FC236}">
-                <a16:creationId xmlns:a16="http://schemas.microsoft.com/office/drawing/2014/main" id="{A7FDC859-D890-4904-9C64-27F43DA90453}"/>
+                <a16:creationId xmlns:a16="http://schemas.microsoft.com/office/drawing/2014/main" id="{5C763E96-7FE7-4CE5-142B-3E664C745EAD}"/>
               </a:ext>
             </a:extLst>
           </p:cNvPr>
@@ -11281,7 +11306,7 @@
           <p:cNvPr id="5" name="Content Placeholder 4" descr="A picture containing indoor&#10;&#10;Description automatically generated">
             <a:extLst>
               <a:ext uri="{FF2B5EF4-FFF2-40B4-BE49-F238E27FC236}">
-                <a16:creationId xmlns:a16="http://schemas.microsoft.com/office/drawing/2014/main" id="{A58F0E55-21F3-485B-A07F-1CE74177BDD2}"/>
+                <a16:creationId xmlns:a16="http://schemas.microsoft.com/office/drawing/2014/main" id="{618F6228-7088-3B19-BC95-ADF615E6D7DC}"/>
               </a:ext>
             </a:extLst>
           </p:cNvPr>
@@ -11375,7 +11400,7 @@
           <p:cNvPr id="6" name="Rectangle 5">
             <a:extLst>
               <a:ext uri="{FF2B5EF4-FFF2-40B4-BE49-F238E27FC236}">
-                <a16:creationId xmlns:a16="http://schemas.microsoft.com/office/drawing/2014/main" id="{A2901312-C3C2-4CEC-80EF-823AB4FBB726}"/>
+                <a16:creationId xmlns:a16="http://schemas.microsoft.com/office/drawing/2014/main" id="{B6A86873-83E8-B2F6-565D-1340B151720E}"/>
               </a:ext>
             </a:extLst>
           </p:cNvPr>
@@ -11431,7 +11456,7 @@
           <p:cNvPr id="15" name="Rectangle 14">
             <a:extLst>
               <a:ext uri="{FF2B5EF4-FFF2-40B4-BE49-F238E27FC236}">
-                <a16:creationId xmlns:a16="http://schemas.microsoft.com/office/drawing/2014/main" id="{AD0A7C9C-CA2C-4B9B-A125-2D09D5573B44}"/>
+                <a16:creationId xmlns:a16="http://schemas.microsoft.com/office/drawing/2014/main" id="{9E3AED4A-8BC2-E2DB-94CA-9DAB6344D058}"/>
               </a:ext>
             </a:extLst>
           </p:cNvPr>
@@ -11487,7 +11512,7 @@
           <p:cNvPr id="16" name="Rectangle 15">
             <a:extLst>
               <a:ext uri="{FF2B5EF4-FFF2-40B4-BE49-F238E27FC236}">
-                <a16:creationId xmlns:a16="http://schemas.microsoft.com/office/drawing/2014/main" id="{74A085FC-1866-46D4-97F7-51AA45E48D4F}"/>
+                <a16:creationId xmlns:a16="http://schemas.microsoft.com/office/drawing/2014/main" id="{9477F173-C342-48D8-4F39-8CE2EC696F9E}"/>
               </a:ext>
             </a:extLst>
           </p:cNvPr>
@@ -11541,7 +11566,7 @@
     </p:spTree>
     <p:extLst>
       <p:ext uri="{BB962C8B-B14F-4D97-AF65-F5344CB8AC3E}">
-        <p14:creationId xmlns:p14="http://schemas.microsoft.com/office/powerpoint/2010/main" val="654531707"/>
+        <p14:creationId xmlns:p14="http://schemas.microsoft.com/office/powerpoint/2010/main" val="1464992098"/>
       </p:ext>
     </p:extLst>
   </p:cSld>
@@ -11564,7 +11589,13 @@
     </p:bg>
     <p:spTree>
       <p:nvGrpSpPr>
-        <p:cNvPr id="1" name=""/>
+        <p:cNvPr id="1" name="">
+          <a:extLst>
+            <a:ext uri="{FF2B5EF4-FFF2-40B4-BE49-F238E27FC236}">
+              <a16:creationId xmlns:a16="http://schemas.microsoft.com/office/drawing/2014/main" id="{A8159F0C-2778-EC60-60EF-CA0942D62A39}"/>
+            </a:ext>
+          </a:extLst>
+        </p:cNvPr>
         <p:cNvGrpSpPr/>
         <p:nvPr/>
       </p:nvGrpSpPr>
@@ -11581,7 +11612,7 @@
           <p:cNvPr id="25" name="Rectangle 24">
             <a:extLst>
               <a:ext uri="{FF2B5EF4-FFF2-40B4-BE49-F238E27FC236}">
-                <a16:creationId xmlns:a16="http://schemas.microsoft.com/office/drawing/2014/main" id="{A6792F05-2FD4-4F18-815E-15391E8B4A0E}"/>
+                <a16:creationId xmlns:a16="http://schemas.microsoft.com/office/drawing/2014/main" id="{2117A125-9D9D-B086-FB92-03EFCC5AE4B1}"/>
               </a:ext>
               <a:ext uri="{C183D7F6-B498-43B3-948B-1728B52AA6E4}">
                 <adec:decorative xmlns:adec="http://schemas.microsoft.com/office/drawing/2017/decorative" val="1"/>
@@ -11644,7 +11675,7 @@
           <p:cNvPr id="2" name="Title 1">
             <a:extLst>
               <a:ext uri="{FF2B5EF4-FFF2-40B4-BE49-F238E27FC236}">
-                <a16:creationId xmlns:a16="http://schemas.microsoft.com/office/drawing/2014/main" id="{2589AFCC-0FF0-498C-B11F-8990DF0DAAA5}"/>
+                <a16:creationId xmlns:a16="http://schemas.microsoft.com/office/drawing/2014/main" id="{5FE71357-D153-F96A-DEFF-AB30CEF8EA17}"/>
               </a:ext>
             </a:extLst>
           </p:cNvPr>
@@ -11681,7 +11712,7 @@
           <p:cNvPr id="9" name="Content Placeholder 8">
             <a:extLst>
               <a:ext uri="{FF2B5EF4-FFF2-40B4-BE49-F238E27FC236}">
-                <a16:creationId xmlns:a16="http://schemas.microsoft.com/office/drawing/2014/main" id="{2D995594-59F2-4020-AB6F-751BAE84ADB3}"/>
+                <a16:creationId xmlns:a16="http://schemas.microsoft.com/office/drawing/2014/main" id="{C978C52B-1930-8327-E4DE-6BC01FDB4C82}"/>
               </a:ext>
             </a:extLst>
           </p:cNvPr>
@@ -11708,7 +11739,7 @@
               <a:rPr lang="en-US" sz="2400" dirty="0">
                 <a:latin typeface="Selawik Semibold" panose="020B0702040204020203" pitchFamily="34" charset="0"/>
               </a:rPr>
-              <a:t>Real Jobs (Indeed)</a:t>
+              <a:t>Real Jobs (Builtin.com)</a:t>
             </a:r>
           </a:p>
           <a:p>
@@ -11725,7 +11756,7 @@
               <a:rPr lang="en-US" sz="2000" dirty="0">
                 <a:latin typeface="Selawik Semibold" panose="020B0702040204020203" pitchFamily="34" charset="0"/>
               </a:rPr>
-              <a:t>Baseball Operations Analyst, Detroit Tigers</a:t>
+              <a:t>AI Scientist, Trek Bicycle</a:t>
             </a:r>
           </a:p>
           <a:p>
@@ -11734,7 +11765,7 @@
               <a:rPr lang="en-US" sz="1600" dirty="0">
                 <a:latin typeface="Selawik Semibold" panose="020B0702040204020203" pitchFamily="34" charset="0"/>
               </a:rPr>
-              <a:t>Master’s Degree Preferred. Statistics, Math, CS, etc. </a:t>
+              <a:t>Make Bicycles</a:t>
             </a:r>
           </a:p>
           <a:p>
@@ -11743,7 +11774,7 @@
               <a:rPr lang="en-US" sz="1600" dirty="0">
                 <a:latin typeface="Selawik Semibold" panose="020B0702040204020203" pitchFamily="34" charset="0"/>
               </a:rPr>
-              <a:t>Experience Working with Baseball Data</a:t>
+              <a:t>Lead AI Projects Focused on Generative AI (GPT, Gemini, etc.)</a:t>
             </a:r>
           </a:p>
           <a:p>
@@ -11752,7 +11783,7 @@
               <a:rPr lang="en-US" sz="1600" dirty="0">
                 <a:latin typeface="Selawik Semibold" panose="020B0702040204020203" pitchFamily="34" charset="0"/>
               </a:rPr>
-              <a:t>R or STATA or SPSS or SAS or Python</a:t>
+              <a:t>Develop and Deploy AI Models</a:t>
             </a:r>
           </a:p>
           <a:p>
@@ -11761,7 +11792,46 @@
               <a:rPr lang="en-US" sz="1600" dirty="0">
                 <a:latin typeface="Selawik Semibold" panose="020B0702040204020203" pitchFamily="34" charset="0"/>
               </a:rPr>
-              <a:t>Expertise with SQL</a:t>
+              <a:t>Skilled in Python, SQL, RAG, </a:t>
+            </a:r>
+            <a:r>
+              <a:rPr lang="en-US" sz="1600" dirty="0" err="1">
+                <a:latin typeface="Selawik Semibold" panose="020B0702040204020203" pitchFamily="34" charset="0"/>
+              </a:rPr>
+              <a:t>PyTorch</a:t>
+            </a:r>
+            <a:r>
+              <a:rPr lang="en-US" sz="1600" dirty="0">
+                <a:latin typeface="Selawik Semibold" panose="020B0702040204020203" pitchFamily="34" charset="0"/>
+              </a:rPr>
+              <a:t>, TensorFlow, etc.</a:t>
+            </a:r>
+          </a:p>
+          <a:p>
+            <a:pPr lvl="2"/>
+            <a:r>
+              <a:rPr lang="en-US" sz="1600" dirty="0">
+                <a:latin typeface="Selawik Semibold" panose="020B0702040204020203" pitchFamily="34" charset="0"/>
+              </a:rPr>
+              <a:t>Large Language/Small Language Model Background</a:t>
+            </a:r>
+          </a:p>
+          <a:p>
+            <a:pPr lvl="2"/>
+            <a:r>
+              <a:rPr lang="en-US" sz="1600" dirty="0">
+                <a:latin typeface="Selawik Semibold" panose="020B0702040204020203" pitchFamily="34" charset="0"/>
+              </a:rPr>
+              <a:t>Advanced Statistical and Mathematical Knowledge</a:t>
+            </a:r>
+          </a:p>
+          <a:p>
+            <a:pPr lvl="2"/>
+            <a:r>
+              <a:rPr lang="en-US" sz="1600" dirty="0">
+                <a:latin typeface="Selawik Semibold" panose="020B0702040204020203" pitchFamily="34" charset="0"/>
+              </a:rPr>
+              <a:t>Masters or PhD with 5-10 Years Experience</a:t>
             </a:r>
           </a:p>
           <a:p>
@@ -11776,7 +11846,7 @@
               <a:rPr lang="en-US" sz="2000" dirty="0">
                 <a:latin typeface="Selawik Semibold" panose="020B0702040204020203" pitchFamily="34" charset="0"/>
               </a:rPr>
-              <a:t>Quantitative Sports Researcher, SIG</a:t>
+              <a:t>Principal Data &amp; Visualization Analyst, Callaway Golf</a:t>
             </a:r>
           </a:p>
           <a:p>
@@ -11785,7 +11855,7 @@
               <a:rPr lang="en-US" sz="1600" dirty="0">
                 <a:latin typeface="Selawik Semibold" panose="020B0702040204020203" pitchFamily="34" charset="0"/>
               </a:rPr>
-              <a:t>Master’s or PhD Preferred</a:t>
+              <a:t>Bachelors Degree in “STEM” Program</a:t>
             </a:r>
           </a:p>
           <a:p>
@@ -11794,20 +11864,20 @@
               <a:rPr lang="en-US" sz="1600" dirty="0">
                 <a:latin typeface="Selawik Semibold" panose="020B0702040204020203" pitchFamily="34" charset="0"/>
               </a:rPr>
-              <a:t>Experience Working on Sports Analytics Projects</a:t>
-            </a:r>
-          </a:p>
-          <a:p>
-            <a:pPr lvl="2"/>
+              <a:t>Skilled in SQL, Snowflake, Python, </a:t>
+            </a:r>
+            <a:r>
+              <a:rPr lang="en-US" sz="1600" dirty="0" err="1">
+                <a:latin typeface="Selawik Semibold" panose="020B0702040204020203" pitchFamily="34" charset="0"/>
+              </a:rPr>
+              <a:t>PowerBI</a:t>
+            </a:r>
             <a:r>
               <a:rPr lang="en-US" sz="1600" dirty="0">
                 <a:latin typeface="Selawik Semibold" panose="020B0702040204020203" pitchFamily="34" charset="0"/>
               </a:rPr>
-              <a:t>Build Statistical Forecasting Models Linked to Sports Betting</a:t>
-            </a:r>
-            <a:endParaRPr lang="en-US" sz="1800" dirty="0">
-              <a:latin typeface="Selawik Semibold" panose="020B0702040204020203" pitchFamily="34" charset="0"/>
-            </a:endParaRPr>
+              <a:t>, etc.</a:t>
+            </a:r>
           </a:p>
           <a:p>
             <a:pPr lvl="2"/>
@@ -11816,6 +11886,30 @@
             </a:endParaRPr>
           </a:p>
           <a:p>
+            <a:pPr lvl="2"/>
+            <a:endParaRPr lang="en-US" sz="1600" dirty="0">
+              <a:latin typeface="Selawik Semibold" panose="020B0702040204020203" pitchFamily="34" charset="0"/>
+            </a:endParaRPr>
+          </a:p>
+          <a:p>
+            <a:pPr lvl="2"/>
+            <a:endParaRPr lang="en-US" sz="1400" dirty="0">
+              <a:latin typeface="Selawik Semibold" panose="020B0702040204020203" pitchFamily="34" charset="0"/>
+            </a:endParaRPr>
+          </a:p>
+          <a:p>
+            <a:pPr lvl="2"/>
+            <a:endParaRPr lang="en-US" sz="1800" dirty="0">
+              <a:latin typeface="Selawik Semibold" panose="020B0702040204020203" pitchFamily="34" charset="0"/>
+            </a:endParaRPr>
+          </a:p>
+          <a:p>
+            <a:pPr lvl="2"/>
+            <a:endParaRPr lang="en-US" sz="1600" dirty="0">
+              <a:latin typeface="Selawik Semibold" panose="020B0702040204020203" pitchFamily="34" charset="0"/>
+            </a:endParaRPr>
+          </a:p>
+          <a:p>
             <a:endParaRPr lang="en-US" sz="2400" dirty="0">
               <a:latin typeface="Selawik Semibold" panose="020B0702040204020203" pitchFamily="34" charset="0"/>
             </a:endParaRPr>
@@ -11845,7 +11939,7 @@
           <p:cNvPr id="4" name="Picture 3" descr="A drawing of a cartoon character&#10;&#10;Description automatically generated">
             <a:extLst>
               <a:ext uri="{FF2B5EF4-FFF2-40B4-BE49-F238E27FC236}">
-                <a16:creationId xmlns:a16="http://schemas.microsoft.com/office/drawing/2014/main" id="{A7FDC859-D890-4904-9C64-27F43DA90453}"/>
+                <a16:creationId xmlns:a16="http://schemas.microsoft.com/office/drawing/2014/main" id="{32FFBC7C-02B9-7EC1-ABC7-D264AF7F9604}"/>
               </a:ext>
             </a:extLst>
           </p:cNvPr>
@@ -11923,7 +12017,7 @@
           <p:cNvPr id="5" name="Content Placeholder 4" descr="A picture containing indoor&#10;&#10;Description automatically generated">
             <a:extLst>
               <a:ext uri="{FF2B5EF4-FFF2-40B4-BE49-F238E27FC236}">
-                <a16:creationId xmlns:a16="http://schemas.microsoft.com/office/drawing/2014/main" id="{A58F0E55-21F3-485B-A07F-1CE74177BDD2}"/>
+                <a16:creationId xmlns:a16="http://schemas.microsoft.com/office/drawing/2014/main" id="{3BF0E8CF-4C46-3594-7516-9AB97C24E065}"/>
               </a:ext>
             </a:extLst>
           </p:cNvPr>
@@ -12017,7 +12111,7 @@
           <p:cNvPr id="6" name="Rectangle 5">
             <a:extLst>
               <a:ext uri="{FF2B5EF4-FFF2-40B4-BE49-F238E27FC236}">
-                <a16:creationId xmlns:a16="http://schemas.microsoft.com/office/drawing/2014/main" id="{A2901312-C3C2-4CEC-80EF-823AB4FBB726}"/>
+                <a16:creationId xmlns:a16="http://schemas.microsoft.com/office/drawing/2014/main" id="{4F835728-A1F9-F435-D33B-62FFB44A963A}"/>
               </a:ext>
             </a:extLst>
           </p:cNvPr>
@@ -12073,7 +12167,7 @@
           <p:cNvPr id="15" name="Rectangle 14">
             <a:extLst>
               <a:ext uri="{FF2B5EF4-FFF2-40B4-BE49-F238E27FC236}">
-                <a16:creationId xmlns:a16="http://schemas.microsoft.com/office/drawing/2014/main" id="{AD0A7C9C-CA2C-4B9B-A125-2D09D5573B44}"/>
+                <a16:creationId xmlns:a16="http://schemas.microsoft.com/office/drawing/2014/main" id="{DE65FC45-AED2-EEA9-7868-AE1BEAFC8FF8}"/>
               </a:ext>
             </a:extLst>
           </p:cNvPr>
@@ -12129,7 +12223,7 @@
           <p:cNvPr id="16" name="Rectangle 15">
             <a:extLst>
               <a:ext uri="{FF2B5EF4-FFF2-40B4-BE49-F238E27FC236}">
-                <a16:creationId xmlns:a16="http://schemas.microsoft.com/office/drawing/2014/main" id="{74A085FC-1866-46D4-97F7-51AA45E48D4F}"/>
+                <a16:creationId xmlns:a16="http://schemas.microsoft.com/office/drawing/2014/main" id="{B253D057-7E16-91A1-2AA4-F84C7AFFAD0A}"/>
               </a:ext>
             </a:extLst>
           </p:cNvPr>
@@ -12183,7 +12277,7 @@
     </p:spTree>
     <p:extLst>
       <p:ext uri="{BB962C8B-B14F-4D97-AF65-F5344CB8AC3E}">
-        <p14:creationId xmlns:p14="http://schemas.microsoft.com/office/powerpoint/2010/main" val="93355944"/>
+        <p14:creationId xmlns:p14="http://schemas.microsoft.com/office/powerpoint/2010/main" val="813014251"/>
       </p:ext>
     </p:extLst>
   </p:cSld>
@@ -12337,7 +12431,7 @@
         <p:spPr>
           <a:xfrm>
             <a:off x="838199" y="2021248"/>
-            <a:ext cx="7102643" cy="4695905"/>
+            <a:ext cx="7460294" cy="4695905"/>
           </a:xfrm>
         </p:spPr>
         <p:txBody>
@@ -12434,12 +12528,13 @@
             </a:r>
           </a:p>
           <a:p>
-            <a:pPr marL="457200" lvl="1" indent="0">
-              <a:buNone/>
-            </a:pPr>
-            <a:endParaRPr lang="en-US" sz="2000" dirty="0">
-              <a:latin typeface="Selawik Semibold" panose="020B0702040204020203" pitchFamily="34" charset="0"/>
-            </a:endParaRPr>
+            <a:pPr lvl="1"/>
+            <a:r>
+              <a:rPr lang="en-US" sz="2000" dirty="0">
+                <a:latin typeface="Selawik Semibold" panose="020B0702040204020203" pitchFamily="34" charset="0"/>
+              </a:rPr>
+              <a:t>More International Conferences (See Link on Website)</a:t>
+            </a:r>
           </a:p>
           <a:p>
             <a:pPr lvl="2"/>
@@ -15814,7 +15909,13 @@
     </p:bg>
     <p:spTree>
       <p:nvGrpSpPr>
-        <p:cNvPr id="1" name=""/>
+        <p:cNvPr id="1" name="">
+          <a:extLst>
+            <a:ext uri="{FF2B5EF4-FFF2-40B4-BE49-F238E27FC236}">
+              <a16:creationId xmlns:a16="http://schemas.microsoft.com/office/drawing/2014/main" id="{0800F3C0-C912-B489-6CA8-9DE9FAB9B5B9}"/>
+            </a:ext>
+          </a:extLst>
+        </p:cNvPr>
         <p:cNvGrpSpPr/>
         <p:nvPr/>
       </p:nvGrpSpPr>
@@ -15831,7 +15932,7 @@
           <p:cNvPr id="25" name="Rectangle 24">
             <a:extLst>
               <a:ext uri="{FF2B5EF4-FFF2-40B4-BE49-F238E27FC236}">
-                <a16:creationId xmlns:a16="http://schemas.microsoft.com/office/drawing/2014/main" id="{A6792F05-2FD4-4F18-815E-15391E8B4A0E}"/>
+                <a16:creationId xmlns:a16="http://schemas.microsoft.com/office/drawing/2014/main" id="{511FCBAC-0F43-1624-F0BC-0B9AEF3B0FFD}"/>
               </a:ext>
               <a:ext uri="{C183D7F6-B498-43B3-948B-1728B52AA6E4}">
                 <adec:decorative xmlns:adec="http://schemas.microsoft.com/office/drawing/2017/decorative" val="1"/>
@@ -15894,7 +15995,7 @@
           <p:cNvPr id="2" name="Title 1">
             <a:extLst>
               <a:ext uri="{FF2B5EF4-FFF2-40B4-BE49-F238E27FC236}">
-                <a16:creationId xmlns:a16="http://schemas.microsoft.com/office/drawing/2014/main" id="{2589AFCC-0FF0-498C-B11F-8990DF0DAAA5}"/>
+                <a16:creationId xmlns:a16="http://schemas.microsoft.com/office/drawing/2014/main" id="{6F7BB04F-E03E-A1F4-A25D-03C7E983A60D}"/>
               </a:ext>
             </a:extLst>
           </p:cNvPr>
@@ -15921,7 +16022,7 @@
               <a:rPr lang="en-US" b="1" dirty="0">
                 <a:latin typeface="Selawik Semibold" panose="020B0604020202020204" pitchFamily="34" charset="0"/>
               </a:rPr>
-              <a:t>Industry Present</a:t>
+              <a:t>From Past to Present</a:t>
             </a:r>
           </a:p>
         </p:txBody>
@@ -15931,7 +16032,7 @@
           <p:cNvPr id="9" name="Content Placeholder 8">
             <a:extLst>
               <a:ext uri="{FF2B5EF4-FFF2-40B4-BE49-F238E27FC236}">
-                <a16:creationId xmlns:a16="http://schemas.microsoft.com/office/drawing/2014/main" id="{2D995594-59F2-4020-AB6F-751BAE84ADB3}"/>
+                <a16:creationId xmlns:a16="http://schemas.microsoft.com/office/drawing/2014/main" id="{421DA9B5-C380-9D33-056B-E4248B915C39}"/>
               </a:ext>
             </a:extLst>
           </p:cNvPr>
@@ -15944,8 +16045,8 @@
         </p:nvSpPr>
         <p:spPr>
           <a:xfrm>
-            <a:off x="838199" y="2021249"/>
-            <a:ext cx="7138737" cy="4155713"/>
+            <a:off x="838199" y="2021248"/>
+            <a:ext cx="7882219" cy="4787065"/>
           </a:xfrm>
         </p:spPr>
         <p:txBody>
@@ -15958,17 +16059,87 @@
               <a:rPr lang="en-US" sz="2400" dirty="0">
                 <a:latin typeface="Selawik Semibold" panose="020B0702040204020203" pitchFamily="34" charset="0"/>
               </a:rPr>
-              <a:t>Value Placed on Sports Analytics</a:t>
-            </a:r>
-            <a:endParaRPr lang="en-US" sz="2000" dirty="0">
+              <a:t>Ben Alamar Updated Survey in 2</a:t>
+            </a:r>
+            <a:r>
+              <a:rPr lang="en-US" sz="2400" baseline="30000" dirty="0">
+                <a:latin typeface="Selawik Semibold" panose="020B0702040204020203" pitchFamily="34" charset="0"/>
+              </a:rPr>
+              <a:t>nd</a:t>
+            </a:r>
+            <a:r>
+              <a:rPr lang="en-US" sz="2400" dirty="0">
+                <a:latin typeface="Selawik Semibold" panose="020B0702040204020203" pitchFamily="34" charset="0"/>
+              </a:rPr>
+              <a:t> Edition</a:t>
+            </a:r>
+          </a:p>
+          <a:p>
+            <a:pPr lvl="1"/>
+            <a:r>
+              <a:rPr lang="en-US" sz="2000" dirty="0">
+                <a:latin typeface="Selawik Semibold" panose="020B0702040204020203" pitchFamily="34" charset="0"/>
+              </a:rPr>
+              <a:t>163 People, 119 Orgs., 15 Sports</a:t>
+            </a:r>
+          </a:p>
+          <a:p>
+            <a:pPr lvl="1"/>
+            <a:r>
+              <a:rPr lang="en-US" sz="2000" dirty="0">
+                <a:latin typeface="Selawik Semibold" panose="020B0702040204020203" pitchFamily="34" charset="0"/>
+              </a:rPr>
+              <a:t>53% Use Statistics Regularly in Decision Making</a:t>
+            </a:r>
+          </a:p>
+          <a:p>
+            <a:pPr lvl="1"/>
+            <a:r>
+              <a:rPr lang="en-US" sz="2000" dirty="0">
+                <a:latin typeface="Selawik Semibold" panose="020B0702040204020203" pitchFamily="34" charset="0"/>
+              </a:rPr>
+              <a:t>58% Report Data is Mostly/Fully Centralized</a:t>
+            </a:r>
+          </a:p>
+          <a:p>
+            <a:pPr lvl="1"/>
+            <a:r>
+              <a:rPr lang="en-US" sz="2000" dirty="0">
+                <a:latin typeface="Selawik Semibold" panose="020B0702040204020203" pitchFamily="34" charset="0"/>
+              </a:rPr>
+              <a:t>32% Say Data is Regularly Presented Clearly and Consistently</a:t>
+            </a:r>
+          </a:p>
+          <a:p>
+            <a:pPr lvl="1"/>
+            <a:r>
+              <a:rPr lang="en-US" sz="2000" dirty="0">
+                <a:latin typeface="Selawik Semibold" panose="020B0702040204020203" pitchFamily="34" charset="0"/>
+              </a:rPr>
+              <a:t>83% Confirmed Analytics Group Will Grow in Next 5 Yrs.</a:t>
+            </a:r>
+          </a:p>
+          <a:p>
+            <a:endParaRPr lang="en-US" sz="1000" dirty="0">
               <a:latin typeface="Selawik Semibold" panose="020B0702040204020203" pitchFamily="34" charset="0"/>
             </a:endParaRPr>
           </a:p>
           <a:p>
+            <a:r>
+              <a:rPr lang="en-US" sz="2400" dirty="0">
+                <a:latin typeface="Selawik Semibold" panose="020B0702040204020203" pitchFamily="34" charset="0"/>
+              </a:rPr>
+              <a:t>Notable Differences Since 2013</a:t>
+            </a:r>
+          </a:p>
+          <a:p>
             <a:pPr lvl="1"/>
-            <a:endParaRPr lang="en-US" sz="2000" dirty="0">
-              <a:latin typeface="Selawik Semibold" panose="020B0702040204020203" pitchFamily="34" charset="0"/>
-            </a:endParaRPr>
+            <a:r>
+              <a:rPr lang="en-US" sz="2000" dirty="0">
+                <a:latin typeface="Selawik Semibold" panose="020B0702040204020203" pitchFamily="34" charset="0"/>
+              </a:rPr>
+              <a:t>Larger Datasets (Million Rows Per Game)</a:t>
+            </a:r>
           </a:p>
           <a:p>
             <a:pPr lvl="1"/>
@@ -15976,47 +16147,17 @@
               <a:rPr lang="en-US" sz="2000" dirty="0">
                 <a:latin typeface="Selawik Semibold" panose="020B0702040204020203" pitchFamily="34" charset="0"/>
               </a:rPr>
-              <a:t>Business Research Company Analysis</a:t>
-            </a:r>
-          </a:p>
-          <a:p>
-            <a:pPr lvl="2"/>
-            <a:r>
-              <a:rPr lang="en-US" sz="1800" dirty="0">
-                <a:latin typeface="Selawik Semibold" panose="020B0702040204020203" pitchFamily="34" charset="0"/>
-              </a:rPr>
-              <a:t>Global Sports Industry $486.61B to $512.14B</a:t>
-            </a:r>
-          </a:p>
-          <a:p>
-            <a:pPr lvl="2"/>
-            <a:r>
-              <a:rPr lang="en-US" sz="1800" dirty="0">
-                <a:latin typeface="Selawik Semibold" panose="020B0702040204020203" pitchFamily="34" charset="0"/>
-              </a:rPr>
-              <a:t>Actual CAGR of 5.2% in 2023</a:t>
-            </a:r>
-          </a:p>
-          <a:p>
-            <a:pPr lvl="2"/>
-            <a:r>
-              <a:rPr lang="en-US" sz="1800" dirty="0">
-                <a:latin typeface="Selawik Semibold" panose="020B0702040204020203" pitchFamily="34" charset="0"/>
-              </a:rPr>
-              <a:t>Expected to Grow to $623.63B </a:t>
-            </a:r>
-            <a:r>
-              <a:rPr lang="en-US" sz="1600" dirty="0">
-                <a:latin typeface="Selawik Semibold" panose="020B0702040204020203" pitchFamily="34" charset="0"/>
-              </a:rPr>
-              <a:t>in 2027 (CAGR 5%)</a:t>
+              <a:t>Due to Player Tracking (Approx. 25 Measurements Per Sec)</a:t>
             </a:r>
           </a:p>
           <a:p>
             <a:pPr lvl="1"/>
-            <a:endParaRPr lang="en-US" sz="2000" dirty="0">
-              <a:latin typeface="Selawik Semibold" panose="020B0702040204020203" pitchFamily="34" charset="0"/>
-            </a:endParaRPr>
+            <a:r>
+              <a:rPr lang="en-US" sz="2000" dirty="0">
+                <a:latin typeface="Selawik Semibold" panose="020B0702040204020203" pitchFamily="34" charset="0"/>
+              </a:rPr>
+              <a:t>Measurements Across Whole Body</a:t>
+            </a:r>
           </a:p>
           <a:p>
             <a:pPr lvl="1"/>
@@ -16024,20 +16165,8 @@
               <a:rPr lang="en-US" sz="2000" dirty="0">
                 <a:latin typeface="Selawik Semibold" panose="020B0702040204020203" pitchFamily="34" charset="0"/>
               </a:rPr>
-              <a:t>Deloitte Article Industry Trends for 2023</a:t>
-            </a:r>
-          </a:p>
-          <a:p>
-            <a:pPr lvl="2"/>
-            <a:endParaRPr lang="en-US" sz="1600" dirty="0">
-              <a:latin typeface="Selawik Semibold" panose="020B0702040204020203" pitchFamily="34" charset="0"/>
-            </a:endParaRPr>
-          </a:p>
-          <a:p>
-            <a:pPr lvl="1"/>
-            <a:endParaRPr lang="en-US" sz="2000" dirty="0">
-              <a:latin typeface="Selawik Semibold" panose="020B0702040204020203" pitchFamily="34" charset="0"/>
-            </a:endParaRPr>
+              <a:t>Speed at Which Questions Can be Answered is A Lot Faster</a:t>
+            </a:r>
           </a:p>
         </p:txBody>
       </p:sp>
@@ -16046,7 +16175,7 @@
           <p:cNvPr id="4" name="Picture 3" descr="A drawing of a cartoon character&#10;&#10;Description automatically generated">
             <a:extLst>
               <a:ext uri="{FF2B5EF4-FFF2-40B4-BE49-F238E27FC236}">
-                <a16:creationId xmlns:a16="http://schemas.microsoft.com/office/drawing/2014/main" id="{A7FDC859-D890-4904-9C64-27F43DA90453}"/>
+                <a16:creationId xmlns:a16="http://schemas.microsoft.com/office/drawing/2014/main" id="{909C9DC4-5601-FB7F-C6E7-2EBC1C321F72}"/>
               </a:ext>
             </a:extLst>
           </p:cNvPr>
@@ -16124,7 +16253,7 @@
           <p:cNvPr id="5" name="Content Placeholder 4" descr="A picture containing indoor&#10;&#10;Description automatically generated">
             <a:extLst>
               <a:ext uri="{FF2B5EF4-FFF2-40B4-BE49-F238E27FC236}">
-                <a16:creationId xmlns:a16="http://schemas.microsoft.com/office/drawing/2014/main" id="{A58F0E55-21F3-485B-A07F-1CE74177BDD2}"/>
+                <a16:creationId xmlns:a16="http://schemas.microsoft.com/office/drawing/2014/main" id="{324B8670-C59A-C19D-97A0-522C8EA1B828}"/>
               </a:ext>
             </a:extLst>
           </p:cNvPr>
@@ -16218,7 +16347,7 @@
           <p:cNvPr id="6" name="Rectangle 5">
             <a:extLst>
               <a:ext uri="{FF2B5EF4-FFF2-40B4-BE49-F238E27FC236}">
-                <a16:creationId xmlns:a16="http://schemas.microsoft.com/office/drawing/2014/main" id="{A2901312-C3C2-4CEC-80EF-823AB4FBB726}"/>
+                <a16:creationId xmlns:a16="http://schemas.microsoft.com/office/drawing/2014/main" id="{55B7801B-B3C9-48D4-6FE2-2977BD464189}"/>
               </a:ext>
             </a:extLst>
           </p:cNvPr>
@@ -16274,7 +16403,7 @@
           <p:cNvPr id="15" name="Rectangle 14">
             <a:extLst>
               <a:ext uri="{FF2B5EF4-FFF2-40B4-BE49-F238E27FC236}">
-                <a16:creationId xmlns:a16="http://schemas.microsoft.com/office/drawing/2014/main" id="{AD0A7C9C-CA2C-4B9B-A125-2D09D5573B44}"/>
+                <a16:creationId xmlns:a16="http://schemas.microsoft.com/office/drawing/2014/main" id="{EA314142-3B9C-5579-88CA-FCF9962B3853}"/>
               </a:ext>
             </a:extLst>
           </p:cNvPr>
@@ -16330,7 +16459,7 @@
           <p:cNvPr id="16" name="Rectangle 15">
             <a:extLst>
               <a:ext uri="{FF2B5EF4-FFF2-40B4-BE49-F238E27FC236}">
-                <a16:creationId xmlns:a16="http://schemas.microsoft.com/office/drawing/2014/main" id="{74A085FC-1866-46D4-97F7-51AA45E48D4F}"/>
+                <a16:creationId xmlns:a16="http://schemas.microsoft.com/office/drawing/2014/main" id="{0E743927-0B71-4612-0457-797FAC9F701A}"/>
               </a:ext>
             </a:extLst>
           </p:cNvPr>
@@ -16384,7 +16513,7 @@
     </p:spTree>
     <p:extLst>
       <p:ext uri="{BB962C8B-B14F-4D97-AF65-F5344CB8AC3E}">
-        <p14:creationId xmlns:p14="http://schemas.microsoft.com/office/powerpoint/2010/main" val="919024553"/>
+        <p14:creationId xmlns:p14="http://schemas.microsoft.com/office/powerpoint/2010/main" val="3632590044"/>
       </p:ext>
     </p:extLst>
   </p:cSld>
@@ -16569,6 +16698,617 @@
               <a:rPr lang="en-US" sz="2000" dirty="0">
                 <a:latin typeface="Selawik Semibold" panose="020B0702040204020203" pitchFamily="34" charset="0"/>
               </a:rPr>
+              <a:t>Business Research Company Analysis</a:t>
+            </a:r>
+          </a:p>
+          <a:p>
+            <a:pPr lvl="2"/>
+            <a:r>
+              <a:rPr lang="en-US" sz="1800" dirty="0">
+                <a:latin typeface="Selawik Semibold" panose="020B0702040204020203" pitchFamily="34" charset="0"/>
+              </a:rPr>
+              <a:t>Global Sports Industry $477.8B to $507.69B</a:t>
+            </a:r>
+          </a:p>
+          <a:p>
+            <a:pPr lvl="2"/>
+            <a:r>
+              <a:rPr lang="en-US" sz="1800" dirty="0">
+                <a:latin typeface="Selawik Semibold" panose="020B0702040204020203" pitchFamily="34" charset="0"/>
+              </a:rPr>
+              <a:t>Actual CAGR of 6.3% in 2024</a:t>
+            </a:r>
+          </a:p>
+          <a:p>
+            <a:pPr lvl="2"/>
+            <a:r>
+              <a:rPr lang="en-US" sz="1800" dirty="0">
+                <a:latin typeface="Selawik Semibold" panose="020B0702040204020203" pitchFamily="34" charset="0"/>
+              </a:rPr>
+              <a:t>Expected to Grow to $635.42B </a:t>
+            </a:r>
+            <a:r>
+              <a:rPr lang="en-US" sz="1600" dirty="0">
+                <a:latin typeface="Selawik Semibold" panose="020B0702040204020203" pitchFamily="34" charset="0"/>
+              </a:rPr>
+              <a:t>in 2029 (CAGR 5.8%)</a:t>
+            </a:r>
+          </a:p>
+          <a:p>
+            <a:pPr lvl="1"/>
+            <a:endParaRPr lang="en-US" sz="2000" dirty="0">
+              <a:latin typeface="Selawik Semibold" panose="020B0702040204020203" pitchFamily="34" charset="0"/>
+            </a:endParaRPr>
+          </a:p>
+          <a:p>
+            <a:pPr lvl="1"/>
+            <a:r>
+              <a:rPr lang="en-US" sz="2000" dirty="0">
+                <a:latin typeface="Selawik Semibold" panose="020B0702040204020203" pitchFamily="34" charset="0"/>
+              </a:rPr>
+              <a:t>Deloitte Article Sports Analytics Industry Trends 2024</a:t>
+            </a:r>
+          </a:p>
+          <a:p>
+            <a:pPr lvl="2"/>
+            <a:r>
+              <a:rPr lang="en-US" sz="1800" dirty="0">
+                <a:latin typeface="Selawik Semibold" panose="020B0702040204020203" pitchFamily="34" charset="0"/>
+              </a:rPr>
+              <a:t>Fan Data Aggregated and Managed </a:t>
+            </a:r>
+          </a:p>
+          <a:p>
+            <a:pPr lvl="2"/>
+            <a:r>
+              <a:rPr lang="en-US" sz="1800" dirty="0">
+                <a:latin typeface="Selawik Semibold" panose="020B0702040204020203" pitchFamily="34" charset="0"/>
+              </a:rPr>
+              <a:t>Increased Use in Generative AI</a:t>
+            </a:r>
+          </a:p>
+          <a:p>
+            <a:pPr lvl="2"/>
+            <a:endParaRPr lang="en-US" sz="1600" dirty="0">
+              <a:latin typeface="Selawik Semibold" panose="020B0702040204020203" pitchFamily="34" charset="0"/>
+            </a:endParaRPr>
+          </a:p>
+          <a:p>
+            <a:pPr lvl="1"/>
+            <a:endParaRPr lang="en-US" sz="2000" dirty="0">
+              <a:latin typeface="Selawik Semibold" panose="020B0702040204020203" pitchFamily="34" charset="0"/>
+            </a:endParaRPr>
+          </a:p>
+        </p:txBody>
+      </p:sp>
+      <p:pic>
+        <p:nvPicPr>
+          <p:cNvPr id="4" name="Picture 3" descr="A drawing of a cartoon character&#10;&#10;Description automatically generated">
+            <a:extLst>
+              <a:ext uri="{FF2B5EF4-FFF2-40B4-BE49-F238E27FC236}">
+                <a16:creationId xmlns:a16="http://schemas.microsoft.com/office/drawing/2014/main" id="{A7FDC859-D890-4904-9C64-27F43DA90453}"/>
+              </a:ext>
+            </a:extLst>
+          </p:cNvPr>
+          <p:cNvPicPr>
+            <a:picLocks noChangeAspect="1"/>
+          </p:cNvPicPr>
+          <p:nvPr/>
+        </p:nvPicPr>
+        <p:blipFill rotWithShape="1">
+          <a:blip r:embed="rId2">
+            <a:extLst>
+              <a:ext uri="{28A0092B-C50C-407E-A947-70E740481C1C}">
+                <a14:useLocalDpi xmlns:a14="http://schemas.microsoft.com/office/drawing/2010/main" val="0"/>
+              </a:ext>
+            </a:extLst>
+          </a:blip>
+          <a:srcRect t="5616" r="2" b="2"/>
+          <a:stretch/>
+        </p:blipFill>
+        <p:spPr>
+          <a:xfrm>
+            <a:off x="7471144" y="1700078"/>
+            <a:ext cx="4720855" cy="2583792"/>
+          </a:xfrm>
+          <a:custGeom>
+            <a:avLst/>
+            <a:gdLst>
+              <a:gd name="connsiteX0" fmla="*/ 0 w 5475077"/>
+              <a:gd name="connsiteY0" fmla="*/ 0 h 2583792"/>
+              <a:gd name="connsiteX1" fmla="*/ 5475077 w 5475077"/>
+              <a:gd name="connsiteY1" fmla="*/ 0 h 2583792"/>
+              <a:gd name="connsiteX2" fmla="*/ 5475077 w 5475077"/>
+              <a:gd name="connsiteY2" fmla="*/ 2583792 h 2583792"/>
+              <a:gd name="connsiteX3" fmla="*/ 1197192 w 5475077"/>
+              <a:gd name="connsiteY3" fmla="*/ 2583792 h 2583792"/>
+            </a:gdLst>
+            <a:ahLst/>
+            <a:cxnLst>
+              <a:cxn ang="0">
+                <a:pos x="connsiteX0" y="connsiteY0"/>
+              </a:cxn>
+              <a:cxn ang="0">
+                <a:pos x="connsiteX1" y="connsiteY1"/>
+              </a:cxn>
+              <a:cxn ang="0">
+                <a:pos x="connsiteX2" y="connsiteY2"/>
+              </a:cxn>
+              <a:cxn ang="0">
+                <a:pos x="connsiteX3" y="connsiteY3"/>
+              </a:cxn>
+            </a:cxnLst>
+            <a:rect l="l" t="t" r="r" b="b"/>
+            <a:pathLst>
+              <a:path w="5475077" h="2583792">
+                <a:moveTo>
+                  <a:pt x="0" y="0"/>
+                </a:moveTo>
+                <a:lnTo>
+                  <a:pt x="5475077" y="0"/>
+                </a:lnTo>
+                <a:lnTo>
+                  <a:pt x="5475077" y="2583792"/>
+                </a:lnTo>
+                <a:lnTo>
+                  <a:pt x="1197192" y="2583792"/>
+                </a:lnTo>
+                <a:close/>
+              </a:path>
+            </a:pathLst>
+          </a:custGeom>
+        </p:spPr>
+      </p:pic>
+      <p:pic>
+        <p:nvPicPr>
+          <p:cNvPr id="5" name="Content Placeholder 4" descr="A picture containing indoor&#10;&#10;Description automatically generated">
+            <a:extLst>
+              <a:ext uri="{FF2B5EF4-FFF2-40B4-BE49-F238E27FC236}">
+                <a16:creationId xmlns:a16="http://schemas.microsoft.com/office/drawing/2014/main" id="{A58F0E55-21F3-485B-A07F-1CE74177BDD2}"/>
+              </a:ext>
+            </a:extLst>
+          </p:cNvPr>
+          <p:cNvPicPr>
+            <a:picLocks noChangeAspect="1"/>
+          </p:cNvPicPr>
+          <p:nvPr/>
+        </p:nvPicPr>
+        <p:blipFill rotWithShape="1">
+          <a:blip r:embed="rId3">
+            <a:extLst>
+              <a:ext uri="{28A0092B-C50C-407E-A947-70E740481C1C}">
+                <a14:useLocalDpi xmlns:a14="http://schemas.microsoft.com/office/drawing/2010/main" val="0"/>
+              </a:ext>
+            </a:extLst>
+          </a:blip>
+          <a:srcRect t="5300" r="3" b="6859"/>
+          <a:stretch/>
+        </p:blipFill>
+        <p:spPr>
+          <a:xfrm>
+            <a:off x="8491869" y="4283870"/>
+            <a:ext cx="3700129" cy="2583520"/>
+          </a:xfrm>
+          <a:custGeom>
+            <a:avLst/>
+            <a:gdLst>
+              <a:gd name="connsiteX0" fmla="*/ 0 w 4277884"/>
+              <a:gd name="connsiteY0" fmla="*/ 0 h 2583520"/>
+              <a:gd name="connsiteX1" fmla="*/ 4277884 w 4277884"/>
+              <a:gd name="connsiteY1" fmla="*/ 0 h 2583520"/>
+              <a:gd name="connsiteX2" fmla="*/ 4277884 w 4277884"/>
+              <a:gd name="connsiteY2" fmla="*/ 2583520 h 2583520"/>
+              <a:gd name="connsiteX3" fmla="*/ 1192437 w 4277884"/>
+              <a:gd name="connsiteY3" fmla="*/ 2583520 h 2583520"/>
+              <a:gd name="connsiteX4" fmla="*/ 1188085 w 4277884"/>
+              <a:gd name="connsiteY4" fmla="*/ 2574129 h 2583520"/>
+              <a:gd name="connsiteX5" fmla="*/ 1192715 w 4277884"/>
+              <a:gd name="connsiteY5" fmla="*/ 2574129 h 2583520"/>
+            </a:gdLst>
+            <a:ahLst/>
+            <a:cxnLst>
+              <a:cxn ang="0">
+                <a:pos x="connsiteX0" y="connsiteY0"/>
+              </a:cxn>
+              <a:cxn ang="0">
+                <a:pos x="connsiteX1" y="connsiteY1"/>
+              </a:cxn>
+              <a:cxn ang="0">
+                <a:pos x="connsiteX2" y="connsiteY2"/>
+              </a:cxn>
+              <a:cxn ang="0">
+                <a:pos x="connsiteX3" y="connsiteY3"/>
+              </a:cxn>
+              <a:cxn ang="0">
+                <a:pos x="connsiteX4" y="connsiteY4"/>
+              </a:cxn>
+              <a:cxn ang="0">
+                <a:pos x="connsiteX5" y="connsiteY5"/>
+              </a:cxn>
+            </a:cxnLst>
+            <a:rect l="l" t="t" r="r" b="b"/>
+            <a:pathLst>
+              <a:path w="4277884" h="2583520">
+                <a:moveTo>
+                  <a:pt x="0" y="0"/>
+                </a:moveTo>
+                <a:lnTo>
+                  <a:pt x="4277884" y="0"/>
+                </a:lnTo>
+                <a:lnTo>
+                  <a:pt x="4277884" y="2583520"/>
+                </a:lnTo>
+                <a:lnTo>
+                  <a:pt x="1192437" y="2583520"/>
+                </a:lnTo>
+                <a:lnTo>
+                  <a:pt x="1188085" y="2574129"/>
+                </a:lnTo>
+                <a:lnTo>
+                  <a:pt x="1192715" y="2574129"/>
+                </a:lnTo>
+                <a:close/>
+              </a:path>
+            </a:pathLst>
+          </a:custGeom>
+        </p:spPr>
+      </p:pic>
+      <p:sp>
+        <p:nvSpPr>
+          <p:cNvPr id="6" name="Rectangle 5">
+            <a:extLst>
+              <a:ext uri="{FF2B5EF4-FFF2-40B4-BE49-F238E27FC236}">
+                <a16:creationId xmlns:a16="http://schemas.microsoft.com/office/drawing/2014/main" id="{A2901312-C3C2-4CEC-80EF-823AB4FBB726}"/>
+              </a:ext>
+            </a:extLst>
+          </p:cNvPr>
+          <p:cNvSpPr/>
+          <p:nvPr/>
+        </p:nvSpPr>
+        <p:spPr>
+          <a:xfrm>
+            <a:off x="-1" y="1608918"/>
+            <a:ext cx="12191999" cy="91160"/>
+          </a:xfrm>
+          <a:prstGeom prst="rect">
+            <a:avLst/>
+          </a:prstGeom>
+          <a:solidFill>
+            <a:schemeClr val="bg1"/>
+          </a:solidFill>
+          <a:ln>
+            <a:noFill/>
+          </a:ln>
+        </p:spPr>
+        <p:style>
+          <a:lnRef idx="2">
+            <a:schemeClr val="accent1">
+              <a:shade val="50000"/>
+            </a:schemeClr>
+          </a:lnRef>
+          <a:fillRef idx="1">
+            <a:schemeClr val="accent1"/>
+          </a:fillRef>
+          <a:effectRef idx="0">
+            <a:schemeClr val="accent1"/>
+          </a:effectRef>
+          <a:fontRef idx="minor">
+            <a:schemeClr val="lt1"/>
+          </a:fontRef>
+        </p:style>
+        <p:txBody>
+          <a:bodyPr rtlCol="0" anchor="ctr"/>
+          <a:lstStyle/>
+          <a:p>
+            <a:pPr algn="ctr"/>
+            <a:endParaRPr lang="en-US">
+              <a:solidFill>
+                <a:srgbClr val="DB5B5C"/>
+              </a:solidFill>
+            </a:endParaRPr>
+          </a:p>
+        </p:txBody>
+      </p:sp>
+      <p:sp>
+        <p:nvSpPr>
+          <p:cNvPr id="15" name="Rectangle 14">
+            <a:extLst>
+              <a:ext uri="{FF2B5EF4-FFF2-40B4-BE49-F238E27FC236}">
+                <a16:creationId xmlns:a16="http://schemas.microsoft.com/office/drawing/2014/main" id="{AD0A7C9C-CA2C-4B9B-A125-2D09D5573B44}"/>
+              </a:ext>
+            </a:extLst>
+          </p:cNvPr>
+          <p:cNvSpPr/>
+          <p:nvPr/>
+        </p:nvSpPr>
+        <p:spPr>
+          <a:xfrm>
+            <a:off x="1" y="6677247"/>
+            <a:ext cx="12191999" cy="190143"/>
+          </a:xfrm>
+          <a:prstGeom prst="rect">
+            <a:avLst/>
+          </a:prstGeom>
+          <a:solidFill>
+            <a:schemeClr val="bg1"/>
+          </a:solidFill>
+          <a:ln>
+            <a:noFill/>
+          </a:ln>
+        </p:spPr>
+        <p:style>
+          <a:lnRef idx="2">
+            <a:schemeClr val="accent1">
+              <a:shade val="50000"/>
+            </a:schemeClr>
+          </a:lnRef>
+          <a:fillRef idx="1">
+            <a:schemeClr val="accent1"/>
+          </a:fillRef>
+          <a:effectRef idx="0">
+            <a:schemeClr val="accent1"/>
+          </a:effectRef>
+          <a:fontRef idx="minor">
+            <a:schemeClr val="lt1"/>
+          </a:fontRef>
+        </p:style>
+        <p:txBody>
+          <a:bodyPr rtlCol="0" anchor="ctr"/>
+          <a:lstStyle/>
+          <a:p>
+            <a:pPr algn="ctr"/>
+            <a:endParaRPr lang="en-US">
+              <a:solidFill>
+                <a:srgbClr val="DB5B5C"/>
+              </a:solidFill>
+            </a:endParaRPr>
+          </a:p>
+        </p:txBody>
+      </p:sp>
+      <p:sp>
+        <p:nvSpPr>
+          <p:cNvPr id="16" name="Rectangle 15">
+            <a:extLst>
+              <a:ext uri="{FF2B5EF4-FFF2-40B4-BE49-F238E27FC236}">
+                <a16:creationId xmlns:a16="http://schemas.microsoft.com/office/drawing/2014/main" id="{74A085FC-1866-46D4-97F7-51AA45E48D4F}"/>
+              </a:ext>
+            </a:extLst>
+          </p:cNvPr>
+          <p:cNvSpPr/>
+          <p:nvPr/>
+        </p:nvSpPr>
+        <p:spPr>
+          <a:xfrm rot="4092292">
+            <a:off x="5790668" y="4094517"/>
+            <a:ext cx="5446699" cy="137038"/>
+          </a:xfrm>
+          <a:prstGeom prst="rect">
+            <a:avLst/>
+          </a:prstGeom>
+          <a:solidFill>
+            <a:schemeClr val="bg1"/>
+          </a:solidFill>
+          <a:ln>
+            <a:noFill/>
+          </a:ln>
+        </p:spPr>
+        <p:style>
+          <a:lnRef idx="2">
+            <a:schemeClr val="accent1">
+              <a:shade val="50000"/>
+            </a:schemeClr>
+          </a:lnRef>
+          <a:fillRef idx="1">
+            <a:schemeClr val="accent1"/>
+          </a:fillRef>
+          <a:effectRef idx="0">
+            <a:schemeClr val="accent1"/>
+          </a:effectRef>
+          <a:fontRef idx="minor">
+            <a:schemeClr val="lt1"/>
+          </a:fontRef>
+        </p:style>
+        <p:txBody>
+          <a:bodyPr rtlCol="0" anchor="ctr"/>
+          <a:lstStyle/>
+          <a:p>
+            <a:pPr algn="ctr"/>
+            <a:endParaRPr lang="en-US">
+              <a:solidFill>
+                <a:srgbClr val="DB5B5C"/>
+              </a:solidFill>
+            </a:endParaRPr>
+          </a:p>
+        </p:txBody>
+      </p:sp>
+    </p:spTree>
+    <p:extLst>
+      <p:ext uri="{BB962C8B-B14F-4D97-AF65-F5344CB8AC3E}">
+        <p14:creationId xmlns:p14="http://schemas.microsoft.com/office/powerpoint/2010/main" val="919024553"/>
+      </p:ext>
+    </p:extLst>
+  </p:cSld>
+  <p:clrMapOvr>
+    <a:overrideClrMapping bg1="dk1" tx1="lt1" bg2="dk2" tx2="lt2" accent1="accent1" accent2="accent2" accent3="accent3" accent4="accent4" accent5="accent5" accent6="accent6" hlink="hlink" folHlink="folHlink"/>
+  </p:clrMapOvr>
+</p:sld>
+</file>
+
+<file path=ppt/slides/slide9.xml><?xml version="1.0" encoding="utf-8"?>
+<p:sld xmlns:a="http://schemas.openxmlformats.org/drawingml/2006/main" xmlns:r="http://schemas.openxmlformats.org/officeDocument/2006/relationships" xmlns:p="http://schemas.openxmlformats.org/presentationml/2006/main">
+  <p:cSld>
+    <p:bg>
+      <p:bgPr>
+        <a:solidFill>
+          <a:srgbClr val="395583"/>
+        </a:solidFill>
+        <a:effectLst/>
+      </p:bgPr>
+    </p:bg>
+    <p:spTree>
+      <p:nvGrpSpPr>
+        <p:cNvPr id="1" name=""/>
+        <p:cNvGrpSpPr/>
+        <p:nvPr/>
+      </p:nvGrpSpPr>
+      <p:grpSpPr>
+        <a:xfrm>
+          <a:off x="0" y="0"/>
+          <a:ext cx="0" cy="0"/>
+          <a:chOff x="0" y="0"/>
+          <a:chExt cx="0" cy="0"/>
+        </a:xfrm>
+      </p:grpSpPr>
+      <p:sp>
+        <p:nvSpPr>
+          <p:cNvPr id="25" name="Rectangle 24">
+            <a:extLst>
+              <a:ext uri="{FF2B5EF4-FFF2-40B4-BE49-F238E27FC236}">
+                <a16:creationId xmlns:a16="http://schemas.microsoft.com/office/drawing/2014/main" id="{A6792F05-2FD4-4F18-815E-15391E8B4A0E}"/>
+              </a:ext>
+              <a:ext uri="{C183D7F6-B498-43B3-948B-1728B52AA6E4}">
+                <adec:decorative xmlns:adec="http://schemas.microsoft.com/office/drawing/2017/decorative" val="1"/>
+              </a:ext>
+            </a:extLst>
+          </p:cNvPr>
+          <p:cNvSpPr>
+            <a:spLocks noGrp="1" noRot="1" noChangeAspect="1" noMove="1" noResize="1" noEditPoints="1" noAdjustHandles="1" noChangeArrowheads="1" noChangeShapeType="1" noTextEdit="1"/>
+          </p:cNvSpPr>
+          <p:nvPr>
+            <p:extLst>
+              <p:ext uri="{386F3935-93C4-4BCD-93E2-E3B085C9AB24}">
+                <p16:designElem xmlns:p16="http://schemas.microsoft.com/office/powerpoint/2015/main" val="1"/>
+              </p:ext>
+            </p:extLst>
+          </p:nvPr>
+        </p:nvSpPr>
+        <p:spPr>
+          <a:xfrm>
+            <a:off x="0" y="0"/>
+            <a:ext cx="12191999" cy="6858000"/>
+          </a:xfrm>
+          <a:prstGeom prst="rect">
+            <a:avLst/>
+          </a:prstGeom>
+          <a:solidFill>
+            <a:srgbClr val="395583"/>
+          </a:solidFill>
+          <a:ln>
+            <a:noFill/>
+          </a:ln>
+        </p:spPr>
+        <p:style>
+          <a:lnRef idx="2">
+            <a:schemeClr val="accent1">
+              <a:shade val="50000"/>
+            </a:schemeClr>
+          </a:lnRef>
+          <a:fillRef idx="1">
+            <a:schemeClr val="accent1"/>
+          </a:fillRef>
+          <a:effectRef idx="0">
+            <a:schemeClr val="accent1"/>
+          </a:effectRef>
+          <a:fontRef idx="minor">
+            <a:schemeClr val="lt1"/>
+          </a:fontRef>
+        </p:style>
+        <p:txBody>
+          <a:bodyPr rtlCol="0" anchor="ctr"/>
+          <a:lstStyle/>
+          <a:p>
+            <a:pPr algn="ctr"/>
+            <a:endParaRPr lang="en-US"/>
+          </a:p>
+        </p:txBody>
+      </p:sp>
+      <p:sp>
+        <p:nvSpPr>
+          <p:cNvPr id="2" name="Title 1">
+            <a:extLst>
+              <a:ext uri="{FF2B5EF4-FFF2-40B4-BE49-F238E27FC236}">
+                <a16:creationId xmlns:a16="http://schemas.microsoft.com/office/drawing/2014/main" id="{2589AFCC-0FF0-498C-B11F-8990DF0DAAA5}"/>
+              </a:ext>
+            </a:extLst>
+          </p:cNvPr>
+          <p:cNvSpPr>
+            <a:spLocks noGrp="1"/>
+          </p:cNvSpPr>
+          <p:nvPr>
+            <p:ph type="title"/>
+          </p:nvPr>
+        </p:nvSpPr>
+        <p:spPr>
+          <a:xfrm>
+            <a:off x="838200" y="365125"/>
+            <a:ext cx="10515600" cy="1325563"/>
+          </a:xfrm>
+        </p:spPr>
+        <p:txBody>
+          <a:bodyPr>
+            <a:normAutofit/>
+          </a:bodyPr>
+          <a:lstStyle/>
+          <a:p>
+            <a:r>
+              <a:rPr lang="en-US" b="1" dirty="0">
+                <a:latin typeface="Selawik Semibold" panose="020B0604020202020204" pitchFamily="34" charset="0"/>
+              </a:rPr>
+              <a:t>Industry Present</a:t>
+            </a:r>
+          </a:p>
+        </p:txBody>
+      </p:sp>
+      <p:sp>
+        <p:nvSpPr>
+          <p:cNvPr id="9" name="Content Placeholder 8">
+            <a:extLst>
+              <a:ext uri="{FF2B5EF4-FFF2-40B4-BE49-F238E27FC236}">
+                <a16:creationId xmlns:a16="http://schemas.microsoft.com/office/drawing/2014/main" id="{2D995594-59F2-4020-AB6F-751BAE84ADB3}"/>
+              </a:ext>
+            </a:extLst>
+          </p:cNvPr>
+          <p:cNvSpPr>
+            <a:spLocks noGrp="1"/>
+          </p:cNvSpPr>
+          <p:nvPr>
+            <p:ph idx="1"/>
+          </p:nvPr>
+        </p:nvSpPr>
+        <p:spPr>
+          <a:xfrm>
+            <a:off x="838199" y="2021249"/>
+            <a:ext cx="7138737" cy="4155713"/>
+          </a:xfrm>
+        </p:spPr>
+        <p:txBody>
+          <a:bodyPr>
+            <a:normAutofit/>
+          </a:bodyPr>
+          <a:lstStyle/>
+          <a:p>
+            <a:r>
+              <a:rPr lang="en-US" sz="2400" dirty="0">
+                <a:latin typeface="Selawik Semibold" panose="020B0702040204020203" pitchFamily="34" charset="0"/>
+              </a:rPr>
+              <a:t>Value Placed on Sports Analytics</a:t>
+            </a:r>
+            <a:endParaRPr lang="en-US" sz="2000" dirty="0">
+              <a:latin typeface="Selawik Semibold" panose="020B0702040204020203" pitchFamily="34" charset="0"/>
+            </a:endParaRPr>
+          </a:p>
+          <a:p>
+            <a:pPr lvl="1"/>
+            <a:endParaRPr lang="en-US" sz="2000" dirty="0">
+              <a:latin typeface="Selawik Semibold" panose="020B0702040204020203" pitchFamily="34" charset="0"/>
+            </a:endParaRPr>
+          </a:p>
+          <a:p>
+            <a:pPr lvl="1"/>
+            <a:r>
+              <a:rPr lang="en-US" sz="2000" dirty="0">
+                <a:latin typeface="Selawik Semibold" panose="020B0702040204020203" pitchFamily="34" charset="0"/>
+              </a:rPr>
               <a:t>Grand View Research on Sports Analytics Market</a:t>
             </a:r>
           </a:p>
@@ -16578,7 +17318,7 @@
               <a:rPr lang="en-US" sz="1800" dirty="0">
                 <a:latin typeface="Selawik Semibold" panose="020B0702040204020203" pitchFamily="34" charset="0"/>
               </a:rPr>
-              <a:t>Valued at $2.73B in 2022 and $3.52B in 2023</a:t>
+              <a:t>Valued at $3.52B in 2023 and $4.47B in 2024</a:t>
             </a:r>
           </a:p>
           <a:p>
@@ -16587,7 +17327,7 @@
               <a:rPr lang="en-US" sz="1800" dirty="0">
                 <a:latin typeface="Selawik Semibold" panose="020B0702040204020203" pitchFamily="34" charset="0"/>
               </a:rPr>
-              <a:t>Expected CAGR Between 2023 and 2030 is 22.3%</a:t>
+              <a:t>Expected CAGR Between 2024 and 2030 is 21.5%</a:t>
             </a:r>
           </a:p>
           <a:p>
@@ -16602,7 +17342,7 @@
               <a:rPr lang="en-US" sz="1800" dirty="0">
                 <a:latin typeface="Selawik Semibold" panose="020B0702040204020203" pitchFamily="34" charset="0"/>
               </a:rPr>
-              <a:t>Software Segment Dominates at 61% of Market</a:t>
+              <a:t>Software Segment Dominates Services</a:t>
             </a:r>
           </a:p>
           <a:p>
@@ -16611,16 +17351,7 @@
               <a:rPr lang="en-US" sz="1800" dirty="0">
                 <a:latin typeface="Selawik Semibold" panose="020B0702040204020203" pitchFamily="34" charset="0"/>
               </a:rPr>
-              <a:t>Services Segment Expected to Grow by 19%</a:t>
-            </a:r>
-          </a:p>
-          <a:p>
-            <a:pPr lvl="2"/>
-            <a:r>
-              <a:rPr lang="en-US" sz="1800" dirty="0">
-                <a:latin typeface="Selawik Semibold" panose="020B0702040204020203" pitchFamily="34" charset="0"/>
-              </a:rPr>
-              <a:t>On-Field Analytics (61%) Dominates Off-Field Analytics</a:t>
+              <a:t>On-Field Analytics Dominates Off-Field Analytics</a:t>
             </a:r>
           </a:p>
           <a:p>
@@ -17062,7 +17793,7 @@
               <a:rPr lang="en-US" sz="2800" dirty="0">
                 <a:latin typeface="Selawik Semibold" panose="020B0702040204020203" pitchFamily="34" charset="0"/>
               </a:rPr>
-              <a:t>$2.73B</a:t>
+              <a:t>$3.52B</a:t>
             </a:r>
           </a:p>
         </p:txBody>
@@ -17184,7 +17915,7 @@
               <a:rPr lang="en-US" sz="4400" dirty="0">
                 <a:latin typeface="Selawik Semibold" panose="020B0702040204020203" pitchFamily="34" charset="0"/>
               </a:rPr>
-              <a:t>$14.41B</a:t>
+              <a:t>$14.38B</a:t>
             </a:r>
           </a:p>
         </p:txBody>
@@ -17348,7 +18079,7 @@
           <a:p>
             <a:r>
               <a:rPr lang="en-US" dirty="0"/>
-              <a:t>2022</a:t>
+              <a:t>2023</a:t>
             </a:r>
           </a:p>
         </p:txBody>
@@ -17388,8 +18119,8 @@
           </a:p>
         </p:txBody>
       </p:sp>
-      <mc:AlternateContent xmlns:mc="http://schemas.openxmlformats.org/markup-compatibility/2006" xmlns:a14="http://schemas.microsoft.com/office/drawing/2010/main">
-        <mc:Choice Requires="a14">
+      <mc:AlternateContent xmlns:mc="http://schemas.openxmlformats.org/markup-compatibility/2006">
+        <mc:Choice xmlns:a14="http://schemas.microsoft.com/office/drawing/2010/main" Requires="a14">
           <p:sp>
             <p:nvSpPr>
               <p:cNvPr id="3" name="TextBox 2">
@@ -17442,7 +18173,7 @@
                       <a:rPr lang="en-US" b="0" i="1" smtClean="0">
                         <a:latin typeface="Cambria Math" panose="02040503050406030204" pitchFamily="18" charset="0"/>
                       </a:rPr>
-                      <m:t> 2030=3.52∗(1+</m:t>
+                      <m:t> 2030=4.47∗(1+</m:t>
                     </m:r>
                     <m:r>
                       <a:rPr lang="en-US" b="0" i="1" smtClean="0">
@@ -17460,19 +18191,19 @@
                       <a:rPr lang="en-US" b="0" i="0" smtClean="0">
                         <a:latin typeface="Cambria Math" panose="02040503050406030204" pitchFamily="18" charset="0"/>
                       </a:rPr>
-                      <m:t>7</m:t>
+                      <m:t>6</m:t>
                     </m:r>
                   </m:oMath>
                 </a14:m>
                 <a:r>
                   <a:rPr lang="en-US" dirty="0"/>
-                  <a:t> =14.41</a:t>
+                  <a:t> =14.38</a:t>
                 </a:r>
               </a:p>
             </p:txBody>
           </p:sp>
         </mc:Choice>
-        <mc:Fallback xmlns="">
+        <mc:Fallback>
           <p:sp>
             <p:nvSpPr>
               <p:cNvPr id="3" name="TextBox 2">
@@ -17590,7 +18321,7 @@
           <a:p>
             <a:r>
               <a:rPr lang="en-US" dirty="0"/>
-              <a:t>2023</a:t>
+              <a:t>2024</a:t>
             </a:r>
           </a:p>
         </p:txBody>
@@ -17666,7 +18397,7 @@
               <a:rPr lang="en-US" sz="2800" dirty="0">
                 <a:latin typeface="Selawik Semibold" panose="020B0702040204020203" pitchFamily="34" charset="0"/>
               </a:rPr>
-              <a:t>$3.52B</a:t>
+              <a:t>$4.47B</a:t>
             </a:r>
           </a:p>
         </p:txBody>
@@ -17675,595 +18406,6 @@
     <p:extLst>
       <p:ext uri="{BB962C8B-B14F-4D97-AF65-F5344CB8AC3E}">
         <p14:creationId xmlns:p14="http://schemas.microsoft.com/office/powerpoint/2010/main" val="2762272663"/>
-      </p:ext>
-    </p:extLst>
-  </p:cSld>
-  <p:clrMapOvr>
-    <a:overrideClrMapping bg1="dk1" tx1="lt1" bg2="dk2" tx2="lt2" accent1="accent1" accent2="accent2" accent3="accent3" accent4="accent4" accent5="accent5" accent6="accent6" hlink="hlink" folHlink="folHlink"/>
-  </p:clrMapOvr>
-</p:sld>
-</file>
-
-<file path=ppt/slides/slide9.xml><?xml version="1.0" encoding="utf-8"?>
-<p:sld xmlns:a="http://schemas.openxmlformats.org/drawingml/2006/main" xmlns:r="http://schemas.openxmlformats.org/officeDocument/2006/relationships" xmlns:p="http://schemas.openxmlformats.org/presentationml/2006/main">
-  <p:cSld>
-    <p:bg>
-      <p:bgPr>
-        <a:solidFill>
-          <a:srgbClr val="395583"/>
-        </a:solidFill>
-        <a:effectLst/>
-      </p:bgPr>
-    </p:bg>
-    <p:spTree>
-      <p:nvGrpSpPr>
-        <p:cNvPr id="1" name=""/>
-        <p:cNvGrpSpPr/>
-        <p:nvPr/>
-      </p:nvGrpSpPr>
-      <p:grpSpPr>
-        <a:xfrm>
-          <a:off x="0" y="0"/>
-          <a:ext cx="0" cy="0"/>
-          <a:chOff x="0" y="0"/>
-          <a:chExt cx="0" cy="0"/>
-        </a:xfrm>
-      </p:grpSpPr>
-      <p:sp>
-        <p:nvSpPr>
-          <p:cNvPr id="25" name="Rectangle 24">
-            <a:extLst>
-              <a:ext uri="{FF2B5EF4-FFF2-40B4-BE49-F238E27FC236}">
-                <a16:creationId xmlns:a16="http://schemas.microsoft.com/office/drawing/2014/main" id="{A6792F05-2FD4-4F18-815E-15391E8B4A0E}"/>
-              </a:ext>
-              <a:ext uri="{C183D7F6-B498-43B3-948B-1728B52AA6E4}">
-                <adec:decorative xmlns:adec="http://schemas.microsoft.com/office/drawing/2017/decorative" val="1"/>
-              </a:ext>
-            </a:extLst>
-          </p:cNvPr>
-          <p:cNvSpPr>
-            <a:spLocks noGrp="1" noRot="1" noChangeAspect="1" noMove="1" noResize="1" noEditPoints="1" noAdjustHandles="1" noChangeArrowheads="1" noChangeShapeType="1" noTextEdit="1"/>
-          </p:cNvSpPr>
-          <p:nvPr>
-            <p:extLst>
-              <p:ext uri="{386F3935-93C4-4BCD-93E2-E3B085C9AB24}">
-                <p16:designElem xmlns:p16="http://schemas.microsoft.com/office/powerpoint/2015/main" val="1"/>
-              </p:ext>
-            </p:extLst>
-          </p:nvPr>
-        </p:nvSpPr>
-        <p:spPr>
-          <a:xfrm>
-            <a:off x="0" y="0"/>
-            <a:ext cx="12191999" cy="6858000"/>
-          </a:xfrm>
-          <a:prstGeom prst="rect">
-            <a:avLst/>
-          </a:prstGeom>
-          <a:solidFill>
-            <a:srgbClr val="395583"/>
-          </a:solidFill>
-          <a:ln>
-            <a:noFill/>
-          </a:ln>
-        </p:spPr>
-        <p:style>
-          <a:lnRef idx="2">
-            <a:schemeClr val="accent1">
-              <a:shade val="50000"/>
-            </a:schemeClr>
-          </a:lnRef>
-          <a:fillRef idx="1">
-            <a:schemeClr val="accent1"/>
-          </a:fillRef>
-          <a:effectRef idx="0">
-            <a:schemeClr val="accent1"/>
-          </a:effectRef>
-          <a:fontRef idx="minor">
-            <a:schemeClr val="lt1"/>
-          </a:fontRef>
-        </p:style>
-        <p:txBody>
-          <a:bodyPr rtlCol="0" anchor="ctr"/>
-          <a:lstStyle/>
-          <a:p>
-            <a:pPr algn="ctr"/>
-            <a:endParaRPr lang="en-US"/>
-          </a:p>
-        </p:txBody>
-      </p:sp>
-      <p:sp>
-        <p:nvSpPr>
-          <p:cNvPr id="2" name="Title 1">
-            <a:extLst>
-              <a:ext uri="{FF2B5EF4-FFF2-40B4-BE49-F238E27FC236}">
-                <a16:creationId xmlns:a16="http://schemas.microsoft.com/office/drawing/2014/main" id="{2589AFCC-0FF0-498C-B11F-8990DF0DAAA5}"/>
-              </a:ext>
-            </a:extLst>
-          </p:cNvPr>
-          <p:cNvSpPr>
-            <a:spLocks noGrp="1"/>
-          </p:cNvSpPr>
-          <p:nvPr>
-            <p:ph type="title"/>
-          </p:nvPr>
-        </p:nvSpPr>
-        <p:spPr>
-          <a:xfrm>
-            <a:off x="838200" y="365125"/>
-            <a:ext cx="10515600" cy="1325563"/>
-          </a:xfrm>
-        </p:spPr>
-        <p:txBody>
-          <a:bodyPr>
-            <a:normAutofit/>
-          </a:bodyPr>
-          <a:lstStyle/>
-          <a:p>
-            <a:r>
-              <a:rPr lang="en-US" b="1" dirty="0">
-                <a:latin typeface="Selawik Semibold" panose="020B0604020202020204" pitchFamily="34" charset="0"/>
-              </a:rPr>
-              <a:t>Industry Present</a:t>
-            </a:r>
-          </a:p>
-        </p:txBody>
-      </p:sp>
-      <p:sp>
-        <p:nvSpPr>
-          <p:cNvPr id="9" name="Content Placeholder 8">
-            <a:extLst>
-              <a:ext uri="{FF2B5EF4-FFF2-40B4-BE49-F238E27FC236}">
-                <a16:creationId xmlns:a16="http://schemas.microsoft.com/office/drawing/2014/main" id="{2D995594-59F2-4020-AB6F-751BAE84ADB3}"/>
-              </a:ext>
-            </a:extLst>
-          </p:cNvPr>
-          <p:cNvSpPr>
-            <a:spLocks noGrp="1"/>
-          </p:cNvSpPr>
-          <p:nvPr>
-            <p:ph idx="1"/>
-          </p:nvPr>
-        </p:nvSpPr>
-        <p:spPr>
-          <a:xfrm>
-            <a:off x="838199" y="2021249"/>
-            <a:ext cx="7138737" cy="4155713"/>
-          </a:xfrm>
-        </p:spPr>
-        <p:txBody>
-          <a:bodyPr>
-            <a:normAutofit/>
-          </a:bodyPr>
-          <a:lstStyle/>
-          <a:p>
-            <a:r>
-              <a:rPr lang="en-US" sz="2400" dirty="0">
-                <a:latin typeface="Selawik Semibold" panose="020B0702040204020203" pitchFamily="34" charset="0"/>
-              </a:rPr>
-              <a:t>Value Placed on Sports Analytics</a:t>
-            </a:r>
-            <a:endParaRPr lang="en-US" sz="2000" dirty="0">
-              <a:latin typeface="Selawik Semibold" panose="020B0702040204020203" pitchFamily="34" charset="0"/>
-            </a:endParaRPr>
-          </a:p>
-          <a:p>
-            <a:pPr lvl="1"/>
-            <a:endParaRPr lang="en-US" sz="2000" dirty="0">
-              <a:latin typeface="Selawik Semibold" panose="020B0702040204020203" pitchFamily="34" charset="0"/>
-            </a:endParaRPr>
-          </a:p>
-          <a:p>
-            <a:pPr lvl="1"/>
-            <a:r>
-              <a:rPr lang="en-US" sz="2000" dirty="0">
-                <a:latin typeface="Selawik Semibold" panose="020B0702040204020203" pitchFamily="34" charset="0"/>
-              </a:rPr>
-              <a:t>Grand View Research on Sports Analytics Market</a:t>
-            </a:r>
-          </a:p>
-          <a:p>
-            <a:pPr marL="457200" lvl="1" indent="0">
-              <a:buNone/>
-            </a:pPr>
-            <a:endParaRPr lang="en-US" sz="2000" dirty="0">
-              <a:latin typeface="Selawik Semibold" panose="020B0702040204020203" pitchFamily="34" charset="0"/>
-            </a:endParaRPr>
-          </a:p>
-          <a:p>
-            <a:pPr lvl="1"/>
-            <a:endParaRPr lang="en-US" sz="2000" dirty="0">
-              <a:latin typeface="Selawik Semibold" panose="020B0702040204020203" pitchFamily="34" charset="0"/>
-            </a:endParaRPr>
-          </a:p>
-          <a:p>
-            <a:pPr lvl="1"/>
-            <a:endParaRPr lang="en-US" sz="2000" dirty="0">
-              <a:latin typeface="Selawik Semibold" panose="020B0702040204020203" pitchFamily="34" charset="0"/>
-            </a:endParaRPr>
-          </a:p>
-          <a:p>
-            <a:pPr lvl="1"/>
-            <a:endParaRPr lang="en-US" sz="2000" dirty="0">
-              <a:latin typeface="Selawik Semibold" panose="020B0702040204020203" pitchFamily="34" charset="0"/>
-            </a:endParaRPr>
-          </a:p>
-        </p:txBody>
-      </p:sp>
-      <p:pic>
-        <p:nvPicPr>
-          <p:cNvPr id="4" name="Picture 3" descr="A drawing of a cartoon character&#10;&#10;Description automatically generated">
-            <a:extLst>
-              <a:ext uri="{FF2B5EF4-FFF2-40B4-BE49-F238E27FC236}">
-                <a16:creationId xmlns:a16="http://schemas.microsoft.com/office/drawing/2014/main" id="{A7FDC859-D890-4904-9C64-27F43DA90453}"/>
-              </a:ext>
-            </a:extLst>
-          </p:cNvPr>
-          <p:cNvPicPr>
-            <a:picLocks noChangeAspect="1"/>
-          </p:cNvPicPr>
-          <p:nvPr/>
-        </p:nvPicPr>
-        <p:blipFill rotWithShape="1">
-          <a:blip r:embed="rId2">
-            <a:extLst>
-              <a:ext uri="{28A0092B-C50C-407E-A947-70E740481C1C}">
-                <a14:useLocalDpi xmlns:a14="http://schemas.microsoft.com/office/drawing/2010/main" val="0"/>
-              </a:ext>
-            </a:extLst>
-          </a:blip>
-          <a:srcRect t="5616" r="2" b="2"/>
-          <a:stretch/>
-        </p:blipFill>
-        <p:spPr>
-          <a:xfrm>
-            <a:off x="7471144" y="1700078"/>
-            <a:ext cx="4720855" cy="2583792"/>
-          </a:xfrm>
-          <a:custGeom>
-            <a:avLst/>
-            <a:gdLst>
-              <a:gd name="connsiteX0" fmla="*/ 0 w 5475077"/>
-              <a:gd name="connsiteY0" fmla="*/ 0 h 2583792"/>
-              <a:gd name="connsiteX1" fmla="*/ 5475077 w 5475077"/>
-              <a:gd name="connsiteY1" fmla="*/ 0 h 2583792"/>
-              <a:gd name="connsiteX2" fmla="*/ 5475077 w 5475077"/>
-              <a:gd name="connsiteY2" fmla="*/ 2583792 h 2583792"/>
-              <a:gd name="connsiteX3" fmla="*/ 1197192 w 5475077"/>
-              <a:gd name="connsiteY3" fmla="*/ 2583792 h 2583792"/>
-            </a:gdLst>
-            <a:ahLst/>
-            <a:cxnLst>
-              <a:cxn ang="0">
-                <a:pos x="connsiteX0" y="connsiteY0"/>
-              </a:cxn>
-              <a:cxn ang="0">
-                <a:pos x="connsiteX1" y="connsiteY1"/>
-              </a:cxn>
-              <a:cxn ang="0">
-                <a:pos x="connsiteX2" y="connsiteY2"/>
-              </a:cxn>
-              <a:cxn ang="0">
-                <a:pos x="connsiteX3" y="connsiteY3"/>
-              </a:cxn>
-            </a:cxnLst>
-            <a:rect l="l" t="t" r="r" b="b"/>
-            <a:pathLst>
-              <a:path w="5475077" h="2583792">
-                <a:moveTo>
-                  <a:pt x="0" y="0"/>
-                </a:moveTo>
-                <a:lnTo>
-                  <a:pt x="5475077" y="0"/>
-                </a:lnTo>
-                <a:lnTo>
-                  <a:pt x="5475077" y="2583792"/>
-                </a:lnTo>
-                <a:lnTo>
-                  <a:pt x="1197192" y="2583792"/>
-                </a:lnTo>
-                <a:close/>
-              </a:path>
-            </a:pathLst>
-          </a:custGeom>
-        </p:spPr>
-      </p:pic>
-      <p:pic>
-        <p:nvPicPr>
-          <p:cNvPr id="5" name="Content Placeholder 4" descr="A picture containing indoor&#10;&#10;Description automatically generated">
-            <a:extLst>
-              <a:ext uri="{FF2B5EF4-FFF2-40B4-BE49-F238E27FC236}">
-                <a16:creationId xmlns:a16="http://schemas.microsoft.com/office/drawing/2014/main" id="{A58F0E55-21F3-485B-A07F-1CE74177BDD2}"/>
-              </a:ext>
-            </a:extLst>
-          </p:cNvPr>
-          <p:cNvPicPr>
-            <a:picLocks noChangeAspect="1"/>
-          </p:cNvPicPr>
-          <p:nvPr/>
-        </p:nvPicPr>
-        <p:blipFill rotWithShape="1">
-          <a:blip r:embed="rId3">
-            <a:extLst>
-              <a:ext uri="{28A0092B-C50C-407E-A947-70E740481C1C}">
-                <a14:useLocalDpi xmlns:a14="http://schemas.microsoft.com/office/drawing/2010/main" val="0"/>
-              </a:ext>
-            </a:extLst>
-          </a:blip>
-          <a:srcRect t="5300" r="3" b="6859"/>
-          <a:stretch/>
-        </p:blipFill>
-        <p:spPr>
-          <a:xfrm>
-            <a:off x="8491869" y="4283870"/>
-            <a:ext cx="3700129" cy="2583520"/>
-          </a:xfrm>
-          <a:custGeom>
-            <a:avLst/>
-            <a:gdLst>
-              <a:gd name="connsiteX0" fmla="*/ 0 w 4277884"/>
-              <a:gd name="connsiteY0" fmla="*/ 0 h 2583520"/>
-              <a:gd name="connsiteX1" fmla="*/ 4277884 w 4277884"/>
-              <a:gd name="connsiteY1" fmla="*/ 0 h 2583520"/>
-              <a:gd name="connsiteX2" fmla="*/ 4277884 w 4277884"/>
-              <a:gd name="connsiteY2" fmla="*/ 2583520 h 2583520"/>
-              <a:gd name="connsiteX3" fmla="*/ 1192437 w 4277884"/>
-              <a:gd name="connsiteY3" fmla="*/ 2583520 h 2583520"/>
-              <a:gd name="connsiteX4" fmla="*/ 1188085 w 4277884"/>
-              <a:gd name="connsiteY4" fmla="*/ 2574129 h 2583520"/>
-              <a:gd name="connsiteX5" fmla="*/ 1192715 w 4277884"/>
-              <a:gd name="connsiteY5" fmla="*/ 2574129 h 2583520"/>
-            </a:gdLst>
-            <a:ahLst/>
-            <a:cxnLst>
-              <a:cxn ang="0">
-                <a:pos x="connsiteX0" y="connsiteY0"/>
-              </a:cxn>
-              <a:cxn ang="0">
-                <a:pos x="connsiteX1" y="connsiteY1"/>
-              </a:cxn>
-              <a:cxn ang="0">
-                <a:pos x="connsiteX2" y="connsiteY2"/>
-              </a:cxn>
-              <a:cxn ang="0">
-                <a:pos x="connsiteX3" y="connsiteY3"/>
-              </a:cxn>
-              <a:cxn ang="0">
-                <a:pos x="connsiteX4" y="connsiteY4"/>
-              </a:cxn>
-              <a:cxn ang="0">
-                <a:pos x="connsiteX5" y="connsiteY5"/>
-              </a:cxn>
-            </a:cxnLst>
-            <a:rect l="l" t="t" r="r" b="b"/>
-            <a:pathLst>
-              <a:path w="4277884" h="2583520">
-                <a:moveTo>
-                  <a:pt x="0" y="0"/>
-                </a:moveTo>
-                <a:lnTo>
-                  <a:pt x="4277884" y="0"/>
-                </a:lnTo>
-                <a:lnTo>
-                  <a:pt x="4277884" y="2583520"/>
-                </a:lnTo>
-                <a:lnTo>
-                  <a:pt x="1192437" y="2583520"/>
-                </a:lnTo>
-                <a:lnTo>
-                  <a:pt x="1188085" y="2574129"/>
-                </a:lnTo>
-                <a:lnTo>
-                  <a:pt x="1192715" y="2574129"/>
-                </a:lnTo>
-                <a:close/>
-              </a:path>
-            </a:pathLst>
-          </a:custGeom>
-        </p:spPr>
-      </p:pic>
-      <p:sp>
-        <p:nvSpPr>
-          <p:cNvPr id="6" name="Rectangle 5">
-            <a:extLst>
-              <a:ext uri="{FF2B5EF4-FFF2-40B4-BE49-F238E27FC236}">
-                <a16:creationId xmlns:a16="http://schemas.microsoft.com/office/drawing/2014/main" id="{A2901312-C3C2-4CEC-80EF-823AB4FBB726}"/>
-              </a:ext>
-            </a:extLst>
-          </p:cNvPr>
-          <p:cNvSpPr/>
-          <p:nvPr/>
-        </p:nvSpPr>
-        <p:spPr>
-          <a:xfrm>
-            <a:off x="-1" y="1608918"/>
-            <a:ext cx="12191999" cy="91160"/>
-          </a:xfrm>
-          <a:prstGeom prst="rect">
-            <a:avLst/>
-          </a:prstGeom>
-          <a:solidFill>
-            <a:schemeClr val="bg1"/>
-          </a:solidFill>
-          <a:ln>
-            <a:noFill/>
-          </a:ln>
-        </p:spPr>
-        <p:style>
-          <a:lnRef idx="2">
-            <a:schemeClr val="accent1">
-              <a:shade val="50000"/>
-            </a:schemeClr>
-          </a:lnRef>
-          <a:fillRef idx="1">
-            <a:schemeClr val="accent1"/>
-          </a:fillRef>
-          <a:effectRef idx="0">
-            <a:schemeClr val="accent1"/>
-          </a:effectRef>
-          <a:fontRef idx="minor">
-            <a:schemeClr val="lt1"/>
-          </a:fontRef>
-        </p:style>
-        <p:txBody>
-          <a:bodyPr rtlCol="0" anchor="ctr"/>
-          <a:lstStyle/>
-          <a:p>
-            <a:pPr algn="ctr"/>
-            <a:endParaRPr lang="en-US">
-              <a:solidFill>
-                <a:srgbClr val="DB5B5C"/>
-              </a:solidFill>
-            </a:endParaRPr>
-          </a:p>
-        </p:txBody>
-      </p:sp>
-      <p:sp>
-        <p:nvSpPr>
-          <p:cNvPr id="15" name="Rectangle 14">
-            <a:extLst>
-              <a:ext uri="{FF2B5EF4-FFF2-40B4-BE49-F238E27FC236}">
-                <a16:creationId xmlns:a16="http://schemas.microsoft.com/office/drawing/2014/main" id="{AD0A7C9C-CA2C-4B9B-A125-2D09D5573B44}"/>
-              </a:ext>
-            </a:extLst>
-          </p:cNvPr>
-          <p:cNvSpPr/>
-          <p:nvPr/>
-        </p:nvSpPr>
-        <p:spPr>
-          <a:xfrm>
-            <a:off x="1" y="6677247"/>
-            <a:ext cx="12191999" cy="190143"/>
-          </a:xfrm>
-          <a:prstGeom prst="rect">
-            <a:avLst/>
-          </a:prstGeom>
-          <a:solidFill>
-            <a:schemeClr val="bg1"/>
-          </a:solidFill>
-          <a:ln>
-            <a:noFill/>
-          </a:ln>
-        </p:spPr>
-        <p:style>
-          <a:lnRef idx="2">
-            <a:schemeClr val="accent1">
-              <a:shade val="50000"/>
-            </a:schemeClr>
-          </a:lnRef>
-          <a:fillRef idx="1">
-            <a:schemeClr val="accent1"/>
-          </a:fillRef>
-          <a:effectRef idx="0">
-            <a:schemeClr val="accent1"/>
-          </a:effectRef>
-          <a:fontRef idx="minor">
-            <a:schemeClr val="lt1"/>
-          </a:fontRef>
-        </p:style>
-        <p:txBody>
-          <a:bodyPr rtlCol="0" anchor="ctr"/>
-          <a:lstStyle/>
-          <a:p>
-            <a:pPr algn="ctr"/>
-            <a:endParaRPr lang="en-US">
-              <a:solidFill>
-                <a:srgbClr val="DB5B5C"/>
-              </a:solidFill>
-            </a:endParaRPr>
-          </a:p>
-        </p:txBody>
-      </p:sp>
-      <p:sp>
-        <p:nvSpPr>
-          <p:cNvPr id="16" name="Rectangle 15">
-            <a:extLst>
-              <a:ext uri="{FF2B5EF4-FFF2-40B4-BE49-F238E27FC236}">
-                <a16:creationId xmlns:a16="http://schemas.microsoft.com/office/drawing/2014/main" id="{74A085FC-1866-46D4-97F7-51AA45E48D4F}"/>
-              </a:ext>
-            </a:extLst>
-          </p:cNvPr>
-          <p:cNvSpPr/>
-          <p:nvPr/>
-        </p:nvSpPr>
-        <p:spPr>
-          <a:xfrm rot="4092292">
-            <a:off x="5790668" y="4094517"/>
-            <a:ext cx="5446699" cy="137038"/>
-          </a:xfrm>
-          <a:prstGeom prst="rect">
-            <a:avLst/>
-          </a:prstGeom>
-          <a:solidFill>
-            <a:schemeClr val="bg1"/>
-          </a:solidFill>
-          <a:ln>
-            <a:noFill/>
-          </a:ln>
-        </p:spPr>
-        <p:style>
-          <a:lnRef idx="2">
-            <a:schemeClr val="accent1">
-              <a:shade val="50000"/>
-            </a:schemeClr>
-          </a:lnRef>
-          <a:fillRef idx="1">
-            <a:schemeClr val="accent1"/>
-          </a:fillRef>
-          <a:effectRef idx="0">
-            <a:schemeClr val="accent1"/>
-          </a:effectRef>
-          <a:fontRef idx="minor">
-            <a:schemeClr val="lt1"/>
-          </a:fontRef>
-        </p:style>
-        <p:txBody>
-          <a:bodyPr rtlCol="0" anchor="ctr"/>
-          <a:lstStyle/>
-          <a:p>
-            <a:pPr algn="ctr"/>
-            <a:endParaRPr lang="en-US">
-              <a:solidFill>
-                <a:srgbClr val="DB5B5C"/>
-              </a:solidFill>
-            </a:endParaRPr>
-          </a:p>
-        </p:txBody>
-      </p:sp>
-      <p:pic>
-        <p:nvPicPr>
-          <p:cNvPr id="8" name="Picture 7">
-            <a:extLst>
-              <a:ext uri="{FF2B5EF4-FFF2-40B4-BE49-F238E27FC236}">
-                <a16:creationId xmlns:a16="http://schemas.microsoft.com/office/drawing/2014/main" id="{D3C86526-9AFC-7A4A-DCC5-4146B4114261}"/>
-              </a:ext>
-            </a:extLst>
-          </p:cNvPr>
-          <p:cNvPicPr>
-            <a:picLocks noChangeAspect="1"/>
-          </p:cNvPicPr>
-          <p:nvPr/>
-        </p:nvPicPr>
-        <p:blipFill>
-          <a:blip r:embed="rId4"/>
-          <a:stretch>
-            <a:fillRect/>
-          </a:stretch>
-        </p:blipFill>
-        <p:spPr>
-          <a:xfrm>
-            <a:off x="1006897" y="3132595"/>
-            <a:ext cx="6655056" cy="3443875"/>
-          </a:xfrm>
-          <a:prstGeom prst="rect">
-            <a:avLst/>
-          </a:prstGeom>
-        </p:spPr>
-      </p:pic>
-    </p:spTree>
-    <p:extLst>
-      <p:ext uri="{BB962C8B-B14F-4D97-AF65-F5344CB8AC3E}">
-        <p14:creationId xmlns:p14="http://schemas.microsoft.com/office/powerpoint/2010/main" val="3900949920"/>
       </p:ext>
     </p:extLst>
   </p:cSld>

--- a/Slides/Sports Analytics 3/Sports_Analytics_3_Lecture.pptx
+++ b/Slides/Sports Analytics 3/Sports_Analytics_3_Lecture.pptx
@@ -219,7 +219,7 @@
           <a:p>
             <a:fld id="{C04E5E84-956F-4423-97B3-5936A6D8EEEE}" type="datetimeFigureOut">
               <a:rPr lang="en-US" smtClean="0"/>
-              <a:t>1/12/2025</a:t>
+              <a:t>1/27/2025</a:t>
             </a:fld>
             <a:endParaRPr lang="en-US"/>
           </a:p>
@@ -633,7 +633,7 @@
           <a:p>
             <a:fld id="{3881C039-66A3-4640-815B-3B5A8B7D868D}" type="datetimeFigureOut">
               <a:rPr lang="en-US" smtClean="0"/>
-              <a:t>1/12/2025</a:t>
+              <a:t>1/27/2025</a:t>
             </a:fld>
             <a:endParaRPr lang="en-US"/>
           </a:p>
@@ -831,7 +831,7 @@
           <a:p>
             <a:fld id="{3881C039-66A3-4640-815B-3B5A8B7D868D}" type="datetimeFigureOut">
               <a:rPr lang="en-US" smtClean="0"/>
-              <a:t>1/12/2025</a:t>
+              <a:t>1/27/2025</a:t>
             </a:fld>
             <a:endParaRPr lang="en-US"/>
           </a:p>
@@ -1039,7 +1039,7 @@
           <a:p>
             <a:fld id="{3881C039-66A3-4640-815B-3B5A8B7D868D}" type="datetimeFigureOut">
               <a:rPr lang="en-US" smtClean="0"/>
-              <a:t>1/12/2025</a:t>
+              <a:t>1/27/2025</a:t>
             </a:fld>
             <a:endParaRPr lang="en-US"/>
           </a:p>
@@ -1237,7 +1237,7 @@
           <a:p>
             <a:fld id="{3881C039-66A3-4640-815B-3B5A8B7D868D}" type="datetimeFigureOut">
               <a:rPr lang="en-US" smtClean="0"/>
-              <a:t>1/12/2025</a:t>
+              <a:t>1/27/2025</a:t>
             </a:fld>
             <a:endParaRPr lang="en-US"/>
           </a:p>
@@ -1512,7 +1512,7 @@
           <a:p>
             <a:fld id="{3881C039-66A3-4640-815B-3B5A8B7D868D}" type="datetimeFigureOut">
               <a:rPr lang="en-US" smtClean="0"/>
-              <a:t>1/12/2025</a:t>
+              <a:t>1/27/2025</a:t>
             </a:fld>
             <a:endParaRPr lang="en-US"/>
           </a:p>
@@ -1777,7 +1777,7 @@
           <a:p>
             <a:fld id="{3881C039-66A3-4640-815B-3B5A8B7D868D}" type="datetimeFigureOut">
               <a:rPr lang="en-US" smtClean="0"/>
-              <a:t>1/12/2025</a:t>
+              <a:t>1/27/2025</a:t>
             </a:fld>
             <a:endParaRPr lang="en-US"/>
           </a:p>
@@ -2189,7 +2189,7 @@
           <a:p>
             <a:fld id="{3881C039-66A3-4640-815B-3B5A8B7D868D}" type="datetimeFigureOut">
               <a:rPr lang="en-US" smtClean="0"/>
-              <a:t>1/12/2025</a:t>
+              <a:t>1/27/2025</a:t>
             </a:fld>
             <a:endParaRPr lang="en-US"/>
           </a:p>
@@ -2330,7 +2330,7 @@
           <a:p>
             <a:fld id="{3881C039-66A3-4640-815B-3B5A8B7D868D}" type="datetimeFigureOut">
               <a:rPr lang="en-US" smtClean="0"/>
-              <a:t>1/12/2025</a:t>
+              <a:t>1/27/2025</a:t>
             </a:fld>
             <a:endParaRPr lang="en-US"/>
           </a:p>
@@ -2443,7 +2443,7 @@
           <a:p>
             <a:fld id="{3881C039-66A3-4640-815B-3B5A8B7D868D}" type="datetimeFigureOut">
               <a:rPr lang="en-US" smtClean="0"/>
-              <a:t>1/12/2025</a:t>
+              <a:t>1/27/2025</a:t>
             </a:fld>
             <a:endParaRPr lang="en-US"/>
           </a:p>
@@ -2754,7 +2754,7 @@
           <a:p>
             <a:fld id="{3881C039-66A3-4640-815B-3B5A8B7D868D}" type="datetimeFigureOut">
               <a:rPr lang="en-US" smtClean="0"/>
-              <a:t>1/12/2025</a:t>
+              <a:t>1/27/2025</a:t>
             </a:fld>
             <a:endParaRPr lang="en-US"/>
           </a:p>
@@ -3042,7 +3042,7 @@
           <a:p>
             <a:fld id="{3881C039-66A3-4640-815B-3B5A8B7D868D}" type="datetimeFigureOut">
               <a:rPr lang="en-US" smtClean="0"/>
-              <a:t>1/12/2025</a:t>
+              <a:t>1/27/2025</a:t>
             </a:fld>
             <a:endParaRPr lang="en-US"/>
           </a:p>
@@ -3286,7 +3286,7 @@
           <a:p>
             <a:fld id="{3881C039-66A3-4640-815B-3B5A8B7D868D}" type="datetimeFigureOut">
               <a:rPr lang="en-US" smtClean="0"/>
-              <a:t>1/12/2025</a:t>
+              <a:t>1/27/2025</a:t>
             </a:fld>
             <a:endParaRPr lang="en-US"/>
           </a:p>
@@ -7875,38 +7875,32 @@
           <a:p>
             <a:pPr lvl="2"/>
             <a:r>
-              <a:rPr lang="en-US" sz="1800" dirty="0">
-                <a:latin typeface="Selawik Semibold" panose="020B0702040204020203" pitchFamily="34" charset="0"/>
-              </a:rPr>
-              <a:t>Grandview Research</a:t>
-            </a:r>
-          </a:p>
-          <a:p>
-            <a:pPr lvl="3"/>
-            <a:r>
-              <a:rPr lang="en-US" sz="1600" dirty="0">
-                <a:latin typeface="Selawik Semibold" panose="020B0702040204020203" pitchFamily="34" charset="0"/>
-              </a:rPr>
-              <a:t>Global Market Valued at $83.65B in 2022</a:t>
-            </a:r>
-          </a:p>
-          <a:p>
-            <a:pPr lvl="3"/>
-            <a:r>
-              <a:rPr lang="en-US" sz="1600">
-                <a:latin typeface="Selawik Semibold" panose="020B0702040204020203" pitchFamily="34" charset="0"/>
-              </a:rPr>
-              <a:t>Projected to Reach $182.12B in 2030</a:t>
-            </a:r>
-            <a:endParaRPr lang="en-US" sz="1600" dirty="0">
+              <a:rPr lang="en-US" sz="1800">
+                <a:latin typeface="Selawik Semibold" panose="020B0702040204020203" pitchFamily="34" charset="0"/>
+              </a:rPr>
+              <a:t>Grandview Research of US Market</a:t>
+            </a:r>
+            <a:endParaRPr lang="en-US" sz="1800" dirty="0">
               <a:latin typeface="Selawik Semibold" panose="020B0702040204020203" pitchFamily="34" charset="0"/>
             </a:endParaRPr>
           </a:p>
           <a:p>
-            <a:pPr lvl="1"/>
-            <a:endParaRPr lang="en-US" sz="2200" dirty="0">
-              <a:latin typeface="Selawik Semibold" panose="020B0702040204020203" pitchFamily="34" charset="0"/>
-            </a:endParaRPr>
+            <a:pPr lvl="3"/>
+            <a:r>
+              <a:rPr lang="en-US" sz="1600" dirty="0">
+                <a:latin typeface="Selawik Semibold" panose="020B0702040204020203" pitchFamily="34" charset="0"/>
+              </a:rPr>
+              <a:t>US Market Valued at $13.76B in 2023</a:t>
+            </a:r>
+          </a:p>
+          <a:p>
+            <a:pPr lvl="3"/>
+            <a:r>
+              <a:rPr lang="en-US" sz="1600" dirty="0">
+                <a:latin typeface="Selawik Semibold" panose="020B0702040204020203" pitchFamily="34" charset="0"/>
+              </a:rPr>
+              <a:t>Expected CAGR of 10.5% from 2024 to 2030</a:t>
+            </a:r>
           </a:p>
         </p:txBody>
       </p:sp>
@@ -8250,6 +8244,176 @@
           </a:p>
         </p:txBody>
       </p:sp>
+      <mc:AlternateContent xmlns:mc="http://schemas.openxmlformats.org/markup-compatibility/2006">
+        <mc:Choice xmlns:a14="http://schemas.microsoft.com/office/drawing/2010/main" Requires="a14">
+          <p:sp>
+            <p:nvSpPr>
+              <p:cNvPr id="3" name="TextBox 2">
+                <a:extLst>
+                  <a:ext uri="{FF2B5EF4-FFF2-40B4-BE49-F238E27FC236}">
+                    <a16:creationId xmlns:a16="http://schemas.microsoft.com/office/drawing/2014/main" id="{BAD458AE-9A69-51A1-D913-E07A7DDADB64}"/>
+                  </a:ext>
+                </a:extLst>
+              </p:cNvPr>
+              <p:cNvSpPr txBox="1"/>
+              <p:nvPr/>
+            </p:nvSpPr>
+            <p:spPr>
+              <a:xfrm>
+                <a:off x="2110382" y="6123543"/>
+                <a:ext cx="6161928" cy="369332"/>
+              </a:xfrm>
+              <a:prstGeom prst="rect">
+                <a:avLst/>
+              </a:prstGeom>
+              <a:noFill/>
+            </p:spPr>
+            <p:txBody>
+              <a:bodyPr wrap="square" rtlCol="0">
+                <a:spAutoFit/>
+              </a:bodyPr>
+              <a:lstStyle/>
+              <a:p>
+                <a14:m>
+                  <m:oMathPara xmlns:m="http://schemas.openxmlformats.org/officeDocument/2006/math">
+                    <m:oMathParaPr>
+                      <m:jc m:val="centerGroup"/>
+                    </m:oMathParaPr>
+                    <m:oMath xmlns:m="http://schemas.openxmlformats.org/officeDocument/2006/math">
+                      <m:r>
+                        <a:rPr lang="en-US" b="0" i="1" smtClean="0">
+                          <a:latin typeface="Cambria Math" panose="02040503050406030204" pitchFamily="18" charset="0"/>
+                        </a:rPr>
+                        <m:t>𝑃𝑟𝑜𝑗𝑒𝑐𝑡𝑖𝑜𝑛</m:t>
+                      </m:r>
+                      <m:r>
+                        <a:rPr lang="en-US" b="0" i="1" smtClean="0">
+                          <a:latin typeface="Cambria Math" panose="02040503050406030204" pitchFamily="18" charset="0"/>
+                        </a:rPr>
+                        <m:t> </m:t>
+                      </m:r>
+                      <m:r>
+                        <a:rPr lang="en-US" b="0" i="1" smtClean="0">
+                          <a:latin typeface="Cambria Math" panose="02040503050406030204" pitchFamily="18" charset="0"/>
+                        </a:rPr>
+                        <m:t>𝑖𝑛</m:t>
+                      </m:r>
+                      <m:r>
+                        <a:rPr lang="en-US" b="0" i="1" smtClean="0">
+                          <a:latin typeface="Cambria Math" panose="02040503050406030204" pitchFamily="18" charset="0"/>
+                        </a:rPr>
+                        <m:t> 2030=13.76∗</m:t>
+                      </m:r>
+                      <m:sSup>
+                        <m:sSupPr>
+                          <m:ctrlPr>
+                            <a:rPr lang="en-US" b="0" i="1" smtClean="0">
+                              <a:latin typeface="Cambria Math" panose="02040503050406030204" pitchFamily="18" charset="0"/>
+                            </a:rPr>
+                          </m:ctrlPr>
+                        </m:sSupPr>
+                        <m:e>
+                          <m:d>
+                            <m:dPr>
+                              <m:ctrlPr>
+                                <a:rPr lang="en-US" b="0" i="1" smtClean="0">
+                                  <a:latin typeface="Cambria Math" panose="02040503050406030204" pitchFamily="18" charset="0"/>
+                                </a:rPr>
+                              </m:ctrlPr>
+                            </m:dPr>
+                            <m:e>
+                              <m:r>
+                                <a:rPr lang="en-US" b="0" i="1" smtClean="0">
+                                  <a:latin typeface="Cambria Math" panose="02040503050406030204" pitchFamily="18" charset="0"/>
+                                </a:rPr>
+                                <m:t>1</m:t>
+                              </m:r>
+                              <m:r>
+                                <a:rPr lang="en-US" b="0" i="1" smtClean="0">
+                                  <a:latin typeface="Cambria Math" panose="02040503050406030204" pitchFamily="18" charset="0"/>
+                                </a:rPr>
+                                <m:t>+0.105</m:t>
+                              </m:r>
+                            </m:e>
+                          </m:d>
+                        </m:e>
+                        <m:sup>
+                          <m:r>
+                            <a:rPr lang="en-US" b="0" i="0" smtClean="0">
+                              <a:latin typeface="Cambria Math" panose="02040503050406030204" pitchFamily="18" charset="0"/>
+                            </a:rPr>
+                            <m:t>6</m:t>
+                          </m:r>
+                        </m:sup>
+                      </m:sSup>
+                      <m:r>
+                        <a:rPr lang="en-US" b="0" i="0" smtClean="0">
+                          <a:latin typeface="Cambria Math" panose="02040503050406030204" pitchFamily="18" charset="0"/>
+                        </a:rPr>
+                        <m:t>=$25.05</m:t>
+                      </m:r>
+                      <m:r>
+                        <m:rPr>
+                          <m:sty m:val="p"/>
+                        </m:rPr>
+                        <a:rPr lang="en-US" b="0" i="0" smtClean="0">
+                          <a:latin typeface="Cambria Math" panose="02040503050406030204" pitchFamily="18" charset="0"/>
+                        </a:rPr>
+                        <m:t>B</m:t>
+                      </m:r>
+                    </m:oMath>
+                  </m:oMathPara>
+                </a14:m>
+                <a:endParaRPr lang="en-US" dirty="0"/>
+              </a:p>
+            </p:txBody>
+          </p:sp>
+        </mc:Choice>
+        <mc:Fallback>
+          <p:sp>
+            <p:nvSpPr>
+              <p:cNvPr id="3" name="TextBox 2">
+                <a:extLst>
+                  <a:ext uri="{FF2B5EF4-FFF2-40B4-BE49-F238E27FC236}">
+                    <a16:creationId xmlns:a16="http://schemas.microsoft.com/office/drawing/2014/main" id="{BAD458AE-9A69-51A1-D913-E07A7DDADB64}"/>
+                  </a:ext>
+                </a:extLst>
+              </p:cNvPr>
+              <p:cNvSpPr txBox="1">
+                <a:spLocks noRot="1" noChangeAspect="1" noMove="1" noResize="1" noEditPoints="1" noAdjustHandles="1" noChangeArrowheads="1" noChangeShapeType="1" noTextEdit="1"/>
+              </p:cNvSpPr>
+              <p:nvPr/>
+            </p:nvSpPr>
+            <p:spPr>
+              <a:xfrm>
+                <a:off x="2110382" y="6123543"/>
+                <a:ext cx="6161928" cy="369332"/>
+              </a:xfrm>
+              <a:prstGeom prst="rect">
+                <a:avLst/>
+              </a:prstGeom>
+              <a:blipFill>
+                <a:blip r:embed="rId4"/>
+                <a:stretch>
+                  <a:fillRect b="-13333"/>
+                </a:stretch>
+              </a:blipFill>
+            </p:spPr>
+            <p:txBody>
+              <a:bodyPr/>
+              <a:lstStyle/>
+              <a:p>
+                <a:r>
+                  <a:rPr lang="en-US">
+                    <a:noFill/>
+                  </a:rPr>
+                  <a:t> </a:t>
+                </a:r>
+              </a:p>
+            </p:txBody>
+          </p:sp>
+        </mc:Fallback>
+      </mc:AlternateContent>
     </p:spTree>
     <p:extLst>
       <p:ext uri="{BB962C8B-B14F-4D97-AF65-F5344CB8AC3E}">
@@ -18119,8 +18283,8 @@
           </a:p>
         </p:txBody>
       </p:sp>
-      <mc:AlternateContent xmlns:mc="http://schemas.openxmlformats.org/markup-compatibility/2006">
-        <mc:Choice xmlns:a14="http://schemas.microsoft.com/office/drawing/2010/main" Requires="a14">
+      <mc:AlternateContent xmlns:mc="http://schemas.openxmlformats.org/markup-compatibility/2006" xmlns:a14="http://schemas.microsoft.com/office/drawing/2010/main">
+        <mc:Choice Requires="a14">
           <p:sp>
             <p:nvSpPr>
               <p:cNvPr id="3" name="TextBox 2">
@@ -18203,7 +18367,7 @@
             </p:txBody>
           </p:sp>
         </mc:Choice>
-        <mc:Fallback>
+        <mc:Fallback xmlns="">
           <p:sp>
             <p:nvSpPr>
               <p:cNvPr id="3" name="TextBox 2">

--- a/Slides/Sports Analytics 3/Sports_Analytics_3_Lecture.pptx
+++ b/Slides/Sports Analytics 3/Sports_Analytics_3_Lecture.pptx
@@ -5,7 +5,7 @@
     <p:sldMasterId id="2147483648" r:id="rId1"/>
   </p:sldMasterIdLst>
   <p:notesMasterIdLst>
-    <p:notesMasterId r:id="rId25"/>
+    <p:notesMasterId r:id="rId26"/>
   </p:notesMasterIdLst>
   <p:sldIdLst>
     <p:sldId id="256" r:id="rId2"/>
@@ -25,12 +25,13 @@
     <p:sldId id="286" r:id="rId16"/>
     <p:sldId id="287" r:id="rId17"/>
     <p:sldId id="290" r:id="rId18"/>
-    <p:sldId id="289" r:id="rId19"/>
-    <p:sldId id="317" r:id="rId20"/>
+    <p:sldId id="317" r:id="rId19"/>
+    <p:sldId id="289" r:id="rId20"/>
     <p:sldId id="318" r:id="rId21"/>
     <p:sldId id="319" r:id="rId22"/>
-    <p:sldId id="296" r:id="rId23"/>
-    <p:sldId id="281" r:id="rId24"/>
+    <p:sldId id="320" r:id="rId23"/>
+    <p:sldId id="296" r:id="rId24"/>
+    <p:sldId id="281" r:id="rId25"/>
   </p:sldIdLst>
   <p:sldSz cx="12192000" cy="6858000"/>
   <p:notesSz cx="6858000" cy="9144000"/>
@@ -219,7 +220,7 @@
           <a:p>
             <a:fld id="{C04E5E84-956F-4423-97B3-5936A6D8EEEE}" type="datetimeFigureOut">
               <a:rPr lang="en-US" smtClean="0"/>
-              <a:t>1/27/2025</a:t>
+              <a:t>8/25/2025</a:t>
             </a:fld>
             <a:endParaRPr lang="en-US"/>
           </a:p>
@@ -633,7 +634,7 @@
           <a:p>
             <a:fld id="{3881C039-66A3-4640-815B-3B5A8B7D868D}" type="datetimeFigureOut">
               <a:rPr lang="en-US" smtClean="0"/>
-              <a:t>1/27/2025</a:t>
+              <a:t>8/25/2025</a:t>
             </a:fld>
             <a:endParaRPr lang="en-US"/>
           </a:p>
@@ -831,7 +832,7 @@
           <a:p>
             <a:fld id="{3881C039-66A3-4640-815B-3B5A8B7D868D}" type="datetimeFigureOut">
               <a:rPr lang="en-US" smtClean="0"/>
-              <a:t>1/27/2025</a:t>
+              <a:t>8/25/2025</a:t>
             </a:fld>
             <a:endParaRPr lang="en-US"/>
           </a:p>
@@ -1039,7 +1040,7 @@
           <a:p>
             <a:fld id="{3881C039-66A3-4640-815B-3B5A8B7D868D}" type="datetimeFigureOut">
               <a:rPr lang="en-US" smtClean="0"/>
-              <a:t>1/27/2025</a:t>
+              <a:t>8/25/2025</a:t>
             </a:fld>
             <a:endParaRPr lang="en-US"/>
           </a:p>
@@ -1237,7 +1238,7 @@
           <a:p>
             <a:fld id="{3881C039-66A3-4640-815B-3B5A8B7D868D}" type="datetimeFigureOut">
               <a:rPr lang="en-US" smtClean="0"/>
-              <a:t>1/27/2025</a:t>
+              <a:t>8/25/2025</a:t>
             </a:fld>
             <a:endParaRPr lang="en-US"/>
           </a:p>
@@ -1512,7 +1513,7 @@
           <a:p>
             <a:fld id="{3881C039-66A3-4640-815B-3B5A8B7D868D}" type="datetimeFigureOut">
               <a:rPr lang="en-US" smtClean="0"/>
-              <a:t>1/27/2025</a:t>
+              <a:t>8/25/2025</a:t>
             </a:fld>
             <a:endParaRPr lang="en-US"/>
           </a:p>
@@ -1777,7 +1778,7 @@
           <a:p>
             <a:fld id="{3881C039-66A3-4640-815B-3B5A8B7D868D}" type="datetimeFigureOut">
               <a:rPr lang="en-US" smtClean="0"/>
-              <a:t>1/27/2025</a:t>
+              <a:t>8/25/2025</a:t>
             </a:fld>
             <a:endParaRPr lang="en-US"/>
           </a:p>
@@ -2189,7 +2190,7 @@
           <a:p>
             <a:fld id="{3881C039-66A3-4640-815B-3B5A8B7D868D}" type="datetimeFigureOut">
               <a:rPr lang="en-US" smtClean="0"/>
-              <a:t>1/27/2025</a:t>
+              <a:t>8/25/2025</a:t>
             </a:fld>
             <a:endParaRPr lang="en-US"/>
           </a:p>
@@ -2330,7 +2331,7 @@
           <a:p>
             <a:fld id="{3881C039-66A3-4640-815B-3B5A8B7D868D}" type="datetimeFigureOut">
               <a:rPr lang="en-US" smtClean="0"/>
-              <a:t>1/27/2025</a:t>
+              <a:t>8/25/2025</a:t>
             </a:fld>
             <a:endParaRPr lang="en-US"/>
           </a:p>
@@ -2443,7 +2444,7 @@
           <a:p>
             <a:fld id="{3881C039-66A3-4640-815B-3B5A8B7D868D}" type="datetimeFigureOut">
               <a:rPr lang="en-US" smtClean="0"/>
-              <a:t>1/27/2025</a:t>
+              <a:t>8/25/2025</a:t>
             </a:fld>
             <a:endParaRPr lang="en-US"/>
           </a:p>
@@ -2754,7 +2755,7 @@
           <a:p>
             <a:fld id="{3881C039-66A3-4640-815B-3B5A8B7D868D}" type="datetimeFigureOut">
               <a:rPr lang="en-US" smtClean="0"/>
-              <a:t>1/27/2025</a:t>
+              <a:t>8/25/2025</a:t>
             </a:fld>
             <a:endParaRPr lang="en-US"/>
           </a:p>
@@ -3042,7 +3043,7 @@
           <a:p>
             <a:fld id="{3881C039-66A3-4640-815B-3B5A8B7D868D}" type="datetimeFigureOut">
               <a:rPr lang="en-US" smtClean="0"/>
-              <a:t>1/27/2025</a:t>
+              <a:t>8/25/2025</a:t>
             </a:fld>
             <a:endParaRPr lang="en-US"/>
           </a:p>
@@ -3286,7 +3287,7 @@
           <a:p>
             <a:fld id="{3881C039-66A3-4640-815B-3B5A8B7D868D}" type="datetimeFigureOut">
               <a:rPr lang="en-US" smtClean="0"/>
-              <a:t>1/27/2025</a:t>
+              <a:t>8/25/2025</a:t>
             </a:fld>
             <a:endParaRPr lang="en-US"/>
           </a:p>
@@ -5041,32 +5042,49 @@
       </p:sp>
       <p:pic>
         <p:nvPicPr>
-          <p:cNvPr id="7" name="Picture 6">
-            <a:extLst>
-              <a:ext uri="{FF2B5EF4-FFF2-40B4-BE49-F238E27FC236}">
-                <a16:creationId xmlns:a16="http://schemas.microsoft.com/office/drawing/2014/main" id="{6624AA6D-F03B-8751-FBD1-171C6843020D}"/>
+          <p:cNvPr id="1026" name="Picture 2" descr="Sports Analytics Market Share, By End-use, 2024 (%)">
+            <a:extLst>
+              <a:ext uri="{FF2B5EF4-FFF2-40B4-BE49-F238E27FC236}">
+                <a16:creationId xmlns:a16="http://schemas.microsoft.com/office/drawing/2014/main" id="{8BCD257A-50E1-9619-45CA-46AF5607E2B4}"/>
               </a:ext>
             </a:extLst>
           </p:cNvPr>
           <p:cNvPicPr>
-            <a:picLocks noChangeAspect="1"/>
+            <a:picLocks noChangeAspect="1" noChangeArrowheads="1"/>
           </p:cNvPicPr>
           <p:nvPr/>
         </p:nvPicPr>
         <p:blipFill>
-          <a:blip r:embed="rId4"/>
+          <a:blip r:embed="rId4">
+            <a:extLst>
+              <a:ext uri="{28A0092B-C50C-407E-A947-70E740481C1C}">
+                <a14:useLocalDpi xmlns:a14="http://schemas.microsoft.com/office/drawing/2010/main" val="0"/>
+              </a:ext>
+            </a:extLst>
+          </a:blip>
+          <a:srcRect/>
           <a:stretch>
             <a:fillRect/>
           </a:stretch>
         </p:blipFill>
-        <p:spPr>
-          <a:xfrm>
-            <a:off x="1044202" y="3156156"/>
-            <a:ext cx="6801222" cy="3511702"/>
+        <p:spPr bwMode="auto">
+          <a:xfrm>
+            <a:off x="1317769" y="3202651"/>
+            <a:ext cx="6381750" cy="3333750"/>
           </a:xfrm>
           <a:prstGeom prst="rect">
             <a:avLst/>
           </a:prstGeom>
+          <a:noFill/>
+          <a:extLst>
+            <a:ext uri="{909E8E84-426E-40DD-AFC4-6F175D3DCCD1}">
+              <a14:hiddenFill xmlns:a14="http://schemas.microsoft.com/office/drawing/2010/main">
+                <a:solidFill>
+                  <a:srgbClr val="FFFFFF"/>
+                </a:solidFill>
+              </a14:hiddenFill>
+            </a:ext>
+          </a:extLst>
         </p:spPr>
       </p:pic>
     </p:spTree>
@@ -5630,15 +5648,15 @@
       </p:sp>
       <p:pic>
         <p:nvPicPr>
-          <p:cNvPr id="7" name="Picture 6" descr="A map of the world&#10;&#10;Description automatically generated">
-            <a:extLst>
-              <a:ext uri="{FF2B5EF4-FFF2-40B4-BE49-F238E27FC236}">
-                <a16:creationId xmlns:a16="http://schemas.microsoft.com/office/drawing/2014/main" id="{C5063F18-4565-70A4-46A6-7BE9867D0C62}"/>
+          <p:cNvPr id="2050" name="Picture 2" descr="Sports Analytics Market Trends, by Region, 2025 - 2030">
+            <a:extLst>
+              <a:ext uri="{FF2B5EF4-FFF2-40B4-BE49-F238E27FC236}">
+                <a16:creationId xmlns:a16="http://schemas.microsoft.com/office/drawing/2014/main" id="{1C2266A0-83E8-1F8D-1201-4404A7534AEE}"/>
               </a:ext>
             </a:extLst>
           </p:cNvPr>
           <p:cNvPicPr>
-            <a:picLocks noChangeAspect="1"/>
+            <a:picLocks noChangeAspect="1" noChangeArrowheads="1"/>
           </p:cNvPicPr>
           <p:nvPr/>
         </p:nvPicPr>
@@ -5650,18 +5668,29 @@
               </a:ext>
             </a:extLst>
           </a:blip>
+          <a:srcRect/>
           <a:stretch>
             <a:fillRect/>
           </a:stretch>
         </p:blipFill>
-        <p:spPr>
-          <a:xfrm>
-            <a:off x="1022954" y="3176992"/>
-            <a:ext cx="6985880" cy="3643902"/>
+        <p:spPr bwMode="auto">
+          <a:xfrm>
+            <a:off x="1216692" y="3236106"/>
+            <a:ext cx="6381750" cy="3333750"/>
           </a:xfrm>
           <a:prstGeom prst="rect">
             <a:avLst/>
           </a:prstGeom>
+          <a:noFill/>
+          <a:extLst>
+            <a:ext uri="{909E8E84-426E-40DD-AFC4-6F175D3DCCD1}">
+              <a14:hiddenFill xmlns:a14="http://schemas.microsoft.com/office/drawing/2010/main">
+                <a:solidFill>
+                  <a:srgbClr val="FFFFFF"/>
+                </a:solidFill>
+              </a14:hiddenFill>
+            </a:ext>
+          </a:extLst>
         </p:spPr>
       </p:pic>
     </p:spTree>
@@ -7875,14 +7904,11 @@
           <a:p>
             <a:pPr lvl="2"/>
             <a:r>
-              <a:rPr lang="en-US" sz="1800">
+              <a:rPr lang="en-US" sz="1800" dirty="0">
                 <a:latin typeface="Selawik Semibold" panose="020B0702040204020203" pitchFamily="34" charset="0"/>
               </a:rPr>
               <a:t>Grandview Research of US Market</a:t>
             </a:r>
-            <a:endParaRPr lang="en-US" sz="1800" dirty="0">
-              <a:latin typeface="Selawik Semibold" panose="020B0702040204020203" pitchFamily="34" charset="0"/>
-            </a:endParaRPr>
           </a:p>
           <a:p>
             <a:pPr lvl="3"/>
@@ -7890,7 +7916,7 @@
               <a:rPr lang="en-US" sz="1600" dirty="0">
                 <a:latin typeface="Selawik Semibold" panose="020B0702040204020203" pitchFamily="34" charset="0"/>
               </a:rPr>
-              <a:t>US Market Valued at $13.76B in 2023</a:t>
+              <a:t>US Market Valued at $17.94B in 2024</a:t>
             </a:r>
           </a:p>
           <a:p>
@@ -7899,7 +7925,7 @@
               <a:rPr lang="en-US" sz="1600" dirty="0">
                 <a:latin typeface="Selawik Semibold" panose="020B0702040204020203" pitchFamily="34" charset="0"/>
               </a:rPr>
-              <a:t>Expected CAGR of 10.5% from 2024 to 2030</a:t>
+              <a:t>Expected CAGR of 10.9% from 2025 to 2030</a:t>
             </a:r>
           </a:p>
         </p:txBody>
@@ -8261,7 +8287,7 @@
             <p:spPr>
               <a:xfrm>
                 <a:off x="2110382" y="6123543"/>
-                <a:ext cx="6161928" cy="369332"/>
+                <a:ext cx="6161928" cy="372410"/>
               </a:xfrm>
               <a:prstGeom prst="rect">
                 <a:avLst/>
@@ -8274,6 +8300,7 @@
               </a:bodyPr>
               <a:lstStyle/>
               <a:p>
+                <a:pPr/>
                 <a14:m>
                   <m:oMathPara xmlns:m="http://schemas.openxmlformats.org/officeDocument/2006/math">
                     <m:oMathParaPr>
@@ -8302,7 +8329,7 @@
                         <a:rPr lang="en-US" b="0" i="1" smtClean="0">
                           <a:latin typeface="Cambria Math" panose="02040503050406030204" pitchFamily="18" charset="0"/>
                         </a:rPr>
-                        <m:t> 2030=13.76∗</m:t>
+                        <m:t> 2030=19.76∗</m:t>
                       </m:r>
                       <m:sSup>
                         <m:sSupPr>
@@ -8326,13 +8353,13 @@
                                 <a:rPr lang="en-US" b="0" i="1" smtClean="0">
                                   <a:latin typeface="Cambria Math" panose="02040503050406030204" pitchFamily="18" charset="0"/>
                                 </a:rPr>
-                                <m:t>1</m:t>
+                                <m:t>1+0.10</m:t>
                               </m:r>
                               <m:r>
                                 <a:rPr lang="en-US" b="0" i="1" smtClean="0">
                                   <a:latin typeface="Cambria Math" panose="02040503050406030204" pitchFamily="18" charset="0"/>
                                 </a:rPr>
-                                <m:t>+0.105</m:t>
+                                <m:t>9</m:t>
                               </m:r>
                             </m:e>
                           </m:d>
@@ -8342,7 +8369,7 @@
                             <a:rPr lang="en-US" b="0" i="0" smtClean="0">
                               <a:latin typeface="Cambria Math" panose="02040503050406030204" pitchFamily="18" charset="0"/>
                             </a:rPr>
-                            <m:t>6</m:t>
+                            <m:t>5</m:t>
                           </m:r>
                         </m:sup>
                       </m:sSup>
@@ -8350,7 +8377,13 @@
                         <a:rPr lang="en-US" b="0" i="0" smtClean="0">
                           <a:latin typeface="Cambria Math" panose="02040503050406030204" pitchFamily="18" charset="0"/>
                         </a:rPr>
-                        <m:t>=$25.05</m:t>
+                        <m:t>=$</m:t>
+                      </m:r>
+                      <m:r>
+                        <a:rPr lang="en-US" b="0" i="0" smtClean="0">
+                          <a:latin typeface="Cambria Math" panose="02040503050406030204" pitchFamily="18" charset="0"/>
+                        </a:rPr>
+                        <m:t>33.15</m:t>
                       </m:r>
                       <m:r>
                         <m:rPr>
@@ -8387,7 +8420,7 @@
             <p:spPr>
               <a:xfrm>
                 <a:off x="2110382" y="6123543"/>
-                <a:ext cx="6161928" cy="369332"/>
+                <a:ext cx="6161928" cy="372410"/>
               </a:xfrm>
               <a:prstGeom prst="rect">
                 <a:avLst/>
@@ -8395,7 +8428,7 @@
               <a:blipFill>
                 <a:blip r:embed="rId4"/>
                 <a:stretch>
-                  <a:fillRect b="-13333"/>
+                  <a:fillRect b="-13115"/>
                 </a:stretch>
               </a:blipFill>
             </p:spPr>
@@ -9091,7 +9124,13 @@
     </p:bg>
     <p:spTree>
       <p:nvGrpSpPr>
-        <p:cNvPr id="1" name=""/>
+        <p:cNvPr id="1" name="">
+          <a:extLst>
+            <a:ext uri="{FF2B5EF4-FFF2-40B4-BE49-F238E27FC236}">
+              <a16:creationId xmlns:a16="http://schemas.microsoft.com/office/drawing/2014/main" id="{6E1C4EFA-5130-624F-C38C-EEC01EA1138A}"/>
+            </a:ext>
+          </a:extLst>
+        </p:cNvPr>
         <p:cNvGrpSpPr/>
         <p:nvPr/>
       </p:nvGrpSpPr>
@@ -9108,7 +9147,7 @@
           <p:cNvPr id="25" name="Rectangle 24">
             <a:extLst>
               <a:ext uri="{FF2B5EF4-FFF2-40B4-BE49-F238E27FC236}">
-                <a16:creationId xmlns:a16="http://schemas.microsoft.com/office/drawing/2014/main" id="{A6792F05-2FD4-4F18-815E-15391E8B4A0E}"/>
+                <a16:creationId xmlns:a16="http://schemas.microsoft.com/office/drawing/2014/main" id="{70F47418-5511-7542-0D67-5F6046714823}"/>
               </a:ext>
               <a:ext uri="{C183D7F6-B498-43B3-948B-1728B52AA6E4}">
                 <adec:decorative xmlns:adec="http://schemas.microsoft.com/office/drawing/2017/decorative" val="1"/>
@@ -9171,7 +9210,7 @@
           <p:cNvPr id="2" name="Title 1">
             <a:extLst>
               <a:ext uri="{FF2B5EF4-FFF2-40B4-BE49-F238E27FC236}">
-                <a16:creationId xmlns:a16="http://schemas.microsoft.com/office/drawing/2014/main" id="{2589AFCC-0FF0-498C-B11F-8990DF0DAAA5}"/>
+                <a16:creationId xmlns:a16="http://schemas.microsoft.com/office/drawing/2014/main" id="{8D0D8571-E13D-BFDF-2A5D-9B3E8EFCB13A}"/>
               </a:ext>
             </a:extLst>
           </p:cNvPr>
@@ -9208,7 +9247,7 @@
           <p:cNvPr id="9" name="Content Placeholder 8">
             <a:extLst>
               <a:ext uri="{FF2B5EF4-FFF2-40B4-BE49-F238E27FC236}">
-                <a16:creationId xmlns:a16="http://schemas.microsoft.com/office/drawing/2014/main" id="{2D995594-59F2-4020-AB6F-751BAE84ADB3}"/>
+                <a16:creationId xmlns:a16="http://schemas.microsoft.com/office/drawing/2014/main" id="{56DEAD07-2FD2-2C9C-68F7-07A15A50C0AA}"/>
               </a:ext>
             </a:extLst>
           </p:cNvPr>
@@ -9252,17 +9291,8 @@
               <a:rPr lang="en-US" sz="2000" dirty="0">
                 <a:latin typeface="Selawik Semibold" panose="020B0702040204020203" pitchFamily="34" charset="0"/>
               </a:rPr>
-              <a:t>Trading Analyst, </a:t>
-            </a:r>
-            <a:r>
-              <a:rPr lang="en-US" sz="2000" dirty="0" err="1">
-                <a:latin typeface="Selawik Semibold" panose="020B0702040204020203" pitchFamily="34" charset="0"/>
-              </a:rPr>
-              <a:t>SeatGeek</a:t>
-            </a:r>
-            <a:endParaRPr lang="en-US" sz="2000" dirty="0">
-              <a:latin typeface="Selawik Semibold" panose="020B0702040204020203" pitchFamily="34" charset="0"/>
-            </a:endParaRPr>
+              <a:t>Data Engineering, DraftKings</a:t>
+            </a:r>
           </a:p>
           <a:p>
             <a:pPr lvl="2"/>
@@ -9270,7 +9300,7 @@
               <a:rPr lang="en-US" sz="1600" dirty="0">
                 <a:latin typeface="Selawik Semibold" panose="020B0702040204020203" pitchFamily="34" charset="0"/>
               </a:rPr>
-              <a:t>Analyze Supply and Demand Data for Partners</a:t>
+              <a:t>Former 538 Student Works There</a:t>
             </a:r>
           </a:p>
           <a:p>
@@ -9279,22 +9309,25 @@
               <a:rPr lang="en-US" sz="1600" dirty="0">
                 <a:latin typeface="Selawik Semibold" panose="020B0702040204020203" pitchFamily="34" charset="0"/>
               </a:rPr>
-              <a:t>Fluency in SQL and Python</a:t>
+              <a:t>3+ Years Experience</a:t>
             </a:r>
           </a:p>
           <a:p>
             <a:pPr lvl="2"/>
             <a:r>
-              <a:rPr lang="en-US" sz="1600" dirty="0" err="1">
-                <a:latin typeface="Selawik Semibold" panose="020B0702040204020203" pitchFamily="34" charset="0"/>
-              </a:rPr>
-              <a:t>Bacherlors</a:t>
-            </a:r>
-            <a:r>
               <a:rPr lang="en-US" sz="1600" dirty="0">
                 <a:latin typeface="Selawik Semibold" panose="020B0702040204020203" pitchFamily="34" charset="0"/>
               </a:rPr>
-              <a:t> Degree in Quantitative Field</a:t>
+              <a:t>Proficiency in SQL, Snowflake, Tableau</a:t>
+            </a:r>
+          </a:p>
+          <a:p>
+            <a:pPr lvl="2"/>
+            <a:r>
+              <a:rPr lang="en-US" sz="1600" dirty="0">
+                <a:latin typeface="Selawik Semibold" panose="020B0702040204020203" pitchFamily="34" charset="0"/>
+              </a:rPr>
+              <a:t>Tools: Kafka, Airflow, Terraform, Python, Datadog</a:t>
             </a:r>
           </a:p>
           <a:p>
@@ -9309,89 +9342,50 @@
               <a:rPr lang="en-US" sz="2000" dirty="0">
                 <a:latin typeface="Selawik Semibold" panose="020B0702040204020203" pitchFamily="34" charset="0"/>
               </a:rPr>
-              <a:t>Machine Learning Ops Engineer, </a:t>
-            </a:r>
-            <a:r>
-              <a:rPr lang="en-US" sz="2000" dirty="0" err="1">
-                <a:latin typeface="Selawik Semibold" panose="020B0702040204020203" pitchFamily="34" charset="0"/>
-              </a:rPr>
-              <a:t>GameChanger</a:t>
-            </a:r>
-            <a:endParaRPr lang="en-US" sz="2000" dirty="0">
+              <a:t>Lead Analyst, DraftKings</a:t>
+            </a:r>
+          </a:p>
+          <a:p>
+            <a:pPr lvl="2"/>
+            <a:r>
+              <a:rPr lang="en-US" sz="1600" dirty="0">
+                <a:latin typeface="Selawik Semibold" panose="020B0702040204020203" pitchFamily="34" charset="0"/>
+              </a:rPr>
+              <a:t>4 Years in Analytics or Data Science</a:t>
+            </a:r>
+          </a:p>
+          <a:p>
+            <a:pPr lvl="2"/>
+            <a:r>
+              <a:rPr lang="en-US" sz="1600" dirty="0">
+                <a:latin typeface="Selawik Semibold" panose="020B0702040204020203" pitchFamily="34" charset="0"/>
+              </a:rPr>
+              <a:t>Bachelors Degree in STEM</a:t>
+            </a:r>
+          </a:p>
+          <a:p>
+            <a:pPr lvl="2"/>
+            <a:r>
+              <a:rPr lang="en-US" sz="1600" dirty="0">
+                <a:latin typeface="Selawik Semibold" panose="020B0702040204020203" pitchFamily="34" charset="0"/>
+              </a:rPr>
+              <a:t>SQL, EXCEL, TABLEAU, R, Python</a:t>
+            </a:r>
+          </a:p>
+          <a:p>
+            <a:pPr lvl="2"/>
+            <a:endParaRPr lang="en-US" sz="1600" dirty="0">
               <a:latin typeface="Selawik Semibold" panose="020B0702040204020203" pitchFamily="34" charset="0"/>
             </a:endParaRPr>
           </a:p>
           <a:p>
             <a:pPr lvl="2"/>
-            <a:r>
-              <a:rPr lang="en-US" sz="1600" dirty="0">
-                <a:latin typeface="Selawik Semibold" panose="020B0702040204020203" pitchFamily="34" charset="0"/>
-              </a:rPr>
-              <a:t>Sports Tech Company Focused on Youth Sports</a:t>
-            </a:r>
+            <a:endParaRPr lang="en-US" sz="1600" dirty="0">
+              <a:latin typeface="Selawik Semibold" panose="020B0702040204020203" pitchFamily="34" charset="0"/>
+            </a:endParaRPr>
           </a:p>
           <a:p>
             <a:pPr lvl="2"/>
-            <a:r>
-              <a:rPr lang="en-US" sz="1600" dirty="0">
-                <a:latin typeface="Selawik Semibold" panose="020B0702040204020203" pitchFamily="34" charset="0"/>
-              </a:rPr>
-              <a:t>Design/Implement Machine Learning Model Pipelines</a:t>
-            </a:r>
-          </a:p>
-          <a:p>
-            <a:pPr lvl="2"/>
-            <a:r>
-              <a:rPr lang="en-US" sz="1600" dirty="0">
-                <a:latin typeface="Selawik Semibold" panose="020B0702040204020203" pitchFamily="34" charset="0"/>
-              </a:rPr>
-              <a:t>Background Building Machine Learning Infrastructure</a:t>
-            </a:r>
-          </a:p>
-          <a:p>
-            <a:pPr lvl="2"/>
-            <a:r>
-              <a:rPr lang="en-US" sz="1600" dirty="0">
-                <a:latin typeface="Selawik Semibold" panose="020B0702040204020203" pitchFamily="34" charset="0"/>
-              </a:rPr>
-              <a:t>Manage Computer Vision Models</a:t>
-            </a:r>
-          </a:p>
-          <a:p>
-            <a:pPr lvl="2"/>
-            <a:r>
-              <a:rPr lang="en-US" sz="1600" dirty="0">
-                <a:latin typeface="Selawik Semibold" panose="020B0702040204020203" pitchFamily="34" charset="0"/>
-              </a:rPr>
-              <a:t>Bachelors or Masters in CS, Engineering, etc.</a:t>
-            </a:r>
-          </a:p>
-          <a:p>
-            <a:pPr lvl="2"/>
-            <a:r>
-              <a:rPr lang="en-US" sz="1600" dirty="0">
-                <a:latin typeface="Selawik Semibold" panose="020B0702040204020203" pitchFamily="34" charset="0"/>
-              </a:rPr>
-              <a:t>Python with </a:t>
-            </a:r>
-            <a:r>
-              <a:rPr lang="en-US" sz="1600" dirty="0" err="1">
-                <a:latin typeface="Selawik Semibold" panose="020B0702040204020203" pitchFamily="34" charset="0"/>
-              </a:rPr>
-              <a:t>PyTorch</a:t>
-            </a:r>
-            <a:r>
-              <a:rPr lang="en-US" sz="1600" dirty="0">
-                <a:latin typeface="Selawik Semibold" panose="020B0702040204020203" pitchFamily="34" charset="0"/>
-              </a:rPr>
-              <a:t> and </a:t>
-            </a:r>
-            <a:r>
-              <a:rPr lang="en-US" sz="1600" dirty="0" err="1">
-                <a:latin typeface="Selawik Semibold" panose="020B0702040204020203" pitchFamily="34" charset="0"/>
-              </a:rPr>
-              <a:t>Tensorflow</a:t>
-            </a:r>
             <a:endParaRPr lang="en-US" sz="1600" dirty="0">
               <a:latin typeface="Selawik Semibold" panose="020B0702040204020203" pitchFamily="34" charset="0"/>
             </a:endParaRPr>
@@ -9444,7 +9438,7 @@
           <p:cNvPr id="4" name="Picture 3" descr="A drawing of a cartoon character&#10;&#10;Description automatically generated">
             <a:extLst>
               <a:ext uri="{FF2B5EF4-FFF2-40B4-BE49-F238E27FC236}">
-                <a16:creationId xmlns:a16="http://schemas.microsoft.com/office/drawing/2014/main" id="{A7FDC859-D890-4904-9C64-27F43DA90453}"/>
+                <a16:creationId xmlns:a16="http://schemas.microsoft.com/office/drawing/2014/main" id="{4BCA7387-186B-BC41-F795-5E14B6CE46F6}"/>
               </a:ext>
             </a:extLst>
           </p:cNvPr>
@@ -9522,7 +9516,7 @@
           <p:cNvPr id="5" name="Content Placeholder 4" descr="A picture containing indoor&#10;&#10;Description automatically generated">
             <a:extLst>
               <a:ext uri="{FF2B5EF4-FFF2-40B4-BE49-F238E27FC236}">
-                <a16:creationId xmlns:a16="http://schemas.microsoft.com/office/drawing/2014/main" id="{A58F0E55-21F3-485B-A07F-1CE74177BDD2}"/>
+                <a16:creationId xmlns:a16="http://schemas.microsoft.com/office/drawing/2014/main" id="{99476241-3907-4793-D90E-29C605438ACD}"/>
               </a:ext>
             </a:extLst>
           </p:cNvPr>
@@ -9616,7 +9610,7 @@
           <p:cNvPr id="6" name="Rectangle 5">
             <a:extLst>
               <a:ext uri="{FF2B5EF4-FFF2-40B4-BE49-F238E27FC236}">
-                <a16:creationId xmlns:a16="http://schemas.microsoft.com/office/drawing/2014/main" id="{A2901312-C3C2-4CEC-80EF-823AB4FBB726}"/>
+                <a16:creationId xmlns:a16="http://schemas.microsoft.com/office/drawing/2014/main" id="{AE6F93D2-DE78-1461-F79A-09ADB62138E6}"/>
               </a:ext>
             </a:extLst>
           </p:cNvPr>
@@ -9672,7 +9666,7 @@
           <p:cNvPr id="15" name="Rectangle 14">
             <a:extLst>
               <a:ext uri="{FF2B5EF4-FFF2-40B4-BE49-F238E27FC236}">
-                <a16:creationId xmlns:a16="http://schemas.microsoft.com/office/drawing/2014/main" id="{AD0A7C9C-CA2C-4B9B-A125-2D09D5573B44}"/>
+                <a16:creationId xmlns:a16="http://schemas.microsoft.com/office/drawing/2014/main" id="{88B8F7D9-4B0D-D877-08BC-0C138370BC4A}"/>
               </a:ext>
             </a:extLst>
           </p:cNvPr>
@@ -9728,7 +9722,7 @@
           <p:cNvPr id="16" name="Rectangle 15">
             <a:extLst>
               <a:ext uri="{FF2B5EF4-FFF2-40B4-BE49-F238E27FC236}">
-                <a16:creationId xmlns:a16="http://schemas.microsoft.com/office/drawing/2014/main" id="{74A085FC-1866-46D4-97F7-51AA45E48D4F}"/>
+                <a16:creationId xmlns:a16="http://schemas.microsoft.com/office/drawing/2014/main" id="{F72EDABE-0C0A-3F4A-F479-72190CA668A9}"/>
               </a:ext>
             </a:extLst>
           </p:cNvPr>
@@ -9782,7 +9776,7 @@
     </p:spTree>
     <p:extLst>
       <p:ext uri="{BB962C8B-B14F-4D97-AF65-F5344CB8AC3E}">
-        <p14:creationId xmlns:p14="http://schemas.microsoft.com/office/powerpoint/2010/main" val="2082743496"/>
+        <p14:creationId xmlns:p14="http://schemas.microsoft.com/office/powerpoint/2010/main" val="3886325429"/>
       </p:ext>
     </p:extLst>
   </p:cSld>
@@ -9805,13 +9799,7 @@
     </p:bg>
     <p:spTree>
       <p:nvGrpSpPr>
-        <p:cNvPr id="1" name="">
-          <a:extLst>
-            <a:ext uri="{FF2B5EF4-FFF2-40B4-BE49-F238E27FC236}">
-              <a16:creationId xmlns:a16="http://schemas.microsoft.com/office/drawing/2014/main" id="{6E1C4EFA-5130-624F-C38C-EEC01EA1138A}"/>
-            </a:ext>
-          </a:extLst>
-        </p:cNvPr>
+        <p:cNvPr id="1" name=""/>
         <p:cNvGrpSpPr/>
         <p:nvPr/>
       </p:nvGrpSpPr>
@@ -9828,7 +9816,7 @@
           <p:cNvPr id="25" name="Rectangle 24">
             <a:extLst>
               <a:ext uri="{FF2B5EF4-FFF2-40B4-BE49-F238E27FC236}">
-                <a16:creationId xmlns:a16="http://schemas.microsoft.com/office/drawing/2014/main" id="{70F47418-5511-7542-0D67-5F6046714823}"/>
+                <a16:creationId xmlns:a16="http://schemas.microsoft.com/office/drawing/2014/main" id="{A6792F05-2FD4-4F18-815E-15391E8B4A0E}"/>
               </a:ext>
               <a:ext uri="{C183D7F6-B498-43B3-948B-1728B52AA6E4}">
                 <adec:decorative xmlns:adec="http://schemas.microsoft.com/office/drawing/2017/decorative" val="1"/>
@@ -9891,7 +9879,7 @@
           <p:cNvPr id="2" name="Title 1">
             <a:extLst>
               <a:ext uri="{FF2B5EF4-FFF2-40B4-BE49-F238E27FC236}">
-                <a16:creationId xmlns:a16="http://schemas.microsoft.com/office/drawing/2014/main" id="{8D0D8571-E13D-BFDF-2A5D-9B3E8EFCB13A}"/>
+                <a16:creationId xmlns:a16="http://schemas.microsoft.com/office/drawing/2014/main" id="{2589AFCC-0FF0-498C-B11F-8990DF0DAAA5}"/>
               </a:ext>
             </a:extLst>
           </p:cNvPr>
@@ -9928,7 +9916,7 @@
           <p:cNvPr id="9" name="Content Placeholder 8">
             <a:extLst>
               <a:ext uri="{FF2B5EF4-FFF2-40B4-BE49-F238E27FC236}">
-                <a16:creationId xmlns:a16="http://schemas.microsoft.com/office/drawing/2014/main" id="{56DEAD07-2FD2-2C9C-68F7-07A15A50C0AA}"/>
+                <a16:creationId xmlns:a16="http://schemas.microsoft.com/office/drawing/2014/main" id="{2D995594-59F2-4020-AB6F-751BAE84ADB3}"/>
               </a:ext>
             </a:extLst>
           </p:cNvPr>
@@ -9972,7 +9960,7 @@
               <a:rPr lang="en-US" sz="2000" dirty="0">
                 <a:latin typeface="Selawik Semibold" panose="020B0702040204020203" pitchFamily="34" charset="0"/>
               </a:rPr>
-              <a:t>Senior Analyst, DraftKings</a:t>
+              <a:t>Basketball Data Scientist, Swish Analytics</a:t>
             </a:r>
           </a:p>
           <a:p>
@@ -9981,7 +9969,7 @@
               <a:rPr lang="en-US" sz="1600" dirty="0">
                 <a:latin typeface="Selawik Semibold" panose="020B0702040204020203" pitchFamily="34" charset="0"/>
               </a:rPr>
-              <a:t>Former 538 Student Works There</a:t>
+              <a:t>Betting and Fantasy Startup in San Francisco</a:t>
             </a:r>
           </a:p>
           <a:p>
@@ -9990,7 +9978,7 @@
               <a:rPr lang="en-US" sz="1600" dirty="0">
                 <a:latin typeface="Selawik Semibold" panose="020B0702040204020203" pitchFamily="34" charset="0"/>
               </a:rPr>
-              <a:t>3+ Years Experience</a:t>
+              <a:t>Bachelors Degree in STEM; Masters Preferred</a:t>
             </a:r>
           </a:p>
           <a:p>
@@ -9999,7 +9987,7 @@
               <a:rPr lang="en-US" sz="1600" dirty="0">
                 <a:latin typeface="Selawik Semibold" panose="020B0702040204020203" pitchFamily="34" charset="0"/>
               </a:rPr>
-              <a:t>Bachelors Degree in Math, Stats, etc.</a:t>
+              <a:t>Advanced Knowledge of Math and Statistics</a:t>
             </a:r>
           </a:p>
           <a:p>
@@ -10008,7 +9996,7 @@
               <a:rPr lang="en-US" sz="1600" dirty="0">
                 <a:latin typeface="Selawik Semibold" panose="020B0702040204020203" pitchFamily="34" charset="0"/>
               </a:rPr>
-              <a:t>Proficiency in SQL, Snowflake, Tableau</a:t>
+              <a:t>SQL/Python/GitHub/AWS</a:t>
             </a:r>
           </a:p>
           <a:p>
@@ -10023,7 +10011,19 @@
               <a:rPr lang="en-US" sz="2000" dirty="0">
                 <a:latin typeface="Selawik Semibold" panose="020B0702040204020203" pitchFamily="34" charset="0"/>
               </a:rPr>
-              <a:t>Sports Statistician, Genius Sports</a:t>
+              <a:t>Database </a:t>
+            </a:r>
+            <a:r>
+              <a:rPr lang="en-US" sz="2000" dirty="0" err="1">
+                <a:latin typeface="Selawik Semibold" panose="020B0702040204020203" pitchFamily="34" charset="0"/>
+              </a:rPr>
+              <a:t>Adminstrator</a:t>
+            </a:r>
+            <a:r>
+              <a:rPr lang="en-US" sz="2000" dirty="0">
+                <a:latin typeface="Selawik Semibold" panose="020B0702040204020203" pitchFamily="34" charset="0"/>
+              </a:rPr>
+              <a:t>, Sporty Group</a:t>
             </a:r>
           </a:p>
           <a:p>
@@ -10032,7 +10032,7 @@
               <a:rPr lang="en-US" sz="1600" dirty="0">
                 <a:latin typeface="Selawik Semibold" panose="020B0702040204020203" pitchFamily="34" charset="0"/>
               </a:rPr>
-              <a:t>European Company but Remote</a:t>
+              <a:t>Company from London (Remote Option)</a:t>
             </a:r>
           </a:p>
           <a:p>
@@ -10041,7 +10041,7 @@
               <a:rPr lang="en-US" sz="1600" dirty="0">
                 <a:latin typeface="Selawik Semibold" panose="020B0702040204020203" pitchFamily="34" charset="0"/>
               </a:rPr>
-              <a:t>Probably Just Data Collection from Live Events</a:t>
+              <a:t>Managing Database, Queries, Dashboards</a:t>
             </a:r>
           </a:p>
           <a:p>
@@ -10050,7 +10050,16 @@
               <a:rPr lang="en-US" sz="1600" dirty="0">
                 <a:latin typeface="Selawik Semibold" panose="020B0702040204020203" pitchFamily="34" charset="0"/>
               </a:rPr>
-              <a:t>Paid Per Game</a:t>
+              <a:t>MySQL and MongoDB</a:t>
+            </a:r>
+          </a:p>
+          <a:p>
+            <a:pPr lvl="2"/>
+            <a:r>
+              <a:rPr lang="en-US" sz="1600" dirty="0">
+                <a:latin typeface="Selawik Semibold" panose="020B0702040204020203" pitchFamily="34" charset="0"/>
+              </a:rPr>
+              <a:t>AWS, Redshift</a:t>
             </a:r>
           </a:p>
           <a:p>
@@ -10061,7 +10070,13 @@
           </a:p>
           <a:p>
             <a:pPr lvl="2"/>
-            <a:endParaRPr lang="en-US" sz="1600" dirty="0">
+            <a:endParaRPr lang="en-US" sz="1400" dirty="0">
+              <a:latin typeface="Selawik Semibold" panose="020B0702040204020203" pitchFamily="34" charset="0"/>
+            </a:endParaRPr>
+          </a:p>
+          <a:p>
+            <a:pPr lvl="2"/>
+            <a:endParaRPr lang="en-US" sz="1800" dirty="0">
               <a:latin typeface="Selawik Semibold" panose="020B0702040204020203" pitchFamily="34" charset="0"/>
             </a:endParaRPr>
           </a:p>
@@ -10072,8 +10087,13 @@
             </a:endParaRPr>
           </a:p>
           <a:p>
-            <a:pPr lvl="2"/>
-            <a:endParaRPr lang="en-US" sz="1400" dirty="0">
+            <a:endParaRPr lang="en-US" sz="2400" dirty="0">
+              <a:latin typeface="Selawik Semibold" panose="020B0702040204020203" pitchFamily="34" charset="0"/>
+            </a:endParaRPr>
+          </a:p>
+          <a:p>
+            <a:pPr lvl="1"/>
+            <a:endParaRPr lang="en-US" sz="2000" dirty="0">
               <a:latin typeface="Selawik Semibold" panose="020B0702040204020203" pitchFamily="34" charset="0"/>
             </a:endParaRPr>
           </a:p>
@@ -10084,29 +10104,6 @@
             </a:endParaRPr>
           </a:p>
           <a:p>
-            <a:pPr lvl="2"/>
-            <a:endParaRPr lang="en-US" sz="1600" dirty="0">
-              <a:latin typeface="Selawik Semibold" panose="020B0702040204020203" pitchFamily="34" charset="0"/>
-            </a:endParaRPr>
-          </a:p>
-          <a:p>
-            <a:endParaRPr lang="en-US" sz="2400" dirty="0">
-              <a:latin typeface="Selawik Semibold" panose="020B0702040204020203" pitchFamily="34" charset="0"/>
-            </a:endParaRPr>
-          </a:p>
-          <a:p>
-            <a:pPr lvl="1"/>
-            <a:endParaRPr lang="en-US" sz="2000" dirty="0">
-              <a:latin typeface="Selawik Semibold" panose="020B0702040204020203" pitchFamily="34" charset="0"/>
-            </a:endParaRPr>
-          </a:p>
-          <a:p>
-            <a:pPr lvl="2"/>
-            <a:endParaRPr lang="en-US" sz="1800" dirty="0">
-              <a:latin typeface="Selawik Semibold" panose="020B0702040204020203" pitchFamily="34" charset="0"/>
-            </a:endParaRPr>
-          </a:p>
-          <a:p>
             <a:pPr lvl="1"/>
             <a:endParaRPr lang="en-US" sz="2200" dirty="0">
               <a:latin typeface="Selawik Semibold" panose="020B0702040204020203" pitchFamily="34" charset="0"/>
@@ -10119,7 +10116,7 @@
           <p:cNvPr id="4" name="Picture 3" descr="A drawing of a cartoon character&#10;&#10;Description automatically generated">
             <a:extLst>
               <a:ext uri="{FF2B5EF4-FFF2-40B4-BE49-F238E27FC236}">
-                <a16:creationId xmlns:a16="http://schemas.microsoft.com/office/drawing/2014/main" id="{4BCA7387-186B-BC41-F795-5E14B6CE46F6}"/>
+                <a16:creationId xmlns:a16="http://schemas.microsoft.com/office/drawing/2014/main" id="{A7FDC859-D890-4904-9C64-27F43DA90453}"/>
               </a:ext>
             </a:extLst>
           </p:cNvPr>
@@ -10197,7 +10194,7 @@
           <p:cNvPr id="5" name="Content Placeholder 4" descr="A picture containing indoor&#10;&#10;Description automatically generated">
             <a:extLst>
               <a:ext uri="{FF2B5EF4-FFF2-40B4-BE49-F238E27FC236}">
-                <a16:creationId xmlns:a16="http://schemas.microsoft.com/office/drawing/2014/main" id="{99476241-3907-4793-D90E-29C605438ACD}"/>
+                <a16:creationId xmlns:a16="http://schemas.microsoft.com/office/drawing/2014/main" id="{A58F0E55-21F3-485B-A07F-1CE74177BDD2}"/>
               </a:ext>
             </a:extLst>
           </p:cNvPr>
@@ -10291,7 +10288,7 @@
           <p:cNvPr id="6" name="Rectangle 5">
             <a:extLst>
               <a:ext uri="{FF2B5EF4-FFF2-40B4-BE49-F238E27FC236}">
-                <a16:creationId xmlns:a16="http://schemas.microsoft.com/office/drawing/2014/main" id="{AE6F93D2-DE78-1461-F79A-09ADB62138E6}"/>
+                <a16:creationId xmlns:a16="http://schemas.microsoft.com/office/drawing/2014/main" id="{A2901312-C3C2-4CEC-80EF-823AB4FBB726}"/>
               </a:ext>
             </a:extLst>
           </p:cNvPr>
@@ -10347,7 +10344,7 @@
           <p:cNvPr id="15" name="Rectangle 14">
             <a:extLst>
               <a:ext uri="{FF2B5EF4-FFF2-40B4-BE49-F238E27FC236}">
-                <a16:creationId xmlns:a16="http://schemas.microsoft.com/office/drawing/2014/main" id="{88B8F7D9-4B0D-D877-08BC-0C138370BC4A}"/>
+                <a16:creationId xmlns:a16="http://schemas.microsoft.com/office/drawing/2014/main" id="{AD0A7C9C-CA2C-4B9B-A125-2D09D5573B44}"/>
               </a:ext>
             </a:extLst>
           </p:cNvPr>
@@ -10403,7 +10400,7 @@
           <p:cNvPr id="16" name="Rectangle 15">
             <a:extLst>
               <a:ext uri="{FF2B5EF4-FFF2-40B4-BE49-F238E27FC236}">
-                <a16:creationId xmlns:a16="http://schemas.microsoft.com/office/drawing/2014/main" id="{F72EDABE-0C0A-3F4A-F479-72190CA668A9}"/>
+                <a16:creationId xmlns:a16="http://schemas.microsoft.com/office/drawing/2014/main" id="{74A085FC-1866-46D4-97F7-51AA45E48D4F}"/>
               </a:ext>
             </a:extLst>
           </p:cNvPr>
@@ -10457,7 +10454,7 @@
     </p:spTree>
     <p:extLst>
       <p:ext uri="{BB962C8B-B14F-4D97-AF65-F5344CB8AC3E}">
-        <p14:creationId xmlns:p14="http://schemas.microsoft.com/office/powerpoint/2010/main" val="3886325429"/>
+        <p14:creationId xmlns:p14="http://schemas.microsoft.com/office/powerpoint/2010/main" val="2082743496"/>
       </p:ext>
     </p:extLst>
   </p:cSld>
@@ -11236,7 +11233,7 @@
               <a:rPr lang="en-US" sz="2000" dirty="0">
                 <a:latin typeface="Selawik Semibold" panose="020B0702040204020203" pitchFamily="34" charset="0"/>
               </a:rPr>
-              <a:t>Data Scientist, Twitch</a:t>
+              <a:t>Sr. Data Engineer, Boston Red Sox</a:t>
             </a:r>
           </a:p>
           <a:p>
@@ -11245,7 +11242,7 @@
               <a:rPr lang="en-US" sz="1600" dirty="0">
                 <a:latin typeface="Selawik Semibold" panose="020B0702040204020203" pitchFamily="34" charset="0"/>
               </a:rPr>
-              <a:t>Not Really Sports Analytics Specifically</a:t>
+              <a:t>Bachelors Degree in CS-related Field</a:t>
             </a:r>
           </a:p>
           <a:p>
@@ -11254,7 +11251,7 @@
               <a:rPr lang="en-US" sz="1600" dirty="0">
                 <a:latin typeface="Selawik Semibold" panose="020B0702040204020203" pitchFamily="34" charset="0"/>
               </a:rPr>
-              <a:t>Bachelors in Data Science, CS, Math, etc.</a:t>
+              <a:t>Strong SQL Experience</a:t>
             </a:r>
           </a:p>
           <a:p>
@@ -11263,17 +11260,17 @@
               <a:rPr lang="en-US" sz="1600" dirty="0">
                 <a:latin typeface="Selawik Semibold" panose="020B0702040204020203" pitchFamily="34" charset="0"/>
               </a:rPr>
-              <a:t>3 Years Experience in Data Science and ML</a:t>
-            </a:r>
-          </a:p>
-          <a:p>
-            <a:pPr lvl="2"/>
-            <a:r>
-              <a:rPr lang="en-US" sz="1600" dirty="0">
-                <a:latin typeface="Selawik Semibold" panose="020B0702040204020203" pitchFamily="34" charset="0"/>
-              </a:rPr>
-              <a:t>Expert SQL and Proficient in Python/R</a:t>
-            </a:r>
+              <a:t>Snowflake, DBT, </a:t>
+            </a:r>
+            <a:r>
+              <a:rPr lang="en-US" sz="1600" dirty="0" err="1">
+                <a:latin typeface="Selawik Semibold" panose="020B0702040204020203" pitchFamily="34" charset="0"/>
+              </a:rPr>
+              <a:t>GraphQL</a:t>
+            </a:r>
+            <a:endParaRPr lang="en-US" sz="1600" dirty="0">
+              <a:latin typeface="Selawik Semibold" panose="020B0702040204020203" pitchFamily="34" charset="0"/>
+            </a:endParaRPr>
           </a:p>
           <a:p>
             <a:pPr lvl="2"/>
@@ -11287,7 +11284,7 @@
               <a:rPr lang="en-US" sz="2000" dirty="0">
                 <a:latin typeface="Selawik Semibold" panose="020B0702040204020203" pitchFamily="34" charset="0"/>
               </a:rPr>
-              <a:t>Quantitative Analyst, Philadelphia Eagles</a:t>
+              <a:t>Lead Data Scientist, Dicks Sporting Goods</a:t>
             </a:r>
           </a:p>
           <a:p>
@@ -11296,7 +11293,7 @@
               <a:rPr lang="en-US" sz="1600" dirty="0">
                 <a:latin typeface="Selawik Semibold" panose="020B0702040204020203" pitchFamily="34" charset="0"/>
               </a:rPr>
-              <a:t>Work with Analytics Team in Football Operations</a:t>
+              <a:t>Not Entry Level</a:t>
             </a:r>
           </a:p>
           <a:p>
@@ -11305,7 +11302,7 @@
               <a:rPr lang="en-US" sz="1600" dirty="0">
                 <a:latin typeface="Selawik Semibold" panose="020B0702040204020203" pitchFamily="34" charset="0"/>
               </a:rPr>
-              <a:t>Strong Analytica Skills with Experience in Stats and ML</a:t>
+              <a:t>Elastic, SOLR</a:t>
             </a:r>
           </a:p>
           <a:p>
@@ -11314,7 +11311,7 @@
               <a:rPr lang="en-US" sz="1600" dirty="0">
                 <a:latin typeface="Selawik Semibold" panose="020B0702040204020203" pitchFamily="34" charset="0"/>
               </a:rPr>
-              <a:t>Proficient in R, Python, SQL</a:t>
+              <a:t>Engineering of APIs</a:t>
             </a:r>
           </a:p>
           <a:p>
@@ -11323,8 +11320,17 @@
               <a:rPr lang="en-US" sz="1600" dirty="0">
                 <a:latin typeface="Selawik Semibold" panose="020B0702040204020203" pitchFamily="34" charset="0"/>
               </a:rPr>
-              <a:t>No Degree Requirement Mentioned</a:t>
-            </a:r>
+              <a:t>TensorFlow, </a:t>
+            </a:r>
+            <a:r>
+              <a:rPr lang="en-US" sz="1600" dirty="0" err="1">
+                <a:latin typeface="Selawik Semibold" panose="020B0702040204020203" pitchFamily="34" charset="0"/>
+              </a:rPr>
+              <a:t>PyTor</a:t>
+            </a:r>
+            <a:endParaRPr lang="en-US" sz="1600" dirty="0">
+              <a:latin typeface="Selawik Semibold" panose="020B0702040204020203" pitchFamily="34" charset="0"/>
+            </a:endParaRPr>
           </a:p>
           <a:p>
             <a:pPr lvl="2"/>
@@ -11903,7 +11909,7 @@
               <a:rPr lang="en-US" sz="2400" dirty="0">
                 <a:latin typeface="Selawik Semibold" panose="020B0702040204020203" pitchFamily="34" charset="0"/>
               </a:rPr>
-              <a:t>Real Jobs (Builtin.com)</a:t>
+              <a:t>Real Jobs (ZipRecruiter)</a:t>
             </a:r>
           </a:p>
           <a:p>
@@ -11920,7 +11926,7 @@
               <a:rPr lang="en-US" sz="2000" dirty="0">
                 <a:latin typeface="Selawik Semibold" panose="020B0702040204020203" pitchFamily="34" charset="0"/>
               </a:rPr>
-              <a:t>AI Scientist, Trek Bicycle</a:t>
+              <a:t>Quantitative Analyst, Philadelphia Phillies</a:t>
             </a:r>
           </a:p>
           <a:p>
@@ -11929,7 +11935,7 @@
               <a:rPr lang="en-US" sz="1600" dirty="0">
                 <a:latin typeface="Selawik Semibold" panose="020B0702040204020203" pitchFamily="34" charset="0"/>
               </a:rPr>
-              <a:t>Make Bicycles</a:t>
+              <a:t>Focus on Computer Vision and Machine Learning</a:t>
             </a:r>
           </a:p>
           <a:p>
@@ -11938,116 +11944,35 @@
               <a:rPr lang="en-US" sz="1600" dirty="0">
                 <a:latin typeface="Selawik Semibold" panose="020B0702040204020203" pitchFamily="34" charset="0"/>
               </a:rPr>
-              <a:t>Lead AI Projects Focused on Generative AI (GPT, Gemini, etc.)</a:t>
+              <a:t>BS, MS, or PhD in STEM</a:t>
             </a:r>
           </a:p>
           <a:p>
             <a:pPr lvl="2"/>
             <a:r>
+              <a:rPr lang="en-US" sz="1600" dirty="0" err="1">
+                <a:latin typeface="Selawik Semibold" panose="020B0702040204020203" pitchFamily="34" charset="0"/>
+              </a:rPr>
+              <a:t>PyTorch</a:t>
+            </a:r>
+            <a:r>
               <a:rPr lang="en-US" sz="1600" dirty="0">
                 <a:latin typeface="Selawik Semibold" panose="020B0702040204020203" pitchFamily="34" charset="0"/>
               </a:rPr>
-              <a:t>Develop and Deploy AI Models</a:t>
-            </a:r>
-          </a:p>
-          <a:p>
-            <a:pPr lvl="2"/>
+              <a:t>, TensorFlow, </a:t>
+            </a:r>
+            <a:r>
+              <a:rPr lang="en-US" sz="1600" dirty="0" err="1">
+                <a:latin typeface="Selawik Semibold" panose="020B0702040204020203" pitchFamily="34" charset="0"/>
+              </a:rPr>
+              <a:t>Keras</a:t>
+            </a:r>
             <a:r>
               <a:rPr lang="en-US" sz="1600" dirty="0">
                 <a:latin typeface="Selawik Semibold" panose="020B0702040204020203" pitchFamily="34" charset="0"/>
               </a:rPr>
-              <a:t>Skilled in Python, SQL, RAG, </a:t>
-            </a:r>
-            <a:r>
-              <a:rPr lang="en-US" sz="1600" dirty="0" err="1">
-                <a:latin typeface="Selawik Semibold" panose="020B0702040204020203" pitchFamily="34" charset="0"/>
-              </a:rPr>
-              <a:t>PyTorch</a:t>
-            </a:r>
-            <a:r>
-              <a:rPr lang="en-US" sz="1600" dirty="0">
-                <a:latin typeface="Selawik Semibold" panose="020B0702040204020203" pitchFamily="34" charset="0"/>
-              </a:rPr>
-              <a:t>, TensorFlow, etc.</a:t>
-            </a:r>
-          </a:p>
-          <a:p>
-            <a:pPr lvl="2"/>
-            <a:r>
-              <a:rPr lang="en-US" sz="1600" dirty="0">
-                <a:latin typeface="Selawik Semibold" panose="020B0702040204020203" pitchFamily="34" charset="0"/>
-              </a:rPr>
-              <a:t>Large Language/Small Language Model Background</a:t>
-            </a:r>
-          </a:p>
-          <a:p>
-            <a:pPr lvl="2"/>
-            <a:r>
-              <a:rPr lang="en-US" sz="1600" dirty="0">
-                <a:latin typeface="Selawik Semibold" panose="020B0702040204020203" pitchFamily="34" charset="0"/>
-              </a:rPr>
-              <a:t>Advanced Statistical and Mathematical Knowledge</a:t>
-            </a:r>
-          </a:p>
-          <a:p>
-            <a:pPr lvl="2"/>
-            <a:r>
-              <a:rPr lang="en-US" sz="1600" dirty="0">
-                <a:latin typeface="Selawik Semibold" panose="020B0702040204020203" pitchFamily="34" charset="0"/>
-              </a:rPr>
-              <a:t>Masters or PhD with 5-10 Years Experience</a:t>
-            </a:r>
-          </a:p>
-          <a:p>
-            <a:pPr lvl="2"/>
-            <a:endParaRPr lang="en-US" sz="1600" dirty="0">
-              <a:latin typeface="Selawik Semibold" panose="020B0702040204020203" pitchFamily="34" charset="0"/>
-            </a:endParaRPr>
-          </a:p>
-          <a:p>
-            <a:pPr lvl="1"/>
-            <a:r>
-              <a:rPr lang="en-US" sz="2000" dirty="0">
-                <a:latin typeface="Selawik Semibold" panose="020B0702040204020203" pitchFamily="34" charset="0"/>
-              </a:rPr>
-              <a:t>Principal Data &amp; Visualization Analyst, Callaway Golf</a:t>
-            </a:r>
-          </a:p>
-          <a:p>
-            <a:pPr lvl="2"/>
-            <a:r>
-              <a:rPr lang="en-US" sz="1600" dirty="0">
-                <a:latin typeface="Selawik Semibold" panose="020B0702040204020203" pitchFamily="34" charset="0"/>
-              </a:rPr>
-              <a:t>Bachelors Degree in “STEM” Program</a:t>
-            </a:r>
-          </a:p>
-          <a:p>
-            <a:pPr lvl="2"/>
-            <a:r>
-              <a:rPr lang="en-US" sz="1600" dirty="0">
-                <a:latin typeface="Selawik Semibold" panose="020B0702040204020203" pitchFamily="34" charset="0"/>
-              </a:rPr>
-              <a:t>Skilled in SQL, Snowflake, Python, </a:t>
-            </a:r>
-            <a:r>
-              <a:rPr lang="en-US" sz="1600" dirty="0" err="1">
-                <a:latin typeface="Selawik Semibold" panose="020B0702040204020203" pitchFamily="34" charset="0"/>
-              </a:rPr>
-              <a:t>PowerBI</a:t>
-            </a:r>
-            <a:r>
-              <a:rPr lang="en-US" sz="1600" dirty="0">
-                <a:latin typeface="Selawik Semibold" panose="020B0702040204020203" pitchFamily="34" charset="0"/>
-              </a:rPr>
-              <a:t>, etc.</a:t>
-            </a:r>
-          </a:p>
-          <a:p>
-            <a:pPr lvl="2"/>
-            <a:endParaRPr lang="en-US" sz="1600" dirty="0">
-              <a:latin typeface="Selawik Semibold" panose="020B0702040204020203" pitchFamily="34" charset="0"/>
-            </a:endParaRPr>
+              <a:t>, OpenCV</a:t>
+            </a:r>
           </a:p>
           <a:p>
             <a:pPr lvl="2"/>
@@ -12464,7 +12389,13 @@
     </p:bg>
     <p:spTree>
       <p:nvGrpSpPr>
-        <p:cNvPr id="1" name=""/>
+        <p:cNvPr id="1" name="">
+          <a:extLst>
+            <a:ext uri="{FF2B5EF4-FFF2-40B4-BE49-F238E27FC236}">
+              <a16:creationId xmlns:a16="http://schemas.microsoft.com/office/drawing/2014/main" id="{578DB8A5-BEB5-1FE1-9EB9-DC12CF58670A}"/>
+            </a:ext>
+          </a:extLst>
+        </p:cNvPr>
         <p:cNvGrpSpPr/>
         <p:nvPr/>
       </p:nvGrpSpPr>
@@ -12481,7 +12412,7 @@
           <p:cNvPr id="25" name="Rectangle 24">
             <a:extLst>
               <a:ext uri="{FF2B5EF4-FFF2-40B4-BE49-F238E27FC236}">
-                <a16:creationId xmlns:a16="http://schemas.microsoft.com/office/drawing/2014/main" id="{A6792F05-2FD4-4F18-815E-15391E8B4A0E}"/>
+                <a16:creationId xmlns:a16="http://schemas.microsoft.com/office/drawing/2014/main" id="{DDE5C130-B2F6-47BE-EE16-DF572F4A8167}"/>
               </a:ext>
               <a:ext uri="{C183D7F6-B498-43B3-948B-1728B52AA6E4}">
                 <adec:decorative xmlns:adec="http://schemas.microsoft.com/office/drawing/2017/decorative" val="1"/>
@@ -12544,7 +12475,7 @@
           <p:cNvPr id="2" name="Title 1">
             <a:extLst>
               <a:ext uri="{FF2B5EF4-FFF2-40B4-BE49-F238E27FC236}">
-                <a16:creationId xmlns:a16="http://schemas.microsoft.com/office/drawing/2014/main" id="{2589AFCC-0FF0-498C-B11F-8990DF0DAAA5}"/>
+                <a16:creationId xmlns:a16="http://schemas.microsoft.com/office/drawing/2014/main" id="{2EC16CC6-FDDB-6063-9B54-BC3D9A3DDD61}"/>
               </a:ext>
             </a:extLst>
           </p:cNvPr>
@@ -12581,7 +12512,7 @@
           <p:cNvPr id="9" name="Content Placeholder 8">
             <a:extLst>
               <a:ext uri="{FF2B5EF4-FFF2-40B4-BE49-F238E27FC236}">
-                <a16:creationId xmlns:a16="http://schemas.microsoft.com/office/drawing/2014/main" id="{2D995594-59F2-4020-AB6F-751BAE84ADB3}"/>
+                <a16:creationId xmlns:a16="http://schemas.microsoft.com/office/drawing/2014/main" id="{0BDE507D-8184-51E3-7C10-1CBA12B2282E}"/>
               </a:ext>
             </a:extLst>
           </p:cNvPr>
@@ -12595,7 +12526,7 @@
         <p:spPr>
           <a:xfrm>
             <a:off x="838199" y="2021248"/>
-            <a:ext cx="7460294" cy="4695905"/>
+            <a:ext cx="8107018" cy="4695905"/>
           </a:xfrm>
         </p:spPr>
         <p:txBody>
@@ -12608,14 +12539,14 @@
               <a:rPr lang="en-US" sz="2400" dirty="0">
                 <a:latin typeface="Selawik Semibold" panose="020B0702040204020203" pitchFamily="34" charset="0"/>
               </a:rPr>
-              <a:t>Conferences </a:t>
+              <a:t>Real Jobs (tealhq.com)</a:t>
             </a:r>
           </a:p>
           <a:p>
             <a:pPr marL="0" indent="0">
               <a:buNone/>
             </a:pPr>
-            <a:endParaRPr lang="en-US" sz="1100" dirty="0">
+            <a:endParaRPr lang="en-US" sz="2400" dirty="0">
               <a:latin typeface="Selawik Semibold" panose="020B0702040204020203" pitchFamily="34" charset="0"/>
             </a:endParaRPr>
           </a:p>
@@ -12625,8 +12556,47 @@
               <a:rPr lang="en-US" sz="2000" dirty="0">
                 <a:latin typeface="Selawik Semibold" panose="020B0702040204020203" pitchFamily="34" charset="0"/>
               </a:rPr>
-              <a:t>MIT Sloan (March)</a:t>
-            </a:r>
+              <a:t>Associate (Intern), Milwaukee Brewers</a:t>
+            </a:r>
+          </a:p>
+          <a:p>
+            <a:pPr lvl="2"/>
+            <a:r>
+              <a:rPr lang="en-US" sz="1600" dirty="0">
+                <a:latin typeface="Selawik Semibold" panose="020B0702040204020203" pitchFamily="34" charset="0"/>
+              </a:rPr>
+              <a:t>Baseball Research and Development</a:t>
+            </a:r>
+          </a:p>
+          <a:p>
+            <a:pPr lvl="2"/>
+            <a:r>
+              <a:rPr lang="en-US" sz="1600" dirty="0">
+                <a:latin typeface="Selawik Semibold" panose="020B0702040204020203" pitchFamily="34" charset="0"/>
+              </a:rPr>
+              <a:t>Develop Visuals and Other for Disseminating Analytical Results</a:t>
+            </a:r>
+          </a:p>
+          <a:p>
+            <a:pPr lvl="2"/>
+            <a:r>
+              <a:rPr lang="en-US" sz="1600" dirty="0">
+                <a:latin typeface="Selawik Semibold" panose="020B0702040204020203" pitchFamily="34" charset="0"/>
+              </a:rPr>
+              <a:t>BS or Working on BS in STEM</a:t>
+            </a:r>
+          </a:p>
+          <a:p>
+            <a:pPr lvl="2"/>
+            <a:endParaRPr lang="en-US" sz="1600" dirty="0">
+              <a:latin typeface="Selawik Semibold" panose="020B0702040204020203" pitchFamily="34" charset="0"/>
+            </a:endParaRPr>
+          </a:p>
+          <a:p>
+            <a:pPr lvl="2"/>
+            <a:endParaRPr lang="en-US" sz="1400" dirty="0">
+              <a:latin typeface="Selawik Semibold" panose="020B0702040204020203" pitchFamily="34" charset="0"/>
+            </a:endParaRPr>
           </a:p>
           <a:p>
             <a:pPr lvl="1"/>
@@ -12634,71 +12604,73 @@
               <a:rPr lang="en-US" sz="2000" dirty="0">
                 <a:latin typeface="Selawik Semibold" panose="020B0702040204020203" pitchFamily="34" charset="0"/>
               </a:rPr>
-              <a:t>International Sports Analytics Conference (July)</a:t>
-            </a:r>
+              <a:t>Analyst, Minnesota Twins</a:t>
+            </a:r>
+          </a:p>
+          <a:p>
+            <a:pPr lvl="2"/>
+            <a:r>
+              <a:rPr lang="en-US" sz="1600" dirty="0">
+                <a:latin typeface="Selawik Semibold" panose="020B0702040204020203" pitchFamily="34" charset="0"/>
+              </a:rPr>
+              <a:t>Advanced Scouting</a:t>
+            </a:r>
+          </a:p>
+          <a:p>
+            <a:pPr lvl="2"/>
+            <a:r>
+              <a:rPr lang="en-US" sz="1600" dirty="0">
+                <a:latin typeface="Selawik Semibold" panose="020B0702040204020203" pitchFamily="34" charset="0"/>
+              </a:rPr>
+              <a:t>Travel with Team</a:t>
+            </a:r>
+          </a:p>
+          <a:p>
+            <a:pPr lvl="2"/>
+            <a:r>
+              <a:rPr lang="en-US" sz="1600" dirty="0">
+                <a:latin typeface="Selawik Semibold" panose="020B0702040204020203" pitchFamily="34" charset="0"/>
+              </a:rPr>
+              <a:t>In-Game Strategy</a:t>
+            </a:r>
+          </a:p>
+          <a:p>
+            <a:pPr lvl="2"/>
+            <a:r>
+              <a:rPr lang="en-US" sz="1600" dirty="0">
+                <a:latin typeface="Selawik Semibold" panose="020B0702040204020203" pitchFamily="34" charset="0"/>
+              </a:rPr>
+              <a:t>R, Python, MATLAB, Julia, STAN,</a:t>
+            </a:r>
+          </a:p>
+          <a:p>
+            <a:pPr lvl="2"/>
+            <a:r>
+              <a:rPr lang="en-US" sz="1600">
+                <a:latin typeface="Selawik Semibold" panose="020B0702040204020203" pitchFamily="34" charset="0"/>
+              </a:rPr>
+              <a:t>SQL</a:t>
+            </a:r>
+            <a:endParaRPr lang="en-US" sz="1600" dirty="0">
+              <a:latin typeface="Selawik Semibold" panose="020B0702040204020203" pitchFamily="34" charset="0"/>
+            </a:endParaRPr>
+          </a:p>
+          <a:p>
+            <a:pPr lvl="2"/>
+            <a:endParaRPr lang="en-US" sz="1600" dirty="0">
+              <a:latin typeface="Selawik Semibold" panose="020B0702040204020203" pitchFamily="34" charset="0"/>
+            </a:endParaRPr>
+          </a:p>
+          <a:p>
+            <a:endParaRPr lang="en-US" sz="2400" dirty="0">
+              <a:latin typeface="Selawik Semibold" panose="020B0702040204020203" pitchFamily="34" charset="0"/>
+            </a:endParaRPr>
           </a:p>
           <a:p>
             <a:pPr lvl="1"/>
-            <a:r>
-              <a:rPr lang="en-US" sz="2000" dirty="0">
-                <a:latin typeface="Selawik Semibold" panose="020B0702040204020203" pitchFamily="34" charset="0"/>
-              </a:rPr>
-              <a:t>UConn Sports Analytics Symposium (April)</a:t>
-            </a:r>
-          </a:p>
-          <a:p>
-            <a:pPr lvl="1"/>
-            <a:r>
-              <a:rPr lang="en-US" sz="2000" dirty="0">
-                <a:latin typeface="Selawik Semibold" panose="020B0702040204020203" pitchFamily="34" charset="0"/>
-              </a:rPr>
-              <a:t>OSU Sports Analytics Conference (April)</a:t>
-            </a:r>
-          </a:p>
-          <a:p>
-            <a:pPr lvl="1"/>
-            <a:r>
-              <a:rPr lang="en-US" sz="2000" dirty="0">
-                <a:latin typeface="Selawik Semibold" panose="020B0702040204020203" pitchFamily="34" charset="0"/>
-              </a:rPr>
-              <a:t>Carnegie Mellon Sports Analytics Conference (?)</a:t>
-            </a:r>
-          </a:p>
-          <a:p>
-            <a:pPr lvl="1"/>
-            <a:r>
-              <a:rPr lang="en-US" sz="2000" dirty="0">
-                <a:latin typeface="Selawik Semibold" panose="020B0702040204020203" pitchFamily="34" charset="0"/>
-              </a:rPr>
-              <a:t>New England Symposium on Stat. in Sports (2025)</a:t>
-            </a:r>
-          </a:p>
-          <a:p>
-            <a:pPr lvl="1"/>
-            <a:r>
-              <a:rPr lang="en-US" sz="2000" dirty="0">
-                <a:latin typeface="Selawik Semibold" panose="020B0702040204020203" pitchFamily="34" charset="0"/>
-              </a:rPr>
-              <a:t>Great Lakes Data and Analytics (April)</a:t>
-            </a:r>
-          </a:p>
-          <a:p>
-            <a:pPr lvl="1"/>
-            <a:r>
-              <a:rPr lang="en-US" sz="2000" dirty="0">
-                <a:latin typeface="Selawik Semibold" panose="020B0702040204020203" pitchFamily="34" charset="0"/>
-              </a:rPr>
-              <a:t>International Conference on Sports Analytics and Data Visualization (August)</a:t>
-            </a:r>
-          </a:p>
-          <a:p>
-            <a:pPr lvl="1"/>
-            <a:r>
-              <a:rPr lang="en-US" sz="2000" dirty="0">
-                <a:latin typeface="Selawik Semibold" panose="020B0702040204020203" pitchFamily="34" charset="0"/>
-              </a:rPr>
-              <a:t>More International Conferences (See Link on Website)</a:t>
-            </a:r>
+            <a:endParaRPr lang="en-US" sz="2000" dirty="0">
+              <a:latin typeface="Selawik Semibold" panose="020B0702040204020203" pitchFamily="34" charset="0"/>
+            </a:endParaRPr>
           </a:p>
           <a:p>
             <a:pPr lvl="2"/>
@@ -12706,6 +12678,12 @@
               <a:latin typeface="Selawik Semibold" panose="020B0702040204020203" pitchFamily="34" charset="0"/>
             </a:endParaRPr>
           </a:p>
+          <a:p>
+            <a:pPr lvl="1"/>
+            <a:endParaRPr lang="en-US" sz="2200" dirty="0">
+              <a:latin typeface="Selawik Semibold" panose="020B0702040204020203" pitchFamily="34" charset="0"/>
+            </a:endParaRPr>
+          </a:p>
         </p:txBody>
       </p:sp>
       <p:pic>
@@ -12713,7 +12691,7 @@
           <p:cNvPr id="4" name="Picture 3" descr="A drawing of a cartoon character&#10;&#10;Description automatically generated">
             <a:extLst>
               <a:ext uri="{FF2B5EF4-FFF2-40B4-BE49-F238E27FC236}">
-                <a16:creationId xmlns:a16="http://schemas.microsoft.com/office/drawing/2014/main" id="{A7FDC859-D890-4904-9C64-27F43DA90453}"/>
+                <a16:creationId xmlns:a16="http://schemas.microsoft.com/office/drawing/2014/main" id="{FF20F7C3-E3F9-DD0F-CE7C-3D132FAB3910}"/>
               </a:ext>
             </a:extLst>
           </p:cNvPr>
@@ -12791,7 +12769,7 @@
           <p:cNvPr id="5" name="Content Placeholder 4" descr="A picture containing indoor&#10;&#10;Description automatically generated">
             <a:extLst>
               <a:ext uri="{FF2B5EF4-FFF2-40B4-BE49-F238E27FC236}">
-                <a16:creationId xmlns:a16="http://schemas.microsoft.com/office/drawing/2014/main" id="{A58F0E55-21F3-485B-A07F-1CE74177BDD2}"/>
+                <a16:creationId xmlns:a16="http://schemas.microsoft.com/office/drawing/2014/main" id="{A0BB78B5-BCC2-77F1-36E1-D238B71899C0}"/>
               </a:ext>
             </a:extLst>
           </p:cNvPr>
@@ -12885,7 +12863,7 @@
           <p:cNvPr id="6" name="Rectangle 5">
             <a:extLst>
               <a:ext uri="{FF2B5EF4-FFF2-40B4-BE49-F238E27FC236}">
-                <a16:creationId xmlns:a16="http://schemas.microsoft.com/office/drawing/2014/main" id="{A2901312-C3C2-4CEC-80EF-823AB4FBB726}"/>
+                <a16:creationId xmlns:a16="http://schemas.microsoft.com/office/drawing/2014/main" id="{5C7503A5-FF60-2541-4970-4B1B42C8528D}"/>
               </a:ext>
             </a:extLst>
           </p:cNvPr>
@@ -12941,7 +12919,7 @@
           <p:cNvPr id="15" name="Rectangle 14">
             <a:extLst>
               <a:ext uri="{FF2B5EF4-FFF2-40B4-BE49-F238E27FC236}">
-                <a16:creationId xmlns:a16="http://schemas.microsoft.com/office/drawing/2014/main" id="{AD0A7C9C-CA2C-4B9B-A125-2D09D5573B44}"/>
+                <a16:creationId xmlns:a16="http://schemas.microsoft.com/office/drawing/2014/main" id="{E6530C08-A1E0-D6DB-26AA-21AC91CD14B1}"/>
               </a:ext>
             </a:extLst>
           </p:cNvPr>
@@ -12997,7 +12975,7 @@
           <p:cNvPr id="16" name="Rectangle 15">
             <a:extLst>
               <a:ext uri="{FF2B5EF4-FFF2-40B4-BE49-F238E27FC236}">
-                <a16:creationId xmlns:a16="http://schemas.microsoft.com/office/drawing/2014/main" id="{74A085FC-1866-46D4-97F7-51AA45E48D4F}"/>
+                <a16:creationId xmlns:a16="http://schemas.microsoft.com/office/drawing/2014/main" id="{5D2C1E6A-F581-B80F-8557-40819F3E7E89}"/>
               </a:ext>
             </a:extLst>
           </p:cNvPr>
@@ -13051,6 +13029,616 @@
     </p:spTree>
     <p:extLst>
       <p:ext uri="{BB962C8B-B14F-4D97-AF65-F5344CB8AC3E}">
+        <p14:creationId xmlns:p14="http://schemas.microsoft.com/office/powerpoint/2010/main" val="1731676775"/>
+      </p:ext>
+    </p:extLst>
+  </p:cSld>
+  <p:clrMapOvr>
+    <a:overrideClrMapping bg1="dk1" tx1="lt1" bg2="dk2" tx2="lt2" accent1="accent1" accent2="accent2" accent3="accent3" accent4="accent4" accent5="accent5" accent6="accent6" hlink="hlink" folHlink="folHlink"/>
+  </p:clrMapOvr>
+</p:sld>
+</file>
+
+<file path=ppt/slides/slide23.xml><?xml version="1.0" encoding="utf-8"?>
+<p:sld xmlns:a="http://schemas.openxmlformats.org/drawingml/2006/main" xmlns:r="http://schemas.openxmlformats.org/officeDocument/2006/relationships" xmlns:p="http://schemas.openxmlformats.org/presentationml/2006/main">
+  <p:cSld>
+    <p:bg>
+      <p:bgPr>
+        <a:solidFill>
+          <a:srgbClr val="395583"/>
+        </a:solidFill>
+        <a:effectLst/>
+      </p:bgPr>
+    </p:bg>
+    <p:spTree>
+      <p:nvGrpSpPr>
+        <p:cNvPr id="1" name=""/>
+        <p:cNvGrpSpPr/>
+        <p:nvPr/>
+      </p:nvGrpSpPr>
+      <p:grpSpPr>
+        <a:xfrm>
+          <a:off x="0" y="0"/>
+          <a:ext cx="0" cy="0"/>
+          <a:chOff x="0" y="0"/>
+          <a:chExt cx="0" cy="0"/>
+        </a:xfrm>
+      </p:grpSpPr>
+      <p:sp>
+        <p:nvSpPr>
+          <p:cNvPr id="25" name="Rectangle 24">
+            <a:extLst>
+              <a:ext uri="{FF2B5EF4-FFF2-40B4-BE49-F238E27FC236}">
+                <a16:creationId xmlns:a16="http://schemas.microsoft.com/office/drawing/2014/main" id="{A6792F05-2FD4-4F18-815E-15391E8B4A0E}"/>
+              </a:ext>
+              <a:ext uri="{C183D7F6-B498-43B3-948B-1728B52AA6E4}">
+                <adec:decorative xmlns:adec="http://schemas.microsoft.com/office/drawing/2017/decorative" val="1"/>
+              </a:ext>
+            </a:extLst>
+          </p:cNvPr>
+          <p:cNvSpPr>
+            <a:spLocks noGrp="1" noRot="1" noChangeAspect="1" noMove="1" noResize="1" noEditPoints="1" noAdjustHandles="1" noChangeArrowheads="1" noChangeShapeType="1" noTextEdit="1"/>
+          </p:cNvSpPr>
+          <p:nvPr>
+            <p:extLst>
+              <p:ext uri="{386F3935-93C4-4BCD-93E2-E3B085C9AB24}">
+                <p16:designElem xmlns:p16="http://schemas.microsoft.com/office/powerpoint/2015/main" val="1"/>
+              </p:ext>
+            </p:extLst>
+          </p:nvPr>
+        </p:nvSpPr>
+        <p:spPr>
+          <a:xfrm>
+            <a:off x="0" y="0"/>
+            <a:ext cx="12191999" cy="6858000"/>
+          </a:xfrm>
+          <a:prstGeom prst="rect">
+            <a:avLst/>
+          </a:prstGeom>
+          <a:solidFill>
+            <a:srgbClr val="395583"/>
+          </a:solidFill>
+          <a:ln>
+            <a:noFill/>
+          </a:ln>
+        </p:spPr>
+        <p:style>
+          <a:lnRef idx="2">
+            <a:schemeClr val="accent1">
+              <a:shade val="50000"/>
+            </a:schemeClr>
+          </a:lnRef>
+          <a:fillRef idx="1">
+            <a:schemeClr val="accent1"/>
+          </a:fillRef>
+          <a:effectRef idx="0">
+            <a:schemeClr val="accent1"/>
+          </a:effectRef>
+          <a:fontRef idx="minor">
+            <a:schemeClr val="lt1"/>
+          </a:fontRef>
+        </p:style>
+        <p:txBody>
+          <a:bodyPr rtlCol="0" anchor="ctr"/>
+          <a:lstStyle/>
+          <a:p>
+            <a:pPr algn="ctr"/>
+            <a:endParaRPr lang="en-US"/>
+          </a:p>
+        </p:txBody>
+      </p:sp>
+      <p:sp>
+        <p:nvSpPr>
+          <p:cNvPr id="2" name="Title 1">
+            <a:extLst>
+              <a:ext uri="{FF2B5EF4-FFF2-40B4-BE49-F238E27FC236}">
+                <a16:creationId xmlns:a16="http://schemas.microsoft.com/office/drawing/2014/main" id="{2589AFCC-0FF0-498C-B11F-8990DF0DAAA5}"/>
+              </a:ext>
+            </a:extLst>
+          </p:cNvPr>
+          <p:cNvSpPr>
+            <a:spLocks noGrp="1"/>
+          </p:cNvSpPr>
+          <p:nvPr>
+            <p:ph type="title"/>
+          </p:nvPr>
+        </p:nvSpPr>
+        <p:spPr>
+          <a:xfrm>
+            <a:off x="838200" y="365125"/>
+            <a:ext cx="10515600" cy="1325563"/>
+          </a:xfrm>
+        </p:spPr>
+        <p:txBody>
+          <a:bodyPr>
+            <a:normAutofit/>
+          </a:bodyPr>
+          <a:lstStyle/>
+          <a:p>
+            <a:r>
+              <a:rPr lang="en-US" b="1" dirty="0">
+                <a:latin typeface="Selawik Semibold" panose="020B0604020202020204" pitchFamily="34" charset="0"/>
+              </a:rPr>
+              <a:t>Your Industry Future</a:t>
+            </a:r>
+          </a:p>
+        </p:txBody>
+      </p:sp>
+      <p:sp>
+        <p:nvSpPr>
+          <p:cNvPr id="9" name="Content Placeholder 8">
+            <a:extLst>
+              <a:ext uri="{FF2B5EF4-FFF2-40B4-BE49-F238E27FC236}">
+                <a16:creationId xmlns:a16="http://schemas.microsoft.com/office/drawing/2014/main" id="{2D995594-59F2-4020-AB6F-751BAE84ADB3}"/>
+              </a:ext>
+            </a:extLst>
+          </p:cNvPr>
+          <p:cNvSpPr>
+            <a:spLocks noGrp="1"/>
+          </p:cNvSpPr>
+          <p:nvPr>
+            <p:ph idx="1"/>
+          </p:nvPr>
+        </p:nvSpPr>
+        <p:spPr>
+          <a:xfrm>
+            <a:off x="838199" y="2021248"/>
+            <a:ext cx="7460294" cy="4695905"/>
+          </a:xfrm>
+        </p:spPr>
+        <p:txBody>
+          <a:bodyPr>
+            <a:normAutofit/>
+          </a:bodyPr>
+          <a:lstStyle/>
+          <a:p>
+            <a:r>
+              <a:rPr lang="en-US" sz="2400" dirty="0">
+                <a:latin typeface="Selawik Semibold" panose="020B0702040204020203" pitchFamily="34" charset="0"/>
+              </a:rPr>
+              <a:t>Conferences </a:t>
+            </a:r>
+          </a:p>
+          <a:p>
+            <a:pPr marL="0" indent="0">
+              <a:buNone/>
+            </a:pPr>
+            <a:endParaRPr lang="en-US" sz="1100" dirty="0">
+              <a:latin typeface="Selawik Semibold" panose="020B0702040204020203" pitchFamily="34" charset="0"/>
+            </a:endParaRPr>
+          </a:p>
+          <a:p>
+            <a:pPr lvl="1"/>
+            <a:r>
+              <a:rPr lang="en-US" sz="2000" dirty="0">
+                <a:latin typeface="Selawik Semibold" panose="020B0702040204020203" pitchFamily="34" charset="0"/>
+              </a:rPr>
+              <a:t>MIT Sloan (March)</a:t>
+            </a:r>
+          </a:p>
+          <a:p>
+            <a:pPr lvl="1"/>
+            <a:r>
+              <a:rPr lang="en-US" sz="2000" dirty="0">
+                <a:latin typeface="Selawik Semibold" panose="020B0702040204020203" pitchFamily="34" charset="0"/>
+              </a:rPr>
+              <a:t>International Sports Analytics Conference (July)</a:t>
+            </a:r>
+          </a:p>
+          <a:p>
+            <a:pPr lvl="1"/>
+            <a:r>
+              <a:rPr lang="en-US" sz="2000" dirty="0">
+                <a:latin typeface="Selawik Semibold" panose="020B0702040204020203" pitchFamily="34" charset="0"/>
+              </a:rPr>
+              <a:t>UConn Sports Analytics Symposium (April)</a:t>
+            </a:r>
+          </a:p>
+          <a:p>
+            <a:pPr lvl="1"/>
+            <a:r>
+              <a:rPr lang="en-US" sz="2000" dirty="0">
+                <a:latin typeface="Selawik Semibold" panose="020B0702040204020203" pitchFamily="34" charset="0"/>
+              </a:rPr>
+              <a:t>OSU Sports Analytics Conference (April)</a:t>
+            </a:r>
+          </a:p>
+          <a:p>
+            <a:pPr lvl="1"/>
+            <a:r>
+              <a:rPr lang="en-US" sz="2000" dirty="0">
+                <a:latin typeface="Selawik Semibold" panose="020B0702040204020203" pitchFamily="34" charset="0"/>
+              </a:rPr>
+              <a:t>Carnegie Mellon Sports Analytics Conference (?)</a:t>
+            </a:r>
+          </a:p>
+          <a:p>
+            <a:pPr lvl="1"/>
+            <a:r>
+              <a:rPr lang="en-US" sz="2000" dirty="0">
+                <a:latin typeface="Selawik Semibold" panose="020B0702040204020203" pitchFamily="34" charset="0"/>
+              </a:rPr>
+              <a:t>New England Symposium on Stat. in Sports (2025)</a:t>
+            </a:r>
+          </a:p>
+          <a:p>
+            <a:pPr lvl="1"/>
+            <a:r>
+              <a:rPr lang="en-US" sz="2000" dirty="0">
+                <a:latin typeface="Selawik Semibold" panose="020B0702040204020203" pitchFamily="34" charset="0"/>
+              </a:rPr>
+              <a:t>Great Lakes Data and Analytics (April)</a:t>
+            </a:r>
+          </a:p>
+          <a:p>
+            <a:pPr lvl="1"/>
+            <a:r>
+              <a:rPr lang="en-US" sz="2000" dirty="0">
+                <a:latin typeface="Selawik Semibold" panose="020B0702040204020203" pitchFamily="34" charset="0"/>
+              </a:rPr>
+              <a:t>International Conference on Sports Analytics and Data Visualization (August)</a:t>
+            </a:r>
+          </a:p>
+          <a:p>
+            <a:pPr lvl="1"/>
+            <a:r>
+              <a:rPr lang="en-US" sz="2000" dirty="0">
+                <a:latin typeface="Selawik Semibold" panose="020B0702040204020203" pitchFamily="34" charset="0"/>
+              </a:rPr>
+              <a:t>More International Conferences (See Link on Website)</a:t>
+            </a:r>
+          </a:p>
+          <a:p>
+            <a:pPr lvl="2"/>
+            <a:endParaRPr lang="en-US" sz="1800" dirty="0">
+              <a:latin typeface="Selawik Semibold" panose="020B0702040204020203" pitchFamily="34" charset="0"/>
+            </a:endParaRPr>
+          </a:p>
+        </p:txBody>
+      </p:sp>
+      <p:pic>
+        <p:nvPicPr>
+          <p:cNvPr id="4" name="Picture 3" descr="A drawing of a cartoon character&#10;&#10;Description automatically generated">
+            <a:extLst>
+              <a:ext uri="{FF2B5EF4-FFF2-40B4-BE49-F238E27FC236}">
+                <a16:creationId xmlns:a16="http://schemas.microsoft.com/office/drawing/2014/main" id="{A7FDC859-D890-4904-9C64-27F43DA90453}"/>
+              </a:ext>
+            </a:extLst>
+          </p:cNvPr>
+          <p:cNvPicPr>
+            <a:picLocks noChangeAspect="1"/>
+          </p:cNvPicPr>
+          <p:nvPr/>
+        </p:nvPicPr>
+        <p:blipFill rotWithShape="1">
+          <a:blip r:embed="rId2">
+            <a:extLst>
+              <a:ext uri="{28A0092B-C50C-407E-A947-70E740481C1C}">
+                <a14:useLocalDpi xmlns:a14="http://schemas.microsoft.com/office/drawing/2010/main" val="0"/>
+              </a:ext>
+            </a:extLst>
+          </a:blip>
+          <a:srcRect t="5616" r="2" b="2"/>
+          <a:stretch/>
+        </p:blipFill>
+        <p:spPr>
+          <a:xfrm>
+            <a:off x="7471144" y="1700078"/>
+            <a:ext cx="4720855" cy="2583792"/>
+          </a:xfrm>
+          <a:custGeom>
+            <a:avLst/>
+            <a:gdLst>
+              <a:gd name="connsiteX0" fmla="*/ 0 w 5475077"/>
+              <a:gd name="connsiteY0" fmla="*/ 0 h 2583792"/>
+              <a:gd name="connsiteX1" fmla="*/ 5475077 w 5475077"/>
+              <a:gd name="connsiteY1" fmla="*/ 0 h 2583792"/>
+              <a:gd name="connsiteX2" fmla="*/ 5475077 w 5475077"/>
+              <a:gd name="connsiteY2" fmla="*/ 2583792 h 2583792"/>
+              <a:gd name="connsiteX3" fmla="*/ 1197192 w 5475077"/>
+              <a:gd name="connsiteY3" fmla="*/ 2583792 h 2583792"/>
+            </a:gdLst>
+            <a:ahLst/>
+            <a:cxnLst>
+              <a:cxn ang="0">
+                <a:pos x="connsiteX0" y="connsiteY0"/>
+              </a:cxn>
+              <a:cxn ang="0">
+                <a:pos x="connsiteX1" y="connsiteY1"/>
+              </a:cxn>
+              <a:cxn ang="0">
+                <a:pos x="connsiteX2" y="connsiteY2"/>
+              </a:cxn>
+              <a:cxn ang="0">
+                <a:pos x="connsiteX3" y="connsiteY3"/>
+              </a:cxn>
+            </a:cxnLst>
+            <a:rect l="l" t="t" r="r" b="b"/>
+            <a:pathLst>
+              <a:path w="5475077" h="2583792">
+                <a:moveTo>
+                  <a:pt x="0" y="0"/>
+                </a:moveTo>
+                <a:lnTo>
+                  <a:pt x="5475077" y="0"/>
+                </a:lnTo>
+                <a:lnTo>
+                  <a:pt x="5475077" y="2583792"/>
+                </a:lnTo>
+                <a:lnTo>
+                  <a:pt x="1197192" y="2583792"/>
+                </a:lnTo>
+                <a:close/>
+              </a:path>
+            </a:pathLst>
+          </a:custGeom>
+        </p:spPr>
+      </p:pic>
+      <p:pic>
+        <p:nvPicPr>
+          <p:cNvPr id="5" name="Content Placeholder 4" descr="A picture containing indoor&#10;&#10;Description automatically generated">
+            <a:extLst>
+              <a:ext uri="{FF2B5EF4-FFF2-40B4-BE49-F238E27FC236}">
+                <a16:creationId xmlns:a16="http://schemas.microsoft.com/office/drawing/2014/main" id="{A58F0E55-21F3-485B-A07F-1CE74177BDD2}"/>
+              </a:ext>
+            </a:extLst>
+          </p:cNvPr>
+          <p:cNvPicPr>
+            <a:picLocks noChangeAspect="1"/>
+          </p:cNvPicPr>
+          <p:nvPr/>
+        </p:nvPicPr>
+        <p:blipFill rotWithShape="1">
+          <a:blip r:embed="rId3">
+            <a:extLst>
+              <a:ext uri="{28A0092B-C50C-407E-A947-70E740481C1C}">
+                <a14:useLocalDpi xmlns:a14="http://schemas.microsoft.com/office/drawing/2010/main" val="0"/>
+              </a:ext>
+            </a:extLst>
+          </a:blip>
+          <a:srcRect t="5300" r="3" b="6859"/>
+          <a:stretch/>
+        </p:blipFill>
+        <p:spPr>
+          <a:xfrm>
+            <a:off x="8491869" y="4283870"/>
+            <a:ext cx="3700129" cy="2583520"/>
+          </a:xfrm>
+          <a:custGeom>
+            <a:avLst/>
+            <a:gdLst>
+              <a:gd name="connsiteX0" fmla="*/ 0 w 4277884"/>
+              <a:gd name="connsiteY0" fmla="*/ 0 h 2583520"/>
+              <a:gd name="connsiteX1" fmla="*/ 4277884 w 4277884"/>
+              <a:gd name="connsiteY1" fmla="*/ 0 h 2583520"/>
+              <a:gd name="connsiteX2" fmla="*/ 4277884 w 4277884"/>
+              <a:gd name="connsiteY2" fmla="*/ 2583520 h 2583520"/>
+              <a:gd name="connsiteX3" fmla="*/ 1192437 w 4277884"/>
+              <a:gd name="connsiteY3" fmla="*/ 2583520 h 2583520"/>
+              <a:gd name="connsiteX4" fmla="*/ 1188085 w 4277884"/>
+              <a:gd name="connsiteY4" fmla="*/ 2574129 h 2583520"/>
+              <a:gd name="connsiteX5" fmla="*/ 1192715 w 4277884"/>
+              <a:gd name="connsiteY5" fmla="*/ 2574129 h 2583520"/>
+            </a:gdLst>
+            <a:ahLst/>
+            <a:cxnLst>
+              <a:cxn ang="0">
+                <a:pos x="connsiteX0" y="connsiteY0"/>
+              </a:cxn>
+              <a:cxn ang="0">
+                <a:pos x="connsiteX1" y="connsiteY1"/>
+              </a:cxn>
+              <a:cxn ang="0">
+                <a:pos x="connsiteX2" y="connsiteY2"/>
+              </a:cxn>
+              <a:cxn ang="0">
+                <a:pos x="connsiteX3" y="connsiteY3"/>
+              </a:cxn>
+              <a:cxn ang="0">
+                <a:pos x="connsiteX4" y="connsiteY4"/>
+              </a:cxn>
+              <a:cxn ang="0">
+                <a:pos x="connsiteX5" y="connsiteY5"/>
+              </a:cxn>
+            </a:cxnLst>
+            <a:rect l="l" t="t" r="r" b="b"/>
+            <a:pathLst>
+              <a:path w="4277884" h="2583520">
+                <a:moveTo>
+                  <a:pt x="0" y="0"/>
+                </a:moveTo>
+                <a:lnTo>
+                  <a:pt x="4277884" y="0"/>
+                </a:lnTo>
+                <a:lnTo>
+                  <a:pt x="4277884" y="2583520"/>
+                </a:lnTo>
+                <a:lnTo>
+                  <a:pt x="1192437" y="2583520"/>
+                </a:lnTo>
+                <a:lnTo>
+                  <a:pt x="1188085" y="2574129"/>
+                </a:lnTo>
+                <a:lnTo>
+                  <a:pt x="1192715" y="2574129"/>
+                </a:lnTo>
+                <a:close/>
+              </a:path>
+            </a:pathLst>
+          </a:custGeom>
+        </p:spPr>
+      </p:pic>
+      <p:sp>
+        <p:nvSpPr>
+          <p:cNvPr id="6" name="Rectangle 5">
+            <a:extLst>
+              <a:ext uri="{FF2B5EF4-FFF2-40B4-BE49-F238E27FC236}">
+                <a16:creationId xmlns:a16="http://schemas.microsoft.com/office/drawing/2014/main" id="{A2901312-C3C2-4CEC-80EF-823AB4FBB726}"/>
+              </a:ext>
+            </a:extLst>
+          </p:cNvPr>
+          <p:cNvSpPr/>
+          <p:nvPr/>
+        </p:nvSpPr>
+        <p:spPr>
+          <a:xfrm>
+            <a:off x="-1" y="1608918"/>
+            <a:ext cx="12191999" cy="91160"/>
+          </a:xfrm>
+          <a:prstGeom prst="rect">
+            <a:avLst/>
+          </a:prstGeom>
+          <a:solidFill>
+            <a:schemeClr val="bg1"/>
+          </a:solidFill>
+          <a:ln>
+            <a:noFill/>
+          </a:ln>
+        </p:spPr>
+        <p:style>
+          <a:lnRef idx="2">
+            <a:schemeClr val="accent1">
+              <a:shade val="50000"/>
+            </a:schemeClr>
+          </a:lnRef>
+          <a:fillRef idx="1">
+            <a:schemeClr val="accent1"/>
+          </a:fillRef>
+          <a:effectRef idx="0">
+            <a:schemeClr val="accent1"/>
+          </a:effectRef>
+          <a:fontRef idx="minor">
+            <a:schemeClr val="lt1"/>
+          </a:fontRef>
+        </p:style>
+        <p:txBody>
+          <a:bodyPr rtlCol="0" anchor="ctr"/>
+          <a:lstStyle/>
+          <a:p>
+            <a:pPr algn="ctr"/>
+            <a:endParaRPr lang="en-US">
+              <a:solidFill>
+                <a:srgbClr val="DB5B5C"/>
+              </a:solidFill>
+            </a:endParaRPr>
+          </a:p>
+        </p:txBody>
+      </p:sp>
+      <p:sp>
+        <p:nvSpPr>
+          <p:cNvPr id="15" name="Rectangle 14">
+            <a:extLst>
+              <a:ext uri="{FF2B5EF4-FFF2-40B4-BE49-F238E27FC236}">
+                <a16:creationId xmlns:a16="http://schemas.microsoft.com/office/drawing/2014/main" id="{AD0A7C9C-CA2C-4B9B-A125-2D09D5573B44}"/>
+              </a:ext>
+            </a:extLst>
+          </p:cNvPr>
+          <p:cNvSpPr/>
+          <p:nvPr/>
+        </p:nvSpPr>
+        <p:spPr>
+          <a:xfrm>
+            <a:off x="1" y="6677247"/>
+            <a:ext cx="12191999" cy="190143"/>
+          </a:xfrm>
+          <a:prstGeom prst="rect">
+            <a:avLst/>
+          </a:prstGeom>
+          <a:solidFill>
+            <a:schemeClr val="bg1"/>
+          </a:solidFill>
+          <a:ln>
+            <a:noFill/>
+          </a:ln>
+        </p:spPr>
+        <p:style>
+          <a:lnRef idx="2">
+            <a:schemeClr val="accent1">
+              <a:shade val="50000"/>
+            </a:schemeClr>
+          </a:lnRef>
+          <a:fillRef idx="1">
+            <a:schemeClr val="accent1"/>
+          </a:fillRef>
+          <a:effectRef idx="0">
+            <a:schemeClr val="accent1"/>
+          </a:effectRef>
+          <a:fontRef idx="minor">
+            <a:schemeClr val="lt1"/>
+          </a:fontRef>
+        </p:style>
+        <p:txBody>
+          <a:bodyPr rtlCol="0" anchor="ctr"/>
+          <a:lstStyle/>
+          <a:p>
+            <a:pPr algn="ctr"/>
+            <a:endParaRPr lang="en-US">
+              <a:solidFill>
+                <a:srgbClr val="DB5B5C"/>
+              </a:solidFill>
+            </a:endParaRPr>
+          </a:p>
+        </p:txBody>
+      </p:sp>
+      <p:sp>
+        <p:nvSpPr>
+          <p:cNvPr id="16" name="Rectangle 15">
+            <a:extLst>
+              <a:ext uri="{FF2B5EF4-FFF2-40B4-BE49-F238E27FC236}">
+                <a16:creationId xmlns:a16="http://schemas.microsoft.com/office/drawing/2014/main" id="{74A085FC-1866-46D4-97F7-51AA45E48D4F}"/>
+              </a:ext>
+            </a:extLst>
+          </p:cNvPr>
+          <p:cNvSpPr/>
+          <p:nvPr/>
+        </p:nvSpPr>
+        <p:spPr>
+          <a:xfrm rot="4092292">
+            <a:off x="5790668" y="4094517"/>
+            <a:ext cx="5446699" cy="137038"/>
+          </a:xfrm>
+          <a:prstGeom prst="rect">
+            <a:avLst/>
+          </a:prstGeom>
+          <a:solidFill>
+            <a:schemeClr val="bg1"/>
+          </a:solidFill>
+          <a:ln>
+            <a:noFill/>
+          </a:ln>
+        </p:spPr>
+        <p:style>
+          <a:lnRef idx="2">
+            <a:schemeClr val="accent1">
+              <a:shade val="50000"/>
+            </a:schemeClr>
+          </a:lnRef>
+          <a:fillRef idx="1">
+            <a:schemeClr val="accent1"/>
+          </a:fillRef>
+          <a:effectRef idx="0">
+            <a:schemeClr val="accent1"/>
+          </a:effectRef>
+          <a:fontRef idx="minor">
+            <a:schemeClr val="lt1"/>
+          </a:fontRef>
+        </p:style>
+        <p:txBody>
+          <a:bodyPr rtlCol="0" anchor="ctr"/>
+          <a:lstStyle/>
+          <a:p>
+            <a:pPr algn="ctr"/>
+            <a:endParaRPr lang="en-US">
+              <a:solidFill>
+                <a:srgbClr val="DB5B5C"/>
+              </a:solidFill>
+            </a:endParaRPr>
+          </a:p>
+        </p:txBody>
+      </p:sp>
+    </p:spTree>
+    <p:extLst>
+      <p:ext uri="{BB962C8B-B14F-4D97-AF65-F5344CB8AC3E}">
         <p14:creationId xmlns:p14="http://schemas.microsoft.com/office/powerpoint/2010/main" val="866404210"/>
       </p:ext>
     </p:extLst>
@@ -13061,7 +13649,7 @@
 </p:sld>
 </file>
 
-<file path=ppt/slides/slide23.xml><?xml version="1.0" encoding="utf-8"?>
+<file path=ppt/slides/slide24.xml><?xml version="1.0" encoding="utf-8"?>
 <p:sld xmlns:a="http://schemas.openxmlformats.org/drawingml/2006/main" xmlns:r="http://schemas.openxmlformats.org/officeDocument/2006/relationships" xmlns:p="http://schemas.openxmlformats.org/presentationml/2006/main">
   <p:cSld>
     <p:bg>
@@ -16871,7 +17459,7 @@
               <a:rPr lang="en-US" sz="1800" dirty="0">
                 <a:latin typeface="Selawik Semibold" panose="020B0702040204020203" pitchFamily="34" charset="0"/>
               </a:rPr>
-              <a:t>Global Sports Industry $477.8B to $507.69B</a:t>
+              <a:t>Global Sports Industry $470.42B to $495.38B</a:t>
             </a:r>
           </a:p>
           <a:p>
@@ -16880,7 +17468,7 @@
               <a:rPr lang="en-US" sz="1800" dirty="0">
                 <a:latin typeface="Selawik Semibold" panose="020B0702040204020203" pitchFamily="34" charset="0"/>
               </a:rPr>
-              <a:t>Actual CAGR of 6.3% in 2024</a:t>
+              <a:t>Actual CAGR of 5.3%</a:t>
             </a:r>
           </a:p>
           <a:p>
@@ -16889,13 +17477,13 @@
               <a:rPr lang="en-US" sz="1800" dirty="0">
                 <a:latin typeface="Selawik Semibold" panose="020B0702040204020203" pitchFamily="34" charset="0"/>
               </a:rPr>
-              <a:t>Expected to Grow to $635.42B </a:t>
+              <a:t>Expected to Grow to $617.57B </a:t>
             </a:r>
             <a:r>
               <a:rPr lang="en-US" sz="1600" dirty="0">
                 <a:latin typeface="Selawik Semibold" panose="020B0702040204020203" pitchFamily="34" charset="0"/>
               </a:rPr>
-              <a:t>in 2029 (CAGR 5.8%)</a:t>
+              <a:t>in 2029 (CAGR 5.7%)</a:t>
             </a:r>
           </a:p>
           <a:p>
@@ -17491,7 +18079,7 @@
               <a:rPr lang="en-US" sz="1800" dirty="0">
                 <a:latin typeface="Selawik Semibold" panose="020B0702040204020203" pitchFamily="34" charset="0"/>
               </a:rPr>
-              <a:t>Expected CAGR Between 2024 and 2030 is 21.5%</a:t>
+              <a:t>Expected CAGR Between 2025 and 2030 is 20.6%</a:t>
             </a:r>
           </a:p>
           <a:p>
@@ -17957,7 +18545,7 @@
               <a:rPr lang="en-US" sz="2800" dirty="0">
                 <a:latin typeface="Selawik Semibold" panose="020B0702040204020203" pitchFamily="34" charset="0"/>
               </a:rPr>
-              <a:t>$3.52B</a:t>
+              <a:t>$4.47B</a:t>
             </a:r>
           </a:p>
         </p:txBody>
@@ -18079,7 +18667,7 @@
               <a:rPr lang="en-US" sz="4400" dirty="0">
                 <a:latin typeface="Selawik Semibold" panose="020B0702040204020203" pitchFamily="34" charset="0"/>
               </a:rPr>
-              <a:t>$14.38B</a:t>
+              <a:t>$14.49B</a:t>
             </a:r>
           </a:p>
         </p:txBody>
@@ -18243,7 +18831,7 @@
           <a:p>
             <a:r>
               <a:rPr lang="en-US" dirty="0"/>
-              <a:t>2023</a:t>
+              <a:t>2024</a:t>
             </a:r>
           </a:p>
         </p:txBody>
@@ -18283,8 +18871,8 @@
           </a:p>
         </p:txBody>
       </p:sp>
-      <mc:AlternateContent xmlns:mc="http://schemas.openxmlformats.org/markup-compatibility/2006" xmlns:a14="http://schemas.microsoft.com/office/drawing/2010/main">
-        <mc:Choice Requires="a14">
+      <mc:AlternateContent xmlns:mc="http://schemas.openxmlformats.org/markup-compatibility/2006">
+        <mc:Choice xmlns:a14="http://schemas.microsoft.com/office/drawing/2010/main" Requires="a14">
           <p:sp>
             <p:nvSpPr>
               <p:cNvPr id="3" name="TextBox 2">
@@ -18337,7 +18925,7 @@
                       <a:rPr lang="en-US" b="0" i="1" smtClean="0">
                         <a:latin typeface="Cambria Math" panose="02040503050406030204" pitchFamily="18" charset="0"/>
                       </a:rPr>
-                      <m:t> 2030=4.47∗(1+</m:t>
+                      <m:t> 2030=5.68∗(1+</m:t>
                     </m:r>
                     <m:r>
                       <a:rPr lang="en-US" b="0" i="1" smtClean="0">
@@ -18355,19 +18943,19 @@
                       <a:rPr lang="en-US" b="0" i="0" smtClean="0">
                         <a:latin typeface="Cambria Math" panose="02040503050406030204" pitchFamily="18" charset="0"/>
                       </a:rPr>
-                      <m:t>6</m:t>
+                      <m:t>5</m:t>
                     </m:r>
                   </m:oMath>
                 </a14:m>
                 <a:r>
                   <a:rPr lang="en-US" dirty="0"/>
-                  <a:t> =14.38</a:t>
+                  <a:t> =14.49</a:t>
                 </a:r>
               </a:p>
             </p:txBody>
           </p:sp>
         </mc:Choice>
-        <mc:Fallback xmlns="">
+        <mc:Fallback>
           <p:sp>
             <p:nvSpPr>
               <p:cNvPr id="3" name="TextBox 2">
@@ -18485,7 +19073,7 @@
           <a:p>
             <a:r>
               <a:rPr lang="en-US" dirty="0"/>
-              <a:t>2024</a:t>
+              <a:t>2025</a:t>
             </a:r>
           </a:p>
         </p:txBody>
@@ -18561,7 +19149,7 @@
               <a:rPr lang="en-US" sz="2800" dirty="0">
                 <a:latin typeface="Selawik Semibold" panose="020B0702040204020203" pitchFamily="34" charset="0"/>
               </a:rPr>
-              <a:t>$4.47B</a:t>
+              <a:t>$5.68B</a:t>
             </a:r>
           </a:p>
         </p:txBody>

--- a/Slides/Sports Analytics 3/Sports_Analytics_3_Lecture.pptx
+++ b/Slides/Sports Analytics 3/Sports_Analytics_3_Lecture.pptx
@@ -220,7 +220,7 @@
           <a:p>
             <a:fld id="{C04E5E84-956F-4423-97B3-5936A6D8EEEE}" type="datetimeFigureOut">
               <a:rPr lang="en-US" smtClean="0"/>
-              <a:t>8/25/2025</a:t>
+              <a:t>8/28/2025</a:t>
             </a:fld>
             <a:endParaRPr lang="en-US"/>
           </a:p>
@@ -634,7 +634,7 @@
           <a:p>
             <a:fld id="{3881C039-66A3-4640-815B-3B5A8B7D868D}" type="datetimeFigureOut">
               <a:rPr lang="en-US" smtClean="0"/>
-              <a:t>8/25/2025</a:t>
+              <a:t>8/28/2025</a:t>
             </a:fld>
             <a:endParaRPr lang="en-US"/>
           </a:p>
@@ -832,7 +832,7 @@
           <a:p>
             <a:fld id="{3881C039-66A3-4640-815B-3B5A8B7D868D}" type="datetimeFigureOut">
               <a:rPr lang="en-US" smtClean="0"/>
-              <a:t>8/25/2025</a:t>
+              <a:t>8/28/2025</a:t>
             </a:fld>
             <a:endParaRPr lang="en-US"/>
           </a:p>
@@ -1040,7 +1040,7 @@
           <a:p>
             <a:fld id="{3881C039-66A3-4640-815B-3B5A8B7D868D}" type="datetimeFigureOut">
               <a:rPr lang="en-US" smtClean="0"/>
-              <a:t>8/25/2025</a:t>
+              <a:t>8/28/2025</a:t>
             </a:fld>
             <a:endParaRPr lang="en-US"/>
           </a:p>
@@ -1238,7 +1238,7 @@
           <a:p>
             <a:fld id="{3881C039-66A3-4640-815B-3B5A8B7D868D}" type="datetimeFigureOut">
               <a:rPr lang="en-US" smtClean="0"/>
-              <a:t>8/25/2025</a:t>
+              <a:t>8/28/2025</a:t>
             </a:fld>
             <a:endParaRPr lang="en-US"/>
           </a:p>
@@ -1513,7 +1513,7 @@
           <a:p>
             <a:fld id="{3881C039-66A3-4640-815B-3B5A8B7D868D}" type="datetimeFigureOut">
               <a:rPr lang="en-US" smtClean="0"/>
-              <a:t>8/25/2025</a:t>
+              <a:t>8/28/2025</a:t>
             </a:fld>
             <a:endParaRPr lang="en-US"/>
           </a:p>
@@ -1778,7 +1778,7 @@
           <a:p>
             <a:fld id="{3881C039-66A3-4640-815B-3B5A8B7D868D}" type="datetimeFigureOut">
               <a:rPr lang="en-US" smtClean="0"/>
-              <a:t>8/25/2025</a:t>
+              <a:t>8/28/2025</a:t>
             </a:fld>
             <a:endParaRPr lang="en-US"/>
           </a:p>
@@ -2190,7 +2190,7 @@
           <a:p>
             <a:fld id="{3881C039-66A3-4640-815B-3B5A8B7D868D}" type="datetimeFigureOut">
               <a:rPr lang="en-US" smtClean="0"/>
-              <a:t>8/25/2025</a:t>
+              <a:t>8/28/2025</a:t>
             </a:fld>
             <a:endParaRPr lang="en-US"/>
           </a:p>
@@ -2331,7 +2331,7 @@
           <a:p>
             <a:fld id="{3881C039-66A3-4640-815B-3B5A8B7D868D}" type="datetimeFigureOut">
               <a:rPr lang="en-US" smtClean="0"/>
-              <a:t>8/25/2025</a:t>
+              <a:t>8/28/2025</a:t>
             </a:fld>
             <a:endParaRPr lang="en-US"/>
           </a:p>
@@ -2444,7 +2444,7 @@
           <a:p>
             <a:fld id="{3881C039-66A3-4640-815B-3B5A8B7D868D}" type="datetimeFigureOut">
               <a:rPr lang="en-US" smtClean="0"/>
-              <a:t>8/25/2025</a:t>
+              <a:t>8/28/2025</a:t>
             </a:fld>
             <a:endParaRPr lang="en-US"/>
           </a:p>
@@ -2755,7 +2755,7 @@
           <a:p>
             <a:fld id="{3881C039-66A3-4640-815B-3B5A8B7D868D}" type="datetimeFigureOut">
               <a:rPr lang="en-US" smtClean="0"/>
-              <a:t>8/25/2025</a:t>
+              <a:t>8/28/2025</a:t>
             </a:fld>
             <a:endParaRPr lang="en-US"/>
           </a:p>
@@ -3043,7 +3043,7 @@
           <a:p>
             <a:fld id="{3881C039-66A3-4640-815B-3B5A8B7D868D}" type="datetimeFigureOut">
               <a:rPr lang="en-US" smtClean="0"/>
-              <a:t>8/25/2025</a:t>
+              <a:t>8/28/2025</a:t>
             </a:fld>
             <a:endParaRPr lang="en-US"/>
           </a:p>
@@ -3287,7 +3287,7 @@
           <a:p>
             <a:fld id="{3881C039-66A3-4640-815B-3B5A8B7D868D}" type="datetimeFigureOut">
               <a:rPr lang="en-US" smtClean="0"/>
-              <a:t>8/25/2025</a:t>
+              <a:t>8/28/2025</a:t>
             </a:fld>
             <a:endParaRPr lang="en-US"/>
           </a:p>
@@ -5980,15 +5980,27 @@
           <a:p>
             <a:pPr lvl="2"/>
             <a:r>
+              <a:rPr lang="en-US" sz="1600" dirty="0" err="1">
+                <a:latin typeface="Selawik Semibold" panose="020B0702040204020203" pitchFamily="34" charset="0"/>
+              </a:rPr>
+              <a:t>Aercont</a:t>
+            </a:r>
+            <a:r>
               <a:rPr lang="en-US" sz="1600" dirty="0">
                 <a:latin typeface="Selawik Semibold" panose="020B0702040204020203" pitchFamily="34" charset="0"/>
               </a:rPr>
-              <a:t>SAS Institute Inc.</a:t>
+              <a:t> Vision Coaster LLC</a:t>
             </a:r>
           </a:p>
           <a:p>
             <a:pPr lvl="2"/>
             <a:r>
+              <a:rPr lang="en-US" sz="1600" dirty="0">
+                <a:latin typeface="Selawik Semibold" panose="020B0702040204020203" pitchFamily="34" charset="0"/>
+              </a:rPr>
+              <a:t>The </a:t>
+            </a:r>
+            <a:r>
               <a:rPr lang="en-US" sz="1600" dirty="0" err="1">
                 <a:latin typeface="Selawik Semibold" panose="020B0702040204020203" pitchFamily="34" charset="0"/>
               </a:rPr>
@@ -5998,17 +6010,20 @@
               <a:rPr lang="en-US" sz="1600" dirty="0">
                 <a:latin typeface="Selawik Semibold" panose="020B0702040204020203" pitchFamily="34" charset="0"/>
               </a:rPr>
-              <a:t> AG</a:t>
+              <a:t> Group</a:t>
             </a:r>
           </a:p>
           <a:p>
             <a:pPr lvl="2"/>
             <a:r>
-              <a:rPr lang="en-US" sz="1600" dirty="0">
-                <a:latin typeface="Selawik Semibold" panose="020B0702040204020203" pitchFamily="34" charset="0"/>
-              </a:rPr>
-              <a:t>Stats Perform</a:t>
-            </a:r>
+              <a:rPr lang="en-US" sz="1600">
+                <a:latin typeface="Selawik Semibold" panose="020B0702040204020203" pitchFamily="34" charset="0"/>
+              </a:rPr>
+              <a:t>Stats LLC</a:t>
+            </a:r>
+            <a:endParaRPr lang="en-US" sz="1600" dirty="0">
+              <a:latin typeface="Selawik Semibold" panose="020B0702040204020203" pitchFamily="34" charset="0"/>
+            </a:endParaRPr>
           </a:p>
           <a:p>
             <a:pPr lvl="1"/>
@@ -8270,8 +8285,8 @@
           </a:p>
         </p:txBody>
       </p:sp>
-      <mc:AlternateContent xmlns:mc="http://schemas.openxmlformats.org/markup-compatibility/2006">
-        <mc:Choice xmlns:a14="http://schemas.microsoft.com/office/drawing/2010/main" Requires="a14">
+      <mc:AlternateContent xmlns:mc="http://schemas.openxmlformats.org/markup-compatibility/2006" xmlns:a14="http://schemas.microsoft.com/office/drawing/2010/main">
+        <mc:Choice Requires="a14">
           <p:sp>
             <p:nvSpPr>
               <p:cNvPr id="3" name="TextBox 2">
@@ -8353,13 +8368,7 @@
                                 <a:rPr lang="en-US" b="0" i="1" smtClean="0">
                                   <a:latin typeface="Cambria Math" panose="02040503050406030204" pitchFamily="18" charset="0"/>
                                 </a:rPr>
-                                <m:t>1+0.10</m:t>
-                              </m:r>
-                              <m:r>
-                                <a:rPr lang="en-US" b="0" i="1" smtClean="0">
-                                  <a:latin typeface="Cambria Math" panose="02040503050406030204" pitchFamily="18" charset="0"/>
-                                </a:rPr>
-                                <m:t>9</m:t>
+                                <m:t>1+0.109</m:t>
                               </m:r>
                             </m:e>
                           </m:d>
@@ -8377,13 +8386,7 @@
                         <a:rPr lang="en-US" b="0" i="0" smtClean="0">
                           <a:latin typeface="Cambria Math" panose="02040503050406030204" pitchFamily="18" charset="0"/>
                         </a:rPr>
-                        <m:t>=$</m:t>
-                      </m:r>
-                      <m:r>
-                        <a:rPr lang="en-US" b="0" i="0" smtClean="0">
-                          <a:latin typeface="Cambria Math" panose="02040503050406030204" pitchFamily="18" charset="0"/>
-                        </a:rPr>
-                        <m:t>33.15</m:t>
+                        <m:t>=$33.15</m:t>
                       </m:r>
                       <m:r>
                         <m:rPr>
@@ -8402,7 +8405,7 @@
             </p:txBody>
           </p:sp>
         </mc:Choice>
-        <mc:Fallback>
+        <mc:Fallback xmlns="">
           <p:sp>
             <p:nvSpPr>
               <p:cNvPr id="3" name="TextBox 2">
@@ -18871,8 +18874,8 @@
           </a:p>
         </p:txBody>
       </p:sp>
-      <mc:AlternateContent xmlns:mc="http://schemas.openxmlformats.org/markup-compatibility/2006">
-        <mc:Choice xmlns:a14="http://schemas.microsoft.com/office/drawing/2010/main" Requires="a14">
+      <mc:AlternateContent xmlns:mc="http://schemas.openxmlformats.org/markup-compatibility/2006" xmlns:a14="http://schemas.microsoft.com/office/drawing/2010/main">
+        <mc:Choice Requires="a14">
           <p:sp>
             <p:nvSpPr>
               <p:cNvPr id="3" name="TextBox 2">
@@ -18955,7 +18958,7 @@
             </p:txBody>
           </p:sp>
         </mc:Choice>
-        <mc:Fallback>
+        <mc:Fallback xmlns="">
           <p:sp>
             <p:nvSpPr>
               <p:cNvPr id="3" name="TextBox 2">

--- a/Slides/Sports Analytics 3/Sports_Analytics_3_Lecture.pptx
+++ b/Slides/Sports Analytics 3/Sports_Analytics_3_Lecture.pptx
@@ -5,7 +5,7 @@
     <p:sldMasterId id="2147483648" r:id="rId1"/>
   </p:sldMasterIdLst>
   <p:notesMasterIdLst>
-    <p:notesMasterId r:id="rId26"/>
+    <p:notesMasterId r:id="rId25"/>
   </p:notesMasterIdLst>
   <p:sldIdLst>
     <p:sldId id="256" r:id="rId2"/>
@@ -17,21 +17,20 @@
     <p:sldId id="316" r:id="rId8"/>
     <p:sldId id="307" r:id="rId9"/>
     <p:sldId id="257" r:id="rId10"/>
-    <p:sldId id="308" r:id="rId11"/>
-    <p:sldId id="309" r:id="rId12"/>
-    <p:sldId id="310" r:id="rId13"/>
-    <p:sldId id="311" r:id="rId14"/>
-    <p:sldId id="301" r:id="rId15"/>
-    <p:sldId id="286" r:id="rId16"/>
-    <p:sldId id="287" r:id="rId17"/>
-    <p:sldId id="290" r:id="rId18"/>
-    <p:sldId id="317" r:id="rId19"/>
-    <p:sldId id="289" r:id="rId20"/>
-    <p:sldId id="318" r:id="rId21"/>
-    <p:sldId id="319" r:id="rId22"/>
-    <p:sldId id="320" r:id="rId23"/>
-    <p:sldId id="296" r:id="rId24"/>
-    <p:sldId id="281" r:id="rId25"/>
+    <p:sldId id="309" r:id="rId11"/>
+    <p:sldId id="310" r:id="rId12"/>
+    <p:sldId id="311" r:id="rId13"/>
+    <p:sldId id="301" r:id="rId14"/>
+    <p:sldId id="286" r:id="rId15"/>
+    <p:sldId id="287" r:id="rId16"/>
+    <p:sldId id="290" r:id="rId17"/>
+    <p:sldId id="317" r:id="rId18"/>
+    <p:sldId id="289" r:id="rId19"/>
+    <p:sldId id="318" r:id="rId20"/>
+    <p:sldId id="319" r:id="rId21"/>
+    <p:sldId id="320" r:id="rId22"/>
+    <p:sldId id="296" r:id="rId23"/>
+    <p:sldId id="281" r:id="rId24"/>
   </p:sldIdLst>
   <p:sldSz cx="12192000" cy="6858000"/>
   <p:notesSz cx="6858000" cy="9144000"/>
@@ -220,7 +219,7 @@
           <a:p>
             <a:fld id="{C04E5E84-956F-4423-97B3-5936A6D8EEEE}" type="datetimeFigureOut">
               <a:rPr lang="en-US" smtClean="0"/>
-              <a:t>8/28/2025</a:t>
+              <a:t>9/2/2025</a:t>
             </a:fld>
             <a:endParaRPr lang="en-US"/>
           </a:p>
@@ -634,7 +633,7 @@
           <a:p>
             <a:fld id="{3881C039-66A3-4640-815B-3B5A8B7D868D}" type="datetimeFigureOut">
               <a:rPr lang="en-US" smtClean="0"/>
-              <a:t>8/28/2025</a:t>
+              <a:t>9/2/2025</a:t>
             </a:fld>
             <a:endParaRPr lang="en-US"/>
           </a:p>
@@ -832,7 +831,7 @@
           <a:p>
             <a:fld id="{3881C039-66A3-4640-815B-3B5A8B7D868D}" type="datetimeFigureOut">
               <a:rPr lang="en-US" smtClean="0"/>
-              <a:t>8/28/2025</a:t>
+              <a:t>9/2/2025</a:t>
             </a:fld>
             <a:endParaRPr lang="en-US"/>
           </a:p>
@@ -1040,7 +1039,7 @@
           <a:p>
             <a:fld id="{3881C039-66A3-4640-815B-3B5A8B7D868D}" type="datetimeFigureOut">
               <a:rPr lang="en-US" smtClean="0"/>
-              <a:t>8/28/2025</a:t>
+              <a:t>9/2/2025</a:t>
             </a:fld>
             <a:endParaRPr lang="en-US"/>
           </a:p>
@@ -1238,7 +1237,7 @@
           <a:p>
             <a:fld id="{3881C039-66A3-4640-815B-3B5A8B7D868D}" type="datetimeFigureOut">
               <a:rPr lang="en-US" smtClean="0"/>
-              <a:t>8/28/2025</a:t>
+              <a:t>9/2/2025</a:t>
             </a:fld>
             <a:endParaRPr lang="en-US"/>
           </a:p>
@@ -1513,7 +1512,7 @@
           <a:p>
             <a:fld id="{3881C039-66A3-4640-815B-3B5A8B7D868D}" type="datetimeFigureOut">
               <a:rPr lang="en-US" smtClean="0"/>
-              <a:t>8/28/2025</a:t>
+              <a:t>9/2/2025</a:t>
             </a:fld>
             <a:endParaRPr lang="en-US"/>
           </a:p>
@@ -1778,7 +1777,7 @@
           <a:p>
             <a:fld id="{3881C039-66A3-4640-815B-3B5A8B7D868D}" type="datetimeFigureOut">
               <a:rPr lang="en-US" smtClean="0"/>
-              <a:t>8/28/2025</a:t>
+              <a:t>9/2/2025</a:t>
             </a:fld>
             <a:endParaRPr lang="en-US"/>
           </a:p>
@@ -2190,7 +2189,7 @@
           <a:p>
             <a:fld id="{3881C039-66A3-4640-815B-3B5A8B7D868D}" type="datetimeFigureOut">
               <a:rPr lang="en-US" smtClean="0"/>
-              <a:t>8/28/2025</a:t>
+              <a:t>9/2/2025</a:t>
             </a:fld>
             <a:endParaRPr lang="en-US"/>
           </a:p>
@@ -2331,7 +2330,7 @@
           <a:p>
             <a:fld id="{3881C039-66A3-4640-815B-3B5A8B7D868D}" type="datetimeFigureOut">
               <a:rPr lang="en-US" smtClean="0"/>
-              <a:t>8/28/2025</a:t>
+              <a:t>9/2/2025</a:t>
             </a:fld>
             <a:endParaRPr lang="en-US"/>
           </a:p>
@@ -2444,7 +2443,7 @@
           <a:p>
             <a:fld id="{3881C039-66A3-4640-815B-3B5A8B7D868D}" type="datetimeFigureOut">
               <a:rPr lang="en-US" smtClean="0"/>
-              <a:t>8/28/2025</a:t>
+              <a:t>9/2/2025</a:t>
             </a:fld>
             <a:endParaRPr lang="en-US"/>
           </a:p>
@@ -2755,7 +2754,7 @@
           <a:p>
             <a:fld id="{3881C039-66A3-4640-815B-3B5A8B7D868D}" type="datetimeFigureOut">
               <a:rPr lang="en-US" smtClean="0"/>
-              <a:t>8/28/2025</a:t>
+              <a:t>9/2/2025</a:t>
             </a:fld>
             <a:endParaRPr lang="en-US"/>
           </a:p>
@@ -3043,7 +3042,7 @@
           <a:p>
             <a:fld id="{3881C039-66A3-4640-815B-3B5A8B7D868D}" type="datetimeFigureOut">
               <a:rPr lang="en-US" smtClean="0"/>
-              <a:t>8/28/2025</a:t>
+              <a:t>9/2/2025</a:t>
             </a:fld>
             <a:endParaRPr lang="en-US"/>
           </a:p>
@@ -3287,7 +3286,7 @@
           <a:p>
             <a:fld id="{3881C039-66A3-4640-815B-3B5A8B7D868D}" type="datetimeFigureOut">
               <a:rPr lang="en-US" smtClean="0"/>
-              <a:t>8/28/2025</a:t>
+              <a:t>9/2/2025</a:t>
             </a:fld>
             <a:endParaRPr lang="en-US"/>
           </a:p>
@@ -4447,15 +4446,15 @@
       </p:sp>
       <p:pic>
         <p:nvPicPr>
-          <p:cNvPr id="7" name="Picture 6" descr="A graph of sales growth&#10;&#10;Description automatically generated with medium confidence">
-            <a:extLst>
-              <a:ext uri="{FF2B5EF4-FFF2-40B4-BE49-F238E27FC236}">
-                <a16:creationId xmlns:a16="http://schemas.microsoft.com/office/drawing/2014/main" id="{175123E2-E2BE-20BB-7F0E-324053E243D4}"/>
+          <p:cNvPr id="1026" name="Picture 2" descr="Sports Analytics Market Share, By End-use, 2024 (%)">
+            <a:extLst>
+              <a:ext uri="{FF2B5EF4-FFF2-40B4-BE49-F238E27FC236}">
+                <a16:creationId xmlns:a16="http://schemas.microsoft.com/office/drawing/2014/main" id="{8BCD257A-50E1-9619-45CA-46AF5607E2B4}"/>
               </a:ext>
             </a:extLst>
           </p:cNvPr>
           <p:cNvPicPr>
-            <a:picLocks noChangeAspect="1"/>
+            <a:picLocks noChangeAspect="1" noChangeArrowheads="1"/>
           </p:cNvPicPr>
           <p:nvPr/>
         </p:nvPicPr>
@@ -4467,24 +4466,35 @@
               </a:ext>
             </a:extLst>
           </a:blip>
+          <a:srcRect/>
           <a:stretch>
             <a:fillRect/>
           </a:stretch>
         </p:blipFill>
-        <p:spPr>
-          <a:xfrm>
-            <a:off x="974990" y="3135787"/>
-            <a:ext cx="6990568" cy="3651790"/>
+        <p:spPr bwMode="auto">
+          <a:xfrm>
+            <a:off x="1317769" y="3202651"/>
+            <a:ext cx="6381750" cy="3333750"/>
           </a:xfrm>
           <a:prstGeom prst="rect">
             <a:avLst/>
           </a:prstGeom>
+          <a:noFill/>
+          <a:extLst>
+            <a:ext uri="{909E8E84-426E-40DD-AFC4-6F175D3DCCD1}">
+              <a14:hiddenFill xmlns:a14="http://schemas.microsoft.com/office/drawing/2010/main">
+                <a:solidFill>
+                  <a:srgbClr val="FFFFFF"/>
+                </a:solidFill>
+              </a14:hiddenFill>
+            </a:ext>
+          </a:extLst>
         </p:spPr>
       </p:pic>
     </p:spTree>
     <p:extLst>
       <p:ext uri="{BB962C8B-B14F-4D97-AF65-F5344CB8AC3E}">
-        <p14:creationId xmlns:p14="http://schemas.microsoft.com/office/powerpoint/2010/main" val="3900949920"/>
+        <p14:creationId xmlns:p14="http://schemas.microsoft.com/office/powerpoint/2010/main" val="1911867235"/>
       </p:ext>
     </p:extLst>
   </p:cSld>
@@ -5042,10 +5052,10 @@
       </p:sp>
       <p:pic>
         <p:nvPicPr>
-          <p:cNvPr id="1026" name="Picture 2" descr="Sports Analytics Market Share, By End-use, 2024 (%)">
-            <a:extLst>
-              <a:ext uri="{FF2B5EF4-FFF2-40B4-BE49-F238E27FC236}">
-                <a16:creationId xmlns:a16="http://schemas.microsoft.com/office/drawing/2014/main" id="{8BCD257A-50E1-9619-45CA-46AF5607E2B4}"/>
+          <p:cNvPr id="2050" name="Picture 2" descr="Sports Analytics Market Trends, by Region, 2025 - 2030">
+            <a:extLst>
+              <a:ext uri="{FF2B5EF4-FFF2-40B4-BE49-F238E27FC236}">
+                <a16:creationId xmlns:a16="http://schemas.microsoft.com/office/drawing/2014/main" id="{1C2266A0-83E8-1F8D-1201-4404A7534AEE}"/>
               </a:ext>
             </a:extLst>
           </p:cNvPr>
@@ -5069,7 +5079,7 @@
         </p:blipFill>
         <p:spPr bwMode="auto">
           <a:xfrm>
-            <a:off x="1317769" y="3202651"/>
+            <a:off x="1216692" y="3236106"/>
             <a:ext cx="6381750" cy="3333750"/>
           </a:xfrm>
           <a:prstGeom prst="rect">
@@ -5090,7 +5100,7 @@
     </p:spTree>
     <p:extLst>
       <p:ext uri="{BB962C8B-B14F-4D97-AF65-F5344CB8AC3E}">
-        <p14:creationId xmlns:p14="http://schemas.microsoft.com/office/powerpoint/2010/main" val="1911867235"/>
+        <p14:creationId xmlns:p14="http://schemas.microsoft.com/office/powerpoint/2010/main" val="3300266217"/>
       </p:ext>
     </p:extLst>
   </p:cSld>
@@ -5249,7 +5259,7 @@
         </p:spPr>
         <p:txBody>
           <a:bodyPr>
-            <a:normAutofit/>
+            <a:normAutofit lnSpcReduction="10000"/>
           </a:bodyPr>
           <a:lstStyle/>
           <a:p>
@@ -5279,10 +5289,143 @@
             </a:r>
           </a:p>
           <a:p>
-            <a:pPr marL="457200" lvl="1" indent="0">
-              <a:buNone/>
-            </a:pPr>
-            <a:endParaRPr lang="en-US" sz="2000" dirty="0">
+            <a:pPr lvl="2"/>
+            <a:r>
+              <a:rPr lang="en-US" sz="1600" dirty="0">
+                <a:latin typeface="Selawik Semibold" panose="020B0702040204020203" pitchFamily="34" charset="0"/>
+              </a:rPr>
+              <a:t>Agile Sports Analytics, LLC</a:t>
+            </a:r>
+          </a:p>
+          <a:p>
+            <a:pPr lvl="2"/>
+            <a:r>
+              <a:rPr lang="en-US" sz="1600" dirty="0">
+                <a:latin typeface="Selawik Semibold" panose="020B0702040204020203" pitchFamily="34" charset="0"/>
+              </a:rPr>
+              <a:t>Catapult Sports</a:t>
+            </a:r>
+          </a:p>
+          <a:p>
+            <a:pPr lvl="2"/>
+            <a:r>
+              <a:rPr lang="en-US" sz="1600" dirty="0" err="1">
+                <a:latin typeface="Selawik Semibold" panose="020B0702040204020203" pitchFamily="34" charset="0"/>
+              </a:rPr>
+              <a:t>ChrynoHego</a:t>
+            </a:r>
+            <a:r>
+              <a:rPr lang="en-US" sz="1600" dirty="0">
+                <a:latin typeface="Selawik Semibold" panose="020B0702040204020203" pitchFamily="34" charset="0"/>
+              </a:rPr>
+              <a:t> Corporation</a:t>
+            </a:r>
+          </a:p>
+          <a:p>
+            <a:pPr lvl="2"/>
+            <a:r>
+              <a:rPr lang="en-US" sz="1600" dirty="0">
+                <a:latin typeface="Selawik Semibold" panose="020B0702040204020203" pitchFamily="34" charset="0"/>
+              </a:rPr>
+              <a:t>Deltatre</a:t>
+            </a:r>
+          </a:p>
+          <a:p>
+            <a:pPr lvl="2"/>
+            <a:r>
+              <a:rPr lang="en-US" sz="1600" dirty="0" err="1">
+                <a:latin typeface="Selawik Semibold" panose="020B0702040204020203" pitchFamily="34" charset="0"/>
+              </a:rPr>
+              <a:t>Experfy</a:t>
+            </a:r>
+            <a:r>
+              <a:rPr lang="en-US" sz="1600" dirty="0">
+                <a:latin typeface="Selawik Semibold" panose="020B0702040204020203" pitchFamily="34" charset="0"/>
+              </a:rPr>
+              <a:t> Inc. </a:t>
+            </a:r>
+          </a:p>
+          <a:p>
+            <a:pPr lvl="2"/>
+            <a:r>
+              <a:rPr lang="en-US" sz="1600" dirty="0">
+                <a:latin typeface="Selawik Semibold" panose="020B0702040204020203" pitchFamily="34" charset="0"/>
+              </a:rPr>
+              <a:t>Genius Sports Group</a:t>
+            </a:r>
+          </a:p>
+          <a:p>
+            <a:pPr lvl="2"/>
+            <a:r>
+              <a:rPr lang="en-US" sz="1600" dirty="0">
+                <a:latin typeface="Selawik Semibold" panose="020B0702040204020203" pitchFamily="34" charset="0"/>
+              </a:rPr>
+              <a:t>IBM Corporation</a:t>
+            </a:r>
+          </a:p>
+          <a:p>
+            <a:pPr lvl="2"/>
+            <a:r>
+              <a:rPr lang="en-US" sz="1600" dirty="0">
+                <a:latin typeface="Selawik Semibold" panose="020B0702040204020203" pitchFamily="34" charset="0"/>
+              </a:rPr>
+              <a:t>Oracle Corporation</a:t>
+            </a:r>
+          </a:p>
+          <a:p>
+            <a:pPr lvl="2"/>
+            <a:r>
+              <a:rPr lang="en-US" sz="1600" dirty="0">
+                <a:latin typeface="Selawik Semibold" panose="020B0702040204020203" pitchFamily="34" charset="0"/>
+              </a:rPr>
+              <a:t>SAP SE</a:t>
+            </a:r>
+          </a:p>
+          <a:p>
+            <a:pPr lvl="2"/>
+            <a:r>
+              <a:rPr lang="en-US" sz="1600" dirty="0" err="1">
+                <a:latin typeface="Selawik Semibold" panose="020B0702040204020203" pitchFamily="34" charset="0"/>
+              </a:rPr>
+              <a:t>Aercont</a:t>
+            </a:r>
+            <a:r>
+              <a:rPr lang="en-US" sz="1600" dirty="0">
+                <a:latin typeface="Selawik Semibold" panose="020B0702040204020203" pitchFamily="34" charset="0"/>
+              </a:rPr>
+              <a:t> Vision Coaster LLC</a:t>
+            </a:r>
+          </a:p>
+          <a:p>
+            <a:pPr lvl="2"/>
+            <a:r>
+              <a:rPr lang="en-US" sz="1600" dirty="0">
+                <a:latin typeface="Selawik Semibold" panose="020B0702040204020203" pitchFamily="34" charset="0"/>
+              </a:rPr>
+              <a:t>The </a:t>
+            </a:r>
+            <a:r>
+              <a:rPr lang="en-US" sz="1600" dirty="0" err="1">
+                <a:latin typeface="Selawik Semibold" panose="020B0702040204020203" pitchFamily="34" charset="0"/>
+              </a:rPr>
+              <a:t>Sportradar</a:t>
+            </a:r>
+            <a:r>
+              <a:rPr lang="en-US" sz="1600" dirty="0">
+                <a:latin typeface="Selawik Semibold" panose="020B0702040204020203" pitchFamily="34" charset="0"/>
+              </a:rPr>
+              <a:t> Group</a:t>
+            </a:r>
+          </a:p>
+          <a:p>
+            <a:pPr lvl="2"/>
+            <a:r>
+              <a:rPr lang="en-US" sz="1600">
+                <a:latin typeface="Selawik Semibold" panose="020B0702040204020203" pitchFamily="34" charset="0"/>
+              </a:rPr>
+              <a:t>Stats LLC</a:t>
+            </a:r>
+            <a:endParaRPr lang="en-US" sz="1600" dirty="0">
               <a:latin typeface="Selawik Semibold" panose="020B0702040204020203" pitchFamily="34" charset="0"/>
             </a:endParaRPr>
           </a:p>
@@ -5646,57 +5789,10 @@
           </a:p>
         </p:txBody>
       </p:sp>
-      <p:pic>
-        <p:nvPicPr>
-          <p:cNvPr id="2050" name="Picture 2" descr="Sports Analytics Market Trends, by Region, 2025 - 2030">
-            <a:extLst>
-              <a:ext uri="{FF2B5EF4-FFF2-40B4-BE49-F238E27FC236}">
-                <a16:creationId xmlns:a16="http://schemas.microsoft.com/office/drawing/2014/main" id="{1C2266A0-83E8-1F8D-1201-4404A7534AEE}"/>
-              </a:ext>
-            </a:extLst>
-          </p:cNvPr>
-          <p:cNvPicPr>
-            <a:picLocks noChangeAspect="1" noChangeArrowheads="1"/>
-          </p:cNvPicPr>
-          <p:nvPr/>
-        </p:nvPicPr>
-        <p:blipFill>
-          <a:blip r:embed="rId4">
-            <a:extLst>
-              <a:ext uri="{28A0092B-C50C-407E-A947-70E740481C1C}">
-                <a14:useLocalDpi xmlns:a14="http://schemas.microsoft.com/office/drawing/2010/main" val="0"/>
-              </a:ext>
-            </a:extLst>
-          </a:blip>
-          <a:srcRect/>
-          <a:stretch>
-            <a:fillRect/>
-          </a:stretch>
-        </p:blipFill>
-        <p:spPr bwMode="auto">
-          <a:xfrm>
-            <a:off x="1216692" y="3236106"/>
-            <a:ext cx="6381750" cy="3333750"/>
-          </a:xfrm>
-          <a:prstGeom prst="rect">
-            <a:avLst/>
-          </a:prstGeom>
-          <a:noFill/>
-          <a:extLst>
-            <a:ext uri="{909E8E84-426E-40DD-AFC4-6F175D3DCCD1}">
-              <a14:hiddenFill xmlns:a14="http://schemas.microsoft.com/office/drawing/2010/main">
-                <a:solidFill>
-                  <a:srgbClr val="FFFFFF"/>
-                </a:solidFill>
-              </a14:hiddenFill>
-            </a:ext>
-          </a:extLst>
-        </p:spPr>
-      </p:pic>
     </p:spTree>
     <p:extLst>
       <p:ext uri="{BB962C8B-B14F-4D97-AF65-F5344CB8AC3E}">
-        <p14:creationId xmlns:p14="http://schemas.microsoft.com/office/powerpoint/2010/main" val="3300266217"/>
+        <p14:creationId xmlns:p14="http://schemas.microsoft.com/office/powerpoint/2010/main" val="135951548"/>
       </p:ext>
     </p:extLst>
   </p:cSld>
@@ -5849,8 +5945,8 @@
         </p:nvSpPr>
         <p:spPr>
           <a:xfrm>
-            <a:off x="838199" y="2021249"/>
-            <a:ext cx="7138737" cy="4155713"/>
+            <a:off x="838199" y="2021247"/>
+            <a:ext cx="8449850" cy="4787067"/>
           </a:xfrm>
         </p:spPr>
         <p:txBody>
@@ -5863,183 +5959,142 @@
               <a:rPr lang="en-US" sz="2400" dirty="0">
                 <a:latin typeface="Selawik Semibold" panose="020B0702040204020203" pitchFamily="34" charset="0"/>
               </a:rPr>
-              <a:t>Value Placed on Sports Analytics</a:t>
-            </a:r>
-            <a:endParaRPr lang="en-US" sz="2000" dirty="0">
+              <a:t>Modern Applications of Sports Analytics </a:t>
+            </a:r>
+          </a:p>
+          <a:p>
+            <a:pPr lvl="1"/>
+            <a:r>
+              <a:rPr lang="en-US" sz="2000" dirty="0">
+                <a:latin typeface="Selawik Semibold" panose="020B0702040204020203" pitchFamily="34" charset="0"/>
+              </a:rPr>
+              <a:t>Forbes Article from 2021 by </a:t>
+            </a:r>
+            <a:r>
+              <a:rPr lang="en-US" sz="2000" dirty="0" err="1">
+                <a:latin typeface="Selawik Semibold" panose="020B0702040204020203" pitchFamily="34" charset="0"/>
+              </a:rPr>
+              <a:t>Abhas</a:t>
+            </a:r>
+            <a:r>
+              <a:rPr lang="en-US" sz="2000" dirty="0">
+                <a:latin typeface="Selawik Semibold" panose="020B0702040204020203" pitchFamily="34" charset="0"/>
+              </a:rPr>
+              <a:t> Ricky</a:t>
+            </a:r>
+          </a:p>
+          <a:p>
+            <a:pPr marL="457200" lvl="1" indent="0">
+              <a:buNone/>
+            </a:pPr>
+            <a:r>
+              <a:rPr lang="en-US" sz="2000" dirty="0">
+                <a:latin typeface="Selawik Semibold" panose="020B0702040204020203" pitchFamily="34" charset="0"/>
+              </a:rPr>
+              <a:t> </a:t>
+            </a:r>
+          </a:p>
+          <a:p>
+            <a:pPr lvl="1"/>
+            <a:r>
+              <a:rPr lang="en-US" sz="2000" dirty="0">
+                <a:latin typeface="Selawik Semibold" panose="020B0702040204020203" pitchFamily="34" charset="0"/>
+              </a:rPr>
+              <a:t>Helping the Team Win</a:t>
+            </a:r>
+          </a:p>
+          <a:p>
+            <a:pPr lvl="2"/>
+            <a:r>
+              <a:rPr lang="en-US" sz="1800" dirty="0">
+                <a:latin typeface="Selawik Semibold" panose="020B0702040204020203" pitchFamily="34" charset="0"/>
+              </a:rPr>
+              <a:t>Automated Video Analysis (Lincoln City, UK Football)</a:t>
+            </a:r>
+          </a:p>
+          <a:p>
+            <a:pPr lvl="2"/>
+            <a:r>
+              <a:rPr lang="en-US" sz="1800" dirty="0">
+                <a:latin typeface="Selawik Semibold" panose="020B0702040204020203" pitchFamily="34" charset="0"/>
+              </a:rPr>
+              <a:t>3D Depth Camera (NBA)</a:t>
+            </a:r>
+          </a:p>
+          <a:p>
+            <a:pPr lvl="2"/>
+            <a:r>
+              <a:rPr lang="en-US" sz="1800" dirty="0">
+                <a:latin typeface="Selawik Semibold" panose="020B0702040204020203" pitchFamily="34" charset="0"/>
+              </a:rPr>
+              <a:t>Wearable Technology (NBA, NHL)</a:t>
+            </a:r>
+          </a:p>
+          <a:p>
+            <a:pPr lvl="1"/>
+            <a:endParaRPr lang="en-US" sz="2200" dirty="0">
               <a:latin typeface="Selawik Semibold" panose="020B0702040204020203" pitchFamily="34" charset="0"/>
             </a:endParaRPr>
           </a:p>
           <a:p>
             <a:pPr lvl="1"/>
-            <a:endParaRPr lang="en-US" sz="2000" dirty="0">
-              <a:latin typeface="Selawik Semibold" panose="020B0702040204020203" pitchFamily="34" charset="0"/>
-            </a:endParaRPr>
-          </a:p>
-          <a:p>
-            <a:pPr lvl="1"/>
             <a:r>
               <a:rPr lang="en-US" sz="2000" dirty="0">
                 <a:latin typeface="Selawik Semibold" panose="020B0702040204020203" pitchFamily="34" charset="0"/>
               </a:rPr>
-              <a:t>Grand View Research on Sports Analytics Market</a:t>
+              <a:t>Improving the Fan Experience</a:t>
             </a:r>
           </a:p>
           <a:p>
             <a:pPr lvl="2"/>
             <a:r>
-              <a:rPr lang="en-US" sz="1600" dirty="0">
-                <a:latin typeface="Selawik Semibold" panose="020B0702040204020203" pitchFamily="34" charset="0"/>
-              </a:rPr>
-              <a:t>Agile Sports Analytics, LLC</a:t>
+              <a:rPr lang="en-US" sz="1800" dirty="0">
+                <a:latin typeface="Selawik Semibold" panose="020B0702040204020203" pitchFamily="34" charset="0"/>
+              </a:rPr>
+              <a:t>Analysis of Digital Engagement</a:t>
             </a:r>
           </a:p>
           <a:p>
             <a:pPr lvl="2"/>
             <a:r>
-              <a:rPr lang="en-US" sz="1600" dirty="0">
-                <a:latin typeface="Selawik Semibold" panose="020B0702040204020203" pitchFamily="34" charset="0"/>
-              </a:rPr>
-              <a:t>Catapult Sports</a:t>
+              <a:rPr lang="en-US" sz="1800" dirty="0">
+                <a:latin typeface="Selawik Semibold" panose="020B0702040204020203" pitchFamily="34" charset="0"/>
+              </a:rPr>
+              <a:t>Sentiment in Social Media</a:t>
             </a:r>
           </a:p>
           <a:p>
             <a:pPr lvl="2"/>
             <a:r>
-              <a:rPr lang="en-US" sz="1600" dirty="0" err="1">
-                <a:latin typeface="Selawik Semibold" panose="020B0702040204020203" pitchFamily="34" charset="0"/>
-              </a:rPr>
-              <a:t>ChrynoHego</a:t>
-            </a:r>
-            <a:r>
-              <a:rPr lang="en-US" sz="1600" dirty="0">
-                <a:latin typeface="Selawik Semibold" panose="020B0702040204020203" pitchFamily="34" charset="0"/>
-              </a:rPr>
-              <a:t> Corporation</a:t>
+              <a:rPr lang="en-US" sz="1800" dirty="0">
+                <a:latin typeface="Selawik Semibold" panose="020B0702040204020203" pitchFamily="34" charset="0"/>
+              </a:rPr>
+              <a:t>Analysis of Fan Behavior in Stadium (New England Patriots)</a:t>
             </a:r>
           </a:p>
           <a:p>
             <a:pPr lvl="2"/>
             <a:r>
-              <a:rPr lang="en-US" sz="1600" dirty="0">
-                <a:latin typeface="Selawik Semibold" panose="020B0702040204020203" pitchFamily="34" charset="0"/>
-              </a:rPr>
-              <a:t>Deltatre</a:t>
+              <a:rPr lang="en-US" sz="1800" dirty="0">
+                <a:latin typeface="Selawik Semibold" panose="020B0702040204020203" pitchFamily="34" charset="0"/>
+              </a:rPr>
+              <a:t>Wireless Internet and Phone Apps</a:t>
             </a:r>
           </a:p>
           <a:p>
             <a:pPr lvl="2"/>
             <a:r>
-              <a:rPr lang="en-US" sz="1600" dirty="0" err="1">
-                <a:latin typeface="Selawik Semibold" panose="020B0702040204020203" pitchFamily="34" charset="0"/>
-              </a:rPr>
-              <a:t>Experfy</a:t>
-            </a:r>
-            <a:r>
-              <a:rPr lang="en-US" sz="1600" dirty="0">
-                <a:latin typeface="Selawik Semibold" panose="020B0702040204020203" pitchFamily="34" charset="0"/>
-              </a:rPr>
-              <a:t> Inc. </a:t>
-            </a:r>
-          </a:p>
-          <a:p>
-            <a:pPr lvl="2"/>
-            <a:r>
-              <a:rPr lang="en-US" sz="1600" dirty="0">
-                <a:latin typeface="Selawik Semibold" panose="020B0702040204020203" pitchFamily="34" charset="0"/>
-              </a:rPr>
-              <a:t>Genius Sports Group</a:t>
-            </a:r>
-          </a:p>
-          <a:p>
-            <a:pPr lvl="2"/>
-            <a:r>
-              <a:rPr lang="en-US" sz="1600" dirty="0">
-                <a:latin typeface="Selawik Semibold" panose="020B0702040204020203" pitchFamily="34" charset="0"/>
-              </a:rPr>
-              <a:t>IBM Corporation</a:t>
-            </a:r>
-          </a:p>
-          <a:p>
-            <a:pPr lvl="2"/>
-            <a:r>
-              <a:rPr lang="en-US" sz="1600" dirty="0">
-                <a:latin typeface="Selawik Semibold" panose="020B0702040204020203" pitchFamily="34" charset="0"/>
-              </a:rPr>
-              <a:t>Oracle Corporation</a:t>
-            </a:r>
-          </a:p>
-          <a:p>
-            <a:pPr lvl="2"/>
-            <a:r>
-              <a:rPr lang="en-US" sz="1600" dirty="0">
-                <a:latin typeface="Selawik Semibold" panose="020B0702040204020203" pitchFamily="34" charset="0"/>
-              </a:rPr>
-              <a:t>SAP SE</a:t>
-            </a:r>
-          </a:p>
-          <a:p>
-            <a:pPr lvl="2"/>
-            <a:r>
-              <a:rPr lang="en-US" sz="1600" dirty="0" err="1">
-                <a:latin typeface="Selawik Semibold" panose="020B0702040204020203" pitchFamily="34" charset="0"/>
-              </a:rPr>
-              <a:t>Aercont</a:t>
-            </a:r>
-            <a:r>
-              <a:rPr lang="en-US" sz="1600" dirty="0">
-                <a:latin typeface="Selawik Semibold" panose="020B0702040204020203" pitchFamily="34" charset="0"/>
-              </a:rPr>
-              <a:t> Vision Coaster LLC</a:t>
-            </a:r>
-          </a:p>
-          <a:p>
-            <a:pPr lvl="2"/>
-            <a:r>
-              <a:rPr lang="en-US" sz="1600" dirty="0">
-                <a:latin typeface="Selawik Semibold" panose="020B0702040204020203" pitchFamily="34" charset="0"/>
-              </a:rPr>
-              <a:t>The </a:t>
-            </a:r>
-            <a:r>
-              <a:rPr lang="en-US" sz="1600" dirty="0" err="1">
-                <a:latin typeface="Selawik Semibold" panose="020B0702040204020203" pitchFamily="34" charset="0"/>
-              </a:rPr>
-              <a:t>Sportradar</a:t>
-            </a:r>
-            <a:r>
-              <a:rPr lang="en-US" sz="1600" dirty="0">
-                <a:latin typeface="Selawik Semibold" panose="020B0702040204020203" pitchFamily="34" charset="0"/>
-              </a:rPr>
-              <a:t> Group</a:t>
-            </a:r>
-          </a:p>
-          <a:p>
-            <a:pPr lvl="2"/>
-            <a:r>
-              <a:rPr lang="en-US" sz="1600">
-                <a:latin typeface="Selawik Semibold" panose="020B0702040204020203" pitchFamily="34" charset="0"/>
-              </a:rPr>
-              <a:t>Stats LLC</a:t>
-            </a:r>
-            <a:endParaRPr lang="en-US" sz="1600" dirty="0">
-              <a:latin typeface="Selawik Semibold" panose="020B0702040204020203" pitchFamily="34" charset="0"/>
-            </a:endParaRPr>
-          </a:p>
-          <a:p>
-            <a:pPr lvl="1"/>
-            <a:endParaRPr lang="en-US" sz="2000" dirty="0">
-              <a:latin typeface="Selawik Semibold" panose="020B0702040204020203" pitchFamily="34" charset="0"/>
-            </a:endParaRPr>
-          </a:p>
-          <a:p>
-            <a:pPr lvl="1"/>
-            <a:endParaRPr lang="en-US" sz="2000" dirty="0">
-              <a:latin typeface="Selawik Semibold" panose="020B0702040204020203" pitchFamily="34" charset="0"/>
-            </a:endParaRPr>
-          </a:p>
-          <a:p>
-            <a:pPr lvl="1"/>
-            <a:endParaRPr lang="en-US" sz="2000" dirty="0">
+              <a:rPr lang="en-US" sz="1800" dirty="0">
+                <a:latin typeface="Selawik Semibold" panose="020B0702040204020203" pitchFamily="34" charset="0"/>
+              </a:rPr>
+              <a:t>Apps Supply Game Analytics, Parking Information, Promotions, and Traffic Information to the Fans (NFL)</a:t>
+            </a:r>
+          </a:p>
+          <a:p>
+            <a:pPr marL="914400" lvl="2" indent="0">
+              <a:buNone/>
+            </a:pPr>
+            <a:endParaRPr lang="en-US" sz="1800" dirty="0">
               <a:latin typeface="Selawik Semibold" panose="020B0702040204020203" pitchFamily="34" charset="0"/>
             </a:endParaRPr>
           </a:p>
@@ -6388,7 +6443,7 @@
     </p:spTree>
     <p:extLst>
       <p:ext uri="{BB962C8B-B14F-4D97-AF65-F5344CB8AC3E}">
-        <p14:creationId xmlns:p14="http://schemas.microsoft.com/office/powerpoint/2010/main" val="135951548"/>
+        <p14:creationId xmlns:p14="http://schemas.microsoft.com/office/powerpoint/2010/main" val="3238867921"/>
       </p:ext>
     </p:extLst>
   </p:cSld>
@@ -6541,13 +6596,13 @@
         </p:nvSpPr>
         <p:spPr>
           <a:xfrm>
-            <a:off x="838199" y="2021247"/>
-            <a:ext cx="8449850" cy="4787067"/>
+            <a:off x="838199" y="2021248"/>
+            <a:ext cx="7653667" cy="4695905"/>
           </a:xfrm>
         </p:spPr>
         <p:txBody>
           <a:bodyPr>
-            <a:normAutofit lnSpcReduction="10000"/>
+            <a:normAutofit/>
           </a:bodyPr>
           <a:lstStyle/>
           <a:p>
@@ -6555,142 +6610,126 @@
               <a:rPr lang="en-US" sz="2400" dirty="0">
                 <a:latin typeface="Selawik Semibold" panose="020B0702040204020203" pitchFamily="34" charset="0"/>
               </a:rPr>
-              <a:t>Modern Applications of Sports Analytics </a:t>
+              <a:t>Modern Applications of Sports Analytics</a:t>
             </a:r>
           </a:p>
           <a:p>
             <a:pPr lvl="1"/>
+            <a:endParaRPr lang="en-US" sz="2000" dirty="0">
+              <a:latin typeface="Selawik Semibold" panose="020B0702040204020203" pitchFamily="34" charset="0"/>
+            </a:endParaRPr>
+          </a:p>
+          <a:p>
+            <a:pPr lvl="1"/>
             <a:r>
               <a:rPr lang="en-US" sz="2000" dirty="0">
                 <a:latin typeface="Selawik Semibold" panose="020B0702040204020203" pitchFamily="34" charset="0"/>
               </a:rPr>
-              <a:t>Forbes Article from 2021 by </a:t>
-            </a:r>
-            <a:r>
-              <a:rPr lang="en-US" sz="2000" dirty="0" err="1">
-                <a:latin typeface="Selawik Semibold" panose="020B0702040204020203" pitchFamily="34" charset="0"/>
-              </a:rPr>
-              <a:t>Abhas</a:t>
-            </a:r>
+              <a:t>Benefiting Other Stakeholders</a:t>
+            </a:r>
+          </a:p>
+          <a:p>
+            <a:pPr lvl="2"/>
+            <a:r>
+              <a:rPr lang="en-US" sz="1800" dirty="0">
+                <a:latin typeface="Selawik Semibold" panose="020B0702040204020203" pitchFamily="34" charset="0"/>
+              </a:rPr>
+              <a:t>Tracking Fan Behavior Outside the Stadium</a:t>
+            </a:r>
+          </a:p>
+          <a:p>
+            <a:pPr lvl="2"/>
+            <a:r>
+              <a:rPr lang="en-US" sz="1800" dirty="0">
+                <a:latin typeface="Selawik Semibold" panose="020B0702040204020203" pitchFamily="34" charset="0"/>
+              </a:rPr>
+              <a:t>Telecommunication, Retailers, Payment Providers, Ticket Agencies, and Sponsorships</a:t>
+            </a:r>
+          </a:p>
+          <a:p>
+            <a:pPr lvl="2"/>
+            <a:r>
+              <a:rPr lang="en-US" sz="1800" dirty="0">
+                <a:latin typeface="Selawik Semibold" panose="020B0702040204020203" pitchFamily="34" charset="0"/>
+              </a:rPr>
+              <a:t>Adapt to Quick Changes in Consumer Behavior</a:t>
+            </a:r>
+          </a:p>
+          <a:p>
+            <a:pPr lvl="2"/>
+            <a:endParaRPr lang="en-US" sz="1800" dirty="0">
+              <a:latin typeface="Selawik Semibold" panose="020B0702040204020203" pitchFamily="34" charset="0"/>
+            </a:endParaRPr>
+          </a:p>
+          <a:p>
+            <a:pPr lvl="1"/>
             <a:r>
               <a:rPr lang="en-US" sz="2000" dirty="0">
                 <a:latin typeface="Selawik Semibold" panose="020B0702040204020203" pitchFamily="34" charset="0"/>
               </a:rPr>
-              <a:t> Ricky</a:t>
-            </a:r>
-          </a:p>
-          <a:p>
-            <a:pPr marL="457200" lvl="1" indent="0">
-              <a:buNone/>
-            </a:pPr>
-            <a:r>
-              <a:rPr lang="en-US" sz="2000" dirty="0">
-                <a:latin typeface="Selawik Semibold" panose="020B0702040204020203" pitchFamily="34" charset="0"/>
-              </a:rPr>
-              <a:t> </a:t>
-            </a:r>
-          </a:p>
-          <a:p>
-            <a:pPr lvl="1"/>
-            <a:r>
-              <a:rPr lang="en-US" sz="2000" dirty="0">
-                <a:latin typeface="Selawik Semibold" panose="020B0702040204020203" pitchFamily="34" charset="0"/>
-              </a:rPr>
-              <a:t>Helping the Team Win</a:t>
+              <a:t>Optimizing the Back-Office</a:t>
             </a:r>
           </a:p>
           <a:p>
             <a:pPr lvl="2"/>
             <a:r>
-              <a:rPr lang="en-US" sz="1800" dirty="0">
-                <a:latin typeface="Selawik Semibold" panose="020B0702040204020203" pitchFamily="34" charset="0"/>
-              </a:rPr>
-              <a:t>Automated Video Analysis (Lincoln City, UK Football)</a:t>
+              <a:rPr lang="en-US" sz="1600" dirty="0">
+                <a:latin typeface="Selawik Semibold" panose="020B0702040204020203" pitchFamily="34" charset="0"/>
+              </a:rPr>
+              <a:t>HR Practices</a:t>
             </a:r>
           </a:p>
           <a:p>
             <a:pPr lvl="2"/>
             <a:r>
-              <a:rPr lang="en-US" sz="1800" dirty="0">
-                <a:latin typeface="Selawik Semibold" panose="020B0702040204020203" pitchFamily="34" charset="0"/>
-              </a:rPr>
-              <a:t>3D Depth Camera (NBA)</a:t>
+              <a:rPr lang="en-US" sz="1600" dirty="0">
+                <a:latin typeface="Selawik Semibold" panose="020B0702040204020203" pitchFamily="34" charset="0"/>
+              </a:rPr>
+              <a:t>Game Scheduling</a:t>
             </a:r>
           </a:p>
           <a:p>
             <a:pPr lvl="2"/>
             <a:r>
-              <a:rPr lang="en-US" sz="1800" dirty="0">
-                <a:latin typeface="Selawik Semibold" panose="020B0702040204020203" pitchFamily="34" charset="0"/>
-              </a:rPr>
-              <a:t>Wearable Technology (NBA, NHL)</a:t>
-            </a:r>
+              <a:rPr lang="en-US" sz="1600" dirty="0">
+                <a:latin typeface="Selawik Semibold" panose="020B0702040204020203" pitchFamily="34" charset="0"/>
+              </a:rPr>
+              <a:t>Supply Chain Management and Logistics</a:t>
+            </a:r>
+          </a:p>
+          <a:p>
+            <a:pPr lvl="2"/>
+            <a:r>
+              <a:rPr lang="en-US" sz="1600" dirty="0">
+                <a:latin typeface="Selawik Semibold" panose="020B0702040204020203" pitchFamily="34" charset="0"/>
+              </a:rPr>
+              <a:t>Marketing and Promotions</a:t>
+            </a:r>
+          </a:p>
+          <a:p>
+            <a:pPr lvl="2"/>
+            <a:r>
+              <a:rPr lang="en-US" sz="1600" dirty="0">
+                <a:latin typeface="Selawik Semibold" panose="020B0702040204020203" pitchFamily="34" charset="0"/>
+              </a:rPr>
+              <a:t>Procurement of Goods and Services</a:t>
+            </a:r>
+          </a:p>
+          <a:p>
+            <a:pPr lvl="2"/>
+            <a:endParaRPr lang="en-US" sz="1600" dirty="0">
+              <a:latin typeface="Selawik Semibold" panose="020B0702040204020203" pitchFamily="34" charset="0"/>
+            </a:endParaRPr>
+          </a:p>
+          <a:p>
+            <a:pPr lvl="2"/>
+            <a:endParaRPr lang="en-US" sz="1800" dirty="0">
+              <a:latin typeface="Selawik Semibold" panose="020B0702040204020203" pitchFamily="34" charset="0"/>
+            </a:endParaRPr>
           </a:p>
           <a:p>
             <a:pPr lvl="1"/>
             <a:endParaRPr lang="en-US" sz="2200" dirty="0">
-              <a:latin typeface="Selawik Semibold" panose="020B0702040204020203" pitchFamily="34" charset="0"/>
-            </a:endParaRPr>
-          </a:p>
-          <a:p>
-            <a:pPr lvl="1"/>
-            <a:r>
-              <a:rPr lang="en-US" sz="2000" dirty="0">
-                <a:latin typeface="Selawik Semibold" panose="020B0702040204020203" pitchFamily="34" charset="0"/>
-              </a:rPr>
-              <a:t>Improving the Fan Experience</a:t>
-            </a:r>
-          </a:p>
-          <a:p>
-            <a:pPr lvl="2"/>
-            <a:r>
-              <a:rPr lang="en-US" sz="1800" dirty="0">
-                <a:latin typeface="Selawik Semibold" panose="020B0702040204020203" pitchFamily="34" charset="0"/>
-              </a:rPr>
-              <a:t>Analysis of Digital Engagement</a:t>
-            </a:r>
-          </a:p>
-          <a:p>
-            <a:pPr lvl="2"/>
-            <a:r>
-              <a:rPr lang="en-US" sz="1800" dirty="0">
-                <a:latin typeface="Selawik Semibold" panose="020B0702040204020203" pitchFamily="34" charset="0"/>
-              </a:rPr>
-              <a:t>Sentiment in Social Media</a:t>
-            </a:r>
-          </a:p>
-          <a:p>
-            <a:pPr lvl="2"/>
-            <a:r>
-              <a:rPr lang="en-US" sz="1800" dirty="0">
-                <a:latin typeface="Selawik Semibold" panose="020B0702040204020203" pitchFamily="34" charset="0"/>
-              </a:rPr>
-              <a:t>Analysis of Fan Behavior in Stadium (New England Patriots)</a:t>
-            </a:r>
-          </a:p>
-          <a:p>
-            <a:pPr lvl="2"/>
-            <a:r>
-              <a:rPr lang="en-US" sz="1800" dirty="0">
-                <a:latin typeface="Selawik Semibold" panose="020B0702040204020203" pitchFamily="34" charset="0"/>
-              </a:rPr>
-              <a:t>Wireless Internet and Phone Apps</a:t>
-            </a:r>
-          </a:p>
-          <a:p>
-            <a:pPr lvl="2"/>
-            <a:r>
-              <a:rPr lang="en-US" sz="1800" dirty="0">
-                <a:latin typeface="Selawik Semibold" panose="020B0702040204020203" pitchFamily="34" charset="0"/>
-              </a:rPr>
-              <a:t>Apps Supply Game Analytics, Parking Information, Promotions, and Traffic Information to the Fans (NFL)</a:t>
-            </a:r>
-          </a:p>
-          <a:p>
-            <a:pPr marL="914400" lvl="2" indent="0">
-              <a:buNone/>
-            </a:pPr>
-            <a:endParaRPr lang="en-US" sz="1800" dirty="0">
               <a:latin typeface="Selawik Semibold" panose="020B0702040204020203" pitchFamily="34" charset="0"/>
             </a:endParaRPr>
           </a:p>
@@ -7039,7 +7078,7 @@
     </p:spTree>
     <p:extLst>
       <p:ext uri="{BB962C8B-B14F-4D97-AF65-F5344CB8AC3E}">
-        <p14:creationId xmlns:p14="http://schemas.microsoft.com/office/powerpoint/2010/main" val="3238867921"/>
+        <p14:creationId xmlns:p14="http://schemas.microsoft.com/office/powerpoint/2010/main" val="2738960413"/>
       </p:ext>
     </p:extLst>
   </p:cSld>
@@ -7050,641 +7089,6 @@
 </file>
 
 <file path=ppt/slides/slide15.xml><?xml version="1.0" encoding="utf-8"?>
-<p:sld xmlns:a="http://schemas.openxmlformats.org/drawingml/2006/main" xmlns:r="http://schemas.openxmlformats.org/officeDocument/2006/relationships" xmlns:p="http://schemas.openxmlformats.org/presentationml/2006/main">
-  <p:cSld>
-    <p:bg>
-      <p:bgPr>
-        <a:solidFill>
-          <a:srgbClr val="395583"/>
-        </a:solidFill>
-        <a:effectLst/>
-      </p:bgPr>
-    </p:bg>
-    <p:spTree>
-      <p:nvGrpSpPr>
-        <p:cNvPr id="1" name=""/>
-        <p:cNvGrpSpPr/>
-        <p:nvPr/>
-      </p:nvGrpSpPr>
-      <p:grpSpPr>
-        <a:xfrm>
-          <a:off x="0" y="0"/>
-          <a:ext cx="0" cy="0"/>
-          <a:chOff x="0" y="0"/>
-          <a:chExt cx="0" cy="0"/>
-        </a:xfrm>
-      </p:grpSpPr>
-      <p:sp>
-        <p:nvSpPr>
-          <p:cNvPr id="25" name="Rectangle 24">
-            <a:extLst>
-              <a:ext uri="{FF2B5EF4-FFF2-40B4-BE49-F238E27FC236}">
-                <a16:creationId xmlns:a16="http://schemas.microsoft.com/office/drawing/2014/main" id="{A6792F05-2FD4-4F18-815E-15391E8B4A0E}"/>
-              </a:ext>
-              <a:ext uri="{C183D7F6-B498-43B3-948B-1728B52AA6E4}">
-                <adec:decorative xmlns:adec="http://schemas.microsoft.com/office/drawing/2017/decorative" val="1"/>
-              </a:ext>
-            </a:extLst>
-          </p:cNvPr>
-          <p:cNvSpPr>
-            <a:spLocks noGrp="1" noRot="1" noChangeAspect="1" noMove="1" noResize="1" noEditPoints="1" noAdjustHandles="1" noChangeArrowheads="1" noChangeShapeType="1" noTextEdit="1"/>
-          </p:cNvSpPr>
-          <p:nvPr>
-            <p:extLst>
-              <p:ext uri="{386F3935-93C4-4BCD-93E2-E3B085C9AB24}">
-                <p16:designElem xmlns:p16="http://schemas.microsoft.com/office/powerpoint/2015/main" val="1"/>
-              </p:ext>
-            </p:extLst>
-          </p:nvPr>
-        </p:nvSpPr>
-        <p:spPr>
-          <a:xfrm>
-            <a:off x="0" y="0"/>
-            <a:ext cx="12191999" cy="6858000"/>
-          </a:xfrm>
-          <a:prstGeom prst="rect">
-            <a:avLst/>
-          </a:prstGeom>
-          <a:solidFill>
-            <a:srgbClr val="395583"/>
-          </a:solidFill>
-          <a:ln>
-            <a:noFill/>
-          </a:ln>
-        </p:spPr>
-        <p:style>
-          <a:lnRef idx="2">
-            <a:schemeClr val="accent1">
-              <a:shade val="50000"/>
-            </a:schemeClr>
-          </a:lnRef>
-          <a:fillRef idx="1">
-            <a:schemeClr val="accent1"/>
-          </a:fillRef>
-          <a:effectRef idx="0">
-            <a:schemeClr val="accent1"/>
-          </a:effectRef>
-          <a:fontRef idx="minor">
-            <a:schemeClr val="lt1"/>
-          </a:fontRef>
-        </p:style>
-        <p:txBody>
-          <a:bodyPr rtlCol="0" anchor="ctr"/>
-          <a:lstStyle/>
-          <a:p>
-            <a:pPr algn="ctr"/>
-            <a:endParaRPr lang="en-US"/>
-          </a:p>
-        </p:txBody>
-      </p:sp>
-      <p:sp>
-        <p:nvSpPr>
-          <p:cNvPr id="2" name="Title 1">
-            <a:extLst>
-              <a:ext uri="{FF2B5EF4-FFF2-40B4-BE49-F238E27FC236}">
-                <a16:creationId xmlns:a16="http://schemas.microsoft.com/office/drawing/2014/main" id="{2589AFCC-0FF0-498C-B11F-8990DF0DAAA5}"/>
-              </a:ext>
-            </a:extLst>
-          </p:cNvPr>
-          <p:cNvSpPr>
-            <a:spLocks noGrp="1"/>
-          </p:cNvSpPr>
-          <p:nvPr>
-            <p:ph type="title"/>
-          </p:nvPr>
-        </p:nvSpPr>
-        <p:spPr>
-          <a:xfrm>
-            <a:off x="838200" y="365125"/>
-            <a:ext cx="10515600" cy="1325563"/>
-          </a:xfrm>
-        </p:spPr>
-        <p:txBody>
-          <a:bodyPr>
-            <a:normAutofit/>
-          </a:bodyPr>
-          <a:lstStyle/>
-          <a:p>
-            <a:r>
-              <a:rPr lang="en-US" b="1" dirty="0">
-                <a:latin typeface="Selawik Semibold" panose="020B0604020202020204" pitchFamily="34" charset="0"/>
-              </a:rPr>
-              <a:t>Industry Present</a:t>
-            </a:r>
-          </a:p>
-        </p:txBody>
-      </p:sp>
-      <p:sp>
-        <p:nvSpPr>
-          <p:cNvPr id="9" name="Content Placeholder 8">
-            <a:extLst>
-              <a:ext uri="{FF2B5EF4-FFF2-40B4-BE49-F238E27FC236}">
-                <a16:creationId xmlns:a16="http://schemas.microsoft.com/office/drawing/2014/main" id="{2D995594-59F2-4020-AB6F-751BAE84ADB3}"/>
-              </a:ext>
-            </a:extLst>
-          </p:cNvPr>
-          <p:cNvSpPr>
-            <a:spLocks noGrp="1"/>
-          </p:cNvSpPr>
-          <p:nvPr>
-            <p:ph idx="1"/>
-          </p:nvPr>
-        </p:nvSpPr>
-        <p:spPr>
-          <a:xfrm>
-            <a:off x="838199" y="2021248"/>
-            <a:ext cx="7653667" cy="4695905"/>
-          </a:xfrm>
-        </p:spPr>
-        <p:txBody>
-          <a:bodyPr>
-            <a:normAutofit/>
-          </a:bodyPr>
-          <a:lstStyle/>
-          <a:p>
-            <a:r>
-              <a:rPr lang="en-US" sz="2400" dirty="0">
-                <a:latin typeface="Selawik Semibold" panose="020B0702040204020203" pitchFamily="34" charset="0"/>
-              </a:rPr>
-              <a:t>Modern Applications of Sports Analytics</a:t>
-            </a:r>
-          </a:p>
-          <a:p>
-            <a:pPr lvl="1"/>
-            <a:endParaRPr lang="en-US" sz="2000" dirty="0">
-              <a:latin typeface="Selawik Semibold" panose="020B0702040204020203" pitchFamily="34" charset="0"/>
-            </a:endParaRPr>
-          </a:p>
-          <a:p>
-            <a:pPr lvl="1"/>
-            <a:r>
-              <a:rPr lang="en-US" sz="2000" dirty="0">
-                <a:latin typeface="Selawik Semibold" panose="020B0702040204020203" pitchFamily="34" charset="0"/>
-              </a:rPr>
-              <a:t>Benefiting Other Stakeholders</a:t>
-            </a:r>
-          </a:p>
-          <a:p>
-            <a:pPr lvl="2"/>
-            <a:r>
-              <a:rPr lang="en-US" sz="1800" dirty="0">
-                <a:latin typeface="Selawik Semibold" panose="020B0702040204020203" pitchFamily="34" charset="0"/>
-              </a:rPr>
-              <a:t>Tracking Fan Behavior Outside the Stadium</a:t>
-            </a:r>
-          </a:p>
-          <a:p>
-            <a:pPr lvl="2"/>
-            <a:r>
-              <a:rPr lang="en-US" sz="1800" dirty="0">
-                <a:latin typeface="Selawik Semibold" panose="020B0702040204020203" pitchFamily="34" charset="0"/>
-              </a:rPr>
-              <a:t>Telecommunication, Retailers, Payment Providers, Ticket Agencies, and Sponsorships</a:t>
-            </a:r>
-          </a:p>
-          <a:p>
-            <a:pPr lvl="2"/>
-            <a:r>
-              <a:rPr lang="en-US" sz="1800" dirty="0">
-                <a:latin typeface="Selawik Semibold" panose="020B0702040204020203" pitchFamily="34" charset="0"/>
-              </a:rPr>
-              <a:t>Adapt to Quick Changes in Consumer Behavior</a:t>
-            </a:r>
-          </a:p>
-          <a:p>
-            <a:pPr lvl="2"/>
-            <a:endParaRPr lang="en-US" sz="1800" dirty="0">
-              <a:latin typeface="Selawik Semibold" panose="020B0702040204020203" pitchFamily="34" charset="0"/>
-            </a:endParaRPr>
-          </a:p>
-          <a:p>
-            <a:pPr lvl="1"/>
-            <a:r>
-              <a:rPr lang="en-US" sz="2000" dirty="0">
-                <a:latin typeface="Selawik Semibold" panose="020B0702040204020203" pitchFamily="34" charset="0"/>
-              </a:rPr>
-              <a:t>Optimizing the Back-Office</a:t>
-            </a:r>
-          </a:p>
-          <a:p>
-            <a:pPr lvl="2"/>
-            <a:r>
-              <a:rPr lang="en-US" sz="1600" dirty="0">
-                <a:latin typeface="Selawik Semibold" panose="020B0702040204020203" pitchFamily="34" charset="0"/>
-              </a:rPr>
-              <a:t>HR Practices</a:t>
-            </a:r>
-          </a:p>
-          <a:p>
-            <a:pPr lvl="2"/>
-            <a:r>
-              <a:rPr lang="en-US" sz="1600" dirty="0">
-                <a:latin typeface="Selawik Semibold" panose="020B0702040204020203" pitchFamily="34" charset="0"/>
-              </a:rPr>
-              <a:t>Game Scheduling</a:t>
-            </a:r>
-          </a:p>
-          <a:p>
-            <a:pPr lvl="2"/>
-            <a:r>
-              <a:rPr lang="en-US" sz="1600" dirty="0">
-                <a:latin typeface="Selawik Semibold" panose="020B0702040204020203" pitchFamily="34" charset="0"/>
-              </a:rPr>
-              <a:t>Supply Chain Management and Logistics</a:t>
-            </a:r>
-          </a:p>
-          <a:p>
-            <a:pPr lvl="2"/>
-            <a:r>
-              <a:rPr lang="en-US" sz="1600" dirty="0">
-                <a:latin typeface="Selawik Semibold" panose="020B0702040204020203" pitchFamily="34" charset="0"/>
-              </a:rPr>
-              <a:t>Marketing and Promotions</a:t>
-            </a:r>
-          </a:p>
-          <a:p>
-            <a:pPr lvl="2"/>
-            <a:r>
-              <a:rPr lang="en-US" sz="1600" dirty="0">
-                <a:latin typeface="Selawik Semibold" panose="020B0702040204020203" pitchFamily="34" charset="0"/>
-              </a:rPr>
-              <a:t>Procurement of Goods and Services</a:t>
-            </a:r>
-          </a:p>
-          <a:p>
-            <a:pPr lvl="2"/>
-            <a:endParaRPr lang="en-US" sz="1600" dirty="0">
-              <a:latin typeface="Selawik Semibold" panose="020B0702040204020203" pitchFamily="34" charset="0"/>
-            </a:endParaRPr>
-          </a:p>
-          <a:p>
-            <a:pPr lvl="2"/>
-            <a:endParaRPr lang="en-US" sz="1800" dirty="0">
-              <a:latin typeface="Selawik Semibold" panose="020B0702040204020203" pitchFamily="34" charset="0"/>
-            </a:endParaRPr>
-          </a:p>
-          <a:p>
-            <a:pPr lvl="1"/>
-            <a:endParaRPr lang="en-US" sz="2200" dirty="0">
-              <a:latin typeface="Selawik Semibold" panose="020B0702040204020203" pitchFamily="34" charset="0"/>
-            </a:endParaRPr>
-          </a:p>
-        </p:txBody>
-      </p:sp>
-      <p:pic>
-        <p:nvPicPr>
-          <p:cNvPr id="4" name="Picture 3" descr="A drawing of a cartoon character&#10;&#10;Description automatically generated">
-            <a:extLst>
-              <a:ext uri="{FF2B5EF4-FFF2-40B4-BE49-F238E27FC236}">
-                <a16:creationId xmlns:a16="http://schemas.microsoft.com/office/drawing/2014/main" id="{A7FDC859-D890-4904-9C64-27F43DA90453}"/>
-              </a:ext>
-            </a:extLst>
-          </p:cNvPr>
-          <p:cNvPicPr>
-            <a:picLocks noChangeAspect="1"/>
-          </p:cNvPicPr>
-          <p:nvPr/>
-        </p:nvPicPr>
-        <p:blipFill rotWithShape="1">
-          <a:blip r:embed="rId2">
-            <a:extLst>
-              <a:ext uri="{28A0092B-C50C-407E-A947-70E740481C1C}">
-                <a14:useLocalDpi xmlns:a14="http://schemas.microsoft.com/office/drawing/2010/main" val="0"/>
-              </a:ext>
-            </a:extLst>
-          </a:blip>
-          <a:srcRect t="5616" r="2" b="2"/>
-          <a:stretch/>
-        </p:blipFill>
-        <p:spPr>
-          <a:xfrm>
-            <a:off x="7471144" y="1700078"/>
-            <a:ext cx="4720855" cy="2583792"/>
-          </a:xfrm>
-          <a:custGeom>
-            <a:avLst/>
-            <a:gdLst>
-              <a:gd name="connsiteX0" fmla="*/ 0 w 5475077"/>
-              <a:gd name="connsiteY0" fmla="*/ 0 h 2583792"/>
-              <a:gd name="connsiteX1" fmla="*/ 5475077 w 5475077"/>
-              <a:gd name="connsiteY1" fmla="*/ 0 h 2583792"/>
-              <a:gd name="connsiteX2" fmla="*/ 5475077 w 5475077"/>
-              <a:gd name="connsiteY2" fmla="*/ 2583792 h 2583792"/>
-              <a:gd name="connsiteX3" fmla="*/ 1197192 w 5475077"/>
-              <a:gd name="connsiteY3" fmla="*/ 2583792 h 2583792"/>
-            </a:gdLst>
-            <a:ahLst/>
-            <a:cxnLst>
-              <a:cxn ang="0">
-                <a:pos x="connsiteX0" y="connsiteY0"/>
-              </a:cxn>
-              <a:cxn ang="0">
-                <a:pos x="connsiteX1" y="connsiteY1"/>
-              </a:cxn>
-              <a:cxn ang="0">
-                <a:pos x="connsiteX2" y="connsiteY2"/>
-              </a:cxn>
-              <a:cxn ang="0">
-                <a:pos x="connsiteX3" y="connsiteY3"/>
-              </a:cxn>
-            </a:cxnLst>
-            <a:rect l="l" t="t" r="r" b="b"/>
-            <a:pathLst>
-              <a:path w="5475077" h="2583792">
-                <a:moveTo>
-                  <a:pt x="0" y="0"/>
-                </a:moveTo>
-                <a:lnTo>
-                  <a:pt x="5475077" y="0"/>
-                </a:lnTo>
-                <a:lnTo>
-                  <a:pt x="5475077" y="2583792"/>
-                </a:lnTo>
-                <a:lnTo>
-                  <a:pt x="1197192" y="2583792"/>
-                </a:lnTo>
-                <a:close/>
-              </a:path>
-            </a:pathLst>
-          </a:custGeom>
-        </p:spPr>
-      </p:pic>
-      <p:pic>
-        <p:nvPicPr>
-          <p:cNvPr id="5" name="Content Placeholder 4" descr="A picture containing indoor&#10;&#10;Description automatically generated">
-            <a:extLst>
-              <a:ext uri="{FF2B5EF4-FFF2-40B4-BE49-F238E27FC236}">
-                <a16:creationId xmlns:a16="http://schemas.microsoft.com/office/drawing/2014/main" id="{A58F0E55-21F3-485B-A07F-1CE74177BDD2}"/>
-              </a:ext>
-            </a:extLst>
-          </p:cNvPr>
-          <p:cNvPicPr>
-            <a:picLocks noChangeAspect="1"/>
-          </p:cNvPicPr>
-          <p:nvPr/>
-        </p:nvPicPr>
-        <p:blipFill rotWithShape="1">
-          <a:blip r:embed="rId3">
-            <a:extLst>
-              <a:ext uri="{28A0092B-C50C-407E-A947-70E740481C1C}">
-                <a14:useLocalDpi xmlns:a14="http://schemas.microsoft.com/office/drawing/2010/main" val="0"/>
-              </a:ext>
-            </a:extLst>
-          </a:blip>
-          <a:srcRect t="5300" r="3" b="6859"/>
-          <a:stretch/>
-        </p:blipFill>
-        <p:spPr>
-          <a:xfrm>
-            <a:off x="8491869" y="4283870"/>
-            <a:ext cx="3700129" cy="2583520"/>
-          </a:xfrm>
-          <a:custGeom>
-            <a:avLst/>
-            <a:gdLst>
-              <a:gd name="connsiteX0" fmla="*/ 0 w 4277884"/>
-              <a:gd name="connsiteY0" fmla="*/ 0 h 2583520"/>
-              <a:gd name="connsiteX1" fmla="*/ 4277884 w 4277884"/>
-              <a:gd name="connsiteY1" fmla="*/ 0 h 2583520"/>
-              <a:gd name="connsiteX2" fmla="*/ 4277884 w 4277884"/>
-              <a:gd name="connsiteY2" fmla="*/ 2583520 h 2583520"/>
-              <a:gd name="connsiteX3" fmla="*/ 1192437 w 4277884"/>
-              <a:gd name="connsiteY3" fmla="*/ 2583520 h 2583520"/>
-              <a:gd name="connsiteX4" fmla="*/ 1188085 w 4277884"/>
-              <a:gd name="connsiteY4" fmla="*/ 2574129 h 2583520"/>
-              <a:gd name="connsiteX5" fmla="*/ 1192715 w 4277884"/>
-              <a:gd name="connsiteY5" fmla="*/ 2574129 h 2583520"/>
-            </a:gdLst>
-            <a:ahLst/>
-            <a:cxnLst>
-              <a:cxn ang="0">
-                <a:pos x="connsiteX0" y="connsiteY0"/>
-              </a:cxn>
-              <a:cxn ang="0">
-                <a:pos x="connsiteX1" y="connsiteY1"/>
-              </a:cxn>
-              <a:cxn ang="0">
-                <a:pos x="connsiteX2" y="connsiteY2"/>
-              </a:cxn>
-              <a:cxn ang="0">
-                <a:pos x="connsiteX3" y="connsiteY3"/>
-              </a:cxn>
-              <a:cxn ang="0">
-                <a:pos x="connsiteX4" y="connsiteY4"/>
-              </a:cxn>
-              <a:cxn ang="0">
-                <a:pos x="connsiteX5" y="connsiteY5"/>
-              </a:cxn>
-            </a:cxnLst>
-            <a:rect l="l" t="t" r="r" b="b"/>
-            <a:pathLst>
-              <a:path w="4277884" h="2583520">
-                <a:moveTo>
-                  <a:pt x="0" y="0"/>
-                </a:moveTo>
-                <a:lnTo>
-                  <a:pt x="4277884" y="0"/>
-                </a:lnTo>
-                <a:lnTo>
-                  <a:pt x="4277884" y="2583520"/>
-                </a:lnTo>
-                <a:lnTo>
-                  <a:pt x="1192437" y="2583520"/>
-                </a:lnTo>
-                <a:lnTo>
-                  <a:pt x="1188085" y="2574129"/>
-                </a:lnTo>
-                <a:lnTo>
-                  <a:pt x="1192715" y="2574129"/>
-                </a:lnTo>
-                <a:close/>
-              </a:path>
-            </a:pathLst>
-          </a:custGeom>
-        </p:spPr>
-      </p:pic>
-      <p:sp>
-        <p:nvSpPr>
-          <p:cNvPr id="6" name="Rectangle 5">
-            <a:extLst>
-              <a:ext uri="{FF2B5EF4-FFF2-40B4-BE49-F238E27FC236}">
-                <a16:creationId xmlns:a16="http://schemas.microsoft.com/office/drawing/2014/main" id="{A2901312-C3C2-4CEC-80EF-823AB4FBB726}"/>
-              </a:ext>
-            </a:extLst>
-          </p:cNvPr>
-          <p:cNvSpPr/>
-          <p:nvPr/>
-        </p:nvSpPr>
-        <p:spPr>
-          <a:xfrm>
-            <a:off x="-1" y="1608918"/>
-            <a:ext cx="12191999" cy="91160"/>
-          </a:xfrm>
-          <a:prstGeom prst="rect">
-            <a:avLst/>
-          </a:prstGeom>
-          <a:solidFill>
-            <a:schemeClr val="bg1"/>
-          </a:solidFill>
-          <a:ln>
-            <a:noFill/>
-          </a:ln>
-        </p:spPr>
-        <p:style>
-          <a:lnRef idx="2">
-            <a:schemeClr val="accent1">
-              <a:shade val="50000"/>
-            </a:schemeClr>
-          </a:lnRef>
-          <a:fillRef idx="1">
-            <a:schemeClr val="accent1"/>
-          </a:fillRef>
-          <a:effectRef idx="0">
-            <a:schemeClr val="accent1"/>
-          </a:effectRef>
-          <a:fontRef idx="minor">
-            <a:schemeClr val="lt1"/>
-          </a:fontRef>
-        </p:style>
-        <p:txBody>
-          <a:bodyPr rtlCol="0" anchor="ctr"/>
-          <a:lstStyle/>
-          <a:p>
-            <a:pPr algn="ctr"/>
-            <a:endParaRPr lang="en-US">
-              <a:solidFill>
-                <a:srgbClr val="DB5B5C"/>
-              </a:solidFill>
-            </a:endParaRPr>
-          </a:p>
-        </p:txBody>
-      </p:sp>
-      <p:sp>
-        <p:nvSpPr>
-          <p:cNvPr id="15" name="Rectangle 14">
-            <a:extLst>
-              <a:ext uri="{FF2B5EF4-FFF2-40B4-BE49-F238E27FC236}">
-                <a16:creationId xmlns:a16="http://schemas.microsoft.com/office/drawing/2014/main" id="{AD0A7C9C-CA2C-4B9B-A125-2D09D5573B44}"/>
-              </a:ext>
-            </a:extLst>
-          </p:cNvPr>
-          <p:cNvSpPr/>
-          <p:nvPr/>
-        </p:nvSpPr>
-        <p:spPr>
-          <a:xfrm>
-            <a:off x="1" y="6677247"/>
-            <a:ext cx="12191999" cy="190143"/>
-          </a:xfrm>
-          <a:prstGeom prst="rect">
-            <a:avLst/>
-          </a:prstGeom>
-          <a:solidFill>
-            <a:schemeClr val="bg1"/>
-          </a:solidFill>
-          <a:ln>
-            <a:noFill/>
-          </a:ln>
-        </p:spPr>
-        <p:style>
-          <a:lnRef idx="2">
-            <a:schemeClr val="accent1">
-              <a:shade val="50000"/>
-            </a:schemeClr>
-          </a:lnRef>
-          <a:fillRef idx="1">
-            <a:schemeClr val="accent1"/>
-          </a:fillRef>
-          <a:effectRef idx="0">
-            <a:schemeClr val="accent1"/>
-          </a:effectRef>
-          <a:fontRef idx="minor">
-            <a:schemeClr val="lt1"/>
-          </a:fontRef>
-        </p:style>
-        <p:txBody>
-          <a:bodyPr rtlCol="0" anchor="ctr"/>
-          <a:lstStyle/>
-          <a:p>
-            <a:pPr algn="ctr"/>
-            <a:endParaRPr lang="en-US">
-              <a:solidFill>
-                <a:srgbClr val="DB5B5C"/>
-              </a:solidFill>
-            </a:endParaRPr>
-          </a:p>
-        </p:txBody>
-      </p:sp>
-      <p:sp>
-        <p:nvSpPr>
-          <p:cNvPr id="16" name="Rectangle 15">
-            <a:extLst>
-              <a:ext uri="{FF2B5EF4-FFF2-40B4-BE49-F238E27FC236}">
-                <a16:creationId xmlns:a16="http://schemas.microsoft.com/office/drawing/2014/main" id="{74A085FC-1866-46D4-97F7-51AA45E48D4F}"/>
-              </a:ext>
-            </a:extLst>
-          </p:cNvPr>
-          <p:cNvSpPr/>
-          <p:nvPr/>
-        </p:nvSpPr>
-        <p:spPr>
-          <a:xfrm rot="4092292">
-            <a:off x="5790668" y="4094517"/>
-            <a:ext cx="5446699" cy="137038"/>
-          </a:xfrm>
-          <a:prstGeom prst="rect">
-            <a:avLst/>
-          </a:prstGeom>
-          <a:solidFill>
-            <a:schemeClr val="bg1"/>
-          </a:solidFill>
-          <a:ln>
-            <a:noFill/>
-          </a:ln>
-        </p:spPr>
-        <p:style>
-          <a:lnRef idx="2">
-            <a:schemeClr val="accent1">
-              <a:shade val="50000"/>
-            </a:schemeClr>
-          </a:lnRef>
-          <a:fillRef idx="1">
-            <a:schemeClr val="accent1"/>
-          </a:fillRef>
-          <a:effectRef idx="0">
-            <a:schemeClr val="accent1"/>
-          </a:effectRef>
-          <a:fontRef idx="minor">
-            <a:schemeClr val="lt1"/>
-          </a:fontRef>
-        </p:style>
-        <p:txBody>
-          <a:bodyPr rtlCol="0" anchor="ctr"/>
-          <a:lstStyle/>
-          <a:p>
-            <a:pPr algn="ctr"/>
-            <a:endParaRPr lang="en-US">
-              <a:solidFill>
-                <a:srgbClr val="DB5B5C"/>
-              </a:solidFill>
-            </a:endParaRPr>
-          </a:p>
-        </p:txBody>
-      </p:sp>
-    </p:spTree>
-    <p:extLst>
-      <p:ext uri="{BB962C8B-B14F-4D97-AF65-F5344CB8AC3E}">
-        <p14:creationId xmlns:p14="http://schemas.microsoft.com/office/powerpoint/2010/main" val="2738960413"/>
-      </p:ext>
-    </p:extLst>
-  </p:cSld>
-  <p:clrMapOvr>
-    <a:overrideClrMapping bg1="dk1" tx1="lt1" bg2="dk2" tx2="lt2" accent1="accent1" accent2="accent2" accent3="accent3" accent4="accent4" accent5="accent5" accent6="accent6" hlink="hlink" folHlink="folHlink"/>
-  </p:clrMapOvr>
-</p:sld>
-</file>
-
-<file path=ppt/slides/slide16.xml><?xml version="1.0" encoding="utf-8"?>
 <p:sld xmlns:a="http://schemas.openxmlformats.org/drawingml/2006/main" xmlns:r="http://schemas.openxmlformats.org/officeDocument/2006/relationships" xmlns:p="http://schemas.openxmlformats.org/presentationml/2006/main">
   <p:cSld>
     <p:bg>
@@ -8463,7 +7867,7 @@
 </p:sld>
 </file>
 
-<file path=ppt/slides/slide17.xml><?xml version="1.0" encoding="utf-8"?>
+<file path=ppt/slides/slide16.xml><?xml version="1.0" encoding="utf-8"?>
 <p:sld xmlns:a="http://schemas.openxmlformats.org/drawingml/2006/main" xmlns:r="http://schemas.openxmlformats.org/officeDocument/2006/relationships" xmlns:p="http://schemas.openxmlformats.org/presentationml/2006/main">
   <p:cSld>
     <p:bg>
@@ -9114,7 +8518,7 @@
 </p:sld>
 </file>
 
-<file path=ppt/slides/slide18.xml><?xml version="1.0" encoding="utf-8"?>
+<file path=ppt/slides/slide17.xml><?xml version="1.0" encoding="utf-8"?>
 <p:sld xmlns:a="http://schemas.openxmlformats.org/drawingml/2006/main" xmlns:r="http://schemas.openxmlformats.org/officeDocument/2006/relationships" xmlns:p="http://schemas.openxmlformats.org/presentationml/2006/main">
   <p:cSld>
     <p:bg>
@@ -9789,7 +9193,7 @@
 </p:sld>
 </file>
 
-<file path=ppt/slides/slide19.xml><?xml version="1.0" encoding="utf-8"?>
+<file path=ppt/slides/slide18.xml><?xml version="1.0" encoding="utf-8"?>
 <p:sld xmlns:a="http://schemas.openxmlformats.org/drawingml/2006/main" xmlns:r="http://schemas.openxmlformats.org/officeDocument/2006/relationships" xmlns:p="http://schemas.openxmlformats.org/presentationml/2006/main">
   <p:cSld>
     <p:bg>
@@ -10458,6 +9862,699 @@
     <p:extLst>
       <p:ext uri="{BB962C8B-B14F-4D97-AF65-F5344CB8AC3E}">
         <p14:creationId xmlns:p14="http://schemas.microsoft.com/office/powerpoint/2010/main" val="2082743496"/>
+      </p:ext>
+    </p:extLst>
+  </p:cSld>
+  <p:clrMapOvr>
+    <a:overrideClrMapping bg1="dk1" tx1="lt1" bg2="dk2" tx2="lt2" accent1="accent1" accent2="accent2" accent3="accent3" accent4="accent4" accent5="accent5" accent6="accent6" hlink="hlink" folHlink="folHlink"/>
+  </p:clrMapOvr>
+</p:sld>
+</file>
+
+<file path=ppt/slides/slide19.xml><?xml version="1.0" encoding="utf-8"?>
+<p:sld xmlns:a="http://schemas.openxmlformats.org/drawingml/2006/main" xmlns:r="http://schemas.openxmlformats.org/officeDocument/2006/relationships" xmlns:p="http://schemas.openxmlformats.org/presentationml/2006/main">
+  <p:cSld>
+    <p:bg>
+      <p:bgPr>
+        <a:solidFill>
+          <a:srgbClr val="395583"/>
+        </a:solidFill>
+        <a:effectLst/>
+      </p:bgPr>
+    </p:bg>
+    <p:spTree>
+      <p:nvGrpSpPr>
+        <p:cNvPr id="1" name="">
+          <a:extLst>
+            <a:ext uri="{FF2B5EF4-FFF2-40B4-BE49-F238E27FC236}">
+              <a16:creationId xmlns:a16="http://schemas.microsoft.com/office/drawing/2014/main" id="{D8336C81-F98A-69C1-DF30-5681F10F278F}"/>
+            </a:ext>
+          </a:extLst>
+        </p:cNvPr>
+        <p:cNvGrpSpPr/>
+        <p:nvPr/>
+      </p:nvGrpSpPr>
+      <p:grpSpPr>
+        <a:xfrm>
+          <a:off x="0" y="0"/>
+          <a:ext cx="0" cy="0"/>
+          <a:chOff x="0" y="0"/>
+          <a:chExt cx="0" cy="0"/>
+        </a:xfrm>
+      </p:grpSpPr>
+      <p:sp>
+        <p:nvSpPr>
+          <p:cNvPr id="25" name="Rectangle 24">
+            <a:extLst>
+              <a:ext uri="{FF2B5EF4-FFF2-40B4-BE49-F238E27FC236}">
+                <a16:creationId xmlns:a16="http://schemas.microsoft.com/office/drawing/2014/main" id="{1D901E50-F2D6-D6BA-FF1B-AE2B158236C9}"/>
+              </a:ext>
+              <a:ext uri="{C183D7F6-B498-43B3-948B-1728B52AA6E4}">
+                <adec:decorative xmlns:adec="http://schemas.microsoft.com/office/drawing/2017/decorative" val="1"/>
+              </a:ext>
+            </a:extLst>
+          </p:cNvPr>
+          <p:cNvSpPr>
+            <a:spLocks noGrp="1" noRot="1" noChangeAspect="1" noMove="1" noResize="1" noEditPoints="1" noAdjustHandles="1" noChangeArrowheads="1" noChangeShapeType="1" noTextEdit="1"/>
+          </p:cNvSpPr>
+          <p:nvPr>
+            <p:extLst>
+              <p:ext uri="{386F3935-93C4-4BCD-93E2-E3B085C9AB24}">
+                <p16:designElem xmlns:p16="http://schemas.microsoft.com/office/powerpoint/2015/main" val="1"/>
+              </p:ext>
+            </p:extLst>
+          </p:nvPr>
+        </p:nvSpPr>
+        <p:spPr>
+          <a:xfrm>
+            <a:off x="0" y="0"/>
+            <a:ext cx="12191999" cy="6858000"/>
+          </a:xfrm>
+          <a:prstGeom prst="rect">
+            <a:avLst/>
+          </a:prstGeom>
+          <a:solidFill>
+            <a:srgbClr val="395583"/>
+          </a:solidFill>
+          <a:ln>
+            <a:noFill/>
+          </a:ln>
+        </p:spPr>
+        <p:style>
+          <a:lnRef idx="2">
+            <a:schemeClr val="accent1">
+              <a:shade val="50000"/>
+            </a:schemeClr>
+          </a:lnRef>
+          <a:fillRef idx="1">
+            <a:schemeClr val="accent1"/>
+          </a:fillRef>
+          <a:effectRef idx="0">
+            <a:schemeClr val="accent1"/>
+          </a:effectRef>
+          <a:fontRef idx="minor">
+            <a:schemeClr val="lt1"/>
+          </a:fontRef>
+        </p:style>
+        <p:txBody>
+          <a:bodyPr rtlCol="0" anchor="ctr"/>
+          <a:lstStyle/>
+          <a:p>
+            <a:pPr algn="ctr"/>
+            <a:endParaRPr lang="en-US"/>
+          </a:p>
+        </p:txBody>
+      </p:sp>
+      <p:sp>
+        <p:nvSpPr>
+          <p:cNvPr id="2" name="Title 1">
+            <a:extLst>
+              <a:ext uri="{FF2B5EF4-FFF2-40B4-BE49-F238E27FC236}">
+                <a16:creationId xmlns:a16="http://schemas.microsoft.com/office/drawing/2014/main" id="{FB5C1D46-D5A1-0CE8-B26D-BF89BB0C6771}"/>
+              </a:ext>
+            </a:extLst>
+          </p:cNvPr>
+          <p:cNvSpPr>
+            <a:spLocks noGrp="1"/>
+          </p:cNvSpPr>
+          <p:nvPr>
+            <p:ph type="title"/>
+          </p:nvPr>
+        </p:nvSpPr>
+        <p:spPr>
+          <a:xfrm>
+            <a:off x="838200" y="365125"/>
+            <a:ext cx="10515600" cy="1325563"/>
+          </a:xfrm>
+        </p:spPr>
+        <p:txBody>
+          <a:bodyPr>
+            <a:normAutofit/>
+          </a:bodyPr>
+          <a:lstStyle/>
+          <a:p>
+            <a:r>
+              <a:rPr lang="en-US" b="1" dirty="0">
+                <a:latin typeface="Selawik Semibold" panose="020B0604020202020204" pitchFamily="34" charset="0"/>
+              </a:rPr>
+              <a:t>Your Industry Future</a:t>
+            </a:r>
+          </a:p>
+        </p:txBody>
+      </p:sp>
+      <p:sp>
+        <p:nvSpPr>
+          <p:cNvPr id="9" name="Content Placeholder 8">
+            <a:extLst>
+              <a:ext uri="{FF2B5EF4-FFF2-40B4-BE49-F238E27FC236}">
+                <a16:creationId xmlns:a16="http://schemas.microsoft.com/office/drawing/2014/main" id="{4E453F8F-0DD8-0315-3021-64BAF411BF3E}"/>
+              </a:ext>
+            </a:extLst>
+          </p:cNvPr>
+          <p:cNvSpPr>
+            <a:spLocks noGrp="1"/>
+          </p:cNvSpPr>
+          <p:nvPr>
+            <p:ph idx="1"/>
+          </p:nvPr>
+        </p:nvSpPr>
+        <p:spPr>
+          <a:xfrm>
+            <a:off x="838199" y="2021248"/>
+            <a:ext cx="8107018" cy="4695905"/>
+          </a:xfrm>
+        </p:spPr>
+        <p:txBody>
+          <a:bodyPr>
+            <a:normAutofit/>
+          </a:bodyPr>
+          <a:lstStyle/>
+          <a:p>
+            <a:r>
+              <a:rPr lang="en-US" sz="2400" dirty="0">
+                <a:latin typeface="Selawik Semibold" panose="020B0702040204020203" pitchFamily="34" charset="0"/>
+              </a:rPr>
+              <a:t>Real Jobs (Builtin.com)</a:t>
+            </a:r>
+          </a:p>
+          <a:p>
+            <a:pPr marL="0" indent="0">
+              <a:buNone/>
+            </a:pPr>
+            <a:endParaRPr lang="en-US" sz="2400" dirty="0">
+              <a:latin typeface="Selawik Semibold" panose="020B0702040204020203" pitchFamily="34" charset="0"/>
+            </a:endParaRPr>
+          </a:p>
+          <a:p>
+            <a:pPr lvl="1"/>
+            <a:r>
+              <a:rPr lang="en-US" sz="2000" dirty="0">
+                <a:latin typeface="Selawik Semibold" panose="020B0702040204020203" pitchFamily="34" charset="0"/>
+              </a:rPr>
+              <a:t>Sr. Data Engineer, Boston Red Sox</a:t>
+            </a:r>
+          </a:p>
+          <a:p>
+            <a:pPr lvl="2"/>
+            <a:r>
+              <a:rPr lang="en-US" sz="1600" dirty="0">
+                <a:latin typeface="Selawik Semibold" panose="020B0702040204020203" pitchFamily="34" charset="0"/>
+              </a:rPr>
+              <a:t>Bachelors Degree in CS-related Field</a:t>
+            </a:r>
+          </a:p>
+          <a:p>
+            <a:pPr lvl="2"/>
+            <a:r>
+              <a:rPr lang="en-US" sz="1600" dirty="0">
+                <a:latin typeface="Selawik Semibold" panose="020B0702040204020203" pitchFamily="34" charset="0"/>
+              </a:rPr>
+              <a:t>Strong SQL Experience</a:t>
+            </a:r>
+          </a:p>
+          <a:p>
+            <a:pPr lvl="2"/>
+            <a:r>
+              <a:rPr lang="en-US" sz="1600" dirty="0">
+                <a:latin typeface="Selawik Semibold" panose="020B0702040204020203" pitchFamily="34" charset="0"/>
+              </a:rPr>
+              <a:t>Snowflake, DBT, </a:t>
+            </a:r>
+            <a:r>
+              <a:rPr lang="en-US" sz="1600" dirty="0" err="1">
+                <a:latin typeface="Selawik Semibold" panose="020B0702040204020203" pitchFamily="34" charset="0"/>
+              </a:rPr>
+              <a:t>GraphQL</a:t>
+            </a:r>
+            <a:endParaRPr lang="en-US" sz="1600" dirty="0">
+              <a:latin typeface="Selawik Semibold" panose="020B0702040204020203" pitchFamily="34" charset="0"/>
+            </a:endParaRPr>
+          </a:p>
+          <a:p>
+            <a:pPr lvl="2"/>
+            <a:endParaRPr lang="en-US" sz="1600" dirty="0">
+              <a:latin typeface="Selawik Semibold" panose="020B0702040204020203" pitchFamily="34" charset="0"/>
+            </a:endParaRPr>
+          </a:p>
+          <a:p>
+            <a:pPr lvl="1"/>
+            <a:r>
+              <a:rPr lang="en-US" sz="2000" dirty="0">
+                <a:latin typeface="Selawik Semibold" panose="020B0702040204020203" pitchFamily="34" charset="0"/>
+              </a:rPr>
+              <a:t>Lead Data Scientist, Dicks Sporting Goods</a:t>
+            </a:r>
+          </a:p>
+          <a:p>
+            <a:pPr lvl="2"/>
+            <a:r>
+              <a:rPr lang="en-US" sz="1600" dirty="0">
+                <a:latin typeface="Selawik Semibold" panose="020B0702040204020203" pitchFamily="34" charset="0"/>
+              </a:rPr>
+              <a:t>Not Entry Level</a:t>
+            </a:r>
+          </a:p>
+          <a:p>
+            <a:pPr lvl="2"/>
+            <a:r>
+              <a:rPr lang="en-US" sz="1600" dirty="0">
+                <a:latin typeface="Selawik Semibold" panose="020B0702040204020203" pitchFamily="34" charset="0"/>
+              </a:rPr>
+              <a:t>Elastic, SOLR</a:t>
+            </a:r>
+          </a:p>
+          <a:p>
+            <a:pPr lvl="2"/>
+            <a:r>
+              <a:rPr lang="en-US" sz="1600" dirty="0">
+                <a:latin typeface="Selawik Semibold" panose="020B0702040204020203" pitchFamily="34" charset="0"/>
+              </a:rPr>
+              <a:t>Engineering of APIs</a:t>
+            </a:r>
+          </a:p>
+          <a:p>
+            <a:pPr lvl="2"/>
+            <a:r>
+              <a:rPr lang="en-US" sz="1600" dirty="0">
+                <a:latin typeface="Selawik Semibold" panose="020B0702040204020203" pitchFamily="34" charset="0"/>
+              </a:rPr>
+              <a:t>TensorFlow, </a:t>
+            </a:r>
+            <a:r>
+              <a:rPr lang="en-US" sz="1600" dirty="0" err="1">
+                <a:latin typeface="Selawik Semibold" panose="020B0702040204020203" pitchFamily="34" charset="0"/>
+              </a:rPr>
+              <a:t>PyTor</a:t>
+            </a:r>
+            <a:endParaRPr lang="en-US" sz="1600" dirty="0">
+              <a:latin typeface="Selawik Semibold" panose="020B0702040204020203" pitchFamily="34" charset="0"/>
+            </a:endParaRPr>
+          </a:p>
+          <a:p>
+            <a:pPr lvl="2"/>
+            <a:endParaRPr lang="en-US" sz="1600" dirty="0">
+              <a:latin typeface="Selawik Semibold" panose="020B0702040204020203" pitchFamily="34" charset="0"/>
+            </a:endParaRPr>
+          </a:p>
+          <a:p>
+            <a:pPr lvl="2"/>
+            <a:endParaRPr lang="en-US" sz="1600" dirty="0">
+              <a:latin typeface="Selawik Semibold" panose="020B0702040204020203" pitchFamily="34" charset="0"/>
+            </a:endParaRPr>
+          </a:p>
+          <a:p>
+            <a:pPr lvl="2"/>
+            <a:endParaRPr lang="en-US" sz="1600" dirty="0">
+              <a:latin typeface="Selawik Semibold" panose="020B0702040204020203" pitchFamily="34" charset="0"/>
+            </a:endParaRPr>
+          </a:p>
+          <a:p>
+            <a:pPr lvl="2"/>
+            <a:endParaRPr lang="en-US" sz="1400" dirty="0">
+              <a:latin typeface="Selawik Semibold" panose="020B0702040204020203" pitchFamily="34" charset="0"/>
+            </a:endParaRPr>
+          </a:p>
+          <a:p>
+            <a:pPr lvl="2"/>
+            <a:endParaRPr lang="en-US" sz="1800" dirty="0">
+              <a:latin typeface="Selawik Semibold" panose="020B0702040204020203" pitchFamily="34" charset="0"/>
+            </a:endParaRPr>
+          </a:p>
+          <a:p>
+            <a:pPr lvl="2"/>
+            <a:endParaRPr lang="en-US" sz="1600" dirty="0">
+              <a:latin typeface="Selawik Semibold" panose="020B0702040204020203" pitchFamily="34" charset="0"/>
+            </a:endParaRPr>
+          </a:p>
+          <a:p>
+            <a:endParaRPr lang="en-US" sz="2400" dirty="0">
+              <a:latin typeface="Selawik Semibold" panose="020B0702040204020203" pitchFamily="34" charset="0"/>
+            </a:endParaRPr>
+          </a:p>
+          <a:p>
+            <a:pPr lvl="1"/>
+            <a:endParaRPr lang="en-US" sz="2000" dirty="0">
+              <a:latin typeface="Selawik Semibold" panose="020B0702040204020203" pitchFamily="34" charset="0"/>
+            </a:endParaRPr>
+          </a:p>
+          <a:p>
+            <a:pPr lvl="2"/>
+            <a:endParaRPr lang="en-US" sz="1800" dirty="0">
+              <a:latin typeface="Selawik Semibold" panose="020B0702040204020203" pitchFamily="34" charset="0"/>
+            </a:endParaRPr>
+          </a:p>
+          <a:p>
+            <a:pPr lvl="1"/>
+            <a:endParaRPr lang="en-US" sz="2200" dirty="0">
+              <a:latin typeface="Selawik Semibold" panose="020B0702040204020203" pitchFamily="34" charset="0"/>
+            </a:endParaRPr>
+          </a:p>
+        </p:txBody>
+      </p:sp>
+      <p:pic>
+        <p:nvPicPr>
+          <p:cNvPr id="4" name="Picture 3" descr="A drawing of a cartoon character&#10;&#10;Description automatically generated">
+            <a:extLst>
+              <a:ext uri="{FF2B5EF4-FFF2-40B4-BE49-F238E27FC236}">
+                <a16:creationId xmlns:a16="http://schemas.microsoft.com/office/drawing/2014/main" id="{5C763E96-7FE7-4CE5-142B-3E664C745EAD}"/>
+              </a:ext>
+            </a:extLst>
+          </p:cNvPr>
+          <p:cNvPicPr>
+            <a:picLocks noChangeAspect="1"/>
+          </p:cNvPicPr>
+          <p:nvPr/>
+        </p:nvPicPr>
+        <p:blipFill rotWithShape="1">
+          <a:blip r:embed="rId2">
+            <a:extLst>
+              <a:ext uri="{28A0092B-C50C-407E-A947-70E740481C1C}">
+                <a14:useLocalDpi xmlns:a14="http://schemas.microsoft.com/office/drawing/2010/main" val="0"/>
+              </a:ext>
+            </a:extLst>
+          </a:blip>
+          <a:srcRect t="5616" r="2" b="2"/>
+          <a:stretch/>
+        </p:blipFill>
+        <p:spPr>
+          <a:xfrm>
+            <a:off x="7471144" y="1700078"/>
+            <a:ext cx="4720855" cy="2583792"/>
+          </a:xfrm>
+          <a:custGeom>
+            <a:avLst/>
+            <a:gdLst>
+              <a:gd name="connsiteX0" fmla="*/ 0 w 5475077"/>
+              <a:gd name="connsiteY0" fmla="*/ 0 h 2583792"/>
+              <a:gd name="connsiteX1" fmla="*/ 5475077 w 5475077"/>
+              <a:gd name="connsiteY1" fmla="*/ 0 h 2583792"/>
+              <a:gd name="connsiteX2" fmla="*/ 5475077 w 5475077"/>
+              <a:gd name="connsiteY2" fmla="*/ 2583792 h 2583792"/>
+              <a:gd name="connsiteX3" fmla="*/ 1197192 w 5475077"/>
+              <a:gd name="connsiteY3" fmla="*/ 2583792 h 2583792"/>
+            </a:gdLst>
+            <a:ahLst/>
+            <a:cxnLst>
+              <a:cxn ang="0">
+                <a:pos x="connsiteX0" y="connsiteY0"/>
+              </a:cxn>
+              <a:cxn ang="0">
+                <a:pos x="connsiteX1" y="connsiteY1"/>
+              </a:cxn>
+              <a:cxn ang="0">
+                <a:pos x="connsiteX2" y="connsiteY2"/>
+              </a:cxn>
+              <a:cxn ang="0">
+                <a:pos x="connsiteX3" y="connsiteY3"/>
+              </a:cxn>
+            </a:cxnLst>
+            <a:rect l="l" t="t" r="r" b="b"/>
+            <a:pathLst>
+              <a:path w="5475077" h="2583792">
+                <a:moveTo>
+                  <a:pt x="0" y="0"/>
+                </a:moveTo>
+                <a:lnTo>
+                  <a:pt x="5475077" y="0"/>
+                </a:lnTo>
+                <a:lnTo>
+                  <a:pt x="5475077" y="2583792"/>
+                </a:lnTo>
+                <a:lnTo>
+                  <a:pt x="1197192" y="2583792"/>
+                </a:lnTo>
+                <a:close/>
+              </a:path>
+            </a:pathLst>
+          </a:custGeom>
+        </p:spPr>
+      </p:pic>
+      <p:pic>
+        <p:nvPicPr>
+          <p:cNvPr id="5" name="Content Placeholder 4" descr="A picture containing indoor&#10;&#10;Description automatically generated">
+            <a:extLst>
+              <a:ext uri="{FF2B5EF4-FFF2-40B4-BE49-F238E27FC236}">
+                <a16:creationId xmlns:a16="http://schemas.microsoft.com/office/drawing/2014/main" id="{618F6228-7088-3B19-BC95-ADF615E6D7DC}"/>
+              </a:ext>
+            </a:extLst>
+          </p:cNvPr>
+          <p:cNvPicPr>
+            <a:picLocks noChangeAspect="1"/>
+          </p:cNvPicPr>
+          <p:nvPr/>
+        </p:nvPicPr>
+        <p:blipFill rotWithShape="1">
+          <a:blip r:embed="rId3">
+            <a:extLst>
+              <a:ext uri="{28A0092B-C50C-407E-A947-70E740481C1C}">
+                <a14:useLocalDpi xmlns:a14="http://schemas.microsoft.com/office/drawing/2010/main" val="0"/>
+              </a:ext>
+            </a:extLst>
+          </a:blip>
+          <a:srcRect t="5300" r="3" b="6859"/>
+          <a:stretch/>
+        </p:blipFill>
+        <p:spPr>
+          <a:xfrm>
+            <a:off x="8491869" y="4283870"/>
+            <a:ext cx="3700129" cy="2583520"/>
+          </a:xfrm>
+          <a:custGeom>
+            <a:avLst/>
+            <a:gdLst>
+              <a:gd name="connsiteX0" fmla="*/ 0 w 4277884"/>
+              <a:gd name="connsiteY0" fmla="*/ 0 h 2583520"/>
+              <a:gd name="connsiteX1" fmla="*/ 4277884 w 4277884"/>
+              <a:gd name="connsiteY1" fmla="*/ 0 h 2583520"/>
+              <a:gd name="connsiteX2" fmla="*/ 4277884 w 4277884"/>
+              <a:gd name="connsiteY2" fmla="*/ 2583520 h 2583520"/>
+              <a:gd name="connsiteX3" fmla="*/ 1192437 w 4277884"/>
+              <a:gd name="connsiteY3" fmla="*/ 2583520 h 2583520"/>
+              <a:gd name="connsiteX4" fmla="*/ 1188085 w 4277884"/>
+              <a:gd name="connsiteY4" fmla="*/ 2574129 h 2583520"/>
+              <a:gd name="connsiteX5" fmla="*/ 1192715 w 4277884"/>
+              <a:gd name="connsiteY5" fmla="*/ 2574129 h 2583520"/>
+            </a:gdLst>
+            <a:ahLst/>
+            <a:cxnLst>
+              <a:cxn ang="0">
+                <a:pos x="connsiteX0" y="connsiteY0"/>
+              </a:cxn>
+              <a:cxn ang="0">
+                <a:pos x="connsiteX1" y="connsiteY1"/>
+              </a:cxn>
+              <a:cxn ang="0">
+                <a:pos x="connsiteX2" y="connsiteY2"/>
+              </a:cxn>
+              <a:cxn ang="0">
+                <a:pos x="connsiteX3" y="connsiteY3"/>
+              </a:cxn>
+              <a:cxn ang="0">
+                <a:pos x="connsiteX4" y="connsiteY4"/>
+              </a:cxn>
+              <a:cxn ang="0">
+                <a:pos x="connsiteX5" y="connsiteY5"/>
+              </a:cxn>
+            </a:cxnLst>
+            <a:rect l="l" t="t" r="r" b="b"/>
+            <a:pathLst>
+              <a:path w="4277884" h="2583520">
+                <a:moveTo>
+                  <a:pt x="0" y="0"/>
+                </a:moveTo>
+                <a:lnTo>
+                  <a:pt x="4277884" y="0"/>
+                </a:lnTo>
+                <a:lnTo>
+                  <a:pt x="4277884" y="2583520"/>
+                </a:lnTo>
+                <a:lnTo>
+                  <a:pt x="1192437" y="2583520"/>
+                </a:lnTo>
+                <a:lnTo>
+                  <a:pt x="1188085" y="2574129"/>
+                </a:lnTo>
+                <a:lnTo>
+                  <a:pt x="1192715" y="2574129"/>
+                </a:lnTo>
+                <a:close/>
+              </a:path>
+            </a:pathLst>
+          </a:custGeom>
+        </p:spPr>
+      </p:pic>
+      <p:sp>
+        <p:nvSpPr>
+          <p:cNvPr id="6" name="Rectangle 5">
+            <a:extLst>
+              <a:ext uri="{FF2B5EF4-FFF2-40B4-BE49-F238E27FC236}">
+                <a16:creationId xmlns:a16="http://schemas.microsoft.com/office/drawing/2014/main" id="{B6A86873-83E8-B2F6-565D-1340B151720E}"/>
+              </a:ext>
+            </a:extLst>
+          </p:cNvPr>
+          <p:cNvSpPr/>
+          <p:nvPr/>
+        </p:nvSpPr>
+        <p:spPr>
+          <a:xfrm>
+            <a:off x="-1" y="1608918"/>
+            <a:ext cx="12191999" cy="91160"/>
+          </a:xfrm>
+          <a:prstGeom prst="rect">
+            <a:avLst/>
+          </a:prstGeom>
+          <a:solidFill>
+            <a:schemeClr val="bg1"/>
+          </a:solidFill>
+          <a:ln>
+            <a:noFill/>
+          </a:ln>
+        </p:spPr>
+        <p:style>
+          <a:lnRef idx="2">
+            <a:schemeClr val="accent1">
+              <a:shade val="50000"/>
+            </a:schemeClr>
+          </a:lnRef>
+          <a:fillRef idx="1">
+            <a:schemeClr val="accent1"/>
+          </a:fillRef>
+          <a:effectRef idx="0">
+            <a:schemeClr val="accent1"/>
+          </a:effectRef>
+          <a:fontRef idx="minor">
+            <a:schemeClr val="lt1"/>
+          </a:fontRef>
+        </p:style>
+        <p:txBody>
+          <a:bodyPr rtlCol="0" anchor="ctr"/>
+          <a:lstStyle/>
+          <a:p>
+            <a:pPr algn="ctr"/>
+            <a:endParaRPr lang="en-US">
+              <a:solidFill>
+                <a:srgbClr val="DB5B5C"/>
+              </a:solidFill>
+            </a:endParaRPr>
+          </a:p>
+        </p:txBody>
+      </p:sp>
+      <p:sp>
+        <p:nvSpPr>
+          <p:cNvPr id="15" name="Rectangle 14">
+            <a:extLst>
+              <a:ext uri="{FF2B5EF4-FFF2-40B4-BE49-F238E27FC236}">
+                <a16:creationId xmlns:a16="http://schemas.microsoft.com/office/drawing/2014/main" id="{9E3AED4A-8BC2-E2DB-94CA-9DAB6344D058}"/>
+              </a:ext>
+            </a:extLst>
+          </p:cNvPr>
+          <p:cNvSpPr/>
+          <p:nvPr/>
+        </p:nvSpPr>
+        <p:spPr>
+          <a:xfrm>
+            <a:off x="1" y="6677247"/>
+            <a:ext cx="12191999" cy="190143"/>
+          </a:xfrm>
+          <a:prstGeom prst="rect">
+            <a:avLst/>
+          </a:prstGeom>
+          <a:solidFill>
+            <a:schemeClr val="bg1"/>
+          </a:solidFill>
+          <a:ln>
+            <a:noFill/>
+          </a:ln>
+        </p:spPr>
+        <p:style>
+          <a:lnRef idx="2">
+            <a:schemeClr val="accent1">
+              <a:shade val="50000"/>
+            </a:schemeClr>
+          </a:lnRef>
+          <a:fillRef idx="1">
+            <a:schemeClr val="accent1"/>
+          </a:fillRef>
+          <a:effectRef idx="0">
+            <a:schemeClr val="accent1"/>
+          </a:effectRef>
+          <a:fontRef idx="minor">
+            <a:schemeClr val="lt1"/>
+          </a:fontRef>
+        </p:style>
+        <p:txBody>
+          <a:bodyPr rtlCol="0" anchor="ctr"/>
+          <a:lstStyle/>
+          <a:p>
+            <a:pPr algn="ctr"/>
+            <a:endParaRPr lang="en-US">
+              <a:solidFill>
+                <a:srgbClr val="DB5B5C"/>
+              </a:solidFill>
+            </a:endParaRPr>
+          </a:p>
+        </p:txBody>
+      </p:sp>
+      <p:sp>
+        <p:nvSpPr>
+          <p:cNvPr id="16" name="Rectangle 15">
+            <a:extLst>
+              <a:ext uri="{FF2B5EF4-FFF2-40B4-BE49-F238E27FC236}">
+                <a16:creationId xmlns:a16="http://schemas.microsoft.com/office/drawing/2014/main" id="{9477F173-C342-48D8-4F39-8CE2EC696F9E}"/>
+              </a:ext>
+            </a:extLst>
+          </p:cNvPr>
+          <p:cNvSpPr/>
+          <p:nvPr/>
+        </p:nvSpPr>
+        <p:spPr>
+          <a:xfrm rot="4092292">
+            <a:off x="5790668" y="4094517"/>
+            <a:ext cx="5446699" cy="137038"/>
+          </a:xfrm>
+          <a:prstGeom prst="rect">
+            <a:avLst/>
+          </a:prstGeom>
+          <a:solidFill>
+            <a:schemeClr val="bg1"/>
+          </a:solidFill>
+          <a:ln>
+            <a:noFill/>
+          </a:ln>
+        </p:spPr>
+        <p:style>
+          <a:lnRef idx="2">
+            <a:schemeClr val="accent1">
+              <a:shade val="50000"/>
+            </a:schemeClr>
+          </a:lnRef>
+          <a:fillRef idx="1">
+            <a:schemeClr val="accent1"/>
+          </a:fillRef>
+          <a:effectRef idx="0">
+            <a:schemeClr val="accent1"/>
+          </a:effectRef>
+          <a:fontRef idx="minor">
+            <a:schemeClr val="lt1"/>
+          </a:fontRef>
+        </p:style>
+        <p:txBody>
+          <a:bodyPr rtlCol="0" anchor="ctr"/>
+          <a:lstStyle/>
+          <a:p>
+            <a:pPr algn="ctr"/>
+            <a:endParaRPr lang="en-US">
+              <a:solidFill>
+                <a:srgbClr val="DB5B5C"/>
+              </a:solidFill>
+            </a:endParaRPr>
+          </a:p>
+        </p:txBody>
+      </p:sp>
+    </p:spTree>
+    <p:extLst>
+      <p:ext uri="{BB962C8B-B14F-4D97-AF65-F5344CB8AC3E}">
+        <p14:creationId xmlns:p14="http://schemas.microsoft.com/office/powerpoint/2010/main" val="1464992098"/>
       </p:ext>
     </p:extLst>
   </p:cSld>
@@ -11072,7 +11169,7 @@
         <p:cNvPr id="1" name="">
           <a:extLst>
             <a:ext uri="{FF2B5EF4-FFF2-40B4-BE49-F238E27FC236}">
-              <a16:creationId xmlns:a16="http://schemas.microsoft.com/office/drawing/2014/main" id="{D8336C81-F98A-69C1-DF30-5681F10F278F}"/>
+              <a16:creationId xmlns:a16="http://schemas.microsoft.com/office/drawing/2014/main" id="{A8159F0C-2778-EC60-60EF-CA0942D62A39}"/>
             </a:ext>
           </a:extLst>
         </p:cNvPr>
@@ -11092,7 +11189,7 @@
           <p:cNvPr id="25" name="Rectangle 24">
             <a:extLst>
               <a:ext uri="{FF2B5EF4-FFF2-40B4-BE49-F238E27FC236}">
-                <a16:creationId xmlns:a16="http://schemas.microsoft.com/office/drawing/2014/main" id="{1D901E50-F2D6-D6BA-FF1B-AE2B158236C9}"/>
+                <a16:creationId xmlns:a16="http://schemas.microsoft.com/office/drawing/2014/main" id="{2117A125-9D9D-B086-FB92-03EFCC5AE4B1}"/>
               </a:ext>
               <a:ext uri="{C183D7F6-B498-43B3-948B-1728B52AA6E4}">
                 <adec:decorative xmlns:adec="http://schemas.microsoft.com/office/drawing/2017/decorative" val="1"/>
@@ -11155,7 +11252,7 @@
           <p:cNvPr id="2" name="Title 1">
             <a:extLst>
               <a:ext uri="{FF2B5EF4-FFF2-40B4-BE49-F238E27FC236}">
-                <a16:creationId xmlns:a16="http://schemas.microsoft.com/office/drawing/2014/main" id="{FB5C1D46-D5A1-0CE8-B26D-BF89BB0C6771}"/>
+                <a16:creationId xmlns:a16="http://schemas.microsoft.com/office/drawing/2014/main" id="{5FE71357-D153-F96A-DEFF-AB30CEF8EA17}"/>
               </a:ext>
             </a:extLst>
           </p:cNvPr>
@@ -11192,7 +11289,7 @@
           <p:cNvPr id="9" name="Content Placeholder 8">
             <a:extLst>
               <a:ext uri="{FF2B5EF4-FFF2-40B4-BE49-F238E27FC236}">
-                <a16:creationId xmlns:a16="http://schemas.microsoft.com/office/drawing/2014/main" id="{4E453F8F-0DD8-0315-3021-64BAF411BF3E}"/>
+                <a16:creationId xmlns:a16="http://schemas.microsoft.com/office/drawing/2014/main" id="{C978C52B-1930-8327-E4DE-6BC01FDB4C82}"/>
               </a:ext>
             </a:extLst>
           </p:cNvPr>
@@ -11219,7 +11316,7 @@
               <a:rPr lang="en-US" sz="2400" dirty="0">
                 <a:latin typeface="Selawik Semibold" panose="020B0702040204020203" pitchFamily="34" charset="0"/>
               </a:rPr>
-              <a:t>Real Jobs (Builtin.com)</a:t>
+              <a:t>Real Jobs (ZipRecruiter)</a:t>
             </a:r>
           </a:p>
           <a:p>
@@ -11236,7 +11333,7 @@
               <a:rPr lang="en-US" sz="2000" dirty="0">
                 <a:latin typeface="Selawik Semibold" panose="020B0702040204020203" pitchFamily="34" charset="0"/>
               </a:rPr>
-              <a:t>Sr. Data Engineer, Boston Red Sox</a:t>
+              <a:t>Quantitative Analyst, Philadelphia Phillies</a:t>
             </a:r>
           </a:p>
           <a:p>
@@ -11245,7 +11342,7 @@
               <a:rPr lang="en-US" sz="1600" dirty="0">
                 <a:latin typeface="Selawik Semibold" panose="020B0702040204020203" pitchFamily="34" charset="0"/>
               </a:rPr>
-              <a:t>Bachelors Degree in CS-related Field</a:t>
+              <a:t>Focus on Computer Vision and Machine Learning</a:t>
             </a:r>
           </a:p>
           <a:p>
@@ -11254,26 +11351,35 @@
               <a:rPr lang="en-US" sz="1600" dirty="0">
                 <a:latin typeface="Selawik Semibold" panose="020B0702040204020203" pitchFamily="34" charset="0"/>
               </a:rPr>
-              <a:t>Strong SQL Experience</a:t>
+              <a:t>BS, MS, or PhD in STEM</a:t>
             </a:r>
           </a:p>
           <a:p>
             <a:pPr lvl="2"/>
             <a:r>
+              <a:rPr lang="en-US" sz="1600" dirty="0" err="1">
+                <a:latin typeface="Selawik Semibold" panose="020B0702040204020203" pitchFamily="34" charset="0"/>
+              </a:rPr>
+              <a:t>PyTorch</a:t>
+            </a:r>
+            <a:r>
               <a:rPr lang="en-US" sz="1600" dirty="0">
                 <a:latin typeface="Selawik Semibold" panose="020B0702040204020203" pitchFamily="34" charset="0"/>
               </a:rPr>
-              <a:t>Snowflake, DBT, </a:t>
+              <a:t>, TensorFlow, </a:t>
             </a:r>
             <a:r>
               <a:rPr lang="en-US" sz="1600" dirty="0" err="1">
                 <a:latin typeface="Selawik Semibold" panose="020B0702040204020203" pitchFamily="34" charset="0"/>
               </a:rPr>
-              <a:t>GraphQL</a:t>
-            </a:r>
-            <a:endParaRPr lang="en-US" sz="1600" dirty="0">
-              <a:latin typeface="Selawik Semibold" panose="020B0702040204020203" pitchFamily="34" charset="0"/>
-            </a:endParaRPr>
+              <a:t>Keras</a:t>
+            </a:r>
+            <a:r>
+              <a:rPr lang="en-US" sz="1600" dirty="0">
+                <a:latin typeface="Selawik Semibold" panose="020B0702040204020203" pitchFamily="34" charset="0"/>
+              </a:rPr>
+              <a:t>, OpenCV</a:t>
+            </a:r>
           </a:p>
           <a:p>
             <a:pPr lvl="2"/>
@@ -11282,56 +11388,14 @@
             </a:endParaRPr>
           </a:p>
           <a:p>
-            <a:pPr lvl="1"/>
-            <a:r>
-              <a:rPr lang="en-US" sz="2000" dirty="0">
-                <a:latin typeface="Selawik Semibold" panose="020B0702040204020203" pitchFamily="34" charset="0"/>
-              </a:rPr>
-              <a:t>Lead Data Scientist, Dicks Sporting Goods</a:t>
-            </a:r>
-          </a:p>
-          <a:p>
             <a:pPr lvl="2"/>
-            <a:r>
-              <a:rPr lang="en-US" sz="1600" dirty="0">
-                <a:latin typeface="Selawik Semibold" panose="020B0702040204020203" pitchFamily="34" charset="0"/>
-              </a:rPr>
-              <a:t>Not Entry Level</a:t>
-            </a:r>
+            <a:endParaRPr lang="en-US" sz="1400" dirty="0">
+              <a:latin typeface="Selawik Semibold" panose="020B0702040204020203" pitchFamily="34" charset="0"/>
+            </a:endParaRPr>
           </a:p>
           <a:p>
             <a:pPr lvl="2"/>
-            <a:r>
-              <a:rPr lang="en-US" sz="1600" dirty="0">
-                <a:latin typeface="Selawik Semibold" panose="020B0702040204020203" pitchFamily="34" charset="0"/>
-              </a:rPr>
-              <a:t>Elastic, SOLR</a:t>
-            </a:r>
-          </a:p>
-          <a:p>
-            <a:pPr lvl="2"/>
-            <a:r>
-              <a:rPr lang="en-US" sz="1600" dirty="0">
-                <a:latin typeface="Selawik Semibold" panose="020B0702040204020203" pitchFamily="34" charset="0"/>
-              </a:rPr>
-              <a:t>Engineering of APIs</a:t>
-            </a:r>
-          </a:p>
-          <a:p>
-            <a:pPr lvl="2"/>
-            <a:r>
-              <a:rPr lang="en-US" sz="1600" dirty="0">
-                <a:latin typeface="Selawik Semibold" panose="020B0702040204020203" pitchFamily="34" charset="0"/>
-              </a:rPr>
-              <a:t>TensorFlow, </a:t>
-            </a:r>
-            <a:r>
-              <a:rPr lang="en-US" sz="1600" dirty="0" err="1">
-                <a:latin typeface="Selawik Semibold" panose="020B0702040204020203" pitchFamily="34" charset="0"/>
-              </a:rPr>
-              <a:t>PyTor</a:t>
-            </a:r>
-            <a:endParaRPr lang="en-US" sz="1600" dirty="0">
+            <a:endParaRPr lang="en-US" sz="1800" dirty="0">
               <a:latin typeface="Selawik Semibold" panose="020B0702040204020203" pitchFamily="34" charset="0"/>
             </a:endParaRPr>
           </a:p>
@@ -11342,20 +11406,13 @@
             </a:endParaRPr>
           </a:p>
           <a:p>
-            <a:pPr lvl="2"/>
-            <a:endParaRPr lang="en-US" sz="1600" dirty="0">
+            <a:endParaRPr lang="en-US" sz="2400" dirty="0">
               <a:latin typeface="Selawik Semibold" panose="020B0702040204020203" pitchFamily="34" charset="0"/>
             </a:endParaRPr>
           </a:p>
           <a:p>
-            <a:pPr lvl="2"/>
-            <a:endParaRPr lang="en-US" sz="1600" dirty="0">
-              <a:latin typeface="Selawik Semibold" panose="020B0702040204020203" pitchFamily="34" charset="0"/>
-            </a:endParaRPr>
-          </a:p>
-          <a:p>
-            <a:pPr lvl="2"/>
-            <a:endParaRPr lang="en-US" sz="1400" dirty="0">
+            <a:pPr lvl="1"/>
+            <a:endParaRPr lang="en-US" sz="2000" dirty="0">
               <a:latin typeface="Selawik Semibold" panose="020B0702040204020203" pitchFamily="34" charset="0"/>
             </a:endParaRPr>
           </a:p>
@@ -11366,29 +11423,6 @@
             </a:endParaRPr>
           </a:p>
           <a:p>
-            <a:pPr lvl="2"/>
-            <a:endParaRPr lang="en-US" sz="1600" dirty="0">
-              <a:latin typeface="Selawik Semibold" panose="020B0702040204020203" pitchFamily="34" charset="0"/>
-            </a:endParaRPr>
-          </a:p>
-          <a:p>
-            <a:endParaRPr lang="en-US" sz="2400" dirty="0">
-              <a:latin typeface="Selawik Semibold" panose="020B0702040204020203" pitchFamily="34" charset="0"/>
-            </a:endParaRPr>
-          </a:p>
-          <a:p>
-            <a:pPr lvl="1"/>
-            <a:endParaRPr lang="en-US" sz="2000" dirty="0">
-              <a:latin typeface="Selawik Semibold" panose="020B0702040204020203" pitchFamily="34" charset="0"/>
-            </a:endParaRPr>
-          </a:p>
-          <a:p>
-            <a:pPr lvl="2"/>
-            <a:endParaRPr lang="en-US" sz="1800" dirty="0">
-              <a:latin typeface="Selawik Semibold" panose="020B0702040204020203" pitchFamily="34" charset="0"/>
-            </a:endParaRPr>
-          </a:p>
-          <a:p>
             <a:pPr lvl="1"/>
             <a:endParaRPr lang="en-US" sz="2200" dirty="0">
               <a:latin typeface="Selawik Semibold" panose="020B0702040204020203" pitchFamily="34" charset="0"/>
@@ -11401,7 +11435,7 @@
           <p:cNvPr id="4" name="Picture 3" descr="A drawing of a cartoon character&#10;&#10;Description automatically generated">
             <a:extLst>
               <a:ext uri="{FF2B5EF4-FFF2-40B4-BE49-F238E27FC236}">
-                <a16:creationId xmlns:a16="http://schemas.microsoft.com/office/drawing/2014/main" id="{5C763E96-7FE7-4CE5-142B-3E664C745EAD}"/>
+                <a16:creationId xmlns:a16="http://schemas.microsoft.com/office/drawing/2014/main" id="{32FFBC7C-02B9-7EC1-ABC7-D264AF7F9604}"/>
               </a:ext>
             </a:extLst>
           </p:cNvPr>
@@ -11479,7 +11513,7 @@
           <p:cNvPr id="5" name="Content Placeholder 4" descr="A picture containing indoor&#10;&#10;Description automatically generated">
             <a:extLst>
               <a:ext uri="{FF2B5EF4-FFF2-40B4-BE49-F238E27FC236}">
-                <a16:creationId xmlns:a16="http://schemas.microsoft.com/office/drawing/2014/main" id="{618F6228-7088-3B19-BC95-ADF615E6D7DC}"/>
+                <a16:creationId xmlns:a16="http://schemas.microsoft.com/office/drawing/2014/main" id="{3BF0E8CF-4C46-3594-7516-9AB97C24E065}"/>
               </a:ext>
             </a:extLst>
           </p:cNvPr>
@@ -11573,7 +11607,7 @@
           <p:cNvPr id="6" name="Rectangle 5">
             <a:extLst>
               <a:ext uri="{FF2B5EF4-FFF2-40B4-BE49-F238E27FC236}">
-                <a16:creationId xmlns:a16="http://schemas.microsoft.com/office/drawing/2014/main" id="{B6A86873-83E8-B2F6-565D-1340B151720E}"/>
+                <a16:creationId xmlns:a16="http://schemas.microsoft.com/office/drawing/2014/main" id="{4F835728-A1F9-F435-D33B-62FFB44A963A}"/>
               </a:ext>
             </a:extLst>
           </p:cNvPr>
@@ -11629,7 +11663,7 @@
           <p:cNvPr id="15" name="Rectangle 14">
             <a:extLst>
               <a:ext uri="{FF2B5EF4-FFF2-40B4-BE49-F238E27FC236}">
-                <a16:creationId xmlns:a16="http://schemas.microsoft.com/office/drawing/2014/main" id="{9E3AED4A-8BC2-E2DB-94CA-9DAB6344D058}"/>
+                <a16:creationId xmlns:a16="http://schemas.microsoft.com/office/drawing/2014/main" id="{DE65FC45-AED2-EEA9-7868-AE1BEAFC8FF8}"/>
               </a:ext>
             </a:extLst>
           </p:cNvPr>
@@ -11685,7 +11719,7 @@
           <p:cNvPr id="16" name="Rectangle 15">
             <a:extLst>
               <a:ext uri="{FF2B5EF4-FFF2-40B4-BE49-F238E27FC236}">
-                <a16:creationId xmlns:a16="http://schemas.microsoft.com/office/drawing/2014/main" id="{9477F173-C342-48D8-4F39-8CE2EC696F9E}"/>
+                <a16:creationId xmlns:a16="http://schemas.microsoft.com/office/drawing/2014/main" id="{B253D057-7E16-91A1-2AA4-F84C7AFFAD0A}"/>
               </a:ext>
             </a:extLst>
           </p:cNvPr>
@@ -11739,7 +11773,7 @@
     </p:spTree>
     <p:extLst>
       <p:ext uri="{BB962C8B-B14F-4D97-AF65-F5344CB8AC3E}">
-        <p14:creationId xmlns:p14="http://schemas.microsoft.com/office/powerpoint/2010/main" val="1464992098"/>
+        <p14:creationId xmlns:p14="http://schemas.microsoft.com/office/powerpoint/2010/main" val="813014251"/>
       </p:ext>
     </p:extLst>
   </p:cSld>
@@ -11750,636 +11784,6 @@
 </file>
 
 <file path=ppt/slides/slide21.xml><?xml version="1.0" encoding="utf-8"?>
-<p:sld xmlns:a="http://schemas.openxmlformats.org/drawingml/2006/main" xmlns:r="http://schemas.openxmlformats.org/officeDocument/2006/relationships" xmlns:p="http://schemas.openxmlformats.org/presentationml/2006/main">
-  <p:cSld>
-    <p:bg>
-      <p:bgPr>
-        <a:solidFill>
-          <a:srgbClr val="395583"/>
-        </a:solidFill>
-        <a:effectLst/>
-      </p:bgPr>
-    </p:bg>
-    <p:spTree>
-      <p:nvGrpSpPr>
-        <p:cNvPr id="1" name="">
-          <a:extLst>
-            <a:ext uri="{FF2B5EF4-FFF2-40B4-BE49-F238E27FC236}">
-              <a16:creationId xmlns:a16="http://schemas.microsoft.com/office/drawing/2014/main" id="{A8159F0C-2778-EC60-60EF-CA0942D62A39}"/>
-            </a:ext>
-          </a:extLst>
-        </p:cNvPr>
-        <p:cNvGrpSpPr/>
-        <p:nvPr/>
-      </p:nvGrpSpPr>
-      <p:grpSpPr>
-        <a:xfrm>
-          <a:off x="0" y="0"/>
-          <a:ext cx="0" cy="0"/>
-          <a:chOff x="0" y="0"/>
-          <a:chExt cx="0" cy="0"/>
-        </a:xfrm>
-      </p:grpSpPr>
-      <p:sp>
-        <p:nvSpPr>
-          <p:cNvPr id="25" name="Rectangle 24">
-            <a:extLst>
-              <a:ext uri="{FF2B5EF4-FFF2-40B4-BE49-F238E27FC236}">
-                <a16:creationId xmlns:a16="http://schemas.microsoft.com/office/drawing/2014/main" id="{2117A125-9D9D-B086-FB92-03EFCC5AE4B1}"/>
-              </a:ext>
-              <a:ext uri="{C183D7F6-B498-43B3-948B-1728B52AA6E4}">
-                <adec:decorative xmlns:adec="http://schemas.microsoft.com/office/drawing/2017/decorative" val="1"/>
-              </a:ext>
-            </a:extLst>
-          </p:cNvPr>
-          <p:cNvSpPr>
-            <a:spLocks noGrp="1" noRot="1" noChangeAspect="1" noMove="1" noResize="1" noEditPoints="1" noAdjustHandles="1" noChangeArrowheads="1" noChangeShapeType="1" noTextEdit="1"/>
-          </p:cNvSpPr>
-          <p:nvPr>
-            <p:extLst>
-              <p:ext uri="{386F3935-93C4-4BCD-93E2-E3B085C9AB24}">
-                <p16:designElem xmlns:p16="http://schemas.microsoft.com/office/powerpoint/2015/main" val="1"/>
-              </p:ext>
-            </p:extLst>
-          </p:nvPr>
-        </p:nvSpPr>
-        <p:spPr>
-          <a:xfrm>
-            <a:off x="0" y="0"/>
-            <a:ext cx="12191999" cy="6858000"/>
-          </a:xfrm>
-          <a:prstGeom prst="rect">
-            <a:avLst/>
-          </a:prstGeom>
-          <a:solidFill>
-            <a:srgbClr val="395583"/>
-          </a:solidFill>
-          <a:ln>
-            <a:noFill/>
-          </a:ln>
-        </p:spPr>
-        <p:style>
-          <a:lnRef idx="2">
-            <a:schemeClr val="accent1">
-              <a:shade val="50000"/>
-            </a:schemeClr>
-          </a:lnRef>
-          <a:fillRef idx="1">
-            <a:schemeClr val="accent1"/>
-          </a:fillRef>
-          <a:effectRef idx="0">
-            <a:schemeClr val="accent1"/>
-          </a:effectRef>
-          <a:fontRef idx="minor">
-            <a:schemeClr val="lt1"/>
-          </a:fontRef>
-        </p:style>
-        <p:txBody>
-          <a:bodyPr rtlCol="0" anchor="ctr"/>
-          <a:lstStyle/>
-          <a:p>
-            <a:pPr algn="ctr"/>
-            <a:endParaRPr lang="en-US"/>
-          </a:p>
-        </p:txBody>
-      </p:sp>
-      <p:sp>
-        <p:nvSpPr>
-          <p:cNvPr id="2" name="Title 1">
-            <a:extLst>
-              <a:ext uri="{FF2B5EF4-FFF2-40B4-BE49-F238E27FC236}">
-                <a16:creationId xmlns:a16="http://schemas.microsoft.com/office/drawing/2014/main" id="{5FE71357-D153-F96A-DEFF-AB30CEF8EA17}"/>
-              </a:ext>
-            </a:extLst>
-          </p:cNvPr>
-          <p:cNvSpPr>
-            <a:spLocks noGrp="1"/>
-          </p:cNvSpPr>
-          <p:nvPr>
-            <p:ph type="title"/>
-          </p:nvPr>
-        </p:nvSpPr>
-        <p:spPr>
-          <a:xfrm>
-            <a:off x="838200" y="365125"/>
-            <a:ext cx="10515600" cy="1325563"/>
-          </a:xfrm>
-        </p:spPr>
-        <p:txBody>
-          <a:bodyPr>
-            <a:normAutofit/>
-          </a:bodyPr>
-          <a:lstStyle/>
-          <a:p>
-            <a:r>
-              <a:rPr lang="en-US" b="1" dirty="0">
-                <a:latin typeface="Selawik Semibold" panose="020B0604020202020204" pitchFamily="34" charset="0"/>
-              </a:rPr>
-              <a:t>Your Industry Future</a:t>
-            </a:r>
-          </a:p>
-        </p:txBody>
-      </p:sp>
-      <p:sp>
-        <p:nvSpPr>
-          <p:cNvPr id="9" name="Content Placeholder 8">
-            <a:extLst>
-              <a:ext uri="{FF2B5EF4-FFF2-40B4-BE49-F238E27FC236}">
-                <a16:creationId xmlns:a16="http://schemas.microsoft.com/office/drawing/2014/main" id="{C978C52B-1930-8327-E4DE-6BC01FDB4C82}"/>
-              </a:ext>
-            </a:extLst>
-          </p:cNvPr>
-          <p:cNvSpPr>
-            <a:spLocks noGrp="1"/>
-          </p:cNvSpPr>
-          <p:nvPr>
-            <p:ph idx="1"/>
-          </p:nvPr>
-        </p:nvSpPr>
-        <p:spPr>
-          <a:xfrm>
-            <a:off x="838199" y="2021248"/>
-            <a:ext cx="8107018" cy="4695905"/>
-          </a:xfrm>
-        </p:spPr>
-        <p:txBody>
-          <a:bodyPr>
-            <a:normAutofit/>
-          </a:bodyPr>
-          <a:lstStyle/>
-          <a:p>
-            <a:r>
-              <a:rPr lang="en-US" sz="2400" dirty="0">
-                <a:latin typeface="Selawik Semibold" panose="020B0702040204020203" pitchFamily="34" charset="0"/>
-              </a:rPr>
-              <a:t>Real Jobs (ZipRecruiter)</a:t>
-            </a:r>
-          </a:p>
-          <a:p>
-            <a:pPr marL="0" indent="0">
-              <a:buNone/>
-            </a:pPr>
-            <a:endParaRPr lang="en-US" sz="2400" dirty="0">
-              <a:latin typeface="Selawik Semibold" panose="020B0702040204020203" pitchFamily="34" charset="0"/>
-            </a:endParaRPr>
-          </a:p>
-          <a:p>
-            <a:pPr lvl="1"/>
-            <a:r>
-              <a:rPr lang="en-US" sz="2000" dirty="0">
-                <a:latin typeface="Selawik Semibold" panose="020B0702040204020203" pitchFamily="34" charset="0"/>
-              </a:rPr>
-              <a:t>Quantitative Analyst, Philadelphia Phillies</a:t>
-            </a:r>
-          </a:p>
-          <a:p>
-            <a:pPr lvl="2"/>
-            <a:r>
-              <a:rPr lang="en-US" sz="1600" dirty="0">
-                <a:latin typeface="Selawik Semibold" panose="020B0702040204020203" pitchFamily="34" charset="0"/>
-              </a:rPr>
-              <a:t>Focus on Computer Vision and Machine Learning</a:t>
-            </a:r>
-          </a:p>
-          <a:p>
-            <a:pPr lvl="2"/>
-            <a:r>
-              <a:rPr lang="en-US" sz="1600" dirty="0">
-                <a:latin typeface="Selawik Semibold" panose="020B0702040204020203" pitchFamily="34" charset="0"/>
-              </a:rPr>
-              <a:t>BS, MS, or PhD in STEM</a:t>
-            </a:r>
-          </a:p>
-          <a:p>
-            <a:pPr lvl="2"/>
-            <a:r>
-              <a:rPr lang="en-US" sz="1600" dirty="0" err="1">
-                <a:latin typeface="Selawik Semibold" panose="020B0702040204020203" pitchFamily="34" charset="0"/>
-              </a:rPr>
-              <a:t>PyTorch</a:t>
-            </a:r>
-            <a:r>
-              <a:rPr lang="en-US" sz="1600" dirty="0">
-                <a:latin typeface="Selawik Semibold" panose="020B0702040204020203" pitchFamily="34" charset="0"/>
-              </a:rPr>
-              <a:t>, TensorFlow, </a:t>
-            </a:r>
-            <a:r>
-              <a:rPr lang="en-US" sz="1600" dirty="0" err="1">
-                <a:latin typeface="Selawik Semibold" panose="020B0702040204020203" pitchFamily="34" charset="0"/>
-              </a:rPr>
-              <a:t>Keras</a:t>
-            </a:r>
-            <a:r>
-              <a:rPr lang="en-US" sz="1600" dirty="0">
-                <a:latin typeface="Selawik Semibold" panose="020B0702040204020203" pitchFamily="34" charset="0"/>
-              </a:rPr>
-              <a:t>, OpenCV</a:t>
-            </a:r>
-          </a:p>
-          <a:p>
-            <a:pPr lvl="2"/>
-            <a:endParaRPr lang="en-US" sz="1600" dirty="0">
-              <a:latin typeface="Selawik Semibold" panose="020B0702040204020203" pitchFamily="34" charset="0"/>
-            </a:endParaRPr>
-          </a:p>
-          <a:p>
-            <a:pPr lvl="2"/>
-            <a:endParaRPr lang="en-US" sz="1400" dirty="0">
-              <a:latin typeface="Selawik Semibold" panose="020B0702040204020203" pitchFamily="34" charset="0"/>
-            </a:endParaRPr>
-          </a:p>
-          <a:p>
-            <a:pPr lvl="2"/>
-            <a:endParaRPr lang="en-US" sz="1800" dirty="0">
-              <a:latin typeface="Selawik Semibold" panose="020B0702040204020203" pitchFamily="34" charset="0"/>
-            </a:endParaRPr>
-          </a:p>
-          <a:p>
-            <a:pPr lvl="2"/>
-            <a:endParaRPr lang="en-US" sz="1600" dirty="0">
-              <a:latin typeface="Selawik Semibold" panose="020B0702040204020203" pitchFamily="34" charset="0"/>
-            </a:endParaRPr>
-          </a:p>
-          <a:p>
-            <a:endParaRPr lang="en-US" sz="2400" dirty="0">
-              <a:latin typeface="Selawik Semibold" panose="020B0702040204020203" pitchFamily="34" charset="0"/>
-            </a:endParaRPr>
-          </a:p>
-          <a:p>
-            <a:pPr lvl="1"/>
-            <a:endParaRPr lang="en-US" sz="2000" dirty="0">
-              <a:latin typeface="Selawik Semibold" panose="020B0702040204020203" pitchFamily="34" charset="0"/>
-            </a:endParaRPr>
-          </a:p>
-          <a:p>
-            <a:pPr lvl="2"/>
-            <a:endParaRPr lang="en-US" sz="1800" dirty="0">
-              <a:latin typeface="Selawik Semibold" panose="020B0702040204020203" pitchFamily="34" charset="0"/>
-            </a:endParaRPr>
-          </a:p>
-          <a:p>
-            <a:pPr lvl="1"/>
-            <a:endParaRPr lang="en-US" sz="2200" dirty="0">
-              <a:latin typeface="Selawik Semibold" panose="020B0702040204020203" pitchFamily="34" charset="0"/>
-            </a:endParaRPr>
-          </a:p>
-        </p:txBody>
-      </p:sp>
-      <p:pic>
-        <p:nvPicPr>
-          <p:cNvPr id="4" name="Picture 3" descr="A drawing of a cartoon character&#10;&#10;Description automatically generated">
-            <a:extLst>
-              <a:ext uri="{FF2B5EF4-FFF2-40B4-BE49-F238E27FC236}">
-                <a16:creationId xmlns:a16="http://schemas.microsoft.com/office/drawing/2014/main" id="{32FFBC7C-02B9-7EC1-ABC7-D264AF7F9604}"/>
-              </a:ext>
-            </a:extLst>
-          </p:cNvPr>
-          <p:cNvPicPr>
-            <a:picLocks noChangeAspect="1"/>
-          </p:cNvPicPr>
-          <p:nvPr/>
-        </p:nvPicPr>
-        <p:blipFill rotWithShape="1">
-          <a:blip r:embed="rId2">
-            <a:extLst>
-              <a:ext uri="{28A0092B-C50C-407E-A947-70E740481C1C}">
-                <a14:useLocalDpi xmlns:a14="http://schemas.microsoft.com/office/drawing/2010/main" val="0"/>
-              </a:ext>
-            </a:extLst>
-          </a:blip>
-          <a:srcRect t="5616" r="2" b="2"/>
-          <a:stretch/>
-        </p:blipFill>
-        <p:spPr>
-          <a:xfrm>
-            <a:off x="7471144" y="1700078"/>
-            <a:ext cx="4720855" cy="2583792"/>
-          </a:xfrm>
-          <a:custGeom>
-            <a:avLst/>
-            <a:gdLst>
-              <a:gd name="connsiteX0" fmla="*/ 0 w 5475077"/>
-              <a:gd name="connsiteY0" fmla="*/ 0 h 2583792"/>
-              <a:gd name="connsiteX1" fmla="*/ 5475077 w 5475077"/>
-              <a:gd name="connsiteY1" fmla="*/ 0 h 2583792"/>
-              <a:gd name="connsiteX2" fmla="*/ 5475077 w 5475077"/>
-              <a:gd name="connsiteY2" fmla="*/ 2583792 h 2583792"/>
-              <a:gd name="connsiteX3" fmla="*/ 1197192 w 5475077"/>
-              <a:gd name="connsiteY3" fmla="*/ 2583792 h 2583792"/>
-            </a:gdLst>
-            <a:ahLst/>
-            <a:cxnLst>
-              <a:cxn ang="0">
-                <a:pos x="connsiteX0" y="connsiteY0"/>
-              </a:cxn>
-              <a:cxn ang="0">
-                <a:pos x="connsiteX1" y="connsiteY1"/>
-              </a:cxn>
-              <a:cxn ang="0">
-                <a:pos x="connsiteX2" y="connsiteY2"/>
-              </a:cxn>
-              <a:cxn ang="0">
-                <a:pos x="connsiteX3" y="connsiteY3"/>
-              </a:cxn>
-            </a:cxnLst>
-            <a:rect l="l" t="t" r="r" b="b"/>
-            <a:pathLst>
-              <a:path w="5475077" h="2583792">
-                <a:moveTo>
-                  <a:pt x="0" y="0"/>
-                </a:moveTo>
-                <a:lnTo>
-                  <a:pt x="5475077" y="0"/>
-                </a:lnTo>
-                <a:lnTo>
-                  <a:pt x="5475077" y="2583792"/>
-                </a:lnTo>
-                <a:lnTo>
-                  <a:pt x="1197192" y="2583792"/>
-                </a:lnTo>
-                <a:close/>
-              </a:path>
-            </a:pathLst>
-          </a:custGeom>
-        </p:spPr>
-      </p:pic>
-      <p:pic>
-        <p:nvPicPr>
-          <p:cNvPr id="5" name="Content Placeholder 4" descr="A picture containing indoor&#10;&#10;Description automatically generated">
-            <a:extLst>
-              <a:ext uri="{FF2B5EF4-FFF2-40B4-BE49-F238E27FC236}">
-                <a16:creationId xmlns:a16="http://schemas.microsoft.com/office/drawing/2014/main" id="{3BF0E8CF-4C46-3594-7516-9AB97C24E065}"/>
-              </a:ext>
-            </a:extLst>
-          </p:cNvPr>
-          <p:cNvPicPr>
-            <a:picLocks noChangeAspect="1"/>
-          </p:cNvPicPr>
-          <p:nvPr/>
-        </p:nvPicPr>
-        <p:blipFill rotWithShape="1">
-          <a:blip r:embed="rId3">
-            <a:extLst>
-              <a:ext uri="{28A0092B-C50C-407E-A947-70E740481C1C}">
-                <a14:useLocalDpi xmlns:a14="http://schemas.microsoft.com/office/drawing/2010/main" val="0"/>
-              </a:ext>
-            </a:extLst>
-          </a:blip>
-          <a:srcRect t="5300" r="3" b="6859"/>
-          <a:stretch/>
-        </p:blipFill>
-        <p:spPr>
-          <a:xfrm>
-            <a:off x="8491869" y="4283870"/>
-            <a:ext cx="3700129" cy="2583520"/>
-          </a:xfrm>
-          <a:custGeom>
-            <a:avLst/>
-            <a:gdLst>
-              <a:gd name="connsiteX0" fmla="*/ 0 w 4277884"/>
-              <a:gd name="connsiteY0" fmla="*/ 0 h 2583520"/>
-              <a:gd name="connsiteX1" fmla="*/ 4277884 w 4277884"/>
-              <a:gd name="connsiteY1" fmla="*/ 0 h 2583520"/>
-              <a:gd name="connsiteX2" fmla="*/ 4277884 w 4277884"/>
-              <a:gd name="connsiteY2" fmla="*/ 2583520 h 2583520"/>
-              <a:gd name="connsiteX3" fmla="*/ 1192437 w 4277884"/>
-              <a:gd name="connsiteY3" fmla="*/ 2583520 h 2583520"/>
-              <a:gd name="connsiteX4" fmla="*/ 1188085 w 4277884"/>
-              <a:gd name="connsiteY4" fmla="*/ 2574129 h 2583520"/>
-              <a:gd name="connsiteX5" fmla="*/ 1192715 w 4277884"/>
-              <a:gd name="connsiteY5" fmla="*/ 2574129 h 2583520"/>
-            </a:gdLst>
-            <a:ahLst/>
-            <a:cxnLst>
-              <a:cxn ang="0">
-                <a:pos x="connsiteX0" y="connsiteY0"/>
-              </a:cxn>
-              <a:cxn ang="0">
-                <a:pos x="connsiteX1" y="connsiteY1"/>
-              </a:cxn>
-              <a:cxn ang="0">
-                <a:pos x="connsiteX2" y="connsiteY2"/>
-              </a:cxn>
-              <a:cxn ang="0">
-                <a:pos x="connsiteX3" y="connsiteY3"/>
-              </a:cxn>
-              <a:cxn ang="0">
-                <a:pos x="connsiteX4" y="connsiteY4"/>
-              </a:cxn>
-              <a:cxn ang="0">
-                <a:pos x="connsiteX5" y="connsiteY5"/>
-              </a:cxn>
-            </a:cxnLst>
-            <a:rect l="l" t="t" r="r" b="b"/>
-            <a:pathLst>
-              <a:path w="4277884" h="2583520">
-                <a:moveTo>
-                  <a:pt x="0" y="0"/>
-                </a:moveTo>
-                <a:lnTo>
-                  <a:pt x="4277884" y="0"/>
-                </a:lnTo>
-                <a:lnTo>
-                  <a:pt x="4277884" y="2583520"/>
-                </a:lnTo>
-                <a:lnTo>
-                  <a:pt x="1192437" y="2583520"/>
-                </a:lnTo>
-                <a:lnTo>
-                  <a:pt x="1188085" y="2574129"/>
-                </a:lnTo>
-                <a:lnTo>
-                  <a:pt x="1192715" y="2574129"/>
-                </a:lnTo>
-                <a:close/>
-              </a:path>
-            </a:pathLst>
-          </a:custGeom>
-        </p:spPr>
-      </p:pic>
-      <p:sp>
-        <p:nvSpPr>
-          <p:cNvPr id="6" name="Rectangle 5">
-            <a:extLst>
-              <a:ext uri="{FF2B5EF4-FFF2-40B4-BE49-F238E27FC236}">
-                <a16:creationId xmlns:a16="http://schemas.microsoft.com/office/drawing/2014/main" id="{4F835728-A1F9-F435-D33B-62FFB44A963A}"/>
-              </a:ext>
-            </a:extLst>
-          </p:cNvPr>
-          <p:cNvSpPr/>
-          <p:nvPr/>
-        </p:nvSpPr>
-        <p:spPr>
-          <a:xfrm>
-            <a:off x="-1" y="1608918"/>
-            <a:ext cx="12191999" cy="91160"/>
-          </a:xfrm>
-          <a:prstGeom prst="rect">
-            <a:avLst/>
-          </a:prstGeom>
-          <a:solidFill>
-            <a:schemeClr val="bg1"/>
-          </a:solidFill>
-          <a:ln>
-            <a:noFill/>
-          </a:ln>
-        </p:spPr>
-        <p:style>
-          <a:lnRef idx="2">
-            <a:schemeClr val="accent1">
-              <a:shade val="50000"/>
-            </a:schemeClr>
-          </a:lnRef>
-          <a:fillRef idx="1">
-            <a:schemeClr val="accent1"/>
-          </a:fillRef>
-          <a:effectRef idx="0">
-            <a:schemeClr val="accent1"/>
-          </a:effectRef>
-          <a:fontRef idx="minor">
-            <a:schemeClr val="lt1"/>
-          </a:fontRef>
-        </p:style>
-        <p:txBody>
-          <a:bodyPr rtlCol="0" anchor="ctr"/>
-          <a:lstStyle/>
-          <a:p>
-            <a:pPr algn="ctr"/>
-            <a:endParaRPr lang="en-US">
-              <a:solidFill>
-                <a:srgbClr val="DB5B5C"/>
-              </a:solidFill>
-            </a:endParaRPr>
-          </a:p>
-        </p:txBody>
-      </p:sp>
-      <p:sp>
-        <p:nvSpPr>
-          <p:cNvPr id="15" name="Rectangle 14">
-            <a:extLst>
-              <a:ext uri="{FF2B5EF4-FFF2-40B4-BE49-F238E27FC236}">
-                <a16:creationId xmlns:a16="http://schemas.microsoft.com/office/drawing/2014/main" id="{DE65FC45-AED2-EEA9-7868-AE1BEAFC8FF8}"/>
-              </a:ext>
-            </a:extLst>
-          </p:cNvPr>
-          <p:cNvSpPr/>
-          <p:nvPr/>
-        </p:nvSpPr>
-        <p:spPr>
-          <a:xfrm>
-            <a:off x="1" y="6677247"/>
-            <a:ext cx="12191999" cy="190143"/>
-          </a:xfrm>
-          <a:prstGeom prst="rect">
-            <a:avLst/>
-          </a:prstGeom>
-          <a:solidFill>
-            <a:schemeClr val="bg1"/>
-          </a:solidFill>
-          <a:ln>
-            <a:noFill/>
-          </a:ln>
-        </p:spPr>
-        <p:style>
-          <a:lnRef idx="2">
-            <a:schemeClr val="accent1">
-              <a:shade val="50000"/>
-            </a:schemeClr>
-          </a:lnRef>
-          <a:fillRef idx="1">
-            <a:schemeClr val="accent1"/>
-          </a:fillRef>
-          <a:effectRef idx="0">
-            <a:schemeClr val="accent1"/>
-          </a:effectRef>
-          <a:fontRef idx="minor">
-            <a:schemeClr val="lt1"/>
-          </a:fontRef>
-        </p:style>
-        <p:txBody>
-          <a:bodyPr rtlCol="0" anchor="ctr"/>
-          <a:lstStyle/>
-          <a:p>
-            <a:pPr algn="ctr"/>
-            <a:endParaRPr lang="en-US">
-              <a:solidFill>
-                <a:srgbClr val="DB5B5C"/>
-              </a:solidFill>
-            </a:endParaRPr>
-          </a:p>
-        </p:txBody>
-      </p:sp>
-      <p:sp>
-        <p:nvSpPr>
-          <p:cNvPr id="16" name="Rectangle 15">
-            <a:extLst>
-              <a:ext uri="{FF2B5EF4-FFF2-40B4-BE49-F238E27FC236}">
-                <a16:creationId xmlns:a16="http://schemas.microsoft.com/office/drawing/2014/main" id="{B253D057-7E16-91A1-2AA4-F84C7AFFAD0A}"/>
-              </a:ext>
-            </a:extLst>
-          </p:cNvPr>
-          <p:cNvSpPr/>
-          <p:nvPr/>
-        </p:nvSpPr>
-        <p:spPr>
-          <a:xfrm rot="4092292">
-            <a:off x="5790668" y="4094517"/>
-            <a:ext cx="5446699" cy="137038"/>
-          </a:xfrm>
-          <a:prstGeom prst="rect">
-            <a:avLst/>
-          </a:prstGeom>
-          <a:solidFill>
-            <a:schemeClr val="bg1"/>
-          </a:solidFill>
-          <a:ln>
-            <a:noFill/>
-          </a:ln>
-        </p:spPr>
-        <p:style>
-          <a:lnRef idx="2">
-            <a:schemeClr val="accent1">
-              <a:shade val="50000"/>
-            </a:schemeClr>
-          </a:lnRef>
-          <a:fillRef idx="1">
-            <a:schemeClr val="accent1"/>
-          </a:fillRef>
-          <a:effectRef idx="0">
-            <a:schemeClr val="accent1"/>
-          </a:effectRef>
-          <a:fontRef idx="minor">
-            <a:schemeClr val="lt1"/>
-          </a:fontRef>
-        </p:style>
-        <p:txBody>
-          <a:bodyPr rtlCol="0" anchor="ctr"/>
-          <a:lstStyle/>
-          <a:p>
-            <a:pPr algn="ctr"/>
-            <a:endParaRPr lang="en-US">
-              <a:solidFill>
-                <a:srgbClr val="DB5B5C"/>
-              </a:solidFill>
-            </a:endParaRPr>
-          </a:p>
-        </p:txBody>
-      </p:sp>
-    </p:spTree>
-    <p:extLst>
-      <p:ext uri="{BB962C8B-B14F-4D97-AF65-F5344CB8AC3E}">
-        <p14:creationId xmlns:p14="http://schemas.microsoft.com/office/powerpoint/2010/main" val="813014251"/>
-      </p:ext>
-    </p:extLst>
-  </p:cSld>
-  <p:clrMapOvr>
-    <a:overrideClrMapping bg1="dk1" tx1="lt1" bg2="dk2" tx2="lt2" accent1="accent1" accent2="accent2" accent3="accent3" accent4="accent4" accent5="accent5" accent6="accent6" hlink="hlink" folHlink="folHlink"/>
-  </p:clrMapOvr>
-</p:sld>
-</file>
-
-<file path=ppt/slides/slide22.xml><?xml version="1.0" encoding="utf-8"?>
 <p:sld xmlns:a="http://schemas.openxmlformats.org/drawingml/2006/main" xmlns:r="http://schemas.openxmlformats.org/officeDocument/2006/relationships" xmlns:p="http://schemas.openxmlformats.org/presentationml/2006/main">
   <p:cSld>
     <p:bg>
@@ -13042,7 +12446,7 @@
 </p:sld>
 </file>
 
-<file path=ppt/slides/slide23.xml><?xml version="1.0" encoding="utf-8"?>
+<file path=ppt/slides/slide22.xml><?xml version="1.0" encoding="utf-8"?>
 <p:sld xmlns:a="http://schemas.openxmlformats.org/drawingml/2006/main" xmlns:r="http://schemas.openxmlformats.org/officeDocument/2006/relationships" xmlns:p="http://schemas.openxmlformats.org/presentationml/2006/main">
   <p:cSld>
     <p:bg>
@@ -13652,7 +13056,7 @@
 </p:sld>
 </file>
 
-<file path=ppt/slides/slide24.xml><?xml version="1.0" encoding="utf-8"?>
+<file path=ppt/slides/slide23.xml><?xml version="1.0" encoding="utf-8"?>
 <p:sld xmlns:a="http://schemas.openxmlformats.org/drawingml/2006/main" xmlns:r="http://schemas.openxmlformats.org/officeDocument/2006/relationships" xmlns:p="http://schemas.openxmlformats.org/presentationml/2006/main">
   <p:cSld>
     <p:bg>

--- a/Slides/Sports Analytics 3/Sports_Analytics_3_Lecture.pptx
+++ b/Slides/Sports Analytics 3/Sports_Analytics_3_Lecture.pptx
@@ -219,7 +219,7 @@
           <a:p>
             <a:fld id="{C04E5E84-956F-4423-97B3-5936A6D8EEEE}" type="datetimeFigureOut">
               <a:rPr lang="en-US" smtClean="0"/>
-              <a:t>9/2/2025</a:t>
+              <a:t>1/16/2026</a:t>
             </a:fld>
             <a:endParaRPr lang="en-US"/>
           </a:p>
@@ -633,7 +633,7 @@
           <a:p>
             <a:fld id="{3881C039-66A3-4640-815B-3B5A8B7D868D}" type="datetimeFigureOut">
               <a:rPr lang="en-US" smtClean="0"/>
-              <a:t>9/2/2025</a:t>
+              <a:t>1/16/2026</a:t>
             </a:fld>
             <a:endParaRPr lang="en-US"/>
           </a:p>
@@ -831,7 +831,7 @@
           <a:p>
             <a:fld id="{3881C039-66A3-4640-815B-3B5A8B7D868D}" type="datetimeFigureOut">
               <a:rPr lang="en-US" smtClean="0"/>
-              <a:t>9/2/2025</a:t>
+              <a:t>1/16/2026</a:t>
             </a:fld>
             <a:endParaRPr lang="en-US"/>
           </a:p>
@@ -1039,7 +1039,7 @@
           <a:p>
             <a:fld id="{3881C039-66A3-4640-815B-3B5A8B7D868D}" type="datetimeFigureOut">
               <a:rPr lang="en-US" smtClean="0"/>
-              <a:t>9/2/2025</a:t>
+              <a:t>1/16/2026</a:t>
             </a:fld>
             <a:endParaRPr lang="en-US"/>
           </a:p>
@@ -1237,7 +1237,7 @@
           <a:p>
             <a:fld id="{3881C039-66A3-4640-815B-3B5A8B7D868D}" type="datetimeFigureOut">
               <a:rPr lang="en-US" smtClean="0"/>
-              <a:t>9/2/2025</a:t>
+              <a:t>1/16/2026</a:t>
             </a:fld>
             <a:endParaRPr lang="en-US"/>
           </a:p>
@@ -1512,7 +1512,7 @@
           <a:p>
             <a:fld id="{3881C039-66A3-4640-815B-3B5A8B7D868D}" type="datetimeFigureOut">
               <a:rPr lang="en-US" smtClean="0"/>
-              <a:t>9/2/2025</a:t>
+              <a:t>1/16/2026</a:t>
             </a:fld>
             <a:endParaRPr lang="en-US"/>
           </a:p>
@@ -1777,7 +1777,7 @@
           <a:p>
             <a:fld id="{3881C039-66A3-4640-815B-3B5A8B7D868D}" type="datetimeFigureOut">
               <a:rPr lang="en-US" smtClean="0"/>
-              <a:t>9/2/2025</a:t>
+              <a:t>1/16/2026</a:t>
             </a:fld>
             <a:endParaRPr lang="en-US"/>
           </a:p>
@@ -2189,7 +2189,7 @@
           <a:p>
             <a:fld id="{3881C039-66A3-4640-815B-3B5A8B7D868D}" type="datetimeFigureOut">
               <a:rPr lang="en-US" smtClean="0"/>
-              <a:t>9/2/2025</a:t>
+              <a:t>1/16/2026</a:t>
             </a:fld>
             <a:endParaRPr lang="en-US"/>
           </a:p>
@@ -2330,7 +2330,7 @@
           <a:p>
             <a:fld id="{3881C039-66A3-4640-815B-3B5A8B7D868D}" type="datetimeFigureOut">
               <a:rPr lang="en-US" smtClean="0"/>
-              <a:t>9/2/2025</a:t>
+              <a:t>1/16/2026</a:t>
             </a:fld>
             <a:endParaRPr lang="en-US"/>
           </a:p>
@@ -2443,7 +2443,7 @@
           <a:p>
             <a:fld id="{3881C039-66A3-4640-815B-3B5A8B7D868D}" type="datetimeFigureOut">
               <a:rPr lang="en-US" smtClean="0"/>
-              <a:t>9/2/2025</a:t>
+              <a:t>1/16/2026</a:t>
             </a:fld>
             <a:endParaRPr lang="en-US"/>
           </a:p>
@@ -2754,7 +2754,7 @@
           <a:p>
             <a:fld id="{3881C039-66A3-4640-815B-3B5A8B7D868D}" type="datetimeFigureOut">
               <a:rPr lang="en-US" smtClean="0"/>
-              <a:t>9/2/2025</a:t>
+              <a:t>1/16/2026</a:t>
             </a:fld>
             <a:endParaRPr lang="en-US"/>
           </a:p>
@@ -3042,7 +3042,7 @@
           <a:p>
             <a:fld id="{3881C039-66A3-4640-815B-3B5A8B7D868D}" type="datetimeFigureOut">
               <a:rPr lang="en-US" smtClean="0"/>
-              <a:t>9/2/2025</a:t>
+              <a:t>1/16/2026</a:t>
             </a:fld>
             <a:endParaRPr lang="en-US"/>
           </a:p>
@@ -3286,7 +3286,7 @@
           <a:p>
             <a:fld id="{3881C039-66A3-4640-815B-3B5A8B7D868D}" type="datetimeFigureOut">
               <a:rPr lang="en-US" smtClean="0"/>
-              <a:t>9/2/2025</a:t>
+              <a:t>1/16/2026</a:t>
             </a:fld>
             <a:endParaRPr lang="en-US"/>
           </a:p>
@@ -16215,23 +16215,38 @@
           <a:lstStyle/>
           <a:p>
             <a:r>
+              <a:rPr lang="en-US" sz="2400">
+                <a:latin typeface="Selawik Semibold" panose="020B0702040204020203" pitchFamily="34" charset="0"/>
+              </a:rPr>
+              <a:t>Updated </a:t>
+            </a:r>
+            <a:r>
               <a:rPr lang="en-US" sz="2400" dirty="0">
                 <a:latin typeface="Selawik Semibold" panose="020B0702040204020203" pitchFamily="34" charset="0"/>
               </a:rPr>
-              <a:t>Ben Alamar Updated Survey in 2</a:t>
-            </a:r>
-            <a:r>
-              <a:rPr lang="en-US" sz="2400" baseline="30000" dirty="0">
+              <a:t>Survey in </a:t>
+            </a:r>
+            <a:r>
+              <a:rPr lang="en-US" sz="2400">
+                <a:latin typeface="Selawik Semibold" panose="020B0702040204020203" pitchFamily="34" charset="0"/>
+              </a:rPr>
+              <a:t>2</a:t>
+            </a:r>
+            <a:r>
+              <a:rPr lang="en-US" sz="2400" baseline="30000">
                 <a:latin typeface="Selawik Semibold" panose="020B0702040204020203" pitchFamily="34" charset="0"/>
               </a:rPr>
               <a:t>nd</a:t>
             </a:r>
             <a:r>
-              <a:rPr lang="en-US" sz="2400" dirty="0">
-                <a:latin typeface="Selawik Semibold" panose="020B0702040204020203" pitchFamily="34" charset="0"/>
-              </a:rPr>
-              <a:t> Edition</a:t>
-            </a:r>
+              <a:rPr lang="en-US" sz="2400">
+                <a:latin typeface="Selawik Semibold" panose="020B0702040204020203" pitchFamily="34" charset="0"/>
+              </a:rPr>
+              <a:t> Edition (2024)</a:t>
+            </a:r>
+            <a:endParaRPr lang="en-US" sz="2400" dirty="0">
+              <a:latin typeface="Selawik Semibold" panose="020B0702040204020203" pitchFamily="34" charset="0"/>
+            </a:endParaRPr>
           </a:p>
           <a:p>
             <a:pPr lvl="1"/>

--- a/Slides/Sports Analytics 3/Sports_Analytics_3_Lecture.pptx
+++ b/Slides/Sports Analytics 3/Sports_Analytics_3_Lecture.pptx
@@ -5,7 +5,7 @@
     <p:sldMasterId id="2147483648" r:id="rId1"/>
   </p:sldMasterIdLst>
   <p:notesMasterIdLst>
-    <p:notesMasterId r:id="rId25"/>
+    <p:notesMasterId r:id="rId26"/>
   </p:notesMasterIdLst>
   <p:sldIdLst>
     <p:sldId id="256" r:id="rId2"/>
@@ -25,12 +25,13 @@
     <p:sldId id="287" r:id="rId16"/>
     <p:sldId id="290" r:id="rId17"/>
     <p:sldId id="317" r:id="rId18"/>
-    <p:sldId id="289" r:id="rId19"/>
-    <p:sldId id="318" r:id="rId20"/>
-    <p:sldId id="319" r:id="rId21"/>
+    <p:sldId id="318" r:id="rId19"/>
+    <p:sldId id="319" r:id="rId20"/>
+    <p:sldId id="289" r:id="rId21"/>
     <p:sldId id="320" r:id="rId22"/>
-    <p:sldId id="296" r:id="rId23"/>
-    <p:sldId id="281" r:id="rId24"/>
+    <p:sldId id="321" r:id="rId23"/>
+    <p:sldId id="296" r:id="rId24"/>
+    <p:sldId id="281" r:id="rId25"/>
   </p:sldIdLst>
   <p:sldSz cx="12192000" cy="6858000"/>
   <p:notesSz cx="6858000" cy="9144000"/>
@@ -219,7 +220,7 @@
           <a:p>
             <a:fld id="{C04E5E84-956F-4423-97B3-5936A6D8EEEE}" type="datetimeFigureOut">
               <a:rPr lang="en-US" smtClean="0"/>
-              <a:t>1/16/2026</a:t>
+              <a:t>1/20/2026</a:t>
             </a:fld>
             <a:endParaRPr lang="en-US"/>
           </a:p>
@@ -633,7 +634,7 @@
           <a:p>
             <a:fld id="{3881C039-66A3-4640-815B-3B5A8B7D868D}" type="datetimeFigureOut">
               <a:rPr lang="en-US" smtClean="0"/>
-              <a:t>1/16/2026</a:t>
+              <a:t>1/20/2026</a:t>
             </a:fld>
             <a:endParaRPr lang="en-US"/>
           </a:p>
@@ -831,7 +832,7 @@
           <a:p>
             <a:fld id="{3881C039-66A3-4640-815B-3B5A8B7D868D}" type="datetimeFigureOut">
               <a:rPr lang="en-US" smtClean="0"/>
-              <a:t>1/16/2026</a:t>
+              <a:t>1/20/2026</a:t>
             </a:fld>
             <a:endParaRPr lang="en-US"/>
           </a:p>
@@ -1039,7 +1040,7 @@
           <a:p>
             <a:fld id="{3881C039-66A3-4640-815B-3B5A8B7D868D}" type="datetimeFigureOut">
               <a:rPr lang="en-US" smtClean="0"/>
-              <a:t>1/16/2026</a:t>
+              <a:t>1/20/2026</a:t>
             </a:fld>
             <a:endParaRPr lang="en-US"/>
           </a:p>
@@ -1237,7 +1238,7 @@
           <a:p>
             <a:fld id="{3881C039-66A3-4640-815B-3B5A8B7D868D}" type="datetimeFigureOut">
               <a:rPr lang="en-US" smtClean="0"/>
-              <a:t>1/16/2026</a:t>
+              <a:t>1/20/2026</a:t>
             </a:fld>
             <a:endParaRPr lang="en-US"/>
           </a:p>
@@ -1512,7 +1513,7 @@
           <a:p>
             <a:fld id="{3881C039-66A3-4640-815B-3B5A8B7D868D}" type="datetimeFigureOut">
               <a:rPr lang="en-US" smtClean="0"/>
-              <a:t>1/16/2026</a:t>
+              <a:t>1/20/2026</a:t>
             </a:fld>
             <a:endParaRPr lang="en-US"/>
           </a:p>
@@ -1777,7 +1778,7 @@
           <a:p>
             <a:fld id="{3881C039-66A3-4640-815B-3B5A8B7D868D}" type="datetimeFigureOut">
               <a:rPr lang="en-US" smtClean="0"/>
-              <a:t>1/16/2026</a:t>
+              <a:t>1/20/2026</a:t>
             </a:fld>
             <a:endParaRPr lang="en-US"/>
           </a:p>
@@ -2189,7 +2190,7 @@
           <a:p>
             <a:fld id="{3881C039-66A3-4640-815B-3B5A8B7D868D}" type="datetimeFigureOut">
               <a:rPr lang="en-US" smtClean="0"/>
-              <a:t>1/16/2026</a:t>
+              <a:t>1/20/2026</a:t>
             </a:fld>
             <a:endParaRPr lang="en-US"/>
           </a:p>
@@ -2330,7 +2331,7 @@
           <a:p>
             <a:fld id="{3881C039-66A3-4640-815B-3B5A8B7D868D}" type="datetimeFigureOut">
               <a:rPr lang="en-US" smtClean="0"/>
-              <a:t>1/16/2026</a:t>
+              <a:t>1/20/2026</a:t>
             </a:fld>
             <a:endParaRPr lang="en-US"/>
           </a:p>
@@ -2443,7 +2444,7 @@
           <a:p>
             <a:fld id="{3881C039-66A3-4640-815B-3B5A8B7D868D}" type="datetimeFigureOut">
               <a:rPr lang="en-US" smtClean="0"/>
-              <a:t>1/16/2026</a:t>
+              <a:t>1/20/2026</a:t>
             </a:fld>
             <a:endParaRPr lang="en-US"/>
           </a:p>
@@ -2754,7 +2755,7 @@
           <a:p>
             <a:fld id="{3881C039-66A3-4640-815B-3B5A8B7D868D}" type="datetimeFigureOut">
               <a:rPr lang="en-US" smtClean="0"/>
-              <a:t>1/16/2026</a:t>
+              <a:t>1/20/2026</a:t>
             </a:fld>
             <a:endParaRPr lang="en-US"/>
           </a:p>
@@ -3042,7 +3043,7 @@
           <a:p>
             <a:fld id="{3881C039-66A3-4640-815B-3B5A8B7D868D}" type="datetimeFigureOut">
               <a:rPr lang="en-US" smtClean="0"/>
-              <a:t>1/16/2026</a:t>
+              <a:t>1/20/2026</a:t>
             </a:fld>
             <a:endParaRPr lang="en-US"/>
           </a:p>
@@ -3286,7 +3287,7 @@
           <a:p>
             <a:fld id="{3881C039-66A3-4640-815B-3B5A8B7D868D}" type="datetimeFigureOut">
               <a:rPr lang="en-US" smtClean="0"/>
-              <a:t>1/16/2026</a:t>
+              <a:t>1/20/2026</a:t>
             </a:fld>
             <a:endParaRPr lang="en-US"/>
           </a:p>
@@ -7335,7 +7336,7 @@
               <a:rPr lang="en-US" sz="1600" dirty="0">
                 <a:latin typeface="Selawik Semibold" panose="020B0702040204020203" pitchFamily="34" charset="0"/>
               </a:rPr>
-              <a:t>US Market Valued at $17.94B in 2024</a:t>
+              <a:t>US Market Valued at $17.94B in 2024 and $19.76B in 2025</a:t>
             </a:r>
           </a:p>
           <a:p>
@@ -8698,7 +8699,7 @@
               <a:rPr lang="en-US" sz="2000" dirty="0">
                 <a:latin typeface="Selawik Semibold" panose="020B0702040204020203" pitchFamily="34" charset="0"/>
               </a:rPr>
-              <a:t>Data Engineering, DraftKings</a:t>
+              <a:t>Senior Analytics Engineer, Underdog</a:t>
             </a:r>
           </a:p>
           <a:p>
@@ -8707,7 +8708,7 @@
               <a:rPr lang="en-US" sz="1600" dirty="0">
                 <a:latin typeface="Selawik Semibold" panose="020B0702040204020203" pitchFamily="34" charset="0"/>
               </a:rPr>
-              <a:t>Former 538 Student Works There</a:t>
+              <a:t>Build Models and Ensure Data Quality</a:t>
             </a:r>
           </a:p>
           <a:p>
@@ -8716,7 +8717,7 @@
               <a:rPr lang="en-US" sz="1600" dirty="0">
                 <a:latin typeface="Selawik Semibold" panose="020B0702040204020203" pitchFamily="34" charset="0"/>
               </a:rPr>
-              <a:t>3+ Years Experience</a:t>
+              <a:t>SQL and Data Modeling Expert (4+ Years)</a:t>
             </a:r>
           </a:p>
           <a:p>
@@ -8725,16 +8726,19 @@
               <a:rPr lang="en-US" sz="1600" dirty="0">
                 <a:latin typeface="Selawik Semibold" panose="020B0702040204020203" pitchFamily="34" charset="0"/>
               </a:rPr>
-              <a:t>Proficiency in SQL, Snowflake, Tableau</a:t>
-            </a:r>
-          </a:p>
-          <a:p>
-            <a:pPr lvl="2"/>
+              <a:t>Skilled in </a:t>
+            </a:r>
+            <a:r>
+              <a:rPr lang="en-US" sz="1600" dirty="0" err="1">
+                <a:latin typeface="Selawik Semibold" panose="020B0702040204020203" pitchFamily="34" charset="0"/>
+              </a:rPr>
+              <a:t>dbt</a:t>
+            </a:r>
             <a:r>
               <a:rPr lang="en-US" sz="1600" dirty="0">
                 <a:latin typeface="Selawik Semibold" panose="020B0702040204020203" pitchFamily="34" charset="0"/>
               </a:rPr>
-              <a:t>Tools: Kafka, Airflow, Terraform, Python, Datadog</a:t>
+              <a:t> and Cloud Data Warehouses</a:t>
             </a:r>
           </a:p>
           <a:p>
@@ -8744,12 +8748,18 @@
             </a:endParaRPr>
           </a:p>
           <a:p>
+            <a:pPr lvl="2"/>
+            <a:endParaRPr lang="en-US" sz="1600" dirty="0">
+              <a:latin typeface="Selawik Semibold" panose="020B0702040204020203" pitchFamily="34" charset="0"/>
+            </a:endParaRPr>
+          </a:p>
+          <a:p>
             <a:pPr lvl="1"/>
             <a:r>
               <a:rPr lang="en-US" sz="2000" dirty="0">
                 <a:latin typeface="Selawik Semibold" panose="020B0702040204020203" pitchFamily="34" charset="0"/>
               </a:rPr>
-              <a:t>Lead Analyst, DraftKings</a:t>
+              <a:t>Statistical Analyst, The Athletic</a:t>
             </a:r>
           </a:p>
           <a:p>
@@ -8758,7 +8768,7 @@
               <a:rPr lang="en-US" sz="1600" dirty="0">
                 <a:latin typeface="Selawik Semibold" panose="020B0702040204020203" pitchFamily="34" charset="0"/>
               </a:rPr>
-              <a:t>4 Years in Analytics or Data Science</a:t>
+              <a:t>Media Organization Under the NYT</a:t>
             </a:r>
           </a:p>
           <a:p>
@@ -8767,7 +8777,7 @@
               <a:rPr lang="en-US" sz="1600" dirty="0">
                 <a:latin typeface="Selawik Semibold" panose="020B0702040204020203" pitchFamily="34" charset="0"/>
               </a:rPr>
-              <a:t>Bachelors Degree in STEM</a:t>
+              <a:t>Data Visualizations, Interactive Projects</a:t>
             </a:r>
           </a:p>
           <a:p>
@@ -8776,7 +8786,16 @@
               <a:rPr lang="en-US" sz="1600" dirty="0">
                 <a:latin typeface="Selawik Semibold" panose="020B0702040204020203" pitchFamily="34" charset="0"/>
               </a:rPr>
-              <a:t>SQL, EXCEL, TABLEAU, R, Python</a:t>
+              <a:t>Design Tools Like Figma or Adobe CS</a:t>
+            </a:r>
+          </a:p>
+          <a:p>
+            <a:pPr lvl="2"/>
+            <a:r>
+              <a:rPr lang="en-US" sz="1600" dirty="0">
+                <a:latin typeface="Selawik Semibold" panose="020B0702040204020203" pitchFamily="34" charset="0"/>
+              </a:rPr>
+              <a:t>No Mention of Data Science Background or Tools</a:t>
             </a:r>
           </a:p>
           <a:p>
@@ -9194,684 +9213,6 @@
 </file>
 
 <file path=ppt/slides/slide18.xml><?xml version="1.0" encoding="utf-8"?>
-<p:sld xmlns:a="http://schemas.openxmlformats.org/drawingml/2006/main" xmlns:r="http://schemas.openxmlformats.org/officeDocument/2006/relationships" xmlns:p="http://schemas.openxmlformats.org/presentationml/2006/main">
-  <p:cSld>
-    <p:bg>
-      <p:bgPr>
-        <a:solidFill>
-          <a:srgbClr val="395583"/>
-        </a:solidFill>
-        <a:effectLst/>
-      </p:bgPr>
-    </p:bg>
-    <p:spTree>
-      <p:nvGrpSpPr>
-        <p:cNvPr id="1" name=""/>
-        <p:cNvGrpSpPr/>
-        <p:nvPr/>
-      </p:nvGrpSpPr>
-      <p:grpSpPr>
-        <a:xfrm>
-          <a:off x="0" y="0"/>
-          <a:ext cx="0" cy="0"/>
-          <a:chOff x="0" y="0"/>
-          <a:chExt cx="0" cy="0"/>
-        </a:xfrm>
-      </p:grpSpPr>
-      <p:sp>
-        <p:nvSpPr>
-          <p:cNvPr id="25" name="Rectangle 24">
-            <a:extLst>
-              <a:ext uri="{FF2B5EF4-FFF2-40B4-BE49-F238E27FC236}">
-                <a16:creationId xmlns:a16="http://schemas.microsoft.com/office/drawing/2014/main" id="{A6792F05-2FD4-4F18-815E-15391E8B4A0E}"/>
-              </a:ext>
-              <a:ext uri="{C183D7F6-B498-43B3-948B-1728B52AA6E4}">
-                <adec:decorative xmlns:adec="http://schemas.microsoft.com/office/drawing/2017/decorative" val="1"/>
-              </a:ext>
-            </a:extLst>
-          </p:cNvPr>
-          <p:cNvSpPr>
-            <a:spLocks noGrp="1" noRot="1" noChangeAspect="1" noMove="1" noResize="1" noEditPoints="1" noAdjustHandles="1" noChangeArrowheads="1" noChangeShapeType="1" noTextEdit="1"/>
-          </p:cNvSpPr>
-          <p:nvPr>
-            <p:extLst>
-              <p:ext uri="{386F3935-93C4-4BCD-93E2-E3B085C9AB24}">
-                <p16:designElem xmlns:p16="http://schemas.microsoft.com/office/powerpoint/2015/main" val="1"/>
-              </p:ext>
-            </p:extLst>
-          </p:nvPr>
-        </p:nvSpPr>
-        <p:spPr>
-          <a:xfrm>
-            <a:off x="0" y="0"/>
-            <a:ext cx="12191999" cy="6858000"/>
-          </a:xfrm>
-          <a:prstGeom prst="rect">
-            <a:avLst/>
-          </a:prstGeom>
-          <a:solidFill>
-            <a:srgbClr val="395583"/>
-          </a:solidFill>
-          <a:ln>
-            <a:noFill/>
-          </a:ln>
-        </p:spPr>
-        <p:style>
-          <a:lnRef idx="2">
-            <a:schemeClr val="accent1">
-              <a:shade val="50000"/>
-            </a:schemeClr>
-          </a:lnRef>
-          <a:fillRef idx="1">
-            <a:schemeClr val="accent1"/>
-          </a:fillRef>
-          <a:effectRef idx="0">
-            <a:schemeClr val="accent1"/>
-          </a:effectRef>
-          <a:fontRef idx="minor">
-            <a:schemeClr val="lt1"/>
-          </a:fontRef>
-        </p:style>
-        <p:txBody>
-          <a:bodyPr rtlCol="0" anchor="ctr"/>
-          <a:lstStyle/>
-          <a:p>
-            <a:pPr algn="ctr"/>
-            <a:endParaRPr lang="en-US"/>
-          </a:p>
-        </p:txBody>
-      </p:sp>
-      <p:sp>
-        <p:nvSpPr>
-          <p:cNvPr id="2" name="Title 1">
-            <a:extLst>
-              <a:ext uri="{FF2B5EF4-FFF2-40B4-BE49-F238E27FC236}">
-                <a16:creationId xmlns:a16="http://schemas.microsoft.com/office/drawing/2014/main" id="{2589AFCC-0FF0-498C-B11F-8990DF0DAAA5}"/>
-              </a:ext>
-            </a:extLst>
-          </p:cNvPr>
-          <p:cNvSpPr>
-            <a:spLocks noGrp="1"/>
-          </p:cNvSpPr>
-          <p:nvPr>
-            <p:ph type="title"/>
-          </p:nvPr>
-        </p:nvSpPr>
-        <p:spPr>
-          <a:xfrm>
-            <a:off x="838200" y="365125"/>
-            <a:ext cx="10515600" cy="1325563"/>
-          </a:xfrm>
-        </p:spPr>
-        <p:txBody>
-          <a:bodyPr>
-            <a:normAutofit/>
-          </a:bodyPr>
-          <a:lstStyle/>
-          <a:p>
-            <a:r>
-              <a:rPr lang="en-US" b="1" dirty="0">
-                <a:latin typeface="Selawik Semibold" panose="020B0604020202020204" pitchFamily="34" charset="0"/>
-              </a:rPr>
-              <a:t>Your Industry Future</a:t>
-            </a:r>
-          </a:p>
-        </p:txBody>
-      </p:sp>
-      <p:sp>
-        <p:nvSpPr>
-          <p:cNvPr id="9" name="Content Placeholder 8">
-            <a:extLst>
-              <a:ext uri="{FF2B5EF4-FFF2-40B4-BE49-F238E27FC236}">
-                <a16:creationId xmlns:a16="http://schemas.microsoft.com/office/drawing/2014/main" id="{2D995594-59F2-4020-AB6F-751BAE84ADB3}"/>
-              </a:ext>
-            </a:extLst>
-          </p:cNvPr>
-          <p:cNvSpPr>
-            <a:spLocks noGrp="1"/>
-          </p:cNvSpPr>
-          <p:nvPr>
-            <p:ph idx="1"/>
-          </p:nvPr>
-        </p:nvSpPr>
-        <p:spPr>
-          <a:xfrm>
-            <a:off x="838199" y="2021248"/>
-            <a:ext cx="8107018" cy="4695905"/>
-          </a:xfrm>
-        </p:spPr>
-        <p:txBody>
-          <a:bodyPr>
-            <a:normAutofit/>
-          </a:bodyPr>
-          <a:lstStyle/>
-          <a:p>
-            <a:r>
-              <a:rPr lang="en-US" sz="2400" dirty="0">
-                <a:latin typeface="Selawik Semibold" panose="020B0702040204020203" pitchFamily="34" charset="0"/>
-              </a:rPr>
-              <a:t>Real Jobs (Builtin.com)</a:t>
-            </a:r>
-          </a:p>
-          <a:p>
-            <a:pPr marL="0" indent="0">
-              <a:buNone/>
-            </a:pPr>
-            <a:endParaRPr lang="en-US" sz="2400" dirty="0">
-              <a:latin typeface="Selawik Semibold" panose="020B0702040204020203" pitchFamily="34" charset="0"/>
-            </a:endParaRPr>
-          </a:p>
-          <a:p>
-            <a:pPr lvl="1"/>
-            <a:r>
-              <a:rPr lang="en-US" sz="2000" dirty="0">
-                <a:latin typeface="Selawik Semibold" panose="020B0702040204020203" pitchFamily="34" charset="0"/>
-              </a:rPr>
-              <a:t>Basketball Data Scientist, Swish Analytics</a:t>
-            </a:r>
-          </a:p>
-          <a:p>
-            <a:pPr lvl="2"/>
-            <a:r>
-              <a:rPr lang="en-US" sz="1600" dirty="0">
-                <a:latin typeface="Selawik Semibold" panose="020B0702040204020203" pitchFamily="34" charset="0"/>
-              </a:rPr>
-              <a:t>Betting and Fantasy Startup in San Francisco</a:t>
-            </a:r>
-          </a:p>
-          <a:p>
-            <a:pPr lvl="2"/>
-            <a:r>
-              <a:rPr lang="en-US" sz="1600" dirty="0">
-                <a:latin typeface="Selawik Semibold" panose="020B0702040204020203" pitchFamily="34" charset="0"/>
-              </a:rPr>
-              <a:t>Bachelors Degree in STEM; Masters Preferred</a:t>
-            </a:r>
-          </a:p>
-          <a:p>
-            <a:pPr lvl="2"/>
-            <a:r>
-              <a:rPr lang="en-US" sz="1600" dirty="0">
-                <a:latin typeface="Selawik Semibold" panose="020B0702040204020203" pitchFamily="34" charset="0"/>
-              </a:rPr>
-              <a:t>Advanced Knowledge of Math and Statistics</a:t>
-            </a:r>
-          </a:p>
-          <a:p>
-            <a:pPr lvl="2"/>
-            <a:r>
-              <a:rPr lang="en-US" sz="1600" dirty="0">
-                <a:latin typeface="Selawik Semibold" panose="020B0702040204020203" pitchFamily="34" charset="0"/>
-              </a:rPr>
-              <a:t>SQL/Python/GitHub/AWS</a:t>
-            </a:r>
-          </a:p>
-          <a:p>
-            <a:pPr lvl="2"/>
-            <a:endParaRPr lang="en-US" sz="1600" dirty="0">
-              <a:latin typeface="Selawik Semibold" panose="020B0702040204020203" pitchFamily="34" charset="0"/>
-            </a:endParaRPr>
-          </a:p>
-          <a:p>
-            <a:pPr lvl="1"/>
-            <a:r>
-              <a:rPr lang="en-US" sz="2000" dirty="0">
-                <a:latin typeface="Selawik Semibold" panose="020B0702040204020203" pitchFamily="34" charset="0"/>
-              </a:rPr>
-              <a:t>Database </a:t>
-            </a:r>
-            <a:r>
-              <a:rPr lang="en-US" sz="2000" dirty="0" err="1">
-                <a:latin typeface="Selawik Semibold" panose="020B0702040204020203" pitchFamily="34" charset="0"/>
-              </a:rPr>
-              <a:t>Adminstrator</a:t>
-            </a:r>
-            <a:r>
-              <a:rPr lang="en-US" sz="2000" dirty="0">
-                <a:latin typeface="Selawik Semibold" panose="020B0702040204020203" pitchFamily="34" charset="0"/>
-              </a:rPr>
-              <a:t>, Sporty Group</a:t>
-            </a:r>
-          </a:p>
-          <a:p>
-            <a:pPr lvl="2"/>
-            <a:r>
-              <a:rPr lang="en-US" sz="1600" dirty="0">
-                <a:latin typeface="Selawik Semibold" panose="020B0702040204020203" pitchFamily="34" charset="0"/>
-              </a:rPr>
-              <a:t>Company from London (Remote Option)</a:t>
-            </a:r>
-          </a:p>
-          <a:p>
-            <a:pPr lvl="2"/>
-            <a:r>
-              <a:rPr lang="en-US" sz="1600" dirty="0">
-                <a:latin typeface="Selawik Semibold" panose="020B0702040204020203" pitchFamily="34" charset="0"/>
-              </a:rPr>
-              <a:t>Managing Database, Queries, Dashboards</a:t>
-            </a:r>
-          </a:p>
-          <a:p>
-            <a:pPr lvl="2"/>
-            <a:r>
-              <a:rPr lang="en-US" sz="1600" dirty="0">
-                <a:latin typeface="Selawik Semibold" panose="020B0702040204020203" pitchFamily="34" charset="0"/>
-              </a:rPr>
-              <a:t>MySQL and MongoDB</a:t>
-            </a:r>
-          </a:p>
-          <a:p>
-            <a:pPr lvl="2"/>
-            <a:r>
-              <a:rPr lang="en-US" sz="1600" dirty="0">
-                <a:latin typeface="Selawik Semibold" panose="020B0702040204020203" pitchFamily="34" charset="0"/>
-              </a:rPr>
-              <a:t>AWS, Redshift</a:t>
-            </a:r>
-          </a:p>
-          <a:p>
-            <a:pPr lvl="2"/>
-            <a:endParaRPr lang="en-US" sz="1600" dirty="0">
-              <a:latin typeface="Selawik Semibold" panose="020B0702040204020203" pitchFamily="34" charset="0"/>
-            </a:endParaRPr>
-          </a:p>
-          <a:p>
-            <a:pPr lvl="2"/>
-            <a:endParaRPr lang="en-US" sz="1400" dirty="0">
-              <a:latin typeface="Selawik Semibold" panose="020B0702040204020203" pitchFamily="34" charset="0"/>
-            </a:endParaRPr>
-          </a:p>
-          <a:p>
-            <a:pPr lvl="2"/>
-            <a:endParaRPr lang="en-US" sz="1800" dirty="0">
-              <a:latin typeface="Selawik Semibold" panose="020B0702040204020203" pitchFamily="34" charset="0"/>
-            </a:endParaRPr>
-          </a:p>
-          <a:p>
-            <a:pPr lvl="2"/>
-            <a:endParaRPr lang="en-US" sz="1600" dirty="0">
-              <a:latin typeface="Selawik Semibold" panose="020B0702040204020203" pitchFamily="34" charset="0"/>
-            </a:endParaRPr>
-          </a:p>
-          <a:p>
-            <a:endParaRPr lang="en-US" sz="2400" dirty="0">
-              <a:latin typeface="Selawik Semibold" panose="020B0702040204020203" pitchFamily="34" charset="0"/>
-            </a:endParaRPr>
-          </a:p>
-          <a:p>
-            <a:pPr lvl="1"/>
-            <a:endParaRPr lang="en-US" sz="2000" dirty="0">
-              <a:latin typeface="Selawik Semibold" panose="020B0702040204020203" pitchFamily="34" charset="0"/>
-            </a:endParaRPr>
-          </a:p>
-          <a:p>
-            <a:pPr lvl="2"/>
-            <a:endParaRPr lang="en-US" sz="1800" dirty="0">
-              <a:latin typeface="Selawik Semibold" panose="020B0702040204020203" pitchFamily="34" charset="0"/>
-            </a:endParaRPr>
-          </a:p>
-          <a:p>
-            <a:pPr lvl="1"/>
-            <a:endParaRPr lang="en-US" sz="2200" dirty="0">
-              <a:latin typeface="Selawik Semibold" panose="020B0702040204020203" pitchFamily="34" charset="0"/>
-            </a:endParaRPr>
-          </a:p>
-        </p:txBody>
-      </p:sp>
-      <p:pic>
-        <p:nvPicPr>
-          <p:cNvPr id="4" name="Picture 3" descr="A drawing of a cartoon character&#10;&#10;Description automatically generated">
-            <a:extLst>
-              <a:ext uri="{FF2B5EF4-FFF2-40B4-BE49-F238E27FC236}">
-                <a16:creationId xmlns:a16="http://schemas.microsoft.com/office/drawing/2014/main" id="{A7FDC859-D890-4904-9C64-27F43DA90453}"/>
-              </a:ext>
-            </a:extLst>
-          </p:cNvPr>
-          <p:cNvPicPr>
-            <a:picLocks noChangeAspect="1"/>
-          </p:cNvPicPr>
-          <p:nvPr/>
-        </p:nvPicPr>
-        <p:blipFill rotWithShape="1">
-          <a:blip r:embed="rId2">
-            <a:extLst>
-              <a:ext uri="{28A0092B-C50C-407E-A947-70E740481C1C}">
-                <a14:useLocalDpi xmlns:a14="http://schemas.microsoft.com/office/drawing/2010/main" val="0"/>
-              </a:ext>
-            </a:extLst>
-          </a:blip>
-          <a:srcRect t="5616" r="2" b="2"/>
-          <a:stretch/>
-        </p:blipFill>
-        <p:spPr>
-          <a:xfrm>
-            <a:off x="7471144" y="1700078"/>
-            <a:ext cx="4720855" cy="2583792"/>
-          </a:xfrm>
-          <a:custGeom>
-            <a:avLst/>
-            <a:gdLst>
-              <a:gd name="connsiteX0" fmla="*/ 0 w 5475077"/>
-              <a:gd name="connsiteY0" fmla="*/ 0 h 2583792"/>
-              <a:gd name="connsiteX1" fmla="*/ 5475077 w 5475077"/>
-              <a:gd name="connsiteY1" fmla="*/ 0 h 2583792"/>
-              <a:gd name="connsiteX2" fmla="*/ 5475077 w 5475077"/>
-              <a:gd name="connsiteY2" fmla="*/ 2583792 h 2583792"/>
-              <a:gd name="connsiteX3" fmla="*/ 1197192 w 5475077"/>
-              <a:gd name="connsiteY3" fmla="*/ 2583792 h 2583792"/>
-            </a:gdLst>
-            <a:ahLst/>
-            <a:cxnLst>
-              <a:cxn ang="0">
-                <a:pos x="connsiteX0" y="connsiteY0"/>
-              </a:cxn>
-              <a:cxn ang="0">
-                <a:pos x="connsiteX1" y="connsiteY1"/>
-              </a:cxn>
-              <a:cxn ang="0">
-                <a:pos x="connsiteX2" y="connsiteY2"/>
-              </a:cxn>
-              <a:cxn ang="0">
-                <a:pos x="connsiteX3" y="connsiteY3"/>
-              </a:cxn>
-            </a:cxnLst>
-            <a:rect l="l" t="t" r="r" b="b"/>
-            <a:pathLst>
-              <a:path w="5475077" h="2583792">
-                <a:moveTo>
-                  <a:pt x="0" y="0"/>
-                </a:moveTo>
-                <a:lnTo>
-                  <a:pt x="5475077" y="0"/>
-                </a:lnTo>
-                <a:lnTo>
-                  <a:pt x="5475077" y="2583792"/>
-                </a:lnTo>
-                <a:lnTo>
-                  <a:pt x="1197192" y="2583792"/>
-                </a:lnTo>
-                <a:close/>
-              </a:path>
-            </a:pathLst>
-          </a:custGeom>
-        </p:spPr>
-      </p:pic>
-      <p:pic>
-        <p:nvPicPr>
-          <p:cNvPr id="5" name="Content Placeholder 4" descr="A picture containing indoor&#10;&#10;Description automatically generated">
-            <a:extLst>
-              <a:ext uri="{FF2B5EF4-FFF2-40B4-BE49-F238E27FC236}">
-                <a16:creationId xmlns:a16="http://schemas.microsoft.com/office/drawing/2014/main" id="{A58F0E55-21F3-485B-A07F-1CE74177BDD2}"/>
-              </a:ext>
-            </a:extLst>
-          </p:cNvPr>
-          <p:cNvPicPr>
-            <a:picLocks noChangeAspect="1"/>
-          </p:cNvPicPr>
-          <p:nvPr/>
-        </p:nvPicPr>
-        <p:blipFill rotWithShape="1">
-          <a:blip r:embed="rId3">
-            <a:extLst>
-              <a:ext uri="{28A0092B-C50C-407E-A947-70E740481C1C}">
-                <a14:useLocalDpi xmlns:a14="http://schemas.microsoft.com/office/drawing/2010/main" val="0"/>
-              </a:ext>
-            </a:extLst>
-          </a:blip>
-          <a:srcRect t="5300" r="3" b="6859"/>
-          <a:stretch/>
-        </p:blipFill>
-        <p:spPr>
-          <a:xfrm>
-            <a:off x="8491869" y="4283870"/>
-            <a:ext cx="3700129" cy="2583520"/>
-          </a:xfrm>
-          <a:custGeom>
-            <a:avLst/>
-            <a:gdLst>
-              <a:gd name="connsiteX0" fmla="*/ 0 w 4277884"/>
-              <a:gd name="connsiteY0" fmla="*/ 0 h 2583520"/>
-              <a:gd name="connsiteX1" fmla="*/ 4277884 w 4277884"/>
-              <a:gd name="connsiteY1" fmla="*/ 0 h 2583520"/>
-              <a:gd name="connsiteX2" fmla="*/ 4277884 w 4277884"/>
-              <a:gd name="connsiteY2" fmla="*/ 2583520 h 2583520"/>
-              <a:gd name="connsiteX3" fmla="*/ 1192437 w 4277884"/>
-              <a:gd name="connsiteY3" fmla="*/ 2583520 h 2583520"/>
-              <a:gd name="connsiteX4" fmla="*/ 1188085 w 4277884"/>
-              <a:gd name="connsiteY4" fmla="*/ 2574129 h 2583520"/>
-              <a:gd name="connsiteX5" fmla="*/ 1192715 w 4277884"/>
-              <a:gd name="connsiteY5" fmla="*/ 2574129 h 2583520"/>
-            </a:gdLst>
-            <a:ahLst/>
-            <a:cxnLst>
-              <a:cxn ang="0">
-                <a:pos x="connsiteX0" y="connsiteY0"/>
-              </a:cxn>
-              <a:cxn ang="0">
-                <a:pos x="connsiteX1" y="connsiteY1"/>
-              </a:cxn>
-              <a:cxn ang="0">
-                <a:pos x="connsiteX2" y="connsiteY2"/>
-              </a:cxn>
-              <a:cxn ang="0">
-                <a:pos x="connsiteX3" y="connsiteY3"/>
-              </a:cxn>
-              <a:cxn ang="0">
-                <a:pos x="connsiteX4" y="connsiteY4"/>
-              </a:cxn>
-              <a:cxn ang="0">
-                <a:pos x="connsiteX5" y="connsiteY5"/>
-              </a:cxn>
-            </a:cxnLst>
-            <a:rect l="l" t="t" r="r" b="b"/>
-            <a:pathLst>
-              <a:path w="4277884" h="2583520">
-                <a:moveTo>
-                  <a:pt x="0" y="0"/>
-                </a:moveTo>
-                <a:lnTo>
-                  <a:pt x="4277884" y="0"/>
-                </a:lnTo>
-                <a:lnTo>
-                  <a:pt x="4277884" y="2583520"/>
-                </a:lnTo>
-                <a:lnTo>
-                  <a:pt x="1192437" y="2583520"/>
-                </a:lnTo>
-                <a:lnTo>
-                  <a:pt x="1188085" y="2574129"/>
-                </a:lnTo>
-                <a:lnTo>
-                  <a:pt x="1192715" y="2574129"/>
-                </a:lnTo>
-                <a:close/>
-              </a:path>
-            </a:pathLst>
-          </a:custGeom>
-        </p:spPr>
-      </p:pic>
-      <p:sp>
-        <p:nvSpPr>
-          <p:cNvPr id="6" name="Rectangle 5">
-            <a:extLst>
-              <a:ext uri="{FF2B5EF4-FFF2-40B4-BE49-F238E27FC236}">
-                <a16:creationId xmlns:a16="http://schemas.microsoft.com/office/drawing/2014/main" id="{A2901312-C3C2-4CEC-80EF-823AB4FBB726}"/>
-              </a:ext>
-            </a:extLst>
-          </p:cNvPr>
-          <p:cNvSpPr/>
-          <p:nvPr/>
-        </p:nvSpPr>
-        <p:spPr>
-          <a:xfrm>
-            <a:off x="-1" y="1608918"/>
-            <a:ext cx="12191999" cy="91160"/>
-          </a:xfrm>
-          <a:prstGeom prst="rect">
-            <a:avLst/>
-          </a:prstGeom>
-          <a:solidFill>
-            <a:schemeClr val="bg1"/>
-          </a:solidFill>
-          <a:ln>
-            <a:noFill/>
-          </a:ln>
-        </p:spPr>
-        <p:style>
-          <a:lnRef idx="2">
-            <a:schemeClr val="accent1">
-              <a:shade val="50000"/>
-            </a:schemeClr>
-          </a:lnRef>
-          <a:fillRef idx="1">
-            <a:schemeClr val="accent1"/>
-          </a:fillRef>
-          <a:effectRef idx="0">
-            <a:schemeClr val="accent1"/>
-          </a:effectRef>
-          <a:fontRef idx="minor">
-            <a:schemeClr val="lt1"/>
-          </a:fontRef>
-        </p:style>
-        <p:txBody>
-          <a:bodyPr rtlCol="0" anchor="ctr"/>
-          <a:lstStyle/>
-          <a:p>
-            <a:pPr algn="ctr"/>
-            <a:endParaRPr lang="en-US">
-              <a:solidFill>
-                <a:srgbClr val="DB5B5C"/>
-              </a:solidFill>
-            </a:endParaRPr>
-          </a:p>
-        </p:txBody>
-      </p:sp>
-      <p:sp>
-        <p:nvSpPr>
-          <p:cNvPr id="15" name="Rectangle 14">
-            <a:extLst>
-              <a:ext uri="{FF2B5EF4-FFF2-40B4-BE49-F238E27FC236}">
-                <a16:creationId xmlns:a16="http://schemas.microsoft.com/office/drawing/2014/main" id="{AD0A7C9C-CA2C-4B9B-A125-2D09D5573B44}"/>
-              </a:ext>
-            </a:extLst>
-          </p:cNvPr>
-          <p:cNvSpPr/>
-          <p:nvPr/>
-        </p:nvSpPr>
-        <p:spPr>
-          <a:xfrm>
-            <a:off x="1" y="6677247"/>
-            <a:ext cx="12191999" cy="190143"/>
-          </a:xfrm>
-          <a:prstGeom prst="rect">
-            <a:avLst/>
-          </a:prstGeom>
-          <a:solidFill>
-            <a:schemeClr val="bg1"/>
-          </a:solidFill>
-          <a:ln>
-            <a:noFill/>
-          </a:ln>
-        </p:spPr>
-        <p:style>
-          <a:lnRef idx="2">
-            <a:schemeClr val="accent1">
-              <a:shade val="50000"/>
-            </a:schemeClr>
-          </a:lnRef>
-          <a:fillRef idx="1">
-            <a:schemeClr val="accent1"/>
-          </a:fillRef>
-          <a:effectRef idx="0">
-            <a:schemeClr val="accent1"/>
-          </a:effectRef>
-          <a:fontRef idx="minor">
-            <a:schemeClr val="lt1"/>
-          </a:fontRef>
-        </p:style>
-        <p:txBody>
-          <a:bodyPr rtlCol="0" anchor="ctr"/>
-          <a:lstStyle/>
-          <a:p>
-            <a:pPr algn="ctr"/>
-            <a:endParaRPr lang="en-US">
-              <a:solidFill>
-                <a:srgbClr val="DB5B5C"/>
-              </a:solidFill>
-            </a:endParaRPr>
-          </a:p>
-        </p:txBody>
-      </p:sp>
-      <p:sp>
-        <p:nvSpPr>
-          <p:cNvPr id="16" name="Rectangle 15">
-            <a:extLst>
-              <a:ext uri="{FF2B5EF4-FFF2-40B4-BE49-F238E27FC236}">
-                <a16:creationId xmlns:a16="http://schemas.microsoft.com/office/drawing/2014/main" id="{74A085FC-1866-46D4-97F7-51AA45E48D4F}"/>
-              </a:ext>
-            </a:extLst>
-          </p:cNvPr>
-          <p:cNvSpPr/>
-          <p:nvPr/>
-        </p:nvSpPr>
-        <p:spPr>
-          <a:xfrm rot="4092292">
-            <a:off x="5790668" y="4094517"/>
-            <a:ext cx="5446699" cy="137038"/>
-          </a:xfrm>
-          <a:prstGeom prst="rect">
-            <a:avLst/>
-          </a:prstGeom>
-          <a:solidFill>
-            <a:schemeClr val="bg1"/>
-          </a:solidFill>
-          <a:ln>
-            <a:noFill/>
-          </a:ln>
-        </p:spPr>
-        <p:style>
-          <a:lnRef idx="2">
-            <a:schemeClr val="accent1">
-              <a:shade val="50000"/>
-            </a:schemeClr>
-          </a:lnRef>
-          <a:fillRef idx="1">
-            <a:schemeClr val="accent1"/>
-          </a:fillRef>
-          <a:effectRef idx="0">
-            <a:schemeClr val="accent1"/>
-          </a:effectRef>
-          <a:fontRef idx="minor">
-            <a:schemeClr val="lt1"/>
-          </a:fontRef>
-        </p:style>
-        <p:txBody>
-          <a:bodyPr rtlCol="0" anchor="ctr"/>
-          <a:lstStyle/>
-          <a:p>
-            <a:pPr algn="ctr"/>
-            <a:endParaRPr lang="en-US">
-              <a:solidFill>
-                <a:srgbClr val="DB5B5C"/>
-              </a:solidFill>
-            </a:endParaRPr>
-          </a:p>
-        </p:txBody>
-      </p:sp>
-    </p:spTree>
-    <p:extLst>
-      <p:ext uri="{BB962C8B-B14F-4D97-AF65-F5344CB8AC3E}">
-        <p14:creationId xmlns:p14="http://schemas.microsoft.com/office/powerpoint/2010/main" val="2082743496"/>
-      </p:ext>
-    </p:extLst>
-  </p:cSld>
-  <p:clrMapOvr>
-    <a:overrideClrMapping bg1="dk1" tx1="lt1" bg2="dk2" tx2="lt2" accent1="accent1" accent2="accent2" accent3="accent3" accent4="accent4" accent5="accent5" accent6="accent6" hlink="hlink" folHlink="folHlink"/>
-  </p:clrMapOvr>
-</p:sld>
-</file>
-
-<file path=ppt/slides/slide19.xml><?xml version="1.0" encoding="utf-8"?>
 <p:sld xmlns:a="http://schemas.openxmlformats.org/drawingml/2006/main" xmlns:r="http://schemas.openxmlformats.org/officeDocument/2006/relationships" xmlns:p="http://schemas.openxmlformats.org/presentationml/2006/main">
   <p:cSld>
     <p:bg>
@@ -10051,44 +9392,44 @@
               <a:rPr lang="en-US" sz="2000" dirty="0">
                 <a:latin typeface="Selawik Semibold" panose="020B0702040204020203" pitchFamily="34" charset="0"/>
               </a:rPr>
-              <a:t>Sr. Data Engineer, Boston Red Sox</a:t>
-            </a:r>
-          </a:p>
-          <a:p>
-            <a:pPr lvl="2"/>
-            <a:r>
-              <a:rPr lang="en-US" sz="1600" dirty="0">
-                <a:latin typeface="Selawik Semibold" panose="020B0702040204020203" pitchFamily="34" charset="0"/>
-              </a:rPr>
-              <a:t>Bachelors Degree in CS-related Field</a:t>
-            </a:r>
-          </a:p>
-          <a:p>
-            <a:pPr lvl="2"/>
-            <a:r>
-              <a:rPr lang="en-US" sz="1600" dirty="0">
-                <a:latin typeface="Selawik Semibold" panose="020B0702040204020203" pitchFamily="34" charset="0"/>
-              </a:rPr>
-              <a:t>Strong SQL Experience</a:t>
-            </a:r>
-          </a:p>
-          <a:p>
-            <a:pPr lvl="2"/>
-            <a:r>
-              <a:rPr lang="en-US" sz="1600" dirty="0">
-                <a:latin typeface="Selawik Semibold" panose="020B0702040204020203" pitchFamily="34" charset="0"/>
-              </a:rPr>
-              <a:t>Snowflake, DBT, </a:t>
-            </a:r>
-            <a:r>
-              <a:rPr lang="en-US" sz="1600" dirty="0" err="1">
-                <a:latin typeface="Selawik Semibold" panose="020B0702040204020203" pitchFamily="34" charset="0"/>
-              </a:rPr>
-              <a:t>GraphQL</a:t>
-            </a:r>
-            <a:endParaRPr lang="en-US" sz="1600" dirty="0">
+              <a:t>Data Scientist, </a:t>
+            </a:r>
+            <a:r>
+              <a:rPr lang="en-US" sz="2000" dirty="0" err="1">
+                <a:latin typeface="Selawik Semibold" panose="020B0702040204020203" pitchFamily="34" charset="0"/>
+              </a:rPr>
+              <a:t>Teamworks</a:t>
+            </a:r>
+            <a:endParaRPr lang="en-US" sz="2000" dirty="0">
               <a:latin typeface="Selawik Semibold" panose="020B0702040204020203" pitchFamily="34" charset="0"/>
             </a:endParaRPr>
+          </a:p>
+          <a:p>
+            <a:pPr lvl="2"/>
+            <a:r>
+              <a:rPr lang="en-US" sz="1600" dirty="0">
+                <a:latin typeface="Selawik Semibold" panose="020B0702040204020203" pitchFamily="34" charset="0"/>
+              </a:rPr>
+              <a:t>Company Located in Durham, NC</a:t>
+            </a:r>
+          </a:p>
+          <a:p>
+            <a:pPr lvl="2"/>
+            <a:r>
+              <a:rPr lang="en-US" sz="1600" dirty="0">
+                <a:latin typeface="Selawik Semibold" panose="020B0702040204020203" pitchFamily="34" charset="0"/>
+              </a:rPr>
+              <a:t>Masters or PhD in Quantitative Field</a:t>
+            </a:r>
+          </a:p>
+          <a:p>
+            <a:pPr lvl="2"/>
+            <a:r>
+              <a:rPr lang="en-US" sz="1600" dirty="0">
+                <a:latin typeface="Selawik Semibold" panose="020B0702040204020203" pitchFamily="34" charset="0"/>
+              </a:rPr>
+              <a:t>Experience with Sports Tracking Datasets </a:t>
+            </a:r>
           </a:p>
           <a:p>
             <a:pPr lvl="2"/>
@@ -10555,6 +9896,681 @@
     <p:extLst>
       <p:ext uri="{BB962C8B-B14F-4D97-AF65-F5344CB8AC3E}">
         <p14:creationId xmlns:p14="http://schemas.microsoft.com/office/powerpoint/2010/main" val="1464992098"/>
+      </p:ext>
+    </p:extLst>
+  </p:cSld>
+  <p:clrMapOvr>
+    <a:overrideClrMapping bg1="dk1" tx1="lt1" bg2="dk2" tx2="lt2" accent1="accent1" accent2="accent2" accent3="accent3" accent4="accent4" accent5="accent5" accent6="accent6" hlink="hlink" folHlink="folHlink"/>
+  </p:clrMapOvr>
+</p:sld>
+</file>
+
+<file path=ppt/slides/slide19.xml><?xml version="1.0" encoding="utf-8"?>
+<p:sld xmlns:a="http://schemas.openxmlformats.org/drawingml/2006/main" xmlns:r="http://schemas.openxmlformats.org/officeDocument/2006/relationships" xmlns:p="http://schemas.openxmlformats.org/presentationml/2006/main">
+  <p:cSld>
+    <p:bg>
+      <p:bgPr>
+        <a:solidFill>
+          <a:srgbClr val="395583"/>
+        </a:solidFill>
+        <a:effectLst/>
+      </p:bgPr>
+    </p:bg>
+    <p:spTree>
+      <p:nvGrpSpPr>
+        <p:cNvPr id="1" name="">
+          <a:extLst>
+            <a:ext uri="{FF2B5EF4-FFF2-40B4-BE49-F238E27FC236}">
+              <a16:creationId xmlns:a16="http://schemas.microsoft.com/office/drawing/2014/main" id="{A8159F0C-2778-EC60-60EF-CA0942D62A39}"/>
+            </a:ext>
+          </a:extLst>
+        </p:cNvPr>
+        <p:cNvGrpSpPr/>
+        <p:nvPr/>
+      </p:nvGrpSpPr>
+      <p:grpSpPr>
+        <a:xfrm>
+          <a:off x="0" y="0"/>
+          <a:ext cx="0" cy="0"/>
+          <a:chOff x="0" y="0"/>
+          <a:chExt cx="0" cy="0"/>
+        </a:xfrm>
+      </p:grpSpPr>
+      <p:sp>
+        <p:nvSpPr>
+          <p:cNvPr id="25" name="Rectangle 24">
+            <a:extLst>
+              <a:ext uri="{FF2B5EF4-FFF2-40B4-BE49-F238E27FC236}">
+                <a16:creationId xmlns:a16="http://schemas.microsoft.com/office/drawing/2014/main" id="{2117A125-9D9D-B086-FB92-03EFCC5AE4B1}"/>
+              </a:ext>
+              <a:ext uri="{C183D7F6-B498-43B3-948B-1728B52AA6E4}">
+                <adec:decorative xmlns:adec="http://schemas.microsoft.com/office/drawing/2017/decorative" val="1"/>
+              </a:ext>
+            </a:extLst>
+          </p:cNvPr>
+          <p:cNvSpPr>
+            <a:spLocks noGrp="1" noRot="1" noChangeAspect="1" noMove="1" noResize="1" noEditPoints="1" noAdjustHandles="1" noChangeArrowheads="1" noChangeShapeType="1" noTextEdit="1"/>
+          </p:cNvSpPr>
+          <p:nvPr>
+            <p:extLst>
+              <p:ext uri="{386F3935-93C4-4BCD-93E2-E3B085C9AB24}">
+                <p16:designElem xmlns:p16="http://schemas.microsoft.com/office/powerpoint/2015/main" val="1"/>
+              </p:ext>
+            </p:extLst>
+          </p:nvPr>
+        </p:nvSpPr>
+        <p:spPr>
+          <a:xfrm>
+            <a:off x="0" y="0"/>
+            <a:ext cx="12191999" cy="6858000"/>
+          </a:xfrm>
+          <a:prstGeom prst="rect">
+            <a:avLst/>
+          </a:prstGeom>
+          <a:solidFill>
+            <a:srgbClr val="395583"/>
+          </a:solidFill>
+          <a:ln>
+            <a:noFill/>
+          </a:ln>
+        </p:spPr>
+        <p:style>
+          <a:lnRef idx="2">
+            <a:schemeClr val="accent1">
+              <a:shade val="50000"/>
+            </a:schemeClr>
+          </a:lnRef>
+          <a:fillRef idx="1">
+            <a:schemeClr val="accent1"/>
+          </a:fillRef>
+          <a:effectRef idx="0">
+            <a:schemeClr val="accent1"/>
+          </a:effectRef>
+          <a:fontRef idx="minor">
+            <a:schemeClr val="lt1"/>
+          </a:fontRef>
+        </p:style>
+        <p:txBody>
+          <a:bodyPr rtlCol="0" anchor="ctr"/>
+          <a:lstStyle/>
+          <a:p>
+            <a:pPr algn="ctr"/>
+            <a:endParaRPr lang="en-US"/>
+          </a:p>
+        </p:txBody>
+      </p:sp>
+      <p:sp>
+        <p:nvSpPr>
+          <p:cNvPr id="2" name="Title 1">
+            <a:extLst>
+              <a:ext uri="{FF2B5EF4-FFF2-40B4-BE49-F238E27FC236}">
+                <a16:creationId xmlns:a16="http://schemas.microsoft.com/office/drawing/2014/main" id="{5FE71357-D153-F96A-DEFF-AB30CEF8EA17}"/>
+              </a:ext>
+            </a:extLst>
+          </p:cNvPr>
+          <p:cNvSpPr>
+            <a:spLocks noGrp="1"/>
+          </p:cNvSpPr>
+          <p:nvPr>
+            <p:ph type="title"/>
+          </p:nvPr>
+        </p:nvSpPr>
+        <p:spPr>
+          <a:xfrm>
+            <a:off x="838200" y="365125"/>
+            <a:ext cx="10515600" cy="1325563"/>
+          </a:xfrm>
+        </p:spPr>
+        <p:txBody>
+          <a:bodyPr>
+            <a:normAutofit/>
+          </a:bodyPr>
+          <a:lstStyle/>
+          <a:p>
+            <a:r>
+              <a:rPr lang="en-US" b="1" dirty="0">
+                <a:latin typeface="Selawik Semibold" panose="020B0604020202020204" pitchFamily="34" charset="0"/>
+              </a:rPr>
+              <a:t>Your Industry Future</a:t>
+            </a:r>
+          </a:p>
+        </p:txBody>
+      </p:sp>
+      <p:sp>
+        <p:nvSpPr>
+          <p:cNvPr id="9" name="Content Placeholder 8">
+            <a:extLst>
+              <a:ext uri="{FF2B5EF4-FFF2-40B4-BE49-F238E27FC236}">
+                <a16:creationId xmlns:a16="http://schemas.microsoft.com/office/drawing/2014/main" id="{C978C52B-1930-8327-E4DE-6BC01FDB4C82}"/>
+              </a:ext>
+            </a:extLst>
+          </p:cNvPr>
+          <p:cNvSpPr>
+            <a:spLocks noGrp="1"/>
+          </p:cNvSpPr>
+          <p:nvPr>
+            <p:ph idx="1"/>
+          </p:nvPr>
+        </p:nvSpPr>
+        <p:spPr>
+          <a:xfrm>
+            <a:off x="838199" y="2021248"/>
+            <a:ext cx="8107018" cy="4695905"/>
+          </a:xfrm>
+        </p:spPr>
+        <p:txBody>
+          <a:bodyPr>
+            <a:normAutofit/>
+          </a:bodyPr>
+          <a:lstStyle/>
+          <a:p>
+            <a:r>
+              <a:rPr lang="en-US" sz="2400" dirty="0">
+                <a:latin typeface="Selawik Semibold" panose="020B0702040204020203" pitchFamily="34" charset="0"/>
+              </a:rPr>
+              <a:t>Real Jobs (</a:t>
+            </a:r>
+            <a:r>
+              <a:rPr lang="en-US" sz="2400" dirty="0" err="1">
+                <a:latin typeface="Selawik Semibold" panose="020B0702040204020203" pitchFamily="34" charset="0"/>
+              </a:rPr>
+              <a:t>TeamworkOnline</a:t>
+            </a:r>
+            <a:r>
+              <a:rPr lang="en-US" sz="2400" dirty="0">
+                <a:latin typeface="Selawik Semibold" panose="020B0702040204020203" pitchFamily="34" charset="0"/>
+              </a:rPr>
+              <a:t>)</a:t>
+            </a:r>
+          </a:p>
+          <a:p>
+            <a:pPr marL="0" indent="0">
+              <a:buNone/>
+            </a:pPr>
+            <a:endParaRPr lang="en-US" sz="2400" dirty="0">
+              <a:latin typeface="Selawik Semibold" panose="020B0702040204020203" pitchFamily="34" charset="0"/>
+            </a:endParaRPr>
+          </a:p>
+          <a:p>
+            <a:pPr lvl="1"/>
+            <a:r>
+              <a:rPr lang="en-US" sz="2000" dirty="0">
+                <a:latin typeface="Selawik Semibold" panose="020B0702040204020203" pitchFamily="34" charset="0"/>
+              </a:rPr>
+              <a:t>Data Engineer, LA Angels</a:t>
+            </a:r>
+          </a:p>
+          <a:p>
+            <a:pPr lvl="2"/>
+            <a:r>
+              <a:rPr lang="en-US" sz="1600" dirty="0">
+                <a:latin typeface="Selawik Semibold" panose="020B0702040204020203" pitchFamily="34" charset="0"/>
+              </a:rPr>
+              <a:t>Python (2+ Years), SQL APIs</a:t>
+            </a:r>
+          </a:p>
+          <a:p>
+            <a:pPr lvl="2"/>
+            <a:r>
+              <a:rPr lang="en-US" sz="1600" dirty="0">
+                <a:latin typeface="Selawik Semibold" panose="020B0702040204020203" pitchFamily="34" charset="0"/>
+              </a:rPr>
+              <a:t>Familiar with Relational Databases</a:t>
+            </a:r>
+          </a:p>
+          <a:p>
+            <a:pPr lvl="2"/>
+            <a:endParaRPr lang="en-US" sz="1600" dirty="0">
+              <a:latin typeface="Selawik Semibold" panose="020B0702040204020203" pitchFamily="34" charset="0"/>
+            </a:endParaRPr>
+          </a:p>
+          <a:p>
+            <a:pPr lvl="1"/>
+            <a:r>
+              <a:rPr lang="en-US" sz="2000" dirty="0">
+                <a:latin typeface="Selawik Semibold" panose="020B0702040204020203" pitchFamily="34" charset="0"/>
+              </a:rPr>
+              <a:t>Director of Data Science, Real Salt Lake</a:t>
+            </a:r>
+          </a:p>
+          <a:p>
+            <a:pPr lvl="2"/>
+            <a:r>
+              <a:rPr lang="en-US" sz="1600" dirty="0">
+                <a:latin typeface="Selawik Semibold" panose="020B0702040204020203" pitchFamily="34" charset="0"/>
+              </a:rPr>
+              <a:t>Oversee All Sport Science (GPS, Heart Rate, Force Plates, etc.)</a:t>
+            </a:r>
+          </a:p>
+          <a:p>
+            <a:pPr lvl="2"/>
+            <a:r>
+              <a:rPr lang="en-US" sz="1600" dirty="0">
+                <a:latin typeface="Selawik Semibold" panose="020B0702040204020203" pitchFamily="34" charset="0"/>
+              </a:rPr>
+              <a:t>Dashboard Development</a:t>
+            </a:r>
+          </a:p>
+          <a:p>
+            <a:pPr lvl="2"/>
+            <a:r>
+              <a:rPr lang="en-US" sz="1600" dirty="0">
+                <a:latin typeface="Selawik Semibold" panose="020B0702040204020203" pitchFamily="34" charset="0"/>
+              </a:rPr>
+              <a:t>Communication of Complex Data</a:t>
+            </a:r>
+          </a:p>
+          <a:p>
+            <a:pPr lvl="2"/>
+            <a:r>
+              <a:rPr lang="en-US" sz="1600" dirty="0">
+                <a:latin typeface="Selawik Semibold" panose="020B0702040204020203" pitchFamily="34" charset="0"/>
+              </a:rPr>
+              <a:t>Bachelors Degree in Exercise Science, Data Science, etc. </a:t>
+            </a:r>
+          </a:p>
+          <a:p>
+            <a:pPr lvl="2"/>
+            <a:r>
+              <a:rPr lang="en-US" sz="1600" dirty="0">
+                <a:latin typeface="Selawik Semibold" panose="020B0702040204020203" pitchFamily="34" charset="0"/>
+              </a:rPr>
+              <a:t>Proficiency in R, Python, SQL, Power BI, Tableau</a:t>
+            </a:r>
+          </a:p>
+          <a:p>
+            <a:pPr lvl="2"/>
+            <a:endParaRPr lang="en-US" sz="1600" dirty="0">
+              <a:latin typeface="Selawik Semibold" panose="020B0702040204020203" pitchFamily="34" charset="0"/>
+            </a:endParaRPr>
+          </a:p>
+          <a:p>
+            <a:pPr lvl="2"/>
+            <a:endParaRPr lang="en-US" sz="1400" dirty="0">
+              <a:latin typeface="Selawik Semibold" panose="020B0702040204020203" pitchFamily="34" charset="0"/>
+            </a:endParaRPr>
+          </a:p>
+          <a:p>
+            <a:pPr lvl="2"/>
+            <a:endParaRPr lang="en-US" sz="1800" dirty="0">
+              <a:latin typeface="Selawik Semibold" panose="020B0702040204020203" pitchFamily="34" charset="0"/>
+            </a:endParaRPr>
+          </a:p>
+          <a:p>
+            <a:pPr lvl="2"/>
+            <a:endParaRPr lang="en-US" sz="1600" dirty="0">
+              <a:latin typeface="Selawik Semibold" panose="020B0702040204020203" pitchFamily="34" charset="0"/>
+            </a:endParaRPr>
+          </a:p>
+          <a:p>
+            <a:endParaRPr lang="en-US" sz="2400" dirty="0">
+              <a:latin typeface="Selawik Semibold" panose="020B0702040204020203" pitchFamily="34" charset="0"/>
+            </a:endParaRPr>
+          </a:p>
+          <a:p>
+            <a:pPr lvl="1"/>
+            <a:endParaRPr lang="en-US" sz="2000" dirty="0">
+              <a:latin typeface="Selawik Semibold" panose="020B0702040204020203" pitchFamily="34" charset="0"/>
+            </a:endParaRPr>
+          </a:p>
+          <a:p>
+            <a:pPr lvl="2"/>
+            <a:endParaRPr lang="en-US" sz="1800" dirty="0">
+              <a:latin typeface="Selawik Semibold" panose="020B0702040204020203" pitchFamily="34" charset="0"/>
+            </a:endParaRPr>
+          </a:p>
+          <a:p>
+            <a:pPr lvl="1"/>
+            <a:endParaRPr lang="en-US" sz="2200" dirty="0">
+              <a:latin typeface="Selawik Semibold" panose="020B0702040204020203" pitchFamily="34" charset="0"/>
+            </a:endParaRPr>
+          </a:p>
+        </p:txBody>
+      </p:sp>
+      <p:pic>
+        <p:nvPicPr>
+          <p:cNvPr id="4" name="Picture 3" descr="A drawing of a cartoon character&#10;&#10;Description automatically generated">
+            <a:extLst>
+              <a:ext uri="{FF2B5EF4-FFF2-40B4-BE49-F238E27FC236}">
+                <a16:creationId xmlns:a16="http://schemas.microsoft.com/office/drawing/2014/main" id="{32FFBC7C-02B9-7EC1-ABC7-D264AF7F9604}"/>
+              </a:ext>
+            </a:extLst>
+          </p:cNvPr>
+          <p:cNvPicPr>
+            <a:picLocks noChangeAspect="1"/>
+          </p:cNvPicPr>
+          <p:nvPr/>
+        </p:nvPicPr>
+        <p:blipFill rotWithShape="1">
+          <a:blip r:embed="rId2">
+            <a:extLst>
+              <a:ext uri="{28A0092B-C50C-407E-A947-70E740481C1C}">
+                <a14:useLocalDpi xmlns:a14="http://schemas.microsoft.com/office/drawing/2010/main" val="0"/>
+              </a:ext>
+            </a:extLst>
+          </a:blip>
+          <a:srcRect t="5616" r="2" b="2"/>
+          <a:stretch/>
+        </p:blipFill>
+        <p:spPr>
+          <a:xfrm>
+            <a:off x="7471144" y="1700078"/>
+            <a:ext cx="4720855" cy="2583792"/>
+          </a:xfrm>
+          <a:custGeom>
+            <a:avLst/>
+            <a:gdLst>
+              <a:gd name="connsiteX0" fmla="*/ 0 w 5475077"/>
+              <a:gd name="connsiteY0" fmla="*/ 0 h 2583792"/>
+              <a:gd name="connsiteX1" fmla="*/ 5475077 w 5475077"/>
+              <a:gd name="connsiteY1" fmla="*/ 0 h 2583792"/>
+              <a:gd name="connsiteX2" fmla="*/ 5475077 w 5475077"/>
+              <a:gd name="connsiteY2" fmla="*/ 2583792 h 2583792"/>
+              <a:gd name="connsiteX3" fmla="*/ 1197192 w 5475077"/>
+              <a:gd name="connsiteY3" fmla="*/ 2583792 h 2583792"/>
+            </a:gdLst>
+            <a:ahLst/>
+            <a:cxnLst>
+              <a:cxn ang="0">
+                <a:pos x="connsiteX0" y="connsiteY0"/>
+              </a:cxn>
+              <a:cxn ang="0">
+                <a:pos x="connsiteX1" y="connsiteY1"/>
+              </a:cxn>
+              <a:cxn ang="0">
+                <a:pos x="connsiteX2" y="connsiteY2"/>
+              </a:cxn>
+              <a:cxn ang="0">
+                <a:pos x="connsiteX3" y="connsiteY3"/>
+              </a:cxn>
+            </a:cxnLst>
+            <a:rect l="l" t="t" r="r" b="b"/>
+            <a:pathLst>
+              <a:path w="5475077" h="2583792">
+                <a:moveTo>
+                  <a:pt x="0" y="0"/>
+                </a:moveTo>
+                <a:lnTo>
+                  <a:pt x="5475077" y="0"/>
+                </a:lnTo>
+                <a:lnTo>
+                  <a:pt x="5475077" y="2583792"/>
+                </a:lnTo>
+                <a:lnTo>
+                  <a:pt x="1197192" y="2583792"/>
+                </a:lnTo>
+                <a:close/>
+              </a:path>
+            </a:pathLst>
+          </a:custGeom>
+        </p:spPr>
+      </p:pic>
+      <p:pic>
+        <p:nvPicPr>
+          <p:cNvPr id="5" name="Content Placeholder 4" descr="A picture containing indoor&#10;&#10;Description automatically generated">
+            <a:extLst>
+              <a:ext uri="{FF2B5EF4-FFF2-40B4-BE49-F238E27FC236}">
+                <a16:creationId xmlns:a16="http://schemas.microsoft.com/office/drawing/2014/main" id="{3BF0E8CF-4C46-3594-7516-9AB97C24E065}"/>
+              </a:ext>
+            </a:extLst>
+          </p:cNvPr>
+          <p:cNvPicPr>
+            <a:picLocks noChangeAspect="1"/>
+          </p:cNvPicPr>
+          <p:nvPr/>
+        </p:nvPicPr>
+        <p:blipFill rotWithShape="1">
+          <a:blip r:embed="rId3">
+            <a:extLst>
+              <a:ext uri="{28A0092B-C50C-407E-A947-70E740481C1C}">
+                <a14:useLocalDpi xmlns:a14="http://schemas.microsoft.com/office/drawing/2010/main" val="0"/>
+              </a:ext>
+            </a:extLst>
+          </a:blip>
+          <a:srcRect t="5300" r="3" b="6859"/>
+          <a:stretch/>
+        </p:blipFill>
+        <p:spPr>
+          <a:xfrm>
+            <a:off x="8491869" y="4283870"/>
+            <a:ext cx="3700129" cy="2583520"/>
+          </a:xfrm>
+          <a:custGeom>
+            <a:avLst/>
+            <a:gdLst>
+              <a:gd name="connsiteX0" fmla="*/ 0 w 4277884"/>
+              <a:gd name="connsiteY0" fmla="*/ 0 h 2583520"/>
+              <a:gd name="connsiteX1" fmla="*/ 4277884 w 4277884"/>
+              <a:gd name="connsiteY1" fmla="*/ 0 h 2583520"/>
+              <a:gd name="connsiteX2" fmla="*/ 4277884 w 4277884"/>
+              <a:gd name="connsiteY2" fmla="*/ 2583520 h 2583520"/>
+              <a:gd name="connsiteX3" fmla="*/ 1192437 w 4277884"/>
+              <a:gd name="connsiteY3" fmla="*/ 2583520 h 2583520"/>
+              <a:gd name="connsiteX4" fmla="*/ 1188085 w 4277884"/>
+              <a:gd name="connsiteY4" fmla="*/ 2574129 h 2583520"/>
+              <a:gd name="connsiteX5" fmla="*/ 1192715 w 4277884"/>
+              <a:gd name="connsiteY5" fmla="*/ 2574129 h 2583520"/>
+            </a:gdLst>
+            <a:ahLst/>
+            <a:cxnLst>
+              <a:cxn ang="0">
+                <a:pos x="connsiteX0" y="connsiteY0"/>
+              </a:cxn>
+              <a:cxn ang="0">
+                <a:pos x="connsiteX1" y="connsiteY1"/>
+              </a:cxn>
+              <a:cxn ang="0">
+                <a:pos x="connsiteX2" y="connsiteY2"/>
+              </a:cxn>
+              <a:cxn ang="0">
+                <a:pos x="connsiteX3" y="connsiteY3"/>
+              </a:cxn>
+              <a:cxn ang="0">
+                <a:pos x="connsiteX4" y="connsiteY4"/>
+              </a:cxn>
+              <a:cxn ang="0">
+                <a:pos x="connsiteX5" y="connsiteY5"/>
+              </a:cxn>
+            </a:cxnLst>
+            <a:rect l="l" t="t" r="r" b="b"/>
+            <a:pathLst>
+              <a:path w="4277884" h="2583520">
+                <a:moveTo>
+                  <a:pt x="0" y="0"/>
+                </a:moveTo>
+                <a:lnTo>
+                  <a:pt x="4277884" y="0"/>
+                </a:lnTo>
+                <a:lnTo>
+                  <a:pt x="4277884" y="2583520"/>
+                </a:lnTo>
+                <a:lnTo>
+                  <a:pt x="1192437" y="2583520"/>
+                </a:lnTo>
+                <a:lnTo>
+                  <a:pt x="1188085" y="2574129"/>
+                </a:lnTo>
+                <a:lnTo>
+                  <a:pt x="1192715" y="2574129"/>
+                </a:lnTo>
+                <a:close/>
+              </a:path>
+            </a:pathLst>
+          </a:custGeom>
+        </p:spPr>
+      </p:pic>
+      <p:sp>
+        <p:nvSpPr>
+          <p:cNvPr id="6" name="Rectangle 5">
+            <a:extLst>
+              <a:ext uri="{FF2B5EF4-FFF2-40B4-BE49-F238E27FC236}">
+                <a16:creationId xmlns:a16="http://schemas.microsoft.com/office/drawing/2014/main" id="{4F835728-A1F9-F435-D33B-62FFB44A963A}"/>
+              </a:ext>
+            </a:extLst>
+          </p:cNvPr>
+          <p:cNvSpPr/>
+          <p:nvPr/>
+        </p:nvSpPr>
+        <p:spPr>
+          <a:xfrm>
+            <a:off x="-1" y="1608918"/>
+            <a:ext cx="12191999" cy="91160"/>
+          </a:xfrm>
+          <a:prstGeom prst="rect">
+            <a:avLst/>
+          </a:prstGeom>
+          <a:solidFill>
+            <a:schemeClr val="bg1"/>
+          </a:solidFill>
+          <a:ln>
+            <a:noFill/>
+          </a:ln>
+        </p:spPr>
+        <p:style>
+          <a:lnRef idx="2">
+            <a:schemeClr val="accent1">
+              <a:shade val="50000"/>
+            </a:schemeClr>
+          </a:lnRef>
+          <a:fillRef idx="1">
+            <a:schemeClr val="accent1"/>
+          </a:fillRef>
+          <a:effectRef idx="0">
+            <a:schemeClr val="accent1"/>
+          </a:effectRef>
+          <a:fontRef idx="minor">
+            <a:schemeClr val="lt1"/>
+          </a:fontRef>
+        </p:style>
+        <p:txBody>
+          <a:bodyPr rtlCol="0" anchor="ctr"/>
+          <a:lstStyle/>
+          <a:p>
+            <a:pPr algn="ctr"/>
+            <a:endParaRPr lang="en-US">
+              <a:solidFill>
+                <a:srgbClr val="DB5B5C"/>
+              </a:solidFill>
+            </a:endParaRPr>
+          </a:p>
+        </p:txBody>
+      </p:sp>
+      <p:sp>
+        <p:nvSpPr>
+          <p:cNvPr id="15" name="Rectangle 14">
+            <a:extLst>
+              <a:ext uri="{FF2B5EF4-FFF2-40B4-BE49-F238E27FC236}">
+                <a16:creationId xmlns:a16="http://schemas.microsoft.com/office/drawing/2014/main" id="{DE65FC45-AED2-EEA9-7868-AE1BEAFC8FF8}"/>
+              </a:ext>
+            </a:extLst>
+          </p:cNvPr>
+          <p:cNvSpPr/>
+          <p:nvPr/>
+        </p:nvSpPr>
+        <p:spPr>
+          <a:xfrm>
+            <a:off x="1" y="6677247"/>
+            <a:ext cx="12191999" cy="190143"/>
+          </a:xfrm>
+          <a:prstGeom prst="rect">
+            <a:avLst/>
+          </a:prstGeom>
+          <a:solidFill>
+            <a:schemeClr val="bg1"/>
+          </a:solidFill>
+          <a:ln>
+            <a:noFill/>
+          </a:ln>
+        </p:spPr>
+        <p:style>
+          <a:lnRef idx="2">
+            <a:schemeClr val="accent1">
+              <a:shade val="50000"/>
+            </a:schemeClr>
+          </a:lnRef>
+          <a:fillRef idx="1">
+            <a:schemeClr val="accent1"/>
+          </a:fillRef>
+          <a:effectRef idx="0">
+            <a:schemeClr val="accent1"/>
+          </a:effectRef>
+          <a:fontRef idx="minor">
+            <a:schemeClr val="lt1"/>
+          </a:fontRef>
+        </p:style>
+        <p:txBody>
+          <a:bodyPr rtlCol="0" anchor="ctr"/>
+          <a:lstStyle/>
+          <a:p>
+            <a:pPr algn="ctr"/>
+            <a:endParaRPr lang="en-US">
+              <a:solidFill>
+                <a:srgbClr val="DB5B5C"/>
+              </a:solidFill>
+            </a:endParaRPr>
+          </a:p>
+        </p:txBody>
+      </p:sp>
+      <p:sp>
+        <p:nvSpPr>
+          <p:cNvPr id="16" name="Rectangle 15">
+            <a:extLst>
+              <a:ext uri="{FF2B5EF4-FFF2-40B4-BE49-F238E27FC236}">
+                <a16:creationId xmlns:a16="http://schemas.microsoft.com/office/drawing/2014/main" id="{B253D057-7E16-91A1-2AA4-F84C7AFFAD0A}"/>
+              </a:ext>
+            </a:extLst>
+          </p:cNvPr>
+          <p:cNvSpPr/>
+          <p:nvPr/>
+        </p:nvSpPr>
+        <p:spPr>
+          <a:xfrm rot="4092292">
+            <a:off x="5790668" y="4094517"/>
+            <a:ext cx="5446699" cy="137038"/>
+          </a:xfrm>
+          <a:prstGeom prst="rect">
+            <a:avLst/>
+          </a:prstGeom>
+          <a:solidFill>
+            <a:schemeClr val="bg1"/>
+          </a:solidFill>
+          <a:ln>
+            <a:noFill/>
+          </a:ln>
+        </p:spPr>
+        <p:style>
+          <a:lnRef idx="2">
+            <a:schemeClr val="accent1">
+              <a:shade val="50000"/>
+            </a:schemeClr>
+          </a:lnRef>
+          <a:fillRef idx="1">
+            <a:schemeClr val="accent1"/>
+          </a:fillRef>
+          <a:effectRef idx="0">
+            <a:schemeClr val="accent1"/>
+          </a:effectRef>
+          <a:fontRef idx="minor">
+            <a:schemeClr val="lt1"/>
+          </a:fontRef>
+        </p:style>
+        <p:txBody>
+          <a:bodyPr rtlCol="0" anchor="ctr"/>
+          <a:lstStyle/>
+          <a:p>
+            <a:pPr algn="ctr"/>
+            <a:endParaRPr lang="en-US">
+              <a:solidFill>
+                <a:srgbClr val="DB5B5C"/>
+              </a:solidFill>
+            </a:endParaRPr>
+          </a:p>
+        </p:txBody>
+      </p:sp>
+    </p:spTree>
+    <p:extLst>
+      <p:ext uri="{BB962C8B-B14F-4D97-AF65-F5344CB8AC3E}">
+        <p14:creationId xmlns:p14="http://schemas.microsoft.com/office/powerpoint/2010/main" val="813014251"/>
       </p:ext>
     </p:extLst>
   </p:cSld>
@@ -11166,13 +11182,7 @@
     </p:bg>
     <p:spTree>
       <p:nvGrpSpPr>
-        <p:cNvPr id="1" name="">
-          <a:extLst>
-            <a:ext uri="{FF2B5EF4-FFF2-40B4-BE49-F238E27FC236}">
-              <a16:creationId xmlns:a16="http://schemas.microsoft.com/office/drawing/2014/main" id="{A8159F0C-2778-EC60-60EF-CA0942D62A39}"/>
-            </a:ext>
-          </a:extLst>
-        </p:cNvPr>
+        <p:cNvPr id="1" name=""/>
         <p:cNvGrpSpPr/>
         <p:nvPr/>
       </p:nvGrpSpPr>
@@ -11189,7 +11199,7 @@
           <p:cNvPr id="25" name="Rectangle 24">
             <a:extLst>
               <a:ext uri="{FF2B5EF4-FFF2-40B4-BE49-F238E27FC236}">
-                <a16:creationId xmlns:a16="http://schemas.microsoft.com/office/drawing/2014/main" id="{2117A125-9D9D-B086-FB92-03EFCC5AE4B1}"/>
+                <a16:creationId xmlns:a16="http://schemas.microsoft.com/office/drawing/2014/main" id="{A6792F05-2FD4-4F18-815E-15391E8B4A0E}"/>
               </a:ext>
               <a:ext uri="{C183D7F6-B498-43B3-948B-1728B52AA6E4}">
                 <adec:decorative xmlns:adec="http://schemas.microsoft.com/office/drawing/2017/decorative" val="1"/>
@@ -11252,7 +11262,7 @@
           <p:cNvPr id="2" name="Title 1">
             <a:extLst>
               <a:ext uri="{FF2B5EF4-FFF2-40B4-BE49-F238E27FC236}">
-                <a16:creationId xmlns:a16="http://schemas.microsoft.com/office/drawing/2014/main" id="{5FE71357-D153-F96A-DEFF-AB30CEF8EA17}"/>
+                <a16:creationId xmlns:a16="http://schemas.microsoft.com/office/drawing/2014/main" id="{2589AFCC-0FF0-498C-B11F-8990DF0DAAA5}"/>
               </a:ext>
             </a:extLst>
           </p:cNvPr>
@@ -11289,7 +11299,7 @@
           <p:cNvPr id="9" name="Content Placeholder 8">
             <a:extLst>
               <a:ext uri="{FF2B5EF4-FFF2-40B4-BE49-F238E27FC236}">
-                <a16:creationId xmlns:a16="http://schemas.microsoft.com/office/drawing/2014/main" id="{C978C52B-1930-8327-E4DE-6BC01FDB4C82}"/>
+                <a16:creationId xmlns:a16="http://schemas.microsoft.com/office/drawing/2014/main" id="{2D995594-59F2-4020-AB6F-751BAE84ADB3}"/>
               </a:ext>
             </a:extLst>
           </p:cNvPr>
@@ -11316,7 +11326,19 @@
               <a:rPr lang="en-US" sz="2400" dirty="0">
                 <a:latin typeface="Selawik Semibold" panose="020B0702040204020203" pitchFamily="34" charset="0"/>
               </a:rPr>
-              <a:t>Real Jobs (ZipRecruiter)</a:t>
+              <a:t>Real Jobs (</a:t>
+            </a:r>
+            <a:r>
+              <a:rPr lang="en-US" sz="2400" dirty="0" err="1">
+                <a:latin typeface="Selawik Semibold" panose="020B0702040204020203" pitchFamily="34" charset="0"/>
+              </a:rPr>
+              <a:t>TeamworkOnline</a:t>
+            </a:r>
+            <a:r>
+              <a:rPr lang="en-US" sz="2400" dirty="0">
+                <a:latin typeface="Selawik Semibold" panose="020B0702040204020203" pitchFamily="34" charset="0"/>
+              </a:rPr>
+              <a:t>)</a:t>
             </a:r>
           </a:p>
           <a:p>
@@ -11333,7 +11355,7 @@
               <a:rPr lang="en-US" sz="2000" dirty="0">
                 <a:latin typeface="Selawik Semibold" panose="020B0702040204020203" pitchFamily="34" charset="0"/>
               </a:rPr>
-              <a:t>Quantitative Analyst, Philadelphia Phillies</a:t>
+              <a:t>Football Data Analyst, Indianapolis Colts</a:t>
             </a:r>
           </a:p>
           <a:p>
@@ -11342,7 +11364,7 @@
               <a:rPr lang="en-US" sz="1600" dirty="0">
                 <a:latin typeface="Selawik Semibold" panose="020B0702040204020203" pitchFamily="34" charset="0"/>
               </a:rPr>
-              <a:t>Focus on Computer Vision and Machine Learning</a:t>
+              <a:t>Posted 3+ Months Ago</a:t>
             </a:r>
           </a:p>
           <a:p>
@@ -11351,34 +11373,25 @@
               <a:rPr lang="en-US" sz="1600" dirty="0">
                 <a:latin typeface="Selawik Semibold" panose="020B0702040204020203" pitchFamily="34" charset="0"/>
               </a:rPr>
-              <a:t>BS, MS, or PhD in STEM</a:t>
+              <a:t>Research NFL and NCAA data</a:t>
             </a:r>
           </a:p>
           <a:p>
             <a:pPr lvl="2"/>
             <a:r>
-              <a:rPr lang="en-US" sz="1600" dirty="0" err="1">
-                <a:latin typeface="Selawik Semibold" panose="020B0702040204020203" pitchFamily="34" charset="0"/>
-              </a:rPr>
-              <a:t>PyTorch</a:t>
-            </a:r>
-            <a:r>
               <a:rPr lang="en-US" sz="1600" dirty="0">
                 <a:latin typeface="Selawik Semibold" panose="020B0702040204020203" pitchFamily="34" charset="0"/>
               </a:rPr>
-              <a:t>, TensorFlow, </a:t>
-            </a:r>
-            <a:r>
-              <a:rPr lang="en-US" sz="1600" dirty="0" err="1">
-                <a:latin typeface="Selawik Semibold" panose="020B0702040204020203" pitchFamily="34" charset="0"/>
-              </a:rPr>
-              <a:t>Keras</a:t>
-            </a:r>
+              <a:t>Strong in Python or R</a:t>
+            </a:r>
+          </a:p>
+          <a:p>
+            <a:pPr lvl="2"/>
             <a:r>
               <a:rPr lang="en-US" sz="1600" dirty="0">
                 <a:latin typeface="Selawik Semibold" panose="020B0702040204020203" pitchFamily="34" charset="0"/>
               </a:rPr>
-              <a:t>, OpenCV</a:t>
+              <a:t>Familiarity with Machine Learning and Statistical Models</a:t>
             </a:r>
           </a:p>
           <a:p>
@@ -11388,6 +11401,57 @@
             </a:endParaRPr>
           </a:p>
           <a:p>
+            <a:pPr lvl="1"/>
+            <a:r>
+              <a:rPr lang="en-US" sz="2000" dirty="0">
+                <a:latin typeface="Selawik Semibold" panose="020B0702040204020203" pitchFamily="34" charset="0"/>
+              </a:rPr>
+              <a:t>Data Scientist, Tampa Bay Lightning</a:t>
+            </a:r>
+          </a:p>
+          <a:p>
+            <a:pPr lvl="2"/>
+            <a:r>
+              <a:rPr lang="en-US" sz="1600" dirty="0">
+                <a:latin typeface="Selawik Semibold" panose="020B0702040204020203" pitchFamily="34" charset="0"/>
+              </a:rPr>
+              <a:t>STEM Degree</a:t>
+            </a:r>
+          </a:p>
+          <a:p>
+            <a:pPr lvl="2"/>
+            <a:r>
+              <a:rPr lang="en-US" sz="1600" dirty="0">
+                <a:latin typeface="Selawik Semibold" panose="020B0702040204020203" pitchFamily="34" charset="0"/>
+              </a:rPr>
+              <a:t>3-5 Years Experience in Python</a:t>
+            </a:r>
+          </a:p>
+          <a:p>
+            <a:pPr lvl="2"/>
+            <a:r>
+              <a:rPr lang="en-US" sz="1600" dirty="0">
+                <a:latin typeface="Selawik Semibold" panose="020B0702040204020203" pitchFamily="34" charset="0"/>
+              </a:rPr>
+              <a:t>Docker, SQL</a:t>
+            </a:r>
+          </a:p>
+          <a:p>
+            <a:pPr lvl="2"/>
+            <a:r>
+              <a:rPr lang="en-US" sz="1600" dirty="0">
+                <a:latin typeface="Selawik Semibold" panose="020B0702040204020203" pitchFamily="34" charset="0"/>
+              </a:rPr>
+              <a:t>Time Series Data</a:t>
+            </a:r>
+          </a:p>
+          <a:p>
+            <a:pPr lvl="2"/>
+            <a:endParaRPr lang="en-US" sz="1600" dirty="0">
+              <a:latin typeface="Selawik Semibold" panose="020B0702040204020203" pitchFamily="34" charset="0"/>
+            </a:endParaRPr>
+          </a:p>
+          <a:p>
             <a:pPr lvl="2"/>
             <a:endParaRPr lang="en-US" sz="1400" dirty="0">
               <a:latin typeface="Selawik Semibold" panose="020B0702040204020203" pitchFamily="34" charset="0"/>
@@ -11435,7 +11499,7 @@
           <p:cNvPr id="4" name="Picture 3" descr="A drawing of a cartoon character&#10;&#10;Description automatically generated">
             <a:extLst>
               <a:ext uri="{FF2B5EF4-FFF2-40B4-BE49-F238E27FC236}">
-                <a16:creationId xmlns:a16="http://schemas.microsoft.com/office/drawing/2014/main" id="{32FFBC7C-02B9-7EC1-ABC7-D264AF7F9604}"/>
+                <a16:creationId xmlns:a16="http://schemas.microsoft.com/office/drawing/2014/main" id="{A7FDC859-D890-4904-9C64-27F43DA90453}"/>
               </a:ext>
             </a:extLst>
           </p:cNvPr>
@@ -11513,7 +11577,7 @@
           <p:cNvPr id="5" name="Content Placeholder 4" descr="A picture containing indoor&#10;&#10;Description automatically generated">
             <a:extLst>
               <a:ext uri="{FF2B5EF4-FFF2-40B4-BE49-F238E27FC236}">
-                <a16:creationId xmlns:a16="http://schemas.microsoft.com/office/drawing/2014/main" id="{3BF0E8CF-4C46-3594-7516-9AB97C24E065}"/>
+                <a16:creationId xmlns:a16="http://schemas.microsoft.com/office/drawing/2014/main" id="{A58F0E55-21F3-485B-A07F-1CE74177BDD2}"/>
               </a:ext>
             </a:extLst>
           </p:cNvPr>
@@ -11607,7 +11671,7 @@
           <p:cNvPr id="6" name="Rectangle 5">
             <a:extLst>
               <a:ext uri="{FF2B5EF4-FFF2-40B4-BE49-F238E27FC236}">
-                <a16:creationId xmlns:a16="http://schemas.microsoft.com/office/drawing/2014/main" id="{4F835728-A1F9-F435-D33B-62FFB44A963A}"/>
+                <a16:creationId xmlns:a16="http://schemas.microsoft.com/office/drawing/2014/main" id="{A2901312-C3C2-4CEC-80EF-823AB4FBB726}"/>
               </a:ext>
             </a:extLst>
           </p:cNvPr>
@@ -11663,7 +11727,7 @@
           <p:cNvPr id="15" name="Rectangle 14">
             <a:extLst>
               <a:ext uri="{FF2B5EF4-FFF2-40B4-BE49-F238E27FC236}">
-                <a16:creationId xmlns:a16="http://schemas.microsoft.com/office/drawing/2014/main" id="{DE65FC45-AED2-EEA9-7868-AE1BEAFC8FF8}"/>
+                <a16:creationId xmlns:a16="http://schemas.microsoft.com/office/drawing/2014/main" id="{AD0A7C9C-CA2C-4B9B-A125-2D09D5573B44}"/>
               </a:ext>
             </a:extLst>
           </p:cNvPr>
@@ -11719,7 +11783,7 @@
           <p:cNvPr id="16" name="Rectangle 15">
             <a:extLst>
               <a:ext uri="{FF2B5EF4-FFF2-40B4-BE49-F238E27FC236}">
-                <a16:creationId xmlns:a16="http://schemas.microsoft.com/office/drawing/2014/main" id="{B253D057-7E16-91A1-2AA4-F84C7AFFAD0A}"/>
+                <a16:creationId xmlns:a16="http://schemas.microsoft.com/office/drawing/2014/main" id="{74A085FC-1866-46D4-97F7-51AA45E48D4F}"/>
               </a:ext>
             </a:extLst>
           </p:cNvPr>
@@ -11773,7 +11837,7 @@
     </p:spTree>
     <p:extLst>
       <p:ext uri="{BB962C8B-B14F-4D97-AF65-F5344CB8AC3E}">
-        <p14:creationId xmlns:p14="http://schemas.microsoft.com/office/powerpoint/2010/main" val="813014251"/>
+        <p14:creationId xmlns:p14="http://schemas.microsoft.com/office/powerpoint/2010/main" val="2082743496"/>
       </p:ext>
     </p:extLst>
   </p:cSld>
@@ -11799,7 +11863,7 @@
         <p:cNvPr id="1" name="">
           <a:extLst>
             <a:ext uri="{FF2B5EF4-FFF2-40B4-BE49-F238E27FC236}">
-              <a16:creationId xmlns:a16="http://schemas.microsoft.com/office/drawing/2014/main" id="{578DB8A5-BEB5-1FE1-9EB9-DC12CF58670A}"/>
+              <a16:creationId xmlns:a16="http://schemas.microsoft.com/office/drawing/2014/main" id="{B17F20B4-8AA8-E32C-9832-07B2CF1F8E46}"/>
             </a:ext>
           </a:extLst>
         </p:cNvPr>
@@ -11819,7 +11883,7 @@
           <p:cNvPr id="25" name="Rectangle 24">
             <a:extLst>
               <a:ext uri="{FF2B5EF4-FFF2-40B4-BE49-F238E27FC236}">
-                <a16:creationId xmlns:a16="http://schemas.microsoft.com/office/drawing/2014/main" id="{DDE5C130-B2F6-47BE-EE16-DF572F4A8167}"/>
+                <a16:creationId xmlns:a16="http://schemas.microsoft.com/office/drawing/2014/main" id="{7BFF821B-627C-5866-CAA3-41F4CCA35399}"/>
               </a:ext>
               <a:ext uri="{C183D7F6-B498-43B3-948B-1728B52AA6E4}">
                 <adec:decorative xmlns:adec="http://schemas.microsoft.com/office/drawing/2017/decorative" val="1"/>
@@ -11882,7 +11946,7 @@
           <p:cNvPr id="2" name="Title 1">
             <a:extLst>
               <a:ext uri="{FF2B5EF4-FFF2-40B4-BE49-F238E27FC236}">
-                <a16:creationId xmlns:a16="http://schemas.microsoft.com/office/drawing/2014/main" id="{2EC16CC6-FDDB-6063-9B54-BC3D9A3DDD61}"/>
+                <a16:creationId xmlns:a16="http://schemas.microsoft.com/office/drawing/2014/main" id="{673A2C57-3415-92F7-18B1-9997C2034EA0}"/>
               </a:ext>
             </a:extLst>
           </p:cNvPr>
@@ -11919,7 +11983,7 @@
           <p:cNvPr id="9" name="Content Placeholder 8">
             <a:extLst>
               <a:ext uri="{FF2B5EF4-FFF2-40B4-BE49-F238E27FC236}">
-                <a16:creationId xmlns:a16="http://schemas.microsoft.com/office/drawing/2014/main" id="{0BDE507D-8184-51E3-7C10-1CBA12B2282E}"/>
+                <a16:creationId xmlns:a16="http://schemas.microsoft.com/office/drawing/2014/main" id="{6BF264E2-D5E0-1F08-CE6A-F9C5B0886426}"/>
               </a:ext>
             </a:extLst>
           </p:cNvPr>
@@ -11946,7 +12010,19 @@
               <a:rPr lang="en-US" sz="2400" dirty="0">
                 <a:latin typeface="Selawik Semibold" panose="020B0702040204020203" pitchFamily="34" charset="0"/>
               </a:rPr>
-              <a:t>Real Jobs (tealhq.com)</a:t>
+              <a:t>Real Jobs (</a:t>
+            </a:r>
+            <a:r>
+              <a:rPr lang="en-US" sz="2400" dirty="0" err="1">
+                <a:latin typeface="Selawik Semibold" panose="020B0702040204020203" pitchFamily="34" charset="0"/>
+              </a:rPr>
+              <a:t>TeamworkOnline</a:t>
+            </a:r>
+            <a:r>
+              <a:rPr lang="en-US" sz="2400" dirty="0">
+                <a:latin typeface="Selawik Semibold" panose="020B0702040204020203" pitchFamily="34" charset="0"/>
+              </a:rPr>
+              <a:t>)</a:t>
             </a:r>
           </a:p>
           <a:p>
@@ -11963,7 +12039,7 @@
               <a:rPr lang="en-US" sz="2000" dirty="0">
                 <a:latin typeface="Selawik Semibold" panose="020B0702040204020203" pitchFamily="34" charset="0"/>
               </a:rPr>
-              <a:t>Associate (Intern), Milwaukee Brewers</a:t>
+              <a:t>Senior Data Scientist, Edmonton Oilers</a:t>
             </a:r>
           </a:p>
           <a:p>
@@ -11972,17 +12048,44 @@
               <a:rPr lang="en-US" sz="1600" dirty="0">
                 <a:latin typeface="Selawik Semibold" panose="020B0702040204020203" pitchFamily="34" charset="0"/>
               </a:rPr>
-              <a:t>Baseball Research and Development</a:t>
+              <a:t>Cloud Platforms and Databricks</a:t>
             </a:r>
           </a:p>
           <a:p>
             <a:pPr lvl="2"/>
             <a:r>
+              <a:rPr lang="en-US" sz="1600" dirty="0" err="1">
+                <a:latin typeface="Selawik Semibold" panose="020B0702040204020203" pitchFamily="34" charset="0"/>
+              </a:rPr>
+              <a:t>MLOps</a:t>
+            </a:r>
+            <a:r>
               <a:rPr lang="en-US" sz="1600" dirty="0">
                 <a:latin typeface="Selawik Semibold" panose="020B0702040204020203" pitchFamily="34" charset="0"/>
               </a:rPr>
-              <a:t>Develop Visuals and Other for Disseminating Analytical Results</a:t>
-            </a:r>
+              <a:t>/</a:t>
+            </a:r>
+            <a:r>
+              <a:rPr lang="en-US" sz="1600" dirty="0" err="1">
+                <a:latin typeface="Selawik Semibold" panose="020B0702040204020203" pitchFamily="34" charset="0"/>
+              </a:rPr>
+              <a:t>ModelOps</a:t>
+            </a:r>
+            <a:r>
+              <a:rPr lang="en-US" sz="1600" dirty="0">
+                <a:latin typeface="Selawik Semibold" panose="020B0702040204020203" pitchFamily="34" charset="0"/>
+              </a:rPr>
+              <a:t>, Use </a:t>
+            </a:r>
+            <a:r>
+              <a:rPr lang="en-US" sz="1600" dirty="0" err="1">
+                <a:latin typeface="Selawik Semibold" panose="020B0702040204020203" pitchFamily="34" charset="0"/>
+              </a:rPr>
+              <a:t>MLFlow</a:t>
+            </a:r>
+            <a:endParaRPr lang="en-US" sz="1600" dirty="0">
+              <a:latin typeface="Selawik Semibold" panose="020B0702040204020203" pitchFamily="34" charset="0"/>
+            </a:endParaRPr>
           </a:p>
           <a:p>
             <a:pPr lvl="2"/>
@@ -11990,7 +12093,7 @@
               <a:rPr lang="en-US" sz="1600" dirty="0">
                 <a:latin typeface="Selawik Semibold" panose="020B0702040204020203" pitchFamily="34" charset="0"/>
               </a:rPr>
-              <a:t>BS or Working on BS in STEM</a:t>
+              <a:t>Bachelors in Quantitative Field and 5+ Years Experience. </a:t>
             </a:r>
           </a:p>
           <a:p>
@@ -12000,65 +12103,74 @@
             </a:endParaRPr>
           </a:p>
           <a:p>
+            <a:pPr lvl="1"/>
+            <a:r>
+              <a:rPr lang="en-US" sz="2000" dirty="0">
+                <a:latin typeface="Selawik Semibold" panose="020B0702040204020203" pitchFamily="34" charset="0"/>
+              </a:rPr>
+              <a:t>Director of Data Science, Real Salt Lake</a:t>
+            </a:r>
+          </a:p>
+          <a:p>
+            <a:pPr lvl="2"/>
+            <a:r>
+              <a:rPr lang="en-US" sz="1600" dirty="0">
+                <a:latin typeface="Selawik Semibold" panose="020B0702040204020203" pitchFamily="34" charset="0"/>
+              </a:rPr>
+              <a:t>Oversee All Sport Science (GPS, Heart Rate, Force Plates, etc.)</a:t>
+            </a:r>
+          </a:p>
+          <a:p>
+            <a:pPr lvl="2"/>
+            <a:r>
+              <a:rPr lang="en-US" sz="1600" dirty="0">
+                <a:latin typeface="Selawik Semibold" panose="020B0702040204020203" pitchFamily="34" charset="0"/>
+              </a:rPr>
+              <a:t>Dashboard Development</a:t>
+            </a:r>
+          </a:p>
+          <a:p>
+            <a:pPr lvl="2"/>
+            <a:r>
+              <a:rPr lang="en-US" sz="1600" dirty="0">
+                <a:latin typeface="Selawik Semibold" panose="020B0702040204020203" pitchFamily="34" charset="0"/>
+              </a:rPr>
+              <a:t>Communication of Complex Data</a:t>
+            </a:r>
+          </a:p>
+          <a:p>
+            <a:pPr lvl="2"/>
+            <a:r>
+              <a:rPr lang="en-US" sz="1600" dirty="0">
+                <a:latin typeface="Selawik Semibold" panose="020B0702040204020203" pitchFamily="34" charset="0"/>
+              </a:rPr>
+              <a:t>Bachelors Degree in Exercise Science, Data Science, etc. </a:t>
+            </a:r>
+          </a:p>
+          <a:p>
+            <a:pPr lvl="2"/>
+            <a:r>
+              <a:rPr lang="en-US" sz="1600" dirty="0">
+                <a:latin typeface="Selawik Semibold" panose="020B0702040204020203" pitchFamily="34" charset="0"/>
+              </a:rPr>
+              <a:t>Proficiency in R, Python, SQL, Power BI, Tableau</a:t>
+            </a:r>
+          </a:p>
+          <a:p>
+            <a:pPr lvl="2"/>
+            <a:endParaRPr lang="en-US" sz="1600" dirty="0">
+              <a:latin typeface="Selawik Semibold" panose="020B0702040204020203" pitchFamily="34" charset="0"/>
+            </a:endParaRPr>
+          </a:p>
+          <a:p>
             <a:pPr lvl="2"/>
             <a:endParaRPr lang="en-US" sz="1400" dirty="0">
               <a:latin typeface="Selawik Semibold" panose="020B0702040204020203" pitchFamily="34" charset="0"/>
             </a:endParaRPr>
           </a:p>
           <a:p>
-            <a:pPr lvl="1"/>
-            <a:r>
-              <a:rPr lang="en-US" sz="2000" dirty="0">
-                <a:latin typeface="Selawik Semibold" panose="020B0702040204020203" pitchFamily="34" charset="0"/>
-              </a:rPr>
-              <a:t>Analyst, Minnesota Twins</a:t>
-            </a:r>
-          </a:p>
-          <a:p>
             <a:pPr lvl="2"/>
-            <a:r>
-              <a:rPr lang="en-US" sz="1600" dirty="0">
-                <a:latin typeface="Selawik Semibold" panose="020B0702040204020203" pitchFamily="34" charset="0"/>
-              </a:rPr>
-              <a:t>Advanced Scouting</a:t>
-            </a:r>
-          </a:p>
-          <a:p>
-            <a:pPr lvl="2"/>
-            <a:r>
-              <a:rPr lang="en-US" sz="1600" dirty="0">
-                <a:latin typeface="Selawik Semibold" panose="020B0702040204020203" pitchFamily="34" charset="0"/>
-              </a:rPr>
-              <a:t>Travel with Team</a:t>
-            </a:r>
-          </a:p>
-          <a:p>
-            <a:pPr lvl="2"/>
-            <a:r>
-              <a:rPr lang="en-US" sz="1600" dirty="0">
-                <a:latin typeface="Selawik Semibold" panose="020B0702040204020203" pitchFamily="34" charset="0"/>
-              </a:rPr>
-              <a:t>In-Game Strategy</a:t>
-            </a:r>
-          </a:p>
-          <a:p>
-            <a:pPr lvl="2"/>
-            <a:r>
-              <a:rPr lang="en-US" sz="1600" dirty="0">
-                <a:latin typeface="Selawik Semibold" panose="020B0702040204020203" pitchFamily="34" charset="0"/>
-              </a:rPr>
-              <a:t>R, Python, MATLAB, Julia, STAN,</a:t>
-            </a:r>
-          </a:p>
-          <a:p>
-            <a:pPr lvl="2"/>
-            <a:r>
-              <a:rPr lang="en-US" sz="1600">
-                <a:latin typeface="Selawik Semibold" panose="020B0702040204020203" pitchFamily="34" charset="0"/>
-              </a:rPr>
-              <a:t>SQL</a:t>
-            </a:r>
-            <a:endParaRPr lang="en-US" sz="1600" dirty="0">
+            <a:endParaRPr lang="en-US" sz="1800" dirty="0">
               <a:latin typeface="Selawik Semibold" panose="020B0702040204020203" pitchFamily="34" charset="0"/>
             </a:endParaRPr>
           </a:p>
@@ -12098,7 +12210,7 @@
           <p:cNvPr id="4" name="Picture 3" descr="A drawing of a cartoon character&#10;&#10;Description automatically generated">
             <a:extLst>
               <a:ext uri="{FF2B5EF4-FFF2-40B4-BE49-F238E27FC236}">
-                <a16:creationId xmlns:a16="http://schemas.microsoft.com/office/drawing/2014/main" id="{FF20F7C3-E3F9-DD0F-CE7C-3D132FAB3910}"/>
+                <a16:creationId xmlns:a16="http://schemas.microsoft.com/office/drawing/2014/main" id="{005348E4-7C45-273D-D0C2-6DEFF331DEF9}"/>
               </a:ext>
             </a:extLst>
           </p:cNvPr>
@@ -12176,7 +12288,7 @@
           <p:cNvPr id="5" name="Content Placeholder 4" descr="A picture containing indoor&#10;&#10;Description automatically generated">
             <a:extLst>
               <a:ext uri="{FF2B5EF4-FFF2-40B4-BE49-F238E27FC236}">
-                <a16:creationId xmlns:a16="http://schemas.microsoft.com/office/drawing/2014/main" id="{A0BB78B5-BCC2-77F1-36E1-D238B71899C0}"/>
+                <a16:creationId xmlns:a16="http://schemas.microsoft.com/office/drawing/2014/main" id="{B71AA3C4-6D4D-27BE-CE63-E425B1CFB6CF}"/>
               </a:ext>
             </a:extLst>
           </p:cNvPr>
@@ -12270,7 +12382,7 @@
           <p:cNvPr id="6" name="Rectangle 5">
             <a:extLst>
               <a:ext uri="{FF2B5EF4-FFF2-40B4-BE49-F238E27FC236}">
-                <a16:creationId xmlns:a16="http://schemas.microsoft.com/office/drawing/2014/main" id="{5C7503A5-FF60-2541-4970-4B1B42C8528D}"/>
+                <a16:creationId xmlns:a16="http://schemas.microsoft.com/office/drawing/2014/main" id="{395608FB-D971-8870-6C5A-6A7E3647F4D2}"/>
               </a:ext>
             </a:extLst>
           </p:cNvPr>
@@ -12326,7 +12438,7 @@
           <p:cNvPr id="15" name="Rectangle 14">
             <a:extLst>
               <a:ext uri="{FF2B5EF4-FFF2-40B4-BE49-F238E27FC236}">
-                <a16:creationId xmlns:a16="http://schemas.microsoft.com/office/drawing/2014/main" id="{E6530C08-A1E0-D6DB-26AA-21AC91CD14B1}"/>
+                <a16:creationId xmlns:a16="http://schemas.microsoft.com/office/drawing/2014/main" id="{D6D68F07-2CBF-E115-7812-660554F84ABC}"/>
               </a:ext>
             </a:extLst>
           </p:cNvPr>
@@ -12382,7 +12494,7 @@
           <p:cNvPr id="16" name="Rectangle 15">
             <a:extLst>
               <a:ext uri="{FF2B5EF4-FFF2-40B4-BE49-F238E27FC236}">
-                <a16:creationId xmlns:a16="http://schemas.microsoft.com/office/drawing/2014/main" id="{5D2C1E6A-F581-B80F-8557-40819F3E7E89}"/>
+                <a16:creationId xmlns:a16="http://schemas.microsoft.com/office/drawing/2014/main" id="{4F76DF93-6CDD-592A-686C-DB11954C657B}"/>
               </a:ext>
             </a:extLst>
           </p:cNvPr>
@@ -12436,7 +12548,7 @@
     </p:spTree>
     <p:extLst>
       <p:ext uri="{BB962C8B-B14F-4D97-AF65-F5344CB8AC3E}">
-        <p14:creationId xmlns:p14="http://schemas.microsoft.com/office/powerpoint/2010/main" val="1731676775"/>
+        <p14:creationId xmlns:p14="http://schemas.microsoft.com/office/powerpoint/2010/main" val="2520991182"/>
       </p:ext>
     </p:extLst>
   </p:cSld>
@@ -12459,7 +12571,13 @@
     </p:bg>
     <p:spTree>
       <p:nvGrpSpPr>
-        <p:cNvPr id="1" name=""/>
+        <p:cNvPr id="1" name="">
+          <a:extLst>
+            <a:ext uri="{FF2B5EF4-FFF2-40B4-BE49-F238E27FC236}">
+              <a16:creationId xmlns:a16="http://schemas.microsoft.com/office/drawing/2014/main" id="{3E44212E-E139-9CEB-9D02-EFEAEEF2A043}"/>
+            </a:ext>
+          </a:extLst>
+        </p:cNvPr>
         <p:cNvGrpSpPr/>
         <p:nvPr/>
       </p:nvGrpSpPr>
@@ -12476,7 +12594,7 @@
           <p:cNvPr id="25" name="Rectangle 24">
             <a:extLst>
               <a:ext uri="{FF2B5EF4-FFF2-40B4-BE49-F238E27FC236}">
-                <a16:creationId xmlns:a16="http://schemas.microsoft.com/office/drawing/2014/main" id="{A6792F05-2FD4-4F18-815E-15391E8B4A0E}"/>
+                <a16:creationId xmlns:a16="http://schemas.microsoft.com/office/drawing/2014/main" id="{090552E3-844E-4591-7F96-EEDCF5431D54}"/>
               </a:ext>
               <a:ext uri="{C183D7F6-B498-43B3-948B-1728B52AA6E4}">
                 <adec:decorative xmlns:adec="http://schemas.microsoft.com/office/drawing/2017/decorative" val="1"/>
@@ -12539,7 +12657,7 @@
           <p:cNvPr id="2" name="Title 1">
             <a:extLst>
               <a:ext uri="{FF2B5EF4-FFF2-40B4-BE49-F238E27FC236}">
-                <a16:creationId xmlns:a16="http://schemas.microsoft.com/office/drawing/2014/main" id="{2589AFCC-0FF0-498C-B11F-8990DF0DAAA5}"/>
+                <a16:creationId xmlns:a16="http://schemas.microsoft.com/office/drawing/2014/main" id="{DA812892-98DD-8EC8-4CA6-2EAAF5B51A29}"/>
               </a:ext>
             </a:extLst>
           </p:cNvPr>
@@ -12576,7 +12694,7 @@
           <p:cNvPr id="9" name="Content Placeholder 8">
             <a:extLst>
               <a:ext uri="{FF2B5EF4-FFF2-40B4-BE49-F238E27FC236}">
-                <a16:creationId xmlns:a16="http://schemas.microsoft.com/office/drawing/2014/main" id="{2D995594-59F2-4020-AB6F-751BAE84ADB3}"/>
+                <a16:creationId xmlns:a16="http://schemas.microsoft.com/office/drawing/2014/main" id="{0C9B6A3A-727B-9553-0613-FFDBA292658B}"/>
               </a:ext>
             </a:extLst>
           </p:cNvPr>
@@ -12590,7 +12708,7 @@
         <p:spPr>
           <a:xfrm>
             <a:off x="838199" y="2021248"/>
-            <a:ext cx="7460294" cy="4695905"/>
+            <a:ext cx="8107018" cy="4695905"/>
           </a:xfrm>
         </p:spPr>
         <p:txBody>
@@ -12603,14 +12721,26 @@
               <a:rPr lang="en-US" sz="2400" dirty="0">
                 <a:latin typeface="Selawik Semibold" panose="020B0702040204020203" pitchFamily="34" charset="0"/>
               </a:rPr>
-              <a:t>Conferences </a:t>
+              <a:t>Real Jobs (</a:t>
+            </a:r>
+            <a:r>
+              <a:rPr lang="en-US" sz="2400" dirty="0" err="1">
+                <a:latin typeface="Selawik Semibold" panose="020B0702040204020203" pitchFamily="34" charset="0"/>
+              </a:rPr>
+              <a:t>TeamworkOnline</a:t>
+            </a:r>
+            <a:r>
+              <a:rPr lang="en-US" sz="2400" dirty="0">
+                <a:latin typeface="Selawik Semibold" panose="020B0702040204020203" pitchFamily="34" charset="0"/>
+              </a:rPr>
+              <a:t>)</a:t>
             </a:r>
           </a:p>
           <a:p>
             <a:pPr marL="0" indent="0">
               <a:buNone/>
             </a:pPr>
-            <a:endParaRPr lang="en-US" sz="1100" dirty="0">
+            <a:endParaRPr lang="en-US" sz="2400" dirty="0">
               <a:latin typeface="Selawik Semibold" panose="020B0702040204020203" pitchFamily="34" charset="0"/>
             </a:endParaRPr>
           </a:p>
@@ -12620,8 +12750,32 @@
               <a:rPr lang="en-US" sz="2000" dirty="0">
                 <a:latin typeface="Selawik Semibold" panose="020B0702040204020203" pitchFamily="34" charset="0"/>
               </a:rPr>
-              <a:t>MIT Sloan (March)</a:t>
-            </a:r>
+              <a:t>Data Scientist Fellow, Baltimore Orioles</a:t>
+            </a:r>
+          </a:p>
+          <a:p>
+            <a:pPr lvl="2"/>
+            <a:r>
+              <a:rPr lang="en-US" sz="1600" dirty="0">
+                <a:latin typeface="Selawik Semibold" panose="020B0702040204020203" pitchFamily="34" charset="0"/>
+              </a:rPr>
+              <a:t>Entry Level</a:t>
+            </a:r>
+          </a:p>
+          <a:p>
+            <a:pPr lvl="2"/>
+            <a:r>
+              <a:rPr lang="en-US" sz="1600" dirty="0">
+                <a:latin typeface="Selawik Semibold" panose="020B0702040204020203" pitchFamily="34" charset="0"/>
+              </a:rPr>
+              <a:t>SQL, R/Python, Statistical Analyses</a:t>
+            </a:r>
+          </a:p>
+          <a:p>
+            <a:pPr lvl="2"/>
+            <a:endParaRPr lang="en-US" sz="1600" dirty="0">
+              <a:latin typeface="Selawik Semibold" panose="020B0702040204020203" pitchFamily="34" charset="0"/>
+            </a:endParaRPr>
           </a:p>
           <a:p>
             <a:pPr lvl="1"/>
@@ -12629,8 +12783,41 @@
               <a:rPr lang="en-US" sz="2000" dirty="0">
                 <a:latin typeface="Selawik Semibold" panose="020B0702040204020203" pitchFamily="34" charset="0"/>
               </a:rPr>
-              <a:t>International Sports Analytics Conference (July)</a:t>
-            </a:r>
+              <a:t>Data Analytics Intern, Riddell</a:t>
+            </a:r>
+          </a:p>
+          <a:p>
+            <a:pPr lvl="2"/>
+            <a:r>
+              <a:rPr lang="en-US" sz="1600" dirty="0">
+                <a:latin typeface="Selawik Semibold" panose="020B0702040204020203" pitchFamily="34" charset="0"/>
+              </a:rPr>
+              <a:t>Entry Level</a:t>
+            </a:r>
+          </a:p>
+          <a:p>
+            <a:pPr lvl="2"/>
+            <a:r>
+              <a:rPr lang="en-US" sz="1600" dirty="0">
+                <a:latin typeface="Selawik Semibold" panose="020B0702040204020203" pitchFamily="34" charset="0"/>
+              </a:rPr>
+              <a:t>Working on Degree in STEM</a:t>
+            </a:r>
+          </a:p>
+          <a:p>
+            <a:pPr lvl="2"/>
+            <a:r>
+              <a:rPr lang="en-US" sz="1600" dirty="0">
+                <a:latin typeface="Selawik Semibold" panose="020B0702040204020203" pitchFamily="34" charset="0"/>
+              </a:rPr>
+              <a:t>SQL, Python, R, Power BI, Looker, Tableau</a:t>
+            </a:r>
+          </a:p>
+          <a:p>
+            <a:pPr lvl="2"/>
+            <a:endParaRPr lang="en-US" sz="1600" dirty="0">
+              <a:latin typeface="Selawik Semibold" panose="020B0702040204020203" pitchFamily="34" charset="0"/>
+            </a:endParaRPr>
           </a:p>
           <a:p>
             <a:pPr lvl="1"/>
@@ -12638,62 +12825,44 @@
               <a:rPr lang="en-US" sz="2000" dirty="0">
                 <a:latin typeface="Selawik Semibold" panose="020B0702040204020203" pitchFamily="34" charset="0"/>
               </a:rPr>
-              <a:t>UConn Sports Analytics Symposium (April)</a:t>
-            </a:r>
-          </a:p>
-          <a:p>
-            <a:pPr lvl="1"/>
-            <a:r>
-              <a:rPr lang="en-US" sz="2000" dirty="0">
-                <a:latin typeface="Selawik Semibold" panose="020B0702040204020203" pitchFamily="34" charset="0"/>
-              </a:rPr>
-              <a:t>OSU Sports Analytics Conference (April)</a:t>
-            </a:r>
-          </a:p>
-          <a:p>
-            <a:pPr lvl="1"/>
-            <a:r>
-              <a:rPr lang="en-US" sz="2000" dirty="0">
-                <a:latin typeface="Selawik Semibold" panose="020B0702040204020203" pitchFamily="34" charset="0"/>
-              </a:rPr>
-              <a:t>Carnegie Mellon Sports Analytics Conference (?)</a:t>
-            </a:r>
-          </a:p>
-          <a:p>
-            <a:pPr lvl="1"/>
-            <a:r>
-              <a:rPr lang="en-US" sz="2000" dirty="0">
-                <a:latin typeface="Selawik Semibold" panose="020B0702040204020203" pitchFamily="34" charset="0"/>
-              </a:rPr>
-              <a:t>New England Symposium on Stat. in Sports (2025)</a:t>
-            </a:r>
-          </a:p>
-          <a:p>
-            <a:pPr lvl="1"/>
-            <a:r>
-              <a:rPr lang="en-US" sz="2000" dirty="0">
-                <a:latin typeface="Selawik Semibold" panose="020B0702040204020203" pitchFamily="34" charset="0"/>
-              </a:rPr>
-              <a:t>Great Lakes Data and Analytics (April)</a:t>
-            </a:r>
-          </a:p>
-          <a:p>
-            <a:pPr lvl="1"/>
-            <a:r>
-              <a:rPr lang="en-US" sz="2000" dirty="0">
-                <a:latin typeface="Selawik Semibold" panose="020B0702040204020203" pitchFamily="34" charset="0"/>
-              </a:rPr>
-              <a:t>International Conference on Sports Analytics and Data Visualization (August)</a:t>
-            </a:r>
-          </a:p>
-          <a:p>
-            <a:pPr lvl="1"/>
-            <a:r>
-              <a:rPr lang="en-US" sz="2000" dirty="0">
-                <a:latin typeface="Selawik Semibold" panose="020B0702040204020203" pitchFamily="34" charset="0"/>
-              </a:rPr>
-              <a:t>More International Conferences (See Link on Website)</a:t>
-            </a:r>
+              <a:t>Data Quality and Reporting, USA Baseball</a:t>
+            </a:r>
+          </a:p>
+          <a:p>
+            <a:pPr lvl="2"/>
+            <a:r>
+              <a:rPr lang="en-US" sz="1600" dirty="0">
+                <a:latin typeface="Selawik Semibold" panose="020B0702040204020203" pitchFamily="34" charset="0"/>
+              </a:rPr>
+              <a:t>Entry Level and Located in Cary</a:t>
+            </a:r>
+          </a:p>
+          <a:p>
+            <a:pPr lvl="2"/>
+            <a:r>
+              <a:rPr lang="en-US" sz="1600" dirty="0">
+                <a:latin typeface="Selawik Semibold" panose="020B0702040204020203" pitchFamily="34" charset="0"/>
+              </a:rPr>
+              <a:t>R, SQL and Familiarity with Baseball Technologies</a:t>
+            </a:r>
+          </a:p>
+          <a:p>
+            <a:pPr lvl="2"/>
+            <a:endParaRPr lang="en-US" sz="1600" dirty="0">
+              <a:latin typeface="Selawik Semibold" panose="020B0702040204020203" pitchFamily="34" charset="0"/>
+            </a:endParaRPr>
+          </a:p>
+          <a:p>
+            <a:pPr lvl="2"/>
+            <a:endParaRPr lang="en-US" sz="1600" dirty="0">
+              <a:latin typeface="Selawik Semibold" panose="020B0702040204020203" pitchFamily="34" charset="0"/>
+            </a:endParaRPr>
+          </a:p>
+          <a:p>
+            <a:pPr lvl="2"/>
+            <a:endParaRPr lang="en-US" sz="1400" dirty="0">
+              <a:latin typeface="Selawik Semibold" panose="020B0702040204020203" pitchFamily="34" charset="0"/>
+            </a:endParaRPr>
           </a:p>
           <a:p>
             <a:pPr lvl="2"/>
@@ -12701,6 +12870,35 @@
               <a:latin typeface="Selawik Semibold" panose="020B0702040204020203" pitchFamily="34" charset="0"/>
             </a:endParaRPr>
           </a:p>
+          <a:p>
+            <a:pPr lvl="2"/>
+            <a:endParaRPr lang="en-US" sz="1600" dirty="0">
+              <a:latin typeface="Selawik Semibold" panose="020B0702040204020203" pitchFamily="34" charset="0"/>
+            </a:endParaRPr>
+          </a:p>
+          <a:p>
+            <a:endParaRPr lang="en-US" sz="2400" dirty="0">
+              <a:latin typeface="Selawik Semibold" panose="020B0702040204020203" pitchFamily="34" charset="0"/>
+            </a:endParaRPr>
+          </a:p>
+          <a:p>
+            <a:pPr lvl="1"/>
+            <a:endParaRPr lang="en-US" sz="2000" dirty="0">
+              <a:latin typeface="Selawik Semibold" panose="020B0702040204020203" pitchFamily="34" charset="0"/>
+            </a:endParaRPr>
+          </a:p>
+          <a:p>
+            <a:pPr lvl="2"/>
+            <a:endParaRPr lang="en-US" sz="1800" dirty="0">
+              <a:latin typeface="Selawik Semibold" panose="020B0702040204020203" pitchFamily="34" charset="0"/>
+            </a:endParaRPr>
+          </a:p>
+          <a:p>
+            <a:pPr lvl="1"/>
+            <a:endParaRPr lang="en-US" sz="2200" dirty="0">
+              <a:latin typeface="Selawik Semibold" panose="020B0702040204020203" pitchFamily="34" charset="0"/>
+            </a:endParaRPr>
+          </a:p>
         </p:txBody>
       </p:sp>
       <p:pic>
@@ -12708,7 +12906,7 @@
           <p:cNvPr id="4" name="Picture 3" descr="A drawing of a cartoon character&#10;&#10;Description automatically generated">
             <a:extLst>
               <a:ext uri="{FF2B5EF4-FFF2-40B4-BE49-F238E27FC236}">
-                <a16:creationId xmlns:a16="http://schemas.microsoft.com/office/drawing/2014/main" id="{A7FDC859-D890-4904-9C64-27F43DA90453}"/>
+                <a16:creationId xmlns:a16="http://schemas.microsoft.com/office/drawing/2014/main" id="{CC4F1728-50E9-4414-18D2-60BD1E578449}"/>
               </a:ext>
             </a:extLst>
           </p:cNvPr>
@@ -12786,7 +12984,7 @@
           <p:cNvPr id="5" name="Content Placeholder 4" descr="A picture containing indoor&#10;&#10;Description automatically generated">
             <a:extLst>
               <a:ext uri="{FF2B5EF4-FFF2-40B4-BE49-F238E27FC236}">
-                <a16:creationId xmlns:a16="http://schemas.microsoft.com/office/drawing/2014/main" id="{A58F0E55-21F3-485B-A07F-1CE74177BDD2}"/>
+                <a16:creationId xmlns:a16="http://schemas.microsoft.com/office/drawing/2014/main" id="{7DD6BDAA-212A-70C7-7E66-E85C20C6DF6A}"/>
               </a:ext>
             </a:extLst>
           </p:cNvPr>
@@ -12880,7 +13078,7 @@
           <p:cNvPr id="6" name="Rectangle 5">
             <a:extLst>
               <a:ext uri="{FF2B5EF4-FFF2-40B4-BE49-F238E27FC236}">
-                <a16:creationId xmlns:a16="http://schemas.microsoft.com/office/drawing/2014/main" id="{A2901312-C3C2-4CEC-80EF-823AB4FBB726}"/>
+                <a16:creationId xmlns:a16="http://schemas.microsoft.com/office/drawing/2014/main" id="{01166BCB-9689-F6A0-AA5D-461641227738}"/>
               </a:ext>
             </a:extLst>
           </p:cNvPr>
@@ -12936,7 +13134,7 @@
           <p:cNvPr id="15" name="Rectangle 14">
             <a:extLst>
               <a:ext uri="{FF2B5EF4-FFF2-40B4-BE49-F238E27FC236}">
-                <a16:creationId xmlns:a16="http://schemas.microsoft.com/office/drawing/2014/main" id="{AD0A7C9C-CA2C-4B9B-A125-2D09D5573B44}"/>
+                <a16:creationId xmlns:a16="http://schemas.microsoft.com/office/drawing/2014/main" id="{4CD99E28-21EE-87FE-786C-66522D6FA297}"/>
               </a:ext>
             </a:extLst>
           </p:cNvPr>
@@ -12992,7 +13190,7 @@
           <p:cNvPr id="16" name="Rectangle 15">
             <a:extLst>
               <a:ext uri="{FF2B5EF4-FFF2-40B4-BE49-F238E27FC236}">
-                <a16:creationId xmlns:a16="http://schemas.microsoft.com/office/drawing/2014/main" id="{74A085FC-1866-46D4-97F7-51AA45E48D4F}"/>
+                <a16:creationId xmlns:a16="http://schemas.microsoft.com/office/drawing/2014/main" id="{686AEE5E-E133-A1BA-8F21-D2AB02F0A441}"/>
               </a:ext>
             </a:extLst>
           </p:cNvPr>
@@ -13046,6 +13244,616 @@
     </p:spTree>
     <p:extLst>
       <p:ext uri="{BB962C8B-B14F-4D97-AF65-F5344CB8AC3E}">
+        <p14:creationId xmlns:p14="http://schemas.microsoft.com/office/powerpoint/2010/main" val="2220896219"/>
+      </p:ext>
+    </p:extLst>
+  </p:cSld>
+  <p:clrMapOvr>
+    <a:overrideClrMapping bg1="dk1" tx1="lt1" bg2="dk2" tx2="lt2" accent1="accent1" accent2="accent2" accent3="accent3" accent4="accent4" accent5="accent5" accent6="accent6" hlink="hlink" folHlink="folHlink"/>
+  </p:clrMapOvr>
+</p:sld>
+</file>
+
+<file path=ppt/slides/slide23.xml><?xml version="1.0" encoding="utf-8"?>
+<p:sld xmlns:a="http://schemas.openxmlformats.org/drawingml/2006/main" xmlns:r="http://schemas.openxmlformats.org/officeDocument/2006/relationships" xmlns:p="http://schemas.openxmlformats.org/presentationml/2006/main">
+  <p:cSld>
+    <p:bg>
+      <p:bgPr>
+        <a:solidFill>
+          <a:srgbClr val="395583"/>
+        </a:solidFill>
+        <a:effectLst/>
+      </p:bgPr>
+    </p:bg>
+    <p:spTree>
+      <p:nvGrpSpPr>
+        <p:cNvPr id="1" name=""/>
+        <p:cNvGrpSpPr/>
+        <p:nvPr/>
+      </p:nvGrpSpPr>
+      <p:grpSpPr>
+        <a:xfrm>
+          <a:off x="0" y="0"/>
+          <a:ext cx="0" cy="0"/>
+          <a:chOff x="0" y="0"/>
+          <a:chExt cx="0" cy="0"/>
+        </a:xfrm>
+      </p:grpSpPr>
+      <p:sp>
+        <p:nvSpPr>
+          <p:cNvPr id="25" name="Rectangle 24">
+            <a:extLst>
+              <a:ext uri="{FF2B5EF4-FFF2-40B4-BE49-F238E27FC236}">
+                <a16:creationId xmlns:a16="http://schemas.microsoft.com/office/drawing/2014/main" id="{A6792F05-2FD4-4F18-815E-15391E8B4A0E}"/>
+              </a:ext>
+              <a:ext uri="{C183D7F6-B498-43B3-948B-1728B52AA6E4}">
+                <adec:decorative xmlns:adec="http://schemas.microsoft.com/office/drawing/2017/decorative" val="1"/>
+              </a:ext>
+            </a:extLst>
+          </p:cNvPr>
+          <p:cNvSpPr>
+            <a:spLocks noGrp="1" noRot="1" noChangeAspect="1" noMove="1" noResize="1" noEditPoints="1" noAdjustHandles="1" noChangeArrowheads="1" noChangeShapeType="1" noTextEdit="1"/>
+          </p:cNvSpPr>
+          <p:nvPr>
+            <p:extLst>
+              <p:ext uri="{386F3935-93C4-4BCD-93E2-E3B085C9AB24}">
+                <p16:designElem xmlns:p16="http://schemas.microsoft.com/office/powerpoint/2015/main" val="1"/>
+              </p:ext>
+            </p:extLst>
+          </p:nvPr>
+        </p:nvSpPr>
+        <p:spPr>
+          <a:xfrm>
+            <a:off x="0" y="0"/>
+            <a:ext cx="12191999" cy="6858000"/>
+          </a:xfrm>
+          <a:prstGeom prst="rect">
+            <a:avLst/>
+          </a:prstGeom>
+          <a:solidFill>
+            <a:srgbClr val="395583"/>
+          </a:solidFill>
+          <a:ln>
+            <a:noFill/>
+          </a:ln>
+        </p:spPr>
+        <p:style>
+          <a:lnRef idx="2">
+            <a:schemeClr val="accent1">
+              <a:shade val="50000"/>
+            </a:schemeClr>
+          </a:lnRef>
+          <a:fillRef idx="1">
+            <a:schemeClr val="accent1"/>
+          </a:fillRef>
+          <a:effectRef idx="0">
+            <a:schemeClr val="accent1"/>
+          </a:effectRef>
+          <a:fontRef idx="minor">
+            <a:schemeClr val="lt1"/>
+          </a:fontRef>
+        </p:style>
+        <p:txBody>
+          <a:bodyPr rtlCol="0" anchor="ctr"/>
+          <a:lstStyle/>
+          <a:p>
+            <a:pPr algn="ctr"/>
+            <a:endParaRPr lang="en-US"/>
+          </a:p>
+        </p:txBody>
+      </p:sp>
+      <p:sp>
+        <p:nvSpPr>
+          <p:cNvPr id="2" name="Title 1">
+            <a:extLst>
+              <a:ext uri="{FF2B5EF4-FFF2-40B4-BE49-F238E27FC236}">
+                <a16:creationId xmlns:a16="http://schemas.microsoft.com/office/drawing/2014/main" id="{2589AFCC-0FF0-498C-B11F-8990DF0DAAA5}"/>
+              </a:ext>
+            </a:extLst>
+          </p:cNvPr>
+          <p:cNvSpPr>
+            <a:spLocks noGrp="1"/>
+          </p:cNvSpPr>
+          <p:nvPr>
+            <p:ph type="title"/>
+          </p:nvPr>
+        </p:nvSpPr>
+        <p:spPr>
+          <a:xfrm>
+            <a:off x="838200" y="365125"/>
+            <a:ext cx="10515600" cy="1325563"/>
+          </a:xfrm>
+        </p:spPr>
+        <p:txBody>
+          <a:bodyPr>
+            <a:normAutofit/>
+          </a:bodyPr>
+          <a:lstStyle/>
+          <a:p>
+            <a:r>
+              <a:rPr lang="en-US" b="1" dirty="0">
+                <a:latin typeface="Selawik Semibold" panose="020B0604020202020204" pitchFamily="34" charset="0"/>
+              </a:rPr>
+              <a:t>Your Industry Future</a:t>
+            </a:r>
+          </a:p>
+        </p:txBody>
+      </p:sp>
+      <p:sp>
+        <p:nvSpPr>
+          <p:cNvPr id="9" name="Content Placeholder 8">
+            <a:extLst>
+              <a:ext uri="{FF2B5EF4-FFF2-40B4-BE49-F238E27FC236}">
+                <a16:creationId xmlns:a16="http://schemas.microsoft.com/office/drawing/2014/main" id="{2D995594-59F2-4020-AB6F-751BAE84ADB3}"/>
+              </a:ext>
+            </a:extLst>
+          </p:cNvPr>
+          <p:cNvSpPr>
+            <a:spLocks noGrp="1"/>
+          </p:cNvSpPr>
+          <p:nvPr>
+            <p:ph idx="1"/>
+          </p:nvPr>
+        </p:nvSpPr>
+        <p:spPr>
+          <a:xfrm>
+            <a:off x="838199" y="2021248"/>
+            <a:ext cx="7460294" cy="4695905"/>
+          </a:xfrm>
+        </p:spPr>
+        <p:txBody>
+          <a:bodyPr>
+            <a:normAutofit/>
+          </a:bodyPr>
+          <a:lstStyle/>
+          <a:p>
+            <a:r>
+              <a:rPr lang="en-US" sz="2400" dirty="0">
+                <a:latin typeface="Selawik Semibold" panose="020B0702040204020203" pitchFamily="34" charset="0"/>
+              </a:rPr>
+              <a:t>Conferences </a:t>
+            </a:r>
+          </a:p>
+          <a:p>
+            <a:pPr marL="0" indent="0">
+              <a:buNone/>
+            </a:pPr>
+            <a:endParaRPr lang="en-US" sz="1100" dirty="0">
+              <a:latin typeface="Selawik Semibold" panose="020B0702040204020203" pitchFamily="34" charset="0"/>
+            </a:endParaRPr>
+          </a:p>
+          <a:p>
+            <a:pPr lvl="1"/>
+            <a:r>
+              <a:rPr lang="en-US" sz="2000" dirty="0">
+                <a:latin typeface="Selawik Semibold" panose="020B0702040204020203" pitchFamily="34" charset="0"/>
+              </a:rPr>
+              <a:t>MIT Sloan (March)</a:t>
+            </a:r>
+          </a:p>
+          <a:p>
+            <a:pPr lvl="1"/>
+            <a:r>
+              <a:rPr lang="en-US" sz="2000" dirty="0">
+                <a:latin typeface="Selawik Semibold" panose="020B0702040204020203" pitchFamily="34" charset="0"/>
+              </a:rPr>
+              <a:t>International Sports Analytics Conference (July)</a:t>
+            </a:r>
+          </a:p>
+          <a:p>
+            <a:pPr lvl="1"/>
+            <a:r>
+              <a:rPr lang="en-US" sz="2000" dirty="0">
+                <a:latin typeface="Selawik Semibold" panose="020B0702040204020203" pitchFamily="34" charset="0"/>
+              </a:rPr>
+              <a:t>UConn Sports Analytics Symposium (April)</a:t>
+            </a:r>
+          </a:p>
+          <a:p>
+            <a:pPr lvl="1"/>
+            <a:r>
+              <a:rPr lang="en-US" sz="2000" dirty="0">
+                <a:latin typeface="Selawik Semibold" panose="020B0702040204020203" pitchFamily="34" charset="0"/>
+              </a:rPr>
+              <a:t>OSU Sports Analytics Conference (April)</a:t>
+            </a:r>
+          </a:p>
+          <a:p>
+            <a:pPr lvl="1"/>
+            <a:r>
+              <a:rPr lang="en-US" sz="2000" dirty="0">
+                <a:latin typeface="Selawik Semibold" panose="020B0702040204020203" pitchFamily="34" charset="0"/>
+              </a:rPr>
+              <a:t>Carnegie Mellon Sports Analytics Conference (?)</a:t>
+            </a:r>
+          </a:p>
+          <a:p>
+            <a:pPr lvl="1"/>
+            <a:r>
+              <a:rPr lang="en-US" sz="2000" dirty="0">
+                <a:latin typeface="Selawik Semibold" panose="020B0702040204020203" pitchFamily="34" charset="0"/>
+              </a:rPr>
+              <a:t>New England Symposium on Stat. in Sports (2025)</a:t>
+            </a:r>
+          </a:p>
+          <a:p>
+            <a:pPr lvl="1"/>
+            <a:r>
+              <a:rPr lang="en-US" sz="2000" dirty="0">
+                <a:latin typeface="Selawik Semibold" panose="020B0702040204020203" pitchFamily="34" charset="0"/>
+              </a:rPr>
+              <a:t>Great Lakes Data and Analytics (April)</a:t>
+            </a:r>
+          </a:p>
+          <a:p>
+            <a:pPr lvl="1"/>
+            <a:r>
+              <a:rPr lang="en-US" sz="2000" dirty="0">
+                <a:latin typeface="Selawik Semibold" panose="020B0702040204020203" pitchFamily="34" charset="0"/>
+              </a:rPr>
+              <a:t>International Conference on Sports Analytics and Data Visualization (August)</a:t>
+            </a:r>
+          </a:p>
+          <a:p>
+            <a:pPr lvl="1"/>
+            <a:r>
+              <a:rPr lang="en-US" sz="2000" dirty="0">
+                <a:latin typeface="Selawik Semibold" panose="020B0702040204020203" pitchFamily="34" charset="0"/>
+              </a:rPr>
+              <a:t>More International Conferences (See Link on Website)</a:t>
+            </a:r>
+          </a:p>
+          <a:p>
+            <a:pPr lvl="2"/>
+            <a:endParaRPr lang="en-US" sz="1800" dirty="0">
+              <a:latin typeface="Selawik Semibold" panose="020B0702040204020203" pitchFamily="34" charset="0"/>
+            </a:endParaRPr>
+          </a:p>
+        </p:txBody>
+      </p:sp>
+      <p:pic>
+        <p:nvPicPr>
+          <p:cNvPr id="4" name="Picture 3" descr="A drawing of a cartoon character&#10;&#10;Description automatically generated">
+            <a:extLst>
+              <a:ext uri="{FF2B5EF4-FFF2-40B4-BE49-F238E27FC236}">
+                <a16:creationId xmlns:a16="http://schemas.microsoft.com/office/drawing/2014/main" id="{A7FDC859-D890-4904-9C64-27F43DA90453}"/>
+              </a:ext>
+            </a:extLst>
+          </p:cNvPr>
+          <p:cNvPicPr>
+            <a:picLocks noChangeAspect="1"/>
+          </p:cNvPicPr>
+          <p:nvPr/>
+        </p:nvPicPr>
+        <p:blipFill rotWithShape="1">
+          <a:blip r:embed="rId2">
+            <a:extLst>
+              <a:ext uri="{28A0092B-C50C-407E-A947-70E740481C1C}">
+                <a14:useLocalDpi xmlns:a14="http://schemas.microsoft.com/office/drawing/2010/main" val="0"/>
+              </a:ext>
+            </a:extLst>
+          </a:blip>
+          <a:srcRect t="5616" r="2" b="2"/>
+          <a:stretch/>
+        </p:blipFill>
+        <p:spPr>
+          <a:xfrm>
+            <a:off x="7471144" y="1700078"/>
+            <a:ext cx="4720855" cy="2583792"/>
+          </a:xfrm>
+          <a:custGeom>
+            <a:avLst/>
+            <a:gdLst>
+              <a:gd name="connsiteX0" fmla="*/ 0 w 5475077"/>
+              <a:gd name="connsiteY0" fmla="*/ 0 h 2583792"/>
+              <a:gd name="connsiteX1" fmla="*/ 5475077 w 5475077"/>
+              <a:gd name="connsiteY1" fmla="*/ 0 h 2583792"/>
+              <a:gd name="connsiteX2" fmla="*/ 5475077 w 5475077"/>
+              <a:gd name="connsiteY2" fmla="*/ 2583792 h 2583792"/>
+              <a:gd name="connsiteX3" fmla="*/ 1197192 w 5475077"/>
+              <a:gd name="connsiteY3" fmla="*/ 2583792 h 2583792"/>
+            </a:gdLst>
+            <a:ahLst/>
+            <a:cxnLst>
+              <a:cxn ang="0">
+                <a:pos x="connsiteX0" y="connsiteY0"/>
+              </a:cxn>
+              <a:cxn ang="0">
+                <a:pos x="connsiteX1" y="connsiteY1"/>
+              </a:cxn>
+              <a:cxn ang="0">
+                <a:pos x="connsiteX2" y="connsiteY2"/>
+              </a:cxn>
+              <a:cxn ang="0">
+                <a:pos x="connsiteX3" y="connsiteY3"/>
+              </a:cxn>
+            </a:cxnLst>
+            <a:rect l="l" t="t" r="r" b="b"/>
+            <a:pathLst>
+              <a:path w="5475077" h="2583792">
+                <a:moveTo>
+                  <a:pt x="0" y="0"/>
+                </a:moveTo>
+                <a:lnTo>
+                  <a:pt x="5475077" y="0"/>
+                </a:lnTo>
+                <a:lnTo>
+                  <a:pt x="5475077" y="2583792"/>
+                </a:lnTo>
+                <a:lnTo>
+                  <a:pt x="1197192" y="2583792"/>
+                </a:lnTo>
+                <a:close/>
+              </a:path>
+            </a:pathLst>
+          </a:custGeom>
+        </p:spPr>
+      </p:pic>
+      <p:pic>
+        <p:nvPicPr>
+          <p:cNvPr id="5" name="Content Placeholder 4" descr="A picture containing indoor&#10;&#10;Description automatically generated">
+            <a:extLst>
+              <a:ext uri="{FF2B5EF4-FFF2-40B4-BE49-F238E27FC236}">
+                <a16:creationId xmlns:a16="http://schemas.microsoft.com/office/drawing/2014/main" id="{A58F0E55-21F3-485B-A07F-1CE74177BDD2}"/>
+              </a:ext>
+            </a:extLst>
+          </p:cNvPr>
+          <p:cNvPicPr>
+            <a:picLocks noChangeAspect="1"/>
+          </p:cNvPicPr>
+          <p:nvPr/>
+        </p:nvPicPr>
+        <p:blipFill rotWithShape="1">
+          <a:blip r:embed="rId3">
+            <a:extLst>
+              <a:ext uri="{28A0092B-C50C-407E-A947-70E740481C1C}">
+                <a14:useLocalDpi xmlns:a14="http://schemas.microsoft.com/office/drawing/2010/main" val="0"/>
+              </a:ext>
+            </a:extLst>
+          </a:blip>
+          <a:srcRect t="5300" r="3" b="6859"/>
+          <a:stretch/>
+        </p:blipFill>
+        <p:spPr>
+          <a:xfrm>
+            <a:off x="8491869" y="4283870"/>
+            <a:ext cx="3700129" cy="2583520"/>
+          </a:xfrm>
+          <a:custGeom>
+            <a:avLst/>
+            <a:gdLst>
+              <a:gd name="connsiteX0" fmla="*/ 0 w 4277884"/>
+              <a:gd name="connsiteY0" fmla="*/ 0 h 2583520"/>
+              <a:gd name="connsiteX1" fmla="*/ 4277884 w 4277884"/>
+              <a:gd name="connsiteY1" fmla="*/ 0 h 2583520"/>
+              <a:gd name="connsiteX2" fmla="*/ 4277884 w 4277884"/>
+              <a:gd name="connsiteY2" fmla="*/ 2583520 h 2583520"/>
+              <a:gd name="connsiteX3" fmla="*/ 1192437 w 4277884"/>
+              <a:gd name="connsiteY3" fmla="*/ 2583520 h 2583520"/>
+              <a:gd name="connsiteX4" fmla="*/ 1188085 w 4277884"/>
+              <a:gd name="connsiteY4" fmla="*/ 2574129 h 2583520"/>
+              <a:gd name="connsiteX5" fmla="*/ 1192715 w 4277884"/>
+              <a:gd name="connsiteY5" fmla="*/ 2574129 h 2583520"/>
+            </a:gdLst>
+            <a:ahLst/>
+            <a:cxnLst>
+              <a:cxn ang="0">
+                <a:pos x="connsiteX0" y="connsiteY0"/>
+              </a:cxn>
+              <a:cxn ang="0">
+                <a:pos x="connsiteX1" y="connsiteY1"/>
+              </a:cxn>
+              <a:cxn ang="0">
+                <a:pos x="connsiteX2" y="connsiteY2"/>
+              </a:cxn>
+              <a:cxn ang="0">
+                <a:pos x="connsiteX3" y="connsiteY3"/>
+              </a:cxn>
+              <a:cxn ang="0">
+                <a:pos x="connsiteX4" y="connsiteY4"/>
+              </a:cxn>
+              <a:cxn ang="0">
+                <a:pos x="connsiteX5" y="connsiteY5"/>
+              </a:cxn>
+            </a:cxnLst>
+            <a:rect l="l" t="t" r="r" b="b"/>
+            <a:pathLst>
+              <a:path w="4277884" h="2583520">
+                <a:moveTo>
+                  <a:pt x="0" y="0"/>
+                </a:moveTo>
+                <a:lnTo>
+                  <a:pt x="4277884" y="0"/>
+                </a:lnTo>
+                <a:lnTo>
+                  <a:pt x="4277884" y="2583520"/>
+                </a:lnTo>
+                <a:lnTo>
+                  <a:pt x="1192437" y="2583520"/>
+                </a:lnTo>
+                <a:lnTo>
+                  <a:pt x="1188085" y="2574129"/>
+                </a:lnTo>
+                <a:lnTo>
+                  <a:pt x="1192715" y="2574129"/>
+                </a:lnTo>
+                <a:close/>
+              </a:path>
+            </a:pathLst>
+          </a:custGeom>
+        </p:spPr>
+      </p:pic>
+      <p:sp>
+        <p:nvSpPr>
+          <p:cNvPr id="6" name="Rectangle 5">
+            <a:extLst>
+              <a:ext uri="{FF2B5EF4-FFF2-40B4-BE49-F238E27FC236}">
+                <a16:creationId xmlns:a16="http://schemas.microsoft.com/office/drawing/2014/main" id="{A2901312-C3C2-4CEC-80EF-823AB4FBB726}"/>
+              </a:ext>
+            </a:extLst>
+          </p:cNvPr>
+          <p:cNvSpPr/>
+          <p:nvPr/>
+        </p:nvSpPr>
+        <p:spPr>
+          <a:xfrm>
+            <a:off x="-1" y="1608918"/>
+            <a:ext cx="12191999" cy="91160"/>
+          </a:xfrm>
+          <a:prstGeom prst="rect">
+            <a:avLst/>
+          </a:prstGeom>
+          <a:solidFill>
+            <a:schemeClr val="bg1"/>
+          </a:solidFill>
+          <a:ln>
+            <a:noFill/>
+          </a:ln>
+        </p:spPr>
+        <p:style>
+          <a:lnRef idx="2">
+            <a:schemeClr val="accent1">
+              <a:shade val="50000"/>
+            </a:schemeClr>
+          </a:lnRef>
+          <a:fillRef idx="1">
+            <a:schemeClr val="accent1"/>
+          </a:fillRef>
+          <a:effectRef idx="0">
+            <a:schemeClr val="accent1"/>
+          </a:effectRef>
+          <a:fontRef idx="minor">
+            <a:schemeClr val="lt1"/>
+          </a:fontRef>
+        </p:style>
+        <p:txBody>
+          <a:bodyPr rtlCol="0" anchor="ctr"/>
+          <a:lstStyle/>
+          <a:p>
+            <a:pPr algn="ctr"/>
+            <a:endParaRPr lang="en-US">
+              <a:solidFill>
+                <a:srgbClr val="DB5B5C"/>
+              </a:solidFill>
+            </a:endParaRPr>
+          </a:p>
+        </p:txBody>
+      </p:sp>
+      <p:sp>
+        <p:nvSpPr>
+          <p:cNvPr id="15" name="Rectangle 14">
+            <a:extLst>
+              <a:ext uri="{FF2B5EF4-FFF2-40B4-BE49-F238E27FC236}">
+                <a16:creationId xmlns:a16="http://schemas.microsoft.com/office/drawing/2014/main" id="{AD0A7C9C-CA2C-4B9B-A125-2D09D5573B44}"/>
+              </a:ext>
+            </a:extLst>
+          </p:cNvPr>
+          <p:cNvSpPr/>
+          <p:nvPr/>
+        </p:nvSpPr>
+        <p:spPr>
+          <a:xfrm>
+            <a:off x="1" y="6677247"/>
+            <a:ext cx="12191999" cy="190143"/>
+          </a:xfrm>
+          <a:prstGeom prst="rect">
+            <a:avLst/>
+          </a:prstGeom>
+          <a:solidFill>
+            <a:schemeClr val="bg1"/>
+          </a:solidFill>
+          <a:ln>
+            <a:noFill/>
+          </a:ln>
+        </p:spPr>
+        <p:style>
+          <a:lnRef idx="2">
+            <a:schemeClr val="accent1">
+              <a:shade val="50000"/>
+            </a:schemeClr>
+          </a:lnRef>
+          <a:fillRef idx="1">
+            <a:schemeClr val="accent1"/>
+          </a:fillRef>
+          <a:effectRef idx="0">
+            <a:schemeClr val="accent1"/>
+          </a:effectRef>
+          <a:fontRef idx="minor">
+            <a:schemeClr val="lt1"/>
+          </a:fontRef>
+        </p:style>
+        <p:txBody>
+          <a:bodyPr rtlCol="0" anchor="ctr"/>
+          <a:lstStyle/>
+          <a:p>
+            <a:pPr algn="ctr"/>
+            <a:endParaRPr lang="en-US">
+              <a:solidFill>
+                <a:srgbClr val="DB5B5C"/>
+              </a:solidFill>
+            </a:endParaRPr>
+          </a:p>
+        </p:txBody>
+      </p:sp>
+      <p:sp>
+        <p:nvSpPr>
+          <p:cNvPr id="16" name="Rectangle 15">
+            <a:extLst>
+              <a:ext uri="{FF2B5EF4-FFF2-40B4-BE49-F238E27FC236}">
+                <a16:creationId xmlns:a16="http://schemas.microsoft.com/office/drawing/2014/main" id="{74A085FC-1866-46D4-97F7-51AA45E48D4F}"/>
+              </a:ext>
+            </a:extLst>
+          </p:cNvPr>
+          <p:cNvSpPr/>
+          <p:nvPr/>
+        </p:nvSpPr>
+        <p:spPr>
+          <a:xfrm rot="4092292">
+            <a:off x="5790668" y="4094517"/>
+            <a:ext cx="5446699" cy="137038"/>
+          </a:xfrm>
+          <a:prstGeom prst="rect">
+            <a:avLst/>
+          </a:prstGeom>
+          <a:solidFill>
+            <a:schemeClr val="bg1"/>
+          </a:solidFill>
+          <a:ln>
+            <a:noFill/>
+          </a:ln>
+        </p:spPr>
+        <p:style>
+          <a:lnRef idx="2">
+            <a:schemeClr val="accent1">
+              <a:shade val="50000"/>
+            </a:schemeClr>
+          </a:lnRef>
+          <a:fillRef idx="1">
+            <a:schemeClr val="accent1"/>
+          </a:fillRef>
+          <a:effectRef idx="0">
+            <a:schemeClr val="accent1"/>
+          </a:effectRef>
+          <a:fontRef idx="minor">
+            <a:schemeClr val="lt1"/>
+          </a:fontRef>
+        </p:style>
+        <p:txBody>
+          <a:bodyPr rtlCol="0" anchor="ctr"/>
+          <a:lstStyle/>
+          <a:p>
+            <a:pPr algn="ctr"/>
+            <a:endParaRPr lang="en-US">
+              <a:solidFill>
+                <a:srgbClr val="DB5B5C"/>
+              </a:solidFill>
+            </a:endParaRPr>
+          </a:p>
+        </p:txBody>
+      </p:sp>
+    </p:spTree>
+    <p:extLst>
+      <p:ext uri="{BB962C8B-B14F-4D97-AF65-F5344CB8AC3E}">
         <p14:creationId xmlns:p14="http://schemas.microsoft.com/office/powerpoint/2010/main" val="866404210"/>
       </p:ext>
     </p:extLst>
@@ -13056,7 +13864,7 @@
 </p:sld>
 </file>
 
-<file path=ppt/slides/slide23.xml><?xml version="1.0" encoding="utf-8"?>
+<file path=ppt/slides/slide24.xml><?xml version="1.0" encoding="utf-8"?>
 <p:sld xmlns:a="http://schemas.openxmlformats.org/drawingml/2006/main" xmlns:r="http://schemas.openxmlformats.org/officeDocument/2006/relationships" xmlns:p="http://schemas.openxmlformats.org/presentationml/2006/main">
   <p:cSld>
     <p:bg>
@@ -16215,38 +17023,23 @@
           <a:lstStyle/>
           <a:p>
             <a:r>
-              <a:rPr lang="en-US" sz="2400">
-                <a:latin typeface="Selawik Semibold" panose="020B0702040204020203" pitchFamily="34" charset="0"/>
-              </a:rPr>
-              <a:t>Updated </a:t>
-            </a:r>
-            <a:r>
               <a:rPr lang="en-US" sz="2400" dirty="0">
                 <a:latin typeface="Selawik Semibold" panose="020B0702040204020203" pitchFamily="34" charset="0"/>
               </a:rPr>
-              <a:t>Survey in </a:t>
-            </a:r>
-            <a:r>
-              <a:rPr lang="en-US" sz="2400">
-                <a:latin typeface="Selawik Semibold" panose="020B0702040204020203" pitchFamily="34" charset="0"/>
-              </a:rPr>
-              <a:t>2</a:t>
-            </a:r>
-            <a:r>
-              <a:rPr lang="en-US" sz="2400" baseline="30000">
+              <a:t>Updated Survey in 2</a:t>
+            </a:r>
+            <a:r>
+              <a:rPr lang="en-US" sz="2400" baseline="30000" dirty="0">
                 <a:latin typeface="Selawik Semibold" panose="020B0702040204020203" pitchFamily="34" charset="0"/>
               </a:rPr>
               <a:t>nd</a:t>
             </a:r>
             <a:r>
-              <a:rPr lang="en-US" sz="2400">
+              <a:rPr lang="en-US" sz="2400" dirty="0">
                 <a:latin typeface="Selawik Semibold" panose="020B0702040204020203" pitchFamily="34" charset="0"/>
               </a:rPr>
               <a:t> Edition (2024)</a:t>
             </a:r>
-            <a:endParaRPr lang="en-US" sz="2400" dirty="0">
-              <a:latin typeface="Selawik Semibold" panose="020B0702040204020203" pitchFamily="34" charset="0"/>
-            </a:endParaRPr>
           </a:p>
           <a:p>
             <a:pPr lvl="1"/>
@@ -16840,8 +17633,8 @@
         </p:nvSpPr>
         <p:spPr>
           <a:xfrm>
-            <a:off x="838199" y="2021249"/>
-            <a:ext cx="7138737" cy="4155713"/>
+            <a:off x="838200" y="1977723"/>
+            <a:ext cx="7138737" cy="4515152"/>
           </a:xfrm>
         </p:spPr>
         <p:txBody>
@@ -16881,7 +17674,7 @@
               <a:rPr lang="en-US" sz="1800" dirty="0">
                 <a:latin typeface="Selawik Semibold" panose="020B0702040204020203" pitchFamily="34" charset="0"/>
               </a:rPr>
-              <a:t>Global Sports Industry $470.42B to $495.38B</a:t>
+              <a:t>Global Sports Industry Valued at $495.38B (2025)</a:t>
             </a:r>
           </a:p>
           <a:p>
@@ -16890,7 +17683,7 @@
               <a:rPr lang="en-US" sz="1800" dirty="0">
                 <a:latin typeface="Selawik Semibold" panose="020B0702040204020203" pitchFamily="34" charset="0"/>
               </a:rPr>
-              <a:t>Actual CAGR of 5.3%</a:t>
+              <a:t>Expected CAGR in 2026 is 5.3%</a:t>
             </a:r>
           </a:p>
           <a:p>
@@ -16899,28 +17692,31 @@
               <a:rPr lang="en-US" sz="1800" dirty="0">
                 <a:latin typeface="Selawik Semibold" panose="020B0702040204020203" pitchFamily="34" charset="0"/>
               </a:rPr>
-              <a:t>Expected to Grow to $617.57B </a:t>
-            </a:r>
-            <a:r>
-              <a:rPr lang="en-US" sz="1600" dirty="0">
-                <a:latin typeface="Selawik Semibold" panose="020B0702040204020203" pitchFamily="34" charset="0"/>
-              </a:rPr>
-              <a:t>in 2029 (CAGR 5.7%)</a:t>
+              <a:t>Expected to Grow to $654.22B in 2030 (CAGR 5.8%)</a:t>
+            </a:r>
+          </a:p>
+          <a:p>
+            <a:pPr lvl="2"/>
+            <a:r>
+              <a:rPr lang="en-US" sz="1800" dirty="0">
+                <a:latin typeface="Selawik Semibold" panose="020B0702040204020203" pitchFamily="34" charset="0"/>
+              </a:rPr>
+              <a:t>North America = Largest / Africa = Fastest Growing</a:t>
             </a:r>
           </a:p>
           <a:p>
             <a:pPr lvl="1"/>
-            <a:endParaRPr lang="en-US" sz="2000" dirty="0">
+            <a:endParaRPr lang="en-US" sz="1800" b="1" dirty="0">
               <a:latin typeface="Selawik Semibold" panose="020B0702040204020203" pitchFamily="34" charset="0"/>
             </a:endParaRPr>
           </a:p>
           <a:p>
             <a:pPr lvl="1"/>
             <a:r>
-              <a:rPr lang="en-US" sz="2000" dirty="0">
-                <a:latin typeface="Selawik Semibold" panose="020B0702040204020203" pitchFamily="34" charset="0"/>
-              </a:rPr>
-              <a:t>Deloitte Article Sports Analytics Industry Trends 2024</a:t>
+              <a:rPr lang="en-US" sz="1800" dirty="0">
+                <a:latin typeface="Selawik Semibold" panose="020B0702040204020203" pitchFamily="34" charset="0"/>
+              </a:rPr>
+              <a:t>Deloitte Article on Sports Industry Trends 2024</a:t>
             </a:r>
           </a:p>
           <a:p>
@@ -16929,6 +17725,15 @@
               <a:rPr lang="en-US" sz="1800" dirty="0">
                 <a:latin typeface="Selawik Semibold" panose="020B0702040204020203" pitchFamily="34" charset="0"/>
               </a:rPr>
+              <a:t>Continued Growth in Sports Industry</a:t>
+            </a:r>
+          </a:p>
+          <a:p>
+            <a:pPr lvl="2"/>
+            <a:r>
+              <a:rPr lang="en-US" sz="1800" dirty="0">
+                <a:latin typeface="Selawik Semibold" panose="020B0702040204020203" pitchFamily="34" charset="0"/>
+              </a:rPr>
               <a:t>Fan Data Aggregated and Managed </a:t>
             </a:r>
           </a:p>
@@ -16939,6 +17744,15 @@
                 <a:latin typeface="Selawik Semibold" panose="020B0702040204020203" pitchFamily="34" charset="0"/>
               </a:rPr>
               <a:t>Increased Use in Generative AI</a:t>
+            </a:r>
+          </a:p>
+          <a:p>
+            <a:pPr lvl="2"/>
+            <a:r>
+              <a:rPr lang="en-US" sz="1800" dirty="0">
+                <a:latin typeface="Selawik Semibold" panose="020B0702040204020203" pitchFamily="34" charset="0"/>
+              </a:rPr>
+              <a:t>Massive Amounts of Data from “Mega Events” Means that Data Privacy and Security Will Be Important.</a:t>
             </a:r>
           </a:p>
           <a:p>
